--- a/help/data-sheets/assets/EnterpriseSupportDatasheet.pptx
+++ b/help/data-sheets/assets/EnterpriseSupportDatasheet.pptx
@@ -144,6 +144,9 @@
 <file path=ppt/revisionInfo.xml><?xml version="1.0" encoding="utf-8"?>
 <p1510:revInfo xmlns:a="http://schemas.openxmlformats.org/drawingml/2006/main" xmlns:r="http://schemas.openxmlformats.org/officeDocument/2006/relationships" xmlns:p1510="http://schemas.microsoft.com/office/powerpoint/2015/10/main">
   <p1510:revLst>
+    <p1510:client id="{0AC6A3A1-0788-C69A-5EFD-279F3FA2CF0F}" v="51" dt="2021-09-22T18:56:17.553"/>
+    <p1510:client id="{112231ED-4F38-A856-2EFF-9D0F88AC9BDF}" v="3" dt="2021-09-22T19:11:31.474"/>
+    <p1510:client id="{3CA2F123-FAC9-2CDD-7937-C83283BA7837}" v="1" dt="2021-09-16T20:58:19.458"/>
     <p1510:client id="{3F02B349-0406-AE51-D438-E7A0BE890230}" v="20" dt="2021-08-25T18:45:08.206"/>
     <p1510:client id="{BAC4F85F-6423-7248-85C4-44132DA97563}" v="77" dt="2021-08-07T08:51:03.454"/>
   </p1510:revLst>
@@ -152,6 +155,38 @@
 
 <file path=ppt/changesInfos/changesInfo1.xml><?xml version="1.0" encoding="utf-8"?>
 <pc:chgInfo xmlns:a="http://schemas.openxmlformats.org/drawingml/2006/main" xmlns:r="http://schemas.openxmlformats.org/officeDocument/2006/relationships" xmlns:ac="http://schemas.microsoft.com/office/drawing/2013/main/command" xmlns:pc="http://schemas.microsoft.com/office/powerpoint/2013/main/command">
+  <pc:docChgLst>
+    <pc:chgData name="Akilah Johnson" userId="S::akjohnso@adobe.com::2fa3aa60-0c9c-4d06-bae2-795983241227" providerId="AD" clId="Web-{0AC6A3A1-0788-C69A-5EFD-279F3FA2CF0F}"/>
+    <pc:docChg chg="modSld">
+      <pc:chgData name="Akilah Johnson" userId="S::akjohnso@adobe.com::2fa3aa60-0c9c-4d06-bae2-795983241227" providerId="AD" clId="Web-{0AC6A3A1-0788-C69A-5EFD-279F3FA2CF0F}" dt="2021-09-22T18:56:17.553" v="29"/>
+      <pc:docMkLst>
+        <pc:docMk/>
+      </pc:docMkLst>
+      <pc:sldChg chg="modSp delCm">
+        <pc:chgData name="Akilah Johnson" userId="S::akjohnso@adobe.com::2fa3aa60-0c9c-4d06-bae2-795983241227" providerId="AD" clId="Web-{0AC6A3A1-0788-C69A-5EFD-279F3FA2CF0F}" dt="2021-09-22T18:56:17.553" v="29"/>
+        <pc:sldMkLst>
+          <pc:docMk/>
+          <pc:sldMk cId="1050037809" sldId="261"/>
+        </pc:sldMkLst>
+        <pc:spChg chg="mod">
+          <ac:chgData name="Akilah Johnson" userId="S::akjohnso@adobe.com::2fa3aa60-0c9c-4d06-bae2-795983241227" providerId="AD" clId="Web-{0AC6A3A1-0788-C69A-5EFD-279F3FA2CF0F}" dt="2021-09-22T18:55:46.585" v="16" actId="20577"/>
+          <ac:spMkLst>
+            <pc:docMk/>
+            <pc:sldMk cId="1050037809" sldId="261"/>
+            <ac:spMk id="64" creationId="{41467BDC-3D83-D844-B922-CD07E94E5AAB}"/>
+          </ac:spMkLst>
+        </pc:spChg>
+        <pc:graphicFrameChg chg="mod modGraphic">
+          <ac:chgData name="Akilah Johnson" userId="S::akjohnso@adobe.com::2fa3aa60-0c9c-4d06-bae2-795983241227" providerId="AD" clId="Web-{0AC6A3A1-0788-C69A-5EFD-279F3FA2CF0F}" dt="2021-09-22T18:55:59.928" v="28"/>
+          <ac:graphicFrameMkLst>
+            <pc:docMk/>
+            <pc:sldMk cId="1050037809" sldId="261"/>
+            <ac:graphicFrameMk id="25" creationId="{3A91F5B0-3974-A14D-A146-FB590F2AAD18}"/>
+          </ac:graphicFrameMkLst>
+        </pc:graphicFrameChg>
+      </pc:sldChg>
+    </pc:docChg>
+  </pc:docChgLst>
   <pc:docChgLst>
     <pc:chgData name="Andy Witt" userId="S::awitt@adobe.com::e9157bdf-53b2-40e4-9459-936793d75696" providerId="AD" clId="Web-{3F02B349-0406-AE51-D438-E7A0BE890230}"/>
     <pc:docChg chg="modSld">
@@ -173,6 +208,62 @@
             <ac:graphicFrameMk id="25" creationId="{3A91F5B0-3974-A14D-A146-FB590F2AAD18}"/>
           </ac:graphicFrameMkLst>
         </pc:graphicFrameChg>
+      </pc:sldChg>
+    </pc:docChg>
+  </pc:docChgLst>
+  <pc:docChgLst>
+    <pc:chgData name="Akilah Johnson" userId="S::akjohnso@adobe.com::2fa3aa60-0c9c-4d06-bae2-795983241227" providerId="AD" clId="Web-{112231ED-4F38-A856-2EFF-9D0F88AC9BDF}"/>
+    <pc:docChg chg="modSld">
+      <pc:chgData name="Akilah Johnson" userId="S::akjohnso@adobe.com::2fa3aa60-0c9c-4d06-bae2-795983241227" providerId="AD" clId="Web-{112231ED-4F38-A856-2EFF-9D0F88AC9BDF}" dt="2021-09-22T19:11:31.474" v="2" actId="1076"/>
+      <pc:docMkLst>
+        <pc:docMk/>
+      </pc:docMkLst>
+      <pc:sldChg chg="modSp">
+        <pc:chgData name="Akilah Johnson" userId="S::akjohnso@adobe.com::2fa3aa60-0c9c-4d06-bae2-795983241227" providerId="AD" clId="Web-{112231ED-4F38-A856-2EFF-9D0F88AC9BDF}" dt="2021-09-22T19:11:31.474" v="2" actId="1076"/>
+        <pc:sldMkLst>
+          <pc:docMk/>
+          <pc:sldMk cId="1050037809" sldId="261"/>
+        </pc:sldMkLst>
+        <pc:spChg chg="mod">
+          <ac:chgData name="Akilah Johnson" userId="S::akjohnso@adobe.com::2fa3aa60-0c9c-4d06-bae2-795983241227" providerId="AD" clId="Web-{112231ED-4F38-A856-2EFF-9D0F88AC9BDF}" dt="2021-09-22T19:11:31.474" v="2" actId="1076"/>
+          <ac:spMkLst>
+            <pc:docMk/>
+            <pc:sldMk cId="1050037809" sldId="261"/>
+            <ac:spMk id="23" creationId="{00000000-0000-0000-0000-000000000000}"/>
+          </ac:spMkLst>
+        </pc:spChg>
+        <pc:spChg chg="mod">
+          <ac:chgData name="Akilah Johnson" userId="S::akjohnso@adobe.com::2fa3aa60-0c9c-4d06-bae2-795983241227" providerId="AD" clId="Web-{112231ED-4F38-A856-2EFF-9D0F88AC9BDF}" dt="2021-09-22T19:08:28.879" v="0" actId="1076"/>
+          <ac:spMkLst>
+            <pc:docMk/>
+            <pc:sldMk cId="1050037809" sldId="261"/>
+            <ac:spMk id="64" creationId="{41467BDC-3D83-D844-B922-CD07E94E5AAB}"/>
+          </ac:spMkLst>
+        </pc:spChg>
+      </pc:sldChg>
+    </pc:docChg>
+  </pc:docChgLst>
+  <pc:docChgLst>
+    <pc:chgData name="Akilah Johnson" userId="S::akjohnso@adobe.com::2fa3aa60-0c9c-4d06-bae2-795983241227" providerId="AD" clId="Web-{3CA2F123-FAC9-2CDD-7937-C83283BA7837}"/>
+    <pc:docChg chg="modSld">
+      <pc:chgData name="Akilah Johnson" userId="S::akjohnso@adobe.com::2fa3aa60-0c9c-4d06-bae2-795983241227" providerId="AD" clId="Web-{3CA2F123-FAC9-2CDD-7937-C83283BA7837}" dt="2021-09-16T20:58:19.458" v="0" actId="1076"/>
+      <pc:docMkLst>
+        <pc:docMk/>
+      </pc:docMkLst>
+      <pc:sldChg chg="modSp">
+        <pc:chgData name="Akilah Johnson" userId="S::akjohnso@adobe.com::2fa3aa60-0c9c-4d06-bae2-795983241227" providerId="AD" clId="Web-{3CA2F123-FAC9-2CDD-7937-C83283BA7837}" dt="2021-09-16T20:58:19.458" v="0" actId="1076"/>
+        <pc:sldMkLst>
+          <pc:docMk/>
+          <pc:sldMk cId="717026355" sldId="266"/>
+        </pc:sldMkLst>
+        <pc:spChg chg="mod">
+          <ac:chgData name="Akilah Johnson" userId="S::akjohnso@adobe.com::2fa3aa60-0c9c-4d06-bae2-795983241227" providerId="AD" clId="Web-{3CA2F123-FAC9-2CDD-7937-C83283BA7837}" dt="2021-09-16T20:58:19.458" v="0" actId="1076"/>
+          <ac:spMkLst>
+            <pc:docMk/>
+            <pc:sldMk cId="717026355" sldId="266"/>
+            <ac:spMk id="83" creationId="{BB34E685-A734-974B-A33A-BE51D1A8BC0D}"/>
+          </ac:spMkLst>
+        </pc:spChg>
       </pc:sldChg>
     </pc:docChg>
   </pc:docChgLst>
@@ -216,20 +307,6 @@
 <file path=ppt/comments/comment2.xml><?xml version="1.0" encoding="utf-8"?>
 <p:cmLst xmlns:a="http://schemas.openxmlformats.org/drawingml/2006/main" xmlns:r="http://schemas.openxmlformats.org/officeDocument/2006/relationships" xmlns:p="http://schemas.openxmlformats.org/presentationml/2006/main">
   <p:cm authorId="1" dt="2021-08-04T14:53:07.049" idx="6">
-    <p:pos x="10" y="10"/>
-    <p:text>Please remove black, red, blue circles</p:text>
-    <p:extLst>
-      <p:ext uri="{C676402C-5697-4E1C-873F-D02D1690AC5C}">
-        <p15:threadingInfo xmlns:p15="http://schemas.microsoft.com/office/powerpoint/2012/main" timeZoneBias="420"/>
-      </p:ext>
-    </p:extLst>
-  </p:cm>
-</p:cmLst>
-</file>
-
-<file path=ppt/comments/comment3.xml><?xml version="1.0" encoding="utf-8"?>
-<p:cmLst xmlns:a="http://schemas.openxmlformats.org/drawingml/2006/main" xmlns:r="http://schemas.openxmlformats.org/officeDocument/2006/relationships" xmlns:p="http://schemas.openxmlformats.org/presentationml/2006/main">
-  <p:cm authorId="1" dt="2021-08-04T14:54:31.775" idx="7">
     <p:pos x="10" y="10"/>
     <p:text>Please remove black, red, blue circles</p:text>
     <p:extLst>
@@ -323,7 +400,7 @@
           <a:p>
             <a:fld id="{CCB2A597-803A-C244-97E2-A01066125D19}" type="datetimeFigureOut">
               <a:rPr lang="en-US" smtClean="0"/>
-              <a:t>8/27/2021</a:t>
+              <a:t>9/22/2021</a:t>
             </a:fld>
             <a:endParaRPr lang="en-US"/>
           </a:p>
@@ -1104,7 +1181,7 @@
           <a:p>
             <a:fld id="{1D8BD707-D9CF-40AE-B4C6-C98DA3205C09}" type="datetimeFigureOut">
               <a:rPr lang="en-US"/>
-              <a:t>8/27/2021</a:t>
+              <a:t>9/22/2021</a:t>
             </a:fld>
             <a:endParaRPr lang="en-US"/>
           </a:p>
@@ -1344,7 +1421,7 @@
           <a:p>
             <a:fld id="{1D8BD707-D9CF-40AE-B4C6-C98DA3205C09}" type="datetimeFigureOut">
               <a:rPr lang="en-US"/>
-              <a:t>8/27/2021</a:t>
+              <a:t>9/22/2021</a:t>
             </a:fld>
             <a:endParaRPr lang="en-US"/>
           </a:p>
@@ -1597,7 +1674,7 @@
           <a:p>
             <a:fld id="{1D8BD707-D9CF-40AE-B4C6-C98DA3205C09}" type="datetimeFigureOut">
               <a:rPr lang="en-US"/>
-              <a:t>8/27/2021</a:t>
+              <a:t>9/22/2021</a:t>
             </a:fld>
             <a:endParaRPr lang="en-US"/>
           </a:p>
@@ -1784,7 +1861,7 @@
           <a:p>
             <a:fld id="{1D8BD707-D9CF-40AE-B4C6-C98DA3205C09}" type="datetimeFigureOut">
               <a:rPr lang="en-US"/>
-              <a:t>8/27/2021</a:t>
+              <a:t>9/22/2021</a:t>
             </a:fld>
             <a:endParaRPr lang="en-US"/>
           </a:p>
@@ -1942,7 +2019,7 @@
           <a:p>
             <a:fld id="{1D8BD707-D9CF-40AE-B4C6-C98DA3205C09}" type="datetimeFigureOut">
               <a:rPr lang="en-US"/>
-              <a:t>8/27/2021</a:t>
+              <a:t>9/22/2021</a:t>
             </a:fld>
             <a:endParaRPr lang="en-US"/>
           </a:p>
@@ -2200,7 +2277,7 @@
           <a:p>
             <a:fld id="{1D8BD707-D9CF-40AE-B4C6-C98DA3205C09}" type="datetimeFigureOut">
               <a:rPr lang="en-US"/>
-              <a:t>8/27/2021</a:t>
+              <a:t>9/22/2021</a:t>
             </a:fld>
             <a:endParaRPr lang="en-US"/>
           </a:p>
@@ -5331,7 +5408,7 @@
                     <a:bodyPr/>
                     <a:lstStyle/>
                     <a:p>
-                      <a:endParaRPr lang="en-US" dirty="0"/>
+                      <a:endParaRPr lang="en-US"/>
                     </a:p>
                   </a:txBody>
                   <a:tcPr/>
@@ -5529,7 +5606,7 @@
                         <a:tabLst/>
                         <a:defRPr/>
                       </a:pPr>
-                      <a:endParaRPr lang="en-US" sz="800" i="1" dirty="0">
+                      <a:endParaRPr lang="en-US" sz="800" i="1">
                         <a:solidFill>
                           <a:sysClr val="windowText" lastClr="000000"/>
                         </a:solidFill>
@@ -6207,7 +6284,7 @@
                         </a:spcBef>
                       </a:pPr>
                       <a:r>
-                        <a:rPr lang="en-US" sz="1000" b="1" i="0" spc="0" dirty="0">
+                        <a:rPr lang="en-US" sz="1000" b="1" i="0" spc="0">
                           <a:solidFill>
                             <a:schemeClr val="bg1"/>
                           </a:solidFill>
@@ -6216,7 +6293,7 @@
                         </a:rPr>
                         <a:t>Support Services</a:t>
                       </a:r>
-                      <a:endParaRPr sz="1000" b="1" i="0" spc="0" dirty="0">
+                      <a:endParaRPr sz="1000" b="1" i="0" spc="0">
                         <a:solidFill>
                           <a:schemeClr val="bg1"/>
                         </a:solidFill>
@@ -7330,13 +7407,13 @@
                         </a:spcBef>
                       </a:pPr>
                       <a:r>
-                        <a:rPr lang="en-US" sz="900" spc="0" dirty="0">
+                        <a:rPr lang="en-US" sz="900" spc="0">
                           <a:latin typeface="AdobeClean-Light"/>
                           <a:cs typeface="AdobeClean-Light"/>
                         </a:rPr>
                         <a:t>Expert Sessions per Year</a:t>
                       </a:r>
-                      <a:endParaRPr sz="900" spc="0" dirty="0">
+                      <a:endParaRPr sz="900" spc="0">
                         <a:latin typeface="AdobeClean-Light"/>
                         <a:cs typeface="AdobeClean-Light"/>
                       </a:endParaRPr>
@@ -7454,13 +7531,13 @@
                         </a:spcBef>
                       </a:pPr>
                       <a:r>
-                        <a:rPr lang="en-US" sz="900" spc="0" dirty="0">
+                        <a:rPr lang="en-US" sz="900" spc="0">
                           <a:latin typeface="AdobeClean-Light"/>
                           <a:cs typeface="AdobeClean-Light"/>
                         </a:rPr>
                         <a:t>Case Reviews</a:t>
                       </a:r>
-                      <a:endParaRPr sz="900" spc="0" dirty="0">
+                      <a:endParaRPr sz="900" spc="0">
                         <a:latin typeface="AdobeClean-Light"/>
                         <a:cs typeface="AdobeClean-Light"/>
                       </a:endParaRPr>
@@ -7497,7 +7574,7 @@
                           <a:spcPct val="100000"/>
                         </a:lnSpc>
                       </a:pPr>
-                      <a:endParaRPr sz="900" dirty="0">
+                      <a:endParaRPr sz="900">
                         <a:latin typeface="Times New Roman"/>
                         <a:cs typeface="Times New Roman"/>
                       </a:endParaRPr>
@@ -7539,7 +7616,7 @@
                         <a:defRPr/>
                       </a:pPr>
                       <a:r>
-                        <a:rPr lang="en-US" sz="900" dirty="0">
+                        <a:rPr lang="en-US" sz="900">
                           <a:solidFill>
                             <a:srgbClr val="020302"/>
                           </a:solidFill>
@@ -7548,7 +7625,7 @@
                         </a:rPr>
                         <a:t></a:t>
                       </a:r>
-                      <a:endParaRPr lang="en-US" sz="900" dirty="0">
+                      <a:endParaRPr lang="en-US" sz="900">
                         <a:latin typeface="Wingdings"/>
                         <a:cs typeface="Wingdings"/>
                       </a:endParaRPr>
@@ -8199,7 +8276,7 @@
                         <a:defRPr/>
                       </a:pPr>
                       <a:r>
-                        <a:rPr lang="en-US" sz="900" dirty="0">
+                        <a:rPr lang="en-US" sz="900">
                           <a:solidFill>
                             <a:srgbClr val="020302"/>
                           </a:solidFill>
@@ -8208,7 +8285,7 @@
                         </a:rPr>
                         <a:t></a:t>
                       </a:r>
-                      <a:endParaRPr lang="en-US" sz="900" dirty="0">
+                      <a:endParaRPr lang="en-US" sz="900">
                         <a:latin typeface="Wingdings"/>
                         <a:cs typeface="Wingdings"/>
                       </a:endParaRPr>
@@ -8231,7 +8308,7 @@
                         <a:tabLst/>
                         <a:defRPr/>
                       </a:pPr>
-                      <a:endParaRPr lang="en-US" sz="900" dirty="0">
+                      <a:endParaRPr lang="en-US" sz="900">
                         <a:latin typeface="Wingdings"/>
                         <a:cs typeface="Wingdings"/>
                       </a:endParaRPr>
@@ -8277,7 +8354,7 @@
                         </a:spcBef>
                       </a:pPr>
                       <a:r>
-                        <a:rPr lang="en-US" sz="1000" b="1" i="0" spc="0" dirty="0">
+                        <a:rPr lang="en-US" sz="1000" b="1" i="0" spc="0">
                           <a:solidFill>
                             <a:schemeClr val="bg1"/>
                           </a:solidFill>
@@ -8286,7 +8363,7 @@
                         </a:rPr>
                         <a:t>Field Services</a:t>
                       </a:r>
-                      <a:endParaRPr sz="1000" b="1" i="0" spc="0" dirty="0">
+                      <a:endParaRPr sz="1000" b="1" i="0" spc="0">
                         <a:solidFill>
                           <a:schemeClr val="bg1"/>
                         </a:solidFill>
@@ -8650,7 +8727,7 @@
                         <a:defRPr/>
                       </a:pPr>
                       <a:r>
-                        <a:rPr lang="en-US" sz="900" spc="0" dirty="0">
+                        <a:rPr lang="en-US" sz="900" spc="0">
                           <a:latin typeface="AdobeClean-Light"/>
                           <a:cs typeface="AdobeClean-Light"/>
                         </a:rPr>
@@ -14903,7 +14980,7 @@
         </p:nvSpPr>
         <p:spPr>
           <a:xfrm>
-            <a:off x="3851397" y="7048896"/>
+            <a:off x="3851397" y="7249456"/>
             <a:ext cx="3525469" cy="2054409"/>
           </a:xfrm>
           <a:prstGeom prst="rect">
@@ -15574,7 +15651,7 @@
         </p:nvSpPr>
         <p:spPr>
           <a:xfrm>
-            <a:off x="1070991" y="562540"/>
+            <a:off x="170410" y="575594"/>
             <a:ext cx="3476626" cy="332783"/>
           </a:xfrm>
           <a:prstGeom prst="rect">
@@ -16459,20 +16536,20 @@
         </p:nvSpPr>
         <p:spPr>
           <a:xfrm>
-            <a:off x="171129" y="5057379"/>
-            <a:ext cx="6476646" cy="602088"/>
+            <a:off x="190707" y="4913781"/>
+            <a:ext cx="6476646" cy="755976"/>
           </a:xfrm>
           <a:prstGeom prst="rect">
             <a:avLst/>
           </a:prstGeom>
         </p:spPr>
         <p:txBody>
-          <a:bodyPr vert="horz" wrap="square" lIns="0" tIns="116205" rIns="0" bIns="0" rtlCol="0">
+          <a:bodyPr vert="horz" wrap="square" lIns="0" tIns="116205" rIns="0" bIns="0" rtlCol="0" anchor="t">
             <a:spAutoFit/>
           </a:bodyPr>
           <a:lstStyle/>
           <a:p>
-            <a:pPr lvl="0">
+            <a:pPr>
               <a:spcBef>
                 <a:spcPts val="915"/>
               </a:spcBef>
@@ -16485,11 +16562,15 @@
                 <a:latin typeface="Adobe Clean"/>
                 <a:cs typeface="Adobe Clean"/>
               </a:rPr>
-              <a:t>Regional Hours Of Operation And Language Support</a:t>
-            </a:r>
+              <a:t>Regional scope of Adobe Support, Local Hours Of Operation And Language Support</a:t>
+            </a:r>
+            <a:endParaRPr lang="en-US" sz="1400" spc="-15">
+              <a:ea typeface="+mn-lt"/>
+              <a:cs typeface="+mn-lt"/>
+            </a:endParaRPr>
           </a:p>
           <a:p>
-            <a:pPr lvl="0">
+            <a:pPr>
               <a:spcBef>
                 <a:spcPts val="915"/>
               </a:spcBef>
@@ -16501,8 +16582,11 @@
                 </a:solidFill>
                 <a:latin typeface="AdobeClean-Light"/>
               </a:rPr>
-              <a:t>Adobe’s local business hours align to the customer’s billing region</a:t>
-            </a:r>
+              <a:t>The regional scope of Adobe Support is established by aligning the customer's billing address (via the Sales Order or other Adobe Support purchasing document) to one of the following regions:</a:t>
+            </a:r>
+            <a:endParaRPr lang="en-US" sz="1000">
+              <a:latin typeface="AdobeClean-Light"/>
+            </a:endParaRPr>
           </a:p>
         </p:txBody>
       </p:sp>
@@ -16521,7 +16605,7 @@
           <p:nvPr>
             <p:extLst>
               <p:ext uri="{D42A27DB-BD31-4B8C-83A1-F6EECF244321}">
-                <p14:modId xmlns:p14="http://schemas.microsoft.com/office/powerpoint/2010/main" val="72983726"/>
+                <p14:modId xmlns:p14="http://schemas.microsoft.com/office/powerpoint/2010/main" val="1476132606"/>
               </p:ext>
             </p:extLst>
           </p:nvPr>
@@ -16578,7 +16662,7 @@
                           <a:solidFill>
                             <a:schemeClr val="tx1"/>
                           </a:solidFill>
-                          <a:latin typeface="Adobe Clean" panose="020B0503020404020204" pitchFamily="34" charset="0"/>
+                          <a:latin typeface="Adobe Clean"/>
                         </a:rPr>
                         <a:t>Americas</a:t>
                       </a:r>
@@ -16643,7 +16727,7 @@
                           <a:solidFill>
                             <a:schemeClr val="tx1"/>
                           </a:solidFill>
-                          <a:latin typeface="Adobe Clean" panose="020B0503020404020204" pitchFamily="34" charset="0"/>
+                          <a:latin typeface="Adobe Clean"/>
                         </a:rPr>
                         <a:t>Europe, Middle East &amp; Africa</a:t>
                       </a:r>
@@ -16708,7 +16792,7 @@
                           <a:solidFill>
                             <a:schemeClr val="tx1"/>
                           </a:solidFill>
-                          <a:latin typeface="Adobe Clean" panose="020B0503020404020204" pitchFamily="34" charset="0"/>
+                          <a:latin typeface="Adobe Clean"/>
                         </a:rPr>
                         <a:t>Asia Pacific</a:t>
                       </a:r>
@@ -16860,7 +16944,7 @@
                           <a:solidFill>
                             <a:schemeClr val="tx1"/>
                           </a:solidFill>
-                          <a:latin typeface="Adobe Clean" panose="020B0503020404020204" pitchFamily="34" charset="0"/>
+                          <a:latin typeface="Adobe Clean"/>
                         </a:rPr>
                         <a:t>6 am – 5:30 pm</a:t>
                       </a:r>
@@ -16925,7 +17009,7 @@
                           <a:solidFill>
                             <a:schemeClr val="tx1"/>
                           </a:solidFill>
-                          <a:latin typeface="Adobe Clean" panose="020B0503020404020204" pitchFamily="34" charset="0"/>
+                          <a:latin typeface="Adobe Clean"/>
                         </a:rPr>
                         <a:t>9 am – 5 pm</a:t>
                       </a:r>
@@ -16990,7 +17074,7 @@
                           <a:solidFill>
                             <a:schemeClr val="tx1"/>
                           </a:solidFill>
-                          <a:latin typeface="Adobe Clean" panose="020B0503020404020204" pitchFamily="34" charset="0"/>
+                          <a:latin typeface="Adobe Clean"/>
                         </a:rPr>
                         <a:t>9 am – 5 pm</a:t>
                       </a:r>
@@ -17055,7 +17139,7 @@
                           <a:solidFill>
                             <a:schemeClr val="tx1"/>
                           </a:solidFill>
-                          <a:latin typeface="Adobe Clean" panose="020B0503020404020204" pitchFamily="34" charset="0"/>
+                          <a:latin typeface="Adobe Clean"/>
                         </a:rPr>
                         <a:t>9 am – 5:30 pm</a:t>
                       </a:r>
@@ -17135,7 +17219,7 @@
                       </a:pPr>
                       <a:r>
                         <a:rPr lang="en-US" sz="1100" b="0" i="0" u="none" strike="noStrike" noProof="0"/>
-                        <a:t>Language support only available in English and Japanese </a:t>
+                        <a:t>Language support is only available in English and Japanese </a:t>
                       </a:r>
                       <a:endParaRPr lang="en-US"/>
                     </a:p>
@@ -17177,13 +17261,9 @@
                       </a:r>
                       <a:r>
                         <a:rPr lang="en-US" sz="1100" b="0" i="0" u="none" strike="noStrike" noProof="0"/>
-                        <a:t>P2, P3, P4 cases are limited to business hours only </a:t>
+                        <a:t>P2, P3, P4 cases are limited to business hours only in Japan</a:t>
                       </a:r>
-                      <a:r>
-                        <a:rPr lang="en-US" sz="1100" b="1" i="0" u="none" strike="noStrike" noProof="0"/>
-                        <a:t>(JAPAN)</a:t>
-                      </a:r>
-                      <a:endParaRPr lang="en-US"/>
+                      <a:endParaRPr lang="en-US" sz="1100" b="1" i="0" u="none" strike="noStrike" noProof="0"/>
                     </a:p>
                   </a:txBody>
                   <a:tcPr anchor="ctr">

--- a/help/data-sheets/assets/EnterpriseSupportDatasheet.pptx
+++ b/help/data-sheets/assets/EnterpriseSupportDatasheet.pptx
@@ -144,10 +144,12 @@
 <file path=ppt/revisionInfo.xml><?xml version="1.0" encoding="utf-8"?>
 <p1510:revInfo xmlns:a="http://schemas.openxmlformats.org/drawingml/2006/main" xmlns:r="http://schemas.openxmlformats.org/officeDocument/2006/relationships" xmlns:p1510="http://schemas.microsoft.com/office/powerpoint/2015/10/main">
   <p1510:revLst>
+    <p1510:client id="{0AB2EF93-BE08-D205-D43E-3B568BB37DAA}" v="26" dt="2021-09-22T23:01:49.517"/>
     <p1510:client id="{0AC6A3A1-0788-C69A-5EFD-279F3FA2CF0F}" v="51" dt="2021-09-22T18:56:17.553"/>
     <p1510:client id="{112231ED-4F38-A856-2EFF-9D0F88AC9BDF}" v="3" dt="2021-09-22T19:11:31.474"/>
     <p1510:client id="{3CA2F123-FAC9-2CDD-7937-C83283BA7837}" v="1" dt="2021-09-16T20:58:19.458"/>
     <p1510:client id="{3F02B349-0406-AE51-D438-E7A0BE890230}" v="20" dt="2021-08-25T18:45:08.206"/>
+    <p1510:client id="{A40C3D7D-993B-38B2-2DDA-C562505A1054}" v="4" dt="2021-09-22T23:00:46.860"/>
     <p1510:client id="{BAC4F85F-6423-7248-85C4-44132DA97563}" v="77" dt="2021-08-07T08:51:03.454"/>
   </p1510:revLst>
 </p1510:revInfo>
@@ -155,6 +157,30 @@
 
 <file path=ppt/changesInfos/changesInfo1.xml><?xml version="1.0" encoding="utf-8"?>
 <pc:chgInfo xmlns:a="http://schemas.openxmlformats.org/drawingml/2006/main" xmlns:r="http://schemas.openxmlformats.org/officeDocument/2006/relationships" xmlns:ac="http://schemas.microsoft.com/office/drawing/2013/main/command" xmlns:pc="http://schemas.microsoft.com/office/powerpoint/2013/main/command">
+  <pc:docChgLst>
+    <pc:chgData name="Akilah Johnson" userId="S::akjohnso@adobe.com::2fa3aa60-0c9c-4d06-bae2-795983241227" providerId="AD" clId="Web-{0AB2EF93-BE08-D205-D43E-3B568BB37DAA}"/>
+    <pc:docChg chg="modSld">
+      <pc:chgData name="Akilah Johnson" userId="S::akjohnso@adobe.com::2fa3aa60-0c9c-4d06-bae2-795983241227" providerId="AD" clId="Web-{0AB2EF93-BE08-D205-D43E-3B568BB37DAA}" dt="2021-09-22T23:01:45.877" v="13"/>
+      <pc:docMkLst>
+        <pc:docMk/>
+      </pc:docMkLst>
+      <pc:sldChg chg="modSp">
+        <pc:chgData name="Akilah Johnson" userId="S::akjohnso@adobe.com::2fa3aa60-0c9c-4d06-bae2-795983241227" providerId="AD" clId="Web-{0AB2EF93-BE08-D205-D43E-3B568BB37DAA}" dt="2021-09-22T23:01:45.877" v="13"/>
+        <pc:sldMkLst>
+          <pc:docMk/>
+          <pc:sldMk cId="1050037809" sldId="261"/>
+        </pc:sldMkLst>
+        <pc:graphicFrameChg chg="mod modGraphic">
+          <ac:chgData name="Akilah Johnson" userId="S::akjohnso@adobe.com::2fa3aa60-0c9c-4d06-bae2-795983241227" providerId="AD" clId="Web-{0AB2EF93-BE08-D205-D43E-3B568BB37DAA}" dt="2021-09-22T23:01:45.877" v="13"/>
+          <ac:graphicFrameMkLst>
+            <pc:docMk/>
+            <pc:sldMk cId="1050037809" sldId="261"/>
+            <ac:graphicFrameMk id="25" creationId="{3A91F5B0-3974-A14D-A146-FB590F2AAD18}"/>
+          </ac:graphicFrameMkLst>
+        </pc:graphicFrameChg>
+      </pc:sldChg>
+    </pc:docChg>
+  </pc:docChgLst>
   <pc:docChgLst>
     <pc:chgData name="Akilah Johnson" userId="S::akjohnso@adobe.com::2fa3aa60-0c9c-4d06-bae2-795983241227" providerId="AD" clId="Web-{0AC6A3A1-0788-C69A-5EFD-279F3FA2CF0F}"/>
     <pc:docChg chg="modSld">
@@ -178,30 +204,6 @@
         </pc:spChg>
         <pc:graphicFrameChg chg="mod modGraphic">
           <ac:chgData name="Akilah Johnson" userId="S::akjohnso@adobe.com::2fa3aa60-0c9c-4d06-bae2-795983241227" providerId="AD" clId="Web-{0AC6A3A1-0788-C69A-5EFD-279F3FA2CF0F}" dt="2021-09-22T18:55:59.928" v="28"/>
-          <ac:graphicFrameMkLst>
-            <pc:docMk/>
-            <pc:sldMk cId="1050037809" sldId="261"/>
-            <ac:graphicFrameMk id="25" creationId="{3A91F5B0-3974-A14D-A146-FB590F2AAD18}"/>
-          </ac:graphicFrameMkLst>
-        </pc:graphicFrameChg>
-      </pc:sldChg>
-    </pc:docChg>
-  </pc:docChgLst>
-  <pc:docChgLst>
-    <pc:chgData name="Andy Witt" userId="S::awitt@adobe.com::e9157bdf-53b2-40e4-9459-936793d75696" providerId="AD" clId="Web-{3F02B349-0406-AE51-D438-E7A0BE890230}"/>
-    <pc:docChg chg="modSld">
-      <pc:chgData name="Andy Witt" userId="S::awitt@adobe.com::e9157bdf-53b2-40e4-9459-936793d75696" providerId="AD" clId="Web-{3F02B349-0406-AE51-D438-E7A0BE890230}" dt="2021-08-25T18:45:07.550" v="11"/>
-      <pc:docMkLst>
-        <pc:docMk/>
-      </pc:docMkLst>
-      <pc:sldChg chg="modSp">
-        <pc:chgData name="Andy Witt" userId="S::awitt@adobe.com::e9157bdf-53b2-40e4-9459-936793d75696" providerId="AD" clId="Web-{3F02B349-0406-AE51-D438-E7A0BE890230}" dt="2021-08-25T18:45:07.550" v="11"/>
-        <pc:sldMkLst>
-          <pc:docMk/>
-          <pc:sldMk cId="1050037809" sldId="261"/>
-        </pc:sldMkLst>
-        <pc:graphicFrameChg chg="mod modGraphic">
-          <ac:chgData name="Andy Witt" userId="S::awitt@adobe.com::e9157bdf-53b2-40e4-9459-936793d75696" providerId="AD" clId="Web-{3F02B349-0406-AE51-D438-E7A0BE890230}" dt="2021-08-25T18:45:07.550" v="11"/>
           <ac:graphicFrameMkLst>
             <pc:docMk/>
             <pc:sldMk cId="1050037809" sldId="261"/>
@@ -244,6 +246,30 @@
     </pc:docChg>
   </pc:docChgLst>
   <pc:docChgLst>
+    <pc:chgData name="Andy Witt" userId="S::awitt@adobe.com::e9157bdf-53b2-40e4-9459-936793d75696" providerId="AD" clId="Web-{3F02B349-0406-AE51-D438-E7A0BE890230}"/>
+    <pc:docChg chg="modSld">
+      <pc:chgData name="Andy Witt" userId="S::awitt@adobe.com::e9157bdf-53b2-40e4-9459-936793d75696" providerId="AD" clId="Web-{3F02B349-0406-AE51-D438-E7A0BE890230}" dt="2021-08-25T18:45:07.550" v="11"/>
+      <pc:docMkLst>
+        <pc:docMk/>
+      </pc:docMkLst>
+      <pc:sldChg chg="modSp">
+        <pc:chgData name="Andy Witt" userId="S::awitt@adobe.com::e9157bdf-53b2-40e4-9459-936793d75696" providerId="AD" clId="Web-{3F02B349-0406-AE51-D438-E7A0BE890230}" dt="2021-08-25T18:45:07.550" v="11"/>
+        <pc:sldMkLst>
+          <pc:docMk/>
+          <pc:sldMk cId="1050037809" sldId="261"/>
+        </pc:sldMkLst>
+        <pc:graphicFrameChg chg="mod modGraphic">
+          <ac:chgData name="Andy Witt" userId="S::awitt@adobe.com::e9157bdf-53b2-40e4-9459-936793d75696" providerId="AD" clId="Web-{3F02B349-0406-AE51-D438-E7A0BE890230}" dt="2021-08-25T18:45:07.550" v="11"/>
+          <ac:graphicFrameMkLst>
+            <pc:docMk/>
+            <pc:sldMk cId="1050037809" sldId="261"/>
+            <ac:graphicFrameMk id="25" creationId="{3A91F5B0-3974-A14D-A146-FB590F2AAD18}"/>
+          </ac:graphicFrameMkLst>
+        </pc:graphicFrameChg>
+      </pc:sldChg>
+    </pc:docChg>
+  </pc:docChgLst>
+  <pc:docChgLst>
     <pc:chgData name="Akilah Johnson" userId="S::akjohnso@adobe.com::2fa3aa60-0c9c-4d06-bae2-795983241227" providerId="AD" clId="Web-{3CA2F123-FAC9-2CDD-7937-C83283BA7837}"/>
     <pc:docChg chg="modSld">
       <pc:chgData name="Akilah Johnson" userId="S::akjohnso@adobe.com::2fa3aa60-0c9c-4d06-bae2-795983241227" providerId="AD" clId="Web-{3CA2F123-FAC9-2CDD-7937-C83283BA7837}" dt="2021-09-16T20:58:19.458" v="0" actId="1076"/>
@@ -264,6 +290,30 @@
             <ac:spMk id="83" creationId="{BB34E685-A734-974B-A33A-BE51D1A8BC0D}"/>
           </ac:spMkLst>
         </pc:spChg>
+      </pc:sldChg>
+    </pc:docChg>
+  </pc:docChgLst>
+  <pc:docChgLst>
+    <pc:chgData name="Akilah Johnson" userId="S::akjohnso@adobe.com::2fa3aa60-0c9c-4d06-bae2-795983241227" providerId="AD" clId="Web-{A40C3D7D-993B-38B2-2DDA-C562505A1054}"/>
+    <pc:docChg chg="modSld">
+      <pc:chgData name="Akilah Johnson" userId="S::akjohnso@adobe.com::2fa3aa60-0c9c-4d06-bae2-795983241227" providerId="AD" clId="Web-{A40C3D7D-993B-38B2-2DDA-C562505A1054}" dt="2021-09-22T23:00:46.860" v="3"/>
+      <pc:docMkLst>
+        <pc:docMk/>
+      </pc:docMkLst>
+      <pc:sldChg chg="modSp">
+        <pc:chgData name="Akilah Johnson" userId="S::akjohnso@adobe.com::2fa3aa60-0c9c-4d06-bae2-795983241227" providerId="AD" clId="Web-{A40C3D7D-993B-38B2-2DDA-C562505A1054}" dt="2021-09-22T23:00:46.860" v="3"/>
+        <pc:sldMkLst>
+          <pc:docMk/>
+          <pc:sldMk cId="1050037809" sldId="261"/>
+        </pc:sldMkLst>
+        <pc:graphicFrameChg chg="mod modGraphic">
+          <ac:chgData name="Akilah Johnson" userId="S::akjohnso@adobe.com::2fa3aa60-0c9c-4d06-bae2-795983241227" providerId="AD" clId="Web-{A40C3D7D-993B-38B2-2DDA-C562505A1054}" dt="2021-09-22T23:00:46.860" v="3"/>
+          <ac:graphicFrameMkLst>
+            <pc:docMk/>
+            <pc:sldMk cId="1050037809" sldId="261"/>
+            <ac:graphicFrameMk id="25" creationId="{3A91F5B0-3974-A14D-A146-FB590F2AAD18}"/>
+          </ac:graphicFrameMkLst>
+        </pc:graphicFrameChg>
       </pc:sldChg>
     </pc:docChg>
   </pc:docChgLst>
@@ -16605,7 +16655,7 @@
           <p:nvPr>
             <p:extLst>
               <p:ext uri="{D42A27DB-BD31-4B8C-83A1-F6EECF244321}">
-                <p14:modId xmlns:p14="http://schemas.microsoft.com/office/powerpoint/2010/main" val="1476132606"/>
+                <p14:modId xmlns:p14="http://schemas.microsoft.com/office/powerpoint/2010/main" val="1291534283"/>
               </p:ext>
             </p:extLst>
           </p:nvPr>
@@ -17219,9 +17269,8 @@
                       </a:pPr>
                       <a:r>
                         <a:rPr lang="en-US" sz="1100" b="0" i="0" u="none" strike="noStrike" noProof="0"/>
-                        <a:t>Language support is only available in English and Japanese </a:t>
+                        <a:t>Language support is only available in English and Japanese.</a:t>
                       </a:r>
-                      <a:endParaRPr lang="en-US"/>
                     </a:p>
                     <a:p>
                       <a:pPr lvl="0" algn="ctr">
@@ -17261,7 +17310,7 @@
                       </a:r>
                       <a:r>
                         <a:rPr lang="en-US" sz="1100" b="0" i="0" u="none" strike="noStrike" noProof="0"/>
-                        <a:t>P2, P3, P4 cases are limited to business hours only in Japan</a:t>
+                        <a:t>P2, P3, P4 cases are limited to business hours only in Japan.</a:t>
                       </a:r>
                       <a:endParaRPr lang="en-US" sz="1100" b="1" i="0" u="none" strike="noStrike" noProof="0"/>
                     </a:p>
@@ -19418,6 +19467,15 @@
 </file>
 
 <file path=customXml/item1.xml><?xml version="1.0" encoding="utf-8"?>
+<?mso-contentType ?>
+<FormTemplates xmlns="http://schemas.microsoft.com/sharepoint/v3/contenttype/forms">
+  <Display>DocumentLibraryForm</Display>
+  <Edit>DocumentLibraryForm</Edit>
+  <New>DocumentLibraryForm</New>
+</FormTemplates>
+</file>
+
+<file path=customXml/item2.xml><?xml version="1.0" encoding="utf-8"?>
 <ct:contentTypeSchema xmlns:ct="http://schemas.microsoft.com/office/2006/metadata/contentType" xmlns:ma="http://schemas.microsoft.com/office/2006/metadata/properties/metaAttributes" ct:_="" ma:_="" ma:contentTypeName="Document" ma:contentTypeID="0x010100E783BF6876BCC646A459363AF21A7736" ma:contentTypeVersion="10" ma:contentTypeDescription="Create a new document." ma:contentTypeScope="" ma:versionID="c4ffda7f4f415767600769e454c2ea87">
   <xsd:schema xmlns:xsd="http://www.w3.org/2001/XMLSchema" xmlns:xs="http://www.w3.org/2001/XMLSchema" xmlns:p="http://schemas.microsoft.com/office/2006/metadata/properties" xmlns:ns2="8a053bff-88be-49e4-9a87-e748e18b8b62" xmlns:ns3="6c8368ec-3776-49b5-a5bb-90648cf9530f" targetNamespace="http://schemas.microsoft.com/office/2006/metadata/properties" ma:root="true" ma:fieldsID="df3ec33bccc23e23bce7bc897fad43d1" ns2:_="" ns3:_="">
     <xsd:import namespace="8a053bff-88be-49e4-9a87-e748e18b8b62"/>
@@ -19622,22 +19680,21 @@
 </ct:contentTypeSchema>
 </file>
 
-<file path=customXml/item2.xml><?xml version="1.0" encoding="utf-8"?>
+<file path=customXml/item3.xml><?xml version="1.0" encoding="utf-8"?>
 <p:properties xmlns:p="http://schemas.microsoft.com/office/2006/metadata/properties" xmlns:xsi="http://www.w3.org/2001/XMLSchema-instance" xmlns:pc="http://schemas.microsoft.com/office/infopath/2007/PartnerControls">
   <documentManagement/>
 </p:properties>
 </file>
 
-<file path=customXml/item3.xml><?xml version="1.0" encoding="utf-8"?>
-<?mso-contentType ?>
-<FormTemplates xmlns="http://schemas.microsoft.com/sharepoint/v3/contenttype/forms">
-  <Display>DocumentLibraryForm</Display>
-  <Edit>DocumentLibraryForm</Edit>
-  <New>DocumentLibraryForm</New>
-</FormTemplates>
+<file path=customXml/itemProps1.xml><?xml version="1.0" encoding="utf-8"?>
+<ds:datastoreItem xmlns:ds="http://schemas.openxmlformats.org/officeDocument/2006/customXml" ds:itemID="{941989CE-20BB-4A6A-A33F-71A1AE469C3E}">
+  <ds:schemaRefs>
+    <ds:schemaRef ds:uri="http://schemas.microsoft.com/sharepoint/v3/contenttype/forms"/>
+  </ds:schemaRefs>
+</ds:datastoreItem>
 </file>
 
-<file path=customXml/itemProps1.xml><?xml version="1.0" encoding="utf-8"?>
+<file path=customXml/itemProps2.xml><?xml version="1.0" encoding="utf-8"?>
 <ds:datastoreItem xmlns:ds="http://schemas.openxmlformats.org/officeDocument/2006/customXml" ds:itemID="{FB2EBF8D-136B-48EC-8FC0-F70C0583664B}">
   <ds:schemaRefs>
     <ds:schemaRef ds:uri="6c8368ec-3776-49b5-a5bb-90648cf9530f"/>
@@ -19656,19 +19713,11 @@
 </ds:datastoreItem>
 </file>
 
-<file path=customXml/itemProps2.xml><?xml version="1.0" encoding="utf-8"?>
+<file path=customXml/itemProps3.xml><?xml version="1.0" encoding="utf-8"?>
 <ds:datastoreItem xmlns:ds="http://schemas.openxmlformats.org/officeDocument/2006/customXml" ds:itemID="{ED4099BE-EDEC-4FF1-8378-446617236015}">
   <ds:schemaRefs>
     <ds:schemaRef ds:uri="http://schemas.microsoft.com/office/2006/metadata/properties"/>
     <ds:schemaRef ds:uri="http://schemas.microsoft.com/office/infopath/2007/PartnerControls"/>
   </ds:schemaRefs>
 </ds:datastoreItem>
-</file>
-
-<file path=customXml/itemProps3.xml><?xml version="1.0" encoding="utf-8"?>
-<ds:datastoreItem xmlns:ds="http://schemas.openxmlformats.org/officeDocument/2006/customXml" ds:itemID="{941989CE-20BB-4A6A-A33F-71A1AE469C3E}">
-  <ds:schemaRefs>
-    <ds:schemaRef ds:uri="http://schemas.microsoft.com/sharepoint/v3/contenttype/forms"/>
-  </ds:schemaRefs>
-</ds:datastoreItem>
 </file>
--- a/help/data-sheets/assets/EnterpriseSupportDatasheet.pptx
+++ b/help/data-sheets/assets/EnterpriseSupportDatasheet.pptx
@@ -450,7 +450,7 @@
           <a:p>
             <a:fld id="{CCB2A597-803A-C244-97E2-A01066125D19}" type="datetimeFigureOut">
               <a:rPr lang="en-US" smtClean="0"/>
-              <a:t>9/22/2021</a:t>
+              <a:t>10/1/2021</a:t>
             </a:fld>
             <a:endParaRPr lang="en-US"/>
           </a:p>
@@ -761,7 +761,7 @@
           <a:bodyPr/>
           <a:lstStyle/>
           <a:p>
-            <a:endParaRPr lang="en-US"/>
+            <a:endParaRPr lang="en-US" dirty="0"/>
           </a:p>
         </p:txBody>
       </p:sp>
@@ -1231,7 +1231,7 @@
           <a:p>
             <a:fld id="{1D8BD707-D9CF-40AE-B4C6-C98DA3205C09}" type="datetimeFigureOut">
               <a:rPr lang="en-US"/>
-              <a:t>9/22/2021</a:t>
+              <a:t>10/1/2021</a:t>
             </a:fld>
             <a:endParaRPr lang="en-US"/>
           </a:p>
@@ -1471,7 +1471,7 @@
           <a:p>
             <a:fld id="{1D8BD707-D9CF-40AE-B4C6-C98DA3205C09}" type="datetimeFigureOut">
               <a:rPr lang="en-US"/>
-              <a:t>9/22/2021</a:t>
+              <a:t>10/1/2021</a:t>
             </a:fld>
             <a:endParaRPr lang="en-US"/>
           </a:p>
@@ -1724,7 +1724,7 @@
           <a:p>
             <a:fld id="{1D8BD707-D9CF-40AE-B4C6-C98DA3205C09}" type="datetimeFigureOut">
               <a:rPr lang="en-US"/>
-              <a:t>9/22/2021</a:t>
+              <a:t>10/1/2021</a:t>
             </a:fld>
             <a:endParaRPr lang="en-US"/>
           </a:p>
@@ -1911,7 +1911,7 @@
           <a:p>
             <a:fld id="{1D8BD707-D9CF-40AE-B4C6-C98DA3205C09}" type="datetimeFigureOut">
               <a:rPr lang="en-US"/>
-              <a:t>9/22/2021</a:t>
+              <a:t>10/1/2021</a:t>
             </a:fld>
             <a:endParaRPr lang="en-US"/>
           </a:p>
@@ -2069,7 +2069,7 @@
           <a:p>
             <a:fld id="{1D8BD707-D9CF-40AE-B4C6-C98DA3205C09}" type="datetimeFigureOut">
               <a:rPr lang="en-US"/>
-              <a:t>9/22/2021</a:t>
+              <a:t>10/1/2021</a:t>
             </a:fld>
             <a:endParaRPr lang="en-US"/>
           </a:p>
@@ -2327,7 +2327,7 @@
           <a:p>
             <a:fld id="{1D8BD707-D9CF-40AE-B4C6-C98DA3205C09}" type="datetimeFigureOut">
               <a:rPr lang="en-US"/>
-              <a:t>9/22/2021</a:t>
+              <a:t>10/1/2021</a:t>
             </a:fld>
             <a:endParaRPr lang="en-US"/>
           </a:p>
@@ -2580,32 +2580,11 @@
               </a:spcBef>
             </a:pPr>
             <a:r>
-              <a:rPr sz="2300" spc="-229">
+              <a:rPr lang="de-DE" sz="2300">
                 <a:latin typeface="Adobe Clean" panose="020B0503020404020204" pitchFamily="34" charset="0"/>
               </a:rPr>
-              <a:t>ADOBE</a:t>
-            </a:r>
-            <a:r>
-              <a:rPr lang="en-US" sz="2300" spc="-229">
-                <a:latin typeface="Adobe Clean" panose="020B0503020404020204" pitchFamily="34" charset="0"/>
-              </a:rPr>
-              <a:t>   </a:t>
-            </a:r>
-            <a:r>
-              <a:rPr sz="2300" spc="-229">
-                <a:latin typeface="Adobe Clean" panose="020B0503020404020204" pitchFamily="34" charset="0"/>
-              </a:rPr>
-              <a:t>SUPPORT</a:t>
-            </a:r>
-            <a:r>
-              <a:rPr lang="en-US" sz="2300" spc="-229">
-                <a:latin typeface="Adobe Clean" panose="020B0503020404020204" pitchFamily="34" charset="0"/>
-              </a:rPr>
-              <a:t>  OFFERINGS</a:t>
-            </a:r>
-            <a:endParaRPr sz="2300" spc="-229">
-              <a:latin typeface="Adobe Clean" panose="020B0503020404020204" pitchFamily="34" charset="0"/>
-            </a:endParaRPr>
+              <a:t>SUPPORT-ANGEBOT VON ADOBE</a:t>
+            </a:r>
           </a:p>
         </p:txBody>
       </p:sp>
@@ -2639,7 +2618,7 @@
               </a:spcBef>
             </a:pPr>
             <a:r>
-              <a:rPr sz="1400" b="1" u="sng" spc="15">
+              <a:rPr lang="de-DE" sz="1400" b="1" u="sng">
                 <a:solidFill>
                   <a:srgbClr val="020302"/>
                 </a:solidFill>
@@ -2651,477 +2630,8 @@
                 <a:latin typeface="Adobe Clean"/>
                 <a:cs typeface="Adobe Clean"/>
               </a:rPr>
-              <a:t>S</a:t>
-            </a:r>
-            <a:r>
-              <a:rPr sz="1400" b="1" u="sng" spc="5">
-                <a:solidFill>
-                  <a:srgbClr val="020302"/>
-                </a:solidFill>
-                <a:uFill>
-                  <a:solidFill>
-                    <a:srgbClr val="020302"/>
-                  </a:solidFill>
-                </a:uFill>
-                <a:latin typeface="Adobe Clean"/>
-                <a:cs typeface="Adobe Clean"/>
-              </a:rPr>
-              <a:t>er</a:t>
-            </a:r>
-            <a:r>
-              <a:rPr sz="1400" b="1" u="sng" spc="10">
-                <a:solidFill>
-                  <a:srgbClr val="020302"/>
-                </a:solidFill>
-                <a:uFill>
-                  <a:solidFill>
-                    <a:srgbClr val="020302"/>
-                  </a:solidFill>
-                </a:uFill>
-                <a:latin typeface="Adobe Clean"/>
-                <a:cs typeface="Adobe Clean"/>
-              </a:rPr>
-              <a:t>vi</a:t>
-            </a:r>
-            <a:r>
-              <a:rPr sz="1400" b="1" u="sng" spc="5">
-                <a:solidFill>
-                  <a:srgbClr val="020302"/>
-                </a:solidFill>
-                <a:uFill>
-                  <a:solidFill>
-                    <a:srgbClr val="020302"/>
-                  </a:solidFill>
-                </a:uFill>
-                <a:latin typeface="Adobe Clean"/>
-                <a:cs typeface="Adobe Clean"/>
-              </a:rPr>
-              <a:t>c</a:t>
-            </a:r>
-            <a:r>
-              <a:rPr sz="1400" b="1" u="sng">
-                <a:solidFill>
-                  <a:srgbClr val="020302"/>
-                </a:solidFill>
-                <a:uFill>
-                  <a:solidFill>
-                    <a:srgbClr val="020302"/>
-                  </a:solidFill>
-                </a:uFill>
-                <a:latin typeface="Adobe Clean"/>
-                <a:cs typeface="Adobe Clean"/>
-              </a:rPr>
-              <a:t>e</a:t>
-            </a:r>
-            <a:r>
-              <a:rPr sz="1400" b="1" u="sng" spc="20">
-                <a:solidFill>
-                  <a:srgbClr val="020302"/>
-                </a:solidFill>
-                <a:uFill>
-                  <a:solidFill>
-                    <a:srgbClr val="020302"/>
-                  </a:solidFill>
-                </a:uFill>
-                <a:latin typeface="Adobe Clean"/>
-                <a:cs typeface="Adobe Clean"/>
-              </a:rPr>
-              <a:t> </a:t>
-            </a:r>
-            <a:r>
-              <a:rPr sz="1400" b="1" u="sng" spc="-15">
-                <a:solidFill>
-                  <a:srgbClr val="020302"/>
-                </a:solidFill>
-                <a:uFill>
-                  <a:solidFill>
-                    <a:srgbClr val="020302"/>
-                  </a:solidFill>
-                </a:uFill>
-                <a:latin typeface="Adobe Clean"/>
-                <a:cs typeface="Adobe Clean"/>
-              </a:rPr>
-              <a:t>Le</a:t>
-            </a:r>
-            <a:r>
-              <a:rPr sz="1400" b="1" u="sng" spc="-10">
-                <a:solidFill>
-                  <a:srgbClr val="020302"/>
-                </a:solidFill>
-                <a:uFill>
-                  <a:solidFill>
-                    <a:srgbClr val="020302"/>
-                  </a:solidFill>
-                </a:uFill>
-                <a:latin typeface="Adobe Clean"/>
-                <a:cs typeface="Adobe Clean"/>
-              </a:rPr>
-              <a:t>v</a:t>
-            </a:r>
-            <a:r>
-              <a:rPr sz="1400" b="1" u="sng" spc="-15">
-                <a:solidFill>
-                  <a:srgbClr val="020302"/>
-                </a:solidFill>
-                <a:uFill>
-                  <a:solidFill>
-                    <a:srgbClr val="020302"/>
-                  </a:solidFill>
-                </a:uFill>
-                <a:latin typeface="Adobe Clean"/>
-                <a:cs typeface="Adobe Clean"/>
-              </a:rPr>
-              <a:t>e</a:t>
-            </a:r>
-            <a:r>
-              <a:rPr sz="1400" b="1" u="sng">
-                <a:solidFill>
-                  <a:srgbClr val="020302"/>
-                </a:solidFill>
-                <a:uFill>
-                  <a:solidFill>
-                    <a:srgbClr val="020302"/>
-                  </a:solidFill>
-                </a:uFill>
-                <a:latin typeface="Adobe Clean"/>
-                <a:cs typeface="Adobe Clean"/>
-              </a:rPr>
-              <a:t>l</a:t>
-            </a:r>
-            <a:r>
-              <a:rPr sz="1400" b="1" u="sng" spc="-15">
-                <a:solidFill>
-                  <a:srgbClr val="020302"/>
-                </a:solidFill>
-                <a:uFill>
-                  <a:solidFill>
-                    <a:srgbClr val="020302"/>
-                  </a:solidFill>
-                </a:uFill>
-                <a:latin typeface="Adobe Clean"/>
-                <a:cs typeface="Adobe Clean"/>
-              </a:rPr>
-              <a:t> </a:t>
-            </a:r>
-            <a:r>
-              <a:rPr sz="1400" b="1" u="sng" spc="-55">
-                <a:solidFill>
-                  <a:srgbClr val="020302"/>
-                </a:solidFill>
-                <a:uFill>
-                  <a:solidFill>
-                    <a:srgbClr val="020302"/>
-                  </a:solidFill>
-                </a:uFill>
-                <a:latin typeface="Adobe Clean"/>
-                <a:cs typeface="Adobe Clean"/>
-              </a:rPr>
-              <a:t>T</a:t>
-            </a:r>
-            <a:r>
-              <a:rPr sz="1400" b="1" u="sng" spc="-40">
-                <a:solidFill>
-                  <a:srgbClr val="020302"/>
-                </a:solidFill>
-                <a:uFill>
-                  <a:solidFill>
-                    <a:srgbClr val="020302"/>
-                  </a:solidFill>
-                </a:uFill>
-                <a:latin typeface="Adobe Clean"/>
-                <a:cs typeface="Adobe Clean"/>
-              </a:rPr>
-              <a:t>a</a:t>
-            </a:r>
-            <a:r>
-              <a:rPr sz="1400" b="1" u="sng" spc="-45">
-                <a:solidFill>
-                  <a:srgbClr val="020302"/>
-                </a:solidFill>
-                <a:uFill>
-                  <a:solidFill>
-                    <a:srgbClr val="020302"/>
-                  </a:solidFill>
-                </a:uFill>
-                <a:latin typeface="Adobe Clean"/>
-                <a:cs typeface="Adobe Clean"/>
-              </a:rPr>
-              <a:t>r</a:t>
-            </a:r>
-            <a:r>
-              <a:rPr sz="1400" b="1" u="sng" spc="-40">
-                <a:solidFill>
-                  <a:srgbClr val="020302"/>
-                </a:solidFill>
-                <a:uFill>
-                  <a:solidFill>
-                    <a:srgbClr val="020302"/>
-                  </a:solidFill>
-                </a:uFill>
-                <a:latin typeface="Adobe Clean"/>
-                <a:cs typeface="Adobe Clean"/>
-              </a:rPr>
-              <a:t>g</a:t>
-            </a:r>
-            <a:r>
-              <a:rPr sz="1400" b="1" u="sng" spc="-50">
-                <a:solidFill>
-                  <a:srgbClr val="020302"/>
-                </a:solidFill>
-                <a:uFill>
-                  <a:solidFill>
-                    <a:srgbClr val="020302"/>
-                  </a:solidFill>
-                </a:uFill>
-                <a:latin typeface="Adobe Clean"/>
-                <a:cs typeface="Adobe Clean"/>
-              </a:rPr>
-              <a:t>et</a:t>
-            </a:r>
-            <a:r>
-              <a:rPr sz="1400" b="1" u="sng" spc="-45">
-                <a:solidFill>
-                  <a:srgbClr val="020302"/>
-                </a:solidFill>
-                <a:uFill>
-                  <a:solidFill>
-                    <a:srgbClr val="020302"/>
-                  </a:solidFill>
-                </a:uFill>
-                <a:latin typeface="Adobe Clean"/>
-                <a:cs typeface="Adobe Clean"/>
-              </a:rPr>
-              <a:t>s</a:t>
-            </a:r>
-            <a:r>
-              <a:rPr sz="1400" b="1" u="sng">
-                <a:solidFill>
-                  <a:srgbClr val="020302"/>
-                </a:solidFill>
-                <a:uFill>
-                  <a:solidFill>
-                    <a:srgbClr val="020302"/>
-                  </a:solidFill>
-                </a:uFill>
-                <a:latin typeface="Adobe Clean"/>
-                <a:cs typeface="Adobe Clean"/>
-              </a:rPr>
-              <a:t>:</a:t>
-            </a:r>
-            <a:r>
-              <a:rPr sz="1400" b="1" u="sng" spc="-85">
-                <a:solidFill>
-                  <a:srgbClr val="020302"/>
-                </a:solidFill>
-                <a:uFill>
-                  <a:solidFill>
-                    <a:srgbClr val="020302"/>
-                  </a:solidFill>
-                </a:uFill>
-                <a:latin typeface="Adobe Clean"/>
-                <a:cs typeface="Adobe Clean"/>
-              </a:rPr>
-              <a:t> </a:t>
-            </a:r>
-            <a:r>
-              <a:rPr sz="1400" b="1" u="sng" spc="-15">
-                <a:solidFill>
-                  <a:srgbClr val="020302"/>
-                </a:solidFill>
-                <a:uFill>
-                  <a:solidFill>
-                    <a:srgbClr val="020302"/>
-                  </a:solidFill>
-                </a:uFill>
-                <a:latin typeface="Adobe Clean"/>
-                <a:cs typeface="Adobe Clean"/>
-              </a:rPr>
-              <a:t>I</a:t>
-            </a:r>
-            <a:r>
-              <a:rPr sz="1400" b="1" u="sng" spc="-10">
-                <a:solidFill>
-                  <a:srgbClr val="020302"/>
-                </a:solidFill>
-                <a:uFill>
-                  <a:solidFill>
-                    <a:srgbClr val="020302"/>
-                  </a:solidFill>
-                </a:uFill>
-                <a:latin typeface="Adobe Clean"/>
-                <a:cs typeface="Adobe Clean"/>
-              </a:rPr>
-              <a:t>ni</a:t>
-            </a:r>
-            <a:r>
-              <a:rPr sz="1400" b="1" u="sng" spc="-15">
-                <a:solidFill>
-                  <a:srgbClr val="020302"/>
-                </a:solidFill>
-                <a:uFill>
-                  <a:solidFill>
-                    <a:srgbClr val="020302"/>
-                  </a:solidFill>
-                </a:uFill>
-                <a:latin typeface="Adobe Clean"/>
-                <a:cs typeface="Adobe Clean"/>
-              </a:rPr>
-              <a:t>t</a:t>
-            </a:r>
-            <a:r>
-              <a:rPr sz="1400" b="1" u="sng" spc="-10">
-                <a:solidFill>
-                  <a:srgbClr val="020302"/>
-                </a:solidFill>
-                <a:uFill>
-                  <a:solidFill>
-                    <a:srgbClr val="020302"/>
-                  </a:solidFill>
-                </a:uFill>
-                <a:latin typeface="Adobe Clean"/>
-                <a:cs typeface="Adobe Clean"/>
-              </a:rPr>
-              <a:t>i</a:t>
-            </a:r>
-            <a:r>
-              <a:rPr sz="1400" b="1" u="sng" spc="-5">
-                <a:solidFill>
-                  <a:srgbClr val="020302"/>
-                </a:solidFill>
-                <a:uFill>
-                  <a:solidFill>
-                    <a:srgbClr val="020302"/>
-                  </a:solidFill>
-                </a:uFill>
-                <a:latin typeface="Adobe Clean"/>
-                <a:cs typeface="Adobe Clean"/>
-              </a:rPr>
-              <a:t>a</a:t>
-            </a:r>
-            <a:r>
-              <a:rPr sz="1400" b="1" u="sng">
-                <a:solidFill>
-                  <a:srgbClr val="020302"/>
-                </a:solidFill>
-                <a:uFill>
-                  <a:solidFill>
-                    <a:srgbClr val="020302"/>
-                  </a:solidFill>
-                </a:uFill>
-                <a:latin typeface="Adobe Clean"/>
-                <a:cs typeface="Adobe Clean"/>
-              </a:rPr>
-              <a:t>l</a:t>
-            </a:r>
-            <a:r>
-              <a:rPr sz="1400" b="1" u="sng" spc="-145">
-                <a:solidFill>
-                  <a:srgbClr val="020302"/>
-                </a:solidFill>
-                <a:uFill>
-                  <a:solidFill>
-                    <a:srgbClr val="020302"/>
-                  </a:solidFill>
-                </a:uFill>
-                <a:latin typeface="Adobe Clean"/>
-                <a:cs typeface="Adobe Clean"/>
-              </a:rPr>
-              <a:t> </a:t>
-            </a:r>
-            <a:r>
-              <a:rPr sz="1400" b="1" u="sng" spc="-15">
-                <a:solidFill>
-                  <a:srgbClr val="020302"/>
-                </a:solidFill>
-                <a:uFill>
-                  <a:solidFill>
-                    <a:srgbClr val="020302"/>
-                  </a:solidFill>
-                </a:uFill>
-                <a:latin typeface="Adobe Clean"/>
-                <a:cs typeface="Adobe Clean"/>
-              </a:rPr>
-              <a:t>R</a:t>
-            </a:r>
-            <a:r>
-              <a:rPr sz="1400" b="1" u="sng" spc="-20">
-                <a:solidFill>
-                  <a:srgbClr val="020302"/>
-                </a:solidFill>
-                <a:uFill>
-                  <a:solidFill>
-                    <a:srgbClr val="020302"/>
-                  </a:solidFill>
-                </a:uFill>
-                <a:latin typeface="Adobe Clean"/>
-                <a:cs typeface="Adobe Clean"/>
-              </a:rPr>
-              <a:t>e</a:t>
-            </a:r>
-            <a:r>
-              <a:rPr sz="1400" b="1" u="sng" spc="-15">
-                <a:solidFill>
-                  <a:srgbClr val="020302"/>
-                </a:solidFill>
-                <a:uFill>
-                  <a:solidFill>
-                    <a:srgbClr val="020302"/>
-                  </a:solidFill>
-                </a:uFill>
-                <a:latin typeface="Adobe Clean"/>
-                <a:cs typeface="Adobe Clean"/>
-              </a:rPr>
-              <a:t>s</a:t>
-            </a:r>
-            <a:r>
-              <a:rPr sz="1400" b="1" u="sng" spc="-20">
-                <a:solidFill>
-                  <a:srgbClr val="020302"/>
-                </a:solidFill>
-                <a:uFill>
-                  <a:solidFill>
-                    <a:srgbClr val="020302"/>
-                  </a:solidFill>
-                </a:uFill>
-                <a:latin typeface="Adobe Clean"/>
-                <a:cs typeface="Adobe Clean"/>
-              </a:rPr>
-              <a:t>p</a:t>
-            </a:r>
-            <a:r>
-              <a:rPr sz="1400" b="1" u="sng" spc="-15">
-                <a:solidFill>
-                  <a:srgbClr val="020302"/>
-                </a:solidFill>
-                <a:uFill>
-                  <a:solidFill>
-                    <a:srgbClr val="020302"/>
-                  </a:solidFill>
-                </a:uFill>
-                <a:latin typeface="Adobe Clean"/>
-                <a:cs typeface="Adobe Clean"/>
-              </a:rPr>
-              <a:t>ons</a:t>
-            </a:r>
-            <a:r>
-              <a:rPr sz="1400" b="1" u="sng">
-                <a:solidFill>
-                  <a:srgbClr val="020302"/>
-                </a:solidFill>
-                <a:uFill>
-                  <a:solidFill>
-                    <a:srgbClr val="020302"/>
-                  </a:solidFill>
-                </a:uFill>
-                <a:latin typeface="Adobe Clean"/>
-                <a:cs typeface="Adobe Clean"/>
-              </a:rPr>
-              <a:t>e</a:t>
-            </a:r>
-            <a:endParaRPr sz="1400" u="sng">
-              <a:latin typeface="Adobe Clean"/>
-              <a:cs typeface="Adobe Clean"/>
-            </a:endParaRPr>
+              <a:t>Service-Level-Ziele: Erste Reaktion</a:t>
+            </a:r>
           </a:p>
         </p:txBody>
       </p:sp>
@@ -3134,14 +2644,14 @@
           <p:nvPr>
             <p:extLst>
               <p:ext uri="{D42A27DB-BD31-4B8C-83A1-F6EECF244321}">
-                <p14:modId xmlns:p14="http://schemas.microsoft.com/office/powerpoint/2010/main" val="1841332714"/>
+                <p14:modId xmlns:p14="http://schemas.microsoft.com/office/powerpoint/2010/main" val="2574968595"/>
               </p:ext>
             </p:extLst>
           </p:nvPr>
         </p:nvGraphicFramePr>
         <p:xfrm>
           <a:off x="146919" y="7473158"/>
-          <a:ext cx="7477080" cy="2387453"/>
+          <a:ext cx="7477080" cy="2403645"/>
         </p:xfrm>
         <a:graphic>
           <a:graphicData uri="http://schemas.openxmlformats.org/drawingml/2006/table">
@@ -3187,19 +2697,15 @@
                         </a:spcBef>
                       </a:pPr>
                       <a:r>
-                        <a:rPr sz="900" spc="-20">
+                        <a:rPr lang="de-DE" sz="900">
                           <a:solidFill>
                             <a:srgbClr val="020302"/>
                           </a:solidFill>
                           <a:latin typeface="Adobe Clean"/>
                           <a:cs typeface="Adobe Clean"/>
                         </a:rPr>
-                        <a:t>Priority</a:t>
+                        <a:t>Priorität</a:t>
                       </a:r>
-                      <a:endParaRPr sz="900">
-                        <a:latin typeface="Adobe Clean"/>
-                        <a:cs typeface="Adobe Clean"/>
-                      </a:endParaRPr>
                     </a:p>
                   </a:txBody>
                   <a:tcPr marL="0" marR="0" marT="6985" marB="0" anchor="ctr">
@@ -3246,7 +2752,7 @@
                         </a:spcBef>
                       </a:pPr>
                       <a:r>
-                        <a:rPr sz="900" spc="0">
+                        <a:rPr lang="de-DE" sz="900">
                           <a:solidFill>
                             <a:srgbClr val="020302"/>
                           </a:solidFill>
@@ -3255,10 +2761,6 @@
                         </a:rPr>
                         <a:t>Online Support</a:t>
                       </a:r>
-                      <a:endParaRPr sz="900" spc="0">
-                        <a:latin typeface="Adobe Clean"/>
-                        <a:cs typeface="Adobe Clean"/>
-                      </a:endParaRPr>
                     </a:p>
                   </a:txBody>
                   <a:tcPr marL="0" marR="0" marT="6985" marB="0" anchor="ctr">
@@ -3305,7 +2807,7 @@
                         </a:spcBef>
                       </a:pPr>
                       <a:r>
-                        <a:rPr sz="900" spc="0">
+                        <a:rPr lang="de-DE" sz="900">
                           <a:solidFill>
                             <a:srgbClr val="FFFFFF"/>
                           </a:solidFill>
@@ -3314,10 +2816,6 @@
                         </a:rPr>
                         <a:t>Enterprise Support</a:t>
                       </a:r>
-                      <a:endParaRPr sz="900" spc="0">
-                        <a:latin typeface="Adobe Clean"/>
-                        <a:cs typeface="Adobe Clean"/>
-                      </a:endParaRPr>
                     </a:p>
                   </a:txBody>
                   <a:tcPr marL="0" marR="0" marT="10160" marB="0" anchor="ctr">
@@ -3377,109 +2875,15 @@
                         </a:spcBef>
                       </a:pPr>
                       <a:r>
-                        <a:rPr sz="900" b="1" spc="-15">
+                        <a:rPr lang="de-DE" sz="900" b="1" dirty="0">
                           <a:solidFill>
                             <a:srgbClr val="020302"/>
                           </a:solidFill>
                           <a:latin typeface="Adobe Clean"/>
                           <a:cs typeface="Adobe Clean"/>
                         </a:rPr>
-                        <a:t>P</a:t>
+                        <a:t>PRIORITÄT 1</a:t>
                       </a:r>
-                      <a:r>
-                        <a:rPr sz="900" b="1" spc="-20">
-                          <a:solidFill>
-                            <a:srgbClr val="020302"/>
-                          </a:solidFill>
-                          <a:latin typeface="Adobe Clean"/>
-                          <a:cs typeface="Adobe Clean"/>
-                        </a:rPr>
-                        <a:t>R</a:t>
-                      </a:r>
-                      <a:r>
-                        <a:rPr sz="900" b="1" spc="-25">
-                          <a:solidFill>
-                            <a:srgbClr val="020302"/>
-                          </a:solidFill>
-                          <a:latin typeface="Adobe Clean"/>
-                          <a:cs typeface="Adobe Clean"/>
-                        </a:rPr>
-                        <a:t>I</a:t>
-                      </a:r>
-                      <a:r>
-                        <a:rPr sz="900" b="1" spc="-15">
-                          <a:solidFill>
-                            <a:srgbClr val="020302"/>
-                          </a:solidFill>
-                          <a:latin typeface="Adobe Clean"/>
-                          <a:cs typeface="Adobe Clean"/>
-                        </a:rPr>
-                        <a:t>O</a:t>
-                      </a:r>
-                      <a:r>
-                        <a:rPr sz="900" b="1" spc="-20">
-                          <a:solidFill>
-                            <a:srgbClr val="020302"/>
-                          </a:solidFill>
-                          <a:latin typeface="Adobe Clean"/>
-                          <a:cs typeface="Adobe Clean"/>
-                        </a:rPr>
-                        <a:t>R</a:t>
-                      </a:r>
-                      <a:r>
-                        <a:rPr sz="900" b="1" spc="-25">
-                          <a:solidFill>
-                            <a:srgbClr val="020302"/>
-                          </a:solidFill>
-                          <a:latin typeface="Adobe Clean"/>
-                          <a:cs typeface="Adobe Clean"/>
-                        </a:rPr>
-                        <a:t>I</a:t>
-                      </a:r>
-                      <a:r>
-                        <a:rPr sz="900" b="1" spc="-15">
-                          <a:solidFill>
-                            <a:srgbClr val="020302"/>
-                          </a:solidFill>
-                          <a:latin typeface="Adobe Clean"/>
-                          <a:cs typeface="Adobe Clean"/>
-                        </a:rPr>
-                        <a:t>T</a:t>
-                      </a:r>
-                      <a:r>
-                        <a:rPr sz="900" b="1">
-                          <a:solidFill>
-                            <a:srgbClr val="020302"/>
-                          </a:solidFill>
-                          <a:latin typeface="Adobe Clean"/>
-                          <a:cs typeface="Adobe Clean"/>
-                        </a:rPr>
-                        <a:t>Y</a:t>
-                      </a:r>
-                      <a:r>
-                        <a:rPr sz="900" b="1" spc="-40">
-                          <a:solidFill>
-                            <a:srgbClr val="020302"/>
-                          </a:solidFill>
-                          <a:latin typeface="Adobe Clean"/>
-                          <a:cs typeface="Adobe Clean"/>
-                        </a:rPr>
-                        <a:t> </a:t>
-                      </a:r>
-                      <a:r>
-                        <a:rPr sz="900" b="1">
-                          <a:solidFill>
-                            <a:srgbClr val="020302"/>
-                          </a:solidFill>
-                          <a:latin typeface="Adobe Clean"/>
-                          <a:cs typeface="Adobe Clean"/>
-                        </a:rPr>
-                        <a:t>1</a:t>
-                      </a:r>
-                      <a:endParaRPr sz="900">
-                        <a:latin typeface="Adobe Clean"/>
-                        <a:cs typeface="Adobe Clean"/>
-                      </a:endParaRPr>
                     </a:p>
                     <a:p>
                       <a:pPr marL="50800" marR="387985" lvl="0" indent="0" defTabSz="914400" eaLnBrk="1" fontAlgn="auto" latinLnBrk="0" hangingPunct="1">
@@ -3500,31 +2904,48 @@
                         <a:defRPr/>
                       </a:pPr>
                       <a:r>
-                        <a:rPr lang="en-US" sz="900" b="0" i="0" spc="-130">
+                        <a:rPr lang="de-DE" sz="900" b="0" i="0" dirty="0">
                           <a:solidFill>
                             <a:srgbClr val="020302"/>
                           </a:solidFill>
                           <a:latin typeface="Adobe Clean Light" panose="020B0303020404020204" pitchFamily="34" charset="0"/>
+                          <a:ea typeface="+mn-ea"/>
                           <a:cs typeface="Adobe Clean"/>
                         </a:rPr>
                         <a:t> </a:t>
                       </a:r>
                       <a:r>
-                        <a:rPr lang="en-US" sz="900" b="0" i="0" u="none" strike="noStrike">
+                        <a:rPr lang="de-DE" sz="900" b="0" i="0" u="none" strike="noStrike" dirty="0">
                           <a:solidFill>
                             <a:schemeClr val="tx1"/>
                           </a:solidFill>
-                          <a:effectLst/>
                           <a:latin typeface="Adobe Clean Light" panose="020B0303020404020204" pitchFamily="34" charset="0"/>
                           <a:ea typeface="+mn-ea"/>
                           <a:cs typeface="+mn-cs"/>
                         </a:rPr>
-                        <a:t>Customer's production business functions are down or has significant data loss or degradation of services and immediate attention is required to restore functionality and usability</a:t>
+                        <a:t>Die Produktionsfunktionen im Unternehmen des Kunden sind ausgefallen oder weisen </a:t>
                       </a:r>
-                      <a:endParaRPr lang="en-US" sz="900" b="0" i="0">
-                        <a:latin typeface="Adobe Clean Light" panose="020B0303020404020204" pitchFamily="34" charset="0"/>
-                        <a:cs typeface="AdobeClean-Light"/>
-                      </a:endParaRPr>
+                      <a:br>
+                        <a:rPr lang="sk-SK" sz="900" b="0" i="0" u="none" strike="noStrike" dirty="0">
+                          <a:solidFill>
+                            <a:schemeClr val="tx1"/>
+                          </a:solidFill>
+                          <a:latin typeface="Adobe Clean Light" panose="020B0303020404020204" pitchFamily="34" charset="0"/>
+                          <a:ea typeface="+mn-ea"/>
+                          <a:cs typeface="+mn-cs"/>
+                        </a:rPr>
+                      </a:br>
+                      <a:r>
+                        <a:rPr lang="de-DE" sz="900" b="0" i="0" u="none" strike="noStrike" dirty="0">
+                          <a:solidFill>
+                            <a:schemeClr val="tx1"/>
+                          </a:solidFill>
+                          <a:latin typeface="Adobe Clean Light" panose="020B0303020404020204" pitchFamily="34" charset="0"/>
+                          <a:ea typeface="+mn-ea"/>
+                          <a:cs typeface="+mn-cs"/>
+                        </a:rPr>
+                        <a:t>einen erheblichen Datenverlust oder eine Beeinträchtigung des Service auf und ein sofortiges Eingreifen ist nötig, um Funktionalität und Nutzbarkeit wiederherzustellen</a:t>
+                      </a:r>
                     </a:p>
                   </a:txBody>
                   <a:tcPr marL="0" marR="0" marT="0" marB="0" anchor="ctr">
@@ -3559,125 +2980,21 @@
                     <a:bodyPr/>
                     <a:lstStyle/>
                     <a:p>
-                      <a:pPr marL="542925" marR="492125" algn="l">
+                      <a:pPr marL="542925" marR="492125" indent="-142875" algn="l">
                         <a:lnSpc>
                           <a:spcPct val="102200"/>
                         </a:lnSpc>
                       </a:pPr>
                       <a:r>
-                        <a:rPr sz="900" spc="-15">
+                        <a:rPr lang="de-DE" sz="900" dirty="0">
                           <a:solidFill>
                             <a:srgbClr val="020302"/>
                           </a:solidFill>
                           <a:latin typeface="AdobeClean-Light"/>
                           <a:cs typeface="AdobeClean-Light"/>
                         </a:rPr>
-                        <a:t>24x7</a:t>
+                        <a:t>24x7/1 Stunde</a:t>
                       </a:r>
-                      <a:r>
-                        <a:rPr lang="en-US" sz="900" spc="-15">
-                          <a:solidFill>
-                            <a:srgbClr val="020302"/>
-                          </a:solidFill>
-                          <a:latin typeface="AdobeClean-Light"/>
-                          <a:cs typeface="AdobeClean-Light"/>
-                        </a:rPr>
-                        <a:t> </a:t>
-                      </a:r>
-                      <a:r>
-                        <a:rPr sz="900" spc="-15">
-                          <a:solidFill>
-                            <a:srgbClr val="020302"/>
-                          </a:solidFill>
-                          <a:latin typeface="AdobeClean-Light"/>
-                          <a:cs typeface="AdobeClean-Light"/>
-                        </a:rPr>
-                        <a:t>/</a:t>
-                      </a:r>
-                      <a:r>
-                        <a:rPr lang="en-US" sz="900" spc="-15">
-                          <a:solidFill>
-                            <a:srgbClr val="020302"/>
-                          </a:solidFill>
-                          <a:latin typeface="AdobeClean-Light"/>
-                          <a:cs typeface="AdobeClean-Light"/>
-                        </a:rPr>
-                        <a:t>         </a:t>
-                      </a:r>
-                      <a:r>
-                        <a:rPr sz="900" spc="-15">
-                          <a:solidFill>
-                            <a:srgbClr val="020302"/>
-                          </a:solidFill>
-                          <a:latin typeface="AdobeClean-Light"/>
-                          <a:cs typeface="AdobeClean-Light"/>
-                        </a:rPr>
-                        <a:t> </a:t>
-                      </a:r>
-                      <a:r>
-                        <a:rPr sz="900" spc="-200">
-                          <a:solidFill>
-                            <a:srgbClr val="020302"/>
-                          </a:solidFill>
-                          <a:latin typeface="AdobeClean-Light"/>
-                          <a:cs typeface="AdobeClean-Light"/>
-                        </a:rPr>
-                        <a:t> </a:t>
-                      </a:r>
-                      <a:r>
-                        <a:rPr sz="900">
-                          <a:solidFill>
-                            <a:srgbClr val="020302"/>
-                          </a:solidFill>
-                          <a:latin typeface="AdobeClean-Light"/>
-                          <a:cs typeface="AdobeClean-Light"/>
-                        </a:rPr>
-                        <a:t>1</a:t>
-                      </a:r>
-                      <a:r>
-                        <a:rPr sz="900" spc="-90">
-                          <a:solidFill>
-                            <a:srgbClr val="020302"/>
-                          </a:solidFill>
-                          <a:latin typeface="AdobeClean-Light"/>
-                          <a:cs typeface="AdobeClean-Light"/>
-                        </a:rPr>
-                        <a:t> </a:t>
-                      </a:r>
-                      <a:r>
-                        <a:rPr sz="900" spc="-15">
-                          <a:solidFill>
-                            <a:srgbClr val="020302"/>
-                          </a:solidFill>
-                          <a:latin typeface="AdobeClean-Light"/>
-                          <a:cs typeface="AdobeClean-Light"/>
-                        </a:rPr>
-                        <a:t>h</a:t>
-                      </a:r>
-                      <a:r>
-                        <a:rPr sz="900" spc="-20">
-                          <a:solidFill>
-                            <a:srgbClr val="020302"/>
-                          </a:solidFill>
-                          <a:latin typeface="AdobeClean-Light"/>
-                          <a:cs typeface="AdobeClean-Light"/>
-                        </a:rPr>
-                        <a:t>ou</a:t>
-                      </a:r>
-                      <a:r>
-                        <a:rPr sz="900">
-                          <a:solidFill>
-                            <a:srgbClr val="020302"/>
-                          </a:solidFill>
-                          <a:latin typeface="AdobeClean-Light"/>
-                          <a:cs typeface="AdobeClean-Light"/>
-                        </a:rPr>
-                        <a:t>r</a:t>
-                      </a:r>
-                      <a:endParaRPr sz="900">
-                        <a:latin typeface="AdobeClean-Light"/>
-                        <a:cs typeface="AdobeClean-Light"/>
-                      </a:endParaRPr>
                     </a:p>
                   </a:txBody>
                   <a:tcPr marL="0" marR="0" marT="0" marB="0" anchor="ctr">
@@ -3712,7 +3029,7 @@
                     <a:bodyPr/>
                     <a:lstStyle/>
                     <a:p>
-                      <a:pPr marL="352425" marR="476250" indent="111125">
+                      <a:pPr marL="285750" marR="476250" indent="114300" algn="ctr" defTabSz="1085850">
                         <a:lnSpc>
                           <a:spcPct val="100000"/>
                         </a:lnSpc>
@@ -3721,149 +3038,34 @@
                         </a:spcBef>
                       </a:pPr>
                       <a:r>
-                        <a:rPr sz="900" spc="-25">
+                        <a:rPr lang="de-DE" sz="900" dirty="0">
                           <a:solidFill>
                             <a:srgbClr val="020302"/>
                           </a:solidFill>
                           <a:latin typeface="AdobeClean-Light"/>
                           <a:cs typeface="AdobeClean-Light"/>
                         </a:rPr>
-                        <a:t>24</a:t>
+                        <a:t>24x7/</a:t>
                       </a:r>
-                      <a:r>
-                        <a:rPr sz="900" spc="-20">
+                      <a:br>
+                        <a:rPr lang="sk-SK" sz="900" dirty="0">
                           <a:solidFill>
                             <a:srgbClr val="020302"/>
                           </a:solidFill>
                           <a:latin typeface="AdobeClean-Light"/>
                           <a:cs typeface="AdobeClean-Light"/>
                         </a:rPr>
-                        <a:t>x</a:t>
-                      </a:r>
+                      </a:br>
                       <a:r>
-                        <a:rPr sz="900">
+                        <a:rPr lang="de-DE" sz="900" dirty="0">
                           <a:solidFill>
                             <a:srgbClr val="020302"/>
                           </a:solidFill>
                           <a:latin typeface="AdobeClean-Light"/>
                           <a:cs typeface="AdobeClean-Light"/>
                         </a:rPr>
-                        <a:t>7</a:t>
+                        <a:t>30 Minuten</a:t>
                       </a:r>
-                      <a:r>
-                        <a:rPr sz="900" spc="-35">
-                          <a:solidFill>
-                            <a:srgbClr val="020302"/>
-                          </a:solidFill>
-                          <a:latin typeface="AdobeClean-Light"/>
-                          <a:cs typeface="AdobeClean-Light"/>
-                        </a:rPr>
-                        <a:t> </a:t>
-                      </a:r>
-                      <a:r>
-                        <a:rPr sz="900">
-                          <a:solidFill>
-                            <a:srgbClr val="020302"/>
-                          </a:solidFill>
-                          <a:latin typeface="AdobeClean-Light"/>
-                          <a:cs typeface="AdobeClean-Light"/>
-                        </a:rPr>
-                        <a:t>/  </a:t>
-                      </a:r>
-                      <a:r>
-                        <a:rPr sz="900" spc="-20">
-                          <a:solidFill>
-                            <a:srgbClr val="020302"/>
-                          </a:solidFill>
-                          <a:latin typeface="AdobeClean-Light"/>
-                          <a:cs typeface="AdobeClean-Light"/>
-                        </a:rPr>
-                        <a:t>3</a:t>
-                      </a:r>
-                      <a:r>
-                        <a:rPr sz="900" spc="50">
-                          <a:solidFill>
-                            <a:srgbClr val="020302"/>
-                          </a:solidFill>
-                          <a:latin typeface="AdobeClean-Light"/>
-                          <a:cs typeface="AdobeClean-Light"/>
-                        </a:rPr>
-                        <a:t>0</a:t>
-                      </a:r>
-                      <a:r>
-                        <a:rPr sz="900" spc="-20">
-                          <a:solidFill>
-                            <a:srgbClr val="020302"/>
-                          </a:solidFill>
-                          <a:latin typeface="AdobeClean-Light"/>
-                          <a:cs typeface="AdobeClean-Light"/>
-                        </a:rPr>
-                        <a:t>m</a:t>
-                      </a:r>
-                      <a:r>
-                        <a:rPr sz="900" spc="-35">
-                          <a:solidFill>
-                            <a:srgbClr val="020302"/>
-                          </a:solidFill>
-                          <a:latin typeface="AdobeClean-Light"/>
-                          <a:cs typeface="AdobeClean-Light"/>
-                        </a:rPr>
-                        <a:t>i</a:t>
-                      </a:r>
-                      <a:r>
-                        <a:rPr sz="900" spc="-30">
-                          <a:solidFill>
-                            <a:srgbClr val="020302"/>
-                          </a:solidFill>
-                          <a:latin typeface="AdobeClean-Light"/>
-                          <a:cs typeface="AdobeClean-Light"/>
-                        </a:rPr>
-                        <a:t>n</a:t>
-                      </a:r>
-                      <a:r>
-                        <a:rPr sz="900" spc="-20">
-                          <a:solidFill>
-                            <a:srgbClr val="020302"/>
-                          </a:solidFill>
-                          <a:latin typeface="AdobeClean-Light"/>
-                          <a:cs typeface="AdobeClean-Light"/>
-                        </a:rPr>
-                        <a:t>u</a:t>
-                      </a:r>
-                      <a:r>
-                        <a:rPr sz="900" spc="-15">
-                          <a:solidFill>
-                            <a:srgbClr val="020302"/>
-                          </a:solidFill>
-                          <a:latin typeface="AdobeClean-Light"/>
-                          <a:cs typeface="AdobeClean-Light"/>
-                        </a:rPr>
-                        <a:t>t</a:t>
-                      </a:r>
-                      <a:r>
-                        <a:rPr sz="900" spc="-25">
-                          <a:solidFill>
-                            <a:srgbClr val="020302"/>
-                          </a:solidFill>
-                          <a:latin typeface="AdobeClean-Light"/>
-                          <a:cs typeface="AdobeClean-Light"/>
-                        </a:rPr>
-                        <a:t>e</a:t>
-                      </a:r>
-                      <a:r>
-                        <a:rPr sz="900">
-                          <a:solidFill>
-                            <a:srgbClr val="020302"/>
-                          </a:solidFill>
-                          <a:latin typeface="AdobeClean-Light"/>
-                          <a:cs typeface="AdobeClean-Light"/>
-                        </a:rPr>
-                        <a:t>s</a:t>
-                      </a:r>
-                      <a:endParaRPr sz="900">
-                        <a:latin typeface="AdobeClean-Light"/>
-                        <a:cs typeface="AdobeClean-Light"/>
-                      </a:endParaRPr>
                     </a:p>
                   </a:txBody>
                   <a:tcPr marL="0" marR="0" marT="0" marB="0" anchor="ctr">
@@ -3925,109 +3127,15 @@
                         </a:spcBef>
                       </a:pPr>
                       <a:r>
-                        <a:rPr sz="900" b="1" spc="-15">
+                        <a:rPr lang="de-DE" sz="900" b="1" dirty="0">
                           <a:solidFill>
                             <a:srgbClr val="020302"/>
                           </a:solidFill>
                           <a:latin typeface="Adobe Clean"/>
                           <a:cs typeface="Adobe Clean"/>
                         </a:rPr>
-                        <a:t>P</a:t>
+                        <a:t>PRIORITÄT 2</a:t>
                       </a:r>
-                      <a:r>
-                        <a:rPr sz="900" b="1" spc="-20">
-                          <a:solidFill>
-                            <a:srgbClr val="020302"/>
-                          </a:solidFill>
-                          <a:latin typeface="Adobe Clean"/>
-                          <a:cs typeface="Adobe Clean"/>
-                        </a:rPr>
-                        <a:t>R</a:t>
-                      </a:r>
-                      <a:r>
-                        <a:rPr sz="900" b="1" spc="-25">
-                          <a:solidFill>
-                            <a:srgbClr val="020302"/>
-                          </a:solidFill>
-                          <a:latin typeface="Adobe Clean"/>
-                          <a:cs typeface="Adobe Clean"/>
-                        </a:rPr>
-                        <a:t>I</a:t>
-                      </a:r>
-                      <a:r>
-                        <a:rPr sz="900" b="1" spc="-15">
-                          <a:solidFill>
-                            <a:srgbClr val="020302"/>
-                          </a:solidFill>
-                          <a:latin typeface="Adobe Clean"/>
-                          <a:cs typeface="Adobe Clean"/>
-                        </a:rPr>
-                        <a:t>O</a:t>
-                      </a:r>
-                      <a:r>
-                        <a:rPr sz="900" b="1" spc="-20">
-                          <a:solidFill>
-                            <a:srgbClr val="020302"/>
-                          </a:solidFill>
-                          <a:latin typeface="Adobe Clean"/>
-                          <a:cs typeface="Adobe Clean"/>
-                        </a:rPr>
-                        <a:t>R</a:t>
-                      </a:r>
-                      <a:r>
-                        <a:rPr sz="900" b="1" spc="-25">
-                          <a:solidFill>
-                            <a:srgbClr val="020302"/>
-                          </a:solidFill>
-                          <a:latin typeface="Adobe Clean"/>
-                          <a:cs typeface="Adobe Clean"/>
-                        </a:rPr>
-                        <a:t>I</a:t>
-                      </a:r>
-                      <a:r>
-                        <a:rPr sz="900" b="1" spc="-15">
-                          <a:solidFill>
-                            <a:srgbClr val="020302"/>
-                          </a:solidFill>
-                          <a:latin typeface="Adobe Clean"/>
-                          <a:cs typeface="Adobe Clean"/>
-                        </a:rPr>
-                        <a:t>T</a:t>
-                      </a:r>
-                      <a:r>
-                        <a:rPr sz="900" b="1">
-                          <a:solidFill>
-                            <a:srgbClr val="020302"/>
-                          </a:solidFill>
-                          <a:latin typeface="Adobe Clean"/>
-                          <a:cs typeface="Adobe Clean"/>
-                        </a:rPr>
-                        <a:t>Y</a:t>
-                      </a:r>
-                      <a:r>
-                        <a:rPr sz="900" b="1" spc="-40">
-                          <a:solidFill>
-                            <a:srgbClr val="020302"/>
-                          </a:solidFill>
-                          <a:latin typeface="Adobe Clean"/>
-                          <a:cs typeface="Adobe Clean"/>
-                        </a:rPr>
-                        <a:t> </a:t>
-                      </a:r>
-                      <a:r>
-                        <a:rPr sz="900" b="1">
-                          <a:solidFill>
-                            <a:srgbClr val="020302"/>
-                          </a:solidFill>
-                          <a:latin typeface="Adobe Clean"/>
-                          <a:cs typeface="Adobe Clean"/>
-                        </a:rPr>
-                        <a:t>2</a:t>
-                      </a:r>
-                      <a:endParaRPr sz="900">
-                        <a:latin typeface="Adobe Clean"/>
-                        <a:cs typeface="Adobe Clean"/>
-                      </a:endParaRPr>
                     </a:p>
                     <a:p>
                       <a:pPr marL="50165" marR="203200">
@@ -4039,21 +3147,37 @@
                         </a:spcBef>
                       </a:pPr>
                       <a:r>
-                        <a:rPr lang="en-US" sz="900" b="0" i="0" u="none" strike="noStrike">
+                        <a:rPr lang="de-DE" sz="900" b="0" i="0" u="none" strike="noStrike" dirty="0">
                           <a:solidFill>
                             <a:schemeClr val="tx1"/>
                           </a:solidFill>
-                          <a:effectLst/>
                           <a:latin typeface="Adobe Clean Light" panose="020B0303020404020204" pitchFamily="34" charset="0"/>
                           <a:ea typeface="+mn-ea"/>
                           <a:cs typeface="+mn-cs"/>
                         </a:rPr>
-                        <a:t>Customer's business functions has major degradation of services, or potential of data loss or unavailability of services, or a major feature is impacted</a:t>
+                        <a:t>Die Unternehmensfunktionen des Kunden weisen eine erhebliche Beeinträchtigung des Service, möglichen Datenverlust oder Nichtverfügbarkeit von Services auf oder eine zentrale Funktion </a:t>
                       </a:r>
-                      <a:endParaRPr lang="en-US" sz="900" b="0" i="0">
-                        <a:latin typeface="Adobe Clean Light" panose="020B0303020404020204" pitchFamily="34" charset="0"/>
-                        <a:cs typeface="AdobeClean-Light"/>
-                      </a:endParaRPr>
+                      <a:br>
+                        <a:rPr lang="sk-SK" sz="900" b="0" i="0" u="none" strike="noStrike" dirty="0">
+                          <a:solidFill>
+                            <a:schemeClr val="tx1"/>
+                          </a:solidFill>
+                          <a:latin typeface="Adobe Clean Light" panose="020B0303020404020204" pitchFamily="34" charset="0"/>
+                          <a:ea typeface="+mn-ea"/>
+                          <a:cs typeface="+mn-cs"/>
+                        </a:rPr>
+                      </a:br>
+                      <a:r>
+                        <a:rPr lang="de-DE" sz="900" b="0" i="0" u="none" strike="noStrike" dirty="0">
+                          <a:solidFill>
+                            <a:schemeClr val="tx1"/>
+                          </a:solidFill>
+                          <a:latin typeface="Adobe Clean Light" panose="020B0303020404020204" pitchFamily="34" charset="0"/>
+                          <a:ea typeface="+mn-ea"/>
+                          <a:cs typeface="+mn-cs"/>
+                        </a:rPr>
+                        <a:t>ist betroffen</a:t>
+                      </a:r>
                     </a:p>
                   </a:txBody>
                   <a:tcPr marL="0" marR="0" marT="0" marB="0" anchor="ctr">
@@ -4094,99 +3218,34 @@
                         </a:lnSpc>
                       </a:pPr>
                       <a:r>
-                        <a:rPr sz="900" spc="-30">
+                        <a:rPr lang="de-DE" sz="900" dirty="0">
                           <a:solidFill>
                             <a:srgbClr val="020302"/>
                           </a:solidFill>
                           <a:latin typeface="AdobeClean-Light"/>
                           <a:cs typeface="AdobeClean-Light"/>
                         </a:rPr>
-                        <a:t>Business hours</a:t>
+                        <a:t>Geschäftszeiten/</a:t>
                       </a:r>
-                      <a:r>
-                        <a:rPr lang="en-US" sz="900" spc="-30">
+                      <a:br>
+                        <a:rPr lang="sk-SK" sz="900" dirty="0">
                           <a:solidFill>
                             <a:srgbClr val="020302"/>
                           </a:solidFill>
                           <a:latin typeface="AdobeClean-Light"/>
                           <a:cs typeface="AdobeClean-Light"/>
                         </a:rPr>
-                        <a:t> </a:t>
-                      </a:r>
+                      </a:br>
                       <a:r>
-                        <a:rPr sz="900">
+                        <a:rPr lang="de-DE" sz="900" dirty="0">
                           <a:solidFill>
                             <a:srgbClr val="020302"/>
                           </a:solidFill>
                           <a:latin typeface="AdobeClean-Light"/>
                           <a:cs typeface="AdobeClean-Light"/>
                         </a:rPr>
-                        <a:t>/  </a:t>
+                        <a:t>4 Stunden</a:t>
                       </a:r>
-                      <a:r>
-                        <a:rPr lang="en-US" sz="900">
-                          <a:solidFill>
-                            <a:srgbClr val="020302"/>
-                          </a:solidFill>
-                          <a:latin typeface="AdobeClean-Light"/>
-                          <a:cs typeface="AdobeClean-Light"/>
-                        </a:rPr>
-                        <a:t>     </a:t>
-                      </a:r>
-                      <a:r>
-                        <a:rPr sz="900">
-                          <a:solidFill>
-                            <a:srgbClr val="020302"/>
-                          </a:solidFill>
-                          <a:latin typeface="AdobeClean-Light"/>
-                          <a:cs typeface="AdobeClean-Light"/>
-                        </a:rPr>
-                        <a:t>4</a:t>
-                      </a:r>
-                      <a:r>
-                        <a:rPr sz="900" spc="-100">
-                          <a:solidFill>
-                            <a:srgbClr val="020302"/>
-                          </a:solidFill>
-                          <a:latin typeface="AdobeClean-Light"/>
-                          <a:cs typeface="AdobeClean-Light"/>
-                        </a:rPr>
-                        <a:t> </a:t>
-                      </a:r>
-                      <a:r>
-                        <a:rPr sz="900" spc="-15">
-                          <a:solidFill>
-                            <a:srgbClr val="020302"/>
-                          </a:solidFill>
-                          <a:latin typeface="AdobeClean-Light"/>
-                          <a:cs typeface="AdobeClean-Light"/>
-                        </a:rPr>
-                        <a:t>h</a:t>
-                      </a:r>
-                      <a:r>
-                        <a:rPr sz="900" spc="-20">
-                          <a:solidFill>
-                            <a:srgbClr val="020302"/>
-                          </a:solidFill>
-                          <a:latin typeface="AdobeClean-Light"/>
-                          <a:cs typeface="AdobeClean-Light"/>
-                        </a:rPr>
-                        <a:t>our</a:t>
-                      </a:r>
-                      <a:r>
-                        <a:rPr sz="900">
-                          <a:solidFill>
-                            <a:srgbClr val="020302"/>
-                          </a:solidFill>
-                          <a:latin typeface="AdobeClean-Light"/>
-                          <a:cs typeface="AdobeClean-Light"/>
-                        </a:rPr>
-                        <a:t>s</a:t>
-                      </a:r>
-                      <a:endParaRPr sz="900">
-                        <a:latin typeface="AdobeClean-Light"/>
-                        <a:cs typeface="AdobeClean-Light"/>
-                      </a:endParaRPr>
                     </a:p>
                   </a:txBody>
                   <a:tcPr marL="0" marR="0" marT="0" marB="0" anchor="ctr">
@@ -4221,13 +3280,13 @@
                     <a:bodyPr/>
                     <a:lstStyle/>
                     <a:p>
-                      <a:pPr marL="542925" marR="492125" algn="l">
+                      <a:pPr marL="400050" marR="492125" indent="0" algn="ctr">
                         <a:lnSpc>
                           <a:spcPct val="102200"/>
                         </a:lnSpc>
                       </a:pPr>
                       <a:r>
-                        <a:rPr lang="en-US" sz="900" spc="-15">
+                        <a:rPr lang="de-DE" sz="900" dirty="0">
                           <a:solidFill>
                             <a:srgbClr val="020302"/>
                           </a:solidFill>
@@ -4235,7 +3294,28 @@
                           <a:ea typeface="+mn-ea"/>
                           <a:cs typeface="AdobeClean-Light"/>
                         </a:rPr>
-                        <a:t>24x5 /           1 hour</a:t>
+                        <a:t>24x5/</a:t>
+                      </a:r>
+                      <a:br>
+                        <a:rPr lang="sk-SK" sz="900" dirty="0">
+                          <a:solidFill>
+                            <a:srgbClr val="020302"/>
+                          </a:solidFill>
+                          <a:latin typeface="AdobeClean-Light"/>
+                          <a:ea typeface="+mn-ea"/>
+                          <a:cs typeface="AdobeClean-Light"/>
+                        </a:rPr>
+                      </a:br>
+                      <a:r>
+                        <a:rPr lang="de-DE" sz="900" dirty="0">
+                          <a:solidFill>
+                            <a:srgbClr val="020302"/>
+                          </a:solidFill>
+                          <a:latin typeface="AdobeClean-Light"/>
+                          <a:ea typeface="+mn-ea"/>
+                          <a:cs typeface="AdobeClean-Light"/>
+                        </a:rPr>
+                        <a:t>1 Stunde</a:t>
                       </a:r>
                     </a:p>
                   </a:txBody>
@@ -4295,109 +3375,15 @@
                         </a:spcBef>
                       </a:pPr>
                       <a:r>
-                        <a:rPr sz="900" b="1" spc="-15">
+                        <a:rPr lang="de-DE" sz="900" b="1" dirty="0">
                           <a:solidFill>
                             <a:srgbClr val="020302"/>
                           </a:solidFill>
                           <a:latin typeface="Adobe Clean"/>
                           <a:cs typeface="Adobe Clean"/>
                         </a:rPr>
-                        <a:t>P</a:t>
+                        <a:t>PRIORITÄT 3</a:t>
                       </a:r>
-                      <a:r>
-                        <a:rPr sz="900" b="1" spc="-20">
-                          <a:solidFill>
-                            <a:srgbClr val="020302"/>
-                          </a:solidFill>
-                          <a:latin typeface="Adobe Clean"/>
-                          <a:cs typeface="Adobe Clean"/>
-                        </a:rPr>
-                        <a:t>R</a:t>
-                      </a:r>
-                      <a:r>
-                        <a:rPr sz="900" b="1" spc="-25">
-                          <a:solidFill>
-                            <a:srgbClr val="020302"/>
-                          </a:solidFill>
-                          <a:latin typeface="Adobe Clean"/>
-                          <a:cs typeface="Adobe Clean"/>
-                        </a:rPr>
-                        <a:t>I</a:t>
-                      </a:r>
-                      <a:r>
-                        <a:rPr sz="900" b="1" spc="-15">
-                          <a:solidFill>
-                            <a:srgbClr val="020302"/>
-                          </a:solidFill>
-                          <a:latin typeface="Adobe Clean"/>
-                          <a:cs typeface="Adobe Clean"/>
-                        </a:rPr>
-                        <a:t>O</a:t>
-                      </a:r>
-                      <a:r>
-                        <a:rPr sz="900" b="1" spc="-20">
-                          <a:solidFill>
-                            <a:srgbClr val="020302"/>
-                          </a:solidFill>
-                          <a:latin typeface="Adobe Clean"/>
-                          <a:cs typeface="Adobe Clean"/>
-                        </a:rPr>
-                        <a:t>R</a:t>
-                      </a:r>
-                      <a:r>
-                        <a:rPr sz="900" b="1" spc="-25">
-                          <a:solidFill>
-                            <a:srgbClr val="020302"/>
-                          </a:solidFill>
-                          <a:latin typeface="Adobe Clean"/>
-                          <a:cs typeface="Adobe Clean"/>
-                        </a:rPr>
-                        <a:t>I</a:t>
-                      </a:r>
-                      <a:r>
-                        <a:rPr sz="900" b="1" spc="-15">
-                          <a:solidFill>
-                            <a:srgbClr val="020302"/>
-                          </a:solidFill>
-                          <a:latin typeface="Adobe Clean"/>
-                          <a:cs typeface="Adobe Clean"/>
-                        </a:rPr>
-                        <a:t>T</a:t>
-                      </a:r>
-                      <a:r>
-                        <a:rPr sz="900" b="1">
-                          <a:solidFill>
-                            <a:srgbClr val="020302"/>
-                          </a:solidFill>
-                          <a:latin typeface="Adobe Clean"/>
-                          <a:cs typeface="Adobe Clean"/>
-                        </a:rPr>
-                        <a:t>Y</a:t>
-                      </a:r>
-                      <a:r>
-                        <a:rPr sz="900" b="1" spc="-40">
-                          <a:solidFill>
-                            <a:srgbClr val="020302"/>
-                          </a:solidFill>
-                          <a:latin typeface="Adobe Clean"/>
-                          <a:cs typeface="Adobe Clean"/>
-                        </a:rPr>
-                        <a:t> </a:t>
-                      </a:r>
-                      <a:r>
-                        <a:rPr sz="900" b="1">
-                          <a:solidFill>
-                            <a:srgbClr val="020302"/>
-                          </a:solidFill>
-                          <a:latin typeface="Adobe Clean"/>
-                          <a:cs typeface="Adobe Clean"/>
-                        </a:rPr>
-                        <a:t>3</a:t>
-                      </a:r>
-                      <a:endParaRPr sz="900">
-                        <a:latin typeface="Adobe Clean"/>
-                        <a:cs typeface="Adobe Clean"/>
-                      </a:endParaRPr>
                     </a:p>
                     <a:p>
                       <a:pPr marL="49530" marR="212090" indent="-2540">
@@ -4409,21 +3395,37 @@
                         </a:spcBef>
                       </a:pPr>
                       <a:r>
-                        <a:rPr lang="en-US" sz="900" b="0" i="0" u="none" strike="noStrike">
+                        <a:rPr lang="de-DE" sz="900" b="0" i="0" u="none" strike="noStrike" dirty="0">
                           <a:solidFill>
                             <a:schemeClr val="tx1"/>
                           </a:solidFill>
-                          <a:effectLst/>
                           <a:latin typeface="Adobe Clean Light" panose="020B0303020404020204" pitchFamily="34" charset="0"/>
                           <a:ea typeface="+mn-ea"/>
                           <a:cs typeface="+mn-cs"/>
                         </a:rPr>
-                        <a:t>Customer's business functions has minor to no degradation of services with a solution/workaround allowing business functions to continue.  </a:t>
+                        <a:t>Die Unternehmensfunktionen des Kunden weisen eine geringfügige oder gar keine Beeinträchtigung der Services auf, es gibt jedoch eine Lösung/Problemumgehung, </a:t>
                       </a:r>
-                      <a:endParaRPr lang="en-US" sz="900" b="0" i="0">
-                        <a:latin typeface="Adobe Clean Light" panose="020B0303020404020204" pitchFamily="34" charset="0"/>
-                        <a:cs typeface="AdobeClean-Light"/>
-                      </a:endParaRPr>
+                      <a:br>
+                        <a:rPr lang="sk-SK" sz="900" b="0" i="0" u="none" strike="noStrike" dirty="0">
+                          <a:solidFill>
+                            <a:schemeClr val="tx1"/>
+                          </a:solidFill>
+                          <a:latin typeface="Adobe Clean Light" panose="020B0303020404020204" pitchFamily="34" charset="0"/>
+                          <a:ea typeface="+mn-ea"/>
+                          <a:cs typeface="+mn-cs"/>
+                        </a:rPr>
+                      </a:br>
+                      <a:r>
+                        <a:rPr lang="de-DE" sz="900" b="0" i="0" u="none" strike="noStrike" dirty="0">
+                          <a:solidFill>
+                            <a:schemeClr val="tx1"/>
+                          </a:solidFill>
+                          <a:latin typeface="Adobe Clean Light" panose="020B0303020404020204" pitchFamily="34" charset="0"/>
+                          <a:ea typeface="+mn-ea"/>
+                          <a:cs typeface="+mn-cs"/>
+                        </a:rPr>
+                        <a:t>mit der die Unternehmensfunktionen weiterhin genutzt werden können.  </a:t>
+                      </a:r>
                     </a:p>
                   </a:txBody>
                   <a:tcPr marL="0" marR="0" marT="0" marB="0" anchor="ctr">
@@ -4464,69 +3466,34 @@
                         </a:lnSpc>
                       </a:pPr>
                       <a:r>
-                        <a:rPr lang="en-US" sz="900" spc="-30">
+                        <a:rPr lang="de-DE" sz="900" dirty="0">
                           <a:solidFill>
                             <a:srgbClr val="020302"/>
                           </a:solidFill>
                           <a:latin typeface="AdobeClean-Light"/>
                           <a:cs typeface="AdobeClean-Light"/>
                         </a:rPr>
-                        <a:t>Business hours </a:t>
+                        <a:t>Geschäftszeiten/</a:t>
                       </a:r>
-                      <a:r>
-                        <a:rPr lang="en-US" sz="900">
+                      <a:br>
+                        <a:rPr lang="sk-SK" sz="900" dirty="0">
                           <a:solidFill>
                             <a:srgbClr val="020302"/>
                           </a:solidFill>
                           <a:latin typeface="AdobeClean-Light"/>
                           <a:cs typeface="AdobeClean-Light"/>
                         </a:rPr>
-                        <a:t>/       6</a:t>
-                      </a:r>
+                      </a:br>
                       <a:r>
-                        <a:rPr lang="en-US" sz="900" spc="-100">
+                        <a:rPr lang="de-DE" sz="900" dirty="0">
                           <a:solidFill>
                             <a:srgbClr val="020302"/>
                           </a:solidFill>
                           <a:latin typeface="AdobeClean-Light"/>
                           <a:cs typeface="AdobeClean-Light"/>
                         </a:rPr>
-                        <a:t> </a:t>
+                        <a:t>6 Stunden</a:t>
                       </a:r>
-                      <a:r>
-                        <a:rPr lang="en-US" sz="900" spc="-15">
-                          <a:solidFill>
-                            <a:srgbClr val="020302"/>
-                          </a:solidFill>
-                          <a:latin typeface="AdobeClean-Light"/>
-                          <a:cs typeface="AdobeClean-Light"/>
-                        </a:rPr>
-                        <a:t>h</a:t>
-                      </a:r>
-                      <a:r>
-                        <a:rPr lang="en-US" sz="900" spc="-20">
-                          <a:solidFill>
-                            <a:srgbClr val="020302"/>
-                          </a:solidFill>
-                          <a:latin typeface="AdobeClean-Light"/>
-                          <a:cs typeface="AdobeClean-Light"/>
-                        </a:rPr>
-                        <a:t>our</a:t>
-                      </a:r>
-                      <a:r>
-                        <a:rPr lang="en-US" sz="900">
-                          <a:solidFill>
-                            <a:srgbClr val="020302"/>
-                          </a:solidFill>
-                          <a:latin typeface="AdobeClean-Light"/>
-                          <a:cs typeface="AdobeClean-Light"/>
-                        </a:rPr>
-                        <a:t>s</a:t>
-                      </a:r>
-                      <a:endParaRPr lang="en-US" sz="900">
-                        <a:latin typeface="AdobeClean-Light"/>
-                        <a:cs typeface="AdobeClean-Light"/>
-                      </a:endParaRPr>
                     </a:p>
                   </a:txBody>
                   <a:tcPr marL="0" marR="0" marT="0" marB="0" anchor="ctr">
@@ -4561,7 +3528,7 @@
                     <a:bodyPr/>
                     <a:lstStyle/>
                     <a:p>
-                      <a:pPr marL="428625" marR="398780" indent="-198120">
+                      <a:pPr marL="171450" marR="398780" indent="0" algn="ctr">
                         <a:lnSpc>
                           <a:spcPct val="102200"/>
                         </a:lnSpc>
@@ -4570,169 +3537,34 @@
                         </a:spcBef>
                       </a:pPr>
                       <a:r>
-                        <a:rPr sz="900" spc="-30">
+                        <a:rPr lang="de-DE" sz="900" dirty="0">
                           <a:solidFill>
                             <a:srgbClr val="020302"/>
                           </a:solidFill>
                           <a:latin typeface="AdobeClean-Light"/>
                           <a:cs typeface="AdobeClean-Light"/>
                         </a:rPr>
-                        <a:t>B</a:t>
+                        <a:t>Geschäftszeiten/</a:t>
                       </a:r>
-                      <a:r>
-                        <a:rPr sz="900" spc="-20">
+                      <a:br>
+                        <a:rPr lang="sk-SK" sz="900" dirty="0">
                           <a:solidFill>
                             <a:srgbClr val="020302"/>
                           </a:solidFill>
                           <a:latin typeface="AdobeClean-Light"/>
                           <a:cs typeface="AdobeClean-Light"/>
                         </a:rPr>
-                        <a:t>us</a:t>
-                      </a:r>
+                      </a:br>
                       <a:r>
-                        <a:rPr sz="900" spc="-15">
+                        <a:rPr lang="de-DE" sz="900" dirty="0">
                           <a:solidFill>
                             <a:srgbClr val="020302"/>
                           </a:solidFill>
                           <a:latin typeface="AdobeClean-Light"/>
                           <a:cs typeface="AdobeClean-Light"/>
                         </a:rPr>
-                        <a:t>i</a:t>
+                        <a:t>2 Stunden</a:t>
                       </a:r>
-                      <a:r>
-                        <a:rPr sz="900" spc="-30">
-                          <a:solidFill>
-                            <a:srgbClr val="020302"/>
-                          </a:solidFill>
-                          <a:latin typeface="AdobeClean-Light"/>
-                          <a:cs typeface="AdobeClean-Light"/>
-                        </a:rPr>
-                        <a:t>n</a:t>
-                      </a:r>
-                      <a:r>
-                        <a:rPr sz="900" spc="-25">
-                          <a:solidFill>
-                            <a:srgbClr val="020302"/>
-                          </a:solidFill>
-                          <a:latin typeface="AdobeClean-Light"/>
-                          <a:cs typeface="AdobeClean-Light"/>
-                        </a:rPr>
-                        <a:t>e</a:t>
-                      </a:r>
-                      <a:r>
-                        <a:rPr sz="900" spc="-20">
-                          <a:solidFill>
-                            <a:srgbClr val="020302"/>
-                          </a:solidFill>
-                          <a:latin typeface="AdobeClean-Light"/>
-                          <a:cs typeface="AdobeClean-Light"/>
-                        </a:rPr>
-                        <a:t>s</a:t>
-                      </a:r>
-                      <a:r>
-                        <a:rPr sz="900">
-                          <a:solidFill>
-                            <a:srgbClr val="020302"/>
-                          </a:solidFill>
-                          <a:latin typeface="AdobeClean-Light"/>
-                          <a:cs typeface="AdobeClean-Light"/>
-                        </a:rPr>
-                        <a:t>s</a:t>
-                      </a:r>
-                      <a:r>
-                        <a:rPr lang="en-US" sz="900" spc="-120">
-                          <a:solidFill>
-                            <a:srgbClr val="020302"/>
-                          </a:solidFill>
-                          <a:latin typeface="AdobeClean-Light"/>
-                          <a:cs typeface="AdobeClean-Light"/>
-                        </a:rPr>
-                        <a:t> </a:t>
-                      </a:r>
-                      <a:r>
-                        <a:rPr sz="900">
-                          <a:solidFill>
-                            <a:srgbClr val="020302"/>
-                          </a:solidFill>
-                          <a:latin typeface="AdobeClean-Light"/>
-                          <a:cs typeface="AdobeClean-Light"/>
-                        </a:rPr>
-                        <a:t>h</a:t>
-                      </a:r>
-                      <a:r>
-                        <a:rPr sz="900" spc="-5">
-                          <a:solidFill>
-                            <a:srgbClr val="020302"/>
-                          </a:solidFill>
-                          <a:latin typeface="AdobeClean-Light"/>
-                          <a:cs typeface="AdobeClean-Light"/>
-                        </a:rPr>
-                        <a:t>ours</a:t>
-                      </a:r>
-                      <a:r>
-                        <a:rPr lang="en-US" sz="900" spc="-5">
-                          <a:solidFill>
-                            <a:srgbClr val="020302"/>
-                          </a:solidFill>
-                          <a:latin typeface="AdobeClean-Light"/>
-                          <a:cs typeface="AdobeClean-Light"/>
-                        </a:rPr>
-                        <a:t> </a:t>
-                      </a:r>
-                      <a:r>
-                        <a:rPr sz="900">
-                          <a:solidFill>
-                            <a:srgbClr val="020302"/>
-                          </a:solidFill>
-                          <a:latin typeface="AdobeClean-Light"/>
-                          <a:cs typeface="AdobeClean-Light"/>
-                        </a:rPr>
-                        <a:t>/  2</a:t>
-                      </a:r>
-                      <a:r>
-                        <a:rPr sz="900" spc="-100">
-                          <a:solidFill>
-                            <a:srgbClr val="020302"/>
-                          </a:solidFill>
-                          <a:latin typeface="AdobeClean-Light"/>
-                          <a:cs typeface="AdobeClean-Light"/>
-                        </a:rPr>
-                        <a:t> </a:t>
-                      </a:r>
-                      <a:r>
-                        <a:rPr sz="900" spc="-15">
-                          <a:solidFill>
-                            <a:srgbClr val="020302"/>
-                          </a:solidFill>
-                          <a:latin typeface="AdobeClean-Light"/>
-                          <a:cs typeface="AdobeClean-Light"/>
-                        </a:rPr>
-                        <a:t>h</a:t>
-                      </a:r>
-                      <a:r>
-                        <a:rPr sz="900" spc="-20">
-                          <a:solidFill>
-                            <a:srgbClr val="020302"/>
-                          </a:solidFill>
-                          <a:latin typeface="AdobeClean-Light"/>
-                          <a:cs typeface="AdobeClean-Light"/>
-                        </a:rPr>
-                        <a:t>our</a:t>
-                      </a:r>
-                      <a:r>
-                        <a:rPr sz="900">
-                          <a:solidFill>
-                            <a:srgbClr val="020302"/>
-                          </a:solidFill>
-                          <a:latin typeface="AdobeClean-Light"/>
-                          <a:cs typeface="AdobeClean-Light"/>
-                        </a:rPr>
-                        <a:t>s</a:t>
-                      </a:r>
-                      <a:endParaRPr sz="900">
-                        <a:latin typeface="AdobeClean-Light"/>
-                        <a:cs typeface="AdobeClean-Light"/>
-                      </a:endParaRPr>
                     </a:p>
                   </a:txBody>
                   <a:tcPr marL="0" marR="0" marT="0" marB="0" anchor="ctr">
@@ -4791,109 +3623,15 @@
                         </a:spcBef>
                       </a:pPr>
                       <a:r>
-                        <a:rPr sz="900" b="1" spc="-15">
+                        <a:rPr lang="de-DE" sz="900" b="1">
                           <a:solidFill>
                             <a:srgbClr val="020302"/>
                           </a:solidFill>
                           <a:latin typeface="Adobe Clean"/>
                           <a:cs typeface="Adobe Clean"/>
                         </a:rPr>
-                        <a:t>P</a:t>
+                        <a:t>PRIORITÄT 4</a:t>
                       </a:r>
-                      <a:r>
-                        <a:rPr sz="900" b="1" spc="-20">
-                          <a:solidFill>
-                            <a:srgbClr val="020302"/>
-                          </a:solidFill>
-                          <a:latin typeface="Adobe Clean"/>
-                          <a:cs typeface="Adobe Clean"/>
-                        </a:rPr>
-                        <a:t>R</a:t>
-                      </a:r>
-                      <a:r>
-                        <a:rPr sz="900" b="1" spc="-25">
-                          <a:solidFill>
-                            <a:srgbClr val="020302"/>
-                          </a:solidFill>
-                          <a:latin typeface="Adobe Clean"/>
-                          <a:cs typeface="Adobe Clean"/>
-                        </a:rPr>
-                        <a:t>I</a:t>
-                      </a:r>
-                      <a:r>
-                        <a:rPr sz="900" b="1" spc="-15">
-                          <a:solidFill>
-                            <a:srgbClr val="020302"/>
-                          </a:solidFill>
-                          <a:latin typeface="Adobe Clean"/>
-                          <a:cs typeface="Adobe Clean"/>
-                        </a:rPr>
-                        <a:t>O</a:t>
-                      </a:r>
-                      <a:r>
-                        <a:rPr sz="900" b="1" spc="-20">
-                          <a:solidFill>
-                            <a:srgbClr val="020302"/>
-                          </a:solidFill>
-                          <a:latin typeface="Adobe Clean"/>
-                          <a:cs typeface="Adobe Clean"/>
-                        </a:rPr>
-                        <a:t>R</a:t>
-                      </a:r>
-                      <a:r>
-                        <a:rPr sz="900" b="1" spc="-25">
-                          <a:solidFill>
-                            <a:srgbClr val="020302"/>
-                          </a:solidFill>
-                          <a:latin typeface="Adobe Clean"/>
-                          <a:cs typeface="Adobe Clean"/>
-                        </a:rPr>
-                        <a:t>I</a:t>
-                      </a:r>
-                      <a:r>
-                        <a:rPr sz="900" b="1" spc="-15">
-                          <a:solidFill>
-                            <a:srgbClr val="020302"/>
-                          </a:solidFill>
-                          <a:latin typeface="Adobe Clean"/>
-                          <a:cs typeface="Adobe Clean"/>
-                        </a:rPr>
-                        <a:t>T</a:t>
-                      </a:r>
-                      <a:r>
-                        <a:rPr sz="900" b="1">
-                          <a:solidFill>
-                            <a:srgbClr val="020302"/>
-                          </a:solidFill>
-                          <a:latin typeface="Adobe Clean"/>
-                          <a:cs typeface="Adobe Clean"/>
-                        </a:rPr>
-                        <a:t>Y</a:t>
-                      </a:r>
-                      <a:r>
-                        <a:rPr sz="900" b="1" spc="-40">
-                          <a:solidFill>
-                            <a:srgbClr val="020302"/>
-                          </a:solidFill>
-                          <a:latin typeface="Adobe Clean"/>
-                          <a:cs typeface="Adobe Clean"/>
-                        </a:rPr>
-                        <a:t> </a:t>
-                      </a:r>
-                      <a:r>
-                        <a:rPr sz="900" b="1">
-                          <a:solidFill>
-                            <a:srgbClr val="020302"/>
-                          </a:solidFill>
-                          <a:latin typeface="Adobe Clean"/>
-                          <a:cs typeface="Adobe Clean"/>
-                        </a:rPr>
-                        <a:t>4</a:t>
-                      </a:r>
-                      <a:endParaRPr sz="900">
-                        <a:latin typeface="Adobe Clean"/>
-                        <a:cs typeface="Adobe Clean"/>
-                      </a:endParaRPr>
                     </a:p>
                     <a:p>
                       <a:pPr marL="49530">
@@ -4905,31 +3643,27 @@
                         </a:spcBef>
                       </a:pPr>
                       <a:r>
-                        <a:rPr lang="en-US" sz="900" b="1" spc="-90">
+                        <a:rPr lang="de-DE" sz="900" b="1">
                           <a:solidFill>
                             <a:srgbClr val="020302"/>
                           </a:solidFill>
                           <a:latin typeface="Adobe Clean"/>
+                          <a:ea typeface="+mn-ea"/>
                           <a:cs typeface="Adobe Clean"/>
                         </a:rPr>
                         <a:t> </a:t>
                       </a:r>
                       <a:r>
-                        <a:rPr lang="en-US" sz="900" b="0" i="0" u="none" strike="noStrike">
+                        <a:rPr lang="de-DE" sz="900" b="0" i="0" u="none" strike="noStrike">
                           <a:solidFill>
                             <a:schemeClr val="tx1"/>
                           </a:solidFill>
-                          <a:effectLst/>
                           <a:latin typeface="Adobe Clean Light" panose="020B0303020404020204" pitchFamily="34" charset="0"/>
                           <a:ea typeface="+mn-ea"/>
                           <a:cs typeface="+mn-cs"/>
                         </a:rPr>
-                        <a:t>General question regarding current product functionality or an enhancement request</a:t>
+                        <a:t>Allgemeine Frage zur aktuellen Produktfunktionalität oder Anfrage zu einer Erweiterung</a:t>
                       </a:r>
-                      <a:endParaRPr lang="en-US" sz="900" b="0" i="0">
-                        <a:latin typeface="Adobe Clean Light" panose="020B0303020404020204" pitchFamily="34" charset="0"/>
-                        <a:cs typeface="AdobeClean-Light"/>
-                      </a:endParaRPr>
                     </a:p>
                   </a:txBody>
                   <a:tcPr marL="0" marR="0" marT="0" marB="0" anchor="ctr">
@@ -4970,59 +3704,34 @@
                         </a:lnSpc>
                       </a:pPr>
                       <a:r>
-                        <a:rPr lang="en-US" sz="900" spc="-30">
+                        <a:rPr lang="de-DE" sz="900" dirty="0">
                           <a:solidFill>
                             <a:srgbClr val="020302"/>
                           </a:solidFill>
                           <a:latin typeface="AdobeClean-Light"/>
                           <a:cs typeface="AdobeClean-Light"/>
                         </a:rPr>
-                        <a:t>Business days </a:t>
+                        <a:t>Geschäftstage/</a:t>
                       </a:r>
-                      <a:r>
-                        <a:rPr lang="en-US" sz="900">
+                      <a:br>
+                        <a:rPr lang="sk-SK" sz="900" dirty="0">
                           <a:solidFill>
                             <a:srgbClr val="020302"/>
                           </a:solidFill>
                           <a:latin typeface="AdobeClean-Light"/>
                           <a:cs typeface="AdobeClean-Light"/>
                         </a:rPr>
-                        <a:t>/        3</a:t>
-                      </a:r>
+                      </a:br>
                       <a:r>
-                        <a:rPr lang="en-US" sz="900" spc="-100">
+                        <a:rPr lang="de-DE" sz="900" dirty="0">
                           <a:solidFill>
                             <a:srgbClr val="020302"/>
                           </a:solidFill>
                           <a:latin typeface="AdobeClean-Light"/>
                           <a:cs typeface="AdobeClean-Light"/>
                         </a:rPr>
-                        <a:t> </a:t>
+                        <a:t>3 Tage</a:t>
                       </a:r>
-                      <a:r>
-                        <a:rPr lang="en-US" sz="900" spc="-15">
-                          <a:solidFill>
-                            <a:srgbClr val="020302"/>
-                          </a:solidFill>
-                          <a:latin typeface="AdobeClean-Light"/>
-                          <a:cs typeface="AdobeClean-Light"/>
-                        </a:rPr>
-                        <a:t>day</a:t>
-                      </a:r>
-                      <a:r>
-                        <a:rPr lang="en-US" sz="900">
-                          <a:solidFill>
-                            <a:srgbClr val="020302"/>
-                          </a:solidFill>
-                          <a:latin typeface="AdobeClean-Light"/>
-                          <a:cs typeface="AdobeClean-Light"/>
-                        </a:rPr>
-                        <a:t>s</a:t>
-                      </a:r>
-                      <a:endParaRPr lang="en-US" sz="900">
-                        <a:latin typeface="AdobeClean-Light"/>
-                        <a:cs typeface="AdobeClean-Light"/>
-                      </a:endParaRPr>
                     </a:p>
                   </a:txBody>
                   <a:tcPr marL="0" marR="0" marT="0" marB="0" anchor="ctr">
@@ -5063,49 +3772,15 @@
                         </a:lnSpc>
                       </a:pPr>
                       <a:r>
-                        <a:rPr lang="en-US" sz="900" spc="-30">
+                        <a:rPr lang="de-DE" sz="900" dirty="0">
                           <a:solidFill>
                             <a:srgbClr val="020302"/>
                           </a:solidFill>
                           <a:latin typeface="AdobeClean-Light"/>
                           <a:cs typeface="AdobeClean-Light"/>
                         </a:rPr>
-                        <a:t>Business days </a:t>
+                        <a:t>Geschäftstage/1 Tag</a:t>
                       </a:r>
-                      <a:r>
-                        <a:rPr lang="en-US" sz="900">
-                          <a:solidFill>
-                            <a:srgbClr val="020302"/>
-                          </a:solidFill>
-                          <a:latin typeface="AdobeClean-Light"/>
-                          <a:cs typeface="AdobeClean-Light"/>
-                        </a:rPr>
-                        <a:t>/       1</a:t>
-                      </a:r>
-                      <a:r>
-                        <a:rPr lang="en-US" sz="900" spc="-100">
-                          <a:solidFill>
-                            <a:srgbClr val="020302"/>
-                          </a:solidFill>
-                          <a:latin typeface="AdobeClean-Light"/>
-                          <a:cs typeface="AdobeClean-Light"/>
-                        </a:rPr>
-                        <a:t> </a:t>
-                      </a:r>
-                      <a:r>
-                        <a:rPr lang="en-US" sz="900" spc="-15">
-                          <a:solidFill>
-                            <a:srgbClr val="020302"/>
-                          </a:solidFill>
-                          <a:latin typeface="AdobeClean-Light"/>
-                          <a:cs typeface="AdobeClean-Light"/>
-                        </a:rPr>
-                        <a:t>day</a:t>
-                      </a:r>
-                      <a:endParaRPr lang="en-US" sz="900">
-                        <a:latin typeface="AdobeClean-Light"/>
-                        <a:cs typeface="AdobeClean-Light"/>
-                      </a:endParaRPr>
                     </a:p>
                   </a:txBody>
                   <a:tcPr marL="0" marR="0" marT="0" marB="0" anchor="ctr">
@@ -5209,40 +3884,8 @@
               </a:spcBef>
             </a:pPr>
             <a:r>
-              <a:rPr spc="-10"/>
-              <a:t>©202</a:t>
-            </a:r>
-            <a:r>
-              <a:rPr lang="en-US" spc="-10"/>
-              <a:t>1</a:t>
-            </a:r>
-            <a:r>
-              <a:rPr spc="-5"/>
-              <a:t> Adobe. All</a:t>
-            </a:r>
-            <a:r>
-              <a:rPr spc="-10"/>
-              <a:t> Rights</a:t>
-            </a:r>
-            <a:r>
-              <a:rPr spc="-5"/>
-              <a:t> </a:t>
-            </a:r>
-            <a:r>
-              <a:rPr spc="-10"/>
-              <a:t>Reserved.</a:t>
-            </a:r>
-            <a:r>
-              <a:rPr spc="-5"/>
-              <a:t> Adobe</a:t>
-            </a:r>
-            <a:r>
-              <a:rPr spc="60"/>
-              <a:t> </a:t>
-            </a:r>
-            <a:r>
-              <a:rPr spc="-10"/>
-              <a:t>Confidential.</a:t>
+              <a:rPr lang="de-DE"/>
+              <a:t>©2021 Adobe. All Rights Reserved. Adobe Confidential.</a:t>
             </a:r>
           </a:p>
         </p:txBody>
@@ -5276,7 +3919,7 @@
           <a:lstStyle/>
           <a:p>
             <a:r>
-              <a:rPr lang="en-US" sz="700" i="1">
+              <a:rPr lang="de-DE" sz="700" i="1">
                 <a:solidFill>
                   <a:schemeClr val="bg1"/>
                 </a:solidFill>
@@ -5322,7 +3965,7 @@
               </a:spcBef>
             </a:pPr>
             <a:r>
-              <a:rPr lang="en-US" sz="1200">
+              <a:rPr lang="de-DE" sz="1200" dirty="0">
                 <a:solidFill>
                   <a:schemeClr val="bg1"/>
                 </a:solidFill>
@@ -5331,7 +3974,7 @@
               <a:t>Online | Business |</a:t>
             </a:r>
             <a:r>
-              <a:rPr lang="en-US" sz="1200" b="1">
+              <a:rPr lang="de-DE" sz="1200" b="1" dirty="0">
                 <a:solidFill>
                   <a:schemeClr val="bg1"/>
                 </a:solidFill>
@@ -5340,7 +3983,7 @@
               <a:t> </a:t>
             </a:r>
             <a:r>
-              <a:rPr lang="en-US" sz="1200" b="1">
+              <a:rPr lang="de-DE" sz="1200" b="1" dirty="0">
                 <a:solidFill>
                   <a:schemeClr val="bg1"/>
                 </a:solidFill>
@@ -5348,7 +3991,7 @@
               <a:t>Enterprise</a:t>
             </a:r>
             <a:r>
-              <a:rPr lang="en-US" sz="1200" b="1">
+              <a:rPr lang="de-DE" sz="1200" b="1" dirty="0">
                 <a:solidFill>
                   <a:schemeClr val="bg1"/>
                 </a:solidFill>
@@ -5357,7 +4000,7 @@
               <a:t> </a:t>
             </a:r>
             <a:r>
-              <a:rPr lang="en-US" sz="1200">
+              <a:rPr lang="de-DE" sz="1200" dirty="0">
                 <a:solidFill>
                   <a:schemeClr val="bg1"/>
                 </a:solidFill>
@@ -5366,7 +4009,7 @@
               <a:t>| Elite</a:t>
             </a:r>
             <a:br>
-              <a:rPr lang="en-US" sz="900">
+              <a:rPr lang="de-DE" sz="900" dirty="0">
                 <a:solidFill>
                   <a:schemeClr val="bg1"/>
                 </a:solidFill>
@@ -5374,21 +4017,31 @@
               </a:rPr>
             </a:br>
             <a:r>
-              <a:rPr lang="en-US" sz="900">
+              <a:rPr lang="de-DE" sz="900" dirty="0">
                 <a:solidFill>
                   <a:schemeClr val="bg1"/>
                 </a:solidFill>
                 <a:latin typeface="Adobe Clean SemiLight" panose="020B0403020404020204" pitchFamily="34" charset="0"/>
               </a:rPr>
-              <a:t>ENTERPRISE support includes access to personalized learning paths and monitored community forums via the Adobe Experience League. You can also take advantage of our detailed and in-depth technical product documentation and current release notes. ENTERPRISE customers will also be provided with a Named Support Engineer who acts as your designated technical contact in the Adobe Support Team. With deep experience in your designated Experience Cloud solution, your support team will work in partnership with you and your technical teams to ensure timely resolution of all support requests. Your support team can also help coordinate and arrange delivery of the additional ENTERPRISE benefits ensuring minimal disruption to your business at the most critical time. </a:t>
-            </a:r>
-            <a:endParaRPr lang="en-US" sz="900">
-              <a:solidFill>
-                <a:schemeClr val="bg1"/>
-              </a:solidFill>
-              <a:latin typeface="Adobe Clean Light" panose="020B0303020404020204" pitchFamily="34" charset="0"/>
-              <a:cs typeface="AdobeClean-Light"/>
-            </a:endParaRPr>
+              <a:t>ENTERPRISE Support bietet über die Adobe Experience League Zugang zu personalisierten Lernpfaden und von Moderatoren betreuten Community-Foren. Darüber hinaus stehen Ihnen unsere umfangreiche technische Produktdokumentation sowie aktuelle Versionshinweise zur Verfügung. ENTERPRISE-Kunden erhalten außerdem Zugang zu einem spezifischer Support-Mitarbeiter. </a:t>
+            </a:r>
+            <a:br>
+              <a:rPr lang="sk-SK" sz="900" dirty="0">
+                <a:solidFill>
+                  <a:schemeClr val="bg1"/>
+                </a:solidFill>
+                <a:latin typeface="Adobe Clean SemiLight" panose="020B0403020404020204" pitchFamily="34" charset="0"/>
+              </a:rPr>
+            </a:br>
+            <a:r>
+              <a:rPr lang="de-DE" sz="900" dirty="0">
+                <a:solidFill>
+                  <a:schemeClr val="bg1"/>
+                </a:solidFill>
+                <a:latin typeface="Adobe Clean SemiLight" panose="020B0403020404020204" pitchFamily="34" charset="0"/>
+              </a:rPr>
+              <a:t>Dieser ist Ihr direkter technischer Kontakt im Adobe Support-Team. Mit umfangreicher Erfahrung mit Ihrer speziellen Experience Cloud-Lösung arbeitet das Support-Team gemeinsam mit Ihnen und Ihren technischen Teams an der zeitnahen Lösung sämtlicher Support-Anfragen. Das Support-Team kann auch bei der Koordination und Bereitstellung zusätzlicher ENTERPRISE-Vorteile helfen und so minimale Unterbrechungen Ihres Geschäfts zu den wichtigsten Zeiten sicherstellen. </a:t>
+            </a:r>
           </a:p>
         </p:txBody>
       </p:sp>
@@ -5407,7 +4060,7 @@
           <p:nvPr>
             <p:extLst>
               <p:ext uri="{D42A27DB-BD31-4B8C-83A1-F6EECF244321}">
-                <p14:modId xmlns:p14="http://schemas.microsoft.com/office/powerpoint/2010/main" val="2813555721"/>
+                <p14:modId xmlns:p14="http://schemas.microsoft.com/office/powerpoint/2010/main" val="3377764225"/>
               </p:ext>
             </p:extLst>
           </p:nvPr>
@@ -5496,19 +4149,15 @@
                         <a:defRPr/>
                       </a:pPr>
                       <a:r>
-                        <a:rPr lang="en-US" sz="900" spc="0">
+                        <a:rPr lang="de-DE" sz="900">
                           <a:solidFill>
                             <a:srgbClr val="404040"/>
                           </a:solidFill>
                           <a:latin typeface="Adobe Clean"/>
                           <a:cs typeface="Adobe Clean"/>
                         </a:rPr>
-                        <a:t>Online  Support</a:t>
+                        <a:t>Online Support</a:t>
                       </a:r>
-                      <a:endParaRPr lang="en-US" sz="900" spc="0">
-                        <a:latin typeface="Adobe Clean"/>
-                        <a:cs typeface="Adobe Clean"/>
-                      </a:endParaRPr>
                     </a:p>
                   </a:txBody>
                   <a:tcPr marL="0" marR="0" marT="7620" marB="0" anchor="ctr">
@@ -5549,29 +4198,15 @@
                         </a:spcBef>
                       </a:pPr>
                       <a:r>
-                        <a:rPr lang="en-US" sz="900" spc="0">
+                        <a:rPr lang="de-DE" sz="900">
                           <a:solidFill>
                             <a:srgbClr val="FFFFFF"/>
                           </a:solidFill>
                           <a:latin typeface="Adobe Clean"/>
                           <a:cs typeface="Adobe Clean"/>
                         </a:rPr>
-                        <a:t>Enterprise </a:t>
+                        <a:t>Enterprise Support</a:t>
                       </a:r>
-                      <a:r>
-                        <a:rPr sz="900" spc="0">
-                          <a:solidFill>
-                            <a:srgbClr val="FFFFFF"/>
-                          </a:solidFill>
-                          <a:latin typeface="Adobe Clean"/>
-                          <a:cs typeface="Adobe Clean"/>
-                        </a:rPr>
-                        <a:t>Support</a:t>
-                      </a:r>
-                      <a:endParaRPr sz="900" spc="0">
-                        <a:latin typeface="Adobe Clean"/>
-                        <a:cs typeface="Adobe Clean"/>
-                      </a:endParaRPr>
                     </a:p>
                   </a:txBody>
                   <a:tcPr marL="0" marR="0" marT="7620" marB="0" anchor="ctr">
@@ -5639,7 +4274,7 @@
                     <a:bodyPr/>
                     <a:lstStyle/>
                     <a:p>
-                      <a:pPr marL="0" marR="0" lvl="0" indent="0" algn="ctr" defTabSz="914400" eaLnBrk="1" fontAlgn="auto" latinLnBrk="0" hangingPunct="1">
+                      <a:pPr marL="0" marR="0" lvl="0" indent="0" algn="l" defTabSz="914400" rtl="0" eaLnBrk="1" fontAlgn="auto" latinLnBrk="0" hangingPunct="1">
                         <a:lnSpc>
                           <a:spcPct val="100000"/>
                         </a:lnSpc>
@@ -5720,13 +4355,13 @@
                         <a:defRPr/>
                       </a:pPr>
                       <a:r>
-                        <a:rPr lang="en-US" sz="800" i="1">
+                        <a:rPr lang="de-DE" sz="800" i="1">
                           <a:solidFill>
                             <a:schemeClr val="bg1"/>
                           </a:solidFill>
                           <a:latin typeface="Adobe Clean Light" panose="020B0303020404020204" pitchFamily="34" charset="0"/>
                         </a:rPr>
-                        <a:t>Paid Support ($)</a:t>
+                        <a:t>Kostenpflichtiger Support (€)</a:t>
                       </a:r>
                     </a:p>
                   </a:txBody>
@@ -5790,22 +4425,15 @@
                         </a:spcBef>
                       </a:pPr>
                       <a:r>
-                        <a:rPr lang="en-US" sz="1000" b="1" i="0" spc="0">
+                        <a:rPr lang="de-DE" sz="1000" b="1" i="0">
                           <a:solidFill>
                             <a:schemeClr val="bg1"/>
                           </a:solidFill>
                           <a:latin typeface="Adobe Clean" panose="020B0503020404020204" pitchFamily="34" charset="0"/>
                           <a:cs typeface="AdobeClean-Light"/>
                         </a:rPr>
-                        <a:t>Assigned Experts</a:t>
+                        <a:t>Zugewiesene Experten</a:t>
                       </a:r>
-                      <a:endParaRPr sz="1000" b="1" i="0" spc="0">
-                        <a:solidFill>
-                          <a:schemeClr val="bg1"/>
-                        </a:solidFill>
-                        <a:latin typeface="Adobe Clean" panose="020B0503020404020204" pitchFamily="34" charset="0"/>
-                        <a:cs typeface="AdobeClean-Light"/>
-                      </a:endParaRPr>
                     </a:p>
                   </a:txBody>
                   <a:tcPr marL="0" marR="0" marT="58419" marB="0" anchor="ctr">
@@ -5852,7 +4480,7 @@
                         </a:spcBef>
                       </a:pPr>
                       <a:r>
-                        <a:rPr sz="900" spc="0">
+                        <a:rPr lang="de-DE" sz="900" dirty="0">
                           <a:solidFill>
                             <a:srgbClr val="020302"/>
                           </a:solidFill>
@@ -5861,10 +4489,6 @@
                         </a:rPr>
                         <a:t>Account Support Lead</a:t>
                       </a:r>
-                      <a:endParaRPr sz="900" spc="0">
-                        <a:latin typeface="AdobeClean-Light"/>
-                        <a:cs typeface="AdobeClean-Light"/>
-                      </a:endParaRPr>
                     </a:p>
                   </a:txBody>
                   <a:tcPr marL="0" marR="0" marT="58419" marB="0">
@@ -5899,7 +4523,7 @@
                     <a:bodyPr/>
                     <a:lstStyle/>
                     <a:p>
-                      <a:pPr algn="ctr">
+                      <a:pPr algn="l" rtl="0">
                         <a:lnSpc>
                           <a:spcPct val="100000"/>
                         </a:lnSpc>
@@ -5940,7 +4564,7 @@
                     <a:bodyPr/>
                     <a:lstStyle/>
                     <a:p>
-                      <a:pPr algn="ctr">
+                      <a:pPr algn="l" rtl="0">
                         <a:lnSpc>
                           <a:spcPct val="100000"/>
                         </a:lnSpc>
@@ -5983,7 +4607,7 @@
                     <a:bodyPr/>
                     <a:lstStyle/>
                     <a:p>
-                      <a:pPr marL="50800">
+                      <a:pPr marL="50800" algn="l" rtl="0">
                         <a:lnSpc>
                           <a:spcPct val="100000"/>
                         </a:lnSpc>
@@ -6029,19 +4653,15 @@
                         </a:spcBef>
                       </a:pPr>
                       <a:r>
-                        <a:rPr sz="900" spc="0">
+                        <a:rPr lang="de-DE" sz="900">
                           <a:solidFill>
                             <a:srgbClr val="020302"/>
                           </a:solidFill>
                           <a:latin typeface="AdobeClean-Light"/>
                           <a:cs typeface="AdobeClean-Light"/>
                         </a:rPr>
-                        <a:t>Named Support Engineer</a:t>
+                        <a:t>Spezifischer Support-Mitarbeiter</a:t>
                       </a:r>
-                      <a:endParaRPr sz="900" spc="0">
-                        <a:latin typeface="AdobeClean-Light"/>
-                        <a:cs typeface="AdobeClean-Light"/>
-                      </a:endParaRPr>
                     </a:p>
                   </a:txBody>
                   <a:tcPr marL="0" marR="0" marT="58419" marB="0">
@@ -6064,7 +4684,7 @@
                     <a:bodyPr/>
                     <a:lstStyle/>
                     <a:p>
-                      <a:pPr algn="ctr">
+                      <a:pPr algn="l" rtl="0">
                         <a:lnSpc>
                           <a:spcPct val="100000"/>
                         </a:lnSpc>
@@ -6111,7 +4731,7 @@
                         <a:defRPr/>
                       </a:pPr>
                       <a:r>
-                        <a:rPr lang="en-US" sz="900">
+                        <a:rPr lang="de-DE" sz="900">
                           <a:solidFill>
                             <a:srgbClr val="020302"/>
                           </a:solidFill>
@@ -6120,10 +4740,6 @@
                         </a:rPr>
                         <a:t></a:t>
                       </a:r>
-                      <a:endParaRPr lang="en-US" sz="900">
-                        <a:latin typeface="Wingdings"/>
-                        <a:cs typeface="Wingdings"/>
-                      </a:endParaRPr>
                     </a:p>
                   </a:txBody>
                   <a:tcPr marL="0" marR="0" marT="0" marB="0" anchor="ctr">
@@ -6146,7 +4762,7 @@
                     <a:bodyPr/>
                     <a:lstStyle/>
                     <a:p>
-                      <a:pPr marL="50800">
+                      <a:pPr marL="50800" algn="l" rtl="0">
                         <a:lnSpc>
                           <a:spcPct val="100000"/>
                         </a:lnSpc>
@@ -6204,7 +4820,7 @@
                         </a:spcBef>
                       </a:pPr>
                       <a:r>
-                        <a:rPr sz="900" spc="0">
+                        <a:rPr lang="de-DE" sz="900">
                           <a:solidFill>
                             <a:srgbClr val="020302"/>
                           </a:solidFill>
@@ -6213,10 +4829,6 @@
                         </a:rPr>
                         <a:t>Technical Account Manager</a:t>
                       </a:r>
-                      <a:endParaRPr sz="900" spc="0">
-                        <a:latin typeface="AdobeClean-Light"/>
-                        <a:cs typeface="AdobeClean-Light"/>
-                      </a:endParaRPr>
                     </a:p>
                   </a:txBody>
                   <a:tcPr marL="0" marR="0" marT="63500" marB="0">
@@ -6245,7 +4857,7 @@
                     <a:bodyPr/>
                     <a:lstStyle/>
                     <a:p>
-                      <a:pPr algn="ctr">
+                      <a:pPr algn="l" rtl="0">
                         <a:lnSpc>
                           <a:spcPct val="100000"/>
                         </a:lnSpc>
@@ -6283,7 +4895,7 @@
                     <a:bodyPr/>
                     <a:lstStyle/>
                     <a:p>
-                      <a:pPr algn="ctr">
+                      <a:pPr algn="l" rtl="0">
                         <a:lnSpc>
                           <a:spcPct val="100000"/>
                         </a:lnSpc>
@@ -6334,22 +4946,15 @@
                         </a:spcBef>
                       </a:pPr>
                       <a:r>
-                        <a:rPr lang="en-US" sz="1000" b="1" i="0" spc="0">
+                        <a:rPr lang="de-DE" sz="1000" b="1" i="0">
                           <a:solidFill>
                             <a:schemeClr val="bg1"/>
                           </a:solidFill>
                           <a:latin typeface="Adobe Clean" panose="020B0503020404020204" pitchFamily="34" charset="0"/>
                           <a:cs typeface="AdobeClean-Light"/>
                         </a:rPr>
-                        <a:t>Support Services</a:t>
+                        <a:t>Support-Services</a:t>
                       </a:r>
-                      <a:endParaRPr sz="1000" b="1" i="0" spc="0">
-                        <a:solidFill>
-                          <a:schemeClr val="bg1"/>
-                        </a:solidFill>
-                        <a:latin typeface="Adobe Clean" panose="020B0503020404020204" pitchFamily="34" charset="0"/>
-                        <a:cs typeface="AdobeClean-Light"/>
-                      </a:endParaRPr>
                     </a:p>
                   </a:txBody>
                   <a:tcPr marL="0" marR="0" marT="57150" marB="0" anchor="ctr">
@@ -6405,29 +5010,15 @@
                         </a:spcBef>
                       </a:pPr>
                       <a:r>
-                        <a:rPr lang="en-US" sz="900" spc="0">
+                        <a:rPr lang="de-DE" sz="900">
                           <a:solidFill>
                             <a:srgbClr val="020302"/>
                           </a:solidFill>
                           <a:latin typeface="AdobeClean-Light"/>
                           <a:cs typeface="AdobeClean-Light"/>
                         </a:rPr>
-                        <a:t>Online</a:t>
+                        <a:t>Online Support</a:t>
                       </a:r>
-                      <a:r>
-                        <a:rPr sz="900" spc="0">
-                          <a:solidFill>
-                            <a:srgbClr val="020302"/>
-                          </a:solidFill>
-                          <a:latin typeface="AdobeClean-Light"/>
-                          <a:cs typeface="AdobeClean-Light"/>
-                        </a:rPr>
-                        <a:t> Support</a:t>
-                      </a:r>
-                      <a:endParaRPr sz="900" spc="0">
-                        <a:latin typeface="AdobeClean-Light"/>
-                        <a:cs typeface="AdobeClean-Light"/>
-                      </a:endParaRPr>
                     </a:p>
                   </a:txBody>
                   <a:tcPr marL="0" marR="0" marT="57150" marB="0">
@@ -6465,39 +5056,15 @@
                         </a:spcBef>
                       </a:pPr>
                       <a:r>
-                        <a:rPr sz="900" spc="-25">
+                        <a:rPr lang="de-DE" sz="900">
                           <a:solidFill>
                             <a:srgbClr val="020302"/>
                           </a:solidFill>
                           <a:latin typeface="AdobeClean-Light"/>
                           <a:cs typeface="AdobeClean-Light"/>
                         </a:rPr>
-                        <a:t>Business</a:t>
+                        <a:t>Geschäftszeiten</a:t>
                       </a:r>
-                      <a:r>
-                        <a:rPr sz="900" spc="-15">
-                          <a:solidFill>
-                            <a:srgbClr val="020302"/>
-                          </a:solidFill>
-                          <a:latin typeface="AdobeClean-Light"/>
-                          <a:cs typeface="AdobeClean-Light"/>
-                        </a:rPr>
-                        <a:t> </a:t>
-                      </a:r>
-                      <a:r>
-                        <a:rPr sz="900" spc="-30">
-                          <a:solidFill>
-                            <a:srgbClr val="020302"/>
-                          </a:solidFill>
-                          <a:latin typeface="AdobeClean-Light"/>
-                          <a:cs typeface="AdobeClean-Light"/>
-                        </a:rPr>
-                        <a:t>hours</a:t>
-                      </a:r>
-                      <a:endParaRPr sz="900">
-                        <a:latin typeface="AdobeClean-Light"/>
-                        <a:cs typeface="AdobeClean-Light"/>
-                      </a:endParaRPr>
                     </a:p>
                   </a:txBody>
                   <a:tcPr marL="0" marR="0" marT="67945" marB="0">
@@ -6536,7 +5103,7 @@
                         </a:spcBef>
                       </a:pPr>
                       <a:r>
-                        <a:rPr lang="en-US" sz="900" spc="-25">
+                        <a:rPr lang="de-DE" sz="900">
                           <a:solidFill>
                             <a:srgbClr val="020302"/>
                           </a:solidFill>
@@ -6545,10 +5112,6 @@
                         </a:rPr>
                         <a:t>24x5</a:t>
                       </a:r>
-                      <a:endParaRPr sz="900">
-                        <a:latin typeface="AdobeClean-Light"/>
-                        <a:cs typeface="AdobeClean-Light"/>
-                      </a:endParaRPr>
                     </a:p>
                   </a:txBody>
                   <a:tcPr marL="0" marR="0" marT="67945" marB="0">
@@ -6582,7 +5145,7 @@
                     <a:bodyPr/>
                     <a:lstStyle/>
                     <a:p>
-                      <a:pPr marL="50800">
+                      <a:pPr marL="50800" algn="l" rtl="0">
                         <a:lnSpc>
                           <a:spcPct val="100000"/>
                         </a:lnSpc>
@@ -6631,39 +5194,15 @@
                         </a:spcBef>
                       </a:pPr>
                       <a:r>
-                        <a:rPr sz="900" spc="0">
+                        <a:rPr lang="de-DE" sz="900">
                           <a:solidFill>
                             <a:srgbClr val="020302"/>
                           </a:solidFill>
                           <a:latin typeface="AdobeClean-Light"/>
                           <a:cs typeface="AdobeClean-Light"/>
                         </a:rPr>
-                        <a:t>24x7</a:t>
+                        <a:t>24x7x365 Support für Probleme der Kategorie P1</a:t>
                       </a:r>
-                      <a:r>
-                        <a:rPr lang="en-US" sz="900" spc="0">
-                          <a:solidFill>
-                            <a:srgbClr val="020302"/>
-                          </a:solidFill>
-                          <a:latin typeface="AdobeClean-Light"/>
-                          <a:cs typeface="AdobeClean-Light"/>
-                        </a:rPr>
-                        <a:t>x365</a:t>
-                      </a:r>
-                      <a:r>
-                        <a:rPr sz="900" spc="0">
-                          <a:solidFill>
-                            <a:srgbClr val="020302"/>
-                          </a:solidFill>
-                          <a:latin typeface="AdobeClean-Light"/>
-                          <a:cs typeface="AdobeClean-Light"/>
-                        </a:rPr>
-                        <a:t> P1 Issue Support</a:t>
-                      </a:r>
-                      <a:endParaRPr sz="900" spc="0">
-                        <a:latin typeface="AdobeClean-Light"/>
-                        <a:cs typeface="AdobeClean-Light"/>
-                      </a:endParaRPr>
                     </a:p>
                   </a:txBody>
                   <a:tcPr marL="0" marR="0" marT="57785" marB="0">
@@ -6695,7 +5234,7 @@
                         </a:spcBef>
                       </a:pPr>
                       <a:r>
-                        <a:rPr sz="900">
+                        <a:rPr lang="de-DE" sz="900">
                           <a:solidFill>
                             <a:srgbClr val="020302"/>
                           </a:solidFill>
@@ -6704,10 +5243,6 @@
                         </a:rPr>
                         <a:t></a:t>
                       </a:r>
-                      <a:endParaRPr sz="900">
-                        <a:latin typeface="Wingdings"/>
-                        <a:cs typeface="Wingdings"/>
-                      </a:endParaRPr>
                     </a:p>
                   </a:txBody>
                   <a:tcPr marL="0" marR="0" marT="58419" marB="0">
@@ -6737,7 +5272,7 @@
                         </a:spcBef>
                       </a:pPr>
                       <a:r>
-                        <a:rPr sz="900">
+                        <a:rPr lang="de-DE" sz="900">
                           <a:solidFill>
                             <a:srgbClr val="020302"/>
                           </a:solidFill>
@@ -6746,10 +5281,6 @@
                         </a:rPr>
                         <a:t></a:t>
                       </a:r>
-                      <a:endParaRPr sz="900">
-                        <a:latin typeface="Wingdings"/>
-                        <a:cs typeface="Wingdings"/>
-                      </a:endParaRPr>
                     </a:p>
                   </a:txBody>
                   <a:tcPr marL="0" marR="0" marT="58419" marB="0">
@@ -6772,7 +5303,7 @@
                     <a:bodyPr/>
                     <a:lstStyle/>
                     <a:p>
-                      <a:pPr marL="50800">
+                      <a:pPr marL="50800" algn="l" rtl="0">
                         <a:lnSpc>
                           <a:spcPct val="100000"/>
                         </a:lnSpc>
@@ -6830,19 +5361,15 @@
                         </a:spcBef>
                       </a:pPr>
                       <a:r>
-                        <a:rPr lang="en-US" sz="900" spc="0">
+                        <a:rPr lang="de-DE" sz="900">
                           <a:solidFill>
                             <a:srgbClr val="020302"/>
                           </a:solidFill>
                           <a:latin typeface="AdobeClean-Light"/>
                           <a:cs typeface="AdobeClean-Light"/>
                         </a:rPr>
-                        <a:t>Named Support Contacts (per product)</a:t>
+                        <a:t>Spezifische Support-Kontakte (pro Produkt)</a:t>
                       </a:r>
-                      <a:endParaRPr sz="900" spc="0">
-                        <a:latin typeface="AdobeClean-Light"/>
-                        <a:cs typeface="AdobeClean-Light"/>
-                      </a:endParaRPr>
                     </a:p>
                   </a:txBody>
                   <a:tcPr marL="0" marR="0" marT="57785" marB="0">
@@ -6880,7 +5407,7 @@
                         </a:spcBef>
                       </a:pPr>
                       <a:r>
-                        <a:rPr sz="900">
+                        <a:rPr lang="de-DE" sz="900">
                           <a:solidFill>
                             <a:srgbClr val="020302"/>
                           </a:solidFill>
@@ -6889,10 +5416,6 @@
                         </a:rPr>
                         <a:t>4</a:t>
                       </a:r>
-                      <a:endParaRPr sz="900">
-                        <a:latin typeface="AdobeClean-Light"/>
-                        <a:cs typeface="AdobeClean-Light"/>
-                      </a:endParaRPr>
                     </a:p>
                   </a:txBody>
                   <a:tcPr marL="0" marR="0" marT="57785" marB="0">
@@ -6922,7 +5445,7 @@
                         </a:spcBef>
                       </a:pPr>
                       <a:r>
-                        <a:rPr lang="en-US" sz="900">
+                        <a:rPr lang="de-DE" sz="900">
                           <a:solidFill>
                             <a:srgbClr val="020302"/>
                           </a:solidFill>
@@ -6931,10 +5454,6 @@
                         </a:rPr>
                         <a:t>10</a:t>
                       </a:r>
-                      <a:endParaRPr sz="900">
-                        <a:latin typeface="AdobeClean-Light"/>
-                        <a:cs typeface="AdobeClean-Light"/>
-                      </a:endParaRPr>
                     </a:p>
                   </a:txBody>
                   <a:tcPr marL="0" marR="0" marT="57785" marB="0">
@@ -6957,7 +5476,7 @@
                     <a:bodyPr/>
                     <a:lstStyle/>
                     <a:p>
-                      <a:pPr marL="50800">
+                      <a:pPr marL="50800" algn="l" rtl="0">
                         <a:lnSpc>
                           <a:spcPct val="100000"/>
                         </a:lnSpc>
@@ -7006,19 +5525,15 @@
                         </a:spcBef>
                       </a:pPr>
                       <a:r>
-                        <a:rPr lang="en-US" sz="900" spc="0">
+                        <a:rPr lang="de-DE" sz="900">
                           <a:solidFill>
                             <a:srgbClr val="020302"/>
                           </a:solidFill>
                           <a:latin typeface="AdobeClean-Light"/>
                           <a:cs typeface="AdobeClean-Light"/>
                         </a:rPr>
-                        <a:t>Live Telephone Support</a:t>
+                        <a:t>Live-Telefon-Support</a:t>
                       </a:r>
-                      <a:endParaRPr sz="900" spc="0">
-                        <a:latin typeface="AdobeClean-Light"/>
-                        <a:cs typeface="AdobeClean-Light"/>
-                      </a:endParaRPr>
                     </a:p>
                   </a:txBody>
                   <a:tcPr marL="0" marR="0" marT="57785" marB="0">
@@ -7041,7 +5556,7 @@
                     <a:bodyPr/>
                     <a:lstStyle/>
                     <a:p>
-                      <a:pPr algn="ctr">
+                      <a:pPr algn="l" rtl="0">
                         <a:lnSpc>
                           <a:spcPct val="100000"/>
                         </a:lnSpc>
@@ -7082,7 +5597,7 @@
                         </a:spcBef>
                       </a:pPr>
                       <a:r>
-                        <a:rPr sz="900">
+                        <a:rPr lang="de-DE" sz="900">
                           <a:solidFill>
                             <a:srgbClr val="020302"/>
                           </a:solidFill>
@@ -7091,10 +5606,6 @@
                         </a:rPr>
                         <a:t></a:t>
                       </a:r>
-                      <a:endParaRPr sz="900">
-                        <a:latin typeface="Wingdings"/>
-                        <a:cs typeface="Wingdings"/>
-                      </a:endParaRPr>
                     </a:p>
                   </a:txBody>
                   <a:tcPr marL="0" marR="0" marT="59054" marB="0">
@@ -7117,7 +5628,7 @@
                     <a:bodyPr/>
                     <a:lstStyle/>
                     <a:p>
-                      <a:pPr marL="50800">
+                      <a:pPr marL="50800" algn="l" rtl="0">
                         <a:lnSpc>
                           <a:spcPct val="100000"/>
                         </a:lnSpc>
@@ -7166,19 +5677,15 @@
                         </a:spcBef>
                       </a:pPr>
                       <a:r>
-                        <a:rPr sz="900" spc="0">
+                        <a:rPr lang="de-DE" sz="900">
                           <a:solidFill>
                             <a:srgbClr val="020302"/>
                           </a:solidFill>
                           <a:latin typeface="AdobeClean-Light"/>
                           <a:cs typeface="AdobeClean-Light"/>
                         </a:rPr>
-                        <a:t>Escalation Management</a:t>
+                        <a:t>Eskalations-Management</a:t>
                       </a:r>
-                      <a:endParaRPr sz="900" spc="0">
-                        <a:latin typeface="AdobeClean-Light"/>
-                        <a:cs typeface="AdobeClean-Light"/>
-                      </a:endParaRPr>
                     </a:p>
                   </a:txBody>
                   <a:tcPr marL="0" marR="0" marT="58419" marB="0">
@@ -7201,7 +5708,7 @@
                     <a:bodyPr/>
                     <a:lstStyle/>
                     <a:p>
-                      <a:pPr algn="ctr">
+                      <a:pPr algn="l" rtl="0">
                         <a:lnSpc>
                           <a:spcPct val="100000"/>
                         </a:lnSpc>
@@ -7242,7 +5749,7 @@
                         </a:spcBef>
                       </a:pPr>
                       <a:r>
-                        <a:rPr sz="900">
+                        <a:rPr lang="de-DE" sz="900">
                           <a:solidFill>
                             <a:srgbClr val="020302"/>
                           </a:solidFill>
@@ -7251,10 +5758,6 @@
                         </a:rPr>
                         <a:t></a:t>
                       </a:r>
-                      <a:endParaRPr sz="900">
-                        <a:latin typeface="Wingdings"/>
-                        <a:cs typeface="Wingdings"/>
-                      </a:endParaRPr>
                     </a:p>
                   </a:txBody>
                   <a:tcPr marL="0" marR="0" marT="59690" marB="0">
@@ -7277,7 +5780,7 @@
                     <a:bodyPr/>
                     <a:lstStyle/>
                     <a:p>
-                      <a:pPr marL="50800">
+                      <a:pPr marL="50800" algn="l" rtl="0">
                         <a:lnSpc>
                           <a:spcPct val="100000"/>
                         </a:lnSpc>
@@ -7326,29 +5829,15 @@
                         </a:spcBef>
                       </a:pPr>
                       <a:r>
-                        <a:rPr sz="900" spc="0">
+                        <a:rPr lang="de-DE" sz="900">
                           <a:solidFill>
                             <a:srgbClr val="020302"/>
                           </a:solidFill>
                           <a:latin typeface="AdobeClean-Light"/>
                           <a:cs typeface="AdobeClean-Light"/>
                         </a:rPr>
-                        <a:t>Service Reviews </a:t>
+                        <a:t>Jährliche Service-Prüfung</a:t>
                       </a:r>
-                      <a:r>
-                        <a:rPr lang="en-US" sz="900" spc="0">
-                          <a:solidFill>
-                            <a:srgbClr val="020302"/>
-                          </a:solidFill>
-                          <a:latin typeface="AdobeClean-Light"/>
-                          <a:cs typeface="AdobeClean-Light"/>
-                        </a:rPr>
-                        <a:t>per Year</a:t>
-                      </a:r>
-                      <a:endParaRPr sz="900" spc="0">
-                        <a:latin typeface="AdobeClean-Light"/>
-                        <a:cs typeface="AdobeClean-Light"/>
-                      </a:endParaRPr>
                     </a:p>
                   </a:txBody>
                   <a:tcPr marL="0" marR="0" marT="57150" marB="0">
@@ -7371,7 +5860,7 @@
                     <a:bodyPr/>
                     <a:lstStyle/>
                     <a:p>
-                      <a:pPr>
+                      <a:pPr algn="l" rtl="0">
                         <a:lnSpc>
                           <a:spcPct val="100000"/>
                         </a:lnSpc>
@@ -7406,16 +5895,12 @@
                         </a:lnSpc>
                       </a:pPr>
                       <a:r>
-                        <a:rPr lang="en-US" sz="900">
+                        <a:rPr lang="de-DE" sz="900">
                           <a:latin typeface="Times New Roman"/>
                           <a:cs typeface="Times New Roman"/>
                         </a:rPr>
                         <a:t>2</a:t>
                       </a:r>
-                      <a:endParaRPr sz="900">
-                        <a:latin typeface="Times New Roman"/>
-                        <a:cs typeface="Times New Roman"/>
-                      </a:endParaRPr>
                     </a:p>
                   </a:txBody>
                   <a:tcPr marL="0" marR="0" marT="0" marB="0">
@@ -7457,16 +5942,12 @@
                         </a:spcBef>
                       </a:pPr>
                       <a:r>
-                        <a:rPr lang="en-US" sz="900" spc="0">
+                        <a:rPr lang="de-DE" sz="900">
                           <a:latin typeface="AdobeClean-Light"/>
                           <a:cs typeface="AdobeClean-Light"/>
                         </a:rPr>
-                        <a:t>Expert Sessions per Year</a:t>
+                        <a:t>Jährliche Experten-Sessions</a:t>
                       </a:r>
-                      <a:endParaRPr sz="900" spc="0">
-                        <a:latin typeface="AdobeClean-Light"/>
-                        <a:cs typeface="AdobeClean-Light"/>
-                      </a:endParaRPr>
                     </a:p>
                   </a:txBody>
                   <a:tcPr marL="0" marR="0" marT="57150" marB="0">
@@ -7495,7 +5976,7 @@
                     <a:bodyPr/>
                     <a:lstStyle/>
                     <a:p>
-                      <a:pPr>
+                      <a:pPr algn="l" rtl="0">
                         <a:lnSpc>
                           <a:spcPct val="100000"/>
                         </a:lnSpc>
@@ -7530,16 +6011,12 @@
                         </a:lnSpc>
                       </a:pPr>
                       <a:r>
-                        <a:rPr lang="en-US" sz="900">
+                        <a:rPr lang="de-DE" sz="900">
                           <a:latin typeface="Times New Roman"/>
                           <a:cs typeface="Times New Roman"/>
                         </a:rPr>
                         <a:t>2</a:t>
                       </a:r>
-                      <a:endParaRPr sz="900">
-                        <a:latin typeface="Times New Roman"/>
-                        <a:cs typeface="Times New Roman"/>
-                      </a:endParaRPr>
                     </a:p>
                   </a:txBody>
                   <a:tcPr marL="0" marR="0" marT="0" marB="0">
@@ -7581,16 +6058,12 @@
                         </a:spcBef>
                       </a:pPr>
                       <a:r>
-                        <a:rPr lang="en-US" sz="900" spc="0">
+                        <a:rPr lang="de-DE" sz="900" dirty="0">
                           <a:latin typeface="AdobeClean-Light"/>
                           <a:cs typeface="AdobeClean-Light"/>
                         </a:rPr>
-                        <a:t>Case Reviews</a:t>
+                        <a:t>Fallprüfungen</a:t>
                       </a:r>
-                      <a:endParaRPr sz="900" spc="0">
-                        <a:latin typeface="AdobeClean-Light"/>
-                        <a:cs typeface="AdobeClean-Light"/>
-                      </a:endParaRPr>
                     </a:p>
                   </a:txBody>
                   <a:tcPr marL="0" marR="0" marT="57150" marB="0">
@@ -7619,7 +6092,7 @@
                     <a:bodyPr/>
                     <a:lstStyle/>
                     <a:p>
-                      <a:pPr>
+                      <a:pPr algn="l" rtl="0">
                         <a:lnSpc>
                           <a:spcPct val="100000"/>
                         </a:lnSpc>
@@ -7666,7 +6139,7 @@
                         <a:defRPr/>
                       </a:pPr>
                       <a:r>
-                        <a:rPr lang="en-US" sz="900">
+                        <a:rPr lang="de-DE" sz="900">
                           <a:solidFill>
                             <a:srgbClr val="020302"/>
                           </a:solidFill>
@@ -7675,10 +6148,6 @@
                         </a:rPr>
                         <a:t></a:t>
                       </a:r>
-                      <a:endParaRPr lang="en-US" sz="900">
-                        <a:latin typeface="Wingdings"/>
-                        <a:cs typeface="Wingdings"/>
-                      </a:endParaRPr>
                     </a:p>
                   </a:txBody>
                   <a:tcPr marL="0" marR="0" marT="0" marB="0">
@@ -7701,7 +6170,7 @@
                     <a:bodyPr/>
                     <a:lstStyle/>
                     <a:p>
-                      <a:pPr marL="48895">
+                      <a:pPr marL="48895" algn="l" rtl="0">
                         <a:lnSpc>
                           <a:spcPct val="100000"/>
                         </a:lnSpc>
@@ -7759,29 +6228,15 @@
                         </a:spcBef>
                       </a:pPr>
                       <a:r>
-                        <a:rPr sz="900" spc="0">
+                        <a:rPr lang="de-DE" sz="900">
                           <a:solidFill>
                             <a:srgbClr val="020302"/>
                           </a:solidFill>
                           <a:latin typeface="AdobeClean-Light"/>
                           <a:cs typeface="AdobeClean-Light"/>
                         </a:rPr>
-                        <a:t>Event </a:t>
+                        <a:t>Ereignis-Management</a:t>
                       </a:r>
-                      <a:r>
-                        <a:rPr lang="en-US" sz="900" spc="0">
-                          <a:solidFill>
-                            <a:srgbClr val="020302"/>
-                          </a:solidFill>
-                          <a:latin typeface="AdobeClean-Light"/>
-                          <a:cs typeface="AdobeClean-Light"/>
-                        </a:rPr>
-                        <a:t>Management</a:t>
-                      </a:r>
-                      <a:endParaRPr sz="900" spc="0">
-                        <a:latin typeface="AdobeClean-Light"/>
-                        <a:cs typeface="AdobeClean-Light"/>
-                      </a:endParaRPr>
                     </a:p>
                   </a:txBody>
                   <a:tcPr marL="0" marR="0" marT="58419" marB="0">
@@ -7810,7 +6265,7 @@
                     <a:bodyPr/>
                     <a:lstStyle/>
                     <a:p>
-                      <a:pPr>
+                      <a:pPr algn="l" rtl="0">
                         <a:lnSpc>
                           <a:spcPct val="100000"/>
                         </a:lnSpc>
@@ -7839,7 +6294,7 @@
                     <a:bodyPr/>
                     <a:lstStyle/>
                     <a:p>
-                      <a:pPr>
+                      <a:pPr algn="l" rtl="0">
                         <a:lnSpc>
                           <a:spcPct val="100000"/>
                         </a:lnSpc>
@@ -7870,7 +6325,7 @@
                     <a:bodyPr/>
                     <a:lstStyle/>
                     <a:p>
-                      <a:pPr marL="48895">
+                      <a:pPr marL="48895" algn="l" rtl="0">
                         <a:lnSpc>
                           <a:spcPct val="100000"/>
                         </a:lnSpc>
@@ -7919,39 +6374,15 @@
                         </a:spcBef>
                       </a:pPr>
                       <a:r>
-                        <a:rPr sz="900" spc="0">
+                        <a:rPr lang="de-DE" sz="900">
                           <a:solidFill>
                             <a:srgbClr val="020302"/>
                           </a:solidFill>
                           <a:latin typeface="AdobeClean-Light"/>
                           <a:cs typeface="AdobeClean-Light"/>
                         </a:rPr>
-                        <a:t>Environment</a:t>
+                        <a:t>Umgebungsbewertung, -wartung und -überwachung</a:t>
                       </a:r>
-                      <a:r>
-                        <a:rPr lang="en-US" sz="900" spc="0">
-                          <a:solidFill>
-                            <a:srgbClr val="020302"/>
-                          </a:solidFill>
-                          <a:latin typeface="AdobeClean-Light"/>
-                          <a:cs typeface="AdobeClean-Light"/>
-                        </a:rPr>
-                        <a:t> </a:t>
-                      </a:r>
-                      <a:r>
-                        <a:rPr sz="900" spc="0">
-                          <a:solidFill>
-                            <a:srgbClr val="020302"/>
-                          </a:solidFill>
-                          <a:latin typeface="AdobeClean-Light"/>
-                          <a:cs typeface="AdobeClean-Light"/>
-                        </a:rPr>
-                        <a:t>Review, Maintenance &amp; Monitoring</a:t>
-                      </a:r>
-                      <a:endParaRPr sz="900" spc="0">
-                        <a:latin typeface="AdobeClean-Light"/>
-                        <a:cs typeface="AdobeClean-Light"/>
-                      </a:endParaRPr>
                     </a:p>
                   </a:txBody>
                   <a:tcPr marL="0" marR="0" marT="59055" marB="0">
@@ -7974,7 +6405,7 @@
                     <a:bodyPr/>
                     <a:lstStyle/>
                     <a:p>
-                      <a:pPr>
+                      <a:pPr algn="l" rtl="0">
                         <a:lnSpc>
                           <a:spcPct val="100000"/>
                         </a:lnSpc>
@@ -8003,7 +6434,7 @@
                     <a:bodyPr/>
                     <a:lstStyle/>
                     <a:p>
-                      <a:pPr>
+                      <a:pPr algn="l" rtl="0">
                         <a:lnSpc>
                           <a:spcPct val="100000"/>
                         </a:lnSpc>
@@ -8034,7 +6465,7 @@
                     <a:bodyPr/>
                     <a:lstStyle/>
                     <a:p>
-                      <a:pPr marL="49530">
+                      <a:pPr marL="49530" algn="l" rtl="0">
                         <a:lnSpc>
                           <a:spcPct val="100000"/>
                         </a:lnSpc>
@@ -8083,19 +6514,15 @@
                         </a:spcBef>
                       </a:pPr>
                       <a:r>
-                        <a:rPr sz="900" spc="0">
+                        <a:rPr lang="de-DE" sz="900" spc="-30" baseline="0" dirty="0">
                           <a:solidFill>
                             <a:srgbClr val="020302"/>
                           </a:solidFill>
                           <a:latin typeface="AdobeClean-Light"/>
                           <a:cs typeface="AdobeClean-Light"/>
                         </a:rPr>
-                        <a:t>Release, Migration, Upgrade &amp; Product Roadmap Review</a:t>
+                        <a:t>Prüfung von Freigabe, Migration, Aktualisierung und Produkt-Roadmap</a:t>
                       </a:r>
-                      <a:endParaRPr sz="900" spc="0">
-                        <a:latin typeface="AdobeClean-Light"/>
-                        <a:cs typeface="AdobeClean-Light"/>
-                      </a:endParaRPr>
                     </a:p>
                   </a:txBody>
                   <a:tcPr marL="0" marR="0" marT="63500" marB="0">
@@ -8118,7 +6545,7 @@
                     <a:bodyPr/>
                     <a:lstStyle/>
                     <a:p>
-                      <a:pPr>
+                      <a:pPr algn="l" rtl="0">
                         <a:lnSpc>
                           <a:spcPct val="100000"/>
                         </a:lnSpc>
@@ -8147,7 +6574,7 @@
                     <a:bodyPr/>
                     <a:lstStyle/>
                     <a:p>
-                      <a:pPr>
+                      <a:pPr algn="l" rtl="0">
                         <a:lnSpc>
                           <a:spcPct val="100000"/>
                         </a:lnSpc>
@@ -8178,7 +6605,7 @@
                     <a:bodyPr/>
                     <a:lstStyle/>
                     <a:p>
-                      <a:pPr marL="49530">
+                      <a:pPr marL="49530" algn="l" rtl="0">
                         <a:lnSpc>
                           <a:spcPct val="100000"/>
                         </a:lnSpc>
@@ -8236,11 +6663,11 @@
                         </a:spcBef>
                       </a:pPr>
                       <a:r>
-                        <a:rPr sz="900" spc="0">
+                        <a:rPr lang="de-DE" sz="900">
                           <a:latin typeface="AdobeClean-Light"/>
                           <a:cs typeface="AdobeClean-Light"/>
                         </a:rPr>
-                        <a:t>Cloud Support Activities – Experience Manager as Cloud</a:t>
+                        <a:t>Cloud-Support-Aktivitäten – Experience Manager as a Cloud Service</a:t>
                       </a:r>
                     </a:p>
                   </a:txBody>
@@ -8270,7 +6697,7 @@
                     <a:bodyPr/>
                     <a:lstStyle/>
                     <a:p>
-                      <a:pPr>
+                      <a:pPr algn="l" rtl="0">
                         <a:lnSpc>
                           <a:spcPct val="100000"/>
                         </a:lnSpc>
@@ -8326,7 +6753,7 @@
                         <a:defRPr/>
                       </a:pPr>
                       <a:r>
-                        <a:rPr lang="en-US" sz="900">
+                        <a:rPr lang="de-DE" sz="900">
                           <a:solidFill>
                             <a:srgbClr val="020302"/>
                           </a:solidFill>
@@ -8335,13 +6762,9 @@
                         </a:rPr>
                         <a:t></a:t>
                       </a:r>
-                      <a:endParaRPr lang="en-US" sz="900">
-                        <a:latin typeface="Wingdings"/>
-                        <a:cs typeface="Wingdings"/>
-                      </a:endParaRPr>
                     </a:p>
                     <a:p>
-                      <a:pPr marL="0" marR="0" lvl="0" indent="0" algn="ctr" defTabSz="914400" eaLnBrk="1" fontAlgn="auto" latinLnBrk="0" hangingPunct="1">
+                      <a:pPr marL="0" marR="0" lvl="0" indent="0" algn="l" defTabSz="914400" rtl="0" eaLnBrk="1" fontAlgn="auto" latinLnBrk="0" hangingPunct="1">
                         <a:lnSpc>
                           <a:spcPct val="100000"/>
                         </a:lnSpc>
@@ -8404,22 +6827,15 @@
                         </a:spcBef>
                       </a:pPr>
                       <a:r>
-                        <a:rPr lang="en-US" sz="1000" b="1" i="0" spc="0">
+                        <a:rPr lang="de-DE" sz="1000" b="1" i="0">
                           <a:solidFill>
                             <a:schemeClr val="bg1"/>
                           </a:solidFill>
                           <a:latin typeface="Adobe Clean" panose="020B0503020404020204" pitchFamily="34" charset="0"/>
                           <a:cs typeface="AdobeClean-Light"/>
                         </a:rPr>
-                        <a:t>Field Services</a:t>
+                        <a:t>Außendienst</a:t>
                       </a:r>
-                      <a:endParaRPr sz="1000" b="1" i="0" spc="0">
-                        <a:solidFill>
-                          <a:schemeClr val="bg1"/>
-                        </a:solidFill>
-                        <a:latin typeface="Adobe Clean" panose="020B0503020404020204" pitchFamily="34" charset="0"/>
-                        <a:cs typeface="AdobeClean-Light"/>
-                      </a:endParaRPr>
                     </a:p>
                   </a:txBody>
                   <a:tcPr marL="0" marR="0" marT="48260" marB="0" anchor="ctr">
@@ -8472,14 +6888,14 @@
                         </a:spcBef>
                       </a:pPr>
                       <a:r>
-                        <a:rPr sz="900" spc="0">
+                        <a:rPr lang="de-DE" sz="900">
                           <a:solidFill>
                             <a:srgbClr val="020302"/>
                           </a:solidFill>
                           <a:latin typeface="AdobeClean-Light"/>
                           <a:cs typeface="AdobeClean-Light"/>
                         </a:rPr>
-                        <a:t>Launch Advisory Services – First Year of new solution</a:t>
+                        <a:t>Launch Advisory-Services – Erstes Jahr mit der neuen Lösung</a:t>
                       </a:r>
                     </a:p>
                   </a:txBody>
@@ -8519,7 +6935,7 @@
                     <a:bodyPr/>
                     <a:lstStyle/>
                     <a:p>
-                      <a:pPr>
+                      <a:pPr algn="l" rtl="0">
                         <a:lnSpc>
                           <a:spcPct val="100000"/>
                         </a:lnSpc>
@@ -8575,7 +6991,7 @@
                         <a:defRPr/>
                       </a:pPr>
                       <a:r>
-                        <a:rPr lang="en-US" sz="900">
+                        <a:rPr lang="de-DE" sz="900">
                           <a:solidFill>
                             <a:srgbClr val="020302"/>
                           </a:solidFill>
@@ -8584,10 +7000,6 @@
                         </a:rPr>
                         <a:t></a:t>
                       </a:r>
-                      <a:endParaRPr lang="en-US" sz="900">
-                        <a:latin typeface="Wingdings"/>
-                        <a:cs typeface="Wingdings"/>
-                      </a:endParaRPr>
                     </a:p>
                   </a:txBody>
                   <a:tcPr marL="0" marR="0" marT="0" marB="0">
@@ -8708,7 +7120,7 @@
                         <a:defRPr/>
                       </a:pPr>
                       <a:r>
-                        <a:rPr lang="en-US" sz="900">
+                        <a:rPr lang="de-DE" sz="900">
                           <a:solidFill>
                             <a:srgbClr val="020302"/>
                           </a:solidFill>
@@ -8717,10 +7129,6 @@
                         </a:rPr>
                         <a:t></a:t>
                       </a:r>
-                      <a:endParaRPr lang="en-US" sz="900">
-                        <a:latin typeface="Wingdings"/>
-                        <a:cs typeface="Wingdings"/>
-                      </a:endParaRPr>
                     </a:p>
                   </a:txBody>
                   <a:tcPr marL="0" marR="0" marT="0" marB="0">
@@ -8777,11 +7185,11 @@
                         <a:defRPr/>
                       </a:pPr>
                       <a:r>
-                        <a:rPr lang="en-US" sz="900" spc="0">
+                        <a:rPr lang="de-DE" sz="900" dirty="0">
                           <a:latin typeface="AdobeClean-Light"/>
                           <a:cs typeface="AdobeClean-Light"/>
                         </a:rPr>
-                        <a:t>Field Service Activities </a:t>
+                        <a:t>Außendienstaktivitäten </a:t>
                       </a:r>
                     </a:p>
                   </a:txBody>
@@ -8916,7 +7324,7 @@
         <p:spPr>
           <a:xfrm>
             <a:off x="2835999" y="9021041"/>
-            <a:ext cx="2194560" cy="487313"/>
+            <a:ext cx="2194560" cy="795089"/>
           </a:xfrm>
           <a:prstGeom prst="rect">
             <a:avLst/>
@@ -8940,152 +7348,15 @@
               </a:tabLst>
             </a:pPr>
             <a:r>
-              <a:rPr sz="1000" spc="-20">
+              <a:rPr lang="de-DE" sz="1000" dirty="0">
                 <a:solidFill>
                   <a:srgbClr val="020302"/>
                 </a:solidFill>
                 <a:latin typeface="AdobeClean-Light"/>
                 <a:cs typeface="AdobeClean-Light"/>
               </a:rPr>
-              <a:t>Start </a:t>
-            </a:r>
-            <a:r>
-              <a:rPr sz="1000">
-                <a:solidFill>
-                  <a:srgbClr val="020302"/>
-                </a:solidFill>
-                <a:latin typeface="AdobeClean-Light"/>
-                <a:cs typeface="AdobeClean-Light"/>
-              </a:rPr>
-              <a:t>a </a:t>
-            </a:r>
-            <a:r>
-              <a:rPr sz="1000" spc="-15">
-                <a:solidFill>
-                  <a:srgbClr val="020302"/>
-                </a:solidFill>
-                <a:latin typeface="AdobeClean-Light"/>
-                <a:cs typeface="AdobeClean-Light"/>
-              </a:rPr>
-              <a:t>chat </a:t>
-            </a:r>
-            <a:r>
-              <a:rPr sz="1000" spc="-10">
-                <a:solidFill>
-                  <a:srgbClr val="020302"/>
-                </a:solidFill>
-                <a:latin typeface="AdobeClean-Light"/>
-                <a:cs typeface="AdobeClean-Light"/>
-              </a:rPr>
-              <a:t>session </a:t>
-            </a:r>
-            <a:r>
-              <a:rPr sz="1000" spc="-5">
-                <a:solidFill>
-                  <a:srgbClr val="020302"/>
-                </a:solidFill>
-                <a:latin typeface="AdobeClean-Light"/>
-                <a:cs typeface="AdobeClean-Light"/>
-              </a:rPr>
-              <a:t>to </a:t>
-            </a:r>
-            <a:r>
-              <a:rPr sz="1000" spc="-10">
-                <a:solidFill>
-                  <a:srgbClr val="020302"/>
-                </a:solidFill>
-                <a:latin typeface="AdobeClean-Light"/>
-                <a:cs typeface="AdobeClean-Light"/>
-              </a:rPr>
-              <a:t>get </a:t>
-            </a:r>
-            <a:r>
-              <a:rPr sz="1000" spc="-20">
-                <a:solidFill>
-                  <a:srgbClr val="020302"/>
-                </a:solidFill>
-                <a:latin typeface="AdobeClean-Light"/>
-                <a:cs typeface="AdobeClean-Light"/>
-              </a:rPr>
-              <a:t>answers</a:t>
-            </a:r>
-            <a:r>
-              <a:rPr lang="en-US" sz="1000" spc="-45">
-                <a:solidFill>
-                  <a:srgbClr val="020302"/>
-                </a:solidFill>
-                <a:latin typeface="AdobeClean-Light"/>
-                <a:cs typeface="AdobeClean-Light"/>
-              </a:rPr>
-              <a:t> </a:t>
-            </a:r>
-            <a:r>
-              <a:rPr lang="en-US" sz="1000">
-                <a:solidFill>
-                  <a:srgbClr val="020302"/>
-                </a:solidFill>
-                <a:latin typeface="AdobeClean-Light"/>
-                <a:cs typeface="AdobeClean-Light"/>
-              </a:rPr>
-              <a:t>&amp; </a:t>
-            </a:r>
-            <a:r>
-              <a:rPr sz="1000" spc="-15">
-                <a:solidFill>
-                  <a:srgbClr val="020302"/>
-                </a:solidFill>
-                <a:latin typeface="AdobeClean-Light"/>
-                <a:cs typeface="AdobeClean-Light"/>
-              </a:rPr>
-              <a:t>help </a:t>
-            </a:r>
-            <a:r>
-              <a:rPr sz="1000" spc="-10">
-                <a:solidFill>
-                  <a:srgbClr val="020302"/>
-                </a:solidFill>
-                <a:latin typeface="AdobeClean-Light"/>
-                <a:cs typeface="AdobeClean-Light"/>
-              </a:rPr>
-              <a:t>with</a:t>
-            </a:r>
-            <a:r>
-              <a:rPr sz="1000" spc="85">
-                <a:solidFill>
-                  <a:srgbClr val="020302"/>
-                </a:solidFill>
-                <a:latin typeface="AdobeClean-Light"/>
-                <a:cs typeface="AdobeClean-Light"/>
-              </a:rPr>
-              <a:t> </a:t>
-            </a:r>
-            <a:r>
-              <a:rPr sz="1000" spc="-10">
-                <a:solidFill>
-                  <a:srgbClr val="020302"/>
-                </a:solidFill>
-                <a:latin typeface="AdobeClean-Light"/>
-                <a:cs typeface="AdobeClean-Light"/>
-              </a:rPr>
-              <a:t>case </a:t>
-            </a:r>
-            <a:r>
-              <a:rPr sz="1000" spc="-20">
-                <a:solidFill>
-                  <a:srgbClr val="020302"/>
-                </a:solidFill>
-                <a:latin typeface="AdobeClean-Light"/>
-                <a:cs typeface="AdobeClean-Light"/>
-              </a:rPr>
-              <a:t>submission</a:t>
-            </a:r>
-            <a:endParaRPr lang="en-US" sz="1000" spc="-20">
-              <a:solidFill>
-                <a:srgbClr val="020302"/>
-              </a:solidFill>
-              <a:latin typeface="AdobeClean-Light"/>
-              <a:cs typeface="AdobeClean-Light"/>
-            </a:endParaRPr>
+              <a:t>Starten Sie eine Chat-Session, um Antworten und Hilfe bei der Fallübermittlung zu erhalten</a:t>
+            </a:r>
           </a:p>
           <a:p>
             <a:pPr marL="33020" marR="159385">
@@ -9100,27 +7371,36 @@
               </a:tabLst>
             </a:pPr>
             <a:r>
-              <a:rPr sz="1000" i="1" spc="-10">
+              <a:rPr lang="de-DE" sz="1000" i="1" dirty="0">
                 <a:solidFill>
                   <a:srgbClr val="7A7A7A"/>
                 </a:solidFill>
                 <a:latin typeface="AdobeClean-LightIt"/>
                 <a:cs typeface="AdobeClean-LightIt"/>
               </a:rPr>
-              <a:t>*Not all </a:t>
-            </a:r>
-            <a:r>
-              <a:rPr sz="1000" i="1" spc="-20">
+              <a:t>*Nicht alle Produkte verfügen über </a:t>
+            </a:r>
+            <a:br>
+              <a:rPr lang="sk-SK" sz="1000" i="1" dirty="0">
                 <a:solidFill>
                   <a:srgbClr val="7A7A7A"/>
                 </a:solidFill>
                 <a:latin typeface="AdobeClean-LightIt"/>
                 <a:cs typeface="AdobeClean-LightIt"/>
               </a:rPr>
-              <a:t>products have live chat support</a:t>
-            </a:r>
-            <a:r>
-              <a:rPr sz="900" i="1" spc="-20">
+            </a:br>
+            <a:r>
+              <a:rPr lang="de-DE" sz="1000" i="1" dirty="0">
+                <a:solidFill>
+                  <a:srgbClr val="7A7A7A"/>
+                </a:solidFill>
+                <a:latin typeface="AdobeClean-LightIt"/>
+                <a:cs typeface="AdobeClean-LightIt"/>
+              </a:rPr>
+              <a:t>Live-Chat-Support</a:t>
+            </a:r>
+            <a:r>
+              <a:rPr lang="de-DE" sz="900" i="1" dirty="0">
                 <a:solidFill>
                   <a:srgbClr val="7A7A7A"/>
                 </a:solidFill>
@@ -9129,10 +7409,6 @@
               </a:rPr>
               <a:t>.  </a:t>
             </a:r>
-            <a:endParaRPr sz="900">
-              <a:latin typeface="AdobeClean-Light"/>
-              <a:cs typeface="AdobeClean-Light"/>
-            </a:endParaRPr>
           </a:p>
         </p:txBody>
       </p:sp>
@@ -9179,12 +7455,12 @@
               <a:defRPr/>
             </a:pPr>
             <a:r>
-              <a:rPr lang="en-US" sz="1200">
+              <a:rPr lang="de-DE" sz="1200">
                 <a:solidFill>
                   <a:srgbClr val="000000"/>
                 </a:solidFill>
               </a:rPr>
-              <a:t>Community Forums</a:t>
+              <a:t>Community-Foren</a:t>
             </a:r>
           </a:p>
         </p:txBody>
@@ -9227,12 +7503,12 @@
               </a:spcAft>
             </a:pPr>
             <a:r>
-              <a:rPr lang="en-US" sz="1200" b="1">
+              <a:rPr lang="de-DE" sz="1200" b="1">
                 <a:latin typeface="+mj-lt"/>
                 <a:ea typeface="Open Sans" pitchFamily="34" charset="0"/>
                 <a:cs typeface="Open Sans" pitchFamily="34" charset="0"/>
               </a:rPr>
-              <a:t>Online Forums</a:t>
+              <a:t>Online-Foren</a:t>
             </a:r>
           </a:p>
         </p:txBody>
@@ -9265,13 +7541,13 @@
           <a:lstStyle/>
           <a:p>
             <a:r>
-              <a:rPr lang="en-US" sz="1000">
+              <a:rPr lang="de-DE" sz="1000">
                 <a:solidFill>
                   <a:srgbClr val="4B4B4B"/>
                 </a:solidFill>
                 <a:latin typeface="Adobe Clean Light" panose="020B0303020404020204" pitchFamily="34" charset="0"/>
               </a:rPr>
-              <a:t>Continuous online access to a growing database of technical solutions, product documentation, FAQs and more. Connect with practitioners and other customers on Adobe Community to share best practices and lessons learned</a:t>
+              <a:t>Kontinuierlicher Online-Zugriff auf eine wachsende Datenbank technischer Lösungen, Produktdokumentationen, FAQs und mehr. Tauschen Sie sich mit Fachleuten und anderen Kunden in der Adobe-Community über Best Practices und Erfahrungen aus</a:t>
             </a:r>
           </a:p>
         </p:txBody>
@@ -9319,7 +7595,7 @@
               <a:defRPr/>
             </a:pPr>
             <a:r>
-              <a:rPr lang="en-US" sz="1200">
+              <a:rPr lang="de-DE" sz="1200">
                 <a:solidFill>
                   <a:srgbClr val="000000"/>
                 </a:solidFill>
@@ -9367,12 +7643,12 @@
               </a:spcAft>
             </a:pPr>
             <a:r>
-              <a:rPr lang="en-US" sz="1200" b="1">
+              <a:rPr lang="de-DE" sz="1200" b="1">
                 <a:latin typeface="+mj-lt"/>
                 <a:ea typeface="Open Sans" pitchFamily="34" charset="0"/>
                 <a:cs typeface="Open Sans" pitchFamily="34" charset="0"/>
               </a:rPr>
-              <a:t>Self-guided Journeys</a:t>
+              <a:t>Journeys für die Selbsthilfe</a:t>
             </a:r>
           </a:p>
         </p:txBody>
@@ -9405,13 +7681,13 @@
           <a:lstStyle/>
           <a:p>
             <a:r>
-              <a:rPr lang="en-US" sz="1000">
+              <a:rPr lang="de-DE" sz="1000">
                 <a:solidFill>
                   <a:srgbClr val="4B4B4B"/>
                 </a:solidFill>
                 <a:latin typeface="Adobe Clean Light" panose="020B0303020404020204" pitchFamily="34" charset="0"/>
               </a:rPr>
-              <a:t>Experience Makers are made with Experience League. Customers can kickstart their Customer Experience Management abilities with personalized learning to develop skills, engage with a global community of peers, and earn career advancing recognition</a:t>
+              <a:t>Experience Maker entstehen in der Experience League. Kunden können durch personalisiertes Lernen ihre Customer-Experience-Management-Fähigkeiten entwickeln, mit einer globalen Community anderer Anwender interagieren und so ihre eigene Karriere fördern</a:t>
             </a:r>
           </a:p>
         </p:txBody>
@@ -9459,12 +7735,12 @@
               <a:defRPr/>
             </a:pPr>
             <a:r>
-              <a:rPr lang="en-US" sz="1200">
+              <a:rPr lang="de-DE" sz="1200">
                 <a:solidFill>
                   <a:srgbClr val="000000"/>
                 </a:solidFill>
               </a:rPr>
-              <a:t>Live Chat  Support*</a:t>
+              <a:t>Live-Chat-Support*</a:t>
             </a:r>
           </a:p>
         </p:txBody>
@@ -9507,12 +7783,12 @@
               </a:spcAft>
             </a:pPr>
             <a:r>
-              <a:rPr lang="en-US" sz="1200" b="1">
+              <a:rPr lang="de-DE" sz="1200" b="1">
                 <a:latin typeface="+mj-lt"/>
                 <a:ea typeface="Open Sans" pitchFamily="34" charset="0"/>
                 <a:cs typeface="Open Sans" pitchFamily="34" charset="0"/>
               </a:rPr>
-              <a:t>Chat Support</a:t>
+              <a:t>Chat-Support</a:t>
             </a:r>
           </a:p>
         </p:txBody>
@@ -9560,7 +7836,7 @@
               <a:defRPr/>
             </a:pPr>
             <a:r>
-              <a:rPr lang="en-US" sz="1200">
+              <a:rPr lang="de-DE" sz="1200">
                 <a:solidFill>
                   <a:srgbClr val="000000"/>
                 </a:solidFill>
@@ -9608,12 +7884,12 @@
               </a:spcAft>
             </a:pPr>
             <a:r>
-              <a:rPr lang="en-US" sz="1200" b="1">
+              <a:rPr lang="de-DE" sz="1200" b="1">
                 <a:latin typeface="+mj-lt"/>
                 <a:ea typeface="Open Sans" pitchFamily="34" charset="0"/>
                 <a:cs typeface="Open Sans" pitchFamily="34" charset="0"/>
               </a:rPr>
-              <a:t>Phone  Support</a:t>
+              <a:t>Telefonischer Support</a:t>
             </a:r>
           </a:p>
         </p:txBody>
@@ -9646,35 +7922,29 @@
           <a:lstStyle/>
           <a:p>
             <a:r>
-              <a:rPr lang="en-US" sz="1000">
+              <a:rPr lang="de-DE" sz="1000">
                 <a:solidFill>
                   <a:srgbClr val="020302"/>
                 </a:solidFill>
                 <a:latin typeface="AdobeClean-Light"/>
               </a:rPr>
-              <a:t>Authorized users or </a:t>
-            </a:r>
-            <a:r>
-              <a:rPr lang="en-US" sz="1000" b="1">
+              <a:t>Autorisierte Anwender oder </a:t>
+            </a:r>
+            <a:r>
+              <a:rPr lang="de-DE" sz="1000" b="1">
                 <a:solidFill>
                   <a:srgbClr val="020302"/>
                 </a:solidFill>
                 <a:latin typeface="AdobeClean-Light"/>
               </a:rPr>
-              <a:t>Named Support Contacts </a:t>
-            </a:r>
-            <a:r>
-              <a:rPr lang="en-US" sz="1000">
+              <a:t>spezifische Support-Kontakte</a:t>
+            </a:r>
+            <a:r>
+              <a:rPr lang="de-DE" sz="1000">
                 <a:latin typeface="Adobe Clean Light" panose="020B0303020404020204" pitchFamily="34" charset="0"/>
               </a:rPr>
-              <a:t>can submit issues through all available  channels (including phone for P1) and interact with our technical support team on behalf of your company. </a:t>
-            </a:r>
-            <a:endParaRPr lang="en-US" sz="1000">
-              <a:solidFill>
-                <a:srgbClr val="000000"/>
-              </a:solidFill>
-              <a:latin typeface="Adobe Clean Light" panose="020B0303020404020204" pitchFamily="34" charset="0"/>
-            </a:endParaRPr>
+              <a:t> können Probleme über alle verfügbaren Kanäle (einschließlich Telefon für P1) einreichen und im Namen Ihres Unternehmens mit unserem technischen Support-Team interagieren. </a:t>
+            </a:r>
           </a:p>
         </p:txBody>
       </p:sp>
@@ -9693,7 +7963,7 @@
         <p:spPr>
           <a:xfrm>
             <a:off x="214971" y="6447157"/>
-            <a:ext cx="1848207" cy="45719"/>
+            <a:ext cx="2128177" cy="60742"/>
           </a:xfrm>
           <a:custGeom>
             <a:avLst/>
@@ -9762,19 +8032,15 @@
               </a:spcBef>
             </a:pPr>
             <a:r>
-              <a:rPr lang="en-US" sz="1400" b="1" spc="-10">
+              <a:rPr lang="de-DE" sz="1400" b="1">
                 <a:solidFill>
                   <a:srgbClr val="020302"/>
                 </a:solidFill>
                 <a:latin typeface="Adobe Clean"/>
                 <a:cs typeface="Adobe Clean"/>
               </a:rPr>
-              <a:t>Online Support Features</a:t>
-            </a:r>
-            <a:endParaRPr lang="en-US" sz="1400">
-              <a:latin typeface="Adobe Clean"/>
-              <a:cs typeface="Adobe Clean"/>
-            </a:endParaRPr>
+              <a:t>Umfang von Online Support</a:t>
+            </a:r>
           </a:p>
         </p:txBody>
       </p:sp>
@@ -9821,7 +8087,7 @@
               <a:defRPr/>
             </a:pPr>
             <a:r>
-              <a:rPr lang="en-US" sz="1200">
+              <a:rPr lang="de-DE" sz="1200">
                 <a:solidFill>
                   <a:srgbClr val="000000"/>
                 </a:solidFill>
@@ -9869,12 +8135,12 @@
               </a:spcAft>
             </a:pPr>
             <a:r>
-              <a:rPr lang="en-US" sz="1200" b="1">
+              <a:rPr lang="de-DE" sz="1200" b="1">
                 <a:latin typeface="+mj-lt"/>
                 <a:ea typeface="Open Sans" pitchFamily="34" charset="0"/>
                 <a:cs typeface="Open Sans" pitchFamily="34" charset="0"/>
               </a:rPr>
-              <a:t>Webinars</a:t>
+              <a:t>Webinare</a:t>
             </a:r>
           </a:p>
         </p:txBody>
@@ -9894,7 +8160,7 @@
         <p:spPr>
           <a:xfrm>
             <a:off x="355868" y="8986613"/>
-            <a:ext cx="2194560" cy="805349"/>
+            <a:ext cx="2396720" cy="805349"/>
           </a:xfrm>
           <a:prstGeom prst="rect">
             <a:avLst/>
@@ -9907,13 +8173,13 @@
           <a:lstStyle/>
           <a:p>
             <a:r>
-              <a:rPr lang="en-US" sz="1000">
+              <a:rPr lang="de-DE" sz="1000" dirty="0">
                 <a:solidFill>
                   <a:srgbClr val="4B4B4B"/>
                 </a:solidFill>
                 <a:latin typeface="Adobe Clean Light" panose="020B0303020404020204" pitchFamily="34" charset="0"/>
               </a:rPr>
-              <a:t>Office Hours led by the Adobe Customer Support team includes sessions designed to inform as well as help participants troubleshoot problems and provide tips and tricks for success with Adobe solutions. </a:t>
+              <a:t>Die vom Adobe Support-Team geleitete Office Hours-Reihe umfasst Sessions mit informativem Inhalt sowie Angebote zur Problembehebung sowie Tipps und Tricks für den Erfolg bei der Nutzung von Adobe-Lösungen. </a:t>
             </a:r>
           </a:p>
         </p:txBody>
@@ -9961,12 +8227,12 @@
               <a:defRPr/>
             </a:pPr>
             <a:r>
-              <a:rPr lang="en-US" sz="1200">
+              <a:rPr lang="de-DE" sz="1200">
                 <a:solidFill>
                   <a:srgbClr val="000000"/>
                 </a:solidFill>
               </a:rPr>
-              <a:t>Self-help Portals</a:t>
+              <a:t>Selbsthilfe-Portale</a:t>
             </a:r>
           </a:p>
         </p:txBody>
@@ -10009,12 +8275,12 @@
               </a:spcAft>
             </a:pPr>
             <a:r>
-              <a:rPr lang="en-US" sz="1200" b="1">
+              <a:rPr lang="de-DE" sz="1200" b="1">
                 <a:latin typeface="+mj-lt"/>
                 <a:ea typeface="Open Sans" pitchFamily="34" charset="0"/>
                 <a:cs typeface="Open Sans" pitchFamily="34" charset="0"/>
               </a:rPr>
-              <a:t>24/7 Support Portal</a:t>
+              <a:t>24/7-Support-Portal</a:t>
             </a:r>
           </a:p>
         </p:txBody>
@@ -10034,7 +8300,7 @@
         <p:spPr>
           <a:xfrm>
             <a:off x="5265661" y="8947635"/>
-            <a:ext cx="2194560" cy="805349"/>
+            <a:ext cx="2408951" cy="959237"/>
           </a:xfrm>
           <a:prstGeom prst="rect">
             <a:avLst/>
@@ -10047,30 +8313,13 @@
           <a:lstStyle/>
           <a:p>
             <a:r>
-              <a:rPr lang="en-US" sz="1000">
+              <a:rPr lang="de-DE" sz="1000" dirty="0">
                 <a:solidFill>
                   <a:srgbClr val="4B4B4B"/>
                 </a:solidFill>
                 <a:latin typeface="Adobe Clean Light" panose="020B0303020404020204" pitchFamily="34" charset="0"/>
               </a:rPr>
-              <a:t>On-demand access to the online </a:t>
-            </a:r>
-            <a:br>
-              <a:rPr lang="en-US" sz="1000">
-                <a:solidFill>
-                  <a:srgbClr val="4B4B4B"/>
-                </a:solidFill>
-                <a:latin typeface="Adobe Clean Light" panose="020B0303020404020204" pitchFamily="34" charset="0"/>
-              </a:rPr>
-            </a:br>
-            <a:r>
-              <a:rPr lang="en-US" sz="1000">
-                <a:solidFill>
-                  <a:srgbClr val="4B4B4B"/>
-                </a:solidFill>
-                <a:latin typeface="Adobe Clean Light" panose="020B0303020404020204" pitchFamily="34" charset="0"/>
-              </a:rPr>
-              <a:t>Self-help Support Portal to submit support requests, review case status, and browse other resources, like our knowledgebase, news and alerts, featured tips, and more.</a:t>
+              <a:t>On-Demand-Zugriff auf das Online-Selbsthilfe-Support-Portal, um Support-Anfragen einzureichen, den Fallstatus zu überprüfen und andere Ressourcen zu durchsuchen, z. B. unsere Wissensdatenbank, Neuigkeiten und Hinweise, spezielle Tipps und mehr.</a:t>
             </a:r>
           </a:p>
         </p:txBody>
@@ -10204,36 +8453,8 @@
               </a:spcBef>
             </a:pPr>
             <a:r>
-              <a:rPr lang="en-US" spc="-10"/>
-              <a:t>©2021</a:t>
-            </a:r>
-            <a:r>
-              <a:rPr lang="en-US" spc="-5"/>
-              <a:t> Adobe. All</a:t>
-            </a:r>
-            <a:r>
-              <a:rPr lang="en-US" spc="-10"/>
-              <a:t> Rights</a:t>
-            </a:r>
-            <a:r>
-              <a:rPr lang="en-US" spc="-5"/>
-              <a:t> </a:t>
-            </a:r>
-            <a:r>
-              <a:rPr lang="en-US" spc="-10"/>
-              <a:t>Reserved.</a:t>
-            </a:r>
-            <a:r>
-              <a:rPr lang="en-US" spc="-5"/>
-              <a:t> Adobe</a:t>
-            </a:r>
-            <a:r>
-              <a:rPr lang="en-US" spc="60"/>
-              <a:t> </a:t>
-            </a:r>
-            <a:r>
-              <a:rPr lang="en-US" spc="-10"/>
-              <a:t>Confidential.</a:t>
+              <a:rPr lang="de-DE"/>
+              <a:t>©2021 Adobe. All Rights Reserved. Adobe Confidential.</a:t>
             </a:r>
           </a:p>
         </p:txBody>
@@ -10252,8 +8473,8 @@
         </p:nvSpPr>
         <p:spPr>
           <a:xfrm>
-            <a:off x="214971" y="868681"/>
-            <a:ext cx="2103120" cy="45719"/>
+            <a:off x="214970" y="868681"/>
+            <a:ext cx="2354171" cy="76595"/>
           </a:xfrm>
           <a:custGeom>
             <a:avLst/>
@@ -10322,19 +8543,15 @@
               </a:spcBef>
             </a:pPr>
             <a:r>
-              <a:rPr lang="en-US" sz="1400" b="1" spc="-10">
+              <a:rPr lang="de-DE" sz="1400" b="1">
                 <a:solidFill>
                   <a:srgbClr val="020302"/>
                 </a:solidFill>
                 <a:latin typeface="Adobe Clean"/>
                 <a:cs typeface="Adobe Clean"/>
               </a:rPr>
-              <a:t>Enterprise Support Features</a:t>
-            </a:r>
-            <a:endParaRPr lang="en-US" sz="1400">
-              <a:latin typeface="Adobe Clean"/>
-              <a:cs typeface="Adobe Clean"/>
-            </a:endParaRPr>
+              <a:t>Umfang von Enterprise Support</a:t>
+            </a:r>
           </a:p>
         </p:txBody>
       </p:sp>
@@ -10353,7 +8570,7 @@
         <p:spPr>
           <a:xfrm>
             <a:off x="689237" y="2603192"/>
-            <a:ext cx="1555491" cy="197490"/>
+            <a:ext cx="1811734" cy="197490"/>
           </a:xfrm>
           <a:prstGeom prst="rect">
             <a:avLst/>
@@ -10374,199 +8591,15 @@
               </a:spcBef>
             </a:pPr>
             <a:r>
-              <a:rPr sz="1200" b="1" spc="-25">
+              <a:rPr lang="de-DE" sz="1200" b="1" dirty="0">
                 <a:solidFill>
                   <a:srgbClr val="020302"/>
                 </a:solidFill>
                 <a:latin typeface="Adobe Clean"/>
                 <a:cs typeface="Adobe Clean"/>
               </a:rPr>
-              <a:t>E</a:t>
-            </a:r>
-            <a:r>
-              <a:rPr sz="1200" b="1" spc="-20">
-                <a:solidFill>
-                  <a:srgbClr val="020302"/>
-                </a:solidFill>
-                <a:latin typeface="Adobe Clean"/>
-                <a:cs typeface="Adobe Clean"/>
-              </a:rPr>
-              <a:t>s</a:t>
-            </a:r>
-            <a:r>
-              <a:rPr sz="1200" b="1" spc="-30">
-                <a:solidFill>
-                  <a:srgbClr val="020302"/>
-                </a:solidFill>
-                <a:latin typeface="Adobe Clean"/>
-                <a:cs typeface="Adobe Clean"/>
-              </a:rPr>
-              <a:t>c</a:t>
-            </a:r>
-            <a:r>
-              <a:rPr sz="1200" b="1" spc="-20">
-                <a:solidFill>
-                  <a:srgbClr val="020302"/>
-                </a:solidFill>
-                <a:latin typeface="Adobe Clean"/>
-                <a:cs typeface="Adobe Clean"/>
-              </a:rPr>
-              <a:t>a</a:t>
-            </a:r>
-            <a:r>
-              <a:rPr sz="1200" b="1" spc="-25">
-                <a:solidFill>
-                  <a:srgbClr val="020302"/>
-                </a:solidFill>
-                <a:latin typeface="Adobe Clean"/>
-                <a:cs typeface="Adobe Clean"/>
-              </a:rPr>
-              <a:t>l</a:t>
-            </a:r>
-            <a:r>
-              <a:rPr sz="1200" b="1" spc="-20">
-                <a:solidFill>
-                  <a:srgbClr val="020302"/>
-                </a:solidFill>
-                <a:latin typeface="Adobe Clean"/>
-                <a:cs typeface="Adobe Clean"/>
-              </a:rPr>
-              <a:t>a</a:t>
-            </a:r>
-            <a:r>
-              <a:rPr sz="1200" b="1" spc="-25">
-                <a:solidFill>
-                  <a:srgbClr val="020302"/>
-                </a:solidFill>
-                <a:latin typeface="Adobe Clean"/>
-                <a:cs typeface="Adobe Clean"/>
-              </a:rPr>
-              <a:t>t</a:t>
-            </a:r>
-            <a:r>
-              <a:rPr sz="1200" b="1" spc="-20">
-                <a:solidFill>
-                  <a:srgbClr val="020302"/>
-                </a:solidFill>
-                <a:latin typeface="Adobe Clean"/>
-                <a:cs typeface="Adobe Clean"/>
-              </a:rPr>
-              <a:t>i</a:t>
-            </a:r>
-            <a:r>
-              <a:rPr sz="1200" b="1" spc="-15">
-                <a:solidFill>
-                  <a:srgbClr val="020302"/>
-                </a:solidFill>
-                <a:latin typeface="Adobe Clean"/>
-                <a:cs typeface="Adobe Clean"/>
-              </a:rPr>
-              <a:t>o</a:t>
-            </a:r>
-            <a:r>
-              <a:rPr sz="1200" b="1">
-                <a:solidFill>
-                  <a:srgbClr val="020302"/>
-                </a:solidFill>
-                <a:latin typeface="Adobe Clean"/>
-                <a:cs typeface="Adobe Clean"/>
-              </a:rPr>
-              <a:t>n</a:t>
-            </a:r>
-            <a:r>
-              <a:rPr sz="1200" b="1" spc="-55">
-                <a:solidFill>
-                  <a:srgbClr val="020302"/>
-                </a:solidFill>
-                <a:latin typeface="Adobe Clean"/>
-                <a:cs typeface="Adobe Clean"/>
-              </a:rPr>
-              <a:t> </a:t>
-            </a:r>
-            <a:r>
-              <a:rPr sz="1200" b="1" spc="-35">
-                <a:solidFill>
-                  <a:srgbClr val="020302"/>
-                </a:solidFill>
-                <a:latin typeface="Adobe Clean"/>
-                <a:cs typeface="Adobe Clean"/>
-              </a:rPr>
-              <a:t>M</a:t>
-            </a:r>
-            <a:r>
-              <a:rPr sz="1200" b="1" spc="-25">
-                <a:solidFill>
-                  <a:srgbClr val="020302"/>
-                </a:solidFill>
-                <a:latin typeface="Adobe Clean"/>
-                <a:cs typeface="Adobe Clean"/>
-              </a:rPr>
-              <a:t>a</a:t>
-            </a:r>
-            <a:r>
-              <a:rPr sz="1200" b="1" spc="-30">
-                <a:solidFill>
-                  <a:srgbClr val="020302"/>
-                </a:solidFill>
-                <a:latin typeface="Adobe Clean"/>
-                <a:cs typeface="Adobe Clean"/>
-              </a:rPr>
-              <a:t>n</a:t>
-            </a:r>
-            <a:r>
-              <a:rPr sz="1200" b="1" spc="-25">
-                <a:solidFill>
-                  <a:srgbClr val="020302"/>
-                </a:solidFill>
-                <a:latin typeface="Adobe Clean"/>
-                <a:cs typeface="Adobe Clean"/>
-              </a:rPr>
-              <a:t>a</a:t>
-            </a:r>
-            <a:r>
-              <a:rPr sz="1200" b="1" spc="-30">
-                <a:solidFill>
-                  <a:srgbClr val="020302"/>
-                </a:solidFill>
-                <a:latin typeface="Adobe Clean"/>
-                <a:cs typeface="Adobe Clean"/>
-              </a:rPr>
-              <a:t>ge</a:t>
-            </a:r>
-            <a:r>
-              <a:rPr sz="1200" b="1" spc="-25">
-                <a:solidFill>
-                  <a:srgbClr val="020302"/>
-                </a:solidFill>
-                <a:latin typeface="Adobe Clean"/>
-                <a:cs typeface="Adobe Clean"/>
-              </a:rPr>
-              <a:t>m</a:t>
-            </a:r>
-            <a:r>
-              <a:rPr sz="1200" b="1" spc="-30">
-                <a:solidFill>
-                  <a:srgbClr val="020302"/>
-                </a:solidFill>
-                <a:latin typeface="Adobe Clean"/>
-                <a:cs typeface="Adobe Clean"/>
-              </a:rPr>
-              <a:t>en</a:t>
-            </a:r>
-            <a:r>
-              <a:rPr sz="1200" b="1">
-                <a:solidFill>
-                  <a:srgbClr val="020302"/>
-                </a:solidFill>
-                <a:latin typeface="Adobe Clean"/>
-                <a:cs typeface="Adobe Clean"/>
-              </a:rPr>
-              <a:t>t</a:t>
-            </a:r>
-            <a:endParaRPr sz="1200">
-              <a:latin typeface="Adobe Clean"/>
-              <a:cs typeface="Adobe Clean"/>
-            </a:endParaRPr>
+              <a:t>Eskalations-Management</a:t>
+            </a:r>
           </a:p>
         </p:txBody>
       </p:sp>
@@ -10606,18 +8639,14 @@
               </a:spcBef>
             </a:pPr>
             <a:r>
-              <a:rPr lang="en-US" sz="1000">
+              <a:rPr lang="de-DE" sz="1000">
                 <a:solidFill>
                   <a:srgbClr val="4B4B4B"/>
                 </a:solidFill>
                 <a:latin typeface="Adobe Clean Light" panose="020B0303020404020204" pitchFamily="34" charset="0"/>
               </a:rPr>
-              <a:t>A designated point of contact within Adobe who can provide escalation assistance, regular updates and ensure priority is given to your most critical open support requests.</a:t>
-            </a:r>
-            <a:endParaRPr sz="1000">
-              <a:latin typeface="Adobe Clean Light" panose="020B0303020404020204" pitchFamily="34" charset="0"/>
-              <a:cs typeface="AdobeClean-Light"/>
-            </a:endParaRPr>
+              <a:t>Ein spezifischer Ansprechpartner innerhalb von Adobe, der Unterstützung bei Eskalation und regelmäßigen Updates bietet und sicherstellt, dass die wichtigsten offenen Support-Anfragen priorisiert werden.</a:t>
+            </a:r>
           </a:p>
         </p:txBody>
       </p:sp>
@@ -10635,8 +8664,8 @@
         </p:nvSpPr>
         <p:spPr>
           <a:xfrm>
-            <a:off x="3201544" y="2592995"/>
-            <a:ext cx="1036205" cy="197490"/>
+            <a:off x="3201544" y="2592994"/>
+            <a:ext cx="1408205" cy="197490"/>
           </a:xfrm>
           <a:prstGeom prst="rect">
             <a:avLst/>
@@ -10657,149 +8686,15 @@
               </a:spcBef>
             </a:pPr>
             <a:r>
-              <a:rPr sz="1200" b="1" spc="-20">
+              <a:rPr lang="de-DE" sz="1200" b="1" dirty="0">
                 <a:solidFill>
                   <a:srgbClr val="020302"/>
                 </a:solidFill>
                 <a:latin typeface="Adobe Clean"/>
                 <a:cs typeface="Adobe Clean"/>
               </a:rPr>
-              <a:t>S</a:t>
-            </a:r>
-            <a:r>
-              <a:rPr sz="1200" b="1" spc="-25">
-                <a:solidFill>
-                  <a:srgbClr val="020302"/>
-                </a:solidFill>
-                <a:latin typeface="Adobe Clean"/>
-                <a:cs typeface="Adobe Clean"/>
-              </a:rPr>
-              <a:t>e</a:t>
-            </a:r>
-            <a:r>
-              <a:rPr sz="1200" b="1" spc="-20">
-                <a:solidFill>
-                  <a:srgbClr val="020302"/>
-                </a:solidFill>
-                <a:latin typeface="Adobe Clean"/>
-                <a:cs typeface="Adobe Clean"/>
-              </a:rPr>
-              <a:t>r</a:t>
-            </a:r>
-            <a:r>
-              <a:rPr sz="1200" b="1" spc="-25">
-                <a:solidFill>
-                  <a:srgbClr val="020302"/>
-                </a:solidFill>
-                <a:latin typeface="Adobe Clean"/>
-                <a:cs typeface="Adobe Clean"/>
-              </a:rPr>
-              <a:t>v</a:t>
-            </a:r>
-            <a:r>
-              <a:rPr sz="1200" b="1" spc="-20">
-                <a:solidFill>
-                  <a:srgbClr val="020302"/>
-                </a:solidFill>
-                <a:latin typeface="Adobe Clean"/>
-                <a:cs typeface="Adobe Clean"/>
-              </a:rPr>
-              <a:t>i</a:t>
-            </a:r>
-            <a:r>
-              <a:rPr sz="1200" b="1" spc="-30">
-                <a:solidFill>
-                  <a:srgbClr val="020302"/>
-                </a:solidFill>
-                <a:latin typeface="Adobe Clean"/>
-                <a:cs typeface="Adobe Clean"/>
-              </a:rPr>
-              <a:t>c</a:t>
-            </a:r>
-            <a:r>
-              <a:rPr sz="1200" b="1">
-                <a:solidFill>
-                  <a:srgbClr val="020302"/>
-                </a:solidFill>
-                <a:latin typeface="Adobe Clean"/>
-                <a:cs typeface="Adobe Clean"/>
-              </a:rPr>
-              <a:t>e</a:t>
-            </a:r>
-            <a:r>
-              <a:rPr sz="1200" b="1" spc="-80">
-                <a:solidFill>
-                  <a:srgbClr val="020302"/>
-                </a:solidFill>
-                <a:latin typeface="Adobe Clean"/>
-                <a:cs typeface="Adobe Clean"/>
-              </a:rPr>
-              <a:t> </a:t>
-            </a:r>
-            <a:r>
-              <a:rPr sz="1200" b="1" spc="-20">
-                <a:solidFill>
-                  <a:srgbClr val="020302"/>
-                </a:solidFill>
-                <a:latin typeface="Adobe Clean"/>
-                <a:cs typeface="Adobe Clean"/>
-              </a:rPr>
-              <a:t>R</a:t>
-            </a:r>
-            <a:r>
-              <a:rPr sz="1200" b="1" spc="-25">
-                <a:solidFill>
-                  <a:srgbClr val="020302"/>
-                </a:solidFill>
-                <a:latin typeface="Adobe Clean"/>
-                <a:cs typeface="Adobe Clean"/>
-              </a:rPr>
-              <a:t>e</a:t>
-            </a:r>
-            <a:r>
-              <a:rPr sz="1200" b="1" spc="-30">
-                <a:solidFill>
-                  <a:srgbClr val="020302"/>
-                </a:solidFill>
-                <a:latin typeface="Adobe Clean"/>
-                <a:cs typeface="Adobe Clean"/>
-              </a:rPr>
-              <a:t>v</a:t>
-            </a:r>
-            <a:r>
-              <a:rPr sz="1200" b="1" spc="-20">
-                <a:solidFill>
-                  <a:srgbClr val="020302"/>
-                </a:solidFill>
-                <a:latin typeface="Adobe Clean"/>
-                <a:cs typeface="Adobe Clean"/>
-              </a:rPr>
-              <a:t>i</a:t>
-            </a:r>
-            <a:r>
-              <a:rPr sz="1200" b="1" spc="-25">
-                <a:solidFill>
-                  <a:srgbClr val="020302"/>
-                </a:solidFill>
-                <a:latin typeface="Adobe Clean"/>
-                <a:cs typeface="Adobe Clean"/>
-              </a:rPr>
-              <a:t>ew</a:t>
-            </a:r>
-            <a:r>
-              <a:rPr sz="1200" b="1">
-                <a:solidFill>
-                  <a:srgbClr val="020302"/>
-                </a:solidFill>
-                <a:latin typeface="Adobe Clean"/>
-                <a:cs typeface="Adobe Clean"/>
-              </a:rPr>
-              <a:t>s</a:t>
-            </a:r>
-            <a:endParaRPr sz="1200">
-              <a:latin typeface="Adobe Clean"/>
-              <a:cs typeface="Adobe Clean"/>
-            </a:endParaRPr>
+              <a:t>Service-Prüfungen</a:t>
+            </a:r>
           </a:p>
         </p:txBody>
       </p:sp>
@@ -10839,18 +8734,31 @@
               </a:spcBef>
             </a:pPr>
             <a:r>
-              <a:rPr lang="en-US" sz="1000">
+              <a:rPr lang="de-DE" sz="1000" dirty="0">
                 <a:solidFill>
                   <a:srgbClr val="4B4B4B"/>
                 </a:solidFill>
                 <a:latin typeface="Adobe Clean Light" panose="020B0303020404020204" pitchFamily="34" charset="0"/>
               </a:rPr>
-              <a:t>A bi-annual comprehensive review of  Enterprise program services, benefits and support metrics.</a:t>
-            </a:r>
-            <a:endParaRPr sz="1000">
-              <a:latin typeface="Adobe Clean Light" panose="020B0303020404020204" pitchFamily="34" charset="0"/>
-              <a:cs typeface="AdobeClean-Light"/>
-            </a:endParaRPr>
+              <a:t>Eine halbjährliche umfassende Prüfung </a:t>
+            </a:r>
+            <a:br>
+              <a:rPr lang="sk-SK" sz="1000" dirty="0">
+                <a:solidFill>
+                  <a:srgbClr val="4B4B4B"/>
+                </a:solidFill>
+                <a:latin typeface="Adobe Clean Light" panose="020B0303020404020204" pitchFamily="34" charset="0"/>
+              </a:rPr>
+            </a:br>
+            <a:r>
+              <a:rPr lang="de-DE" sz="1000" dirty="0">
+                <a:solidFill>
+                  <a:srgbClr val="4B4B4B"/>
+                </a:solidFill>
+                <a:latin typeface="Adobe Clean Light" panose="020B0303020404020204" pitchFamily="34" charset="0"/>
+              </a:rPr>
+              <a:t>der Services, Vorteile und Support-Metriken des Enterprise-Programms.</a:t>
+            </a:r>
           </a:p>
         </p:txBody>
       </p:sp>
@@ -10890,18 +8798,14 @@
               </a:spcBef>
             </a:pPr>
             <a:r>
-              <a:rPr lang="en-US" sz="1000">
+              <a:rPr lang="de-DE" sz="1000">
                 <a:solidFill>
                   <a:srgbClr val="4B4B4B"/>
                 </a:solidFill>
                 <a:latin typeface="Adobe Clean Light" panose="020B0303020404020204" pitchFamily="34" charset="0"/>
               </a:rPr>
-              <a:t>A 60-minute session focusing on a specific product feature and how it can be utilized to solve common business problems.</a:t>
-            </a:r>
-            <a:endParaRPr sz="1000">
-              <a:latin typeface="Adobe Clean Light" panose="020B0303020404020204" pitchFamily="34" charset="0"/>
-              <a:cs typeface="AdobeClean-Light"/>
-            </a:endParaRPr>
+              <a:t>Eine 60-minütige Session mit Konzentration auf eine bestimmte Produktfunktion und deren Nutzung zum Lösen gängiger Unternehmensprobleme.</a:t>
+            </a:r>
           </a:p>
         </p:txBody>
       </p:sp>
@@ -10920,7 +8824,7 @@
         <p:spPr>
           <a:xfrm>
             <a:off x="5265661" y="5001737"/>
-            <a:ext cx="2194560" cy="536622"/>
+            <a:ext cx="2194560" cy="713850"/>
           </a:xfrm>
           <a:prstGeom prst="rect">
             <a:avLst/>
@@ -10941,20 +8845,65 @@
               </a:spcBef>
             </a:pPr>
             <a:r>
-              <a:rPr lang="en-US" sz="1000">
+              <a:rPr lang="de-DE" sz="1000" dirty="0">
                 <a:solidFill>
                   <a:srgbClr val="4B4B4B"/>
                 </a:solidFill>
                 <a:latin typeface="Adobe Clean Light" panose="020B0303020404020204" pitchFamily="34" charset="0"/>
               </a:rPr>
-              <a:t>Drive adoption of customization best practices and core components in AEM as a Cloud Service</a:t>
-            </a:r>
-            <a:endParaRPr sz="1000">
-              <a:solidFill>
-                <a:srgbClr val="4B4B4B"/>
-              </a:solidFill>
-              <a:latin typeface="Adobe Clean Light" panose="020B0303020404020204" pitchFamily="34" charset="0"/>
-            </a:endParaRPr>
+              <a:t>Förderung der Übernahme von </a:t>
+            </a:r>
+            <a:br>
+              <a:rPr lang="sk-SK" sz="1000" dirty="0">
+                <a:solidFill>
+                  <a:srgbClr val="4B4B4B"/>
+                </a:solidFill>
+                <a:latin typeface="Adobe Clean Light" panose="020B0303020404020204" pitchFamily="34" charset="0"/>
+              </a:rPr>
+            </a:br>
+            <a:r>
+              <a:rPr lang="de-DE" sz="1000" dirty="0">
+                <a:solidFill>
+                  <a:srgbClr val="4B4B4B"/>
+                </a:solidFill>
+                <a:latin typeface="Adobe Clean Light" panose="020B0303020404020204" pitchFamily="34" charset="0"/>
+              </a:rPr>
+              <a:t>Best Practices für die Anpassung </a:t>
+            </a:r>
+            <a:br>
+              <a:rPr lang="sk-SK" sz="1000" dirty="0">
+                <a:solidFill>
+                  <a:srgbClr val="4B4B4B"/>
+                </a:solidFill>
+                <a:latin typeface="Adobe Clean Light" panose="020B0303020404020204" pitchFamily="34" charset="0"/>
+              </a:rPr>
+            </a:br>
+            <a:r>
+              <a:rPr lang="de-DE" sz="1000" dirty="0">
+                <a:solidFill>
+                  <a:srgbClr val="4B4B4B"/>
+                </a:solidFill>
+                <a:latin typeface="Adobe Clean Light" panose="020B0303020404020204" pitchFamily="34" charset="0"/>
+              </a:rPr>
+              <a:t>und Kernkomponenten in AEM </a:t>
+            </a:r>
+            <a:br>
+              <a:rPr lang="sk-SK" sz="1000" dirty="0">
+                <a:solidFill>
+                  <a:srgbClr val="4B4B4B"/>
+                </a:solidFill>
+                <a:latin typeface="Adobe Clean Light" panose="020B0303020404020204" pitchFamily="34" charset="0"/>
+              </a:rPr>
+            </a:br>
+            <a:r>
+              <a:rPr lang="de-DE" sz="1000" dirty="0">
+                <a:solidFill>
+                  <a:srgbClr val="4B4B4B"/>
+                </a:solidFill>
+                <a:latin typeface="Adobe Clean Light" panose="020B0303020404020204" pitchFamily="34" charset="0"/>
+              </a:rPr>
+              <a:t>as a Cloud Service</a:t>
+            </a:r>
           </a:p>
         </p:txBody>
       </p:sp>
@@ -10994,20 +8943,14 @@
               </a:spcBef>
             </a:pPr>
             <a:r>
-              <a:rPr lang="en-US" sz="1000">
+              <a:rPr lang="de-DE" sz="1000">
                 <a:solidFill>
                   <a:srgbClr val="4B4B4B"/>
                 </a:solidFill>
                 <a:latin typeface="Adobe Clean Light" panose="020B0303020404020204" pitchFamily="34" charset="0"/>
               </a:rPr>
-              <a:t>Identify, review and provide recommendations on customized solution adoption areas that have opportunities for optimization</a:t>
-            </a:r>
-            <a:endParaRPr sz="1000">
-              <a:solidFill>
-                <a:srgbClr val="4B4B4B"/>
-              </a:solidFill>
-              <a:latin typeface="Adobe Clean Light" panose="020B0303020404020204" pitchFamily="34" charset="0"/>
-            </a:endParaRPr>
+              <a:t>Identifizieren, Prüfen und Bereitstellen von Empfehlungen zu individuellen Lösungsübernahmebereichen mit Optimierungsmöglichkeiten</a:t>
+            </a:r>
           </a:p>
         </p:txBody>
       </p:sp>
@@ -11026,7 +8969,7 @@
         <p:spPr>
           <a:xfrm>
             <a:off x="355868" y="4947989"/>
-            <a:ext cx="2194560" cy="717376"/>
+            <a:ext cx="2194560" cy="899670"/>
           </a:xfrm>
           <a:prstGeom prst="rect">
             <a:avLst/>
@@ -11047,20 +8990,31 @@
               </a:spcBef>
             </a:pPr>
             <a:r>
-              <a:rPr lang="en-US" sz="1000">
+              <a:rPr lang="de-DE" sz="1000" dirty="0">
                 <a:solidFill>
                   <a:srgbClr val="4B4B4B"/>
                 </a:solidFill>
                 <a:latin typeface="Adobe Clean Light" panose="020B0303020404020204" pitchFamily="34" charset="0"/>
               </a:rPr>
-              <a:t>Technical &amp; operational governance to assist AEM as a Cloud Service Customers in adhering to industry standards and best practices for AEM as a Cloud Service</a:t>
-            </a:r>
-            <a:endParaRPr sz="1000">
-              <a:solidFill>
-                <a:srgbClr val="4B4B4B"/>
-              </a:solidFill>
-              <a:latin typeface="Adobe Clean Light" panose="020B0303020404020204" pitchFamily="34" charset="0"/>
-            </a:endParaRPr>
+              <a:t>Technische und betriebliche Governance </a:t>
+            </a:r>
+            <a:br>
+              <a:rPr lang="sk-SK" sz="1000" dirty="0">
+                <a:solidFill>
+                  <a:srgbClr val="4B4B4B"/>
+                </a:solidFill>
+                <a:latin typeface="Adobe Clean Light" panose="020B0303020404020204" pitchFamily="34" charset="0"/>
+              </a:rPr>
+            </a:br>
+            <a:r>
+              <a:rPr lang="de-DE" sz="1000" dirty="0">
+                <a:solidFill>
+                  <a:srgbClr val="4B4B4B"/>
+                </a:solidFill>
+                <a:latin typeface="Adobe Clean Light" panose="020B0303020404020204" pitchFamily="34" charset="0"/>
+              </a:rPr>
+              <a:t>für die Unterstützung von AEM as a Cloud Service-Kunden bei der Einhaltung von Branchenstandards und Best Practices für AEM as a Cloud Service</a:t>
+            </a:r>
           </a:p>
         </p:txBody>
       </p:sp>
@@ -11078,8 +9032,8 @@
         </p:nvSpPr>
         <p:spPr>
           <a:xfrm>
-            <a:off x="2835999" y="1401973"/>
-            <a:ext cx="2194560" cy="959237"/>
+            <a:off x="2835998" y="1401973"/>
+            <a:ext cx="2252891" cy="1113125"/>
           </a:xfrm>
           <a:prstGeom prst="rect">
             <a:avLst/>
@@ -11097,20 +9051,48 @@
               </a:spcBef>
             </a:pPr>
             <a:r>
-              <a:rPr lang="en-US" sz="1000">
+              <a:rPr lang="de-DE" sz="1000" dirty="0">
                 <a:solidFill>
                   <a:srgbClr val="4B4B4B"/>
                 </a:solidFill>
                 <a:latin typeface="Adobe Clean Light" panose="020B0303020404020204" pitchFamily="34" charset="0"/>
               </a:rPr>
-              <a:t>A designated support engineer who becomes familiar with your solution environment and business goals. The NSE is an experienced support engineer that helps coordinate your Enterprise Support experience..</a:t>
-            </a:r>
-            <a:endParaRPr lang="en-US" sz="1000">
-              <a:solidFill>
-                <a:srgbClr val="000000"/>
-              </a:solidFill>
-              <a:latin typeface="Adobe Clean Light" panose="020B0303020404020204" pitchFamily="34" charset="0"/>
-            </a:endParaRPr>
+              <a:t>Ein spezifischer Support-Mitarbeiter, der sich mit Ihrer Lösungsumgebung und Ihren Unternehmenszielen vertraut macht. </a:t>
+            </a:r>
+            <a:br>
+              <a:rPr lang="sk-SK" sz="1000" dirty="0">
+                <a:solidFill>
+                  <a:srgbClr val="4B4B4B"/>
+                </a:solidFill>
+                <a:latin typeface="Adobe Clean Light" panose="020B0303020404020204" pitchFamily="34" charset="0"/>
+              </a:rPr>
+            </a:br>
+            <a:r>
+              <a:rPr lang="de-DE" sz="1000" dirty="0">
+                <a:solidFill>
+                  <a:srgbClr val="4B4B4B"/>
+                </a:solidFill>
+                <a:latin typeface="Adobe Clean Light" panose="020B0303020404020204" pitchFamily="34" charset="0"/>
+              </a:rPr>
+              <a:t>Der spezifische Support-Mitarbeiter ist ein erfahrener Support-Engineer, der Sie bei </a:t>
+            </a:r>
+            <a:br>
+              <a:rPr lang="sk-SK" sz="1000" dirty="0">
+                <a:solidFill>
+                  <a:srgbClr val="4B4B4B"/>
+                </a:solidFill>
+                <a:latin typeface="Adobe Clean Light" panose="020B0303020404020204" pitchFamily="34" charset="0"/>
+              </a:rPr>
+            </a:br>
+            <a:r>
+              <a:rPr lang="de-DE" sz="1000" dirty="0">
+                <a:solidFill>
+                  <a:srgbClr val="4B4B4B"/>
+                </a:solidFill>
+                <a:latin typeface="Adobe Clean Light" panose="020B0303020404020204" pitchFamily="34" charset="0"/>
+              </a:rPr>
+              <a:t>der Koordination Ihres Enterprise Support-Erlebnisses unterstützt.</a:t>
+            </a:r>
           </a:p>
         </p:txBody>
       </p:sp>
@@ -11130,8 +9112,8 @@
         </p:nvSpPr>
         <p:spPr>
           <a:xfrm>
-            <a:off x="3201544" y="1127425"/>
-            <a:ext cx="1726164" cy="184666"/>
+            <a:off x="3201544" y="1127424"/>
+            <a:ext cx="2077842" cy="169277"/>
           </a:xfrm>
           <a:prstGeom prst="rect">
             <a:avLst/>
@@ -11152,13 +9134,13 @@
               </a:spcAft>
             </a:pPr>
             <a:r>
-              <a:rPr lang="en-US" sz="1200" b="1" spc="-10">
+              <a:rPr lang="de-DE" sz="1100" b="1" dirty="0">
                 <a:solidFill>
                   <a:srgbClr val="020302"/>
                 </a:solidFill>
                 <a:latin typeface="+mj-lt"/>
               </a:rPr>
-              <a:t>Named Support Engineer</a:t>
+              <a:t>Spezifischer Support-Mitarbeiter</a:t>
             </a:r>
           </a:p>
         </p:txBody>
@@ -11216,8 +9198,8 @@
         </p:nvSpPr>
         <p:spPr>
           <a:xfrm>
-            <a:off x="5723508" y="1099976"/>
-            <a:ext cx="1036205" cy="197490"/>
+            <a:off x="5723508" y="1099975"/>
+            <a:ext cx="1359655" cy="197490"/>
           </a:xfrm>
           <a:prstGeom prst="rect">
             <a:avLst/>
@@ -11238,19 +9220,15 @@
               </a:spcBef>
             </a:pPr>
             <a:r>
-              <a:rPr lang="en-US" sz="1200" b="1" spc="-20">
+              <a:rPr lang="de-DE" sz="1200" b="1" dirty="0">
                 <a:solidFill>
                   <a:srgbClr val="020302"/>
                 </a:solidFill>
                 <a:latin typeface="Adobe Clean"/>
                 <a:cs typeface="Adobe Clean"/>
               </a:rPr>
-              <a:t>Expert Sessions</a:t>
-            </a:r>
-            <a:endParaRPr sz="1200">
-              <a:latin typeface="Adobe Clean"/>
-              <a:cs typeface="Adobe Clean"/>
-            </a:endParaRPr>
+              <a:t>Experten-Sessions</a:t>
+            </a:r>
           </a:p>
         </p:txBody>
       </p:sp>
@@ -11268,8 +9246,8 @@
         </p:nvSpPr>
         <p:spPr>
           <a:xfrm>
-            <a:off x="5181600" y="4466703"/>
-            <a:ext cx="1972258" cy="461665"/>
+            <a:off x="5181599" y="4466703"/>
+            <a:ext cx="2278621" cy="461665"/>
           </a:xfrm>
           <a:prstGeom prst="rect">
             <a:avLst/>
@@ -11290,489 +9268,15 @@
               </a:spcBef>
             </a:pPr>
             <a:r>
-              <a:rPr lang="en-US" sz="1200" b="1" spc="-15">
+              <a:rPr lang="de-DE" sz="1200" b="1" dirty="0">
                 <a:solidFill>
                   <a:srgbClr val="020302"/>
                 </a:solidFill>
                 <a:latin typeface="Adobe Clean"/>
                 <a:cs typeface="Adobe Clean"/>
               </a:rPr>
-              <a:t>C</a:t>
-            </a:r>
-            <a:r>
-              <a:rPr lang="en-US" sz="1200" b="1" spc="-20">
-                <a:solidFill>
-                  <a:srgbClr val="020302"/>
-                </a:solidFill>
-                <a:latin typeface="Adobe Clean"/>
-                <a:cs typeface="Adobe Clean"/>
-              </a:rPr>
-              <a:t>u</a:t>
-            </a:r>
-            <a:r>
-              <a:rPr lang="en-US" sz="1200" b="1" spc="-25">
-                <a:solidFill>
-                  <a:srgbClr val="020302"/>
-                </a:solidFill>
-                <a:latin typeface="Adobe Clean"/>
-                <a:cs typeface="Adobe Clean"/>
-              </a:rPr>
-              <a:t>st</a:t>
-            </a:r>
-            <a:r>
-              <a:rPr lang="en-US" sz="1200" b="1" spc="-15">
-                <a:solidFill>
-                  <a:srgbClr val="020302"/>
-                </a:solidFill>
-                <a:latin typeface="Adobe Clean"/>
-                <a:cs typeface="Adobe Clean"/>
-              </a:rPr>
-              <a:t>o</a:t>
-            </a:r>
-            <a:r>
-              <a:rPr lang="en-US" sz="1200" b="1" spc="-20">
-                <a:solidFill>
-                  <a:srgbClr val="020302"/>
-                </a:solidFill>
-                <a:latin typeface="Adobe Clean"/>
-                <a:cs typeface="Adobe Clean"/>
-              </a:rPr>
-              <a:t>miza</a:t>
-            </a:r>
-            <a:r>
-              <a:rPr lang="en-US" sz="1200" b="1" spc="-25">
-                <a:solidFill>
-                  <a:srgbClr val="020302"/>
-                </a:solidFill>
-                <a:latin typeface="Adobe Clean"/>
-                <a:cs typeface="Adobe Clean"/>
-              </a:rPr>
-              <a:t>t</a:t>
-            </a:r>
-            <a:r>
-              <a:rPr lang="en-US" sz="1200" b="1" spc="-20">
-                <a:solidFill>
-                  <a:srgbClr val="020302"/>
-                </a:solidFill>
-                <a:latin typeface="Adobe Clean"/>
-                <a:cs typeface="Adobe Clean"/>
-              </a:rPr>
-              <a:t>i</a:t>
-            </a:r>
-            <a:r>
-              <a:rPr lang="en-US" sz="1200" b="1" spc="-15">
-                <a:solidFill>
-                  <a:srgbClr val="020302"/>
-                </a:solidFill>
-                <a:latin typeface="Adobe Clean"/>
-                <a:cs typeface="Adobe Clean"/>
-              </a:rPr>
-              <a:t>o</a:t>
-            </a:r>
-            <a:r>
-              <a:rPr lang="en-US" sz="1200" b="1">
-                <a:solidFill>
-                  <a:srgbClr val="020302"/>
-                </a:solidFill>
-                <a:latin typeface="Adobe Clean"/>
-                <a:cs typeface="Adobe Clean"/>
-              </a:rPr>
-              <a:t>n</a:t>
-            </a:r>
-            <a:r>
-              <a:rPr lang="en-US" sz="1200" b="1" spc="-50">
-                <a:solidFill>
-                  <a:srgbClr val="020302"/>
-                </a:solidFill>
-                <a:latin typeface="Adobe Clean"/>
-                <a:cs typeface="Adobe Clean"/>
-              </a:rPr>
-              <a:t> </a:t>
-            </a:r>
-            <a:r>
-              <a:rPr lang="en-US" sz="1200" b="1" spc="-20">
-                <a:solidFill>
-                  <a:srgbClr val="020302"/>
-                </a:solidFill>
-                <a:latin typeface="Adobe Clean"/>
-                <a:cs typeface="Adobe Clean"/>
-              </a:rPr>
-              <a:t>B</a:t>
-            </a:r>
-            <a:r>
-              <a:rPr lang="en-US" sz="1200" b="1" spc="-25">
-                <a:solidFill>
-                  <a:srgbClr val="020302"/>
-                </a:solidFill>
-                <a:latin typeface="Adobe Clean"/>
-                <a:cs typeface="Adobe Clean"/>
-              </a:rPr>
-              <a:t>es</a:t>
-            </a:r>
-            <a:r>
-              <a:rPr lang="en-US" sz="1200" b="1">
-                <a:solidFill>
-                  <a:srgbClr val="020302"/>
-                </a:solidFill>
-                <a:latin typeface="Adobe Clean"/>
-                <a:cs typeface="Adobe Clean"/>
-              </a:rPr>
-              <a:t>t</a:t>
-            </a:r>
-            <a:r>
-              <a:rPr lang="en-US" sz="1200" b="1" spc="-50">
-                <a:solidFill>
-                  <a:srgbClr val="020302"/>
-                </a:solidFill>
-                <a:latin typeface="Adobe Clean"/>
-                <a:cs typeface="Adobe Clean"/>
-              </a:rPr>
-              <a:t> </a:t>
-            </a:r>
-            <a:r>
-              <a:rPr lang="en-US" sz="1200" b="1" spc="-25">
-                <a:solidFill>
-                  <a:srgbClr val="020302"/>
-                </a:solidFill>
-                <a:latin typeface="Adobe Clean"/>
-                <a:cs typeface="Adobe Clean"/>
-              </a:rPr>
-              <a:t>P</a:t>
-            </a:r>
-            <a:r>
-              <a:rPr lang="en-US" sz="1200" b="1" spc="-20">
-                <a:solidFill>
-                  <a:srgbClr val="020302"/>
-                </a:solidFill>
-                <a:latin typeface="Adobe Clean"/>
-                <a:cs typeface="Adobe Clean"/>
-              </a:rPr>
-              <a:t>ra</a:t>
-            </a:r>
-            <a:r>
-              <a:rPr lang="en-US" sz="1200" b="1" spc="-30">
-                <a:solidFill>
-                  <a:srgbClr val="020302"/>
-                </a:solidFill>
-                <a:latin typeface="Adobe Clean"/>
-                <a:cs typeface="Adobe Clean"/>
-              </a:rPr>
-              <a:t>c</a:t>
-            </a:r>
-            <a:r>
-              <a:rPr lang="en-US" sz="1200" b="1" spc="-25">
-                <a:solidFill>
-                  <a:srgbClr val="020302"/>
-                </a:solidFill>
-                <a:latin typeface="Adobe Clean"/>
-                <a:cs typeface="Adobe Clean"/>
-              </a:rPr>
-              <a:t>t</a:t>
-            </a:r>
-            <a:r>
-              <a:rPr lang="en-US" sz="1200" b="1" spc="-20">
-                <a:solidFill>
-                  <a:srgbClr val="020302"/>
-                </a:solidFill>
-                <a:latin typeface="Adobe Clean"/>
-                <a:cs typeface="Adobe Clean"/>
-              </a:rPr>
-              <a:t>i</a:t>
-            </a:r>
-            <a:r>
-              <a:rPr lang="en-US" sz="1200" b="1" spc="-30">
-                <a:solidFill>
-                  <a:srgbClr val="020302"/>
-                </a:solidFill>
-                <a:latin typeface="Adobe Clean"/>
-                <a:cs typeface="Adobe Clean"/>
-              </a:rPr>
-              <a:t>c</a:t>
-            </a:r>
-            <a:r>
-              <a:rPr lang="en-US" sz="1200" b="1" spc="-25">
-                <a:solidFill>
-                  <a:srgbClr val="020302"/>
-                </a:solidFill>
-                <a:latin typeface="Adobe Clean"/>
-                <a:cs typeface="Adobe Clean"/>
-              </a:rPr>
-              <a:t>e</a:t>
-            </a:r>
-            <a:r>
-              <a:rPr lang="en-US" sz="1200" b="1">
-                <a:solidFill>
-                  <a:srgbClr val="020302"/>
-                </a:solidFill>
-                <a:latin typeface="Adobe Clean"/>
-                <a:cs typeface="Adobe Clean"/>
-              </a:rPr>
-              <a:t>s</a:t>
-            </a:r>
-            <a:r>
-              <a:rPr lang="en-US" sz="1200" b="1" spc="-45">
-                <a:solidFill>
-                  <a:srgbClr val="020302"/>
-                </a:solidFill>
-                <a:latin typeface="Adobe Clean"/>
-                <a:cs typeface="Adobe Clean"/>
-              </a:rPr>
-              <a:t> </a:t>
-            </a:r>
-            <a:r>
-              <a:rPr lang="en-US" sz="1200" b="1" spc="-25">
-                <a:solidFill>
-                  <a:srgbClr val="020302"/>
-                </a:solidFill>
-                <a:latin typeface="Adobe Clean"/>
-                <a:cs typeface="Adobe Clean"/>
-              </a:rPr>
-              <a:t>f</a:t>
-            </a:r>
-            <a:r>
-              <a:rPr lang="en-US" sz="1200" b="1" spc="-15">
-                <a:solidFill>
-                  <a:srgbClr val="020302"/>
-                </a:solidFill>
-                <a:latin typeface="Adobe Clean"/>
-                <a:cs typeface="Adobe Clean"/>
-              </a:rPr>
-              <a:t>o</a:t>
-            </a:r>
-            <a:r>
-              <a:rPr lang="en-US" sz="1200" b="1">
-                <a:solidFill>
-                  <a:srgbClr val="020302"/>
-                </a:solidFill>
-                <a:latin typeface="Adobe Clean"/>
-                <a:cs typeface="Adobe Clean"/>
-              </a:rPr>
-              <a:t>r</a:t>
-            </a:r>
-            <a:r>
-              <a:rPr lang="en-US" sz="1200" b="1" spc="-45">
-                <a:solidFill>
-                  <a:srgbClr val="020302"/>
-                </a:solidFill>
-                <a:latin typeface="Adobe Clean"/>
-                <a:cs typeface="Adobe Clean"/>
-              </a:rPr>
-              <a:t> </a:t>
-            </a:r>
-            <a:r>
-              <a:rPr lang="en-US" sz="1200" b="1" spc="-30">
-                <a:solidFill>
-                  <a:srgbClr val="020302"/>
-                </a:solidFill>
-                <a:latin typeface="Adobe Clean"/>
-                <a:cs typeface="Adobe Clean"/>
-              </a:rPr>
-              <a:t>AE</a:t>
-            </a:r>
-            <a:r>
-              <a:rPr lang="en-US" sz="1200" b="1">
-                <a:solidFill>
-                  <a:srgbClr val="020302"/>
-                </a:solidFill>
-                <a:latin typeface="Adobe Clean"/>
-                <a:cs typeface="Adobe Clean"/>
-              </a:rPr>
-              <a:t>M</a:t>
-            </a:r>
-            <a:r>
-              <a:rPr lang="en-US" sz="1200" b="1" spc="-55">
-                <a:solidFill>
-                  <a:srgbClr val="020302"/>
-                </a:solidFill>
-                <a:latin typeface="Adobe Clean"/>
-                <a:cs typeface="Adobe Clean"/>
-              </a:rPr>
-              <a:t> </a:t>
-            </a:r>
-            <a:r>
-              <a:rPr lang="en-US" sz="1200" b="1" spc="-20">
-                <a:solidFill>
-                  <a:srgbClr val="020302"/>
-                </a:solidFill>
-                <a:latin typeface="Adobe Clean"/>
-                <a:cs typeface="Adobe Clean"/>
-              </a:rPr>
-              <a:t>a</a:t>
-            </a:r>
-            <a:r>
-              <a:rPr lang="en-US" sz="1200" b="1">
-                <a:solidFill>
-                  <a:srgbClr val="020302"/>
-                </a:solidFill>
-                <a:latin typeface="Adobe Clean"/>
-                <a:cs typeface="Adobe Clean"/>
-              </a:rPr>
-              <a:t>s</a:t>
-            </a:r>
-            <a:r>
-              <a:rPr lang="en-US" sz="1200" b="1" spc="-45">
-                <a:solidFill>
-                  <a:srgbClr val="020302"/>
-                </a:solidFill>
-                <a:latin typeface="Adobe Clean"/>
-                <a:cs typeface="Adobe Clean"/>
-              </a:rPr>
-              <a:t> </a:t>
-            </a:r>
-            <a:r>
-              <a:rPr lang="en-US" sz="1200" b="1">
-                <a:solidFill>
-                  <a:srgbClr val="020302"/>
-                </a:solidFill>
-                <a:latin typeface="Adobe Clean"/>
-                <a:cs typeface="Adobe Clean"/>
-              </a:rPr>
-              <a:t>a</a:t>
-            </a:r>
-            <a:r>
-              <a:rPr lang="en-US" sz="1200" b="1" spc="-45">
-                <a:solidFill>
-                  <a:srgbClr val="020302"/>
-                </a:solidFill>
-                <a:latin typeface="Adobe Clean"/>
-                <a:cs typeface="Adobe Clean"/>
-              </a:rPr>
-              <a:t> </a:t>
-            </a:r>
-            <a:r>
-              <a:rPr lang="en-US" sz="1200" b="1" spc="-15">
-                <a:solidFill>
-                  <a:srgbClr val="020302"/>
-                </a:solidFill>
-                <a:latin typeface="Adobe Clean"/>
-                <a:cs typeface="Adobe Clean"/>
-              </a:rPr>
-              <a:t>C</a:t>
-            </a:r>
-            <a:r>
-              <a:rPr lang="en-US" sz="1200" b="1" spc="-25">
-                <a:solidFill>
-                  <a:srgbClr val="020302"/>
-                </a:solidFill>
-                <a:latin typeface="Adobe Clean"/>
-                <a:cs typeface="Adobe Clean"/>
-              </a:rPr>
-              <a:t>l</a:t>
-            </a:r>
-            <a:r>
-              <a:rPr lang="en-US" sz="1200" b="1" spc="-15">
-                <a:solidFill>
-                  <a:srgbClr val="020302"/>
-                </a:solidFill>
-                <a:latin typeface="Adobe Clean"/>
-                <a:cs typeface="Adobe Clean"/>
-              </a:rPr>
-              <a:t>o</a:t>
-            </a:r>
-            <a:r>
-              <a:rPr lang="en-US" sz="1200" b="1" spc="-20">
-                <a:solidFill>
-                  <a:srgbClr val="020302"/>
-                </a:solidFill>
-                <a:latin typeface="Adobe Clean"/>
-                <a:cs typeface="Adobe Clean"/>
-              </a:rPr>
-              <a:t>u</a:t>
-            </a:r>
-            <a:r>
-              <a:rPr lang="en-US" sz="1200" b="1">
-                <a:solidFill>
-                  <a:srgbClr val="020302"/>
-                </a:solidFill>
-                <a:latin typeface="Adobe Clean"/>
-                <a:cs typeface="Adobe Clean"/>
-              </a:rPr>
-              <a:t>d</a:t>
-            </a:r>
-            <a:r>
-              <a:rPr lang="en-US" sz="1200" b="1" spc="-50">
-                <a:solidFill>
-                  <a:srgbClr val="020302"/>
-                </a:solidFill>
-                <a:latin typeface="Adobe Clean"/>
-                <a:cs typeface="Adobe Clean"/>
-              </a:rPr>
-              <a:t> </a:t>
-            </a:r>
-            <a:r>
-              <a:rPr lang="en-US" sz="1200" b="1" spc="-20">
-                <a:solidFill>
-                  <a:srgbClr val="020302"/>
-                </a:solidFill>
-                <a:latin typeface="Adobe Clean"/>
-                <a:cs typeface="Adobe Clean"/>
-              </a:rPr>
-              <a:t>S</a:t>
-            </a:r>
-            <a:r>
-              <a:rPr lang="en-US" sz="1200" b="1" spc="-25">
-                <a:solidFill>
-                  <a:srgbClr val="020302"/>
-                </a:solidFill>
-                <a:latin typeface="Adobe Clean"/>
-                <a:cs typeface="Adobe Clean"/>
-              </a:rPr>
-              <a:t>e</a:t>
-            </a:r>
-            <a:r>
-              <a:rPr lang="en-US" sz="1200" b="1" spc="-20">
-                <a:solidFill>
-                  <a:srgbClr val="020302"/>
-                </a:solidFill>
-                <a:latin typeface="Adobe Clean"/>
-                <a:cs typeface="Adobe Clean"/>
-              </a:rPr>
-              <a:t>r</a:t>
-            </a:r>
-            <a:r>
-              <a:rPr lang="en-US" sz="1200" b="1" spc="-30">
-                <a:solidFill>
-                  <a:srgbClr val="020302"/>
-                </a:solidFill>
-                <a:latin typeface="Adobe Clean"/>
-                <a:cs typeface="Adobe Clean"/>
-              </a:rPr>
-              <a:t>v</a:t>
-            </a:r>
-            <a:r>
-              <a:rPr lang="en-US" sz="1200" b="1" spc="-20">
-                <a:solidFill>
-                  <a:srgbClr val="020302"/>
-                </a:solidFill>
-                <a:latin typeface="Adobe Clean"/>
-                <a:cs typeface="Adobe Clean"/>
-              </a:rPr>
-              <a:t>i</a:t>
-            </a:r>
-            <a:r>
-              <a:rPr lang="en-US" sz="1200" b="1" spc="-30">
-                <a:solidFill>
-                  <a:srgbClr val="020302"/>
-                </a:solidFill>
-                <a:latin typeface="Adobe Clean"/>
-                <a:cs typeface="Adobe Clean"/>
-              </a:rPr>
-              <a:t>c</a:t>
-            </a:r>
-            <a:r>
-              <a:rPr lang="en-US" sz="1200" b="1">
-                <a:solidFill>
-                  <a:srgbClr val="020302"/>
-                </a:solidFill>
-                <a:latin typeface="Adobe Clean"/>
-                <a:cs typeface="Adobe Clean"/>
-              </a:rPr>
-              <a:t>e</a:t>
-            </a:r>
-            <a:endParaRPr lang="en-US" sz="1200">
-              <a:latin typeface="Adobe Clean"/>
-              <a:cs typeface="Adobe Clean"/>
-            </a:endParaRPr>
+              <a:t>Best Practices für die Anpassung von AEM as a Cloud Service</a:t>
+            </a:r>
           </a:p>
         </p:txBody>
       </p:sp>
@@ -11812,19 +9316,15 @@
               </a:spcBef>
             </a:pPr>
             <a:r>
-              <a:rPr lang="en-US" sz="1200" b="1" spc="-25">
+              <a:rPr lang="de-DE" sz="1200" b="1">
                 <a:solidFill>
                   <a:srgbClr val="020302"/>
                 </a:solidFill>
                 <a:latin typeface="Adobe Clean"/>
                 <a:cs typeface="Adobe Clean"/>
               </a:rPr>
-              <a:t>Value-added Services for AEM as a Cloud Service</a:t>
-            </a:r>
-            <a:endParaRPr lang="en-US" sz="1200">
-              <a:latin typeface="Adobe Clean"/>
-              <a:cs typeface="Adobe Clean"/>
-            </a:endParaRPr>
+              <a:t>Zusatz-Services für AEM as a Cloud Service</a:t>
+            </a:r>
           </a:p>
         </p:txBody>
       </p:sp>
@@ -11864,359 +9364,34 @@
               </a:spcBef>
             </a:pPr>
             <a:r>
-              <a:rPr lang="en-US" sz="1200" b="1" spc="-20">
+              <a:rPr lang="de-DE" sz="1200" b="1" dirty="0">
                 <a:solidFill>
                   <a:srgbClr val="020302"/>
                 </a:solidFill>
                 <a:latin typeface="Adobe Clean"/>
                 <a:cs typeface="Adobe Clean"/>
               </a:rPr>
-              <a:t>G</a:t>
-            </a:r>
-            <a:r>
-              <a:rPr lang="en-US" sz="1200" b="1" spc="-15">
+              <a:t>Governance für AEM </a:t>
+            </a:r>
+            <a:br>
+              <a:rPr lang="sk-SK" sz="1200" b="1" dirty="0">
                 <a:solidFill>
                   <a:srgbClr val="020302"/>
                 </a:solidFill>
                 <a:latin typeface="Adobe Clean"/>
                 <a:cs typeface="Adobe Clean"/>
               </a:rPr>
-              <a:t>o</a:t>
-            </a:r>
-            <a:r>
-              <a:rPr lang="en-US" sz="1200" b="1" spc="-25">
+            </a:br>
+            <a:r>
+              <a:rPr lang="de-DE" sz="1200" b="1" dirty="0">
                 <a:solidFill>
                   <a:srgbClr val="020302"/>
                 </a:solidFill>
                 <a:latin typeface="Adobe Clean"/>
                 <a:cs typeface="Adobe Clean"/>
               </a:rPr>
-              <a:t>ve</a:t>
-            </a:r>
-            <a:r>
-              <a:rPr lang="en-US" sz="1200" b="1" spc="-20">
-                <a:solidFill>
-                  <a:srgbClr val="020302"/>
-                </a:solidFill>
-                <a:latin typeface="Adobe Clean"/>
-                <a:cs typeface="Adobe Clean"/>
-              </a:rPr>
-              <a:t>r</a:t>
-            </a:r>
-            <a:r>
-              <a:rPr lang="en-US" sz="1200" b="1" spc="-25">
-                <a:solidFill>
-                  <a:srgbClr val="020302"/>
-                </a:solidFill>
-                <a:latin typeface="Adobe Clean"/>
-                <a:cs typeface="Adobe Clean"/>
-              </a:rPr>
-              <a:t>n</a:t>
-            </a:r>
-            <a:r>
-              <a:rPr lang="en-US" sz="1200" b="1" spc="-20">
-                <a:solidFill>
-                  <a:srgbClr val="020302"/>
-                </a:solidFill>
-                <a:latin typeface="Adobe Clean"/>
-                <a:cs typeface="Adobe Clean"/>
-              </a:rPr>
-              <a:t>a</a:t>
-            </a:r>
-            <a:r>
-              <a:rPr lang="en-US" sz="1200" b="1" spc="-25">
-                <a:solidFill>
-                  <a:srgbClr val="020302"/>
-                </a:solidFill>
-                <a:latin typeface="Adobe Clean"/>
-                <a:cs typeface="Adobe Clean"/>
-              </a:rPr>
-              <a:t>n</a:t>
-            </a:r>
-            <a:r>
-              <a:rPr lang="en-US" sz="1200" b="1" spc="-30">
-                <a:solidFill>
-                  <a:srgbClr val="020302"/>
-                </a:solidFill>
-                <a:latin typeface="Adobe Clean"/>
-                <a:cs typeface="Adobe Clean"/>
-              </a:rPr>
-              <a:t>c</a:t>
-            </a:r>
-            <a:r>
-              <a:rPr lang="en-US" sz="1200" b="1">
-                <a:solidFill>
-                  <a:srgbClr val="020302"/>
-                </a:solidFill>
-                <a:latin typeface="Adobe Clean"/>
-                <a:cs typeface="Adobe Clean"/>
-              </a:rPr>
-              <a:t>e</a:t>
-            </a:r>
-            <a:r>
-              <a:rPr lang="en-US" sz="1200" b="1" spc="-50">
-                <a:solidFill>
-                  <a:srgbClr val="020302"/>
-                </a:solidFill>
-                <a:latin typeface="Adobe Clean"/>
-                <a:cs typeface="Adobe Clean"/>
-              </a:rPr>
-              <a:t> </a:t>
-            </a:r>
-            <a:r>
-              <a:rPr lang="en-US" sz="1200" b="1" spc="-25">
-                <a:solidFill>
-                  <a:srgbClr val="020302"/>
-                </a:solidFill>
-                <a:latin typeface="Adobe Clean"/>
-                <a:cs typeface="Adobe Clean"/>
-              </a:rPr>
-              <a:t>f</a:t>
-            </a:r>
-            <a:r>
-              <a:rPr lang="en-US" sz="1200" b="1" spc="-15">
-                <a:solidFill>
-                  <a:srgbClr val="020302"/>
-                </a:solidFill>
-                <a:latin typeface="Adobe Clean"/>
-                <a:cs typeface="Adobe Clean"/>
-              </a:rPr>
-              <a:t>o</a:t>
-            </a:r>
-            <a:r>
-              <a:rPr lang="en-US" sz="1200" b="1">
-                <a:solidFill>
-                  <a:srgbClr val="020302"/>
-                </a:solidFill>
-                <a:latin typeface="Adobe Clean"/>
-                <a:cs typeface="Adobe Clean"/>
-              </a:rPr>
-              <a:t>r</a:t>
-            </a:r>
-            <a:r>
-              <a:rPr lang="en-US" sz="1200" b="1" spc="-45">
-                <a:solidFill>
-                  <a:srgbClr val="020302"/>
-                </a:solidFill>
-                <a:latin typeface="Adobe Clean"/>
-                <a:cs typeface="Adobe Clean"/>
-              </a:rPr>
-              <a:t> </a:t>
-            </a:r>
-            <a:r>
-              <a:rPr lang="en-US" sz="1200" b="1" spc="-30">
-                <a:solidFill>
-                  <a:srgbClr val="020302"/>
-                </a:solidFill>
-                <a:latin typeface="Adobe Clean"/>
-                <a:cs typeface="Adobe Clean"/>
-              </a:rPr>
-              <a:t>A</a:t>
-            </a:r>
-            <a:r>
-              <a:rPr lang="en-US" sz="1200" b="1" spc="-25">
-                <a:solidFill>
-                  <a:srgbClr val="020302"/>
-                </a:solidFill>
-                <a:latin typeface="Adobe Clean"/>
-                <a:cs typeface="Adobe Clean"/>
-              </a:rPr>
-              <a:t>E</a:t>
-            </a:r>
-            <a:r>
-              <a:rPr lang="en-US" sz="1200" b="1">
-                <a:solidFill>
-                  <a:srgbClr val="020302"/>
-                </a:solidFill>
-                <a:latin typeface="Adobe Clean"/>
-                <a:cs typeface="Adobe Clean"/>
-              </a:rPr>
-              <a:t>M</a:t>
-            </a:r>
-            <a:r>
-              <a:rPr lang="en-US" sz="1200" b="1" spc="-50">
-                <a:solidFill>
-                  <a:srgbClr val="020302"/>
-                </a:solidFill>
-                <a:latin typeface="Adobe Clean"/>
-                <a:cs typeface="Adobe Clean"/>
-              </a:rPr>
-              <a:t> </a:t>
-            </a:r>
-            <a:r>
-              <a:rPr lang="en-US" sz="1200" b="1" spc="-20">
-                <a:solidFill>
-                  <a:srgbClr val="020302"/>
-                </a:solidFill>
-                <a:latin typeface="Adobe Clean"/>
-                <a:cs typeface="Adobe Clean"/>
-              </a:rPr>
-              <a:t>a</a:t>
-            </a:r>
-            <a:r>
-              <a:rPr lang="en-US" sz="1200" b="1">
-                <a:solidFill>
-                  <a:srgbClr val="020302"/>
-                </a:solidFill>
-                <a:latin typeface="Adobe Clean"/>
-                <a:cs typeface="Adobe Clean"/>
-              </a:rPr>
-              <a:t>s</a:t>
-            </a:r>
-            <a:r>
-              <a:rPr lang="en-US" sz="1200" b="1" spc="-45">
-                <a:solidFill>
-                  <a:srgbClr val="020302"/>
-                </a:solidFill>
-                <a:latin typeface="Adobe Clean"/>
-                <a:cs typeface="Adobe Clean"/>
-              </a:rPr>
-              <a:t> </a:t>
-            </a:r>
-            <a:r>
-              <a:rPr lang="en-US" sz="1200" b="1">
-                <a:solidFill>
-                  <a:srgbClr val="020302"/>
-                </a:solidFill>
-                <a:latin typeface="Adobe Clean"/>
-                <a:cs typeface="Adobe Clean"/>
-              </a:rPr>
-              <a:t>a</a:t>
-            </a:r>
-            <a:r>
-              <a:rPr lang="en-US" sz="1200" b="1" spc="-40">
-                <a:solidFill>
-                  <a:srgbClr val="020302"/>
-                </a:solidFill>
-                <a:latin typeface="Adobe Clean"/>
-                <a:cs typeface="Adobe Clean"/>
-              </a:rPr>
-              <a:t> </a:t>
-            </a:r>
-            <a:r>
-              <a:rPr lang="en-US" sz="1200" b="1" spc="-15">
-                <a:solidFill>
-                  <a:srgbClr val="020302"/>
-                </a:solidFill>
-                <a:latin typeface="Adobe Clean"/>
-                <a:cs typeface="Adobe Clean"/>
-              </a:rPr>
-              <a:t>C</a:t>
-            </a:r>
-            <a:r>
-              <a:rPr lang="en-US" sz="1200" b="1" spc="-25">
-                <a:solidFill>
-                  <a:srgbClr val="020302"/>
-                </a:solidFill>
-                <a:latin typeface="Adobe Clean"/>
-                <a:cs typeface="Adobe Clean"/>
-              </a:rPr>
-              <a:t>l</a:t>
-            </a:r>
-            <a:r>
-              <a:rPr lang="en-US" sz="1200" b="1" spc="-15">
-                <a:solidFill>
-                  <a:srgbClr val="020302"/>
-                </a:solidFill>
-                <a:latin typeface="Adobe Clean"/>
-                <a:cs typeface="Adobe Clean"/>
-              </a:rPr>
-              <a:t>ou</a:t>
-            </a:r>
-            <a:r>
-              <a:rPr lang="en-US" sz="1200" b="1">
-                <a:solidFill>
-                  <a:srgbClr val="020302"/>
-                </a:solidFill>
-                <a:latin typeface="Adobe Clean"/>
-                <a:cs typeface="Adobe Clean"/>
-              </a:rPr>
-              <a:t>d</a:t>
-            </a:r>
-            <a:r>
-              <a:rPr lang="en-US" sz="1200" b="1" spc="-50">
-                <a:solidFill>
-                  <a:srgbClr val="020302"/>
-                </a:solidFill>
-                <a:latin typeface="Adobe Clean"/>
-                <a:cs typeface="Adobe Clean"/>
-              </a:rPr>
-              <a:t> </a:t>
-            </a:r>
-            <a:r>
-              <a:rPr lang="en-US" sz="1200" b="1" spc="-20">
-                <a:solidFill>
-                  <a:srgbClr val="020302"/>
-                </a:solidFill>
-                <a:latin typeface="Adobe Clean"/>
-                <a:cs typeface="Adobe Clean"/>
-              </a:rPr>
-              <a:t>S</a:t>
-            </a:r>
-            <a:r>
-              <a:rPr lang="en-US" sz="1200" b="1" spc="-25">
-                <a:solidFill>
-                  <a:srgbClr val="020302"/>
-                </a:solidFill>
-                <a:latin typeface="Adobe Clean"/>
-                <a:cs typeface="Adobe Clean"/>
-              </a:rPr>
-              <a:t>e</a:t>
-            </a:r>
-            <a:r>
-              <a:rPr lang="en-US" sz="1200" b="1" spc="-20">
-                <a:solidFill>
-                  <a:srgbClr val="020302"/>
-                </a:solidFill>
-                <a:latin typeface="Adobe Clean"/>
-                <a:cs typeface="Adobe Clean"/>
-              </a:rPr>
-              <a:t>r</a:t>
-            </a:r>
-            <a:r>
-              <a:rPr lang="en-US" sz="1200" b="1" spc="-25">
-                <a:solidFill>
-                  <a:srgbClr val="020302"/>
-                </a:solidFill>
-                <a:latin typeface="Adobe Clean"/>
-                <a:cs typeface="Adobe Clean"/>
-              </a:rPr>
-              <a:t>v</a:t>
-            </a:r>
-            <a:r>
-              <a:rPr lang="en-US" sz="1200" b="1" spc="-20">
-                <a:solidFill>
-                  <a:srgbClr val="020302"/>
-                </a:solidFill>
-                <a:latin typeface="Adobe Clean"/>
-                <a:cs typeface="Adobe Clean"/>
-              </a:rPr>
-              <a:t>i</a:t>
-            </a:r>
-            <a:r>
-              <a:rPr lang="en-US" sz="1200" b="1" spc="-30">
-                <a:solidFill>
-                  <a:srgbClr val="020302"/>
-                </a:solidFill>
-                <a:latin typeface="Adobe Clean"/>
-                <a:cs typeface="Adobe Clean"/>
-              </a:rPr>
-              <a:t>c</a:t>
-            </a:r>
-            <a:r>
-              <a:rPr lang="en-US" sz="1200" b="1">
-                <a:solidFill>
-                  <a:srgbClr val="020302"/>
-                </a:solidFill>
-                <a:latin typeface="Adobe Clean"/>
-                <a:cs typeface="Adobe Clean"/>
-              </a:rPr>
-              <a:t>e</a:t>
-            </a:r>
-            <a:endParaRPr lang="en-US" sz="1200">
-              <a:latin typeface="Adobe Clean"/>
-              <a:cs typeface="Adobe Clean"/>
-            </a:endParaRPr>
+              <a:t>as a Cloud Service</a:t>
+            </a:r>
           </a:p>
         </p:txBody>
       </p:sp>
@@ -12334,99 +9509,15 @@
               </a:spcBef>
             </a:pPr>
             <a:r>
-              <a:rPr lang="en-US" sz="1200" b="1" spc="-20">
+              <a:rPr lang="de-DE" sz="1200" b="1">
                 <a:solidFill>
                   <a:srgbClr val="020302"/>
                 </a:solidFill>
                 <a:latin typeface="Adobe Clean"/>
                 <a:cs typeface="Adobe Clean"/>
               </a:rPr>
-              <a:t>Cas</a:t>
-            </a:r>
-            <a:r>
-              <a:rPr sz="1200" b="1">
-                <a:solidFill>
-                  <a:srgbClr val="020302"/>
-                </a:solidFill>
-                <a:latin typeface="Adobe Clean"/>
-                <a:cs typeface="Adobe Clean"/>
-              </a:rPr>
-              <a:t>e</a:t>
-            </a:r>
-            <a:r>
-              <a:rPr sz="1200" b="1" spc="-80">
-                <a:solidFill>
-                  <a:srgbClr val="020302"/>
-                </a:solidFill>
-                <a:latin typeface="Adobe Clean"/>
-                <a:cs typeface="Adobe Clean"/>
-              </a:rPr>
-              <a:t> </a:t>
-            </a:r>
-            <a:r>
-              <a:rPr sz="1200" b="1" spc="-20">
-                <a:solidFill>
-                  <a:srgbClr val="020302"/>
-                </a:solidFill>
-                <a:latin typeface="Adobe Clean"/>
-                <a:cs typeface="Adobe Clean"/>
-              </a:rPr>
-              <a:t>R</a:t>
-            </a:r>
-            <a:r>
-              <a:rPr sz="1200" b="1" spc="-25">
-                <a:solidFill>
-                  <a:srgbClr val="020302"/>
-                </a:solidFill>
-                <a:latin typeface="Adobe Clean"/>
-                <a:cs typeface="Adobe Clean"/>
-              </a:rPr>
-              <a:t>e</a:t>
-            </a:r>
-            <a:r>
-              <a:rPr sz="1200" b="1" spc="-30">
-                <a:solidFill>
-                  <a:srgbClr val="020302"/>
-                </a:solidFill>
-                <a:latin typeface="Adobe Clean"/>
-                <a:cs typeface="Adobe Clean"/>
-              </a:rPr>
-              <a:t>v</a:t>
-            </a:r>
-            <a:r>
-              <a:rPr sz="1200" b="1" spc="-20">
-                <a:solidFill>
-                  <a:srgbClr val="020302"/>
-                </a:solidFill>
-                <a:latin typeface="Adobe Clean"/>
-                <a:cs typeface="Adobe Clean"/>
-              </a:rPr>
-              <a:t>i</a:t>
-            </a:r>
-            <a:r>
-              <a:rPr sz="1200" b="1" spc="-25">
-                <a:solidFill>
-                  <a:srgbClr val="020302"/>
-                </a:solidFill>
-                <a:latin typeface="Adobe Clean"/>
-                <a:cs typeface="Adobe Clean"/>
-              </a:rPr>
-              <a:t>ew</a:t>
-            </a:r>
-            <a:r>
-              <a:rPr sz="1200" b="1">
-                <a:solidFill>
-                  <a:srgbClr val="020302"/>
-                </a:solidFill>
-                <a:latin typeface="Adobe Clean"/>
-                <a:cs typeface="Adobe Clean"/>
-              </a:rPr>
-              <a:t>s</a:t>
-            </a:r>
-            <a:endParaRPr sz="1200">
-              <a:latin typeface="Adobe Clean"/>
-              <a:cs typeface="Adobe Clean"/>
-            </a:endParaRPr>
+              <a:t>Fallprüfungen</a:t>
+            </a:r>
           </a:p>
         </p:txBody>
       </p:sp>
@@ -12483,8 +9574,8 @@
         </p:nvSpPr>
         <p:spPr>
           <a:xfrm>
-            <a:off x="355868" y="1426046"/>
-            <a:ext cx="2194560" cy="936154"/>
+            <a:off x="355867" y="1426046"/>
+            <a:ext cx="2252891" cy="936154"/>
           </a:xfrm>
           <a:prstGeom prst="rect">
             <a:avLst/>
@@ -12505,18 +9596,14 @@
               </a:spcBef>
             </a:pPr>
             <a:r>
-              <a:rPr lang="en-US" sz="1000">
+              <a:rPr lang="de-DE" sz="1000" dirty="0">
                 <a:solidFill>
                   <a:srgbClr val="4B4B4B"/>
                 </a:solidFill>
                 <a:latin typeface="Adobe Clean Light" panose="020B0303020404020204" pitchFamily="34" charset="0"/>
               </a:rPr>
-              <a:t>Regular scheduled review of open support requests, ensuring customer alignment on case description, business impact, status, priority and agreement on next steps required to ensure an expedient resolution.</a:t>
-            </a:r>
-            <a:endParaRPr sz="1000">
-              <a:latin typeface="Adobe Clean Light" panose="020B0303020404020204" pitchFamily="34" charset="0"/>
-              <a:cs typeface="AdobeClean-Light"/>
-            </a:endParaRPr>
+              <a:t>Fortlaufende planmäßige Prüfung offener Support-Anfragen, um sicherzustellen, dass Kunden über Fallbeschreibung, geschäftliche Auswirkungen, Status, Priorität und die nächsten Schritte für eine zweckdienliche Lösung auf dem Laufenden sind.</a:t>
+            </a:r>
           </a:p>
         </p:txBody>
       </p:sp>
@@ -12556,19 +9643,15 @@
               </a:spcBef>
             </a:pPr>
             <a:r>
-              <a:rPr lang="en-US" sz="1400" b="1" spc="-10">
+              <a:rPr lang="de-DE" sz="1400" b="1">
                 <a:solidFill>
                   <a:srgbClr val="020302"/>
                 </a:solidFill>
                 <a:latin typeface="Adobe Clean"/>
                 <a:cs typeface="Adobe Clean"/>
               </a:rPr>
-              <a:t>Cloud Support Activities - AEM</a:t>
-            </a:r>
-            <a:endParaRPr lang="en-US" sz="1400">
-              <a:latin typeface="Adobe Clean"/>
-              <a:cs typeface="Adobe Clean"/>
-            </a:endParaRPr>
+              <a:t>Cloud-Support-Aktivitäten – AEM</a:t>
+            </a:r>
           </a:p>
         </p:txBody>
       </p:sp>
@@ -12586,8 +9669,8 @@
         </p:nvSpPr>
         <p:spPr>
           <a:xfrm>
-            <a:off x="214971" y="4310484"/>
-            <a:ext cx="2286000" cy="45719"/>
+            <a:off x="214970" y="4310484"/>
+            <a:ext cx="2537617" cy="90874"/>
           </a:xfrm>
           <a:custGeom>
             <a:avLst/>
@@ -12651,7 +9734,7 @@
         </p:blipFill>
         <p:spPr>
           <a:xfrm>
-            <a:off x="2569142" y="3892352"/>
+            <a:off x="2816792" y="3892352"/>
             <a:ext cx="461665" cy="461665"/>
           </a:xfrm>
           <a:prstGeom prst="rect">
@@ -13447,109 +10530,15 @@
               </a:lnSpc>
             </a:pPr>
             <a:r>
-              <a:rPr sz="800" spc="-10">
+              <a:rPr lang="de-DE" sz="800">
                 <a:solidFill>
                   <a:srgbClr val="6D6D6D"/>
                 </a:solidFill>
                 <a:latin typeface="Adobe Clean"/>
                 <a:cs typeface="Adobe Clean"/>
               </a:rPr>
-              <a:t>©202</a:t>
-            </a:r>
-            <a:r>
-              <a:rPr lang="en-US" sz="800" spc="-10">
-                <a:solidFill>
-                  <a:srgbClr val="6D6D6D"/>
-                </a:solidFill>
-                <a:latin typeface="Adobe Clean"/>
-                <a:cs typeface="Adobe Clean"/>
-              </a:rPr>
-              <a:t>1</a:t>
-            </a:r>
-            <a:r>
-              <a:rPr sz="800" spc="-5">
-                <a:solidFill>
-                  <a:srgbClr val="6D6D6D"/>
-                </a:solidFill>
-                <a:latin typeface="Adobe Clean"/>
-                <a:cs typeface="Adobe Clean"/>
-              </a:rPr>
-              <a:t> Adobe. All</a:t>
-            </a:r>
-            <a:r>
-              <a:rPr sz="800" spc="-15">
-                <a:solidFill>
-                  <a:srgbClr val="6D6D6D"/>
-                </a:solidFill>
-                <a:latin typeface="Adobe Clean"/>
-                <a:cs typeface="Adobe Clean"/>
-              </a:rPr>
-              <a:t> </a:t>
-            </a:r>
-            <a:r>
-              <a:rPr sz="800" spc="-10">
-                <a:solidFill>
-                  <a:srgbClr val="6D6D6D"/>
-                </a:solidFill>
-                <a:latin typeface="Adobe Clean"/>
-                <a:cs typeface="Adobe Clean"/>
-              </a:rPr>
-              <a:t>Rights</a:t>
-            </a:r>
-            <a:r>
-              <a:rPr sz="800" spc="-5">
-                <a:solidFill>
-                  <a:srgbClr val="6D6D6D"/>
-                </a:solidFill>
-                <a:latin typeface="Adobe Clean"/>
-                <a:cs typeface="Adobe Clean"/>
-              </a:rPr>
-              <a:t> </a:t>
-            </a:r>
-            <a:r>
-              <a:rPr sz="800" spc="-10">
-                <a:solidFill>
-                  <a:srgbClr val="6D6D6D"/>
-                </a:solidFill>
-                <a:latin typeface="Adobe Clean"/>
-                <a:cs typeface="Adobe Clean"/>
-              </a:rPr>
-              <a:t>Reserved.</a:t>
-            </a:r>
-            <a:r>
-              <a:rPr sz="800" spc="-5">
-                <a:solidFill>
-                  <a:srgbClr val="6D6D6D"/>
-                </a:solidFill>
-                <a:latin typeface="Adobe Clean"/>
-                <a:cs typeface="Adobe Clean"/>
-              </a:rPr>
-              <a:t> Adobe</a:t>
-            </a:r>
-            <a:r>
-              <a:rPr sz="800" spc="75">
-                <a:solidFill>
-                  <a:srgbClr val="6D6D6D"/>
-                </a:solidFill>
-                <a:latin typeface="Adobe Clean"/>
-                <a:cs typeface="Adobe Clean"/>
-              </a:rPr>
-              <a:t> </a:t>
-            </a:r>
-            <a:r>
-              <a:rPr sz="800" spc="-10">
-                <a:solidFill>
-                  <a:srgbClr val="6D6D6D"/>
-                </a:solidFill>
-                <a:latin typeface="Adobe Clean"/>
-                <a:cs typeface="Adobe Clean"/>
-              </a:rPr>
-              <a:t>Confidential.</a:t>
-            </a:r>
-            <a:endParaRPr sz="800">
-              <a:latin typeface="Adobe Clean"/>
-              <a:cs typeface="Adobe Clean"/>
-            </a:endParaRPr>
+              <a:t>©2021 Adobe. All Rights Reserved. Adobe Confidential.</a:t>
+            </a:r>
           </a:p>
         </p:txBody>
       </p:sp>
@@ -13625,179 +10614,15 @@
               </a:spcBef>
             </a:pPr>
             <a:r>
-              <a:rPr sz="1400" b="1" spc="-25">
+              <a:rPr lang="de-DE" sz="1400" b="1">
                 <a:solidFill>
                   <a:srgbClr val="020302"/>
                 </a:solidFill>
                 <a:latin typeface="Adobe Clean"/>
                 <a:cs typeface="Adobe Clean"/>
               </a:rPr>
-              <a:t>Fi</a:t>
-            </a:r>
-            <a:r>
-              <a:rPr sz="1400" b="1" spc="-30">
-                <a:solidFill>
-                  <a:srgbClr val="020302"/>
-                </a:solidFill>
-                <a:latin typeface="Adobe Clean"/>
-                <a:cs typeface="Adobe Clean"/>
-              </a:rPr>
-              <a:t>e</a:t>
-            </a:r>
-            <a:r>
-              <a:rPr sz="1400" b="1" spc="-25">
-                <a:solidFill>
-                  <a:srgbClr val="020302"/>
-                </a:solidFill>
-                <a:latin typeface="Adobe Clean"/>
-                <a:cs typeface="Adobe Clean"/>
-              </a:rPr>
-              <a:t>l</a:t>
-            </a:r>
-            <a:r>
-              <a:rPr sz="1400" b="1">
-                <a:solidFill>
-                  <a:srgbClr val="020302"/>
-                </a:solidFill>
-                <a:latin typeface="Adobe Clean"/>
-                <a:cs typeface="Adobe Clean"/>
-              </a:rPr>
-              <a:t>d</a:t>
-            </a:r>
-            <a:r>
-              <a:rPr sz="1400" b="1" spc="-45">
-                <a:solidFill>
-                  <a:srgbClr val="020302"/>
-                </a:solidFill>
-                <a:latin typeface="Adobe Clean"/>
-                <a:cs typeface="Adobe Clean"/>
-              </a:rPr>
-              <a:t> </a:t>
-            </a:r>
-            <a:r>
-              <a:rPr sz="1400" b="1" spc="20">
-                <a:solidFill>
-                  <a:srgbClr val="020302"/>
-                </a:solidFill>
-                <a:latin typeface="Adobe Clean"/>
-                <a:cs typeface="Adobe Clean"/>
-              </a:rPr>
-              <a:t>S</a:t>
-            </a:r>
-            <a:r>
-              <a:rPr sz="1400" b="1" spc="10">
-                <a:solidFill>
-                  <a:srgbClr val="020302"/>
-                </a:solidFill>
-                <a:latin typeface="Adobe Clean"/>
-                <a:cs typeface="Adobe Clean"/>
-              </a:rPr>
-              <a:t>e</a:t>
-            </a:r>
-            <a:r>
-              <a:rPr sz="1400" b="1" spc="15">
-                <a:solidFill>
-                  <a:srgbClr val="020302"/>
-                </a:solidFill>
-                <a:latin typeface="Adobe Clean"/>
-                <a:cs typeface="Adobe Clean"/>
-              </a:rPr>
-              <a:t>rvi</a:t>
-            </a:r>
-            <a:r>
-              <a:rPr sz="1400" b="1" spc="10">
-                <a:solidFill>
-                  <a:srgbClr val="020302"/>
-                </a:solidFill>
-                <a:latin typeface="Adobe Clean"/>
-                <a:cs typeface="Adobe Clean"/>
-              </a:rPr>
-              <a:t>c</a:t>
-            </a:r>
-            <a:r>
-              <a:rPr sz="1400" b="1">
-                <a:solidFill>
-                  <a:srgbClr val="020302"/>
-                </a:solidFill>
-                <a:latin typeface="Adobe Clean"/>
-                <a:cs typeface="Adobe Clean"/>
-              </a:rPr>
-              <a:t>e</a:t>
-            </a:r>
-            <a:r>
-              <a:rPr sz="1400" b="1" spc="-190">
-                <a:solidFill>
-                  <a:srgbClr val="020302"/>
-                </a:solidFill>
-                <a:latin typeface="Adobe Clean"/>
-                <a:cs typeface="Adobe Clean"/>
-              </a:rPr>
-              <a:t> </a:t>
-            </a:r>
-            <a:r>
-              <a:rPr sz="1400" b="1" spc="5">
-                <a:solidFill>
-                  <a:srgbClr val="020302"/>
-                </a:solidFill>
-                <a:latin typeface="Adobe Clean"/>
-                <a:cs typeface="Adobe Clean"/>
-              </a:rPr>
-              <a:t>A</a:t>
-            </a:r>
-            <a:r>
-              <a:rPr sz="1400" b="1">
-                <a:solidFill>
-                  <a:srgbClr val="020302"/>
-                </a:solidFill>
-                <a:latin typeface="Adobe Clean"/>
-                <a:cs typeface="Adobe Clean"/>
-              </a:rPr>
-              <a:t>ct</a:t>
-            </a:r>
-            <a:r>
-              <a:rPr sz="1400" b="1" spc="5">
-                <a:solidFill>
-                  <a:srgbClr val="020302"/>
-                </a:solidFill>
-                <a:latin typeface="Adobe Clean"/>
-                <a:cs typeface="Adobe Clean"/>
-              </a:rPr>
-              <a:t>ivi</a:t>
-            </a:r>
-            <a:r>
-              <a:rPr sz="1400" b="1">
-                <a:solidFill>
-                  <a:srgbClr val="020302"/>
-                </a:solidFill>
-                <a:latin typeface="Adobe Clean"/>
-                <a:cs typeface="Adobe Clean"/>
-              </a:rPr>
-              <a:t>t</a:t>
-            </a:r>
-            <a:r>
-              <a:rPr sz="1400" b="1" spc="5">
-                <a:solidFill>
-                  <a:srgbClr val="020302"/>
-                </a:solidFill>
-                <a:latin typeface="Adobe Clean"/>
-                <a:cs typeface="Adobe Clean"/>
-              </a:rPr>
-              <a:t>i</a:t>
-            </a:r>
-            <a:r>
-              <a:rPr sz="1400" b="1">
-                <a:solidFill>
-                  <a:srgbClr val="020302"/>
-                </a:solidFill>
-                <a:latin typeface="Adobe Clean"/>
-                <a:cs typeface="Adobe Clean"/>
-              </a:rPr>
-              <a:t>es</a:t>
-            </a:r>
-            <a:endParaRPr sz="1400">
-              <a:latin typeface="Adobe Clean"/>
-              <a:cs typeface="Adobe Clean"/>
-            </a:endParaRPr>
+              <a:t>Außendienstaktivitäten</a:t>
+            </a:r>
           </a:p>
         </p:txBody>
       </p:sp>
@@ -13831,99 +10656,15 @@
               </a:spcBef>
             </a:pPr>
             <a:r>
-              <a:rPr sz="1400" b="1" spc="-20">
+              <a:rPr lang="de-DE" sz="1400" b="1">
                 <a:solidFill>
                   <a:srgbClr val="020302"/>
                 </a:solidFill>
                 <a:latin typeface="Adobe Clean"/>
                 <a:cs typeface="Adobe Clean"/>
               </a:rPr>
-              <a:t>L</a:t>
-            </a:r>
-            <a:r>
-              <a:rPr sz="1400" b="1" spc="-10">
-                <a:solidFill>
-                  <a:srgbClr val="020302"/>
-                </a:solidFill>
-                <a:latin typeface="Adobe Clean"/>
-                <a:cs typeface="Adobe Clean"/>
-              </a:rPr>
-              <a:t>a</a:t>
-            </a:r>
-            <a:r>
-              <a:rPr sz="1400" b="1" spc="-15">
-                <a:solidFill>
-                  <a:srgbClr val="020302"/>
-                </a:solidFill>
-                <a:latin typeface="Adobe Clean"/>
-                <a:cs typeface="Adobe Clean"/>
-              </a:rPr>
-              <a:t>un</a:t>
-            </a:r>
-            <a:r>
-              <a:rPr sz="1400" b="1" spc="-20">
-                <a:solidFill>
-                  <a:srgbClr val="020302"/>
-                </a:solidFill>
-                <a:latin typeface="Adobe Clean"/>
-                <a:cs typeface="Adobe Clean"/>
-              </a:rPr>
-              <a:t>c</a:t>
-            </a:r>
-            <a:r>
-              <a:rPr sz="1400" b="1">
-                <a:solidFill>
-                  <a:srgbClr val="020302"/>
-                </a:solidFill>
-                <a:latin typeface="Adobe Clean"/>
-                <a:cs typeface="Adobe Clean"/>
-              </a:rPr>
-              <a:t>h</a:t>
-            </a:r>
-            <a:r>
-              <a:rPr sz="1400" b="1" spc="-30">
-                <a:solidFill>
-                  <a:srgbClr val="020302"/>
-                </a:solidFill>
-                <a:latin typeface="Adobe Clean"/>
-                <a:cs typeface="Adobe Clean"/>
-              </a:rPr>
-              <a:t> </a:t>
-            </a:r>
-            <a:r>
-              <a:rPr sz="1400" b="1" spc="-10">
-                <a:solidFill>
-                  <a:srgbClr val="020302"/>
-                </a:solidFill>
-                <a:latin typeface="Adobe Clean"/>
-                <a:cs typeface="Adobe Clean"/>
-              </a:rPr>
-              <a:t>Advisor</a:t>
-            </a:r>
-            <a:r>
-              <a:rPr sz="1400" b="1">
-                <a:solidFill>
-                  <a:srgbClr val="020302"/>
-                </a:solidFill>
-                <a:latin typeface="Adobe Clean"/>
-                <a:cs typeface="Adobe Clean"/>
-              </a:rPr>
-              <a:t>y</a:t>
-            </a:r>
-            <a:r>
-              <a:rPr sz="1400" b="1" spc="-60">
-                <a:solidFill>
-                  <a:srgbClr val="020302"/>
-                </a:solidFill>
-                <a:latin typeface="Adobe Clean"/>
-                <a:cs typeface="Adobe Clean"/>
-              </a:rPr>
-              <a:t> </a:t>
-            </a:r>
-            <a:endParaRPr sz="1400">
-              <a:latin typeface="Adobe Clean"/>
-              <a:cs typeface="Adobe Clean"/>
-            </a:endParaRPr>
+              <a:t>Launch Advisory </a:t>
+            </a:r>
           </a:p>
         </p:txBody>
       </p:sp>
@@ -13936,7 +10677,7 @@
         <p:spPr>
           <a:xfrm>
             <a:off x="242188" y="1225804"/>
-            <a:ext cx="3131692" cy="628377"/>
+            <a:ext cx="3131692" cy="782265"/>
           </a:xfrm>
           <a:prstGeom prst="rect">
             <a:avLst/>
@@ -13954,106 +10695,120 @@
               </a:spcBef>
             </a:pPr>
             <a:r>
-              <a:rPr lang="en-US" sz="1000">
+              <a:rPr lang="de-DE" sz="1000" dirty="0">
                 <a:solidFill>
                   <a:srgbClr val="1F1F1F"/>
                 </a:solidFill>
                 <a:latin typeface="AdobeClean-Light"/>
                 <a:cs typeface="AdobeClean-Light"/>
               </a:rPr>
-              <a:t>For customers </a:t>
-            </a:r>
-            <a:r>
-              <a:rPr sz="1000">
-                <a:solidFill>
-                  <a:srgbClr val="1F1F1F"/>
-                </a:solidFill>
-                <a:latin typeface="AdobeClean-Light"/>
-                <a:cs typeface="AdobeClean-Light"/>
-              </a:rPr>
-              <a:t>implementing a </a:t>
-            </a:r>
-            <a:r>
-              <a:rPr sz="1000" b="1">
+              <a:t>Für Kunden, die eine </a:t>
+            </a:r>
+            <a:r>
+              <a:rPr lang="de-DE" sz="1000" b="1" dirty="0">
                 <a:solidFill>
                   <a:srgbClr val="1F1F1F"/>
                 </a:solidFill>
                 <a:latin typeface="Adobe Clean"/>
                 <a:cs typeface="Adobe Clean"/>
               </a:rPr>
-              <a:t>new Adobe Experience Cloud solution</a:t>
-            </a:r>
-            <a:r>
-              <a:rPr lang="en-US" sz="1000" b="1">
-                <a:solidFill>
-                  <a:srgbClr val="1F1F1F"/>
-                </a:solidFill>
-                <a:latin typeface="Adobe Clean"/>
-                <a:cs typeface="Adobe Clean"/>
-              </a:rPr>
-              <a:t>, </a:t>
-            </a:r>
-            <a:r>
-              <a:rPr lang="en-US" sz="1000">
+              <a:t>neue Adobe Experience Cloud-Lösung implementieren, ist </a:t>
+            </a:r>
+            <a:r>
+              <a:rPr lang="de-DE" sz="1000" dirty="0">
                 <a:latin typeface="Adobe Clean Light" charset="0"/>
                 <a:ea typeface="Adobe Clean Light" charset="0"/>
                 <a:cs typeface="Adobe Clean Light" charset="0"/>
               </a:rPr>
-              <a:t>Launch Advisory </a:t>
-            </a:r>
-            <a:r>
-              <a:rPr lang="en-US" sz="1000">
+              <a:t>Launch Advisory</a:t>
+            </a:r>
+            <a:r>
+              <a:rPr lang="de-DE" sz="1000" dirty="0">
                 <a:solidFill>
                   <a:srgbClr val="000000"/>
                 </a:solidFill>
                 <a:latin typeface="Adobe Clean SemiLight" panose="020B0403020404020204" pitchFamily="34" charset="0"/>
               </a:rPr>
-              <a:t>is a </a:t>
-            </a:r>
-            <a:r>
-              <a:rPr lang="en-US" sz="1000" b="1">
+              <a:t>eine </a:t>
+            </a:r>
+            <a:r>
+              <a:rPr lang="de-DE" sz="1000" b="1" dirty="0">
                 <a:solidFill>
                   <a:srgbClr val="000000"/>
                 </a:solidFill>
                 <a:latin typeface="Adobe Clean SemiLight" panose="020B0403020404020204" pitchFamily="34" charset="0"/>
               </a:rPr>
-              <a:t>core set of advisory services </a:t>
-            </a:r>
-            <a:r>
-              <a:rPr lang="en-US" sz="1000">
+              <a:t>zentrale </a:t>
+            </a:r>
+            <a:br>
+              <a:rPr lang="sk-SK" sz="1000" b="1" dirty="0">
+                <a:solidFill>
+                  <a:srgbClr val="000000"/>
+                </a:solidFill>
+                <a:latin typeface="Adobe Clean SemiLight" panose="020B0403020404020204" pitchFamily="34" charset="0"/>
+              </a:rPr>
+            </a:br>
+            <a:r>
+              <a:rPr lang="de-DE" sz="1000" b="1" dirty="0">
+                <a:solidFill>
+                  <a:srgbClr val="000000"/>
+                </a:solidFill>
+                <a:latin typeface="Adobe Clean SemiLight" panose="020B0403020404020204" pitchFamily="34" charset="0"/>
+              </a:rPr>
+              <a:t>Palette von Beratungs-Services</a:t>
+            </a:r>
+            <a:r>
+              <a:rPr lang="de-DE" sz="1000" dirty="0">
                 <a:latin typeface="Adobe Clean Light" charset="0"/>
                 <a:ea typeface="Adobe Clean Light" charset="0"/>
                 <a:cs typeface="Adobe Clean Light" charset="0"/>
               </a:rPr>
-              <a:t>and recommendations that </a:t>
-            </a:r>
-            <a:r>
-              <a:rPr lang="en-US" sz="1000">
+              <a:t> und Empfehlungen, </a:t>
+            </a:r>
+            <a:br>
+              <a:rPr lang="sk-SK" sz="1000" dirty="0">
                 <a:latin typeface="Adobe Clean Light" charset="0"/>
+                <a:ea typeface="Adobe Clean Light" charset="0"/>
+                <a:cs typeface="Adobe Clean Light" charset="0"/>
               </a:rPr>
-              <a:t>are proven to </a:t>
-            </a:r>
-            <a:r>
-              <a:rPr lang="en-US" sz="1000" b="1">
+            </a:br>
+            <a:r>
+              <a:rPr lang="de-DE" sz="1000" dirty="0">
                 <a:latin typeface="Adobe Clean Light" charset="0"/>
+                <a:ea typeface="Adobe Clean Light" charset="0"/>
+                <a:cs typeface="Adobe Clean Light" charset="0"/>
               </a:rPr>
-              <a:t>support successful deployments </a:t>
-            </a:r>
-            <a:r>
-              <a:rPr lang="en-US" sz="1000">
+              <a:t>die </a:t>
+            </a:r>
+            <a:r>
+              <a:rPr lang="de-DE" sz="1000" b="1" dirty="0">
                 <a:latin typeface="Adobe Clean Light" charset="0"/>
+                <a:ea typeface="Adobe Clean Light" charset="0"/>
+                <a:cs typeface="Adobe Clean Light" charset="0"/>
               </a:rPr>
-              <a:t>and </a:t>
-            </a:r>
-            <a:r>
-              <a:rPr lang="en-US" sz="1000" b="1">
+              <a:t>nachweislich erfolgreiche Implementierungen unterstützen</a:t>
+            </a:r>
+            <a:r>
+              <a:rPr lang="de-DE" sz="1000" dirty="0">
                 <a:latin typeface="Adobe Clean Light" charset="0"/>
+                <a:ea typeface="Adobe Clean Light" charset="0"/>
+                <a:cs typeface="Adobe Clean Light" charset="0"/>
               </a:rPr>
-              <a:t>accelerate time-to-value</a:t>
-            </a:r>
-            <a:r>
-              <a:rPr lang="en-US" sz="1000">
+              <a:t> und </a:t>
+            </a:r>
+            <a:r>
+              <a:rPr lang="de-DE" sz="1000" b="1" dirty="0">
                 <a:latin typeface="Adobe Clean Light" charset="0"/>
+                <a:ea typeface="Adobe Clean Light" charset="0"/>
+                <a:cs typeface="Adobe Clean Light" charset="0"/>
+              </a:rPr>
+              <a:t>die Time-to-Value beschleunigen</a:t>
+            </a:r>
+            <a:r>
+              <a:rPr lang="de-DE" sz="1000" dirty="0">
+                <a:latin typeface="Adobe Clean Light" charset="0"/>
+                <a:ea typeface="Adobe Clean Light" charset="0"/>
+                <a:cs typeface="Adobe Clean Light" charset="0"/>
               </a:rPr>
               <a:t>.</a:t>
             </a:r>
@@ -14114,75 +10869,85 @@
               </a:spcBef>
             </a:pPr>
             <a:r>
-              <a:rPr lang="en-US" sz="1000">
+              <a:rPr lang="de-DE" sz="1000" dirty="0">
                 <a:solidFill>
                   <a:srgbClr val="4B4B4B"/>
                 </a:solidFill>
                 <a:latin typeface="Adobe Clean Light" panose="020B0303020404020204" pitchFamily="34" charset="0"/>
               </a:rPr>
-              <a:t>Field Services are used for </a:t>
-            </a:r>
-            <a:r>
-              <a:rPr lang="en-US" sz="1000" b="1">
+              <a:t>Der Außendienst sorgt für </a:t>
+            </a:r>
+            <a:r>
+              <a:rPr lang="de-DE" sz="1000" b="1" dirty="0">
                 <a:solidFill>
                   <a:srgbClr val="4B4B4B"/>
                 </a:solidFill>
                 <a:latin typeface="Adobe Clean" panose="020B0503020404020204" pitchFamily="34" charset="0"/>
               </a:rPr>
-              <a:t>quick resolution</a:t>
-            </a:r>
-            <a:r>
-              <a:rPr lang="en-US" sz="1000">
+              <a:t>schnelle Problemlösung,</a:t>
+            </a:r>
+            <a:r>
+              <a:rPr lang="de-DE" sz="1000" dirty="0">
                 <a:solidFill>
                   <a:srgbClr val="4B4B4B"/>
                 </a:solidFill>
                 <a:latin typeface="Adobe Clean Light" panose="020B0303020404020204" pitchFamily="34" charset="0"/>
               </a:rPr>
-              <a:t>, focused customer success and accelerated</a:t>
-            </a:r>
-            <a:r>
-              <a:rPr lang="en-US" sz="1000" b="1">
+              <a:t> fokussierten Kundenerfolg und beschleunigte </a:t>
+            </a:r>
+            <a:r>
+              <a:rPr lang="de-DE" sz="1000" b="1" dirty="0">
                 <a:solidFill>
                   <a:srgbClr val="4B4B4B"/>
                 </a:solidFill>
                 <a:latin typeface="Adobe Clean" panose="020B0503020404020204" pitchFamily="34" charset="0"/>
               </a:rPr>
-              <a:t> time-to-value</a:t>
-            </a:r>
-            <a:r>
-              <a:rPr lang="en-US" sz="1000">
+              <a:t>Time-to-Value</a:t>
+            </a:r>
+            <a:r>
+              <a:rPr lang="de-DE" sz="1000" dirty="0">
                 <a:solidFill>
                   <a:srgbClr val="4B4B4B"/>
                 </a:solidFill>
                 <a:latin typeface="Adobe Clean Light" panose="020B0303020404020204" pitchFamily="34" charset="0"/>
               </a:rPr>
-              <a:t>. If Launch advisory is active there will be </a:t>
-            </a:r>
-            <a:r>
-              <a:rPr lang="en-US" sz="1000" b="1">
+              <a:t>. Wenn Launch Advisory aktiv ist, gibt es </a:t>
+            </a:r>
+            <a:r>
+              <a:rPr lang="de-DE" sz="1000" b="1" dirty="0">
                 <a:solidFill>
                   <a:srgbClr val="4B4B4B"/>
                 </a:solidFill>
                 <a:latin typeface="Adobe Clean" panose="020B0503020404020204" pitchFamily="34" charset="0"/>
               </a:rPr>
-              <a:t>no Field Services in year 1 </a:t>
-            </a:r>
-            <a:r>
-              <a:rPr lang="en-US" sz="1000">
+              <a:t>im ersten Jahr keinen Außendienst</a:t>
+            </a:r>
+            <a:r>
+              <a:rPr lang="de-DE" sz="1000" dirty="0">
                 <a:solidFill>
                   <a:srgbClr val="4B4B4B"/>
                 </a:solidFill>
                 <a:latin typeface="Adobe Clean Light" panose="020B0303020404020204" pitchFamily="34" charset="0"/>
               </a:rPr>
-              <a:t>for any solution product covered by an Adobe Support contract. </a:t>
-            </a:r>
-            <a:endParaRPr lang="en-US" sz="1000">
-              <a:solidFill>
-                <a:srgbClr val="1F1F1F"/>
-              </a:solidFill>
-              <a:latin typeface="Adobe Clean Light" panose="020B0303020404020204" pitchFamily="34" charset="0"/>
-              <a:cs typeface="Adobe Clean"/>
-            </a:endParaRPr>
+              <a:t> </a:t>
+            </a:r>
+            <a:br>
+              <a:rPr lang="sk-SK" sz="1000" dirty="0">
+                <a:solidFill>
+                  <a:srgbClr val="4B4B4B"/>
+                </a:solidFill>
+                <a:latin typeface="Adobe Clean Light" panose="020B0303020404020204" pitchFamily="34" charset="0"/>
+              </a:rPr>
+            </a:br>
+            <a:r>
+              <a:rPr lang="de-DE" sz="1000" dirty="0">
+                <a:solidFill>
+                  <a:srgbClr val="4B4B4B"/>
+                </a:solidFill>
+                <a:latin typeface="Adobe Clean Light" panose="020B0303020404020204" pitchFamily="34" charset="0"/>
+              </a:rPr>
+              <a:t>für Lösungsprodukte, die unter einen Adobe Support-Vertrag fallen. </a:t>
+            </a:r>
           </a:p>
           <a:p>
             <a:pPr marL="24130" marR="5080">
@@ -14190,7 +10955,7 @@
                 <a:spcPts val="600"/>
               </a:spcBef>
             </a:pPr>
-            <a:endParaRPr lang="en-US" sz="1000" b="1">
+            <a:endParaRPr lang="en-US" sz="1000" b="1" dirty="0">
               <a:solidFill>
                 <a:srgbClr val="1F1F1F"/>
               </a:solidFill>
@@ -14377,37 +11142,37 @@
               </a:spcBef>
             </a:pPr>
             <a:r>
-              <a:rPr lang="en-US" sz="1000">
+              <a:rPr lang="de-DE" sz="1000" dirty="0">
                 <a:latin typeface="Adobe Clean Light" charset="0"/>
               </a:rPr>
-              <a:t>Adobe solution experts help validate requirements, architecture, development process, and launch readiness reviews </a:t>
-            </a:r>
-            <a:r>
-              <a:rPr lang="en-US" sz="1000">
+              <a:t>Experten für Adobe-Lösungen helfen bei der Prüfung von Anforderungen, Architektur, Entwicklungsprozess und Launch-Bereitschaft</a:t>
+            </a:r>
+            <a:r>
+              <a:rPr lang="de-DE" sz="1000" dirty="0">
                 <a:solidFill>
                   <a:srgbClr val="000000"/>
                 </a:solidFill>
                 <a:latin typeface="Adobe Clean SemiLight" panose="020B0403020404020204" pitchFamily="34" charset="0"/>
               </a:rPr>
-              <a:t>with </a:t>
-            </a:r>
-            <a:r>
-              <a:rPr lang="en-US" sz="1000" b="1">
+              <a:t> mit </a:t>
+            </a:r>
+            <a:r>
+              <a:rPr lang="de-DE" sz="1000" b="1" dirty="0">
                 <a:solidFill>
                   <a:srgbClr val="000000"/>
                 </a:solidFill>
                 <a:latin typeface="Adobe Clean SemiLight" panose="020B0403020404020204" pitchFamily="34" charset="0"/>
               </a:rPr>
-              <a:t>best practice-based guidance </a:t>
-            </a:r>
-            <a:r>
-              <a:rPr lang="en-US" sz="1000">
+              <a:t>Best Practice-basierten Anleitungen</a:t>
+            </a:r>
+            <a:r>
+              <a:rPr lang="de-DE" sz="1000" dirty="0">
                 <a:solidFill>
                   <a:srgbClr val="000000"/>
                 </a:solidFill>
                 <a:latin typeface="Adobe Clean SemiLight" panose="020B0403020404020204" pitchFamily="34" charset="0"/>
               </a:rPr>
-              <a:t>to customers and implementation partners.</a:t>
+              <a:t> für Kunden und Implementierungspartner.</a:t>
             </a:r>
           </a:p>
           <a:p>
@@ -14416,7 +11181,7 @@
                 <a:spcPts val="100"/>
               </a:spcBef>
             </a:pPr>
-            <a:endParaRPr lang="en-US" sz="1000">
+            <a:endParaRPr lang="en-US" sz="1000" dirty="0">
               <a:solidFill>
                 <a:srgbClr val="1F1F1F"/>
               </a:solidFill>
@@ -14431,22 +11196,22 @@
               </a:spcBef>
             </a:pPr>
             <a:r>
-              <a:rPr lang="en-US" sz="1000">
+              <a:rPr lang="de-DE" sz="1000" dirty="0">
                 <a:latin typeface="Adobe Clean Light" charset="0"/>
               </a:rPr>
-              <a:t>Launch Advisory will align with your project schedule through common milestones (</a:t>
-            </a:r>
-            <a:r>
-              <a:rPr lang="en-US" sz="1000" b="1">
+              <a:t>Launch Advisory orientiert sich anhand gängiger Milestones (</a:t>
+            </a:r>
+            <a:r>
+              <a:rPr lang="de-DE" sz="1000" b="1" dirty="0">
                 <a:latin typeface="Adobe Clean Light" charset="0"/>
               </a:rPr>
-              <a:t>Kickoff, Define, Design, Go-live and Post Launch</a:t>
-            </a:r>
-            <a:r>
-              <a:rPr lang="en-US" sz="1000">
+              <a:t>Kickoff, Definition, Design, Go-Live und Post-Launch</a:t>
+            </a:r>
+            <a:r>
+              <a:rPr lang="de-DE" sz="1000" dirty="0">
                 <a:latin typeface="Adobe Clean Light" charset="0"/>
               </a:rPr>
-              <a:t>) to guide, validate, assess and make recommendations.</a:t>
+              <a:t>) an Ihren Projektplan und umfasst Anleitung, Prüfung, Bewertung und Empfehlungen.</a:t>
             </a:r>
           </a:p>
           <a:p>
@@ -14455,7 +11220,7 @@
                 <a:spcPts val="100"/>
               </a:spcBef>
             </a:pPr>
-            <a:endParaRPr lang="en-US" sz="1000">
+            <a:endParaRPr lang="en-US" sz="1000" dirty="0">
               <a:latin typeface="Adobe Clean Light" charset="0"/>
             </a:endParaRPr>
           </a:p>
@@ -14466,10 +11231,10 @@
               </a:spcBef>
             </a:pPr>
             <a:r>
-              <a:rPr lang="en-US" sz="1000">
+              <a:rPr lang="de-DE" sz="1000" dirty="0">
                 <a:latin typeface="Adobe Clean Light" charset="0"/>
               </a:rPr>
-              <a:t>Key Deliverables include:</a:t>
+              <a:t>Zu den wichtigsten Angeboten gehören:</a:t>
             </a:r>
           </a:p>
           <a:p>
@@ -14481,8 +11246,8 @@
               <a:buChar char="•"/>
             </a:pPr>
             <a:r>
-              <a:rPr lang="en-US" sz="1000"/>
-              <a:t>Kickoff (including project collaboration plan) deck</a:t>
+              <a:rPr lang="de-DE" sz="1000" dirty="0"/>
+              <a:t>Kickoff-Deck (einschließlich Projekt-Kooperationsplan)</a:t>
             </a:r>
           </a:p>
           <a:p>
@@ -14494,8 +11259,8 @@
               <a:buChar char="•"/>
             </a:pPr>
             <a:r>
-              <a:rPr lang="en-US" sz="1000"/>
-              <a:t>Assessment &amp; recommendations document(s)</a:t>
+              <a:rPr lang="de-DE" sz="1000" dirty="0"/>
+              <a:t>Dokument(e) für Bewertung und Empfehlung</a:t>
             </a:r>
           </a:p>
           <a:p>
@@ -14507,8 +11272,8 @@
               <a:buChar char="•"/>
             </a:pPr>
             <a:r>
-              <a:rPr lang="en-US" sz="1000"/>
-              <a:t>Engagement summary</a:t>
+              <a:rPr lang="de-DE" sz="1000" dirty="0"/>
+              <a:t>Interaktionszusammenfassung</a:t>
             </a:r>
           </a:p>
         </p:txBody>
@@ -14612,8 +11377,8 @@
           <a:p>
             <a:pPr algn="ctr"/>
             <a:r>
-              <a:rPr lang="en-US" sz="1600"/>
-              <a:t>Run &amp; Operate</a:t>
+              <a:rPr lang="de-DE" sz="1600"/>
+              <a:t>Ausführung und Betrieb</a:t>
             </a:r>
           </a:p>
         </p:txBody>
@@ -14718,8 +11483,8 @@
           <a:p>
             <a:pPr algn="ctr"/>
             <a:r>
-              <a:rPr lang="en-US" sz="1600"/>
-              <a:t>Implementation</a:t>
+              <a:rPr lang="de-DE" sz="1600"/>
+              <a:t>Implementierung</a:t>
             </a:r>
           </a:p>
         </p:txBody>
@@ -14754,8 +11519,8 @@
           <a:p>
             <a:pPr algn="ctr"/>
             <a:r>
-              <a:rPr lang="en-US" sz="1100"/>
-              <a:t>Post Launch</a:t>
+              <a:rPr lang="de-DE" sz="1100"/>
+              <a:t>Post-Launch</a:t>
             </a:r>
           </a:p>
         </p:txBody>
@@ -14775,15 +11540,20 @@
           <p:nvPr/>
         </p:nvPicPr>
         <p:blipFill>
-          <a:blip r:embed="rId4"/>
-          <a:stretch>
-            <a:fillRect/>
-          </a:stretch>
+          <a:blip r:embed="rId4">
+            <a:extLst>
+              <a:ext uri="{28A0092B-C50C-407E-A947-70E740481C1C}">
+                <a14:useLocalDpi xmlns:a14="http://schemas.microsoft.com/office/drawing/2010/main" val="0"/>
+              </a:ext>
+            </a:extLst>
+          </a:blip>
+          <a:srcRect/>
+          <a:stretch/>
         </p:blipFill>
         <p:spPr>
           <a:xfrm>
-            <a:off x="333965" y="6379881"/>
-            <a:ext cx="3097872" cy="2855621"/>
+            <a:off x="334498" y="6379881"/>
+            <a:ext cx="3096805" cy="2855621"/>
           </a:xfrm>
           <a:prstGeom prst="rect">
             <a:avLst/>
@@ -14859,7 +11629,7 @@
         <p:spPr>
           <a:xfrm>
             <a:off x="3855907" y="4694431"/>
-            <a:ext cx="3525469" cy="2310889"/>
+            <a:ext cx="3675699" cy="2310889"/>
           </a:xfrm>
           <a:prstGeom prst="rect">
             <a:avLst/>
@@ -14877,22 +11647,22 @@
               </a:spcBef>
             </a:pPr>
             <a:r>
-              <a:rPr lang="en-US" sz="1000" b="1">
+              <a:rPr lang="de-DE" sz="1000" b="1" dirty="0">
                 <a:solidFill>
                   <a:srgbClr val="000000"/>
                 </a:solidFill>
                 <a:latin typeface="+mj-lt"/>
               </a:rPr>
-              <a:t>Technical Track Activities </a:t>
-            </a:r>
-            <a:r>
-              <a:rPr lang="en-US" sz="1000">
+              <a:t>Aktivitäten des technischen Tracks</a:t>
+            </a:r>
+            <a:r>
+              <a:rPr lang="de-DE" sz="1000" dirty="0">
                 <a:solidFill>
                   <a:srgbClr val="000000"/>
                 </a:solidFill>
                 <a:latin typeface="Adobe Clean Light" panose="020B0303020404020204" pitchFamily="34" charset="0"/>
               </a:rPr>
-              <a:t>ensure customers are technically sound and maximizing their tool adoption. Specifically, these types of activities include support and recommendations related to platform configurations, integrations and troubleshooting</a:t>
+              <a:t> stellen sicher, dass Kunden technisch versiert sind und ihre Tools optimal nutzen. Diese Aktivitätstypen umfassen insbesondere Support und Empfehlungen für Plattformkonfigurationen, Integrationen und die Fehlerbehebung</a:t>
             </a:r>
           </a:p>
           <a:p>
@@ -14901,7 +11671,7 @@
                 <a:spcPts val="100"/>
               </a:spcBef>
             </a:pPr>
-            <a:endParaRPr lang="en-US" sz="1000">
+            <a:endParaRPr lang="en-US" sz="1000" dirty="0">
               <a:latin typeface="Adobe Clean Light" charset="0"/>
             </a:endParaRPr>
           </a:p>
@@ -14912,10 +11682,10 @@
               </a:spcBef>
             </a:pPr>
             <a:r>
-              <a:rPr lang="en-US" sz="1000">
+              <a:rPr lang="de-DE" sz="1000" dirty="0">
                 <a:latin typeface="Adobe Clean Light" charset="0"/>
               </a:rPr>
-              <a:t>Types of technical activities available::</a:t>
+              <a:t>Verfügbare technische Aktivitäten:</a:t>
             </a:r>
           </a:p>
           <a:p>
@@ -14930,8 +11700,8 @@
               <a:buChar char="ü"/>
             </a:pPr>
             <a:r>
-              <a:rPr lang="en-US" sz="1000"/>
-              <a:t>Health audit</a:t>
+              <a:rPr lang="de-DE" sz="1000" dirty="0"/>
+              <a:t>Statusprüfung</a:t>
             </a:r>
           </a:p>
           <a:p>
@@ -14946,8 +11716,8 @@
               <a:buChar char="ü"/>
             </a:pPr>
             <a:r>
-              <a:rPr lang="en-US" sz="1000"/>
-              <a:t>Platform audit</a:t>
+              <a:rPr lang="de-DE" sz="1000" dirty="0"/>
+              <a:t>Plattformprüfung</a:t>
             </a:r>
           </a:p>
           <a:p>
@@ -14962,8 +11732,8 @@
               <a:buChar char="ü"/>
             </a:pPr>
             <a:r>
-              <a:rPr lang="en-US" sz="1000"/>
-              <a:t>Feature set enablement</a:t>
+              <a:rPr lang="de-DE" sz="1000" dirty="0"/>
+              <a:t>Aktivierung von Funktionssätzen</a:t>
             </a:r>
           </a:p>
           <a:p>
@@ -14978,8 +11748,8 @@
               <a:buChar char="ü"/>
             </a:pPr>
             <a:r>
-              <a:rPr lang="en-US" sz="1000"/>
-              <a:t>Basic integrations and configurations</a:t>
+              <a:rPr lang="de-DE" sz="1000" dirty="0"/>
+              <a:t>Grundlegende Integrationen und Konfigurationen</a:t>
             </a:r>
           </a:p>
           <a:p>
@@ -14994,8 +11764,8 @@
               <a:buChar char="ü"/>
             </a:pPr>
             <a:r>
-              <a:rPr lang="en-US" sz="1000"/>
-              <a:t>Customer solution troubleshooting</a:t>
+              <a:rPr lang="de-DE" sz="1000" dirty="0"/>
+              <a:t>Fehlerbehebung bei der Kundenlösung</a:t>
             </a:r>
           </a:p>
           <a:p>
@@ -15010,8 +11780,8 @@
               <a:buChar char="ü"/>
             </a:pPr>
             <a:r>
-              <a:rPr lang="en-US" sz="1000"/>
-              <a:t>Cloud service support</a:t>
+              <a:rPr lang="de-DE" sz="1000" dirty="0"/>
+              <a:t>Cloud-Service-Support</a:t>
             </a:r>
           </a:p>
         </p:txBody>
@@ -15031,7 +11801,7 @@
         <p:spPr>
           <a:xfrm>
             <a:off x="3851397" y="7249456"/>
-            <a:ext cx="3525469" cy="2054409"/>
+            <a:ext cx="3717548" cy="2054409"/>
           </a:xfrm>
           <a:prstGeom prst="rect">
             <a:avLst/>
@@ -15049,22 +11819,22 @@
               </a:spcBef>
             </a:pPr>
             <a:r>
-              <a:rPr lang="en-US" sz="1000" b="1">
+              <a:rPr lang="de-DE" sz="1000" b="1" dirty="0">
                 <a:solidFill>
                   <a:srgbClr val="000000"/>
                 </a:solidFill>
                 <a:latin typeface="+mj-lt"/>
               </a:rPr>
-              <a:t>Strategic Track Activities </a:t>
-            </a:r>
-            <a:r>
-              <a:rPr lang="en-US" sz="1000">
+              <a:t>Aktivitäten des strategischen Tracks</a:t>
+            </a:r>
+            <a:r>
+              <a:rPr lang="de-DE" sz="1000" dirty="0">
                 <a:solidFill>
                   <a:srgbClr val="000000"/>
                 </a:solidFill>
                 <a:latin typeface="Adobe Clean Light" panose="020B0303020404020204" pitchFamily="34" charset="0"/>
               </a:rPr>
-              <a:t>locate opportunities to ensure value is being realized from a customer’s Adobe solutions. They include support recommendations related to strategy, measurement and maturity to drive value realization across one or more Adobe solutions.</a:t>
+              <a:t> ermitteln Möglichkeiten, mit den vom Kunden genutzten Adobe-Lösungen optimale Ergebnisse zu erzielen. Sie enthalten Support-Empfehlungen zu Strategie, Messung und Reifegrad, mit denen eine oder mehrere Adobe-Lösungen optimal genutzt werden können.</a:t>
             </a:r>
           </a:p>
           <a:p>
@@ -15073,7 +11843,7 @@
                 <a:spcPts val="100"/>
               </a:spcBef>
             </a:pPr>
-            <a:endParaRPr lang="en-US" sz="1000">
+            <a:endParaRPr lang="en-US" sz="1000" dirty="0">
               <a:latin typeface="Adobe Clean Light" charset="0"/>
             </a:endParaRPr>
           </a:p>
@@ -15084,10 +11854,10 @@
               </a:spcBef>
             </a:pPr>
             <a:r>
-              <a:rPr lang="en-US" sz="1000">
+              <a:rPr lang="de-DE" sz="1000" dirty="0">
                 <a:latin typeface="Adobe Clean Light" charset="0"/>
               </a:rPr>
-              <a:t>Types of strategic activities available::</a:t>
+              <a:t>Verfügbare strategische Aktivitäten:</a:t>
             </a:r>
           </a:p>
           <a:p>
@@ -15102,8 +11872,8 @@
               <a:buChar char="ü"/>
             </a:pPr>
             <a:r>
-              <a:rPr lang="en-US" sz="1000"/>
-              <a:t>Maturity Roadmap</a:t>
+              <a:rPr lang="de-DE" sz="1000" dirty="0"/>
+              <a:t>Reifegrad-Roadmap</a:t>
             </a:r>
           </a:p>
           <a:p>
@@ -15118,8 +11888,8 @@
               <a:buChar char="ü"/>
             </a:pPr>
             <a:r>
-              <a:rPr lang="en-US" sz="1000"/>
-              <a:t>Use case development/measurement</a:t>
+              <a:rPr lang="de-DE" sz="1000" dirty="0"/>
+              <a:t>Use-Case-Entwicklung/-Messung</a:t>
             </a:r>
           </a:p>
           <a:p>
@@ -15134,8 +11904,8 @@
               <a:buChar char="ü"/>
             </a:pPr>
             <a:r>
-              <a:rPr lang="en-US" sz="1000"/>
-              <a:t>Reporting &amp; analysis</a:t>
+              <a:rPr lang="de-DE" sz="1000" dirty="0"/>
+              <a:t>Reporting und Analyse</a:t>
             </a:r>
           </a:p>
           <a:p>
@@ -15150,8 +11920,8 @@
               <a:buChar char="ü"/>
             </a:pPr>
             <a:r>
-              <a:rPr lang="en-US" sz="1000"/>
-              <a:t>Best practices enablement</a:t>
+              <a:rPr lang="de-DE" sz="1000" dirty="0"/>
+              <a:t>Aktivierung von Best Practices</a:t>
             </a:r>
           </a:p>
         </p:txBody>
@@ -15190,87 +11960,85 @@
               </a:spcBef>
             </a:pPr>
             <a:r>
-              <a:rPr lang="en-US" sz="1000">
+              <a:rPr lang="de-DE" sz="1000">
                 <a:solidFill>
                   <a:srgbClr val="1F1F1F"/>
                 </a:solidFill>
                 <a:latin typeface="Adobe Clean" panose="020B0503020404020204" pitchFamily="34" charset="0"/>
                 <a:cs typeface="AdobeClean-Light"/>
               </a:rPr>
-              <a:t>As an Enterprise customer, you are eligible for</a:t>
-            </a:r>
-            <a:r>
-              <a:rPr lang="en-US" sz="1200" b="1" u="sng">
-                <a:solidFill>
-                  <a:srgbClr val="1F1F1F"/>
-                </a:solidFill>
-                <a:cs typeface="AdobeClean-Light"/>
-              </a:rPr>
-              <a:t> 2 </a:t>
-            </a:r>
-            <a:r>
-              <a:rPr lang="en-US" sz="1000" b="1" u="sng">
-                <a:solidFill>
-                  <a:srgbClr val="1F1F1F"/>
-                </a:solidFill>
-                <a:cs typeface="AdobeClean-Light"/>
-              </a:rPr>
-              <a:t>activities per year </a:t>
-            </a:r>
-            <a:r>
-              <a:rPr lang="en-US" sz="1000">
+              <a:t>Als Enterprise-Kunde können Sie </a:t>
+            </a:r>
+            <a:r>
+              <a:rPr lang="de-DE" sz="1200" b="1" u="sng">
                 <a:solidFill>
                   <a:srgbClr val="1F1F1F"/>
                 </a:solidFill>
                 <a:latin typeface="Adobe Clean" panose="020B0503020404020204" pitchFamily="34" charset="0"/>
                 <a:cs typeface="AdobeClean-Light"/>
               </a:rPr>
-              <a:t>from the following two tracks:</a:t>
-            </a:r>
-            <a:r>
-              <a:rPr lang="en-US" sz="1000" b="1">
-                <a:solidFill>
-                  <a:srgbClr val="1F1F1F"/>
-                </a:solidFill>
-                <a:cs typeface="AdobeClean-Light"/>
-              </a:rPr>
-              <a:t> Technical </a:t>
-            </a:r>
-            <a:r>
-              <a:rPr lang="en-US" sz="1000">
+              <a:t>zwei</a:t>
+            </a:r>
+            <a:r>
+              <a:rPr lang="de-DE" sz="1000" b="1" u="sng">
                 <a:solidFill>
                   <a:srgbClr val="1F1F1F"/>
                 </a:solidFill>
                 <a:latin typeface="Adobe Clean" panose="020B0503020404020204" pitchFamily="34" charset="0"/>
                 <a:cs typeface="AdobeClean-Light"/>
               </a:rPr>
-              <a:t>and/or </a:t>
-            </a:r>
-            <a:r>
-              <a:rPr lang="en-US" sz="1000" b="1">
+              <a:t>Aktivitäten pro Jahr</a:t>
+            </a:r>
+            <a:r>
+              <a:rPr lang="de-DE" sz="1000">
                 <a:solidFill>
                   <a:srgbClr val="1F1F1F"/>
                 </a:solidFill>
+                <a:latin typeface="Adobe Clean" panose="020B0503020404020204" pitchFamily="34" charset="0"/>
                 <a:cs typeface="AdobeClean-Light"/>
               </a:rPr>
-              <a:t>Strategic</a:t>
-            </a:r>
-            <a:r>
-              <a:rPr lang="en-US" sz="1000">
+              <a:t> aus dem</a:t>
+            </a:r>
+            <a:r>
+              <a:rPr lang="de-DE" sz="1000" b="1">
+                <a:solidFill>
+                  <a:srgbClr val="1F1F1F"/>
+                </a:solidFill>
+                <a:latin typeface="Adobe Clean" panose="020B0503020404020204" pitchFamily="34" charset="0"/>
+                <a:cs typeface="AdobeClean-Light"/>
+              </a:rPr>
+              <a:t> technischen</a:t>
+            </a:r>
+            <a:r>
+              <a:rPr lang="de-DE" sz="1000">
+                <a:solidFill>
+                  <a:srgbClr val="1F1F1F"/>
+                </a:solidFill>
+                <a:latin typeface="Adobe Clean" panose="020B0503020404020204" pitchFamily="34" charset="0"/>
+                <a:cs typeface="AdobeClean-Light"/>
+              </a:rPr>
+              <a:t> und/oder dem </a:t>
+            </a:r>
+            <a:r>
+              <a:rPr lang="de-DE" sz="1000" b="1">
+                <a:solidFill>
+                  <a:srgbClr val="1F1F1F"/>
+                </a:solidFill>
+                <a:latin typeface="Adobe Clean" panose="020B0503020404020204" pitchFamily="34" charset="0"/>
+                <a:cs typeface="AdobeClean-Light"/>
+              </a:rPr>
+              <a:t>strategischen</a:t>
+            </a:r>
+            <a:r>
+              <a:rPr lang="de-DE" sz="1000">
                 <a:solidFill>
                   <a:srgbClr val="1F1F1F"/>
                 </a:solidFill>
                 <a:latin typeface="Adobe Clean Light" panose="020B0303020404020204" pitchFamily="34" charset="0"/>
                 <a:cs typeface="AdobeClean-Light"/>
               </a:rPr>
-              <a:t>.</a:t>
-            </a:r>
-            <a:endParaRPr lang="en-US" sz="1000" b="1">
-              <a:solidFill>
-                <a:prstClr val="black"/>
-              </a:solidFill>
-              <a:cs typeface="AdobeClean-Light"/>
-            </a:endParaRPr>
+              <a:t> Track nutzen.</a:t>
+            </a:r>
           </a:p>
         </p:txBody>
       </p:sp>
@@ -15304,7 +12072,7 @@
           <a:p>
             <a:pPr algn="ctr"/>
             <a:r>
-              <a:rPr lang="en-US" sz="1100"/>
+              <a:rPr lang="de-DE" sz="1100"/>
               <a:t>Go-Live</a:t>
             </a:r>
           </a:p>
@@ -15340,8 +12108,8 @@
           <a:p>
             <a:pPr algn="ctr"/>
             <a:r>
-              <a:rPr lang="en-US" sz="1100"/>
-              <a:t>Define</a:t>
+              <a:rPr lang="de-DE" sz="1100"/>
+              <a:t>Definition</a:t>
             </a:r>
           </a:p>
         </p:txBody>
@@ -15376,7 +12144,7 @@
           <a:p>
             <a:pPr algn="ctr"/>
             <a:r>
-              <a:rPr lang="en-US" sz="1100"/>
+              <a:rPr lang="de-DE" sz="1100"/>
               <a:t>Kickoff</a:t>
             </a:r>
           </a:p>
@@ -15412,7 +12180,7 @@
           <a:p>
             <a:pPr algn="ctr"/>
             <a:r>
-              <a:rPr lang="en-US" sz="1100"/>
+              <a:rPr lang="de-DE" sz="1100"/>
               <a:t>Design</a:t>
             </a:r>
           </a:p>
@@ -15470,14 +12238,14 @@
           <a:p>
             <a:pPr algn="ctr"/>
             <a:r>
-              <a:rPr lang="en-US">
+              <a:rPr lang="de-DE">
                 <a:solidFill>
                   <a:schemeClr val="accent1">
                     <a:lumMod val="50000"/>
                   </a:schemeClr>
                 </a:solidFill>
               </a:rPr>
-              <a:t>2 Activities per Year</a:t>
+              <a:t>2 Aktivitäten pro Jahr</a:t>
             </a:r>
           </a:p>
         </p:txBody>
@@ -15539,49 +12307,15 @@
               </a:lnSpc>
             </a:pPr>
             <a:r>
-              <a:rPr sz="500" spc="-5">
+              <a:rPr lang="de-DE" sz="500">
                 <a:solidFill>
                   <a:srgbClr val="6C6C6C"/>
                 </a:solidFill>
                 <a:latin typeface="Adobe Clean"/>
                 <a:cs typeface="Adobe Clean"/>
               </a:rPr>
-              <a:t>©2020 Adobe. All Rights Reserved. </a:t>
-            </a:r>
-            <a:r>
-              <a:rPr sz="500">
-                <a:solidFill>
-                  <a:srgbClr val="6C6C6C"/>
-                </a:solidFill>
-                <a:latin typeface="Adobe Clean"/>
-                <a:cs typeface="Adobe Clean"/>
-              </a:rPr>
-              <a:t>Adobe</a:t>
-            </a:r>
-            <a:r>
-              <a:rPr sz="500" spc="5">
-                <a:solidFill>
-                  <a:srgbClr val="6C6C6C"/>
-                </a:solidFill>
-                <a:latin typeface="Adobe Clean"/>
-                <a:cs typeface="Adobe Clean"/>
-              </a:rPr>
-              <a:t> </a:t>
-            </a:r>
-            <a:r>
-              <a:rPr sz="500" spc="-5">
-                <a:solidFill>
-                  <a:srgbClr val="6C6C6C"/>
-                </a:solidFill>
-                <a:latin typeface="Adobe Clean"/>
-                <a:cs typeface="Adobe Clean"/>
-              </a:rPr>
-              <a:t>Confidential.</a:t>
-            </a:r>
-            <a:endParaRPr sz="500">
-              <a:latin typeface="Adobe Clean"/>
-              <a:cs typeface="Adobe Clean"/>
-            </a:endParaRPr>
+              <a:t>©2020 Adobe. All Rights Reserved. Adobe Confidential.</a:t>
+            </a:r>
           </a:p>
           <a:p>
             <a:pPr>
@@ -15607,39 +12341,15 @@
               </a:spcBef>
             </a:pPr>
             <a:r>
-              <a:rPr sz="800" spc="-5">
+              <a:rPr lang="de-DE" sz="800">
                 <a:solidFill>
                   <a:srgbClr val="6D6D6D"/>
                 </a:solidFill>
                 <a:latin typeface="Adobe Clean"/>
                 <a:cs typeface="Adobe Clean"/>
               </a:rPr>
-              <a:t>©2020 Adobe. All Rights Reserved. Adobe</a:t>
-            </a:r>
-            <a:r>
-              <a:rPr sz="800" spc="75">
-                <a:solidFill>
-                  <a:srgbClr val="6D6D6D"/>
-                </a:solidFill>
-                <a:latin typeface="Adobe Clean"/>
-                <a:cs typeface="Adobe Clean"/>
-              </a:rPr>
-              <a:t> </a:t>
-            </a:r>
-            <a:r>
-              <a:rPr sz="800" spc="-5">
-                <a:solidFill>
-                  <a:srgbClr val="6D6D6D"/>
-                </a:solidFill>
-                <a:latin typeface="Adobe Clean"/>
-                <a:cs typeface="Adobe Clean"/>
-              </a:rPr>
-              <a:t>Confidential.</a:t>
-            </a:r>
-            <a:endParaRPr sz="800">
-              <a:latin typeface="Adobe Clean"/>
-              <a:cs typeface="Adobe Clean"/>
-            </a:endParaRPr>
+              <a:t>©2020 Adobe. All Rights Reserved. Adobe Confidential.</a:t>
+            </a:r>
           </a:p>
         </p:txBody>
       </p:sp>
@@ -15723,19 +12433,15 @@
               </a:spcBef>
             </a:pPr>
             <a:r>
-              <a:rPr lang="en-US" sz="1400" b="1" spc="-15">
+              <a:rPr lang="de-DE" sz="1400" b="1">
                 <a:solidFill>
                   <a:srgbClr val="020302"/>
                 </a:solidFill>
                 <a:latin typeface="Adobe Clean"/>
                 <a:cs typeface="Adobe Clean"/>
               </a:rPr>
-              <a:t>Resources</a:t>
-            </a:r>
-            <a:endParaRPr sz="1400">
-              <a:latin typeface="Adobe Clean"/>
-              <a:cs typeface="Adobe Clean"/>
-            </a:endParaRPr>
+              <a:t>Ressourcen</a:t>
+            </a:r>
           </a:p>
         </p:txBody>
       </p:sp>
@@ -15769,7 +12475,7 @@
               </a:spcBef>
             </a:pPr>
             <a:r>
-              <a:rPr sz="800" spc="-15">
+              <a:rPr lang="de-DE" sz="800">
                 <a:solidFill>
                   <a:srgbClr val="777879"/>
                 </a:solidFill>
@@ -15778,10 +12484,6 @@
               </a:rPr>
               <a:t>Adobe</a:t>
             </a:r>
-            <a:endParaRPr sz="800">
-              <a:latin typeface="Adobe Clean"/>
-              <a:cs typeface="Adobe Clean"/>
-            </a:endParaRPr>
           </a:p>
           <a:p>
             <a:pPr marL="12700">
@@ -15790,90 +12492,32 @@
               </a:lnSpc>
             </a:pPr>
             <a:r>
-              <a:rPr sz="800" spc="-15">
+              <a:rPr lang="de-DE" sz="800">
                 <a:solidFill>
                   <a:srgbClr val="777879"/>
                 </a:solidFill>
                 <a:latin typeface="Adobe Clean"/>
                 <a:cs typeface="Adobe Clean"/>
               </a:rPr>
-              <a:t>345 Park</a:t>
-            </a:r>
-            <a:r>
-              <a:rPr sz="800" spc="-100">
+              <a:t>345 Park Avenue</a:t>
+            </a:r>
+          </a:p>
+          <a:p>
+            <a:pPr marL="12700">
+              <a:lnSpc>
+                <a:spcPts val="944"/>
+              </a:lnSpc>
+            </a:pPr>
+            <a:r>
+              <a:rPr lang="de-DE" sz="800">
                 <a:solidFill>
                   <a:srgbClr val="777879"/>
                 </a:solidFill>
                 <a:latin typeface="Adobe Clean"/>
                 <a:cs typeface="Adobe Clean"/>
               </a:rPr>
-              <a:t> </a:t>
-            </a:r>
-            <a:r>
-              <a:rPr sz="800" spc="-15">
-                <a:solidFill>
-                  <a:srgbClr val="777879"/>
-                </a:solidFill>
-                <a:latin typeface="Adobe Clean"/>
-                <a:cs typeface="Adobe Clean"/>
-              </a:rPr>
-              <a:t>Avenue</a:t>
-            </a:r>
-            <a:endParaRPr sz="800">
-              <a:latin typeface="Adobe Clean"/>
-              <a:cs typeface="Adobe Clean"/>
-            </a:endParaRPr>
-          </a:p>
-          <a:p>
-            <a:pPr marL="12700">
-              <a:lnSpc>
-                <a:spcPts val="944"/>
-              </a:lnSpc>
-            </a:pPr>
-            <a:r>
-              <a:rPr sz="800" spc="-10">
-                <a:solidFill>
-                  <a:srgbClr val="777879"/>
-                </a:solidFill>
-                <a:latin typeface="Adobe Clean"/>
-                <a:cs typeface="Adobe Clean"/>
-              </a:rPr>
-              <a:t>San </a:t>
-            </a:r>
-            <a:r>
-              <a:rPr sz="800" spc="-15">
-                <a:solidFill>
-                  <a:srgbClr val="777879"/>
-                </a:solidFill>
-                <a:latin typeface="Adobe Clean"/>
-                <a:cs typeface="Adobe Clean"/>
-              </a:rPr>
-              <a:t>Jose,</a:t>
-            </a:r>
-            <a:r>
-              <a:rPr sz="800" spc="-140">
-                <a:solidFill>
-                  <a:srgbClr val="777879"/>
-                </a:solidFill>
-                <a:latin typeface="Adobe Clean"/>
-                <a:cs typeface="Adobe Clean"/>
-              </a:rPr>
-              <a:t> </a:t>
-            </a:r>
-            <a:r>
-              <a:rPr sz="800" spc="-20">
-                <a:solidFill>
-                  <a:srgbClr val="777879"/>
-                </a:solidFill>
-                <a:latin typeface="Adobe Clean"/>
-                <a:cs typeface="Adobe Clean"/>
-              </a:rPr>
-              <a:t>CA95110-2704</a:t>
-            </a:r>
-            <a:endParaRPr sz="800">
-              <a:latin typeface="Adobe Clean"/>
-              <a:cs typeface="Adobe Clean"/>
-            </a:endParaRPr>
+              <a:t>San Jose, CA95110-2704</a:t>
+            </a:r>
           </a:p>
           <a:p>
             <a:pPr marL="12700">
@@ -15885,7 +12529,7 @@
               </a:spcBef>
             </a:pPr>
             <a:r>
-              <a:rPr sz="800" spc="-10">
+              <a:rPr lang="de-DE" sz="800">
                 <a:solidFill>
                   <a:srgbClr val="777879"/>
                 </a:solidFill>
@@ -15894,10 +12538,6 @@
               </a:rPr>
               <a:t>USA</a:t>
             </a:r>
-            <a:endParaRPr sz="800">
-              <a:latin typeface="Adobe Clean"/>
-              <a:cs typeface="Adobe Clean"/>
-            </a:endParaRPr>
           </a:p>
           <a:p>
             <a:pPr marL="12700">
@@ -15909,7 +12549,7 @@
               </a:spcBef>
             </a:pPr>
             <a:r>
-              <a:rPr sz="800" u="sng" spc="-25">
+              <a:rPr lang="de-DE" sz="800" u="sng">
                 <a:solidFill>
                   <a:srgbClr val="5F5F5F"/>
                 </a:solidFill>
@@ -15924,10 +12564,6 @@
               </a:rPr>
               <a:t>www.adobe.com</a:t>
             </a:r>
-            <a:endParaRPr sz="800">
-              <a:latin typeface="Adobe Clean"/>
-              <a:cs typeface="Adobe Clean"/>
-            </a:endParaRPr>
           </a:p>
         </p:txBody>
       </p:sp>
@@ -16081,7 +12717,7 @@
         <p:spPr>
           <a:xfrm>
             <a:off x="75947" y="9437110"/>
-            <a:ext cx="5466715" cy="570865"/>
+            <a:ext cx="5809358" cy="570865"/>
           </a:xfrm>
           <a:prstGeom prst="rect">
             <a:avLst/>
@@ -16102,409 +12738,15 @@
               </a:spcBef>
             </a:pPr>
             <a:r>
-              <a:rPr sz="1100" i="1" spc="-10">
+              <a:rPr lang="de-DE" sz="1100" i="1" dirty="0">
                 <a:solidFill>
                   <a:srgbClr val="777879"/>
                 </a:solidFill>
                 <a:latin typeface="AdobeClean-LightIt"/>
                 <a:cs typeface="AdobeClean-LightIt"/>
               </a:rPr>
-              <a:t>To</a:t>
-            </a:r>
-            <a:r>
-              <a:rPr sz="1100" i="1" spc="-50">
-                <a:solidFill>
-                  <a:srgbClr val="777879"/>
-                </a:solidFill>
-                <a:latin typeface="AdobeClean-LightIt"/>
-                <a:cs typeface="AdobeClean-LightIt"/>
-              </a:rPr>
-              <a:t> </a:t>
-            </a:r>
-            <a:r>
-              <a:rPr sz="1100" i="1" spc="-15">
-                <a:solidFill>
-                  <a:srgbClr val="777879"/>
-                </a:solidFill>
-                <a:latin typeface="AdobeClean-LightIt"/>
-                <a:cs typeface="AdobeClean-LightIt"/>
-              </a:rPr>
-              <a:t>learn</a:t>
-            </a:r>
-            <a:r>
-              <a:rPr sz="1100" i="1" spc="-40">
-                <a:solidFill>
-                  <a:srgbClr val="777879"/>
-                </a:solidFill>
-                <a:latin typeface="AdobeClean-LightIt"/>
-                <a:cs typeface="AdobeClean-LightIt"/>
-              </a:rPr>
-              <a:t> </a:t>
-            </a:r>
-            <a:r>
-              <a:rPr sz="1100" i="1" spc="-15">
-                <a:solidFill>
-                  <a:srgbClr val="777879"/>
-                </a:solidFill>
-                <a:latin typeface="AdobeClean-LightIt"/>
-                <a:cs typeface="AdobeClean-LightIt"/>
-              </a:rPr>
-              <a:t>more</a:t>
-            </a:r>
-            <a:r>
-              <a:rPr sz="1100" i="1" spc="-45">
-                <a:solidFill>
-                  <a:srgbClr val="777879"/>
-                </a:solidFill>
-                <a:latin typeface="AdobeClean-LightIt"/>
-                <a:cs typeface="AdobeClean-LightIt"/>
-              </a:rPr>
-              <a:t> </a:t>
-            </a:r>
-            <a:r>
-              <a:rPr sz="1100" i="1" spc="-15">
-                <a:solidFill>
-                  <a:srgbClr val="777879"/>
-                </a:solidFill>
-                <a:latin typeface="AdobeClean-LightIt"/>
-                <a:cs typeface="AdobeClean-LightIt"/>
-              </a:rPr>
-              <a:t>about</a:t>
-            </a:r>
-            <a:r>
-              <a:rPr sz="1100" i="1" spc="-45">
-                <a:solidFill>
-                  <a:srgbClr val="777879"/>
-                </a:solidFill>
-                <a:latin typeface="AdobeClean-LightIt"/>
-                <a:cs typeface="AdobeClean-LightIt"/>
-              </a:rPr>
-              <a:t> </a:t>
-            </a:r>
-            <a:r>
-              <a:rPr sz="1100" i="1" spc="-15">
-                <a:solidFill>
-                  <a:srgbClr val="777879"/>
-                </a:solidFill>
-                <a:latin typeface="AdobeClean-LightIt"/>
-                <a:cs typeface="AdobeClean-LightIt"/>
-              </a:rPr>
-              <a:t>Adobe</a:t>
-            </a:r>
-            <a:r>
-              <a:rPr sz="1100" i="1" spc="-50">
-                <a:solidFill>
-                  <a:srgbClr val="777879"/>
-                </a:solidFill>
-                <a:latin typeface="AdobeClean-LightIt"/>
-                <a:cs typeface="AdobeClean-LightIt"/>
-              </a:rPr>
-              <a:t> </a:t>
-            </a:r>
-            <a:r>
-              <a:rPr sz="1100" i="1" spc="-15">
-                <a:solidFill>
-                  <a:srgbClr val="777879"/>
-                </a:solidFill>
-                <a:latin typeface="AdobeClean-LightIt"/>
-                <a:cs typeface="AdobeClean-LightIt"/>
-              </a:rPr>
-              <a:t>Support</a:t>
-            </a:r>
-            <a:r>
-              <a:rPr lang="en-US" sz="1100" i="1" spc="-15">
-                <a:solidFill>
-                  <a:srgbClr val="777879"/>
-                </a:solidFill>
-                <a:latin typeface="AdobeClean-LightIt"/>
-                <a:cs typeface="AdobeClean-LightIt"/>
-              </a:rPr>
-              <a:t> Offerings</a:t>
-            </a:r>
-            <a:r>
-              <a:rPr sz="1100" i="1" spc="-75">
-                <a:solidFill>
-                  <a:srgbClr val="777879"/>
-                </a:solidFill>
-                <a:latin typeface="AdobeClean-LightIt"/>
-                <a:cs typeface="AdobeClean-LightIt"/>
-              </a:rPr>
-              <a:t> </a:t>
-            </a:r>
-            <a:r>
-              <a:rPr sz="1100" i="1" spc="-15">
-                <a:solidFill>
-                  <a:srgbClr val="777879"/>
-                </a:solidFill>
-                <a:latin typeface="AdobeClean-LightIt"/>
-                <a:cs typeface="AdobeClean-LightIt"/>
-              </a:rPr>
-              <a:t>and</a:t>
-            </a:r>
-            <a:r>
-              <a:rPr sz="1100" i="1" spc="-50">
-                <a:solidFill>
-                  <a:srgbClr val="777879"/>
-                </a:solidFill>
-                <a:latin typeface="AdobeClean-LightIt"/>
-                <a:cs typeface="AdobeClean-LightIt"/>
-              </a:rPr>
-              <a:t> </a:t>
-            </a:r>
-            <a:r>
-              <a:rPr sz="1100" i="1" spc="-15">
-                <a:solidFill>
-                  <a:srgbClr val="777879"/>
-                </a:solidFill>
-                <a:latin typeface="AdobeClean-LightIt"/>
-                <a:cs typeface="AdobeClean-LightIt"/>
-              </a:rPr>
-              <a:t>the</a:t>
-            </a:r>
-            <a:r>
-              <a:rPr sz="1100" i="1" spc="-55">
-                <a:solidFill>
-                  <a:srgbClr val="777879"/>
-                </a:solidFill>
-                <a:latin typeface="AdobeClean-LightIt"/>
-                <a:cs typeface="AdobeClean-LightIt"/>
-              </a:rPr>
-              <a:t> </a:t>
-            </a:r>
-            <a:r>
-              <a:rPr sz="1100" i="1" spc="-15">
-                <a:solidFill>
-                  <a:srgbClr val="777879"/>
-                </a:solidFill>
-                <a:latin typeface="AdobeClean-LightIt"/>
-                <a:cs typeface="AdobeClean-LightIt"/>
-              </a:rPr>
-              <a:t>right</a:t>
-            </a:r>
-            <a:r>
-              <a:rPr sz="1100" i="1" spc="-95">
-                <a:solidFill>
-                  <a:srgbClr val="777879"/>
-                </a:solidFill>
-                <a:latin typeface="AdobeClean-LightIt"/>
-                <a:cs typeface="AdobeClean-LightIt"/>
-              </a:rPr>
-              <a:t> </a:t>
-            </a:r>
-            <a:r>
-              <a:rPr sz="1100" i="1" spc="-15">
-                <a:solidFill>
-                  <a:srgbClr val="777879"/>
-                </a:solidFill>
-                <a:latin typeface="AdobeClean-LightIt"/>
-                <a:cs typeface="AdobeClean-LightIt"/>
-              </a:rPr>
-              <a:t>level</a:t>
-            </a:r>
-            <a:r>
-              <a:rPr sz="1100" i="1" spc="-55">
-                <a:solidFill>
-                  <a:srgbClr val="777879"/>
-                </a:solidFill>
-                <a:latin typeface="AdobeClean-LightIt"/>
-                <a:cs typeface="AdobeClean-LightIt"/>
-              </a:rPr>
-              <a:t> </a:t>
-            </a:r>
-            <a:r>
-              <a:rPr sz="1100" i="1" spc="-15">
-                <a:solidFill>
-                  <a:srgbClr val="777879"/>
-                </a:solidFill>
-                <a:latin typeface="AdobeClean-LightIt"/>
-                <a:cs typeface="AdobeClean-LightIt"/>
-              </a:rPr>
-              <a:t>for</a:t>
-            </a:r>
-            <a:r>
-              <a:rPr sz="1100" i="1" spc="-85">
-                <a:solidFill>
-                  <a:srgbClr val="777879"/>
-                </a:solidFill>
-                <a:latin typeface="AdobeClean-LightIt"/>
-                <a:cs typeface="AdobeClean-LightIt"/>
-              </a:rPr>
-              <a:t> </a:t>
-            </a:r>
-            <a:r>
-              <a:rPr sz="1100" i="1" spc="-15">
-                <a:solidFill>
-                  <a:srgbClr val="777879"/>
-                </a:solidFill>
-                <a:latin typeface="AdobeClean-LightIt"/>
-                <a:cs typeface="AdobeClean-LightIt"/>
-              </a:rPr>
-              <a:t>you,</a:t>
-            </a:r>
-            <a:r>
-              <a:rPr sz="1100" i="1" spc="-65">
-                <a:solidFill>
-                  <a:srgbClr val="777879"/>
-                </a:solidFill>
-                <a:latin typeface="AdobeClean-LightIt"/>
-                <a:cs typeface="AdobeClean-LightIt"/>
-              </a:rPr>
-              <a:t> </a:t>
-            </a:r>
-            <a:r>
-              <a:rPr sz="1100" i="1" spc="-15">
-                <a:solidFill>
-                  <a:srgbClr val="777879"/>
-                </a:solidFill>
-                <a:latin typeface="AdobeClean-LightIt"/>
-                <a:cs typeface="AdobeClean-LightIt"/>
-              </a:rPr>
-              <a:t>contact</a:t>
-            </a:r>
-            <a:r>
-              <a:rPr sz="1100" i="1" spc="-85">
-                <a:solidFill>
-                  <a:srgbClr val="777879"/>
-                </a:solidFill>
-                <a:latin typeface="AdobeClean-LightIt"/>
-                <a:cs typeface="AdobeClean-LightIt"/>
-              </a:rPr>
-              <a:t> </a:t>
-            </a:r>
-            <a:r>
-              <a:rPr sz="1100" i="1" spc="-15">
-                <a:solidFill>
-                  <a:srgbClr val="777879"/>
-                </a:solidFill>
-                <a:latin typeface="AdobeClean-LightIt"/>
-                <a:cs typeface="AdobeClean-LightIt"/>
-              </a:rPr>
-              <a:t>your</a:t>
-            </a:r>
-            <a:r>
-              <a:rPr sz="1100" i="1" spc="-70">
-                <a:solidFill>
-                  <a:srgbClr val="777879"/>
-                </a:solidFill>
-                <a:latin typeface="AdobeClean-LightIt"/>
-                <a:cs typeface="AdobeClean-LightIt"/>
-              </a:rPr>
-              <a:t> </a:t>
-            </a:r>
-            <a:r>
-              <a:rPr sz="1100" i="1" spc="-15">
-                <a:solidFill>
-                  <a:srgbClr val="777879"/>
-                </a:solidFill>
-                <a:latin typeface="AdobeClean-LightIt"/>
-                <a:cs typeface="AdobeClean-LightIt"/>
-              </a:rPr>
-              <a:t>Named</a:t>
-            </a:r>
-            <a:r>
-              <a:rPr sz="1100" i="1" spc="-55">
-                <a:solidFill>
-                  <a:srgbClr val="777879"/>
-                </a:solidFill>
-                <a:latin typeface="AdobeClean-LightIt"/>
-                <a:cs typeface="AdobeClean-LightIt"/>
-              </a:rPr>
-              <a:t> </a:t>
-            </a:r>
-            <a:r>
-              <a:rPr sz="1100" i="1" spc="-25">
-                <a:solidFill>
-                  <a:srgbClr val="777879"/>
-                </a:solidFill>
-                <a:latin typeface="AdobeClean-LightIt"/>
-                <a:cs typeface="AdobeClean-LightIt"/>
-              </a:rPr>
-              <a:t>Account</a:t>
-            </a:r>
-            <a:r>
-              <a:rPr sz="1100" i="1" spc="-120">
-                <a:solidFill>
-                  <a:srgbClr val="777879"/>
-                </a:solidFill>
-                <a:latin typeface="AdobeClean-LightIt"/>
-                <a:cs typeface="AdobeClean-LightIt"/>
-              </a:rPr>
-              <a:t> </a:t>
-            </a:r>
-            <a:r>
-              <a:rPr sz="1100" i="1" spc="-20">
-                <a:solidFill>
-                  <a:srgbClr val="777879"/>
-                </a:solidFill>
-                <a:latin typeface="AdobeClean-LightIt"/>
-                <a:cs typeface="AdobeClean-LightIt"/>
-              </a:rPr>
-              <a:t>Manager  </a:t>
-            </a:r>
-            <a:r>
-              <a:rPr sz="1100" i="1" spc="-15">
-                <a:solidFill>
-                  <a:srgbClr val="777879"/>
-                </a:solidFill>
-                <a:latin typeface="AdobeClean-LightIt"/>
-                <a:cs typeface="AdobeClean-LightIt"/>
-              </a:rPr>
-              <a:t>(NAM) </a:t>
-            </a:r>
-            <a:r>
-              <a:rPr sz="1100" i="1" spc="-10">
-                <a:solidFill>
-                  <a:srgbClr val="777879"/>
-                </a:solidFill>
-                <a:latin typeface="AdobeClean-LightIt"/>
-                <a:cs typeface="AdobeClean-LightIt"/>
-              </a:rPr>
-              <a:t>or </a:t>
-            </a:r>
-            <a:r>
-              <a:rPr sz="1100" i="1" spc="-15">
-                <a:solidFill>
-                  <a:srgbClr val="777879"/>
-                </a:solidFill>
-                <a:latin typeface="AdobeClean-LightIt"/>
-                <a:cs typeface="AdobeClean-LightIt"/>
-              </a:rPr>
-              <a:t>Customer </a:t>
-            </a:r>
-            <a:r>
-              <a:rPr sz="1100" i="1" spc="-20">
-                <a:solidFill>
-                  <a:srgbClr val="777879"/>
-                </a:solidFill>
-                <a:latin typeface="AdobeClean-LightIt"/>
-                <a:cs typeface="AdobeClean-LightIt"/>
-              </a:rPr>
-              <a:t>Success</a:t>
-            </a:r>
-            <a:r>
-              <a:rPr sz="1100" i="1" spc="-180">
-                <a:solidFill>
-                  <a:srgbClr val="777879"/>
-                </a:solidFill>
-                <a:latin typeface="AdobeClean-LightIt"/>
-                <a:cs typeface="AdobeClean-LightIt"/>
-              </a:rPr>
-              <a:t> </a:t>
-            </a:r>
-            <a:r>
-              <a:rPr sz="1100" i="1" spc="-15">
-                <a:solidFill>
-                  <a:srgbClr val="777879"/>
-                </a:solidFill>
-                <a:latin typeface="AdobeClean-LightIt"/>
-                <a:cs typeface="AdobeClean-LightIt"/>
-              </a:rPr>
-              <a:t>Manager(CSM)</a:t>
-            </a:r>
-            <a:endParaRPr sz="1100">
-              <a:latin typeface="AdobeClean-LightIt"/>
-              <a:cs typeface="AdobeClean-LightIt"/>
-            </a:endParaRPr>
+              <a:t>Weitere Informationen zum Support-Angebot von Adobe sowie zum für Ihre Bedürfnisse geeigneten Support-Level erhalten Sie bei Ihrem spezifischen Account-Manager (NAM) oder Ihrem Customer Success Manager(CSM)</a:t>
+            </a:r>
           </a:p>
           <a:p>
             <a:pPr marL="34290">
@@ -16516,59 +12758,15 @@
               </a:spcBef>
             </a:pPr>
             <a:r>
-              <a:rPr sz="800" spc="-5">
+              <a:rPr lang="de-DE" sz="800" dirty="0">
                 <a:solidFill>
                   <a:srgbClr val="6D6D6D"/>
                 </a:solidFill>
                 <a:latin typeface="Adobe Clean"/>
                 <a:cs typeface="Adobe Clean"/>
               </a:rPr>
-              <a:t>©202</a:t>
-            </a:r>
-            <a:r>
-              <a:rPr lang="en-US" sz="800" spc="-5">
-                <a:solidFill>
-                  <a:srgbClr val="6D6D6D"/>
-                </a:solidFill>
-                <a:latin typeface="Adobe Clean"/>
-                <a:cs typeface="Adobe Clean"/>
-              </a:rPr>
-              <a:t>1</a:t>
-            </a:r>
-            <a:r>
-              <a:rPr sz="800" spc="-5">
-                <a:solidFill>
-                  <a:srgbClr val="6D6D6D"/>
-                </a:solidFill>
-                <a:latin typeface="Adobe Clean"/>
-                <a:cs typeface="Adobe Clean"/>
-              </a:rPr>
-              <a:t> Adobe. All Rights Reserved. Adobe</a:t>
-            </a:r>
-            <a:r>
-              <a:rPr sz="800" spc="75">
-                <a:solidFill>
-                  <a:srgbClr val="6D6D6D"/>
-                </a:solidFill>
-                <a:latin typeface="Adobe Clean"/>
-                <a:cs typeface="Adobe Clean"/>
-              </a:rPr>
-              <a:t> </a:t>
-            </a:r>
-            <a:r>
-              <a:rPr sz="800" spc="-5">
-                <a:solidFill>
-                  <a:srgbClr val="6D6D6D"/>
-                </a:solidFill>
-                <a:latin typeface="Adobe Clean"/>
-                <a:cs typeface="Adobe Clean"/>
-              </a:rPr>
-              <a:t>Confidential.</a:t>
-            </a:r>
-            <a:endParaRPr sz="800">
-              <a:latin typeface="Adobe Clean"/>
-              <a:cs typeface="Adobe Clean"/>
-            </a:endParaRPr>
+              <a:t>©2021 Adobe. All Rights Reserved. Adobe Confidential.</a:t>
+            </a:r>
           </a:p>
         </p:txBody>
       </p:sp>
@@ -16605,19 +12803,15 @@
               </a:spcBef>
             </a:pPr>
             <a:r>
-              <a:rPr lang="en-US" sz="1400" b="1" spc="-15">
+              <a:rPr lang="de-DE" sz="1400" b="1">
                 <a:solidFill>
                   <a:srgbClr val="020302"/>
                 </a:solidFill>
                 <a:latin typeface="Adobe Clean"/>
                 <a:cs typeface="Adobe Clean"/>
               </a:rPr>
-              <a:t>Regional scope of Adobe Support, Local Hours Of Operation And Language Support</a:t>
-            </a:r>
-            <a:endParaRPr lang="en-US" sz="1400" spc="-15">
-              <a:ea typeface="+mn-lt"/>
-              <a:cs typeface="+mn-lt"/>
-            </a:endParaRPr>
+              <a:t>Regionales Support-Angebot von Adobe, örtliche Geschäftszeiten und unterstützte Sprachen</a:t>
+            </a:r>
           </a:p>
           <a:p>
             <a:pPr>
@@ -16626,17 +12820,14 @@
               </a:spcBef>
             </a:pPr>
             <a:r>
-              <a:rPr lang="en-US" sz="1000" spc="-15">
+              <a:rPr lang="de-DE" sz="1000">
                 <a:solidFill>
                   <a:srgbClr val="1F1F1F"/>
                 </a:solidFill>
                 <a:latin typeface="AdobeClean-Light"/>
               </a:rPr>
-              <a:t>The regional scope of Adobe Support is established by aligning the customer's billing address (via the Sales Order or other Adobe Support purchasing document) to one of the following regions:</a:t>
-            </a:r>
-            <a:endParaRPr lang="en-US" sz="1000">
-              <a:latin typeface="AdobeClean-Light"/>
-            </a:endParaRPr>
+              <a:t>Das regionale Support-Angebot von Adobe wird durch Abgleich der Rechnungsadresse des Kunden (entsprechend dem Kundenauftrag oder einer anderen Kaufbestätigung für Adobe-Support) mit einer der folgenden Regionen ermittelt:</a:t>
+            </a:r>
           </a:p>
         </p:txBody>
       </p:sp>
@@ -16708,13 +12899,13 @@
                     <a:p>
                       <a:pPr algn="ctr"/>
                       <a:r>
-                        <a:rPr lang="en-US" sz="1100">
+                        <a:rPr lang="de-DE" sz="1100">
                           <a:solidFill>
                             <a:schemeClr val="tx1"/>
                           </a:solidFill>
                           <a:latin typeface="Adobe Clean"/>
                         </a:rPr>
-                        <a:t>Americas</a:t>
+                        <a:t>Nord- und Südamerika</a:t>
                       </a:r>
                     </a:p>
                   </a:txBody>
@@ -16773,13 +12964,13 @@
                     <a:p>
                       <a:pPr algn="ctr"/>
                       <a:r>
-                        <a:rPr lang="en-US" sz="1100">
+                        <a:rPr lang="de-DE" sz="1100">
                           <a:solidFill>
                             <a:schemeClr val="tx1"/>
                           </a:solidFill>
                           <a:latin typeface="Adobe Clean"/>
                         </a:rPr>
-                        <a:t>Europe, Middle East &amp; Africa</a:t>
+                        <a:t>Europa, Naher Osten und Afrika</a:t>
                       </a:r>
                     </a:p>
                   </a:txBody>
@@ -16838,13 +13029,13 @@
                     <a:p>
                       <a:pPr algn="ctr"/>
                       <a:r>
-                        <a:rPr lang="en-US" sz="1100">
+                        <a:rPr lang="de-DE" sz="1100">
                           <a:solidFill>
                             <a:schemeClr val="tx1"/>
                           </a:solidFill>
                           <a:latin typeface="Adobe Clean"/>
                         </a:rPr>
-                        <a:t>Asia Pacific</a:t>
+                        <a:t>Asien-Pazifik</a:t>
                       </a:r>
                     </a:p>
                   </a:txBody>
@@ -16903,7 +13094,7 @@
                     <a:p>
                       <a:pPr algn="ctr"/>
                       <a:r>
-                        <a:rPr lang="en-US" sz="1100">
+                        <a:rPr lang="de-DE" sz="1100">
                           <a:solidFill>
                             <a:schemeClr val="tx1"/>
                           </a:solidFill>
@@ -16912,7 +13103,7 @@
                         <a:t>Japan </a:t>
                       </a:r>
                       <a:r>
-                        <a:rPr lang="en-US" sz="1100" baseline="30000">
+                        <a:rPr lang="de-DE" sz="1100" baseline="30000">
                           <a:solidFill>
                             <a:schemeClr val="tx1"/>
                           </a:solidFill>
@@ -16920,12 +13111,6 @@
                         </a:rPr>
                         <a:t>1 </a:t>
                       </a:r>
-                      <a:endParaRPr lang="en-US" sz="1100">
-                        <a:solidFill>
-                          <a:schemeClr val="tx1"/>
-                        </a:solidFill>
-                        <a:latin typeface="Adobe Clean" panose="020B0503020404020204" pitchFamily="34" charset="0"/>
-                      </a:endParaRPr>
                     </a:p>
                   </a:txBody>
                   <a:tcPr anchor="ctr">
@@ -16990,13 +13175,13 @@
                     <a:p>
                       <a:pPr algn="ctr"/>
                       <a:r>
-                        <a:rPr lang="en-US" sz="1100">
+                        <a:rPr lang="de-DE" sz="1100">
                           <a:solidFill>
                             <a:schemeClr val="tx1"/>
                           </a:solidFill>
                           <a:latin typeface="Adobe Clean"/>
                         </a:rPr>
-                        <a:t>6 am – 5:30 pm</a:t>
+                        <a:t>6:00–17:30 Uhr</a:t>
                       </a:r>
                     </a:p>
                   </a:txBody>
@@ -17055,13 +13240,13 @@
                     <a:p>
                       <a:pPr algn="ctr"/>
                       <a:r>
-                        <a:rPr lang="en-US" sz="1100">
+                        <a:rPr lang="de-DE" sz="1100">
                           <a:solidFill>
                             <a:schemeClr val="tx1"/>
                           </a:solidFill>
                           <a:latin typeface="Adobe Clean"/>
                         </a:rPr>
-                        <a:t>9 am – 5 pm</a:t>
+                        <a:t>9:00–17:00 Uhr</a:t>
                       </a:r>
                     </a:p>
                   </a:txBody>
@@ -17120,13 +13305,13 @@
                     <a:p>
                       <a:pPr algn="ctr"/>
                       <a:r>
-                        <a:rPr lang="en-US" sz="1100">
+                        <a:rPr lang="de-DE" sz="1100">
                           <a:solidFill>
                             <a:schemeClr val="tx1"/>
                           </a:solidFill>
                           <a:latin typeface="Adobe Clean"/>
                         </a:rPr>
-                        <a:t>9 am – 5 pm</a:t>
+                        <a:t>9:00–17:00 Uhr</a:t>
                       </a:r>
                     </a:p>
                   </a:txBody>
@@ -17185,13 +13370,13 @@
                     <a:p>
                       <a:pPr algn="ctr"/>
                       <a:r>
-                        <a:rPr lang="en-US" sz="1100">
+                        <a:rPr lang="de-DE" sz="1100">
                           <a:solidFill>
                             <a:schemeClr val="tx1"/>
                           </a:solidFill>
                           <a:latin typeface="Adobe Clean"/>
                         </a:rPr>
-                        <a:t>9 am – 5:30 pm</a:t>
+                        <a:t>9:00–17:30 Uhr</a:t>
                       </a:r>
                     </a:p>
                   </a:txBody>
@@ -17268,12 +13453,12 @@
                         <a:buNone/>
                       </a:pPr>
                       <a:r>
-                        <a:rPr lang="en-US" sz="1100" b="0" i="0" u="none" strike="noStrike" noProof="0"/>
-                        <a:t>Language support is only available in English and Japanese.</a:t>
+                        <a:rPr lang="de-DE" sz="1100" b="0" i="0" u="none" strike="noStrike" noProof="0"/>
+                        <a:t>Sprachunterstützung ist nur auf Englisch und Japanisch verfügbar.</a:t>
                       </a:r>
                     </a:p>
                     <a:p>
-                      <a:pPr lvl="0" algn="ctr">
+                      <a:pPr lvl="0" algn="l" rtl="0">
                         <a:lnSpc>
                           <a:spcPct val="100000"/>
                         </a:lnSpc>
@@ -17301,18 +13486,17 @@
                         <a:buNone/>
                       </a:pPr>
                       <a:r>
-                        <a:rPr lang="en-US" sz="1100" b="0" i="0" u="none" strike="noStrike" noProof="0"/>
+                        <a:rPr lang="de-DE" sz="1100" b="0" i="0" u="none" strike="noStrike" noProof="0"/>
                         <a:t> </a:t>
                       </a:r>
                       <a:r>
-                        <a:rPr lang="en-US" sz="1100" b="0" i="0" u="none" strike="noStrike" baseline="30000" noProof="0"/>
-                        <a:t>1 </a:t>
+                        <a:rPr lang="de-DE" sz="1100" b="0" i="0" u="none" strike="noStrike" baseline="30000" noProof="0"/>
+                        <a:t>1</a:t>
                       </a:r>
                       <a:r>
-                        <a:rPr lang="en-US" sz="1100" b="0" i="0" u="none" strike="noStrike" noProof="0"/>
-                        <a:t>P2, P3, P4 cases are limited to business hours only in Japan.</a:t>
+                        <a:rPr lang="de-DE" sz="1100" b="0" i="0" u="none" strike="noStrike" noProof="0"/>
+                        <a:t>Fälle der Kategorien P2, P3 und P4 sind in Japan auf Geschäftszeiten beschränkt.</a:t>
                       </a:r>
-                      <a:endParaRPr lang="en-US" sz="1100" b="1" i="0" u="none" strike="noStrike" noProof="0"/>
                     </a:p>
                   </a:txBody>
                   <a:tcPr anchor="ctr">
@@ -17654,8 +13838,8 @@
         </p:nvSpPr>
         <p:spPr>
           <a:xfrm>
-            <a:off x="2840871" y="8528519"/>
-            <a:ext cx="810895" cy="385445"/>
+            <a:off x="2669421" y="8528519"/>
+            <a:ext cx="1150104" cy="385445"/>
           </a:xfrm>
           <a:prstGeom prst="rect">
             <a:avLst/>
@@ -17667,7 +13851,7 @@
           </a:bodyPr>
           <a:lstStyle/>
           <a:p>
-            <a:pPr marL="139065" marR="5080" indent="-139065">
+            <a:pPr marR="5080" algn="ctr">
               <a:lnSpc>
                 <a:spcPts val="1390"/>
               </a:lnSpc>
@@ -17676,129 +13860,15 @@
               </a:spcBef>
             </a:pPr>
             <a:r>
-              <a:rPr sz="1200" b="1" spc="-15">
+              <a:rPr lang="de-DE" sz="1200" b="1" dirty="0">
                 <a:solidFill>
                   <a:srgbClr val="FFFFFF"/>
                 </a:solidFill>
                 <a:latin typeface="Adobe Clean"/>
                 <a:cs typeface="Adobe Clean"/>
               </a:rPr>
-              <a:t>U</a:t>
-            </a:r>
-            <a:r>
-              <a:rPr sz="1200" b="1" spc="-20">
-                <a:solidFill>
-                  <a:srgbClr val="FFFFFF"/>
-                </a:solidFill>
-                <a:latin typeface="Adobe Clean"/>
-                <a:cs typeface="Adobe Clean"/>
-              </a:rPr>
-              <a:t>n</a:t>
-            </a:r>
-            <a:r>
-              <a:rPr sz="1200" b="1" spc="-25">
-                <a:solidFill>
-                  <a:srgbClr val="FFFFFF"/>
-                </a:solidFill>
-                <a:latin typeface="Adobe Clean"/>
-                <a:cs typeface="Adobe Clean"/>
-              </a:rPr>
-              <a:t>p</a:t>
-            </a:r>
-            <a:r>
-              <a:rPr sz="1200" b="1" spc="-15">
-                <a:solidFill>
-                  <a:srgbClr val="FFFFFF"/>
-                </a:solidFill>
-                <a:latin typeface="Adobe Clean"/>
-                <a:cs typeface="Adobe Clean"/>
-              </a:rPr>
-              <a:t>a</a:t>
-            </a:r>
-            <a:r>
-              <a:rPr sz="1200" b="1" spc="-25">
-                <a:solidFill>
-                  <a:srgbClr val="FFFFFF"/>
-                </a:solidFill>
-                <a:latin typeface="Adobe Clean"/>
-                <a:cs typeface="Adobe Clean"/>
-              </a:rPr>
-              <a:t>r</a:t>
-            </a:r>
-            <a:r>
-              <a:rPr sz="1200" b="1" spc="-15">
-                <a:solidFill>
-                  <a:srgbClr val="FFFFFF"/>
-                </a:solidFill>
-                <a:latin typeface="Adobe Clean"/>
-                <a:cs typeface="Adobe Clean"/>
-              </a:rPr>
-              <a:t>a</a:t>
-            </a:r>
-            <a:r>
-              <a:rPr sz="1200" b="1" spc="-30">
-                <a:solidFill>
-                  <a:srgbClr val="FFFFFF"/>
-                </a:solidFill>
-                <a:latin typeface="Adobe Clean"/>
-                <a:cs typeface="Adobe Clean"/>
-              </a:rPr>
-              <a:t>ll</a:t>
-            </a:r>
-            <a:r>
-              <a:rPr sz="1200" b="1" spc="-25">
-                <a:solidFill>
-                  <a:srgbClr val="FFFFFF"/>
-                </a:solidFill>
-                <a:latin typeface="Adobe Clean"/>
-                <a:cs typeface="Adobe Clean"/>
-              </a:rPr>
-              <a:t>e</a:t>
-            </a:r>
-            <a:r>
-              <a:rPr sz="1200" b="1" spc="-30">
-                <a:solidFill>
-                  <a:srgbClr val="FFFFFF"/>
-                </a:solidFill>
-                <a:latin typeface="Adobe Clean"/>
-                <a:cs typeface="Adobe Clean"/>
-              </a:rPr>
-              <a:t>l</a:t>
-            </a:r>
-            <a:r>
-              <a:rPr sz="1200" b="1" spc="-25">
-                <a:solidFill>
-                  <a:srgbClr val="FFFFFF"/>
-                </a:solidFill>
-                <a:latin typeface="Adobe Clean"/>
-                <a:cs typeface="Adobe Clean"/>
-              </a:rPr>
-              <a:t>e</a:t>
-            </a:r>
-            <a:r>
-              <a:rPr sz="1200" b="1">
-                <a:solidFill>
-                  <a:srgbClr val="FFFFFF"/>
-                </a:solidFill>
-                <a:latin typeface="Adobe Clean"/>
-                <a:cs typeface="Adobe Clean"/>
-              </a:rPr>
-              <a:t>d  </a:t>
-            </a:r>
-            <a:r>
-              <a:rPr sz="1200" b="1" spc="-25">
-                <a:solidFill>
-                  <a:srgbClr val="FFFFFF"/>
-                </a:solidFill>
-                <a:latin typeface="Adobe Clean"/>
-                <a:cs typeface="Adobe Clean"/>
-              </a:rPr>
-              <a:t>Expertise</a:t>
-            </a:r>
-            <a:endParaRPr sz="1200">
-              <a:latin typeface="Adobe Clean"/>
-              <a:cs typeface="Adobe Clean"/>
-            </a:endParaRPr>
+              <a:t>Unübertroffenes Know-how</a:t>
+            </a:r>
           </a:p>
         </p:txBody>
       </p:sp>
@@ -17816,8 +13886,8 @@
         </p:nvSpPr>
         <p:spPr>
           <a:xfrm>
-            <a:off x="4732495" y="8541244"/>
-            <a:ext cx="810895" cy="382797"/>
+            <a:off x="4627720" y="8541244"/>
+            <a:ext cx="925355" cy="382797"/>
           </a:xfrm>
           <a:prstGeom prst="rect">
             <a:avLst/>
@@ -17829,7 +13899,7 @@
           </a:bodyPr>
           <a:lstStyle/>
           <a:p>
-            <a:pPr marL="139065" marR="5080" indent="-139065">
+            <a:pPr marR="5080" algn="ctr">
               <a:lnSpc>
                 <a:spcPts val="1390"/>
               </a:lnSpc>
@@ -17838,19 +13908,15 @@
               </a:spcBef>
             </a:pPr>
             <a:r>
-              <a:rPr lang="en-US" sz="1200" b="1" spc="-15">
+              <a:rPr lang="de-DE" sz="1200" b="1" dirty="0">
                 <a:solidFill>
                   <a:srgbClr val="FFFFFF"/>
                 </a:solidFill>
                 <a:latin typeface="Adobe Clean"/>
                 <a:cs typeface="Adobe Clean"/>
               </a:rPr>
-              <a:t>Accelerated Support</a:t>
-            </a:r>
-            <a:endParaRPr sz="1200">
-              <a:latin typeface="Adobe Clean"/>
-              <a:cs typeface="Adobe Clean"/>
-            </a:endParaRPr>
+              <a:t>Schneller Support</a:t>
+            </a:r>
           </a:p>
         </p:txBody>
       </p:sp>
@@ -17868,8 +13934,8 @@
         </p:nvSpPr>
         <p:spPr>
           <a:xfrm>
-            <a:off x="6624119" y="8543943"/>
-            <a:ext cx="510540" cy="385445"/>
+            <a:off x="6471718" y="8543943"/>
+            <a:ext cx="841576" cy="385445"/>
           </a:xfrm>
           <a:prstGeom prst="rect">
             <a:avLst/>
@@ -17881,7 +13947,7 @@
           </a:bodyPr>
           <a:lstStyle/>
           <a:p>
-            <a:pPr marL="50800" marR="5080" indent="-51435">
+            <a:pPr marR="5080" algn="ctr">
               <a:lnSpc>
                 <a:spcPts val="1390"/>
               </a:lnSpc>
@@ -17890,109 +13956,15 @@
               </a:spcBef>
             </a:pPr>
             <a:r>
-              <a:rPr sz="1200" b="1" spc="-50">
+              <a:rPr lang="de-DE" sz="1200" b="1" dirty="0">
                 <a:solidFill>
                   <a:srgbClr val="FFFFFF"/>
                 </a:solidFill>
                 <a:latin typeface="Adobe Clean"/>
                 <a:cs typeface="Adobe Clean"/>
               </a:rPr>
-              <a:t>S</a:t>
-            </a:r>
-            <a:r>
-              <a:rPr sz="1200" b="1" spc="-20">
-                <a:solidFill>
-                  <a:srgbClr val="FFFFFF"/>
-                </a:solidFill>
-                <a:latin typeface="Adobe Clean"/>
-                <a:cs typeface="Adobe Clean"/>
-              </a:rPr>
-              <a:t>t</a:t>
-            </a:r>
-            <a:r>
-              <a:rPr sz="1200" b="1" spc="-75">
-                <a:solidFill>
-                  <a:srgbClr val="FFFFFF"/>
-                </a:solidFill>
-                <a:latin typeface="Adobe Clean"/>
-                <a:cs typeface="Adobe Clean"/>
-              </a:rPr>
-              <a:t>r</a:t>
-            </a:r>
-            <a:r>
-              <a:rPr sz="1200" b="1" spc="-90">
-                <a:solidFill>
-                  <a:srgbClr val="FFFFFF"/>
-                </a:solidFill>
-                <a:latin typeface="Adobe Clean"/>
-                <a:cs typeface="Adobe Clean"/>
-              </a:rPr>
-              <a:t>a</a:t>
-            </a:r>
-            <a:r>
-              <a:rPr sz="1200" b="1" spc="-55">
-                <a:solidFill>
-                  <a:srgbClr val="FFFFFF"/>
-                </a:solidFill>
-                <a:latin typeface="Adobe Clean"/>
-                <a:cs typeface="Adobe Clean"/>
-              </a:rPr>
-              <a:t>t</a:t>
-            </a:r>
-            <a:r>
-              <a:rPr sz="1200" b="1" spc="-100">
-                <a:solidFill>
-                  <a:srgbClr val="FFFFFF"/>
-                </a:solidFill>
-                <a:latin typeface="Adobe Clean"/>
-                <a:cs typeface="Adobe Clean"/>
-              </a:rPr>
-              <a:t>e</a:t>
-            </a:r>
-            <a:r>
-              <a:rPr sz="1200" b="1" spc="-80">
-                <a:solidFill>
-                  <a:srgbClr val="FFFFFF"/>
-                </a:solidFill>
-                <a:latin typeface="Adobe Clean"/>
-                <a:cs typeface="Adobe Clean"/>
-              </a:rPr>
-              <a:t>g</a:t>
-            </a:r>
-            <a:r>
-              <a:rPr sz="1200" b="1" spc="-35">
-                <a:solidFill>
-                  <a:srgbClr val="FFFFFF"/>
-                </a:solidFill>
-                <a:latin typeface="Adobe Clean"/>
-                <a:cs typeface="Adobe Clean"/>
-              </a:rPr>
-              <a:t>i</a:t>
-            </a:r>
-            <a:r>
-              <a:rPr sz="1200" b="1">
-                <a:solidFill>
-                  <a:srgbClr val="FFFFFF"/>
-                </a:solidFill>
-                <a:latin typeface="Adobe Clean"/>
-                <a:cs typeface="Adobe Clean"/>
-              </a:rPr>
-              <a:t>c  </a:t>
-            </a:r>
-            <a:r>
-              <a:rPr sz="1200" b="1" spc="-45">
-                <a:solidFill>
-                  <a:srgbClr val="FFFFFF"/>
-                </a:solidFill>
-                <a:latin typeface="Adobe Clean"/>
-                <a:cs typeface="Adobe Clean"/>
-              </a:rPr>
-              <a:t>Advice</a:t>
-            </a:r>
-            <a:endParaRPr sz="1200">
-              <a:latin typeface="Adobe Clean"/>
-              <a:cs typeface="Adobe Clean"/>
-            </a:endParaRPr>
+              <a:t>Strategische Beratung</a:t>
+            </a:r>
           </a:p>
         </p:txBody>
       </p:sp>
@@ -18011,14 +13983,14 @@
           <p:nvPr>
             <p:extLst>
               <p:ext uri="{D42A27DB-BD31-4B8C-83A1-F6EECF244321}">
-                <p14:modId xmlns:p14="http://schemas.microsoft.com/office/powerpoint/2010/main" val="1502969284"/>
+                <p14:modId xmlns:p14="http://schemas.microsoft.com/office/powerpoint/2010/main" val="3534718922"/>
               </p:ext>
             </p:extLst>
           </p:nvPr>
         </p:nvGraphicFramePr>
         <p:xfrm>
           <a:off x="194237" y="1272353"/>
-          <a:ext cx="7368291" cy="3235960"/>
+          <a:ext cx="7368291" cy="3413760"/>
         </p:xfrm>
         <a:graphic>
           <a:graphicData uri="http://schemas.openxmlformats.org/drawingml/2006/table">
@@ -18049,7 +14021,7 @@
                     <a:lstStyle/>
                     <a:p>
                       <a:r>
-                        <a:rPr lang="en-US" sz="1100" b="0">
+                        <a:rPr lang="de-DE" sz="1100" b="0">
                           <a:solidFill>
                             <a:schemeClr val="tx1"/>
                           </a:solidFill>
@@ -18060,14 +14032,6 @@
                         </a:rPr>
                         <a:t>Experience League</a:t>
                       </a:r>
-                      <a:endParaRPr lang="en-US" sz="1100" b="0">
-                        <a:solidFill>
-                          <a:schemeClr val="tx1"/>
-                        </a:solidFill>
-                        <a:latin typeface="Adobe Clean" panose="020B0503020404020204" pitchFamily="34" charset="0"/>
-                        <a:ea typeface="+mn-ea"/>
-                        <a:cs typeface="+mn-cs"/>
-                      </a:endParaRPr>
                     </a:p>
                   </a:txBody>
                   <a:tcPr marL="47625" marR="47625" marT="0" marB="0" anchor="ctr">
@@ -18141,7 +14105,7 @@
                         <a:defRPr/>
                       </a:pPr>
                       <a:r>
-                        <a:rPr lang="en-US" sz="1000" b="0" kern="1200">
+                        <a:rPr lang="de-DE" sz="1000" b="0" dirty="0">
                           <a:solidFill>
                             <a:srgbClr val="000000"/>
                           </a:solidFill>
@@ -18149,7 +14113,39 @@
                           <a:ea typeface="+mn-ea"/>
                           <a:cs typeface="+mn-cs"/>
                         </a:rPr>
-                        <a:t>Experience League is how Adobe helps businesses achieve the value they expect from their Adobe investment. It’s the unified place where customers can learn, connect, and grow along a personalized path to success that includes self-help tutorials, product documentation, instructor-led training, community and technical support. </a:t>
+                        <a:t>Mit der Experience League unterstützt Adobe Unternehmen dabei, </a:t>
+                      </a:r>
+                      <a:br>
+                        <a:rPr lang="sk-SK" sz="1000" b="0">
+                          <a:solidFill>
+                            <a:srgbClr val="000000"/>
+                          </a:solidFill>
+                          <a:latin typeface="Adobe Clean Light" panose="020B0303020404020204" pitchFamily="34" charset="0"/>
+                          <a:ea typeface="+mn-ea"/>
+                          <a:cs typeface="+mn-cs"/>
+                        </a:rPr>
+                      </a:br>
+                      <a:r>
+                        <a:rPr lang="de-DE" sz="1000" b="0">
+                          <a:solidFill>
+                            <a:srgbClr val="000000"/>
+                          </a:solidFill>
+                          <a:latin typeface="Adobe Clean Light" panose="020B0303020404020204" pitchFamily="34" charset="0"/>
+                          <a:ea typeface="+mn-ea"/>
+                          <a:cs typeface="+mn-cs"/>
+                        </a:rPr>
+                        <a:t>mit ihren Investitionen in Adobe optimale Ergebnisse zu erzielen. </a:t>
+                      </a:r>
+                      <a:r>
+                        <a:rPr lang="de-DE" sz="1000" b="0" dirty="0">
+                          <a:solidFill>
+                            <a:srgbClr val="000000"/>
+                          </a:solidFill>
+                          <a:latin typeface="Adobe Clean Light" panose="020B0303020404020204" pitchFamily="34" charset="0"/>
+                          <a:ea typeface="+mn-ea"/>
+                          <a:cs typeface="+mn-cs"/>
+                        </a:rPr>
+                        <a:t>An diesem zentralen Ort können Kunden auf einem personalisierten Weg zum Erfolg lernen, Kontakte knüpfen und sich weiterentwickeln. Dafür nutzen sie Selbsthilfe-Tutorials, Produktdokumentation, von Kursleitern geführte Schulungen, Community und technischen Support. </a:t>
                       </a:r>
                     </a:p>
                   </a:txBody>
@@ -18231,11 +14227,10 @@
                         <a:defRPr/>
                       </a:pPr>
                       <a:r>
-                        <a:rPr lang="en-US" sz="1100">
+                        <a:rPr lang="de-DE" sz="1100">
                           <a:solidFill>
                             <a:schemeClr val="dk1"/>
                           </a:solidFill>
-                          <a:effectLst/>
                           <a:latin typeface="Adobe Clean" panose="020B0503020404020204" pitchFamily="34" charset="0"/>
                           <a:ea typeface="+mn-ea"/>
                           <a:cs typeface="+mn-cs"/>
@@ -18244,26 +14239,16 @@
                         <a:t>Training</a:t>
                       </a:r>
                       <a:r>
-                        <a:rPr lang="en-US" sz="1100">
+                        <a:rPr lang="de-DE" sz="1100">
                           <a:solidFill>
                             <a:schemeClr val="dk1"/>
                           </a:solidFill>
-                          <a:effectLst/>
                           <a:latin typeface="Adobe Clean" panose="020B0503020404020204" pitchFamily="34" charset="0"/>
                           <a:ea typeface="+mn-ea"/>
                           <a:cs typeface="+mn-cs"/>
                         </a:rPr>
                         <a:t> </a:t>
                       </a:r>
-                      <a:endParaRPr lang="en-US" sz="1100">
-                        <a:solidFill>
-                          <a:schemeClr val="tx1"/>
-                        </a:solidFill>
-                        <a:effectLst/>
-                        <a:latin typeface="Adobe Clean" panose="020B0503020404020204" pitchFamily="34" charset="0"/>
-                        <a:ea typeface="+mn-ea"/>
-                        <a:cs typeface="+mn-cs"/>
-                      </a:endParaRPr>
                     </a:p>
                   </a:txBody>
                   <a:tcPr anchor="ctr">
@@ -18337,7 +14322,7 @@
                         <a:defRPr/>
                       </a:pPr>
                       <a:r>
-                        <a:rPr lang="en-US" sz="1000" kern="1200">
+                        <a:rPr lang="de-DE" sz="1000">
                           <a:solidFill>
                             <a:srgbClr val="000000"/>
                           </a:solidFill>
@@ -18345,7 +14330,7 @@
                           <a:ea typeface="+mn-ea"/>
                           <a:cs typeface="+mn-cs"/>
                         </a:rPr>
-                        <a:t>Adobe Digital Learning Services courses are accessible from Experience League. Learning courses integrate both on-demand and instructor-led lessons.  Here you can accrue skills that have recognized market value and position them to drive success in your organizations.</a:t>
+                        <a:t>Adobe Digital Learning Services-Kurse sind über die Experience League verfügbar. Das Angebot umfasst sowohl On-Demand- als auch von Kursleiter geführte Schulungen.  Hier können Sie Kompetenzen erwerben, die auf dem Markt anerkannt sind und den Erfolg im Unternehmen vorantreiben.</a:t>
                       </a:r>
                     </a:p>
                   </a:txBody>
@@ -18427,27 +14412,17 @@
                         <a:defRPr/>
                       </a:pPr>
                       <a:r>
-                        <a:rPr lang="en-US" sz="1100">
+                        <a:rPr lang="de-DE" sz="1100">
                           <a:solidFill>
                             <a:schemeClr val="tx1"/>
                           </a:solidFill>
-                          <a:effectLst/>
                           <a:latin typeface="Adobe Clean" panose="020B0503020404020204" pitchFamily="34" charset="0"/>
                           <a:ea typeface="+mn-ea"/>
                           <a:cs typeface="+mn-cs"/>
                           <a:hlinkClick r:id="rId9"/>
                         </a:rPr>
-                        <a:t>Production Issues &amp; System Outages</a:t>
+                        <a:t>Produktionsprobleme und Systemausfälle</a:t>
                       </a:r>
-                      <a:endParaRPr lang="en-US" sz="1100">
-                        <a:solidFill>
-                          <a:schemeClr val="tx1"/>
-                        </a:solidFill>
-                        <a:effectLst/>
-                        <a:latin typeface="Adobe Clean" panose="020B0503020404020204" pitchFamily="34" charset="0"/>
-                        <a:ea typeface="+mn-ea"/>
-                        <a:cs typeface="+mn-cs"/>
-                      </a:endParaRPr>
                     </a:p>
                   </a:txBody>
                   <a:tcPr anchor="ctr">
@@ -18521,7 +14496,7 @@
                         <a:defRPr/>
                       </a:pPr>
                       <a:r>
-                        <a:rPr lang="en-US" sz="1000" kern="1200">
+                        <a:rPr lang="de-DE" sz="1000">
                           <a:solidFill>
                             <a:srgbClr val="000000"/>
                           </a:solidFill>
@@ -18529,7 +14504,7 @@
                           <a:ea typeface="+mn-ea"/>
                           <a:cs typeface="+mn-cs"/>
                         </a:rPr>
-                        <a:t>Status.adobe.com conveys the health information of all Adobe products and services that are deployed in multi-tenant environments. Customers can choose their subscription preferences to get email notifications whenever Adobe creates, updates or resolves a product event. This can include scheduled maintenance or service issues of varying levels of severity. </a:t>
+                        <a:t>Status.adobe.com übermittelt die Statusinformationen sämtlicher Adobe-Produkte und -Services, die in Umgebungen mit mehreren Mandanten implementiert sind. Kunden können Voreinstellungen für ihr Abonnement auswählen und E-Mail-Benachrichtigungen erhalten, wenn Adobe ein Produktereignis erstellt, aktualisiert oder löst. Dies kann geplante Wartungen oder Service-Probleme unterschiedlichen Schweregrads umfassen. </a:t>
                       </a:r>
                     </a:p>
                   </a:txBody>
@@ -18611,27 +14586,17 @@
                         <a:defRPr/>
                       </a:pPr>
                       <a:r>
-                        <a:rPr lang="en-US" sz="1100">
+                        <a:rPr lang="de-DE" sz="1100">
                           <a:solidFill>
                             <a:schemeClr val="tx1"/>
                           </a:solidFill>
-                          <a:effectLst/>
                           <a:latin typeface="Adobe Clean" panose="020B0503020404020204" pitchFamily="34" charset="0"/>
                           <a:ea typeface="+mn-ea"/>
                           <a:cs typeface="+mn-cs"/>
                           <a:hlinkClick r:id="rId10"/>
                         </a:rPr>
-                        <a:t>Terms and Conditions</a:t>
+                        <a:t>Geschäftsbedingungen</a:t>
                       </a:r>
-                      <a:endParaRPr lang="en-US" sz="1100">
-                        <a:solidFill>
-                          <a:schemeClr val="tx1"/>
-                        </a:solidFill>
-                        <a:effectLst/>
-                        <a:latin typeface="Adobe Clean" panose="020B0503020404020204" pitchFamily="34" charset="0"/>
-                        <a:ea typeface="+mn-ea"/>
-                        <a:cs typeface="+mn-cs"/>
-                      </a:endParaRPr>
                     </a:p>
                   </a:txBody>
                   <a:tcPr anchor="ctr">
@@ -18688,7 +14653,7 @@
                     <a:lstStyle/>
                     <a:p>
                       <a:r>
-                        <a:rPr lang="en-US" sz="1000" kern="1200">
+                        <a:rPr lang="de-DE" sz="1000" dirty="0">
                           <a:solidFill>
                             <a:srgbClr val="000000"/>
                           </a:solidFill>
@@ -18696,7 +14661,28 @@
                           <a:ea typeface="+mn-ea"/>
                           <a:cs typeface="+mn-cs"/>
                         </a:rPr>
-                        <a:t>Terms and conditions detailing Support Services offerings</a:t>
+                        <a:t>Allgemeine Geschäftsbedingungen mit detaillierten Informationen </a:t>
+                      </a:r>
+                      <a:br>
+                        <a:rPr lang="sk-SK" sz="1000" dirty="0">
+                          <a:solidFill>
+                            <a:srgbClr val="000000"/>
+                          </a:solidFill>
+                          <a:latin typeface="Adobe Clean Light" panose="020B0303020404020204" pitchFamily="34" charset="0"/>
+                          <a:ea typeface="+mn-ea"/>
+                          <a:cs typeface="+mn-cs"/>
+                        </a:rPr>
+                      </a:br>
+                      <a:r>
+                        <a:rPr lang="de-DE" sz="1000" dirty="0">
+                          <a:solidFill>
+                            <a:srgbClr val="000000"/>
+                          </a:solidFill>
+                          <a:latin typeface="Adobe Clean Light" panose="020B0303020404020204" pitchFamily="34" charset="0"/>
+                          <a:ea typeface="+mn-ea"/>
+                          <a:cs typeface="+mn-cs"/>
+                        </a:rPr>
+                        <a:t>zu den angebotenen Support-Services</a:t>
                       </a:r>
                     </a:p>
                   </a:txBody>
@@ -19467,12 +15453,9 @@
 </file>
 
 <file path=customXml/item1.xml><?xml version="1.0" encoding="utf-8"?>
-<?mso-contentType ?>
-<FormTemplates xmlns="http://schemas.microsoft.com/sharepoint/v3/contenttype/forms">
-  <Display>DocumentLibraryForm</Display>
-  <Edit>DocumentLibraryForm</Edit>
-  <New>DocumentLibraryForm</New>
-</FormTemplates>
+<p:properties xmlns:p="http://schemas.microsoft.com/office/2006/metadata/properties" xmlns:xsi="http://www.w3.org/2001/XMLSchema-instance" xmlns:pc="http://schemas.microsoft.com/office/infopath/2007/PartnerControls">
+  <documentManagement/>
+</p:properties>
 </file>
 
 <file path=customXml/item2.xml><?xml version="1.0" encoding="utf-8"?>
@@ -19681,15 +15664,19 @@
 </file>
 
 <file path=customXml/item3.xml><?xml version="1.0" encoding="utf-8"?>
-<p:properties xmlns:p="http://schemas.microsoft.com/office/2006/metadata/properties" xmlns:xsi="http://www.w3.org/2001/XMLSchema-instance" xmlns:pc="http://schemas.microsoft.com/office/infopath/2007/PartnerControls">
-  <documentManagement/>
-</p:properties>
+<?mso-contentType ?>
+<FormTemplates xmlns="http://schemas.microsoft.com/sharepoint/v3/contenttype/forms">
+  <Display>DocumentLibraryForm</Display>
+  <Edit>DocumentLibraryForm</Edit>
+  <New>DocumentLibraryForm</New>
+</FormTemplates>
 </file>
 
 <file path=customXml/itemProps1.xml><?xml version="1.0" encoding="utf-8"?>
-<ds:datastoreItem xmlns:ds="http://schemas.openxmlformats.org/officeDocument/2006/customXml" ds:itemID="{941989CE-20BB-4A6A-A33F-71A1AE469C3E}">
+<ds:datastoreItem xmlns:ds="http://schemas.openxmlformats.org/officeDocument/2006/customXml" ds:itemID="{ED4099BE-EDEC-4FF1-8378-446617236015}">
   <ds:schemaRefs>
-    <ds:schemaRef ds:uri="http://schemas.microsoft.com/sharepoint/v3/contenttype/forms"/>
+    <ds:schemaRef ds:uri="http://schemas.microsoft.com/office/2006/metadata/properties"/>
+    <ds:schemaRef ds:uri="http://schemas.microsoft.com/office/infopath/2007/PartnerControls"/>
   </ds:schemaRefs>
 </ds:datastoreItem>
 </file>
@@ -19714,10 +15701,9 @@
 </file>
 
 <file path=customXml/itemProps3.xml><?xml version="1.0" encoding="utf-8"?>
-<ds:datastoreItem xmlns:ds="http://schemas.openxmlformats.org/officeDocument/2006/customXml" ds:itemID="{ED4099BE-EDEC-4FF1-8378-446617236015}">
+<ds:datastoreItem xmlns:ds="http://schemas.openxmlformats.org/officeDocument/2006/customXml" ds:itemID="{941989CE-20BB-4A6A-A33F-71A1AE469C3E}">
   <ds:schemaRefs>
-    <ds:schemaRef ds:uri="http://schemas.microsoft.com/office/2006/metadata/properties"/>
-    <ds:schemaRef ds:uri="http://schemas.microsoft.com/office/infopath/2007/PartnerControls"/>
+    <ds:schemaRef ds:uri="http://schemas.microsoft.com/sharepoint/v3/contenttype/forms"/>
   </ds:schemaRefs>
 </ds:datastoreItem>
 </file>
--- a/help/data-sheets/assets/EnterpriseSupportDatasheet.pptx
+++ b/help/data-sheets/assets/EnterpriseSupportDatasheet.pptx
@@ -144,13 +144,9 @@
 <file path=ppt/revisionInfo.xml><?xml version="1.0" encoding="utf-8"?>
 <p1510:revInfo xmlns:a="http://schemas.openxmlformats.org/drawingml/2006/main" xmlns:r="http://schemas.openxmlformats.org/officeDocument/2006/relationships" xmlns:p1510="http://schemas.microsoft.com/office/powerpoint/2015/10/main">
   <p1510:revLst>
-    <p1510:client id="{0AB2EF93-BE08-D205-D43E-3B568BB37DAA}" v="26" dt="2021-09-22T23:01:49.517"/>
-    <p1510:client id="{0AC6A3A1-0788-C69A-5EFD-279F3FA2CF0F}" v="51" dt="2021-09-22T18:56:17.553"/>
-    <p1510:client id="{112231ED-4F38-A856-2EFF-9D0F88AC9BDF}" v="3" dt="2021-09-22T19:11:31.474"/>
-    <p1510:client id="{3CA2F123-FAC9-2CDD-7937-C83283BA7837}" v="1" dt="2021-09-16T20:58:19.458"/>
-    <p1510:client id="{3F02B349-0406-AE51-D438-E7A0BE890230}" v="20" dt="2021-08-25T18:45:08.206"/>
-    <p1510:client id="{A40C3D7D-993B-38B2-2DDA-C562505A1054}" v="4" dt="2021-09-22T23:00:46.860"/>
-    <p1510:client id="{BAC4F85F-6423-7248-85C4-44132DA97563}" v="77" dt="2021-08-07T08:51:03.454"/>
+    <p1510:client id="{19826C17-B3F5-53A1-AAFF-C7771804C7A7}" v="128" dt="2021-10-13T18:50:39.613"/>
+    <p1510:client id="{1A3D389F-0E00-444F-BDF7-5C174E20EEC2}" v="2" dt="2021-10-13T19:33:05.183"/>
+    <p1510:client id="{D02E726A-82A5-CF13-9EBE-9B674D878D37}" v="22" dt="2021-10-12T19:51:27.470"/>
   </p1510:revLst>
 </p1510:revInfo>
 </file>
@@ -158,52 +154,20 @@
 <file path=ppt/changesInfos/changesInfo1.xml><?xml version="1.0" encoding="utf-8"?>
 <pc:chgInfo xmlns:a="http://schemas.openxmlformats.org/drawingml/2006/main" xmlns:r="http://schemas.openxmlformats.org/officeDocument/2006/relationships" xmlns:ac="http://schemas.microsoft.com/office/drawing/2013/main/command" xmlns:pc="http://schemas.microsoft.com/office/powerpoint/2013/main/command">
   <pc:docChgLst>
-    <pc:chgData name="Akilah Johnson" userId="S::akjohnso@adobe.com::2fa3aa60-0c9c-4d06-bae2-795983241227" providerId="AD" clId="Web-{0AB2EF93-BE08-D205-D43E-3B568BB37DAA}"/>
+    <pc:chgData name="Akilah Johnson" userId="S::akjohnso@adobe.com::2fa3aa60-0c9c-4d06-bae2-795983241227" providerId="AD" clId="Web-{A40C3D7D-993B-38B2-2DDA-C562505A1054}"/>
     <pc:docChg chg="modSld">
-      <pc:chgData name="Akilah Johnson" userId="S::akjohnso@adobe.com::2fa3aa60-0c9c-4d06-bae2-795983241227" providerId="AD" clId="Web-{0AB2EF93-BE08-D205-D43E-3B568BB37DAA}" dt="2021-09-22T23:01:45.877" v="13"/>
+      <pc:chgData name="Akilah Johnson" userId="S::akjohnso@adobe.com::2fa3aa60-0c9c-4d06-bae2-795983241227" providerId="AD" clId="Web-{A40C3D7D-993B-38B2-2DDA-C562505A1054}" dt="2021-09-22T23:00:46.860" v="3"/>
       <pc:docMkLst>
         <pc:docMk/>
       </pc:docMkLst>
       <pc:sldChg chg="modSp">
-        <pc:chgData name="Akilah Johnson" userId="S::akjohnso@adobe.com::2fa3aa60-0c9c-4d06-bae2-795983241227" providerId="AD" clId="Web-{0AB2EF93-BE08-D205-D43E-3B568BB37DAA}" dt="2021-09-22T23:01:45.877" v="13"/>
+        <pc:chgData name="Akilah Johnson" userId="S::akjohnso@adobe.com::2fa3aa60-0c9c-4d06-bae2-795983241227" providerId="AD" clId="Web-{A40C3D7D-993B-38B2-2DDA-C562505A1054}" dt="2021-09-22T23:00:46.860" v="3"/>
         <pc:sldMkLst>
           <pc:docMk/>
           <pc:sldMk cId="1050037809" sldId="261"/>
         </pc:sldMkLst>
         <pc:graphicFrameChg chg="mod modGraphic">
-          <ac:chgData name="Akilah Johnson" userId="S::akjohnso@adobe.com::2fa3aa60-0c9c-4d06-bae2-795983241227" providerId="AD" clId="Web-{0AB2EF93-BE08-D205-D43E-3B568BB37DAA}" dt="2021-09-22T23:01:45.877" v="13"/>
-          <ac:graphicFrameMkLst>
-            <pc:docMk/>
-            <pc:sldMk cId="1050037809" sldId="261"/>
-            <ac:graphicFrameMk id="25" creationId="{3A91F5B0-3974-A14D-A146-FB590F2AAD18}"/>
-          </ac:graphicFrameMkLst>
-        </pc:graphicFrameChg>
-      </pc:sldChg>
-    </pc:docChg>
-  </pc:docChgLst>
-  <pc:docChgLst>
-    <pc:chgData name="Akilah Johnson" userId="S::akjohnso@adobe.com::2fa3aa60-0c9c-4d06-bae2-795983241227" providerId="AD" clId="Web-{0AC6A3A1-0788-C69A-5EFD-279F3FA2CF0F}"/>
-    <pc:docChg chg="modSld">
-      <pc:chgData name="Akilah Johnson" userId="S::akjohnso@adobe.com::2fa3aa60-0c9c-4d06-bae2-795983241227" providerId="AD" clId="Web-{0AC6A3A1-0788-C69A-5EFD-279F3FA2CF0F}" dt="2021-09-22T18:56:17.553" v="29"/>
-      <pc:docMkLst>
-        <pc:docMk/>
-      </pc:docMkLst>
-      <pc:sldChg chg="modSp delCm">
-        <pc:chgData name="Akilah Johnson" userId="S::akjohnso@adobe.com::2fa3aa60-0c9c-4d06-bae2-795983241227" providerId="AD" clId="Web-{0AC6A3A1-0788-C69A-5EFD-279F3FA2CF0F}" dt="2021-09-22T18:56:17.553" v="29"/>
-        <pc:sldMkLst>
-          <pc:docMk/>
-          <pc:sldMk cId="1050037809" sldId="261"/>
-        </pc:sldMkLst>
-        <pc:spChg chg="mod">
-          <ac:chgData name="Akilah Johnson" userId="S::akjohnso@adobe.com::2fa3aa60-0c9c-4d06-bae2-795983241227" providerId="AD" clId="Web-{0AC6A3A1-0788-C69A-5EFD-279F3FA2CF0F}" dt="2021-09-22T18:55:46.585" v="16" actId="20577"/>
-          <ac:spMkLst>
-            <pc:docMk/>
-            <pc:sldMk cId="1050037809" sldId="261"/>
-            <ac:spMk id="64" creationId="{41467BDC-3D83-D844-B922-CD07E94E5AAB}"/>
-          </ac:spMkLst>
-        </pc:spChg>
-        <pc:graphicFrameChg chg="mod modGraphic">
-          <ac:chgData name="Akilah Johnson" userId="S::akjohnso@adobe.com::2fa3aa60-0c9c-4d06-bae2-795983241227" providerId="AD" clId="Web-{0AC6A3A1-0788-C69A-5EFD-279F3FA2CF0F}" dt="2021-09-22T18:55:59.928" v="28"/>
+          <ac:chgData name="Akilah Johnson" userId="S::akjohnso@adobe.com::2fa3aa60-0c9c-4d06-bae2-795983241227" providerId="AD" clId="Web-{A40C3D7D-993B-38B2-2DDA-C562505A1054}" dt="2021-09-22T23:00:46.860" v="3"/>
           <ac:graphicFrameMkLst>
             <pc:docMk/>
             <pc:sldMk cId="1050037809" sldId="261"/>
@@ -246,6 +210,86 @@
     </pc:docChg>
   </pc:docChgLst>
   <pc:docChgLst>
+    <pc:chgData name="Akilah Johnson" userId="S::akjohnso@adobe.com::2fa3aa60-0c9c-4d06-bae2-795983241227" providerId="AD" clId="Web-{0AC6A3A1-0788-C69A-5EFD-279F3FA2CF0F}"/>
+    <pc:docChg chg="modSld">
+      <pc:chgData name="Akilah Johnson" userId="S::akjohnso@adobe.com::2fa3aa60-0c9c-4d06-bae2-795983241227" providerId="AD" clId="Web-{0AC6A3A1-0788-C69A-5EFD-279F3FA2CF0F}" dt="2021-09-22T18:56:17.553" v="29"/>
+      <pc:docMkLst>
+        <pc:docMk/>
+      </pc:docMkLst>
+      <pc:sldChg chg="modSp delCm">
+        <pc:chgData name="Akilah Johnson" userId="S::akjohnso@adobe.com::2fa3aa60-0c9c-4d06-bae2-795983241227" providerId="AD" clId="Web-{0AC6A3A1-0788-C69A-5EFD-279F3FA2CF0F}" dt="2021-09-22T18:56:17.553" v="29"/>
+        <pc:sldMkLst>
+          <pc:docMk/>
+          <pc:sldMk cId="1050037809" sldId="261"/>
+        </pc:sldMkLst>
+        <pc:spChg chg="mod">
+          <ac:chgData name="Akilah Johnson" userId="S::akjohnso@adobe.com::2fa3aa60-0c9c-4d06-bae2-795983241227" providerId="AD" clId="Web-{0AC6A3A1-0788-C69A-5EFD-279F3FA2CF0F}" dt="2021-09-22T18:55:46.585" v="16" actId="20577"/>
+          <ac:spMkLst>
+            <pc:docMk/>
+            <pc:sldMk cId="1050037809" sldId="261"/>
+            <ac:spMk id="64" creationId="{41467BDC-3D83-D844-B922-CD07E94E5AAB}"/>
+          </ac:spMkLst>
+        </pc:spChg>
+        <pc:graphicFrameChg chg="mod modGraphic">
+          <ac:chgData name="Akilah Johnson" userId="S::akjohnso@adobe.com::2fa3aa60-0c9c-4d06-bae2-795983241227" providerId="AD" clId="Web-{0AC6A3A1-0788-C69A-5EFD-279F3FA2CF0F}" dt="2021-09-22T18:55:59.928" v="28"/>
+          <ac:graphicFrameMkLst>
+            <pc:docMk/>
+            <pc:sldMk cId="1050037809" sldId="261"/>
+            <ac:graphicFrameMk id="25" creationId="{3A91F5B0-3974-A14D-A146-FB590F2AAD18}"/>
+          </ac:graphicFrameMkLst>
+        </pc:graphicFrameChg>
+      </pc:sldChg>
+    </pc:docChg>
+  </pc:docChgLst>
+  <pc:docChgLst>
+    <pc:chgData name="Akilah Johnson" userId="S::akjohnso@adobe.com::2fa3aa60-0c9c-4d06-bae2-795983241227" providerId="AD" clId="Web-{D02E726A-82A5-CF13-9EBE-9B674D878D37}"/>
+    <pc:docChg chg="modSld">
+      <pc:chgData name="Akilah Johnson" userId="S::akjohnso@adobe.com::2fa3aa60-0c9c-4d06-bae2-795983241227" providerId="AD" clId="Web-{D02E726A-82A5-CF13-9EBE-9B674D878D37}" dt="2021-10-12T19:51:27.470" v="10"/>
+      <pc:docMkLst>
+        <pc:docMk/>
+      </pc:docMkLst>
+      <pc:sldChg chg="modSp delCm">
+        <pc:chgData name="Akilah Johnson" userId="S::akjohnso@adobe.com::2fa3aa60-0c9c-4d06-bae2-795983241227" providerId="AD" clId="Web-{D02E726A-82A5-CF13-9EBE-9B674D878D37}" dt="2021-10-12T19:51:27.470" v="10"/>
+        <pc:sldMkLst>
+          <pc:docMk/>
+          <pc:sldMk cId="2161849182" sldId="267"/>
+        </pc:sldMkLst>
+        <pc:spChg chg="mod">
+          <ac:chgData name="Akilah Johnson" userId="S::akjohnso@adobe.com::2fa3aa60-0c9c-4d06-bae2-795983241227" providerId="AD" clId="Web-{D02E726A-82A5-CF13-9EBE-9B674D878D37}" dt="2021-10-12T19:51:04.127" v="8" actId="20577"/>
+          <ac:spMkLst>
+            <pc:docMk/>
+            <pc:sldMk cId="2161849182" sldId="267"/>
+            <ac:spMk id="2" creationId="{00000000-0000-0000-0000-000000000000}"/>
+          </ac:spMkLst>
+        </pc:spChg>
+      </pc:sldChg>
+    </pc:docChg>
+  </pc:docChgLst>
+  <pc:docChgLst>
+    <pc:chgData name="Akilah Johnson" userId="S::akjohnso@adobe.com::2fa3aa60-0c9c-4d06-bae2-795983241227" providerId="AD" clId="Web-{0AB2EF93-BE08-D205-D43E-3B568BB37DAA}"/>
+    <pc:docChg chg="modSld">
+      <pc:chgData name="Akilah Johnson" userId="S::akjohnso@adobe.com::2fa3aa60-0c9c-4d06-bae2-795983241227" providerId="AD" clId="Web-{0AB2EF93-BE08-D205-D43E-3B568BB37DAA}" dt="2021-09-22T23:01:45.877" v="13"/>
+      <pc:docMkLst>
+        <pc:docMk/>
+      </pc:docMkLst>
+      <pc:sldChg chg="modSp">
+        <pc:chgData name="Akilah Johnson" userId="S::akjohnso@adobe.com::2fa3aa60-0c9c-4d06-bae2-795983241227" providerId="AD" clId="Web-{0AB2EF93-BE08-D205-D43E-3B568BB37DAA}" dt="2021-09-22T23:01:45.877" v="13"/>
+        <pc:sldMkLst>
+          <pc:docMk/>
+          <pc:sldMk cId="1050037809" sldId="261"/>
+        </pc:sldMkLst>
+        <pc:graphicFrameChg chg="mod modGraphic">
+          <ac:chgData name="Akilah Johnson" userId="S::akjohnso@adobe.com::2fa3aa60-0c9c-4d06-bae2-795983241227" providerId="AD" clId="Web-{0AB2EF93-BE08-D205-D43E-3B568BB37DAA}" dt="2021-09-22T23:01:45.877" v="13"/>
+          <ac:graphicFrameMkLst>
+            <pc:docMk/>
+            <pc:sldMk cId="1050037809" sldId="261"/>
+            <ac:graphicFrameMk id="25" creationId="{3A91F5B0-3974-A14D-A146-FB590F2AAD18}"/>
+          </ac:graphicFrameMkLst>
+        </pc:graphicFrameChg>
+      </pc:sldChg>
+    </pc:docChg>
+  </pc:docChgLst>
+  <pc:docChgLst>
     <pc:chgData name="Andy Witt" userId="S::awitt@adobe.com::e9157bdf-53b2-40e4-9459-936793d75696" providerId="AD" clId="Web-{3F02B349-0406-AE51-D438-E7A0BE890230}"/>
     <pc:docChg chg="modSld">
       <pc:chgData name="Andy Witt" userId="S::awitt@adobe.com::e9157bdf-53b2-40e4-9459-936793d75696" providerId="AD" clId="Web-{3F02B349-0406-AE51-D438-E7A0BE890230}" dt="2021-08-25T18:45:07.550" v="11"/>
@@ -264,6 +308,61 @@
             <pc:docMk/>
             <pc:sldMk cId="1050037809" sldId="261"/>
             <ac:graphicFrameMk id="25" creationId="{3A91F5B0-3974-A14D-A146-FB590F2AAD18}"/>
+          </ac:graphicFrameMkLst>
+        </pc:graphicFrameChg>
+      </pc:sldChg>
+    </pc:docChg>
+  </pc:docChgLst>
+  <pc:docChgLst>
+    <pc:chgData name="Lauren Schutte" userId="6e08b2d3-447a-4d66-86be-444d50df187f" providerId="ADAL" clId="{1A3D389F-0E00-444F-BDF7-5C174E20EEC2}"/>
+    <pc:docChg chg="undo custSel modSld">
+      <pc:chgData name="Lauren Schutte" userId="6e08b2d3-447a-4d66-86be-444d50df187f" providerId="ADAL" clId="{1A3D389F-0E00-444F-BDF7-5C174E20EEC2}" dt="2021-10-13T19:40:59.066" v="67" actId="20577"/>
+      <pc:docMkLst>
+        <pc:docMk/>
+      </pc:docMkLst>
+      <pc:sldChg chg="delSp modSp mod">
+        <pc:chgData name="Lauren Schutte" userId="6e08b2d3-447a-4d66-86be-444d50df187f" providerId="ADAL" clId="{1A3D389F-0E00-444F-BDF7-5C174E20EEC2}" dt="2021-10-13T19:40:25.578" v="61" actId="478"/>
+        <pc:sldMkLst>
+          <pc:docMk/>
+          <pc:sldMk cId="5960377" sldId="259"/>
+        </pc:sldMkLst>
+        <pc:spChg chg="mod">
+          <ac:chgData name="Lauren Schutte" userId="6e08b2d3-447a-4d66-86be-444d50df187f" providerId="ADAL" clId="{1A3D389F-0E00-444F-BDF7-5C174E20EEC2}" dt="2021-10-13T19:33:45.182" v="59" actId="20577"/>
+          <ac:spMkLst>
+            <pc:docMk/>
+            <pc:sldMk cId="5960377" sldId="259"/>
+            <ac:spMk id="127" creationId="{BB896A03-8E7E-344F-BDE1-37C49461FF04}"/>
+          </ac:spMkLst>
+        </pc:spChg>
+        <pc:grpChg chg="del mod">
+          <ac:chgData name="Lauren Schutte" userId="6e08b2d3-447a-4d66-86be-444d50df187f" providerId="ADAL" clId="{1A3D389F-0E00-444F-BDF7-5C174E20EEC2}" dt="2021-10-13T19:40:25.578" v="61" actId="478"/>
+          <ac:grpSpMkLst>
+            <pc:docMk/>
+            <pc:sldMk cId="5960377" sldId="259"/>
+            <ac:grpSpMk id="62" creationId="{C539739D-1D3E-204D-9819-C44D9AE36DE8}"/>
+          </ac:grpSpMkLst>
+        </pc:grpChg>
+      </pc:sldChg>
+      <pc:sldChg chg="modSp mod">
+        <pc:chgData name="Lauren Schutte" userId="6e08b2d3-447a-4d66-86be-444d50df187f" providerId="ADAL" clId="{1A3D389F-0E00-444F-BDF7-5C174E20EEC2}" dt="2021-10-13T19:40:59.066" v="67" actId="20577"/>
+        <pc:sldMkLst>
+          <pc:docMk/>
+          <pc:sldMk cId="2161849182" sldId="267"/>
+        </pc:sldMkLst>
+        <pc:spChg chg="mod">
+          <ac:chgData name="Lauren Schutte" userId="6e08b2d3-447a-4d66-86be-444d50df187f" providerId="ADAL" clId="{1A3D389F-0E00-444F-BDF7-5C174E20EEC2}" dt="2021-10-13T19:40:59.066" v="67" actId="20577"/>
+          <ac:spMkLst>
+            <pc:docMk/>
+            <pc:sldMk cId="2161849182" sldId="267"/>
+            <ac:spMk id="2" creationId="{00000000-0000-0000-0000-000000000000}"/>
+          </ac:spMkLst>
+        </pc:spChg>
+        <pc:graphicFrameChg chg="mod modGraphic">
+          <ac:chgData name="Lauren Schutte" userId="6e08b2d3-447a-4d66-86be-444d50df187f" providerId="ADAL" clId="{1A3D389F-0E00-444F-BDF7-5C174E20EEC2}" dt="2021-10-13T19:33:05.183" v="58"/>
+          <ac:graphicFrameMkLst>
+            <pc:docMk/>
+            <pc:sldMk cId="2161849182" sldId="267"/>
+            <ac:graphicFrameMk id="9" creationId="{00000000-0000-0000-0000-000000000000}"/>
           </ac:graphicFrameMkLst>
         </pc:graphicFrameChg>
       </pc:sldChg>
@@ -294,24 +393,133 @@
     </pc:docChg>
   </pc:docChgLst>
   <pc:docChgLst>
-    <pc:chgData name="Akilah Johnson" userId="S::akjohnso@adobe.com::2fa3aa60-0c9c-4d06-bae2-795983241227" providerId="AD" clId="Web-{A40C3D7D-993B-38B2-2DDA-C562505A1054}"/>
+    <pc:chgData name="Akilah Johnson" userId="S::akjohnso@adobe.com::2fa3aa60-0c9c-4d06-bae2-795983241227" providerId="AD" clId="Web-{19826C17-B3F5-53A1-AAFF-C7771804C7A7}"/>
     <pc:docChg chg="modSld">
-      <pc:chgData name="Akilah Johnson" userId="S::akjohnso@adobe.com::2fa3aa60-0c9c-4d06-bae2-795983241227" providerId="AD" clId="Web-{A40C3D7D-993B-38B2-2DDA-C562505A1054}" dt="2021-09-22T23:00:46.860" v="3"/>
+      <pc:chgData name="Akilah Johnson" userId="S::akjohnso@adobe.com::2fa3aa60-0c9c-4d06-bae2-795983241227" providerId="AD" clId="Web-{19826C17-B3F5-53A1-AAFF-C7771804C7A7}" dt="2021-10-13T18:50:21.160" v="67"/>
       <pc:docMkLst>
         <pc:docMk/>
       </pc:docMkLst>
       <pc:sldChg chg="modSp">
-        <pc:chgData name="Akilah Johnson" userId="S::akjohnso@adobe.com::2fa3aa60-0c9c-4d06-bae2-795983241227" providerId="AD" clId="Web-{A40C3D7D-993B-38B2-2DDA-C562505A1054}" dt="2021-09-22T23:00:46.860" v="3"/>
+        <pc:chgData name="Akilah Johnson" userId="S::akjohnso@adobe.com::2fa3aa60-0c9c-4d06-bae2-795983241227" providerId="AD" clId="Web-{19826C17-B3F5-53A1-AAFF-C7771804C7A7}" dt="2021-10-13T18:38:26.810" v="9" actId="20577"/>
+        <pc:sldMkLst>
+          <pc:docMk/>
+          <pc:sldMk cId="5960377" sldId="259"/>
+        </pc:sldMkLst>
+        <pc:spChg chg="mod">
+          <ac:chgData name="Akilah Johnson" userId="S::akjohnso@adobe.com::2fa3aa60-0c9c-4d06-bae2-795983241227" providerId="AD" clId="Web-{19826C17-B3F5-53A1-AAFF-C7771804C7A7}" dt="2021-10-13T18:38:26.810" v="9" actId="20577"/>
+          <ac:spMkLst>
+            <pc:docMk/>
+            <pc:sldMk cId="5960377" sldId="259"/>
+            <ac:spMk id="75" creationId="{4602CC83-B0C7-8445-9007-87E67CDDD9D0}"/>
+          </ac:spMkLst>
+        </pc:spChg>
+        <pc:spChg chg="mod">
+          <ac:chgData name="Akilah Johnson" userId="S::akjohnso@adobe.com::2fa3aa60-0c9c-4d06-bae2-795983241227" providerId="AD" clId="Web-{19826C17-B3F5-53A1-AAFF-C7771804C7A7}" dt="2021-10-13T18:38:17.716" v="5" actId="20577"/>
+          <ac:spMkLst>
+            <pc:docMk/>
+            <pc:sldMk cId="5960377" sldId="259"/>
+            <ac:spMk id="83" creationId="{7A016ADC-2A30-8A4B-BE07-A9AB6C1898A7}"/>
+          </ac:spMkLst>
+        </pc:spChg>
+        <pc:spChg chg="mod">
+          <ac:chgData name="Akilah Johnson" userId="S::akjohnso@adobe.com::2fa3aa60-0c9c-4d06-bae2-795983241227" providerId="AD" clId="Web-{19826C17-B3F5-53A1-AAFF-C7771804C7A7}" dt="2021-10-13T18:38:19.654" v="6" actId="20577"/>
+          <ac:spMkLst>
+            <pc:docMk/>
+            <pc:sldMk cId="5960377" sldId="259"/>
+            <ac:spMk id="87" creationId="{57C0C871-6516-F145-97DA-27A143E6185C}"/>
+          </ac:spMkLst>
+        </pc:spChg>
+        <pc:spChg chg="mod">
+          <ac:chgData name="Akilah Johnson" userId="S::akjohnso@adobe.com::2fa3aa60-0c9c-4d06-bae2-795983241227" providerId="AD" clId="Web-{19826C17-B3F5-53A1-AAFF-C7771804C7A7}" dt="2021-10-13T18:38:14.044" v="4" actId="20577"/>
+          <ac:spMkLst>
+            <pc:docMk/>
+            <pc:sldMk cId="5960377" sldId="259"/>
+            <ac:spMk id="124" creationId="{14AAF776-9013-4C40-92F9-FFFE22C4038F}"/>
+          </ac:spMkLst>
+        </pc:spChg>
+        <pc:spChg chg="mod">
+          <ac:chgData name="Akilah Johnson" userId="S::akjohnso@adobe.com::2fa3aa60-0c9c-4d06-bae2-795983241227" providerId="AD" clId="Web-{19826C17-B3F5-53A1-AAFF-C7771804C7A7}" dt="2021-10-13T18:38:10.013" v="2" actId="20577"/>
+          <ac:spMkLst>
+            <pc:docMk/>
+            <pc:sldMk cId="5960377" sldId="259"/>
+            <ac:spMk id="125" creationId="{AF4EBBF5-5438-A043-B9AA-3822381D52EE}"/>
+          </ac:spMkLst>
+        </pc:spChg>
+        <pc:spChg chg="mod">
+          <ac:chgData name="Akilah Johnson" userId="S::akjohnso@adobe.com::2fa3aa60-0c9c-4d06-bae2-795983241227" providerId="AD" clId="Web-{19826C17-B3F5-53A1-AAFF-C7771804C7A7}" dt="2021-10-13T18:38:12.263" v="3" actId="20577"/>
+          <ac:spMkLst>
+            <pc:docMk/>
+            <pc:sldMk cId="5960377" sldId="259"/>
+            <ac:spMk id="126" creationId="{7F65676D-32E4-7B4B-BB85-4D504B5882BD}"/>
+          </ac:spMkLst>
+        </pc:spChg>
+      </pc:sldChg>
+      <pc:sldChg chg="modSp">
+        <pc:chgData name="Akilah Johnson" userId="S::akjohnso@adobe.com::2fa3aa60-0c9c-4d06-bae2-795983241227" providerId="AD" clId="Web-{19826C17-B3F5-53A1-AAFF-C7771804C7A7}" dt="2021-10-13T18:40:23.717" v="19" actId="20577"/>
         <pc:sldMkLst>
           <pc:docMk/>
           <pc:sldMk cId="1050037809" sldId="261"/>
         </pc:sldMkLst>
+        <pc:spChg chg="mod">
+          <ac:chgData name="Akilah Johnson" userId="S::akjohnso@adobe.com::2fa3aa60-0c9c-4d06-bae2-795983241227" providerId="AD" clId="Web-{19826C17-B3F5-53A1-AAFF-C7771804C7A7}" dt="2021-10-13T18:40:23.717" v="19" actId="20577"/>
+          <ac:spMkLst>
+            <pc:docMk/>
+            <pc:sldMk cId="1050037809" sldId="261"/>
+            <ac:spMk id="56" creationId="{00000000-0000-0000-0000-000000000000}"/>
+          </ac:spMkLst>
+        </pc:spChg>
         <pc:graphicFrameChg chg="mod modGraphic">
-          <ac:chgData name="Akilah Johnson" userId="S::akjohnso@adobe.com::2fa3aa60-0c9c-4d06-bae2-795983241227" providerId="AD" clId="Web-{A40C3D7D-993B-38B2-2DDA-C562505A1054}" dt="2021-09-22T23:00:46.860" v="3"/>
+          <ac:chgData name="Akilah Johnson" userId="S::akjohnso@adobe.com::2fa3aa60-0c9c-4d06-bae2-795983241227" providerId="AD" clId="Web-{19826C17-B3F5-53A1-AAFF-C7771804C7A7}" dt="2021-10-13T18:39:38.154" v="17"/>
           <ac:graphicFrameMkLst>
             <pc:docMk/>
             <pc:sldMk cId="1050037809" sldId="261"/>
-            <ac:graphicFrameMk id="25" creationId="{3A91F5B0-3974-A14D-A146-FB590F2AAD18}"/>
+            <ac:graphicFrameMk id="111" creationId="{D8653CEC-4213-DE40-9BAF-D1E3318FF89C}"/>
+          </ac:graphicFrameMkLst>
+        </pc:graphicFrameChg>
+      </pc:sldChg>
+      <pc:sldChg chg="modSp">
+        <pc:chgData name="Akilah Johnson" userId="S::akjohnso@adobe.com::2fa3aa60-0c9c-4d06-bae2-795983241227" providerId="AD" clId="Web-{19826C17-B3F5-53A1-AAFF-C7771804C7A7}" dt="2021-10-13T18:39:10.373" v="15" actId="20577"/>
+        <pc:sldMkLst>
+          <pc:docMk/>
+          <pc:sldMk cId="717026355" sldId="266"/>
+        </pc:sldMkLst>
+        <pc:spChg chg="mod">
+          <ac:chgData name="Akilah Johnson" userId="S::akjohnso@adobe.com::2fa3aa60-0c9c-4d06-bae2-795983241227" providerId="AD" clId="Web-{19826C17-B3F5-53A1-AAFF-C7771804C7A7}" dt="2021-10-13T18:39:10.373" v="15" actId="20577"/>
+          <ac:spMkLst>
+            <pc:docMk/>
+            <pc:sldMk cId="717026355" sldId="266"/>
+            <ac:spMk id="9" creationId="{00000000-0000-0000-0000-000000000000}"/>
+          </ac:spMkLst>
+        </pc:spChg>
+        <pc:spChg chg="mod">
+          <ac:chgData name="Akilah Johnson" userId="S::akjohnso@adobe.com::2fa3aa60-0c9c-4d06-bae2-795983241227" providerId="AD" clId="Web-{19826C17-B3F5-53A1-AAFF-C7771804C7A7}" dt="2021-10-13T18:38:44.029" v="11" actId="20577"/>
+          <ac:spMkLst>
+            <pc:docMk/>
+            <pc:sldMk cId="717026355" sldId="266"/>
+            <ac:spMk id="82" creationId="{F6061E8D-9723-464D-AA49-7A3A3A02BE92}"/>
+          </ac:spMkLst>
+        </pc:spChg>
+        <pc:spChg chg="mod">
+          <ac:chgData name="Akilah Johnson" userId="S::akjohnso@adobe.com::2fa3aa60-0c9c-4d06-bae2-795983241227" providerId="AD" clId="Web-{19826C17-B3F5-53A1-AAFF-C7771804C7A7}" dt="2021-10-13T18:39:00.638" v="13" actId="20577"/>
+          <ac:spMkLst>
+            <pc:docMk/>
+            <pc:sldMk cId="717026355" sldId="266"/>
+            <ac:spMk id="83" creationId="{BB34E685-A734-974B-A33A-BE51D1A8BC0D}"/>
+          </ac:spMkLst>
+        </pc:spChg>
+      </pc:sldChg>
+      <pc:sldChg chg="modSp">
+        <pc:chgData name="Akilah Johnson" userId="S::akjohnso@adobe.com::2fa3aa60-0c9c-4d06-bae2-795983241227" providerId="AD" clId="Web-{19826C17-B3F5-53A1-AAFF-C7771804C7A7}" dt="2021-10-13T18:50:21.160" v="67"/>
+        <pc:sldMkLst>
+          <pc:docMk/>
+          <pc:sldMk cId="2161849182" sldId="267"/>
+        </pc:sldMkLst>
+        <pc:graphicFrameChg chg="mod modGraphic">
+          <ac:chgData name="Akilah Johnson" userId="S::akjohnso@adobe.com::2fa3aa60-0c9c-4d06-bae2-795983241227" providerId="AD" clId="Web-{19826C17-B3F5-53A1-AAFF-C7771804C7A7}" dt="2021-10-13T18:50:21.160" v="67"/>
+          <ac:graphicFrameMkLst>
+            <pc:docMk/>
+            <pc:sldMk cId="2161849182" sldId="267"/>
+            <ac:graphicFrameMk id="9" creationId="{00000000-0000-0000-0000-000000000000}"/>
           </ac:graphicFrameMkLst>
         </pc:graphicFrameChg>
       </pc:sldChg>
@@ -321,40 +529,6 @@
 </file>
 
 <file path=ppt/comments/comment1.xml><?xml version="1.0" encoding="utf-8"?>
-<p:cmLst xmlns:a="http://schemas.openxmlformats.org/drawingml/2006/main" xmlns:r="http://schemas.openxmlformats.org/officeDocument/2006/relationships" xmlns:p="http://schemas.openxmlformats.org/presentationml/2006/main">
-  <p:cm authorId="1" dt="2021-08-04T14:42:10.630" idx="4">
-    <p:pos x="-3291" y="2170"/>
-    <p:text/>
-    <p:extLst>
-      <p:ext uri="{C676402C-5697-4E1C-873F-D02D1690AC5C}">
-        <p15:threadingInfo xmlns:p15="http://schemas.microsoft.com/office/powerpoint/2012/main" timeZoneBias="420"/>
-      </p:ext>
-    </p:extLst>
-  </p:cm>
-  <p:cm authorId="1" dt="2021-08-04T14:42:19.668" idx="5">
-    <p:pos x="4567" y="1502"/>
-    <p:text>Can we add a darker blue line under 'Enterprise Support?'</p:text>
-    <p:extLst>
-      <p:ext uri="{C676402C-5697-4E1C-873F-D02D1690AC5C}">
-        <p15:threadingInfo xmlns:p15="http://schemas.microsoft.com/office/powerpoint/2012/main" timeZoneBias="420"/>
-      </p:ext>
-    </p:extLst>
-  </p:cm>
-  <p:cm authorId="1" dt="2021-08-04T15:01:35.985" idx="8">
-    <p:pos x="4567" y="1598"/>
-    <p:text>Hi Ankita, I did my best to keep the formatting you already worked so hard on. I added a few comments on things I'll need your help with . Thank again so much!</p:text>
-    <p:extLst>
-      <p:ext uri="{C676402C-5697-4E1C-873F-D02D1690AC5C}">
-        <p15:threadingInfo xmlns:p15="http://schemas.microsoft.com/office/powerpoint/2012/main" timeZoneBias="420">
-          <p15:parentCm authorId="1" idx="5"/>
-        </p15:threadingInfo>
-      </p:ext>
-    </p:extLst>
-  </p:cm>
-</p:cmLst>
-</file>
-
-<file path=ppt/comments/comment2.xml><?xml version="1.0" encoding="utf-8"?>
 <p:cmLst xmlns:a="http://schemas.openxmlformats.org/drawingml/2006/main" xmlns:r="http://schemas.openxmlformats.org/officeDocument/2006/relationships" xmlns:p="http://schemas.openxmlformats.org/presentationml/2006/main">
   <p:cm authorId="1" dt="2021-08-04T14:53:07.049" idx="6">
     <p:pos x="10" y="10"/>
@@ -450,7 +624,7 @@
           <a:p>
             <a:fld id="{CCB2A597-803A-C244-97E2-A01066125D19}" type="datetimeFigureOut">
               <a:rPr lang="en-US" smtClean="0"/>
-              <a:t>10/1/2021</a:t>
+              <a:t>10/13/21</a:t>
             </a:fld>
             <a:endParaRPr lang="en-US"/>
           </a:p>
@@ -761,7 +935,7 @@
           <a:bodyPr/>
           <a:lstStyle/>
           <a:p>
-            <a:endParaRPr lang="en-US" dirty="0"/>
+            <a:endParaRPr lang="en-US"/>
           </a:p>
         </p:txBody>
       </p:sp>
@@ -1231,7 +1405,7 @@
           <a:p>
             <a:fld id="{1D8BD707-D9CF-40AE-B4C6-C98DA3205C09}" type="datetimeFigureOut">
               <a:rPr lang="en-US"/>
-              <a:t>10/1/2021</a:t>
+              <a:t>10/13/21</a:t>
             </a:fld>
             <a:endParaRPr lang="en-US"/>
           </a:p>
@@ -1471,7 +1645,7 @@
           <a:p>
             <a:fld id="{1D8BD707-D9CF-40AE-B4C6-C98DA3205C09}" type="datetimeFigureOut">
               <a:rPr lang="en-US"/>
-              <a:t>10/1/2021</a:t>
+              <a:t>10/13/21</a:t>
             </a:fld>
             <a:endParaRPr lang="en-US"/>
           </a:p>
@@ -1724,7 +1898,7 @@
           <a:p>
             <a:fld id="{1D8BD707-D9CF-40AE-B4C6-C98DA3205C09}" type="datetimeFigureOut">
               <a:rPr lang="en-US"/>
-              <a:t>10/1/2021</a:t>
+              <a:t>10/13/21</a:t>
             </a:fld>
             <a:endParaRPr lang="en-US"/>
           </a:p>
@@ -1911,7 +2085,7 @@
           <a:p>
             <a:fld id="{1D8BD707-D9CF-40AE-B4C6-C98DA3205C09}" type="datetimeFigureOut">
               <a:rPr lang="en-US"/>
-              <a:t>10/1/2021</a:t>
+              <a:t>10/13/21</a:t>
             </a:fld>
             <a:endParaRPr lang="en-US"/>
           </a:p>
@@ -2069,7 +2243,7 @@
           <a:p>
             <a:fld id="{1D8BD707-D9CF-40AE-B4C6-C98DA3205C09}" type="datetimeFigureOut">
               <a:rPr lang="en-US"/>
-              <a:t>10/1/2021</a:t>
+              <a:t>10/13/21</a:t>
             </a:fld>
             <a:endParaRPr lang="en-US"/>
           </a:p>
@@ -2327,7 +2501,7 @@
           <a:p>
             <a:fld id="{1D8BD707-D9CF-40AE-B4C6-C98DA3205C09}" type="datetimeFigureOut">
               <a:rPr lang="en-US"/>
-              <a:t>10/1/2021</a:t>
+              <a:t>10/13/21</a:t>
             </a:fld>
             <a:endParaRPr lang="en-US"/>
           </a:p>
@@ -2566,25 +2740,43 @@
           </a:prstGeom>
         </p:spPr>
         <p:txBody>
-          <a:bodyPr vert="horz" wrap="square" lIns="0" tIns="12700" rIns="0" bIns="0" rtlCol="0">
+          <a:bodyPr vert="horz" wrap="square" lIns="0" tIns="12700" rIns="0" bIns="0" rtlCol="0" anchor="t">
             <a:spAutoFit/>
           </a:bodyPr>
           <a:lstStyle/>
           <a:p>
             <a:pPr marL="12700">
-              <a:lnSpc>
-                <a:spcPct val="100000"/>
-              </a:lnSpc>
               <a:spcBef>
                 <a:spcPts val="100"/>
               </a:spcBef>
             </a:pPr>
             <a:r>
-              <a:rPr lang="de-DE" sz="2300">
-                <a:latin typeface="Adobe Clean" panose="020B0503020404020204" pitchFamily="34" charset="0"/>
-              </a:rPr>
-              <a:t>SUPPORT-ANGEBOT VON ADOBE</a:t>
-            </a:r>
+              <a:rPr sz="2300" dirty="0">
+                <a:latin typeface="Adobe Clean"/>
+              </a:rPr>
+              <a:t>ADOBE</a:t>
+            </a:r>
+            <a:r>
+              <a:rPr lang="en-US" sz="2300" dirty="0">
+                <a:latin typeface="Adobe Clean"/>
+              </a:rPr>
+              <a:t> </a:t>
+            </a:r>
+            <a:r>
+              <a:rPr sz="2300" dirty="0">
+                <a:latin typeface="Adobe Clean"/>
+              </a:rPr>
+              <a:t>SUPPORT</a:t>
+            </a:r>
+            <a:r>
+              <a:rPr lang="en-US" sz="2300" dirty="0">
+                <a:latin typeface="Adobe Clean"/>
+              </a:rPr>
+              <a:t> PLANS</a:t>
+            </a:r>
+            <a:endParaRPr sz="2300" dirty="0">
+              <a:latin typeface="Adobe Clean" panose="020B0503020404020204" pitchFamily="34" charset="0"/>
+            </a:endParaRPr>
           </a:p>
         </p:txBody>
       </p:sp>
@@ -2618,7 +2810,7 @@
               </a:spcBef>
             </a:pPr>
             <a:r>
-              <a:rPr lang="de-DE" sz="1400" b="1" u="sng">
+              <a:rPr sz="1400" b="1" u="sng" spc="15">
                 <a:solidFill>
                   <a:srgbClr val="020302"/>
                 </a:solidFill>
@@ -2630,8 +2822,477 @@
                 <a:latin typeface="Adobe Clean"/>
                 <a:cs typeface="Adobe Clean"/>
               </a:rPr>
-              <a:t>Service-Level-Ziele: Erste Reaktion</a:t>
-            </a:r>
+              <a:t>S</a:t>
+            </a:r>
+            <a:r>
+              <a:rPr sz="1400" b="1" u="sng" spc="5">
+                <a:solidFill>
+                  <a:srgbClr val="020302"/>
+                </a:solidFill>
+                <a:uFill>
+                  <a:solidFill>
+                    <a:srgbClr val="020302"/>
+                  </a:solidFill>
+                </a:uFill>
+                <a:latin typeface="Adobe Clean"/>
+                <a:cs typeface="Adobe Clean"/>
+              </a:rPr>
+              <a:t>er</a:t>
+            </a:r>
+            <a:r>
+              <a:rPr sz="1400" b="1" u="sng" spc="10">
+                <a:solidFill>
+                  <a:srgbClr val="020302"/>
+                </a:solidFill>
+                <a:uFill>
+                  <a:solidFill>
+                    <a:srgbClr val="020302"/>
+                  </a:solidFill>
+                </a:uFill>
+                <a:latin typeface="Adobe Clean"/>
+                <a:cs typeface="Adobe Clean"/>
+              </a:rPr>
+              <a:t>vi</a:t>
+            </a:r>
+            <a:r>
+              <a:rPr sz="1400" b="1" u="sng" spc="5">
+                <a:solidFill>
+                  <a:srgbClr val="020302"/>
+                </a:solidFill>
+                <a:uFill>
+                  <a:solidFill>
+                    <a:srgbClr val="020302"/>
+                  </a:solidFill>
+                </a:uFill>
+                <a:latin typeface="Adobe Clean"/>
+                <a:cs typeface="Adobe Clean"/>
+              </a:rPr>
+              <a:t>c</a:t>
+            </a:r>
+            <a:r>
+              <a:rPr sz="1400" b="1" u="sng">
+                <a:solidFill>
+                  <a:srgbClr val="020302"/>
+                </a:solidFill>
+                <a:uFill>
+                  <a:solidFill>
+                    <a:srgbClr val="020302"/>
+                  </a:solidFill>
+                </a:uFill>
+                <a:latin typeface="Adobe Clean"/>
+                <a:cs typeface="Adobe Clean"/>
+              </a:rPr>
+              <a:t>e</a:t>
+            </a:r>
+            <a:r>
+              <a:rPr sz="1400" b="1" u="sng" spc="20">
+                <a:solidFill>
+                  <a:srgbClr val="020302"/>
+                </a:solidFill>
+                <a:uFill>
+                  <a:solidFill>
+                    <a:srgbClr val="020302"/>
+                  </a:solidFill>
+                </a:uFill>
+                <a:latin typeface="Adobe Clean"/>
+                <a:cs typeface="Adobe Clean"/>
+              </a:rPr>
+              <a:t> </a:t>
+            </a:r>
+            <a:r>
+              <a:rPr sz="1400" b="1" u="sng" spc="-15">
+                <a:solidFill>
+                  <a:srgbClr val="020302"/>
+                </a:solidFill>
+                <a:uFill>
+                  <a:solidFill>
+                    <a:srgbClr val="020302"/>
+                  </a:solidFill>
+                </a:uFill>
+                <a:latin typeface="Adobe Clean"/>
+                <a:cs typeface="Adobe Clean"/>
+              </a:rPr>
+              <a:t>Le</a:t>
+            </a:r>
+            <a:r>
+              <a:rPr sz="1400" b="1" u="sng" spc="-10">
+                <a:solidFill>
+                  <a:srgbClr val="020302"/>
+                </a:solidFill>
+                <a:uFill>
+                  <a:solidFill>
+                    <a:srgbClr val="020302"/>
+                  </a:solidFill>
+                </a:uFill>
+                <a:latin typeface="Adobe Clean"/>
+                <a:cs typeface="Adobe Clean"/>
+              </a:rPr>
+              <a:t>v</a:t>
+            </a:r>
+            <a:r>
+              <a:rPr sz="1400" b="1" u="sng" spc="-15">
+                <a:solidFill>
+                  <a:srgbClr val="020302"/>
+                </a:solidFill>
+                <a:uFill>
+                  <a:solidFill>
+                    <a:srgbClr val="020302"/>
+                  </a:solidFill>
+                </a:uFill>
+                <a:latin typeface="Adobe Clean"/>
+                <a:cs typeface="Adobe Clean"/>
+              </a:rPr>
+              <a:t>e</a:t>
+            </a:r>
+            <a:r>
+              <a:rPr sz="1400" b="1" u="sng">
+                <a:solidFill>
+                  <a:srgbClr val="020302"/>
+                </a:solidFill>
+                <a:uFill>
+                  <a:solidFill>
+                    <a:srgbClr val="020302"/>
+                  </a:solidFill>
+                </a:uFill>
+                <a:latin typeface="Adobe Clean"/>
+                <a:cs typeface="Adobe Clean"/>
+              </a:rPr>
+              <a:t>l</a:t>
+            </a:r>
+            <a:r>
+              <a:rPr sz="1400" b="1" u="sng" spc="-15">
+                <a:solidFill>
+                  <a:srgbClr val="020302"/>
+                </a:solidFill>
+                <a:uFill>
+                  <a:solidFill>
+                    <a:srgbClr val="020302"/>
+                  </a:solidFill>
+                </a:uFill>
+                <a:latin typeface="Adobe Clean"/>
+                <a:cs typeface="Adobe Clean"/>
+              </a:rPr>
+              <a:t> </a:t>
+            </a:r>
+            <a:r>
+              <a:rPr sz="1400" b="1" u="sng" spc="-55">
+                <a:solidFill>
+                  <a:srgbClr val="020302"/>
+                </a:solidFill>
+                <a:uFill>
+                  <a:solidFill>
+                    <a:srgbClr val="020302"/>
+                  </a:solidFill>
+                </a:uFill>
+                <a:latin typeface="Adobe Clean"/>
+                <a:cs typeface="Adobe Clean"/>
+              </a:rPr>
+              <a:t>T</a:t>
+            </a:r>
+            <a:r>
+              <a:rPr sz="1400" b="1" u="sng" spc="-40">
+                <a:solidFill>
+                  <a:srgbClr val="020302"/>
+                </a:solidFill>
+                <a:uFill>
+                  <a:solidFill>
+                    <a:srgbClr val="020302"/>
+                  </a:solidFill>
+                </a:uFill>
+                <a:latin typeface="Adobe Clean"/>
+                <a:cs typeface="Adobe Clean"/>
+              </a:rPr>
+              <a:t>a</a:t>
+            </a:r>
+            <a:r>
+              <a:rPr sz="1400" b="1" u="sng" spc="-45">
+                <a:solidFill>
+                  <a:srgbClr val="020302"/>
+                </a:solidFill>
+                <a:uFill>
+                  <a:solidFill>
+                    <a:srgbClr val="020302"/>
+                  </a:solidFill>
+                </a:uFill>
+                <a:latin typeface="Adobe Clean"/>
+                <a:cs typeface="Adobe Clean"/>
+              </a:rPr>
+              <a:t>r</a:t>
+            </a:r>
+            <a:r>
+              <a:rPr sz="1400" b="1" u="sng" spc="-40">
+                <a:solidFill>
+                  <a:srgbClr val="020302"/>
+                </a:solidFill>
+                <a:uFill>
+                  <a:solidFill>
+                    <a:srgbClr val="020302"/>
+                  </a:solidFill>
+                </a:uFill>
+                <a:latin typeface="Adobe Clean"/>
+                <a:cs typeface="Adobe Clean"/>
+              </a:rPr>
+              <a:t>g</a:t>
+            </a:r>
+            <a:r>
+              <a:rPr sz="1400" b="1" u="sng" spc="-50">
+                <a:solidFill>
+                  <a:srgbClr val="020302"/>
+                </a:solidFill>
+                <a:uFill>
+                  <a:solidFill>
+                    <a:srgbClr val="020302"/>
+                  </a:solidFill>
+                </a:uFill>
+                <a:latin typeface="Adobe Clean"/>
+                <a:cs typeface="Adobe Clean"/>
+              </a:rPr>
+              <a:t>et</a:t>
+            </a:r>
+            <a:r>
+              <a:rPr sz="1400" b="1" u="sng" spc="-45">
+                <a:solidFill>
+                  <a:srgbClr val="020302"/>
+                </a:solidFill>
+                <a:uFill>
+                  <a:solidFill>
+                    <a:srgbClr val="020302"/>
+                  </a:solidFill>
+                </a:uFill>
+                <a:latin typeface="Adobe Clean"/>
+                <a:cs typeface="Adobe Clean"/>
+              </a:rPr>
+              <a:t>s</a:t>
+            </a:r>
+            <a:r>
+              <a:rPr sz="1400" b="1" u="sng">
+                <a:solidFill>
+                  <a:srgbClr val="020302"/>
+                </a:solidFill>
+                <a:uFill>
+                  <a:solidFill>
+                    <a:srgbClr val="020302"/>
+                  </a:solidFill>
+                </a:uFill>
+                <a:latin typeface="Adobe Clean"/>
+                <a:cs typeface="Adobe Clean"/>
+              </a:rPr>
+              <a:t>:</a:t>
+            </a:r>
+            <a:r>
+              <a:rPr sz="1400" b="1" u="sng" spc="-85">
+                <a:solidFill>
+                  <a:srgbClr val="020302"/>
+                </a:solidFill>
+                <a:uFill>
+                  <a:solidFill>
+                    <a:srgbClr val="020302"/>
+                  </a:solidFill>
+                </a:uFill>
+                <a:latin typeface="Adobe Clean"/>
+                <a:cs typeface="Adobe Clean"/>
+              </a:rPr>
+              <a:t> </a:t>
+            </a:r>
+            <a:r>
+              <a:rPr sz="1400" b="1" u="sng" spc="-15">
+                <a:solidFill>
+                  <a:srgbClr val="020302"/>
+                </a:solidFill>
+                <a:uFill>
+                  <a:solidFill>
+                    <a:srgbClr val="020302"/>
+                  </a:solidFill>
+                </a:uFill>
+                <a:latin typeface="Adobe Clean"/>
+                <a:cs typeface="Adobe Clean"/>
+              </a:rPr>
+              <a:t>I</a:t>
+            </a:r>
+            <a:r>
+              <a:rPr sz="1400" b="1" u="sng" spc="-10">
+                <a:solidFill>
+                  <a:srgbClr val="020302"/>
+                </a:solidFill>
+                <a:uFill>
+                  <a:solidFill>
+                    <a:srgbClr val="020302"/>
+                  </a:solidFill>
+                </a:uFill>
+                <a:latin typeface="Adobe Clean"/>
+                <a:cs typeface="Adobe Clean"/>
+              </a:rPr>
+              <a:t>ni</a:t>
+            </a:r>
+            <a:r>
+              <a:rPr sz="1400" b="1" u="sng" spc="-15">
+                <a:solidFill>
+                  <a:srgbClr val="020302"/>
+                </a:solidFill>
+                <a:uFill>
+                  <a:solidFill>
+                    <a:srgbClr val="020302"/>
+                  </a:solidFill>
+                </a:uFill>
+                <a:latin typeface="Adobe Clean"/>
+                <a:cs typeface="Adobe Clean"/>
+              </a:rPr>
+              <a:t>t</a:t>
+            </a:r>
+            <a:r>
+              <a:rPr sz="1400" b="1" u="sng" spc="-10">
+                <a:solidFill>
+                  <a:srgbClr val="020302"/>
+                </a:solidFill>
+                <a:uFill>
+                  <a:solidFill>
+                    <a:srgbClr val="020302"/>
+                  </a:solidFill>
+                </a:uFill>
+                <a:latin typeface="Adobe Clean"/>
+                <a:cs typeface="Adobe Clean"/>
+              </a:rPr>
+              <a:t>i</a:t>
+            </a:r>
+            <a:r>
+              <a:rPr sz="1400" b="1" u="sng" spc="-5">
+                <a:solidFill>
+                  <a:srgbClr val="020302"/>
+                </a:solidFill>
+                <a:uFill>
+                  <a:solidFill>
+                    <a:srgbClr val="020302"/>
+                  </a:solidFill>
+                </a:uFill>
+                <a:latin typeface="Adobe Clean"/>
+                <a:cs typeface="Adobe Clean"/>
+              </a:rPr>
+              <a:t>a</a:t>
+            </a:r>
+            <a:r>
+              <a:rPr sz="1400" b="1" u="sng">
+                <a:solidFill>
+                  <a:srgbClr val="020302"/>
+                </a:solidFill>
+                <a:uFill>
+                  <a:solidFill>
+                    <a:srgbClr val="020302"/>
+                  </a:solidFill>
+                </a:uFill>
+                <a:latin typeface="Adobe Clean"/>
+                <a:cs typeface="Adobe Clean"/>
+              </a:rPr>
+              <a:t>l</a:t>
+            </a:r>
+            <a:r>
+              <a:rPr sz="1400" b="1" u="sng" spc="-145">
+                <a:solidFill>
+                  <a:srgbClr val="020302"/>
+                </a:solidFill>
+                <a:uFill>
+                  <a:solidFill>
+                    <a:srgbClr val="020302"/>
+                  </a:solidFill>
+                </a:uFill>
+                <a:latin typeface="Adobe Clean"/>
+                <a:cs typeface="Adobe Clean"/>
+              </a:rPr>
+              <a:t> </a:t>
+            </a:r>
+            <a:r>
+              <a:rPr sz="1400" b="1" u="sng" spc="-15">
+                <a:solidFill>
+                  <a:srgbClr val="020302"/>
+                </a:solidFill>
+                <a:uFill>
+                  <a:solidFill>
+                    <a:srgbClr val="020302"/>
+                  </a:solidFill>
+                </a:uFill>
+                <a:latin typeface="Adobe Clean"/>
+                <a:cs typeface="Adobe Clean"/>
+              </a:rPr>
+              <a:t>R</a:t>
+            </a:r>
+            <a:r>
+              <a:rPr sz="1400" b="1" u="sng" spc="-20">
+                <a:solidFill>
+                  <a:srgbClr val="020302"/>
+                </a:solidFill>
+                <a:uFill>
+                  <a:solidFill>
+                    <a:srgbClr val="020302"/>
+                  </a:solidFill>
+                </a:uFill>
+                <a:latin typeface="Adobe Clean"/>
+                <a:cs typeface="Adobe Clean"/>
+              </a:rPr>
+              <a:t>e</a:t>
+            </a:r>
+            <a:r>
+              <a:rPr sz="1400" b="1" u="sng" spc="-15">
+                <a:solidFill>
+                  <a:srgbClr val="020302"/>
+                </a:solidFill>
+                <a:uFill>
+                  <a:solidFill>
+                    <a:srgbClr val="020302"/>
+                  </a:solidFill>
+                </a:uFill>
+                <a:latin typeface="Adobe Clean"/>
+                <a:cs typeface="Adobe Clean"/>
+              </a:rPr>
+              <a:t>s</a:t>
+            </a:r>
+            <a:r>
+              <a:rPr sz="1400" b="1" u="sng" spc="-20">
+                <a:solidFill>
+                  <a:srgbClr val="020302"/>
+                </a:solidFill>
+                <a:uFill>
+                  <a:solidFill>
+                    <a:srgbClr val="020302"/>
+                  </a:solidFill>
+                </a:uFill>
+                <a:latin typeface="Adobe Clean"/>
+                <a:cs typeface="Adobe Clean"/>
+              </a:rPr>
+              <a:t>p</a:t>
+            </a:r>
+            <a:r>
+              <a:rPr sz="1400" b="1" u="sng" spc="-15">
+                <a:solidFill>
+                  <a:srgbClr val="020302"/>
+                </a:solidFill>
+                <a:uFill>
+                  <a:solidFill>
+                    <a:srgbClr val="020302"/>
+                  </a:solidFill>
+                </a:uFill>
+                <a:latin typeface="Adobe Clean"/>
+                <a:cs typeface="Adobe Clean"/>
+              </a:rPr>
+              <a:t>ons</a:t>
+            </a:r>
+            <a:r>
+              <a:rPr sz="1400" b="1" u="sng">
+                <a:solidFill>
+                  <a:srgbClr val="020302"/>
+                </a:solidFill>
+                <a:uFill>
+                  <a:solidFill>
+                    <a:srgbClr val="020302"/>
+                  </a:solidFill>
+                </a:uFill>
+                <a:latin typeface="Adobe Clean"/>
+                <a:cs typeface="Adobe Clean"/>
+              </a:rPr>
+              <a:t>e</a:t>
+            </a:r>
+            <a:endParaRPr sz="1400" u="sng">
+              <a:latin typeface="Adobe Clean"/>
+              <a:cs typeface="Adobe Clean"/>
+            </a:endParaRPr>
           </a:p>
         </p:txBody>
       </p:sp>
@@ -2644,14 +3305,14 @@
           <p:nvPr>
             <p:extLst>
               <p:ext uri="{D42A27DB-BD31-4B8C-83A1-F6EECF244321}">
-                <p14:modId xmlns:p14="http://schemas.microsoft.com/office/powerpoint/2010/main" val="2574968595"/>
+                <p14:modId xmlns:p14="http://schemas.microsoft.com/office/powerpoint/2010/main" val="3450047932"/>
               </p:ext>
             </p:extLst>
           </p:nvPr>
         </p:nvGraphicFramePr>
         <p:xfrm>
           <a:off x="146919" y="7473158"/>
-          <a:ext cx="7477080" cy="2403645"/>
+          <a:ext cx="7477080" cy="2190409"/>
         </p:xfrm>
         <a:graphic>
           <a:graphicData uri="http://schemas.openxmlformats.org/drawingml/2006/table">
@@ -2697,15 +3358,19 @@
                         </a:spcBef>
                       </a:pPr>
                       <a:r>
-                        <a:rPr lang="de-DE" sz="900">
+                        <a:rPr sz="900" spc="-20" dirty="0">
                           <a:solidFill>
                             <a:srgbClr val="020302"/>
                           </a:solidFill>
                           <a:latin typeface="Adobe Clean"/>
                           <a:cs typeface="Adobe Clean"/>
                         </a:rPr>
-                        <a:t>Priorität</a:t>
+                        <a:t>Priority</a:t>
                       </a:r>
+                      <a:endParaRPr sz="900" dirty="0">
+                        <a:latin typeface="Adobe Clean"/>
+                        <a:cs typeface="Adobe Clean"/>
+                      </a:endParaRPr>
                     </a:p>
                   </a:txBody>
                   <a:tcPr marL="0" marR="0" marT="6985" marB="0" anchor="ctr">
@@ -2752,7 +3417,7 @@
                         </a:spcBef>
                       </a:pPr>
                       <a:r>
-                        <a:rPr lang="de-DE" sz="900">
+                        <a:rPr sz="900" spc="0" dirty="0">
                           <a:solidFill>
                             <a:srgbClr val="020302"/>
                           </a:solidFill>
@@ -2761,9 +3426,13 @@
                         </a:rPr>
                         <a:t>Online Support</a:t>
                       </a:r>
+                      <a:endParaRPr sz="900" spc="0" dirty="0">
+                        <a:latin typeface="Adobe Clean"/>
+                        <a:cs typeface="Adobe Clean"/>
+                      </a:endParaRPr>
                     </a:p>
                   </a:txBody>
-                  <a:tcPr marL="0" marR="0" marT="6985" marB="0" anchor="ctr">
+                  <a:tcPr marL="0" marR="0" marT="0" marB="0" anchor="ctr">
                     <a:lnL w="6350">
                       <a:solidFill>
                         <a:srgbClr val="B7B8B8"/>
@@ -2782,11 +3451,14 @@
                       </a:solidFill>
                       <a:prstDash val="solid"/>
                     </a:lnT>
-                    <a:lnB w="76200">
+                    <a:lnB w="76200" cap="flat" cmpd="sng" algn="ctr">
                       <a:solidFill>
                         <a:srgbClr val="B3B3B3"/>
                       </a:solidFill>
                       <a:prstDash val="solid"/>
+                      <a:round/>
+                      <a:headEnd type="none" w="med" len="med"/>
+                      <a:tailEnd type="none" w="med" len="med"/>
                     </a:lnB>
                     <a:solidFill>
                       <a:srgbClr val="D9D9D9"/>
@@ -2807,7 +3479,7 @@
                         </a:spcBef>
                       </a:pPr>
                       <a:r>
-                        <a:rPr lang="de-DE" sz="900">
+                        <a:rPr sz="900" spc="0" dirty="0">
                           <a:solidFill>
                             <a:srgbClr val="FFFFFF"/>
                           </a:solidFill>
@@ -2816,9 +3488,13 @@
                         </a:rPr>
                         <a:t>Enterprise Support</a:t>
                       </a:r>
+                      <a:endParaRPr sz="900" spc="0" dirty="0">
+                        <a:latin typeface="Adobe Clean"/>
+                        <a:cs typeface="Adobe Clean"/>
+                      </a:endParaRPr>
                     </a:p>
                   </a:txBody>
-                  <a:tcPr marL="0" marR="0" marT="10160" marB="0" anchor="ctr">
+                  <a:tcPr marL="0" marR="0" marT="0" marB="0" anchor="ctr">
                     <a:lnL w="6350">
                       <a:solidFill>
                         <a:srgbClr val="B7B8B8"/>
@@ -2875,18 +3551,112 @@
                         </a:spcBef>
                       </a:pPr>
                       <a:r>
-                        <a:rPr lang="de-DE" sz="900" b="1" dirty="0">
+                        <a:rPr sz="900" b="1" spc="-15" dirty="0">
                           <a:solidFill>
                             <a:srgbClr val="020302"/>
                           </a:solidFill>
                           <a:latin typeface="Adobe Clean"/>
                           <a:cs typeface="Adobe Clean"/>
                         </a:rPr>
-                        <a:t>PRIORITÄT 1</a:t>
+                        <a:t>P</a:t>
                       </a:r>
+                      <a:r>
+                        <a:rPr sz="900" b="1" spc="-20" dirty="0">
+                          <a:solidFill>
+                            <a:srgbClr val="020302"/>
+                          </a:solidFill>
+                          <a:latin typeface="Adobe Clean"/>
+                          <a:cs typeface="Adobe Clean"/>
+                        </a:rPr>
+                        <a:t>R</a:t>
+                      </a:r>
+                      <a:r>
+                        <a:rPr sz="900" b="1" spc="-25" dirty="0">
+                          <a:solidFill>
+                            <a:srgbClr val="020302"/>
+                          </a:solidFill>
+                          <a:latin typeface="Adobe Clean"/>
+                          <a:cs typeface="Adobe Clean"/>
+                        </a:rPr>
+                        <a:t>I</a:t>
+                      </a:r>
+                      <a:r>
+                        <a:rPr sz="900" b="1" spc="-15" dirty="0">
+                          <a:solidFill>
+                            <a:srgbClr val="020302"/>
+                          </a:solidFill>
+                          <a:latin typeface="Adobe Clean"/>
+                          <a:cs typeface="Adobe Clean"/>
+                        </a:rPr>
+                        <a:t>O</a:t>
+                      </a:r>
+                      <a:r>
+                        <a:rPr sz="900" b="1" spc="-20" dirty="0">
+                          <a:solidFill>
+                            <a:srgbClr val="020302"/>
+                          </a:solidFill>
+                          <a:latin typeface="Adobe Clean"/>
+                          <a:cs typeface="Adobe Clean"/>
+                        </a:rPr>
+                        <a:t>R</a:t>
+                      </a:r>
+                      <a:r>
+                        <a:rPr sz="900" b="1" spc="-25" dirty="0">
+                          <a:solidFill>
+                            <a:srgbClr val="020302"/>
+                          </a:solidFill>
+                          <a:latin typeface="Adobe Clean"/>
+                          <a:cs typeface="Adobe Clean"/>
+                        </a:rPr>
+                        <a:t>I</a:t>
+                      </a:r>
+                      <a:r>
+                        <a:rPr sz="900" b="1" spc="-15" dirty="0">
+                          <a:solidFill>
+                            <a:srgbClr val="020302"/>
+                          </a:solidFill>
+                          <a:latin typeface="Adobe Clean"/>
+                          <a:cs typeface="Adobe Clean"/>
+                        </a:rPr>
+                        <a:t>T</a:t>
+                      </a:r>
+                      <a:r>
+                        <a:rPr sz="900" b="1" dirty="0">
+                          <a:solidFill>
+                            <a:srgbClr val="020302"/>
+                          </a:solidFill>
+                          <a:latin typeface="Adobe Clean"/>
+                          <a:cs typeface="Adobe Clean"/>
+                        </a:rPr>
+                        <a:t>Y</a:t>
+                      </a:r>
+                      <a:r>
+                        <a:rPr sz="900" b="1" spc="-40" dirty="0">
+                          <a:solidFill>
+                            <a:srgbClr val="020302"/>
+                          </a:solidFill>
+                          <a:latin typeface="Adobe Clean"/>
+                          <a:cs typeface="Adobe Clean"/>
+                        </a:rPr>
+                        <a:t> </a:t>
+                      </a:r>
+                      <a:r>
+                        <a:rPr sz="900" b="1" dirty="0">
+                          <a:solidFill>
+                            <a:srgbClr val="020302"/>
+                          </a:solidFill>
+                          <a:latin typeface="Adobe Clean"/>
+                          <a:cs typeface="Adobe Clean"/>
+                        </a:rPr>
+                        <a:t>1</a:t>
+                      </a:r>
+                      <a:endParaRPr sz="900" dirty="0">
+                        <a:latin typeface="Adobe Clean"/>
+                        <a:cs typeface="Adobe Clean"/>
+                      </a:endParaRPr>
                     </a:p>
                     <a:p>
-                      <a:pPr marL="50800" marR="387985" lvl="0" indent="0" defTabSz="914400" eaLnBrk="1" fontAlgn="auto" latinLnBrk="0" hangingPunct="1">
+                      <a:pPr marL="50800" marR="387985" lvl="0" indent="0" eaLnBrk="1" fontAlgn="auto" latinLnBrk="0" hangingPunct="1">
                         <a:lnSpc>
                           <a:spcPts val="1000"/>
                         </a:lnSpc>
@@ -2900,52 +3670,33 @@
                         <a:buSzTx/>
                         <a:buFontTx/>
                         <a:buNone/>
-                        <a:tabLst/>
-                        <a:defRPr/>
                       </a:pPr>
                       <a:r>
-                        <a:rPr lang="de-DE" sz="900" b="0" i="0" dirty="0">
+                        <a:rPr lang="en-US" sz="900" b="0" i="0" spc="-130" dirty="0">
                           <a:solidFill>
                             <a:srgbClr val="020302"/>
                           </a:solidFill>
-                          <a:latin typeface="Adobe Clean Light" panose="020B0303020404020204" pitchFamily="34" charset="0"/>
-                          <a:ea typeface="+mn-ea"/>
-                          <a:cs typeface="Adobe Clean"/>
+                          <a:latin typeface="Adobe Clean Light"/>
+                          <a:cs typeface="+mn-cs"/>
                         </a:rPr>
-                        <a:t> </a:t>
+                        <a:t> </a:t>
                       </a:r>
                       <a:r>
-                        <a:rPr lang="de-DE" sz="900" b="0" i="0" u="none" strike="noStrike" dirty="0">
+                        <a:rPr lang="en-US" sz="900" b="0" i="0" u="none" strike="noStrike" dirty="0">
                           <a:solidFill>
                             <a:schemeClr val="tx1"/>
                           </a:solidFill>
-                          <a:latin typeface="Adobe Clean Light" panose="020B0303020404020204" pitchFamily="34" charset="0"/>
+                          <a:effectLst/>
+                          <a:latin typeface="Adobe Clean Light"/>
                           <a:ea typeface="+mn-ea"/>
                           <a:cs typeface="+mn-cs"/>
                         </a:rPr>
-                        <a:t>Die Produktionsfunktionen im Unternehmen des Kunden sind ausgefallen oder weisen </a:t>
+                        <a:t>Customer's production business functions are down or has significant data loss or degradation of services and immediate attention is required to restore functionality and usability</a:t>
                       </a:r>
-                      <a:br>
-                        <a:rPr lang="sk-SK" sz="900" b="0" i="0" u="none" strike="noStrike" dirty="0">
-                          <a:solidFill>
-                            <a:schemeClr val="tx1"/>
-                          </a:solidFill>
-                          <a:latin typeface="Adobe Clean Light" panose="020B0303020404020204" pitchFamily="34" charset="0"/>
-                          <a:ea typeface="+mn-ea"/>
-                          <a:cs typeface="+mn-cs"/>
-                        </a:rPr>
-                      </a:br>
-                      <a:r>
-                        <a:rPr lang="de-DE" sz="900" b="0" i="0" u="none" strike="noStrike" dirty="0">
-                          <a:solidFill>
-                            <a:schemeClr val="tx1"/>
-                          </a:solidFill>
-                          <a:latin typeface="Adobe Clean Light" panose="020B0303020404020204" pitchFamily="34" charset="0"/>
-                          <a:ea typeface="+mn-ea"/>
-                          <a:cs typeface="+mn-cs"/>
-                        </a:rPr>
-                        <a:t>einen erheblichen Datenverlust oder eine Beeinträchtigung des Service auf und ein sofortiges Eingreifen ist nötig, um Funktionalität und Nutzbarkeit wiederherzustellen</a:t>
-                      </a:r>
+                      <a:endParaRPr lang="en-US" sz="900" b="0" i="0" dirty="0">
+                        <a:latin typeface="Adobe Clean Light"/>
+                        <a:cs typeface="AdobeClean-Light"/>
+                      </a:endParaRPr>
                     </a:p>
                   </a:txBody>
                   <a:tcPr marL="0" marR="0" marT="0" marB="0" anchor="ctr">
@@ -2955,11 +3706,14 @@
                       </a:solidFill>
                       <a:prstDash val="solid"/>
                     </a:lnL>
-                    <a:lnR w="6350">
+                    <a:lnR w="6350" cap="flat" cmpd="sng" algn="ctr">
                       <a:solidFill>
                         <a:srgbClr val="B7B8B8"/>
                       </a:solidFill>
                       <a:prstDash val="solid"/>
+                      <a:round/>
+                      <a:headEnd type="none" w="med" len="med"/>
+                      <a:tailEnd type="none" w="med" len="med"/>
                     </a:lnR>
                     <a:lnT w="6350">
                       <a:solidFill>
@@ -2980,35 +3734,34 @@
                     <a:bodyPr/>
                     <a:lstStyle/>
                     <a:p>
-                      <a:pPr marL="542925" marR="492125" indent="-142875" algn="l">
-                        <a:lnSpc>
-                          <a:spcPct val="102200"/>
-                        </a:lnSpc>
-                      </a:pPr>
+                      <a:pPr algn="ctr" fontAlgn="ctr"/>
                       <a:r>
-                        <a:rPr lang="de-DE" sz="900" dirty="0">
+                        <a:rPr lang="en-US" sz="900" b="0" i="0" u="none" strike="noStrike" dirty="0">
                           <a:solidFill>
                             <a:srgbClr val="020302"/>
                           </a:solidFill>
-                          <a:latin typeface="AdobeClean-Light"/>
-                          <a:cs typeface="AdobeClean-Light"/>
+                          <a:effectLst/>
+                          <a:latin typeface="AdobeClean-Light" panose="020B0503020404020204" pitchFamily="34" charset="0"/>
                         </a:rPr>
-                        <a:t>24x7/1 Stunde</a:t>
+                        <a:t>24x7 /  1 hour</a:t>
                       </a:r>
                     </a:p>
                   </a:txBody>
-                  <a:tcPr marL="0" marR="0" marT="0" marB="0" anchor="ctr">
+                  <a:tcPr marL="9525" marR="9525" marT="9525" marB="0" anchor="ctr">
                     <a:lnL w="6350">
                       <a:solidFill>
                         <a:srgbClr val="B7B8B8"/>
                       </a:solidFill>
                       <a:prstDash val="solid"/>
                     </a:lnL>
-                    <a:lnR w="6350">
+                    <a:lnR w="6350" cap="flat" cmpd="sng" algn="ctr">
                       <a:solidFill>
                         <a:srgbClr val="B7B8B8"/>
                       </a:solidFill>
                       <a:prstDash val="solid"/>
+                      <a:round/>
+                      <a:headEnd type="none" w="med" len="med"/>
+                      <a:tailEnd type="none" w="med" len="med"/>
                     </a:lnR>
                     <a:lnT w="76200">
                       <a:solidFill>
@@ -3029,51 +3782,28 @@
                     <a:bodyPr/>
                     <a:lstStyle/>
                     <a:p>
-                      <a:pPr marL="285750" marR="476250" indent="114300" algn="ctr" defTabSz="1085850">
-                        <a:lnSpc>
-                          <a:spcPct val="100000"/>
-                        </a:lnSpc>
-                        <a:spcBef>
-                          <a:spcPts val="700"/>
-                        </a:spcBef>
-                      </a:pPr>
+                      <a:pPr algn="ctr" fontAlgn="ctr"/>
                       <a:r>
-                        <a:rPr lang="de-DE" sz="900" dirty="0">
+                        <a:rPr lang="en-US" sz="900" b="0" i="0" u="none" strike="noStrike">
                           <a:solidFill>
                             <a:srgbClr val="020302"/>
                           </a:solidFill>
-                          <a:latin typeface="AdobeClean-Light"/>
-                          <a:cs typeface="AdobeClean-Light"/>
+                          <a:effectLst/>
+                          <a:latin typeface="AdobeClean-Light" panose="020B0503020404020204" pitchFamily="34" charset="0"/>
                         </a:rPr>
-                        <a:t>24x7/</a:t>
-                      </a:r>
-                      <a:br>
-                        <a:rPr lang="sk-SK" sz="900" dirty="0">
-                          <a:solidFill>
-                            <a:srgbClr val="020302"/>
-                          </a:solidFill>
-                          <a:latin typeface="AdobeClean-Light"/>
-                          <a:cs typeface="AdobeClean-Light"/>
-                        </a:rPr>
-                      </a:br>
-                      <a:r>
-                        <a:rPr lang="de-DE" sz="900" dirty="0">
-                          <a:solidFill>
-                            <a:srgbClr val="020302"/>
-                          </a:solidFill>
-                          <a:latin typeface="AdobeClean-Light"/>
-                          <a:cs typeface="AdobeClean-Light"/>
-                        </a:rPr>
-                        <a:t>30 Minuten</a:t>
+                        <a:t>24x7 / 30 minutes</a:t>
                       </a:r>
                     </a:p>
                   </a:txBody>
-                  <a:tcPr marL="0" marR="0" marT="0" marB="0" anchor="ctr">
-                    <a:lnL w="6350">
+                  <a:tcPr marL="9525" marR="9525" marT="9525" marB="0" anchor="ctr">
+                    <a:lnL w="6350" cap="flat" cmpd="sng" algn="ctr">
                       <a:solidFill>
                         <a:srgbClr val="B7B8B8"/>
                       </a:solidFill>
                       <a:prstDash val="solid"/>
+                      <a:round/>
+                      <a:headEnd type="none" w="med" len="med"/>
+                      <a:tailEnd type="none" w="med" len="med"/>
                     </a:lnL>
                     <a:lnR w="6350" cap="flat" cmpd="sng" algn="ctr">
                       <a:solidFill>
@@ -3112,7 +3842,7 @@
                   </a:ext>
                 </a:extLst>
               </a:tr>
-              <a:tr h="484755">
+              <a:tr h="0">
                 <a:tc>
                   <a:txBody>
                     <a:bodyPr/>
@@ -3127,15 +3857,109 @@
                         </a:spcBef>
                       </a:pPr>
                       <a:r>
-                        <a:rPr lang="de-DE" sz="900" b="1" dirty="0">
+                        <a:rPr sz="900" b="1" spc="-15" dirty="0">
                           <a:solidFill>
                             <a:srgbClr val="020302"/>
                           </a:solidFill>
                           <a:latin typeface="Adobe Clean"/>
                           <a:cs typeface="Adobe Clean"/>
                         </a:rPr>
-                        <a:t>PRIORITÄT 2</a:t>
+                        <a:t>P</a:t>
                       </a:r>
+                      <a:r>
+                        <a:rPr sz="900" b="1" spc="-20" dirty="0">
+                          <a:solidFill>
+                            <a:srgbClr val="020302"/>
+                          </a:solidFill>
+                          <a:latin typeface="Adobe Clean"/>
+                          <a:cs typeface="Adobe Clean"/>
+                        </a:rPr>
+                        <a:t>R</a:t>
+                      </a:r>
+                      <a:r>
+                        <a:rPr sz="900" b="1" spc="-25" dirty="0">
+                          <a:solidFill>
+                            <a:srgbClr val="020302"/>
+                          </a:solidFill>
+                          <a:latin typeface="Adobe Clean"/>
+                          <a:cs typeface="Adobe Clean"/>
+                        </a:rPr>
+                        <a:t>I</a:t>
+                      </a:r>
+                      <a:r>
+                        <a:rPr sz="900" b="1" spc="-15" dirty="0">
+                          <a:solidFill>
+                            <a:srgbClr val="020302"/>
+                          </a:solidFill>
+                          <a:latin typeface="Adobe Clean"/>
+                          <a:cs typeface="Adobe Clean"/>
+                        </a:rPr>
+                        <a:t>O</a:t>
+                      </a:r>
+                      <a:r>
+                        <a:rPr sz="900" b="1" spc="-20" dirty="0">
+                          <a:solidFill>
+                            <a:srgbClr val="020302"/>
+                          </a:solidFill>
+                          <a:latin typeface="Adobe Clean"/>
+                          <a:cs typeface="Adobe Clean"/>
+                        </a:rPr>
+                        <a:t>R</a:t>
+                      </a:r>
+                      <a:r>
+                        <a:rPr sz="900" b="1" spc="-25" dirty="0">
+                          <a:solidFill>
+                            <a:srgbClr val="020302"/>
+                          </a:solidFill>
+                          <a:latin typeface="Adobe Clean"/>
+                          <a:cs typeface="Adobe Clean"/>
+                        </a:rPr>
+                        <a:t>I</a:t>
+                      </a:r>
+                      <a:r>
+                        <a:rPr sz="900" b="1" spc="-15" dirty="0">
+                          <a:solidFill>
+                            <a:srgbClr val="020302"/>
+                          </a:solidFill>
+                          <a:latin typeface="Adobe Clean"/>
+                          <a:cs typeface="Adobe Clean"/>
+                        </a:rPr>
+                        <a:t>T</a:t>
+                      </a:r>
+                      <a:r>
+                        <a:rPr sz="900" b="1" dirty="0">
+                          <a:solidFill>
+                            <a:srgbClr val="020302"/>
+                          </a:solidFill>
+                          <a:latin typeface="Adobe Clean"/>
+                          <a:cs typeface="Adobe Clean"/>
+                        </a:rPr>
+                        <a:t>Y</a:t>
+                      </a:r>
+                      <a:r>
+                        <a:rPr sz="900" b="1" spc="-40" dirty="0">
+                          <a:solidFill>
+                            <a:srgbClr val="020302"/>
+                          </a:solidFill>
+                          <a:latin typeface="Adobe Clean"/>
+                          <a:cs typeface="Adobe Clean"/>
+                        </a:rPr>
+                        <a:t> </a:t>
+                      </a:r>
+                      <a:r>
+                        <a:rPr sz="900" b="1" dirty="0">
+                          <a:solidFill>
+                            <a:srgbClr val="020302"/>
+                          </a:solidFill>
+                          <a:latin typeface="Adobe Clean"/>
+                          <a:cs typeface="Adobe Clean"/>
+                        </a:rPr>
+                        <a:t>2</a:t>
+                      </a:r>
+                      <a:endParaRPr sz="900" dirty="0">
+                        <a:latin typeface="Adobe Clean"/>
+                        <a:cs typeface="Adobe Clean"/>
+                      </a:endParaRPr>
                     </a:p>
                     <a:p>
                       <a:pPr marL="50165" marR="203200">
@@ -3147,37 +3971,21 @@
                         </a:spcBef>
                       </a:pPr>
                       <a:r>
-                        <a:rPr lang="de-DE" sz="900" b="0" i="0" u="none" strike="noStrike" dirty="0">
+                        <a:rPr lang="en-US" sz="900" b="0" i="0" u="none" strike="noStrike" dirty="0">
                           <a:solidFill>
                             <a:schemeClr val="tx1"/>
                           </a:solidFill>
-                          <a:latin typeface="Adobe Clean Light" panose="020B0303020404020204" pitchFamily="34" charset="0"/>
+                          <a:effectLst/>
+                          <a:latin typeface="Adobe Clean Light"/>
                           <a:ea typeface="+mn-ea"/>
                           <a:cs typeface="+mn-cs"/>
                         </a:rPr>
-                        <a:t>Die Unternehmensfunktionen des Kunden weisen eine erhebliche Beeinträchtigung des Service, möglichen Datenverlust oder Nichtverfügbarkeit von Services auf oder eine zentrale Funktion </a:t>
+                        <a:t>Customer's business functions has major degradation of services, or potential of data loss or unavailability of services, or a major feature is impacted</a:t>
                       </a:r>
-                      <a:br>
-                        <a:rPr lang="sk-SK" sz="900" b="0" i="0" u="none" strike="noStrike" dirty="0">
-                          <a:solidFill>
-                            <a:schemeClr val="tx1"/>
-                          </a:solidFill>
-                          <a:latin typeface="Adobe Clean Light" panose="020B0303020404020204" pitchFamily="34" charset="0"/>
-                          <a:ea typeface="+mn-ea"/>
-                          <a:cs typeface="+mn-cs"/>
-                        </a:rPr>
-                      </a:br>
-                      <a:r>
-                        <a:rPr lang="de-DE" sz="900" b="0" i="0" u="none" strike="noStrike" dirty="0">
-                          <a:solidFill>
-                            <a:schemeClr val="tx1"/>
-                          </a:solidFill>
-                          <a:latin typeface="Adobe Clean Light" panose="020B0303020404020204" pitchFamily="34" charset="0"/>
-                          <a:ea typeface="+mn-ea"/>
-                          <a:cs typeface="+mn-cs"/>
-                        </a:rPr>
-                        <a:t>ist betroffen</a:t>
-                      </a:r>
+                      <a:endParaRPr lang="en-US" sz="900" b="0" i="0" dirty="0">
+                        <a:latin typeface="Adobe Clean Light"/>
+                        <a:cs typeface="AdobeClean-Light"/>
+                      </a:endParaRPr>
                     </a:p>
                   </a:txBody>
                   <a:tcPr marL="0" marR="0" marT="0" marB="0" anchor="ctr">
@@ -3187,11 +3995,14 @@
                       </a:solidFill>
                       <a:prstDash val="solid"/>
                     </a:lnL>
-                    <a:lnR w="6350">
+                    <a:lnR w="6350" cap="flat" cmpd="sng" algn="ctr">
                       <a:solidFill>
                         <a:srgbClr val="B7B8B8"/>
                       </a:solidFill>
                       <a:prstDash val="solid"/>
+                      <a:round/>
+                      <a:headEnd type="none" w="med" len="med"/>
+                      <a:tailEnd type="none" w="med" len="med"/>
                     </a:lnR>
                     <a:lnT w="6350">
                       <a:solidFill>
@@ -3212,54 +4023,34 @@
                     <a:bodyPr/>
                     <a:lstStyle/>
                     <a:p>
-                      <a:pPr marL="473709" marR="343535" indent="-175895">
-                        <a:lnSpc>
-                          <a:spcPct val="102200"/>
-                        </a:lnSpc>
-                      </a:pPr>
+                      <a:pPr algn="ctr" fontAlgn="ctr"/>
                       <a:r>
-                        <a:rPr lang="de-DE" sz="900" dirty="0">
+                        <a:rPr lang="en-US" sz="900" b="0" i="0" u="none" strike="noStrike" dirty="0">
                           <a:solidFill>
                             <a:srgbClr val="020302"/>
                           </a:solidFill>
-                          <a:latin typeface="AdobeClean-Light"/>
-                          <a:cs typeface="AdobeClean-Light"/>
+                          <a:effectLst/>
+                          <a:latin typeface="AdobeClean-Light" panose="020B0503020404020204" pitchFamily="34" charset="0"/>
                         </a:rPr>
-                        <a:t>Geschäftszeiten/</a:t>
-                      </a:r>
-                      <a:br>
-                        <a:rPr lang="sk-SK" sz="900" dirty="0">
-                          <a:solidFill>
-                            <a:srgbClr val="020302"/>
-                          </a:solidFill>
-                          <a:latin typeface="AdobeClean-Light"/>
-                          <a:cs typeface="AdobeClean-Light"/>
-                        </a:rPr>
-                      </a:br>
-                      <a:r>
-                        <a:rPr lang="de-DE" sz="900" dirty="0">
-                          <a:solidFill>
-                            <a:srgbClr val="020302"/>
-                          </a:solidFill>
-                          <a:latin typeface="AdobeClean-Light"/>
-                          <a:cs typeface="AdobeClean-Light"/>
-                        </a:rPr>
-                        <a:t>4 Stunden</a:t>
+                        <a:t>Business hours / 4 hours</a:t>
                       </a:r>
                     </a:p>
                   </a:txBody>
-                  <a:tcPr marL="0" marR="0" marT="0" marB="0" anchor="ctr">
+                  <a:tcPr marL="9525" marR="9525" marT="9525" marB="0" anchor="ctr">
                     <a:lnL w="6350">
                       <a:solidFill>
                         <a:srgbClr val="B7B8B8"/>
                       </a:solidFill>
                       <a:prstDash val="solid"/>
                     </a:lnL>
-                    <a:lnR w="6350">
+                    <a:lnR w="6350" cap="flat" cmpd="sng" algn="ctr">
                       <a:solidFill>
                         <a:srgbClr val="B7B8B8"/>
                       </a:solidFill>
                       <a:prstDash val="solid"/>
+                      <a:round/>
+                      <a:headEnd type="none" w="med" len="med"/>
+                      <a:tailEnd type="none" w="med" len="med"/>
                     </a:lnR>
                     <a:lnT w="6350">
                       <a:solidFill>
@@ -3280,51 +4071,28 @@
                     <a:bodyPr/>
                     <a:lstStyle/>
                     <a:p>
-                      <a:pPr marL="400050" marR="492125" indent="0" algn="ctr">
-                        <a:lnSpc>
-                          <a:spcPct val="102200"/>
-                        </a:lnSpc>
-                      </a:pPr>
+                      <a:pPr algn="ctr" fontAlgn="ctr"/>
                       <a:r>
-                        <a:rPr lang="de-DE" sz="900" dirty="0">
+                        <a:rPr lang="en-US" sz="900" b="0" i="0" u="none" strike="noStrike">
                           <a:solidFill>
                             <a:srgbClr val="020302"/>
                           </a:solidFill>
-                          <a:latin typeface="AdobeClean-Light"/>
-                          <a:ea typeface="+mn-ea"/>
-                          <a:cs typeface="AdobeClean-Light"/>
+                          <a:effectLst/>
+                          <a:latin typeface="AdobeClean-Light" panose="020B0503020404020204" pitchFamily="34" charset="0"/>
                         </a:rPr>
-                        <a:t>24x5/</a:t>
-                      </a:r>
-                      <a:br>
-                        <a:rPr lang="sk-SK" sz="900" dirty="0">
-                          <a:solidFill>
-                            <a:srgbClr val="020302"/>
-                          </a:solidFill>
-                          <a:latin typeface="AdobeClean-Light"/>
-                          <a:ea typeface="+mn-ea"/>
-                          <a:cs typeface="AdobeClean-Light"/>
-                        </a:rPr>
-                      </a:br>
-                      <a:r>
-                        <a:rPr lang="de-DE" sz="900" dirty="0">
-                          <a:solidFill>
-                            <a:srgbClr val="020302"/>
-                          </a:solidFill>
-                          <a:latin typeface="AdobeClean-Light"/>
-                          <a:ea typeface="+mn-ea"/>
-                          <a:cs typeface="AdobeClean-Light"/>
-                        </a:rPr>
-                        <a:t>1 Stunde</a:t>
+                        <a:t>24x5 / 1 hour</a:t>
                       </a:r>
                     </a:p>
                   </a:txBody>
-                  <a:tcPr marL="0" marR="0" marT="0" marB="0" anchor="ctr">
-                    <a:lnL w="6350">
+                  <a:tcPr marL="9525" marR="9525" marT="9525" marB="0" anchor="ctr">
+                    <a:lnL w="6350" cap="flat" cmpd="sng" algn="ctr">
                       <a:solidFill>
                         <a:srgbClr val="B7B8B8"/>
                       </a:solidFill>
                       <a:prstDash val="solid"/>
+                      <a:round/>
+                      <a:headEnd type="none" w="med" len="med"/>
+                      <a:tailEnd type="none" w="med" len="med"/>
                     </a:lnL>
                     <a:lnR w="6350" cap="flat" cmpd="sng" algn="ctr">
                       <a:solidFill>
@@ -3375,15 +4143,109 @@
                         </a:spcBef>
                       </a:pPr>
                       <a:r>
-                        <a:rPr lang="de-DE" sz="900" b="1" dirty="0">
+                        <a:rPr sz="900" b="1" spc="-15" dirty="0">
                           <a:solidFill>
                             <a:srgbClr val="020302"/>
                           </a:solidFill>
                           <a:latin typeface="Adobe Clean"/>
                           <a:cs typeface="Adobe Clean"/>
                         </a:rPr>
-                        <a:t>PRIORITÄT 3</a:t>
+                        <a:t>P</a:t>
                       </a:r>
+                      <a:r>
+                        <a:rPr sz="900" b="1" spc="-20" dirty="0">
+                          <a:solidFill>
+                            <a:srgbClr val="020302"/>
+                          </a:solidFill>
+                          <a:latin typeface="Adobe Clean"/>
+                          <a:cs typeface="Adobe Clean"/>
+                        </a:rPr>
+                        <a:t>R</a:t>
+                      </a:r>
+                      <a:r>
+                        <a:rPr sz="900" b="1" spc="-25" dirty="0">
+                          <a:solidFill>
+                            <a:srgbClr val="020302"/>
+                          </a:solidFill>
+                          <a:latin typeface="Adobe Clean"/>
+                          <a:cs typeface="Adobe Clean"/>
+                        </a:rPr>
+                        <a:t>I</a:t>
+                      </a:r>
+                      <a:r>
+                        <a:rPr sz="900" b="1" spc="-15" dirty="0">
+                          <a:solidFill>
+                            <a:srgbClr val="020302"/>
+                          </a:solidFill>
+                          <a:latin typeface="Adobe Clean"/>
+                          <a:cs typeface="Adobe Clean"/>
+                        </a:rPr>
+                        <a:t>O</a:t>
+                      </a:r>
+                      <a:r>
+                        <a:rPr sz="900" b="1" spc="-20" dirty="0">
+                          <a:solidFill>
+                            <a:srgbClr val="020302"/>
+                          </a:solidFill>
+                          <a:latin typeface="Adobe Clean"/>
+                          <a:cs typeface="Adobe Clean"/>
+                        </a:rPr>
+                        <a:t>R</a:t>
+                      </a:r>
+                      <a:r>
+                        <a:rPr sz="900" b="1" spc="-25" dirty="0">
+                          <a:solidFill>
+                            <a:srgbClr val="020302"/>
+                          </a:solidFill>
+                          <a:latin typeface="Adobe Clean"/>
+                          <a:cs typeface="Adobe Clean"/>
+                        </a:rPr>
+                        <a:t>I</a:t>
+                      </a:r>
+                      <a:r>
+                        <a:rPr sz="900" b="1" spc="-15" dirty="0">
+                          <a:solidFill>
+                            <a:srgbClr val="020302"/>
+                          </a:solidFill>
+                          <a:latin typeface="Adobe Clean"/>
+                          <a:cs typeface="Adobe Clean"/>
+                        </a:rPr>
+                        <a:t>T</a:t>
+                      </a:r>
+                      <a:r>
+                        <a:rPr sz="900" b="1" dirty="0">
+                          <a:solidFill>
+                            <a:srgbClr val="020302"/>
+                          </a:solidFill>
+                          <a:latin typeface="Adobe Clean"/>
+                          <a:cs typeface="Adobe Clean"/>
+                        </a:rPr>
+                        <a:t>Y</a:t>
+                      </a:r>
+                      <a:r>
+                        <a:rPr sz="900" b="1" spc="-40" dirty="0">
+                          <a:solidFill>
+                            <a:srgbClr val="020302"/>
+                          </a:solidFill>
+                          <a:latin typeface="Adobe Clean"/>
+                          <a:cs typeface="Adobe Clean"/>
+                        </a:rPr>
+                        <a:t> </a:t>
+                      </a:r>
+                      <a:r>
+                        <a:rPr sz="900" b="1" dirty="0">
+                          <a:solidFill>
+                            <a:srgbClr val="020302"/>
+                          </a:solidFill>
+                          <a:latin typeface="Adobe Clean"/>
+                          <a:cs typeface="Adobe Clean"/>
+                        </a:rPr>
+                        <a:t>3</a:t>
+                      </a:r>
+                      <a:endParaRPr sz="900" dirty="0">
+                        <a:latin typeface="Adobe Clean"/>
+                        <a:cs typeface="Adobe Clean"/>
+                      </a:endParaRPr>
                     </a:p>
                     <a:p>
                       <a:pPr marL="49530" marR="212090" indent="-2540">
@@ -3395,37 +4257,21 @@
                         </a:spcBef>
                       </a:pPr>
                       <a:r>
-                        <a:rPr lang="de-DE" sz="900" b="0" i="0" u="none" strike="noStrike" dirty="0">
+                        <a:rPr lang="en-US" sz="900" b="0" i="0" u="none" strike="noStrike" dirty="0">
                           <a:solidFill>
                             <a:schemeClr val="tx1"/>
                           </a:solidFill>
-                          <a:latin typeface="Adobe Clean Light" panose="020B0303020404020204" pitchFamily="34" charset="0"/>
+                          <a:effectLst/>
+                          <a:latin typeface="Adobe Clean Light"/>
                           <a:ea typeface="+mn-ea"/>
                           <a:cs typeface="+mn-cs"/>
                         </a:rPr>
-                        <a:t>Die Unternehmensfunktionen des Kunden weisen eine geringfügige oder gar keine Beeinträchtigung der Services auf, es gibt jedoch eine Lösung/Problemumgehung, </a:t>
+                        <a:t>Customer's business functions has minor to no degradation of services with a solution/workaround allowing business functions to continue </a:t>
                       </a:r>
-                      <a:br>
-                        <a:rPr lang="sk-SK" sz="900" b="0" i="0" u="none" strike="noStrike" dirty="0">
-                          <a:solidFill>
-                            <a:schemeClr val="tx1"/>
-                          </a:solidFill>
-                          <a:latin typeface="Adobe Clean Light" panose="020B0303020404020204" pitchFamily="34" charset="0"/>
-                          <a:ea typeface="+mn-ea"/>
-                          <a:cs typeface="+mn-cs"/>
-                        </a:rPr>
-                      </a:br>
-                      <a:r>
-                        <a:rPr lang="de-DE" sz="900" b="0" i="0" u="none" strike="noStrike" dirty="0">
-                          <a:solidFill>
-                            <a:schemeClr val="tx1"/>
-                          </a:solidFill>
-                          <a:latin typeface="Adobe Clean Light" panose="020B0303020404020204" pitchFamily="34" charset="0"/>
-                          <a:ea typeface="+mn-ea"/>
-                          <a:cs typeface="+mn-cs"/>
-                        </a:rPr>
-                        <a:t>mit der die Unternehmensfunktionen weiterhin genutzt werden können.  </a:t>
-                      </a:r>
+                      <a:endParaRPr lang="en-US" sz="900" b="0" i="0" dirty="0">
+                        <a:latin typeface="Adobe Clean Light"/>
+                        <a:cs typeface="AdobeClean-Light"/>
+                      </a:endParaRPr>
                     </a:p>
                   </a:txBody>
                   <a:tcPr marL="0" marR="0" marT="0" marB="0" anchor="ctr">
@@ -3435,11 +4281,14 @@
                       </a:solidFill>
                       <a:prstDash val="solid"/>
                     </a:lnL>
-                    <a:lnR w="6350">
+                    <a:lnR w="6350" cap="flat" cmpd="sng" algn="ctr">
                       <a:solidFill>
                         <a:srgbClr val="B7B8B8"/>
                       </a:solidFill>
                       <a:prstDash val="solid"/>
+                      <a:round/>
+                      <a:headEnd type="none" w="med" len="med"/>
+                      <a:tailEnd type="none" w="med" len="med"/>
                     </a:lnR>
                     <a:lnT w="6350">
                       <a:solidFill>
@@ -3460,54 +4309,34 @@
                     <a:bodyPr/>
                     <a:lstStyle/>
                     <a:p>
-                      <a:pPr marL="473709" marR="343535" indent="-175895">
-                        <a:lnSpc>
-                          <a:spcPct val="102200"/>
-                        </a:lnSpc>
-                      </a:pPr>
+                      <a:pPr algn="ctr" fontAlgn="ctr"/>
                       <a:r>
-                        <a:rPr lang="de-DE" sz="900" dirty="0">
+                        <a:rPr lang="en-US" sz="900" b="0" i="0" u="none" strike="noStrike" dirty="0">
                           <a:solidFill>
                             <a:srgbClr val="020302"/>
                           </a:solidFill>
-                          <a:latin typeface="AdobeClean-Light"/>
-                          <a:cs typeface="AdobeClean-Light"/>
+                          <a:effectLst/>
+                          <a:latin typeface="AdobeClean-Light" panose="020B0503020404020204" pitchFamily="34" charset="0"/>
                         </a:rPr>
-                        <a:t>Geschäftszeiten/</a:t>
-                      </a:r>
-                      <a:br>
-                        <a:rPr lang="sk-SK" sz="900" dirty="0">
-                          <a:solidFill>
-                            <a:srgbClr val="020302"/>
-                          </a:solidFill>
-                          <a:latin typeface="AdobeClean-Light"/>
-                          <a:cs typeface="AdobeClean-Light"/>
-                        </a:rPr>
-                      </a:br>
-                      <a:r>
-                        <a:rPr lang="de-DE" sz="900" dirty="0">
-                          <a:solidFill>
-                            <a:srgbClr val="020302"/>
-                          </a:solidFill>
-                          <a:latin typeface="AdobeClean-Light"/>
-                          <a:cs typeface="AdobeClean-Light"/>
-                        </a:rPr>
-                        <a:t>6 Stunden</a:t>
+                        <a:t>Business hours / 6 hours</a:t>
                       </a:r>
                     </a:p>
                   </a:txBody>
-                  <a:tcPr marL="0" marR="0" marT="0" marB="0" anchor="ctr">
+                  <a:tcPr marL="9525" marR="9525" marT="9525" marB="0" anchor="ctr">
                     <a:lnL w="6350">
                       <a:solidFill>
                         <a:srgbClr val="B7B8B8"/>
                       </a:solidFill>
                       <a:prstDash val="solid"/>
                     </a:lnL>
-                    <a:lnR w="6350">
+                    <a:lnR w="6350" cap="flat" cmpd="sng" algn="ctr">
                       <a:solidFill>
                         <a:srgbClr val="B7B8B8"/>
                       </a:solidFill>
                       <a:prstDash val="solid"/>
+                      <a:round/>
+                      <a:headEnd type="none" w="med" len="med"/>
+                      <a:tailEnd type="none" w="med" len="med"/>
                     </a:lnR>
                     <a:lnT w="6350">
                       <a:solidFill>
@@ -3528,51 +4357,28 @@
                     <a:bodyPr/>
                     <a:lstStyle/>
                     <a:p>
-                      <a:pPr marL="171450" marR="398780" indent="0" algn="ctr">
-                        <a:lnSpc>
-                          <a:spcPct val="102200"/>
-                        </a:lnSpc>
-                        <a:spcBef>
-                          <a:spcPts val="675"/>
-                        </a:spcBef>
-                      </a:pPr>
+                      <a:pPr algn="ctr" fontAlgn="ctr"/>
                       <a:r>
-                        <a:rPr lang="de-DE" sz="900" dirty="0">
+                        <a:rPr lang="en-US" sz="900" b="0" i="0" u="none" strike="noStrike">
                           <a:solidFill>
                             <a:srgbClr val="020302"/>
                           </a:solidFill>
-                          <a:latin typeface="AdobeClean-Light"/>
-                          <a:cs typeface="AdobeClean-Light"/>
+                          <a:effectLst/>
+                          <a:latin typeface="AdobeClean-Light" panose="020B0503020404020204" pitchFamily="34" charset="0"/>
                         </a:rPr>
-                        <a:t>Geschäftszeiten/</a:t>
-                      </a:r>
-                      <a:br>
-                        <a:rPr lang="sk-SK" sz="900" dirty="0">
-                          <a:solidFill>
-                            <a:srgbClr val="020302"/>
-                          </a:solidFill>
-                          <a:latin typeface="AdobeClean-Light"/>
-                          <a:cs typeface="AdobeClean-Light"/>
-                        </a:rPr>
-                      </a:br>
-                      <a:r>
-                        <a:rPr lang="de-DE" sz="900" dirty="0">
-                          <a:solidFill>
-                            <a:srgbClr val="020302"/>
-                          </a:solidFill>
-                          <a:latin typeface="AdobeClean-Light"/>
-                          <a:cs typeface="AdobeClean-Light"/>
-                        </a:rPr>
-                        <a:t>2 Stunden</a:t>
+                        <a:t>Business hours / 2 hours</a:t>
                       </a:r>
                     </a:p>
                   </a:txBody>
-                  <a:tcPr marL="0" marR="0" marT="0" marB="0" anchor="ctr">
-                    <a:lnL w="6350">
+                  <a:tcPr marL="9525" marR="9525" marT="9525" marB="0" anchor="ctr">
+                    <a:lnL w="6350" cap="flat" cmpd="sng" algn="ctr">
                       <a:solidFill>
                         <a:srgbClr val="B7B8B8"/>
                       </a:solidFill>
                       <a:prstDash val="solid"/>
+                      <a:round/>
+                      <a:headEnd type="none" w="med" len="med"/>
+                      <a:tailEnd type="none" w="med" len="med"/>
                     </a:lnL>
                     <a:lnR w="6350" cap="flat" cmpd="sng" algn="ctr">
                       <a:solidFill>
@@ -3623,15 +4429,109 @@
                         </a:spcBef>
                       </a:pPr>
                       <a:r>
-                        <a:rPr lang="de-DE" sz="900" b="1">
+                        <a:rPr sz="900" b="1" spc="-15" dirty="0">
                           <a:solidFill>
                             <a:srgbClr val="020302"/>
                           </a:solidFill>
                           <a:latin typeface="Adobe Clean"/>
                           <a:cs typeface="Adobe Clean"/>
                         </a:rPr>
-                        <a:t>PRIORITÄT 4</a:t>
+                        <a:t>P</a:t>
                       </a:r>
+                      <a:r>
+                        <a:rPr sz="900" b="1" spc="-20" dirty="0">
+                          <a:solidFill>
+                            <a:srgbClr val="020302"/>
+                          </a:solidFill>
+                          <a:latin typeface="Adobe Clean"/>
+                          <a:cs typeface="Adobe Clean"/>
+                        </a:rPr>
+                        <a:t>R</a:t>
+                      </a:r>
+                      <a:r>
+                        <a:rPr sz="900" b="1" spc="-25" dirty="0">
+                          <a:solidFill>
+                            <a:srgbClr val="020302"/>
+                          </a:solidFill>
+                          <a:latin typeface="Adobe Clean"/>
+                          <a:cs typeface="Adobe Clean"/>
+                        </a:rPr>
+                        <a:t>I</a:t>
+                      </a:r>
+                      <a:r>
+                        <a:rPr sz="900" b="1" spc="-15" dirty="0">
+                          <a:solidFill>
+                            <a:srgbClr val="020302"/>
+                          </a:solidFill>
+                          <a:latin typeface="Adobe Clean"/>
+                          <a:cs typeface="Adobe Clean"/>
+                        </a:rPr>
+                        <a:t>O</a:t>
+                      </a:r>
+                      <a:r>
+                        <a:rPr sz="900" b="1" spc="-20" dirty="0">
+                          <a:solidFill>
+                            <a:srgbClr val="020302"/>
+                          </a:solidFill>
+                          <a:latin typeface="Adobe Clean"/>
+                          <a:cs typeface="Adobe Clean"/>
+                        </a:rPr>
+                        <a:t>R</a:t>
+                      </a:r>
+                      <a:r>
+                        <a:rPr sz="900" b="1" spc="-25" dirty="0">
+                          <a:solidFill>
+                            <a:srgbClr val="020302"/>
+                          </a:solidFill>
+                          <a:latin typeface="Adobe Clean"/>
+                          <a:cs typeface="Adobe Clean"/>
+                        </a:rPr>
+                        <a:t>I</a:t>
+                      </a:r>
+                      <a:r>
+                        <a:rPr sz="900" b="1" spc="-15" dirty="0">
+                          <a:solidFill>
+                            <a:srgbClr val="020302"/>
+                          </a:solidFill>
+                          <a:latin typeface="Adobe Clean"/>
+                          <a:cs typeface="Adobe Clean"/>
+                        </a:rPr>
+                        <a:t>T</a:t>
+                      </a:r>
+                      <a:r>
+                        <a:rPr sz="900" b="1" dirty="0">
+                          <a:solidFill>
+                            <a:srgbClr val="020302"/>
+                          </a:solidFill>
+                          <a:latin typeface="Adobe Clean"/>
+                          <a:cs typeface="Adobe Clean"/>
+                        </a:rPr>
+                        <a:t>Y</a:t>
+                      </a:r>
+                      <a:r>
+                        <a:rPr sz="900" b="1" spc="-40" dirty="0">
+                          <a:solidFill>
+                            <a:srgbClr val="020302"/>
+                          </a:solidFill>
+                          <a:latin typeface="Adobe Clean"/>
+                          <a:cs typeface="Adobe Clean"/>
+                        </a:rPr>
+                        <a:t> </a:t>
+                      </a:r>
+                      <a:r>
+                        <a:rPr sz="900" b="1" dirty="0">
+                          <a:solidFill>
+                            <a:srgbClr val="020302"/>
+                          </a:solidFill>
+                          <a:latin typeface="Adobe Clean"/>
+                          <a:cs typeface="Adobe Clean"/>
+                        </a:rPr>
+                        <a:t>4</a:t>
+                      </a:r>
+                      <a:endParaRPr sz="900" dirty="0">
+                        <a:latin typeface="Adobe Clean"/>
+                        <a:cs typeface="Adobe Clean"/>
+                      </a:endParaRPr>
                     </a:p>
                     <a:p>
                       <a:pPr marL="49530">
@@ -3643,27 +4543,31 @@
                         </a:spcBef>
                       </a:pPr>
                       <a:r>
-                        <a:rPr lang="de-DE" sz="900" b="1">
+                        <a:rPr lang="en-US" sz="900" b="1" spc="-90" dirty="0">
                           <a:solidFill>
                             <a:srgbClr val="020302"/>
                           </a:solidFill>
                           <a:latin typeface="Adobe Clean"/>
-                          <a:ea typeface="+mn-ea"/>
-                          <a:cs typeface="Adobe Clean"/>
+                          <a:cs typeface="+mn-cs"/>
                         </a:rPr>
-                        <a:t> </a:t>
+                        <a:t> </a:t>
                       </a:r>
                       <a:r>
-                        <a:rPr lang="de-DE" sz="900" b="0" i="0" u="none" strike="noStrike">
+                        <a:rPr lang="en-US" sz="900" b="0" i="0" u="none" strike="noStrike" dirty="0">
                           <a:solidFill>
                             <a:schemeClr val="tx1"/>
                           </a:solidFill>
-                          <a:latin typeface="Adobe Clean Light" panose="020B0303020404020204" pitchFamily="34" charset="0"/>
+                          <a:effectLst/>
+                          <a:latin typeface="Adobe Clean Light"/>
                           <a:ea typeface="+mn-ea"/>
                           <a:cs typeface="+mn-cs"/>
                         </a:rPr>
-                        <a:t>Allgemeine Frage zur aktuellen Produktfunktionalität oder Anfrage zu einer Erweiterung</a:t>
+                        <a:t>General question regarding current product functionality or an enhancement request</a:t>
                       </a:r>
+                      <a:endParaRPr lang="en-US" sz="900" b="0" i="0" dirty="0">
+                        <a:latin typeface="Adobe Clean Light"/>
+                        <a:cs typeface="AdobeClean-Light"/>
+                      </a:endParaRPr>
                     </a:p>
                   </a:txBody>
                   <a:tcPr marL="0" marR="0" marT="0" marB="0" anchor="ctr">
@@ -3673,11 +4577,14 @@
                       </a:solidFill>
                       <a:prstDash val="solid"/>
                     </a:lnL>
-                    <a:lnR w="6350">
+                    <a:lnR w="6350" cap="flat" cmpd="sng" algn="ctr">
                       <a:solidFill>
                         <a:srgbClr val="B7B8B8"/>
                       </a:solidFill>
                       <a:prstDash val="solid"/>
+                      <a:round/>
+                      <a:headEnd type="none" w="med" len="med"/>
+                      <a:tailEnd type="none" w="med" len="med"/>
                     </a:lnR>
                     <a:lnT w="6350">
                       <a:solidFill>
@@ -3698,54 +4605,34 @@
                     <a:bodyPr/>
                     <a:lstStyle/>
                     <a:p>
-                      <a:pPr marL="473709" marR="343535" indent="-175895">
-                        <a:lnSpc>
-                          <a:spcPct val="102200"/>
-                        </a:lnSpc>
-                      </a:pPr>
+                      <a:pPr algn="ctr" fontAlgn="ctr"/>
                       <a:r>
-                        <a:rPr lang="de-DE" sz="900" dirty="0">
+                        <a:rPr lang="en-US" sz="900" b="0" i="0" u="none" strike="noStrike" dirty="0">
                           <a:solidFill>
                             <a:srgbClr val="020302"/>
                           </a:solidFill>
-                          <a:latin typeface="AdobeClean-Light"/>
-                          <a:cs typeface="AdobeClean-Light"/>
+                          <a:effectLst/>
+                          <a:latin typeface="AdobeClean-Light" panose="020B0503020404020204" pitchFamily="34" charset="0"/>
                         </a:rPr>
-                        <a:t>Geschäftstage/</a:t>
-                      </a:r>
-                      <a:br>
-                        <a:rPr lang="sk-SK" sz="900" dirty="0">
-                          <a:solidFill>
-                            <a:srgbClr val="020302"/>
-                          </a:solidFill>
-                          <a:latin typeface="AdobeClean-Light"/>
-                          <a:cs typeface="AdobeClean-Light"/>
-                        </a:rPr>
-                      </a:br>
-                      <a:r>
-                        <a:rPr lang="de-DE" sz="900" dirty="0">
-                          <a:solidFill>
-                            <a:srgbClr val="020302"/>
-                          </a:solidFill>
-                          <a:latin typeface="AdobeClean-Light"/>
-                          <a:cs typeface="AdobeClean-Light"/>
-                        </a:rPr>
-                        <a:t>3 Tage</a:t>
+                        <a:t>Business days / 3 days</a:t>
                       </a:r>
                     </a:p>
                   </a:txBody>
-                  <a:tcPr marL="0" marR="0" marT="0" marB="0" anchor="ctr">
+                  <a:tcPr marL="9525" marR="9525" marT="9525" marB="0" anchor="ctr">
                     <a:lnL w="6350">
                       <a:solidFill>
                         <a:srgbClr val="B7B8B8"/>
                       </a:solidFill>
                       <a:prstDash val="solid"/>
                     </a:lnL>
-                    <a:lnR w="6350">
+                    <a:lnR w="6350" cap="flat" cmpd="sng" algn="ctr">
                       <a:solidFill>
                         <a:srgbClr val="B7B8B8"/>
                       </a:solidFill>
                       <a:prstDash val="solid"/>
+                      <a:round/>
+                      <a:headEnd type="none" w="med" len="med"/>
+                      <a:tailEnd type="none" w="med" len="med"/>
                     </a:lnR>
                     <a:lnT w="6350">
                       <a:solidFill>
@@ -3766,29 +4653,28 @@
                     <a:bodyPr/>
                     <a:lstStyle/>
                     <a:p>
-                      <a:pPr marL="473709" marR="343535" indent="-175895">
-                        <a:lnSpc>
-                          <a:spcPct val="102200"/>
-                        </a:lnSpc>
-                      </a:pPr>
+                      <a:pPr algn="ctr" fontAlgn="ctr"/>
                       <a:r>
-                        <a:rPr lang="de-DE" sz="900" dirty="0">
+                        <a:rPr lang="en-US" sz="900" b="0" i="0" u="none" strike="noStrike" dirty="0">
                           <a:solidFill>
                             <a:srgbClr val="020302"/>
                           </a:solidFill>
-                          <a:latin typeface="AdobeClean-Light"/>
-                          <a:cs typeface="AdobeClean-Light"/>
+                          <a:effectLst/>
+                          <a:latin typeface="AdobeClean-Light" panose="020B0503020404020204" pitchFamily="34" charset="0"/>
                         </a:rPr>
-                        <a:t>Geschäftstage/1 Tag</a:t>
+                        <a:t>Business days / 1 day</a:t>
                       </a:r>
                     </a:p>
                   </a:txBody>
-                  <a:tcPr marL="0" marR="0" marT="0" marB="0" anchor="ctr">
-                    <a:lnL w="6350">
+                  <a:tcPr marL="9525" marR="9525" marT="9525" marB="0" anchor="ctr">
+                    <a:lnL w="6350" cap="flat" cmpd="sng" algn="ctr">
                       <a:solidFill>
                         <a:srgbClr val="B7B8B8"/>
                       </a:solidFill>
                       <a:prstDash val="solid"/>
+                      <a:round/>
+                      <a:headEnd type="none" w="med" len="med"/>
+                      <a:tailEnd type="none" w="med" len="med"/>
                     </a:lnL>
                     <a:lnR w="6350" cap="flat" cmpd="sng" algn="ctr">
                       <a:solidFill>
@@ -3884,8 +4770,40 @@
               </a:spcBef>
             </a:pPr>
             <a:r>
-              <a:rPr lang="de-DE"/>
-              <a:t>©2021 Adobe. All Rights Reserved. Adobe Confidential.</a:t>
+              <a:rPr spc="-10"/>
+              <a:t>©202</a:t>
+            </a:r>
+            <a:r>
+              <a:rPr lang="en-US" spc="-10"/>
+              <a:t>1</a:t>
+            </a:r>
+            <a:r>
+              <a:rPr spc="-5"/>
+              <a:t> Adobe. All</a:t>
+            </a:r>
+            <a:r>
+              <a:rPr spc="-10"/>
+              <a:t> Rights</a:t>
+            </a:r>
+            <a:r>
+              <a:rPr spc="-5"/>
+              <a:t> </a:t>
+            </a:r>
+            <a:r>
+              <a:rPr spc="-10"/>
+              <a:t>Reserved.</a:t>
+            </a:r>
+            <a:r>
+              <a:rPr spc="-5"/>
+              <a:t> Adobe</a:t>
+            </a:r>
+            <a:r>
+              <a:rPr spc="60"/>
+              <a:t> </a:t>
+            </a:r>
+            <a:r>
+              <a:rPr spc="-10"/>
+              <a:t>Confidential.</a:t>
             </a:r>
           </a:p>
         </p:txBody>
@@ -3919,7 +4837,7 @@
           <a:lstStyle/>
           <a:p>
             <a:r>
-              <a:rPr lang="de-DE" sz="700" i="1">
+              <a:rPr lang="en-US" sz="700" i="1">
                 <a:solidFill>
                   <a:schemeClr val="bg1"/>
                 </a:solidFill>
@@ -3965,7 +4883,7 @@
               </a:spcBef>
             </a:pPr>
             <a:r>
-              <a:rPr lang="de-DE" sz="1200" dirty="0">
+              <a:rPr lang="en-US" sz="1200" dirty="0">
                 <a:solidFill>
                   <a:schemeClr val="bg1"/>
                 </a:solidFill>
@@ -3974,7 +4892,7 @@
               <a:t>Online | Business |</a:t>
             </a:r>
             <a:r>
-              <a:rPr lang="de-DE" sz="1200" b="1" dirty="0">
+              <a:rPr lang="en-US" sz="1200" b="1" dirty="0">
                 <a:solidFill>
                   <a:schemeClr val="bg1"/>
                 </a:solidFill>
@@ -3983,7 +4901,7 @@
               <a:t> </a:t>
             </a:r>
             <a:r>
-              <a:rPr lang="de-DE" sz="1200" b="1" dirty="0">
+              <a:rPr lang="en-US" sz="1200" b="1" dirty="0">
                 <a:solidFill>
                   <a:schemeClr val="bg1"/>
                 </a:solidFill>
@@ -3991,7 +4909,7 @@
               <a:t>Enterprise</a:t>
             </a:r>
             <a:r>
-              <a:rPr lang="de-DE" sz="1200" b="1" dirty="0">
+              <a:rPr lang="en-US" sz="1200" b="1" dirty="0">
                 <a:solidFill>
                   <a:schemeClr val="bg1"/>
                 </a:solidFill>
@@ -4000,7 +4918,7 @@
               <a:t> </a:t>
             </a:r>
             <a:r>
-              <a:rPr lang="de-DE" sz="1200" dirty="0">
+              <a:rPr lang="en-US" sz="1200" dirty="0">
                 <a:solidFill>
                   <a:schemeClr val="bg1"/>
                 </a:solidFill>
@@ -4009,7 +4927,7 @@
               <a:t>| Elite</a:t>
             </a:r>
             <a:br>
-              <a:rPr lang="de-DE" sz="900" dirty="0">
+              <a:rPr lang="en-US" sz="900" dirty="0">
                 <a:solidFill>
                   <a:schemeClr val="bg1"/>
                 </a:solidFill>
@@ -4017,31 +4935,21 @@
               </a:rPr>
             </a:br>
             <a:r>
-              <a:rPr lang="de-DE" sz="900" dirty="0">
+              <a:rPr lang="en-US" sz="900" dirty="0">
                 <a:solidFill>
                   <a:schemeClr val="bg1"/>
                 </a:solidFill>
                 <a:latin typeface="Adobe Clean SemiLight" panose="020B0403020404020204" pitchFamily="34" charset="0"/>
               </a:rPr>
-              <a:t>ENTERPRISE Support bietet über die Adobe Experience League Zugang zu personalisierten Lernpfaden und von Moderatoren betreuten Community-Foren. Darüber hinaus stehen Ihnen unsere umfangreiche technische Produktdokumentation sowie aktuelle Versionshinweise zur Verfügung. ENTERPRISE-Kunden erhalten außerdem Zugang zu einem spezifischer Support-Mitarbeiter. </a:t>
-            </a:r>
-            <a:br>
-              <a:rPr lang="sk-SK" sz="900" dirty="0">
-                <a:solidFill>
-                  <a:schemeClr val="bg1"/>
-                </a:solidFill>
-                <a:latin typeface="Adobe Clean SemiLight" panose="020B0403020404020204" pitchFamily="34" charset="0"/>
-              </a:rPr>
-            </a:br>
-            <a:r>
-              <a:rPr lang="de-DE" sz="900" dirty="0">
-                <a:solidFill>
-                  <a:schemeClr val="bg1"/>
-                </a:solidFill>
-                <a:latin typeface="Adobe Clean SemiLight" panose="020B0403020404020204" pitchFamily="34" charset="0"/>
-              </a:rPr>
-              <a:t>Dieser ist Ihr direkter technischer Kontakt im Adobe Support-Team. Mit umfangreicher Erfahrung mit Ihrer speziellen Experience Cloud-Lösung arbeitet das Support-Team gemeinsam mit Ihnen und Ihren technischen Teams an der zeitnahen Lösung sämtlicher Support-Anfragen. Das Support-Team kann auch bei der Koordination und Bereitstellung zusätzlicher ENTERPRISE-Vorteile helfen und so minimale Unterbrechungen Ihres Geschäfts zu den wichtigsten Zeiten sicherstellen. </a:t>
-            </a:r>
+              <a:t>ENTERPRISE support includes access to personalized learning paths and monitored community forums via the Adobe Experience League. You can also take advantage of our detailed and in-depth technical product documentation and current release notes. ENTERPRISE customers will also be provided with a Named Support Engineer who acts as your designated technical contact in the Adobe Support Team. With deep experience in your designated Experience Cloud solution, your support team will work in partnership with you and your technical teams to ensure timely resolution of all support requests. Your support team can also help coordinate and arrange delivery of the additional ENTERPRISE benefits ensuring minimal disruption to your business at the most critical time. </a:t>
+            </a:r>
+            <a:endParaRPr lang="en-US" sz="900" dirty="0">
+              <a:solidFill>
+                <a:schemeClr val="bg1"/>
+              </a:solidFill>
+              <a:latin typeface="Adobe Clean Light" panose="020B0303020404020204" pitchFamily="34" charset="0"/>
+              <a:cs typeface="AdobeClean-Light"/>
+            </a:endParaRPr>
           </a:p>
         </p:txBody>
       </p:sp>
@@ -4060,7 +4968,7 @@
           <p:nvPr>
             <p:extLst>
               <p:ext uri="{D42A27DB-BD31-4B8C-83A1-F6EECF244321}">
-                <p14:modId xmlns:p14="http://schemas.microsoft.com/office/powerpoint/2010/main" val="3377764225"/>
+                <p14:modId xmlns:p14="http://schemas.microsoft.com/office/powerpoint/2010/main" val="2813555721"/>
               </p:ext>
             </p:extLst>
           </p:nvPr>
@@ -4149,15 +5057,19 @@
                         <a:defRPr/>
                       </a:pPr>
                       <a:r>
-                        <a:rPr lang="de-DE" sz="900">
+                        <a:rPr lang="en-US" sz="900" spc="0">
                           <a:solidFill>
                             <a:srgbClr val="404040"/>
                           </a:solidFill>
                           <a:latin typeface="Adobe Clean"/>
                           <a:cs typeface="Adobe Clean"/>
                         </a:rPr>
-                        <a:t>Online Support</a:t>
+                        <a:t>Online  Support</a:t>
                       </a:r>
+                      <a:endParaRPr lang="en-US" sz="900" spc="0">
+                        <a:latin typeface="Adobe Clean"/>
+                        <a:cs typeface="Adobe Clean"/>
+                      </a:endParaRPr>
                     </a:p>
                   </a:txBody>
                   <a:tcPr marL="0" marR="0" marT="7620" marB="0" anchor="ctr">
@@ -4198,15 +5110,29 @@
                         </a:spcBef>
                       </a:pPr>
                       <a:r>
-                        <a:rPr lang="de-DE" sz="900">
+                        <a:rPr lang="en-US" sz="900" spc="0">
                           <a:solidFill>
                             <a:srgbClr val="FFFFFF"/>
                           </a:solidFill>
                           <a:latin typeface="Adobe Clean"/>
                           <a:cs typeface="Adobe Clean"/>
                         </a:rPr>
-                        <a:t>Enterprise Support</a:t>
+                        <a:t>Enterprise </a:t>
                       </a:r>
+                      <a:r>
+                        <a:rPr sz="900" spc="0">
+                          <a:solidFill>
+                            <a:srgbClr val="FFFFFF"/>
+                          </a:solidFill>
+                          <a:latin typeface="Adobe Clean"/>
+                          <a:cs typeface="Adobe Clean"/>
+                        </a:rPr>
+                        <a:t>Support</a:t>
+                      </a:r>
+                      <a:endParaRPr sz="900" spc="0">
+                        <a:latin typeface="Adobe Clean"/>
+                        <a:cs typeface="Adobe Clean"/>
+                      </a:endParaRPr>
                     </a:p>
                   </a:txBody>
                   <a:tcPr marL="0" marR="0" marT="7620" marB="0" anchor="ctr">
@@ -4274,7 +5200,7 @@
                     <a:bodyPr/>
                     <a:lstStyle/>
                     <a:p>
-                      <a:pPr marL="0" marR="0" lvl="0" indent="0" algn="l" defTabSz="914400" rtl="0" eaLnBrk="1" fontAlgn="auto" latinLnBrk="0" hangingPunct="1">
+                      <a:pPr marL="0" marR="0" lvl="0" indent="0" algn="ctr" defTabSz="914400" eaLnBrk="1" fontAlgn="auto" latinLnBrk="0" hangingPunct="1">
                         <a:lnSpc>
                           <a:spcPct val="100000"/>
                         </a:lnSpc>
@@ -4355,13 +5281,13 @@
                         <a:defRPr/>
                       </a:pPr>
                       <a:r>
-                        <a:rPr lang="de-DE" sz="800" i="1">
+                        <a:rPr lang="en-US" sz="800" i="1">
                           <a:solidFill>
                             <a:schemeClr val="bg1"/>
                           </a:solidFill>
                           <a:latin typeface="Adobe Clean Light" panose="020B0303020404020204" pitchFamily="34" charset="0"/>
                         </a:rPr>
-                        <a:t>Kostenpflichtiger Support (€)</a:t>
+                        <a:t>Paid Support ($)</a:t>
                       </a:r>
                     </a:p>
                   </a:txBody>
@@ -4425,15 +5351,22 @@
                         </a:spcBef>
                       </a:pPr>
                       <a:r>
-                        <a:rPr lang="de-DE" sz="1000" b="1" i="0">
+                        <a:rPr lang="en-US" sz="1000" b="1" i="0" spc="0">
                           <a:solidFill>
                             <a:schemeClr val="bg1"/>
                           </a:solidFill>
                           <a:latin typeface="Adobe Clean" panose="020B0503020404020204" pitchFamily="34" charset="0"/>
                           <a:cs typeface="AdobeClean-Light"/>
                         </a:rPr>
-                        <a:t>Zugewiesene Experten</a:t>
+                        <a:t>Assigned Experts</a:t>
                       </a:r>
+                      <a:endParaRPr sz="1000" b="1" i="0" spc="0">
+                        <a:solidFill>
+                          <a:schemeClr val="bg1"/>
+                        </a:solidFill>
+                        <a:latin typeface="Adobe Clean" panose="020B0503020404020204" pitchFamily="34" charset="0"/>
+                        <a:cs typeface="AdobeClean-Light"/>
+                      </a:endParaRPr>
                     </a:p>
                   </a:txBody>
                   <a:tcPr marL="0" marR="0" marT="58419" marB="0" anchor="ctr">
@@ -4480,7 +5413,7 @@
                         </a:spcBef>
                       </a:pPr>
                       <a:r>
-                        <a:rPr lang="de-DE" sz="900" dirty="0">
+                        <a:rPr sz="900" spc="0">
                           <a:solidFill>
                             <a:srgbClr val="020302"/>
                           </a:solidFill>
@@ -4489,6 +5422,10 @@
                         </a:rPr>
                         <a:t>Account Support Lead</a:t>
                       </a:r>
+                      <a:endParaRPr sz="900" spc="0">
+                        <a:latin typeface="AdobeClean-Light"/>
+                        <a:cs typeface="AdobeClean-Light"/>
+                      </a:endParaRPr>
                     </a:p>
                   </a:txBody>
                   <a:tcPr marL="0" marR="0" marT="58419" marB="0">
@@ -4523,7 +5460,7 @@
                     <a:bodyPr/>
                     <a:lstStyle/>
                     <a:p>
-                      <a:pPr algn="l" rtl="0">
+                      <a:pPr algn="ctr">
                         <a:lnSpc>
                           <a:spcPct val="100000"/>
                         </a:lnSpc>
@@ -4564,7 +5501,7 @@
                     <a:bodyPr/>
                     <a:lstStyle/>
                     <a:p>
-                      <a:pPr algn="l" rtl="0">
+                      <a:pPr algn="ctr">
                         <a:lnSpc>
                           <a:spcPct val="100000"/>
                         </a:lnSpc>
@@ -4607,7 +5544,7 @@
                     <a:bodyPr/>
                     <a:lstStyle/>
                     <a:p>
-                      <a:pPr marL="50800" algn="l" rtl="0">
+                      <a:pPr marL="50800">
                         <a:lnSpc>
                           <a:spcPct val="100000"/>
                         </a:lnSpc>
@@ -4653,15 +5590,19 @@
                         </a:spcBef>
                       </a:pPr>
                       <a:r>
-                        <a:rPr lang="de-DE" sz="900">
+                        <a:rPr sz="900" spc="0">
                           <a:solidFill>
                             <a:srgbClr val="020302"/>
                           </a:solidFill>
                           <a:latin typeface="AdobeClean-Light"/>
                           <a:cs typeface="AdobeClean-Light"/>
                         </a:rPr>
-                        <a:t>Spezifischer Support-Mitarbeiter</a:t>
+                        <a:t>Named Support Engineer</a:t>
                       </a:r>
+                      <a:endParaRPr sz="900" spc="0">
+                        <a:latin typeface="AdobeClean-Light"/>
+                        <a:cs typeface="AdobeClean-Light"/>
+                      </a:endParaRPr>
                     </a:p>
                   </a:txBody>
                   <a:tcPr marL="0" marR="0" marT="58419" marB="0">
@@ -4684,7 +5625,7 @@
                     <a:bodyPr/>
                     <a:lstStyle/>
                     <a:p>
-                      <a:pPr algn="l" rtl="0">
+                      <a:pPr algn="ctr">
                         <a:lnSpc>
                           <a:spcPct val="100000"/>
                         </a:lnSpc>
@@ -4731,7 +5672,7 @@
                         <a:defRPr/>
                       </a:pPr>
                       <a:r>
-                        <a:rPr lang="de-DE" sz="900">
+                        <a:rPr lang="en-US" sz="900">
                           <a:solidFill>
                             <a:srgbClr val="020302"/>
                           </a:solidFill>
@@ -4740,6 +5681,10 @@
                         </a:rPr>
                         <a:t></a:t>
                       </a:r>
+                      <a:endParaRPr lang="en-US" sz="900">
+                        <a:latin typeface="Wingdings"/>
+                        <a:cs typeface="Wingdings"/>
+                      </a:endParaRPr>
                     </a:p>
                   </a:txBody>
                   <a:tcPr marL="0" marR="0" marT="0" marB="0" anchor="ctr">
@@ -4762,7 +5707,7 @@
                     <a:bodyPr/>
                     <a:lstStyle/>
                     <a:p>
-                      <a:pPr marL="50800" algn="l" rtl="0">
+                      <a:pPr marL="50800">
                         <a:lnSpc>
                           <a:spcPct val="100000"/>
                         </a:lnSpc>
@@ -4820,7 +5765,7 @@
                         </a:spcBef>
                       </a:pPr>
                       <a:r>
-                        <a:rPr lang="de-DE" sz="900">
+                        <a:rPr sz="900" spc="0">
                           <a:solidFill>
                             <a:srgbClr val="020302"/>
                           </a:solidFill>
@@ -4829,6 +5774,10 @@
                         </a:rPr>
                         <a:t>Technical Account Manager</a:t>
                       </a:r>
+                      <a:endParaRPr sz="900" spc="0">
+                        <a:latin typeface="AdobeClean-Light"/>
+                        <a:cs typeface="AdobeClean-Light"/>
+                      </a:endParaRPr>
                     </a:p>
                   </a:txBody>
                   <a:tcPr marL="0" marR="0" marT="63500" marB="0">
@@ -4857,7 +5806,7 @@
                     <a:bodyPr/>
                     <a:lstStyle/>
                     <a:p>
-                      <a:pPr algn="l" rtl="0">
+                      <a:pPr algn="ctr">
                         <a:lnSpc>
                           <a:spcPct val="100000"/>
                         </a:lnSpc>
@@ -4895,7 +5844,7 @@
                     <a:bodyPr/>
                     <a:lstStyle/>
                     <a:p>
-                      <a:pPr algn="l" rtl="0">
+                      <a:pPr algn="ctr">
                         <a:lnSpc>
                           <a:spcPct val="100000"/>
                         </a:lnSpc>
@@ -4946,15 +5895,22 @@
                         </a:spcBef>
                       </a:pPr>
                       <a:r>
-                        <a:rPr lang="de-DE" sz="1000" b="1" i="0">
+                        <a:rPr lang="en-US" sz="1000" b="1" i="0" spc="0">
                           <a:solidFill>
                             <a:schemeClr val="bg1"/>
                           </a:solidFill>
                           <a:latin typeface="Adobe Clean" panose="020B0503020404020204" pitchFamily="34" charset="0"/>
                           <a:cs typeface="AdobeClean-Light"/>
                         </a:rPr>
-                        <a:t>Support-Services</a:t>
+                        <a:t>Support Services</a:t>
                       </a:r>
+                      <a:endParaRPr sz="1000" b="1" i="0" spc="0">
+                        <a:solidFill>
+                          <a:schemeClr val="bg1"/>
+                        </a:solidFill>
+                        <a:latin typeface="Adobe Clean" panose="020B0503020404020204" pitchFamily="34" charset="0"/>
+                        <a:cs typeface="AdobeClean-Light"/>
+                      </a:endParaRPr>
                     </a:p>
                   </a:txBody>
                   <a:tcPr marL="0" marR="0" marT="57150" marB="0" anchor="ctr">
@@ -5010,15 +5966,29 @@
                         </a:spcBef>
                       </a:pPr>
                       <a:r>
-                        <a:rPr lang="de-DE" sz="900">
+                        <a:rPr lang="en-US" sz="900" spc="0">
                           <a:solidFill>
                             <a:srgbClr val="020302"/>
                           </a:solidFill>
                           <a:latin typeface="AdobeClean-Light"/>
                           <a:cs typeface="AdobeClean-Light"/>
                         </a:rPr>
-                        <a:t>Online Support</a:t>
+                        <a:t>Online</a:t>
                       </a:r>
+                      <a:r>
+                        <a:rPr sz="900" spc="0">
+                          <a:solidFill>
+                            <a:srgbClr val="020302"/>
+                          </a:solidFill>
+                          <a:latin typeface="AdobeClean-Light"/>
+                          <a:cs typeface="AdobeClean-Light"/>
+                        </a:rPr>
+                        <a:t> Support</a:t>
+                      </a:r>
+                      <a:endParaRPr sz="900" spc="0">
+                        <a:latin typeface="AdobeClean-Light"/>
+                        <a:cs typeface="AdobeClean-Light"/>
+                      </a:endParaRPr>
                     </a:p>
                   </a:txBody>
                   <a:tcPr marL="0" marR="0" marT="57150" marB="0">
@@ -5056,15 +6026,39 @@
                         </a:spcBef>
                       </a:pPr>
                       <a:r>
-                        <a:rPr lang="de-DE" sz="900">
+                        <a:rPr sz="900" spc="-25">
                           <a:solidFill>
                             <a:srgbClr val="020302"/>
                           </a:solidFill>
                           <a:latin typeface="AdobeClean-Light"/>
                           <a:cs typeface="AdobeClean-Light"/>
                         </a:rPr>
-                        <a:t>Geschäftszeiten</a:t>
+                        <a:t>Business</a:t>
                       </a:r>
+                      <a:r>
+                        <a:rPr sz="900" spc="-15">
+                          <a:solidFill>
+                            <a:srgbClr val="020302"/>
+                          </a:solidFill>
+                          <a:latin typeface="AdobeClean-Light"/>
+                          <a:cs typeface="AdobeClean-Light"/>
+                        </a:rPr>
+                        <a:t> </a:t>
+                      </a:r>
+                      <a:r>
+                        <a:rPr sz="900" spc="-30">
+                          <a:solidFill>
+                            <a:srgbClr val="020302"/>
+                          </a:solidFill>
+                          <a:latin typeface="AdobeClean-Light"/>
+                          <a:cs typeface="AdobeClean-Light"/>
+                        </a:rPr>
+                        <a:t>hours</a:t>
+                      </a:r>
+                      <a:endParaRPr sz="900">
+                        <a:latin typeface="AdobeClean-Light"/>
+                        <a:cs typeface="AdobeClean-Light"/>
+                      </a:endParaRPr>
                     </a:p>
                   </a:txBody>
                   <a:tcPr marL="0" marR="0" marT="67945" marB="0">
@@ -5103,7 +6097,7 @@
                         </a:spcBef>
                       </a:pPr>
                       <a:r>
-                        <a:rPr lang="de-DE" sz="900">
+                        <a:rPr lang="en-US" sz="900" spc="-25">
                           <a:solidFill>
                             <a:srgbClr val="020302"/>
                           </a:solidFill>
@@ -5112,6 +6106,10 @@
                         </a:rPr>
                         <a:t>24x5</a:t>
                       </a:r>
+                      <a:endParaRPr sz="900">
+                        <a:latin typeface="AdobeClean-Light"/>
+                        <a:cs typeface="AdobeClean-Light"/>
+                      </a:endParaRPr>
                     </a:p>
                   </a:txBody>
                   <a:tcPr marL="0" marR="0" marT="67945" marB="0">
@@ -5145,7 +6143,7 @@
                     <a:bodyPr/>
                     <a:lstStyle/>
                     <a:p>
-                      <a:pPr marL="50800" algn="l" rtl="0">
+                      <a:pPr marL="50800">
                         <a:lnSpc>
                           <a:spcPct val="100000"/>
                         </a:lnSpc>
@@ -5194,15 +6192,39 @@
                         </a:spcBef>
                       </a:pPr>
                       <a:r>
-                        <a:rPr lang="de-DE" sz="900">
+                        <a:rPr sz="900" spc="0">
                           <a:solidFill>
                             <a:srgbClr val="020302"/>
                           </a:solidFill>
                           <a:latin typeface="AdobeClean-Light"/>
                           <a:cs typeface="AdobeClean-Light"/>
                         </a:rPr>
-                        <a:t>24x7x365 Support für Probleme der Kategorie P1</a:t>
+                        <a:t>24x7</a:t>
                       </a:r>
+                      <a:r>
+                        <a:rPr lang="en-US" sz="900" spc="0">
+                          <a:solidFill>
+                            <a:srgbClr val="020302"/>
+                          </a:solidFill>
+                          <a:latin typeface="AdobeClean-Light"/>
+                          <a:cs typeface="AdobeClean-Light"/>
+                        </a:rPr>
+                        <a:t>x365</a:t>
+                      </a:r>
+                      <a:r>
+                        <a:rPr sz="900" spc="0">
+                          <a:solidFill>
+                            <a:srgbClr val="020302"/>
+                          </a:solidFill>
+                          <a:latin typeface="AdobeClean-Light"/>
+                          <a:cs typeface="AdobeClean-Light"/>
+                        </a:rPr>
+                        <a:t> P1 Issue Support</a:t>
+                      </a:r>
+                      <a:endParaRPr sz="900" spc="0">
+                        <a:latin typeface="AdobeClean-Light"/>
+                        <a:cs typeface="AdobeClean-Light"/>
+                      </a:endParaRPr>
                     </a:p>
                   </a:txBody>
                   <a:tcPr marL="0" marR="0" marT="57785" marB="0">
@@ -5234,7 +6256,7 @@
                         </a:spcBef>
                       </a:pPr>
                       <a:r>
-                        <a:rPr lang="de-DE" sz="900">
+                        <a:rPr sz="900">
                           <a:solidFill>
                             <a:srgbClr val="020302"/>
                           </a:solidFill>
@@ -5243,6 +6265,10 @@
                         </a:rPr>
                         <a:t></a:t>
                       </a:r>
+                      <a:endParaRPr sz="900">
+                        <a:latin typeface="Wingdings"/>
+                        <a:cs typeface="Wingdings"/>
+                      </a:endParaRPr>
                     </a:p>
                   </a:txBody>
                   <a:tcPr marL="0" marR="0" marT="58419" marB="0">
@@ -5272,7 +6298,7 @@
                         </a:spcBef>
                       </a:pPr>
                       <a:r>
-                        <a:rPr lang="de-DE" sz="900">
+                        <a:rPr sz="900">
                           <a:solidFill>
                             <a:srgbClr val="020302"/>
                           </a:solidFill>
@@ -5281,6 +6307,10 @@
                         </a:rPr>
                         <a:t></a:t>
                       </a:r>
+                      <a:endParaRPr sz="900">
+                        <a:latin typeface="Wingdings"/>
+                        <a:cs typeface="Wingdings"/>
+                      </a:endParaRPr>
                     </a:p>
                   </a:txBody>
                   <a:tcPr marL="0" marR="0" marT="58419" marB="0">
@@ -5303,7 +6333,7 @@
                     <a:bodyPr/>
                     <a:lstStyle/>
                     <a:p>
-                      <a:pPr marL="50800" algn="l" rtl="0">
+                      <a:pPr marL="50800">
                         <a:lnSpc>
                           <a:spcPct val="100000"/>
                         </a:lnSpc>
@@ -5361,15 +6391,19 @@
                         </a:spcBef>
                       </a:pPr>
                       <a:r>
-                        <a:rPr lang="de-DE" sz="900">
+                        <a:rPr lang="en-US" sz="900" spc="0">
                           <a:solidFill>
                             <a:srgbClr val="020302"/>
                           </a:solidFill>
                           <a:latin typeface="AdobeClean-Light"/>
                           <a:cs typeface="AdobeClean-Light"/>
                         </a:rPr>
-                        <a:t>Spezifische Support-Kontakte (pro Produkt)</a:t>
+                        <a:t>Named Support Contacts (per product)</a:t>
                       </a:r>
+                      <a:endParaRPr sz="900" spc="0">
+                        <a:latin typeface="AdobeClean-Light"/>
+                        <a:cs typeface="AdobeClean-Light"/>
+                      </a:endParaRPr>
                     </a:p>
                   </a:txBody>
                   <a:tcPr marL="0" marR="0" marT="57785" marB="0">
@@ -5407,7 +6441,7 @@
                         </a:spcBef>
                       </a:pPr>
                       <a:r>
-                        <a:rPr lang="de-DE" sz="900">
+                        <a:rPr sz="900">
                           <a:solidFill>
                             <a:srgbClr val="020302"/>
                           </a:solidFill>
@@ -5416,6 +6450,10 @@
                         </a:rPr>
                         <a:t>4</a:t>
                       </a:r>
+                      <a:endParaRPr sz="900">
+                        <a:latin typeface="AdobeClean-Light"/>
+                        <a:cs typeface="AdobeClean-Light"/>
+                      </a:endParaRPr>
                     </a:p>
                   </a:txBody>
                   <a:tcPr marL="0" marR="0" marT="57785" marB="0">
@@ -5445,7 +6483,7 @@
                         </a:spcBef>
                       </a:pPr>
                       <a:r>
-                        <a:rPr lang="de-DE" sz="900">
+                        <a:rPr lang="en-US" sz="900">
                           <a:solidFill>
                             <a:srgbClr val="020302"/>
                           </a:solidFill>
@@ -5454,6 +6492,10 @@
                         </a:rPr>
                         <a:t>10</a:t>
                       </a:r>
+                      <a:endParaRPr sz="900">
+                        <a:latin typeface="AdobeClean-Light"/>
+                        <a:cs typeface="AdobeClean-Light"/>
+                      </a:endParaRPr>
                     </a:p>
                   </a:txBody>
                   <a:tcPr marL="0" marR="0" marT="57785" marB="0">
@@ -5476,7 +6518,7 @@
                     <a:bodyPr/>
                     <a:lstStyle/>
                     <a:p>
-                      <a:pPr marL="50800" algn="l" rtl="0">
+                      <a:pPr marL="50800">
                         <a:lnSpc>
                           <a:spcPct val="100000"/>
                         </a:lnSpc>
@@ -5525,15 +6567,19 @@
                         </a:spcBef>
                       </a:pPr>
                       <a:r>
-                        <a:rPr lang="de-DE" sz="900">
+                        <a:rPr lang="en-US" sz="900" spc="0">
                           <a:solidFill>
                             <a:srgbClr val="020302"/>
                           </a:solidFill>
                           <a:latin typeface="AdobeClean-Light"/>
                           <a:cs typeface="AdobeClean-Light"/>
                         </a:rPr>
-                        <a:t>Live-Telefon-Support</a:t>
+                        <a:t>Live Telephone Support</a:t>
                       </a:r>
+                      <a:endParaRPr sz="900" spc="0">
+                        <a:latin typeface="AdobeClean-Light"/>
+                        <a:cs typeface="AdobeClean-Light"/>
+                      </a:endParaRPr>
                     </a:p>
                   </a:txBody>
                   <a:tcPr marL="0" marR="0" marT="57785" marB="0">
@@ -5556,7 +6602,7 @@
                     <a:bodyPr/>
                     <a:lstStyle/>
                     <a:p>
-                      <a:pPr algn="l" rtl="0">
+                      <a:pPr algn="ctr">
                         <a:lnSpc>
                           <a:spcPct val="100000"/>
                         </a:lnSpc>
@@ -5597,7 +6643,7 @@
                         </a:spcBef>
                       </a:pPr>
                       <a:r>
-                        <a:rPr lang="de-DE" sz="900">
+                        <a:rPr sz="900">
                           <a:solidFill>
                             <a:srgbClr val="020302"/>
                           </a:solidFill>
@@ -5606,6 +6652,10 @@
                         </a:rPr>
                         <a:t></a:t>
                       </a:r>
+                      <a:endParaRPr sz="900">
+                        <a:latin typeface="Wingdings"/>
+                        <a:cs typeface="Wingdings"/>
+                      </a:endParaRPr>
                     </a:p>
                   </a:txBody>
                   <a:tcPr marL="0" marR="0" marT="59054" marB="0">
@@ -5628,7 +6678,7 @@
                     <a:bodyPr/>
                     <a:lstStyle/>
                     <a:p>
-                      <a:pPr marL="50800" algn="l" rtl="0">
+                      <a:pPr marL="50800">
                         <a:lnSpc>
                           <a:spcPct val="100000"/>
                         </a:lnSpc>
@@ -5677,15 +6727,19 @@
                         </a:spcBef>
                       </a:pPr>
                       <a:r>
-                        <a:rPr lang="de-DE" sz="900">
+                        <a:rPr sz="900" spc="0">
                           <a:solidFill>
                             <a:srgbClr val="020302"/>
                           </a:solidFill>
                           <a:latin typeface="AdobeClean-Light"/>
                           <a:cs typeface="AdobeClean-Light"/>
                         </a:rPr>
-                        <a:t>Eskalations-Management</a:t>
+                        <a:t>Escalation Management</a:t>
                       </a:r>
+                      <a:endParaRPr sz="900" spc="0">
+                        <a:latin typeface="AdobeClean-Light"/>
+                        <a:cs typeface="AdobeClean-Light"/>
+                      </a:endParaRPr>
                     </a:p>
                   </a:txBody>
                   <a:tcPr marL="0" marR="0" marT="58419" marB="0">
@@ -5708,7 +6762,7 @@
                     <a:bodyPr/>
                     <a:lstStyle/>
                     <a:p>
-                      <a:pPr algn="l" rtl="0">
+                      <a:pPr algn="ctr">
                         <a:lnSpc>
                           <a:spcPct val="100000"/>
                         </a:lnSpc>
@@ -5749,7 +6803,7 @@
                         </a:spcBef>
                       </a:pPr>
                       <a:r>
-                        <a:rPr lang="de-DE" sz="900">
+                        <a:rPr sz="900">
                           <a:solidFill>
                             <a:srgbClr val="020302"/>
                           </a:solidFill>
@@ -5758,6 +6812,10 @@
                         </a:rPr>
                         <a:t></a:t>
                       </a:r>
+                      <a:endParaRPr sz="900">
+                        <a:latin typeface="Wingdings"/>
+                        <a:cs typeface="Wingdings"/>
+                      </a:endParaRPr>
                     </a:p>
                   </a:txBody>
                   <a:tcPr marL="0" marR="0" marT="59690" marB="0">
@@ -5780,7 +6838,7 @@
                     <a:bodyPr/>
                     <a:lstStyle/>
                     <a:p>
-                      <a:pPr marL="50800" algn="l" rtl="0">
+                      <a:pPr marL="50800">
                         <a:lnSpc>
                           <a:spcPct val="100000"/>
                         </a:lnSpc>
@@ -5829,15 +6887,29 @@
                         </a:spcBef>
                       </a:pPr>
                       <a:r>
-                        <a:rPr lang="de-DE" sz="900">
+                        <a:rPr sz="900" spc="0">
                           <a:solidFill>
                             <a:srgbClr val="020302"/>
                           </a:solidFill>
                           <a:latin typeface="AdobeClean-Light"/>
                           <a:cs typeface="AdobeClean-Light"/>
                         </a:rPr>
-                        <a:t>Jährliche Service-Prüfung</a:t>
+                        <a:t>Service Reviews </a:t>
                       </a:r>
+                      <a:r>
+                        <a:rPr lang="en-US" sz="900" spc="0">
+                          <a:solidFill>
+                            <a:srgbClr val="020302"/>
+                          </a:solidFill>
+                          <a:latin typeface="AdobeClean-Light"/>
+                          <a:cs typeface="AdobeClean-Light"/>
+                        </a:rPr>
+                        <a:t>per Year</a:t>
+                      </a:r>
+                      <a:endParaRPr sz="900" spc="0">
+                        <a:latin typeface="AdobeClean-Light"/>
+                        <a:cs typeface="AdobeClean-Light"/>
+                      </a:endParaRPr>
                     </a:p>
                   </a:txBody>
                   <a:tcPr marL="0" marR="0" marT="57150" marB="0">
@@ -5860,7 +6932,7 @@
                     <a:bodyPr/>
                     <a:lstStyle/>
                     <a:p>
-                      <a:pPr algn="l" rtl="0">
+                      <a:pPr>
                         <a:lnSpc>
                           <a:spcPct val="100000"/>
                         </a:lnSpc>
@@ -5895,12 +6967,16 @@
                         </a:lnSpc>
                       </a:pPr>
                       <a:r>
-                        <a:rPr lang="de-DE" sz="900">
+                        <a:rPr lang="en-US" sz="900">
                           <a:latin typeface="Times New Roman"/>
                           <a:cs typeface="Times New Roman"/>
                         </a:rPr>
                         <a:t>2</a:t>
                       </a:r>
+                      <a:endParaRPr sz="900">
+                        <a:latin typeface="Times New Roman"/>
+                        <a:cs typeface="Times New Roman"/>
+                      </a:endParaRPr>
                     </a:p>
                   </a:txBody>
                   <a:tcPr marL="0" marR="0" marT="0" marB="0">
@@ -5942,12 +7018,16 @@
                         </a:spcBef>
                       </a:pPr>
                       <a:r>
-                        <a:rPr lang="de-DE" sz="900">
+                        <a:rPr lang="en-US" sz="900" spc="0">
                           <a:latin typeface="AdobeClean-Light"/>
                           <a:cs typeface="AdobeClean-Light"/>
                         </a:rPr>
-                        <a:t>Jährliche Experten-Sessions</a:t>
+                        <a:t>Expert Sessions per Year</a:t>
                       </a:r>
+                      <a:endParaRPr sz="900" spc="0">
+                        <a:latin typeface="AdobeClean-Light"/>
+                        <a:cs typeface="AdobeClean-Light"/>
+                      </a:endParaRPr>
                     </a:p>
                   </a:txBody>
                   <a:tcPr marL="0" marR="0" marT="57150" marB="0">
@@ -5976,7 +7056,7 @@
                     <a:bodyPr/>
                     <a:lstStyle/>
                     <a:p>
-                      <a:pPr algn="l" rtl="0">
+                      <a:pPr>
                         <a:lnSpc>
                           <a:spcPct val="100000"/>
                         </a:lnSpc>
@@ -6011,12 +7091,16 @@
                         </a:lnSpc>
                       </a:pPr>
                       <a:r>
-                        <a:rPr lang="de-DE" sz="900">
+                        <a:rPr lang="en-US" sz="900">
                           <a:latin typeface="Times New Roman"/>
                           <a:cs typeface="Times New Roman"/>
                         </a:rPr>
                         <a:t>2</a:t>
                       </a:r>
+                      <a:endParaRPr sz="900">
+                        <a:latin typeface="Times New Roman"/>
+                        <a:cs typeface="Times New Roman"/>
+                      </a:endParaRPr>
                     </a:p>
                   </a:txBody>
                   <a:tcPr marL="0" marR="0" marT="0" marB="0">
@@ -6058,12 +7142,16 @@
                         </a:spcBef>
                       </a:pPr>
                       <a:r>
-                        <a:rPr lang="de-DE" sz="900" dirty="0">
+                        <a:rPr lang="en-US" sz="900" spc="0">
                           <a:latin typeface="AdobeClean-Light"/>
                           <a:cs typeface="AdobeClean-Light"/>
                         </a:rPr>
-                        <a:t>Fallprüfungen</a:t>
+                        <a:t>Case Reviews</a:t>
                       </a:r>
+                      <a:endParaRPr sz="900" spc="0">
+                        <a:latin typeface="AdobeClean-Light"/>
+                        <a:cs typeface="AdobeClean-Light"/>
+                      </a:endParaRPr>
                     </a:p>
                   </a:txBody>
                   <a:tcPr marL="0" marR="0" marT="57150" marB="0">
@@ -6092,7 +7180,7 @@
                     <a:bodyPr/>
                     <a:lstStyle/>
                     <a:p>
-                      <a:pPr algn="l" rtl="0">
+                      <a:pPr>
                         <a:lnSpc>
                           <a:spcPct val="100000"/>
                         </a:lnSpc>
@@ -6139,7 +7227,7 @@
                         <a:defRPr/>
                       </a:pPr>
                       <a:r>
-                        <a:rPr lang="de-DE" sz="900">
+                        <a:rPr lang="en-US" sz="900">
                           <a:solidFill>
                             <a:srgbClr val="020302"/>
                           </a:solidFill>
@@ -6148,6 +7236,10 @@
                         </a:rPr>
                         <a:t></a:t>
                       </a:r>
+                      <a:endParaRPr lang="en-US" sz="900">
+                        <a:latin typeface="Wingdings"/>
+                        <a:cs typeface="Wingdings"/>
+                      </a:endParaRPr>
                     </a:p>
                   </a:txBody>
                   <a:tcPr marL="0" marR="0" marT="0" marB="0">
@@ -6170,7 +7262,7 @@
                     <a:bodyPr/>
                     <a:lstStyle/>
                     <a:p>
-                      <a:pPr marL="48895" algn="l" rtl="0">
+                      <a:pPr marL="48895">
                         <a:lnSpc>
                           <a:spcPct val="100000"/>
                         </a:lnSpc>
@@ -6228,15 +7320,29 @@
                         </a:spcBef>
                       </a:pPr>
                       <a:r>
-                        <a:rPr lang="de-DE" sz="900">
+                        <a:rPr sz="900" spc="0">
                           <a:solidFill>
                             <a:srgbClr val="020302"/>
                           </a:solidFill>
                           <a:latin typeface="AdobeClean-Light"/>
                           <a:cs typeface="AdobeClean-Light"/>
                         </a:rPr>
-                        <a:t>Ereignis-Management</a:t>
+                        <a:t>Event </a:t>
                       </a:r>
+                      <a:r>
+                        <a:rPr lang="en-US" sz="900" spc="0">
+                          <a:solidFill>
+                            <a:srgbClr val="020302"/>
+                          </a:solidFill>
+                          <a:latin typeface="AdobeClean-Light"/>
+                          <a:cs typeface="AdobeClean-Light"/>
+                        </a:rPr>
+                        <a:t>Management</a:t>
+                      </a:r>
+                      <a:endParaRPr sz="900" spc="0">
+                        <a:latin typeface="AdobeClean-Light"/>
+                        <a:cs typeface="AdobeClean-Light"/>
+                      </a:endParaRPr>
                     </a:p>
                   </a:txBody>
                   <a:tcPr marL="0" marR="0" marT="58419" marB="0">
@@ -6265,7 +7371,7 @@
                     <a:bodyPr/>
                     <a:lstStyle/>
                     <a:p>
-                      <a:pPr algn="l" rtl="0">
+                      <a:pPr>
                         <a:lnSpc>
                           <a:spcPct val="100000"/>
                         </a:lnSpc>
@@ -6294,7 +7400,7 @@
                     <a:bodyPr/>
                     <a:lstStyle/>
                     <a:p>
-                      <a:pPr algn="l" rtl="0">
+                      <a:pPr>
                         <a:lnSpc>
                           <a:spcPct val="100000"/>
                         </a:lnSpc>
@@ -6325,7 +7431,7 @@
                     <a:bodyPr/>
                     <a:lstStyle/>
                     <a:p>
-                      <a:pPr marL="48895" algn="l" rtl="0">
+                      <a:pPr marL="48895">
                         <a:lnSpc>
                           <a:spcPct val="100000"/>
                         </a:lnSpc>
@@ -6374,15 +7480,39 @@
                         </a:spcBef>
                       </a:pPr>
                       <a:r>
-                        <a:rPr lang="de-DE" sz="900">
+                        <a:rPr sz="900" spc="0">
                           <a:solidFill>
                             <a:srgbClr val="020302"/>
                           </a:solidFill>
                           <a:latin typeface="AdobeClean-Light"/>
                           <a:cs typeface="AdobeClean-Light"/>
                         </a:rPr>
-                        <a:t>Umgebungsbewertung, -wartung und -überwachung</a:t>
+                        <a:t>Environment</a:t>
                       </a:r>
+                      <a:r>
+                        <a:rPr lang="en-US" sz="900" spc="0">
+                          <a:solidFill>
+                            <a:srgbClr val="020302"/>
+                          </a:solidFill>
+                          <a:latin typeface="AdobeClean-Light"/>
+                          <a:cs typeface="AdobeClean-Light"/>
+                        </a:rPr>
+                        <a:t> </a:t>
+                      </a:r>
+                      <a:r>
+                        <a:rPr sz="900" spc="0">
+                          <a:solidFill>
+                            <a:srgbClr val="020302"/>
+                          </a:solidFill>
+                          <a:latin typeface="AdobeClean-Light"/>
+                          <a:cs typeface="AdobeClean-Light"/>
+                        </a:rPr>
+                        <a:t>Review, Maintenance &amp; Monitoring</a:t>
+                      </a:r>
+                      <a:endParaRPr sz="900" spc="0">
+                        <a:latin typeface="AdobeClean-Light"/>
+                        <a:cs typeface="AdobeClean-Light"/>
+                      </a:endParaRPr>
                     </a:p>
                   </a:txBody>
                   <a:tcPr marL="0" marR="0" marT="59055" marB="0">
@@ -6405,7 +7535,7 @@
                     <a:bodyPr/>
                     <a:lstStyle/>
                     <a:p>
-                      <a:pPr algn="l" rtl="0">
+                      <a:pPr>
                         <a:lnSpc>
                           <a:spcPct val="100000"/>
                         </a:lnSpc>
@@ -6434,7 +7564,7 @@
                     <a:bodyPr/>
                     <a:lstStyle/>
                     <a:p>
-                      <a:pPr algn="l" rtl="0">
+                      <a:pPr>
                         <a:lnSpc>
                           <a:spcPct val="100000"/>
                         </a:lnSpc>
@@ -6465,7 +7595,7 @@
                     <a:bodyPr/>
                     <a:lstStyle/>
                     <a:p>
-                      <a:pPr marL="49530" algn="l" rtl="0">
+                      <a:pPr marL="49530">
                         <a:lnSpc>
                           <a:spcPct val="100000"/>
                         </a:lnSpc>
@@ -6514,15 +7644,19 @@
                         </a:spcBef>
                       </a:pPr>
                       <a:r>
-                        <a:rPr lang="de-DE" sz="900" spc="-30" baseline="0" dirty="0">
+                        <a:rPr sz="900" spc="0">
                           <a:solidFill>
                             <a:srgbClr val="020302"/>
                           </a:solidFill>
                           <a:latin typeface="AdobeClean-Light"/>
                           <a:cs typeface="AdobeClean-Light"/>
                         </a:rPr>
-                        <a:t>Prüfung von Freigabe, Migration, Aktualisierung und Produkt-Roadmap</a:t>
+                        <a:t>Release, Migration, Upgrade &amp; Product Roadmap Review</a:t>
                       </a:r>
+                      <a:endParaRPr sz="900" spc="0">
+                        <a:latin typeface="AdobeClean-Light"/>
+                        <a:cs typeface="AdobeClean-Light"/>
+                      </a:endParaRPr>
                     </a:p>
                   </a:txBody>
                   <a:tcPr marL="0" marR="0" marT="63500" marB="0">
@@ -6545,7 +7679,7 @@
                     <a:bodyPr/>
                     <a:lstStyle/>
                     <a:p>
-                      <a:pPr algn="l" rtl="0">
+                      <a:pPr>
                         <a:lnSpc>
                           <a:spcPct val="100000"/>
                         </a:lnSpc>
@@ -6574,7 +7708,7 @@
                     <a:bodyPr/>
                     <a:lstStyle/>
                     <a:p>
-                      <a:pPr algn="l" rtl="0">
+                      <a:pPr>
                         <a:lnSpc>
                           <a:spcPct val="100000"/>
                         </a:lnSpc>
@@ -6605,7 +7739,7 @@
                     <a:bodyPr/>
                     <a:lstStyle/>
                     <a:p>
-                      <a:pPr marL="49530" algn="l" rtl="0">
+                      <a:pPr marL="49530">
                         <a:lnSpc>
                           <a:spcPct val="100000"/>
                         </a:lnSpc>
@@ -6663,11 +7797,11 @@
                         </a:spcBef>
                       </a:pPr>
                       <a:r>
-                        <a:rPr lang="de-DE" sz="900">
+                        <a:rPr sz="900" spc="0">
                           <a:latin typeface="AdobeClean-Light"/>
                           <a:cs typeface="AdobeClean-Light"/>
                         </a:rPr>
-                        <a:t>Cloud-Support-Aktivitäten – Experience Manager as a Cloud Service</a:t>
+                        <a:t>Cloud Support Activities – Experience Manager as Cloud</a:t>
                       </a:r>
                     </a:p>
                   </a:txBody>
@@ -6697,7 +7831,7 @@
                     <a:bodyPr/>
                     <a:lstStyle/>
                     <a:p>
-                      <a:pPr algn="l" rtl="0">
+                      <a:pPr>
                         <a:lnSpc>
                           <a:spcPct val="100000"/>
                         </a:lnSpc>
@@ -6753,7 +7887,7 @@
                         <a:defRPr/>
                       </a:pPr>
                       <a:r>
-                        <a:rPr lang="de-DE" sz="900">
+                        <a:rPr lang="en-US" sz="900">
                           <a:solidFill>
                             <a:srgbClr val="020302"/>
                           </a:solidFill>
@@ -6762,9 +7896,13 @@
                         </a:rPr>
                         <a:t></a:t>
                       </a:r>
+                      <a:endParaRPr lang="en-US" sz="900">
+                        <a:latin typeface="Wingdings"/>
+                        <a:cs typeface="Wingdings"/>
+                      </a:endParaRPr>
                     </a:p>
                     <a:p>
-                      <a:pPr marL="0" marR="0" lvl="0" indent="0" algn="l" defTabSz="914400" rtl="0" eaLnBrk="1" fontAlgn="auto" latinLnBrk="0" hangingPunct="1">
+                      <a:pPr marL="0" marR="0" lvl="0" indent="0" algn="ctr" defTabSz="914400" eaLnBrk="1" fontAlgn="auto" latinLnBrk="0" hangingPunct="1">
                         <a:lnSpc>
                           <a:spcPct val="100000"/>
                         </a:lnSpc>
@@ -6827,15 +7965,22 @@
                         </a:spcBef>
                       </a:pPr>
                       <a:r>
-                        <a:rPr lang="de-DE" sz="1000" b="1" i="0">
+                        <a:rPr lang="en-US" sz="1000" b="1" i="0" spc="0">
                           <a:solidFill>
                             <a:schemeClr val="bg1"/>
                           </a:solidFill>
                           <a:latin typeface="Adobe Clean" panose="020B0503020404020204" pitchFamily="34" charset="0"/>
                           <a:cs typeface="AdobeClean-Light"/>
                         </a:rPr>
-                        <a:t>Außendienst</a:t>
+                        <a:t>Field Services</a:t>
                       </a:r>
+                      <a:endParaRPr sz="1000" b="1" i="0" spc="0">
+                        <a:solidFill>
+                          <a:schemeClr val="bg1"/>
+                        </a:solidFill>
+                        <a:latin typeface="Adobe Clean" panose="020B0503020404020204" pitchFamily="34" charset="0"/>
+                        <a:cs typeface="AdobeClean-Light"/>
+                      </a:endParaRPr>
                     </a:p>
                   </a:txBody>
                   <a:tcPr marL="0" marR="0" marT="48260" marB="0" anchor="ctr">
@@ -6888,14 +8033,14 @@
                         </a:spcBef>
                       </a:pPr>
                       <a:r>
-                        <a:rPr lang="de-DE" sz="900">
+                        <a:rPr sz="900" spc="0">
                           <a:solidFill>
                             <a:srgbClr val="020302"/>
                           </a:solidFill>
                           <a:latin typeface="AdobeClean-Light"/>
                           <a:cs typeface="AdobeClean-Light"/>
                         </a:rPr>
-                        <a:t>Launch Advisory-Services – Erstes Jahr mit der neuen Lösung</a:t>
+                        <a:t>Launch Advisory Services – First Year of new solution</a:t>
                       </a:r>
                     </a:p>
                   </a:txBody>
@@ -6935,7 +8080,7 @@
                     <a:bodyPr/>
                     <a:lstStyle/>
                     <a:p>
-                      <a:pPr algn="l" rtl="0">
+                      <a:pPr>
                         <a:lnSpc>
                           <a:spcPct val="100000"/>
                         </a:lnSpc>
@@ -6991,7 +8136,7 @@
                         <a:defRPr/>
                       </a:pPr>
                       <a:r>
-                        <a:rPr lang="de-DE" sz="900">
+                        <a:rPr lang="en-US" sz="900">
                           <a:solidFill>
                             <a:srgbClr val="020302"/>
                           </a:solidFill>
@@ -7000,6 +8145,10 @@
                         </a:rPr>
                         <a:t></a:t>
                       </a:r>
+                      <a:endParaRPr lang="en-US" sz="900">
+                        <a:latin typeface="Wingdings"/>
+                        <a:cs typeface="Wingdings"/>
+                      </a:endParaRPr>
                     </a:p>
                   </a:txBody>
                   <a:tcPr marL="0" marR="0" marT="0" marB="0">
@@ -7120,7 +8269,7 @@
                         <a:defRPr/>
                       </a:pPr>
                       <a:r>
-                        <a:rPr lang="de-DE" sz="900">
+                        <a:rPr lang="en-US" sz="900">
                           <a:solidFill>
                             <a:srgbClr val="020302"/>
                           </a:solidFill>
@@ -7129,6 +8278,10 @@
                         </a:rPr>
                         <a:t></a:t>
                       </a:r>
+                      <a:endParaRPr lang="en-US" sz="900">
+                        <a:latin typeface="Wingdings"/>
+                        <a:cs typeface="Wingdings"/>
+                      </a:endParaRPr>
                     </a:p>
                   </a:txBody>
                   <a:tcPr marL="0" marR="0" marT="0" marB="0">
@@ -7185,11 +8338,11 @@
                         <a:defRPr/>
                       </a:pPr>
                       <a:r>
-                        <a:rPr lang="de-DE" sz="900" dirty="0">
+                        <a:rPr lang="en-US" sz="900" spc="0">
                           <a:latin typeface="AdobeClean-Light"/>
                           <a:cs typeface="AdobeClean-Light"/>
                         </a:rPr>
-                        <a:t>Außendienstaktivitäten </a:t>
+                        <a:t>Field Service Activities </a:t>
                       </a:r>
                     </a:p>
                   </a:txBody>
@@ -7324,14 +8477,14 @@
         <p:spPr>
           <a:xfrm>
             <a:off x="2835999" y="9021041"/>
-            <a:ext cx="2194560" cy="795089"/>
+            <a:ext cx="2194560" cy="641201"/>
           </a:xfrm>
           <a:prstGeom prst="rect">
             <a:avLst/>
           </a:prstGeom>
         </p:spPr>
         <p:txBody>
-          <a:bodyPr vert="horz" wrap="square" lIns="0" tIns="12700" rIns="0" bIns="0" rtlCol="0">
+          <a:bodyPr vert="horz" wrap="square" lIns="0" tIns="12700" rIns="0" bIns="0" rtlCol="0" anchor="t">
             <a:spAutoFit/>
           </a:bodyPr>
           <a:lstStyle/>
@@ -7348,21 +8501,158 @@
               </a:tabLst>
             </a:pPr>
             <a:r>
-              <a:rPr lang="de-DE" sz="1000" dirty="0">
+              <a:rPr sz="1000" spc="-20" dirty="0">
                 <a:solidFill>
                   <a:srgbClr val="020302"/>
                 </a:solidFill>
                 <a:latin typeface="AdobeClean-Light"/>
                 <a:cs typeface="AdobeClean-Light"/>
               </a:rPr>
-              <a:t>Starten Sie eine Chat-Session, um Antworten und Hilfe bei der Fallübermittlung zu erhalten</a:t>
+              <a:t>Start </a:t>
+            </a:r>
+            <a:r>
+              <a:rPr sz="1000" dirty="0">
+                <a:solidFill>
+                  <a:srgbClr val="020302"/>
+                </a:solidFill>
+                <a:latin typeface="AdobeClean-Light"/>
+                <a:cs typeface="AdobeClean-Light"/>
+              </a:rPr>
+              <a:t>a </a:t>
+            </a:r>
+            <a:r>
+              <a:rPr sz="1000" spc="-15" dirty="0">
+                <a:solidFill>
+                  <a:srgbClr val="020302"/>
+                </a:solidFill>
+                <a:latin typeface="AdobeClean-Light"/>
+                <a:cs typeface="AdobeClean-Light"/>
+              </a:rPr>
+              <a:t>chat </a:t>
+            </a:r>
+            <a:r>
+              <a:rPr sz="1000" spc="-10" dirty="0">
+                <a:solidFill>
+                  <a:srgbClr val="020302"/>
+                </a:solidFill>
+                <a:latin typeface="AdobeClean-Light"/>
+                <a:cs typeface="AdobeClean-Light"/>
+              </a:rPr>
+              <a:t>session </a:t>
+            </a:r>
+            <a:r>
+              <a:rPr sz="1000" spc="-5" dirty="0">
+                <a:solidFill>
+                  <a:srgbClr val="020302"/>
+                </a:solidFill>
+                <a:latin typeface="AdobeClean-Light"/>
+                <a:cs typeface="AdobeClean-Light"/>
+              </a:rPr>
+              <a:t>to </a:t>
+            </a:r>
+            <a:r>
+              <a:rPr sz="1000" spc="-10" dirty="0">
+                <a:solidFill>
+                  <a:srgbClr val="020302"/>
+                </a:solidFill>
+                <a:latin typeface="AdobeClean-Light"/>
+                <a:cs typeface="AdobeClean-Light"/>
+              </a:rPr>
+              <a:t>get </a:t>
+            </a:r>
+            <a:r>
+              <a:rPr sz="1000" spc="-20" dirty="0">
+                <a:solidFill>
+                  <a:srgbClr val="020302"/>
+                </a:solidFill>
+                <a:latin typeface="AdobeClean-Light"/>
+                <a:cs typeface="AdobeClean-Light"/>
+              </a:rPr>
+              <a:t>answers</a:t>
+            </a:r>
+            <a:r>
+              <a:rPr lang="en-US" sz="1000" spc="-45" dirty="0">
+                <a:solidFill>
+                  <a:srgbClr val="020302"/>
+                </a:solidFill>
+                <a:latin typeface="AdobeClean-Light"/>
+                <a:cs typeface="AdobeClean-Light"/>
+              </a:rPr>
+              <a:t> </a:t>
+            </a:r>
+            <a:r>
+              <a:rPr lang="en-US" sz="1000" dirty="0">
+                <a:solidFill>
+                  <a:srgbClr val="020302"/>
+                </a:solidFill>
+                <a:latin typeface="AdobeClean-Light"/>
+                <a:cs typeface="AdobeClean-Light"/>
+              </a:rPr>
+              <a:t>&amp; </a:t>
+            </a:r>
+            <a:r>
+              <a:rPr sz="1000" spc="-15" dirty="0">
+                <a:solidFill>
+                  <a:srgbClr val="020302"/>
+                </a:solidFill>
+                <a:latin typeface="AdobeClean-Light"/>
+                <a:cs typeface="AdobeClean-Light"/>
+              </a:rPr>
+              <a:t>help </a:t>
+            </a:r>
+            <a:r>
+              <a:rPr sz="1000" spc="-10" dirty="0">
+                <a:solidFill>
+                  <a:srgbClr val="020302"/>
+                </a:solidFill>
+                <a:latin typeface="AdobeClean-Light"/>
+                <a:cs typeface="AdobeClean-Light"/>
+              </a:rPr>
+              <a:t>with</a:t>
+            </a:r>
+            <a:r>
+              <a:rPr sz="1000" spc="85" dirty="0">
+                <a:solidFill>
+                  <a:srgbClr val="020302"/>
+                </a:solidFill>
+                <a:latin typeface="AdobeClean-Light"/>
+                <a:cs typeface="AdobeClean-Light"/>
+              </a:rPr>
+              <a:t> </a:t>
+            </a:r>
+            <a:r>
+              <a:rPr sz="1000" spc="-10" dirty="0">
+                <a:solidFill>
+                  <a:srgbClr val="020302"/>
+                </a:solidFill>
+                <a:latin typeface="AdobeClean-Light"/>
+                <a:cs typeface="AdobeClean-Light"/>
+              </a:rPr>
+              <a:t>case </a:t>
+            </a:r>
+            <a:r>
+              <a:rPr sz="1000" spc="-20">
+                <a:solidFill>
+                  <a:srgbClr val="020302"/>
+                </a:solidFill>
+                <a:latin typeface="AdobeClean-Light"/>
+                <a:cs typeface="AdobeClean-Light"/>
+              </a:rPr>
+              <a:t>submission</a:t>
+            </a:r>
+            <a:r>
+              <a:rPr lang="en-US" sz="1000" spc="-20">
+                <a:solidFill>
+                  <a:srgbClr val="020302"/>
+                </a:solidFill>
+                <a:latin typeface="AdobeClean-Light"/>
+                <a:cs typeface="AdobeClean-Light"/>
+              </a:rPr>
+              <a:t>.</a:t>
             </a:r>
           </a:p>
           <a:p>
             <a:pPr marL="33020" marR="159385">
-              <a:lnSpc>
-                <a:spcPct val="100000"/>
-              </a:lnSpc>
               <a:spcBef>
                 <a:spcPts val="100"/>
               </a:spcBef>
@@ -7371,44 +8661,49 @@
               </a:tabLst>
             </a:pPr>
             <a:r>
-              <a:rPr lang="de-DE" sz="1000" i="1" dirty="0">
+              <a:rPr sz="1000" i="1" spc="-10" dirty="0">
                 <a:solidFill>
                   <a:srgbClr val="7A7A7A"/>
                 </a:solidFill>
                 <a:latin typeface="AdobeClean-LightIt"/>
                 <a:cs typeface="AdobeClean-LightIt"/>
               </a:rPr>
-              <a:t>*Nicht alle Produkte verfügen über </a:t>
-            </a:r>
-            <a:br>
-              <a:rPr lang="sk-SK" sz="1000" i="1" dirty="0">
+              <a:t>*Not all </a:t>
+            </a:r>
+            <a:r>
+              <a:rPr sz="1000" i="1" spc="-20" dirty="0">
                 <a:solidFill>
                   <a:srgbClr val="7A7A7A"/>
                 </a:solidFill>
                 <a:latin typeface="AdobeClean-LightIt"/>
                 <a:cs typeface="AdobeClean-LightIt"/>
               </a:rPr>
-            </a:br>
-            <a:r>
-              <a:rPr lang="de-DE" sz="1000" i="1" dirty="0">
+              <a:t>products have live chat support</a:t>
+            </a:r>
+            <a:r>
+              <a:rPr sz="900" i="1" spc="-20" dirty="0">
                 <a:solidFill>
                   <a:srgbClr val="7A7A7A"/>
                 </a:solidFill>
                 <a:latin typeface="AdobeClean-LightIt"/>
                 <a:cs typeface="AdobeClean-LightIt"/>
               </a:rPr>
-              <a:t>Live-Chat-Support</a:t>
-            </a:r>
-            <a:r>
-              <a:rPr lang="de-DE" sz="900" i="1" dirty="0">
+              <a:t>.</a:t>
+            </a:r>
+            <a:r>
+              <a:rPr lang="en-US" sz="900" i="1" spc="-20" dirty="0">
                 <a:solidFill>
                   <a:srgbClr val="7A7A7A"/>
                 </a:solidFill>
                 <a:latin typeface="AdobeClean-LightIt"/>
                 <a:cs typeface="AdobeClean-LightIt"/>
               </a:rPr>
-              <a:t>.  </a:t>
-            </a:r>
+              <a:t>  </a:t>
+            </a:r>
+            <a:endParaRPr sz="900">
+              <a:latin typeface="AdobeClean-Light"/>
+              <a:cs typeface="AdobeClean-Light"/>
+            </a:endParaRPr>
           </a:p>
         </p:txBody>
       </p:sp>
@@ -7455,12 +8750,12 @@
               <a:defRPr/>
             </a:pPr>
             <a:r>
-              <a:rPr lang="de-DE" sz="1200">
+              <a:rPr lang="en-US" sz="1200">
                 <a:solidFill>
                   <a:srgbClr val="000000"/>
                 </a:solidFill>
               </a:rPr>
-              <a:t>Community-Foren</a:t>
+              <a:t>Community Forums</a:t>
             </a:r>
           </a:p>
         </p:txBody>
@@ -7503,12 +8798,12 @@
               </a:spcAft>
             </a:pPr>
             <a:r>
-              <a:rPr lang="de-DE" sz="1200" b="1">
+              <a:rPr lang="en-US" sz="1200" b="1">
                 <a:latin typeface="+mj-lt"/>
                 <a:ea typeface="Open Sans" pitchFamily="34" charset="0"/>
                 <a:cs typeface="Open Sans" pitchFamily="34" charset="0"/>
               </a:rPr>
-              <a:t>Online-Foren</a:t>
+              <a:t>Online Forums</a:t>
             </a:r>
           </a:p>
         </p:txBody>
@@ -7535,20 +8830,26 @@
           </a:prstGeom>
         </p:spPr>
         <p:txBody>
-          <a:bodyPr vert="horz" wrap="square" lIns="0" tIns="35560" rIns="0" bIns="0" rtlCol="0">
+          <a:bodyPr vert="horz" wrap="square" lIns="0" tIns="35560" rIns="0" bIns="0" rtlCol="0" anchor="t">
             <a:spAutoFit/>
           </a:bodyPr>
           <a:lstStyle/>
           <a:p>
             <a:r>
-              <a:rPr lang="de-DE" sz="1000">
+              <a:rPr lang="en-US" sz="1000" dirty="0">
                 <a:solidFill>
                   <a:srgbClr val="4B4B4B"/>
                 </a:solidFill>
-                <a:latin typeface="Adobe Clean Light" panose="020B0303020404020204" pitchFamily="34" charset="0"/>
-              </a:rPr>
-              <a:t>Kontinuierlicher Online-Zugriff auf eine wachsende Datenbank technischer Lösungen, Produktdokumentationen, FAQs und mehr. Tauschen Sie sich mit Fachleuten und anderen Kunden in der Adobe-Community über Best Practices und Erfahrungen aus</a:t>
-            </a:r>
+                <a:latin typeface="Adobe Clean Light"/>
+              </a:rPr>
+              <a:t>Continuous online access to a growing database of technical solutions, product documentation, FAQs and more. Connect with practitioners and other customers on Adobe Community to share best practices and lessons learned.</a:t>
+            </a:r>
+            <a:endParaRPr lang="en-US" sz="1000" dirty="0">
+              <a:solidFill>
+                <a:srgbClr val="4B4B4B"/>
+              </a:solidFill>
+              <a:latin typeface="Adobe Clean Light" panose="020B0303020404020204" pitchFamily="34" charset="0"/>
+            </a:endParaRPr>
           </a:p>
         </p:txBody>
       </p:sp>
@@ -7595,7 +8896,7 @@
               <a:defRPr/>
             </a:pPr>
             <a:r>
-              <a:rPr lang="de-DE" sz="1200">
+              <a:rPr lang="en-US" sz="1200">
                 <a:solidFill>
                   <a:srgbClr val="000000"/>
                 </a:solidFill>
@@ -7643,12 +8944,12 @@
               </a:spcAft>
             </a:pPr>
             <a:r>
-              <a:rPr lang="de-DE" sz="1200" b="1">
+              <a:rPr lang="en-US" sz="1200" b="1">
                 <a:latin typeface="+mj-lt"/>
                 <a:ea typeface="Open Sans" pitchFamily="34" charset="0"/>
                 <a:cs typeface="Open Sans" pitchFamily="34" charset="0"/>
               </a:rPr>
-              <a:t>Journeys für die Selbsthilfe</a:t>
+              <a:t>Self-guided Journeys</a:t>
             </a:r>
           </a:p>
         </p:txBody>
@@ -7675,20 +8976,26 @@
           </a:prstGeom>
         </p:spPr>
         <p:txBody>
-          <a:bodyPr vert="horz" wrap="square" lIns="0" tIns="35560" rIns="0" bIns="0" rtlCol="0">
+          <a:bodyPr vert="horz" wrap="square" lIns="0" tIns="35560" rIns="0" bIns="0" rtlCol="0" anchor="t">
             <a:spAutoFit/>
           </a:bodyPr>
           <a:lstStyle/>
           <a:p>
             <a:r>
-              <a:rPr lang="de-DE" sz="1000">
+              <a:rPr lang="en-US" sz="1000" dirty="0">
                 <a:solidFill>
                   <a:srgbClr val="4B4B4B"/>
                 </a:solidFill>
-                <a:latin typeface="Adobe Clean Light" panose="020B0303020404020204" pitchFamily="34" charset="0"/>
-              </a:rPr>
-              <a:t>Experience Maker entstehen in der Experience League. Kunden können durch personalisiertes Lernen ihre Customer-Experience-Management-Fähigkeiten entwickeln, mit einer globalen Community anderer Anwender interagieren und so ihre eigene Karriere fördern</a:t>
-            </a:r>
+                <a:latin typeface="Adobe Clean Light"/>
+              </a:rPr>
+              <a:t>Experience Makers are made with Experience League. Customers can kickstart their Customer Experience Management abilities with personalized learning to develop skills, engage with a global community of peers, and earn career advancing recognition.</a:t>
+            </a:r>
+            <a:endParaRPr lang="en-US" sz="1000" dirty="0">
+              <a:solidFill>
+                <a:srgbClr val="4B4B4B"/>
+              </a:solidFill>
+              <a:latin typeface="Adobe Clean Light" panose="020B0303020404020204" pitchFamily="34" charset="0"/>
+            </a:endParaRPr>
           </a:p>
         </p:txBody>
       </p:sp>
@@ -7735,12 +9042,12 @@
               <a:defRPr/>
             </a:pPr>
             <a:r>
-              <a:rPr lang="de-DE" sz="1200">
+              <a:rPr lang="en-US" sz="1200">
                 <a:solidFill>
                   <a:srgbClr val="000000"/>
                 </a:solidFill>
               </a:rPr>
-              <a:t>Live-Chat-Support*</a:t>
+              <a:t>Live Chat  Support*</a:t>
             </a:r>
           </a:p>
         </p:txBody>
@@ -7783,12 +9090,12 @@
               </a:spcAft>
             </a:pPr>
             <a:r>
-              <a:rPr lang="de-DE" sz="1200" b="1">
+              <a:rPr lang="en-US" sz="1200" b="1">
                 <a:latin typeface="+mj-lt"/>
                 <a:ea typeface="Open Sans" pitchFamily="34" charset="0"/>
                 <a:cs typeface="Open Sans" pitchFamily="34" charset="0"/>
               </a:rPr>
-              <a:t>Chat-Support</a:t>
+              <a:t>Chat Support</a:t>
             </a:r>
           </a:p>
         </p:txBody>
@@ -7836,7 +9143,7 @@
               <a:defRPr/>
             </a:pPr>
             <a:r>
-              <a:rPr lang="de-DE" sz="1200">
+              <a:rPr lang="en-US" sz="1200">
                 <a:solidFill>
                   <a:srgbClr val="000000"/>
                 </a:solidFill>
@@ -7884,12 +9191,12 @@
               </a:spcAft>
             </a:pPr>
             <a:r>
-              <a:rPr lang="de-DE" sz="1200" b="1">
+              <a:rPr lang="en-US" sz="1200" b="1">
                 <a:latin typeface="+mj-lt"/>
                 <a:ea typeface="Open Sans" pitchFamily="34" charset="0"/>
                 <a:cs typeface="Open Sans" pitchFamily="34" charset="0"/>
               </a:rPr>
-              <a:t>Telefonischer Support</a:t>
+              <a:t>Phone  Support</a:t>
             </a:r>
           </a:p>
         </p:txBody>
@@ -7922,29 +9229,35 @@
           <a:lstStyle/>
           <a:p>
             <a:r>
-              <a:rPr lang="de-DE" sz="1000">
+              <a:rPr lang="en-US" sz="1000">
                 <a:solidFill>
                   <a:srgbClr val="020302"/>
                 </a:solidFill>
                 <a:latin typeface="AdobeClean-Light"/>
               </a:rPr>
-              <a:t>Autorisierte Anwender oder </a:t>
-            </a:r>
-            <a:r>
-              <a:rPr lang="de-DE" sz="1000" b="1">
+              <a:t>Authorized users or </a:t>
+            </a:r>
+            <a:r>
+              <a:rPr lang="en-US" sz="1000" b="1">
                 <a:solidFill>
                   <a:srgbClr val="020302"/>
                 </a:solidFill>
                 <a:latin typeface="AdobeClean-Light"/>
               </a:rPr>
-              <a:t>spezifische Support-Kontakte</a:t>
-            </a:r>
-            <a:r>
-              <a:rPr lang="de-DE" sz="1000">
+              <a:t>Named Support Contacts </a:t>
+            </a:r>
+            <a:r>
+              <a:rPr lang="en-US" sz="1000">
                 <a:latin typeface="Adobe Clean Light" panose="020B0303020404020204" pitchFamily="34" charset="0"/>
               </a:rPr>
-              <a:t> können Probleme über alle verfügbaren Kanäle (einschließlich Telefon für P1) einreichen und im Namen Ihres Unternehmens mit unserem technischen Support-Team interagieren. </a:t>
-            </a:r>
+              <a:t>can submit issues through all available  channels (including phone for P1) and interact with our technical support team on behalf of your company. </a:t>
+            </a:r>
+            <a:endParaRPr lang="en-US" sz="1000">
+              <a:solidFill>
+                <a:srgbClr val="000000"/>
+              </a:solidFill>
+              <a:latin typeface="Adobe Clean Light" panose="020B0303020404020204" pitchFamily="34" charset="0"/>
+            </a:endParaRPr>
           </a:p>
         </p:txBody>
       </p:sp>
@@ -7963,7 +9276,7 @@
         <p:spPr>
           <a:xfrm>
             <a:off x="214971" y="6447157"/>
-            <a:ext cx="2128177" cy="60742"/>
+            <a:ext cx="1848207" cy="45719"/>
           </a:xfrm>
           <a:custGeom>
             <a:avLst/>
@@ -8032,15 +9345,19 @@
               </a:spcBef>
             </a:pPr>
             <a:r>
-              <a:rPr lang="de-DE" sz="1400" b="1">
-                <a:solidFill>
-                  <a:srgbClr val="020302"/>
-                </a:solidFill>
-                <a:latin typeface="Adobe Clean"/>
-                <a:cs typeface="Adobe Clean"/>
-              </a:rPr>
-              <a:t>Umfang von Online Support</a:t>
-            </a:r>
+              <a:rPr lang="en-US" sz="1400" b="1" spc="-10">
+                <a:solidFill>
+                  <a:srgbClr val="020302"/>
+                </a:solidFill>
+                <a:latin typeface="Adobe Clean"/>
+                <a:cs typeface="Adobe Clean"/>
+              </a:rPr>
+              <a:t>Online Support Features</a:t>
+            </a:r>
+            <a:endParaRPr lang="en-US" sz="1400">
+              <a:latin typeface="Adobe Clean"/>
+              <a:cs typeface="Adobe Clean"/>
+            </a:endParaRPr>
           </a:p>
         </p:txBody>
       </p:sp>
@@ -8087,7 +9404,7 @@
               <a:defRPr/>
             </a:pPr>
             <a:r>
-              <a:rPr lang="de-DE" sz="1200">
+              <a:rPr lang="en-US" sz="1200">
                 <a:solidFill>
                   <a:srgbClr val="000000"/>
                 </a:solidFill>
@@ -8135,12 +9452,12 @@
               </a:spcAft>
             </a:pPr>
             <a:r>
-              <a:rPr lang="de-DE" sz="1200" b="1">
+              <a:rPr lang="en-US" sz="1200" b="1">
                 <a:latin typeface="+mj-lt"/>
                 <a:ea typeface="Open Sans" pitchFamily="34" charset="0"/>
                 <a:cs typeface="Open Sans" pitchFamily="34" charset="0"/>
               </a:rPr>
-              <a:t>Webinare</a:t>
+              <a:t>Webinars</a:t>
             </a:r>
           </a:p>
         </p:txBody>
@@ -8160,7 +9477,7 @@
         <p:spPr>
           <a:xfrm>
             <a:off x="355868" y="8986613"/>
-            <a:ext cx="2396720" cy="805349"/>
+            <a:ext cx="2194560" cy="805349"/>
           </a:xfrm>
           <a:prstGeom prst="rect">
             <a:avLst/>
@@ -8173,13 +9490,13 @@
           <a:lstStyle/>
           <a:p>
             <a:r>
-              <a:rPr lang="de-DE" sz="1000" dirty="0">
+              <a:rPr lang="en-US" sz="1000">
                 <a:solidFill>
                   <a:srgbClr val="4B4B4B"/>
                 </a:solidFill>
                 <a:latin typeface="Adobe Clean Light" panose="020B0303020404020204" pitchFamily="34" charset="0"/>
               </a:rPr>
-              <a:t>Die vom Adobe Support-Team geleitete Office Hours-Reihe umfasst Sessions mit informativem Inhalt sowie Angebote zur Problembehebung sowie Tipps und Tricks für den Erfolg bei der Nutzung von Adobe-Lösungen. </a:t>
+              <a:t>Office Hours led by the Adobe Customer Support team includes sessions designed to inform as well as help participants troubleshoot problems and provide tips and tricks for success with Adobe solutions. </a:t>
             </a:r>
           </a:p>
         </p:txBody>
@@ -8227,12 +9544,12 @@
               <a:defRPr/>
             </a:pPr>
             <a:r>
-              <a:rPr lang="de-DE" sz="1200">
+              <a:rPr lang="en-US" sz="1200">
                 <a:solidFill>
                   <a:srgbClr val="000000"/>
                 </a:solidFill>
               </a:rPr>
-              <a:t>Selbsthilfe-Portale</a:t>
+              <a:t>Self-help Portals</a:t>
             </a:r>
           </a:p>
         </p:txBody>
@@ -8275,12 +9592,12 @@
               </a:spcAft>
             </a:pPr>
             <a:r>
-              <a:rPr lang="de-DE" sz="1200" b="1">
+              <a:rPr lang="en-US" sz="1200" b="1">
                 <a:latin typeface="+mj-lt"/>
                 <a:ea typeface="Open Sans" pitchFamily="34" charset="0"/>
                 <a:cs typeface="Open Sans" pitchFamily="34" charset="0"/>
               </a:rPr>
-              <a:t>24/7-Support-Portal</a:t>
+              <a:t>24/7 Support Portal</a:t>
             </a:r>
           </a:p>
         </p:txBody>
@@ -8300,7 +9617,7 @@
         <p:spPr>
           <a:xfrm>
             <a:off x="5265661" y="8947635"/>
-            <a:ext cx="2408951" cy="959237"/>
+            <a:ext cx="2194560" cy="805349"/>
           </a:xfrm>
           <a:prstGeom prst="rect">
             <a:avLst/>
@@ -8313,13 +9630,30 @@
           <a:lstStyle/>
           <a:p>
             <a:r>
-              <a:rPr lang="de-DE" sz="1000" dirty="0">
+              <a:rPr lang="en-US" sz="1000">
                 <a:solidFill>
                   <a:srgbClr val="4B4B4B"/>
                 </a:solidFill>
                 <a:latin typeface="Adobe Clean Light" panose="020B0303020404020204" pitchFamily="34" charset="0"/>
               </a:rPr>
-              <a:t>On-Demand-Zugriff auf das Online-Selbsthilfe-Support-Portal, um Support-Anfragen einzureichen, den Fallstatus zu überprüfen und andere Ressourcen zu durchsuchen, z. B. unsere Wissensdatenbank, Neuigkeiten und Hinweise, spezielle Tipps und mehr.</a:t>
+              <a:t>On-demand access to the online </a:t>
+            </a:r>
+            <a:br>
+              <a:rPr lang="en-US" sz="1000">
+                <a:solidFill>
+                  <a:srgbClr val="4B4B4B"/>
+                </a:solidFill>
+                <a:latin typeface="Adobe Clean Light" panose="020B0303020404020204" pitchFamily="34" charset="0"/>
+              </a:rPr>
+            </a:br>
+            <a:r>
+              <a:rPr lang="en-US" sz="1000">
+                <a:solidFill>
+                  <a:srgbClr val="4B4B4B"/>
+                </a:solidFill>
+                <a:latin typeface="Adobe Clean Light" panose="020B0303020404020204" pitchFamily="34" charset="0"/>
+              </a:rPr>
+              <a:t>Self-help Support Portal to submit support requests, review case status, and browse other resources, like our knowledgebase, news and alerts, featured tips, and more.</a:t>
             </a:r>
           </a:p>
         </p:txBody>
@@ -8453,8 +9787,36 @@
               </a:spcBef>
             </a:pPr>
             <a:r>
-              <a:rPr lang="de-DE"/>
-              <a:t>©2021 Adobe. All Rights Reserved. Adobe Confidential.</a:t>
+              <a:rPr lang="en-US" spc="-10"/>
+              <a:t>©2021</a:t>
+            </a:r>
+            <a:r>
+              <a:rPr lang="en-US" spc="-5"/>
+              <a:t> Adobe. All</a:t>
+            </a:r>
+            <a:r>
+              <a:rPr lang="en-US" spc="-10"/>
+              <a:t> Rights</a:t>
+            </a:r>
+            <a:r>
+              <a:rPr lang="en-US" spc="-5"/>
+              <a:t> </a:t>
+            </a:r>
+            <a:r>
+              <a:rPr lang="en-US" spc="-10"/>
+              <a:t>Reserved.</a:t>
+            </a:r>
+            <a:r>
+              <a:rPr lang="en-US" spc="-5"/>
+              <a:t> Adobe</a:t>
+            </a:r>
+            <a:r>
+              <a:rPr lang="en-US" spc="60"/>
+              <a:t> </a:t>
+            </a:r>
+            <a:r>
+              <a:rPr lang="en-US" spc="-10"/>
+              <a:t>Confidential.</a:t>
             </a:r>
           </a:p>
         </p:txBody>
@@ -8473,8 +9835,8 @@
         </p:nvSpPr>
         <p:spPr>
           <a:xfrm>
-            <a:off x="214970" y="868681"/>
-            <a:ext cx="2354171" cy="76595"/>
+            <a:off x="214971" y="868681"/>
+            <a:ext cx="2103120" cy="45719"/>
           </a:xfrm>
           <a:custGeom>
             <a:avLst/>
@@ -8543,15 +9905,19 @@
               </a:spcBef>
             </a:pPr>
             <a:r>
-              <a:rPr lang="de-DE" sz="1400" b="1">
-                <a:solidFill>
-                  <a:srgbClr val="020302"/>
-                </a:solidFill>
-                <a:latin typeface="Adobe Clean"/>
-                <a:cs typeface="Adobe Clean"/>
-              </a:rPr>
-              <a:t>Umfang von Enterprise Support</a:t>
-            </a:r>
+              <a:rPr lang="en-US" sz="1400" b="1" spc="-10">
+                <a:solidFill>
+                  <a:srgbClr val="020302"/>
+                </a:solidFill>
+                <a:latin typeface="Adobe Clean"/>
+                <a:cs typeface="Adobe Clean"/>
+              </a:rPr>
+              <a:t>Enterprise Support Features</a:t>
+            </a:r>
+            <a:endParaRPr lang="en-US" sz="1400">
+              <a:latin typeface="Adobe Clean"/>
+              <a:cs typeface="Adobe Clean"/>
+            </a:endParaRPr>
           </a:p>
         </p:txBody>
       </p:sp>
@@ -8570,7 +9936,7 @@
         <p:spPr>
           <a:xfrm>
             <a:off x="689237" y="2603192"/>
-            <a:ext cx="1811734" cy="197490"/>
+            <a:ext cx="1555491" cy="197490"/>
           </a:xfrm>
           <a:prstGeom prst="rect">
             <a:avLst/>
@@ -8591,15 +9957,199 @@
               </a:spcBef>
             </a:pPr>
             <a:r>
-              <a:rPr lang="de-DE" sz="1200" b="1" dirty="0">
-                <a:solidFill>
-                  <a:srgbClr val="020302"/>
-                </a:solidFill>
-                <a:latin typeface="Adobe Clean"/>
-                <a:cs typeface="Adobe Clean"/>
-              </a:rPr>
-              <a:t>Eskalations-Management</a:t>
-            </a:r>
+              <a:rPr sz="1200" b="1" spc="-25">
+                <a:solidFill>
+                  <a:srgbClr val="020302"/>
+                </a:solidFill>
+                <a:latin typeface="Adobe Clean"/>
+                <a:cs typeface="Adobe Clean"/>
+              </a:rPr>
+              <a:t>E</a:t>
+            </a:r>
+            <a:r>
+              <a:rPr sz="1200" b="1" spc="-20">
+                <a:solidFill>
+                  <a:srgbClr val="020302"/>
+                </a:solidFill>
+                <a:latin typeface="Adobe Clean"/>
+                <a:cs typeface="Adobe Clean"/>
+              </a:rPr>
+              <a:t>s</a:t>
+            </a:r>
+            <a:r>
+              <a:rPr sz="1200" b="1" spc="-30">
+                <a:solidFill>
+                  <a:srgbClr val="020302"/>
+                </a:solidFill>
+                <a:latin typeface="Adobe Clean"/>
+                <a:cs typeface="Adobe Clean"/>
+              </a:rPr>
+              <a:t>c</a:t>
+            </a:r>
+            <a:r>
+              <a:rPr sz="1200" b="1" spc="-20">
+                <a:solidFill>
+                  <a:srgbClr val="020302"/>
+                </a:solidFill>
+                <a:latin typeface="Adobe Clean"/>
+                <a:cs typeface="Adobe Clean"/>
+              </a:rPr>
+              <a:t>a</a:t>
+            </a:r>
+            <a:r>
+              <a:rPr sz="1200" b="1" spc="-25">
+                <a:solidFill>
+                  <a:srgbClr val="020302"/>
+                </a:solidFill>
+                <a:latin typeface="Adobe Clean"/>
+                <a:cs typeface="Adobe Clean"/>
+              </a:rPr>
+              <a:t>l</a:t>
+            </a:r>
+            <a:r>
+              <a:rPr sz="1200" b="1" spc="-20">
+                <a:solidFill>
+                  <a:srgbClr val="020302"/>
+                </a:solidFill>
+                <a:latin typeface="Adobe Clean"/>
+                <a:cs typeface="Adobe Clean"/>
+              </a:rPr>
+              <a:t>a</a:t>
+            </a:r>
+            <a:r>
+              <a:rPr sz="1200" b="1" spc="-25">
+                <a:solidFill>
+                  <a:srgbClr val="020302"/>
+                </a:solidFill>
+                <a:latin typeface="Adobe Clean"/>
+                <a:cs typeface="Adobe Clean"/>
+              </a:rPr>
+              <a:t>t</a:t>
+            </a:r>
+            <a:r>
+              <a:rPr sz="1200" b="1" spc="-20">
+                <a:solidFill>
+                  <a:srgbClr val="020302"/>
+                </a:solidFill>
+                <a:latin typeface="Adobe Clean"/>
+                <a:cs typeface="Adobe Clean"/>
+              </a:rPr>
+              <a:t>i</a:t>
+            </a:r>
+            <a:r>
+              <a:rPr sz="1200" b="1" spc="-15">
+                <a:solidFill>
+                  <a:srgbClr val="020302"/>
+                </a:solidFill>
+                <a:latin typeface="Adobe Clean"/>
+                <a:cs typeface="Adobe Clean"/>
+              </a:rPr>
+              <a:t>o</a:t>
+            </a:r>
+            <a:r>
+              <a:rPr sz="1200" b="1">
+                <a:solidFill>
+                  <a:srgbClr val="020302"/>
+                </a:solidFill>
+                <a:latin typeface="Adobe Clean"/>
+                <a:cs typeface="Adobe Clean"/>
+              </a:rPr>
+              <a:t>n</a:t>
+            </a:r>
+            <a:r>
+              <a:rPr sz="1200" b="1" spc="-55">
+                <a:solidFill>
+                  <a:srgbClr val="020302"/>
+                </a:solidFill>
+                <a:latin typeface="Adobe Clean"/>
+                <a:cs typeface="Adobe Clean"/>
+              </a:rPr>
+              <a:t> </a:t>
+            </a:r>
+            <a:r>
+              <a:rPr sz="1200" b="1" spc="-35">
+                <a:solidFill>
+                  <a:srgbClr val="020302"/>
+                </a:solidFill>
+                <a:latin typeface="Adobe Clean"/>
+                <a:cs typeface="Adobe Clean"/>
+              </a:rPr>
+              <a:t>M</a:t>
+            </a:r>
+            <a:r>
+              <a:rPr sz="1200" b="1" spc="-25">
+                <a:solidFill>
+                  <a:srgbClr val="020302"/>
+                </a:solidFill>
+                <a:latin typeface="Adobe Clean"/>
+                <a:cs typeface="Adobe Clean"/>
+              </a:rPr>
+              <a:t>a</a:t>
+            </a:r>
+            <a:r>
+              <a:rPr sz="1200" b="1" spc="-30">
+                <a:solidFill>
+                  <a:srgbClr val="020302"/>
+                </a:solidFill>
+                <a:latin typeface="Adobe Clean"/>
+                <a:cs typeface="Adobe Clean"/>
+              </a:rPr>
+              <a:t>n</a:t>
+            </a:r>
+            <a:r>
+              <a:rPr sz="1200" b="1" spc="-25">
+                <a:solidFill>
+                  <a:srgbClr val="020302"/>
+                </a:solidFill>
+                <a:latin typeface="Adobe Clean"/>
+                <a:cs typeface="Adobe Clean"/>
+              </a:rPr>
+              <a:t>a</a:t>
+            </a:r>
+            <a:r>
+              <a:rPr sz="1200" b="1" spc="-30">
+                <a:solidFill>
+                  <a:srgbClr val="020302"/>
+                </a:solidFill>
+                <a:latin typeface="Adobe Clean"/>
+                <a:cs typeface="Adobe Clean"/>
+              </a:rPr>
+              <a:t>ge</a:t>
+            </a:r>
+            <a:r>
+              <a:rPr sz="1200" b="1" spc="-25">
+                <a:solidFill>
+                  <a:srgbClr val="020302"/>
+                </a:solidFill>
+                <a:latin typeface="Adobe Clean"/>
+                <a:cs typeface="Adobe Clean"/>
+              </a:rPr>
+              <a:t>m</a:t>
+            </a:r>
+            <a:r>
+              <a:rPr sz="1200" b="1" spc="-30">
+                <a:solidFill>
+                  <a:srgbClr val="020302"/>
+                </a:solidFill>
+                <a:latin typeface="Adobe Clean"/>
+                <a:cs typeface="Adobe Clean"/>
+              </a:rPr>
+              <a:t>en</a:t>
+            </a:r>
+            <a:r>
+              <a:rPr sz="1200" b="1">
+                <a:solidFill>
+                  <a:srgbClr val="020302"/>
+                </a:solidFill>
+                <a:latin typeface="Adobe Clean"/>
+                <a:cs typeface="Adobe Clean"/>
+              </a:rPr>
+              <a:t>t</a:t>
+            </a:r>
+            <a:endParaRPr sz="1200">
+              <a:latin typeface="Adobe Clean"/>
+              <a:cs typeface="Adobe Clean"/>
+            </a:endParaRPr>
           </a:p>
         </p:txBody>
       </p:sp>
@@ -8639,14 +10189,18 @@
               </a:spcBef>
             </a:pPr>
             <a:r>
-              <a:rPr lang="de-DE" sz="1000">
+              <a:rPr lang="en-US" sz="1000">
                 <a:solidFill>
                   <a:srgbClr val="4B4B4B"/>
                 </a:solidFill>
                 <a:latin typeface="Adobe Clean Light" panose="020B0303020404020204" pitchFamily="34" charset="0"/>
               </a:rPr>
-              <a:t>Ein spezifischer Ansprechpartner innerhalb von Adobe, der Unterstützung bei Eskalation und regelmäßigen Updates bietet und sicherstellt, dass die wichtigsten offenen Support-Anfragen priorisiert werden.</a:t>
-            </a:r>
+              <a:t>A designated point of contact within Adobe who can provide escalation assistance, regular updates and ensure priority is given to your most critical open support requests.</a:t>
+            </a:r>
+            <a:endParaRPr sz="1000">
+              <a:latin typeface="Adobe Clean Light" panose="020B0303020404020204" pitchFamily="34" charset="0"/>
+              <a:cs typeface="AdobeClean-Light"/>
+            </a:endParaRPr>
           </a:p>
         </p:txBody>
       </p:sp>
@@ -8664,8 +10218,8 @@
         </p:nvSpPr>
         <p:spPr>
           <a:xfrm>
-            <a:off x="3201544" y="2592994"/>
-            <a:ext cx="1408205" cy="197490"/>
+            <a:off x="3201544" y="2592995"/>
+            <a:ext cx="1036205" cy="197490"/>
           </a:xfrm>
           <a:prstGeom prst="rect">
             <a:avLst/>
@@ -8686,15 +10240,149 @@
               </a:spcBef>
             </a:pPr>
             <a:r>
-              <a:rPr lang="de-DE" sz="1200" b="1" dirty="0">
-                <a:solidFill>
-                  <a:srgbClr val="020302"/>
-                </a:solidFill>
-                <a:latin typeface="Adobe Clean"/>
-                <a:cs typeface="Adobe Clean"/>
-              </a:rPr>
-              <a:t>Service-Prüfungen</a:t>
-            </a:r>
+              <a:rPr sz="1200" b="1" spc="-20">
+                <a:solidFill>
+                  <a:srgbClr val="020302"/>
+                </a:solidFill>
+                <a:latin typeface="Adobe Clean"/>
+                <a:cs typeface="Adobe Clean"/>
+              </a:rPr>
+              <a:t>S</a:t>
+            </a:r>
+            <a:r>
+              <a:rPr sz="1200" b="1" spc="-25">
+                <a:solidFill>
+                  <a:srgbClr val="020302"/>
+                </a:solidFill>
+                <a:latin typeface="Adobe Clean"/>
+                <a:cs typeface="Adobe Clean"/>
+              </a:rPr>
+              <a:t>e</a:t>
+            </a:r>
+            <a:r>
+              <a:rPr sz="1200" b="1" spc="-20">
+                <a:solidFill>
+                  <a:srgbClr val="020302"/>
+                </a:solidFill>
+                <a:latin typeface="Adobe Clean"/>
+                <a:cs typeface="Adobe Clean"/>
+              </a:rPr>
+              <a:t>r</a:t>
+            </a:r>
+            <a:r>
+              <a:rPr sz="1200" b="1" spc="-25">
+                <a:solidFill>
+                  <a:srgbClr val="020302"/>
+                </a:solidFill>
+                <a:latin typeface="Adobe Clean"/>
+                <a:cs typeface="Adobe Clean"/>
+              </a:rPr>
+              <a:t>v</a:t>
+            </a:r>
+            <a:r>
+              <a:rPr sz="1200" b="1" spc="-20">
+                <a:solidFill>
+                  <a:srgbClr val="020302"/>
+                </a:solidFill>
+                <a:latin typeface="Adobe Clean"/>
+                <a:cs typeface="Adobe Clean"/>
+              </a:rPr>
+              <a:t>i</a:t>
+            </a:r>
+            <a:r>
+              <a:rPr sz="1200" b="1" spc="-30">
+                <a:solidFill>
+                  <a:srgbClr val="020302"/>
+                </a:solidFill>
+                <a:latin typeface="Adobe Clean"/>
+                <a:cs typeface="Adobe Clean"/>
+              </a:rPr>
+              <a:t>c</a:t>
+            </a:r>
+            <a:r>
+              <a:rPr sz="1200" b="1">
+                <a:solidFill>
+                  <a:srgbClr val="020302"/>
+                </a:solidFill>
+                <a:latin typeface="Adobe Clean"/>
+                <a:cs typeface="Adobe Clean"/>
+              </a:rPr>
+              <a:t>e</a:t>
+            </a:r>
+            <a:r>
+              <a:rPr sz="1200" b="1" spc="-80">
+                <a:solidFill>
+                  <a:srgbClr val="020302"/>
+                </a:solidFill>
+                <a:latin typeface="Adobe Clean"/>
+                <a:cs typeface="Adobe Clean"/>
+              </a:rPr>
+              <a:t> </a:t>
+            </a:r>
+            <a:r>
+              <a:rPr sz="1200" b="1" spc="-20">
+                <a:solidFill>
+                  <a:srgbClr val="020302"/>
+                </a:solidFill>
+                <a:latin typeface="Adobe Clean"/>
+                <a:cs typeface="Adobe Clean"/>
+              </a:rPr>
+              <a:t>R</a:t>
+            </a:r>
+            <a:r>
+              <a:rPr sz="1200" b="1" spc="-25">
+                <a:solidFill>
+                  <a:srgbClr val="020302"/>
+                </a:solidFill>
+                <a:latin typeface="Adobe Clean"/>
+                <a:cs typeface="Adobe Clean"/>
+              </a:rPr>
+              <a:t>e</a:t>
+            </a:r>
+            <a:r>
+              <a:rPr sz="1200" b="1" spc="-30">
+                <a:solidFill>
+                  <a:srgbClr val="020302"/>
+                </a:solidFill>
+                <a:latin typeface="Adobe Clean"/>
+                <a:cs typeface="Adobe Clean"/>
+              </a:rPr>
+              <a:t>v</a:t>
+            </a:r>
+            <a:r>
+              <a:rPr sz="1200" b="1" spc="-20">
+                <a:solidFill>
+                  <a:srgbClr val="020302"/>
+                </a:solidFill>
+                <a:latin typeface="Adobe Clean"/>
+                <a:cs typeface="Adobe Clean"/>
+              </a:rPr>
+              <a:t>i</a:t>
+            </a:r>
+            <a:r>
+              <a:rPr sz="1200" b="1" spc="-25">
+                <a:solidFill>
+                  <a:srgbClr val="020302"/>
+                </a:solidFill>
+                <a:latin typeface="Adobe Clean"/>
+                <a:cs typeface="Adobe Clean"/>
+              </a:rPr>
+              <a:t>ew</a:t>
+            </a:r>
+            <a:r>
+              <a:rPr sz="1200" b="1">
+                <a:solidFill>
+                  <a:srgbClr val="020302"/>
+                </a:solidFill>
+                <a:latin typeface="Adobe Clean"/>
+                <a:cs typeface="Adobe Clean"/>
+              </a:rPr>
+              <a:t>s</a:t>
+            </a:r>
+            <a:endParaRPr sz="1200">
+              <a:latin typeface="Adobe Clean"/>
+              <a:cs typeface="Adobe Clean"/>
+            </a:endParaRPr>
           </a:p>
         </p:txBody>
       </p:sp>
@@ -8734,31 +10422,18 @@
               </a:spcBef>
             </a:pPr>
             <a:r>
-              <a:rPr lang="de-DE" sz="1000" dirty="0">
+              <a:rPr lang="en-US" sz="1000">
                 <a:solidFill>
                   <a:srgbClr val="4B4B4B"/>
                 </a:solidFill>
                 <a:latin typeface="Adobe Clean Light" panose="020B0303020404020204" pitchFamily="34" charset="0"/>
               </a:rPr>
-              <a:t>Eine halbjährliche umfassende Prüfung </a:t>
-            </a:r>
-            <a:br>
-              <a:rPr lang="sk-SK" sz="1000" dirty="0">
-                <a:solidFill>
-                  <a:srgbClr val="4B4B4B"/>
-                </a:solidFill>
-                <a:latin typeface="Adobe Clean Light" panose="020B0303020404020204" pitchFamily="34" charset="0"/>
-              </a:rPr>
-            </a:br>
-            <a:r>
-              <a:rPr lang="de-DE" sz="1000" dirty="0">
-                <a:solidFill>
-                  <a:srgbClr val="4B4B4B"/>
-                </a:solidFill>
-                <a:latin typeface="Adobe Clean Light" panose="020B0303020404020204" pitchFamily="34" charset="0"/>
-              </a:rPr>
-              <a:t>der Services, Vorteile und Support-Metriken des Enterprise-Programms.</a:t>
-            </a:r>
+              <a:t>A bi-annual comprehensive review of  Enterprise program services, benefits and support metrics.</a:t>
+            </a:r>
+            <a:endParaRPr sz="1000">
+              <a:latin typeface="Adobe Clean Light" panose="020B0303020404020204" pitchFamily="34" charset="0"/>
+              <a:cs typeface="AdobeClean-Light"/>
+            </a:endParaRPr>
           </a:p>
         </p:txBody>
       </p:sp>
@@ -8798,14 +10473,18 @@
               </a:spcBef>
             </a:pPr>
             <a:r>
-              <a:rPr lang="de-DE" sz="1000">
+              <a:rPr lang="en-US" sz="1000">
                 <a:solidFill>
                   <a:srgbClr val="4B4B4B"/>
                 </a:solidFill>
                 <a:latin typeface="Adobe Clean Light" panose="020B0303020404020204" pitchFamily="34" charset="0"/>
               </a:rPr>
-              <a:t>Eine 60-minütige Session mit Konzentration auf eine bestimmte Produktfunktion und deren Nutzung zum Lösen gängiger Unternehmensprobleme.</a:t>
-            </a:r>
+              <a:t>A 60-minute session focusing on a specific product feature and how it can be utilized to solve common business problems.</a:t>
+            </a:r>
+            <a:endParaRPr sz="1000">
+              <a:latin typeface="Adobe Clean Light" panose="020B0303020404020204" pitchFamily="34" charset="0"/>
+              <a:cs typeface="AdobeClean-Light"/>
+            </a:endParaRPr>
           </a:p>
         </p:txBody>
       </p:sp>
@@ -8824,14 +10503,14 @@
         <p:spPr>
           <a:xfrm>
             <a:off x="5265661" y="5001737"/>
-            <a:ext cx="2194560" cy="713850"/>
+            <a:ext cx="2194560" cy="536622"/>
           </a:xfrm>
           <a:prstGeom prst="rect">
             <a:avLst/>
           </a:prstGeom>
         </p:spPr>
         <p:txBody>
-          <a:bodyPr vert="horz" wrap="square" lIns="0" tIns="12700" rIns="0" bIns="0" rtlCol="0">
+          <a:bodyPr vert="horz" wrap="square" lIns="0" tIns="12700" rIns="0" bIns="0" rtlCol="0" anchor="t">
             <a:spAutoFit/>
           </a:bodyPr>
           <a:lstStyle/>
@@ -8845,65 +10524,20 @@
               </a:spcBef>
             </a:pPr>
             <a:r>
-              <a:rPr lang="de-DE" sz="1000" dirty="0">
+              <a:rPr lang="en-US" sz="1000" dirty="0">
                 <a:solidFill>
                   <a:srgbClr val="4B4B4B"/>
                 </a:solidFill>
-                <a:latin typeface="Adobe Clean Light" panose="020B0303020404020204" pitchFamily="34" charset="0"/>
-              </a:rPr>
-              <a:t>Förderung der Übernahme von </a:t>
-            </a:r>
-            <a:br>
-              <a:rPr lang="sk-SK" sz="1000" dirty="0">
-                <a:solidFill>
-                  <a:srgbClr val="4B4B4B"/>
-                </a:solidFill>
-                <a:latin typeface="Adobe Clean Light" panose="020B0303020404020204" pitchFamily="34" charset="0"/>
-              </a:rPr>
-            </a:br>
-            <a:r>
-              <a:rPr lang="de-DE" sz="1000" dirty="0">
-                <a:solidFill>
-                  <a:srgbClr val="4B4B4B"/>
-                </a:solidFill>
-                <a:latin typeface="Adobe Clean Light" panose="020B0303020404020204" pitchFamily="34" charset="0"/>
-              </a:rPr>
-              <a:t>Best Practices für die Anpassung </a:t>
-            </a:r>
-            <a:br>
-              <a:rPr lang="sk-SK" sz="1000" dirty="0">
-                <a:solidFill>
-                  <a:srgbClr val="4B4B4B"/>
-                </a:solidFill>
-                <a:latin typeface="Adobe Clean Light" panose="020B0303020404020204" pitchFamily="34" charset="0"/>
-              </a:rPr>
-            </a:br>
-            <a:r>
-              <a:rPr lang="de-DE" sz="1000" dirty="0">
-                <a:solidFill>
-                  <a:srgbClr val="4B4B4B"/>
-                </a:solidFill>
-                <a:latin typeface="Adobe Clean Light" panose="020B0303020404020204" pitchFamily="34" charset="0"/>
-              </a:rPr>
-              <a:t>und Kernkomponenten in AEM </a:t>
-            </a:r>
-            <a:br>
-              <a:rPr lang="sk-SK" sz="1000" dirty="0">
-                <a:solidFill>
-                  <a:srgbClr val="4B4B4B"/>
-                </a:solidFill>
-                <a:latin typeface="Adobe Clean Light" panose="020B0303020404020204" pitchFamily="34" charset="0"/>
-              </a:rPr>
-            </a:br>
-            <a:r>
-              <a:rPr lang="de-DE" sz="1000" dirty="0">
-                <a:solidFill>
-                  <a:srgbClr val="4B4B4B"/>
-                </a:solidFill>
-                <a:latin typeface="Adobe Clean Light" panose="020B0303020404020204" pitchFamily="34" charset="0"/>
-              </a:rPr>
-              <a:t>as a Cloud Service</a:t>
-            </a:r>
+                <a:latin typeface="Adobe Clean Light"/>
+              </a:rPr>
+              <a:t>Drive adoption of customization best practices and core components in AEM as a Cloud Service.</a:t>
+            </a:r>
+            <a:endParaRPr sz="1000" dirty="0">
+              <a:solidFill>
+                <a:srgbClr val="4B4B4B"/>
+              </a:solidFill>
+              <a:latin typeface="Adobe Clean Light" panose="020B0303020404020204" pitchFamily="34" charset="0"/>
+            </a:endParaRPr>
           </a:p>
         </p:txBody>
       </p:sp>
@@ -8929,12 +10563,12 @@
           </a:prstGeom>
         </p:spPr>
         <p:txBody>
-          <a:bodyPr vert="horz" wrap="square" lIns="0" tIns="12700" rIns="0" bIns="0" rtlCol="0">
+          <a:bodyPr vert="horz" wrap="square" lIns="0" tIns="12700" rIns="0" bIns="0" rtlCol="0" anchor="t">
             <a:spAutoFit/>
           </a:bodyPr>
           <a:lstStyle/>
           <a:p>
-            <a:pPr marL="14604" marR="5080" indent="-1905">
+            <a:pPr marL="13970" marR="5080" indent="-1905">
               <a:lnSpc>
                 <a:spcPct val="117000"/>
               </a:lnSpc>
@@ -8943,14 +10577,20 @@
               </a:spcBef>
             </a:pPr>
             <a:r>
-              <a:rPr lang="de-DE" sz="1000">
+              <a:rPr lang="en-US" sz="1000" dirty="0">
                 <a:solidFill>
                   <a:srgbClr val="4B4B4B"/>
                 </a:solidFill>
-                <a:latin typeface="Adobe Clean Light" panose="020B0303020404020204" pitchFamily="34" charset="0"/>
-              </a:rPr>
-              <a:t>Identifizieren, Prüfen und Bereitstellen von Empfehlungen zu individuellen Lösungsübernahmebereichen mit Optimierungsmöglichkeiten</a:t>
-            </a:r>
+                <a:latin typeface="Adobe Clean Light"/>
+              </a:rPr>
+              <a:t>Identify, review and provide recommendations on customized solution adoption areas that have opportunities for optimization.</a:t>
+            </a:r>
+            <a:endParaRPr lang="en-US" sz="1000" dirty="0">
+              <a:solidFill>
+                <a:srgbClr val="4B4B4B"/>
+              </a:solidFill>
+              <a:latin typeface="Adobe Clean Light" panose="020B0303020404020204" pitchFamily="34" charset="0"/>
+            </a:endParaRPr>
           </a:p>
         </p:txBody>
       </p:sp>
@@ -8969,14 +10609,14 @@
         <p:spPr>
           <a:xfrm>
             <a:off x="355868" y="4947989"/>
-            <a:ext cx="2194560" cy="899670"/>
+            <a:ext cx="2194560" cy="717376"/>
           </a:xfrm>
           <a:prstGeom prst="rect">
             <a:avLst/>
           </a:prstGeom>
         </p:spPr>
         <p:txBody>
-          <a:bodyPr vert="horz" wrap="square" lIns="0" tIns="12700" rIns="0" bIns="0" rtlCol="0">
+          <a:bodyPr vert="horz" wrap="square" lIns="0" tIns="12700" rIns="0" bIns="0" rtlCol="0" anchor="t">
             <a:spAutoFit/>
           </a:bodyPr>
           <a:lstStyle/>
@@ -8990,31 +10630,20 @@
               </a:spcBef>
             </a:pPr>
             <a:r>
-              <a:rPr lang="de-DE" sz="1000" dirty="0">
+              <a:rPr lang="en-US" sz="1000" dirty="0">
                 <a:solidFill>
                   <a:srgbClr val="4B4B4B"/>
                 </a:solidFill>
-                <a:latin typeface="Adobe Clean Light" panose="020B0303020404020204" pitchFamily="34" charset="0"/>
-              </a:rPr>
-              <a:t>Technische und betriebliche Governance </a:t>
-            </a:r>
-            <a:br>
-              <a:rPr lang="sk-SK" sz="1000" dirty="0">
-                <a:solidFill>
-                  <a:srgbClr val="4B4B4B"/>
-                </a:solidFill>
-                <a:latin typeface="Adobe Clean Light" panose="020B0303020404020204" pitchFamily="34" charset="0"/>
-              </a:rPr>
-            </a:br>
-            <a:r>
-              <a:rPr lang="de-DE" sz="1000" dirty="0">
-                <a:solidFill>
-                  <a:srgbClr val="4B4B4B"/>
-                </a:solidFill>
-                <a:latin typeface="Adobe Clean Light" panose="020B0303020404020204" pitchFamily="34" charset="0"/>
-              </a:rPr>
-              <a:t>für die Unterstützung von AEM as a Cloud Service-Kunden bei der Einhaltung von Branchenstandards und Best Practices für AEM as a Cloud Service</a:t>
-            </a:r>
+                <a:latin typeface="Adobe Clean Light"/>
+              </a:rPr>
+              <a:t>Technical &amp; operational governance to assist AEM as a Cloud Service Customers in adhering to industry standards and best practices for AEM as a Cloud Service.</a:t>
+            </a:r>
+            <a:endParaRPr sz="1000" dirty="0">
+              <a:solidFill>
+                <a:srgbClr val="4B4B4B"/>
+              </a:solidFill>
+              <a:latin typeface="Adobe Clean Light" panose="020B0303020404020204" pitchFamily="34" charset="0"/>
+            </a:endParaRPr>
           </a:p>
         </p:txBody>
       </p:sp>
@@ -9032,8 +10661,8 @@
         </p:nvSpPr>
         <p:spPr>
           <a:xfrm>
-            <a:off x="2835998" y="1401973"/>
-            <a:ext cx="2252891" cy="1113125"/>
+            <a:off x="2835999" y="1401973"/>
+            <a:ext cx="2194560" cy="959237"/>
           </a:xfrm>
           <a:prstGeom prst="rect">
             <a:avLst/>
@@ -9051,48 +10680,20 @@
               </a:spcBef>
             </a:pPr>
             <a:r>
-              <a:rPr lang="de-DE" sz="1000" dirty="0">
+              <a:rPr lang="en-US" sz="1000" dirty="0">
                 <a:solidFill>
                   <a:srgbClr val="4B4B4B"/>
                 </a:solidFill>
                 <a:latin typeface="Adobe Clean Light" panose="020B0303020404020204" pitchFamily="34" charset="0"/>
               </a:rPr>
-              <a:t>Ein spezifischer Support-Mitarbeiter, der sich mit Ihrer Lösungsumgebung und Ihren Unternehmenszielen vertraut macht. </a:t>
-            </a:r>
-            <a:br>
-              <a:rPr lang="sk-SK" sz="1000" dirty="0">
-                <a:solidFill>
-                  <a:srgbClr val="4B4B4B"/>
-                </a:solidFill>
-                <a:latin typeface="Adobe Clean Light" panose="020B0303020404020204" pitchFamily="34" charset="0"/>
-              </a:rPr>
-            </a:br>
-            <a:r>
-              <a:rPr lang="de-DE" sz="1000" dirty="0">
-                <a:solidFill>
-                  <a:srgbClr val="4B4B4B"/>
-                </a:solidFill>
-                <a:latin typeface="Adobe Clean Light" panose="020B0303020404020204" pitchFamily="34" charset="0"/>
-              </a:rPr>
-              <a:t>Der spezifische Support-Mitarbeiter ist ein erfahrener Support-Engineer, der Sie bei </a:t>
-            </a:r>
-            <a:br>
-              <a:rPr lang="sk-SK" sz="1000" dirty="0">
-                <a:solidFill>
-                  <a:srgbClr val="4B4B4B"/>
-                </a:solidFill>
-                <a:latin typeface="Adobe Clean Light" panose="020B0303020404020204" pitchFamily="34" charset="0"/>
-              </a:rPr>
-            </a:br>
-            <a:r>
-              <a:rPr lang="de-DE" sz="1000" dirty="0">
-                <a:solidFill>
-                  <a:srgbClr val="4B4B4B"/>
-                </a:solidFill>
-                <a:latin typeface="Adobe Clean Light" panose="020B0303020404020204" pitchFamily="34" charset="0"/>
-              </a:rPr>
-              <a:t>der Koordination Ihres Enterprise Support-Erlebnisses unterstützt.</a:t>
-            </a:r>
+              <a:t>A designated support engineer who becomes familiar with your solution environment and business goals. The NSE is an experienced support engineer that helps coordinate your Enterprise Support experience.</a:t>
+            </a:r>
+            <a:endParaRPr lang="en-US" sz="1000" dirty="0">
+              <a:solidFill>
+                <a:srgbClr val="000000"/>
+              </a:solidFill>
+              <a:latin typeface="Adobe Clean Light" panose="020B0303020404020204" pitchFamily="34" charset="0"/>
+            </a:endParaRPr>
           </a:p>
         </p:txBody>
       </p:sp>
@@ -9112,8 +10713,8 @@
         </p:nvSpPr>
         <p:spPr>
           <a:xfrm>
-            <a:off x="3201544" y="1127424"/>
-            <a:ext cx="2077842" cy="169277"/>
+            <a:off x="3201544" y="1127425"/>
+            <a:ext cx="1726164" cy="184666"/>
           </a:xfrm>
           <a:prstGeom prst="rect">
             <a:avLst/>
@@ -9134,13 +10735,13 @@
               </a:spcAft>
             </a:pPr>
             <a:r>
-              <a:rPr lang="de-DE" sz="1100" b="1" dirty="0">
+              <a:rPr lang="en-US" sz="1200" b="1" spc="-10">
                 <a:solidFill>
                   <a:srgbClr val="020302"/>
                 </a:solidFill>
                 <a:latin typeface="+mj-lt"/>
               </a:rPr>
-              <a:t>Spezifischer Support-Mitarbeiter</a:t>
+              <a:t>Named Support Engineer</a:t>
             </a:r>
           </a:p>
         </p:txBody>
@@ -9198,8 +10799,8 @@
         </p:nvSpPr>
         <p:spPr>
           <a:xfrm>
-            <a:off x="5723508" y="1099975"/>
-            <a:ext cx="1359655" cy="197490"/>
+            <a:off x="5723508" y="1099976"/>
+            <a:ext cx="1036205" cy="197490"/>
           </a:xfrm>
           <a:prstGeom prst="rect">
             <a:avLst/>
@@ -9220,15 +10821,19 @@
               </a:spcBef>
             </a:pPr>
             <a:r>
-              <a:rPr lang="de-DE" sz="1200" b="1" dirty="0">
-                <a:solidFill>
-                  <a:srgbClr val="020302"/>
-                </a:solidFill>
-                <a:latin typeface="Adobe Clean"/>
-                <a:cs typeface="Adobe Clean"/>
-              </a:rPr>
-              <a:t>Experten-Sessions</a:t>
-            </a:r>
+              <a:rPr lang="en-US" sz="1200" b="1" spc="-20">
+                <a:solidFill>
+                  <a:srgbClr val="020302"/>
+                </a:solidFill>
+                <a:latin typeface="Adobe Clean"/>
+                <a:cs typeface="Adobe Clean"/>
+              </a:rPr>
+              <a:t>Expert Sessions</a:t>
+            </a:r>
+            <a:endParaRPr sz="1200">
+              <a:latin typeface="Adobe Clean"/>
+              <a:cs typeface="Adobe Clean"/>
+            </a:endParaRPr>
           </a:p>
         </p:txBody>
       </p:sp>
@@ -9246,8 +10851,8 @@
         </p:nvSpPr>
         <p:spPr>
           <a:xfrm>
-            <a:off x="5181599" y="4466703"/>
-            <a:ext cx="2278621" cy="461665"/>
+            <a:off x="5181600" y="4466703"/>
+            <a:ext cx="1972258" cy="461665"/>
           </a:xfrm>
           <a:prstGeom prst="rect">
             <a:avLst/>
@@ -9268,15 +10873,489 @@
               </a:spcBef>
             </a:pPr>
             <a:r>
-              <a:rPr lang="de-DE" sz="1200" b="1" dirty="0">
-                <a:solidFill>
-                  <a:srgbClr val="020302"/>
-                </a:solidFill>
-                <a:latin typeface="Adobe Clean"/>
-                <a:cs typeface="Adobe Clean"/>
-              </a:rPr>
-              <a:t>Best Practices für die Anpassung von AEM as a Cloud Service</a:t>
-            </a:r>
+              <a:rPr lang="en-US" sz="1200" b="1" spc="-15">
+                <a:solidFill>
+                  <a:srgbClr val="020302"/>
+                </a:solidFill>
+                <a:latin typeface="Adobe Clean"/>
+                <a:cs typeface="Adobe Clean"/>
+              </a:rPr>
+              <a:t>C</a:t>
+            </a:r>
+            <a:r>
+              <a:rPr lang="en-US" sz="1200" b="1" spc="-20">
+                <a:solidFill>
+                  <a:srgbClr val="020302"/>
+                </a:solidFill>
+                <a:latin typeface="Adobe Clean"/>
+                <a:cs typeface="Adobe Clean"/>
+              </a:rPr>
+              <a:t>u</a:t>
+            </a:r>
+            <a:r>
+              <a:rPr lang="en-US" sz="1200" b="1" spc="-25">
+                <a:solidFill>
+                  <a:srgbClr val="020302"/>
+                </a:solidFill>
+                <a:latin typeface="Adobe Clean"/>
+                <a:cs typeface="Adobe Clean"/>
+              </a:rPr>
+              <a:t>st</a:t>
+            </a:r>
+            <a:r>
+              <a:rPr lang="en-US" sz="1200" b="1" spc="-15">
+                <a:solidFill>
+                  <a:srgbClr val="020302"/>
+                </a:solidFill>
+                <a:latin typeface="Adobe Clean"/>
+                <a:cs typeface="Adobe Clean"/>
+              </a:rPr>
+              <a:t>o</a:t>
+            </a:r>
+            <a:r>
+              <a:rPr lang="en-US" sz="1200" b="1" spc="-20">
+                <a:solidFill>
+                  <a:srgbClr val="020302"/>
+                </a:solidFill>
+                <a:latin typeface="Adobe Clean"/>
+                <a:cs typeface="Adobe Clean"/>
+              </a:rPr>
+              <a:t>miza</a:t>
+            </a:r>
+            <a:r>
+              <a:rPr lang="en-US" sz="1200" b="1" spc="-25">
+                <a:solidFill>
+                  <a:srgbClr val="020302"/>
+                </a:solidFill>
+                <a:latin typeface="Adobe Clean"/>
+                <a:cs typeface="Adobe Clean"/>
+              </a:rPr>
+              <a:t>t</a:t>
+            </a:r>
+            <a:r>
+              <a:rPr lang="en-US" sz="1200" b="1" spc="-20">
+                <a:solidFill>
+                  <a:srgbClr val="020302"/>
+                </a:solidFill>
+                <a:latin typeface="Adobe Clean"/>
+                <a:cs typeface="Adobe Clean"/>
+              </a:rPr>
+              <a:t>i</a:t>
+            </a:r>
+            <a:r>
+              <a:rPr lang="en-US" sz="1200" b="1" spc="-15">
+                <a:solidFill>
+                  <a:srgbClr val="020302"/>
+                </a:solidFill>
+                <a:latin typeface="Adobe Clean"/>
+                <a:cs typeface="Adobe Clean"/>
+              </a:rPr>
+              <a:t>o</a:t>
+            </a:r>
+            <a:r>
+              <a:rPr lang="en-US" sz="1200" b="1">
+                <a:solidFill>
+                  <a:srgbClr val="020302"/>
+                </a:solidFill>
+                <a:latin typeface="Adobe Clean"/>
+                <a:cs typeface="Adobe Clean"/>
+              </a:rPr>
+              <a:t>n</a:t>
+            </a:r>
+            <a:r>
+              <a:rPr lang="en-US" sz="1200" b="1" spc="-50">
+                <a:solidFill>
+                  <a:srgbClr val="020302"/>
+                </a:solidFill>
+                <a:latin typeface="Adobe Clean"/>
+                <a:cs typeface="Adobe Clean"/>
+              </a:rPr>
+              <a:t> </a:t>
+            </a:r>
+            <a:r>
+              <a:rPr lang="en-US" sz="1200" b="1" spc="-20">
+                <a:solidFill>
+                  <a:srgbClr val="020302"/>
+                </a:solidFill>
+                <a:latin typeface="Adobe Clean"/>
+                <a:cs typeface="Adobe Clean"/>
+              </a:rPr>
+              <a:t>B</a:t>
+            </a:r>
+            <a:r>
+              <a:rPr lang="en-US" sz="1200" b="1" spc="-25">
+                <a:solidFill>
+                  <a:srgbClr val="020302"/>
+                </a:solidFill>
+                <a:latin typeface="Adobe Clean"/>
+                <a:cs typeface="Adobe Clean"/>
+              </a:rPr>
+              <a:t>es</a:t>
+            </a:r>
+            <a:r>
+              <a:rPr lang="en-US" sz="1200" b="1">
+                <a:solidFill>
+                  <a:srgbClr val="020302"/>
+                </a:solidFill>
+                <a:latin typeface="Adobe Clean"/>
+                <a:cs typeface="Adobe Clean"/>
+              </a:rPr>
+              <a:t>t</a:t>
+            </a:r>
+            <a:r>
+              <a:rPr lang="en-US" sz="1200" b="1" spc="-50">
+                <a:solidFill>
+                  <a:srgbClr val="020302"/>
+                </a:solidFill>
+                <a:latin typeface="Adobe Clean"/>
+                <a:cs typeface="Adobe Clean"/>
+              </a:rPr>
+              <a:t> </a:t>
+            </a:r>
+            <a:r>
+              <a:rPr lang="en-US" sz="1200" b="1" spc="-25">
+                <a:solidFill>
+                  <a:srgbClr val="020302"/>
+                </a:solidFill>
+                <a:latin typeface="Adobe Clean"/>
+                <a:cs typeface="Adobe Clean"/>
+              </a:rPr>
+              <a:t>P</a:t>
+            </a:r>
+            <a:r>
+              <a:rPr lang="en-US" sz="1200" b="1" spc="-20">
+                <a:solidFill>
+                  <a:srgbClr val="020302"/>
+                </a:solidFill>
+                <a:latin typeface="Adobe Clean"/>
+                <a:cs typeface="Adobe Clean"/>
+              </a:rPr>
+              <a:t>ra</a:t>
+            </a:r>
+            <a:r>
+              <a:rPr lang="en-US" sz="1200" b="1" spc="-30">
+                <a:solidFill>
+                  <a:srgbClr val="020302"/>
+                </a:solidFill>
+                <a:latin typeface="Adobe Clean"/>
+                <a:cs typeface="Adobe Clean"/>
+              </a:rPr>
+              <a:t>c</a:t>
+            </a:r>
+            <a:r>
+              <a:rPr lang="en-US" sz="1200" b="1" spc="-25">
+                <a:solidFill>
+                  <a:srgbClr val="020302"/>
+                </a:solidFill>
+                <a:latin typeface="Adobe Clean"/>
+                <a:cs typeface="Adobe Clean"/>
+              </a:rPr>
+              <a:t>t</a:t>
+            </a:r>
+            <a:r>
+              <a:rPr lang="en-US" sz="1200" b="1" spc="-20">
+                <a:solidFill>
+                  <a:srgbClr val="020302"/>
+                </a:solidFill>
+                <a:latin typeface="Adobe Clean"/>
+                <a:cs typeface="Adobe Clean"/>
+              </a:rPr>
+              <a:t>i</a:t>
+            </a:r>
+            <a:r>
+              <a:rPr lang="en-US" sz="1200" b="1" spc="-30">
+                <a:solidFill>
+                  <a:srgbClr val="020302"/>
+                </a:solidFill>
+                <a:latin typeface="Adobe Clean"/>
+                <a:cs typeface="Adobe Clean"/>
+              </a:rPr>
+              <a:t>c</a:t>
+            </a:r>
+            <a:r>
+              <a:rPr lang="en-US" sz="1200" b="1" spc="-25">
+                <a:solidFill>
+                  <a:srgbClr val="020302"/>
+                </a:solidFill>
+                <a:latin typeface="Adobe Clean"/>
+                <a:cs typeface="Adobe Clean"/>
+              </a:rPr>
+              <a:t>e</a:t>
+            </a:r>
+            <a:r>
+              <a:rPr lang="en-US" sz="1200" b="1">
+                <a:solidFill>
+                  <a:srgbClr val="020302"/>
+                </a:solidFill>
+                <a:latin typeface="Adobe Clean"/>
+                <a:cs typeface="Adobe Clean"/>
+              </a:rPr>
+              <a:t>s</a:t>
+            </a:r>
+            <a:r>
+              <a:rPr lang="en-US" sz="1200" b="1" spc="-45">
+                <a:solidFill>
+                  <a:srgbClr val="020302"/>
+                </a:solidFill>
+                <a:latin typeface="Adobe Clean"/>
+                <a:cs typeface="Adobe Clean"/>
+              </a:rPr>
+              <a:t> </a:t>
+            </a:r>
+            <a:r>
+              <a:rPr lang="en-US" sz="1200" b="1" spc="-25">
+                <a:solidFill>
+                  <a:srgbClr val="020302"/>
+                </a:solidFill>
+                <a:latin typeface="Adobe Clean"/>
+                <a:cs typeface="Adobe Clean"/>
+              </a:rPr>
+              <a:t>f</a:t>
+            </a:r>
+            <a:r>
+              <a:rPr lang="en-US" sz="1200" b="1" spc="-15">
+                <a:solidFill>
+                  <a:srgbClr val="020302"/>
+                </a:solidFill>
+                <a:latin typeface="Adobe Clean"/>
+                <a:cs typeface="Adobe Clean"/>
+              </a:rPr>
+              <a:t>o</a:t>
+            </a:r>
+            <a:r>
+              <a:rPr lang="en-US" sz="1200" b="1">
+                <a:solidFill>
+                  <a:srgbClr val="020302"/>
+                </a:solidFill>
+                <a:latin typeface="Adobe Clean"/>
+                <a:cs typeface="Adobe Clean"/>
+              </a:rPr>
+              <a:t>r</a:t>
+            </a:r>
+            <a:r>
+              <a:rPr lang="en-US" sz="1200" b="1" spc="-45">
+                <a:solidFill>
+                  <a:srgbClr val="020302"/>
+                </a:solidFill>
+                <a:latin typeface="Adobe Clean"/>
+                <a:cs typeface="Adobe Clean"/>
+              </a:rPr>
+              <a:t> </a:t>
+            </a:r>
+            <a:r>
+              <a:rPr lang="en-US" sz="1200" b="1" spc="-30">
+                <a:solidFill>
+                  <a:srgbClr val="020302"/>
+                </a:solidFill>
+                <a:latin typeface="Adobe Clean"/>
+                <a:cs typeface="Adobe Clean"/>
+              </a:rPr>
+              <a:t>AE</a:t>
+            </a:r>
+            <a:r>
+              <a:rPr lang="en-US" sz="1200" b="1">
+                <a:solidFill>
+                  <a:srgbClr val="020302"/>
+                </a:solidFill>
+                <a:latin typeface="Adobe Clean"/>
+                <a:cs typeface="Adobe Clean"/>
+              </a:rPr>
+              <a:t>M</a:t>
+            </a:r>
+            <a:r>
+              <a:rPr lang="en-US" sz="1200" b="1" spc="-55">
+                <a:solidFill>
+                  <a:srgbClr val="020302"/>
+                </a:solidFill>
+                <a:latin typeface="Adobe Clean"/>
+                <a:cs typeface="Adobe Clean"/>
+              </a:rPr>
+              <a:t> </a:t>
+            </a:r>
+            <a:r>
+              <a:rPr lang="en-US" sz="1200" b="1" spc="-20">
+                <a:solidFill>
+                  <a:srgbClr val="020302"/>
+                </a:solidFill>
+                <a:latin typeface="Adobe Clean"/>
+                <a:cs typeface="Adobe Clean"/>
+              </a:rPr>
+              <a:t>a</a:t>
+            </a:r>
+            <a:r>
+              <a:rPr lang="en-US" sz="1200" b="1">
+                <a:solidFill>
+                  <a:srgbClr val="020302"/>
+                </a:solidFill>
+                <a:latin typeface="Adobe Clean"/>
+                <a:cs typeface="Adobe Clean"/>
+              </a:rPr>
+              <a:t>s</a:t>
+            </a:r>
+            <a:r>
+              <a:rPr lang="en-US" sz="1200" b="1" spc="-45">
+                <a:solidFill>
+                  <a:srgbClr val="020302"/>
+                </a:solidFill>
+                <a:latin typeface="Adobe Clean"/>
+                <a:cs typeface="Adobe Clean"/>
+              </a:rPr>
+              <a:t> </a:t>
+            </a:r>
+            <a:r>
+              <a:rPr lang="en-US" sz="1200" b="1">
+                <a:solidFill>
+                  <a:srgbClr val="020302"/>
+                </a:solidFill>
+                <a:latin typeface="Adobe Clean"/>
+                <a:cs typeface="Adobe Clean"/>
+              </a:rPr>
+              <a:t>a</a:t>
+            </a:r>
+            <a:r>
+              <a:rPr lang="en-US" sz="1200" b="1" spc="-45">
+                <a:solidFill>
+                  <a:srgbClr val="020302"/>
+                </a:solidFill>
+                <a:latin typeface="Adobe Clean"/>
+                <a:cs typeface="Adobe Clean"/>
+              </a:rPr>
+              <a:t> </a:t>
+            </a:r>
+            <a:r>
+              <a:rPr lang="en-US" sz="1200" b="1" spc="-15">
+                <a:solidFill>
+                  <a:srgbClr val="020302"/>
+                </a:solidFill>
+                <a:latin typeface="Adobe Clean"/>
+                <a:cs typeface="Adobe Clean"/>
+              </a:rPr>
+              <a:t>C</a:t>
+            </a:r>
+            <a:r>
+              <a:rPr lang="en-US" sz="1200" b="1" spc="-25">
+                <a:solidFill>
+                  <a:srgbClr val="020302"/>
+                </a:solidFill>
+                <a:latin typeface="Adobe Clean"/>
+                <a:cs typeface="Adobe Clean"/>
+              </a:rPr>
+              <a:t>l</a:t>
+            </a:r>
+            <a:r>
+              <a:rPr lang="en-US" sz="1200" b="1" spc="-15">
+                <a:solidFill>
+                  <a:srgbClr val="020302"/>
+                </a:solidFill>
+                <a:latin typeface="Adobe Clean"/>
+                <a:cs typeface="Adobe Clean"/>
+              </a:rPr>
+              <a:t>o</a:t>
+            </a:r>
+            <a:r>
+              <a:rPr lang="en-US" sz="1200" b="1" spc="-20">
+                <a:solidFill>
+                  <a:srgbClr val="020302"/>
+                </a:solidFill>
+                <a:latin typeface="Adobe Clean"/>
+                <a:cs typeface="Adobe Clean"/>
+              </a:rPr>
+              <a:t>u</a:t>
+            </a:r>
+            <a:r>
+              <a:rPr lang="en-US" sz="1200" b="1">
+                <a:solidFill>
+                  <a:srgbClr val="020302"/>
+                </a:solidFill>
+                <a:latin typeface="Adobe Clean"/>
+                <a:cs typeface="Adobe Clean"/>
+              </a:rPr>
+              <a:t>d</a:t>
+            </a:r>
+            <a:r>
+              <a:rPr lang="en-US" sz="1200" b="1" spc="-50">
+                <a:solidFill>
+                  <a:srgbClr val="020302"/>
+                </a:solidFill>
+                <a:latin typeface="Adobe Clean"/>
+                <a:cs typeface="Adobe Clean"/>
+              </a:rPr>
+              <a:t> </a:t>
+            </a:r>
+            <a:r>
+              <a:rPr lang="en-US" sz="1200" b="1" spc="-20">
+                <a:solidFill>
+                  <a:srgbClr val="020302"/>
+                </a:solidFill>
+                <a:latin typeface="Adobe Clean"/>
+                <a:cs typeface="Adobe Clean"/>
+              </a:rPr>
+              <a:t>S</a:t>
+            </a:r>
+            <a:r>
+              <a:rPr lang="en-US" sz="1200" b="1" spc="-25">
+                <a:solidFill>
+                  <a:srgbClr val="020302"/>
+                </a:solidFill>
+                <a:latin typeface="Adobe Clean"/>
+                <a:cs typeface="Adobe Clean"/>
+              </a:rPr>
+              <a:t>e</a:t>
+            </a:r>
+            <a:r>
+              <a:rPr lang="en-US" sz="1200" b="1" spc="-20">
+                <a:solidFill>
+                  <a:srgbClr val="020302"/>
+                </a:solidFill>
+                <a:latin typeface="Adobe Clean"/>
+                <a:cs typeface="Adobe Clean"/>
+              </a:rPr>
+              <a:t>r</a:t>
+            </a:r>
+            <a:r>
+              <a:rPr lang="en-US" sz="1200" b="1" spc="-30">
+                <a:solidFill>
+                  <a:srgbClr val="020302"/>
+                </a:solidFill>
+                <a:latin typeface="Adobe Clean"/>
+                <a:cs typeface="Adobe Clean"/>
+              </a:rPr>
+              <a:t>v</a:t>
+            </a:r>
+            <a:r>
+              <a:rPr lang="en-US" sz="1200" b="1" spc="-20">
+                <a:solidFill>
+                  <a:srgbClr val="020302"/>
+                </a:solidFill>
+                <a:latin typeface="Adobe Clean"/>
+                <a:cs typeface="Adobe Clean"/>
+              </a:rPr>
+              <a:t>i</a:t>
+            </a:r>
+            <a:r>
+              <a:rPr lang="en-US" sz="1200" b="1" spc="-30">
+                <a:solidFill>
+                  <a:srgbClr val="020302"/>
+                </a:solidFill>
+                <a:latin typeface="Adobe Clean"/>
+                <a:cs typeface="Adobe Clean"/>
+              </a:rPr>
+              <a:t>c</a:t>
+            </a:r>
+            <a:r>
+              <a:rPr lang="en-US" sz="1200" b="1">
+                <a:solidFill>
+                  <a:srgbClr val="020302"/>
+                </a:solidFill>
+                <a:latin typeface="Adobe Clean"/>
+                <a:cs typeface="Adobe Clean"/>
+              </a:rPr>
+              <a:t>e</a:t>
+            </a:r>
+            <a:endParaRPr lang="en-US" sz="1200">
+              <a:latin typeface="Adobe Clean"/>
+              <a:cs typeface="Adobe Clean"/>
+            </a:endParaRPr>
           </a:p>
         </p:txBody>
       </p:sp>
@@ -9316,15 +11395,19 @@
               </a:spcBef>
             </a:pPr>
             <a:r>
-              <a:rPr lang="de-DE" sz="1200" b="1">
-                <a:solidFill>
-                  <a:srgbClr val="020302"/>
-                </a:solidFill>
-                <a:latin typeface="Adobe Clean"/>
-                <a:cs typeface="Adobe Clean"/>
-              </a:rPr>
-              <a:t>Zusatz-Services für AEM as a Cloud Service</a:t>
-            </a:r>
+              <a:rPr lang="en-US" sz="1200" b="1" spc="-25">
+                <a:solidFill>
+                  <a:srgbClr val="020302"/>
+                </a:solidFill>
+                <a:latin typeface="Adobe Clean"/>
+                <a:cs typeface="Adobe Clean"/>
+              </a:rPr>
+              <a:t>Value-added Services for AEM as a Cloud Service</a:t>
+            </a:r>
+            <a:endParaRPr lang="en-US" sz="1200">
+              <a:latin typeface="Adobe Clean"/>
+              <a:cs typeface="Adobe Clean"/>
+            </a:endParaRPr>
           </a:p>
         </p:txBody>
       </p:sp>
@@ -9364,34 +11447,359 @@
               </a:spcBef>
             </a:pPr>
             <a:r>
-              <a:rPr lang="de-DE" sz="1200" b="1" dirty="0">
-                <a:solidFill>
-                  <a:srgbClr val="020302"/>
-                </a:solidFill>
-                <a:latin typeface="Adobe Clean"/>
-                <a:cs typeface="Adobe Clean"/>
-              </a:rPr>
-              <a:t>Governance für AEM </a:t>
-            </a:r>
-            <a:br>
-              <a:rPr lang="sk-SK" sz="1200" b="1" dirty="0">
-                <a:solidFill>
-                  <a:srgbClr val="020302"/>
-                </a:solidFill>
-                <a:latin typeface="Adobe Clean"/>
-                <a:cs typeface="Adobe Clean"/>
-              </a:rPr>
-            </a:br>
-            <a:r>
-              <a:rPr lang="de-DE" sz="1200" b="1" dirty="0">
-                <a:solidFill>
-                  <a:srgbClr val="020302"/>
-                </a:solidFill>
-                <a:latin typeface="Adobe Clean"/>
-                <a:cs typeface="Adobe Clean"/>
-              </a:rPr>
-              <a:t>as a Cloud Service</a:t>
-            </a:r>
+              <a:rPr lang="en-US" sz="1200" b="1" spc="-20">
+                <a:solidFill>
+                  <a:srgbClr val="020302"/>
+                </a:solidFill>
+                <a:latin typeface="Adobe Clean"/>
+                <a:cs typeface="Adobe Clean"/>
+              </a:rPr>
+              <a:t>G</a:t>
+            </a:r>
+            <a:r>
+              <a:rPr lang="en-US" sz="1200" b="1" spc="-15">
+                <a:solidFill>
+                  <a:srgbClr val="020302"/>
+                </a:solidFill>
+                <a:latin typeface="Adobe Clean"/>
+                <a:cs typeface="Adobe Clean"/>
+              </a:rPr>
+              <a:t>o</a:t>
+            </a:r>
+            <a:r>
+              <a:rPr lang="en-US" sz="1200" b="1" spc="-25">
+                <a:solidFill>
+                  <a:srgbClr val="020302"/>
+                </a:solidFill>
+                <a:latin typeface="Adobe Clean"/>
+                <a:cs typeface="Adobe Clean"/>
+              </a:rPr>
+              <a:t>ve</a:t>
+            </a:r>
+            <a:r>
+              <a:rPr lang="en-US" sz="1200" b="1" spc="-20">
+                <a:solidFill>
+                  <a:srgbClr val="020302"/>
+                </a:solidFill>
+                <a:latin typeface="Adobe Clean"/>
+                <a:cs typeface="Adobe Clean"/>
+              </a:rPr>
+              <a:t>r</a:t>
+            </a:r>
+            <a:r>
+              <a:rPr lang="en-US" sz="1200" b="1" spc="-25">
+                <a:solidFill>
+                  <a:srgbClr val="020302"/>
+                </a:solidFill>
+                <a:latin typeface="Adobe Clean"/>
+                <a:cs typeface="Adobe Clean"/>
+              </a:rPr>
+              <a:t>n</a:t>
+            </a:r>
+            <a:r>
+              <a:rPr lang="en-US" sz="1200" b="1" spc="-20">
+                <a:solidFill>
+                  <a:srgbClr val="020302"/>
+                </a:solidFill>
+                <a:latin typeface="Adobe Clean"/>
+                <a:cs typeface="Adobe Clean"/>
+              </a:rPr>
+              <a:t>a</a:t>
+            </a:r>
+            <a:r>
+              <a:rPr lang="en-US" sz="1200" b="1" spc="-25">
+                <a:solidFill>
+                  <a:srgbClr val="020302"/>
+                </a:solidFill>
+                <a:latin typeface="Adobe Clean"/>
+                <a:cs typeface="Adobe Clean"/>
+              </a:rPr>
+              <a:t>n</a:t>
+            </a:r>
+            <a:r>
+              <a:rPr lang="en-US" sz="1200" b="1" spc="-30">
+                <a:solidFill>
+                  <a:srgbClr val="020302"/>
+                </a:solidFill>
+                <a:latin typeface="Adobe Clean"/>
+                <a:cs typeface="Adobe Clean"/>
+              </a:rPr>
+              <a:t>c</a:t>
+            </a:r>
+            <a:r>
+              <a:rPr lang="en-US" sz="1200" b="1">
+                <a:solidFill>
+                  <a:srgbClr val="020302"/>
+                </a:solidFill>
+                <a:latin typeface="Adobe Clean"/>
+                <a:cs typeface="Adobe Clean"/>
+              </a:rPr>
+              <a:t>e</a:t>
+            </a:r>
+            <a:r>
+              <a:rPr lang="en-US" sz="1200" b="1" spc="-50">
+                <a:solidFill>
+                  <a:srgbClr val="020302"/>
+                </a:solidFill>
+                <a:latin typeface="Adobe Clean"/>
+                <a:cs typeface="Adobe Clean"/>
+              </a:rPr>
+              <a:t> </a:t>
+            </a:r>
+            <a:r>
+              <a:rPr lang="en-US" sz="1200" b="1" spc="-25">
+                <a:solidFill>
+                  <a:srgbClr val="020302"/>
+                </a:solidFill>
+                <a:latin typeface="Adobe Clean"/>
+                <a:cs typeface="Adobe Clean"/>
+              </a:rPr>
+              <a:t>f</a:t>
+            </a:r>
+            <a:r>
+              <a:rPr lang="en-US" sz="1200" b="1" spc="-15">
+                <a:solidFill>
+                  <a:srgbClr val="020302"/>
+                </a:solidFill>
+                <a:latin typeface="Adobe Clean"/>
+                <a:cs typeface="Adobe Clean"/>
+              </a:rPr>
+              <a:t>o</a:t>
+            </a:r>
+            <a:r>
+              <a:rPr lang="en-US" sz="1200" b="1">
+                <a:solidFill>
+                  <a:srgbClr val="020302"/>
+                </a:solidFill>
+                <a:latin typeface="Adobe Clean"/>
+                <a:cs typeface="Adobe Clean"/>
+              </a:rPr>
+              <a:t>r</a:t>
+            </a:r>
+            <a:r>
+              <a:rPr lang="en-US" sz="1200" b="1" spc="-45">
+                <a:solidFill>
+                  <a:srgbClr val="020302"/>
+                </a:solidFill>
+                <a:latin typeface="Adobe Clean"/>
+                <a:cs typeface="Adobe Clean"/>
+              </a:rPr>
+              <a:t> </a:t>
+            </a:r>
+            <a:r>
+              <a:rPr lang="en-US" sz="1200" b="1" spc="-30">
+                <a:solidFill>
+                  <a:srgbClr val="020302"/>
+                </a:solidFill>
+                <a:latin typeface="Adobe Clean"/>
+                <a:cs typeface="Adobe Clean"/>
+              </a:rPr>
+              <a:t>A</a:t>
+            </a:r>
+            <a:r>
+              <a:rPr lang="en-US" sz="1200" b="1" spc="-25">
+                <a:solidFill>
+                  <a:srgbClr val="020302"/>
+                </a:solidFill>
+                <a:latin typeface="Adobe Clean"/>
+                <a:cs typeface="Adobe Clean"/>
+              </a:rPr>
+              <a:t>E</a:t>
+            </a:r>
+            <a:r>
+              <a:rPr lang="en-US" sz="1200" b="1">
+                <a:solidFill>
+                  <a:srgbClr val="020302"/>
+                </a:solidFill>
+                <a:latin typeface="Adobe Clean"/>
+                <a:cs typeface="Adobe Clean"/>
+              </a:rPr>
+              <a:t>M</a:t>
+            </a:r>
+            <a:r>
+              <a:rPr lang="en-US" sz="1200" b="1" spc="-50">
+                <a:solidFill>
+                  <a:srgbClr val="020302"/>
+                </a:solidFill>
+                <a:latin typeface="Adobe Clean"/>
+                <a:cs typeface="Adobe Clean"/>
+              </a:rPr>
+              <a:t> </a:t>
+            </a:r>
+            <a:r>
+              <a:rPr lang="en-US" sz="1200" b="1" spc="-20">
+                <a:solidFill>
+                  <a:srgbClr val="020302"/>
+                </a:solidFill>
+                <a:latin typeface="Adobe Clean"/>
+                <a:cs typeface="Adobe Clean"/>
+              </a:rPr>
+              <a:t>a</a:t>
+            </a:r>
+            <a:r>
+              <a:rPr lang="en-US" sz="1200" b="1">
+                <a:solidFill>
+                  <a:srgbClr val="020302"/>
+                </a:solidFill>
+                <a:latin typeface="Adobe Clean"/>
+                <a:cs typeface="Adobe Clean"/>
+              </a:rPr>
+              <a:t>s</a:t>
+            </a:r>
+            <a:r>
+              <a:rPr lang="en-US" sz="1200" b="1" spc="-45">
+                <a:solidFill>
+                  <a:srgbClr val="020302"/>
+                </a:solidFill>
+                <a:latin typeface="Adobe Clean"/>
+                <a:cs typeface="Adobe Clean"/>
+              </a:rPr>
+              <a:t> </a:t>
+            </a:r>
+            <a:r>
+              <a:rPr lang="en-US" sz="1200" b="1">
+                <a:solidFill>
+                  <a:srgbClr val="020302"/>
+                </a:solidFill>
+                <a:latin typeface="Adobe Clean"/>
+                <a:cs typeface="Adobe Clean"/>
+              </a:rPr>
+              <a:t>a</a:t>
+            </a:r>
+            <a:r>
+              <a:rPr lang="en-US" sz="1200" b="1" spc="-40">
+                <a:solidFill>
+                  <a:srgbClr val="020302"/>
+                </a:solidFill>
+                <a:latin typeface="Adobe Clean"/>
+                <a:cs typeface="Adobe Clean"/>
+              </a:rPr>
+              <a:t> </a:t>
+            </a:r>
+            <a:r>
+              <a:rPr lang="en-US" sz="1200" b="1" spc="-15">
+                <a:solidFill>
+                  <a:srgbClr val="020302"/>
+                </a:solidFill>
+                <a:latin typeface="Adobe Clean"/>
+                <a:cs typeface="Adobe Clean"/>
+              </a:rPr>
+              <a:t>C</a:t>
+            </a:r>
+            <a:r>
+              <a:rPr lang="en-US" sz="1200" b="1" spc="-25">
+                <a:solidFill>
+                  <a:srgbClr val="020302"/>
+                </a:solidFill>
+                <a:latin typeface="Adobe Clean"/>
+                <a:cs typeface="Adobe Clean"/>
+              </a:rPr>
+              <a:t>l</a:t>
+            </a:r>
+            <a:r>
+              <a:rPr lang="en-US" sz="1200" b="1" spc="-15">
+                <a:solidFill>
+                  <a:srgbClr val="020302"/>
+                </a:solidFill>
+                <a:latin typeface="Adobe Clean"/>
+                <a:cs typeface="Adobe Clean"/>
+              </a:rPr>
+              <a:t>ou</a:t>
+            </a:r>
+            <a:r>
+              <a:rPr lang="en-US" sz="1200" b="1">
+                <a:solidFill>
+                  <a:srgbClr val="020302"/>
+                </a:solidFill>
+                <a:latin typeface="Adobe Clean"/>
+                <a:cs typeface="Adobe Clean"/>
+              </a:rPr>
+              <a:t>d</a:t>
+            </a:r>
+            <a:r>
+              <a:rPr lang="en-US" sz="1200" b="1" spc="-50">
+                <a:solidFill>
+                  <a:srgbClr val="020302"/>
+                </a:solidFill>
+                <a:latin typeface="Adobe Clean"/>
+                <a:cs typeface="Adobe Clean"/>
+              </a:rPr>
+              <a:t> </a:t>
+            </a:r>
+            <a:r>
+              <a:rPr lang="en-US" sz="1200" b="1" spc="-20">
+                <a:solidFill>
+                  <a:srgbClr val="020302"/>
+                </a:solidFill>
+                <a:latin typeface="Adobe Clean"/>
+                <a:cs typeface="Adobe Clean"/>
+              </a:rPr>
+              <a:t>S</a:t>
+            </a:r>
+            <a:r>
+              <a:rPr lang="en-US" sz="1200" b="1" spc="-25">
+                <a:solidFill>
+                  <a:srgbClr val="020302"/>
+                </a:solidFill>
+                <a:latin typeface="Adobe Clean"/>
+                <a:cs typeface="Adobe Clean"/>
+              </a:rPr>
+              <a:t>e</a:t>
+            </a:r>
+            <a:r>
+              <a:rPr lang="en-US" sz="1200" b="1" spc="-20">
+                <a:solidFill>
+                  <a:srgbClr val="020302"/>
+                </a:solidFill>
+                <a:latin typeface="Adobe Clean"/>
+                <a:cs typeface="Adobe Clean"/>
+              </a:rPr>
+              <a:t>r</a:t>
+            </a:r>
+            <a:r>
+              <a:rPr lang="en-US" sz="1200" b="1" spc="-25">
+                <a:solidFill>
+                  <a:srgbClr val="020302"/>
+                </a:solidFill>
+                <a:latin typeface="Adobe Clean"/>
+                <a:cs typeface="Adobe Clean"/>
+              </a:rPr>
+              <a:t>v</a:t>
+            </a:r>
+            <a:r>
+              <a:rPr lang="en-US" sz="1200" b="1" spc="-20">
+                <a:solidFill>
+                  <a:srgbClr val="020302"/>
+                </a:solidFill>
+                <a:latin typeface="Adobe Clean"/>
+                <a:cs typeface="Adobe Clean"/>
+              </a:rPr>
+              <a:t>i</a:t>
+            </a:r>
+            <a:r>
+              <a:rPr lang="en-US" sz="1200" b="1" spc="-30">
+                <a:solidFill>
+                  <a:srgbClr val="020302"/>
+                </a:solidFill>
+                <a:latin typeface="Adobe Clean"/>
+                <a:cs typeface="Adobe Clean"/>
+              </a:rPr>
+              <a:t>c</a:t>
+            </a:r>
+            <a:r>
+              <a:rPr lang="en-US" sz="1200" b="1">
+                <a:solidFill>
+                  <a:srgbClr val="020302"/>
+                </a:solidFill>
+                <a:latin typeface="Adobe Clean"/>
+                <a:cs typeface="Adobe Clean"/>
+              </a:rPr>
+              <a:t>e</a:t>
+            </a:r>
+            <a:endParaRPr lang="en-US" sz="1200">
+              <a:latin typeface="Adobe Clean"/>
+              <a:cs typeface="Adobe Clean"/>
+            </a:endParaRPr>
           </a:p>
         </p:txBody>
       </p:sp>
@@ -9509,15 +11917,99 @@
               </a:spcBef>
             </a:pPr>
             <a:r>
-              <a:rPr lang="de-DE" sz="1200" b="1">
-                <a:solidFill>
-                  <a:srgbClr val="020302"/>
-                </a:solidFill>
-                <a:latin typeface="Adobe Clean"/>
-                <a:cs typeface="Adobe Clean"/>
-              </a:rPr>
-              <a:t>Fallprüfungen</a:t>
-            </a:r>
+              <a:rPr lang="en-US" sz="1200" b="1" spc="-20">
+                <a:solidFill>
+                  <a:srgbClr val="020302"/>
+                </a:solidFill>
+                <a:latin typeface="Adobe Clean"/>
+                <a:cs typeface="Adobe Clean"/>
+              </a:rPr>
+              <a:t>Cas</a:t>
+            </a:r>
+            <a:r>
+              <a:rPr sz="1200" b="1">
+                <a:solidFill>
+                  <a:srgbClr val="020302"/>
+                </a:solidFill>
+                <a:latin typeface="Adobe Clean"/>
+                <a:cs typeface="Adobe Clean"/>
+              </a:rPr>
+              <a:t>e</a:t>
+            </a:r>
+            <a:r>
+              <a:rPr sz="1200" b="1" spc="-80">
+                <a:solidFill>
+                  <a:srgbClr val="020302"/>
+                </a:solidFill>
+                <a:latin typeface="Adobe Clean"/>
+                <a:cs typeface="Adobe Clean"/>
+              </a:rPr>
+              <a:t> </a:t>
+            </a:r>
+            <a:r>
+              <a:rPr sz="1200" b="1" spc="-20">
+                <a:solidFill>
+                  <a:srgbClr val="020302"/>
+                </a:solidFill>
+                <a:latin typeface="Adobe Clean"/>
+                <a:cs typeface="Adobe Clean"/>
+              </a:rPr>
+              <a:t>R</a:t>
+            </a:r>
+            <a:r>
+              <a:rPr sz="1200" b="1" spc="-25">
+                <a:solidFill>
+                  <a:srgbClr val="020302"/>
+                </a:solidFill>
+                <a:latin typeface="Adobe Clean"/>
+                <a:cs typeface="Adobe Clean"/>
+              </a:rPr>
+              <a:t>e</a:t>
+            </a:r>
+            <a:r>
+              <a:rPr sz="1200" b="1" spc="-30">
+                <a:solidFill>
+                  <a:srgbClr val="020302"/>
+                </a:solidFill>
+                <a:latin typeface="Adobe Clean"/>
+                <a:cs typeface="Adobe Clean"/>
+              </a:rPr>
+              <a:t>v</a:t>
+            </a:r>
+            <a:r>
+              <a:rPr sz="1200" b="1" spc="-20">
+                <a:solidFill>
+                  <a:srgbClr val="020302"/>
+                </a:solidFill>
+                <a:latin typeface="Adobe Clean"/>
+                <a:cs typeface="Adobe Clean"/>
+              </a:rPr>
+              <a:t>i</a:t>
+            </a:r>
+            <a:r>
+              <a:rPr sz="1200" b="1" spc="-25">
+                <a:solidFill>
+                  <a:srgbClr val="020302"/>
+                </a:solidFill>
+                <a:latin typeface="Adobe Clean"/>
+                <a:cs typeface="Adobe Clean"/>
+              </a:rPr>
+              <a:t>ew</a:t>
+            </a:r>
+            <a:r>
+              <a:rPr sz="1200" b="1">
+                <a:solidFill>
+                  <a:srgbClr val="020302"/>
+                </a:solidFill>
+                <a:latin typeface="Adobe Clean"/>
+                <a:cs typeface="Adobe Clean"/>
+              </a:rPr>
+              <a:t>s</a:t>
+            </a:r>
+            <a:endParaRPr sz="1200">
+              <a:latin typeface="Adobe Clean"/>
+              <a:cs typeface="Adobe Clean"/>
+            </a:endParaRPr>
           </a:p>
         </p:txBody>
       </p:sp>
@@ -9574,8 +12066,8 @@
         </p:nvSpPr>
         <p:spPr>
           <a:xfrm>
-            <a:off x="355867" y="1426046"/>
-            <a:ext cx="2252891" cy="936154"/>
+            <a:off x="355868" y="1426046"/>
+            <a:ext cx="2194560" cy="936154"/>
           </a:xfrm>
           <a:prstGeom prst="rect">
             <a:avLst/>
@@ -9596,14 +12088,18 @@
               </a:spcBef>
             </a:pPr>
             <a:r>
-              <a:rPr lang="de-DE" sz="1000" dirty="0">
+              <a:rPr lang="en-US" sz="1000">
                 <a:solidFill>
                   <a:srgbClr val="4B4B4B"/>
                 </a:solidFill>
                 <a:latin typeface="Adobe Clean Light" panose="020B0303020404020204" pitchFamily="34" charset="0"/>
               </a:rPr>
-              <a:t>Fortlaufende planmäßige Prüfung offener Support-Anfragen, um sicherzustellen, dass Kunden über Fallbeschreibung, geschäftliche Auswirkungen, Status, Priorität und die nächsten Schritte für eine zweckdienliche Lösung auf dem Laufenden sind.</a:t>
-            </a:r>
+              <a:t>Regular scheduled review of open support requests, ensuring customer alignment on case description, business impact, status, priority and agreement on next steps required to ensure an expedient resolution.</a:t>
+            </a:r>
+            <a:endParaRPr sz="1000">
+              <a:latin typeface="Adobe Clean Light" panose="020B0303020404020204" pitchFamily="34" charset="0"/>
+              <a:cs typeface="AdobeClean-Light"/>
+            </a:endParaRPr>
           </a:p>
         </p:txBody>
       </p:sp>
@@ -9643,15 +12139,19 @@
               </a:spcBef>
             </a:pPr>
             <a:r>
-              <a:rPr lang="de-DE" sz="1400" b="1">
-                <a:solidFill>
-                  <a:srgbClr val="020302"/>
-                </a:solidFill>
-                <a:latin typeface="Adobe Clean"/>
-                <a:cs typeface="Adobe Clean"/>
-              </a:rPr>
-              <a:t>Cloud-Support-Aktivitäten – AEM</a:t>
-            </a:r>
+              <a:rPr lang="en-US" sz="1400" b="1" spc="-10">
+                <a:solidFill>
+                  <a:srgbClr val="020302"/>
+                </a:solidFill>
+                <a:latin typeface="Adobe Clean"/>
+                <a:cs typeface="Adobe Clean"/>
+              </a:rPr>
+              <a:t>Cloud Support Activities - AEM</a:t>
+            </a:r>
+            <a:endParaRPr lang="en-US" sz="1400">
+              <a:latin typeface="Adobe Clean"/>
+              <a:cs typeface="Adobe Clean"/>
+            </a:endParaRPr>
           </a:p>
         </p:txBody>
       </p:sp>
@@ -9669,8 +12169,8 @@
         </p:nvSpPr>
         <p:spPr>
           <a:xfrm>
-            <a:off x="214970" y="4310484"/>
-            <a:ext cx="2537617" cy="90874"/>
+            <a:off x="214971" y="4310484"/>
+            <a:ext cx="2286000" cy="45719"/>
           </a:xfrm>
           <a:custGeom>
             <a:avLst/>
@@ -9734,7 +12234,7 @@
         </p:blipFill>
         <p:spPr>
           <a:xfrm>
-            <a:off x="2816792" y="3892352"/>
+            <a:off x="2569142" y="3892352"/>
             <a:ext cx="461665" cy="461665"/>
           </a:xfrm>
           <a:prstGeom prst="rect">
@@ -10125,133 +12625,6 @@
           </a:p>
         </p:txBody>
       </p:sp>
-      <p:grpSp>
-        <p:nvGrpSpPr>
-          <p:cNvPr id="62" name="object 3">
-            <a:extLst>
-              <a:ext uri="{FF2B5EF4-FFF2-40B4-BE49-F238E27FC236}">
-                <a16:creationId xmlns:a16="http://schemas.microsoft.com/office/drawing/2014/main" id="{C539739D-1D3E-204D-9819-C44D9AE36DE8}"/>
-              </a:ext>
-            </a:extLst>
-          </p:cNvPr>
-          <p:cNvGrpSpPr/>
-          <p:nvPr/>
-        </p:nvGrpSpPr>
-        <p:grpSpPr>
-          <a:xfrm rot="5400000">
-            <a:off x="1154159" y="-868525"/>
-            <a:ext cx="5661921" cy="7931849"/>
-            <a:chOff x="-247019" y="421767"/>
-            <a:chExt cx="3875281" cy="7641336"/>
-          </a:xfrm>
-        </p:grpSpPr>
-        <p:sp>
-          <p:nvSpPr>
-            <p:cNvPr id="63" name="object 4">
-              <a:extLst>
-                <a:ext uri="{FF2B5EF4-FFF2-40B4-BE49-F238E27FC236}">
-                  <a16:creationId xmlns:a16="http://schemas.microsoft.com/office/drawing/2014/main" id="{F41DD51E-EC9C-7B44-BE42-FA9C42B94675}"/>
-                </a:ext>
-              </a:extLst>
-            </p:cNvPr>
-            <p:cNvSpPr/>
-            <p:nvPr/>
-          </p:nvSpPr>
-          <p:spPr>
-            <a:xfrm>
-              <a:off x="3628262" y="576453"/>
-              <a:ext cx="0" cy="7486650"/>
-            </a:xfrm>
-            <a:custGeom>
-              <a:avLst/>
-              <a:gdLst/>
-              <a:ahLst/>
-              <a:cxnLst/>
-              <a:rect l="l" t="t" r="r" b="b"/>
-              <a:pathLst>
-                <a:path h="7486650">
-                  <a:moveTo>
-                    <a:pt x="0" y="0"/>
-                  </a:moveTo>
-                  <a:lnTo>
-                    <a:pt x="0" y="7486408"/>
-                  </a:lnTo>
-                </a:path>
-              </a:pathLst>
-            </a:custGeom>
-            <a:ln w="61722">
-              <a:solidFill>
-                <a:srgbClr val="EAEAEB"/>
-              </a:solidFill>
-            </a:ln>
-          </p:spPr>
-          <p:txBody>
-            <a:bodyPr wrap="square" lIns="0" tIns="0" rIns="0" bIns="0" rtlCol="0"/>
-            <a:lstStyle/>
-            <a:p>
-              <a:endParaRPr/>
-            </a:p>
-          </p:txBody>
-        </p:sp>
-        <p:sp>
-          <p:nvSpPr>
-            <p:cNvPr id="64" name="object 5">
-              <a:extLst>
-                <a:ext uri="{FF2B5EF4-FFF2-40B4-BE49-F238E27FC236}">
-                  <a16:creationId xmlns:a16="http://schemas.microsoft.com/office/drawing/2014/main" id="{6E97A2E1-56BC-2B46-9873-F675D66FF621}"/>
-                </a:ext>
-              </a:extLst>
-            </p:cNvPr>
-            <p:cNvSpPr/>
-            <p:nvPr/>
-          </p:nvSpPr>
-          <p:spPr>
-            <a:xfrm>
-              <a:off x="-247019" y="421767"/>
-              <a:ext cx="3844040" cy="7600950"/>
-            </a:xfrm>
-            <a:custGeom>
-              <a:avLst/>
-              <a:gdLst/>
-              <a:ahLst/>
-              <a:cxnLst/>
-              <a:rect l="l" t="t" r="r" b="b"/>
-              <a:pathLst>
-                <a:path w="3409950" h="7600950">
-                  <a:moveTo>
-                    <a:pt x="0" y="7600569"/>
-                  </a:moveTo>
-                  <a:lnTo>
-                    <a:pt x="3409492" y="7600569"/>
-                  </a:lnTo>
-                  <a:lnTo>
-                    <a:pt x="3409492" y="0"/>
-                  </a:lnTo>
-                  <a:lnTo>
-                    <a:pt x="0" y="0"/>
-                  </a:lnTo>
-                  <a:lnTo>
-                    <a:pt x="0" y="7600569"/>
-                  </a:lnTo>
-                  <a:close/>
-                </a:path>
-              </a:pathLst>
-            </a:custGeom>
-            <a:ln w="12954">
-              <a:solidFill>
-                <a:srgbClr val="EBEBEB"/>
-              </a:solidFill>
-            </a:ln>
-          </p:spPr>
-          <p:txBody>
-            <a:bodyPr wrap="square" lIns="0" tIns="0" rIns="0" bIns="0" rtlCol="0"/>
-            <a:lstStyle/>
-            <a:p>
-              <a:endParaRPr/>
-            </a:p>
-          </p:txBody>
-        </p:sp>
-      </p:grpSp>
     </p:spTree>
     <p:extLst>
       <p:ext uri="{BB962C8B-B14F-4D97-AF65-F5344CB8AC3E}">
@@ -10530,15 +12903,109 @@
               </a:lnSpc>
             </a:pPr>
             <a:r>
-              <a:rPr lang="de-DE" sz="800">
+              <a:rPr sz="800" spc="-10">
                 <a:solidFill>
                   <a:srgbClr val="6D6D6D"/>
                 </a:solidFill>
                 <a:latin typeface="Adobe Clean"/>
                 <a:cs typeface="Adobe Clean"/>
               </a:rPr>
-              <a:t>©2021 Adobe. All Rights Reserved. Adobe Confidential.</a:t>
-            </a:r>
+              <a:t>©202</a:t>
+            </a:r>
+            <a:r>
+              <a:rPr lang="en-US" sz="800" spc="-10">
+                <a:solidFill>
+                  <a:srgbClr val="6D6D6D"/>
+                </a:solidFill>
+                <a:latin typeface="Adobe Clean"/>
+                <a:cs typeface="Adobe Clean"/>
+              </a:rPr>
+              <a:t>1</a:t>
+            </a:r>
+            <a:r>
+              <a:rPr sz="800" spc="-5">
+                <a:solidFill>
+                  <a:srgbClr val="6D6D6D"/>
+                </a:solidFill>
+                <a:latin typeface="Adobe Clean"/>
+                <a:cs typeface="Adobe Clean"/>
+              </a:rPr>
+              <a:t> Adobe. All</a:t>
+            </a:r>
+            <a:r>
+              <a:rPr sz="800" spc="-15">
+                <a:solidFill>
+                  <a:srgbClr val="6D6D6D"/>
+                </a:solidFill>
+                <a:latin typeface="Adobe Clean"/>
+                <a:cs typeface="Adobe Clean"/>
+              </a:rPr>
+              <a:t> </a:t>
+            </a:r>
+            <a:r>
+              <a:rPr sz="800" spc="-10">
+                <a:solidFill>
+                  <a:srgbClr val="6D6D6D"/>
+                </a:solidFill>
+                <a:latin typeface="Adobe Clean"/>
+                <a:cs typeface="Adobe Clean"/>
+              </a:rPr>
+              <a:t>Rights</a:t>
+            </a:r>
+            <a:r>
+              <a:rPr sz="800" spc="-5">
+                <a:solidFill>
+                  <a:srgbClr val="6D6D6D"/>
+                </a:solidFill>
+                <a:latin typeface="Adobe Clean"/>
+                <a:cs typeface="Adobe Clean"/>
+              </a:rPr>
+              <a:t> </a:t>
+            </a:r>
+            <a:r>
+              <a:rPr sz="800" spc="-10">
+                <a:solidFill>
+                  <a:srgbClr val="6D6D6D"/>
+                </a:solidFill>
+                <a:latin typeface="Adobe Clean"/>
+                <a:cs typeface="Adobe Clean"/>
+              </a:rPr>
+              <a:t>Reserved.</a:t>
+            </a:r>
+            <a:r>
+              <a:rPr sz="800" spc="-5">
+                <a:solidFill>
+                  <a:srgbClr val="6D6D6D"/>
+                </a:solidFill>
+                <a:latin typeface="Adobe Clean"/>
+                <a:cs typeface="Adobe Clean"/>
+              </a:rPr>
+              <a:t> Adobe</a:t>
+            </a:r>
+            <a:r>
+              <a:rPr sz="800" spc="75">
+                <a:solidFill>
+                  <a:srgbClr val="6D6D6D"/>
+                </a:solidFill>
+                <a:latin typeface="Adobe Clean"/>
+                <a:cs typeface="Adobe Clean"/>
+              </a:rPr>
+              <a:t> </a:t>
+            </a:r>
+            <a:r>
+              <a:rPr sz="800" spc="-10">
+                <a:solidFill>
+                  <a:srgbClr val="6D6D6D"/>
+                </a:solidFill>
+                <a:latin typeface="Adobe Clean"/>
+                <a:cs typeface="Adobe Clean"/>
+              </a:rPr>
+              <a:t>Confidential.</a:t>
+            </a:r>
+            <a:endParaRPr sz="800">
+              <a:latin typeface="Adobe Clean"/>
+              <a:cs typeface="Adobe Clean"/>
+            </a:endParaRPr>
           </a:p>
         </p:txBody>
       </p:sp>
@@ -10600,29 +13067,190 @@
           </a:prstGeom>
         </p:spPr>
         <p:txBody>
-          <a:bodyPr vert="horz" wrap="square" lIns="0" tIns="12700" rIns="0" bIns="0" rtlCol="0">
+          <a:bodyPr vert="horz" wrap="square" lIns="0" tIns="12700" rIns="0" bIns="0" rtlCol="0" anchor="t">
             <a:spAutoFit/>
           </a:bodyPr>
           <a:lstStyle/>
           <a:p>
             <a:pPr marL="12700">
-              <a:lnSpc>
-                <a:spcPct val="100000"/>
-              </a:lnSpc>
               <a:spcBef>
                 <a:spcPts val="100"/>
               </a:spcBef>
             </a:pPr>
             <a:r>
-              <a:rPr lang="de-DE" sz="1400" b="1">
-                <a:solidFill>
-                  <a:srgbClr val="020302"/>
-                </a:solidFill>
-                <a:latin typeface="Adobe Clean"/>
-                <a:cs typeface="Adobe Clean"/>
-              </a:rPr>
-              <a:t>Außendienstaktivitäten</a:t>
-            </a:r>
+              <a:rPr sz="1400" b="1" spc="-25" dirty="0">
+                <a:solidFill>
+                  <a:srgbClr val="020302"/>
+                </a:solidFill>
+                <a:latin typeface="Adobe Clean"/>
+                <a:cs typeface="Adobe Clean"/>
+              </a:rPr>
+              <a:t>Fi</a:t>
+            </a:r>
+            <a:r>
+              <a:rPr sz="1400" b="1" spc="-30" dirty="0">
+                <a:solidFill>
+                  <a:srgbClr val="020302"/>
+                </a:solidFill>
+                <a:latin typeface="Adobe Clean"/>
+                <a:cs typeface="Adobe Clean"/>
+              </a:rPr>
+              <a:t>e</a:t>
+            </a:r>
+            <a:r>
+              <a:rPr sz="1400" b="1" spc="-25" dirty="0">
+                <a:solidFill>
+                  <a:srgbClr val="020302"/>
+                </a:solidFill>
+                <a:latin typeface="Adobe Clean"/>
+                <a:cs typeface="Adobe Clean"/>
+              </a:rPr>
+              <a:t>l</a:t>
+            </a:r>
+            <a:r>
+              <a:rPr sz="1400" b="1" dirty="0">
+                <a:solidFill>
+                  <a:srgbClr val="020302"/>
+                </a:solidFill>
+                <a:latin typeface="Adobe Clean"/>
+                <a:cs typeface="Adobe Clean"/>
+              </a:rPr>
+              <a:t>d</a:t>
+            </a:r>
+            <a:r>
+              <a:rPr sz="1400" b="1" spc="-45" dirty="0">
+                <a:solidFill>
+                  <a:srgbClr val="020302"/>
+                </a:solidFill>
+                <a:latin typeface="Adobe Clean"/>
+                <a:cs typeface="Adobe Clean"/>
+              </a:rPr>
+              <a:t> </a:t>
+            </a:r>
+            <a:r>
+              <a:rPr sz="1400" b="1" spc="20" dirty="0">
+                <a:solidFill>
+                  <a:srgbClr val="020302"/>
+                </a:solidFill>
+                <a:latin typeface="Adobe Clean"/>
+                <a:cs typeface="Adobe Clean"/>
+              </a:rPr>
+              <a:t>S</a:t>
+            </a:r>
+            <a:r>
+              <a:rPr sz="1400" b="1" spc="10" dirty="0">
+                <a:solidFill>
+                  <a:srgbClr val="020302"/>
+                </a:solidFill>
+                <a:latin typeface="Adobe Clean"/>
+                <a:cs typeface="Adobe Clean"/>
+              </a:rPr>
+              <a:t>e</a:t>
+            </a:r>
+            <a:r>
+              <a:rPr sz="1400" b="1" spc="15" dirty="0">
+                <a:solidFill>
+                  <a:srgbClr val="020302"/>
+                </a:solidFill>
+                <a:latin typeface="Adobe Clean"/>
+                <a:cs typeface="Adobe Clean"/>
+              </a:rPr>
+              <a:t>rvi</a:t>
+            </a:r>
+            <a:r>
+              <a:rPr sz="1400" b="1" spc="10" dirty="0">
+                <a:solidFill>
+                  <a:srgbClr val="020302"/>
+                </a:solidFill>
+                <a:latin typeface="Adobe Clean"/>
+                <a:cs typeface="Adobe Clean"/>
+              </a:rPr>
+              <a:t>c</a:t>
+            </a:r>
+            <a:r>
+              <a:rPr sz="1400" b="1" dirty="0">
+                <a:solidFill>
+                  <a:srgbClr val="020302"/>
+                </a:solidFill>
+                <a:latin typeface="Adobe Clean"/>
+                <a:cs typeface="Adobe Clean"/>
+              </a:rPr>
+              <a:t>e</a:t>
+            </a:r>
+            <a:r>
+              <a:rPr lang="en-US" sz="1400" b="1" dirty="0">
+                <a:solidFill>
+                  <a:srgbClr val="020302"/>
+                </a:solidFill>
+                <a:latin typeface="Adobe Clean"/>
+                <a:cs typeface="Adobe Clean"/>
+              </a:rPr>
+              <a:t> </a:t>
+            </a:r>
+            <a:r>
+              <a:rPr sz="1400" b="1" spc="5" dirty="0">
+                <a:solidFill>
+                  <a:srgbClr val="020302"/>
+                </a:solidFill>
+                <a:latin typeface="Adobe Clean"/>
+                <a:cs typeface="Adobe Clean"/>
+              </a:rPr>
+              <a:t>A</a:t>
+            </a:r>
+            <a:r>
+              <a:rPr sz="1400" b="1" dirty="0">
+                <a:solidFill>
+                  <a:srgbClr val="020302"/>
+                </a:solidFill>
+                <a:latin typeface="Adobe Clean"/>
+                <a:cs typeface="Adobe Clean"/>
+              </a:rPr>
+              <a:t>ct</a:t>
+            </a:r>
+            <a:r>
+              <a:rPr sz="1400" b="1" spc="5" dirty="0">
+                <a:solidFill>
+                  <a:srgbClr val="020302"/>
+                </a:solidFill>
+                <a:latin typeface="Adobe Clean"/>
+                <a:cs typeface="Adobe Clean"/>
+              </a:rPr>
+              <a:t>ivi</a:t>
+            </a:r>
+            <a:r>
+              <a:rPr sz="1400" b="1" dirty="0">
+                <a:solidFill>
+                  <a:srgbClr val="020302"/>
+                </a:solidFill>
+                <a:latin typeface="Adobe Clean"/>
+                <a:cs typeface="Adobe Clean"/>
+              </a:rPr>
+              <a:t>t</a:t>
+            </a:r>
+            <a:r>
+              <a:rPr sz="1400" b="1" spc="5" dirty="0">
+                <a:solidFill>
+                  <a:srgbClr val="020302"/>
+                </a:solidFill>
+                <a:latin typeface="Adobe Clean"/>
+                <a:cs typeface="Adobe Clean"/>
+              </a:rPr>
+              <a:t>i</a:t>
+            </a:r>
+            <a:r>
+              <a:rPr sz="1400" b="1" dirty="0">
+                <a:solidFill>
+                  <a:srgbClr val="020302"/>
+                </a:solidFill>
+                <a:latin typeface="Adobe Clean"/>
+                <a:cs typeface="Adobe Clean"/>
+              </a:rPr>
+              <a:t>es</a:t>
+            </a:r>
+            <a:endParaRPr sz="1400" dirty="0">
+              <a:latin typeface="Adobe Clean"/>
+              <a:cs typeface="Adobe Clean"/>
+            </a:endParaRPr>
           </a:p>
         </p:txBody>
       </p:sp>
@@ -10656,15 +13284,99 @@
               </a:spcBef>
             </a:pPr>
             <a:r>
-              <a:rPr lang="de-DE" sz="1400" b="1">
-                <a:solidFill>
-                  <a:srgbClr val="020302"/>
-                </a:solidFill>
-                <a:latin typeface="Adobe Clean"/>
-                <a:cs typeface="Adobe Clean"/>
-              </a:rPr>
-              <a:t>Launch Advisory </a:t>
-            </a:r>
+              <a:rPr sz="1400" b="1" spc="-20">
+                <a:solidFill>
+                  <a:srgbClr val="020302"/>
+                </a:solidFill>
+                <a:latin typeface="Adobe Clean"/>
+                <a:cs typeface="Adobe Clean"/>
+              </a:rPr>
+              <a:t>L</a:t>
+            </a:r>
+            <a:r>
+              <a:rPr sz="1400" b="1" spc="-10">
+                <a:solidFill>
+                  <a:srgbClr val="020302"/>
+                </a:solidFill>
+                <a:latin typeface="Adobe Clean"/>
+                <a:cs typeface="Adobe Clean"/>
+              </a:rPr>
+              <a:t>a</a:t>
+            </a:r>
+            <a:r>
+              <a:rPr sz="1400" b="1" spc="-15">
+                <a:solidFill>
+                  <a:srgbClr val="020302"/>
+                </a:solidFill>
+                <a:latin typeface="Adobe Clean"/>
+                <a:cs typeface="Adobe Clean"/>
+              </a:rPr>
+              <a:t>un</a:t>
+            </a:r>
+            <a:r>
+              <a:rPr sz="1400" b="1" spc="-20">
+                <a:solidFill>
+                  <a:srgbClr val="020302"/>
+                </a:solidFill>
+                <a:latin typeface="Adobe Clean"/>
+                <a:cs typeface="Adobe Clean"/>
+              </a:rPr>
+              <a:t>c</a:t>
+            </a:r>
+            <a:r>
+              <a:rPr sz="1400" b="1">
+                <a:solidFill>
+                  <a:srgbClr val="020302"/>
+                </a:solidFill>
+                <a:latin typeface="Adobe Clean"/>
+                <a:cs typeface="Adobe Clean"/>
+              </a:rPr>
+              <a:t>h</a:t>
+            </a:r>
+            <a:r>
+              <a:rPr sz="1400" b="1" spc="-30">
+                <a:solidFill>
+                  <a:srgbClr val="020302"/>
+                </a:solidFill>
+                <a:latin typeface="Adobe Clean"/>
+                <a:cs typeface="Adobe Clean"/>
+              </a:rPr>
+              <a:t> </a:t>
+            </a:r>
+            <a:r>
+              <a:rPr sz="1400" b="1" spc="-10">
+                <a:solidFill>
+                  <a:srgbClr val="020302"/>
+                </a:solidFill>
+                <a:latin typeface="Adobe Clean"/>
+                <a:cs typeface="Adobe Clean"/>
+              </a:rPr>
+              <a:t>Advisor</a:t>
+            </a:r>
+            <a:r>
+              <a:rPr sz="1400" b="1">
+                <a:solidFill>
+                  <a:srgbClr val="020302"/>
+                </a:solidFill>
+                <a:latin typeface="Adobe Clean"/>
+                <a:cs typeface="Adobe Clean"/>
+              </a:rPr>
+              <a:t>y</a:t>
+            </a:r>
+            <a:r>
+              <a:rPr sz="1400" b="1" spc="-60">
+                <a:solidFill>
+                  <a:srgbClr val="020302"/>
+                </a:solidFill>
+                <a:latin typeface="Adobe Clean"/>
+                <a:cs typeface="Adobe Clean"/>
+              </a:rPr>
+              <a:t> </a:t>
+            </a:r>
+            <a:endParaRPr sz="1400">
+              <a:latin typeface="Adobe Clean"/>
+              <a:cs typeface="Adobe Clean"/>
+            </a:endParaRPr>
           </a:p>
         </p:txBody>
       </p:sp>
@@ -10677,7 +13389,7 @@
         <p:spPr>
           <a:xfrm>
             <a:off x="242188" y="1225804"/>
-            <a:ext cx="3131692" cy="782265"/>
+            <a:ext cx="3131692" cy="628377"/>
           </a:xfrm>
           <a:prstGeom prst="rect">
             <a:avLst/>
@@ -10695,120 +13407,106 @@
               </a:spcBef>
             </a:pPr>
             <a:r>
-              <a:rPr lang="de-DE" sz="1000" dirty="0">
+              <a:rPr lang="en-US" sz="1000">
                 <a:solidFill>
                   <a:srgbClr val="1F1F1F"/>
                 </a:solidFill>
                 <a:latin typeface="AdobeClean-Light"/>
                 <a:cs typeface="AdobeClean-Light"/>
               </a:rPr>
-              <a:t>Für Kunden, die eine </a:t>
-            </a:r>
-            <a:r>
-              <a:rPr lang="de-DE" sz="1000" b="1" dirty="0">
+              <a:t>For customers </a:t>
+            </a:r>
+            <a:r>
+              <a:rPr sz="1000">
                 <a:solidFill>
                   <a:srgbClr val="1F1F1F"/>
                 </a:solidFill>
-                <a:latin typeface="Adobe Clean"/>
-                <a:cs typeface="Adobe Clean"/>
-              </a:rPr>
-              <a:t>neue Adobe Experience Cloud-Lösung implementieren, ist </a:t>
-            </a:r>
-            <a:r>
-              <a:rPr lang="de-DE" sz="1000" dirty="0">
+                <a:latin typeface="AdobeClean-Light"/>
+                <a:cs typeface="AdobeClean-Light"/>
+              </a:rPr>
+              <a:t>implementing a </a:t>
+            </a:r>
+            <a:r>
+              <a:rPr sz="1000" b="1">
+                <a:solidFill>
+                  <a:srgbClr val="1F1F1F"/>
+                </a:solidFill>
+                <a:latin typeface="Adobe Clean"/>
+                <a:cs typeface="Adobe Clean"/>
+              </a:rPr>
+              <a:t>new Adobe Experience Cloud solution</a:t>
+            </a:r>
+            <a:r>
+              <a:rPr lang="en-US" sz="1000" b="1">
+                <a:solidFill>
+                  <a:srgbClr val="1F1F1F"/>
+                </a:solidFill>
+                <a:latin typeface="Adobe Clean"/>
+                <a:cs typeface="Adobe Clean"/>
+              </a:rPr>
+              <a:t>, </a:t>
+            </a:r>
+            <a:r>
+              <a:rPr lang="en-US" sz="1000">
                 <a:latin typeface="Adobe Clean Light" charset="0"/>
                 <a:ea typeface="Adobe Clean Light" charset="0"/>
                 <a:cs typeface="Adobe Clean Light" charset="0"/>
               </a:rPr>
-              <a:t>Launch Advisory</a:t>
-            </a:r>
-            <a:r>
-              <a:rPr lang="de-DE" sz="1000" dirty="0">
+              <a:t>Launch Advisory </a:t>
+            </a:r>
+            <a:r>
+              <a:rPr lang="en-US" sz="1000">
                 <a:solidFill>
                   <a:srgbClr val="000000"/>
                 </a:solidFill>
                 <a:latin typeface="Adobe Clean SemiLight" panose="020B0403020404020204" pitchFamily="34" charset="0"/>
               </a:rPr>
-              <a:t>eine </a:t>
-            </a:r>
-            <a:r>
-              <a:rPr lang="de-DE" sz="1000" b="1" dirty="0">
+              <a:t>is a </a:t>
+            </a:r>
+            <a:r>
+              <a:rPr lang="en-US" sz="1000" b="1">
                 <a:solidFill>
                   <a:srgbClr val="000000"/>
                 </a:solidFill>
                 <a:latin typeface="Adobe Clean SemiLight" panose="020B0403020404020204" pitchFamily="34" charset="0"/>
               </a:rPr>
-              <a:t>zentrale </a:t>
-            </a:r>
-            <a:br>
-              <a:rPr lang="sk-SK" sz="1000" b="1" dirty="0">
-                <a:solidFill>
-                  <a:srgbClr val="000000"/>
-                </a:solidFill>
-                <a:latin typeface="Adobe Clean SemiLight" panose="020B0403020404020204" pitchFamily="34" charset="0"/>
-              </a:rPr>
-            </a:br>
-            <a:r>
-              <a:rPr lang="de-DE" sz="1000" b="1" dirty="0">
-                <a:solidFill>
-                  <a:srgbClr val="000000"/>
-                </a:solidFill>
-                <a:latin typeface="Adobe Clean SemiLight" panose="020B0403020404020204" pitchFamily="34" charset="0"/>
-              </a:rPr>
-              <a:t>Palette von Beratungs-Services</a:t>
-            </a:r>
-            <a:r>
-              <a:rPr lang="de-DE" sz="1000" dirty="0">
+              <a:t>core set of advisory services </a:t>
+            </a:r>
+            <a:r>
+              <a:rPr lang="en-US" sz="1000">
                 <a:latin typeface="Adobe Clean Light" charset="0"/>
                 <a:ea typeface="Adobe Clean Light" charset="0"/>
                 <a:cs typeface="Adobe Clean Light" charset="0"/>
               </a:rPr>
-              <a:t> und Empfehlungen, </a:t>
-            </a:r>
-            <a:br>
-              <a:rPr lang="sk-SK" sz="1000" dirty="0">
+              <a:t>and recommendations that </a:t>
+            </a:r>
+            <a:r>
+              <a:rPr lang="en-US" sz="1000">
                 <a:latin typeface="Adobe Clean Light" charset="0"/>
-                <a:ea typeface="Adobe Clean Light" charset="0"/>
-                <a:cs typeface="Adobe Clean Light" charset="0"/>
-              </a:rPr>
-            </a:br>
-            <a:r>
-              <a:rPr lang="de-DE" sz="1000" dirty="0">
+              </a:rPr>
+              <a:t>are proven to </a:t>
+            </a:r>
+            <a:r>
+              <a:rPr lang="en-US" sz="1000" b="1">
                 <a:latin typeface="Adobe Clean Light" charset="0"/>
-                <a:ea typeface="Adobe Clean Light" charset="0"/>
-                <a:cs typeface="Adobe Clean Light" charset="0"/>
-              </a:rPr>
-              <a:t>die </a:t>
-            </a:r>
-            <a:r>
-              <a:rPr lang="de-DE" sz="1000" b="1" dirty="0">
+              </a:rPr>
+              <a:t>support successful deployments </a:t>
+            </a:r>
+            <a:r>
+              <a:rPr lang="en-US" sz="1000">
                 <a:latin typeface="Adobe Clean Light" charset="0"/>
-                <a:ea typeface="Adobe Clean Light" charset="0"/>
-                <a:cs typeface="Adobe Clean Light" charset="0"/>
-              </a:rPr>
-              <a:t>nachweislich erfolgreiche Implementierungen unterstützen</a:t>
-            </a:r>
-            <a:r>
-              <a:rPr lang="de-DE" sz="1000" dirty="0">
+              </a:rPr>
+              <a:t>and </a:t>
+            </a:r>
+            <a:r>
+              <a:rPr lang="en-US" sz="1000" b="1">
                 <a:latin typeface="Adobe Clean Light" charset="0"/>
-                <a:ea typeface="Adobe Clean Light" charset="0"/>
-                <a:cs typeface="Adobe Clean Light" charset="0"/>
-              </a:rPr>
-              <a:t> und </a:t>
-            </a:r>
-            <a:r>
-              <a:rPr lang="de-DE" sz="1000" b="1" dirty="0">
+              </a:rPr>
+              <a:t>accelerate time-to-value</a:t>
+            </a:r>
+            <a:r>
+              <a:rPr lang="en-US" sz="1000">
                 <a:latin typeface="Adobe Clean Light" charset="0"/>
-                <a:ea typeface="Adobe Clean Light" charset="0"/>
-                <a:cs typeface="Adobe Clean Light" charset="0"/>
-              </a:rPr>
-              <a:t>die Time-to-Value beschleunigen</a:t>
-            </a:r>
-            <a:r>
-              <a:rPr lang="de-DE" sz="1000" dirty="0">
-                <a:latin typeface="Adobe Clean Light" charset="0"/>
-                <a:ea typeface="Adobe Clean Light" charset="0"/>
-                <a:cs typeface="Adobe Clean Light" charset="0"/>
               </a:rPr>
               <a:t>.</a:t>
             </a:r>
@@ -10869,85 +13567,75 @@
               </a:spcBef>
             </a:pPr>
             <a:r>
-              <a:rPr lang="de-DE" sz="1000" dirty="0">
+              <a:rPr lang="en-US" sz="1000">
                 <a:solidFill>
                   <a:srgbClr val="4B4B4B"/>
                 </a:solidFill>
                 <a:latin typeface="Adobe Clean Light" panose="020B0303020404020204" pitchFamily="34" charset="0"/>
               </a:rPr>
-              <a:t>Der Außendienst sorgt für </a:t>
-            </a:r>
-            <a:r>
-              <a:rPr lang="de-DE" sz="1000" b="1" dirty="0">
+              <a:t>Field Services are used for </a:t>
+            </a:r>
+            <a:r>
+              <a:rPr lang="en-US" sz="1000" b="1">
                 <a:solidFill>
                   <a:srgbClr val="4B4B4B"/>
                 </a:solidFill>
                 <a:latin typeface="Adobe Clean" panose="020B0503020404020204" pitchFamily="34" charset="0"/>
               </a:rPr>
-              <a:t>schnelle Problemlösung,</a:t>
-            </a:r>
-            <a:r>
-              <a:rPr lang="de-DE" sz="1000" dirty="0">
+              <a:t>quick resolution</a:t>
+            </a:r>
+            <a:r>
+              <a:rPr lang="en-US" sz="1000">
                 <a:solidFill>
                   <a:srgbClr val="4B4B4B"/>
                 </a:solidFill>
                 <a:latin typeface="Adobe Clean Light" panose="020B0303020404020204" pitchFamily="34" charset="0"/>
               </a:rPr>
-              <a:t> fokussierten Kundenerfolg und beschleunigte </a:t>
-            </a:r>
-            <a:r>
-              <a:rPr lang="de-DE" sz="1000" b="1" dirty="0">
+              <a:t>, focused customer success and accelerated</a:t>
+            </a:r>
+            <a:r>
+              <a:rPr lang="en-US" sz="1000" b="1">
                 <a:solidFill>
                   <a:srgbClr val="4B4B4B"/>
                 </a:solidFill>
                 <a:latin typeface="Adobe Clean" panose="020B0503020404020204" pitchFamily="34" charset="0"/>
               </a:rPr>
-              <a:t>Time-to-Value</a:t>
-            </a:r>
-            <a:r>
-              <a:rPr lang="de-DE" sz="1000" dirty="0">
+              <a:t> time-to-value</a:t>
+            </a:r>
+            <a:r>
+              <a:rPr lang="en-US" sz="1000">
                 <a:solidFill>
                   <a:srgbClr val="4B4B4B"/>
                 </a:solidFill>
                 <a:latin typeface="Adobe Clean Light" panose="020B0303020404020204" pitchFamily="34" charset="0"/>
               </a:rPr>
-              <a:t>. Wenn Launch Advisory aktiv ist, gibt es </a:t>
-            </a:r>
-            <a:r>
-              <a:rPr lang="de-DE" sz="1000" b="1" dirty="0">
+              <a:t>. If Launch advisory is active there will be </a:t>
+            </a:r>
+            <a:r>
+              <a:rPr lang="en-US" sz="1000" b="1">
                 <a:solidFill>
                   <a:srgbClr val="4B4B4B"/>
                 </a:solidFill>
                 <a:latin typeface="Adobe Clean" panose="020B0503020404020204" pitchFamily="34" charset="0"/>
               </a:rPr>
-              <a:t>im ersten Jahr keinen Außendienst</a:t>
-            </a:r>
-            <a:r>
-              <a:rPr lang="de-DE" sz="1000" dirty="0">
+              <a:t>no Field Services in year 1 </a:t>
+            </a:r>
+            <a:r>
+              <a:rPr lang="en-US" sz="1000">
                 <a:solidFill>
                   <a:srgbClr val="4B4B4B"/>
                 </a:solidFill>
                 <a:latin typeface="Adobe Clean Light" panose="020B0303020404020204" pitchFamily="34" charset="0"/>
               </a:rPr>
-              <a:t> </a:t>
-            </a:r>
-            <a:br>
-              <a:rPr lang="sk-SK" sz="1000" dirty="0">
-                <a:solidFill>
-                  <a:srgbClr val="4B4B4B"/>
-                </a:solidFill>
-                <a:latin typeface="Adobe Clean Light" panose="020B0303020404020204" pitchFamily="34" charset="0"/>
-              </a:rPr>
-            </a:br>
-            <a:r>
-              <a:rPr lang="de-DE" sz="1000" dirty="0">
-                <a:solidFill>
-                  <a:srgbClr val="4B4B4B"/>
-                </a:solidFill>
-                <a:latin typeface="Adobe Clean Light" panose="020B0303020404020204" pitchFamily="34" charset="0"/>
-              </a:rPr>
-              <a:t>für Lösungsprodukte, die unter einen Adobe Support-Vertrag fallen. </a:t>
-            </a:r>
+              <a:t>for any solution product covered by an Adobe Support contract. </a:t>
+            </a:r>
+            <a:endParaRPr lang="en-US" sz="1000">
+              <a:solidFill>
+                <a:srgbClr val="1F1F1F"/>
+              </a:solidFill>
+              <a:latin typeface="Adobe Clean Light" panose="020B0303020404020204" pitchFamily="34" charset="0"/>
+              <a:cs typeface="Adobe Clean"/>
+            </a:endParaRPr>
           </a:p>
           <a:p>
             <a:pPr marL="24130" marR="5080">
@@ -10955,7 +13643,7 @@
                 <a:spcPts val="600"/>
               </a:spcBef>
             </a:pPr>
-            <a:endParaRPr lang="en-US" sz="1000" b="1" dirty="0">
+            <a:endParaRPr lang="en-US" sz="1000" b="1">
               <a:solidFill>
                 <a:srgbClr val="1F1F1F"/>
               </a:solidFill>
@@ -11142,37 +13830,37 @@
               </a:spcBef>
             </a:pPr>
             <a:r>
-              <a:rPr lang="de-DE" sz="1000" dirty="0">
+              <a:rPr lang="en-US" sz="1000">
                 <a:latin typeface="Adobe Clean Light" charset="0"/>
               </a:rPr>
-              <a:t>Experten für Adobe-Lösungen helfen bei der Prüfung von Anforderungen, Architektur, Entwicklungsprozess und Launch-Bereitschaft</a:t>
-            </a:r>
-            <a:r>
-              <a:rPr lang="de-DE" sz="1000" dirty="0">
+              <a:t>Adobe solution experts help validate requirements, architecture, development process, and launch readiness reviews </a:t>
+            </a:r>
+            <a:r>
+              <a:rPr lang="en-US" sz="1000">
                 <a:solidFill>
                   <a:srgbClr val="000000"/>
                 </a:solidFill>
                 <a:latin typeface="Adobe Clean SemiLight" panose="020B0403020404020204" pitchFamily="34" charset="0"/>
               </a:rPr>
-              <a:t> mit </a:t>
-            </a:r>
-            <a:r>
-              <a:rPr lang="de-DE" sz="1000" b="1" dirty="0">
+              <a:t>with </a:t>
+            </a:r>
+            <a:r>
+              <a:rPr lang="en-US" sz="1000" b="1">
                 <a:solidFill>
                   <a:srgbClr val="000000"/>
                 </a:solidFill>
                 <a:latin typeface="Adobe Clean SemiLight" panose="020B0403020404020204" pitchFamily="34" charset="0"/>
               </a:rPr>
-              <a:t>Best Practice-basierten Anleitungen</a:t>
-            </a:r>
-            <a:r>
-              <a:rPr lang="de-DE" sz="1000" dirty="0">
+              <a:t>best practice-based guidance </a:t>
+            </a:r>
+            <a:r>
+              <a:rPr lang="en-US" sz="1000">
                 <a:solidFill>
                   <a:srgbClr val="000000"/>
                 </a:solidFill>
                 <a:latin typeface="Adobe Clean SemiLight" panose="020B0403020404020204" pitchFamily="34" charset="0"/>
               </a:rPr>
-              <a:t> für Kunden und Implementierungspartner.</a:t>
+              <a:t>to customers and implementation partners.</a:t>
             </a:r>
           </a:p>
           <a:p>
@@ -11181,7 +13869,7 @@
                 <a:spcPts val="100"/>
               </a:spcBef>
             </a:pPr>
-            <a:endParaRPr lang="en-US" sz="1000" dirty="0">
+            <a:endParaRPr lang="en-US" sz="1000">
               <a:solidFill>
                 <a:srgbClr val="1F1F1F"/>
               </a:solidFill>
@@ -11196,22 +13884,22 @@
               </a:spcBef>
             </a:pPr>
             <a:r>
-              <a:rPr lang="de-DE" sz="1000" dirty="0">
+              <a:rPr lang="en-US" sz="1000">
                 <a:latin typeface="Adobe Clean Light" charset="0"/>
               </a:rPr>
-              <a:t>Launch Advisory orientiert sich anhand gängiger Milestones (</a:t>
-            </a:r>
-            <a:r>
-              <a:rPr lang="de-DE" sz="1000" b="1" dirty="0">
+              <a:t>Launch Advisory will align with your project schedule through common milestones (</a:t>
+            </a:r>
+            <a:r>
+              <a:rPr lang="en-US" sz="1000" b="1">
                 <a:latin typeface="Adobe Clean Light" charset="0"/>
               </a:rPr>
-              <a:t>Kickoff, Definition, Design, Go-Live und Post-Launch</a:t>
-            </a:r>
-            <a:r>
-              <a:rPr lang="de-DE" sz="1000" dirty="0">
+              <a:t>Kickoff, Define, Design, Go-live and Post Launch</a:t>
+            </a:r>
+            <a:r>
+              <a:rPr lang="en-US" sz="1000">
                 <a:latin typeface="Adobe Clean Light" charset="0"/>
               </a:rPr>
-              <a:t>) an Ihren Projektplan und umfasst Anleitung, Prüfung, Bewertung und Empfehlungen.</a:t>
+              <a:t>) to guide, validate, assess and make recommendations.</a:t>
             </a:r>
           </a:p>
           <a:p>
@@ -11220,7 +13908,7 @@
                 <a:spcPts val="100"/>
               </a:spcBef>
             </a:pPr>
-            <a:endParaRPr lang="en-US" sz="1000" dirty="0">
+            <a:endParaRPr lang="en-US" sz="1000">
               <a:latin typeface="Adobe Clean Light" charset="0"/>
             </a:endParaRPr>
           </a:p>
@@ -11231,10 +13919,10 @@
               </a:spcBef>
             </a:pPr>
             <a:r>
-              <a:rPr lang="de-DE" sz="1000" dirty="0">
+              <a:rPr lang="en-US" sz="1000">
                 <a:latin typeface="Adobe Clean Light" charset="0"/>
               </a:rPr>
-              <a:t>Zu den wichtigsten Angeboten gehören:</a:t>
+              <a:t>Key Deliverables include:</a:t>
             </a:r>
           </a:p>
           <a:p>
@@ -11246,8 +13934,8 @@
               <a:buChar char="•"/>
             </a:pPr>
             <a:r>
-              <a:rPr lang="de-DE" sz="1000" dirty="0"/>
-              <a:t>Kickoff-Deck (einschließlich Projekt-Kooperationsplan)</a:t>
+              <a:rPr lang="en-US" sz="1000"/>
+              <a:t>Kickoff (including project collaboration plan) deck</a:t>
             </a:r>
           </a:p>
           <a:p>
@@ -11259,8 +13947,8 @@
               <a:buChar char="•"/>
             </a:pPr>
             <a:r>
-              <a:rPr lang="de-DE" sz="1000" dirty="0"/>
-              <a:t>Dokument(e) für Bewertung und Empfehlung</a:t>
+              <a:rPr lang="en-US" sz="1000"/>
+              <a:t>Assessment &amp; recommendations document(s)</a:t>
             </a:r>
           </a:p>
           <a:p>
@@ -11272,8 +13960,8 @@
               <a:buChar char="•"/>
             </a:pPr>
             <a:r>
-              <a:rPr lang="de-DE" sz="1000" dirty="0"/>
-              <a:t>Interaktionszusammenfassung</a:t>
+              <a:rPr lang="en-US" sz="1000"/>
+              <a:t>Engagement summary</a:t>
             </a:r>
           </a:p>
         </p:txBody>
@@ -11377,8 +14065,8 @@
           <a:p>
             <a:pPr algn="ctr"/>
             <a:r>
-              <a:rPr lang="de-DE" sz="1600"/>
-              <a:t>Ausführung und Betrieb</a:t>
+              <a:rPr lang="en-US" sz="1600"/>
+              <a:t>Run &amp; Operate</a:t>
             </a:r>
           </a:p>
         </p:txBody>
@@ -11483,8 +14171,8 @@
           <a:p>
             <a:pPr algn="ctr"/>
             <a:r>
-              <a:rPr lang="de-DE" sz="1600"/>
-              <a:t>Implementierung</a:t>
+              <a:rPr lang="en-US" sz="1600"/>
+              <a:t>Implementation</a:t>
             </a:r>
           </a:p>
         </p:txBody>
@@ -11519,8 +14207,8 @@
           <a:p>
             <a:pPr algn="ctr"/>
             <a:r>
-              <a:rPr lang="de-DE" sz="1100"/>
-              <a:t>Post-Launch</a:t>
+              <a:rPr lang="en-US" sz="1100"/>
+              <a:t>Post Launch</a:t>
             </a:r>
           </a:p>
         </p:txBody>
@@ -11540,20 +14228,15 @@
           <p:nvPr/>
         </p:nvPicPr>
         <p:blipFill>
-          <a:blip r:embed="rId4">
-            <a:extLst>
-              <a:ext uri="{28A0092B-C50C-407E-A947-70E740481C1C}">
-                <a14:useLocalDpi xmlns:a14="http://schemas.microsoft.com/office/drawing/2010/main" val="0"/>
-              </a:ext>
-            </a:extLst>
-          </a:blip>
-          <a:srcRect/>
-          <a:stretch/>
+          <a:blip r:embed="rId4"/>
+          <a:stretch>
+            <a:fillRect/>
+          </a:stretch>
         </p:blipFill>
         <p:spPr>
           <a:xfrm>
-            <a:off x="334498" y="6379881"/>
-            <a:ext cx="3096805" cy="2855621"/>
+            <a:off x="333965" y="6379881"/>
+            <a:ext cx="3097872" cy="2855621"/>
           </a:xfrm>
           <a:prstGeom prst="rect">
             <a:avLst/>
@@ -11629,14 +14312,14 @@
         <p:spPr>
           <a:xfrm>
             <a:off x="3855907" y="4694431"/>
-            <a:ext cx="3675699" cy="2310889"/>
+            <a:ext cx="3525469" cy="2464777"/>
           </a:xfrm>
           <a:prstGeom prst="rect">
             <a:avLst/>
           </a:prstGeom>
         </p:spPr>
         <p:txBody>
-          <a:bodyPr wrap="square">
+          <a:bodyPr wrap="square" lIns="91440" tIns="45720" rIns="91440" bIns="45720" anchor="t">
             <a:spAutoFit/>
           </a:bodyPr>
           <a:lstStyle/>
@@ -11647,23 +14330,29 @@
               </a:spcBef>
             </a:pPr>
             <a:r>
-              <a:rPr lang="de-DE" sz="1000" b="1" dirty="0">
+              <a:rPr lang="en-US" sz="1000" b="1" dirty="0">
                 <a:solidFill>
                   <a:srgbClr val="000000"/>
                 </a:solidFill>
                 <a:latin typeface="+mj-lt"/>
               </a:rPr>
-              <a:t>Aktivitäten des technischen Tracks</a:t>
-            </a:r>
-            <a:r>
-              <a:rPr lang="de-DE" sz="1000" dirty="0">
+              <a:t>Technical Track Activities </a:t>
+            </a:r>
+            <a:r>
+              <a:rPr lang="en-US" sz="1000" dirty="0">
                 <a:solidFill>
                   <a:srgbClr val="000000"/>
                 </a:solidFill>
-                <a:latin typeface="Adobe Clean Light" panose="020B0303020404020204" pitchFamily="34" charset="0"/>
-              </a:rPr>
-              <a:t> stellen sicher, dass Kunden technisch versiert sind und ihre Tools optimal nutzen. Diese Aktivitätstypen umfassen insbesondere Support und Empfehlungen für Plattformkonfigurationen, Integrationen und die Fehlerbehebung</a:t>
-            </a:r>
+                <a:latin typeface="Adobe Clean Light"/>
+              </a:rPr>
+              <a:t>ensure customers are technically sound and maximizing their tool adoption. Specifically, these types of activities include support and recommendations related to platform configurations, integrations and troubleshooting.</a:t>
+            </a:r>
+            <a:endParaRPr lang="en-US" sz="1000" dirty="0">
+              <a:solidFill>
+                <a:srgbClr val="000000"/>
+              </a:solidFill>
+              <a:latin typeface="Adobe Clean Light" panose="020B0303020404020204" pitchFamily="34" charset="0"/>
+            </a:endParaRPr>
           </a:p>
           <a:p>
             <a:pPr marL="12700" marR="5080">
@@ -11671,7 +14360,7 @@
                 <a:spcPts val="100"/>
               </a:spcBef>
             </a:pPr>
-            <a:endParaRPr lang="en-US" sz="1000" dirty="0">
+            <a:endParaRPr lang="en-US" sz="1000">
               <a:latin typeface="Adobe Clean Light" charset="0"/>
             </a:endParaRPr>
           </a:p>
@@ -11682,10 +14371,10 @@
               </a:spcBef>
             </a:pPr>
             <a:r>
-              <a:rPr lang="de-DE" sz="1000" dirty="0">
-                <a:latin typeface="Adobe Clean Light" charset="0"/>
-              </a:rPr>
-              <a:t>Verfügbare technische Aktivitäten:</a:t>
+              <a:rPr lang="en-US" sz="1000" dirty="0">
+                <a:latin typeface="Adobe Clean Light"/>
+              </a:rPr>
+              <a:t>Types of technical activities available::</a:t>
             </a:r>
           </a:p>
           <a:p>
@@ -11700,9 +14389,12 @@
               <a:buChar char="ü"/>
             </a:pPr>
             <a:r>
-              <a:rPr lang="de-DE" sz="1000" dirty="0"/>
-              <a:t>Statusprüfung</a:t>
-            </a:r>
+              <a:rPr lang="en-US" sz="1000" dirty="0"/>
+              <a:t>Health audit</a:t>
+            </a:r>
+            <a:endParaRPr lang="en-US" sz="1000" dirty="0">
+              <a:cs typeface="Calibri"/>
+            </a:endParaRPr>
           </a:p>
           <a:p>
             <a:pPr marL="184150" marR="5080" indent="-171450">
@@ -11716,9 +14408,12 @@
               <a:buChar char="ü"/>
             </a:pPr>
             <a:r>
-              <a:rPr lang="de-DE" sz="1000" dirty="0"/>
-              <a:t>Plattformprüfung</a:t>
-            </a:r>
+              <a:rPr lang="en-US" sz="1000" dirty="0"/>
+              <a:t>Platform audit</a:t>
+            </a:r>
+            <a:endParaRPr lang="en-US" sz="1000" dirty="0">
+              <a:cs typeface="Calibri"/>
+            </a:endParaRPr>
           </a:p>
           <a:p>
             <a:pPr marL="184150" marR="5080" indent="-171450">
@@ -11732,9 +14427,12 @@
               <a:buChar char="ü"/>
             </a:pPr>
             <a:r>
-              <a:rPr lang="de-DE" sz="1000" dirty="0"/>
-              <a:t>Aktivierung von Funktionssätzen</a:t>
-            </a:r>
+              <a:rPr lang="en-US" sz="1000" dirty="0"/>
+              <a:t>Feature set enablement</a:t>
+            </a:r>
+            <a:endParaRPr lang="en-US" sz="1000" dirty="0">
+              <a:cs typeface="Calibri"/>
+            </a:endParaRPr>
           </a:p>
           <a:p>
             <a:pPr marL="184150" marR="5080" indent="-171450">
@@ -11748,9 +14446,12 @@
               <a:buChar char="ü"/>
             </a:pPr>
             <a:r>
-              <a:rPr lang="de-DE" sz="1000" dirty="0"/>
-              <a:t>Grundlegende Integrationen und Konfigurationen</a:t>
-            </a:r>
+              <a:rPr lang="en-US" sz="1000" dirty="0"/>
+              <a:t>Basic integrations and configurations</a:t>
+            </a:r>
+            <a:endParaRPr lang="en-US" sz="1000" dirty="0">
+              <a:cs typeface="Calibri"/>
+            </a:endParaRPr>
           </a:p>
           <a:p>
             <a:pPr marL="184150" marR="5080" indent="-171450">
@@ -11764,9 +14465,12 @@
               <a:buChar char="ü"/>
             </a:pPr>
             <a:r>
-              <a:rPr lang="de-DE" sz="1000" dirty="0"/>
-              <a:t>Fehlerbehebung bei der Kundenlösung</a:t>
-            </a:r>
+              <a:rPr lang="en-US" sz="1000" dirty="0"/>
+              <a:t>Customer solution troubleshooting</a:t>
+            </a:r>
+            <a:endParaRPr lang="en-US" sz="1000" dirty="0">
+              <a:cs typeface="Calibri"/>
+            </a:endParaRPr>
           </a:p>
           <a:p>
             <a:pPr marL="184150" marR="5080" indent="-171450">
@@ -11780,9 +14484,12 @@
               <a:buChar char="ü"/>
             </a:pPr>
             <a:r>
-              <a:rPr lang="de-DE" sz="1000" dirty="0"/>
-              <a:t>Cloud-Service-Support</a:t>
-            </a:r>
+              <a:rPr lang="en-US" sz="1000" dirty="0"/>
+              <a:t>Cloud service support</a:t>
+            </a:r>
+            <a:endParaRPr lang="en-US" sz="1000" dirty="0">
+              <a:cs typeface="Calibri"/>
+            </a:endParaRPr>
           </a:p>
         </p:txBody>
       </p:sp>
@@ -11801,14 +14508,14 @@
         <p:spPr>
           <a:xfrm>
             <a:off x="3851397" y="7249456"/>
-            <a:ext cx="3717548" cy="2054409"/>
+            <a:ext cx="3525469" cy="2054409"/>
           </a:xfrm>
           <a:prstGeom prst="rect">
             <a:avLst/>
           </a:prstGeom>
         </p:spPr>
         <p:txBody>
-          <a:bodyPr wrap="square">
+          <a:bodyPr wrap="square" lIns="91440" tIns="45720" rIns="91440" bIns="45720" anchor="t">
             <a:spAutoFit/>
           </a:bodyPr>
           <a:lstStyle/>
@@ -11819,22 +14526,22 @@
               </a:spcBef>
             </a:pPr>
             <a:r>
-              <a:rPr lang="de-DE" sz="1000" b="1" dirty="0">
+              <a:rPr lang="en-US" sz="1000" b="1" dirty="0">
                 <a:solidFill>
                   <a:srgbClr val="000000"/>
                 </a:solidFill>
                 <a:latin typeface="+mj-lt"/>
               </a:rPr>
-              <a:t>Aktivitäten des strategischen Tracks</a:t>
-            </a:r>
-            <a:r>
-              <a:rPr lang="de-DE" sz="1000" dirty="0">
+              <a:t>Strategic Track Activities </a:t>
+            </a:r>
+            <a:r>
+              <a:rPr lang="en-US" sz="1000" dirty="0">
                 <a:solidFill>
                   <a:srgbClr val="000000"/>
                 </a:solidFill>
-                <a:latin typeface="Adobe Clean Light" panose="020B0303020404020204" pitchFamily="34" charset="0"/>
-              </a:rPr>
-              <a:t> ermitteln Möglichkeiten, mit den vom Kunden genutzten Adobe-Lösungen optimale Ergebnisse zu erzielen. Sie enthalten Support-Empfehlungen zu Strategie, Messung und Reifegrad, mit denen eine oder mehrere Adobe-Lösungen optimal genutzt werden können.</a:t>
+                <a:latin typeface="Adobe Clean Light"/>
+              </a:rPr>
+              <a:t>locate opportunities to ensure value is being realized from a customer’s Adobe solutions. They include support recommendations related to strategy, measurement and maturity to drive value realization across one or more Adobe solutions.</a:t>
             </a:r>
           </a:p>
           <a:p>
@@ -11843,7 +14550,7 @@
                 <a:spcPts val="100"/>
               </a:spcBef>
             </a:pPr>
-            <a:endParaRPr lang="en-US" sz="1000" dirty="0">
+            <a:endParaRPr lang="en-US" sz="1000">
               <a:latin typeface="Adobe Clean Light" charset="0"/>
             </a:endParaRPr>
           </a:p>
@@ -11854,11 +14561,14 @@
               </a:spcBef>
             </a:pPr>
             <a:r>
-              <a:rPr lang="de-DE" sz="1000" dirty="0">
-                <a:latin typeface="Adobe Clean Light" charset="0"/>
-              </a:rPr>
-              <a:t>Verfügbare strategische Aktivitäten:</a:t>
-            </a:r>
+              <a:rPr lang="en-US" sz="1000" dirty="0">
+                <a:latin typeface="Adobe Clean Light"/>
+              </a:rPr>
+              <a:t>Types of strategic activities available:</a:t>
+            </a:r>
+            <a:endParaRPr lang="en-US" sz="1000" dirty="0">
+              <a:latin typeface="Adobe Clean Light" charset="0"/>
+            </a:endParaRPr>
           </a:p>
           <a:p>
             <a:pPr marL="241300" marR="5080" indent="-228600">
@@ -11872,9 +14582,12 @@
               <a:buChar char="ü"/>
             </a:pPr>
             <a:r>
-              <a:rPr lang="de-DE" sz="1000" dirty="0"/>
-              <a:t>Reifegrad-Roadmap</a:t>
-            </a:r>
+              <a:rPr lang="en-US" sz="1000" dirty="0"/>
+              <a:t>Maturity Roadmap</a:t>
+            </a:r>
+            <a:endParaRPr lang="en-US" sz="1000" dirty="0">
+              <a:cs typeface="Calibri"/>
+            </a:endParaRPr>
           </a:p>
           <a:p>
             <a:pPr marL="241300" marR="5080" indent="-228600">
@@ -11888,9 +14601,12 @@
               <a:buChar char="ü"/>
             </a:pPr>
             <a:r>
-              <a:rPr lang="de-DE" sz="1000" dirty="0"/>
-              <a:t>Use-Case-Entwicklung/-Messung</a:t>
-            </a:r>
+              <a:rPr lang="en-US" sz="1000" dirty="0"/>
+              <a:t>Use case development/measurement</a:t>
+            </a:r>
+            <a:endParaRPr lang="en-US" sz="1000" dirty="0">
+              <a:cs typeface="Calibri"/>
+            </a:endParaRPr>
           </a:p>
           <a:p>
             <a:pPr marL="241300" marR="5080" indent="-228600">
@@ -11904,9 +14620,12 @@
               <a:buChar char="ü"/>
             </a:pPr>
             <a:r>
-              <a:rPr lang="de-DE" sz="1000" dirty="0"/>
-              <a:t>Reporting und Analyse</a:t>
-            </a:r>
+              <a:rPr lang="en-US" sz="1000" dirty="0"/>
+              <a:t>Reporting &amp; analysis</a:t>
+            </a:r>
+            <a:endParaRPr lang="en-US" sz="1000" dirty="0">
+              <a:cs typeface="Calibri"/>
+            </a:endParaRPr>
           </a:p>
           <a:p>
             <a:pPr marL="241300" marR="5080" indent="-228600">
@@ -11920,9 +14639,12 @@
               <a:buChar char="ü"/>
             </a:pPr>
             <a:r>
-              <a:rPr lang="de-DE" sz="1000" dirty="0"/>
-              <a:t>Aktivierung von Best Practices</a:t>
-            </a:r>
+              <a:rPr lang="en-US" sz="1000" dirty="0"/>
+              <a:t>Best practices enablement</a:t>
+            </a:r>
+            <a:endParaRPr lang="en-US" sz="1000" dirty="0">
+              <a:cs typeface="Calibri"/>
+            </a:endParaRPr>
           </a:p>
         </p:txBody>
       </p:sp>
@@ -11960,85 +14682,87 @@
               </a:spcBef>
             </a:pPr>
             <a:r>
-              <a:rPr lang="de-DE" sz="1000">
+              <a:rPr lang="en-US" sz="1000">
                 <a:solidFill>
                   <a:srgbClr val="1F1F1F"/>
                 </a:solidFill>
                 <a:latin typeface="Adobe Clean" panose="020B0503020404020204" pitchFamily="34" charset="0"/>
                 <a:cs typeface="AdobeClean-Light"/>
               </a:rPr>
-              <a:t>Als Enterprise-Kunde können Sie </a:t>
-            </a:r>
-            <a:r>
-              <a:rPr lang="de-DE" sz="1200" b="1" u="sng">
+              <a:t>As an Enterprise customer, you are eligible for</a:t>
+            </a:r>
+            <a:r>
+              <a:rPr lang="en-US" sz="1200" b="1" u="sng">
+                <a:solidFill>
+                  <a:srgbClr val="1F1F1F"/>
+                </a:solidFill>
+                <a:cs typeface="AdobeClean-Light"/>
+              </a:rPr>
+              <a:t> 2 </a:t>
+            </a:r>
+            <a:r>
+              <a:rPr lang="en-US" sz="1000" b="1" u="sng">
+                <a:solidFill>
+                  <a:srgbClr val="1F1F1F"/>
+                </a:solidFill>
+                <a:cs typeface="AdobeClean-Light"/>
+              </a:rPr>
+              <a:t>activities per year </a:t>
+            </a:r>
+            <a:r>
+              <a:rPr lang="en-US" sz="1000">
                 <a:solidFill>
                   <a:srgbClr val="1F1F1F"/>
                 </a:solidFill>
                 <a:latin typeface="Adobe Clean" panose="020B0503020404020204" pitchFamily="34" charset="0"/>
                 <a:cs typeface="AdobeClean-Light"/>
               </a:rPr>
-              <a:t>zwei</a:t>
-            </a:r>
-            <a:r>
-              <a:rPr lang="de-DE" sz="1000" b="1" u="sng">
+              <a:t>from the following two tracks:</a:t>
+            </a:r>
+            <a:r>
+              <a:rPr lang="en-US" sz="1000" b="1">
+                <a:solidFill>
+                  <a:srgbClr val="1F1F1F"/>
+                </a:solidFill>
+                <a:cs typeface="AdobeClean-Light"/>
+              </a:rPr>
+              <a:t> Technical </a:t>
+            </a:r>
+            <a:r>
+              <a:rPr lang="en-US" sz="1000">
                 <a:solidFill>
                   <a:srgbClr val="1F1F1F"/>
                 </a:solidFill>
                 <a:latin typeface="Adobe Clean" panose="020B0503020404020204" pitchFamily="34" charset="0"/>
                 <a:cs typeface="AdobeClean-Light"/>
               </a:rPr>
-              <a:t>Aktivitäten pro Jahr</a:t>
-            </a:r>
-            <a:r>
-              <a:rPr lang="de-DE" sz="1000">
+              <a:t>and/or </a:t>
+            </a:r>
+            <a:r>
+              <a:rPr lang="en-US" sz="1000" b="1">
                 <a:solidFill>
                   <a:srgbClr val="1F1F1F"/>
                 </a:solidFill>
-                <a:latin typeface="Adobe Clean" panose="020B0503020404020204" pitchFamily="34" charset="0"/>
                 <a:cs typeface="AdobeClean-Light"/>
               </a:rPr>
-              <a:t> aus dem</a:t>
-            </a:r>
-            <a:r>
-              <a:rPr lang="de-DE" sz="1000" b="1">
-                <a:solidFill>
-                  <a:srgbClr val="1F1F1F"/>
-                </a:solidFill>
-                <a:latin typeface="Adobe Clean" panose="020B0503020404020204" pitchFamily="34" charset="0"/>
-                <a:cs typeface="AdobeClean-Light"/>
-              </a:rPr>
-              <a:t> technischen</a:t>
-            </a:r>
-            <a:r>
-              <a:rPr lang="de-DE" sz="1000">
-                <a:solidFill>
-                  <a:srgbClr val="1F1F1F"/>
-                </a:solidFill>
-                <a:latin typeface="Adobe Clean" panose="020B0503020404020204" pitchFamily="34" charset="0"/>
-                <a:cs typeface="AdobeClean-Light"/>
-              </a:rPr>
-              <a:t> und/oder dem </a:t>
-            </a:r>
-            <a:r>
-              <a:rPr lang="de-DE" sz="1000" b="1">
-                <a:solidFill>
-                  <a:srgbClr val="1F1F1F"/>
-                </a:solidFill>
-                <a:latin typeface="Adobe Clean" panose="020B0503020404020204" pitchFamily="34" charset="0"/>
-                <a:cs typeface="AdobeClean-Light"/>
-              </a:rPr>
-              <a:t>strategischen</a:t>
-            </a:r>
-            <a:r>
-              <a:rPr lang="de-DE" sz="1000">
+              <a:t>Strategic</a:t>
+            </a:r>
+            <a:r>
+              <a:rPr lang="en-US" sz="1000">
                 <a:solidFill>
                   <a:srgbClr val="1F1F1F"/>
                 </a:solidFill>
                 <a:latin typeface="Adobe Clean Light" panose="020B0303020404020204" pitchFamily="34" charset="0"/>
                 <a:cs typeface="AdobeClean-Light"/>
               </a:rPr>
-              <a:t> Track nutzen.</a:t>
-            </a:r>
+              <a:t>.</a:t>
+            </a:r>
+            <a:endParaRPr lang="en-US" sz="1000" b="1">
+              <a:solidFill>
+                <a:prstClr val="black"/>
+              </a:solidFill>
+              <a:cs typeface="AdobeClean-Light"/>
+            </a:endParaRPr>
           </a:p>
         </p:txBody>
       </p:sp>
@@ -12072,7 +14796,7 @@
           <a:p>
             <a:pPr algn="ctr"/>
             <a:r>
-              <a:rPr lang="de-DE" sz="1100"/>
+              <a:rPr lang="en-US" sz="1100"/>
               <a:t>Go-Live</a:t>
             </a:r>
           </a:p>
@@ -12108,8 +14832,8 @@
           <a:p>
             <a:pPr algn="ctr"/>
             <a:r>
-              <a:rPr lang="de-DE" sz="1100"/>
-              <a:t>Definition</a:t>
+              <a:rPr lang="en-US" sz="1100"/>
+              <a:t>Define</a:t>
             </a:r>
           </a:p>
         </p:txBody>
@@ -12144,7 +14868,7 @@
           <a:p>
             <a:pPr algn="ctr"/>
             <a:r>
-              <a:rPr lang="de-DE" sz="1100"/>
+              <a:rPr lang="en-US" sz="1100"/>
               <a:t>Kickoff</a:t>
             </a:r>
           </a:p>
@@ -12180,7 +14904,7 @@
           <a:p>
             <a:pPr algn="ctr"/>
             <a:r>
-              <a:rPr lang="de-DE" sz="1100"/>
+              <a:rPr lang="en-US" sz="1100"/>
               <a:t>Design</a:t>
             </a:r>
           </a:p>
@@ -12238,14 +14962,14 @@
           <a:p>
             <a:pPr algn="ctr"/>
             <a:r>
-              <a:rPr lang="de-DE">
+              <a:rPr lang="en-US">
                 <a:solidFill>
                   <a:schemeClr val="accent1">
                     <a:lumMod val="50000"/>
                   </a:schemeClr>
                 </a:solidFill>
               </a:rPr>
-              <a:t>2 Aktivitäten pro Jahr</a:t>
+              <a:t>2 Activities per Year</a:t>
             </a:r>
           </a:p>
         </p:txBody>
@@ -12307,15 +15031,49 @@
               </a:lnSpc>
             </a:pPr>
             <a:r>
-              <a:rPr lang="de-DE" sz="500">
+              <a:rPr sz="500" spc="-5">
                 <a:solidFill>
                   <a:srgbClr val="6C6C6C"/>
                 </a:solidFill>
                 <a:latin typeface="Adobe Clean"/>
                 <a:cs typeface="Adobe Clean"/>
               </a:rPr>
-              <a:t>©2020 Adobe. All Rights Reserved. Adobe Confidential.</a:t>
-            </a:r>
+              <a:t>©2020 Adobe. All Rights Reserved. </a:t>
+            </a:r>
+            <a:r>
+              <a:rPr sz="500">
+                <a:solidFill>
+                  <a:srgbClr val="6C6C6C"/>
+                </a:solidFill>
+                <a:latin typeface="Adobe Clean"/>
+                <a:cs typeface="Adobe Clean"/>
+              </a:rPr>
+              <a:t>Adobe</a:t>
+            </a:r>
+            <a:r>
+              <a:rPr sz="500" spc="5">
+                <a:solidFill>
+                  <a:srgbClr val="6C6C6C"/>
+                </a:solidFill>
+                <a:latin typeface="Adobe Clean"/>
+                <a:cs typeface="Adobe Clean"/>
+              </a:rPr>
+              <a:t> </a:t>
+            </a:r>
+            <a:r>
+              <a:rPr sz="500" spc="-5">
+                <a:solidFill>
+                  <a:srgbClr val="6C6C6C"/>
+                </a:solidFill>
+                <a:latin typeface="Adobe Clean"/>
+                <a:cs typeface="Adobe Clean"/>
+              </a:rPr>
+              <a:t>Confidential.</a:t>
+            </a:r>
+            <a:endParaRPr sz="500">
+              <a:latin typeface="Adobe Clean"/>
+              <a:cs typeface="Adobe Clean"/>
+            </a:endParaRPr>
           </a:p>
           <a:p>
             <a:pPr>
@@ -12341,15 +15099,39 @@
               </a:spcBef>
             </a:pPr>
             <a:r>
-              <a:rPr lang="de-DE" sz="800">
+              <a:rPr sz="800" spc="-5">
                 <a:solidFill>
                   <a:srgbClr val="6D6D6D"/>
                 </a:solidFill>
                 <a:latin typeface="Adobe Clean"/>
                 <a:cs typeface="Adobe Clean"/>
               </a:rPr>
-              <a:t>©2020 Adobe. All Rights Reserved. Adobe Confidential.</a:t>
-            </a:r>
+              <a:t>©2020 Adobe. All Rights Reserved. Adobe</a:t>
+            </a:r>
+            <a:r>
+              <a:rPr sz="800" spc="75">
+                <a:solidFill>
+                  <a:srgbClr val="6D6D6D"/>
+                </a:solidFill>
+                <a:latin typeface="Adobe Clean"/>
+                <a:cs typeface="Adobe Clean"/>
+              </a:rPr>
+              <a:t> </a:t>
+            </a:r>
+            <a:r>
+              <a:rPr sz="800" spc="-5">
+                <a:solidFill>
+                  <a:srgbClr val="6D6D6D"/>
+                </a:solidFill>
+                <a:latin typeface="Adobe Clean"/>
+                <a:cs typeface="Adobe Clean"/>
+              </a:rPr>
+              <a:t>Confidential.</a:t>
+            </a:r>
+            <a:endParaRPr sz="800">
+              <a:latin typeface="Adobe Clean"/>
+              <a:cs typeface="Adobe Clean"/>
+            </a:endParaRPr>
           </a:p>
         </p:txBody>
       </p:sp>
@@ -12433,15 +15215,19 @@
               </a:spcBef>
             </a:pPr>
             <a:r>
-              <a:rPr lang="de-DE" sz="1400" b="1">
-                <a:solidFill>
-                  <a:srgbClr val="020302"/>
-                </a:solidFill>
-                <a:latin typeface="Adobe Clean"/>
-                <a:cs typeface="Adobe Clean"/>
-              </a:rPr>
-              <a:t>Ressourcen</a:t>
-            </a:r>
+              <a:rPr lang="en-US" sz="1400" b="1" spc="-15">
+                <a:solidFill>
+                  <a:srgbClr val="020302"/>
+                </a:solidFill>
+                <a:latin typeface="Adobe Clean"/>
+                <a:cs typeface="Adobe Clean"/>
+              </a:rPr>
+              <a:t>Resources</a:t>
+            </a:r>
+            <a:endParaRPr sz="1400">
+              <a:latin typeface="Adobe Clean"/>
+              <a:cs typeface="Adobe Clean"/>
+            </a:endParaRPr>
           </a:p>
         </p:txBody>
       </p:sp>
@@ -12475,7 +15261,7 @@
               </a:spcBef>
             </a:pPr>
             <a:r>
-              <a:rPr lang="de-DE" sz="800">
+              <a:rPr sz="800" spc="-15">
                 <a:solidFill>
                   <a:srgbClr val="777879"/>
                 </a:solidFill>
@@ -12484,6 +15270,10 @@
               </a:rPr>
               <a:t>Adobe</a:t>
             </a:r>
+            <a:endParaRPr sz="800">
+              <a:latin typeface="Adobe Clean"/>
+              <a:cs typeface="Adobe Clean"/>
+            </a:endParaRPr>
           </a:p>
           <a:p>
             <a:pPr marL="12700">
@@ -12492,15 +15282,39 @@
               </a:lnSpc>
             </a:pPr>
             <a:r>
-              <a:rPr lang="de-DE" sz="800">
+              <a:rPr sz="800" spc="-15">
                 <a:solidFill>
                   <a:srgbClr val="777879"/>
                 </a:solidFill>
                 <a:latin typeface="Adobe Clean"/>
                 <a:cs typeface="Adobe Clean"/>
               </a:rPr>
-              <a:t>345 Park Avenue</a:t>
-            </a:r>
+              <a:t>345 Park</a:t>
+            </a:r>
+            <a:r>
+              <a:rPr sz="800" spc="-100">
+                <a:solidFill>
+                  <a:srgbClr val="777879"/>
+                </a:solidFill>
+                <a:latin typeface="Adobe Clean"/>
+                <a:cs typeface="Adobe Clean"/>
+              </a:rPr>
+              <a:t> </a:t>
+            </a:r>
+            <a:r>
+              <a:rPr sz="800" spc="-15">
+                <a:solidFill>
+                  <a:srgbClr val="777879"/>
+                </a:solidFill>
+                <a:latin typeface="Adobe Clean"/>
+                <a:cs typeface="Adobe Clean"/>
+              </a:rPr>
+              <a:t>Avenue</a:t>
+            </a:r>
+            <a:endParaRPr sz="800">
+              <a:latin typeface="Adobe Clean"/>
+              <a:cs typeface="Adobe Clean"/>
+            </a:endParaRPr>
           </a:p>
           <a:p>
             <a:pPr marL="12700">
@@ -12509,15 +15323,49 @@
               </a:lnSpc>
             </a:pPr>
             <a:r>
-              <a:rPr lang="de-DE" sz="800">
+              <a:rPr sz="800" spc="-10">
                 <a:solidFill>
                   <a:srgbClr val="777879"/>
                 </a:solidFill>
                 <a:latin typeface="Adobe Clean"/>
                 <a:cs typeface="Adobe Clean"/>
               </a:rPr>
-              <a:t>San Jose, CA95110-2704</a:t>
-            </a:r>
+              <a:t>San </a:t>
+            </a:r>
+            <a:r>
+              <a:rPr sz="800" spc="-15">
+                <a:solidFill>
+                  <a:srgbClr val="777879"/>
+                </a:solidFill>
+                <a:latin typeface="Adobe Clean"/>
+                <a:cs typeface="Adobe Clean"/>
+              </a:rPr>
+              <a:t>Jose,</a:t>
+            </a:r>
+            <a:r>
+              <a:rPr sz="800" spc="-140">
+                <a:solidFill>
+                  <a:srgbClr val="777879"/>
+                </a:solidFill>
+                <a:latin typeface="Adobe Clean"/>
+                <a:cs typeface="Adobe Clean"/>
+              </a:rPr>
+              <a:t> </a:t>
+            </a:r>
+            <a:r>
+              <a:rPr sz="800" spc="-20">
+                <a:solidFill>
+                  <a:srgbClr val="777879"/>
+                </a:solidFill>
+                <a:latin typeface="Adobe Clean"/>
+                <a:cs typeface="Adobe Clean"/>
+              </a:rPr>
+              <a:t>CA95110-2704</a:t>
+            </a:r>
+            <a:endParaRPr sz="800">
+              <a:latin typeface="Adobe Clean"/>
+              <a:cs typeface="Adobe Clean"/>
+            </a:endParaRPr>
           </a:p>
           <a:p>
             <a:pPr marL="12700">
@@ -12529,7 +15377,7 @@
               </a:spcBef>
             </a:pPr>
             <a:r>
-              <a:rPr lang="de-DE" sz="800">
+              <a:rPr sz="800" spc="-10">
                 <a:solidFill>
                   <a:srgbClr val="777879"/>
                 </a:solidFill>
@@ -12538,6 +15386,10 @@
               </a:rPr>
               <a:t>USA</a:t>
             </a:r>
+            <a:endParaRPr sz="800">
+              <a:latin typeface="Adobe Clean"/>
+              <a:cs typeface="Adobe Clean"/>
+            </a:endParaRPr>
           </a:p>
           <a:p>
             <a:pPr marL="12700">
@@ -12549,7 +15401,7 @@
               </a:spcBef>
             </a:pPr>
             <a:r>
-              <a:rPr lang="de-DE" sz="800" u="sng">
+              <a:rPr sz="800" u="sng" spc="-25">
                 <a:solidFill>
                   <a:srgbClr val="5F5F5F"/>
                 </a:solidFill>
@@ -12564,6 +15416,10 @@
               </a:rPr>
               <a:t>www.adobe.com</a:t>
             </a:r>
+            <a:endParaRPr sz="800">
+              <a:latin typeface="Adobe Clean"/>
+              <a:cs typeface="Adobe Clean"/>
+            </a:endParaRPr>
           </a:p>
         </p:txBody>
       </p:sp>
@@ -12717,14 +15573,14 @@
         <p:spPr>
           <a:xfrm>
             <a:off x="75947" y="9437110"/>
-            <a:ext cx="5809358" cy="570865"/>
+            <a:ext cx="5466715" cy="570865"/>
           </a:xfrm>
           <a:prstGeom prst="rect">
             <a:avLst/>
           </a:prstGeom>
         </p:spPr>
         <p:txBody>
-          <a:bodyPr vert="horz" wrap="square" lIns="0" tIns="29845" rIns="0" bIns="0" rtlCol="0">
+          <a:bodyPr vert="horz" wrap="square" lIns="0" tIns="29845" rIns="0" bIns="0" rtlCol="0" anchor="t">
             <a:spAutoFit/>
           </a:bodyPr>
           <a:lstStyle/>
@@ -12738,15 +15594,449 @@
               </a:spcBef>
             </a:pPr>
             <a:r>
-              <a:rPr lang="de-DE" sz="1100" i="1" dirty="0">
+              <a:rPr sz="1100" i="1" spc="-10" dirty="0">
                 <a:solidFill>
                   <a:srgbClr val="777879"/>
                 </a:solidFill>
                 <a:latin typeface="AdobeClean-LightIt"/>
                 <a:cs typeface="AdobeClean-LightIt"/>
               </a:rPr>
-              <a:t>Weitere Informationen zum Support-Angebot von Adobe sowie zum für Ihre Bedürfnisse geeigneten Support-Level erhalten Sie bei Ihrem spezifischen Account-Manager (NAM) oder Ihrem Customer Success Manager(CSM)</a:t>
-            </a:r>
+              <a:t>To</a:t>
+            </a:r>
+            <a:r>
+              <a:rPr sz="1100" i="1" spc="-50" dirty="0">
+                <a:solidFill>
+                  <a:srgbClr val="777879"/>
+                </a:solidFill>
+                <a:latin typeface="AdobeClean-LightIt"/>
+                <a:cs typeface="AdobeClean-LightIt"/>
+              </a:rPr>
+              <a:t> </a:t>
+            </a:r>
+            <a:r>
+              <a:rPr sz="1100" i="1" spc="-15" dirty="0">
+                <a:solidFill>
+                  <a:srgbClr val="777879"/>
+                </a:solidFill>
+                <a:latin typeface="AdobeClean-LightIt"/>
+                <a:cs typeface="AdobeClean-LightIt"/>
+              </a:rPr>
+              <a:t>learn</a:t>
+            </a:r>
+            <a:r>
+              <a:rPr sz="1100" i="1" spc="-40" dirty="0">
+                <a:solidFill>
+                  <a:srgbClr val="777879"/>
+                </a:solidFill>
+                <a:latin typeface="AdobeClean-LightIt"/>
+                <a:cs typeface="AdobeClean-LightIt"/>
+              </a:rPr>
+              <a:t> </a:t>
+            </a:r>
+            <a:r>
+              <a:rPr sz="1100" i="1" spc="-15" dirty="0">
+                <a:solidFill>
+                  <a:srgbClr val="777879"/>
+                </a:solidFill>
+                <a:latin typeface="AdobeClean-LightIt"/>
+                <a:cs typeface="AdobeClean-LightIt"/>
+              </a:rPr>
+              <a:t>more</a:t>
+            </a:r>
+            <a:r>
+              <a:rPr sz="1100" i="1" spc="-45" dirty="0">
+                <a:solidFill>
+                  <a:srgbClr val="777879"/>
+                </a:solidFill>
+                <a:latin typeface="AdobeClean-LightIt"/>
+                <a:cs typeface="AdobeClean-LightIt"/>
+              </a:rPr>
+              <a:t> </a:t>
+            </a:r>
+            <a:r>
+              <a:rPr sz="1100" i="1" spc="-15" dirty="0">
+                <a:solidFill>
+                  <a:srgbClr val="777879"/>
+                </a:solidFill>
+                <a:latin typeface="AdobeClean-LightIt"/>
+                <a:cs typeface="AdobeClean-LightIt"/>
+              </a:rPr>
+              <a:t>about</a:t>
+            </a:r>
+            <a:r>
+              <a:rPr sz="1100" i="1" spc="-45" dirty="0">
+                <a:solidFill>
+                  <a:srgbClr val="777879"/>
+                </a:solidFill>
+                <a:latin typeface="AdobeClean-LightIt"/>
+                <a:cs typeface="AdobeClean-LightIt"/>
+              </a:rPr>
+              <a:t> </a:t>
+            </a:r>
+            <a:r>
+              <a:rPr sz="1100" i="1" spc="-15" dirty="0">
+                <a:solidFill>
+                  <a:srgbClr val="777879"/>
+                </a:solidFill>
+                <a:latin typeface="AdobeClean-LightIt"/>
+                <a:cs typeface="AdobeClean-LightIt"/>
+              </a:rPr>
+              <a:t>Adobe</a:t>
+            </a:r>
+            <a:r>
+              <a:rPr sz="1100" i="1" spc="-50" dirty="0">
+                <a:solidFill>
+                  <a:srgbClr val="777879"/>
+                </a:solidFill>
+                <a:latin typeface="AdobeClean-LightIt"/>
+                <a:cs typeface="AdobeClean-LightIt"/>
+              </a:rPr>
+              <a:t> </a:t>
+            </a:r>
+            <a:r>
+              <a:rPr sz="1100" i="1" spc="-15" dirty="0">
+                <a:solidFill>
+                  <a:srgbClr val="777879"/>
+                </a:solidFill>
+                <a:latin typeface="AdobeClean-LightIt"/>
+                <a:cs typeface="AdobeClean-LightIt"/>
+              </a:rPr>
+              <a:t>Support</a:t>
+            </a:r>
+            <a:r>
+              <a:rPr lang="en-US" sz="1100" i="1" spc="-15" dirty="0">
+                <a:solidFill>
+                  <a:srgbClr val="777879"/>
+                </a:solidFill>
+                <a:latin typeface="AdobeClean-LightIt"/>
+                <a:cs typeface="AdobeClean-LightIt"/>
+              </a:rPr>
+              <a:t> Offerings</a:t>
+            </a:r>
+            <a:r>
+              <a:rPr sz="1100" i="1" spc="-75" dirty="0">
+                <a:solidFill>
+                  <a:srgbClr val="777879"/>
+                </a:solidFill>
+                <a:latin typeface="AdobeClean-LightIt"/>
+                <a:cs typeface="AdobeClean-LightIt"/>
+              </a:rPr>
+              <a:t> </a:t>
+            </a:r>
+            <a:r>
+              <a:rPr sz="1100" i="1" spc="-15" dirty="0">
+                <a:solidFill>
+                  <a:srgbClr val="777879"/>
+                </a:solidFill>
+                <a:latin typeface="AdobeClean-LightIt"/>
+                <a:cs typeface="AdobeClean-LightIt"/>
+              </a:rPr>
+              <a:t>and</a:t>
+            </a:r>
+            <a:r>
+              <a:rPr sz="1100" i="1" spc="-50" dirty="0">
+                <a:solidFill>
+                  <a:srgbClr val="777879"/>
+                </a:solidFill>
+                <a:latin typeface="AdobeClean-LightIt"/>
+                <a:cs typeface="AdobeClean-LightIt"/>
+              </a:rPr>
+              <a:t> </a:t>
+            </a:r>
+            <a:r>
+              <a:rPr sz="1100" i="1" spc="-15" dirty="0">
+                <a:solidFill>
+                  <a:srgbClr val="777879"/>
+                </a:solidFill>
+                <a:latin typeface="AdobeClean-LightIt"/>
+                <a:cs typeface="AdobeClean-LightIt"/>
+              </a:rPr>
+              <a:t>the</a:t>
+            </a:r>
+            <a:r>
+              <a:rPr sz="1100" i="1" spc="-55" dirty="0">
+                <a:solidFill>
+                  <a:srgbClr val="777879"/>
+                </a:solidFill>
+                <a:latin typeface="AdobeClean-LightIt"/>
+                <a:cs typeface="AdobeClean-LightIt"/>
+              </a:rPr>
+              <a:t> </a:t>
+            </a:r>
+            <a:r>
+              <a:rPr sz="1100" i="1" spc="-15" dirty="0">
+                <a:solidFill>
+                  <a:srgbClr val="777879"/>
+                </a:solidFill>
+                <a:latin typeface="AdobeClean-LightIt"/>
+                <a:cs typeface="AdobeClean-LightIt"/>
+              </a:rPr>
+              <a:t>right</a:t>
+            </a:r>
+            <a:r>
+              <a:rPr sz="1100" i="1" spc="-95" dirty="0">
+                <a:solidFill>
+                  <a:srgbClr val="777879"/>
+                </a:solidFill>
+                <a:latin typeface="AdobeClean-LightIt"/>
+                <a:cs typeface="AdobeClean-LightIt"/>
+              </a:rPr>
+              <a:t> </a:t>
+            </a:r>
+            <a:r>
+              <a:rPr sz="1100" i="1" spc="-15" dirty="0">
+                <a:solidFill>
+                  <a:srgbClr val="777879"/>
+                </a:solidFill>
+                <a:latin typeface="AdobeClean-LightIt"/>
+                <a:cs typeface="AdobeClean-LightIt"/>
+              </a:rPr>
+              <a:t>level</a:t>
+            </a:r>
+            <a:r>
+              <a:rPr sz="1100" i="1" spc="-55" dirty="0">
+                <a:solidFill>
+                  <a:srgbClr val="777879"/>
+                </a:solidFill>
+                <a:latin typeface="AdobeClean-LightIt"/>
+                <a:cs typeface="AdobeClean-LightIt"/>
+              </a:rPr>
+              <a:t> </a:t>
+            </a:r>
+            <a:r>
+              <a:rPr sz="1100" i="1" spc="-15" dirty="0">
+                <a:solidFill>
+                  <a:srgbClr val="777879"/>
+                </a:solidFill>
+                <a:latin typeface="AdobeClean-LightIt"/>
+                <a:cs typeface="AdobeClean-LightIt"/>
+              </a:rPr>
+              <a:t>for</a:t>
+            </a:r>
+            <a:r>
+              <a:rPr sz="1100" i="1" spc="-85" dirty="0">
+                <a:solidFill>
+                  <a:srgbClr val="777879"/>
+                </a:solidFill>
+                <a:latin typeface="AdobeClean-LightIt"/>
+                <a:cs typeface="AdobeClean-LightIt"/>
+              </a:rPr>
+              <a:t> </a:t>
+            </a:r>
+            <a:r>
+              <a:rPr sz="1100" i="1" spc="-15" dirty="0">
+                <a:solidFill>
+                  <a:srgbClr val="777879"/>
+                </a:solidFill>
+                <a:latin typeface="AdobeClean-LightIt"/>
+                <a:cs typeface="AdobeClean-LightIt"/>
+              </a:rPr>
+              <a:t>you,</a:t>
+            </a:r>
+            <a:r>
+              <a:rPr sz="1100" i="1" spc="-65" dirty="0">
+                <a:solidFill>
+                  <a:srgbClr val="777879"/>
+                </a:solidFill>
+                <a:latin typeface="AdobeClean-LightIt"/>
+                <a:cs typeface="AdobeClean-LightIt"/>
+              </a:rPr>
+              <a:t> </a:t>
+            </a:r>
+            <a:r>
+              <a:rPr sz="1100" i="1" spc="-15" dirty="0">
+                <a:solidFill>
+                  <a:srgbClr val="777879"/>
+                </a:solidFill>
+                <a:latin typeface="AdobeClean-LightIt"/>
+                <a:cs typeface="AdobeClean-LightIt"/>
+              </a:rPr>
+              <a:t>contact</a:t>
+            </a:r>
+            <a:r>
+              <a:rPr sz="1100" i="1" spc="-85" dirty="0">
+                <a:solidFill>
+                  <a:srgbClr val="777879"/>
+                </a:solidFill>
+                <a:latin typeface="AdobeClean-LightIt"/>
+                <a:cs typeface="AdobeClean-LightIt"/>
+              </a:rPr>
+              <a:t> </a:t>
+            </a:r>
+            <a:r>
+              <a:rPr sz="1100" i="1" spc="-15" dirty="0">
+                <a:solidFill>
+                  <a:srgbClr val="777879"/>
+                </a:solidFill>
+                <a:latin typeface="AdobeClean-LightIt"/>
+                <a:cs typeface="AdobeClean-LightIt"/>
+              </a:rPr>
+              <a:t>your</a:t>
+            </a:r>
+            <a:r>
+              <a:rPr sz="1100" i="1" spc="-70" dirty="0">
+                <a:solidFill>
+                  <a:srgbClr val="777879"/>
+                </a:solidFill>
+                <a:latin typeface="AdobeClean-LightIt"/>
+                <a:cs typeface="AdobeClean-LightIt"/>
+              </a:rPr>
+              <a:t> </a:t>
+            </a:r>
+            <a:r>
+              <a:rPr sz="1100" i="1" spc="-15" dirty="0">
+                <a:solidFill>
+                  <a:srgbClr val="777879"/>
+                </a:solidFill>
+                <a:latin typeface="AdobeClean-LightIt"/>
+                <a:cs typeface="AdobeClean-LightIt"/>
+              </a:rPr>
+              <a:t>Named</a:t>
+            </a:r>
+            <a:r>
+              <a:rPr sz="1100" i="1" spc="-55" dirty="0">
+                <a:solidFill>
+                  <a:srgbClr val="777879"/>
+                </a:solidFill>
+                <a:latin typeface="AdobeClean-LightIt"/>
+                <a:cs typeface="AdobeClean-LightIt"/>
+              </a:rPr>
+              <a:t> </a:t>
+            </a:r>
+            <a:r>
+              <a:rPr sz="1100" i="1" spc="-25" dirty="0">
+                <a:solidFill>
+                  <a:srgbClr val="777879"/>
+                </a:solidFill>
+                <a:latin typeface="AdobeClean-LightIt"/>
+                <a:cs typeface="AdobeClean-LightIt"/>
+              </a:rPr>
+              <a:t>Account</a:t>
+            </a:r>
+            <a:r>
+              <a:rPr sz="1100" i="1" spc="-120" dirty="0">
+                <a:solidFill>
+                  <a:srgbClr val="777879"/>
+                </a:solidFill>
+                <a:latin typeface="AdobeClean-LightIt"/>
+                <a:cs typeface="AdobeClean-LightIt"/>
+              </a:rPr>
+              <a:t> </a:t>
+            </a:r>
+            <a:r>
+              <a:rPr sz="1100" i="1" spc="-20" dirty="0">
+                <a:solidFill>
+                  <a:srgbClr val="777879"/>
+                </a:solidFill>
+                <a:latin typeface="AdobeClean-LightIt"/>
+                <a:cs typeface="AdobeClean-LightIt"/>
+              </a:rPr>
+              <a:t>Manager</a:t>
+            </a:r>
+            <a:r>
+              <a:rPr lang="en-US" sz="1100" i="1" spc="-20" dirty="0">
+                <a:solidFill>
+                  <a:srgbClr val="777879"/>
+                </a:solidFill>
+                <a:latin typeface="AdobeClean-LightIt"/>
+                <a:cs typeface="AdobeClean-LightIt"/>
+              </a:rPr>
+              <a:t> </a:t>
+            </a:r>
+            <a:r>
+              <a:rPr sz="1100" i="1" spc="-20" dirty="0">
+                <a:solidFill>
+                  <a:srgbClr val="777879"/>
+                </a:solidFill>
+                <a:latin typeface="AdobeClean-LightIt"/>
+                <a:cs typeface="AdobeClean-LightIt"/>
+              </a:rPr>
+              <a:t> </a:t>
+            </a:r>
+            <a:r>
+              <a:rPr sz="1100" i="1" spc="-15" dirty="0">
+                <a:solidFill>
+                  <a:srgbClr val="777879"/>
+                </a:solidFill>
+                <a:latin typeface="AdobeClean-LightIt"/>
+                <a:cs typeface="AdobeClean-LightIt"/>
+              </a:rPr>
+              <a:t>(NAM) </a:t>
+            </a:r>
+            <a:r>
+              <a:rPr sz="1100" i="1" spc="-10" dirty="0">
+                <a:solidFill>
+                  <a:srgbClr val="777879"/>
+                </a:solidFill>
+                <a:latin typeface="AdobeClean-LightIt"/>
+                <a:cs typeface="AdobeClean-LightIt"/>
+              </a:rPr>
+              <a:t>or </a:t>
+            </a:r>
+            <a:r>
+              <a:rPr sz="1100" i="1" spc="-15" dirty="0">
+                <a:solidFill>
+                  <a:srgbClr val="777879"/>
+                </a:solidFill>
+                <a:latin typeface="AdobeClean-LightIt"/>
+                <a:cs typeface="AdobeClean-LightIt"/>
+              </a:rPr>
+              <a:t>Customer </a:t>
+            </a:r>
+            <a:r>
+              <a:rPr sz="1100" i="1" spc="-20" dirty="0">
+                <a:solidFill>
+                  <a:srgbClr val="777879"/>
+                </a:solidFill>
+                <a:latin typeface="AdobeClean-LightIt"/>
+                <a:cs typeface="AdobeClean-LightIt"/>
+              </a:rPr>
+              <a:t>Success</a:t>
+            </a:r>
+            <a:r>
+              <a:rPr sz="1100" i="1" spc="-180" dirty="0">
+                <a:solidFill>
+                  <a:srgbClr val="777879"/>
+                </a:solidFill>
+                <a:latin typeface="AdobeClean-LightIt"/>
+                <a:cs typeface="AdobeClean-LightIt"/>
+              </a:rPr>
+              <a:t> </a:t>
+            </a:r>
+            <a:r>
+              <a:rPr sz="1100" i="1" spc="-15" dirty="0">
+                <a:solidFill>
+                  <a:srgbClr val="777879"/>
+                </a:solidFill>
+                <a:latin typeface="AdobeClean-LightIt"/>
+                <a:cs typeface="AdobeClean-LightIt"/>
+              </a:rPr>
+              <a:t>Manager</a:t>
+            </a:r>
+            <a:r>
+              <a:rPr lang="en-US" sz="1100" i="1" spc="-15" dirty="0">
+                <a:solidFill>
+                  <a:srgbClr val="777879"/>
+                </a:solidFill>
+                <a:latin typeface="AdobeClean-LightIt"/>
+                <a:cs typeface="AdobeClean-LightIt"/>
+              </a:rPr>
+              <a:t> </a:t>
+            </a:r>
+            <a:r>
+              <a:rPr sz="1100" i="1" spc="-15" dirty="0">
+                <a:solidFill>
+                  <a:srgbClr val="777879"/>
+                </a:solidFill>
+                <a:latin typeface="AdobeClean-LightIt"/>
+                <a:cs typeface="AdobeClean-LightIt"/>
+              </a:rPr>
+              <a:t>(CSM)</a:t>
+            </a:r>
+            <a:endParaRPr sz="1100" dirty="0">
+              <a:latin typeface="AdobeClean-LightIt"/>
+              <a:cs typeface="AdobeClean-LightIt"/>
+            </a:endParaRPr>
           </a:p>
           <a:p>
             <a:pPr marL="34290">
@@ -12758,15 +16048,59 @@
               </a:spcBef>
             </a:pPr>
             <a:r>
-              <a:rPr lang="de-DE" sz="800" dirty="0">
+              <a:rPr sz="800" spc="-5" dirty="0">
                 <a:solidFill>
                   <a:srgbClr val="6D6D6D"/>
                 </a:solidFill>
                 <a:latin typeface="Adobe Clean"/>
                 <a:cs typeface="Adobe Clean"/>
               </a:rPr>
-              <a:t>©2021 Adobe. All Rights Reserved. Adobe Confidential.</a:t>
-            </a:r>
+              <a:t>©202</a:t>
+            </a:r>
+            <a:r>
+              <a:rPr lang="en-US" sz="800" spc="-5" dirty="0">
+                <a:solidFill>
+                  <a:srgbClr val="6D6D6D"/>
+                </a:solidFill>
+                <a:latin typeface="Adobe Clean"/>
+                <a:cs typeface="Adobe Clean"/>
+              </a:rPr>
+              <a:t>1</a:t>
+            </a:r>
+            <a:r>
+              <a:rPr sz="800" spc="-5" dirty="0">
+                <a:solidFill>
+                  <a:srgbClr val="6D6D6D"/>
+                </a:solidFill>
+                <a:latin typeface="Adobe Clean"/>
+                <a:cs typeface="Adobe Clean"/>
+              </a:rPr>
+              <a:t> Adobe. All Rights Reserved. Adobe</a:t>
+            </a:r>
+            <a:r>
+              <a:rPr sz="800" spc="75" dirty="0">
+                <a:solidFill>
+                  <a:srgbClr val="6D6D6D"/>
+                </a:solidFill>
+                <a:latin typeface="Adobe Clean"/>
+                <a:cs typeface="Adobe Clean"/>
+              </a:rPr>
+              <a:t> </a:t>
+            </a:r>
+            <a:r>
+              <a:rPr sz="800" spc="-5" dirty="0">
+                <a:solidFill>
+                  <a:srgbClr val="6D6D6D"/>
+                </a:solidFill>
+                <a:latin typeface="Adobe Clean"/>
+                <a:cs typeface="Adobe Clean"/>
+              </a:rPr>
+              <a:t>Confidential.</a:t>
+            </a:r>
+            <a:endParaRPr sz="800" dirty="0">
+              <a:latin typeface="Adobe Clean"/>
+              <a:cs typeface="Adobe Clean"/>
+            </a:endParaRPr>
           </a:p>
         </p:txBody>
       </p:sp>
@@ -12803,15 +16137,19 @@
               </a:spcBef>
             </a:pPr>
             <a:r>
-              <a:rPr lang="de-DE" sz="1400" b="1">
-                <a:solidFill>
-                  <a:srgbClr val="020302"/>
-                </a:solidFill>
-                <a:latin typeface="Adobe Clean"/>
-                <a:cs typeface="Adobe Clean"/>
-              </a:rPr>
-              <a:t>Regionales Support-Angebot von Adobe, örtliche Geschäftszeiten und unterstützte Sprachen</a:t>
-            </a:r>
+              <a:rPr lang="en-US" sz="1400" b="1" spc="-15">
+                <a:solidFill>
+                  <a:srgbClr val="020302"/>
+                </a:solidFill>
+                <a:latin typeface="Adobe Clean"/>
+                <a:cs typeface="Adobe Clean"/>
+              </a:rPr>
+              <a:t>Regional scope of Adobe Support, Local Hours Of Operation And Language Support</a:t>
+            </a:r>
+            <a:endParaRPr lang="en-US" sz="1400" spc="-15">
+              <a:ea typeface="+mn-lt"/>
+              <a:cs typeface="+mn-lt"/>
+            </a:endParaRPr>
           </a:p>
           <a:p>
             <a:pPr>
@@ -12820,14 +16158,17 @@
               </a:spcBef>
             </a:pPr>
             <a:r>
-              <a:rPr lang="de-DE" sz="1000">
+              <a:rPr lang="en-US" sz="1000" spc="-15">
                 <a:solidFill>
                   <a:srgbClr val="1F1F1F"/>
                 </a:solidFill>
                 <a:latin typeface="AdobeClean-Light"/>
               </a:rPr>
-              <a:t>Das regionale Support-Angebot von Adobe wird durch Abgleich der Rechnungsadresse des Kunden (entsprechend dem Kundenauftrag oder einer anderen Kaufbestätigung für Adobe-Support) mit einer der folgenden Regionen ermittelt:</a:t>
-            </a:r>
+              <a:t>The regional scope of Adobe Support is established by aligning the customer's billing address (via the Sales Order or other Adobe Support purchasing document) to one of the following regions:</a:t>
+            </a:r>
+            <a:endParaRPr lang="en-US" sz="1000">
+              <a:latin typeface="AdobeClean-Light"/>
+            </a:endParaRPr>
           </a:p>
         </p:txBody>
       </p:sp>
@@ -12899,13 +16240,13 @@
                     <a:p>
                       <a:pPr algn="ctr"/>
                       <a:r>
-                        <a:rPr lang="de-DE" sz="1100">
+                        <a:rPr lang="en-US" sz="1100">
                           <a:solidFill>
                             <a:schemeClr val="tx1"/>
                           </a:solidFill>
                           <a:latin typeface="Adobe Clean"/>
                         </a:rPr>
-                        <a:t>Nord- und Südamerika</a:t>
+                        <a:t>Americas</a:t>
                       </a:r>
                     </a:p>
                   </a:txBody>
@@ -12964,13 +16305,13 @@
                     <a:p>
                       <a:pPr algn="ctr"/>
                       <a:r>
-                        <a:rPr lang="de-DE" sz="1100">
+                        <a:rPr lang="en-US" sz="1100">
                           <a:solidFill>
                             <a:schemeClr val="tx1"/>
                           </a:solidFill>
                           <a:latin typeface="Adobe Clean"/>
                         </a:rPr>
-                        <a:t>Europa, Naher Osten und Afrika</a:t>
+                        <a:t>Europe, Middle East &amp; Africa</a:t>
                       </a:r>
                     </a:p>
                   </a:txBody>
@@ -13029,13 +16370,13 @@
                     <a:p>
                       <a:pPr algn="ctr"/>
                       <a:r>
-                        <a:rPr lang="de-DE" sz="1100">
+                        <a:rPr lang="en-US" sz="1100">
                           <a:solidFill>
                             <a:schemeClr val="tx1"/>
                           </a:solidFill>
                           <a:latin typeface="Adobe Clean"/>
                         </a:rPr>
-                        <a:t>Asien-Pazifik</a:t>
+                        <a:t>Asia Pacific</a:t>
                       </a:r>
                     </a:p>
                   </a:txBody>
@@ -13094,7 +16435,7 @@
                     <a:p>
                       <a:pPr algn="ctr"/>
                       <a:r>
-                        <a:rPr lang="de-DE" sz="1100">
+                        <a:rPr lang="en-US" sz="1100">
                           <a:solidFill>
                             <a:schemeClr val="tx1"/>
                           </a:solidFill>
@@ -13103,7 +16444,7 @@
                         <a:t>Japan </a:t>
                       </a:r>
                       <a:r>
-                        <a:rPr lang="de-DE" sz="1100" baseline="30000">
+                        <a:rPr lang="en-US" sz="1100" baseline="30000">
                           <a:solidFill>
                             <a:schemeClr val="tx1"/>
                           </a:solidFill>
@@ -13111,6 +16452,12 @@
                         </a:rPr>
                         <a:t>1 </a:t>
                       </a:r>
+                      <a:endParaRPr lang="en-US" sz="1100">
+                        <a:solidFill>
+                          <a:schemeClr val="tx1"/>
+                        </a:solidFill>
+                        <a:latin typeface="Adobe Clean" panose="020B0503020404020204" pitchFamily="34" charset="0"/>
+                      </a:endParaRPr>
                     </a:p>
                   </a:txBody>
                   <a:tcPr anchor="ctr">
@@ -13175,13 +16522,13 @@
                     <a:p>
                       <a:pPr algn="ctr"/>
                       <a:r>
-                        <a:rPr lang="de-DE" sz="1100">
+                        <a:rPr lang="en-US" sz="1100">
                           <a:solidFill>
                             <a:schemeClr val="tx1"/>
                           </a:solidFill>
                           <a:latin typeface="Adobe Clean"/>
                         </a:rPr>
-                        <a:t>6:00–17:30 Uhr</a:t>
+                        <a:t>6 am – 5:30 pm</a:t>
                       </a:r>
                     </a:p>
                   </a:txBody>
@@ -13240,13 +16587,13 @@
                     <a:p>
                       <a:pPr algn="ctr"/>
                       <a:r>
-                        <a:rPr lang="de-DE" sz="1100">
+                        <a:rPr lang="en-US" sz="1100">
                           <a:solidFill>
                             <a:schemeClr val="tx1"/>
                           </a:solidFill>
                           <a:latin typeface="Adobe Clean"/>
                         </a:rPr>
-                        <a:t>9:00–17:00 Uhr</a:t>
+                        <a:t>9 am – 5 pm</a:t>
                       </a:r>
                     </a:p>
                   </a:txBody>
@@ -13305,13 +16652,13 @@
                     <a:p>
                       <a:pPr algn="ctr"/>
                       <a:r>
-                        <a:rPr lang="de-DE" sz="1100">
+                        <a:rPr lang="en-US" sz="1100">
                           <a:solidFill>
                             <a:schemeClr val="tx1"/>
                           </a:solidFill>
                           <a:latin typeface="Adobe Clean"/>
                         </a:rPr>
-                        <a:t>9:00–17:00 Uhr</a:t>
+                        <a:t>9 am – 5 pm</a:t>
                       </a:r>
                     </a:p>
                   </a:txBody>
@@ -13370,13 +16717,13 @@
                     <a:p>
                       <a:pPr algn="ctr"/>
                       <a:r>
-                        <a:rPr lang="de-DE" sz="1100">
+                        <a:rPr lang="en-US" sz="1100">
                           <a:solidFill>
                             <a:schemeClr val="tx1"/>
                           </a:solidFill>
                           <a:latin typeface="Adobe Clean"/>
                         </a:rPr>
-                        <a:t>9:00–17:30 Uhr</a:t>
+                        <a:t>9 am – 5:30 pm</a:t>
                       </a:r>
                     </a:p>
                   </a:txBody>
@@ -13453,12 +16800,12 @@
                         <a:buNone/>
                       </a:pPr>
                       <a:r>
-                        <a:rPr lang="de-DE" sz="1100" b="0" i="0" u="none" strike="noStrike" noProof="0"/>
-                        <a:t>Sprachunterstützung ist nur auf Englisch und Japanisch verfügbar.</a:t>
+                        <a:rPr lang="en-US" sz="1100" b="0" i="0" u="none" strike="noStrike" noProof="0"/>
+                        <a:t>Language support is only available in English and Japanese.</a:t>
                       </a:r>
                     </a:p>
                     <a:p>
-                      <a:pPr lvl="0" algn="l" rtl="0">
+                      <a:pPr lvl="0" algn="ctr">
                         <a:lnSpc>
                           <a:spcPct val="100000"/>
                         </a:lnSpc>
@@ -13486,17 +16833,18 @@
                         <a:buNone/>
                       </a:pPr>
                       <a:r>
-                        <a:rPr lang="de-DE" sz="1100" b="0" i="0" u="none" strike="noStrike" noProof="0"/>
+                        <a:rPr lang="en-US" sz="1100" b="0" i="0" u="none" strike="noStrike" noProof="0"/>
                         <a:t> </a:t>
                       </a:r>
                       <a:r>
-                        <a:rPr lang="de-DE" sz="1100" b="0" i="0" u="none" strike="noStrike" baseline="30000" noProof="0"/>
-                        <a:t>1</a:t>
+                        <a:rPr lang="en-US" sz="1100" b="0" i="0" u="none" strike="noStrike" baseline="30000" noProof="0"/>
+                        <a:t>1 </a:t>
                       </a:r>
                       <a:r>
-                        <a:rPr lang="de-DE" sz="1100" b="0" i="0" u="none" strike="noStrike" noProof="0"/>
-                        <a:t>Fälle der Kategorien P2, P3 und P4 sind in Japan auf Geschäftszeiten beschränkt.</a:t>
+                        <a:rPr lang="en-US" sz="1100" b="0" i="0" u="none" strike="noStrike" noProof="0"/>
+                        <a:t>P2, P3, P4 cases are limited to business hours only in Japan.</a:t>
                       </a:r>
+                      <a:endParaRPr lang="en-US" sz="1100" b="1" i="0" u="none" strike="noStrike" noProof="0"/>
                     </a:p>
                   </a:txBody>
                   <a:tcPr anchor="ctr">
@@ -13838,8 +17186,8 @@
         </p:nvSpPr>
         <p:spPr>
           <a:xfrm>
-            <a:off x="2669421" y="8528519"/>
-            <a:ext cx="1150104" cy="385445"/>
+            <a:off x="2840871" y="8528519"/>
+            <a:ext cx="810895" cy="385445"/>
           </a:xfrm>
           <a:prstGeom prst="rect">
             <a:avLst/>
@@ -13851,7 +17199,7 @@
           </a:bodyPr>
           <a:lstStyle/>
           <a:p>
-            <a:pPr marR="5080" algn="ctr">
+            <a:pPr marL="139065" marR="5080" indent="-139065">
               <a:lnSpc>
                 <a:spcPts val="1390"/>
               </a:lnSpc>
@@ -13860,15 +17208,129 @@
               </a:spcBef>
             </a:pPr>
             <a:r>
-              <a:rPr lang="de-DE" sz="1200" b="1" dirty="0">
+              <a:rPr sz="1200" b="1" spc="-15">
                 <a:solidFill>
                   <a:srgbClr val="FFFFFF"/>
                 </a:solidFill>
                 <a:latin typeface="Adobe Clean"/>
                 <a:cs typeface="Adobe Clean"/>
               </a:rPr>
-              <a:t>Unübertroffenes Know-how</a:t>
-            </a:r>
+              <a:t>U</a:t>
+            </a:r>
+            <a:r>
+              <a:rPr sz="1200" b="1" spc="-20">
+                <a:solidFill>
+                  <a:srgbClr val="FFFFFF"/>
+                </a:solidFill>
+                <a:latin typeface="Adobe Clean"/>
+                <a:cs typeface="Adobe Clean"/>
+              </a:rPr>
+              <a:t>n</a:t>
+            </a:r>
+            <a:r>
+              <a:rPr sz="1200" b="1" spc="-25">
+                <a:solidFill>
+                  <a:srgbClr val="FFFFFF"/>
+                </a:solidFill>
+                <a:latin typeface="Adobe Clean"/>
+                <a:cs typeface="Adobe Clean"/>
+              </a:rPr>
+              <a:t>p</a:t>
+            </a:r>
+            <a:r>
+              <a:rPr sz="1200" b="1" spc="-15">
+                <a:solidFill>
+                  <a:srgbClr val="FFFFFF"/>
+                </a:solidFill>
+                <a:latin typeface="Adobe Clean"/>
+                <a:cs typeface="Adobe Clean"/>
+              </a:rPr>
+              <a:t>a</a:t>
+            </a:r>
+            <a:r>
+              <a:rPr sz="1200" b="1" spc="-25">
+                <a:solidFill>
+                  <a:srgbClr val="FFFFFF"/>
+                </a:solidFill>
+                <a:latin typeface="Adobe Clean"/>
+                <a:cs typeface="Adobe Clean"/>
+              </a:rPr>
+              <a:t>r</a:t>
+            </a:r>
+            <a:r>
+              <a:rPr sz="1200" b="1" spc="-15">
+                <a:solidFill>
+                  <a:srgbClr val="FFFFFF"/>
+                </a:solidFill>
+                <a:latin typeface="Adobe Clean"/>
+                <a:cs typeface="Adobe Clean"/>
+              </a:rPr>
+              <a:t>a</a:t>
+            </a:r>
+            <a:r>
+              <a:rPr sz="1200" b="1" spc="-30">
+                <a:solidFill>
+                  <a:srgbClr val="FFFFFF"/>
+                </a:solidFill>
+                <a:latin typeface="Adobe Clean"/>
+                <a:cs typeface="Adobe Clean"/>
+              </a:rPr>
+              <a:t>ll</a:t>
+            </a:r>
+            <a:r>
+              <a:rPr sz="1200" b="1" spc="-25">
+                <a:solidFill>
+                  <a:srgbClr val="FFFFFF"/>
+                </a:solidFill>
+                <a:latin typeface="Adobe Clean"/>
+                <a:cs typeface="Adobe Clean"/>
+              </a:rPr>
+              <a:t>e</a:t>
+            </a:r>
+            <a:r>
+              <a:rPr sz="1200" b="1" spc="-30">
+                <a:solidFill>
+                  <a:srgbClr val="FFFFFF"/>
+                </a:solidFill>
+                <a:latin typeface="Adobe Clean"/>
+                <a:cs typeface="Adobe Clean"/>
+              </a:rPr>
+              <a:t>l</a:t>
+            </a:r>
+            <a:r>
+              <a:rPr sz="1200" b="1" spc="-25">
+                <a:solidFill>
+                  <a:srgbClr val="FFFFFF"/>
+                </a:solidFill>
+                <a:latin typeface="Adobe Clean"/>
+                <a:cs typeface="Adobe Clean"/>
+              </a:rPr>
+              <a:t>e</a:t>
+            </a:r>
+            <a:r>
+              <a:rPr sz="1200" b="1">
+                <a:solidFill>
+                  <a:srgbClr val="FFFFFF"/>
+                </a:solidFill>
+                <a:latin typeface="Adobe Clean"/>
+                <a:cs typeface="Adobe Clean"/>
+              </a:rPr>
+              <a:t>d  </a:t>
+            </a:r>
+            <a:r>
+              <a:rPr sz="1200" b="1" spc="-25">
+                <a:solidFill>
+                  <a:srgbClr val="FFFFFF"/>
+                </a:solidFill>
+                <a:latin typeface="Adobe Clean"/>
+                <a:cs typeface="Adobe Clean"/>
+              </a:rPr>
+              <a:t>Expertise</a:t>
+            </a:r>
+            <a:endParaRPr sz="1200">
+              <a:latin typeface="Adobe Clean"/>
+              <a:cs typeface="Adobe Clean"/>
+            </a:endParaRPr>
           </a:p>
         </p:txBody>
       </p:sp>
@@ -13886,8 +17348,8 @@
         </p:nvSpPr>
         <p:spPr>
           <a:xfrm>
-            <a:off x="4627720" y="8541244"/>
-            <a:ext cx="925355" cy="382797"/>
+            <a:off x="4732495" y="8541244"/>
+            <a:ext cx="810895" cy="382797"/>
           </a:xfrm>
           <a:prstGeom prst="rect">
             <a:avLst/>
@@ -13899,7 +17361,7 @@
           </a:bodyPr>
           <a:lstStyle/>
           <a:p>
-            <a:pPr marR="5080" algn="ctr">
+            <a:pPr marL="139065" marR="5080" indent="-139065">
               <a:lnSpc>
                 <a:spcPts val="1390"/>
               </a:lnSpc>
@@ -13908,15 +17370,19 @@
               </a:spcBef>
             </a:pPr>
             <a:r>
-              <a:rPr lang="de-DE" sz="1200" b="1" dirty="0">
+              <a:rPr lang="en-US" sz="1200" b="1" spc="-15">
                 <a:solidFill>
                   <a:srgbClr val="FFFFFF"/>
                 </a:solidFill>
                 <a:latin typeface="Adobe Clean"/>
                 <a:cs typeface="Adobe Clean"/>
               </a:rPr>
-              <a:t>Schneller Support</a:t>
-            </a:r>
+              <a:t>Accelerated Support</a:t>
+            </a:r>
+            <a:endParaRPr sz="1200">
+              <a:latin typeface="Adobe Clean"/>
+              <a:cs typeface="Adobe Clean"/>
+            </a:endParaRPr>
           </a:p>
         </p:txBody>
       </p:sp>
@@ -13934,8 +17400,8 @@
         </p:nvSpPr>
         <p:spPr>
           <a:xfrm>
-            <a:off x="6471718" y="8543943"/>
-            <a:ext cx="841576" cy="385445"/>
+            <a:off x="6624119" y="8543943"/>
+            <a:ext cx="510540" cy="385445"/>
           </a:xfrm>
           <a:prstGeom prst="rect">
             <a:avLst/>
@@ -13947,7 +17413,7 @@
           </a:bodyPr>
           <a:lstStyle/>
           <a:p>
-            <a:pPr marR="5080" algn="ctr">
+            <a:pPr marL="50800" marR="5080" indent="-51435">
               <a:lnSpc>
                 <a:spcPts val="1390"/>
               </a:lnSpc>
@@ -13956,15 +17422,109 @@
               </a:spcBef>
             </a:pPr>
             <a:r>
-              <a:rPr lang="de-DE" sz="1200" b="1" dirty="0">
+              <a:rPr sz="1200" b="1" spc="-50">
                 <a:solidFill>
                   <a:srgbClr val="FFFFFF"/>
                 </a:solidFill>
                 <a:latin typeface="Adobe Clean"/>
                 <a:cs typeface="Adobe Clean"/>
               </a:rPr>
-              <a:t>Strategische Beratung</a:t>
-            </a:r>
+              <a:t>S</a:t>
+            </a:r>
+            <a:r>
+              <a:rPr sz="1200" b="1" spc="-20">
+                <a:solidFill>
+                  <a:srgbClr val="FFFFFF"/>
+                </a:solidFill>
+                <a:latin typeface="Adobe Clean"/>
+                <a:cs typeface="Adobe Clean"/>
+              </a:rPr>
+              <a:t>t</a:t>
+            </a:r>
+            <a:r>
+              <a:rPr sz="1200" b="1" spc="-75">
+                <a:solidFill>
+                  <a:srgbClr val="FFFFFF"/>
+                </a:solidFill>
+                <a:latin typeface="Adobe Clean"/>
+                <a:cs typeface="Adobe Clean"/>
+              </a:rPr>
+              <a:t>r</a:t>
+            </a:r>
+            <a:r>
+              <a:rPr sz="1200" b="1" spc="-90">
+                <a:solidFill>
+                  <a:srgbClr val="FFFFFF"/>
+                </a:solidFill>
+                <a:latin typeface="Adobe Clean"/>
+                <a:cs typeface="Adobe Clean"/>
+              </a:rPr>
+              <a:t>a</a:t>
+            </a:r>
+            <a:r>
+              <a:rPr sz="1200" b="1" spc="-55">
+                <a:solidFill>
+                  <a:srgbClr val="FFFFFF"/>
+                </a:solidFill>
+                <a:latin typeface="Adobe Clean"/>
+                <a:cs typeface="Adobe Clean"/>
+              </a:rPr>
+              <a:t>t</a:t>
+            </a:r>
+            <a:r>
+              <a:rPr sz="1200" b="1" spc="-100">
+                <a:solidFill>
+                  <a:srgbClr val="FFFFFF"/>
+                </a:solidFill>
+                <a:latin typeface="Adobe Clean"/>
+                <a:cs typeface="Adobe Clean"/>
+              </a:rPr>
+              <a:t>e</a:t>
+            </a:r>
+            <a:r>
+              <a:rPr sz="1200" b="1" spc="-80">
+                <a:solidFill>
+                  <a:srgbClr val="FFFFFF"/>
+                </a:solidFill>
+                <a:latin typeface="Adobe Clean"/>
+                <a:cs typeface="Adobe Clean"/>
+              </a:rPr>
+              <a:t>g</a:t>
+            </a:r>
+            <a:r>
+              <a:rPr sz="1200" b="1" spc="-35">
+                <a:solidFill>
+                  <a:srgbClr val="FFFFFF"/>
+                </a:solidFill>
+                <a:latin typeface="Adobe Clean"/>
+                <a:cs typeface="Adobe Clean"/>
+              </a:rPr>
+              <a:t>i</a:t>
+            </a:r>
+            <a:r>
+              <a:rPr sz="1200" b="1">
+                <a:solidFill>
+                  <a:srgbClr val="FFFFFF"/>
+                </a:solidFill>
+                <a:latin typeface="Adobe Clean"/>
+                <a:cs typeface="Adobe Clean"/>
+              </a:rPr>
+              <a:t>c  </a:t>
+            </a:r>
+            <a:r>
+              <a:rPr sz="1200" b="1" spc="-45">
+                <a:solidFill>
+                  <a:srgbClr val="FFFFFF"/>
+                </a:solidFill>
+                <a:latin typeface="Adobe Clean"/>
+                <a:cs typeface="Adobe Clean"/>
+              </a:rPr>
+              <a:t>Advice</a:t>
+            </a:r>
+            <a:endParaRPr sz="1200">
+              <a:latin typeface="Adobe Clean"/>
+              <a:cs typeface="Adobe Clean"/>
+            </a:endParaRPr>
           </a:p>
         </p:txBody>
       </p:sp>
@@ -13983,14 +17543,14 @@
           <p:nvPr>
             <p:extLst>
               <p:ext uri="{D42A27DB-BD31-4B8C-83A1-F6EECF244321}">
-                <p14:modId xmlns:p14="http://schemas.microsoft.com/office/powerpoint/2010/main" val="3534718922"/>
+                <p14:modId xmlns:p14="http://schemas.microsoft.com/office/powerpoint/2010/main" val="4232335107"/>
               </p:ext>
             </p:extLst>
           </p:nvPr>
         </p:nvGraphicFramePr>
         <p:xfrm>
           <a:off x="194237" y="1272353"/>
-          <a:ext cx="7368291" cy="3413760"/>
+          <a:ext cx="7368291" cy="2931160"/>
         </p:xfrm>
         <a:graphic>
           <a:graphicData uri="http://schemas.openxmlformats.org/drawingml/2006/table">
@@ -14021,17 +17581,25 @@
                     <a:lstStyle/>
                     <a:p>
                       <a:r>
-                        <a:rPr lang="de-DE" sz="1100" b="0">
+                        <a:rPr lang="en-US" sz="1100" b="0" dirty="0">
                           <a:solidFill>
                             <a:schemeClr val="tx1"/>
                           </a:solidFill>
-                          <a:latin typeface="Adobe Clean" panose="020B0503020404020204" pitchFamily="34" charset="0"/>
+                          <a:latin typeface="Adobe Clean"/>
                           <a:ea typeface="+mn-ea"/>
                           <a:cs typeface="+mn-cs"/>
                           <a:hlinkClick r:id="rId7"/>
                         </a:rPr>
                         <a:t>Experience League</a:t>
                       </a:r>
+                      <a:endParaRPr lang="en-US" sz="1100" b="0" dirty="0">
+                        <a:solidFill>
+                          <a:schemeClr val="tx1"/>
+                        </a:solidFill>
+                        <a:latin typeface="Adobe Clean"/>
+                        <a:ea typeface="+mn-ea"/>
+                        <a:cs typeface="+mn-cs"/>
+                      </a:endParaRPr>
                     </a:p>
                   </a:txBody>
                   <a:tcPr marL="47625" marR="47625" marT="0" marB="0" anchor="ctr">
@@ -14087,7 +17655,7 @@
                     <a:bodyPr/>
                     <a:lstStyle/>
                     <a:p>
-                      <a:pPr marL="0" marR="0" lvl="0" indent="0" defTabSz="914400" eaLnBrk="1" fontAlgn="auto" latinLnBrk="0" hangingPunct="1">
+                      <a:pPr marL="0" marR="0" lvl="0" indent="0" eaLnBrk="1" fontAlgn="auto" latinLnBrk="0" hangingPunct="1">
                         <a:lnSpc>
                           <a:spcPct val="100000"/>
                         </a:lnSpc>
@@ -14101,52 +17669,26 @@
                         <a:buSzTx/>
                         <a:buFontTx/>
                         <a:buNone/>
-                        <a:tabLst/>
-                        <a:defRPr/>
                       </a:pPr>
                       <a:r>
-                        <a:rPr lang="de-DE" sz="1000" b="0" dirty="0">
+                        <a:rPr lang="en-US" sz="1000" b="0" kern="1200" dirty="0">
                           <a:solidFill>
                             <a:srgbClr val="000000"/>
                           </a:solidFill>
-                          <a:latin typeface="Adobe Clean Light" panose="020B0303020404020204" pitchFamily="34" charset="0"/>
+                          <a:latin typeface="Adobe Clean Light"/>
                           <a:ea typeface="+mn-ea"/>
                           <a:cs typeface="+mn-cs"/>
                         </a:rPr>
-                        <a:t>Mit der Experience League unterstützt Adobe Unternehmen dabei, </a:t>
+                        <a:t>Experience League is how Adobe helps businesses achieve the value they expect from their Adobe investment. It’s the unified place where customers can learn, connect, and grow along a personalized path to success that includes self-help tutorials, product documentation, instructor-led training, community and technical support. </a:t>
                       </a:r>
-                      <a:br>
-                        <a:rPr lang="sk-SK" sz="1000" b="0">
-                          <a:solidFill>
-                            <a:srgbClr val="000000"/>
-                          </a:solidFill>
-                          <a:latin typeface="Adobe Clean Light" panose="020B0303020404020204" pitchFamily="34" charset="0"/>
-                          <a:ea typeface="+mn-ea"/>
-                          <a:cs typeface="+mn-cs"/>
-                        </a:rPr>
-                      </a:br>
-                      <a:r>
-                        <a:rPr lang="de-DE" sz="1000" b="0">
-                          <a:solidFill>
-                            <a:srgbClr val="000000"/>
-                          </a:solidFill>
-                          <a:latin typeface="Adobe Clean Light" panose="020B0303020404020204" pitchFamily="34" charset="0"/>
-                          <a:ea typeface="+mn-ea"/>
-                          <a:cs typeface="+mn-cs"/>
-                        </a:rPr>
-                        <a:t>mit ihren Investitionen in Adobe optimale Ergebnisse zu erzielen. </a:t>
-                      </a:r>
-                      <a:r>
-                        <a:rPr lang="de-DE" sz="1000" b="0" dirty="0">
-                          <a:solidFill>
-                            <a:srgbClr val="000000"/>
-                          </a:solidFill>
-                          <a:latin typeface="Adobe Clean Light" panose="020B0303020404020204" pitchFamily="34" charset="0"/>
-                          <a:ea typeface="+mn-ea"/>
-                          <a:cs typeface="+mn-cs"/>
-                        </a:rPr>
-                        <a:t>An diesem zentralen Ort können Kunden auf einem personalisierten Weg zum Erfolg lernen, Kontakte knüpfen und sich weiterentwickeln. Dafür nutzen sie Selbsthilfe-Tutorials, Produktdokumentation, von Kursleitern geführte Schulungen, Community und technischen Support. </a:t>
-                      </a:r>
+                      <a:endParaRPr lang="en-US" sz="1000" b="0" kern="1200">
+                        <a:solidFill>
+                          <a:srgbClr val="000000"/>
+                        </a:solidFill>
+                        <a:latin typeface="Adobe Clean Light" panose="020B0303020404020204" pitchFamily="34" charset="0"/>
+                        <a:ea typeface="+mn-ea"/>
+                        <a:cs typeface="+mn-cs"/>
+                      </a:endParaRPr>
                     </a:p>
                   </a:txBody>
                   <a:tcPr anchor="ctr">
@@ -14227,11 +17769,12 @@
                         <a:defRPr/>
                       </a:pPr>
                       <a:r>
-                        <a:rPr lang="de-DE" sz="1100">
+                        <a:rPr lang="en-US" sz="1100" dirty="0">
                           <a:solidFill>
                             <a:schemeClr val="dk1"/>
                           </a:solidFill>
-                          <a:latin typeface="Adobe Clean" panose="020B0503020404020204" pitchFamily="34" charset="0"/>
+                          <a:effectLst/>
+                          <a:latin typeface="Adobe Clean"/>
                           <a:ea typeface="+mn-ea"/>
                           <a:cs typeface="+mn-cs"/>
                           <a:hlinkClick r:id="rId8"/>
@@ -14239,16 +17782,26 @@
                         <a:t>Training</a:t>
                       </a:r>
                       <a:r>
-                        <a:rPr lang="de-DE" sz="1100">
+                        <a:rPr lang="en-US" sz="1100" dirty="0">
                           <a:solidFill>
                             <a:schemeClr val="dk1"/>
                           </a:solidFill>
-                          <a:latin typeface="Adobe Clean" panose="020B0503020404020204" pitchFamily="34" charset="0"/>
+                          <a:effectLst/>
+                          <a:latin typeface="Adobe Clean"/>
                           <a:ea typeface="+mn-ea"/>
                           <a:cs typeface="+mn-cs"/>
                         </a:rPr>
                         <a:t> </a:t>
                       </a:r>
+                      <a:endParaRPr lang="en-US" sz="1100" dirty="0">
+                        <a:solidFill>
+                          <a:schemeClr val="tx1"/>
+                        </a:solidFill>
+                        <a:effectLst/>
+                        <a:latin typeface="Adobe Clean"/>
+                        <a:ea typeface="+mn-ea"/>
+                        <a:cs typeface="+mn-cs"/>
+                      </a:endParaRPr>
                     </a:p>
                   </a:txBody>
                   <a:tcPr anchor="ctr">
@@ -14322,15 +17875,15 @@
                         <a:defRPr/>
                       </a:pPr>
                       <a:r>
-                        <a:rPr lang="de-DE" sz="1000">
+                        <a:rPr lang="en-US" sz="1000" kern="1200" dirty="0">
                           <a:solidFill>
                             <a:srgbClr val="000000"/>
                           </a:solidFill>
-                          <a:latin typeface="Adobe Clean Light" panose="020B0303020404020204" pitchFamily="34" charset="0"/>
+                          <a:latin typeface="Adobe Clean Light"/>
                           <a:ea typeface="+mn-ea"/>
                           <a:cs typeface="+mn-cs"/>
                         </a:rPr>
-                        <a:t>Adobe Digital Learning Services-Kurse sind über die Experience League verfügbar. Das Angebot umfasst sowohl On-Demand- als auch von Kursleiter geführte Schulungen.  Hier können Sie Kompetenzen erwerben, die auf dem Markt anerkannt sind und den Erfolg im Unternehmen vorantreiben.</a:t>
+                        <a:t>Adobe Digital Learning Services courses are accessible from Experience League. Learning courses integrate both on-demand and instructor-led lessons.  Here you can accrue skills that have recognized market value and position them to drive success in your organizations.</a:t>
                       </a:r>
                     </a:p>
                   </a:txBody>
@@ -14412,17 +17965,27 @@
                         <a:defRPr/>
                       </a:pPr>
                       <a:r>
-                        <a:rPr lang="de-DE" sz="1100">
+                        <a:rPr lang="en-US" sz="1100" dirty="0">
                           <a:solidFill>
                             <a:schemeClr val="tx1"/>
                           </a:solidFill>
-                          <a:latin typeface="Adobe Clean" panose="020B0503020404020204" pitchFamily="34" charset="0"/>
+                          <a:effectLst/>
+                          <a:latin typeface="Adobe Clean"/>
                           <a:ea typeface="+mn-ea"/>
                           <a:cs typeface="+mn-cs"/>
                           <a:hlinkClick r:id="rId9"/>
                         </a:rPr>
-                        <a:t>Produktionsprobleme und Systemausfälle</a:t>
+                        <a:t>Production Issues &amp; System Outages</a:t>
                       </a:r>
+                      <a:endParaRPr lang="en-US" sz="1100" dirty="0">
+                        <a:solidFill>
+                          <a:schemeClr val="tx1"/>
+                        </a:solidFill>
+                        <a:effectLst/>
+                        <a:latin typeface="Adobe Clean"/>
+                        <a:ea typeface="+mn-ea"/>
+                        <a:cs typeface="+mn-cs"/>
+                      </a:endParaRPr>
                     </a:p>
                   </a:txBody>
                   <a:tcPr anchor="ctr">
@@ -14478,7 +18041,7 @@
                     <a:bodyPr/>
                     <a:lstStyle/>
                     <a:p>
-                      <a:pPr marL="0" marR="0" lvl="0" indent="0" defTabSz="914400" eaLnBrk="1" fontAlgn="auto" latinLnBrk="0" hangingPunct="1">
+                      <a:pPr marL="0" marR="0" lvl="0" indent="0" eaLnBrk="1" fontAlgn="auto" latinLnBrk="0" hangingPunct="1">
                         <a:lnSpc>
                           <a:spcPct val="100000"/>
                         </a:lnSpc>
@@ -14492,20 +18055,26 @@
                         <a:buSzTx/>
                         <a:buFontTx/>
                         <a:buNone/>
-                        <a:tabLst/>
-                        <a:defRPr/>
                       </a:pPr>
                       <a:r>
-                        <a:rPr lang="de-DE" sz="1000">
+                        <a:rPr lang="en-US" sz="1000" kern="1200" dirty="0">
                           <a:solidFill>
                             <a:srgbClr val="000000"/>
                           </a:solidFill>
-                          <a:latin typeface="Adobe Clean Light" panose="020B0303020404020204" pitchFamily="34" charset="0"/>
+                          <a:latin typeface="Adobe Clean Light"/>
                           <a:ea typeface="+mn-ea"/>
                           <a:cs typeface="+mn-cs"/>
                         </a:rPr>
-                        <a:t>Status.adobe.com übermittelt die Statusinformationen sämtlicher Adobe-Produkte und -Services, die in Umgebungen mit mehreren Mandanten implementiert sind. Kunden können Voreinstellungen für ihr Abonnement auswählen und E-Mail-Benachrichtigungen erhalten, wenn Adobe ein Produktereignis erstellt, aktualisiert oder löst. Dies kann geplante Wartungen oder Service-Probleme unterschiedlichen Schweregrads umfassen. </a:t>
+                        <a:t>Status.adobe.com conveys the health information of all Adobe products and services that are deployed in multi-tenant environments. Customers can choose their subscription preferences to get email notifications whenever Adobe creates, updates or resolves a product event. This can include scheduled maintenance or service issues of varying levels of severity. </a:t>
                       </a:r>
+                      <a:endParaRPr lang="en-US" sz="1000" kern="1200">
+                        <a:solidFill>
+                          <a:srgbClr val="000000"/>
+                        </a:solidFill>
+                        <a:latin typeface="Adobe Clean Light" panose="020B0303020404020204" pitchFamily="34" charset="0"/>
+                        <a:ea typeface="+mn-ea"/>
+                        <a:cs typeface="+mn-cs"/>
+                      </a:endParaRPr>
                     </a:p>
                   </a:txBody>
                   <a:tcPr anchor="ctr">
@@ -14586,17 +18155,27 @@
                         <a:defRPr/>
                       </a:pPr>
                       <a:r>
-                        <a:rPr lang="de-DE" sz="1100">
+                        <a:rPr lang="en-US" sz="1100" dirty="0">
                           <a:solidFill>
                             <a:schemeClr val="tx1"/>
                           </a:solidFill>
-                          <a:latin typeface="Adobe Clean" panose="020B0503020404020204" pitchFamily="34" charset="0"/>
+                          <a:effectLst/>
+                          <a:latin typeface="Adobe Clean"/>
                           <a:ea typeface="+mn-ea"/>
                           <a:cs typeface="+mn-cs"/>
                           <a:hlinkClick r:id="rId10"/>
                         </a:rPr>
-                        <a:t>Geschäftsbedingungen</a:t>
+                        <a:t>Terms and Conditions</a:t>
                       </a:r>
+                      <a:endParaRPr lang="en-US" sz="1100" dirty="0">
+                        <a:solidFill>
+                          <a:schemeClr val="tx1"/>
+                        </a:solidFill>
+                        <a:effectLst/>
+                        <a:latin typeface="Adobe Clean"/>
+                        <a:ea typeface="+mn-ea"/>
+                        <a:cs typeface="+mn-cs"/>
+                      </a:endParaRPr>
                     </a:p>
                   </a:txBody>
                   <a:tcPr anchor="ctr">
@@ -14653,37 +18232,24 @@
                     <a:lstStyle/>
                     <a:p>
                       <a:r>
-                        <a:rPr lang="de-DE" sz="1000" dirty="0">
+                        <a:rPr lang="en-US" sz="1000" kern="1200" dirty="0">
                           <a:solidFill>
                             <a:srgbClr val="000000"/>
                           </a:solidFill>
-                          <a:latin typeface="Adobe Clean Light" panose="020B0303020404020204" pitchFamily="34" charset="0"/>
+                          <a:latin typeface="Adobe Clean Light"/>
                           <a:ea typeface="+mn-ea"/>
                           <a:cs typeface="+mn-cs"/>
                         </a:rPr>
-                        <a:t>Allgemeine Geschäftsbedingungen mit detaillierten Informationen </a:t>
+                        <a:t>Terms and conditions detailing Support Services offerings.</a:t>
                       </a:r>
-                      <a:br>
-                        <a:rPr lang="sk-SK" sz="1000" dirty="0">
-                          <a:solidFill>
-                            <a:srgbClr val="000000"/>
-                          </a:solidFill>
-                          <a:latin typeface="Adobe Clean Light" panose="020B0303020404020204" pitchFamily="34" charset="0"/>
-                          <a:ea typeface="+mn-ea"/>
-                          <a:cs typeface="+mn-cs"/>
-                        </a:rPr>
-                      </a:br>
-                      <a:r>
-                        <a:rPr lang="de-DE" sz="1000" dirty="0">
-                          <a:solidFill>
-                            <a:srgbClr val="000000"/>
-                          </a:solidFill>
-                          <a:latin typeface="Adobe Clean Light" panose="020B0303020404020204" pitchFamily="34" charset="0"/>
-                          <a:ea typeface="+mn-ea"/>
-                          <a:cs typeface="+mn-cs"/>
-                        </a:rPr>
-                        <a:t>zu den angebotenen Support-Services</a:t>
-                      </a:r>
+                      <a:endParaRPr lang="en-US" sz="1000" kern="1200" dirty="0">
+                        <a:solidFill>
+                          <a:srgbClr val="000000"/>
+                        </a:solidFill>
+                        <a:latin typeface="Adobe Clean Light" panose="020B0303020404020204" pitchFamily="34" charset="0"/>
+                        <a:ea typeface="+mn-ea"/>
+                        <a:cs typeface="+mn-cs"/>
+                      </a:endParaRPr>
                     </a:p>
                   </a:txBody>
                   <a:tcPr anchor="ctr">
@@ -15453,12 +19019,6 @@
 </file>
 
 <file path=customXml/item1.xml><?xml version="1.0" encoding="utf-8"?>
-<p:properties xmlns:p="http://schemas.microsoft.com/office/2006/metadata/properties" xmlns:xsi="http://www.w3.org/2001/XMLSchema-instance" xmlns:pc="http://schemas.microsoft.com/office/infopath/2007/PartnerControls">
-  <documentManagement/>
-</p:properties>
-</file>
-
-<file path=customXml/item2.xml><?xml version="1.0" encoding="utf-8"?>
 <ct:contentTypeSchema xmlns:ct="http://schemas.microsoft.com/office/2006/metadata/contentType" xmlns:ma="http://schemas.microsoft.com/office/2006/metadata/properties/metaAttributes" ct:_="" ma:_="" ma:contentTypeName="Document" ma:contentTypeID="0x010100E783BF6876BCC646A459363AF21A7736" ma:contentTypeVersion="10" ma:contentTypeDescription="Create a new document." ma:contentTypeScope="" ma:versionID="c4ffda7f4f415767600769e454c2ea87">
   <xsd:schema xmlns:xsd="http://www.w3.org/2001/XMLSchema" xmlns:xs="http://www.w3.org/2001/XMLSchema" xmlns:p="http://schemas.microsoft.com/office/2006/metadata/properties" xmlns:ns2="8a053bff-88be-49e4-9a87-e748e18b8b62" xmlns:ns3="6c8368ec-3776-49b5-a5bb-90648cf9530f" targetNamespace="http://schemas.microsoft.com/office/2006/metadata/properties" ma:root="true" ma:fieldsID="df3ec33bccc23e23bce7bc897fad43d1" ns2:_="" ns3:_="">
     <xsd:import namespace="8a053bff-88be-49e4-9a87-e748e18b8b62"/>
@@ -15663,7 +19223,7 @@
 </ct:contentTypeSchema>
 </file>
 
-<file path=customXml/item3.xml><?xml version="1.0" encoding="utf-8"?>
+<file path=customXml/item2.xml><?xml version="1.0" encoding="utf-8"?>
 <?mso-contentType ?>
 <FormTemplates xmlns="http://schemas.microsoft.com/sharepoint/v3/contenttype/forms">
   <Display>DocumentLibraryForm</Display>
@@ -15672,16 +19232,13 @@
 </FormTemplates>
 </file>
 
-<file path=customXml/itemProps1.xml><?xml version="1.0" encoding="utf-8"?>
-<ds:datastoreItem xmlns:ds="http://schemas.openxmlformats.org/officeDocument/2006/customXml" ds:itemID="{ED4099BE-EDEC-4FF1-8378-446617236015}">
-  <ds:schemaRefs>
-    <ds:schemaRef ds:uri="http://schemas.microsoft.com/office/2006/metadata/properties"/>
-    <ds:schemaRef ds:uri="http://schemas.microsoft.com/office/infopath/2007/PartnerControls"/>
-  </ds:schemaRefs>
-</ds:datastoreItem>
+<file path=customXml/item3.xml><?xml version="1.0" encoding="utf-8"?>
+<p:properties xmlns:p="http://schemas.microsoft.com/office/2006/metadata/properties" xmlns:xsi="http://www.w3.org/2001/XMLSchema-instance" xmlns:pc="http://schemas.microsoft.com/office/infopath/2007/PartnerControls">
+  <documentManagement/>
+</p:properties>
 </file>
 
-<file path=customXml/itemProps2.xml><?xml version="1.0" encoding="utf-8"?>
+<file path=customXml/itemProps1.xml><?xml version="1.0" encoding="utf-8"?>
 <ds:datastoreItem xmlns:ds="http://schemas.openxmlformats.org/officeDocument/2006/customXml" ds:itemID="{FB2EBF8D-136B-48EC-8FC0-F70C0583664B}">
   <ds:schemaRefs>
     <ds:schemaRef ds:uri="6c8368ec-3776-49b5-a5bb-90648cf9530f"/>
@@ -15700,10 +19257,27 @@
 </ds:datastoreItem>
 </file>
 
-<file path=customXml/itemProps3.xml><?xml version="1.0" encoding="utf-8"?>
+<file path=customXml/itemProps2.xml><?xml version="1.0" encoding="utf-8"?>
 <ds:datastoreItem xmlns:ds="http://schemas.openxmlformats.org/officeDocument/2006/customXml" ds:itemID="{941989CE-20BB-4A6A-A33F-71A1AE469C3E}">
   <ds:schemaRefs>
     <ds:schemaRef ds:uri="http://schemas.microsoft.com/sharepoint/v3/contenttype/forms"/>
   </ds:schemaRefs>
 </ds:datastoreItem>
+</file>
+
+<file path=customXml/itemProps3.xml><?xml version="1.0" encoding="utf-8"?>
+<ds:datastoreItem xmlns:ds="http://schemas.openxmlformats.org/officeDocument/2006/customXml" ds:itemID="{ED4099BE-EDEC-4FF1-8378-446617236015}">
+  <ds:schemaRefs>
+    <ds:schemaRef ds:uri="6c8368ec-3776-49b5-a5bb-90648cf9530f"/>
+    <ds:schemaRef ds:uri="8a053bff-88be-49e4-9a87-e748e18b8b62"/>
+    <ds:schemaRef ds:uri="http://purl.org/dc/dcmitype/"/>
+    <ds:schemaRef ds:uri="http://purl.org/dc/elements/1.1/"/>
+    <ds:schemaRef ds:uri="http://purl.org/dc/terms/"/>
+    <ds:schemaRef ds:uri="http://schemas.microsoft.com/office/2006/documentManagement/types"/>
+    <ds:schemaRef ds:uri="http://schemas.microsoft.com/office/2006/metadata/properties"/>
+    <ds:schemaRef ds:uri="http://schemas.microsoft.com/office/infopath/2007/PartnerControls"/>
+    <ds:schemaRef ds:uri="http://schemas.openxmlformats.org/package/2006/metadata/core-properties"/>
+    <ds:schemaRef ds:uri="http://www.w3.org/XML/1998/namespace"/>
+  </ds:schemaRefs>
+</ds:datastoreItem>
 </file>
--- a/help/data-sheets/assets/EnterpriseSupportDatasheet.pptx
+++ b/help/data-sheets/assets/EnterpriseSupportDatasheet.pptx
@@ -144,9 +144,13 @@
 <file path=ppt/revisionInfo.xml><?xml version="1.0" encoding="utf-8"?>
 <p1510:revInfo xmlns:a="http://schemas.openxmlformats.org/drawingml/2006/main" xmlns:r="http://schemas.openxmlformats.org/officeDocument/2006/relationships" xmlns:p1510="http://schemas.microsoft.com/office/powerpoint/2015/10/main">
   <p1510:revLst>
-    <p1510:client id="{19826C17-B3F5-53A1-AAFF-C7771804C7A7}" v="128" dt="2021-10-13T18:50:39.613"/>
-    <p1510:client id="{1A3D389F-0E00-444F-BDF7-5C174E20EEC2}" v="2" dt="2021-10-13T19:33:05.183"/>
-    <p1510:client id="{D02E726A-82A5-CF13-9EBE-9B674D878D37}" v="22" dt="2021-10-12T19:51:27.470"/>
+    <p1510:client id="{0AB2EF93-BE08-D205-D43E-3B568BB37DAA}" v="26" dt="2021-09-22T23:01:49.517"/>
+    <p1510:client id="{0AC6A3A1-0788-C69A-5EFD-279F3FA2CF0F}" v="51" dt="2021-09-22T18:56:17.553"/>
+    <p1510:client id="{112231ED-4F38-A856-2EFF-9D0F88AC9BDF}" v="3" dt="2021-09-22T19:11:31.474"/>
+    <p1510:client id="{3CA2F123-FAC9-2CDD-7937-C83283BA7837}" v="1" dt="2021-09-16T20:58:19.458"/>
+    <p1510:client id="{3F02B349-0406-AE51-D438-E7A0BE890230}" v="20" dt="2021-08-25T18:45:08.206"/>
+    <p1510:client id="{A40C3D7D-993B-38B2-2DDA-C562505A1054}" v="4" dt="2021-09-22T23:00:46.860"/>
+    <p1510:client id="{BAC4F85F-6423-7248-85C4-44132DA97563}" v="77" dt="2021-08-07T08:51:03.454"/>
   </p1510:revLst>
 </p1510:revInfo>
 </file>
@@ -154,20 +158,52 @@
 <file path=ppt/changesInfos/changesInfo1.xml><?xml version="1.0" encoding="utf-8"?>
 <pc:chgInfo xmlns:a="http://schemas.openxmlformats.org/drawingml/2006/main" xmlns:r="http://schemas.openxmlformats.org/officeDocument/2006/relationships" xmlns:ac="http://schemas.microsoft.com/office/drawing/2013/main/command" xmlns:pc="http://schemas.microsoft.com/office/powerpoint/2013/main/command">
   <pc:docChgLst>
-    <pc:chgData name="Akilah Johnson" userId="S::akjohnso@adobe.com::2fa3aa60-0c9c-4d06-bae2-795983241227" providerId="AD" clId="Web-{A40C3D7D-993B-38B2-2DDA-C562505A1054}"/>
+    <pc:chgData name="Akilah Johnson" userId="S::akjohnso@adobe.com::2fa3aa60-0c9c-4d06-bae2-795983241227" providerId="AD" clId="Web-{0AB2EF93-BE08-D205-D43E-3B568BB37DAA}"/>
     <pc:docChg chg="modSld">
-      <pc:chgData name="Akilah Johnson" userId="S::akjohnso@adobe.com::2fa3aa60-0c9c-4d06-bae2-795983241227" providerId="AD" clId="Web-{A40C3D7D-993B-38B2-2DDA-C562505A1054}" dt="2021-09-22T23:00:46.860" v="3"/>
+      <pc:chgData name="Akilah Johnson" userId="S::akjohnso@adobe.com::2fa3aa60-0c9c-4d06-bae2-795983241227" providerId="AD" clId="Web-{0AB2EF93-BE08-D205-D43E-3B568BB37DAA}" dt="2021-09-22T23:01:45.877" v="13"/>
       <pc:docMkLst>
         <pc:docMk/>
       </pc:docMkLst>
       <pc:sldChg chg="modSp">
-        <pc:chgData name="Akilah Johnson" userId="S::akjohnso@adobe.com::2fa3aa60-0c9c-4d06-bae2-795983241227" providerId="AD" clId="Web-{A40C3D7D-993B-38B2-2DDA-C562505A1054}" dt="2021-09-22T23:00:46.860" v="3"/>
+        <pc:chgData name="Akilah Johnson" userId="S::akjohnso@adobe.com::2fa3aa60-0c9c-4d06-bae2-795983241227" providerId="AD" clId="Web-{0AB2EF93-BE08-D205-D43E-3B568BB37DAA}" dt="2021-09-22T23:01:45.877" v="13"/>
         <pc:sldMkLst>
           <pc:docMk/>
           <pc:sldMk cId="1050037809" sldId="261"/>
         </pc:sldMkLst>
         <pc:graphicFrameChg chg="mod modGraphic">
-          <ac:chgData name="Akilah Johnson" userId="S::akjohnso@adobe.com::2fa3aa60-0c9c-4d06-bae2-795983241227" providerId="AD" clId="Web-{A40C3D7D-993B-38B2-2DDA-C562505A1054}" dt="2021-09-22T23:00:46.860" v="3"/>
+          <ac:chgData name="Akilah Johnson" userId="S::akjohnso@adobe.com::2fa3aa60-0c9c-4d06-bae2-795983241227" providerId="AD" clId="Web-{0AB2EF93-BE08-D205-D43E-3B568BB37DAA}" dt="2021-09-22T23:01:45.877" v="13"/>
+          <ac:graphicFrameMkLst>
+            <pc:docMk/>
+            <pc:sldMk cId="1050037809" sldId="261"/>
+            <ac:graphicFrameMk id="25" creationId="{3A91F5B0-3974-A14D-A146-FB590F2AAD18}"/>
+          </ac:graphicFrameMkLst>
+        </pc:graphicFrameChg>
+      </pc:sldChg>
+    </pc:docChg>
+  </pc:docChgLst>
+  <pc:docChgLst>
+    <pc:chgData name="Akilah Johnson" userId="S::akjohnso@adobe.com::2fa3aa60-0c9c-4d06-bae2-795983241227" providerId="AD" clId="Web-{0AC6A3A1-0788-C69A-5EFD-279F3FA2CF0F}"/>
+    <pc:docChg chg="modSld">
+      <pc:chgData name="Akilah Johnson" userId="S::akjohnso@adobe.com::2fa3aa60-0c9c-4d06-bae2-795983241227" providerId="AD" clId="Web-{0AC6A3A1-0788-C69A-5EFD-279F3FA2CF0F}" dt="2021-09-22T18:56:17.553" v="29"/>
+      <pc:docMkLst>
+        <pc:docMk/>
+      </pc:docMkLst>
+      <pc:sldChg chg="modSp delCm">
+        <pc:chgData name="Akilah Johnson" userId="S::akjohnso@adobe.com::2fa3aa60-0c9c-4d06-bae2-795983241227" providerId="AD" clId="Web-{0AC6A3A1-0788-C69A-5EFD-279F3FA2CF0F}" dt="2021-09-22T18:56:17.553" v="29"/>
+        <pc:sldMkLst>
+          <pc:docMk/>
+          <pc:sldMk cId="1050037809" sldId="261"/>
+        </pc:sldMkLst>
+        <pc:spChg chg="mod">
+          <ac:chgData name="Akilah Johnson" userId="S::akjohnso@adobe.com::2fa3aa60-0c9c-4d06-bae2-795983241227" providerId="AD" clId="Web-{0AC6A3A1-0788-C69A-5EFD-279F3FA2CF0F}" dt="2021-09-22T18:55:46.585" v="16" actId="20577"/>
+          <ac:spMkLst>
+            <pc:docMk/>
+            <pc:sldMk cId="1050037809" sldId="261"/>
+            <ac:spMk id="64" creationId="{41467BDC-3D83-D844-B922-CD07E94E5AAB}"/>
+          </ac:spMkLst>
+        </pc:spChg>
+        <pc:graphicFrameChg chg="mod modGraphic">
+          <ac:chgData name="Akilah Johnson" userId="S::akjohnso@adobe.com::2fa3aa60-0c9c-4d06-bae2-795983241227" providerId="AD" clId="Web-{0AC6A3A1-0788-C69A-5EFD-279F3FA2CF0F}" dt="2021-09-22T18:55:59.928" v="28"/>
           <ac:graphicFrameMkLst>
             <pc:docMk/>
             <pc:sldMk cId="1050037809" sldId="261"/>
@@ -210,86 +246,6 @@
     </pc:docChg>
   </pc:docChgLst>
   <pc:docChgLst>
-    <pc:chgData name="Akilah Johnson" userId="S::akjohnso@adobe.com::2fa3aa60-0c9c-4d06-bae2-795983241227" providerId="AD" clId="Web-{0AC6A3A1-0788-C69A-5EFD-279F3FA2CF0F}"/>
-    <pc:docChg chg="modSld">
-      <pc:chgData name="Akilah Johnson" userId="S::akjohnso@adobe.com::2fa3aa60-0c9c-4d06-bae2-795983241227" providerId="AD" clId="Web-{0AC6A3A1-0788-C69A-5EFD-279F3FA2CF0F}" dt="2021-09-22T18:56:17.553" v="29"/>
-      <pc:docMkLst>
-        <pc:docMk/>
-      </pc:docMkLst>
-      <pc:sldChg chg="modSp delCm">
-        <pc:chgData name="Akilah Johnson" userId="S::akjohnso@adobe.com::2fa3aa60-0c9c-4d06-bae2-795983241227" providerId="AD" clId="Web-{0AC6A3A1-0788-C69A-5EFD-279F3FA2CF0F}" dt="2021-09-22T18:56:17.553" v="29"/>
-        <pc:sldMkLst>
-          <pc:docMk/>
-          <pc:sldMk cId="1050037809" sldId="261"/>
-        </pc:sldMkLst>
-        <pc:spChg chg="mod">
-          <ac:chgData name="Akilah Johnson" userId="S::akjohnso@adobe.com::2fa3aa60-0c9c-4d06-bae2-795983241227" providerId="AD" clId="Web-{0AC6A3A1-0788-C69A-5EFD-279F3FA2CF0F}" dt="2021-09-22T18:55:46.585" v="16" actId="20577"/>
-          <ac:spMkLst>
-            <pc:docMk/>
-            <pc:sldMk cId="1050037809" sldId="261"/>
-            <ac:spMk id="64" creationId="{41467BDC-3D83-D844-B922-CD07E94E5AAB}"/>
-          </ac:spMkLst>
-        </pc:spChg>
-        <pc:graphicFrameChg chg="mod modGraphic">
-          <ac:chgData name="Akilah Johnson" userId="S::akjohnso@adobe.com::2fa3aa60-0c9c-4d06-bae2-795983241227" providerId="AD" clId="Web-{0AC6A3A1-0788-C69A-5EFD-279F3FA2CF0F}" dt="2021-09-22T18:55:59.928" v="28"/>
-          <ac:graphicFrameMkLst>
-            <pc:docMk/>
-            <pc:sldMk cId="1050037809" sldId="261"/>
-            <ac:graphicFrameMk id="25" creationId="{3A91F5B0-3974-A14D-A146-FB590F2AAD18}"/>
-          </ac:graphicFrameMkLst>
-        </pc:graphicFrameChg>
-      </pc:sldChg>
-    </pc:docChg>
-  </pc:docChgLst>
-  <pc:docChgLst>
-    <pc:chgData name="Akilah Johnson" userId="S::akjohnso@adobe.com::2fa3aa60-0c9c-4d06-bae2-795983241227" providerId="AD" clId="Web-{D02E726A-82A5-CF13-9EBE-9B674D878D37}"/>
-    <pc:docChg chg="modSld">
-      <pc:chgData name="Akilah Johnson" userId="S::akjohnso@adobe.com::2fa3aa60-0c9c-4d06-bae2-795983241227" providerId="AD" clId="Web-{D02E726A-82A5-CF13-9EBE-9B674D878D37}" dt="2021-10-12T19:51:27.470" v="10"/>
-      <pc:docMkLst>
-        <pc:docMk/>
-      </pc:docMkLst>
-      <pc:sldChg chg="modSp delCm">
-        <pc:chgData name="Akilah Johnson" userId="S::akjohnso@adobe.com::2fa3aa60-0c9c-4d06-bae2-795983241227" providerId="AD" clId="Web-{D02E726A-82A5-CF13-9EBE-9B674D878D37}" dt="2021-10-12T19:51:27.470" v="10"/>
-        <pc:sldMkLst>
-          <pc:docMk/>
-          <pc:sldMk cId="2161849182" sldId="267"/>
-        </pc:sldMkLst>
-        <pc:spChg chg="mod">
-          <ac:chgData name="Akilah Johnson" userId="S::akjohnso@adobe.com::2fa3aa60-0c9c-4d06-bae2-795983241227" providerId="AD" clId="Web-{D02E726A-82A5-CF13-9EBE-9B674D878D37}" dt="2021-10-12T19:51:04.127" v="8" actId="20577"/>
-          <ac:spMkLst>
-            <pc:docMk/>
-            <pc:sldMk cId="2161849182" sldId="267"/>
-            <ac:spMk id="2" creationId="{00000000-0000-0000-0000-000000000000}"/>
-          </ac:spMkLst>
-        </pc:spChg>
-      </pc:sldChg>
-    </pc:docChg>
-  </pc:docChgLst>
-  <pc:docChgLst>
-    <pc:chgData name="Akilah Johnson" userId="S::akjohnso@adobe.com::2fa3aa60-0c9c-4d06-bae2-795983241227" providerId="AD" clId="Web-{0AB2EF93-BE08-D205-D43E-3B568BB37DAA}"/>
-    <pc:docChg chg="modSld">
-      <pc:chgData name="Akilah Johnson" userId="S::akjohnso@adobe.com::2fa3aa60-0c9c-4d06-bae2-795983241227" providerId="AD" clId="Web-{0AB2EF93-BE08-D205-D43E-3B568BB37DAA}" dt="2021-09-22T23:01:45.877" v="13"/>
-      <pc:docMkLst>
-        <pc:docMk/>
-      </pc:docMkLst>
-      <pc:sldChg chg="modSp">
-        <pc:chgData name="Akilah Johnson" userId="S::akjohnso@adobe.com::2fa3aa60-0c9c-4d06-bae2-795983241227" providerId="AD" clId="Web-{0AB2EF93-BE08-D205-D43E-3B568BB37DAA}" dt="2021-09-22T23:01:45.877" v="13"/>
-        <pc:sldMkLst>
-          <pc:docMk/>
-          <pc:sldMk cId="1050037809" sldId="261"/>
-        </pc:sldMkLst>
-        <pc:graphicFrameChg chg="mod modGraphic">
-          <ac:chgData name="Akilah Johnson" userId="S::akjohnso@adobe.com::2fa3aa60-0c9c-4d06-bae2-795983241227" providerId="AD" clId="Web-{0AB2EF93-BE08-D205-D43E-3B568BB37DAA}" dt="2021-09-22T23:01:45.877" v="13"/>
-          <ac:graphicFrameMkLst>
-            <pc:docMk/>
-            <pc:sldMk cId="1050037809" sldId="261"/>
-            <ac:graphicFrameMk id="25" creationId="{3A91F5B0-3974-A14D-A146-FB590F2AAD18}"/>
-          </ac:graphicFrameMkLst>
-        </pc:graphicFrameChg>
-      </pc:sldChg>
-    </pc:docChg>
-  </pc:docChgLst>
-  <pc:docChgLst>
     <pc:chgData name="Andy Witt" userId="S::awitt@adobe.com::e9157bdf-53b2-40e4-9459-936793d75696" providerId="AD" clId="Web-{3F02B349-0406-AE51-D438-E7A0BE890230}"/>
     <pc:docChg chg="modSld">
       <pc:chgData name="Andy Witt" userId="S::awitt@adobe.com::e9157bdf-53b2-40e4-9459-936793d75696" providerId="AD" clId="Web-{3F02B349-0406-AE51-D438-E7A0BE890230}" dt="2021-08-25T18:45:07.550" v="11"/>
@@ -308,61 +264,6 @@
             <pc:docMk/>
             <pc:sldMk cId="1050037809" sldId="261"/>
             <ac:graphicFrameMk id="25" creationId="{3A91F5B0-3974-A14D-A146-FB590F2AAD18}"/>
-          </ac:graphicFrameMkLst>
-        </pc:graphicFrameChg>
-      </pc:sldChg>
-    </pc:docChg>
-  </pc:docChgLst>
-  <pc:docChgLst>
-    <pc:chgData name="Lauren Schutte" userId="6e08b2d3-447a-4d66-86be-444d50df187f" providerId="ADAL" clId="{1A3D389F-0E00-444F-BDF7-5C174E20EEC2}"/>
-    <pc:docChg chg="undo custSel modSld">
-      <pc:chgData name="Lauren Schutte" userId="6e08b2d3-447a-4d66-86be-444d50df187f" providerId="ADAL" clId="{1A3D389F-0E00-444F-BDF7-5C174E20EEC2}" dt="2021-10-13T19:40:59.066" v="67" actId="20577"/>
-      <pc:docMkLst>
-        <pc:docMk/>
-      </pc:docMkLst>
-      <pc:sldChg chg="delSp modSp mod">
-        <pc:chgData name="Lauren Schutte" userId="6e08b2d3-447a-4d66-86be-444d50df187f" providerId="ADAL" clId="{1A3D389F-0E00-444F-BDF7-5C174E20EEC2}" dt="2021-10-13T19:40:25.578" v="61" actId="478"/>
-        <pc:sldMkLst>
-          <pc:docMk/>
-          <pc:sldMk cId="5960377" sldId="259"/>
-        </pc:sldMkLst>
-        <pc:spChg chg="mod">
-          <ac:chgData name="Lauren Schutte" userId="6e08b2d3-447a-4d66-86be-444d50df187f" providerId="ADAL" clId="{1A3D389F-0E00-444F-BDF7-5C174E20EEC2}" dt="2021-10-13T19:33:45.182" v="59" actId="20577"/>
-          <ac:spMkLst>
-            <pc:docMk/>
-            <pc:sldMk cId="5960377" sldId="259"/>
-            <ac:spMk id="127" creationId="{BB896A03-8E7E-344F-BDE1-37C49461FF04}"/>
-          </ac:spMkLst>
-        </pc:spChg>
-        <pc:grpChg chg="del mod">
-          <ac:chgData name="Lauren Schutte" userId="6e08b2d3-447a-4d66-86be-444d50df187f" providerId="ADAL" clId="{1A3D389F-0E00-444F-BDF7-5C174E20EEC2}" dt="2021-10-13T19:40:25.578" v="61" actId="478"/>
-          <ac:grpSpMkLst>
-            <pc:docMk/>
-            <pc:sldMk cId="5960377" sldId="259"/>
-            <ac:grpSpMk id="62" creationId="{C539739D-1D3E-204D-9819-C44D9AE36DE8}"/>
-          </ac:grpSpMkLst>
-        </pc:grpChg>
-      </pc:sldChg>
-      <pc:sldChg chg="modSp mod">
-        <pc:chgData name="Lauren Schutte" userId="6e08b2d3-447a-4d66-86be-444d50df187f" providerId="ADAL" clId="{1A3D389F-0E00-444F-BDF7-5C174E20EEC2}" dt="2021-10-13T19:40:59.066" v="67" actId="20577"/>
-        <pc:sldMkLst>
-          <pc:docMk/>
-          <pc:sldMk cId="2161849182" sldId="267"/>
-        </pc:sldMkLst>
-        <pc:spChg chg="mod">
-          <ac:chgData name="Lauren Schutte" userId="6e08b2d3-447a-4d66-86be-444d50df187f" providerId="ADAL" clId="{1A3D389F-0E00-444F-BDF7-5C174E20EEC2}" dt="2021-10-13T19:40:59.066" v="67" actId="20577"/>
-          <ac:spMkLst>
-            <pc:docMk/>
-            <pc:sldMk cId="2161849182" sldId="267"/>
-            <ac:spMk id="2" creationId="{00000000-0000-0000-0000-000000000000}"/>
-          </ac:spMkLst>
-        </pc:spChg>
-        <pc:graphicFrameChg chg="mod modGraphic">
-          <ac:chgData name="Lauren Schutte" userId="6e08b2d3-447a-4d66-86be-444d50df187f" providerId="ADAL" clId="{1A3D389F-0E00-444F-BDF7-5C174E20EEC2}" dt="2021-10-13T19:33:05.183" v="58"/>
-          <ac:graphicFrameMkLst>
-            <pc:docMk/>
-            <pc:sldMk cId="2161849182" sldId="267"/>
-            <ac:graphicFrameMk id="9" creationId="{00000000-0000-0000-0000-000000000000}"/>
           </ac:graphicFrameMkLst>
         </pc:graphicFrameChg>
       </pc:sldChg>
@@ -393,133 +294,24 @@
     </pc:docChg>
   </pc:docChgLst>
   <pc:docChgLst>
-    <pc:chgData name="Akilah Johnson" userId="S::akjohnso@adobe.com::2fa3aa60-0c9c-4d06-bae2-795983241227" providerId="AD" clId="Web-{19826C17-B3F5-53A1-AAFF-C7771804C7A7}"/>
+    <pc:chgData name="Akilah Johnson" userId="S::akjohnso@adobe.com::2fa3aa60-0c9c-4d06-bae2-795983241227" providerId="AD" clId="Web-{A40C3D7D-993B-38B2-2DDA-C562505A1054}"/>
     <pc:docChg chg="modSld">
-      <pc:chgData name="Akilah Johnson" userId="S::akjohnso@adobe.com::2fa3aa60-0c9c-4d06-bae2-795983241227" providerId="AD" clId="Web-{19826C17-B3F5-53A1-AAFF-C7771804C7A7}" dt="2021-10-13T18:50:21.160" v="67"/>
+      <pc:chgData name="Akilah Johnson" userId="S::akjohnso@adobe.com::2fa3aa60-0c9c-4d06-bae2-795983241227" providerId="AD" clId="Web-{A40C3D7D-993B-38B2-2DDA-C562505A1054}" dt="2021-09-22T23:00:46.860" v="3"/>
       <pc:docMkLst>
         <pc:docMk/>
       </pc:docMkLst>
       <pc:sldChg chg="modSp">
-        <pc:chgData name="Akilah Johnson" userId="S::akjohnso@adobe.com::2fa3aa60-0c9c-4d06-bae2-795983241227" providerId="AD" clId="Web-{19826C17-B3F5-53A1-AAFF-C7771804C7A7}" dt="2021-10-13T18:38:26.810" v="9" actId="20577"/>
-        <pc:sldMkLst>
-          <pc:docMk/>
-          <pc:sldMk cId="5960377" sldId="259"/>
-        </pc:sldMkLst>
-        <pc:spChg chg="mod">
-          <ac:chgData name="Akilah Johnson" userId="S::akjohnso@adobe.com::2fa3aa60-0c9c-4d06-bae2-795983241227" providerId="AD" clId="Web-{19826C17-B3F5-53A1-AAFF-C7771804C7A7}" dt="2021-10-13T18:38:26.810" v="9" actId="20577"/>
-          <ac:spMkLst>
-            <pc:docMk/>
-            <pc:sldMk cId="5960377" sldId="259"/>
-            <ac:spMk id="75" creationId="{4602CC83-B0C7-8445-9007-87E67CDDD9D0}"/>
-          </ac:spMkLst>
-        </pc:spChg>
-        <pc:spChg chg="mod">
-          <ac:chgData name="Akilah Johnson" userId="S::akjohnso@adobe.com::2fa3aa60-0c9c-4d06-bae2-795983241227" providerId="AD" clId="Web-{19826C17-B3F5-53A1-AAFF-C7771804C7A7}" dt="2021-10-13T18:38:17.716" v="5" actId="20577"/>
-          <ac:spMkLst>
-            <pc:docMk/>
-            <pc:sldMk cId="5960377" sldId="259"/>
-            <ac:spMk id="83" creationId="{7A016ADC-2A30-8A4B-BE07-A9AB6C1898A7}"/>
-          </ac:spMkLst>
-        </pc:spChg>
-        <pc:spChg chg="mod">
-          <ac:chgData name="Akilah Johnson" userId="S::akjohnso@adobe.com::2fa3aa60-0c9c-4d06-bae2-795983241227" providerId="AD" clId="Web-{19826C17-B3F5-53A1-AAFF-C7771804C7A7}" dt="2021-10-13T18:38:19.654" v="6" actId="20577"/>
-          <ac:spMkLst>
-            <pc:docMk/>
-            <pc:sldMk cId="5960377" sldId="259"/>
-            <ac:spMk id="87" creationId="{57C0C871-6516-F145-97DA-27A143E6185C}"/>
-          </ac:spMkLst>
-        </pc:spChg>
-        <pc:spChg chg="mod">
-          <ac:chgData name="Akilah Johnson" userId="S::akjohnso@adobe.com::2fa3aa60-0c9c-4d06-bae2-795983241227" providerId="AD" clId="Web-{19826C17-B3F5-53A1-AAFF-C7771804C7A7}" dt="2021-10-13T18:38:14.044" v="4" actId="20577"/>
-          <ac:spMkLst>
-            <pc:docMk/>
-            <pc:sldMk cId="5960377" sldId="259"/>
-            <ac:spMk id="124" creationId="{14AAF776-9013-4C40-92F9-FFFE22C4038F}"/>
-          </ac:spMkLst>
-        </pc:spChg>
-        <pc:spChg chg="mod">
-          <ac:chgData name="Akilah Johnson" userId="S::akjohnso@adobe.com::2fa3aa60-0c9c-4d06-bae2-795983241227" providerId="AD" clId="Web-{19826C17-B3F5-53A1-AAFF-C7771804C7A7}" dt="2021-10-13T18:38:10.013" v="2" actId="20577"/>
-          <ac:spMkLst>
-            <pc:docMk/>
-            <pc:sldMk cId="5960377" sldId="259"/>
-            <ac:spMk id="125" creationId="{AF4EBBF5-5438-A043-B9AA-3822381D52EE}"/>
-          </ac:spMkLst>
-        </pc:spChg>
-        <pc:spChg chg="mod">
-          <ac:chgData name="Akilah Johnson" userId="S::akjohnso@adobe.com::2fa3aa60-0c9c-4d06-bae2-795983241227" providerId="AD" clId="Web-{19826C17-B3F5-53A1-AAFF-C7771804C7A7}" dt="2021-10-13T18:38:12.263" v="3" actId="20577"/>
-          <ac:spMkLst>
-            <pc:docMk/>
-            <pc:sldMk cId="5960377" sldId="259"/>
-            <ac:spMk id="126" creationId="{7F65676D-32E4-7B4B-BB85-4D504B5882BD}"/>
-          </ac:spMkLst>
-        </pc:spChg>
-      </pc:sldChg>
-      <pc:sldChg chg="modSp">
-        <pc:chgData name="Akilah Johnson" userId="S::akjohnso@adobe.com::2fa3aa60-0c9c-4d06-bae2-795983241227" providerId="AD" clId="Web-{19826C17-B3F5-53A1-AAFF-C7771804C7A7}" dt="2021-10-13T18:40:23.717" v="19" actId="20577"/>
+        <pc:chgData name="Akilah Johnson" userId="S::akjohnso@adobe.com::2fa3aa60-0c9c-4d06-bae2-795983241227" providerId="AD" clId="Web-{A40C3D7D-993B-38B2-2DDA-C562505A1054}" dt="2021-09-22T23:00:46.860" v="3"/>
         <pc:sldMkLst>
           <pc:docMk/>
           <pc:sldMk cId="1050037809" sldId="261"/>
         </pc:sldMkLst>
-        <pc:spChg chg="mod">
-          <ac:chgData name="Akilah Johnson" userId="S::akjohnso@adobe.com::2fa3aa60-0c9c-4d06-bae2-795983241227" providerId="AD" clId="Web-{19826C17-B3F5-53A1-AAFF-C7771804C7A7}" dt="2021-10-13T18:40:23.717" v="19" actId="20577"/>
-          <ac:spMkLst>
-            <pc:docMk/>
-            <pc:sldMk cId="1050037809" sldId="261"/>
-            <ac:spMk id="56" creationId="{00000000-0000-0000-0000-000000000000}"/>
-          </ac:spMkLst>
-        </pc:spChg>
         <pc:graphicFrameChg chg="mod modGraphic">
-          <ac:chgData name="Akilah Johnson" userId="S::akjohnso@adobe.com::2fa3aa60-0c9c-4d06-bae2-795983241227" providerId="AD" clId="Web-{19826C17-B3F5-53A1-AAFF-C7771804C7A7}" dt="2021-10-13T18:39:38.154" v="17"/>
+          <ac:chgData name="Akilah Johnson" userId="S::akjohnso@adobe.com::2fa3aa60-0c9c-4d06-bae2-795983241227" providerId="AD" clId="Web-{A40C3D7D-993B-38B2-2DDA-C562505A1054}" dt="2021-09-22T23:00:46.860" v="3"/>
           <ac:graphicFrameMkLst>
             <pc:docMk/>
             <pc:sldMk cId="1050037809" sldId="261"/>
-            <ac:graphicFrameMk id="111" creationId="{D8653CEC-4213-DE40-9BAF-D1E3318FF89C}"/>
-          </ac:graphicFrameMkLst>
-        </pc:graphicFrameChg>
-      </pc:sldChg>
-      <pc:sldChg chg="modSp">
-        <pc:chgData name="Akilah Johnson" userId="S::akjohnso@adobe.com::2fa3aa60-0c9c-4d06-bae2-795983241227" providerId="AD" clId="Web-{19826C17-B3F5-53A1-AAFF-C7771804C7A7}" dt="2021-10-13T18:39:10.373" v="15" actId="20577"/>
-        <pc:sldMkLst>
-          <pc:docMk/>
-          <pc:sldMk cId="717026355" sldId="266"/>
-        </pc:sldMkLst>
-        <pc:spChg chg="mod">
-          <ac:chgData name="Akilah Johnson" userId="S::akjohnso@adobe.com::2fa3aa60-0c9c-4d06-bae2-795983241227" providerId="AD" clId="Web-{19826C17-B3F5-53A1-AAFF-C7771804C7A7}" dt="2021-10-13T18:39:10.373" v="15" actId="20577"/>
-          <ac:spMkLst>
-            <pc:docMk/>
-            <pc:sldMk cId="717026355" sldId="266"/>
-            <ac:spMk id="9" creationId="{00000000-0000-0000-0000-000000000000}"/>
-          </ac:spMkLst>
-        </pc:spChg>
-        <pc:spChg chg="mod">
-          <ac:chgData name="Akilah Johnson" userId="S::akjohnso@adobe.com::2fa3aa60-0c9c-4d06-bae2-795983241227" providerId="AD" clId="Web-{19826C17-B3F5-53A1-AAFF-C7771804C7A7}" dt="2021-10-13T18:38:44.029" v="11" actId="20577"/>
-          <ac:spMkLst>
-            <pc:docMk/>
-            <pc:sldMk cId="717026355" sldId="266"/>
-            <ac:spMk id="82" creationId="{F6061E8D-9723-464D-AA49-7A3A3A02BE92}"/>
-          </ac:spMkLst>
-        </pc:spChg>
-        <pc:spChg chg="mod">
-          <ac:chgData name="Akilah Johnson" userId="S::akjohnso@adobe.com::2fa3aa60-0c9c-4d06-bae2-795983241227" providerId="AD" clId="Web-{19826C17-B3F5-53A1-AAFF-C7771804C7A7}" dt="2021-10-13T18:39:00.638" v="13" actId="20577"/>
-          <ac:spMkLst>
-            <pc:docMk/>
-            <pc:sldMk cId="717026355" sldId="266"/>
-            <ac:spMk id="83" creationId="{BB34E685-A734-974B-A33A-BE51D1A8BC0D}"/>
-          </ac:spMkLst>
-        </pc:spChg>
-      </pc:sldChg>
-      <pc:sldChg chg="modSp">
-        <pc:chgData name="Akilah Johnson" userId="S::akjohnso@adobe.com::2fa3aa60-0c9c-4d06-bae2-795983241227" providerId="AD" clId="Web-{19826C17-B3F5-53A1-AAFF-C7771804C7A7}" dt="2021-10-13T18:50:21.160" v="67"/>
-        <pc:sldMkLst>
-          <pc:docMk/>
-          <pc:sldMk cId="2161849182" sldId="267"/>
-        </pc:sldMkLst>
-        <pc:graphicFrameChg chg="mod modGraphic">
-          <ac:chgData name="Akilah Johnson" userId="S::akjohnso@adobe.com::2fa3aa60-0c9c-4d06-bae2-795983241227" providerId="AD" clId="Web-{19826C17-B3F5-53A1-AAFF-C7771804C7A7}" dt="2021-10-13T18:50:21.160" v="67"/>
-          <ac:graphicFrameMkLst>
-            <pc:docMk/>
-            <pc:sldMk cId="2161849182" sldId="267"/>
-            <ac:graphicFrameMk id="9" creationId="{00000000-0000-0000-0000-000000000000}"/>
+            <ac:graphicFrameMk id="25" creationId="{3A91F5B0-3974-A14D-A146-FB590F2AAD18}"/>
           </ac:graphicFrameMkLst>
         </pc:graphicFrameChg>
       </pc:sldChg>
@@ -529,6 +321,40 @@
 </file>
 
 <file path=ppt/comments/comment1.xml><?xml version="1.0" encoding="utf-8"?>
+<p:cmLst xmlns:a="http://schemas.openxmlformats.org/drawingml/2006/main" xmlns:r="http://schemas.openxmlformats.org/officeDocument/2006/relationships" xmlns:p="http://schemas.openxmlformats.org/presentationml/2006/main">
+  <p:cm authorId="1" dt="2021-08-04T14:42:10.630" idx="4">
+    <p:pos x="-3291" y="2170"/>
+    <p:text/>
+    <p:extLst>
+      <p:ext uri="{C676402C-5697-4E1C-873F-D02D1690AC5C}">
+        <p15:threadingInfo xmlns:p15="http://schemas.microsoft.com/office/powerpoint/2012/main" timeZoneBias="420"/>
+      </p:ext>
+    </p:extLst>
+  </p:cm>
+  <p:cm authorId="1" dt="2021-08-04T14:42:19.668" idx="5">
+    <p:pos x="4567" y="1502"/>
+    <p:text>Can we add a darker blue line under 'Enterprise Support?'</p:text>
+    <p:extLst>
+      <p:ext uri="{C676402C-5697-4E1C-873F-D02D1690AC5C}">
+        <p15:threadingInfo xmlns:p15="http://schemas.microsoft.com/office/powerpoint/2012/main" timeZoneBias="420"/>
+      </p:ext>
+    </p:extLst>
+  </p:cm>
+  <p:cm authorId="1" dt="2021-08-04T15:01:35.985" idx="8">
+    <p:pos x="4567" y="1598"/>
+    <p:text>Hi Ankita, I did my best to keep the formatting you already worked so hard on. I added a few comments on things I'll need your help with . Thank again so much!</p:text>
+    <p:extLst>
+      <p:ext uri="{C676402C-5697-4E1C-873F-D02D1690AC5C}">
+        <p15:threadingInfo xmlns:p15="http://schemas.microsoft.com/office/powerpoint/2012/main" timeZoneBias="420">
+          <p15:parentCm authorId="1" idx="5"/>
+        </p15:threadingInfo>
+      </p:ext>
+    </p:extLst>
+  </p:cm>
+</p:cmLst>
+</file>
+
+<file path=ppt/comments/comment2.xml><?xml version="1.0" encoding="utf-8"?>
 <p:cmLst xmlns:a="http://schemas.openxmlformats.org/drawingml/2006/main" xmlns:r="http://schemas.openxmlformats.org/officeDocument/2006/relationships" xmlns:p="http://schemas.openxmlformats.org/presentationml/2006/main">
   <p:cm authorId="1" dt="2021-08-04T14:53:07.049" idx="6">
     <p:pos x="10" y="10"/>
@@ -624,7 +450,7 @@
           <a:p>
             <a:fld id="{CCB2A597-803A-C244-97E2-A01066125D19}" type="datetimeFigureOut">
               <a:rPr lang="en-US" smtClean="0"/>
-              <a:t>10/13/21</a:t>
+              <a:t>10/1/2021</a:t>
             </a:fld>
             <a:endParaRPr lang="en-US"/>
           </a:p>
@@ -935,7 +761,7 @@
           <a:bodyPr/>
           <a:lstStyle/>
           <a:p>
-            <a:endParaRPr lang="en-US"/>
+            <a:endParaRPr lang="en-US" dirty="0"/>
           </a:p>
         </p:txBody>
       </p:sp>
@@ -1405,7 +1231,7 @@
           <a:p>
             <a:fld id="{1D8BD707-D9CF-40AE-B4C6-C98DA3205C09}" type="datetimeFigureOut">
               <a:rPr lang="en-US"/>
-              <a:t>10/13/21</a:t>
+              <a:t>10/1/2021</a:t>
             </a:fld>
             <a:endParaRPr lang="en-US"/>
           </a:p>
@@ -1645,7 +1471,7 @@
           <a:p>
             <a:fld id="{1D8BD707-D9CF-40AE-B4C6-C98DA3205C09}" type="datetimeFigureOut">
               <a:rPr lang="en-US"/>
-              <a:t>10/13/21</a:t>
+              <a:t>10/1/2021</a:t>
             </a:fld>
             <a:endParaRPr lang="en-US"/>
           </a:p>
@@ -1898,7 +1724,7 @@
           <a:p>
             <a:fld id="{1D8BD707-D9CF-40AE-B4C6-C98DA3205C09}" type="datetimeFigureOut">
               <a:rPr lang="en-US"/>
-              <a:t>10/13/21</a:t>
+              <a:t>10/1/2021</a:t>
             </a:fld>
             <a:endParaRPr lang="en-US"/>
           </a:p>
@@ -2085,7 +1911,7 @@
           <a:p>
             <a:fld id="{1D8BD707-D9CF-40AE-B4C6-C98DA3205C09}" type="datetimeFigureOut">
               <a:rPr lang="en-US"/>
-              <a:t>10/13/21</a:t>
+              <a:t>10/1/2021</a:t>
             </a:fld>
             <a:endParaRPr lang="en-US"/>
           </a:p>
@@ -2243,7 +2069,7 @@
           <a:p>
             <a:fld id="{1D8BD707-D9CF-40AE-B4C6-C98DA3205C09}" type="datetimeFigureOut">
               <a:rPr lang="en-US"/>
-              <a:t>10/13/21</a:t>
+              <a:t>10/1/2021</a:t>
             </a:fld>
             <a:endParaRPr lang="en-US"/>
           </a:p>
@@ -2501,7 +2327,7 @@
           <a:p>
             <a:fld id="{1D8BD707-D9CF-40AE-B4C6-C98DA3205C09}" type="datetimeFigureOut">
               <a:rPr lang="en-US"/>
-              <a:t>10/13/21</a:t>
+              <a:t>10/1/2021</a:t>
             </a:fld>
             <a:endParaRPr lang="en-US"/>
           </a:p>
@@ -2740,43 +2566,25 @@
           </a:prstGeom>
         </p:spPr>
         <p:txBody>
-          <a:bodyPr vert="horz" wrap="square" lIns="0" tIns="12700" rIns="0" bIns="0" rtlCol="0" anchor="t">
+          <a:bodyPr vert="horz" wrap="square" lIns="0" tIns="12700" rIns="0" bIns="0" rtlCol="0">
             <a:spAutoFit/>
           </a:bodyPr>
           <a:lstStyle/>
           <a:p>
             <a:pPr marL="12700">
+              <a:lnSpc>
+                <a:spcPct val="100000"/>
+              </a:lnSpc>
               <a:spcBef>
                 <a:spcPts val="100"/>
               </a:spcBef>
             </a:pPr>
             <a:r>
-              <a:rPr sz="2300" dirty="0">
-                <a:latin typeface="Adobe Clean"/>
+              <a:rPr lang="de-DE" sz="2300">
+                <a:latin typeface="Adobe Clean" panose="020B0503020404020204" pitchFamily="34" charset="0"/>
               </a:rPr>
-              <a:t>ADOBE</a:t>
-            </a:r>
-            <a:r>
-              <a:rPr lang="en-US" sz="2300" dirty="0">
-                <a:latin typeface="Adobe Clean"/>
-              </a:rPr>
-              <a:t> </a:t>
-            </a:r>
-            <a:r>
-              <a:rPr sz="2300" dirty="0">
-                <a:latin typeface="Adobe Clean"/>
-              </a:rPr>
-              <a:t>SUPPORT</a:t>
-            </a:r>
-            <a:r>
-              <a:rPr lang="en-US" sz="2300" dirty="0">
-                <a:latin typeface="Adobe Clean"/>
-              </a:rPr>
-              <a:t> PLANS</a:t>
-            </a:r>
-            <a:endParaRPr sz="2300" dirty="0">
-              <a:latin typeface="Adobe Clean" panose="020B0503020404020204" pitchFamily="34" charset="0"/>
-            </a:endParaRPr>
+              <a:t>SUPPORT-ANGEBOT VON ADOBE</a:t>
+            </a:r>
           </a:p>
         </p:txBody>
       </p:sp>
@@ -2810,7 +2618,7 @@
               </a:spcBef>
             </a:pPr>
             <a:r>
-              <a:rPr sz="1400" b="1" u="sng" spc="15">
+              <a:rPr lang="de-DE" sz="1400" b="1" u="sng">
                 <a:solidFill>
                   <a:srgbClr val="020302"/>
                 </a:solidFill>
@@ -2822,477 +2630,8 @@
                 <a:latin typeface="Adobe Clean"/>
                 <a:cs typeface="Adobe Clean"/>
               </a:rPr>
-              <a:t>S</a:t>
-            </a:r>
-            <a:r>
-              <a:rPr sz="1400" b="1" u="sng" spc="5">
-                <a:solidFill>
-                  <a:srgbClr val="020302"/>
-                </a:solidFill>
-                <a:uFill>
-                  <a:solidFill>
-                    <a:srgbClr val="020302"/>
-                  </a:solidFill>
-                </a:uFill>
-                <a:latin typeface="Adobe Clean"/>
-                <a:cs typeface="Adobe Clean"/>
-              </a:rPr>
-              <a:t>er</a:t>
-            </a:r>
-            <a:r>
-              <a:rPr sz="1400" b="1" u="sng" spc="10">
-                <a:solidFill>
-                  <a:srgbClr val="020302"/>
-                </a:solidFill>
-                <a:uFill>
-                  <a:solidFill>
-                    <a:srgbClr val="020302"/>
-                  </a:solidFill>
-                </a:uFill>
-                <a:latin typeface="Adobe Clean"/>
-                <a:cs typeface="Adobe Clean"/>
-              </a:rPr>
-              <a:t>vi</a:t>
-            </a:r>
-            <a:r>
-              <a:rPr sz="1400" b="1" u="sng" spc="5">
-                <a:solidFill>
-                  <a:srgbClr val="020302"/>
-                </a:solidFill>
-                <a:uFill>
-                  <a:solidFill>
-                    <a:srgbClr val="020302"/>
-                  </a:solidFill>
-                </a:uFill>
-                <a:latin typeface="Adobe Clean"/>
-                <a:cs typeface="Adobe Clean"/>
-              </a:rPr>
-              <a:t>c</a:t>
-            </a:r>
-            <a:r>
-              <a:rPr sz="1400" b="1" u="sng">
-                <a:solidFill>
-                  <a:srgbClr val="020302"/>
-                </a:solidFill>
-                <a:uFill>
-                  <a:solidFill>
-                    <a:srgbClr val="020302"/>
-                  </a:solidFill>
-                </a:uFill>
-                <a:latin typeface="Adobe Clean"/>
-                <a:cs typeface="Adobe Clean"/>
-              </a:rPr>
-              <a:t>e</a:t>
-            </a:r>
-            <a:r>
-              <a:rPr sz="1400" b="1" u="sng" spc="20">
-                <a:solidFill>
-                  <a:srgbClr val="020302"/>
-                </a:solidFill>
-                <a:uFill>
-                  <a:solidFill>
-                    <a:srgbClr val="020302"/>
-                  </a:solidFill>
-                </a:uFill>
-                <a:latin typeface="Adobe Clean"/>
-                <a:cs typeface="Adobe Clean"/>
-              </a:rPr>
-              <a:t> </a:t>
-            </a:r>
-            <a:r>
-              <a:rPr sz="1400" b="1" u="sng" spc="-15">
-                <a:solidFill>
-                  <a:srgbClr val="020302"/>
-                </a:solidFill>
-                <a:uFill>
-                  <a:solidFill>
-                    <a:srgbClr val="020302"/>
-                  </a:solidFill>
-                </a:uFill>
-                <a:latin typeface="Adobe Clean"/>
-                <a:cs typeface="Adobe Clean"/>
-              </a:rPr>
-              <a:t>Le</a:t>
-            </a:r>
-            <a:r>
-              <a:rPr sz="1400" b="1" u="sng" spc="-10">
-                <a:solidFill>
-                  <a:srgbClr val="020302"/>
-                </a:solidFill>
-                <a:uFill>
-                  <a:solidFill>
-                    <a:srgbClr val="020302"/>
-                  </a:solidFill>
-                </a:uFill>
-                <a:latin typeface="Adobe Clean"/>
-                <a:cs typeface="Adobe Clean"/>
-              </a:rPr>
-              <a:t>v</a:t>
-            </a:r>
-            <a:r>
-              <a:rPr sz="1400" b="1" u="sng" spc="-15">
-                <a:solidFill>
-                  <a:srgbClr val="020302"/>
-                </a:solidFill>
-                <a:uFill>
-                  <a:solidFill>
-                    <a:srgbClr val="020302"/>
-                  </a:solidFill>
-                </a:uFill>
-                <a:latin typeface="Adobe Clean"/>
-                <a:cs typeface="Adobe Clean"/>
-              </a:rPr>
-              <a:t>e</a:t>
-            </a:r>
-            <a:r>
-              <a:rPr sz="1400" b="1" u="sng">
-                <a:solidFill>
-                  <a:srgbClr val="020302"/>
-                </a:solidFill>
-                <a:uFill>
-                  <a:solidFill>
-                    <a:srgbClr val="020302"/>
-                  </a:solidFill>
-                </a:uFill>
-                <a:latin typeface="Adobe Clean"/>
-                <a:cs typeface="Adobe Clean"/>
-              </a:rPr>
-              <a:t>l</a:t>
-            </a:r>
-            <a:r>
-              <a:rPr sz="1400" b="1" u="sng" spc="-15">
-                <a:solidFill>
-                  <a:srgbClr val="020302"/>
-                </a:solidFill>
-                <a:uFill>
-                  <a:solidFill>
-                    <a:srgbClr val="020302"/>
-                  </a:solidFill>
-                </a:uFill>
-                <a:latin typeface="Adobe Clean"/>
-                <a:cs typeface="Adobe Clean"/>
-              </a:rPr>
-              <a:t> </a:t>
-            </a:r>
-            <a:r>
-              <a:rPr sz="1400" b="1" u="sng" spc="-55">
-                <a:solidFill>
-                  <a:srgbClr val="020302"/>
-                </a:solidFill>
-                <a:uFill>
-                  <a:solidFill>
-                    <a:srgbClr val="020302"/>
-                  </a:solidFill>
-                </a:uFill>
-                <a:latin typeface="Adobe Clean"/>
-                <a:cs typeface="Adobe Clean"/>
-              </a:rPr>
-              <a:t>T</a:t>
-            </a:r>
-            <a:r>
-              <a:rPr sz="1400" b="1" u="sng" spc="-40">
-                <a:solidFill>
-                  <a:srgbClr val="020302"/>
-                </a:solidFill>
-                <a:uFill>
-                  <a:solidFill>
-                    <a:srgbClr val="020302"/>
-                  </a:solidFill>
-                </a:uFill>
-                <a:latin typeface="Adobe Clean"/>
-                <a:cs typeface="Adobe Clean"/>
-              </a:rPr>
-              <a:t>a</a:t>
-            </a:r>
-            <a:r>
-              <a:rPr sz="1400" b="1" u="sng" spc="-45">
-                <a:solidFill>
-                  <a:srgbClr val="020302"/>
-                </a:solidFill>
-                <a:uFill>
-                  <a:solidFill>
-                    <a:srgbClr val="020302"/>
-                  </a:solidFill>
-                </a:uFill>
-                <a:latin typeface="Adobe Clean"/>
-                <a:cs typeface="Adobe Clean"/>
-              </a:rPr>
-              <a:t>r</a:t>
-            </a:r>
-            <a:r>
-              <a:rPr sz="1400" b="1" u="sng" spc="-40">
-                <a:solidFill>
-                  <a:srgbClr val="020302"/>
-                </a:solidFill>
-                <a:uFill>
-                  <a:solidFill>
-                    <a:srgbClr val="020302"/>
-                  </a:solidFill>
-                </a:uFill>
-                <a:latin typeface="Adobe Clean"/>
-                <a:cs typeface="Adobe Clean"/>
-              </a:rPr>
-              <a:t>g</a:t>
-            </a:r>
-            <a:r>
-              <a:rPr sz="1400" b="1" u="sng" spc="-50">
-                <a:solidFill>
-                  <a:srgbClr val="020302"/>
-                </a:solidFill>
-                <a:uFill>
-                  <a:solidFill>
-                    <a:srgbClr val="020302"/>
-                  </a:solidFill>
-                </a:uFill>
-                <a:latin typeface="Adobe Clean"/>
-                <a:cs typeface="Adobe Clean"/>
-              </a:rPr>
-              <a:t>et</a:t>
-            </a:r>
-            <a:r>
-              <a:rPr sz="1400" b="1" u="sng" spc="-45">
-                <a:solidFill>
-                  <a:srgbClr val="020302"/>
-                </a:solidFill>
-                <a:uFill>
-                  <a:solidFill>
-                    <a:srgbClr val="020302"/>
-                  </a:solidFill>
-                </a:uFill>
-                <a:latin typeface="Adobe Clean"/>
-                <a:cs typeface="Adobe Clean"/>
-              </a:rPr>
-              <a:t>s</a:t>
-            </a:r>
-            <a:r>
-              <a:rPr sz="1400" b="1" u="sng">
-                <a:solidFill>
-                  <a:srgbClr val="020302"/>
-                </a:solidFill>
-                <a:uFill>
-                  <a:solidFill>
-                    <a:srgbClr val="020302"/>
-                  </a:solidFill>
-                </a:uFill>
-                <a:latin typeface="Adobe Clean"/>
-                <a:cs typeface="Adobe Clean"/>
-              </a:rPr>
-              <a:t>:</a:t>
-            </a:r>
-            <a:r>
-              <a:rPr sz="1400" b="1" u="sng" spc="-85">
-                <a:solidFill>
-                  <a:srgbClr val="020302"/>
-                </a:solidFill>
-                <a:uFill>
-                  <a:solidFill>
-                    <a:srgbClr val="020302"/>
-                  </a:solidFill>
-                </a:uFill>
-                <a:latin typeface="Adobe Clean"/>
-                <a:cs typeface="Adobe Clean"/>
-              </a:rPr>
-              <a:t> </a:t>
-            </a:r>
-            <a:r>
-              <a:rPr sz="1400" b="1" u="sng" spc="-15">
-                <a:solidFill>
-                  <a:srgbClr val="020302"/>
-                </a:solidFill>
-                <a:uFill>
-                  <a:solidFill>
-                    <a:srgbClr val="020302"/>
-                  </a:solidFill>
-                </a:uFill>
-                <a:latin typeface="Adobe Clean"/>
-                <a:cs typeface="Adobe Clean"/>
-              </a:rPr>
-              <a:t>I</a:t>
-            </a:r>
-            <a:r>
-              <a:rPr sz="1400" b="1" u="sng" spc="-10">
-                <a:solidFill>
-                  <a:srgbClr val="020302"/>
-                </a:solidFill>
-                <a:uFill>
-                  <a:solidFill>
-                    <a:srgbClr val="020302"/>
-                  </a:solidFill>
-                </a:uFill>
-                <a:latin typeface="Adobe Clean"/>
-                <a:cs typeface="Adobe Clean"/>
-              </a:rPr>
-              <a:t>ni</a:t>
-            </a:r>
-            <a:r>
-              <a:rPr sz="1400" b="1" u="sng" spc="-15">
-                <a:solidFill>
-                  <a:srgbClr val="020302"/>
-                </a:solidFill>
-                <a:uFill>
-                  <a:solidFill>
-                    <a:srgbClr val="020302"/>
-                  </a:solidFill>
-                </a:uFill>
-                <a:latin typeface="Adobe Clean"/>
-                <a:cs typeface="Adobe Clean"/>
-              </a:rPr>
-              <a:t>t</a:t>
-            </a:r>
-            <a:r>
-              <a:rPr sz="1400" b="1" u="sng" spc="-10">
-                <a:solidFill>
-                  <a:srgbClr val="020302"/>
-                </a:solidFill>
-                <a:uFill>
-                  <a:solidFill>
-                    <a:srgbClr val="020302"/>
-                  </a:solidFill>
-                </a:uFill>
-                <a:latin typeface="Adobe Clean"/>
-                <a:cs typeface="Adobe Clean"/>
-              </a:rPr>
-              <a:t>i</a:t>
-            </a:r>
-            <a:r>
-              <a:rPr sz="1400" b="1" u="sng" spc="-5">
-                <a:solidFill>
-                  <a:srgbClr val="020302"/>
-                </a:solidFill>
-                <a:uFill>
-                  <a:solidFill>
-                    <a:srgbClr val="020302"/>
-                  </a:solidFill>
-                </a:uFill>
-                <a:latin typeface="Adobe Clean"/>
-                <a:cs typeface="Adobe Clean"/>
-              </a:rPr>
-              <a:t>a</a:t>
-            </a:r>
-            <a:r>
-              <a:rPr sz="1400" b="1" u="sng">
-                <a:solidFill>
-                  <a:srgbClr val="020302"/>
-                </a:solidFill>
-                <a:uFill>
-                  <a:solidFill>
-                    <a:srgbClr val="020302"/>
-                  </a:solidFill>
-                </a:uFill>
-                <a:latin typeface="Adobe Clean"/>
-                <a:cs typeface="Adobe Clean"/>
-              </a:rPr>
-              <a:t>l</a:t>
-            </a:r>
-            <a:r>
-              <a:rPr sz="1400" b="1" u="sng" spc="-145">
-                <a:solidFill>
-                  <a:srgbClr val="020302"/>
-                </a:solidFill>
-                <a:uFill>
-                  <a:solidFill>
-                    <a:srgbClr val="020302"/>
-                  </a:solidFill>
-                </a:uFill>
-                <a:latin typeface="Adobe Clean"/>
-                <a:cs typeface="Adobe Clean"/>
-              </a:rPr>
-              <a:t> </a:t>
-            </a:r>
-            <a:r>
-              <a:rPr sz="1400" b="1" u="sng" spc="-15">
-                <a:solidFill>
-                  <a:srgbClr val="020302"/>
-                </a:solidFill>
-                <a:uFill>
-                  <a:solidFill>
-                    <a:srgbClr val="020302"/>
-                  </a:solidFill>
-                </a:uFill>
-                <a:latin typeface="Adobe Clean"/>
-                <a:cs typeface="Adobe Clean"/>
-              </a:rPr>
-              <a:t>R</a:t>
-            </a:r>
-            <a:r>
-              <a:rPr sz="1400" b="1" u="sng" spc="-20">
-                <a:solidFill>
-                  <a:srgbClr val="020302"/>
-                </a:solidFill>
-                <a:uFill>
-                  <a:solidFill>
-                    <a:srgbClr val="020302"/>
-                  </a:solidFill>
-                </a:uFill>
-                <a:latin typeface="Adobe Clean"/>
-                <a:cs typeface="Adobe Clean"/>
-              </a:rPr>
-              <a:t>e</a:t>
-            </a:r>
-            <a:r>
-              <a:rPr sz="1400" b="1" u="sng" spc="-15">
-                <a:solidFill>
-                  <a:srgbClr val="020302"/>
-                </a:solidFill>
-                <a:uFill>
-                  <a:solidFill>
-                    <a:srgbClr val="020302"/>
-                  </a:solidFill>
-                </a:uFill>
-                <a:latin typeface="Adobe Clean"/>
-                <a:cs typeface="Adobe Clean"/>
-              </a:rPr>
-              <a:t>s</a:t>
-            </a:r>
-            <a:r>
-              <a:rPr sz="1400" b="1" u="sng" spc="-20">
-                <a:solidFill>
-                  <a:srgbClr val="020302"/>
-                </a:solidFill>
-                <a:uFill>
-                  <a:solidFill>
-                    <a:srgbClr val="020302"/>
-                  </a:solidFill>
-                </a:uFill>
-                <a:latin typeface="Adobe Clean"/>
-                <a:cs typeface="Adobe Clean"/>
-              </a:rPr>
-              <a:t>p</a:t>
-            </a:r>
-            <a:r>
-              <a:rPr sz="1400" b="1" u="sng" spc="-15">
-                <a:solidFill>
-                  <a:srgbClr val="020302"/>
-                </a:solidFill>
-                <a:uFill>
-                  <a:solidFill>
-                    <a:srgbClr val="020302"/>
-                  </a:solidFill>
-                </a:uFill>
-                <a:latin typeface="Adobe Clean"/>
-                <a:cs typeface="Adobe Clean"/>
-              </a:rPr>
-              <a:t>ons</a:t>
-            </a:r>
-            <a:r>
-              <a:rPr sz="1400" b="1" u="sng">
-                <a:solidFill>
-                  <a:srgbClr val="020302"/>
-                </a:solidFill>
-                <a:uFill>
-                  <a:solidFill>
-                    <a:srgbClr val="020302"/>
-                  </a:solidFill>
-                </a:uFill>
-                <a:latin typeface="Adobe Clean"/>
-                <a:cs typeface="Adobe Clean"/>
-              </a:rPr>
-              <a:t>e</a:t>
-            </a:r>
-            <a:endParaRPr sz="1400" u="sng">
-              <a:latin typeface="Adobe Clean"/>
-              <a:cs typeface="Adobe Clean"/>
-            </a:endParaRPr>
+              <a:t>Service-Level-Ziele: Erste Reaktion</a:t>
+            </a:r>
           </a:p>
         </p:txBody>
       </p:sp>
@@ -3305,14 +2644,14 @@
           <p:nvPr>
             <p:extLst>
               <p:ext uri="{D42A27DB-BD31-4B8C-83A1-F6EECF244321}">
-                <p14:modId xmlns:p14="http://schemas.microsoft.com/office/powerpoint/2010/main" val="3450047932"/>
+                <p14:modId xmlns:p14="http://schemas.microsoft.com/office/powerpoint/2010/main" val="2574968595"/>
               </p:ext>
             </p:extLst>
           </p:nvPr>
         </p:nvGraphicFramePr>
         <p:xfrm>
           <a:off x="146919" y="7473158"/>
-          <a:ext cx="7477080" cy="2190409"/>
+          <a:ext cx="7477080" cy="2403645"/>
         </p:xfrm>
         <a:graphic>
           <a:graphicData uri="http://schemas.openxmlformats.org/drawingml/2006/table">
@@ -3358,19 +2697,15 @@
                         </a:spcBef>
                       </a:pPr>
                       <a:r>
-                        <a:rPr sz="900" spc="-20" dirty="0">
+                        <a:rPr lang="de-DE" sz="900">
                           <a:solidFill>
                             <a:srgbClr val="020302"/>
                           </a:solidFill>
                           <a:latin typeface="Adobe Clean"/>
                           <a:cs typeface="Adobe Clean"/>
                         </a:rPr>
-                        <a:t>Priority</a:t>
+                        <a:t>Priorität</a:t>
                       </a:r>
-                      <a:endParaRPr sz="900" dirty="0">
-                        <a:latin typeface="Adobe Clean"/>
-                        <a:cs typeface="Adobe Clean"/>
-                      </a:endParaRPr>
                     </a:p>
                   </a:txBody>
                   <a:tcPr marL="0" marR="0" marT="6985" marB="0" anchor="ctr">
@@ -3417,7 +2752,7 @@
                         </a:spcBef>
                       </a:pPr>
                       <a:r>
-                        <a:rPr sz="900" spc="0" dirty="0">
+                        <a:rPr lang="de-DE" sz="900">
                           <a:solidFill>
                             <a:srgbClr val="020302"/>
                           </a:solidFill>
@@ -3426,13 +2761,9 @@
                         </a:rPr>
                         <a:t>Online Support</a:t>
                       </a:r>
-                      <a:endParaRPr sz="900" spc="0" dirty="0">
-                        <a:latin typeface="Adobe Clean"/>
-                        <a:cs typeface="Adobe Clean"/>
-                      </a:endParaRPr>
                     </a:p>
                   </a:txBody>
-                  <a:tcPr marL="0" marR="0" marT="0" marB="0" anchor="ctr">
+                  <a:tcPr marL="0" marR="0" marT="6985" marB="0" anchor="ctr">
                     <a:lnL w="6350">
                       <a:solidFill>
                         <a:srgbClr val="B7B8B8"/>
@@ -3451,14 +2782,11 @@
                       </a:solidFill>
                       <a:prstDash val="solid"/>
                     </a:lnT>
-                    <a:lnB w="76200" cap="flat" cmpd="sng" algn="ctr">
+                    <a:lnB w="76200">
                       <a:solidFill>
                         <a:srgbClr val="B3B3B3"/>
                       </a:solidFill>
                       <a:prstDash val="solid"/>
-                      <a:round/>
-                      <a:headEnd type="none" w="med" len="med"/>
-                      <a:tailEnd type="none" w="med" len="med"/>
                     </a:lnB>
                     <a:solidFill>
                       <a:srgbClr val="D9D9D9"/>
@@ -3479,7 +2807,7 @@
                         </a:spcBef>
                       </a:pPr>
                       <a:r>
-                        <a:rPr sz="900" spc="0" dirty="0">
+                        <a:rPr lang="de-DE" sz="900">
                           <a:solidFill>
                             <a:srgbClr val="FFFFFF"/>
                           </a:solidFill>
@@ -3488,13 +2816,9 @@
                         </a:rPr>
                         <a:t>Enterprise Support</a:t>
                       </a:r>
-                      <a:endParaRPr sz="900" spc="0" dirty="0">
-                        <a:latin typeface="Adobe Clean"/>
-                        <a:cs typeface="Adobe Clean"/>
-                      </a:endParaRPr>
                     </a:p>
                   </a:txBody>
-                  <a:tcPr marL="0" marR="0" marT="0" marB="0" anchor="ctr">
+                  <a:tcPr marL="0" marR="0" marT="10160" marB="0" anchor="ctr">
                     <a:lnL w="6350">
                       <a:solidFill>
                         <a:srgbClr val="B7B8B8"/>
@@ -3551,112 +2875,18 @@
                         </a:spcBef>
                       </a:pPr>
                       <a:r>
-                        <a:rPr sz="900" b="1" spc="-15" dirty="0">
+                        <a:rPr lang="de-DE" sz="900" b="1" dirty="0">
                           <a:solidFill>
                             <a:srgbClr val="020302"/>
                           </a:solidFill>
                           <a:latin typeface="Adobe Clean"/>
                           <a:cs typeface="Adobe Clean"/>
                         </a:rPr>
-                        <a:t>P</a:t>
+                        <a:t>PRIORITÄT 1</a:t>
                       </a:r>
-                      <a:r>
-                        <a:rPr sz="900" b="1" spc="-20" dirty="0">
-                          <a:solidFill>
-                            <a:srgbClr val="020302"/>
-                          </a:solidFill>
-                          <a:latin typeface="Adobe Clean"/>
-                          <a:cs typeface="Adobe Clean"/>
-                        </a:rPr>
-                        <a:t>R</a:t>
-                      </a:r>
-                      <a:r>
-                        <a:rPr sz="900" b="1" spc="-25" dirty="0">
-                          <a:solidFill>
-                            <a:srgbClr val="020302"/>
-                          </a:solidFill>
-                          <a:latin typeface="Adobe Clean"/>
-                          <a:cs typeface="Adobe Clean"/>
-                        </a:rPr>
-                        <a:t>I</a:t>
-                      </a:r>
-                      <a:r>
-                        <a:rPr sz="900" b="1" spc="-15" dirty="0">
-                          <a:solidFill>
-                            <a:srgbClr val="020302"/>
-                          </a:solidFill>
-                          <a:latin typeface="Adobe Clean"/>
-                          <a:cs typeface="Adobe Clean"/>
-                        </a:rPr>
-                        <a:t>O</a:t>
-                      </a:r>
-                      <a:r>
-                        <a:rPr sz="900" b="1" spc="-20" dirty="0">
-                          <a:solidFill>
-                            <a:srgbClr val="020302"/>
-                          </a:solidFill>
-                          <a:latin typeface="Adobe Clean"/>
-                          <a:cs typeface="Adobe Clean"/>
-                        </a:rPr>
-                        <a:t>R</a:t>
-                      </a:r>
-                      <a:r>
-                        <a:rPr sz="900" b="1" spc="-25" dirty="0">
-                          <a:solidFill>
-                            <a:srgbClr val="020302"/>
-                          </a:solidFill>
-                          <a:latin typeface="Adobe Clean"/>
-                          <a:cs typeface="Adobe Clean"/>
-                        </a:rPr>
-                        <a:t>I</a:t>
-                      </a:r>
-                      <a:r>
-                        <a:rPr sz="900" b="1" spc="-15" dirty="0">
-                          <a:solidFill>
-                            <a:srgbClr val="020302"/>
-                          </a:solidFill>
-                          <a:latin typeface="Adobe Clean"/>
-                          <a:cs typeface="Adobe Clean"/>
-                        </a:rPr>
-                        <a:t>T</a:t>
-                      </a:r>
-                      <a:r>
-                        <a:rPr sz="900" b="1" dirty="0">
-                          <a:solidFill>
-                            <a:srgbClr val="020302"/>
-                          </a:solidFill>
-                          <a:latin typeface="Adobe Clean"/>
-                          <a:cs typeface="Adobe Clean"/>
-                        </a:rPr>
-                        <a:t>Y</a:t>
-                      </a:r>
-                      <a:r>
-                        <a:rPr sz="900" b="1" spc="-40" dirty="0">
-                          <a:solidFill>
-                            <a:srgbClr val="020302"/>
-                          </a:solidFill>
-                          <a:latin typeface="Adobe Clean"/>
-                          <a:cs typeface="Adobe Clean"/>
-                        </a:rPr>
-                        <a:t> </a:t>
-                      </a:r>
-                      <a:r>
-                        <a:rPr sz="900" b="1" dirty="0">
-                          <a:solidFill>
-                            <a:srgbClr val="020302"/>
-                          </a:solidFill>
-                          <a:latin typeface="Adobe Clean"/>
-                          <a:cs typeface="Adobe Clean"/>
-                        </a:rPr>
-                        <a:t>1</a:t>
-                      </a:r>
-                      <a:endParaRPr sz="900" dirty="0">
-                        <a:latin typeface="Adobe Clean"/>
-                        <a:cs typeface="Adobe Clean"/>
-                      </a:endParaRPr>
                     </a:p>
                     <a:p>
-                      <a:pPr marL="50800" marR="387985" lvl="0" indent="0" eaLnBrk="1" fontAlgn="auto" latinLnBrk="0" hangingPunct="1">
+                      <a:pPr marL="50800" marR="387985" lvl="0" indent="0" defTabSz="914400" eaLnBrk="1" fontAlgn="auto" latinLnBrk="0" hangingPunct="1">
                         <a:lnSpc>
                           <a:spcPts val="1000"/>
                         </a:lnSpc>
@@ -3670,33 +2900,52 @@
                         <a:buSzTx/>
                         <a:buFontTx/>
                         <a:buNone/>
+                        <a:tabLst/>
+                        <a:defRPr/>
                       </a:pPr>
                       <a:r>
-                        <a:rPr lang="en-US" sz="900" b="0" i="0" spc="-130" dirty="0">
+                        <a:rPr lang="de-DE" sz="900" b="0" i="0" dirty="0">
                           <a:solidFill>
                             <a:srgbClr val="020302"/>
                           </a:solidFill>
-                          <a:latin typeface="Adobe Clean Light"/>
-                          <a:cs typeface="+mn-cs"/>
+                          <a:latin typeface="Adobe Clean Light" panose="020B0303020404020204" pitchFamily="34" charset="0"/>
+                          <a:ea typeface="+mn-ea"/>
+                          <a:cs typeface="Adobe Clean"/>
                         </a:rPr>
-                        <a:t> </a:t>
+                        <a:t> </a:t>
                       </a:r>
                       <a:r>
-                        <a:rPr lang="en-US" sz="900" b="0" i="0" u="none" strike="noStrike" dirty="0">
+                        <a:rPr lang="de-DE" sz="900" b="0" i="0" u="none" strike="noStrike" dirty="0">
                           <a:solidFill>
                             <a:schemeClr val="tx1"/>
                           </a:solidFill>
-                          <a:effectLst/>
-                          <a:latin typeface="Adobe Clean Light"/>
+                          <a:latin typeface="Adobe Clean Light" panose="020B0303020404020204" pitchFamily="34" charset="0"/>
                           <a:ea typeface="+mn-ea"/>
                           <a:cs typeface="+mn-cs"/>
                         </a:rPr>
-                        <a:t>Customer's production business functions are down or has significant data loss or degradation of services and immediate attention is required to restore functionality and usability</a:t>
+                        <a:t>Die Produktionsfunktionen im Unternehmen des Kunden sind ausgefallen oder weisen </a:t>
                       </a:r>
-                      <a:endParaRPr lang="en-US" sz="900" b="0" i="0" dirty="0">
-                        <a:latin typeface="Adobe Clean Light"/>
-                        <a:cs typeface="AdobeClean-Light"/>
-                      </a:endParaRPr>
+                      <a:br>
+                        <a:rPr lang="sk-SK" sz="900" b="0" i="0" u="none" strike="noStrike" dirty="0">
+                          <a:solidFill>
+                            <a:schemeClr val="tx1"/>
+                          </a:solidFill>
+                          <a:latin typeface="Adobe Clean Light" panose="020B0303020404020204" pitchFamily="34" charset="0"/>
+                          <a:ea typeface="+mn-ea"/>
+                          <a:cs typeface="+mn-cs"/>
+                        </a:rPr>
+                      </a:br>
+                      <a:r>
+                        <a:rPr lang="de-DE" sz="900" b="0" i="0" u="none" strike="noStrike" dirty="0">
+                          <a:solidFill>
+                            <a:schemeClr val="tx1"/>
+                          </a:solidFill>
+                          <a:latin typeface="Adobe Clean Light" panose="020B0303020404020204" pitchFamily="34" charset="0"/>
+                          <a:ea typeface="+mn-ea"/>
+                          <a:cs typeface="+mn-cs"/>
+                        </a:rPr>
+                        <a:t>einen erheblichen Datenverlust oder eine Beeinträchtigung des Service auf und ein sofortiges Eingreifen ist nötig, um Funktionalität und Nutzbarkeit wiederherzustellen</a:t>
+                      </a:r>
                     </a:p>
                   </a:txBody>
                   <a:tcPr marL="0" marR="0" marT="0" marB="0" anchor="ctr">
@@ -3706,14 +2955,11 @@
                       </a:solidFill>
                       <a:prstDash val="solid"/>
                     </a:lnL>
-                    <a:lnR w="6350" cap="flat" cmpd="sng" algn="ctr">
+                    <a:lnR w="6350">
                       <a:solidFill>
                         <a:srgbClr val="B7B8B8"/>
                       </a:solidFill>
                       <a:prstDash val="solid"/>
-                      <a:round/>
-                      <a:headEnd type="none" w="med" len="med"/>
-                      <a:tailEnd type="none" w="med" len="med"/>
                     </a:lnR>
                     <a:lnT w="6350">
                       <a:solidFill>
@@ -3734,34 +2980,35 @@
                     <a:bodyPr/>
                     <a:lstStyle/>
                     <a:p>
-                      <a:pPr algn="ctr" fontAlgn="ctr"/>
+                      <a:pPr marL="542925" marR="492125" indent="-142875" algn="l">
+                        <a:lnSpc>
+                          <a:spcPct val="102200"/>
+                        </a:lnSpc>
+                      </a:pPr>
                       <a:r>
-                        <a:rPr lang="en-US" sz="900" b="0" i="0" u="none" strike="noStrike" dirty="0">
+                        <a:rPr lang="de-DE" sz="900" dirty="0">
                           <a:solidFill>
                             <a:srgbClr val="020302"/>
                           </a:solidFill>
-                          <a:effectLst/>
-                          <a:latin typeface="AdobeClean-Light" panose="020B0503020404020204" pitchFamily="34" charset="0"/>
+                          <a:latin typeface="AdobeClean-Light"/>
+                          <a:cs typeface="AdobeClean-Light"/>
                         </a:rPr>
-                        <a:t>24x7 /  1 hour</a:t>
+                        <a:t>24x7/1 Stunde</a:t>
                       </a:r>
                     </a:p>
                   </a:txBody>
-                  <a:tcPr marL="9525" marR="9525" marT="9525" marB="0" anchor="ctr">
+                  <a:tcPr marL="0" marR="0" marT="0" marB="0" anchor="ctr">
                     <a:lnL w="6350">
                       <a:solidFill>
                         <a:srgbClr val="B7B8B8"/>
                       </a:solidFill>
                       <a:prstDash val="solid"/>
                     </a:lnL>
-                    <a:lnR w="6350" cap="flat" cmpd="sng" algn="ctr">
+                    <a:lnR w="6350">
                       <a:solidFill>
                         <a:srgbClr val="B7B8B8"/>
                       </a:solidFill>
                       <a:prstDash val="solid"/>
-                      <a:round/>
-                      <a:headEnd type="none" w="med" len="med"/>
-                      <a:tailEnd type="none" w="med" len="med"/>
                     </a:lnR>
                     <a:lnT w="76200">
                       <a:solidFill>
@@ -3782,28 +3029,51 @@
                     <a:bodyPr/>
                     <a:lstStyle/>
                     <a:p>
-                      <a:pPr algn="ctr" fontAlgn="ctr"/>
+                      <a:pPr marL="285750" marR="476250" indent="114300" algn="ctr" defTabSz="1085850">
+                        <a:lnSpc>
+                          <a:spcPct val="100000"/>
+                        </a:lnSpc>
+                        <a:spcBef>
+                          <a:spcPts val="700"/>
+                        </a:spcBef>
+                      </a:pPr>
                       <a:r>
-                        <a:rPr lang="en-US" sz="900" b="0" i="0" u="none" strike="noStrike">
+                        <a:rPr lang="de-DE" sz="900" dirty="0">
                           <a:solidFill>
                             <a:srgbClr val="020302"/>
                           </a:solidFill>
-                          <a:effectLst/>
-                          <a:latin typeface="AdobeClean-Light" panose="020B0503020404020204" pitchFamily="34" charset="0"/>
+                          <a:latin typeface="AdobeClean-Light"/>
+                          <a:cs typeface="AdobeClean-Light"/>
                         </a:rPr>
-                        <a:t>24x7 / 30 minutes</a:t>
+                        <a:t>24x7/</a:t>
+                      </a:r>
+                      <a:br>
+                        <a:rPr lang="sk-SK" sz="900" dirty="0">
+                          <a:solidFill>
+                            <a:srgbClr val="020302"/>
+                          </a:solidFill>
+                          <a:latin typeface="AdobeClean-Light"/>
+                          <a:cs typeface="AdobeClean-Light"/>
+                        </a:rPr>
+                      </a:br>
+                      <a:r>
+                        <a:rPr lang="de-DE" sz="900" dirty="0">
+                          <a:solidFill>
+                            <a:srgbClr val="020302"/>
+                          </a:solidFill>
+                          <a:latin typeface="AdobeClean-Light"/>
+                          <a:cs typeface="AdobeClean-Light"/>
+                        </a:rPr>
+                        <a:t>30 Minuten</a:t>
                       </a:r>
                     </a:p>
                   </a:txBody>
-                  <a:tcPr marL="9525" marR="9525" marT="9525" marB="0" anchor="ctr">
-                    <a:lnL w="6350" cap="flat" cmpd="sng" algn="ctr">
+                  <a:tcPr marL="0" marR="0" marT="0" marB="0" anchor="ctr">
+                    <a:lnL w="6350">
                       <a:solidFill>
                         <a:srgbClr val="B7B8B8"/>
                       </a:solidFill>
                       <a:prstDash val="solid"/>
-                      <a:round/>
-                      <a:headEnd type="none" w="med" len="med"/>
-                      <a:tailEnd type="none" w="med" len="med"/>
                     </a:lnL>
                     <a:lnR w="6350" cap="flat" cmpd="sng" algn="ctr">
                       <a:solidFill>
@@ -3842,7 +3112,7 @@
                   </a:ext>
                 </a:extLst>
               </a:tr>
-              <a:tr h="0">
+              <a:tr h="484755">
                 <a:tc>
                   <a:txBody>
                     <a:bodyPr/>
@@ -3857,109 +3127,15 @@
                         </a:spcBef>
                       </a:pPr>
                       <a:r>
-                        <a:rPr sz="900" b="1" spc="-15" dirty="0">
+                        <a:rPr lang="de-DE" sz="900" b="1" dirty="0">
                           <a:solidFill>
                             <a:srgbClr val="020302"/>
                           </a:solidFill>
                           <a:latin typeface="Adobe Clean"/>
                           <a:cs typeface="Adobe Clean"/>
                         </a:rPr>
-                        <a:t>P</a:t>
+                        <a:t>PRIORITÄT 2</a:t>
                       </a:r>
-                      <a:r>
-                        <a:rPr sz="900" b="1" spc="-20" dirty="0">
-                          <a:solidFill>
-                            <a:srgbClr val="020302"/>
-                          </a:solidFill>
-                          <a:latin typeface="Adobe Clean"/>
-                          <a:cs typeface="Adobe Clean"/>
-                        </a:rPr>
-                        <a:t>R</a:t>
-                      </a:r>
-                      <a:r>
-                        <a:rPr sz="900" b="1" spc="-25" dirty="0">
-                          <a:solidFill>
-                            <a:srgbClr val="020302"/>
-                          </a:solidFill>
-                          <a:latin typeface="Adobe Clean"/>
-                          <a:cs typeface="Adobe Clean"/>
-                        </a:rPr>
-                        <a:t>I</a:t>
-                      </a:r>
-                      <a:r>
-                        <a:rPr sz="900" b="1" spc="-15" dirty="0">
-                          <a:solidFill>
-                            <a:srgbClr val="020302"/>
-                          </a:solidFill>
-                          <a:latin typeface="Adobe Clean"/>
-                          <a:cs typeface="Adobe Clean"/>
-                        </a:rPr>
-                        <a:t>O</a:t>
-                      </a:r>
-                      <a:r>
-                        <a:rPr sz="900" b="1" spc="-20" dirty="0">
-                          <a:solidFill>
-                            <a:srgbClr val="020302"/>
-                          </a:solidFill>
-                          <a:latin typeface="Adobe Clean"/>
-                          <a:cs typeface="Adobe Clean"/>
-                        </a:rPr>
-                        <a:t>R</a:t>
-                      </a:r>
-                      <a:r>
-                        <a:rPr sz="900" b="1" spc="-25" dirty="0">
-                          <a:solidFill>
-                            <a:srgbClr val="020302"/>
-                          </a:solidFill>
-                          <a:latin typeface="Adobe Clean"/>
-                          <a:cs typeface="Adobe Clean"/>
-                        </a:rPr>
-                        <a:t>I</a:t>
-                      </a:r>
-                      <a:r>
-                        <a:rPr sz="900" b="1" spc="-15" dirty="0">
-                          <a:solidFill>
-                            <a:srgbClr val="020302"/>
-                          </a:solidFill>
-                          <a:latin typeface="Adobe Clean"/>
-                          <a:cs typeface="Adobe Clean"/>
-                        </a:rPr>
-                        <a:t>T</a:t>
-                      </a:r>
-                      <a:r>
-                        <a:rPr sz="900" b="1" dirty="0">
-                          <a:solidFill>
-                            <a:srgbClr val="020302"/>
-                          </a:solidFill>
-                          <a:latin typeface="Adobe Clean"/>
-                          <a:cs typeface="Adobe Clean"/>
-                        </a:rPr>
-                        <a:t>Y</a:t>
-                      </a:r>
-                      <a:r>
-                        <a:rPr sz="900" b="1" spc="-40" dirty="0">
-                          <a:solidFill>
-                            <a:srgbClr val="020302"/>
-                          </a:solidFill>
-                          <a:latin typeface="Adobe Clean"/>
-                          <a:cs typeface="Adobe Clean"/>
-                        </a:rPr>
-                        <a:t> </a:t>
-                      </a:r>
-                      <a:r>
-                        <a:rPr sz="900" b="1" dirty="0">
-                          <a:solidFill>
-                            <a:srgbClr val="020302"/>
-                          </a:solidFill>
-                          <a:latin typeface="Adobe Clean"/>
-                          <a:cs typeface="Adobe Clean"/>
-                        </a:rPr>
-                        <a:t>2</a:t>
-                      </a:r>
-                      <a:endParaRPr sz="900" dirty="0">
-                        <a:latin typeface="Adobe Clean"/>
-                        <a:cs typeface="Adobe Clean"/>
-                      </a:endParaRPr>
                     </a:p>
                     <a:p>
                       <a:pPr marL="50165" marR="203200">
@@ -3971,21 +3147,37 @@
                         </a:spcBef>
                       </a:pPr>
                       <a:r>
-                        <a:rPr lang="en-US" sz="900" b="0" i="0" u="none" strike="noStrike" dirty="0">
+                        <a:rPr lang="de-DE" sz="900" b="0" i="0" u="none" strike="noStrike" dirty="0">
                           <a:solidFill>
                             <a:schemeClr val="tx1"/>
                           </a:solidFill>
-                          <a:effectLst/>
-                          <a:latin typeface="Adobe Clean Light"/>
+                          <a:latin typeface="Adobe Clean Light" panose="020B0303020404020204" pitchFamily="34" charset="0"/>
                           <a:ea typeface="+mn-ea"/>
                           <a:cs typeface="+mn-cs"/>
                         </a:rPr>
-                        <a:t>Customer's business functions has major degradation of services, or potential of data loss or unavailability of services, or a major feature is impacted</a:t>
+                        <a:t>Die Unternehmensfunktionen des Kunden weisen eine erhebliche Beeinträchtigung des Service, möglichen Datenverlust oder Nichtverfügbarkeit von Services auf oder eine zentrale Funktion </a:t>
                       </a:r>
-                      <a:endParaRPr lang="en-US" sz="900" b="0" i="0" dirty="0">
-                        <a:latin typeface="Adobe Clean Light"/>
-                        <a:cs typeface="AdobeClean-Light"/>
-                      </a:endParaRPr>
+                      <a:br>
+                        <a:rPr lang="sk-SK" sz="900" b="0" i="0" u="none" strike="noStrike" dirty="0">
+                          <a:solidFill>
+                            <a:schemeClr val="tx1"/>
+                          </a:solidFill>
+                          <a:latin typeface="Adobe Clean Light" panose="020B0303020404020204" pitchFamily="34" charset="0"/>
+                          <a:ea typeface="+mn-ea"/>
+                          <a:cs typeface="+mn-cs"/>
+                        </a:rPr>
+                      </a:br>
+                      <a:r>
+                        <a:rPr lang="de-DE" sz="900" b="0" i="0" u="none" strike="noStrike" dirty="0">
+                          <a:solidFill>
+                            <a:schemeClr val="tx1"/>
+                          </a:solidFill>
+                          <a:latin typeface="Adobe Clean Light" panose="020B0303020404020204" pitchFamily="34" charset="0"/>
+                          <a:ea typeface="+mn-ea"/>
+                          <a:cs typeface="+mn-cs"/>
+                        </a:rPr>
+                        <a:t>ist betroffen</a:t>
+                      </a:r>
                     </a:p>
                   </a:txBody>
                   <a:tcPr marL="0" marR="0" marT="0" marB="0" anchor="ctr">
@@ -3995,14 +3187,11 @@
                       </a:solidFill>
                       <a:prstDash val="solid"/>
                     </a:lnL>
-                    <a:lnR w="6350" cap="flat" cmpd="sng" algn="ctr">
+                    <a:lnR w="6350">
                       <a:solidFill>
                         <a:srgbClr val="B7B8B8"/>
                       </a:solidFill>
                       <a:prstDash val="solid"/>
-                      <a:round/>
-                      <a:headEnd type="none" w="med" len="med"/>
-                      <a:tailEnd type="none" w="med" len="med"/>
                     </a:lnR>
                     <a:lnT w="6350">
                       <a:solidFill>
@@ -4023,34 +3212,54 @@
                     <a:bodyPr/>
                     <a:lstStyle/>
                     <a:p>
-                      <a:pPr algn="ctr" fontAlgn="ctr"/>
+                      <a:pPr marL="473709" marR="343535" indent="-175895">
+                        <a:lnSpc>
+                          <a:spcPct val="102200"/>
+                        </a:lnSpc>
+                      </a:pPr>
                       <a:r>
-                        <a:rPr lang="en-US" sz="900" b="0" i="0" u="none" strike="noStrike" dirty="0">
+                        <a:rPr lang="de-DE" sz="900" dirty="0">
                           <a:solidFill>
                             <a:srgbClr val="020302"/>
                           </a:solidFill>
-                          <a:effectLst/>
-                          <a:latin typeface="AdobeClean-Light" panose="020B0503020404020204" pitchFamily="34" charset="0"/>
+                          <a:latin typeface="AdobeClean-Light"/>
+                          <a:cs typeface="AdobeClean-Light"/>
                         </a:rPr>
-                        <a:t>Business hours / 4 hours</a:t>
+                        <a:t>Geschäftszeiten/</a:t>
+                      </a:r>
+                      <a:br>
+                        <a:rPr lang="sk-SK" sz="900" dirty="0">
+                          <a:solidFill>
+                            <a:srgbClr val="020302"/>
+                          </a:solidFill>
+                          <a:latin typeface="AdobeClean-Light"/>
+                          <a:cs typeface="AdobeClean-Light"/>
+                        </a:rPr>
+                      </a:br>
+                      <a:r>
+                        <a:rPr lang="de-DE" sz="900" dirty="0">
+                          <a:solidFill>
+                            <a:srgbClr val="020302"/>
+                          </a:solidFill>
+                          <a:latin typeface="AdobeClean-Light"/>
+                          <a:cs typeface="AdobeClean-Light"/>
+                        </a:rPr>
+                        <a:t>4 Stunden</a:t>
                       </a:r>
                     </a:p>
                   </a:txBody>
-                  <a:tcPr marL="9525" marR="9525" marT="9525" marB="0" anchor="ctr">
+                  <a:tcPr marL="0" marR="0" marT="0" marB="0" anchor="ctr">
                     <a:lnL w="6350">
                       <a:solidFill>
                         <a:srgbClr val="B7B8B8"/>
                       </a:solidFill>
                       <a:prstDash val="solid"/>
                     </a:lnL>
-                    <a:lnR w="6350" cap="flat" cmpd="sng" algn="ctr">
+                    <a:lnR w="6350">
                       <a:solidFill>
                         <a:srgbClr val="B7B8B8"/>
                       </a:solidFill>
                       <a:prstDash val="solid"/>
-                      <a:round/>
-                      <a:headEnd type="none" w="med" len="med"/>
-                      <a:tailEnd type="none" w="med" len="med"/>
                     </a:lnR>
                     <a:lnT w="6350">
                       <a:solidFill>
@@ -4071,28 +3280,51 @@
                     <a:bodyPr/>
                     <a:lstStyle/>
                     <a:p>
-                      <a:pPr algn="ctr" fontAlgn="ctr"/>
+                      <a:pPr marL="400050" marR="492125" indent="0" algn="ctr">
+                        <a:lnSpc>
+                          <a:spcPct val="102200"/>
+                        </a:lnSpc>
+                      </a:pPr>
                       <a:r>
-                        <a:rPr lang="en-US" sz="900" b="0" i="0" u="none" strike="noStrike">
+                        <a:rPr lang="de-DE" sz="900" dirty="0">
                           <a:solidFill>
                             <a:srgbClr val="020302"/>
                           </a:solidFill>
-                          <a:effectLst/>
-                          <a:latin typeface="AdobeClean-Light" panose="020B0503020404020204" pitchFamily="34" charset="0"/>
+                          <a:latin typeface="AdobeClean-Light"/>
+                          <a:ea typeface="+mn-ea"/>
+                          <a:cs typeface="AdobeClean-Light"/>
                         </a:rPr>
-                        <a:t>24x5 / 1 hour</a:t>
+                        <a:t>24x5/</a:t>
+                      </a:r>
+                      <a:br>
+                        <a:rPr lang="sk-SK" sz="900" dirty="0">
+                          <a:solidFill>
+                            <a:srgbClr val="020302"/>
+                          </a:solidFill>
+                          <a:latin typeface="AdobeClean-Light"/>
+                          <a:ea typeface="+mn-ea"/>
+                          <a:cs typeface="AdobeClean-Light"/>
+                        </a:rPr>
+                      </a:br>
+                      <a:r>
+                        <a:rPr lang="de-DE" sz="900" dirty="0">
+                          <a:solidFill>
+                            <a:srgbClr val="020302"/>
+                          </a:solidFill>
+                          <a:latin typeface="AdobeClean-Light"/>
+                          <a:ea typeface="+mn-ea"/>
+                          <a:cs typeface="AdobeClean-Light"/>
+                        </a:rPr>
+                        <a:t>1 Stunde</a:t>
                       </a:r>
                     </a:p>
                   </a:txBody>
-                  <a:tcPr marL="9525" marR="9525" marT="9525" marB="0" anchor="ctr">
-                    <a:lnL w="6350" cap="flat" cmpd="sng" algn="ctr">
+                  <a:tcPr marL="0" marR="0" marT="0" marB="0" anchor="ctr">
+                    <a:lnL w="6350">
                       <a:solidFill>
                         <a:srgbClr val="B7B8B8"/>
                       </a:solidFill>
                       <a:prstDash val="solid"/>
-                      <a:round/>
-                      <a:headEnd type="none" w="med" len="med"/>
-                      <a:tailEnd type="none" w="med" len="med"/>
                     </a:lnL>
                     <a:lnR w="6350" cap="flat" cmpd="sng" algn="ctr">
                       <a:solidFill>
@@ -4143,109 +3375,15 @@
                         </a:spcBef>
                       </a:pPr>
                       <a:r>
-                        <a:rPr sz="900" b="1" spc="-15" dirty="0">
+                        <a:rPr lang="de-DE" sz="900" b="1" dirty="0">
                           <a:solidFill>
                             <a:srgbClr val="020302"/>
                           </a:solidFill>
                           <a:latin typeface="Adobe Clean"/>
                           <a:cs typeface="Adobe Clean"/>
                         </a:rPr>
-                        <a:t>P</a:t>
+                        <a:t>PRIORITÄT 3</a:t>
                       </a:r>
-                      <a:r>
-                        <a:rPr sz="900" b="1" spc="-20" dirty="0">
-                          <a:solidFill>
-                            <a:srgbClr val="020302"/>
-                          </a:solidFill>
-                          <a:latin typeface="Adobe Clean"/>
-                          <a:cs typeface="Adobe Clean"/>
-                        </a:rPr>
-                        <a:t>R</a:t>
-                      </a:r>
-                      <a:r>
-                        <a:rPr sz="900" b="1" spc="-25" dirty="0">
-                          <a:solidFill>
-                            <a:srgbClr val="020302"/>
-                          </a:solidFill>
-                          <a:latin typeface="Adobe Clean"/>
-                          <a:cs typeface="Adobe Clean"/>
-                        </a:rPr>
-                        <a:t>I</a:t>
-                      </a:r>
-                      <a:r>
-                        <a:rPr sz="900" b="1" spc="-15" dirty="0">
-                          <a:solidFill>
-                            <a:srgbClr val="020302"/>
-                          </a:solidFill>
-                          <a:latin typeface="Adobe Clean"/>
-                          <a:cs typeface="Adobe Clean"/>
-                        </a:rPr>
-                        <a:t>O</a:t>
-                      </a:r>
-                      <a:r>
-                        <a:rPr sz="900" b="1" spc="-20" dirty="0">
-                          <a:solidFill>
-                            <a:srgbClr val="020302"/>
-                          </a:solidFill>
-                          <a:latin typeface="Adobe Clean"/>
-                          <a:cs typeface="Adobe Clean"/>
-                        </a:rPr>
-                        <a:t>R</a:t>
-                      </a:r>
-                      <a:r>
-                        <a:rPr sz="900" b="1" spc="-25" dirty="0">
-                          <a:solidFill>
-                            <a:srgbClr val="020302"/>
-                          </a:solidFill>
-                          <a:latin typeface="Adobe Clean"/>
-                          <a:cs typeface="Adobe Clean"/>
-                        </a:rPr>
-                        <a:t>I</a:t>
-                      </a:r>
-                      <a:r>
-                        <a:rPr sz="900" b="1" spc="-15" dirty="0">
-                          <a:solidFill>
-                            <a:srgbClr val="020302"/>
-                          </a:solidFill>
-                          <a:latin typeface="Adobe Clean"/>
-                          <a:cs typeface="Adobe Clean"/>
-                        </a:rPr>
-                        <a:t>T</a:t>
-                      </a:r>
-                      <a:r>
-                        <a:rPr sz="900" b="1" dirty="0">
-                          <a:solidFill>
-                            <a:srgbClr val="020302"/>
-                          </a:solidFill>
-                          <a:latin typeface="Adobe Clean"/>
-                          <a:cs typeface="Adobe Clean"/>
-                        </a:rPr>
-                        <a:t>Y</a:t>
-                      </a:r>
-                      <a:r>
-                        <a:rPr sz="900" b="1" spc="-40" dirty="0">
-                          <a:solidFill>
-                            <a:srgbClr val="020302"/>
-                          </a:solidFill>
-                          <a:latin typeface="Adobe Clean"/>
-                          <a:cs typeface="Adobe Clean"/>
-                        </a:rPr>
-                        <a:t> </a:t>
-                      </a:r>
-                      <a:r>
-                        <a:rPr sz="900" b="1" dirty="0">
-                          <a:solidFill>
-                            <a:srgbClr val="020302"/>
-                          </a:solidFill>
-                          <a:latin typeface="Adobe Clean"/>
-                          <a:cs typeface="Adobe Clean"/>
-                        </a:rPr>
-                        <a:t>3</a:t>
-                      </a:r>
-                      <a:endParaRPr sz="900" dirty="0">
-                        <a:latin typeface="Adobe Clean"/>
-                        <a:cs typeface="Adobe Clean"/>
-                      </a:endParaRPr>
                     </a:p>
                     <a:p>
                       <a:pPr marL="49530" marR="212090" indent="-2540">
@@ -4257,21 +3395,37 @@
                         </a:spcBef>
                       </a:pPr>
                       <a:r>
-                        <a:rPr lang="en-US" sz="900" b="0" i="0" u="none" strike="noStrike" dirty="0">
+                        <a:rPr lang="de-DE" sz="900" b="0" i="0" u="none" strike="noStrike" dirty="0">
                           <a:solidFill>
                             <a:schemeClr val="tx1"/>
                           </a:solidFill>
-                          <a:effectLst/>
-                          <a:latin typeface="Adobe Clean Light"/>
+                          <a:latin typeface="Adobe Clean Light" panose="020B0303020404020204" pitchFamily="34" charset="0"/>
                           <a:ea typeface="+mn-ea"/>
                           <a:cs typeface="+mn-cs"/>
                         </a:rPr>
-                        <a:t>Customer's business functions has minor to no degradation of services with a solution/workaround allowing business functions to continue </a:t>
+                        <a:t>Die Unternehmensfunktionen des Kunden weisen eine geringfügige oder gar keine Beeinträchtigung der Services auf, es gibt jedoch eine Lösung/Problemumgehung, </a:t>
                       </a:r>
-                      <a:endParaRPr lang="en-US" sz="900" b="0" i="0" dirty="0">
-                        <a:latin typeface="Adobe Clean Light"/>
-                        <a:cs typeface="AdobeClean-Light"/>
-                      </a:endParaRPr>
+                      <a:br>
+                        <a:rPr lang="sk-SK" sz="900" b="0" i="0" u="none" strike="noStrike" dirty="0">
+                          <a:solidFill>
+                            <a:schemeClr val="tx1"/>
+                          </a:solidFill>
+                          <a:latin typeface="Adobe Clean Light" panose="020B0303020404020204" pitchFamily="34" charset="0"/>
+                          <a:ea typeface="+mn-ea"/>
+                          <a:cs typeface="+mn-cs"/>
+                        </a:rPr>
+                      </a:br>
+                      <a:r>
+                        <a:rPr lang="de-DE" sz="900" b="0" i="0" u="none" strike="noStrike" dirty="0">
+                          <a:solidFill>
+                            <a:schemeClr val="tx1"/>
+                          </a:solidFill>
+                          <a:latin typeface="Adobe Clean Light" panose="020B0303020404020204" pitchFamily="34" charset="0"/>
+                          <a:ea typeface="+mn-ea"/>
+                          <a:cs typeface="+mn-cs"/>
+                        </a:rPr>
+                        <a:t>mit der die Unternehmensfunktionen weiterhin genutzt werden können.  </a:t>
+                      </a:r>
                     </a:p>
                   </a:txBody>
                   <a:tcPr marL="0" marR="0" marT="0" marB="0" anchor="ctr">
@@ -4281,14 +3435,11 @@
                       </a:solidFill>
                       <a:prstDash val="solid"/>
                     </a:lnL>
-                    <a:lnR w="6350" cap="flat" cmpd="sng" algn="ctr">
+                    <a:lnR w="6350">
                       <a:solidFill>
                         <a:srgbClr val="B7B8B8"/>
                       </a:solidFill>
                       <a:prstDash val="solid"/>
-                      <a:round/>
-                      <a:headEnd type="none" w="med" len="med"/>
-                      <a:tailEnd type="none" w="med" len="med"/>
                     </a:lnR>
                     <a:lnT w="6350">
                       <a:solidFill>
@@ -4309,34 +3460,54 @@
                     <a:bodyPr/>
                     <a:lstStyle/>
                     <a:p>
-                      <a:pPr algn="ctr" fontAlgn="ctr"/>
+                      <a:pPr marL="473709" marR="343535" indent="-175895">
+                        <a:lnSpc>
+                          <a:spcPct val="102200"/>
+                        </a:lnSpc>
+                      </a:pPr>
                       <a:r>
-                        <a:rPr lang="en-US" sz="900" b="0" i="0" u="none" strike="noStrike" dirty="0">
+                        <a:rPr lang="de-DE" sz="900" dirty="0">
                           <a:solidFill>
                             <a:srgbClr val="020302"/>
                           </a:solidFill>
-                          <a:effectLst/>
-                          <a:latin typeface="AdobeClean-Light" panose="020B0503020404020204" pitchFamily="34" charset="0"/>
+                          <a:latin typeface="AdobeClean-Light"/>
+                          <a:cs typeface="AdobeClean-Light"/>
                         </a:rPr>
-                        <a:t>Business hours / 6 hours</a:t>
+                        <a:t>Geschäftszeiten/</a:t>
+                      </a:r>
+                      <a:br>
+                        <a:rPr lang="sk-SK" sz="900" dirty="0">
+                          <a:solidFill>
+                            <a:srgbClr val="020302"/>
+                          </a:solidFill>
+                          <a:latin typeface="AdobeClean-Light"/>
+                          <a:cs typeface="AdobeClean-Light"/>
+                        </a:rPr>
+                      </a:br>
+                      <a:r>
+                        <a:rPr lang="de-DE" sz="900" dirty="0">
+                          <a:solidFill>
+                            <a:srgbClr val="020302"/>
+                          </a:solidFill>
+                          <a:latin typeface="AdobeClean-Light"/>
+                          <a:cs typeface="AdobeClean-Light"/>
+                        </a:rPr>
+                        <a:t>6 Stunden</a:t>
                       </a:r>
                     </a:p>
                   </a:txBody>
-                  <a:tcPr marL="9525" marR="9525" marT="9525" marB="0" anchor="ctr">
+                  <a:tcPr marL="0" marR="0" marT="0" marB="0" anchor="ctr">
                     <a:lnL w="6350">
                       <a:solidFill>
                         <a:srgbClr val="B7B8B8"/>
                       </a:solidFill>
                       <a:prstDash val="solid"/>
                     </a:lnL>
-                    <a:lnR w="6350" cap="flat" cmpd="sng" algn="ctr">
+                    <a:lnR w="6350">
                       <a:solidFill>
                         <a:srgbClr val="B7B8B8"/>
                       </a:solidFill>
                       <a:prstDash val="solid"/>
-                      <a:round/>
-                      <a:headEnd type="none" w="med" len="med"/>
-                      <a:tailEnd type="none" w="med" len="med"/>
                     </a:lnR>
                     <a:lnT w="6350">
                       <a:solidFill>
@@ -4357,28 +3528,51 @@
                     <a:bodyPr/>
                     <a:lstStyle/>
                     <a:p>
-                      <a:pPr algn="ctr" fontAlgn="ctr"/>
+                      <a:pPr marL="171450" marR="398780" indent="0" algn="ctr">
+                        <a:lnSpc>
+                          <a:spcPct val="102200"/>
+                        </a:lnSpc>
+                        <a:spcBef>
+                          <a:spcPts val="675"/>
+                        </a:spcBef>
+                      </a:pPr>
                       <a:r>
-                        <a:rPr lang="en-US" sz="900" b="0" i="0" u="none" strike="noStrike">
+                        <a:rPr lang="de-DE" sz="900" dirty="0">
                           <a:solidFill>
                             <a:srgbClr val="020302"/>
                           </a:solidFill>
-                          <a:effectLst/>
-                          <a:latin typeface="AdobeClean-Light" panose="020B0503020404020204" pitchFamily="34" charset="0"/>
+                          <a:latin typeface="AdobeClean-Light"/>
+                          <a:cs typeface="AdobeClean-Light"/>
                         </a:rPr>
-                        <a:t>Business hours / 2 hours</a:t>
+                        <a:t>Geschäftszeiten/</a:t>
+                      </a:r>
+                      <a:br>
+                        <a:rPr lang="sk-SK" sz="900" dirty="0">
+                          <a:solidFill>
+                            <a:srgbClr val="020302"/>
+                          </a:solidFill>
+                          <a:latin typeface="AdobeClean-Light"/>
+                          <a:cs typeface="AdobeClean-Light"/>
+                        </a:rPr>
+                      </a:br>
+                      <a:r>
+                        <a:rPr lang="de-DE" sz="900" dirty="0">
+                          <a:solidFill>
+                            <a:srgbClr val="020302"/>
+                          </a:solidFill>
+                          <a:latin typeface="AdobeClean-Light"/>
+                          <a:cs typeface="AdobeClean-Light"/>
+                        </a:rPr>
+                        <a:t>2 Stunden</a:t>
                       </a:r>
                     </a:p>
                   </a:txBody>
-                  <a:tcPr marL="9525" marR="9525" marT="9525" marB="0" anchor="ctr">
-                    <a:lnL w="6350" cap="flat" cmpd="sng" algn="ctr">
+                  <a:tcPr marL="0" marR="0" marT="0" marB="0" anchor="ctr">
+                    <a:lnL w="6350">
                       <a:solidFill>
                         <a:srgbClr val="B7B8B8"/>
                       </a:solidFill>
                       <a:prstDash val="solid"/>
-                      <a:round/>
-                      <a:headEnd type="none" w="med" len="med"/>
-                      <a:tailEnd type="none" w="med" len="med"/>
                     </a:lnL>
                     <a:lnR w="6350" cap="flat" cmpd="sng" algn="ctr">
                       <a:solidFill>
@@ -4429,109 +3623,15 @@
                         </a:spcBef>
                       </a:pPr>
                       <a:r>
-                        <a:rPr sz="900" b="1" spc="-15" dirty="0">
+                        <a:rPr lang="de-DE" sz="900" b="1">
                           <a:solidFill>
                             <a:srgbClr val="020302"/>
                           </a:solidFill>
                           <a:latin typeface="Adobe Clean"/>
                           <a:cs typeface="Adobe Clean"/>
                         </a:rPr>
-                        <a:t>P</a:t>
+                        <a:t>PRIORITÄT 4</a:t>
                       </a:r>
-                      <a:r>
-                        <a:rPr sz="900" b="1" spc="-20" dirty="0">
-                          <a:solidFill>
-                            <a:srgbClr val="020302"/>
-                          </a:solidFill>
-                          <a:latin typeface="Adobe Clean"/>
-                          <a:cs typeface="Adobe Clean"/>
-                        </a:rPr>
-                        <a:t>R</a:t>
-                      </a:r>
-                      <a:r>
-                        <a:rPr sz="900" b="1" spc="-25" dirty="0">
-                          <a:solidFill>
-                            <a:srgbClr val="020302"/>
-                          </a:solidFill>
-                          <a:latin typeface="Adobe Clean"/>
-                          <a:cs typeface="Adobe Clean"/>
-                        </a:rPr>
-                        <a:t>I</a:t>
-                      </a:r>
-                      <a:r>
-                        <a:rPr sz="900" b="1" spc="-15" dirty="0">
-                          <a:solidFill>
-                            <a:srgbClr val="020302"/>
-                          </a:solidFill>
-                          <a:latin typeface="Adobe Clean"/>
-                          <a:cs typeface="Adobe Clean"/>
-                        </a:rPr>
-                        <a:t>O</a:t>
-                      </a:r>
-                      <a:r>
-                        <a:rPr sz="900" b="1" spc="-20" dirty="0">
-                          <a:solidFill>
-                            <a:srgbClr val="020302"/>
-                          </a:solidFill>
-                          <a:latin typeface="Adobe Clean"/>
-                          <a:cs typeface="Adobe Clean"/>
-                        </a:rPr>
-                        <a:t>R</a:t>
-                      </a:r>
-                      <a:r>
-                        <a:rPr sz="900" b="1" spc="-25" dirty="0">
-                          <a:solidFill>
-                            <a:srgbClr val="020302"/>
-                          </a:solidFill>
-                          <a:latin typeface="Adobe Clean"/>
-                          <a:cs typeface="Adobe Clean"/>
-                        </a:rPr>
-                        <a:t>I</a:t>
-                      </a:r>
-                      <a:r>
-                        <a:rPr sz="900" b="1" spc="-15" dirty="0">
-                          <a:solidFill>
-                            <a:srgbClr val="020302"/>
-                          </a:solidFill>
-                          <a:latin typeface="Adobe Clean"/>
-                          <a:cs typeface="Adobe Clean"/>
-                        </a:rPr>
-                        <a:t>T</a:t>
-                      </a:r>
-                      <a:r>
-                        <a:rPr sz="900" b="1" dirty="0">
-                          <a:solidFill>
-                            <a:srgbClr val="020302"/>
-                          </a:solidFill>
-                          <a:latin typeface="Adobe Clean"/>
-                          <a:cs typeface="Adobe Clean"/>
-                        </a:rPr>
-                        <a:t>Y</a:t>
-                      </a:r>
-                      <a:r>
-                        <a:rPr sz="900" b="1" spc="-40" dirty="0">
-                          <a:solidFill>
-                            <a:srgbClr val="020302"/>
-                          </a:solidFill>
-                          <a:latin typeface="Adobe Clean"/>
-                          <a:cs typeface="Adobe Clean"/>
-                        </a:rPr>
-                        <a:t> </a:t>
-                      </a:r>
-                      <a:r>
-                        <a:rPr sz="900" b="1" dirty="0">
-                          <a:solidFill>
-                            <a:srgbClr val="020302"/>
-                          </a:solidFill>
-                          <a:latin typeface="Adobe Clean"/>
-                          <a:cs typeface="Adobe Clean"/>
-                        </a:rPr>
-                        <a:t>4</a:t>
-                      </a:r>
-                      <a:endParaRPr sz="900" dirty="0">
-                        <a:latin typeface="Adobe Clean"/>
-                        <a:cs typeface="Adobe Clean"/>
-                      </a:endParaRPr>
                     </a:p>
                     <a:p>
                       <a:pPr marL="49530">
@@ -4543,31 +3643,27 @@
                         </a:spcBef>
                       </a:pPr>
                       <a:r>
-                        <a:rPr lang="en-US" sz="900" b="1" spc="-90" dirty="0">
+                        <a:rPr lang="de-DE" sz="900" b="1">
                           <a:solidFill>
                             <a:srgbClr val="020302"/>
                           </a:solidFill>
                           <a:latin typeface="Adobe Clean"/>
-                          <a:cs typeface="+mn-cs"/>
+                          <a:ea typeface="+mn-ea"/>
+                          <a:cs typeface="Adobe Clean"/>
                         </a:rPr>
-                        <a:t> </a:t>
+                        <a:t> </a:t>
                       </a:r>
                       <a:r>
-                        <a:rPr lang="en-US" sz="900" b="0" i="0" u="none" strike="noStrike" dirty="0">
+                        <a:rPr lang="de-DE" sz="900" b="0" i="0" u="none" strike="noStrike">
                           <a:solidFill>
                             <a:schemeClr val="tx1"/>
                           </a:solidFill>
-                          <a:effectLst/>
-                          <a:latin typeface="Adobe Clean Light"/>
+                          <a:latin typeface="Adobe Clean Light" panose="020B0303020404020204" pitchFamily="34" charset="0"/>
                           <a:ea typeface="+mn-ea"/>
                           <a:cs typeface="+mn-cs"/>
                         </a:rPr>
-                        <a:t>General question regarding current product functionality or an enhancement request</a:t>
+                        <a:t>Allgemeine Frage zur aktuellen Produktfunktionalität oder Anfrage zu einer Erweiterung</a:t>
                       </a:r>
-                      <a:endParaRPr lang="en-US" sz="900" b="0" i="0" dirty="0">
-                        <a:latin typeface="Adobe Clean Light"/>
-                        <a:cs typeface="AdobeClean-Light"/>
-                      </a:endParaRPr>
                     </a:p>
                   </a:txBody>
                   <a:tcPr marL="0" marR="0" marT="0" marB="0" anchor="ctr">
@@ -4577,14 +3673,11 @@
                       </a:solidFill>
                       <a:prstDash val="solid"/>
                     </a:lnL>
-                    <a:lnR w="6350" cap="flat" cmpd="sng" algn="ctr">
+                    <a:lnR w="6350">
                       <a:solidFill>
                         <a:srgbClr val="B7B8B8"/>
                       </a:solidFill>
                       <a:prstDash val="solid"/>
-                      <a:round/>
-                      <a:headEnd type="none" w="med" len="med"/>
-                      <a:tailEnd type="none" w="med" len="med"/>
                     </a:lnR>
                     <a:lnT w="6350">
                       <a:solidFill>
@@ -4605,34 +3698,54 @@
                     <a:bodyPr/>
                     <a:lstStyle/>
                     <a:p>
-                      <a:pPr algn="ctr" fontAlgn="ctr"/>
+                      <a:pPr marL="473709" marR="343535" indent="-175895">
+                        <a:lnSpc>
+                          <a:spcPct val="102200"/>
+                        </a:lnSpc>
+                      </a:pPr>
                       <a:r>
-                        <a:rPr lang="en-US" sz="900" b="0" i="0" u="none" strike="noStrike" dirty="0">
+                        <a:rPr lang="de-DE" sz="900" dirty="0">
                           <a:solidFill>
                             <a:srgbClr val="020302"/>
                           </a:solidFill>
-                          <a:effectLst/>
-                          <a:latin typeface="AdobeClean-Light" panose="020B0503020404020204" pitchFamily="34" charset="0"/>
+                          <a:latin typeface="AdobeClean-Light"/>
+                          <a:cs typeface="AdobeClean-Light"/>
                         </a:rPr>
-                        <a:t>Business days / 3 days</a:t>
+                        <a:t>Geschäftstage/</a:t>
+                      </a:r>
+                      <a:br>
+                        <a:rPr lang="sk-SK" sz="900" dirty="0">
+                          <a:solidFill>
+                            <a:srgbClr val="020302"/>
+                          </a:solidFill>
+                          <a:latin typeface="AdobeClean-Light"/>
+                          <a:cs typeface="AdobeClean-Light"/>
+                        </a:rPr>
+                      </a:br>
+                      <a:r>
+                        <a:rPr lang="de-DE" sz="900" dirty="0">
+                          <a:solidFill>
+                            <a:srgbClr val="020302"/>
+                          </a:solidFill>
+                          <a:latin typeface="AdobeClean-Light"/>
+                          <a:cs typeface="AdobeClean-Light"/>
+                        </a:rPr>
+                        <a:t>3 Tage</a:t>
                       </a:r>
                     </a:p>
                   </a:txBody>
-                  <a:tcPr marL="9525" marR="9525" marT="9525" marB="0" anchor="ctr">
+                  <a:tcPr marL="0" marR="0" marT="0" marB="0" anchor="ctr">
                     <a:lnL w="6350">
                       <a:solidFill>
                         <a:srgbClr val="B7B8B8"/>
                       </a:solidFill>
                       <a:prstDash val="solid"/>
                     </a:lnL>
-                    <a:lnR w="6350" cap="flat" cmpd="sng" algn="ctr">
+                    <a:lnR w="6350">
                       <a:solidFill>
                         <a:srgbClr val="B7B8B8"/>
                       </a:solidFill>
                       <a:prstDash val="solid"/>
-                      <a:round/>
-                      <a:headEnd type="none" w="med" len="med"/>
-                      <a:tailEnd type="none" w="med" len="med"/>
                     </a:lnR>
                     <a:lnT w="6350">
                       <a:solidFill>
@@ -4653,28 +3766,29 @@
                     <a:bodyPr/>
                     <a:lstStyle/>
                     <a:p>
-                      <a:pPr algn="ctr" fontAlgn="ctr"/>
+                      <a:pPr marL="473709" marR="343535" indent="-175895">
+                        <a:lnSpc>
+                          <a:spcPct val="102200"/>
+                        </a:lnSpc>
+                      </a:pPr>
                       <a:r>
-                        <a:rPr lang="en-US" sz="900" b="0" i="0" u="none" strike="noStrike" dirty="0">
+                        <a:rPr lang="de-DE" sz="900" dirty="0">
                           <a:solidFill>
                             <a:srgbClr val="020302"/>
                           </a:solidFill>
-                          <a:effectLst/>
-                          <a:latin typeface="AdobeClean-Light" panose="020B0503020404020204" pitchFamily="34" charset="0"/>
+                          <a:latin typeface="AdobeClean-Light"/>
+                          <a:cs typeface="AdobeClean-Light"/>
                         </a:rPr>
-                        <a:t>Business days / 1 day</a:t>
+                        <a:t>Geschäftstage/1 Tag</a:t>
                       </a:r>
                     </a:p>
                   </a:txBody>
-                  <a:tcPr marL="9525" marR="9525" marT="9525" marB="0" anchor="ctr">
-                    <a:lnL w="6350" cap="flat" cmpd="sng" algn="ctr">
+                  <a:tcPr marL="0" marR="0" marT="0" marB="0" anchor="ctr">
+                    <a:lnL w="6350">
                       <a:solidFill>
                         <a:srgbClr val="B7B8B8"/>
                       </a:solidFill>
                       <a:prstDash val="solid"/>
-                      <a:round/>
-                      <a:headEnd type="none" w="med" len="med"/>
-                      <a:tailEnd type="none" w="med" len="med"/>
                     </a:lnL>
                     <a:lnR w="6350" cap="flat" cmpd="sng" algn="ctr">
                       <a:solidFill>
@@ -4770,40 +3884,8 @@
               </a:spcBef>
             </a:pPr>
             <a:r>
-              <a:rPr spc="-10"/>
-              <a:t>©202</a:t>
-            </a:r>
-            <a:r>
-              <a:rPr lang="en-US" spc="-10"/>
-              <a:t>1</a:t>
-            </a:r>
-            <a:r>
-              <a:rPr spc="-5"/>
-              <a:t> Adobe. All</a:t>
-            </a:r>
-            <a:r>
-              <a:rPr spc="-10"/>
-              <a:t> Rights</a:t>
-            </a:r>
-            <a:r>
-              <a:rPr spc="-5"/>
-              <a:t> </a:t>
-            </a:r>
-            <a:r>
-              <a:rPr spc="-10"/>
-              <a:t>Reserved.</a:t>
-            </a:r>
-            <a:r>
-              <a:rPr spc="-5"/>
-              <a:t> Adobe</a:t>
-            </a:r>
-            <a:r>
-              <a:rPr spc="60"/>
-              <a:t> </a:t>
-            </a:r>
-            <a:r>
-              <a:rPr spc="-10"/>
-              <a:t>Confidential.</a:t>
+              <a:rPr lang="de-DE"/>
+              <a:t>©2021 Adobe. All Rights Reserved. Adobe Confidential.</a:t>
             </a:r>
           </a:p>
         </p:txBody>
@@ -4837,7 +3919,7 @@
           <a:lstStyle/>
           <a:p>
             <a:r>
-              <a:rPr lang="en-US" sz="700" i="1">
+              <a:rPr lang="de-DE" sz="700" i="1">
                 <a:solidFill>
                   <a:schemeClr val="bg1"/>
                 </a:solidFill>
@@ -4883,7 +3965,7 @@
               </a:spcBef>
             </a:pPr>
             <a:r>
-              <a:rPr lang="en-US" sz="1200" dirty="0">
+              <a:rPr lang="de-DE" sz="1200" dirty="0">
                 <a:solidFill>
                   <a:schemeClr val="bg1"/>
                 </a:solidFill>
@@ -4892,7 +3974,7 @@
               <a:t>Online | Business |</a:t>
             </a:r>
             <a:r>
-              <a:rPr lang="en-US" sz="1200" b="1" dirty="0">
+              <a:rPr lang="de-DE" sz="1200" b="1" dirty="0">
                 <a:solidFill>
                   <a:schemeClr val="bg1"/>
                 </a:solidFill>
@@ -4901,7 +3983,7 @@
               <a:t> </a:t>
             </a:r>
             <a:r>
-              <a:rPr lang="en-US" sz="1200" b="1" dirty="0">
+              <a:rPr lang="de-DE" sz="1200" b="1" dirty="0">
                 <a:solidFill>
                   <a:schemeClr val="bg1"/>
                 </a:solidFill>
@@ -4909,7 +3991,7 @@
               <a:t>Enterprise</a:t>
             </a:r>
             <a:r>
-              <a:rPr lang="en-US" sz="1200" b="1" dirty="0">
+              <a:rPr lang="de-DE" sz="1200" b="1" dirty="0">
                 <a:solidFill>
                   <a:schemeClr val="bg1"/>
                 </a:solidFill>
@@ -4918,7 +4000,7 @@
               <a:t> </a:t>
             </a:r>
             <a:r>
-              <a:rPr lang="en-US" sz="1200" dirty="0">
+              <a:rPr lang="de-DE" sz="1200" dirty="0">
                 <a:solidFill>
                   <a:schemeClr val="bg1"/>
                 </a:solidFill>
@@ -4927,7 +4009,7 @@
               <a:t>| Elite</a:t>
             </a:r>
             <a:br>
-              <a:rPr lang="en-US" sz="900" dirty="0">
+              <a:rPr lang="de-DE" sz="900" dirty="0">
                 <a:solidFill>
                   <a:schemeClr val="bg1"/>
                 </a:solidFill>
@@ -4935,21 +4017,31 @@
               </a:rPr>
             </a:br>
             <a:r>
-              <a:rPr lang="en-US" sz="900" dirty="0">
+              <a:rPr lang="de-DE" sz="900" dirty="0">
                 <a:solidFill>
                   <a:schemeClr val="bg1"/>
                 </a:solidFill>
                 <a:latin typeface="Adobe Clean SemiLight" panose="020B0403020404020204" pitchFamily="34" charset="0"/>
               </a:rPr>
-              <a:t>ENTERPRISE support includes access to personalized learning paths and monitored community forums via the Adobe Experience League. You can also take advantage of our detailed and in-depth technical product documentation and current release notes. ENTERPRISE customers will also be provided with a Named Support Engineer who acts as your designated technical contact in the Adobe Support Team. With deep experience in your designated Experience Cloud solution, your support team will work in partnership with you and your technical teams to ensure timely resolution of all support requests. Your support team can also help coordinate and arrange delivery of the additional ENTERPRISE benefits ensuring minimal disruption to your business at the most critical time. </a:t>
-            </a:r>
-            <a:endParaRPr lang="en-US" sz="900" dirty="0">
-              <a:solidFill>
-                <a:schemeClr val="bg1"/>
-              </a:solidFill>
-              <a:latin typeface="Adobe Clean Light" panose="020B0303020404020204" pitchFamily="34" charset="0"/>
-              <a:cs typeface="AdobeClean-Light"/>
-            </a:endParaRPr>
+              <a:t>ENTERPRISE Support bietet über die Adobe Experience League Zugang zu personalisierten Lernpfaden und von Moderatoren betreuten Community-Foren. Darüber hinaus stehen Ihnen unsere umfangreiche technische Produktdokumentation sowie aktuelle Versionshinweise zur Verfügung. ENTERPRISE-Kunden erhalten außerdem Zugang zu einem spezifischer Support-Mitarbeiter. </a:t>
+            </a:r>
+            <a:br>
+              <a:rPr lang="sk-SK" sz="900" dirty="0">
+                <a:solidFill>
+                  <a:schemeClr val="bg1"/>
+                </a:solidFill>
+                <a:latin typeface="Adobe Clean SemiLight" panose="020B0403020404020204" pitchFamily="34" charset="0"/>
+              </a:rPr>
+            </a:br>
+            <a:r>
+              <a:rPr lang="de-DE" sz="900" dirty="0">
+                <a:solidFill>
+                  <a:schemeClr val="bg1"/>
+                </a:solidFill>
+                <a:latin typeface="Adobe Clean SemiLight" panose="020B0403020404020204" pitchFamily="34" charset="0"/>
+              </a:rPr>
+              <a:t>Dieser ist Ihr direkter technischer Kontakt im Adobe Support-Team. Mit umfangreicher Erfahrung mit Ihrer speziellen Experience Cloud-Lösung arbeitet das Support-Team gemeinsam mit Ihnen und Ihren technischen Teams an der zeitnahen Lösung sämtlicher Support-Anfragen. Das Support-Team kann auch bei der Koordination und Bereitstellung zusätzlicher ENTERPRISE-Vorteile helfen und so minimale Unterbrechungen Ihres Geschäfts zu den wichtigsten Zeiten sicherstellen. </a:t>
+            </a:r>
           </a:p>
         </p:txBody>
       </p:sp>
@@ -4968,7 +4060,7 @@
           <p:nvPr>
             <p:extLst>
               <p:ext uri="{D42A27DB-BD31-4B8C-83A1-F6EECF244321}">
-                <p14:modId xmlns:p14="http://schemas.microsoft.com/office/powerpoint/2010/main" val="2813555721"/>
+                <p14:modId xmlns:p14="http://schemas.microsoft.com/office/powerpoint/2010/main" val="3377764225"/>
               </p:ext>
             </p:extLst>
           </p:nvPr>
@@ -5057,19 +4149,15 @@
                         <a:defRPr/>
                       </a:pPr>
                       <a:r>
-                        <a:rPr lang="en-US" sz="900" spc="0">
+                        <a:rPr lang="de-DE" sz="900">
                           <a:solidFill>
                             <a:srgbClr val="404040"/>
                           </a:solidFill>
                           <a:latin typeface="Adobe Clean"/>
                           <a:cs typeface="Adobe Clean"/>
                         </a:rPr>
-                        <a:t>Online  Support</a:t>
+                        <a:t>Online Support</a:t>
                       </a:r>
-                      <a:endParaRPr lang="en-US" sz="900" spc="0">
-                        <a:latin typeface="Adobe Clean"/>
-                        <a:cs typeface="Adobe Clean"/>
-                      </a:endParaRPr>
                     </a:p>
                   </a:txBody>
                   <a:tcPr marL="0" marR="0" marT="7620" marB="0" anchor="ctr">
@@ -5110,29 +4198,15 @@
                         </a:spcBef>
                       </a:pPr>
                       <a:r>
-                        <a:rPr lang="en-US" sz="900" spc="0">
+                        <a:rPr lang="de-DE" sz="900">
                           <a:solidFill>
                             <a:srgbClr val="FFFFFF"/>
                           </a:solidFill>
                           <a:latin typeface="Adobe Clean"/>
                           <a:cs typeface="Adobe Clean"/>
                         </a:rPr>
-                        <a:t>Enterprise </a:t>
+                        <a:t>Enterprise Support</a:t>
                       </a:r>
-                      <a:r>
-                        <a:rPr sz="900" spc="0">
-                          <a:solidFill>
-                            <a:srgbClr val="FFFFFF"/>
-                          </a:solidFill>
-                          <a:latin typeface="Adobe Clean"/>
-                          <a:cs typeface="Adobe Clean"/>
-                        </a:rPr>
-                        <a:t>Support</a:t>
-                      </a:r>
-                      <a:endParaRPr sz="900" spc="0">
-                        <a:latin typeface="Adobe Clean"/>
-                        <a:cs typeface="Adobe Clean"/>
-                      </a:endParaRPr>
                     </a:p>
                   </a:txBody>
                   <a:tcPr marL="0" marR="0" marT="7620" marB="0" anchor="ctr">
@@ -5200,7 +4274,7 @@
                     <a:bodyPr/>
                     <a:lstStyle/>
                     <a:p>
-                      <a:pPr marL="0" marR="0" lvl="0" indent="0" algn="ctr" defTabSz="914400" eaLnBrk="1" fontAlgn="auto" latinLnBrk="0" hangingPunct="1">
+                      <a:pPr marL="0" marR="0" lvl="0" indent="0" algn="l" defTabSz="914400" rtl="0" eaLnBrk="1" fontAlgn="auto" latinLnBrk="0" hangingPunct="1">
                         <a:lnSpc>
                           <a:spcPct val="100000"/>
                         </a:lnSpc>
@@ -5281,13 +4355,13 @@
                         <a:defRPr/>
                       </a:pPr>
                       <a:r>
-                        <a:rPr lang="en-US" sz="800" i="1">
+                        <a:rPr lang="de-DE" sz="800" i="1">
                           <a:solidFill>
                             <a:schemeClr val="bg1"/>
                           </a:solidFill>
                           <a:latin typeface="Adobe Clean Light" panose="020B0303020404020204" pitchFamily="34" charset="0"/>
                         </a:rPr>
-                        <a:t>Paid Support ($)</a:t>
+                        <a:t>Kostenpflichtiger Support (€)</a:t>
                       </a:r>
                     </a:p>
                   </a:txBody>
@@ -5351,22 +4425,15 @@
                         </a:spcBef>
                       </a:pPr>
                       <a:r>
-                        <a:rPr lang="en-US" sz="1000" b="1" i="0" spc="0">
+                        <a:rPr lang="de-DE" sz="1000" b="1" i="0">
                           <a:solidFill>
                             <a:schemeClr val="bg1"/>
                           </a:solidFill>
                           <a:latin typeface="Adobe Clean" panose="020B0503020404020204" pitchFamily="34" charset="0"/>
                           <a:cs typeface="AdobeClean-Light"/>
                         </a:rPr>
-                        <a:t>Assigned Experts</a:t>
+                        <a:t>Zugewiesene Experten</a:t>
                       </a:r>
-                      <a:endParaRPr sz="1000" b="1" i="0" spc="0">
-                        <a:solidFill>
-                          <a:schemeClr val="bg1"/>
-                        </a:solidFill>
-                        <a:latin typeface="Adobe Clean" panose="020B0503020404020204" pitchFamily="34" charset="0"/>
-                        <a:cs typeface="AdobeClean-Light"/>
-                      </a:endParaRPr>
                     </a:p>
                   </a:txBody>
                   <a:tcPr marL="0" marR="0" marT="58419" marB="0" anchor="ctr">
@@ -5413,7 +4480,7 @@
                         </a:spcBef>
                       </a:pPr>
                       <a:r>
-                        <a:rPr sz="900" spc="0">
+                        <a:rPr lang="de-DE" sz="900" dirty="0">
                           <a:solidFill>
                             <a:srgbClr val="020302"/>
                           </a:solidFill>
@@ -5422,10 +4489,6 @@
                         </a:rPr>
                         <a:t>Account Support Lead</a:t>
                       </a:r>
-                      <a:endParaRPr sz="900" spc="0">
-                        <a:latin typeface="AdobeClean-Light"/>
-                        <a:cs typeface="AdobeClean-Light"/>
-                      </a:endParaRPr>
                     </a:p>
                   </a:txBody>
                   <a:tcPr marL="0" marR="0" marT="58419" marB="0">
@@ -5460,7 +4523,7 @@
                     <a:bodyPr/>
                     <a:lstStyle/>
                     <a:p>
-                      <a:pPr algn="ctr">
+                      <a:pPr algn="l" rtl="0">
                         <a:lnSpc>
                           <a:spcPct val="100000"/>
                         </a:lnSpc>
@@ -5501,7 +4564,7 @@
                     <a:bodyPr/>
                     <a:lstStyle/>
                     <a:p>
-                      <a:pPr algn="ctr">
+                      <a:pPr algn="l" rtl="0">
                         <a:lnSpc>
                           <a:spcPct val="100000"/>
                         </a:lnSpc>
@@ -5544,7 +4607,7 @@
                     <a:bodyPr/>
                     <a:lstStyle/>
                     <a:p>
-                      <a:pPr marL="50800">
+                      <a:pPr marL="50800" algn="l" rtl="0">
                         <a:lnSpc>
                           <a:spcPct val="100000"/>
                         </a:lnSpc>
@@ -5590,19 +4653,15 @@
                         </a:spcBef>
                       </a:pPr>
                       <a:r>
-                        <a:rPr sz="900" spc="0">
+                        <a:rPr lang="de-DE" sz="900">
                           <a:solidFill>
                             <a:srgbClr val="020302"/>
                           </a:solidFill>
                           <a:latin typeface="AdobeClean-Light"/>
                           <a:cs typeface="AdobeClean-Light"/>
                         </a:rPr>
-                        <a:t>Named Support Engineer</a:t>
+                        <a:t>Spezifischer Support-Mitarbeiter</a:t>
                       </a:r>
-                      <a:endParaRPr sz="900" spc="0">
-                        <a:latin typeface="AdobeClean-Light"/>
-                        <a:cs typeface="AdobeClean-Light"/>
-                      </a:endParaRPr>
                     </a:p>
                   </a:txBody>
                   <a:tcPr marL="0" marR="0" marT="58419" marB="0">
@@ -5625,7 +4684,7 @@
                     <a:bodyPr/>
                     <a:lstStyle/>
                     <a:p>
-                      <a:pPr algn="ctr">
+                      <a:pPr algn="l" rtl="0">
                         <a:lnSpc>
                           <a:spcPct val="100000"/>
                         </a:lnSpc>
@@ -5672,7 +4731,7 @@
                         <a:defRPr/>
                       </a:pPr>
                       <a:r>
-                        <a:rPr lang="en-US" sz="900">
+                        <a:rPr lang="de-DE" sz="900">
                           <a:solidFill>
                             <a:srgbClr val="020302"/>
                           </a:solidFill>
@@ -5681,10 +4740,6 @@
                         </a:rPr>
                         <a:t></a:t>
                       </a:r>
-                      <a:endParaRPr lang="en-US" sz="900">
-                        <a:latin typeface="Wingdings"/>
-                        <a:cs typeface="Wingdings"/>
-                      </a:endParaRPr>
                     </a:p>
                   </a:txBody>
                   <a:tcPr marL="0" marR="0" marT="0" marB="0" anchor="ctr">
@@ -5707,7 +4762,7 @@
                     <a:bodyPr/>
                     <a:lstStyle/>
                     <a:p>
-                      <a:pPr marL="50800">
+                      <a:pPr marL="50800" algn="l" rtl="0">
                         <a:lnSpc>
                           <a:spcPct val="100000"/>
                         </a:lnSpc>
@@ -5765,7 +4820,7 @@
                         </a:spcBef>
                       </a:pPr>
                       <a:r>
-                        <a:rPr sz="900" spc="0">
+                        <a:rPr lang="de-DE" sz="900">
                           <a:solidFill>
                             <a:srgbClr val="020302"/>
                           </a:solidFill>
@@ -5774,10 +4829,6 @@
                         </a:rPr>
                         <a:t>Technical Account Manager</a:t>
                       </a:r>
-                      <a:endParaRPr sz="900" spc="0">
-                        <a:latin typeface="AdobeClean-Light"/>
-                        <a:cs typeface="AdobeClean-Light"/>
-                      </a:endParaRPr>
                     </a:p>
                   </a:txBody>
                   <a:tcPr marL="0" marR="0" marT="63500" marB="0">
@@ -5806,7 +4857,7 @@
                     <a:bodyPr/>
                     <a:lstStyle/>
                     <a:p>
-                      <a:pPr algn="ctr">
+                      <a:pPr algn="l" rtl="0">
                         <a:lnSpc>
                           <a:spcPct val="100000"/>
                         </a:lnSpc>
@@ -5844,7 +4895,7 @@
                     <a:bodyPr/>
                     <a:lstStyle/>
                     <a:p>
-                      <a:pPr algn="ctr">
+                      <a:pPr algn="l" rtl="0">
                         <a:lnSpc>
                           <a:spcPct val="100000"/>
                         </a:lnSpc>
@@ -5895,22 +4946,15 @@
                         </a:spcBef>
                       </a:pPr>
                       <a:r>
-                        <a:rPr lang="en-US" sz="1000" b="1" i="0" spc="0">
+                        <a:rPr lang="de-DE" sz="1000" b="1" i="0">
                           <a:solidFill>
                             <a:schemeClr val="bg1"/>
                           </a:solidFill>
                           <a:latin typeface="Adobe Clean" panose="020B0503020404020204" pitchFamily="34" charset="0"/>
                           <a:cs typeface="AdobeClean-Light"/>
                         </a:rPr>
-                        <a:t>Support Services</a:t>
+                        <a:t>Support-Services</a:t>
                       </a:r>
-                      <a:endParaRPr sz="1000" b="1" i="0" spc="0">
-                        <a:solidFill>
-                          <a:schemeClr val="bg1"/>
-                        </a:solidFill>
-                        <a:latin typeface="Adobe Clean" panose="020B0503020404020204" pitchFamily="34" charset="0"/>
-                        <a:cs typeface="AdobeClean-Light"/>
-                      </a:endParaRPr>
                     </a:p>
                   </a:txBody>
                   <a:tcPr marL="0" marR="0" marT="57150" marB="0" anchor="ctr">
@@ -5966,29 +5010,15 @@
                         </a:spcBef>
                       </a:pPr>
                       <a:r>
-                        <a:rPr lang="en-US" sz="900" spc="0">
+                        <a:rPr lang="de-DE" sz="900">
                           <a:solidFill>
                             <a:srgbClr val="020302"/>
                           </a:solidFill>
                           <a:latin typeface="AdobeClean-Light"/>
                           <a:cs typeface="AdobeClean-Light"/>
                         </a:rPr>
-                        <a:t>Online</a:t>
+                        <a:t>Online Support</a:t>
                       </a:r>
-                      <a:r>
-                        <a:rPr sz="900" spc="0">
-                          <a:solidFill>
-                            <a:srgbClr val="020302"/>
-                          </a:solidFill>
-                          <a:latin typeface="AdobeClean-Light"/>
-                          <a:cs typeface="AdobeClean-Light"/>
-                        </a:rPr>
-                        <a:t> Support</a:t>
-                      </a:r>
-                      <a:endParaRPr sz="900" spc="0">
-                        <a:latin typeface="AdobeClean-Light"/>
-                        <a:cs typeface="AdobeClean-Light"/>
-                      </a:endParaRPr>
                     </a:p>
                   </a:txBody>
                   <a:tcPr marL="0" marR="0" marT="57150" marB="0">
@@ -6026,39 +5056,15 @@
                         </a:spcBef>
                       </a:pPr>
                       <a:r>
-                        <a:rPr sz="900" spc="-25">
+                        <a:rPr lang="de-DE" sz="900">
                           <a:solidFill>
                             <a:srgbClr val="020302"/>
                           </a:solidFill>
                           <a:latin typeface="AdobeClean-Light"/>
                           <a:cs typeface="AdobeClean-Light"/>
                         </a:rPr>
-                        <a:t>Business</a:t>
+                        <a:t>Geschäftszeiten</a:t>
                       </a:r>
-                      <a:r>
-                        <a:rPr sz="900" spc="-15">
-                          <a:solidFill>
-                            <a:srgbClr val="020302"/>
-                          </a:solidFill>
-                          <a:latin typeface="AdobeClean-Light"/>
-                          <a:cs typeface="AdobeClean-Light"/>
-                        </a:rPr>
-                        <a:t> </a:t>
-                      </a:r>
-                      <a:r>
-                        <a:rPr sz="900" spc="-30">
-                          <a:solidFill>
-                            <a:srgbClr val="020302"/>
-                          </a:solidFill>
-                          <a:latin typeface="AdobeClean-Light"/>
-                          <a:cs typeface="AdobeClean-Light"/>
-                        </a:rPr>
-                        <a:t>hours</a:t>
-                      </a:r>
-                      <a:endParaRPr sz="900">
-                        <a:latin typeface="AdobeClean-Light"/>
-                        <a:cs typeface="AdobeClean-Light"/>
-                      </a:endParaRPr>
                     </a:p>
                   </a:txBody>
                   <a:tcPr marL="0" marR="0" marT="67945" marB="0">
@@ -6097,7 +5103,7 @@
                         </a:spcBef>
                       </a:pPr>
                       <a:r>
-                        <a:rPr lang="en-US" sz="900" spc="-25">
+                        <a:rPr lang="de-DE" sz="900">
                           <a:solidFill>
                             <a:srgbClr val="020302"/>
                           </a:solidFill>
@@ -6106,10 +5112,6 @@
                         </a:rPr>
                         <a:t>24x5</a:t>
                       </a:r>
-                      <a:endParaRPr sz="900">
-                        <a:latin typeface="AdobeClean-Light"/>
-                        <a:cs typeface="AdobeClean-Light"/>
-                      </a:endParaRPr>
                     </a:p>
                   </a:txBody>
                   <a:tcPr marL="0" marR="0" marT="67945" marB="0">
@@ -6143,7 +5145,7 @@
                     <a:bodyPr/>
                     <a:lstStyle/>
                     <a:p>
-                      <a:pPr marL="50800">
+                      <a:pPr marL="50800" algn="l" rtl="0">
                         <a:lnSpc>
                           <a:spcPct val="100000"/>
                         </a:lnSpc>
@@ -6192,39 +5194,15 @@
                         </a:spcBef>
                       </a:pPr>
                       <a:r>
-                        <a:rPr sz="900" spc="0">
+                        <a:rPr lang="de-DE" sz="900">
                           <a:solidFill>
                             <a:srgbClr val="020302"/>
                           </a:solidFill>
                           <a:latin typeface="AdobeClean-Light"/>
                           <a:cs typeface="AdobeClean-Light"/>
                         </a:rPr>
-                        <a:t>24x7</a:t>
+                        <a:t>24x7x365 Support für Probleme der Kategorie P1</a:t>
                       </a:r>
-                      <a:r>
-                        <a:rPr lang="en-US" sz="900" spc="0">
-                          <a:solidFill>
-                            <a:srgbClr val="020302"/>
-                          </a:solidFill>
-                          <a:latin typeface="AdobeClean-Light"/>
-                          <a:cs typeface="AdobeClean-Light"/>
-                        </a:rPr>
-                        <a:t>x365</a:t>
-                      </a:r>
-                      <a:r>
-                        <a:rPr sz="900" spc="0">
-                          <a:solidFill>
-                            <a:srgbClr val="020302"/>
-                          </a:solidFill>
-                          <a:latin typeface="AdobeClean-Light"/>
-                          <a:cs typeface="AdobeClean-Light"/>
-                        </a:rPr>
-                        <a:t> P1 Issue Support</a:t>
-                      </a:r>
-                      <a:endParaRPr sz="900" spc="0">
-                        <a:latin typeface="AdobeClean-Light"/>
-                        <a:cs typeface="AdobeClean-Light"/>
-                      </a:endParaRPr>
                     </a:p>
                   </a:txBody>
                   <a:tcPr marL="0" marR="0" marT="57785" marB="0">
@@ -6256,7 +5234,7 @@
                         </a:spcBef>
                       </a:pPr>
                       <a:r>
-                        <a:rPr sz="900">
+                        <a:rPr lang="de-DE" sz="900">
                           <a:solidFill>
                             <a:srgbClr val="020302"/>
                           </a:solidFill>
@@ -6265,10 +5243,6 @@
                         </a:rPr>
                         <a:t></a:t>
                       </a:r>
-                      <a:endParaRPr sz="900">
-                        <a:latin typeface="Wingdings"/>
-                        <a:cs typeface="Wingdings"/>
-                      </a:endParaRPr>
                     </a:p>
                   </a:txBody>
                   <a:tcPr marL="0" marR="0" marT="58419" marB="0">
@@ -6298,7 +5272,7 @@
                         </a:spcBef>
                       </a:pPr>
                       <a:r>
-                        <a:rPr sz="900">
+                        <a:rPr lang="de-DE" sz="900">
                           <a:solidFill>
                             <a:srgbClr val="020302"/>
                           </a:solidFill>
@@ -6307,10 +5281,6 @@
                         </a:rPr>
                         <a:t></a:t>
                       </a:r>
-                      <a:endParaRPr sz="900">
-                        <a:latin typeface="Wingdings"/>
-                        <a:cs typeface="Wingdings"/>
-                      </a:endParaRPr>
                     </a:p>
                   </a:txBody>
                   <a:tcPr marL="0" marR="0" marT="58419" marB="0">
@@ -6333,7 +5303,7 @@
                     <a:bodyPr/>
                     <a:lstStyle/>
                     <a:p>
-                      <a:pPr marL="50800">
+                      <a:pPr marL="50800" algn="l" rtl="0">
                         <a:lnSpc>
                           <a:spcPct val="100000"/>
                         </a:lnSpc>
@@ -6391,19 +5361,15 @@
                         </a:spcBef>
                       </a:pPr>
                       <a:r>
-                        <a:rPr lang="en-US" sz="900" spc="0">
+                        <a:rPr lang="de-DE" sz="900">
                           <a:solidFill>
                             <a:srgbClr val="020302"/>
                           </a:solidFill>
                           <a:latin typeface="AdobeClean-Light"/>
                           <a:cs typeface="AdobeClean-Light"/>
                         </a:rPr>
-                        <a:t>Named Support Contacts (per product)</a:t>
+                        <a:t>Spezifische Support-Kontakte (pro Produkt)</a:t>
                       </a:r>
-                      <a:endParaRPr sz="900" spc="0">
-                        <a:latin typeface="AdobeClean-Light"/>
-                        <a:cs typeface="AdobeClean-Light"/>
-                      </a:endParaRPr>
                     </a:p>
                   </a:txBody>
                   <a:tcPr marL="0" marR="0" marT="57785" marB="0">
@@ -6441,7 +5407,7 @@
                         </a:spcBef>
                       </a:pPr>
                       <a:r>
-                        <a:rPr sz="900">
+                        <a:rPr lang="de-DE" sz="900">
                           <a:solidFill>
                             <a:srgbClr val="020302"/>
                           </a:solidFill>
@@ -6450,10 +5416,6 @@
                         </a:rPr>
                         <a:t>4</a:t>
                       </a:r>
-                      <a:endParaRPr sz="900">
-                        <a:latin typeface="AdobeClean-Light"/>
-                        <a:cs typeface="AdobeClean-Light"/>
-                      </a:endParaRPr>
                     </a:p>
                   </a:txBody>
                   <a:tcPr marL="0" marR="0" marT="57785" marB="0">
@@ -6483,7 +5445,7 @@
                         </a:spcBef>
                       </a:pPr>
                       <a:r>
-                        <a:rPr lang="en-US" sz="900">
+                        <a:rPr lang="de-DE" sz="900">
                           <a:solidFill>
                             <a:srgbClr val="020302"/>
                           </a:solidFill>
@@ -6492,10 +5454,6 @@
                         </a:rPr>
                         <a:t>10</a:t>
                       </a:r>
-                      <a:endParaRPr sz="900">
-                        <a:latin typeface="AdobeClean-Light"/>
-                        <a:cs typeface="AdobeClean-Light"/>
-                      </a:endParaRPr>
                     </a:p>
                   </a:txBody>
                   <a:tcPr marL="0" marR="0" marT="57785" marB="0">
@@ -6518,7 +5476,7 @@
                     <a:bodyPr/>
                     <a:lstStyle/>
                     <a:p>
-                      <a:pPr marL="50800">
+                      <a:pPr marL="50800" algn="l" rtl="0">
                         <a:lnSpc>
                           <a:spcPct val="100000"/>
                         </a:lnSpc>
@@ -6567,19 +5525,15 @@
                         </a:spcBef>
                       </a:pPr>
                       <a:r>
-                        <a:rPr lang="en-US" sz="900" spc="0">
+                        <a:rPr lang="de-DE" sz="900">
                           <a:solidFill>
                             <a:srgbClr val="020302"/>
                           </a:solidFill>
                           <a:latin typeface="AdobeClean-Light"/>
                           <a:cs typeface="AdobeClean-Light"/>
                         </a:rPr>
-                        <a:t>Live Telephone Support</a:t>
+                        <a:t>Live-Telefon-Support</a:t>
                       </a:r>
-                      <a:endParaRPr sz="900" spc="0">
-                        <a:latin typeface="AdobeClean-Light"/>
-                        <a:cs typeface="AdobeClean-Light"/>
-                      </a:endParaRPr>
                     </a:p>
                   </a:txBody>
                   <a:tcPr marL="0" marR="0" marT="57785" marB="0">
@@ -6602,7 +5556,7 @@
                     <a:bodyPr/>
                     <a:lstStyle/>
                     <a:p>
-                      <a:pPr algn="ctr">
+                      <a:pPr algn="l" rtl="0">
                         <a:lnSpc>
                           <a:spcPct val="100000"/>
                         </a:lnSpc>
@@ -6643,7 +5597,7 @@
                         </a:spcBef>
                       </a:pPr>
                       <a:r>
-                        <a:rPr sz="900">
+                        <a:rPr lang="de-DE" sz="900">
                           <a:solidFill>
                             <a:srgbClr val="020302"/>
                           </a:solidFill>
@@ -6652,10 +5606,6 @@
                         </a:rPr>
                         <a:t></a:t>
                       </a:r>
-                      <a:endParaRPr sz="900">
-                        <a:latin typeface="Wingdings"/>
-                        <a:cs typeface="Wingdings"/>
-                      </a:endParaRPr>
                     </a:p>
                   </a:txBody>
                   <a:tcPr marL="0" marR="0" marT="59054" marB="0">
@@ -6678,7 +5628,7 @@
                     <a:bodyPr/>
                     <a:lstStyle/>
                     <a:p>
-                      <a:pPr marL="50800">
+                      <a:pPr marL="50800" algn="l" rtl="0">
                         <a:lnSpc>
                           <a:spcPct val="100000"/>
                         </a:lnSpc>
@@ -6727,19 +5677,15 @@
                         </a:spcBef>
                       </a:pPr>
                       <a:r>
-                        <a:rPr sz="900" spc="0">
+                        <a:rPr lang="de-DE" sz="900">
                           <a:solidFill>
                             <a:srgbClr val="020302"/>
                           </a:solidFill>
                           <a:latin typeface="AdobeClean-Light"/>
                           <a:cs typeface="AdobeClean-Light"/>
                         </a:rPr>
-                        <a:t>Escalation Management</a:t>
+                        <a:t>Eskalations-Management</a:t>
                       </a:r>
-                      <a:endParaRPr sz="900" spc="0">
-                        <a:latin typeface="AdobeClean-Light"/>
-                        <a:cs typeface="AdobeClean-Light"/>
-                      </a:endParaRPr>
                     </a:p>
                   </a:txBody>
                   <a:tcPr marL="0" marR="0" marT="58419" marB="0">
@@ -6762,7 +5708,7 @@
                     <a:bodyPr/>
                     <a:lstStyle/>
                     <a:p>
-                      <a:pPr algn="ctr">
+                      <a:pPr algn="l" rtl="0">
                         <a:lnSpc>
                           <a:spcPct val="100000"/>
                         </a:lnSpc>
@@ -6803,7 +5749,7 @@
                         </a:spcBef>
                       </a:pPr>
                       <a:r>
-                        <a:rPr sz="900">
+                        <a:rPr lang="de-DE" sz="900">
                           <a:solidFill>
                             <a:srgbClr val="020302"/>
                           </a:solidFill>
@@ -6812,10 +5758,6 @@
                         </a:rPr>
                         <a:t></a:t>
                       </a:r>
-                      <a:endParaRPr sz="900">
-                        <a:latin typeface="Wingdings"/>
-                        <a:cs typeface="Wingdings"/>
-                      </a:endParaRPr>
                     </a:p>
                   </a:txBody>
                   <a:tcPr marL="0" marR="0" marT="59690" marB="0">
@@ -6838,7 +5780,7 @@
                     <a:bodyPr/>
                     <a:lstStyle/>
                     <a:p>
-                      <a:pPr marL="50800">
+                      <a:pPr marL="50800" algn="l" rtl="0">
                         <a:lnSpc>
                           <a:spcPct val="100000"/>
                         </a:lnSpc>
@@ -6887,29 +5829,15 @@
                         </a:spcBef>
                       </a:pPr>
                       <a:r>
-                        <a:rPr sz="900" spc="0">
+                        <a:rPr lang="de-DE" sz="900">
                           <a:solidFill>
                             <a:srgbClr val="020302"/>
                           </a:solidFill>
                           <a:latin typeface="AdobeClean-Light"/>
                           <a:cs typeface="AdobeClean-Light"/>
                         </a:rPr>
-                        <a:t>Service Reviews </a:t>
+                        <a:t>Jährliche Service-Prüfung</a:t>
                       </a:r>
-                      <a:r>
-                        <a:rPr lang="en-US" sz="900" spc="0">
-                          <a:solidFill>
-                            <a:srgbClr val="020302"/>
-                          </a:solidFill>
-                          <a:latin typeface="AdobeClean-Light"/>
-                          <a:cs typeface="AdobeClean-Light"/>
-                        </a:rPr>
-                        <a:t>per Year</a:t>
-                      </a:r>
-                      <a:endParaRPr sz="900" spc="0">
-                        <a:latin typeface="AdobeClean-Light"/>
-                        <a:cs typeface="AdobeClean-Light"/>
-                      </a:endParaRPr>
                     </a:p>
                   </a:txBody>
                   <a:tcPr marL="0" marR="0" marT="57150" marB="0">
@@ -6932,7 +5860,7 @@
                     <a:bodyPr/>
                     <a:lstStyle/>
                     <a:p>
-                      <a:pPr>
+                      <a:pPr algn="l" rtl="0">
                         <a:lnSpc>
                           <a:spcPct val="100000"/>
                         </a:lnSpc>
@@ -6967,16 +5895,12 @@
                         </a:lnSpc>
                       </a:pPr>
                       <a:r>
-                        <a:rPr lang="en-US" sz="900">
+                        <a:rPr lang="de-DE" sz="900">
                           <a:latin typeface="Times New Roman"/>
                           <a:cs typeface="Times New Roman"/>
                         </a:rPr>
                         <a:t>2</a:t>
                       </a:r>
-                      <a:endParaRPr sz="900">
-                        <a:latin typeface="Times New Roman"/>
-                        <a:cs typeface="Times New Roman"/>
-                      </a:endParaRPr>
                     </a:p>
                   </a:txBody>
                   <a:tcPr marL="0" marR="0" marT="0" marB="0">
@@ -7018,16 +5942,12 @@
                         </a:spcBef>
                       </a:pPr>
                       <a:r>
-                        <a:rPr lang="en-US" sz="900" spc="0">
+                        <a:rPr lang="de-DE" sz="900">
                           <a:latin typeface="AdobeClean-Light"/>
                           <a:cs typeface="AdobeClean-Light"/>
                         </a:rPr>
-                        <a:t>Expert Sessions per Year</a:t>
+                        <a:t>Jährliche Experten-Sessions</a:t>
                       </a:r>
-                      <a:endParaRPr sz="900" spc="0">
-                        <a:latin typeface="AdobeClean-Light"/>
-                        <a:cs typeface="AdobeClean-Light"/>
-                      </a:endParaRPr>
                     </a:p>
                   </a:txBody>
                   <a:tcPr marL="0" marR="0" marT="57150" marB="0">
@@ -7056,7 +5976,7 @@
                     <a:bodyPr/>
                     <a:lstStyle/>
                     <a:p>
-                      <a:pPr>
+                      <a:pPr algn="l" rtl="0">
                         <a:lnSpc>
                           <a:spcPct val="100000"/>
                         </a:lnSpc>
@@ -7091,16 +6011,12 @@
                         </a:lnSpc>
                       </a:pPr>
                       <a:r>
-                        <a:rPr lang="en-US" sz="900">
+                        <a:rPr lang="de-DE" sz="900">
                           <a:latin typeface="Times New Roman"/>
                           <a:cs typeface="Times New Roman"/>
                         </a:rPr>
                         <a:t>2</a:t>
                       </a:r>
-                      <a:endParaRPr sz="900">
-                        <a:latin typeface="Times New Roman"/>
-                        <a:cs typeface="Times New Roman"/>
-                      </a:endParaRPr>
                     </a:p>
                   </a:txBody>
                   <a:tcPr marL="0" marR="0" marT="0" marB="0">
@@ -7142,16 +6058,12 @@
                         </a:spcBef>
                       </a:pPr>
                       <a:r>
-                        <a:rPr lang="en-US" sz="900" spc="0">
+                        <a:rPr lang="de-DE" sz="900" dirty="0">
                           <a:latin typeface="AdobeClean-Light"/>
                           <a:cs typeface="AdobeClean-Light"/>
                         </a:rPr>
-                        <a:t>Case Reviews</a:t>
+                        <a:t>Fallprüfungen</a:t>
                       </a:r>
-                      <a:endParaRPr sz="900" spc="0">
-                        <a:latin typeface="AdobeClean-Light"/>
-                        <a:cs typeface="AdobeClean-Light"/>
-                      </a:endParaRPr>
                     </a:p>
                   </a:txBody>
                   <a:tcPr marL="0" marR="0" marT="57150" marB="0">
@@ -7180,7 +6092,7 @@
                     <a:bodyPr/>
                     <a:lstStyle/>
                     <a:p>
-                      <a:pPr>
+                      <a:pPr algn="l" rtl="0">
                         <a:lnSpc>
                           <a:spcPct val="100000"/>
                         </a:lnSpc>
@@ -7227,7 +6139,7 @@
                         <a:defRPr/>
                       </a:pPr>
                       <a:r>
-                        <a:rPr lang="en-US" sz="900">
+                        <a:rPr lang="de-DE" sz="900">
                           <a:solidFill>
                             <a:srgbClr val="020302"/>
                           </a:solidFill>
@@ -7236,10 +6148,6 @@
                         </a:rPr>
                         <a:t></a:t>
                       </a:r>
-                      <a:endParaRPr lang="en-US" sz="900">
-                        <a:latin typeface="Wingdings"/>
-                        <a:cs typeface="Wingdings"/>
-                      </a:endParaRPr>
                     </a:p>
                   </a:txBody>
                   <a:tcPr marL="0" marR="0" marT="0" marB="0">
@@ -7262,7 +6170,7 @@
                     <a:bodyPr/>
                     <a:lstStyle/>
                     <a:p>
-                      <a:pPr marL="48895">
+                      <a:pPr marL="48895" algn="l" rtl="0">
                         <a:lnSpc>
                           <a:spcPct val="100000"/>
                         </a:lnSpc>
@@ -7320,29 +6228,15 @@
                         </a:spcBef>
                       </a:pPr>
                       <a:r>
-                        <a:rPr sz="900" spc="0">
+                        <a:rPr lang="de-DE" sz="900">
                           <a:solidFill>
                             <a:srgbClr val="020302"/>
                           </a:solidFill>
                           <a:latin typeface="AdobeClean-Light"/>
                           <a:cs typeface="AdobeClean-Light"/>
                         </a:rPr>
-                        <a:t>Event </a:t>
+                        <a:t>Ereignis-Management</a:t>
                       </a:r>
-                      <a:r>
-                        <a:rPr lang="en-US" sz="900" spc="0">
-                          <a:solidFill>
-                            <a:srgbClr val="020302"/>
-                          </a:solidFill>
-                          <a:latin typeface="AdobeClean-Light"/>
-                          <a:cs typeface="AdobeClean-Light"/>
-                        </a:rPr>
-                        <a:t>Management</a:t>
-                      </a:r>
-                      <a:endParaRPr sz="900" spc="0">
-                        <a:latin typeface="AdobeClean-Light"/>
-                        <a:cs typeface="AdobeClean-Light"/>
-                      </a:endParaRPr>
                     </a:p>
                   </a:txBody>
                   <a:tcPr marL="0" marR="0" marT="58419" marB="0">
@@ -7371,7 +6265,7 @@
                     <a:bodyPr/>
                     <a:lstStyle/>
                     <a:p>
-                      <a:pPr>
+                      <a:pPr algn="l" rtl="0">
                         <a:lnSpc>
                           <a:spcPct val="100000"/>
                         </a:lnSpc>
@@ -7400,7 +6294,7 @@
                     <a:bodyPr/>
                     <a:lstStyle/>
                     <a:p>
-                      <a:pPr>
+                      <a:pPr algn="l" rtl="0">
                         <a:lnSpc>
                           <a:spcPct val="100000"/>
                         </a:lnSpc>
@@ -7431,7 +6325,7 @@
                     <a:bodyPr/>
                     <a:lstStyle/>
                     <a:p>
-                      <a:pPr marL="48895">
+                      <a:pPr marL="48895" algn="l" rtl="0">
                         <a:lnSpc>
                           <a:spcPct val="100000"/>
                         </a:lnSpc>
@@ -7480,39 +6374,15 @@
                         </a:spcBef>
                       </a:pPr>
                       <a:r>
-                        <a:rPr sz="900" spc="0">
+                        <a:rPr lang="de-DE" sz="900">
                           <a:solidFill>
                             <a:srgbClr val="020302"/>
                           </a:solidFill>
                           <a:latin typeface="AdobeClean-Light"/>
                           <a:cs typeface="AdobeClean-Light"/>
                         </a:rPr>
-                        <a:t>Environment</a:t>
+                        <a:t>Umgebungsbewertung, -wartung und -überwachung</a:t>
                       </a:r>
-                      <a:r>
-                        <a:rPr lang="en-US" sz="900" spc="0">
-                          <a:solidFill>
-                            <a:srgbClr val="020302"/>
-                          </a:solidFill>
-                          <a:latin typeface="AdobeClean-Light"/>
-                          <a:cs typeface="AdobeClean-Light"/>
-                        </a:rPr>
-                        <a:t> </a:t>
-                      </a:r>
-                      <a:r>
-                        <a:rPr sz="900" spc="0">
-                          <a:solidFill>
-                            <a:srgbClr val="020302"/>
-                          </a:solidFill>
-                          <a:latin typeface="AdobeClean-Light"/>
-                          <a:cs typeface="AdobeClean-Light"/>
-                        </a:rPr>
-                        <a:t>Review, Maintenance &amp; Monitoring</a:t>
-                      </a:r>
-                      <a:endParaRPr sz="900" spc="0">
-                        <a:latin typeface="AdobeClean-Light"/>
-                        <a:cs typeface="AdobeClean-Light"/>
-                      </a:endParaRPr>
                     </a:p>
                   </a:txBody>
                   <a:tcPr marL="0" marR="0" marT="59055" marB="0">
@@ -7535,7 +6405,7 @@
                     <a:bodyPr/>
                     <a:lstStyle/>
                     <a:p>
-                      <a:pPr>
+                      <a:pPr algn="l" rtl="0">
                         <a:lnSpc>
                           <a:spcPct val="100000"/>
                         </a:lnSpc>
@@ -7564,7 +6434,7 @@
                     <a:bodyPr/>
                     <a:lstStyle/>
                     <a:p>
-                      <a:pPr>
+                      <a:pPr algn="l" rtl="0">
                         <a:lnSpc>
                           <a:spcPct val="100000"/>
                         </a:lnSpc>
@@ -7595,7 +6465,7 @@
                     <a:bodyPr/>
                     <a:lstStyle/>
                     <a:p>
-                      <a:pPr marL="49530">
+                      <a:pPr marL="49530" algn="l" rtl="0">
                         <a:lnSpc>
                           <a:spcPct val="100000"/>
                         </a:lnSpc>
@@ -7644,19 +6514,15 @@
                         </a:spcBef>
                       </a:pPr>
                       <a:r>
-                        <a:rPr sz="900" spc="0">
+                        <a:rPr lang="de-DE" sz="900" spc="-30" baseline="0" dirty="0">
                           <a:solidFill>
                             <a:srgbClr val="020302"/>
                           </a:solidFill>
                           <a:latin typeface="AdobeClean-Light"/>
                           <a:cs typeface="AdobeClean-Light"/>
                         </a:rPr>
-                        <a:t>Release, Migration, Upgrade &amp; Product Roadmap Review</a:t>
+                        <a:t>Prüfung von Freigabe, Migration, Aktualisierung und Produkt-Roadmap</a:t>
                       </a:r>
-                      <a:endParaRPr sz="900" spc="0">
-                        <a:latin typeface="AdobeClean-Light"/>
-                        <a:cs typeface="AdobeClean-Light"/>
-                      </a:endParaRPr>
                     </a:p>
                   </a:txBody>
                   <a:tcPr marL="0" marR="0" marT="63500" marB="0">
@@ -7679,7 +6545,7 @@
                     <a:bodyPr/>
                     <a:lstStyle/>
                     <a:p>
-                      <a:pPr>
+                      <a:pPr algn="l" rtl="0">
                         <a:lnSpc>
                           <a:spcPct val="100000"/>
                         </a:lnSpc>
@@ -7708,7 +6574,7 @@
                     <a:bodyPr/>
                     <a:lstStyle/>
                     <a:p>
-                      <a:pPr>
+                      <a:pPr algn="l" rtl="0">
                         <a:lnSpc>
                           <a:spcPct val="100000"/>
                         </a:lnSpc>
@@ -7739,7 +6605,7 @@
                     <a:bodyPr/>
                     <a:lstStyle/>
                     <a:p>
-                      <a:pPr marL="49530">
+                      <a:pPr marL="49530" algn="l" rtl="0">
                         <a:lnSpc>
                           <a:spcPct val="100000"/>
                         </a:lnSpc>
@@ -7797,11 +6663,11 @@
                         </a:spcBef>
                       </a:pPr>
                       <a:r>
-                        <a:rPr sz="900" spc="0">
+                        <a:rPr lang="de-DE" sz="900">
                           <a:latin typeface="AdobeClean-Light"/>
                           <a:cs typeface="AdobeClean-Light"/>
                         </a:rPr>
-                        <a:t>Cloud Support Activities – Experience Manager as Cloud</a:t>
+                        <a:t>Cloud-Support-Aktivitäten – Experience Manager as a Cloud Service</a:t>
                       </a:r>
                     </a:p>
                   </a:txBody>
@@ -7831,7 +6697,7 @@
                     <a:bodyPr/>
                     <a:lstStyle/>
                     <a:p>
-                      <a:pPr>
+                      <a:pPr algn="l" rtl="0">
                         <a:lnSpc>
                           <a:spcPct val="100000"/>
                         </a:lnSpc>
@@ -7887,7 +6753,7 @@
                         <a:defRPr/>
                       </a:pPr>
                       <a:r>
-                        <a:rPr lang="en-US" sz="900">
+                        <a:rPr lang="de-DE" sz="900">
                           <a:solidFill>
                             <a:srgbClr val="020302"/>
                           </a:solidFill>
@@ -7896,13 +6762,9 @@
                         </a:rPr>
                         <a:t></a:t>
                       </a:r>
-                      <a:endParaRPr lang="en-US" sz="900">
-                        <a:latin typeface="Wingdings"/>
-                        <a:cs typeface="Wingdings"/>
-                      </a:endParaRPr>
                     </a:p>
                     <a:p>
-                      <a:pPr marL="0" marR="0" lvl="0" indent="0" algn="ctr" defTabSz="914400" eaLnBrk="1" fontAlgn="auto" latinLnBrk="0" hangingPunct="1">
+                      <a:pPr marL="0" marR="0" lvl="0" indent="0" algn="l" defTabSz="914400" rtl="0" eaLnBrk="1" fontAlgn="auto" latinLnBrk="0" hangingPunct="1">
                         <a:lnSpc>
                           <a:spcPct val="100000"/>
                         </a:lnSpc>
@@ -7965,22 +6827,15 @@
                         </a:spcBef>
                       </a:pPr>
                       <a:r>
-                        <a:rPr lang="en-US" sz="1000" b="1" i="0" spc="0">
+                        <a:rPr lang="de-DE" sz="1000" b="1" i="0">
                           <a:solidFill>
                             <a:schemeClr val="bg1"/>
                           </a:solidFill>
                           <a:latin typeface="Adobe Clean" panose="020B0503020404020204" pitchFamily="34" charset="0"/>
                           <a:cs typeface="AdobeClean-Light"/>
                         </a:rPr>
-                        <a:t>Field Services</a:t>
+                        <a:t>Außendienst</a:t>
                       </a:r>
-                      <a:endParaRPr sz="1000" b="1" i="0" spc="0">
-                        <a:solidFill>
-                          <a:schemeClr val="bg1"/>
-                        </a:solidFill>
-                        <a:latin typeface="Adobe Clean" panose="020B0503020404020204" pitchFamily="34" charset="0"/>
-                        <a:cs typeface="AdobeClean-Light"/>
-                      </a:endParaRPr>
                     </a:p>
                   </a:txBody>
                   <a:tcPr marL="0" marR="0" marT="48260" marB="0" anchor="ctr">
@@ -8033,14 +6888,14 @@
                         </a:spcBef>
                       </a:pPr>
                       <a:r>
-                        <a:rPr sz="900" spc="0">
+                        <a:rPr lang="de-DE" sz="900">
                           <a:solidFill>
                             <a:srgbClr val="020302"/>
                           </a:solidFill>
                           <a:latin typeface="AdobeClean-Light"/>
                           <a:cs typeface="AdobeClean-Light"/>
                         </a:rPr>
-                        <a:t>Launch Advisory Services – First Year of new solution</a:t>
+                        <a:t>Launch Advisory-Services – Erstes Jahr mit der neuen Lösung</a:t>
                       </a:r>
                     </a:p>
                   </a:txBody>
@@ -8080,7 +6935,7 @@
                     <a:bodyPr/>
                     <a:lstStyle/>
                     <a:p>
-                      <a:pPr>
+                      <a:pPr algn="l" rtl="0">
                         <a:lnSpc>
                           <a:spcPct val="100000"/>
                         </a:lnSpc>
@@ -8136,7 +6991,7 @@
                         <a:defRPr/>
                       </a:pPr>
                       <a:r>
-                        <a:rPr lang="en-US" sz="900">
+                        <a:rPr lang="de-DE" sz="900">
                           <a:solidFill>
                             <a:srgbClr val="020302"/>
                           </a:solidFill>
@@ -8145,10 +7000,6 @@
                         </a:rPr>
                         <a:t></a:t>
                       </a:r>
-                      <a:endParaRPr lang="en-US" sz="900">
-                        <a:latin typeface="Wingdings"/>
-                        <a:cs typeface="Wingdings"/>
-                      </a:endParaRPr>
                     </a:p>
                   </a:txBody>
                   <a:tcPr marL="0" marR="0" marT="0" marB="0">
@@ -8269,7 +7120,7 @@
                         <a:defRPr/>
                       </a:pPr>
                       <a:r>
-                        <a:rPr lang="en-US" sz="900">
+                        <a:rPr lang="de-DE" sz="900">
                           <a:solidFill>
                             <a:srgbClr val="020302"/>
                           </a:solidFill>
@@ -8278,10 +7129,6 @@
                         </a:rPr>
                         <a:t></a:t>
                       </a:r>
-                      <a:endParaRPr lang="en-US" sz="900">
-                        <a:latin typeface="Wingdings"/>
-                        <a:cs typeface="Wingdings"/>
-                      </a:endParaRPr>
                     </a:p>
                   </a:txBody>
                   <a:tcPr marL="0" marR="0" marT="0" marB="0">
@@ -8338,11 +7185,11 @@
                         <a:defRPr/>
                       </a:pPr>
                       <a:r>
-                        <a:rPr lang="en-US" sz="900" spc="0">
+                        <a:rPr lang="de-DE" sz="900" dirty="0">
                           <a:latin typeface="AdobeClean-Light"/>
                           <a:cs typeface="AdobeClean-Light"/>
                         </a:rPr>
-                        <a:t>Field Service Activities </a:t>
+                        <a:t>Außendienstaktivitäten </a:t>
                       </a:r>
                     </a:p>
                   </a:txBody>
@@ -8477,14 +7324,14 @@
         <p:spPr>
           <a:xfrm>
             <a:off x="2835999" y="9021041"/>
-            <a:ext cx="2194560" cy="641201"/>
+            <a:ext cx="2194560" cy="795089"/>
           </a:xfrm>
           <a:prstGeom prst="rect">
             <a:avLst/>
           </a:prstGeom>
         </p:spPr>
         <p:txBody>
-          <a:bodyPr vert="horz" wrap="square" lIns="0" tIns="12700" rIns="0" bIns="0" rtlCol="0" anchor="t">
+          <a:bodyPr vert="horz" wrap="square" lIns="0" tIns="12700" rIns="0" bIns="0" rtlCol="0">
             <a:spAutoFit/>
           </a:bodyPr>
           <a:lstStyle/>
@@ -8501,158 +7348,21 @@
               </a:tabLst>
             </a:pPr>
             <a:r>
-              <a:rPr sz="1000" spc="-20" dirty="0">
+              <a:rPr lang="de-DE" sz="1000" dirty="0">
                 <a:solidFill>
                   <a:srgbClr val="020302"/>
                 </a:solidFill>
                 <a:latin typeface="AdobeClean-Light"/>
                 <a:cs typeface="AdobeClean-Light"/>
               </a:rPr>
-              <a:t>Start </a:t>
-            </a:r>
-            <a:r>
-              <a:rPr sz="1000" dirty="0">
-                <a:solidFill>
-                  <a:srgbClr val="020302"/>
-                </a:solidFill>
-                <a:latin typeface="AdobeClean-Light"/>
-                <a:cs typeface="AdobeClean-Light"/>
-              </a:rPr>
-              <a:t>a </a:t>
-            </a:r>
-            <a:r>
-              <a:rPr sz="1000" spc="-15" dirty="0">
-                <a:solidFill>
-                  <a:srgbClr val="020302"/>
-                </a:solidFill>
-                <a:latin typeface="AdobeClean-Light"/>
-                <a:cs typeface="AdobeClean-Light"/>
-              </a:rPr>
-              <a:t>chat </a:t>
-            </a:r>
-            <a:r>
-              <a:rPr sz="1000" spc="-10" dirty="0">
-                <a:solidFill>
-                  <a:srgbClr val="020302"/>
-                </a:solidFill>
-                <a:latin typeface="AdobeClean-Light"/>
-                <a:cs typeface="AdobeClean-Light"/>
-              </a:rPr>
-              <a:t>session </a:t>
-            </a:r>
-            <a:r>
-              <a:rPr sz="1000" spc="-5" dirty="0">
-                <a:solidFill>
-                  <a:srgbClr val="020302"/>
-                </a:solidFill>
-                <a:latin typeface="AdobeClean-Light"/>
-                <a:cs typeface="AdobeClean-Light"/>
-              </a:rPr>
-              <a:t>to </a:t>
-            </a:r>
-            <a:r>
-              <a:rPr sz="1000" spc="-10" dirty="0">
-                <a:solidFill>
-                  <a:srgbClr val="020302"/>
-                </a:solidFill>
-                <a:latin typeface="AdobeClean-Light"/>
-                <a:cs typeface="AdobeClean-Light"/>
-              </a:rPr>
-              <a:t>get </a:t>
-            </a:r>
-            <a:r>
-              <a:rPr sz="1000" spc="-20" dirty="0">
-                <a:solidFill>
-                  <a:srgbClr val="020302"/>
-                </a:solidFill>
-                <a:latin typeface="AdobeClean-Light"/>
-                <a:cs typeface="AdobeClean-Light"/>
-              </a:rPr>
-              <a:t>answers</a:t>
-            </a:r>
-            <a:r>
-              <a:rPr lang="en-US" sz="1000" spc="-45" dirty="0">
-                <a:solidFill>
-                  <a:srgbClr val="020302"/>
-                </a:solidFill>
-                <a:latin typeface="AdobeClean-Light"/>
-                <a:cs typeface="AdobeClean-Light"/>
-              </a:rPr>
-              <a:t> </a:t>
-            </a:r>
-            <a:r>
-              <a:rPr lang="en-US" sz="1000" dirty="0">
-                <a:solidFill>
-                  <a:srgbClr val="020302"/>
-                </a:solidFill>
-                <a:latin typeface="AdobeClean-Light"/>
-                <a:cs typeface="AdobeClean-Light"/>
-              </a:rPr>
-              <a:t>&amp; </a:t>
-            </a:r>
-            <a:r>
-              <a:rPr sz="1000" spc="-15" dirty="0">
-                <a:solidFill>
-                  <a:srgbClr val="020302"/>
-                </a:solidFill>
-                <a:latin typeface="AdobeClean-Light"/>
-                <a:cs typeface="AdobeClean-Light"/>
-              </a:rPr>
-              <a:t>help </a:t>
-            </a:r>
-            <a:r>
-              <a:rPr sz="1000" spc="-10" dirty="0">
-                <a:solidFill>
-                  <a:srgbClr val="020302"/>
-                </a:solidFill>
-                <a:latin typeface="AdobeClean-Light"/>
-                <a:cs typeface="AdobeClean-Light"/>
-              </a:rPr>
-              <a:t>with</a:t>
-            </a:r>
-            <a:r>
-              <a:rPr sz="1000" spc="85" dirty="0">
-                <a:solidFill>
-                  <a:srgbClr val="020302"/>
-                </a:solidFill>
-                <a:latin typeface="AdobeClean-Light"/>
-                <a:cs typeface="AdobeClean-Light"/>
-              </a:rPr>
-              <a:t> </a:t>
-            </a:r>
-            <a:r>
-              <a:rPr sz="1000" spc="-10" dirty="0">
-                <a:solidFill>
-                  <a:srgbClr val="020302"/>
-                </a:solidFill>
-                <a:latin typeface="AdobeClean-Light"/>
-                <a:cs typeface="AdobeClean-Light"/>
-              </a:rPr>
-              <a:t>case </a:t>
-            </a:r>
-            <a:r>
-              <a:rPr sz="1000" spc="-20">
-                <a:solidFill>
-                  <a:srgbClr val="020302"/>
-                </a:solidFill>
-                <a:latin typeface="AdobeClean-Light"/>
-                <a:cs typeface="AdobeClean-Light"/>
-              </a:rPr>
-              <a:t>submission</a:t>
-            </a:r>
-            <a:r>
-              <a:rPr lang="en-US" sz="1000" spc="-20">
-                <a:solidFill>
-                  <a:srgbClr val="020302"/>
-                </a:solidFill>
-                <a:latin typeface="AdobeClean-Light"/>
-                <a:cs typeface="AdobeClean-Light"/>
-              </a:rPr>
-              <a:t>.</a:t>
+              <a:t>Starten Sie eine Chat-Session, um Antworten und Hilfe bei der Fallübermittlung zu erhalten</a:t>
             </a:r>
           </a:p>
           <a:p>
             <a:pPr marL="33020" marR="159385">
+              <a:lnSpc>
+                <a:spcPct val="100000"/>
+              </a:lnSpc>
               <a:spcBef>
                 <a:spcPts val="100"/>
               </a:spcBef>
@@ -8661,49 +7371,44 @@
               </a:tabLst>
             </a:pPr>
             <a:r>
-              <a:rPr sz="1000" i="1" spc="-10" dirty="0">
+              <a:rPr lang="de-DE" sz="1000" i="1" dirty="0">
                 <a:solidFill>
                   <a:srgbClr val="7A7A7A"/>
                 </a:solidFill>
                 <a:latin typeface="AdobeClean-LightIt"/>
                 <a:cs typeface="AdobeClean-LightIt"/>
               </a:rPr>
-              <a:t>*Not all </a:t>
-            </a:r>
-            <a:r>
-              <a:rPr sz="1000" i="1" spc="-20" dirty="0">
+              <a:t>*Nicht alle Produkte verfügen über </a:t>
+            </a:r>
+            <a:br>
+              <a:rPr lang="sk-SK" sz="1000" i="1" dirty="0">
                 <a:solidFill>
                   <a:srgbClr val="7A7A7A"/>
                 </a:solidFill>
                 <a:latin typeface="AdobeClean-LightIt"/>
                 <a:cs typeface="AdobeClean-LightIt"/>
               </a:rPr>
-              <a:t>products have live chat support</a:t>
-            </a:r>
-            <a:r>
-              <a:rPr sz="900" i="1" spc="-20" dirty="0">
+            </a:br>
+            <a:r>
+              <a:rPr lang="de-DE" sz="1000" i="1" dirty="0">
                 <a:solidFill>
                   <a:srgbClr val="7A7A7A"/>
                 </a:solidFill>
                 <a:latin typeface="AdobeClean-LightIt"/>
                 <a:cs typeface="AdobeClean-LightIt"/>
               </a:rPr>
-              <a:t>.</a:t>
-            </a:r>
-            <a:r>
-              <a:rPr lang="en-US" sz="900" i="1" spc="-20" dirty="0">
+              <a:t>Live-Chat-Support</a:t>
+            </a:r>
+            <a:r>
+              <a:rPr lang="de-DE" sz="900" i="1" dirty="0">
                 <a:solidFill>
                   <a:srgbClr val="7A7A7A"/>
                 </a:solidFill>
                 <a:latin typeface="AdobeClean-LightIt"/>
                 <a:cs typeface="AdobeClean-LightIt"/>
               </a:rPr>
-              <a:t>  </a:t>
-            </a:r>
-            <a:endParaRPr sz="900">
-              <a:latin typeface="AdobeClean-Light"/>
-              <a:cs typeface="AdobeClean-Light"/>
-            </a:endParaRPr>
+              <a:t>.  </a:t>
+            </a:r>
           </a:p>
         </p:txBody>
       </p:sp>
@@ -8750,12 +7455,12 @@
               <a:defRPr/>
             </a:pPr>
             <a:r>
-              <a:rPr lang="en-US" sz="1200">
+              <a:rPr lang="de-DE" sz="1200">
                 <a:solidFill>
                   <a:srgbClr val="000000"/>
                 </a:solidFill>
               </a:rPr>
-              <a:t>Community Forums</a:t>
+              <a:t>Community-Foren</a:t>
             </a:r>
           </a:p>
         </p:txBody>
@@ -8798,12 +7503,12 @@
               </a:spcAft>
             </a:pPr>
             <a:r>
-              <a:rPr lang="en-US" sz="1200" b="1">
+              <a:rPr lang="de-DE" sz="1200" b="1">
                 <a:latin typeface="+mj-lt"/>
                 <a:ea typeface="Open Sans" pitchFamily="34" charset="0"/>
                 <a:cs typeface="Open Sans" pitchFamily="34" charset="0"/>
               </a:rPr>
-              <a:t>Online Forums</a:t>
+              <a:t>Online-Foren</a:t>
             </a:r>
           </a:p>
         </p:txBody>
@@ -8830,26 +7535,20 @@
           </a:prstGeom>
         </p:spPr>
         <p:txBody>
-          <a:bodyPr vert="horz" wrap="square" lIns="0" tIns="35560" rIns="0" bIns="0" rtlCol="0" anchor="t">
+          <a:bodyPr vert="horz" wrap="square" lIns="0" tIns="35560" rIns="0" bIns="0" rtlCol="0">
             <a:spAutoFit/>
           </a:bodyPr>
           <a:lstStyle/>
           <a:p>
             <a:r>
-              <a:rPr lang="en-US" sz="1000" dirty="0">
+              <a:rPr lang="de-DE" sz="1000">
                 <a:solidFill>
                   <a:srgbClr val="4B4B4B"/>
                 </a:solidFill>
-                <a:latin typeface="Adobe Clean Light"/>
+                <a:latin typeface="Adobe Clean Light" panose="020B0303020404020204" pitchFamily="34" charset="0"/>
               </a:rPr>
-              <a:t>Continuous online access to a growing database of technical solutions, product documentation, FAQs and more. Connect with practitioners and other customers on Adobe Community to share best practices and lessons learned.</a:t>
-            </a:r>
-            <a:endParaRPr lang="en-US" sz="1000" dirty="0">
-              <a:solidFill>
-                <a:srgbClr val="4B4B4B"/>
-              </a:solidFill>
-              <a:latin typeface="Adobe Clean Light" panose="020B0303020404020204" pitchFamily="34" charset="0"/>
-            </a:endParaRPr>
+              <a:t>Kontinuierlicher Online-Zugriff auf eine wachsende Datenbank technischer Lösungen, Produktdokumentationen, FAQs und mehr. Tauschen Sie sich mit Fachleuten und anderen Kunden in der Adobe-Community über Best Practices und Erfahrungen aus</a:t>
+            </a:r>
           </a:p>
         </p:txBody>
       </p:sp>
@@ -8896,7 +7595,7 @@
               <a:defRPr/>
             </a:pPr>
             <a:r>
-              <a:rPr lang="en-US" sz="1200">
+              <a:rPr lang="de-DE" sz="1200">
                 <a:solidFill>
                   <a:srgbClr val="000000"/>
                 </a:solidFill>
@@ -8944,12 +7643,12 @@
               </a:spcAft>
             </a:pPr>
             <a:r>
-              <a:rPr lang="en-US" sz="1200" b="1">
+              <a:rPr lang="de-DE" sz="1200" b="1">
                 <a:latin typeface="+mj-lt"/>
                 <a:ea typeface="Open Sans" pitchFamily="34" charset="0"/>
                 <a:cs typeface="Open Sans" pitchFamily="34" charset="0"/>
               </a:rPr>
-              <a:t>Self-guided Journeys</a:t>
+              <a:t>Journeys für die Selbsthilfe</a:t>
             </a:r>
           </a:p>
         </p:txBody>
@@ -8976,26 +7675,20 @@
           </a:prstGeom>
         </p:spPr>
         <p:txBody>
-          <a:bodyPr vert="horz" wrap="square" lIns="0" tIns="35560" rIns="0" bIns="0" rtlCol="0" anchor="t">
+          <a:bodyPr vert="horz" wrap="square" lIns="0" tIns="35560" rIns="0" bIns="0" rtlCol="0">
             <a:spAutoFit/>
           </a:bodyPr>
           <a:lstStyle/>
           <a:p>
             <a:r>
-              <a:rPr lang="en-US" sz="1000" dirty="0">
+              <a:rPr lang="de-DE" sz="1000">
                 <a:solidFill>
                   <a:srgbClr val="4B4B4B"/>
                 </a:solidFill>
-                <a:latin typeface="Adobe Clean Light"/>
+                <a:latin typeface="Adobe Clean Light" panose="020B0303020404020204" pitchFamily="34" charset="0"/>
               </a:rPr>
-              <a:t>Experience Makers are made with Experience League. Customers can kickstart their Customer Experience Management abilities with personalized learning to develop skills, engage with a global community of peers, and earn career advancing recognition.</a:t>
-            </a:r>
-            <a:endParaRPr lang="en-US" sz="1000" dirty="0">
-              <a:solidFill>
-                <a:srgbClr val="4B4B4B"/>
-              </a:solidFill>
-              <a:latin typeface="Adobe Clean Light" panose="020B0303020404020204" pitchFamily="34" charset="0"/>
-            </a:endParaRPr>
+              <a:t>Experience Maker entstehen in der Experience League. Kunden können durch personalisiertes Lernen ihre Customer-Experience-Management-Fähigkeiten entwickeln, mit einer globalen Community anderer Anwender interagieren und so ihre eigene Karriere fördern</a:t>
+            </a:r>
           </a:p>
         </p:txBody>
       </p:sp>
@@ -9042,12 +7735,12 @@
               <a:defRPr/>
             </a:pPr>
             <a:r>
-              <a:rPr lang="en-US" sz="1200">
+              <a:rPr lang="de-DE" sz="1200">
                 <a:solidFill>
                   <a:srgbClr val="000000"/>
                 </a:solidFill>
               </a:rPr>
-              <a:t>Live Chat  Support*</a:t>
+              <a:t>Live-Chat-Support*</a:t>
             </a:r>
           </a:p>
         </p:txBody>
@@ -9090,12 +7783,12 @@
               </a:spcAft>
             </a:pPr>
             <a:r>
-              <a:rPr lang="en-US" sz="1200" b="1">
+              <a:rPr lang="de-DE" sz="1200" b="1">
                 <a:latin typeface="+mj-lt"/>
                 <a:ea typeface="Open Sans" pitchFamily="34" charset="0"/>
                 <a:cs typeface="Open Sans" pitchFamily="34" charset="0"/>
               </a:rPr>
-              <a:t>Chat Support</a:t>
+              <a:t>Chat-Support</a:t>
             </a:r>
           </a:p>
         </p:txBody>
@@ -9143,7 +7836,7 @@
               <a:defRPr/>
             </a:pPr>
             <a:r>
-              <a:rPr lang="en-US" sz="1200">
+              <a:rPr lang="de-DE" sz="1200">
                 <a:solidFill>
                   <a:srgbClr val="000000"/>
                 </a:solidFill>
@@ -9191,12 +7884,12 @@
               </a:spcAft>
             </a:pPr>
             <a:r>
-              <a:rPr lang="en-US" sz="1200" b="1">
+              <a:rPr lang="de-DE" sz="1200" b="1">
                 <a:latin typeface="+mj-lt"/>
                 <a:ea typeface="Open Sans" pitchFamily="34" charset="0"/>
                 <a:cs typeface="Open Sans" pitchFamily="34" charset="0"/>
               </a:rPr>
-              <a:t>Phone  Support</a:t>
+              <a:t>Telefonischer Support</a:t>
             </a:r>
           </a:p>
         </p:txBody>
@@ -9229,35 +7922,29 @@
           <a:lstStyle/>
           <a:p>
             <a:r>
-              <a:rPr lang="en-US" sz="1000">
+              <a:rPr lang="de-DE" sz="1000">
                 <a:solidFill>
                   <a:srgbClr val="020302"/>
                 </a:solidFill>
                 <a:latin typeface="AdobeClean-Light"/>
               </a:rPr>
-              <a:t>Authorized users or </a:t>
-            </a:r>
-            <a:r>
-              <a:rPr lang="en-US" sz="1000" b="1">
+              <a:t>Autorisierte Anwender oder </a:t>
+            </a:r>
+            <a:r>
+              <a:rPr lang="de-DE" sz="1000" b="1">
                 <a:solidFill>
                   <a:srgbClr val="020302"/>
                 </a:solidFill>
                 <a:latin typeface="AdobeClean-Light"/>
               </a:rPr>
-              <a:t>Named Support Contacts </a:t>
-            </a:r>
-            <a:r>
-              <a:rPr lang="en-US" sz="1000">
+              <a:t>spezifische Support-Kontakte</a:t>
+            </a:r>
+            <a:r>
+              <a:rPr lang="de-DE" sz="1000">
                 <a:latin typeface="Adobe Clean Light" panose="020B0303020404020204" pitchFamily="34" charset="0"/>
               </a:rPr>
-              <a:t>can submit issues through all available  channels (including phone for P1) and interact with our technical support team on behalf of your company. </a:t>
-            </a:r>
-            <a:endParaRPr lang="en-US" sz="1000">
-              <a:solidFill>
-                <a:srgbClr val="000000"/>
-              </a:solidFill>
-              <a:latin typeface="Adobe Clean Light" panose="020B0303020404020204" pitchFamily="34" charset="0"/>
-            </a:endParaRPr>
+              <a:t> können Probleme über alle verfügbaren Kanäle (einschließlich Telefon für P1) einreichen und im Namen Ihres Unternehmens mit unserem technischen Support-Team interagieren. </a:t>
+            </a:r>
           </a:p>
         </p:txBody>
       </p:sp>
@@ -9276,7 +7963,7 @@
         <p:spPr>
           <a:xfrm>
             <a:off x="214971" y="6447157"/>
-            <a:ext cx="1848207" cy="45719"/>
+            <a:ext cx="2128177" cy="60742"/>
           </a:xfrm>
           <a:custGeom>
             <a:avLst/>
@@ -9345,19 +8032,15 @@
               </a:spcBef>
             </a:pPr>
             <a:r>
-              <a:rPr lang="en-US" sz="1400" b="1" spc="-10">
+              <a:rPr lang="de-DE" sz="1400" b="1">
                 <a:solidFill>
                   <a:srgbClr val="020302"/>
                 </a:solidFill>
                 <a:latin typeface="Adobe Clean"/>
                 <a:cs typeface="Adobe Clean"/>
               </a:rPr>
-              <a:t>Online Support Features</a:t>
-            </a:r>
-            <a:endParaRPr lang="en-US" sz="1400">
-              <a:latin typeface="Adobe Clean"/>
-              <a:cs typeface="Adobe Clean"/>
-            </a:endParaRPr>
+              <a:t>Umfang von Online Support</a:t>
+            </a:r>
           </a:p>
         </p:txBody>
       </p:sp>
@@ -9404,7 +8087,7 @@
               <a:defRPr/>
             </a:pPr>
             <a:r>
-              <a:rPr lang="en-US" sz="1200">
+              <a:rPr lang="de-DE" sz="1200">
                 <a:solidFill>
                   <a:srgbClr val="000000"/>
                 </a:solidFill>
@@ -9452,12 +8135,12 @@
               </a:spcAft>
             </a:pPr>
             <a:r>
-              <a:rPr lang="en-US" sz="1200" b="1">
+              <a:rPr lang="de-DE" sz="1200" b="1">
                 <a:latin typeface="+mj-lt"/>
                 <a:ea typeface="Open Sans" pitchFamily="34" charset="0"/>
                 <a:cs typeface="Open Sans" pitchFamily="34" charset="0"/>
               </a:rPr>
-              <a:t>Webinars</a:t>
+              <a:t>Webinare</a:t>
             </a:r>
           </a:p>
         </p:txBody>
@@ -9477,7 +8160,7 @@
         <p:spPr>
           <a:xfrm>
             <a:off x="355868" y="8986613"/>
-            <a:ext cx="2194560" cy="805349"/>
+            <a:ext cx="2396720" cy="805349"/>
           </a:xfrm>
           <a:prstGeom prst="rect">
             <a:avLst/>
@@ -9490,13 +8173,13 @@
           <a:lstStyle/>
           <a:p>
             <a:r>
-              <a:rPr lang="en-US" sz="1000">
+              <a:rPr lang="de-DE" sz="1000" dirty="0">
                 <a:solidFill>
                   <a:srgbClr val="4B4B4B"/>
                 </a:solidFill>
                 <a:latin typeface="Adobe Clean Light" panose="020B0303020404020204" pitchFamily="34" charset="0"/>
               </a:rPr>
-              <a:t>Office Hours led by the Adobe Customer Support team includes sessions designed to inform as well as help participants troubleshoot problems and provide tips and tricks for success with Adobe solutions. </a:t>
+              <a:t>Die vom Adobe Support-Team geleitete Office Hours-Reihe umfasst Sessions mit informativem Inhalt sowie Angebote zur Problembehebung sowie Tipps und Tricks für den Erfolg bei der Nutzung von Adobe-Lösungen. </a:t>
             </a:r>
           </a:p>
         </p:txBody>
@@ -9544,12 +8227,12 @@
               <a:defRPr/>
             </a:pPr>
             <a:r>
-              <a:rPr lang="en-US" sz="1200">
+              <a:rPr lang="de-DE" sz="1200">
                 <a:solidFill>
                   <a:srgbClr val="000000"/>
                 </a:solidFill>
               </a:rPr>
-              <a:t>Self-help Portals</a:t>
+              <a:t>Selbsthilfe-Portale</a:t>
             </a:r>
           </a:p>
         </p:txBody>
@@ -9592,12 +8275,12 @@
               </a:spcAft>
             </a:pPr>
             <a:r>
-              <a:rPr lang="en-US" sz="1200" b="1">
+              <a:rPr lang="de-DE" sz="1200" b="1">
                 <a:latin typeface="+mj-lt"/>
                 <a:ea typeface="Open Sans" pitchFamily="34" charset="0"/>
                 <a:cs typeface="Open Sans" pitchFamily="34" charset="0"/>
               </a:rPr>
-              <a:t>24/7 Support Portal</a:t>
+              <a:t>24/7-Support-Portal</a:t>
             </a:r>
           </a:p>
         </p:txBody>
@@ -9617,7 +8300,7 @@
         <p:spPr>
           <a:xfrm>
             <a:off x="5265661" y="8947635"/>
-            <a:ext cx="2194560" cy="805349"/>
+            <a:ext cx="2408951" cy="959237"/>
           </a:xfrm>
           <a:prstGeom prst="rect">
             <a:avLst/>
@@ -9630,30 +8313,13 @@
           <a:lstStyle/>
           <a:p>
             <a:r>
-              <a:rPr lang="en-US" sz="1000">
+              <a:rPr lang="de-DE" sz="1000" dirty="0">
                 <a:solidFill>
                   <a:srgbClr val="4B4B4B"/>
                 </a:solidFill>
                 <a:latin typeface="Adobe Clean Light" panose="020B0303020404020204" pitchFamily="34" charset="0"/>
               </a:rPr>
-              <a:t>On-demand access to the online </a:t>
-            </a:r>
-            <a:br>
-              <a:rPr lang="en-US" sz="1000">
-                <a:solidFill>
-                  <a:srgbClr val="4B4B4B"/>
-                </a:solidFill>
-                <a:latin typeface="Adobe Clean Light" panose="020B0303020404020204" pitchFamily="34" charset="0"/>
-              </a:rPr>
-            </a:br>
-            <a:r>
-              <a:rPr lang="en-US" sz="1000">
-                <a:solidFill>
-                  <a:srgbClr val="4B4B4B"/>
-                </a:solidFill>
-                <a:latin typeface="Adobe Clean Light" panose="020B0303020404020204" pitchFamily="34" charset="0"/>
-              </a:rPr>
-              <a:t>Self-help Support Portal to submit support requests, review case status, and browse other resources, like our knowledgebase, news and alerts, featured tips, and more.</a:t>
+              <a:t>On-Demand-Zugriff auf das Online-Selbsthilfe-Support-Portal, um Support-Anfragen einzureichen, den Fallstatus zu überprüfen und andere Ressourcen zu durchsuchen, z. B. unsere Wissensdatenbank, Neuigkeiten und Hinweise, spezielle Tipps und mehr.</a:t>
             </a:r>
           </a:p>
         </p:txBody>
@@ -9787,36 +8453,8 @@
               </a:spcBef>
             </a:pPr>
             <a:r>
-              <a:rPr lang="en-US" spc="-10"/>
-              <a:t>©2021</a:t>
-            </a:r>
-            <a:r>
-              <a:rPr lang="en-US" spc="-5"/>
-              <a:t> Adobe. All</a:t>
-            </a:r>
-            <a:r>
-              <a:rPr lang="en-US" spc="-10"/>
-              <a:t> Rights</a:t>
-            </a:r>
-            <a:r>
-              <a:rPr lang="en-US" spc="-5"/>
-              <a:t> </a:t>
-            </a:r>
-            <a:r>
-              <a:rPr lang="en-US" spc="-10"/>
-              <a:t>Reserved.</a:t>
-            </a:r>
-            <a:r>
-              <a:rPr lang="en-US" spc="-5"/>
-              <a:t> Adobe</a:t>
-            </a:r>
-            <a:r>
-              <a:rPr lang="en-US" spc="60"/>
-              <a:t> </a:t>
-            </a:r>
-            <a:r>
-              <a:rPr lang="en-US" spc="-10"/>
-              <a:t>Confidential.</a:t>
+              <a:rPr lang="de-DE"/>
+              <a:t>©2021 Adobe. All Rights Reserved. Adobe Confidential.</a:t>
             </a:r>
           </a:p>
         </p:txBody>
@@ -9835,8 +8473,8 @@
         </p:nvSpPr>
         <p:spPr>
           <a:xfrm>
-            <a:off x="214971" y="868681"/>
-            <a:ext cx="2103120" cy="45719"/>
+            <a:off x="214970" y="868681"/>
+            <a:ext cx="2354171" cy="76595"/>
           </a:xfrm>
           <a:custGeom>
             <a:avLst/>
@@ -9905,19 +8543,15 @@
               </a:spcBef>
             </a:pPr>
             <a:r>
-              <a:rPr lang="en-US" sz="1400" b="1" spc="-10">
+              <a:rPr lang="de-DE" sz="1400" b="1">
                 <a:solidFill>
                   <a:srgbClr val="020302"/>
                 </a:solidFill>
                 <a:latin typeface="Adobe Clean"/>
                 <a:cs typeface="Adobe Clean"/>
               </a:rPr>
-              <a:t>Enterprise Support Features</a:t>
-            </a:r>
-            <a:endParaRPr lang="en-US" sz="1400">
-              <a:latin typeface="Adobe Clean"/>
-              <a:cs typeface="Adobe Clean"/>
-            </a:endParaRPr>
+              <a:t>Umfang von Enterprise Support</a:t>
+            </a:r>
           </a:p>
         </p:txBody>
       </p:sp>
@@ -9936,7 +8570,7 @@
         <p:spPr>
           <a:xfrm>
             <a:off x="689237" y="2603192"/>
-            <a:ext cx="1555491" cy="197490"/>
+            <a:ext cx="1811734" cy="197490"/>
           </a:xfrm>
           <a:prstGeom prst="rect">
             <a:avLst/>
@@ -9957,199 +8591,15 @@
               </a:spcBef>
             </a:pPr>
             <a:r>
-              <a:rPr sz="1200" b="1" spc="-25">
+              <a:rPr lang="de-DE" sz="1200" b="1" dirty="0">
                 <a:solidFill>
                   <a:srgbClr val="020302"/>
                 </a:solidFill>
                 <a:latin typeface="Adobe Clean"/>
                 <a:cs typeface="Adobe Clean"/>
               </a:rPr>
-              <a:t>E</a:t>
-            </a:r>
-            <a:r>
-              <a:rPr sz="1200" b="1" spc="-20">
-                <a:solidFill>
-                  <a:srgbClr val="020302"/>
-                </a:solidFill>
-                <a:latin typeface="Adobe Clean"/>
-                <a:cs typeface="Adobe Clean"/>
-              </a:rPr>
-              <a:t>s</a:t>
-            </a:r>
-            <a:r>
-              <a:rPr sz="1200" b="1" spc="-30">
-                <a:solidFill>
-                  <a:srgbClr val="020302"/>
-                </a:solidFill>
-                <a:latin typeface="Adobe Clean"/>
-                <a:cs typeface="Adobe Clean"/>
-              </a:rPr>
-              <a:t>c</a:t>
-            </a:r>
-            <a:r>
-              <a:rPr sz="1200" b="1" spc="-20">
-                <a:solidFill>
-                  <a:srgbClr val="020302"/>
-                </a:solidFill>
-                <a:latin typeface="Adobe Clean"/>
-                <a:cs typeface="Adobe Clean"/>
-              </a:rPr>
-              <a:t>a</a:t>
-            </a:r>
-            <a:r>
-              <a:rPr sz="1200" b="1" spc="-25">
-                <a:solidFill>
-                  <a:srgbClr val="020302"/>
-                </a:solidFill>
-                <a:latin typeface="Adobe Clean"/>
-                <a:cs typeface="Adobe Clean"/>
-              </a:rPr>
-              <a:t>l</a:t>
-            </a:r>
-            <a:r>
-              <a:rPr sz="1200" b="1" spc="-20">
-                <a:solidFill>
-                  <a:srgbClr val="020302"/>
-                </a:solidFill>
-                <a:latin typeface="Adobe Clean"/>
-                <a:cs typeface="Adobe Clean"/>
-              </a:rPr>
-              <a:t>a</a:t>
-            </a:r>
-            <a:r>
-              <a:rPr sz="1200" b="1" spc="-25">
-                <a:solidFill>
-                  <a:srgbClr val="020302"/>
-                </a:solidFill>
-                <a:latin typeface="Adobe Clean"/>
-                <a:cs typeface="Adobe Clean"/>
-              </a:rPr>
-              <a:t>t</a:t>
-            </a:r>
-            <a:r>
-              <a:rPr sz="1200" b="1" spc="-20">
-                <a:solidFill>
-                  <a:srgbClr val="020302"/>
-                </a:solidFill>
-                <a:latin typeface="Adobe Clean"/>
-                <a:cs typeface="Adobe Clean"/>
-              </a:rPr>
-              <a:t>i</a:t>
-            </a:r>
-            <a:r>
-              <a:rPr sz="1200" b="1" spc="-15">
-                <a:solidFill>
-                  <a:srgbClr val="020302"/>
-                </a:solidFill>
-                <a:latin typeface="Adobe Clean"/>
-                <a:cs typeface="Adobe Clean"/>
-              </a:rPr>
-              <a:t>o</a:t>
-            </a:r>
-            <a:r>
-              <a:rPr sz="1200" b="1">
-                <a:solidFill>
-                  <a:srgbClr val="020302"/>
-                </a:solidFill>
-                <a:latin typeface="Adobe Clean"/>
-                <a:cs typeface="Adobe Clean"/>
-              </a:rPr>
-              <a:t>n</a:t>
-            </a:r>
-            <a:r>
-              <a:rPr sz="1200" b="1" spc="-55">
-                <a:solidFill>
-                  <a:srgbClr val="020302"/>
-                </a:solidFill>
-                <a:latin typeface="Adobe Clean"/>
-                <a:cs typeface="Adobe Clean"/>
-              </a:rPr>
-              <a:t> </a:t>
-            </a:r>
-            <a:r>
-              <a:rPr sz="1200" b="1" spc="-35">
-                <a:solidFill>
-                  <a:srgbClr val="020302"/>
-                </a:solidFill>
-                <a:latin typeface="Adobe Clean"/>
-                <a:cs typeface="Adobe Clean"/>
-              </a:rPr>
-              <a:t>M</a:t>
-            </a:r>
-            <a:r>
-              <a:rPr sz="1200" b="1" spc="-25">
-                <a:solidFill>
-                  <a:srgbClr val="020302"/>
-                </a:solidFill>
-                <a:latin typeface="Adobe Clean"/>
-                <a:cs typeface="Adobe Clean"/>
-              </a:rPr>
-              <a:t>a</a:t>
-            </a:r>
-            <a:r>
-              <a:rPr sz="1200" b="1" spc="-30">
-                <a:solidFill>
-                  <a:srgbClr val="020302"/>
-                </a:solidFill>
-                <a:latin typeface="Adobe Clean"/>
-                <a:cs typeface="Adobe Clean"/>
-              </a:rPr>
-              <a:t>n</a:t>
-            </a:r>
-            <a:r>
-              <a:rPr sz="1200" b="1" spc="-25">
-                <a:solidFill>
-                  <a:srgbClr val="020302"/>
-                </a:solidFill>
-                <a:latin typeface="Adobe Clean"/>
-                <a:cs typeface="Adobe Clean"/>
-              </a:rPr>
-              <a:t>a</a:t>
-            </a:r>
-            <a:r>
-              <a:rPr sz="1200" b="1" spc="-30">
-                <a:solidFill>
-                  <a:srgbClr val="020302"/>
-                </a:solidFill>
-                <a:latin typeface="Adobe Clean"/>
-                <a:cs typeface="Adobe Clean"/>
-              </a:rPr>
-              <a:t>ge</a:t>
-            </a:r>
-            <a:r>
-              <a:rPr sz="1200" b="1" spc="-25">
-                <a:solidFill>
-                  <a:srgbClr val="020302"/>
-                </a:solidFill>
-                <a:latin typeface="Adobe Clean"/>
-                <a:cs typeface="Adobe Clean"/>
-              </a:rPr>
-              <a:t>m</a:t>
-            </a:r>
-            <a:r>
-              <a:rPr sz="1200" b="1" spc="-30">
-                <a:solidFill>
-                  <a:srgbClr val="020302"/>
-                </a:solidFill>
-                <a:latin typeface="Adobe Clean"/>
-                <a:cs typeface="Adobe Clean"/>
-              </a:rPr>
-              <a:t>en</a:t>
-            </a:r>
-            <a:r>
-              <a:rPr sz="1200" b="1">
-                <a:solidFill>
-                  <a:srgbClr val="020302"/>
-                </a:solidFill>
-                <a:latin typeface="Adobe Clean"/>
-                <a:cs typeface="Adobe Clean"/>
-              </a:rPr>
-              <a:t>t</a:t>
-            </a:r>
-            <a:endParaRPr sz="1200">
-              <a:latin typeface="Adobe Clean"/>
-              <a:cs typeface="Adobe Clean"/>
-            </a:endParaRPr>
+              <a:t>Eskalations-Management</a:t>
+            </a:r>
           </a:p>
         </p:txBody>
       </p:sp>
@@ -10189,18 +8639,14 @@
               </a:spcBef>
             </a:pPr>
             <a:r>
-              <a:rPr lang="en-US" sz="1000">
+              <a:rPr lang="de-DE" sz="1000">
                 <a:solidFill>
                   <a:srgbClr val="4B4B4B"/>
                 </a:solidFill>
                 <a:latin typeface="Adobe Clean Light" panose="020B0303020404020204" pitchFamily="34" charset="0"/>
               </a:rPr>
-              <a:t>A designated point of contact within Adobe who can provide escalation assistance, regular updates and ensure priority is given to your most critical open support requests.</a:t>
-            </a:r>
-            <a:endParaRPr sz="1000">
-              <a:latin typeface="Adobe Clean Light" panose="020B0303020404020204" pitchFamily="34" charset="0"/>
-              <a:cs typeface="AdobeClean-Light"/>
-            </a:endParaRPr>
+              <a:t>Ein spezifischer Ansprechpartner innerhalb von Adobe, der Unterstützung bei Eskalation und regelmäßigen Updates bietet und sicherstellt, dass die wichtigsten offenen Support-Anfragen priorisiert werden.</a:t>
+            </a:r>
           </a:p>
         </p:txBody>
       </p:sp>
@@ -10218,8 +8664,8 @@
         </p:nvSpPr>
         <p:spPr>
           <a:xfrm>
-            <a:off x="3201544" y="2592995"/>
-            <a:ext cx="1036205" cy="197490"/>
+            <a:off x="3201544" y="2592994"/>
+            <a:ext cx="1408205" cy="197490"/>
           </a:xfrm>
           <a:prstGeom prst="rect">
             <a:avLst/>
@@ -10240,149 +8686,15 @@
               </a:spcBef>
             </a:pPr>
             <a:r>
-              <a:rPr sz="1200" b="1" spc="-20">
+              <a:rPr lang="de-DE" sz="1200" b="1" dirty="0">
                 <a:solidFill>
                   <a:srgbClr val="020302"/>
                 </a:solidFill>
                 <a:latin typeface="Adobe Clean"/>
                 <a:cs typeface="Adobe Clean"/>
               </a:rPr>
-              <a:t>S</a:t>
-            </a:r>
-            <a:r>
-              <a:rPr sz="1200" b="1" spc="-25">
-                <a:solidFill>
-                  <a:srgbClr val="020302"/>
-                </a:solidFill>
-                <a:latin typeface="Adobe Clean"/>
-                <a:cs typeface="Adobe Clean"/>
-              </a:rPr>
-              <a:t>e</a:t>
-            </a:r>
-            <a:r>
-              <a:rPr sz="1200" b="1" spc="-20">
-                <a:solidFill>
-                  <a:srgbClr val="020302"/>
-                </a:solidFill>
-                <a:latin typeface="Adobe Clean"/>
-                <a:cs typeface="Adobe Clean"/>
-              </a:rPr>
-              <a:t>r</a:t>
-            </a:r>
-            <a:r>
-              <a:rPr sz="1200" b="1" spc="-25">
-                <a:solidFill>
-                  <a:srgbClr val="020302"/>
-                </a:solidFill>
-                <a:latin typeface="Adobe Clean"/>
-                <a:cs typeface="Adobe Clean"/>
-              </a:rPr>
-              <a:t>v</a:t>
-            </a:r>
-            <a:r>
-              <a:rPr sz="1200" b="1" spc="-20">
-                <a:solidFill>
-                  <a:srgbClr val="020302"/>
-                </a:solidFill>
-                <a:latin typeface="Adobe Clean"/>
-                <a:cs typeface="Adobe Clean"/>
-              </a:rPr>
-              <a:t>i</a:t>
-            </a:r>
-            <a:r>
-              <a:rPr sz="1200" b="1" spc="-30">
-                <a:solidFill>
-                  <a:srgbClr val="020302"/>
-                </a:solidFill>
-                <a:latin typeface="Adobe Clean"/>
-                <a:cs typeface="Adobe Clean"/>
-              </a:rPr>
-              <a:t>c</a:t>
-            </a:r>
-            <a:r>
-              <a:rPr sz="1200" b="1">
-                <a:solidFill>
-                  <a:srgbClr val="020302"/>
-                </a:solidFill>
-                <a:latin typeface="Adobe Clean"/>
-                <a:cs typeface="Adobe Clean"/>
-              </a:rPr>
-              <a:t>e</a:t>
-            </a:r>
-            <a:r>
-              <a:rPr sz="1200" b="1" spc="-80">
-                <a:solidFill>
-                  <a:srgbClr val="020302"/>
-                </a:solidFill>
-                <a:latin typeface="Adobe Clean"/>
-                <a:cs typeface="Adobe Clean"/>
-              </a:rPr>
-              <a:t> </a:t>
-            </a:r>
-            <a:r>
-              <a:rPr sz="1200" b="1" spc="-20">
-                <a:solidFill>
-                  <a:srgbClr val="020302"/>
-                </a:solidFill>
-                <a:latin typeface="Adobe Clean"/>
-                <a:cs typeface="Adobe Clean"/>
-              </a:rPr>
-              <a:t>R</a:t>
-            </a:r>
-            <a:r>
-              <a:rPr sz="1200" b="1" spc="-25">
-                <a:solidFill>
-                  <a:srgbClr val="020302"/>
-                </a:solidFill>
-                <a:latin typeface="Adobe Clean"/>
-                <a:cs typeface="Adobe Clean"/>
-              </a:rPr>
-              <a:t>e</a:t>
-            </a:r>
-            <a:r>
-              <a:rPr sz="1200" b="1" spc="-30">
-                <a:solidFill>
-                  <a:srgbClr val="020302"/>
-                </a:solidFill>
-                <a:latin typeface="Adobe Clean"/>
-                <a:cs typeface="Adobe Clean"/>
-              </a:rPr>
-              <a:t>v</a:t>
-            </a:r>
-            <a:r>
-              <a:rPr sz="1200" b="1" spc="-20">
-                <a:solidFill>
-                  <a:srgbClr val="020302"/>
-                </a:solidFill>
-                <a:latin typeface="Adobe Clean"/>
-                <a:cs typeface="Adobe Clean"/>
-              </a:rPr>
-              <a:t>i</a:t>
-            </a:r>
-            <a:r>
-              <a:rPr sz="1200" b="1" spc="-25">
-                <a:solidFill>
-                  <a:srgbClr val="020302"/>
-                </a:solidFill>
-                <a:latin typeface="Adobe Clean"/>
-                <a:cs typeface="Adobe Clean"/>
-              </a:rPr>
-              <a:t>ew</a:t>
-            </a:r>
-            <a:r>
-              <a:rPr sz="1200" b="1">
-                <a:solidFill>
-                  <a:srgbClr val="020302"/>
-                </a:solidFill>
-                <a:latin typeface="Adobe Clean"/>
-                <a:cs typeface="Adobe Clean"/>
-              </a:rPr>
-              <a:t>s</a:t>
-            </a:r>
-            <a:endParaRPr sz="1200">
-              <a:latin typeface="Adobe Clean"/>
-              <a:cs typeface="Adobe Clean"/>
-            </a:endParaRPr>
+              <a:t>Service-Prüfungen</a:t>
+            </a:r>
           </a:p>
         </p:txBody>
       </p:sp>
@@ -10422,18 +8734,31 @@
               </a:spcBef>
             </a:pPr>
             <a:r>
-              <a:rPr lang="en-US" sz="1000">
+              <a:rPr lang="de-DE" sz="1000" dirty="0">
                 <a:solidFill>
                   <a:srgbClr val="4B4B4B"/>
                 </a:solidFill>
                 <a:latin typeface="Adobe Clean Light" panose="020B0303020404020204" pitchFamily="34" charset="0"/>
               </a:rPr>
-              <a:t>A bi-annual comprehensive review of  Enterprise program services, benefits and support metrics.</a:t>
-            </a:r>
-            <a:endParaRPr sz="1000">
-              <a:latin typeface="Adobe Clean Light" panose="020B0303020404020204" pitchFamily="34" charset="0"/>
-              <a:cs typeface="AdobeClean-Light"/>
-            </a:endParaRPr>
+              <a:t>Eine halbjährliche umfassende Prüfung </a:t>
+            </a:r>
+            <a:br>
+              <a:rPr lang="sk-SK" sz="1000" dirty="0">
+                <a:solidFill>
+                  <a:srgbClr val="4B4B4B"/>
+                </a:solidFill>
+                <a:latin typeface="Adobe Clean Light" panose="020B0303020404020204" pitchFamily="34" charset="0"/>
+              </a:rPr>
+            </a:br>
+            <a:r>
+              <a:rPr lang="de-DE" sz="1000" dirty="0">
+                <a:solidFill>
+                  <a:srgbClr val="4B4B4B"/>
+                </a:solidFill>
+                <a:latin typeface="Adobe Clean Light" panose="020B0303020404020204" pitchFamily="34" charset="0"/>
+              </a:rPr>
+              <a:t>der Services, Vorteile und Support-Metriken des Enterprise-Programms.</a:t>
+            </a:r>
           </a:p>
         </p:txBody>
       </p:sp>
@@ -10473,18 +8798,14 @@
               </a:spcBef>
             </a:pPr>
             <a:r>
-              <a:rPr lang="en-US" sz="1000">
+              <a:rPr lang="de-DE" sz="1000">
                 <a:solidFill>
                   <a:srgbClr val="4B4B4B"/>
                 </a:solidFill>
                 <a:latin typeface="Adobe Clean Light" panose="020B0303020404020204" pitchFamily="34" charset="0"/>
               </a:rPr>
-              <a:t>A 60-minute session focusing on a specific product feature and how it can be utilized to solve common business problems.</a:t>
-            </a:r>
-            <a:endParaRPr sz="1000">
-              <a:latin typeface="Adobe Clean Light" panose="020B0303020404020204" pitchFamily="34" charset="0"/>
-              <a:cs typeface="AdobeClean-Light"/>
-            </a:endParaRPr>
+              <a:t>Eine 60-minütige Session mit Konzentration auf eine bestimmte Produktfunktion und deren Nutzung zum Lösen gängiger Unternehmensprobleme.</a:t>
+            </a:r>
           </a:p>
         </p:txBody>
       </p:sp>
@@ -10503,14 +8824,14 @@
         <p:spPr>
           <a:xfrm>
             <a:off x="5265661" y="5001737"/>
-            <a:ext cx="2194560" cy="536622"/>
+            <a:ext cx="2194560" cy="713850"/>
           </a:xfrm>
           <a:prstGeom prst="rect">
             <a:avLst/>
           </a:prstGeom>
         </p:spPr>
         <p:txBody>
-          <a:bodyPr vert="horz" wrap="square" lIns="0" tIns="12700" rIns="0" bIns="0" rtlCol="0" anchor="t">
+          <a:bodyPr vert="horz" wrap="square" lIns="0" tIns="12700" rIns="0" bIns="0" rtlCol="0">
             <a:spAutoFit/>
           </a:bodyPr>
           <a:lstStyle/>
@@ -10524,20 +8845,65 @@
               </a:spcBef>
             </a:pPr>
             <a:r>
-              <a:rPr lang="en-US" sz="1000" dirty="0">
+              <a:rPr lang="de-DE" sz="1000" dirty="0">
                 <a:solidFill>
                   <a:srgbClr val="4B4B4B"/>
                 </a:solidFill>
-                <a:latin typeface="Adobe Clean Light"/>
+                <a:latin typeface="Adobe Clean Light" panose="020B0303020404020204" pitchFamily="34" charset="0"/>
               </a:rPr>
-              <a:t>Drive adoption of customization best practices and core components in AEM as a Cloud Service.</a:t>
-            </a:r>
-            <a:endParaRPr sz="1000" dirty="0">
-              <a:solidFill>
-                <a:srgbClr val="4B4B4B"/>
-              </a:solidFill>
-              <a:latin typeface="Adobe Clean Light" panose="020B0303020404020204" pitchFamily="34" charset="0"/>
-            </a:endParaRPr>
+              <a:t>Förderung der Übernahme von </a:t>
+            </a:r>
+            <a:br>
+              <a:rPr lang="sk-SK" sz="1000" dirty="0">
+                <a:solidFill>
+                  <a:srgbClr val="4B4B4B"/>
+                </a:solidFill>
+                <a:latin typeface="Adobe Clean Light" panose="020B0303020404020204" pitchFamily="34" charset="0"/>
+              </a:rPr>
+            </a:br>
+            <a:r>
+              <a:rPr lang="de-DE" sz="1000" dirty="0">
+                <a:solidFill>
+                  <a:srgbClr val="4B4B4B"/>
+                </a:solidFill>
+                <a:latin typeface="Adobe Clean Light" panose="020B0303020404020204" pitchFamily="34" charset="0"/>
+              </a:rPr>
+              <a:t>Best Practices für die Anpassung </a:t>
+            </a:r>
+            <a:br>
+              <a:rPr lang="sk-SK" sz="1000" dirty="0">
+                <a:solidFill>
+                  <a:srgbClr val="4B4B4B"/>
+                </a:solidFill>
+                <a:latin typeface="Adobe Clean Light" panose="020B0303020404020204" pitchFamily="34" charset="0"/>
+              </a:rPr>
+            </a:br>
+            <a:r>
+              <a:rPr lang="de-DE" sz="1000" dirty="0">
+                <a:solidFill>
+                  <a:srgbClr val="4B4B4B"/>
+                </a:solidFill>
+                <a:latin typeface="Adobe Clean Light" panose="020B0303020404020204" pitchFamily="34" charset="0"/>
+              </a:rPr>
+              <a:t>und Kernkomponenten in AEM </a:t>
+            </a:r>
+            <a:br>
+              <a:rPr lang="sk-SK" sz="1000" dirty="0">
+                <a:solidFill>
+                  <a:srgbClr val="4B4B4B"/>
+                </a:solidFill>
+                <a:latin typeface="Adobe Clean Light" panose="020B0303020404020204" pitchFamily="34" charset="0"/>
+              </a:rPr>
+            </a:br>
+            <a:r>
+              <a:rPr lang="de-DE" sz="1000" dirty="0">
+                <a:solidFill>
+                  <a:srgbClr val="4B4B4B"/>
+                </a:solidFill>
+                <a:latin typeface="Adobe Clean Light" panose="020B0303020404020204" pitchFamily="34" charset="0"/>
+              </a:rPr>
+              <a:t>as a Cloud Service</a:t>
+            </a:r>
           </a:p>
         </p:txBody>
       </p:sp>
@@ -10563,12 +8929,12 @@
           </a:prstGeom>
         </p:spPr>
         <p:txBody>
-          <a:bodyPr vert="horz" wrap="square" lIns="0" tIns="12700" rIns="0" bIns="0" rtlCol="0" anchor="t">
+          <a:bodyPr vert="horz" wrap="square" lIns="0" tIns="12700" rIns="0" bIns="0" rtlCol="0">
             <a:spAutoFit/>
           </a:bodyPr>
           <a:lstStyle/>
           <a:p>
-            <a:pPr marL="13970" marR="5080" indent="-1905">
+            <a:pPr marL="14604" marR="5080" indent="-1905">
               <a:lnSpc>
                 <a:spcPct val="117000"/>
               </a:lnSpc>
@@ -10577,20 +8943,14 @@
               </a:spcBef>
             </a:pPr>
             <a:r>
-              <a:rPr lang="en-US" sz="1000" dirty="0">
+              <a:rPr lang="de-DE" sz="1000">
                 <a:solidFill>
                   <a:srgbClr val="4B4B4B"/>
                 </a:solidFill>
-                <a:latin typeface="Adobe Clean Light"/>
+                <a:latin typeface="Adobe Clean Light" panose="020B0303020404020204" pitchFamily="34" charset="0"/>
               </a:rPr>
-              <a:t>Identify, review and provide recommendations on customized solution adoption areas that have opportunities for optimization.</a:t>
-            </a:r>
-            <a:endParaRPr lang="en-US" sz="1000" dirty="0">
-              <a:solidFill>
-                <a:srgbClr val="4B4B4B"/>
-              </a:solidFill>
-              <a:latin typeface="Adobe Clean Light" panose="020B0303020404020204" pitchFamily="34" charset="0"/>
-            </a:endParaRPr>
+              <a:t>Identifizieren, Prüfen und Bereitstellen von Empfehlungen zu individuellen Lösungsübernahmebereichen mit Optimierungsmöglichkeiten</a:t>
+            </a:r>
           </a:p>
         </p:txBody>
       </p:sp>
@@ -10609,14 +8969,14 @@
         <p:spPr>
           <a:xfrm>
             <a:off x="355868" y="4947989"/>
-            <a:ext cx="2194560" cy="717376"/>
+            <a:ext cx="2194560" cy="899670"/>
           </a:xfrm>
           <a:prstGeom prst="rect">
             <a:avLst/>
           </a:prstGeom>
         </p:spPr>
         <p:txBody>
-          <a:bodyPr vert="horz" wrap="square" lIns="0" tIns="12700" rIns="0" bIns="0" rtlCol="0" anchor="t">
+          <a:bodyPr vert="horz" wrap="square" lIns="0" tIns="12700" rIns="0" bIns="0" rtlCol="0">
             <a:spAutoFit/>
           </a:bodyPr>
           <a:lstStyle/>
@@ -10630,20 +8990,31 @@
               </a:spcBef>
             </a:pPr>
             <a:r>
-              <a:rPr lang="en-US" sz="1000" dirty="0">
+              <a:rPr lang="de-DE" sz="1000" dirty="0">
                 <a:solidFill>
                   <a:srgbClr val="4B4B4B"/>
                 </a:solidFill>
-                <a:latin typeface="Adobe Clean Light"/>
+                <a:latin typeface="Adobe Clean Light" panose="020B0303020404020204" pitchFamily="34" charset="0"/>
               </a:rPr>
-              <a:t>Technical &amp; operational governance to assist AEM as a Cloud Service Customers in adhering to industry standards and best practices for AEM as a Cloud Service.</a:t>
-            </a:r>
-            <a:endParaRPr sz="1000" dirty="0">
-              <a:solidFill>
-                <a:srgbClr val="4B4B4B"/>
-              </a:solidFill>
-              <a:latin typeface="Adobe Clean Light" panose="020B0303020404020204" pitchFamily="34" charset="0"/>
-            </a:endParaRPr>
+              <a:t>Technische und betriebliche Governance </a:t>
+            </a:r>
+            <a:br>
+              <a:rPr lang="sk-SK" sz="1000" dirty="0">
+                <a:solidFill>
+                  <a:srgbClr val="4B4B4B"/>
+                </a:solidFill>
+                <a:latin typeface="Adobe Clean Light" panose="020B0303020404020204" pitchFamily="34" charset="0"/>
+              </a:rPr>
+            </a:br>
+            <a:r>
+              <a:rPr lang="de-DE" sz="1000" dirty="0">
+                <a:solidFill>
+                  <a:srgbClr val="4B4B4B"/>
+                </a:solidFill>
+                <a:latin typeface="Adobe Clean Light" panose="020B0303020404020204" pitchFamily="34" charset="0"/>
+              </a:rPr>
+              <a:t>für die Unterstützung von AEM as a Cloud Service-Kunden bei der Einhaltung von Branchenstandards und Best Practices für AEM as a Cloud Service</a:t>
+            </a:r>
           </a:p>
         </p:txBody>
       </p:sp>
@@ -10661,8 +9032,8 @@
         </p:nvSpPr>
         <p:spPr>
           <a:xfrm>
-            <a:off x="2835999" y="1401973"/>
-            <a:ext cx="2194560" cy="959237"/>
+            <a:off x="2835998" y="1401973"/>
+            <a:ext cx="2252891" cy="1113125"/>
           </a:xfrm>
           <a:prstGeom prst="rect">
             <a:avLst/>
@@ -10680,20 +9051,48 @@
               </a:spcBef>
             </a:pPr>
             <a:r>
-              <a:rPr lang="en-US" sz="1000" dirty="0">
+              <a:rPr lang="de-DE" sz="1000" dirty="0">
                 <a:solidFill>
                   <a:srgbClr val="4B4B4B"/>
                 </a:solidFill>
                 <a:latin typeface="Adobe Clean Light" panose="020B0303020404020204" pitchFamily="34" charset="0"/>
               </a:rPr>
-              <a:t>A designated support engineer who becomes familiar with your solution environment and business goals. The NSE is an experienced support engineer that helps coordinate your Enterprise Support experience.</a:t>
-            </a:r>
-            <a:endParaRPr lang="en-US" sz="1000" dirty="0">
-              <a:solidFill>
-                <a:srgbClr val="000000"/>
-              </a:solidFill>
-              <a:latin typeface="Adobe Clean Light" panose="020B0303020404020204" pitchFamily="34" charset="0"/>
-            </a:endParaRPr>
+              <a:t>Ein spezifischer Support-Mitarbeiter, der sich mit Ihrer Lösungsumgebung und Ihren Unternehmenszielen vertraut macht. </a:t>
+            </a:r>
+            <a:br>
+              <a:rPr lang="sk-SK" sz="1000" dirty="0">
+                <a:solidFill>
+                  <a:srgbClr val="4B4B4B"/>
+                </a:solidFill>
+                <a:latin typeface="Adobe Clean Light" panose="020B0303020404020204" pitchFamily="34" charset="0"/>
+              </a:rPr>
+            </a:br>
+            <a:r>
+              <a:rPr lang="de-DE" sz="1000" dirty="0">
+                <a:solidFill>
+                  <a:srgbClr val="4B4B4B"/>
+                </a:solidFill>
+                <a:latin typeface="Adobe Clean Light" panose="020B0303020404020204" pitchFamily="34" charset="0"/>
+              </a:rPr>
+              <a:t>Der spezifische Support-Mitarbeiter ist ein erfahrener Support-Engineer, der Sie bei </a:t>
+            </a:r>
+            <a:br>
+              <a:rPr lang="sk-SK" sz="1000" dirty="0">
+                <a:solidFill>
+                  <a:srgbClr val="4B4B4B"/>
+                </a:solidFill>
+                <a:latin typeface="Adobe Clean Light" panose="020B0303020404020204" pitchFamily="34" charset="0"/>
+              </a:rPr>
+            </a:br>
+            <a:r>
+              <a:rPr lang="de-DE" sz="1000" dirty="0">
+                <a:solidFill>
+                  <a:srgbClr val="4B4B4B"/>
+                </a:solidFill>
+                <a:latin typeface="Adobe Clean Light" panose="020B0303020404020204" pitchFamily="34" charset="0"/>
+              </a:rPr>
+              <a:t>der Koordination Ihres Enterprise Support-Erlebnisses unterstützt.</a:t>
+            </a:r>
           </a:p>
         </p:txBody>
       </p:sp>
@@ -10713,8 +9112,8 @@
         </p:nvSpPr>
         <p:spPr>
           <a:xfrm>
-            <a:off x="3201544" y="1127425"/>
-            <a:ext cx="1726164" cy="184666"/>
+            <a:off x="3201544" y="1127424"/>
+            <a:ext cx="2077842" cy="169277"/>
           </a:xfrm>
           <a:prstGeom prst="rect">
             <a:avLst/>
@@ -10735,13 +9134,13 @@
               </a:spcAft>
             </a:pPr>
             <a:r>
-              <a:rPr lang="en-US" sz="1200" b="1" spc="-10">
+              <a:rPr lang="de-DE" sz="1100" b="1" dirty="0">
                 <a:solidFill>
                   <a:srgbClr val="020302"/>
                 </a:solidFill>
                 <a:latin typeface="+mj-lt"/>
               </a:rPr>
-              <a:t>Named Support Engineer</a:t>
+              <a:t>Spezifischer Support-Mitarbeiter</a:t>
             </a:r>
           </a:p>
         </p:txBody>
@@ -10799,8 +9198,8 @@
         </p:nvSpPr>
         <p:spPr>
           <a:xfrm>
-            <a:off x="5723508" y="1099976"/>
-            <a:ext cx="1036205" cy="197490"/>
+            <a:off x="5723508" y="1099975"/>
+            <a:ext cx="1359655" cy="197490"/>
           </a:xfrm>
           <a:prstGeom prst="rect">
             <a:avLst/>
@@ -10821,19 +9220,15 @@
               </a:spcBef>
             </a:pPr>
             <a:r>
-              <a:rPr lang="en-US" sz="1200" b="1" spc="-20">
+              <a:rPr lang="de-DE" sz="1200" b="1" dirty="0">
                 <a:solidFill>
                   <a:srgbClr val="020302"/>
                 </a:solidFill>
                 <a:latin typeface="Adobe Clean"/>
                 <a:cs typeface="Adobe Clean"/>
               </a:rPr>
-              <a:t>Expert Sessions</a:t>
-            </a:r>
-            <a:endParaRPr sz="1200">
-              <a:latin typeface="Adobe Clean"/>
-              <a:cs typeface="Adobe Clean"/>
-            </a:endParaRPr>
+              <a:t>Experten-Sessions</a:t>
+            </a:r>
           </a:p>
         </p:txBody>
       </p:sp>
@@ -10851,8 +9246,8 @@
         </p:nvSpPr>
         <p:spPr>
           <a:xfrm>
-            <a:off x="5181600" y="4466703"/>
-            <a:ext cx="1972258" cy="461665"/>
+            <a:off x="5181599" y="4466703"/>
+            <a:ext cx="2278621" cy="461665"/>
           </a:xfrm>
           <a:prstGeom prst="rect">
             <a:avLst/>
@@ -10873,489 +9268,15 @@
               </a:spcBef>
             </a:pPr>
             <a:r>
-              <a:rPr lang="en-US" sz="1200" b="1" spc="-15">
+              <a:rPr lang="de-DE" sz="1200" b="1" dirty="0">
                 <a:solidFill>
                   <a:srgbClr val="020302"/>
                 </a:solidFill>
                 <a:latin typeface="Adobe Clean"/>
                 <a:cs typeface="Adobe Clean"/>
               </a:rPr>
-              <a:t>C</a:t>
-            </a:r>
-            <a:r>
-              <a:rPr lang="en-US" sz="1200" b="1" spc="-20">
-                <a:solidFill>
-                  <a:srgbClr val="020302"/>
-                </a:solidFill>
-                <a:latin typeface="Adobe Clean"/>
-                <a:cs typeface="Adobe Clean"/>
-              </a:rPr>
-              <a:t>u</a:t>
-            </a:r>
-            <a:r>
-              <a:rPr lang="en-US" sz="1200" b="1" spc="-25">
-                <a:solidFill>
-                  <a:srgbClr val="020302"/>
-                </a:solidFill>
-                <a:latin typeface="Adobe Clean"/>
-                <a:cs typeface="Adobe Clean"/>
-              </a:rPr>
-              <a:t>st</a:t>
-            </a:r>
-            <a:r>
-              <a:rPr lang="en-US" sz="1200" b="1" spc="-15">
-                <a:solidFill>
-                  <a:srgbClr val="020302"/>
-                </a:solidFill>
-                <a:latin typeface="Adobe Clean"/>
-                <a:cs typeface="Adobe Clean"/>
-              </a:rPr>
-              <a:t>o</a:t>
-            </a:r>
-            <a:r>
-              <a:rPr lang="en-US" sz="1200" b="1" spc="-20">
-                <a:solidFill>
-                  <a:srgbClr val="020302"/>
-                </a:solidFill>
-                <a:latin typeface="Adobe Clean"/>
-                <a:cs typeface="Adobe Clean"/>
-              </a:rPr>
-              <a:t>miza</a:t>
-            </a:r>
-            <a:r>
-              <a:rPr lang="en-US" sz="1200" b="1" spc="-25">
-                <a:solidFill>
-                  <a:srgbClr val="020302"/>
-                </a:solidFill>
-                <a:latin typeface="Adobe Clean"/>
-                <a:cs typeface="Adobe Clean"/>
-              </a:rPr>
-              <a:t>t</a:t>
-            </a:r>
-            <a:r>
-              <a:rPr lang="en-US" sz="1200" b="1" spc="-20">
-                <a:solidFill>
-                  <a:srgbClr val="020302"/>
-                </a:solidFill>
-                <a:latin typeface="Adobe Clean"/>
-                <a:cs typeface="Adobe Clean"/>
-              </a:rPr>
-              <a:t>i</a:t>
-            </a:r>
-            <a:r>
-              <a:rPr lang="en-US" sz="1200" b="1" spc="-15">
-                <a:solidFill>
-                  <a:srgbClr val="020302"/>
-                </a:solidFill>
-                <a:latin typeface="Adobe Clean"/>
-                <a:cs typeface="Adobe Clean"/>
-              </a:rPr>
-              <a:t>o</a:t>
-            </a:r>
-            <a:r>
-              <a:rPr lang="en-US" sz="1200" b="1">
-                <a:solidFill>
-                  <a:srgbClr val="020302"/>
-                </a:solidFill>
-                <a:latin typeface="Adobe Clean"/>
-                <a:cs typeface="Adobe Clean"/>
-              </a:rPr>
-              <a:t>n</a:t>
-            </a:r>
-            <a:r>
-              <a:rPr lang="en-US" sz="1200" b="1" spc="-50">
-                <a:solidFill>
-                  <a:srgbClr val="020302"/>
-                </a:solidFill>
-                <a:latin typeface="Adobe Clean"/>
-                <a:cs typeface="Adobe Clean"/>
-              </a:rPr>
-              <a:t> </a:t>
-            </a:r>
-            <a:r>
-              <a:rPr lang="en-US" sz="1200" b="1" spc="-20">
-                <a:solidFill>
-                  <a:srgbClr val="020302"/>
-                </a:solidFill>
-                <a:latin typeface="Adobe Clean"/>
-                <a:cs typeface="Adobe Clean"/>
-              </a:rPr>
-              <a:t>B</a:t>
-            </a:r>
-            <a:r>
-              <a:rPr lang="en-US" sz="1200" b="1" spc="-25">
-                <a:solidFill>
-                  <a:srgbClr val="020302"/>
-                </a:solidFill>
-                <a:latin typeface="Adobe Clean"/>
-                <a:cs typeface="Adobe Clean"/>
-              </a:rPr>
-              <a:t>es</a:t>
-            </a:r>
-            <a:r>
-              <a:rPr lang="en-US" sz="1200" b="1">
-                <a:solidFill>
-                  <a:srgbClr val="020302"/>
-                </a:solidFill>
-                <a:latin typeface="Adobe Clean"/>
-                <a:cs typeface="Adobe Clean"/>
-              </a:rPr>
-              <a:t>t</a:t>
-            </a:r>
-            <a:r>
-              <a:rPr lang="en-US" sz="1200" b="1" spc="-50">
-                <a:solidFill>
-                  <a:srgbClr val="020302"/>
-                </a:solidFill>
-                <a:latin typeface="Adobe Clean"/>
-                <a:cs typeface="Adobe Clean"/>
-              </a:rPr>
-              <a:t> </a:t>
-            </a:r>
-            <a:r>
-              <a:rPr lang="en-US" sz="1200" b="1" spc="-25">
-                <a:solidFill>
-                  <a:srgbClr val="020302"/>
-                </a:solidFill>
-                <a:latin typeface="Adobe Clean"/>
-                <a:cs typeface="Adobe Clean"/>
-              </a:rPr>
-              <a:t>P</a:t>
-            </a:r>
-            <a:r>
-              <a:rPr lang="en-US" sz="1200" b="1" spc="-20">
-                <a:solidFill>
-                  <a:srgbClr val="020302"/>
-                </a:solidFill>
-                <a:latin typeface="Adobe Clean"/>
-                <a:cs typeface="Adobe Clean"/>
-              </a:rPr>
-              <a:t>ra</a:t>
-            </a:r>
-            <a:r>
-              <a:rPr lang="en-US" sz="1200" b="1" spc="-30">
-                <a:solidFill>
-                  <a:srgbClr val="020302"/>
-                </a:solidFill>
-                <a:latin typeface="Adobe Clean"/>
-                <a:cs typeface="Adobe Clean"/>
-              </a:rPr>
-              <a:t>c</a:t>
-            </a:r>
-            <a:r>
-              <a:rPr lang="en-US" sz="1200" b="1" spc="-25">
-                <a:solidFill>
-                  <a:srgbClr val="020302"/>
-                </a:solidFill>
-                <a:latin typeface="Adobe Clean"/>
-                <a:cs typeface="Adobe Clean"/>
-              </a:rPr>
-              <a:t>t</a:t>
-            </a:r>
-            <a:r>
-              <a:rPr lang="en-US" sz="1200" b="1" spc="-20">
-                <a:solidFill>
-                  <a:srgbClr val="020302"/>
-                </a:solidFill>
-                <a:latin typeface="Adobe Clean"/>
-                <a:cs typeface="Adobe Clean"/>
-              </a:rPr>
-              <a:t>i</a:t>
-            </a:r>
-            <a:r>
-              <a:rPr lang="en-US" sz="1200" b="1" spc="-30">
-                <a:solidFill>
-                  <a:srgbClr val="020302"/>
-                </a:solidFill>
-                <a:latin typeface="Adobe Clean"/>
-                <a:cs typeface="Adobe Clean"/>
-              </a:rPr>
-              <a:t>c</a:t>
-            </a:r>
-            <a:r>
-              <a:rPr lang="en-US" sz="1200" b="1" spc="-25">
-                <a:solidFill>
-                  <a:srgbClr val="020302"/>
-                </a:solidFill>
-                <a:latin typeface="Adobe Clean"/>
-                <a:cs typeface="Adobe Clean"/>
-              </a:rPr>
-              <a:t>e</a:t>
-            </a:r>
-            <a:r>
-              <a:rPr lang="en-US" sz="1200" b="1">
-                <a:solidFill>
-                  <a:srgbClr val="020302"/>
-                </a:solidFill>
-                <a:latin typeface="Adobe Clean"/>
-                <a:cs typeface="Adobe Clean"/>
-              </a:rPr>
-              <a:t>s</a:t>
-            </a:r>
-            <a:r>
-              <a:rPr lang="en-US" sz="1200" b="1" spc="-45">
-                <a:solidFill>
-                  <a:srgbClr val="020302"/>
-                </a:solidFill>
-                <a:latin typeface="Adobe Clean"/>
-                <a:cs typeface="Adobe Clean"/>
-              </a:rPr>
-              <a:t> </a:t>
-            </a:r>
-            <a:r>
-              <a:rPr lang="en-US" sz="1200" b="1" spc="-25">
-                <a:solidFill>
-                  <a:srgbClr val="020302"/>
-                </a:solidFill>
-                <a:latin typeface="Adobe Clean"/>
-                <a:cs typeface="Adobe Clean"/>
-              </a:rPr>
-              <a:t>f</a:t>
-            </a:r>
-            <a:r>
-              <a:rPr lang="en-US" sz="1200" b="1" spc="-15">
-                <a:solidFill>
-                  <a:srgbClr val="020302"/>
-                </a:solidFill>
-                <a:latin typeface="Adobe Clean"/>
-                <a:cs typeface="Adobe Clean"/>
-              </a:rPr>
-              <a:t>o</a:t>
-            </a:r>
-            <a:r>
-              <a:rPr lang="en-US" sz="1200" b="1">
-                <a:solidFill>
-                  <a:srgbClr val="020302"/>
-                </a:solidFill>
-                <a:latin typeface="Adobe Clean"/>
-                <a:cs typeface="Adobe Clean"/>
-              </a:rPr>
-              <a:t>r</a:t>
-            </a:r>
-            <a:r>
-              <a:rPr lang="en-US" sz="1200" b="1" spc="-45">
-                <a:solidFill>
-                  <a:srgbClr val="020302"/>
-                </a:solidFill>
-                <a:latin typeface="Adobe Clean"/>
-                <a:cs typeface="Adobe Clean"/>
-              </a:rPr>
-              <a:t> </a:t>
-            </a:r>
-            <a:r>
-              <a:rPr lang="en-US" sz="1200" b="1" spc="-30">
-                <a:solidFill>
-                  <a:srgbClr val="020302"/>
-                </a:solidFill>
-                <a:latin typeface="Adobe Clean"/>
-                <a:cs typeface="Adobe Clean"/>
-              </a:rPr>
-              <a:t>AE</a:t>
-            </a:r>
-            <a:r>
-              <a:rPr lang="en-US" sz="1200" b="1">
-                <a:solidFill>
-                  <a:srgbClr val="020302"/>
-                </a:solidFill>
-                <a:latin typeface="Adobe Clean"/>
-                <a:cs typeface="Adobe Clean"/>
-              </a:rPr>
-              <a:t>M</a:t>
-            </a:r>
-            <a:r>
-              <a:rPr lang="en-US" sz="1200" b="1" spc="-55">
-                <a:solidFill>
-                  <a:srgbClr val="020302"/>
-                </a:solidFill>
-                <a:latin typeface="Adobe Clean"/>
-                <a:cs typeface="Adobe Clean"/>
-              </a:rPr>
-              <a:t> </a:t>
-            </a:r>
-            <a:r>
-              <a:rPr lang="en-US" sz="1200" b="1" spc="-20">
-                <a:solidFill>
-                  <a:srgbClr val="020302"/>
-                </a:solidFill>
-                <a:latin typeface="Adobe Clean"/>
-                <a:cs typeface="Adobe Clean"/>
-              </a:rPr>
-              <a:t>a</a:t>
-            </a:r>
-            <a:r>
-              <a:rPr lang="en-US" sz="1200" b="1">
-                <a:solidFill>
-                  <a:srgbClr val="020302"/>
-                </a:solidFill>
-                <a:latin typeface="Adobe Clean"/>
-                <a:cs typeface="Adobe Clean"/>
-              </a:rPr>
-              <a:t>s</a:t>
-            </a:r>
-            <a:r>
-              <a:rPr lang="en-US" sz="1200" b="1" spc="-45">
-                <a:solidFill>
-                  <a:srgbClr val="020302"/>
-                </a:solidFill>
-                <a:latin typeface="Adobe Clean"/>
-                <a:cs typeface="Adobe Clean"/>
-              </a:rPr>
-              <a:t> </a:t>
-            </a:r>
-            <a:r>
-              <a:rPr lang="en-US" sz="1200" b="1">
-                <a:solidFill>
-                  <a:srgbClr val="020302"/>
-                </a:solidFill>
-                <a:latin typeface="Adobe Clean"/>
-                <a:cs typeface="Adobe Clean"/>
-              </a:rPr>
-              <a:t>a</a:t>
-            </a:r>
-            <a:r>
-              <a:rPr lang="en-US" sz="1200" b="1" spc="-45">
-                <a:solidFill>
-                  <a:srgbClr val="020302"/>
-                </a:solidFill>
-                <a:latin typeface="Adobe Clean"/>
-                <a:cs typeface="Adobe Clean"/>
-              </a:rPr>
-              <a:t> </a:t>
-            </a:r>
-            <a:r>
-              <a:rPr lang="en-US" sz="1200" b="1" spc="-15">
-                <a:solidFill>
-                  <a:srgbClr val="020302"/>
-                </a:solidFill>
-                <a:latin typeface="Adobe Clean"/>
-                <a:cs typeface="Adobe Clean"/>
-              </a:rPr>
-              <a:t>C</a:t>
-            </a:r>
-            <a:r>
-              <a:rPr lang="en-US" sz="1200" b="1" spc="-25">
-                <a:solidFill>
-                  <a:srgbClr val="020302"/>
-                </a:solidFill>
-                <a:latin typeface="Adobe Clean"/>
-                <a:cs typeface="Adobe Clean"/>
-              </a:rPr>
-              <a:t>l</a:t>
-            </a:r>
-            <a:r>
-              <a:rPr lang="en-US" sz="1200" b="1" spc="-15">
-                <a:solidFill>
-                  <a:srgbClr val="020302"/>
-                </a:solidFill>
-                <a:latin typeface="Adobe Clean"/>
-                <a:cs typeface="Adobe Clean"/>
-              </a:rPr>
-              <a:t>o</a:t>
-            </a:r>
-            <a:r>
-              <a:rPr lang="en-US" sz="1200" b="1" spc="-20">
-                <a:solidFill>
-                  <a:srgbClr val="020302"/>
-                </a:solidFill>
-                <a:latin typeface="Adobe Clean"/>
-                <a:cs typeface="Adobe Clean"/>
-              </a:rPr>
-              <a:t>u</a:t>
-            </a:r>
-            <a:r>
-              <a:rPr lang="en-US" sz="1200" b="1">
-                <a:solidFill>
-                  <a:srgbClr val="020302"/>
-                </a:solidFill>
-                <a:latin typeface="Adobe Clean"/>
-                <a:cs typeface="Adobe Clean"/>
-              </a:rPr>
-              <a:t>d</a:t>
-            </a:r>
-            <a:r>
-              <a:rPr lang="en-US" sz="1200" b="1" spc="-50">
-                <a:solidFill>
-                  <a:srgbClr val="020302"/>
-                </a:solidFill>
-                <a:latin typeface="Adobe Clean"/>
-                <a:cs typeface="Adobe Clean"/>
-              </a:rPr>
-              <a:t> </a:t>
-            </a:r>
-            <a:r>
-              <a:rPr lang="en-US" sz="1200" b="1" spc="-20">
-                <a:solidFill>
-                  <a:srgbClr val="020302"/>
-                </a:solidFill>
-                <a:latin typeface="Adobe Clean"/>
-                <a:cs typeface="Adobe Clean"/>
-              </a:rPr>
-              <a:t>S</a:t>
-            </a:r>
-            <a:r>
-              <a:rPr lang="en-US" sz="1200" b="1" spc="-25">
-                <a:solidFill>
-                  <a:srgbClr val="020302"/>
-                </a:solidFill>
-                <a:latin typeface="Adobe Clean"/>
-                <a:cs typeface="Adobe Clean"/>
-              </a:rPr>
-              <a:t>e</a:t>
-            </a:r>
-            <a:r>
-              <a:rPr lang="en-US" sz="1200" b="1" spc="-20">
-                <a:solidFill>
-                  <a:srgbClr val="020302"/>
-                </a:solidFill>
-                <a:latin typeface="Adobe Clean"/>
-                <a:cs typeface="Adobe Clean"/>
-              </a:rPr>
-              <a:t>r</a:t>
-            </a:r>
-            <a:r>
-              <a:rPr lang="en-US" sz="1200" b="1" spc="-30">
-                <a:solidFill>
-                  <a:srgbClr val="020302"/>
-                </a:solidFill>
-                <a:latin typeface="Adobe Clean"/>
-                <a:cs typeface="Adobe Clean"/>
-              </a:rPr>
-              <a:t>v</a:t>
-            </a:r>
-            <a:r>
-              <a:rPr lang="en-US" sz="1200" b="1" spc="-20">
-                <a:solidFill>
-                  <a:srgbClr val="020302"/>
-                </a:solidFill>
-                <a:latin typeface="Adobe Clean"/>
-                <a:cs typeface="Adobe Clean"/>
-              </a:rPr>
-              <a:t>i</a:t>
-            </a:r>
-            <a:r>
-              <a:rPr lang="en-US" sz="1200" b="1" spc="-30">
-                <a:solidFill>
-                  <a:srgbClr val="020302"/>
-                </a:solidFill>
-                <a:latin typeface="Adobe Clean"/>
-                <a:cs typeface="Adobe Clean"/>
-              </a:rPr>
-              <a:t>c</a:t>
-            </a:r>
-            <a:r>
-              <a:rPr lang="en-US" sz="1200" b="1">
-                <a:solidFill>
-                  <a:srgbClr val="020302"/>
-                </a:solidFill>
-                <a:latin typeface="Adobe Clean"/>
-                <a:cs typeface="Adobe Clean"/>
-              </a:rPr>
-              <a:t>e</a:t>
-            </a:r>
-            <a:endParaRPr lang="en-US" sz="1200">
-              <a:latin typeface="Adobe Clean"/>
-              <a:cs typeface="Adobe Clean"/>
-            </a:endParaRPr>
+              <a:t>Best Practices für die Anpassung von AEM as a Cloud Service</a:t>
+            </a:r>
           </a:p>
         </p:txBody>
       </p:sp>
@@ -11395,19 +9316,15 @@
               </a:spcBef>
             </a:pPr>
             <a:r>
-              <a:rPr lang="en-US" sz="1200" b="1" spc="-25">
+              <a:rPr lang="de-DE" sz="1200" b="1">
                 <a:solidFill>
                   <a:srgbClr val="020302"/>
                 </a:solidFill>
                 <a:latin typeface="Adobe Clean"/>
                 <a:cs typeface="Adobe Clean"/>
               </a:rPr>
-              <a:t>Value-added Services for AEM as a Cloud Service</a:t>
-            </a:r>
-            <a:endParaRPr lang="en-US" sz="1200">
-              <a:latin typeface="Adobe Clean"/>
-              <a:cs typeface="Adobe Clean"/>
-            </a:endParaRPr>
+              <a:t>Zusatz-Services für AEM as a Cloud Service</a:t>
+            </a:r>
           </a:p>
         </p:txBody>
       </p:sp>
@@ -11447,359 +9364,34 @@
               </a:spcBef>
             </a:pPr>
             <a:r>
-              <a:rPr lang="en-US" sz="1200" b="1" spc="-20">
+              <a:rPr lang="de-DE" sz="1200" b="1" dirty="0">
                 <a:solidFill>
                   <a:srgbClr val="020302"/>
                 </a:solidFill>
                 <a:latin typeface="Adobe Clean"/>
                 <a:cs typeface="Adobe Clean"/>
               </a:rPr>
-              <a:t>G</a:t>
-            </a:r>
-            <a:r>
-              <a:rPr lang="en-US" sz="1200" b="1" spc="-15">
+              <a:t>Governance für AEM </a:t>
+            </a:r>
+            <a:br>
+              <a:rPr lang="sk-SK" sz="1200" b="1" dirty="0">
                 <a:solidFill>
                   <a:srgbClr val="020302"/>
                 </a:solidFill>
                 <a:latin typeface="Adobe Clean"/>
                 <a:cs typeface="Adobe Clean"/>
               </a:rPr>
-              <a:t>o</a:t>
-            </a:r>
-            <a:r>
-              <a:rPr lang="en-US" sz="1200" b="1" spc="-25">
+            </a:br>
+            <a:r>
+              <a:rPr lang="de-DE" sz="1200" b="1" dirty="0">
                 <a:solidFill>
                   <a:srgbClr val="020302"/>
                 </a:solidFill>
                 <a:latin typeface="Adobe Clean"/>
                 <a:cs typeface="Adobe Clean"/>
               </a:rPr>
-              <a:t>ve</a:t>
-            </a:r>
-            <a:r>
-              <a:rPr lang="en-US" sz="1200" b="1" spc="-20">
-                <a:solidFill>
-                  <a:srgbClr val="020302"/>
-                </a:solidFill>
-                <a:latin typeface="Adobe Clean"/>
-                <a:cs typeface="Adobe Clean"/>
-              </a:rPr>
-              <a:t>r</a:t>
-            </a:r>
-            <a:r>
-              <a:rPr lang="en-US" sz="1200" b="1" spc="-25">
-                <a:solidFill>
-                  <a:srgbClr val="020302"/>
-                </a:solidFill>
-                <a:latin typeface="Adobe Clean"/>
-                <a:cs typeface="Adobe Clean"/>
-              </a:rPr>
-              <a:t>n</a:t>
-            </a:r>
-            <a:r>
-              <a:rPr lang="en-US" sz="1200" b="1" spc="-20">
-                <a:solidFill>
-                  <a:srgbClr val="020302"/>
-                </a:solidFill>
-                <a:latin typeface="Adobe Clean"/>
-                <a:cs typeface="Adobe Clean"/>
-              </a:rPr>
-              <a:t>a</a:t>
-            </a:r>
-            <a:r>
-              <a:rPr lang="en-US" sz="1200" b="1" spc="-25">
-                <a:solidFill>
-                  <a:srgbClr val="020302"/>
-                </a:solidFill>
-                <a:latin typeface="Adobe Clean"/>
-                <a:cs typeface="Adobe Clean"/>
-              </a:rPr>
-              <a:t>n</a:t>
-            </a:r>
-            <a:r>
-              <a:rPr lang="en-US" sz="1200" b="1" spc="-30">
-                <a:solidFill>
-                  <a:srgbClr val="020302"/>
-                </a:solidFill>
-                <a:latin typeface="Adobe Clean"/>
-                <a:cs typeface="Adobe Clean"/>
-              </a:rPr>
-              <a:t>c</a:t>
-            </a:r>
-            <a:r>
-              <a:rPr lang="en-US" sz="1200" b="1">
-                <a:solidFill>
-                  <a:srgbClr val="020302"/>
-                </a:solidFill>
-                <a:latin typeface="Adobe Clean"/>
-                <a:cs typeface="Adobe Clean"/>
-              </a:rPr>
-              <a:t>e</a:t>
-            </a:r>
-            <a:r>
-              <a:rPr lang="en-US" sz="1200" b="1" spc="-50">
-                <a:solidFill>
-                  <a:srgbClr val="020302"/>
-                </a:solidFill>
-                <a:latin typeface="Adobe Clean"/>
-                <a:cs typeface="Adobe Clean"/>
-              </a:rPr>
-              <a:t> </a:t>
-            </a:r>
-            <a:r>
-              <a:rPr lang="en-US" sz="1200" b="1" spc="-25">
-                <a:solidFill>
-                  <a:srgbClr val="020302"/>
-                </a:solidFill>
-                <a:latin typeface="Adobe Clean"/>
-                <a:cs typeface="Adobe Clean"/>
-              </a:rPr>
-              <a:t>f</a:t>
-            </a:r>
-            <a:r>
-              <a:rPr lang="en-US" sz="1200" b="1" spc="-15">
-                <a:solidFill>
-                  <a:srgbClr val="020302"/>
-                </a:solidFill>
-                <a:latin typeface="Adobe Clean"/>
-                <a:cs typeface="Adobe Clean"/>
-              </a:rPr>
-              <a:t>o</a:t>
-            </a:r>
-            <a:r>
-              <a:rPr lang="en-US" sz="1200" b="1">
-                <a:solidFill>
-                  <a:srgbClr val="020302"/>
-                </a:solidFill>
-                <a:latin typeface="Adobe Clean"/>
-                <a:cs typeface="Adobe Clean"/>
-              </a:rPr>
-              <a:t>r</a:t>
-            </a:r>
-            <a:r>
-              <a:rPr lang="en-US" sz="1200" b="1" spc="-45">
-                <a:solidFill>
-                  <a:srgbClr val="020302"/>
-                </a:solidFill>
-                <a:latin typeface="Adobe Clean"/>
-                <a:cs typeface="Adobe Clean"/>
-              </a:rPr>
-              <a:t> </a:t>
-            </a:r>
-            <a:r>
-              <a:rPr lang="en-US" sz="1200" b="1" spc="-30">
-                <a:solidFill>
-                  <a:srgbClr val="020302"/>
-                </a:solidFill>
-                <a:latin typeface="Adobe Clean"/>
-                <a:cs typeface="Adobe Clean"/>
-              </a:rPr>
-              <a:t>A</a:t>
-            </a:r>
-            <a:r>
-              <a:rPr lang="en-US" sz="1200" b="1" spc="-25">
-                <a:solidFill>
-                  <a:srgbClr val="020302"/>
-                </a:solidFill>
-                <a:latin typeface="Adobe Clean"/>
-                <a:cs typeface="Adobe Clean"/>
-              </a:rPr>
-              <a:t>E</a:t>
-            </a:r>
-            <a:r>
-              <a:rPr lang="en-US" sz="1200" b="1">
-                <a:solidFill>
-                  <a:srgbClr val="020302"/>
-                </a:solidFill>
-                <a:latin typeface="Adobe Clean"/>
-                <a:cs typeface="Adobe Clean"/>
-              </a:rPr>
-              <a:t>M</a:t>
-            </a:r>
-            <a:r>
-              <a:rPr lang="en-US" sz="1200" b="1" spc="-50">
-                <a:solidFill>
-                  <a:srgbClr val="020302"/>
-                </a:solidFill>
-                <a:latin typeface="Adobe Clean"/>
-                <a:cs typeface="Adobe Clean"/>
-              </a:rPr>
-              <a:t> </a:t>
-            </a:r>
-            <a:r>
-              <a:rPr lang="en-US" sz="1200" b="1" spc="-20">
-                <a:solidFill>
-                  <a:srgbClr val="020302"/>
-                </a:solidFill>
-                <a:latin typeface="Adobe Clean"/>
-                <a:cs typeface="Adobe Clean"/>
-              </a:rPr>
-              <a:t>a</a:t>
-            </a:r>
-            <a:r>
-              <a:rPr lang="en-US" sz="1200" b="1">
-                <a:solidFill>
-                  <a:srgbClr val="020302"/>
-                </a:solidFill>
-                <a:latin typeface="Adobe Clean"/>
-                <a:cs typeface="Adobe Clean"/>
-              </a:rPr>
-              <a:t>s</a:t>
-            </a:r>
-            <a:r>
-              <a:rPr lang="en-US" sz="1200" b="1" spc="-45">
-                <a:solidFill>
-                  <a:srgbClr val="020302"/>
-                </a:solidFill>
-                <a:latin typeface="Adobe Clean"/>
-                <a:cs typeface="Adobe Clean"/>
-              </a:rPr>
-              <a:t> </a:t>
-            </a:r>
-            <a:r>
-              <a:rPr lang="en-US" sz="1200" b="1">
-                <a:solidFill>
-                  <a:srgbClr val="020302"/>
-                </a:solidFill>
-                <a:latin typeface="Adobe Clean"/>
-                <a:cs typeface="Adobe Clean"/>
-              </a:rPr>
-              <a:t>a</a:t>
-            </a:r>
-            <a:r>
-              <a:rPr lang="en-US" sz="1200" b="1" spc="-40">
-                <a:solidFill>
-                  <a:srgbClr val="020302"/>
-                </a:solidFill>
-                <a:latin typeface="Adobe Clean"/>
-                <a:cs typeface="Adobe Clean"/>
-              </a:rPr>
-              <a:t> </a:t>
-            </a:r>
-            <a:r>
-              <a:rPr lang="en-US" sz="1200" b="1" spc="-15">
-                <a:solidFill>
-                  <a:srgbClr val="020302"/>
-                </a:solidFill>
-                <a:latin typeface="Adobe Clean"/>
-                <a:cs typeface="Adobe Clean"/>
-              </a:rPr>
-              <a:t>C</a:t>
-            </a:r>
-            <a:r>
-              <a:rPr lang="en-US" sz="1200" b="1" spc="-25">
-                <a:solidFill>
-                  <a:srgbClr val="020302"/>
-                </a:solidFill>
-                <a:latin typeface="Adobe Clean"/>
-                <a:cs typeface="Adobe Clean"/>
-              </a:rPr>
-              <a:t>l</a:t>
-            </a:r>
-            <a:r>
-              <a:rPr lang="en-US" sz="1200" b="1" spc="-15">
-                <a:solidFill>
-                  <a:srgbClr val="020302"/>
-                </a:solidFill>
-                <a:latin typeface="Adobe Clean"/>
-                <a:cs typeface="Adobe Clean"/>
-              </a:rPr>
-              <a:t>ou</a:t>
-            </a:r>
-            <a:r>
-              <a:rPr lang="en-US" sz="1200" b="1">
-                <a:solidFill>
-                  <a:srgbClr val="020302"/>
-                </a:solidFill>
-                <a:latin typeface="Adobe Clean"/>
-                <a:cs typeface="Adobe Clean"/>
-              </a:rPr>
-              <a:t>d</a:t>
-            </a:r>
-            <a:r>
-              <a:rPr lang="en-US" sz="1200" b="1" spc="-50">
-                <a:solidFill>
-                  <a:srgbClr val="020302"/>
-                </a:solidFill>
-                <a:latin typeface="Adobe Clean"/>
-                <a:cs typeface="Adobe Clean"/>
-              </a:rPr>
-              <a:t> </a:t>
-            </a:r>
-            <a:r>
-              <a:rPr lang="en-US" sz="1200" b="1" spc="-20">
-                <a:solidFill>
-                  <a:srgbClr val="020302"/>
-                </a:solidFill>
-                <a:latin typeface="Adobe Clean"/>
-                <a:cs typeface="Adobe Clean"/>
-              </a:rPr>
-              <a:t>S</a:t>
-            </a:r>
-            <a:r>
-              <a:rPr lang="en-US" sz="1200" b="1" spc="-25">
-                <a:solidFill>
-                  <a:srgbClr val="020302"/>
-                </a:solidFill>
-                <a:latin typeface="Adobe Clean"/>
-                <a:cs typeface="Adobe Clean"/>
-              </a:rPr>
-              <a:t>e</a:t>
-            </a:r>
-            <a:r>
-              <a:rPr lang="en-US" sz="1200" b="1" spc="-20">
-                <a:solidFill>
-                  <a:srgbClr val="020302"/>
-                </a:solidFill>
-                <a:latin typeface="Adobe Clean"/>
-                <a:cs typeface="Adobe Clean"/>
-              </a:rPr>
-              <a:t>r</a:t>
-            </a:r>
-            <a:r>
-              <a:rPr lang="en-US" sz="1200" b="1" spc="-25">
-                <a:solidFill>
-                  <a:srgbClr val="020302"/>
-                </a:solidFill>
-                <a:latin typeface="Adobe Clean"/>
-                <a:cs typeface="Adobe Clean"/>
-              </a:rPr>
-              <a:t>v</a:t>
-            </a:r>
-            <a:r>
-              <a:rPr lang="en-US" sz="1200" b="1" spc="-20">
-                <a:solidFill>
-                  <a:srgbClr val="020302"/>
-                </a:solidFill>
-                <a:latin typeface="Adobe Clean"/>
-                <a:cs typeface="Adobe Clean"/>
-              </a:rPr>
-              <a:t>i</a:t>
-            </a:r>
-            <a:r>
-              <a:rPr lang="en-US" sz="1200" b="1" spc="-30">
-                <a:solidFill>
-                  <a:srgbClr val="020302"/>
-                </a:solidFill>
-                <a:latin typeface="Adobe Clean"/>
-                <a:cs typeface="Adobe Clean"/>
-              </a:rPr>
-              <a:t>c</a:t>
-            </a:r>
-            <a:r>
-              <a:rPr lang="en-US" sz="1200" b="1">
-                <a:solidFill>
-                  <a:srgbClr val="020302"/>
-                </a:solidFill>
-                <a:latin typeface="Adobe Clean"/>
-                <a:cs typeface="Adobe Clean"/>
-              </a:rPr>
-              <a:t>e</a:t>
-            </a:r>
-            <a:endParaRPr lang="en-US" sz="1200">
-              <a:latin typeface="Adobe Clean"/>
-              <a:cs typeface="Adobe Clean"/>
-            </a:endParaRPr>
+              <a:t>as a Cloud Service</a:t>
+            </a:r>
           </a:p>
         </p:txBody>
       </p:sp>
@@ -11917,99 +9509,15 @@
               </a:spcBef>
             </a:pPr>
             <a:r>
-              <a:rPr lang="en-US" sz="1200" b="1" spc="-20">
+              <a:rPr lang="de-DE" sz="1200" b="1">
                 <a:solidFill>
                   <a:srgbClr val="020302"/>
                 </a:solidFill>
                 <a:latin typeface="Adobe Clean"/>
                 <a:cs typeface="Adobe Clean"/>
               </a:rPr>
-              <a:t>Cas</a:t>
-            </a:r>
-            <a:r>
-              <a:rPr sz="1200" b="1">
-                <a:solidFill>
-                  <a:srgbClr val="020302"/>
-                </a:solidFill>
-                <a:latin typeface="Adobe Clean"/>
-                <a:cs typeface="Adobe Clean"/>
-              </a:rPr>
-              <a:t>e</a:t>
-            </a:r>
-            <a:r>
-              <a:rPr sz="1200" b="1" spc="-80">
-                <a:solidFill>
-                  <a:srgbClr val="020302"/>
-                </a:solidFill>
-                <a:latin typeface="Adobe Clean"/>
-                <a:cs typeface="Adobe Clean"/>
-              </a:rPr>
-              <a:t> </a:t>
-            </a:r>
-            <a:r>
-              <a:rPr sz="1200" b="1" spc="-20">
-                <a:solidFill>
-                  <a:srgbClr val="020302"/>
-                </a:solidFill>
-                <a:latin typeface="Adobe Clean"/>
-                <a:cs typeface="Adobe Clean"/>
-              </a:rPr>
-              <a:t>R</a:t>
-            </a:r>
-            <a:r>
-              <a:rPr sz="1200" b="1" spc="-25">
-                <a:solidFill>
-                  <a:srgbClr val="020302"/>
-                </a:solidFill>
-                <a:latin typeface="Adobe Clean"/>
-                <a:cs typeface="Adobe Clean"/>
-              </a:rPr>
-              <a:t>e</a:t>
-            </a:r>
-            <a:r>
-              <a:rPr sz="1200" b="1" spc="-30">
-                <a:solidFill>
-                  <a:srgbClr val="020302"/>
-                </a:solidFill>
-                <a:latin typeface="Adobe Clean"/>
-                <a:cs typeface="Adobe Clean"/>
-              </a:rPr>
-              <a:t>v</a:t>
-            </a:r>
-            <a:r>
-              <a:rPr sz="1200" b="1" spc="-20">
-                <a:solidFill>
-                  <a:srgbClr val="020302"/>
-                </a:solidFill>
-                <a:latin typeface="Adobe Clean"/>
-                <a:cs typeface="Adobe Clean"/>
-              </a:rPr>
-              <a:t>i</a:t>
-            </a:r>
-            <a:r>
-              <a:rPr sz="1200" b="1" spc="-25">
-                <a:solidFill>
-                  <a:srgbClr val="020302"/>
-                </a:solidFill>
-                <a:latin typeface="Adobe Clean"/>
-                <a:cs typeface="Adobe Clean"/>
-              </a:rPr>
-              <a:t>ew</a:t>
-            </a:r>
-            <a:r>
-              <a:rPr sz="1200" b="1">
-                <a:solidFill>
-                  <a:srgbClr val="020302"/>
-                </a:solidFill>
-                <a:latin typeface="Adobe Clean"/>
-                <a:cs typeface="Adobe Clean"/>
-              </a:rPr>
-              <a:t>s</a:t>
-            </a:r>
-            <a:endParaRPr sz="1200">
-              <a:latin typeface="Adobe Clean"/>
-              <a:cs typeface="Adobe Clean"/>
-            </a:endParaRPr>
+              <a:t>Fallprüfungen</a:t>
+            </a:r>
           </a:p>
         </p:txBody>
       </p:sp>
@@ -12066,8 +9574,8 @@
         </p:nvSpPr>
         <p:spPr>
           <a:xfrm>
-            <a:off x="355868" y="1426046"/>
-            <a:ext cx="2194560" cy="936154"/>
+            <a:off x="355867" y="1426046"/>
+            <a:ext cx="2252891" cy="936154"/>
           </a:xfrm>
           <a:prstGeom prst="rect">
             <a:avLst/>
@@ -12088,18 +9596,14 @@
               </a:spcBef>
             </a:pPr>
             <a:r>
-              <a:rPr lang="en-US" sz="1000">
+              <a:rPr lang="de-DE" sz="1000" dirty="0">
                 <a:solidFill>
                   <a:srgbClr val="4B4B4B"/>
                 </a:solidFill>
                 <a:latin typeface="Adobe Clean Light" panose="020B0303020404020204" pitchFamily="34" charset="0"/>
               </a:rPr>
-              <a:t>Regular scheduled review of open support requests, ensuring customer alignment on case description, business impact, status, priority and agreement on next steps required to ensure an expedient resolution.</a:t>
-            </a:r>
-            <a:endParaRPr sz="1000">
-              <a:latin typeface="Adobe Clean Light" panose="020B0303020404020204" pitchFamily="34" charset="0"/>
-              <a:cs typeface="AdobeClean-Light"/>
-            </a:endParaRPr>
+              <a:t>Fortlaufende planmäßige Prüfung offener Support-Anfragen, um sicherzustellen, dass Kunden über Fallbeschreibung, geschäftliche Auswirkungen, Status, Priorität und die nächsten Schritte für eine zweckdienliche Lösung auf dem Laufenden sind.</a:t>
+            </a:r>
           </a:p>
         </p:txBody>
       </p:sp>
@@ -12139,19 +9643,15 @@
               </a:spcBef>
             </a:pPr>
             <a:r>
-              <a:rPr lang="en-US" sz="1400" b="1" spc="-10">
+              <a:rPr lang="de-DE" sz="1400" b="1">
                 <a:solidFill>
                   <a:srgbClr val="020302"/>
                 </a:solidFill>
                 <a:latin typeface="Adobe Clean"/>
                 <a:cs typeface="Adobe Clean"/>
               </a:rPr>
-              <a:t>Cloud Support Activities - AEM</a:t>
-            </a:r>
-            <a:endParaRPr lang="en-US" sz="1400">
-              <a:latin typeface="Adobe Clean"/>
-              <a:cs typeface="Adobe Clean"/>
-            </a:endParaRPr>
+              <a:t>Cloud-Support-Aktivitäten – AEM</a:t>
+            </a:r>
           </a:p>
         </p:txBody>
       </p:sp>
@@ -12169,8 +9669,8 @@
         </p:nvSpPr>
         <p:spPr>
           <a:xfrm>
-            <a:off x="214971" y="4310484"/>
-            <a:ext cx="2286000" cy="45719"/>
+            <a:off x="214970" y="4310484"/>
+            <a:ext cx="2537617" cy="90874"/>
           </a:xfrm>
           <a:custGeom>
             <a:avLst/>
@@ -12234,7 +9734,7 @@
         </p:blipFill>
         <p:spPr>
           <a:xfrm>
-            <a:off x="2569142" y="3892352"/>
+            <a:off x="2816792" y="3892352"/>
             <a:ext cx="461665" cy="461665"/>
           </a:xfrm>
           <a:prstGeom prst="rect">
@@ -12625,6 +10125,133 @@
           </a:p>
         </p:txBody>
       </p:sp>
+      <p:grpSp>
+        <p:nvGrpSpPr>
+          <p:cNvPr id="62" name="object 3">
+            <a:extLst>
+              <a:ext uri="{FF2B5EF4-FFF2-40B4-BE49-F238E27FC236}">
+                <a16:creationId xmlns:a16="http://schemas.microsoft.com/office/drawing/2014/main" id="{C539739D-1D3E-204D-9819-C44D9AE36DE8}"/>
+              </a:ext>
+            </a:extLst>
+          </p:cNvPr>
+          <p:cNvGrpSpPr/>
+          <p:nvPr/>
+        </p:nvGrpSpPr>
+        <p:grpSpPr>
+          <a:xfrm rot="5400000">
+            <a:off x="1154159" y="-868525"/>
+            <a:ext cx="5661921" cy="7931849"/>
+            <a:chOff x="-247019" y="421767"/>
+            <a:chExt cx="3875281" cy="7641336"/>
+          </a:xfrm>
+        </p:grpSpPr>
+        <p:sp>
+          <p:nvSpPr>
+            <p:cNvPr id="63" name="object 4">
+              <a:extLst>
+                <a:ext uri="{FF2B5EF4-FFF2-40B4-BE49-F238E27FC236}">
+                  <a16:creationId xmlns:a16="http://schemas.microsoft.com/office/drawing/2014/main" id="{F41DD51E-EC9C-7B44-BE42-FA9C42B94675}"/>
+                </a:ext>
+              </a:extLst>
+            </p:cNvPr>
+            <p:cNvSpPr/>
+            <p:nvPr/>
+          </p:nvSpPr>
+          <p:spPr>
+            <a:xfrm>
+              <a:off x="3628262" y="576453"/>
+              <a:ext cx="0" cy="7486650"/>
+            </a:xfrm>
+            <a:custGeom>
+              <a:avLst/>
+              <a:gdLst/>
+              <a:ahLst/>
+              <a:cxnLst/>
+              <a:rect l="l" t="t" r="r" b="b"/>
+              <a:pathLst>
+                <a:path h="7486650">
+                  <a:moveTo>
+                    <a:pt x="0" y="0"/>
+                  </a:moveTo>
+                  <a:lnTo>
+                    <a:pt x="0" y="7486408"/>
+                  </a:lnTo>
+                </a:path>
+              </a:pathLst>
+            </a:custGeom>
+            <a:ln w="61722">
+              <a:solidFill>
+                <a:srgbClr val="EAEAEB"/>
+              </a:solidFill>
+            </a:ln>
+          </p:spPr>
+          <p:txBody>
+            <a:bodyPr wrap="square" lIns="0" tIns="0" rIns="0" bIns="0" rtlCol="0"/>
+            <a:lstStyle/>
+            <a:p>
+              <a:endParaRPr/>
+            </a:p>
+          </p:txBody>
+        </p:sp>
+        <p:sp>
+          <p:nvSpPr>
+            <p:cNvPr id="64" name="object 5">
+              <a:extLst>
+                <a:ext uri="{FF2B5EF4-FFF2-40B4-BE49-F238E27FC236}">
+                  <a16:creationId xmlns:a16="http://schemas.microsoft.com/office/drawing/2014/main" id="{6E97A2E1-56BC-2B46-9873-F675D66FF621}"/>
+                </a:ext>
+              </a:extLst>
+            </p:cNvPr>
+            <p:cNvSpPr/>
+            <p:nvPr/>
+          </p:nvSpPr>
+          <p:spPr>
+            <a:xfrm>
+              <a:off x="-247019" y="421767"/>
+              <a:ext cx="3844040" cy="7600950"/>
+            </a:xfrm>
+            <a:custGeom>
+              <a:avLst/>
+              <a:gdLst/>
+              <a:ahLst/>
+              <a:cxnLst/>
+              <a:rect l="l" t="t" r="r" b="b"/>
+              <a:pathLst>
+                <a:path w="3409950" h="7600950">
+                  <a:moveTo>
+                    <a:pt x="0" y="7600569"/>
+                  </a:moveTo>
+                  <a:lnTo>
+                    <a:pt x="3409492" y="7600569"/>
+                  </a:lnTo>
+                  <a:lnTo>
+                    <a:pt x="3409492" y="0"/>
+                  </a:lnTo>
+                  <a:lnTo>
+                    <a:pt x="0" y="0"/>
+                  </a:lnTo>
+                  <a:lnTo>
+                    <a:pt x="0" y="7600569"/>
+                  </a:lnTo>
+                  <a:close/>
+                </a:path>
+              </a:pathLst>
+            </a:custGeom>
+            <a:ln w="12954">
+              <a:solidFill>
+                <a:srgbClr val="EBEBEB"/>
+              </a:solidFill>
+            </a:ln>
+          </p:spPr>
+          <p:txBody>
+            <a:bodyPr wrap="square" lIns="0" tIns="0" rIns="0" bIns="0" rtlCol="0"/>
+            <a:lstStyle/>
+            <a:p>
+              <a:endParaRPr/>
+            </a:p>
+          </p:txBody>
+        </p:sp>
+      </p:grpSp>
     </p:spTree>
     <p:extLst>
       <p:ext uri="{BB962C8B-B14F-4D97-AF65-F5344CB8AC3E}">
@@ -12903,109 +10530,15 @@
               </a:lnSpc>
             </a:pPr>
             <a:r>
-              <a:rPr sz="800" spc="-10">
+              <a:rPr lang="de-DE" sz="800">
                 <a:solidFill>
                   <a:srgbClr val="6D6D6D"/>
                 </a:solidFill>
                 <a:latin typeface="Adobe Clean"/>
                 <a:cs typeface="Adobe Clean"/>
               </a:rPr>
-              <a:t>©202</a:t>
-            </a:r>
-            <a:r>
-              <a:rPr lang="en-US" sz="800" spc="-10">
-                <a:solidFill>
-                  <a:srgbClr val="6D6D6D"/>
-                </a:solidFill>
-                <a:latin typeface="Adobe Clean"/>
-                <a:cs typeface="Adobe Clean"/>
-              </a:rPr>
-              <a:t>1</a:t>
-            </a:r>
-            <a:r>
-              <a:rPr sz="800" spc="-5">
-                <a:solidFill>
-                  <a:srgbClr val="6D6D6D"/>
-                </a:solidFill>
-                <a:latin typeface="Adobe Clean"/>
-                <a:cs typeface="Adobe Clean"/>
-              </a:rPr>
-              <a:t> Adobe. All</a:t>
-            </a:r>
-            <a:r>
-              <a:rPr sz="800" spc="-15">
-                <a:solidFill>
-                  <a:srgbClr val="6D6D6D"/>
-                </a:solidFill>
-                <a:latin typeface="Adobe Clean"/>
-                <a:cs typeface="Adobe Clean"/>
-              </a:rPr>
-              <a:t> </a:t>
-            </a:r>
-            <a:r>
-              <a:rPr sz="800" spc="-10">
-                <a:solidFill>
-                  <a:srgbClr val="6D6D6D"/>
-                </a:solidFill>
-                <a:latin typeface="Adobe Clean"/>
-                <a:cs typeface="Adobe Clean"/>
-              </a:rPr>
-              <a:t>Rights</a:t>
-            </a:r>
-            <a:r>
-              <a:rPr sz="800" spc="-5">
-                <a:solidFill>
-                  <a:srgbClr val="6D6D6D"/>
-                </a:solidFill>
-                <a:latin typeface="Adobe Clean"/>
-                <a:cs typeface="Adobe Clean"/>
-              </a:rPr>
-              <a:t> </a:t>
-            </a:r>
-            <a:r>
-              <a:rPr sz="800" spc="-10">
-                <a:solidFill>
-                  <a:srgbClr val="6D6D6D"/>
-                </a:solidFill>
-                <a:latin typeface="Adobe Clean"/>
-                <a:cs typeface="Adobe Clean"/>
-              </a:rPr>
-              <a:t>Reserved.</a:t>
-            </a:r>
-            <a:r>
-              <a:rPr sz="800" spc="-5">
-                <a:solidFill>
-                  <a:srgbClr val="6D6D6D"/>
-                </a:solidFill>
-                <a:latin typeface="Adobe Clean"/>
-                <a:cs typeface="Adobe Clean"/>
-              </a:rPr>
-              <a:t> Adobe</a:t>
-            </a:r>
-            <a:r>
-              <a:rPr sz="800" spc="75">
-                <a:solidFill>
-                  <a:srgbClr val="6D6D6D"/>
-                </a:solidFill>
-                <a:latin typeface="Adobe Clean"/>
-                <a:cs typeface="Adobe Clean"/>
-              </a:rPr>
-              <a:t> </a:t>
-            </a:r>
-            <a:r>
-              <a:rPr sz="800" spc="-10">
-                <a:solidFill>
-                  <a:srgbClr val="6D6D6D"/>
-                </a:solidFill>
-                <a:latin typeface="Adobe Clean"/>
-                <a:cs typeface="Adobe Clean"/>
-              </a:rPr>
-              <a:t>Confidential.</a:t>
-            </a:r>
-            <a:endParaRPr sz="800">
-              <a:latin typeface="Adobe Clean"/>
-              <a:cs typeface="Adobe Clean"/>
-            </a:endParaRPr>
+              <a:t>©2021 Adobe. All Rights Reserved. Adobe Confidential.</a:t>
+            </a:r>
           </a:p>
         </p:txBody>
       </p:sp>
@@ -13067,190 +10600,29 @@
           </a:prstGeom>
         </p:spPr>
         <p:txBody>
-          <a:bodyPr vert="horz" wrap="square" lIns="0" tIns="12700" rIns="0" bIns="0" rtlCol="0" anchor="t">
+          <a:bodyPr vert="horz" wrap="square" lIns="0" tIns="12700" rIns="0" bIns="0" rtlCol="0">
             <a:spAutoFit/>
           </a:bodyPr>
           <a:lstStyle/>
           <a:p>
             <a:pPr marL="12700">
+              <a:lnSpc>
+                <a:spcPct val="100000"/>
+              </a:lnSpc>
               <a:spcBef>
                 <a:spcPts val="100"/>
               </a:spcBef>
             </a:pPr>
             <a:r>
-              <a:rPr sz="1400" b="1" spc="-25" dirty="0">
+              <a:rPr lang="de-DE" sz="1400" b="1">
                 <a:solidFill>
                   <a:srgbClr val="020302"/>
                 </a:solidFill>
                 <a:latin typeface="Adobe Clean"/>
                 <a:cs typeface="Adobe Clean"/>
               </a:rPr>
-              <a:t>Fi</a:t>
-            </a:r>
-            <a:r>
-              <a:rPr sz="1400" b="1" spc="-30" dirty="0">
-                <a:solidFill>
-                  <a:srgbClr val="020302"/>
-                </a:solidFill>
-                <a:latin typeface="Adobe Clean"/>
-                <a:cs typeface="Adobe Clean"/>
-              </a:rPr>
-              <a:t>e</a:t>
-            </a:r>
-            <a:r>
-              <a:rPr sz="1400" b="1" spc="-25" dirty="0">
-                <a:solidFill>
-                  <a:srgbClr val="020302"/>
-                </a:solidFill>
-                <a:latin typeface="Adobe Clean"/>
-                <a:cs typeface="Adobe Clean"/>
-              </a:rPr>
-              <a:t>l</a:t>
-            </a:r>
-            <a:r>
-              <a:rPr sz="1400" b="1" dirty="0">
-                <a:solidFill>
-                  <a:srgbClr val="020302"/>
-                </a:solidFill>
-                <a:latin typeface="Adobe Clean"/>
-                <a:cs typeface="Adobe Clean"/>
-              </a:rPr>
-              <a:t>d</a:t>
-            </a:r>
-            <a:r>
-              <a:rPr sz="1400" b="1" spc="-45" dirty="0">
-                <a:solidFill>
-                  <a:srgbClr val="020302"/>
-                </a:solidFill>
-                <a:latin typeface="Adobe Clean"/>
-                <a:cs typeface="Adobe Clean"/>
-              </a:rPr>
-              <a:t> </a:t>
-            </a:r>
-            <a:r>
-              <a:rPr sz="1400" b="1" spc="20" dirty="0">
-                <a:solidFill>
-                  <a:srgbClr val="020302"/>
-                </a:solidFill>
-                <a:latin typeface="Adobe Clean"/>
-                <a:cs typeface="Adobe Clean"/>
-              </a:rPr>
-              <a:t>S</a:t>
-            </a:r>
-            <a:r>
-              <a:rPr sz="1400" b="1" spc="10" dirty="0">
-                <a:solidFill>
-                  <a:srgbClr val="020302"/>
-                </a:solidFill>
-                <a:latin typeface="Adobe Clean"/>
-                <a:cs typeface="Adobe Clean"/>
-              </a:rPr>
-              <a:t>e</a:t>
-            </a:r>
-            <a:r>
-              <a:rPr sz="1400" b="1" spc="15" dirty="0">
-                <a:solidFill>
-                  <a:srgbClr val="020302"/>
-                </a:solidFill>
-                <a:latin typeface="Adobe Clean"/>
-                <a:cs typeface="Adobe Clean"/>
-              </a:rPr>
-              <a:t>rvi</a:t>
-            </a:r>
-            <a:r>
-              <a:rPr sz="1400" b="1" spc="10" dirty="0">
-                <a:solidFill>
-                  <a:srgbClr val="020302"/>
-                </a:solidFill>
-                <a:latin typeface="Adobe Clean"/>
-                <a:cs typeface="Adobe Clean"/>
-              </a:rPr>
-              <a:t>c</a:t>
-            </a:r>
-            <a:r>
-              <a:rPr sz="1400" b="1" dirty="0">
-                <a:solidFill>
-                  <a:srgbClr val="020302"/>
-                </a:solidFill>
-                <a:latin typeface="Adobe Clean"/>
-                <a:cs typeface="Adobe Clean"/>
-              </a:rPr>
-              <a:t>e</a:t>
-            </a:r>
-            <a:r>
-              <a:rPr lang="en-US" sz="1400" b="1" dirty="0">
-                <a:solidFill>
-                  <a:srgbClr val="020302"/>
-                </a:solidFill>
-                <a:latin typeface="Adobe Clean"/>
-                <a:cs typeface="Adobe Clean"/>
-              </a:rPr>
-              <a:t> </a:t>
-            </a:r>
-            <a:r>
-              <a:rPr sz="1400" b="1" spc="5" dirty="0">
-                <a:solidFill>
-                  <a:srgbClr val="020302"/>
-                </a:solidFill>
-                <a:latin typeface="Adobe Clean"/>
-                <a:cs typeface="Adobe Clean"/>
-              </a:rPr>
-              <a:t>A</a:t>
-            </a:r>
-            <a:r>
-              <a:rPr sz="1400" b="1" dirty="0">
-                <a:solidFill>
-                  <a:srgbClr val="020302"/>
-                </a:solidFill>
-                <a:latin typeface="Adobe Clean"/>
-                <a:cs typeface="Adobe Clean"/>
-              </a:rPr>
-              <a:t>ct</a:t>
-            </a:r>
-            <a:r>
-              <a:rPr sz="1400" b="1" spc="5" dirty="0">
-                <a:solidFill>
-                  <a:srgbClr val="020302"/>
-                </a:solidFill>
-                <a:latin typeface="Adobe Clean"/>
-                <a:cs typeface="Adobe Clean"/>
-              </a:rPr>
-              <a:t>ivi</a:t>
-            </a:r>
-            <a:r>
-              <a:rPr sz="1400" b="1" dirty="0">
-                <a:solidFill>
-                  <a:srgbClr val="020302"/>
-                </a:solidFill>
-                <a:latin typeface="Adobe Clean"/>
-                <a:cs typeface="Adobe Clean"/>
-              </a:rPr>
-              <a:t>t</a:t>
-            </a:r>
-            <a:r>
-              <a:rPr sz="1400" b="1" spc="5" dirty="0">
-                <a:solidFill>
-                  <a:srgbClr val="020302"/>
-                </a:solidFill>
-                <a:latin typeface="Adobe Clean"/>
-                <a:cs typeface="Adobe Clean"/>
-              </a:rPr>
-              <a:t>i</a:t>
-            </a:r>
-            <a:r>
-              <a:rPr sz="1400" b="1" dirty="0">
-                <a:solidFill>
-                  <a:srgbClr val="020302"/>
-                </a:solidFill>
-                <a:latin typeface="Adobe Clean"/>
-                <a:cs typeface="Adobe Clean"/>
-              </a:rPr>
-              <a:t>es</a:t>
-            </a:r>
-            <a:endParaRPr sz="1400" dirty="0">
-              <a:latin typeface="Adobe Clean"/>
-              <a:cs typeface="Adobe Clean"/>
-            </a:endParaRPr>
+              <a:t>Außendienstaktivitäten</a:t>
+            </a:r>
           </a:p>
         </p:txBody>
       </p:sp>
@@ -13284,99 +10656,15 @@
               </a:spcBef>
             </a:pPr>
             <a:r>
-              <a:rPr sz="1400" b="1" spc="-20">
+              <a:rPr lang="de-DE" sz="1400" b="1">
                 <a:solidFill>
                   <a:srgbClr val="020302"/>
                 </a:solidFill>
                 <a:latin typeface="Adobe Clean"/>
                 <a:cs typeface="Adobe Clean"/>
               </a:rPr>
-              <a:t>L</a:t>
-            </a:r>
-            <a:r>
-              <a:rPr sz="1400" b="1" spc="-10">
-                <a:solidFill>
-                  <a:srgbClr val="020302"/>
-                </a:solidFill>
-                <a:latin typeface="Adobe Clean"/>
-                <a:cs typeface="Adobe Clean"/>
-              </a:rPr>
-              <a:t>a</a:t>
-            </a:r>
-            <a:r>
-              <a:rPr sz="1400" b="1" spc="-15">
-                <a:solidFill>
-                  <a:srgbClr val="020302"/>
-                </a:solidFill>
-                <a:latin typeface="Adobe Clean"/>
-                <a:cs typeface="Adobe Clean"/>
-              </a:rPr>
-              <a:t>un</a:t>
-            </a:r>
-            <a:r>
-              <a:rPr sz="1400" b="1" spc="-20">
-                <a:solidFill>
-                  <a:srgbClr val="020302"/>
-                </a:solidFill>
-                <a:latin typeface="Adobe Clean"/>
-                <a:cs typeface="Adobe Clean"/>
-              </a:rPr>
-              <a:t>c</a:t>
-            </a:r>
-            <a:r>
-              <a:rPr sz="1400" b="1">
-                <a:solidFill>
-                  <a:srgbClr val="020302"/>
-                </a:solidFill>
-                <a:latin typeface="Adobe Clean"/>
-                <a:cs typeface="Adobe Clean"/>
-              </a:rPr>
-              <a:t>h</a:t>
-            </a:r>
-            <a:r>
-              <a:rPr sz="1400" b="1" spc="-30">
-                <a:solidFill>
-                  <a:srgbClr val="020302"/>
-                </a:solidFill>
-                <a:latin typeface="Adobe Clean"/>
-                <a:cs typeface="Adobe Clean"/>
-              </a:rPr>
-              <a:t> </a:t>
-            </a:r>
-            <a:r>
-              <a:rPr sz="1400" b="1" spc="-10">
-                <a:solidFill>
-                  <a:srgbClr val="020302"/>
-                </a:solidFill>
-                <a:latin typeface="Adobe Clean"/>
-                <a:cs typeface="Adobe Clean"/>
-              </a:rPr>
-              <a:t>Advisor</a:t>
-            </a:r>
-            <a:r>
-              <a:rPr sz="1400" b="1">
-                <a:solidFill>
-                  <a:srgbClr val="020302"/>
-                </a:solidFill>
-                <a:latin typeface="Adobe Clean"/>
-                <a:cs typeface="Adobe Clean"/>
-              </a:rPr>
-              <a:t>y</a:t>
-            </a:r>
-            <a:r>
-              <a:rPr sz="1400" b="1" spc="-60">
-                <a:solidFill>
-                  <a:srgbClr val="020302"/>
-                </a:solidFill>
-                <a:latin typeface="Adobe Clean"/>
-                <a:cs typeface="Adobe Clean"/>
-              </a:rPr>
-              <a:t> </a:t>
-            </a:r>
-            <a:endParaRPr sz="1400">
-              <a:latin typeface="Adobe Clean"/>
-              <a:cs typeface="Adobe Clean"/>
-            </a:endParaRPr>
+              <a:t>Launch Advisory </a:t>
+            </a:r>
           </a:p>
         </p:txBody>
       </p:sp>
@@ -13389,7 +10677,7 @@
         <p:spPr>
           <a:xfrm>
             <a:off x="242188" y="1225804"/>
-            <a:ext cx="3131692" cy="628377"/>
+            <a:ext cx="3131692" cy="782265"/>
           </a:xfrm>
           <a:prstGeom prst="rect">
             <a:avLst/>
@@ -13407,106 +10695,120 @@
               </a:spcBef>
             </a:pPr>
             <a:r>
-              <a:rPr lang="en-US" sz="1000">
+              <a:rPr lang="de-DE" sz="1000" dirty="0">
                 <a:solidFill>
                   <a:srgbClr val="1F1F1F"/>
                 </a:solidFill>
                 <a:latin typeface="AdobeClean-Light"/>
                 <a:cs typeface="AdobeClean-Light"/>
               </a:rPr>
-              <a:t>For customers </a:t>
-            </a:r>
-            <a:r>
-              <a:rPr sz="1000">
-                <a:solidFill>
-                  <a:srgbClr val="1F1F1F"/>
-                </a:solidFill>
-                <a:latin typeface="AdobeClean-Light"/>
-                <a:cs typeface="AdobeClean-Light"/>
-              </a:rPr>
-              <a:t>implementing a </a:t>
-            </a:r>
-            <a:r>
-              <a:rPr sz="1000" b="1">
+              <a:t>Für Kunden, die eine </a:t>
+            </a:r>
+            <a:r>
+              <a:rPr lang="de-DE" sz="1000" b="1" dirty="0">
                 <a:solidFill>
                   <a:srgbClr val="1F1F1F"/>
                 </a:solidFill>
                 <a:latin typeface="Adobe Clean"/>
                 <a:cs typeface="Adobe Clean"/>
               </a:rPr>
-              <a:t>new Adobe Experience Cloud solution</a:t>
-            </a:r>
-            <a:r>
-              <a:rPr lang="en-US" sz="1000" b="1">
-                <a:solidFill>
-                  <a:srgbClr val="1F1F1F"/>
-                </a:solidFill>
-                <a:latin typeface="Adobe Clean"/>
-                <a:cs typeface="Adobe Clean"/>
-              </a:rPr>
-              <a:t>, </a:t>
-            </a:r>
-            <a:r>
-              <a:rPr lang="en-US" sz="1000">
+              <a:t>neue Adobe Experience Cloud-Lösung implementieren, ist </a:t>
+            </a:r>
+            <a:r>
+              <a:rPr lang="de-DE" sz="1000" dirty="0">
                 <a:latin typeface="Adobe Clean Light" charset="0"/>
                 <a:ea typeface="Adobe Clean Light" charset="0"/>
                 <a:cs typeface="Adobe Clean Light" charset="0"/>
               </a:rPr>
-              <a:t>Launch Advisory </a:t>
-            </a:r>
-            <a:r>
-              <a:rPr lang="en-US" sz="1000">
+              <a:t>Launch Advisory</a:t>
+            </a:r>
+            <a:r>
+              <a:rPr lang="de-DE" sz="1000" dirty="0">
                 <a:solidFill>
                   <a:srgbClr val="000000"/>
                 </a:solidFill>
                 <a:latin typeface="Adobe Clean SemiLight" panose="020B0403020404020204" pitchFamily="34" charset="0"/>
               </a:rPr>
-              <a:t>is a </a:t>
-            </a:r>
-            <a:r>
-              <a:rPr lang="en-US" sz="1000" b="1">
+              <a:t>eine </a:t>
+            </a:r>
+            <a:r>
+              <a:rPr lang="de-DE" sz="1000" b="1" dirty="0">
                 <a:solidFill>
                   <a:srgbClr val="000000"/>
                 </a:solidFill>
                 <a:latin typeface="Adobe Clean SemiLight" panose="020B0403020404020204" pitchFamily="34" charset="0"/>
               </a:rPr>
-              <a:t>core set of advisory services </a:t>
-            </a:r>
-            <a:r>
-              <a:rPr lang="en-US" sz="1000">
+              <a:t>zentrale </a:t>
+            </a:r>
+            <a:br>
+              <a:rPr lang="sk-SK" sz="1000" b="1" dirty="0">
+                <a:solidFill>
+                  <a:srgbClr val="000000"/>
+                </a:solidFill>
+                <a:latin typeface="Adobe Clean SemiLight" panose="020B0403020404020204" pitchFamily="34" charset="0"/>
+              </a:rPr>
+            </a:br>
+            <a:r>
+              <a:rPr lang="de-DE" sz="1000" b="1" dirty="0">
+                <a:solidFill>
+                  <a:srgbClr val="000000"/>
+                </a:solidFill>
+                <a:latin typeface="Adobe Clean SemiLight" panose="020B0403020404020204" pitchFamily="34" charset="0"/>
+              </a:rPr>
+              <a:t>Palette von Beratungs-Services</a:t>
+            </a:r>
+            <a:r>
+              <a:rPr lang="de-DE" sz="1000" dirty="0">
                 <a:latin typeface="Adobe Clean Light" charset="0"/>
                 <a:ea typeface="Adobe Clean Light" charset="0"/>
                 <a:cs typeface="Adobe Clean Light" charset="0"/>
               </a:rPr>
-              <a:t>and recommendations that </a:t>
-            </a:r>
-            <a:r>
-              <a:rPr lang="en-US" sz="1000">
+              <a:t> und Empfehlungen, </a:t>
+            </a:r>
+            <a:br>
+              <a:rPr lang="sk-SK" sz="1000" dirty="0">
                 <a:latin typeface="Adobe Clean Light" charset="0"/>
+                <a:ea typeface="Adobe Clean Light" charset="0"/>
+                <a:cs typeface="Adobe Clean Light" charset="0"/>
               </a:rPr>
-              <a:t>are proven to </a:t>
-            </a:r>
-            <a:r>
-              <a:rPr lang="en-US" sz="1000" b="1">
+            </a:br>
+            <a:r>
+              <a:rPr lang="de-DE" sz="1000" dirty="0">
                 <a:latin typeface="Adobe Clean Light" charset="0"/>
+                <a:ea typeface="Adobe Clean Light" charset="0"/>
+                <a:cs typeface="Adobe Clean Light" charset="0"/>
               </a:rPr>
-              <a:t>support successful deployments </a:t>
-            </a:r>
-            <a:r>
-              <a:rPr lang="en-US" sz="1000">
+              <a:t>die </a:t>
+            </a:r>
+            <a:r>
+              <a:rPr lang="de-DE" sz="1000" b="1" dirty="0">
                 <a:latin typeface="Adobe Clean Light" charset="0"/>
+                <a:ea typeface="Adobe Clean Light" charset="0"/>
+                <a:cs typeface="Adobe Clean Light" charset="0"/>
               </a:rPr>
-              <a:t>and </a:t>
-            </a:r>
-            <a:r>
-              <a:rPr lang="en-US" sz="1000" b="1">
+              <a:t>nachweislich erfolgreiche Implementierungen unterstützen</a:t>
+            </a:r>
+            <a:r>
+              <a:rPr lang="de-DE" sz="1000" dirty="0">
                 <a:latin typeface="Adobe Clean Light" charset="0"/>
+                <a:ea typeface="Adobe Clean Light" charset="0"/>
+                <a:cs typeface="Adobe Clean Light" charset="0"/>
               </a:rPr>
-              <a:t>accelerate time-to-value</a:t>
-            </a:r>
-            <a:r>
-              <a:rPr lang="en-US" sz="1000">
+              <a:t> und </a:t>
+            </a:r>
+            <a:r>
+              <a:rPr lang="de-DE" sz="1000" b="1" dirty="0">
                 <a:latin typeface="Adobe Clean Light" charset="0"/>
+                <a:ea typeface="Adobe Clean Light" charset="0"/>
+                <a:cs typeface="Adobe Clean Light" charset="0"/>
+              </a:rPr>
+              <a:t>die Time-to-Value beschleunigen</a:t>
+            </a:r>
+            <a:r>
+              <a:rPr lang="de-DE" sz="1000" dirty="0">
+                <a:latin typeface="Adobe Clean Light" charset="0"/>
+                <a:ea typeface="Adobe Clean Light" charset="0"/>
+                <a:cs typeface="Adobe Clean Light" charset="0"/>
               </a:rPr>
               <a:t>.</a:t>
             </a:r>
@@ -13567,75 +10869,85 @@
               </a:spcBef>
             </a:pPr>
             <a:r>
-              <a:rPr lang="en-US" sz="1000">
+              <a:rPr lang="de-DE" sz="1000" dirty="0">
                 <a:solidFill>
                   <a:srgbClr val="4B4B4B"/>
                 </a:solidFill>
                 <a:latin typeface="Adobe Clean Light" panose="020B0303020404020204" pitchFamily="34" charset="0"/>
               </a:rPr>
-              <a:t>Field Services are used for </a:t>
-            </a:r>
-            <a:r>
-              <a:rPr lang="en-US" sz="1000" b="1">
+              <a:t>Der Außendienst sorgt für </a:t>
+            </a:r>
+            <a:r>
+              <a:rPr lang="de-DE" sz="1000" b="1" dirty="0">
                 <a:solidFill>
                   <a:srgbClr val="4B4B4B"/>
                 </a:solidFill>
                 <a:latin typeface="Adobe Clean" panose="020B0503020404020204" pitchFamily="34" charset="0"/>
               </a:rPr>
-              <a:t>quick resolution</a:t>
-            </a:r>
-            <a:r>
-              <a:rPr lang="en-US" sz="1000">
+              <a:t>schnelle Problemlösung,</a:t>
+            </a:r>
+            <a:r>
+              <a:rPr lang="de-DE" sz="1000" dirty="0">
                 <a:solidFill>
                   <a:srgbClr val="4B4B4B"/>
                 </a:solidFill>
                 <a:latin typeface="Adobe Clean Light" panose="020B0303020404020204" pitchFamily="34" charset="0"/>
               </a:rPr>
-              <a:t>, focused customer success and accelerated</a:t>
-            </a:r>
-            <a:r>
-              <a:rPr lang="en-US" sz="1000" b="1">
+              <a:t> fokussierten Kundenerfolg und beschleunigte </a:t>
+            </a:r>
+            <a:r>
+              <a:rPr lang="de-DE" sz="1000" b="1" dirty="0">
                 <a:solidFill>
                   <a:srgbClr val="4B4B4B"/>
                 </a:solidFill>
                 <a:latin typeface="Adobe Clean" panose="020B0503020404020204" pitchFamily="34" charset="0"/>
               </a:rPr>
-              <a:t> time-to-value</a:t>
-            </a:r>
-            <a:r>
-              <a:rPr lang="en-US" sz="1000">
+              <a:t>Time-to-Value</a:t>
+            </a:r>
+            <a:r>
+              <a:rPr lang="de-DE" sz="1000" dirty="0">
                 <a:solidFill>
                   <a:srgbClr val="4B4B4B"/>
                 </a:solidFill>
                 <a:latin typeface="Adobe Clean Light" panose="020B0303020404020204" pitchFamily="34" charset="0"/>
               </a:rPr>
-              <a:t>. If Launch advisory is active there will be </a:t>
-            </a:r>
-            <a:r>
-              <a:rPr lang="en-US" sz="1000" b="1">
+              <a:t>. Wenn Launch Advisory aktiv ist, gibt es </a:t>
+            </a:r>
+            <a:r>
+              <a:rPr lang="de-DE" sz="1000" b="1" dirty="0">
                 <a:solidFill>
                   <a:srgbClr val="4B4B4B"/>
                 </a:solidFill>
                 <a:latin typeface="Adobe Clean" panose="020B0503020404020204" pitchFamily="34" charset="0"/>
               </a:rPr>
-              <a:t>no Field Services in year 1 </a:t>
-            </a:r>
-            <a:r>
-              <a:rPr lang="en-US" sz="1000">
+              <a:t>im ersten Jahr keinen Außendienst</a:t>
+            </a:r>
+            <a:r>
+              <a:rPr lang="de-DE" sz="1000" dirty="0">
                 <a:solidFill>
                   <a:srgbClr val="4B4B4B"/>
                 </a:solidFill>
                 <a:latin typeface="Adobe Clean Light" panose="020B0303020404020204" pitchFamily="34" charset="0"/>
               </a:rPr>
-              <a:t>for any solution product covered by an Adobe Support contract. </a:t>
-            </a:r>
-            <a:endParaRPr lang="en-US" sz="1000">
-              <a:solidFill>
-                <a:srgbClr val="1F1F1F"/>
-              </a:solidFill>
-              <a:latin typeface="Adobe Clean Light" panose="020B0303020404020204" pitchFamily="34" charset="0"/>
-              <a:cs typeface="Adobe Clean"/>
-            </a:endParaRPr>
+              <a:t> </a:t>
+            </a:r>
+            <a:br>
+              <a:rPr lang="sk-SK" sz="1000" dirty="0">
+                <a:solidFill>
+                  <a:srgbClr val="4B4B4B"/>
+                </a:solidFill>
+                <a:latin typeface="Adobe Clean Light" panose="020B0303020404020204" pitchFamily="34" charset="0"/>
+              </a:rPr>
+            </a:br>
+            <a:r>
+              <a:rPr lang="de-DE" sz="1000" dirty="0">
+                <a:solidFill>
+                  <a:srgbClr val="4B4B4B"/>
+                </a:solidFill>
+                <a:latin typeface="Adobe Clean Light" panose="020B0303020404020204" pitchFamily="34" charset="0"/>
+              </a:rPr>
+              <a:t>für Lösungsprodukte, die unter einen Adobe Support-Vertrag fallen. </a:t>
+            </a:r>
           </a:p>
           <a:p>
             <a:pPr marL="24130" marR="5080">
@@ -13643,7 +10955,7 @@
                 <a:spcPts val="600"/>
               </a:spcBef>
             </a:pPr>
-            <a:endParaRPr lang="en-US" sz="1000" b="1">
+            <a:endParaRPr lang="en-US" sz="1000" b="1" dirty="0">
               <a:solidFill>
                 <a:srgbClr val="1F1F1F"/>
               </a:solidFill>
@@ -13830,37 +11142,37 @@
               </a:spcBef>
             </a:pPr>
             <a:r>
-              <a:rPr lang="en-US" sz="1000">
+              <a:rPr lang="de-DE" sz="1000" dirty="0">
                 <a:latin typeface="Adobe Clean Light" charset="0"/>
               </a:rPr>
-              <a:t>Adobe solution experts help validate requirements, architecture, development process, and launch readiness reviews </a:t>
-            </a:r>
-            <a:r>
-              <a:rPr lang="en-US" sz="1000">
+              <a:t>Experten für Adobe-Lösungen helfen bei der Prüfung von Anforderungen, Architektur, Entwicklungsprozess und Launch-Bereitschaft</a:t>
+            </a:r>
+            <a:r>
+              <a:rPr lang="de-DE" sz="1000" dirty="0">
                 <a:solidFill>
                   <a:srgbClr val="000000"/>
                 </a:solidFill>
                 <a:latin typeface="Adobe Clean SemiLight" panose="020B0403020404020204" pitchFamily="34" charset="0"/>
               </a:rPr>
-              <a:t>with </a:t>
-            </a:r>
-            <a:r>
-              <a:rPr lang="en-US" sz="1000" b="1">
+              <a:t> mit </a:t>
+            </a:r>
+            <a:r>
+              <a:rPr lang="de-DE" sz="1000" b="1" dirty="0">
                 <a:solidFill>
                   <a:srgbClr val="000000"/>
                 </a:solidFill>
                 <a:latin typeface="Adobe Clean SemiLight" panose="020B0403020404020204" pitchFamily="34" charset="0"/>
               </a:rPr>
-              <a:t>best practice-based guidance </a:t>
-            </a:r>
-            <a:r>
-              <a:rPr lang="en-US" sz="1000">
+              <a:t>Best Practice-basierten Anleitungen</a:t>
+            </a:r>
+            <a:r>
+              <a:rPr lang="de-DE" sz="1000" dirty="0">
                 <a:solidFill>
                   <a:srgbClr val="000000"/>
                 </a:solidFill>
                 <a:latin typeface="Adobe Clean SemiLight" panose="020B0403020404020204" pitchFamily="34" charset="0"/>
               </a:rPr>
-              <a:t>to customers and implementation partners.</a:t>
+              <a:t> für Kunden und Implementierungspartner.</a:t>
             </a:r>
           </a:p>
           <a:p>
@@ -13869,7 +11181,7 @@
                 <a:spcPts val="100"/>
               </a:spcBef>
             </a:pPr>
-            <a:endParaRPr lang="en-US" sz="1000">
+            <a:endParaRPr lang="en-US" sz="1000" dirty="0">
               <a:solidFill>
                 <a:srgbClr val="1F1F1F"/>
               </a:solidFill>
@@ -13884,22 +11196,22 @@
               </a:spcBef>
             </a:pPr>
             <a:r>
-              <a:rPr lang="en-US" sz="1000">
+              <a:rPr lang="de-DE" sz="1000" dirty="0">
                 <a:latin typeface="Adobe Clean Light" charset="0"/>
               </a:rPr>
-              <a:t>Launch Advisory will align with your project schedule through common milestones (</a:t>
-            </a:r>
-            <a:r>
-              <a:rPr lang="en-US" sz="1000" b="1">
+              <a:t>Launch Advisory orientiert sich anhand gängiger Milestones (</a:t>
+            </a:r>
+            <a:r>
+              <a:rPr lang="de-DE" sz="1000" b="1" dirty="0">
                 <a:latin typeface="Adobe Clean Light" charset="0"/>
               </a:rPr>
-              <a:t>Kickoff, Define, Design, Go-live and Post Launch</a:t>
-            </a:r>
-            <a:r>
-              <a:rPr lang="en-US" sz="1000">
+              <a:t>Kickoff, Definition, Design, Go-Live und Post-Launch</a:t>
+            </a:r>
+            <a:r>
+              <a:rPr lang="de-DE" sz="1000" dirty="0">
                 <a:latin typeface="Adobe Clean Light" charset="0"/>
               </a:rPr>
-              <a:t>) to guide, validate, assess and make recommendations.</a:t>
+              <a:t>) an Ihren Projektplan und umfasst Anleitung, Prüfung, Bewertung und Empfehlungen.</a:t>
             </a:r>
           </a:p>
           <a:p>
@@ -13908,7 +11220,7 @@
                 <a:spcPts val="100"/>
               </a:spcBef>
             </a:pPr>
-            <a:endParaRPr lang="en-US" sz="1000">
+            <a:endParaRPr lang="en-US" sz="1000" dirty="0">
               <a:latin typeface="Adobe Clean Light" charset="0"/>
             </a:endParaRPr>
           </a:p>
@@ -13919,10 +11231,10 @@
               </a:spcBef>
             </a:pPr>
             <a:r>
-              <a:rPr lang="en-US" sz="1000">
+              <a:rPr lang="de-DE" sz="1000" dirty="0">
                 <a:latin typeface="Adobe Clean Light" charset="0"/>
               </a:rPr>
-              <a:t>Key Deliverables include:</a:t>
+              <a:t>Zu den wichtigsten Angeboten gehören:</a:t>
             </a:r>
           </a:p>
           <a:p>
@@ -13934,8 +11246,8 @@
               <a:buChar char="•"/>
             </a:pPr>
             <a:r>
-              <a:rPr lang="en-US" sz="1000"/>
-              <a:t>Kickoff (including project collaboration plan) deck</a:t>
+              <a:rPr lang="de-DE" sz="1000" dirty="0"/>
+              <a:t>Kickoff-Deck (einschließlich Projekt-Kooperationsplan)</a:t>
             </a:r>
           </a:p>
           <a:p>
@@ -13947,8 +11259,8 @@
               <a:buChar char="•"/>
             </a:pPr>
             <a:r>
-              <a:rPr lang="en-US" sz="1000"/>
-              <a:t>Assessment &amp; recommendations document(s)</a:t>
+              <a:rPr lang="de-DE" sz="1000" dirty="0"/>
+              <a:t>Dokument(e) für Bewertung und Empfehlung</a:t>
             </a:r>
           </a:p>
           <a:p>
@@ -13960,8 +11272,8 @@
               <a:buChar char="•"/>
             </a:pPr>
             <a:r>
-              <a:rPr lang="en-US" sz="1000"/>
-              <a:t>Engagement summary</a:t>
+              <a:rPr lang="de-DE" sz="1000" dirty="0"/>
+              <a:t>Interaktionszusammenfassung</a:t>
             </a:r>
           </a:p>
         </p:txBody>
@@ -14065,8 +11377,8 @@
           <a:p>
             <a:pPr algn="ctr"/>
             <a:r>
-              <a:rPr lang="en-US" sz="1600"/>
-              <a:t>Run &amp; Operate</a:t>
+              <a:rPr lang="de-DE" sz="1600"/>
+              <a:t>Ausführung und Betrieb</a:t>
             </a:r>
           </a:p>
         </p:txBody>
@@ -14171,8 +11483,8 @@
           <a:p>
             <a:pPr algn="ctr"/>
             <a:r>
-              <a:rPr lang="en-US" sz="1600"/>
-              <a:t>Implementation</a:t>
+              <a:rPr lang="de-DE" sz="1600"/>
+              <a:t>Implementierung</a:t>
             </a:r>
           </a:p>
         </p:txBody>
@@ -14207,8 +11519,8 @@
           <a:p>
             <a:pPr algn="ctr"/>
             <a:r>
-              <a:rPr lang="en-US" sz="1100"/>
-              <a:t>Post Launch</a:t>
+              <a:rPr lang="de-DE" sz="1100"/>
+              <a:t>Post-Launch</a:t>
             </a:r>
           </a:p>
         </p:txBody>
@@ -14228,15 +11540,20 @@
           <p:nvPr/>
         </p:nvPicPr>
         <p:blipFill>
-          <a:blip r:embed="rId4"/>
-          <a:stretch>
-            <a:fillRect/>
-          </a:stretch>
+          <a:blip r:embed="rId4">
+            <a:extLst>
+              <a:ext uri="{28A0092B-C50C-407E-A947-70E740481C1C}">
+                <a14:useLocalDpi xmlns:a14="http://schemas.microsoft.com/office/drawing/2010/main" val="0"/>
+              </a:ext>
+            </a:extLst>
+          </a:blip>
+          <a:srcRect/>
+          <a:stretch/>
         </p:blipFill>
         <p:spPr>
           <a:xfrm>
-            <a:off x="333965" y="6379881"/>
-            <a:ext cx="3097872" cy="2855621"/>
+            <a:off x="334498" y="6379881"/>
+            <a:ext cx="3096805" cy="2855621"/>
           </a:xfrm>
           <a:prstGeom prst="rect">
             <a:avLst/>
@@ -14312,14 +11629,14 @@
         <p:spPr>
           <a:xfrm>
             <a:off x="3855907" y="4694431"/>
-            <a:ext cx="3525469" cy="2464777"/>
+            <a:ext cx="3675699" cy="2310889"/>
           </a:xfrm>
           <a:prstGeom prst="rect">
             <a:avLst/>
           </a:prstGeom>
         </p:spPr>
         <p:txBody>
-          <a:bodyPr wrap="square" lIns="91440" tIns="45720" rIns="91440" bIns="45720" anchor="t">
+          <a:bodyPr wrap="square">
             <a:spAutoFit/>
           </a:bodyPr>
           <a:lstStyle/>
@@ -14330,29 +11647,23 @@
               </a:spcBef>
             </a:pPr>
             <a:r>
-              <a:rPr lang="en-US" sz="1000" b="1" dirty="0">
+              <a:rPr lang="de-DE" sz="1000" b="1" dirty="0">
                 <a:solidFill>
                   <a:srgbClr val="000000"/>
                 </a:solidFill>
                 <a:latin typeface="+mj-lt"/>
               </a:rPr>
-              <a:t>Technical Track Activities </a:t>
-            </a:r>
-            <a:r>
-              <a:rPr lang="en-US" sz="1000" dirty="0">
+              <a:t>Aktivitäten des technischen Tracks</a:t>
+            </a:r>
+            <a:r>
+              <a:rPr lang="de-DE" sz="1000" dirty="0">
                 <a:solidFill>
                   <a:srgbClr val="000000"/>
                 </a:solidFill>
-                <a:latin typeface="Adobe Clean Light"/>
+                <a:latin typeface="Adobe Clean Light" panose="020B0303020404020204" pitchFamily="34" charset="0"/>
               </a:rPr>
-              <a:t>ensure customers are technically sound and maximizing their tool adoption. Specifically, these types of activities include support and recommendations related to platform configurations, integrations and troubleshooting.</a:t>
-            </a:r>
-            <a:endParaRPr lang="en-US" sz="1000" dirty="0">
-              <a:solidFill>
-                <a:srgbClr val="000000"/>
-              </a:solidFill>
-              <a:latin typeface="Adobe Clean Light" panose="020B0303020404020204" pitchFamily="34" charset="0"/>
-            </a:endParaRPr>
+              <a:t> stellen sicher, dass Kunden technisch versiert sind und ihre Tools optimal nutzen. Diese Aktivitätstypen umfassen insbesondere Support und Empfehlungen für Plattformkonfigurationen, Integrationen und die Fehlerbehebung</a:t>
+            </a:r>
           </a:p>
           <a:p>
             <a:pPr marL="12700" marR="5080">
@@ -14360,7 +11671,7 @@
                 <a:spcPts val="100"/>
               </a:spcBef>
             </a:pPr>
-            <a:endParaRPr lang="en-US" sz="1000">
+            <a:endParaRPr lang="en-US" sz="1000" dirty="0">
               <a:latin typeface="Adobe Clean Light" charset="0"/>
             </a:endParaRPr>
           </a:p>
@@ -14371,10 +11682,10 @@
               </a:spcBef>
             </a:pPr>
             <a:r>
-              <a:rPr lang="en-US" sz="1000" dirty="0">
-                <a:latin typeface="Adobe Clean Light"/>
+              <a:rPr lang="de-DE" sz="1000" dirty="0">
+                <a:latin typeface="Adobe Clean Light" charset="0"/>
               </a:rPr>
-              <a:t>Types of technical activities available::</a:t>
+              <a:t>Verfügbare technische Aktivitäten:</a:t>
             </a:r>
           </a:p>
           <a:p>
@@ -14389,12 +11700,9 @@
               <a:buChar char="ü"/>
             </a:pPr>
             <a:r>
-              <a:rPr lang="en-US" sz="1000" dirty="0"/>
-              <a:t>Health audit</a:t>
-            </a:r>
-            <a:endParaRPr lang="en-US" sz="1000" dirty="0">
-              <a:cs typeface="Calibri"/>
-            </a:endParaRPr>
+              <a:rPr lang="de-DE" sz="1000" dirty="0"/>
+              <a:t>Statusprüfung</a:t>
+            </a:r>
           </a:p>
           <a:p>
             <a:pPr marL="184150" marR="5080" indent="-171450">
@@ -14408,12 +11716,9 @@
               <a:buChar char="ü"/>
             </a:pPr>
             <a:r>
-              <a:rPr lang="en-US" sz="1000" dirty="0"/>
-              <a:t>Platform audit</a:t>
-            </a:r>
-            <a:endParaRPr lang="en-US" sz="1000" dirty="0">
-              <a:cs typeface="Calibri"/>
-            </a:endParaRPr>
+              <a:rPr lang="de-DE" sz="1000" dirty="0"/>
+              <a:t>Plattformprüfung</a:t>
+            </a:r>
           </a:p>
           <a:p>
             <a:pPr marL="184150" marR="5080" indent="-171450">
@@ -14427,12 +11732,9 @@
               <a:buChar char="ü"/>
             </a:pPr>
             <a:r>
-              <a:rPr lang="en-US" sz="1000" dirty="0"/>
-              <a:t>Feature set enablement</a:t>
-            </a:r>
-            <a:endParaRPr lang="en-US" sz="1000" dirty="0">
-              <a:cs typeface="Calibri"/>
-            </a:endParaRPr>
+              <a:rPr lang="de-DE" sz="1000" dirty="0"/>
+              <a:t>Aktivierung von Funktionssätzen</a:t>
+            </a:r>
           </a:p>
           <a:p>
             <a:pPr marL="184150" marR="5080" indent="-171450">
@@ -14446,12 +11748,9 @@
               <a:buChar char="ü"/>
             </a:pPr>
             <a:r>
-              <a:rPr lang="en-US" sz="1000" dirty="0"/>
-              <a:t>Basic integrations and configurations</a:t>
-            </a:r>
-            <a:endParaRPr lang="en-US" sz="1000" dirty="0">
-              <a:cs typeface="Calibri"/>
-            </a:endParaRPr>
+              <a:rPr lang="de-DE" sz="1000" dirty="0"/>
+              <a:t>Grundlegende Integrationen und Konfigurationen</a:t>
+            </a:r>
           </a:p>
           <a:p>
             <a:pPr marL="184150" marR="5080" indent="-171450">
@@ -14465,12 +11764,9 @@
               <a:buChar char="ü"/>
             </a:pPr>
             <a:r>
-              <a:rPr lang="en-US" sz="1000" dirty="0"/>
-              <a:t>Customer solution troubleshooting</a:t>
-            </a:r>
-            <a:endParaRPr lang="en-US" sz="1000" dirty="0">
-              <a:cs typeface="Calibri"/>
-            </a:endParaRPr>
+              <a:rPr lang="de-DE" sz="1000" dirty="0"/>
+              <a:t>Fehlerbehebung bei der Kundenlösung</a:t>
+            </a:r>
           </a:p>
           <a:p>
             <a:pPr marL="184150" marR="5080" indent="-171450">
@@ -14484,12 +11780,9 @@
               <a:buChar char="ü"/>
             </a:pPr>
             <a:r>
-              <a:rPr lang="en-US" sz="1000" dirty="0"/>
-              <a:t>Cloud service support</a:t>
-            </a:r>
-            <a:endParaRPr lang="en-US" sz="1000" dirty="0">
-              <a:cs typeface="Calibri"/>
-            </a:endParaRPr>
+              <a:rPr lang="de-DE" sz="1000" dirty="0"/>
+              <a:t>Cloud-Service-Support</a:t>
+            </a:r>
           </a:p>
         </p:txBody>
       </p:sp>
@@ -14508,14 +11801,14 @@
         <p:spPr>
           <a:xfrm>
             <a:off x="3851397" y="7249456"/>
-            <a:ext cx="3525469" cy="2054409"/>
+            <a:ext cx="3717548" cy="2054409"/>
           </a:xfrm>
           <a:prstGeom prst="rect">
             <a:avLst/>
           </a:prstGeom>
         </p:spPr>
         <p:txBody>
-          <a:bodyPr wrap="square" lIns="91440" tIns="45720" rIns="91440" bIns="45720" anchor="t">
+          <a:bodyPr wrap="square">
             <a:spAutoFit/>
           </a:bodyPr>
           <a:lstStyle/>
@@ -14526,22 +11819,22 @@
               </a:spcBef>
             </a:pPr>
             <a:r>
-              <a:rPr lang="en-US" sz="1000" b="1" dirty="0">
+              <a:rPr lang="de-DE" sz="1000" b="1" dirty="0">
                 <a:solidFill>
                   <a:srgbClr val="000000"/>
                 </a:solidFill>
                 <a:latin typeface="+mj-lt"/>
               </a:rPr>
-              <a:t>Strategic Track Activities </a:t>
-            </a:r>
-            <a:r>
-              <a:rPr lang="en-US" sz="1000" dirty="0">
+              <a:t>Aktivitäten des strategischen Tracks</a:t>
+            </a:r>
+            <a:r>
+              <a:rPr lang="de-DE" sz="1000" dirty="0">
                 <a:solidFill>
                   <a:srgbClr val="000000"/>
                 </a:solidFill>
-                <a:latin typeface="Adobe Clean Light"/>
+                <a:latin typeface="Adobe Clean Light" panose="020B0303020404020204" pitchFamily="34" charset="0"/>
               </a:rPr>
-              <a:t>locate opportunities to ensure value is being realized from a customer’s Adobe solutions. They include support recommendations related to strategy, measurement and maturity to drive value realization across one or more Adobe solutions.</a:t>
+              <a:t> ermitteln Möglichkeiten, mit den vom Kunden genutzten Adobe-Lösungen optimale Ergebnisse zu erzielen. Sie enthalten Support-Empfehlungen zu Strategie, Messung und Reifegrad, mit denen eine oder mehrere Adobe-Lösungen optimal genutzt werden können.</a:t>
             </a:r>
           </a:p>
           <a:p>
@@ -14550,7 +11843,7 @@
                 <a:spcPts val="100"/>
               </a:spcBef>
             </a:pPr>
-            <a:endParaRPr lang="en-US" sz="1000">
+            <a:endParaRPr lang="en-US" sz="1000" dirty="0">
               <a:latin typeface="Adobe Clean Light" charset="0"/>
             </a:endParaRPr>
           </a:p>
@@ -14561,14 +11854,11 @@
               </a:spcBef>
             </a:pPr>
             <a:r>
-              <a:rPr lang="en-US" sz="1000" dirty="0">
-                <a:latin typeface="Adobe Clean Light"/>
+              <a:rPr lang="de-DE" sz="1000" dirty="0">
+                <a:latin typeface="Adobe Clean Light" charset="0"/>
               </a:rPr>
-              <a:t>Types of strategic activities available:</a:t>
-            </a:r>
-            <a:endParaRPr lang="en-US" sz="1000" dirty="0">
-              <a:latin typeface="Adobe Clean Light" charset="0"/>
-            </a:endParaRPr>
+              <a:t>Verfügbare strategische Aktivitäten:</a:t>
+            </a:r>
           </a:p>
           <a:p>
             <a:pPr marL="241300" marR="5080" indent="-228600">
@@ -14582,12 +11872,9 @@
               <a:buChar char="ü"/>
             </a:pPr>
             <a:r>
-              <a:rPr lang="en-US" sz="1000" dirty="0"/>
-              <a:t>Maturity Roadmap</a:t>
-            </a:r>
-            <a:endParaRPr lang="en-US" sz="1000" dirty="0">
-              <a:cs typeface="Calibri"/>
-            </a:endParaRPr>
+              <a:rPr lang="de-DE" sz="1000" dirty="0"/>
+              <a:t>Reifegrad-Roadmap</a:t>
+            </a:r>
           </a:p>
           <a:p>
             <a:pPr marL="241300" marR="5080" indent="-228600">
@@ -14601,12 +11888,9 @@
               <a:buChar char="ü"/>
             </a:pPr>
             <a:r>
-              <a:rPr lang="en-US" sz="1000" dirty="0"/>
-              <a:t>Use case development/measurement</a:t>
-            </a:r>
-            <a:endParaRPr lang="en-US" sz="1000" dirty="0">
-              <a:cs typeface="Calibri"/>
-            </a:endParaRPr>
+              <a:rPr lang="de-DE" sz="1000" dirty="0"/>
+              <a:t>Use-Case-Entwicklung/-Messung</a:t>
+            </a:r>
           </a:p>
           <a:p>
             <a:pPr marL="241300" marR="5080" indent="-228600">
@@ -14620,12 +11904,9 @@
               <a:buChar char="ü"/>
             </a:pPr>
             <a:r>
-              <a:rPr lang="en-US" sz="1000" dirty="0"/>
-              <a:t>Reporting &amp; analysis</a:t>
-            </a:r>
-            <a:endParaRPr lang="en-US" sz="1000" dirty="0">
-              <a:cs typeface="Calibri"/>
-            </a:endParaRPr>
+              <a:rPr lang="de-DE" sz="1000" dirty="0"/>
+              <a:t>Reporting und Analyse</a:t>
+            </a:r>
           </a:p>
           <a:p>
             <a:pPr marL="241300" marR="5080" indent="-228600">
@@ -14639,12 +11920,9 @@
               <a:buChar char="ü"/>
             </a:pPr>
             <a:r>
-              <a:rPr lang="en-US" sz="1000" dirty="0"/>
-              <a:t>Best practices enablement</a:t>
-            </a:r>
-            <a:endParaRPr lang="en-US" sz="1000" dirty="0">
-              <a:cs typeface="Calibri"/>
-            </a:endParaRPr>
+              <a:rPr lang="de-DE" sz="1000" dirty="0"/>
+              <a:t>Aktivierung von Best Practices</a:t>
+            </a:r>
           </a:p>
         </p:txBody>
       </p:sp>
@@ -14682,87 +11960,85 @@
               </a:spcBef>
             </a:pPr>
             <a:r>
-              <a:rPr lang="en-US" sz="1000">
+              <a:rPr lang="de-DE" sz="1000">
                 <a:solidFill>
                   <a:srgbClr val="1F1F1F"/>
                 </a:solidFill>
                 <a:latin typeface="Adobe Clean" panose="020B0503020404020204" pitchFamily="34" charset="0"/>
                 <a:cs typeface="AdobeClean-Light"/>
               </a:rPr>
-              <a:t>As an Enterprise customer, you are eligible for</a:t>
-            </a:r>
-            <a:r>
-              <a:rPr lang="en-US" sz="1200" b="1" u="sng">
-                <a:solidFill>
-                  <a:srgbClr val="1F1F1F"/>
-                </a:solidFill>
-                <a:cs typeface="AdobeClean-Light"/>
-              </a:rPr>
-              <a:t> 2 </a:t>
-            </a:r>
-            <a:r>
-              <a:rPr lang="en-US" sz="1000" b="1" u="sng">
-                <a:solidFill>
-                  <a:srgbClr val="1F1F1F"/>
-                </a:solidFill>
-                <a:cs typeface="AdobeClean-Light"/>
-              </a:rPr>
-              <a:t>activities per year </a:t>
-            </a:r>
-            <a:r>
-              <a:rPr lang="en-US" sz="1000">
+              <a:t>Als Enterprise-Kunde können Sie </a:t>
+            </a:r>
+            <a:r>
+              <a:rPr lang="de-DE" sz="1200" b="1" u="sng">
                 <a:solidFill>
                   <a:srgbClr val="1F1F1F"/>
                 </a:solidFill>
                 <a:latin typeface="Adobe Clean" panose="020B0503020404020204" pitchFamily="34" charset="0"/>
                 <a:cs typeface="AdobeClean-Light"/>
               </a:rPr>
-              <a:t>from the following two tracks:</a:t>
-            </a:r>
-            <a:r>
-              <a:rPr lang="en-US" sz="1000" b="1">
-                <a:solidFill>
-                  <a:srgbClr val="1F1F1F"/>
-                </a:solidFill>
-                <a:cs typeface="AdobeClean-Light"/>
-              </a:rPr>
-              <a:t> Technical </a:t>
-            </a:r>
-            <a:r>
-              <a:rPr lang="en-US" sz="1000">
+              <a:t>zwei</a:t>
+            </a:r>
+            <a:r>
+              <a:rPr lang="de-DE" sz="1000" b="1" u="sng">
                 <a:solidFill>
                   <a:srgbClr val="1F1F1F"/>
                 </a:solidFill>
                 <a:latin typeface="Adobe Clean" panose="020B0503020404020204" pitchFamily="34" charset="0"/>
                 <a:cs typeface="AdobeClean-Light"/>
               </a:rPr>
-              <a:t>and/or </a:t>
-            </a:r>
-            <a:r>
-              <a:rPr lang="en-US" sz="1000" b="1">
+              <a:t>Aktivitäten pro Jahr</a:t>
+            </a:r>
+            <a:r>
+              <a:rPr lang="de-DE" sz="1000">
                 <a:solidFill>
                   <a:srgbClr val="1F1F1F"/>
                 </a:solidFill>
+                <a:latin typeface="Adobe Clean" panose="020B0503020404020204" pitchFamily="34" charset="0"/>
                 <a:cs typeface="AdobeClean-Light"/>
               </a:rPr>
-              <a:t>Strategic</a:t>
-            </a:r>
-            <a:r>
-              <a:rPr lang="en-US" sz="1000">
+              <a:t> aus dem</a:t>
+            </a:r>
+            <a:r>
+              <a:rPr lang="de-DE" sz="1000" b="1">
+                <a:solidFill>
+                  <a:srgbClr val="1F1F1F"/>
+                </a:solidFill>
+                <a:latin typeface="Adobe Clean" panose="020B0503020404020204" pitchFamily="34" charset="0"/>
+                <a:cs typeface="AdobeClean-Light"/>
+              </a:rPr>
+              <a:t> technischen</a:t>
+            </a:r>
+            <a:r>
+              <a:rPr lang="de-DE" sz="1000">
+                <a:solidFill>
+                  <a:srgbClr val="1F1F1F"/>
+                </a:solidFill>
+                <a:latin typeface="Adobe Clean" panose="020B0503020404020204" pitchFamily="34" charset="0"/>
+                <a:cs typeface="AdobeClean-Light"/>
+              </a:rPr>
+              <a:t> und/oder dem </a:t>
+            </a:r>
+            <a:r>
+              <a:rPr lang="de-DE" sz="1000" b="1">
+                <a:solidFill>
+                  <a:srgbClr val="1F1F1F"/>
+                </a:solidFill>
+                <a:latin typeface="Adobe Clean" panose="020B0503020404020204" pitchFamily="34" charset="0"/>
+                <a:cs typeface="AdobeClean-Light"/>
+              </a:rPr>
+              <a:t>strategischen</a:t>
+            </a:r>
+            <a:r>
+              <a:rPr lang="de-DE" sz="1000">
                 <a:solidFill>
                   <a:srgbClr val="1F1F1F"/>
                 </a:solidFill>
                 <a:latin typeface="Adobe Clean Light" panose="020B0303020404020204" pitchFamily="34" charset="0"/>
                 <a:cs typeface="AdobeClean-Light"/>
               </a:rPr>
-              <a:t>.</a:t>
-            </a:r>
-            <a:endParaRPr lang="en-US" sz="1000" b="1">
-              <a:solidFill>
-                <a:prstClr val="black"/>
-              </a:solidFill>
-              <a:cs typeface="AdobeClean-Light"/>
-            </a:endParaRPr>
+              <a:t> Track nutzen.</a:t>
+            </a:r>
           </a:p>
         </p:txBody>
       </p:sp>
@@ -14796,7 +12072,7 @@
           <a:p>
             <a:pPr algn="ctr"/>
             <a:r>
-              <a:rPr lang="en-US" sz="1100"/>
+              <a:rPr lang="de-DE" sz="1100"/>
               <a:t>Go-Live</a:t>
             </a:r>
           </a:p>
@@ -14832,8 +12108,8 @@
           <a:p>
             <a:pPr algn="ctr"/>
             <a:r>
-              <a:rPr lang="en-US" sz="1100"/>
-              <a:t>Define</a:t>
+              <a:rPr lang="de-DE" sz="1100"/>
+              <a:t>Definition</a:t>
             </a:r>
           </a:p>
         </p:txBody>
@@ -14868,7 +12144,7 @@
           <a:p>
             <a:pPr algn="ctr"/>
             <a:r>
-              <a:rPr lang="en-US" sz="1100"/>
+              <a:rPr lang="de-DE" sz="1100"/>
               <a:t>Kickoff</a:t>
             </a:r>
           </a:p>
@@ -14904,7 +12180,7 @@
           <a:p>
             <a:pPr algn="ctr"/>
             <a:r>
-              <a:rPr lang="en-US" sz="1100"/>
+              <a:rPr lang="de-DE" sz="1100"/>
               <a:t>Design</a:t>
             </a:r>
           </a:p>
@@ -14962,14 +12238,14 @@
           <a:p>
             <a:pPr algn="ctr"/>
             <a:r>
-              <a:rPr lang="en-US">
+              <a:rPr lang="de-DE">
                 <a:solidFill>
                   <a:schemeClr val="accent1">
                     <a:lumMod val="50000"/>
                   </a:schemeClr>
                 </a:solidFill>
               </a:rPr>
-              <a:t>2 Activities per Year</a:t>
+              <a:t>2 Aktivitäten pro Jahr</a:t>
             </a:r>
           </a:p>
         </p:txBody>
@@ -15031,49 +12307,15 @@
               </a:lnSpc>
             </a:pPr>
             <a:r>
-              <a:rPr sz="500" spc="-5">
+              <a:rPr lang="de-DE" sz="500">
                 <a:solidFill>
                   <a:srgbClr val="6C6C6C"/>
                 </a:solidFill>
                 <a:latin typeface="Adobe Clean"/>
                 <a:cs typeface="Adobe Clean"/>
               </a:rPr>
-              <a:t>©2020 Adobe. All Rights Reserved. </a:t>
-            </a:r>
-            <a:r>
-              <a:rPr sz="500">
-                <a:solidFill>
-                  <a:srgbClr val="6C6C6C"/>
-                </a:solidFill>
-                <a:latin typeface="Adobe Clean"/>
-                <a:cs typeface="Adobe Clean"/>
-              </a:rPr>
-              <a:t>Adobe</a:t>
-            </a:r>
-            <a:r>
-              <a:rPr sz="500" spc="5">
-                <a:solidFill>
-                  <a:srgbClr val="6C6C6C"/>
-                </a:solidFill>
-                <a:latin typeface="Adobe Clean"/>
-                <a:cs typeface="Adobe Clean"/>
-              </a:rPr>
-              <a:t> </a:t>
-            </a:r>
-            <a:r>
-              <a:rPr sz="500" spc="-5">
-                <a:solidFill>
-                  <a:srgbClr val="6C6C6C"/>
-                </a:solidFill>
-                <a:latin typeface="Adobe Clean"/>
-                <a:cs typeface="Adobe Clean"/>
-              </a:rPr>
-              <a:t>Confidential.</a:t>
-            </a:r>
-            <a:endParaRPr sz="500">
-              <a:latin typeface="Adobe Clean"/>
-              <a:cs typeface="Adobe Clean"/>
-            </a:endParaRPr>
+              <a:t>©2020 Adobe. All Rights Reserved. Adobe Confidential.</a:t>
+            </a:r>
           </a:p>
           <a:p>
             <a:pPr>
@@ -15099,39 +12341,15 @@
               </a:spcBef>
             </a:pPr>
             <a:r>
-              <a:rPr sz="800" spc="-5">
+              <a:rPr lang="de-DE" sz="800">
                 <a:solidFill>
                   <a:srgbClr val="6D6D6D"/>
                 </a:solidFill>
                 <a:latin typeface="Adobe Clean"/>
                 <a:cs typeface="Adobe Clean"/>
               </a:rPr>
-              <a:t>©2020 Adobe. All Rights Reserved. Adobe</a:t>
-            </a:r>
-            <a:r>
-              <a:rPr sz="800" spc="75">
-                <a:solidFill>
-                  <a:srgbClr val="6D6D6D"/>
-                </a:solidFill>
-                <a:latin typeface="Adobe Clean"/>
-                <a:cs typeface="Adobe Clean"/>
-              </a:rPr>
-              <a:t> </a:t>
-            </a:r>
-            <a:r>
-              <a:rPr sz="800" spc="-5">
-                <a:solidFill>
-                  <a:srgbClr val="6D6D6D"/>
-                </a:solidFill>
-                <a:latin typeface="Adobe Clean"/>
-                <a:cs typeface="Adobe Clean"/>
-              </a:rPr>
-              <a:t>Confidential.</a:t>
-            </a:r>
-            <a:endParaRPr sz="800">
-              <a:latin typeface="Adobe Clean"/>
-              <a:cs typeface="Adobe Clean"/>
-            </a:endParaRPr>
+              <a:t>©2020 Adobe. All Rights Reserved. Adobe Confidential.</a:t>
+            </a:r>
           </a:p>
         </p:txBody>
       </p:sp>
@@ -15215,19 +12433,15 @@
               </a:spcBef>
             </a:pPr>
             <a:r>
-              <a:rPr lang="en-US" sz="1400" b="1" spc="-15">
+              <a:rPr lang="de-DE" sz="1400" b="1">
                 <a:solidFill>
                   <a:srgbClr val="020302"/>
                 </a:solidFill>
                 <a:latin typeface="Adobe Clean"/>
                 <a:cs typeface="Adobe Clean"/>
               </a:rPr>
-              <a:t>Resources</a:t>
-            </a:r>
-            <a:endParaRPr sz="1400">
-              <a:latin typeface="Adobe Clean"/>
-              <a:cs typeface="Adobe Clean"/>
-            </a:endParaRPr>
+              <a:t>Ressourcen</a:t>
+            </a:r>
           </a:p>
         </p:txBody>
       </p:sp>
@@ -15261,7 +12475,7 @@
               </a:spcBef>
             </a:pPr>
             <a:r>
-              <a:rPr sz="800" spc="-15">
+              <a:rPr lang="de-DE" sz="800">
                 <a:solidFill>
                   <a:srgbClr val="777879"/>
                 </a:solidFill>
@@ -15270,10 +12484,6 @@
               </a:rPr>
               <a:t>Adobe</a:t>
             </a:r>
-            <a:endParaRPr sz="800">
-              <a:latin typeface="Adobe Clean"/>
-              <a:cs typeface="Adobe Clean"/>
-            </a:endParaRPr>
           </a:p>
           <a:p>
             <a:pPr marL="12700">
@@ -15282,90 +12492,32 @@
               </a:lnSpc>
             </a:pPr>
             <a:r>
-              <a:rPr sz="800" spc="-15">
+              <a:rPr lang="de-DE" sz="800">
                 <a:solidFill>
                   <a:srgbClr val="777879"/>
                 </a:solidFill>
                 <a:latin typeface="Adobe Clean"/>
                 <a:cs typeface="Adobe Clean"/>
               </a:rPr>
-              <a:t>345 Park</a:t>
-            </a:r>
-            <a:r>
-              <a:rPr sz="800" spc="-100">
+              <a:t>345 Park Avenue</a:t>
+            </a:r>
+          </a:p>
+          <a:p>
+            <a:pPr marL="12700">
+              <a:lnSpc>
+                <a:spcPts val="944"/>
+              </a:lnSpc>
+            </a:pPr>
+            <a:r>
+              <a:rPr lang="de-DE" sz="800">
                 <a:solidFill>
                   <a:srgbClr val="777879"/>
                 </a:solidFill>
                 <a:latin typeface="Adobe Clean"/>
                 <a:cs typeface="Adobe Clean"/>
               </a:rPr>
-              <a:t> </a:t>
-            </a:r>
-            <a:r>
-              <a:rPr sz="800" spc="-15">
-                <a:solidFill>
-                  <a:srgbClr val="777879"/>
-                </a:solidFill>
-                <a:latin typeface="Adobe Clean"/>
-                <a:cs typeface="Adobe Clean"/>
-              </a:rPr>
-              <a:t>Avenue</a:t>
-            </a:r>
-            <a:endParaRPr sz="800">
-              <a:latin typeface="Adobe Clean"/>
-              <a:cs typeface="Adobe Clean"/>
-            </a:endParaRPr>
-          </a:p>
-          <a:p>
-            <a:pPr marL="12700">
-              <a:lnSpc>
-                <a:spcPts val="944"/>
-              </a:lnSpc>
-            </a:pPr>
-            <a:r>
-              <a:rPr sz="800" spc="-10">
-                <a:solidFill>
-                  <a:srgbClr val="777879"/>
-                </a:solidFill>
-                <a:latin typeface="Adobe Clean"/>
-                <a:cs typeface="Adobe Clean"/>
-              </a:rPr>
-              <a:t>San </a:t>
-            </a:r>
-            <a:r>
-              <a:rPr sz="800" spc="-15">
-                <a:solidFill>
-                  <a:srgbClr val="777879"/>
-                </a:solidFill>
-                <a:latin typeface="Adobe Clean"/>
-                <a:cs typeface="Adobe Clean"/>
-              </a:rPr>
-              <a:t>Jose,</a:t>
-            </a:r>
-            <a:r>
-              <a:rPr sz="800" spc="-140">
-                <a:solidFill>
-                  <a:srgbClr val="777879"/>
-                </a:solidFill>
-                <a:latin typeface="Adobe Clean"/>
-                <a:cs typeface="Adobe Clean"/>
-              </a:rPr>
-              <a:t> </a:t>
-            </a:r>
-            <a:r>
-              <a:rPr sz="800" spc="-20">
-                <a:solidFill>
-                  <a:srgbClr val="777879"/>
-                </a:solidFill>
-                <a:latin typeface="Adobe Clean"/>
-                <a:cs typeface="Adobe Clean"/>
-              </a:rPr>
-              <a:t>CA95110-2704</a:t>
-            </a:r>
-            <a:endParaRPr sz="800">
-              <a:latin typeface="Adobe Clean"/>
-              <a:cs typeface="Adobe Clean"/>
-            </a:endParaRPr>
+              <a:t>San Jose, CA95110-2704</a:t>
+            </a:r>
           </a:p>
           <a:p>
             <a:pPr marL="12700">
@@ -15377,7 +12529,7 @@
               </a:spcBef>
             </a:pPr>
             <a:r>
-              <a:rPr sz="800" spc="-10">
+              <a:rPr lang="de-DE" sz="800">
                 <a:solidFill>
                   <a:srgbClr val="777879"/>
                 </a:solidFill>
@@ -15386,10 +12538,6 @@
               </a:rPr>
               <a:t>USA</a:t>
             </a:r>
-            <a:endParaRPr sz="800">
-              <a:latin typeface="Adobe Clean"/>
-              <a:cs typeface="Adobe Clean"/>
-            </a:endParaRPr>
           </a:p>
           <a:p>
             <a:pPr marL="12700">
@@ -15401,7 +12549,7 @@
               </a:spcBef>
             </a:pPr>
             <a:r>
-              <a:rPr sz="800" u="sng" spc="-25">
+              <a:rPr lang="de-DE" sz="800" u="sng">
                 <a:solidFill>
                   <a:srgbClr val="5F5F5F"/>
                 </a:solidFill>
@@ -15416,10 +12564,6 @@
               </a:rPr>
               <a:t>www.adobe.com</a:t>
             </a:r>
-            <a:endParaRPr sz="800">
-              <a:latin typeface="Adobe Clean"/>
-              <a:cs typeface="Adobe Clean"/>
-            </a:endParaRPr>
           </a:p>
         </p:txBody>
       </p:sp>
@@ -15573,14 +12717,14 @@
         <p:spPr>
           <a:xfrm>
             <a:off x="75947" y="9437110"/>
-            <a:ext cx="5466715" cy="570865"/>
+            <a:ext cx="5809358" cy="570865"/>
           </a:xfrm>
           <a:prstGeom prst="rect">
             <a:avLst/>
           </a:prstGeom>
         </p:spPr>
         <p:txBody>
-          <a:bodyPr vert="horz" wrap="square" lIns="0" tIns="29845" rIns="0" bIns="0" rtlCol="0" anchor="t">
+          <a:bodyPr vert="horz" wrap="square" lIns="0" tIns="29845" rIns="0" bIns="0" rtlCol="0">
             <a:spAutoFit/>
           </a:bodyPr>
           <a:lstStyle/>
@@ -15594,449 +12738,15 @@
               </a:spcBef>
             </a:pPr>
             <a:r>
-              <a:rPr sz="1100" i="1" spc="-10" dirty="0">
+              <a:rPr lang="de-DE" sz="1100" i="1" dirty="0">
                 <a:solidFill>
                   <a:srgbClr val="777879"/>
                 </a:solidFill>
                 <a:latin typeface="AdobeClean-LightIt"/>
                 <a:cs typeface="AdobeClean-LightIt"/>
               </a:rPr>
-              <a:t>To</a:t>
-            </a:r>
-            <a:r>
-              <a:rPr sz="1100" i="1" spc="-50" dirty="0">
-                <a:solidFill>
-                  <a:srgbClr val="777879"/>
-                </a:solidFill>
-                <a:latin typeface="AdobeClean-LightIt"/>
-                <a:cs typeface="AdobeClean-LightIt"/>
-              </a:rPr>
-              <a:t> </a:t>
-            </a:r>
-            <a:r>
-              <a:rPr sz="1100" i="1" spc="-15" dirty="0">
-                <a:solidFill>
-                  <a:srgbClr val="777879"/>
-                </a:solidFill>
-                <a:latin typeface="AdobeClean-LightIt"/>
-                <a:cs typeface="AdobeClean-LightIt"/>
-              </a:rPr>
-              <a:t>learn</a:t>
-            </a:r>
-            <a:r>
-              <a:rPr sz="1100" i="1" spc="-40" dirty="0">
-                <a:solidFill>
-                  <a:srgbClr val="777879"/>
-                </a:solidFill>
-                <a:latin typeface="AdobeClean-LightIt"/>
-                <a:cs typeface="AdobeClean-LightIt"/>
-              </a:rPr>
-              <a:t> </a:t>
-            </a:r>
-            <a:r>
-              <a:rPr sz="1100" i="1" spc="-15" dirty="0">
-                <a:solidFill>
-                  <a:srgbClr val="777879"/>
-                </a:solidFill>
-                <a:latin typeface="AdobeClean-LightIt"/>
-                <a:cs typeface="AdobeClean-LightIt"/>
-              </a:rPr>
-              <a:t>more</a:t>
-            </a:r>
-            <a:r>
-              <a:rPr sz="1100" i="1" spc="-45" dirty="0">
-                <a:solidFill>
-                  <a:srgbClr val="777879"/>
-                </a:solidFill>
-                <a:latin typeface="AdobeClean-LightIt"/>
-                <a:cs typeface="AdobeClean-LightIt"/>
-              </a:rPr>
-              <a:t> </a:t>
-            </a:r>
-            <a:r>
-              <a:rPr sz="1100" i="1" spc="-15" dirty="0">
-                <a:solidFill>
-                  <a:srgbClr val="777879"/>
-                </a:solidFill>
-                <a:latin typeface="AdobeClean-LightIt"/>
-                <a:cs typeface="AdobeClean-LightIt"/>
-              </a:rPr>
-              <a:t>about</a:t>
-            </a:r>
-            <a:r>
-              <a:rPr sz="1100" i="1" spc="-45" dirty="0">
-                <a:solidFill>
-                  <a:srgbClr val="777879"/>
-                </a:solidFill>
-                <a:latin typeface="AdobeClean-LightIt"/>
-                <a:cs typeface="AdobeClean-LightIt"/>
-              </a:rPr>
-              <a:t> </a:t>
-            </a:r>
-            <a:r>
-              <a:rPr sz="1100" i="1" spc="-15" dirty="0">
-                <a:solidFill>
-                  <a:srgbClr val="777879"/>
-                </a:solidFill>
-                <a:latin typeface="AdobeClean-LightIt"/>
-                <a:cs typeface="AdobeClean-LightIt"/>
-              </a:rPr>
-              <a:t>Adobe</a:t>
-            </a:r>
-            <a:r>
-              <a:rPr sz="1100" i="1" spc="-50" dirty="0">
-                <a:solidFill>
-                  <a:srgbClr val="777879"/>
-                </a:solidFill>
-                <a:latin typeface="AdobeClean-LightIt"/>
-                <a:cs typeface="AdobeClean-LightIt"/>
-              </a:rPr>
-              <a:t> </a:t>
-            </a:r>
-            <a:r>
-              <a:rPr sz="1100" i="1" spc="-15" dirty="0">
-                <a:solidFill>
-                  <a:srgbClr val="777879"/>
-                </a:solidFill>
-                <a:latin typeface="AdobeClean-LightIt"/>
-                <a:cs typeface="AdobeClean-LightIt"/>
-              </a:rPr>
-              <a:t>Support</a:t>
-            </a:r>
-            <a:r>
-              <a:rPr lang="en-US" sz="1100" i="1" spc="-15" dirty="0">
-                <a:solidFill>
-                  <a:srgbClr val="777879"/>
-                </a:solidFill>
-                <a:latin typeface="AdobeClean-LightIt"/>
-                <a:cs typeface="AdobeClean-LightIt"/>
-              </a:rPr>
-              <a:t> Offerings</a:t>
-            </a:r>
-            <a:r>
-              <a:rPr sz="1100" i="1" spc="-75" dirty="0">
-                <a:solidFill>
-                  <a:srgbClr val="777879"/>
-                </a:solidFill>
-                <a:latin typeface="AdobeClean-LightIt"/>
-                <a:cs typeface="AdobeClean-LightIt"/>
-              </a:rPr>
-              <a:t> </a:t>
-            </a:r>
-            <a:r>
-              <a:rPr sz="1100" i="1" spc="-15" dirty="0">
-                <a:solidFill>
-                  <a:srgbClr val="777879"/>
-                </a:solidFill>
-                <a:latin typeface="AdobeClean-LightIt"/>
-                <a:cs typeface="AdobeClean-LightIt"/>
-              </a:rPr>
-              <a:t>and</a:t>
-            </a:r>
-            <a:r>
-              <a:rPr sz="1100" i="1" spc="-50" dirty="0">
-                <a:solidFill>
-                  <a:srgbClr val="777879"/>
-                </a:solidFill>
-                <a:latin typeface="AdobeClean-LightIt"/>
-                <a:cs typeface="AdobeClean-LightIt"/>
-              </a:rPr>
-              <a:t> </a:t>
-            </a:r>
-            <a:r>
-              <a:rPr sz="1100" i="1" spc="-15" dirty="0">
-                <a:solidFill>
-                  <a:srgbClr val="777879"/>
-                </a:solidFill>
-                <a:latin typeface="AdobeClean-LightIt"/>
-                <a:cs typeface="AdobeClean-LightIt"/>
-              </a:rPr>
-              <a:t>the</a:t>
-            </a:r>
-            <a:r>
-              <a:rPr sz="1100" i="1" spc="-55" dirty="0">
-                <a:solidFill>
-                  <a:srgbClr val="777879"/>
-                </a:solidFill>
-                <a:latin typeface="AdobeClean-LightIt"/>
-                <a:cs typeface="AdobeClean-LightIt"/>
-              </a:rPr>
-              <a:t> </a:t>
-            </a:r>
-            <a:r>
-              <a:rPr sz="1100" i="1" spc="-15" dirty="0">
-                <a:solidFill>
-                  <a:srgbClr val="777879"/>
-                </a:solidFill>
-                <a:latin typeface="AdobeClean-LightIt"/>
-                <a:cs typeface="AdobeClean-LightIt"/>
-              </a:rPr>
-              <a:t>right</a:t>
-            </a:r>
-            <a:r>
-              <a:rPr sz="1100" i="1" spc="-95" dirty="0">
-                <a:solidFill>
-                  <a:srgbClr val="777879"/>
-                </a:solidFill>
-                <a:latin typeface="AdobeClean-LightIt"/>
-                <a:cs typeface="AdobeClean-LightIt"/>
-              </a:rPr>
-              <a:t> </a:t>
-            </a:r>
-            <a:r>
-              <a:rPr sz="1100" i="1" spc="-15" dirty="0">
-                <a:solidFill>
-                  <a:srgbClr val="777879"/>
-                </a:solidFill>
-                <a:latin typeface="AdobeClean-LightIt"/>
-                <a:cs typeface="AdobeClean-LightIt"/>
-              </a:rPr>
-              <a:t>level</a:t>
-            </a:r>
-            <a:r>
-              <a:rPr sz="1100" i="1" spc="-55" dirty="0">
-                <a:solidFill>
-                  <a:srgbClr val="777879"/>
-                </a:solidFill>
-                <a:latin typeface="AdobeClean-LightIt"/>
-                <a:cs typeface="AdobeClean-LightIt"/>
-              </a:rPr>
-              <a:t> </a:t>
-            </a:r>
-            <a:r>
-              <a:rPr sz="1100" i="1" spc="-15" dirty="0">
-                <a:solidFill>
-                  <a:srgbClr val="777879"/>
-                </a:solidFill>
-                <a:latin typeface="AdobeClean-LightIt"/>
-                <a:cs typeface="AdobeClean-LightIt"/>
-              </a:rPr>
-              <a:t>for</a:t>
-            </a:r>
-            <a:r>
-              <a:rPr sz="1100" i="1" spc="-85" dirty="0">
-                <a:solidFill>
-                  <a:srgbClr val="777879"/>
-                </a:solidFill>
-                <a:latin typeface="AdobeClean-LightIt"/>
-                <a:cs typeface="AdobeClean-LightIt"/>
-              </a:rPr>
-              <a:t> </a:t>
-            </a:r>
-            <a:r>
-              <a:rPr sz="1100" i="1" spc="-15" dirty="0">
-                <a:solidFill>
-                  <a:srgbClr val="777879"/>
-                </a:solidFill>
-                <a:latin typeface="AdobeClean-LightIt"/>
-                <a:cs typeface="AdobeClean-LightIt"/>
-              </a:rPr>
-              <a:t>you,</a:t>
-            </a:r>
-            <a:r>
-              <a:rPr sz="1100" i="1" spc="-65" dirty="0">
-                <a:solidFill>
-                  <a:srgbClr val="777879"/>
-                </a:solidFill>
-                <a:latin typeface="AdobeClean-LightIt"/>
-                <a:cs typeface="AdobeClean-LightIt"/>
-              </a:rPr>
-              <a:t> </a:t>
-            </a:r>
-            <a:r>
-              <a:rPr sz="1100" i="1" spc="-15" dirty="0">
-                <a:solidFill>
-                  <a:srgbClr val="777879"/>
-                </a:solidFill>
-                <a:latin typeface="AdobeClean-LightIt"/>
-                <a:cs typeface="AdobeClean-LightIt"/>
-              </a:rPr>
-              <a:t>contact</a:t>
-            </a:r>
-            <a:r>
-              <a:rPr sz="1100" i="1" spc="-85" dirty="0">
-                <a:solidFill>
-                  <a:srgbClr val="777879"/>
-                </a:solidFill>
-                <a:latin typeface="AdobeClean-LightIt"/>
-                <a:cs typeface="AdobeClean-LightIt"/>
-              </a:rPr>
-              <a:t> </a:t>
-            </a:r>
-            <a:r>
-              <a:rPr sz="1100" i="1" spc="-15" dirty="0">
-                <a:solidFill>
-                  <a:srgbClr val="777879"/>
-                </a:solidFill>
-                <a:latin typeface="AdobeClean-LightIt"/>
-                <a:cs typeface="AdobeClean-LightIt"/>
-              </a:rPr>
-              <a:t>your</a:t>
-            </a:r>
-            <a:r>
-              <a:rPr sz="1100" i="1" spc="-70" dirty="0">
-                <a:solidFill>
-                  <a:srgbClr val="777879"/>
-                </a:solidFill>
-                <a:latin typeface="AdobeClean-LightIt"/>
-                <a:cs typeface="AdobeClean-LightIt"/>
-              </a:rPr>
-              <a:t> </a:t>
-            </a:r>
-            <a:r>
-              <a:rPr sz="1100" i="1" spc="-15" dirty="0">
-                <a:solidFill>
-                  <a:srgbClr val="777879"/>
-                </a:solidFill>
-                <a:latin typeface="AdobeClean-LightIt"/>
-                <a:cs typeface="AdobeClean-LightIt"/>
-              </a:rPr>
-              <a:t>Named</a:t>
-            </a:r>
-            <a:r>
-              <a:rPr sz="1100" i="1" spc="-55" dirty="0">
-                <a:solidFill>
-                  <a:srgbClr val="777879"/>
-                </a:solidFill>
-                <a:latin typeface="AdobeClean-LightIt"/>
-                <a:cs typeface="AdobeClean-LightIt"/>
-              </a:rPr>
-              <a:t> </a:t>
-            </a:r>
-            <a:r>
-              <a:rPr sz="1100" i="1" spc="-25" dirty="0">
-                <a:solidFill>
-                  <a:srgbClr val="777879"/>
-                </a:solidFill>
-                <a:latin typeface="AdobeClean-LightIt"/>
-                <a:cs typeface="AdobeClean-LightIt"/>
-              </a:rPr>
-              <a:t>Account</a:t>
-            </a:r>
-            <a:r>
-              <a:rPr sz="1100" i="1" spc="-120" dirty="0">
-                <a:solidFill>
-                  <a:srgbClr val="777879"/>
-                </a:solidFill>
-                <a:latin typeface="AdobeClean-LightIt"/>
-                <a:cs typeface="AdobeClean-LightIt"/>
-              </a:rPr>
-              <a:t> </a:t>
-            </a:r>
-            <a:r>
-              <a:rPr sz="1100" i="1" spc="-20" dirty="0">
-                <a:solidFill>
-                  <a:srgbClr val="777879"/>
-                </a:solidFill>
-                <a:latin typeface="AdobeClean-LightIt"/>
-                <a:cs typeface="AdobeClean-LightIt"/>
-              </a:rPr>
-              <a:t>Manager</a:t>
-            </a:r>
-            <a:r>
-              <a:rPr lang="en-US" sz="1100" i="1" spc="-20" dirty="0">
-                <a:solidFill>
-                  <a:srgbClr val="777879"/>
-                </a:solidFill>
-                <a:latin typeface="AdobeClean-LightIt"/>
-                <a:cs typeface="AdobeClean-LightIt"/>
-              </a:rPr>
-              <a:t> </a:t>
-            </a:r>
-            <a:r>
-              <a:rPr sz="1100" i="1" spc="-20" dirty="0">
-                <a:solidFill>
-                  <a:srgbClr val="777879"/>
-                </a:solidFill>
-                <a:latin typeface="AdobeClean-LightIt"/>
-                <a:cs typeface="AdobeClean-LightIt"/>
-              </a:rPr>
-              <a:t> </a:t>
-            </a:r>
-            <a:r>
-              <a:rPr sz="1100" i="1" spc="-15" dirty="0">
-                <a:solidFill>
-                  <a:srgbClr val="777879"/>
-                </a:solidFill>
-                <a:latin typeface="AdobeClean-LightIt"/>
-                <a:cs typeface="AdobeClean-LightIt"/>
-              </a:rPr>
-              <a:t>(NAM) </a:t>
-            </a:r>
-            <a:r>
-              <a:rPr sz="1100" i="1" spc="-10" dirty="0">
-                <a:solidFill>
-                  <a:srgbClr val="777879"/>
-                </a:solidFill>
-                <a:latin typeface="AdobeClean-LightIt"/>
-                <a:cs typeface="AdobeClean-LightIt"/>
-              </a:rPr>
-              <a:t>or </a:t>
-            </a:r>
-            <a:r>
-              <a:rPr sz="1100" i="1" spc="-15" dirty="0">
-                <a:solidFill>
-                  <a:srgbClr val="777879"/>
-                </a:solidFill>
-                <a:latin typeface="AdobeClean-LightIt"/>
-                <a:cs typeface="AdobeClean-LightIt"/>
-              </a:rPr>
-              <a:t>Customer </a:t>
-            </a:r>
-            <a:r>
-              <a:rPr sz="1100" i="1" spc="-20" dirty="0">
-                <a:solidFill>
-                  <a:srgbClr val="777879"/>
-                </a:solidFill>
-                <a:latin typeface="AdobeClean-LightIt"/>
-                <a:cs typeface="AdobeClean-LightIt"/>
-              </a:rPr>
-              <a:t>Success</a:t>
-            </a:r>
-            <a:r>
-              <a:rPr sz="1100" i="1" spc="-180" dirty="0">
-                <a:solidFill>
-                  <a:srgbClr val="777879"/>
-                </a:solidFill>
-                <a:latin typeface="AdobeClean-LightIt"/>
-                <a:cs typeface="AdobeClean-LightIt"/>
-              </a:rPr>
-              <a:t> </a:t>
-            </a:r>
-            <a:r>
-              <a:rPr sz="1100" i="1" spc="-15" dirty="0">
-                <a:solidFill>
-                  <a:srgbClr val="777879"/>
-                </a:solidFill>
-                <a:latin typeface="AdobeClean-LightIt"/>
-                <a:cs typeface="AdobeClean-LightIt"/>
-              </a:rPr>
-              <a:t>Manager</a:t>
-            </a:r>
-            <a:r>
-              <a:rPr lang="en-US" sz="1100" i="1" spc="-15" dirty="0">
-                <a:solidFill>
-                  <a:srgbClr val="777879"/>
-                </a:solidFill>
-                <a:latin typeface="AdobeClean-LightIt"/>
-                <a:cs typeface="AdobeClean-LightIt"/>
-              </a:rPr>
-              <a:t> </a:t>
-            </a:r>
-            <a:r>
-              <a:rPr sz="1100" i="1" spc="-15" dirty="0">
-                <a:solidFill>
-                  <a:srgbClr val="777879"/>
-                </a:solidFill>
-                <a:latin typeface="AdobeClean-LightIt"/>
-                <a:cs typeface="AdobeClean-LightIt"/>
-              </a:rPr>
-              <a:t>(CSM)</a:t>
-            </a:r>
-            <a:endParaRPr sz="1100" dirty="0">
-              <a:latin typeface="AdobeClean-LightIt"/>
-              <a:cs typeface="AdobeClean-LightIt"/>
-            </a:endParaRPr>
+              <a:t>Weitere Informationen zum Support-Angebot von Adobe sowie zum für Ihre Bedürfnisse geeigneten Support-Level erhalten Sie bei Ihrem spezifischen Account-Manager (NAM) oder Ihrem Customer Success Manager(CSM)</a:t>
+            </a:r>
           </a:p>
           <a:p>
             <a:pPr marL="34290">
@@ -16048,59 +12758,15 @@
               </a:spcBef>
             </a:pPr>
             <a:r>
-              <a:rPr sz="800" spc="-5" dirty="0">
+              <a:rPr lang="de-DE" sz="800" dirty="0">
                 <a:solidFill>
                   <a:srgbClr val="6D6D6D"/>
                 </a:solidFill>
                 <a:latin typeface="Adobe Clean"/>
                 <a:cs typeface="Adobe Clean"/>
               </a:rPr>
-              <a:t>©202</a:t>
-            </a:r>
-            <a:r>
-              <a:rPr lang="en-US" sz="800" spc="-5" dirty="0">
-                <a:solidFill>
-                  <a:srgbClr val="6D6D6D"/>
-                </a:solidFill>
-                <a:latin typeface="Adobe Clean"/>
-                <a:cs typeface="Adobe Clean"/>
-              </a:rPr>
-              <a:t>1</a:t>
-            </a:r>
-            <a:r>
-              <a:rPr sz="800" spc="-5" dirty="0">
-                <a:solidFill>
-                  <a:srgbClr val="6D6D6D"/>
-                </a:solidFill>
-                <a:latin typeface="Adobe Clean"/>
-                <a:cs typeface="Adobe Clean"/>
-              </a:rPr>
-              <a:t> Adobe. All Rights Reserved. Adobe</a:t>
-            </a:r>
-            <a:r>
-              <a:rPr sz="800" spc="75" dirty="0">
-                <a:solidFill>
-                  <a:srgbClr val="6D6D6D"/>
-                </a:solidFill>
-                <a:latin typeface="Adobe Clean"/>
-                <a:cs typeface="Adobe Clean"/>
-              </a:rPr>
-              <a:t> </a:t>
-            </a:r>
-            <a:r>
-              <a:rPr sz="800" spc="-5" dirty="0">
-                <a:solidFill>
-                  <a:srgbClr val="6D6D6D"/>
-                </a:solidFill>
-                <a:latin typeface="Adobe Clean"/>
-                <a:cs typeface="Adobe Clean"/>
-              </a:rPr>
-              <a:t>Confidential.</a:t>
-            </a:r>
-            <a:endParaRPr sz="800" dirty="0">
-              <a:latin typeface="Adobe Clean"/>
-              <a:cs typeface="Adobe Clean"/>
-            </a:endParaRPr>
+              <a:t>©2021 Adobe. All Rights Reserved. Adobe Confidential.</a:t>
+            </a:r>
           </a:p>
         </p:txBody>
       </p:sp>
@@ -16137,19 +12803,15 @@
               </a:spcBef>
             </a:pPr>
             <a:r>
-              <a:rPr lang="en-US" sz="1400" b="1" spc="-15">
+              <a:rPr lang="de-DE" sz="1400" b="1">
                 <a:solidFill>
                   <a:srgbClr val="020302"/>
                 </a:solidFill>
                 <a:latin typeface="Adobe Clean"/>
                 <a:cs typeface="Adobe Clean"/>
               </a:rPr>
-              <a:t>Regional scope of Adobe Support, Local Hours Of Operation And Language Support</a:t>
-            </a:r>
-            <a:endParaRPr lang="en-US" sz="1400" spc="-15">
-              <a:ea typeface="+mn-lt"/>
-              <a:cs typeface="+mn-lt"/>
-            </a:endParaRPr>
+              <a:t>Regionales Support-Angebot von Adobe, örtliche Geschäftszeiten und unterstützte Sprachen</a:t>
+            </a:r>
           </a:p>
           <a:p>
             <a:pPr>
@@ -16158,17 +12820,14 @@
               </a:spcBef>
             </a:pPr>
             <a:r>
-              <a:rPr lang="en-US" sz="1000" spc="-15">
+              <a:rPr lang="de-DE" sz="1000">
                 <a:solidFill>
                   <a:srgbClr val="1F1F1F"/>
                 </a:solidFill>
                 <a:latin typeface="AdobeClean-Light"/>
               </a:rPr>
-              <a:t>The regional scope of Adobe Support is established by aligning the customer's billing address (via the Sales Order or other Adobe Support purchasing document) to one of the following regions:</a:t>
-            </a:r>
-            <a:endParaRPr lang="en-US" sz="1000">
-              <a:latin typeface="AdobeClean-Light"/>
-            </a:endParaRPr>
+              <a:t>Das regionale Support-Angebot von Adobe wird durch Abgleich der Rechnungsadresse des Kunden (entsprechend dem Kundenauftrag oder einer anderen Kaufbestätigung für Adobe-Support) mit einer der folgenden Regionen ermittelt:</a:t>
+            </a:r>
           </a:p>
         </p:txBody>
       </p:sp>
@@ -16240,13 +12899,13 @@
                     <a:p>
                       <a:pPr algn="ctr"/>
                       <a:r>
-                        <a:rPr lang="en-US" sz="1100">
+                        <a:rPr lang="de-DE" sz="1100">
                           <a:solidFill>
                             <a:schemeClr val="tx1"/>
                           </a:solidFill>
                           <a:latin typeface="Adobe Clean"/>
                         </a:rPr>
-                        <a:t>Americas</a:t>
+                        <a:t>Nord- und Südamerika</a:t>
                       </a:r>
                     </a:p>
                   </a:txBody>
@@ -16305,13 +12964,13 @@
                     <a:p>
                       <a:pPr algn="ctr"/>
                       <a:r>
-                        <a:rPr lang="en-US" sz="1100">
+                        <a:rPr lang="de-DE" sz="1100">
                           <a:solidFill>
                             <a:schemeClr val="tx1"/>
                           </a:solidFill>
                           <a:latin typeface="Adobe Clean"/>
                         </a:rPr>
-                        <a:t>Europe, Middle East &amp; Africa</a:t>
+                        <a:t>Europa, Naher Osten und Afrika</a:t>
                       </a:r>
                     </a:p>
                   </a:txBody>
@@ -16370,13 +13029,13 @@
                     <a:p>
                       <a:pPr algn="ctr"/>
                       <a:r>
-                        <a:rPr lang="en-US" sz="1100">
+                        <a:rPr lang="de-DE" sz="1100">
                           <a:solidFill>
                             <a:schemeClr val="tx1"/>
                           </a:solidFill>
                           <a:latin typeface="Adobe Clean"/>
                         </a:rPr>
-                        <a:t>Asia Pacific</a:t>
+                        <a:t>Asien-Pazifik</a:t>
                       </a:r>
                     </a:p>
                   </a:txBody>
@@ -16435,7 +13094,7 @@
                     <a:p>
                       <a:pPr algn="ctr"/>
                       <a:r>
-                        <a:rPr lang="en-US" sz="1100">
+                        <a:rPr lang="de-DE" sz="1100">
                           <a:solidFill>
                             <a:schemeClr val="tx1"/>
                           </a:solidFill>
@@ -16444,7 +13103,7 @@
                         <a:t>Japan </a:t>
                       </a:r>
                       <a:r>
-                        <a:rPr lang="en-US" sz="1100" baseline="30000">
+                        <a:rPr lang="de-DE" sz="1100" baseline="30000">
                           <a:solidFill>
                             <a:schemeClr val="tx1"/>
                           </a:solidFill>
@@ -16452,12 +13111,6 @@
                         </a:rPr>
                         <a:t>1 </a:t>
                       </a:r>
-                      <a:endParaRPr lang="en-US" sz="1100">
-                        <a:solidFill>
-                          <a:schemeClr val="tx1"/>
-                        </a:solidFill>
-                        <a:latin typeface="Adobe Clean" panose="020B0503020404020204" pitchFamily="34" charset="0"/>
-                      </a:endParaRPr>
                     </a:p>
                   </a:txBody>
                   <a:tcPr anchor="ctr">
@@ -16522,13 +13175,13 @@
                     <a:p>
                       <a:pPr algn="ctr"/>
                       <a:r>
-                        <a:rPr lang="en-US" sz="1100">
+                        <a:rPr lang="de-DE" sz="1100">
                           <a:solidFill>
                             <a:schemeClr val="tx1"/>
                           </a:solidFill>
                           <a:latin typeface="Adobe Clean"/>
                         </a:rPr>
-                        <a:t>6 am – 5:30 pm</a:t>
+                        <a:t>6:00–17:30 Uhr</a:t>
                       </a:r>
                     </a:p>
                   </a:txBody>
@@ -16587,13 +13240,13 @@
                     <a:p>
                       <a:pPr algn="ctr"/>
                       <a:r>
-                        <a:rPr lang="en-US" sz="1100">
+                        <a:rPr lang="de-DE" sz="1100">
                           <a:solidFill>
                             <a:schemeClr val="tx1"/>
                           </a:solidFill>
                           <a:latin typeface="Adobe Clean"/>
                         </a:rPr>
-                        <a:t>9 am – 5 pm</a:t>
+                        <a:t>9:00–17:00 Uhr</a:t>
                       </a:r>
                     </a:p>
                   </a:txBody>
@@ -16652,13 +13305,13 @@
                     <a:p>
                       <a:pPr algn="ctr"/>
                       <a:r>
-                        <a:rPr lang="en-US" sz="1100">
+                        <a:rPr lang="de-DE" sz="1100">
                           <a:solidFill>
                             <a:schemeClr val="tx1"/>
                           </a:solidFill>
                           <a:latin typeface="Adobe Clean"/>
                         </a:rPr>
-                        <a:t>9 am – 5 pm</a:t>
+                        <a:t>9:00–17:00 Uhr</a:t>
                       </a:r>
                     </a:p>
                   </a:txBody>
@@ -16717,13 +13370,13 @@
                     <a:p>
                       <a:pPr algn="ctr"/>
                       <a:r>
-                        <a:rPr lang="en-US" sz="1100">
+                        <a:rPr lang="de-DE" sz="1100">
                           <a:solidFill>
                             <a:schemeClr val="tx1"/>
                           </a:solidFill>
                           <a:latin typeface="Adobe Clean"/>
                         </a:rPr>
-                        <a:t>9 am – 5:30 pm</a:t>
+                        <a:t>9:00–17:30 Uhr</a:t>
                       </a:r>
                     </a:p>
                   </a:txBody>
@@ -16800,12 +13453,12 @@
                         <a:buNone/>
                       </a:pPr>
                       <a:r>
-                        <a:rPr lang="en-US" sz="1100" b="0" i="0" u="none" strike="noStrike" noProof="0"/>
-                        <a:t>Language support is only available in English and Japanese.</a:t>
+                        <a:rPr lang="de-DE" sz="1100" b="0" i="0" u="none" strike="noStrike" noProof="0"/>
+                        <a:t>Sprachunterstützung ist nur auf Englisch und Japanisch verfügbar.</a:t>
                       </a:r>
                     </a:p>
                     <a:p>
-                      <a:pPr lvl="0" algn="ctr">
+                      <a:pPr lvl="0" algn="l" rtl="0">
                         <a:lnSpc>
                           <a:spcPct val="100000"/>
                         </a:lnSpc>
@@ -16833,18 +13486,17 @@
                         <a:buNone/>
                       </a:pPr>
                       <a:r>
-                        <a:rPr lang="en-US" sz="1100" b="0" i="0" u="none" strike="noStrike" noProof="0"/>
+                        <a:rPr lang="de-DE" sz="1100" b="0" i="0" u="none" strike="noStrike" noProof="0"/>
                         <a:t> </a:t>
                       </a:r>
                       <a:r>
-                        <a:rPr lang="en-US" sz="1100" b="0" i="0" u="none" strike="noStrike" baseline="30000" noProof="0"/>
-                        <a:t>1 </a:t>
+                        <a:rPr lang="de-DE" sz="1100" b="0" i="0" u="none" strike="noStrike" baseline="30000" noProof="0"/>
+                        <a:t>1</a:t>
                       </a:r>
                       <a:r>
-                        <a:rPr lang="en-US" sz="1100" b="0" i="0" u="none" strike="noStrike" noProof="0"/>
-                        <a:t>P2, P3, P4 cases are limited to business hours only in Japan.</a:t>
+                        <a:rPr lang="de-DE" sz="1100" b="0" i="0" u="none" strike="noStrike" noProof="0"/>
+                        <a:t>Fälle der Kategorien P2, P3 und P4 sind in Japan auf Geschäftszeiten beschränkt.</a:t>
                       </a:r>
-                      <a:endParaRPr lang="en-US" sz="1100" b="1" i="0" u="none" strike="noStrike" noProof="0"/>
                     </a:p>
                   </a:txBody>
                   <a:tcPr anchor="ctr">
@@ -17186,8 +13838,8 @@
         </p:nvSpPr>
         <p:spPr>
           <a:xfrm>
-            <a:off x="2840871" y="8528519"/>
-            <a:ext cx="810895" cy="385445"/>
+            <a:off x="2669421" y="8528519"/>
+            <a:ext cx="1150104" cy="385445"/>
           </a:xfrm>
           <a:prstGeom prst="rect">
             <a:avLst/>
@@ -17199,7 +13851,7 @@
           </a:bodyPr>
           <a:lstStyle/>
           <a:p>
-            <a:pPr marL="139065" marR="5080" indent="-139065">
+            <a:pPr marR="5080" algn="ctr">
               <a:lnSpc>
                 <a:spcPts val="1390"/>
               </a:lnSpc>
@@ -17208,129 +13860,15 @@
               </a:spcBef>
             </a:pPr>
             <a:r>
-              <a:rPr sz="1200" b="1" spc="-15">
+              <a:rPr lang="de-DE" sz="1200" b="1" dirty="0">
                 <a:solidFill>
                   <a:srgbClr val="FFFFFF"/>
                 </a:solidFill>
                 <a:latin typeface="Adobe Clean"/>
                 <a:cs typeface="Adobe Clean"/>
               </a:rPr>
-              <a:t>U</a:t>
-            </a:r>
-            <a:r>
-              <a:rPr sz="1200" b="1" spc="-20">
-                <a:solidFill>
-                  <a:srgbClr val="FFFFFF"/>
-                </a:solidFill>
-                <a:latin typeface="Adobe Clean"/>
-                <a:cs typeface="Adobe Clean"/>
-              </a:rPr>
-              <a:t>n</a:t>
-            </a:r>
-            <a:r>
-              <a:rPr sz="1200" b="1" spc="-25">
-                <a:solidFill>
-                  <a:srgbClr val="FFFFFF"/>
-                </a:solidFill>
-                <a:latin typeface="Adobe Clean"/>
-                <a:cs typeface="Adobe Clean"/>
-              </a:rPr>
-              <a:t>p</a:t>
-            </a:r>
-            <a:r>
-              <a:rPr sz="1200" b="1" spc="-15">
-                <a:solidFill>
-                  <a:srgbClr val="FFFFFF"/>
-                </a:solidFill>
-                <a:latin typeface="Adobe Clean"/>
-                <a:cs typeface="Adobe Clean"/>
-              </a:rPr>
-              <a:t>a</a:t>
-            </a:r>
-            <a:r>
-              <a:rPr sz="1200" b="1" spc="-25">
-                <a:solidFill>
-                  <a:srgbClr val="FFFFFF"/>
-                </a:solidFill>
-                <a:latin typeface="Adobe Clean"/>
-                <a:cs typeface="Adobe Clean"/>
-              </a:rPr>
-              <a:t>r</a:t>
-            </a:r>
-            <a:r>
-              <a:rPr sz="1200" b="1" spc="-15">
-                <a:solidFill>
-                  <a:srgbClr val="FFFFFF"/>
-                </a:solidFill>
-                <a:latin typeface="Adobe Clean"/>
-                <a:cs typeface="Adobe Clean"/>
-              </a:rPr>
-              <a:t>a</a:t>
-            </a:r>
-            <a:r>
-              <a:rPr sz="1200" b="1" spc="-30">
-                <a:solidFill>
-                  <a:srgbClr val="FFFFFF"/>
-                </a:solidFill>
-                <a:latin typeface="Adobe Clean"/>
-                <a:cs typeface="Adobe Clean"/>
-              </a:rPr>
-              <a:t>ll</a:t>
-            </a:r>
-            <a:r>
-              <a:rPr sz="1200" b="1" spc="-25">
-                <a:solidFill>
-                  <a:srgbClr val="FFFFFF"/>
-                </a:solidFill>
-                <a:latin typeface="Adobe Clean"/>
-                <a:cs typeface="Adobe Clean"/>
-              </a:rPr>
-              <a:t>e</a:t>
-            </a:r>
-            <a:r>
-              <a:rPr sz="1200" b="1" spc="-30">
-                <a:solidFill>
-                  <a:srgbClr val="FFFFFF"/>
-                </a:solidFill>
-                <a:latin typeface="Adobe Clean"/>
-                <a:cs typeface="Adobe Clean"/>
-              </a:rPr>
-              <a:t>l</a:t>
-            </a:r>
-            <a:r>
-              <a:rPr sz="1200" b="1" spc="-25">
-                <a:solidFill>
-                  <a:srgbClr val="FFFFFF"/>
-                </a:solidFill>
-                <a:latin typeface="Adobe Clean"/>
-                <a:cs typeface="Adobe Clean"/>
-              </a:rPr>
-              <a:t>e</a:t>
-            </a:r>
-            <a:r>
-              <a:rPr sz="1200" b="1">
-                <a:solidFill>
-                  <a:srgbClr val="FFFFFF"/>
-                </a:solidFill>
-                <a:latin typeface="Adobe Clean"/>
-                <a:cs typeface="Adobe Clean"/>
-              </a:rPr>
-              <a:t>d  </a:t>
-            </a:r>
-            <a:r>
-              <a:rPr sz="1200" b="1" spc="-25">
-                <a:solidFill>
-                  <a:srgbClr val="FFFFFF"/>
-                </a:solidFill>
-                <a:latin typeface="Adobe Clean"/>
-                <a:cs typeface="Adobe Clean"/>
-              </a:rPr>
-              <a:t>Expertise</a:t>
-            </a:r>
-            <a:endParaRPr sz="1200">
-              <a:latin typeface="Adobe Clean"/>
-              <a:cs typeface="Adobe Clean"/>
-            </a:endParaRPr>
+              <a:t>Unübertroffenes Know-how</a:t>
+            </a:r>
           </a:p>
         </p:txBody>
       </p:sp>
@@ -17348,8 +13886,8 @@
         </p:nvSpPr>
         <p:spPr>
           <a:xfrm>
-            <a:off x="4732495" y="8541244"/>
-            <a:ext cx="810895" cy="382797"/>
+            <a:off x="4627720" y="8541244"/>
+            <a:ext cx="925355" cy="382797"/>
           </a:xfrm>
           <a:prstGeom prst="rect">
             <a:avLst/>
@@ -17361,7 +13899,7 @@
           </a:bodyPr>
           <a:lstStyle/>
           <a:p>
-            <a:pPr marL="139065" marR="5080" indent="-139065">
+            <a:pPr marR="5080" algn="ctr">
               <a:lnSpc>
                 <a:spcPts val="1390"/>
               </a:lnSpc>
@@ -17370,19 +13908,15 @@
               </a:spcBef>
             </a:pPr>
             <a:r>
-              <a:rPr lang="en-US" sz="1200" b="1" spc="-15">
+              <a:rPr lang="de-DE" sz="1200" b="1" dirty="0">
                 <a:solidFill>
                   <a:srgbClr val="FFFFFF"/>
                 </a:solidFill>
                 <a:latin typeface="Adobe Clean"/>
                 <a:cs typeface="Adobe Clean"/>
               </a:rPr>
-              <a:t>Accelerated Support</a:t>
-            </a:r>
-            <a:endParaRPr sz="1200">
-              <a:latin typeface="Adobe Clean"/>
-              <a:cs typeface="Adobe Clean"/>
-            </a:endParaRPr>
+              <a:t>Schneller Support</a:t>
+            </a:r>
           </a:p>
         </p:txBody>
       </p:sp>
@@ -17400,8 +13934,8 @@
         </p:nvSpPr>
         <p:spPr>
           <a:xfrm>
-            <a:off x="6624119" y="8543943"/>
-            <a:ext cx="510540" cy="385445"/>
+            <a:off x="6471718" y="8543943"/>
+            <a:ext cx="841576" cy="385445"/>
           </a:xfrm>
           <a:prstGeom prst="rect">
             <a:avLst/>
@@ -17413,7 +13947,7 @@
           </a:bodyPr>
           <a:lstStyle/>
           <a:p>
-            <a:pPr marL="50800" marR="5080" indent="-51435">
+            <a:pPr marR="5080" algn="ctr">
               <a:lnSpc>
                 <a:spcPts val="1390"/>
               </a:lnSpc>
@@ -17422,109 +13956,15 @@
               </a:spcBef>
             </a:pPr>
             <a:r>
-              <a:rPr sz="1200" b="1" spc="-50">
+              <a:rPr lang="de-DE" sz="1200" b="1" dirty="0">
                 <a:solidFill>
                   <a:srgbClr val="FFFFFF"/>
                 </a:solidFill>
                 <a:latin typeface="Adobe Clean"/>
                 <a:cs typeface="Adobe Clean"/>
               </a:rPr>
-              <a:t>S</a:t>
-            </a:r>
-            <a:r>
-              <a:rPr sz="1200" b="1" spc="-20">
-                <a:solidFill>
-                  <a:srgbClr val="FFFFFF"/>
-                </a:solidFill>
-                <a:latin typeface="Adobe Clean"/>
-                <a:cs typeface="Adobe Clean"/>
-              </a:rPr>
-              <a:t>t</a:t>
-            </a:r>
-            <a:r>
-              <a:rPr sz="1200" b="1" spc="-75">
-                <a:solidFill>
-                  <a:srgbClr val="FFFFFF"/>
-                </a:solidFill>
-                <a:latin typeface="Adobe Clean"/>
-                <a:cs typeface="Adobe Clean"/>
-              </a:rPr>
-              <a:t>r</a:t>
-            </a:r>
-            <a:r>
-              <a:rPr sz="1200" b="1" spc="-90">
-                <a:solidFill>
-                  <a:srgbClr val="FFFFFF"/>
-                </a:solidFill>
-                <a:latin typeface="Adobe Clean"/>
-                <a:cs typeface="Adobe Clean"/>
-              </a:rPr>
-              <a:t>a</a:t>
-            </a:r>
-            <a:r>
-              <a:rPr sz="1200" b="1" spc="-55">
-                <a:solidFill>
-                  <a:srgbClr val="FFFFFF"/>
-                </a:solidFill>
-                <a:latin typeface="Adobe Clean"/>
-                <a:cs typeface="Adobe Clean"/>
-              </a:rPr>
-              <a:t>t</a:t>
-            </a:r>
-            <a:r>
-              <a:rPr sz="1200" b="1" spc="-100">
-                <a:solidFill>
-                  <a:srgbClr val="FFFFFF"/>
-                </a:solidFill>
-                <a:latin typeface="Adobe Clean"/>
-                <a:cs typeface="Adobe Clean"/>
-              </a:rPr>
-              <a:t>e</a:t>
-            </a:r>
-            <a:r>
-              <a:rPr sz="1200" b="1" spc="-80">
-                <a:solidFill>
-                  <a:srgbClr val="FFFFFF"/>
-                </a:solidFill>
-                <a:latin typeface="Adobe Clean"/>
-                <a:cs typeface="Adobe Clean"/>
-              </a:rPr>
-              <a:t>g</a:t>
-            </a:r>
-            <a:r>
-              <a:rPr sz="1200" b="1" spc="-35">
-                <a:solidFill>
-                  <a:srgbClr val="FFFFFF"/>
-                </a:solidFill>
-                <a:latin typeface="Adobe Clean"/>
-                <a:cs typeface="Adobe Clean"/>
-              </a:rPr>
-              <a:t>i</a:t>
-            </a:r>
-            <a:r>
-              <a:rPr sz="1200" b="1">
-                <a:solidFill>
-                  <a:srgbClr val="FFFFFF"/>
-                </a:solidFill>
-                <a:latin typeface="Adobe Clean"/>
-                <a:cs typeface="Adobe Clean"/>
-              </a:rPr>
-              <a:t>c  </a:t>
-            </a:r>
-            <a:r>
-              <a:rPr sz="1200" b="1" spc="-45">
-                <a:solidFill>
-                  <a:srgbClr val="FFFFFF"/>
-                </a:solidFill>
-                <a:latin typeface="Adobe Clean"/>
-                <a:cs typeface="Adobe Clean"/>
-              </a:rPr>
-              <a:t>Advice</a:t>
-            </a:r>
-            <a:endParaRPr sz="1200">
-              <a:latin typeface="Adobe Clean"/>
-              <a:cs typeface="Adobe Clean"/>
-            </a:endParaRPr>
+              <a:t>Strategische Beratung</a:t>
+            </a:r>
           </a:p>
         </p:txBody>
       </p:sp>
@@ -17543,14 +13983,14 @@
           <p:nvPr>
             <p:extLst>
               <p:ext uri="{D42A27DB-BD31-4B8C-83A1-F6EECF244321}">
-                <p14:modId xmlns:p14="http://schemas.microsoft.com/office/powerpoint/2010/main" val="4232335107"/>
+                <p14:modId xmlns:p14="http://schemas.microsoft.com/office/powerpoint/2010/main" val="3534718922"/>
               </p:ext>
             </p:extLst>
           </p:nvPr>
         </p:nvGraphicFramePr>
         <p:xfrm>
           <a:off x="194237" y="1272353"/>
-          <a:ext cx="7368291" cy="2931160"/>
+          <a:ext cx="7368291" cy="3413760"/>
         </p:xfrm>
         <a:graphic>
           <a:graphicData uri="http://schemas.openxmlformats.org/drawingml/2006/table">
@@ -17581,25 +14021,17 @@
                     <a:lstStyle/>
                     <a:p>
                       <a:r>
-                        <a:rPr lang="en-US" sz="1100" b="0" dirty="0">
+                        <a:rPr lang="de-DE" sz="1100" b="0">
                           <a:solidFill>
                             <a:schemeClr val="tx1"/>
                           </a:solidFill>
-                          <a:latin typeface="Adobe Clean"/>
+                          <a:latin typeface="Adobe Clean" panose="020B0503020404020204" pitchFamily="34" charset="0"/>
                           <a:ea typeface="+mn-ea"/>
                           <a:cs typeface="+mn-cs"/>
                           <a:hlinkClick r:id="rId7"/>
                         </a:rPr>
                         <a:t>Experience League</a:t>
                       </a:r>
-                      <a:endParaRPr lang="en-US" sz="1100" b="0" dirty="0">
-                        <a:solidFill>
-                          <a:schemeClr val="tx1"/>
-                        </a:solidFill>
-                        <a:latin typeface="Adobe Clean"/>
-                        <a:ea typeface="+mn-ea"/>
-                        <a:cs typeface="+mn-cs"/>
-                      </a:endParaRPr>
                     </a:p>
                   </a:txBody>
                   <a:tcPr marL="47625" marR="47625" marT="0" marB="0" anchor="ctr">
@@ -17655,7 +14087,7 @@
                     <a:bodyPr/>
                     <a:lstStyle/>
                     <a:p>
-                      <a:pPr marL="0" marR="0" lvl="0" indent="0" eaLnBrk="1" fontAlgn="auto" latinLnBrk="0" hangingPunct="1">
+                      <a:pPr marL="0" marR="0" lvl="0" indent="0" defTabSz="914400" eaLnBrk="1" fontAlgn="auto" latinLnBrk="0" hangingPunct="1">
                         <a:lnSpc>
                           <a:spcPct val="100000"/>
                         </a:lnSpc>
@@ -17669,26 +14101,52 @@
                         <a:buSzTx/>
                         <a:buFontTx/>
                         <a:buNone/>
+                        <a:tabLst/>
+                        <a:defRPr/>
                       </a:pPr>
                       <a:r>
-                        <a:rPr lang="en-US" sz="1000" b="0" kern="1200" dirty="0">
+                        <a:rPr lang="de-DE" sz="1000" b="0" dirty="0">
                           <a:solidFill>
                             <a:srgbClr val="000000"/>
                           </a:solidFill>
-                          <a:latin typeface="Adobe Clean Light"/>
+                          <a:latin typeface="Adobe Clean Light" panose="020B0303020404020204" pitchFamily="34" charset="0"/>
                           <a:ea typeface="+mn-ea"/>
                           <a:cs typeface="+mn-cs"/>
                         </a:rPr>
-                        <a:t>Experience League is how Adobe helps businesses achieve the value they expect from their Adobe investment. It’s the unified place where customers can learn, connect, and grow along a personalized path to success that includes self-help tutorials, product documentation, instructor-led training, community and technical support. </a:t>
+                        <a:t>Mit der Experience League unterstützt Adobe Unternehmen dabei, </a:t>
                       </a:r>
-                      <a:endParaRPr lang="en-US" sz="1000" b="0" kern="1200">
-                        <a:solidFill>
-                          <a:srgbClr val="000000"/>
-                        </a:solidFill>
-                        <a:latin typeface="Adobe Clean Light" panose="020B0303020404020204" pitchFamily="34" charset="0"/>
-                        <a:ea typeface="+mn-ea"/>
-                        <a:cs typeface="+mn-cs"/>
-                      </a:endParaRPr>
+                      <a:br>
+                        <a:rPr lang="sk-SK" sz="1000" b="0">
+                          <a:solidFill>
+                            <a:srgbClr val="000000"/>
+                          </a:solidFill>
+                          <a:latin typeface="Adobe Clean Light" panose="020B0303020404020204" pitchFamily="34" charset="0"/>
+                          <a:ea typeface="+mn-ea"/>
+                          <a:cs typeface="+mn-cs"/>
+                        </a:rPr>
+                      </a:br>
+                      <a:r>
+                        <a:rPr lang="de-DE" sz="1000" b="0">
+                          <a:solidFill>
+                            <a:srgbClr val="000000"/>
+                          </a:solidFill>
+                          <a:latin typeface="Adobe Clean Light" panose="020B0303020404020204" pitchFamily="34" charset="0"/>
+                          <a:ea typeface="+mn-ea"/>
+                          <a:cs typeface="+mn-cs"/>
+                        </a:rPr>
+                        <a:t>mit ihren Investitionen in Adobe optimale Ergebnisse zu erzielen. </a:t>
+                      </a:r>
+                      <a:r>
+                        <a:rPr lang="de-DE" sz="1000" b="0" dirty="0">
+                          <a:solidFill>
+                            <a:srgbClr val="000000"/>
+                          </a:solidFill>
+                          <a:latin typeface="Adobe Clean Light" panose="020B0303020404020204" pitchFamily="34" charset="0"/>
+                          <a:ea typeface="+mn-ea"/>
+                          <a:cs typeface="+mn-cs"/>
+                        </a:rPr>
+                        <a:t>An diesem zentralen Ort können Kunden auf einem personalisierten Weg zum Erfolg lernen, Kontakte knüpfen und sich weiterentwickeln. Dafür nutzen sie Selbsthilfe-Tutorials, Produktdokumentation, von Kursleitern geführte Schulungen, Community und technischen Support. </a:t>
+                      </a:r>
                     </a:p>
                   </a:txBody>
                   <a:tcPr anchor="ctr">
@@ -17769,12 +14227,11 @@
                         <a:defRPr/>
                       </a:pPr>
                       <a:r>
-                        <a:rPr lang="en-US" sz="1100" dirty="0">
+                        <a:rPr lang="de-DE" sz="1100">
                           <a:solidFill>
                             <a:schemeClr val="dk1"/>
                           </a:solidFill>
-                          <a:effectLst/>
-                          <a:latin typeface="Adobe Clean"/>
+                          <a:latin typeface="Adobe Clean" panose="020B0503020404020204" pitchFamily="34" charset="0"/>
                           <a:ea typeface="+mn-ea"/>
                           <a:cs typeface="+mn-cs"/>
                           <a:hlinkClick r:id="rId8"/>
@@ -17782,26 +14239,16 @@
                         <a:t>Training</a:t>
                       </a:r>
                       <a:r>
-                        <a:rPr lang="en-US" sz="1100" dirty="0">
+                        <a:rPr lang="de-DE" sz="1100">
                           <a:solidFill>
                             <a:schemeClr val="dk1"/>
                           </a:solidFill>
-                          <a:effectLst/>
-                          <a:latin typeface="Adobe Clean"/>
+                          <a:latin typeface="Adobe Clean" panose="020B0503020404020204" pitchFamily="34" charset="0"/>
                           <a:ea typeface="+mn-ea"/>
                           <a:cs typeface="+mn-cs"/>
                         </a:rPr>
                         <a:t> </a:t>
                       </a:r>
-                      <a:endParaRPr lang="en-US" sz="1100" dirty="0">
-                        <a:solidFill>
-                          <a:schemeClr val="tx1"/>
-                        </a:solidFill>
-                        <a:effectLst/>
-                        <a:latin typeface="Adobe Clean"/>
-                        <a:ea typeface="+mn-ea"/>
-                        <a:cs typeface="+mn-cs"/>
-                      </a:endParaRPr>
                     </a:p>
                   </a:txBody>
                   <a:tcPr anchor="ctr">
@@ -17875,15 +14322,15 @@
                         <a:defRPr/>
                       </a:pPr>
                       <a:r>
-                        <a:rPr lang="en-US" sz="1000" kern="1200" dirty="0">
+                        <a:rPr lang="de-DE" sz="1000">
                           <a:solidFill>
                             <a:srgbClr val="000000"/>
                           </a:solidFill>
-                          <a:latin typeface="Adobe Clean Light"/>
+                          <a:latin typeface="Adobe Clean Light" panose="020B0303020404020204" pitchFamily="34" charset="0"/>
                           <a:ea typeface="+mn-ea"/>
                           <a:cs typeface="+mn-cs"/>
                         </a:rPr>
-                        <a:t>Adobe Digital Learning Services courses are accessible from Experience League. Learning courses integrate both on-demand and instructor-led lessons.  Here you can accrue skills that have recognized market value and position them to drive success in your organizations.</a:t>
+                        <a:t>Adobe Digital Learning Services-Kurse sind über die Experience League verfügbar. Das Angebot umfasst sowohl On-Demand- als auch von Kursleiter geführte Schulungen.  Hier können Sie Kompetenzen erwerben, die auf dem Markt anerkannt sind und den Erfolg im Unternehmen vorantreiben.</a:t>
                       </a:r>
                     </a:p>
                   </a:txBody>
@@ -17965,27 +14412,17 @@
                         <a:defRPr/>
                       </a:pPr>
                       <a:r>
-                        <a:rPr lang="en-US" sz="1100" dirty="0">
+                        <a:rPr lang="de-DE" sz="1100">
                           <a:solidFill>
                             <a:schemeClr val="tx1"/>
                           </a:solidFill>
-                          <a:effectLst/>
-                          <a:latin typeface="Adobe Clean"/>
+                          <a:latin typeface="Adobe Clean" panose="020B0503020404020204" pitchFamily="34" charset="0"/>
                           <a:ea typeface="+mn-ea"/>
                           <a:cs typeface="+mn-cs"/>
                           <a:hlinkClick r:id="rId9"/>
                         </a:rPr>
-                        <a:t>Production Issues &amp; System Outages</a:t>
+                        <a:t>Produktionsprobleme und Systemausfälle</a:t>
                       </a:r>
-                      <a:endParaRPr lang="en-US" sz="1100" dirty="0">
-                        <a:solidFill>
-                          <a:schemeClr val="tx1"/>
-                        </a:solidFill>
-                        <a:effectLst/>
-                        <a:latin typeface="Adobe Clean"/>
-                        <a:ea typeface="+mn-ea"/>
-                        <a:cs typeface="+mn-cs"/>
-                      </a:endParaRPr>
                     </a:p>
                   </a:txBody>
                   <a:tcPr anchor="ctr">
@@ -18041,7 +14478,7 @@
                     <a:bodyPr/>
                     <a:lstStyle/>
                     <a:p>
-                      <a:pPr marL="0" marR="0" lvl="0" indent="0" eaLnBrk="1" fontAlgn="auto" latinLnBrk="0" hangingPunct="1">
+                      <a:pPr marL="0" marR="0" lvl="0" indent="0" defTabSz="914400" eaLnBrk="1" fontAlgn="auto" latinLnBrk="0" hangingPunct="1">
                         <a:lnSpc>
                           <a:spcPct val="100000"/>
                         </a:lnSpc>
@@ -18055,26 +14492,20 @@
                         <a:buSzTx/>
                         <a:buFontTx/>
                         <a:buNone/>
+                        <a:tabLst/>
+                        <a:defRPr/>
                       </a:pPr>
                       <a:r>
-                        <a:rPr lang="en-US" sz="1000" kern="1200" dirty="0">
+                        <a:rPr lang="de-DE" sz="1000">
                           <a:solidFill>
                             <a:srgbClr val="000000"/>
                           </a:solidFill>
-                          <a:latin typeface="Adobe Clean Light"/>
+                          <a:latin typeface="Adobe Clean Light" panose="020B0303020404020204" pitchFamily="34" charset="0"/>
                           <a:ea typeface="+mn-ea"/>
                           <a:cs typeface="+mn-cs"/>
                         </a:rPr>
-                        <a:t>Status.adobe.com conveys the health information of all Adobe products and services that are deployed in multi-tenant environments. Customers can choose their subscription preferences to get email notifications whenever Adobe creates, updates or resolves a product event. This can include scheduled maintenance or service issues of varying levels of severity. </a:t>
+                        <a:t>Status.adobe.com übermittelt die Statusinformationen sämtlicher Adobe-Produkte und -Services, die in Umgebungen mit mehreren Mandanten implementiert sind. Kunden können Voreinstellungen für ihr Abonnement auswählen und E-Mail-Benachrichtigungen erhalten, wenn Adobe ein Produktereignis erstellt, aktualisiert oder löst. Dies kann geplante Wartungen oder Service-Probleme unterschiedlichen Schweregrads umfassen. </a:t>
                       </a:r>
-                      <a:endParaRPr lang="en-US" sz="1000" kern="1200">
-                        <a:solidFill>
-                          <a:srgbClr val="000000"/>
-                        </a:solidFill>
-                        <a:latin typeface="Adobe Clean Light" panose="020B0303020404020204" pitchFamily="34" charset="0"/>
-                        <a:ea typeface="+mn-ea"/>
-                        <a:cs typeface="+mn-cs"/>
-                      </a:endParaRPr>
                     </a:p>
                   </a:txBody>
                   <a:tcPr anchor="ctr">
@@ -18155,27 +14586,17 @@
                         <a:defRPr/>
                       </a:pPr>
                       <a:r>
-                        <a:rPr lang="en-US" sz="1100" dirty="0">
+                        <a:rPr lang="de-DE" sz="1100">
                           <a:solidFill>
                             <a:schemeClr val="tx1"/>
                           </a:solidFill>
-                          <a:effectLst/>
-                          <a:latin typeface="Adobe Clean"/>
+                          <a:latin typeface="Adobe Clean" panose="020B0503020404020204" pitchFamily="34" charset="0"/>
                           <a:ea typeface="+mn-ea"/>
                           <a:cs typeface="+mn-cs"/>
                           <a:hlinkClick r:id="rId10"/>
                         </a:rPr>
-                        <a:t>Terms and Conditions</a:t>
+                        <a:t>Geschäftsbedingungen</a:t>
                       </a:r>
-                      <a:endParaRPr lang="en-US" sz="1100" dirty="0">
-                        <a:solidFill>
-                          <a:schemeClr val="tx1"/>
-                        </a:solidFill>
-                        <a:effectLst/>
-                        <a:latin typeface="Adobe Clean"/>
-                        <a:ea typeface="+mn-ea"/>
-                        <a:cs typeface="+mn-cs"/>
-                      </a:endParaRPr>
                     </a:p>
                   </a:txBody>
                   <a:tcPr anchor="ctr">
@@ -18232,24 +14653,37 @@
                     <a:lstStyle/>
                     <a:p>
                       <a:r>
-                        <a:rPr lang="en-US" sz="1000" kern="1200" dirty="0">
+                        <a:rPr lang="de-DE" sz="1000" dirty="0">
                           <a:solidFill>
                             <a:srgbClr val="000000"/>
                           </a:solidFill>
-                          <a:latin typeface="Adobe Clean Light"/>
+                          <a:latin typeface="Adobe Clean Light" panose="020B0303020404020204" pitchFamily="34" charset="0"/>
                           <a:ea typeface="+mn-ea"/>
                           <a:cs typeface="+mn-cs"/>
                         </a:rPr>
-                        <a:t>Terms and conditions detailing Support Services offerings.</a:t>
+                        <a:t>Allgemeine Geschäftsbedingungen mit detaillierten Informationen </a:t>
                       </a:r>
-                      <a:endParaRPr lang="en-US" sz="1000" kern="1200" dirty="0">
-                        <a:solidFill>
-                          <a:srgbClr val="000000"/>
-                        </a:solidFill>
-                        <a:latin typeface="Adobe Clean Light" panose="020B0303020404020204" pitchFamily="34" charset="0"/>
-                        <a:ea typeface="+mn-ea"/>
-                        <a:cs typeface="+mn-cs"/>
-                      </a:endParaRPr>
+                      <a:br>
+                        <a:rPr lang="sk-SK" sz="1000" dirty="0">
+                          <a:solidFill>
+                            <a:srgbClr val="000000"/>
+                          </a:solidFill>
+                          <a:latin typeface="Adobe Clean Light" panose="020B0303020404020204" pitchFamily="34" charset="0"/>
+                          <a:ea typeface="+mn-ea"/>
+                          <a:cs typeface="+mn-cs"/>
+                        </a:rPr>
+                      </a:br>
+                      <a:r>
+                        <a:rPr lang="de-DE" sz="1000" dirty="0">
+                          <a:solidFill>
+                            <a:srgbClr val="000000"/>
+                          </a:solidFill>
+                          <a:latin typeface="Adobe Clean Light" panose="020B0303020404020204" pitchFamily="34" charset="0"/>
+                          <a:ea typeface="+mn-ea"/>
+                          <a:cs typeface="+mn-cs"/>
+                        </a:rPr>
+                        <a:t>zu den angebotenen Support-Services</a:t>
+                      </a:r>
                     </a:p>
                   </a:txBody>
                   <a:tcPr anchor="ctr">
@@ -19019,6 +15453,12 @@
 </file>
 
 <file path=customXml/item1.xml><?xml version="1.0" encoding="utf-8"?>
+<p:properties xmlns:p="http://schemas.microsoft.com/office/2006/metadata/properties" xmlns:xsi="http://www.w3.org/2001/XMLSchema-instance" xmlns:pc="http://schemas.microsoft.com/office/infopath/2007/PartnerControls">
+  <documentManagement/>
+</p:properties>
+</file>
+
+<file path=customXml/item2.xml><?xml version="1.0" encoding="utf-8"?>
 <ct:contentTypeSchema xmlns:ct="http://schemas.microsoft.com/office/2006/metadata/contentType" xmlns:ma="http://schemas.microsoft.com/office/2006/metadata/properties/metaAttributes" ct:_="" ma:_="" ma:contentTypeName="Document" ma:contentTypeID="0x010100E783BF6876BCC646A459363AF21A7736" ma:contentTypeVersion="10" ma:contentTypeDescription="Create a new document." ma:contentTypeScope="" ma:versionID="c4ffda7f4f415767600769e454c2ea87">
   <xsd:schema xmlns:xsd="http://www.w3.org/2001/XMLSchema" xmlns:xs="http://www.w3.org/2001/XMLSchema" xmlns:p="http://schemas.microsoft.com/office/2006/metadata/properties" xmlns:ns2="8a053bff-88be-49e4-9a87-e748e18b8b62" xmlns:ns3="6c8368ec-3776-49b5-a5bb-90648cf9530f" targetNamespace="http://schemas.microsoft.com/office/2006/metadata/properties" ma:root="true" ma:fieldsID="df3ec33bccc23e23bce7bc897fad43d1" ns2:_="" ns3:_="">
     <xsd:import namespace="8a053bff-88be-49e4-9a87-e748e18b8b62"/>
@@ -19223,7 +15663,7 @@
 </ct:contentTypeSchema>
 </file>
 
-<file path=customXml/item2.xml><?xml version="1.0" encoding="utf-8"?>
+<file path=customXml/item3.xml><?xml version="1.0" encoding="utf-8"?>
 <?mso-contentType ?>
 <FormTemplates xmlns="http://schemas.microsoft.com/sharepoint/v3/contenttype/forms">
   <Display>DocumentLibraryForm</Display>
@@ -19232,13 +15672,16 @@
 </FormTemplates>
 </file>
 
-<file path=customXml/item3.xml><?xml version="1.0" encoding="utf-8"?>
-<p:properties xmlns:p="http://schemas.microsoft.com/office/2006/metadata/properties" xmlns:xsi="http://www.w3.org/2001/XMLSchema-instance" xmlns:pc="http://schemas.microsoft.com/office/infopath/2007/PartnerControls">
-  <documentManagement/>
-</p:properties>
+<file path=customXml/itemProps1.xml><?xml version="1.0" encoding="utf-8"?>
+<ds:datastoreItem xmlns:ds="http://schemas.openxmlformats.org/officeDocument/2006/customXml" ds:itemID="{ED4099BE-EDEC-4FF1-8378-446617236015}">
+  <ds:schemaRefs>
+    <ds:schemaRef ds:uri="http://schemas.microsoft.com/office/2006/metadata/properties"/>
+    <ds:schemaRef ds:uri="http://schemas.microsoft.com/office/infopath/2007/PartnerControls"/>
+  </ds:schemaRefs>
+</ds:datastoreItem>
 </file>
 
-<file path=customXml/itemProps1.xml><?xml version="1.0" encoding="utf-8"?>
+<file path=customXml/itemProps2.xml><?xml version="1.0" encoding="utf-8"?>
 <ds:datastoreItem xmlns:ds="http://schemas.openxmlformats.org/officeDocument/2006/customXml" ds:itemID="{FB2EBF8D-136B-48EC-8FC0-F70C0583664B}">
   <ds:schemaRefs>
     <ds:schemaRef ds:uri="6c8368ec-3776-49b5-a5bb-90648cf9530f"/>
@@ -19257,27 +15700,10 @@
 </ds:datastoreItem>
 </file>
 
-<file path=customXml/itemProps2.xml><?xml version="1.0" encoding="utf-8"?>
+<file path=customXml/itemProps3.xml><?xml version="1.0" encoding="utf-8"?>
 <ds:datastoreItem xmlns:ds="http://schemas.openxmlformats.org/officeDocument/2006/customXml" ds:itemID="{941989CE-20BB-4A6A-A33F-71A1AE469C3E}">
   <ds:schemaRefs>
     <ds:schemaRef ds:uri="http://schemas.microsoft.com/sharepoint/v3/contenttype/forms"/>
   </ds:schemaRefs>
 </ds:datastoreItem>
-</file>
-
-<file path=customXml/itemProps3.xml><?xml version="1.0" encoding="utf-8"?>
-<ds:datastoreItem xmlns:ds="http://schemas.openxmlformats.org/officeDocument/2006/customXml" ds:itemID="{ED4099BE-EDEC-4FF1-8378-446617236015}">
-  <ds:schemaRefs>
-    <ds:schemaRef ds:uri="6c8368ec-3776-49b5-a5bb-90648cf9530f"/>
-    <ds:schemaRef ds:uri="8a053bff-88be-49e4-9a87-e748e18b8b62"/>
-    <ds:schemaRef ds:uri="http://purl.org/dc/dcmitype/"/>
-    <ds:schemaRef ds:uri="http://purl.org/dc/elements/1.1/"/>
-    <ds:schemaRef ds:uri="http://purl.org/dc/terms/"/>
-    <ds:schemaRef ds:uri="http://schemas.microsoft.com/office/2006/documentManagement/types"/>
-    <ds:schemaRef ds:uri="http://schemas.microsoft.com/office/2006/metadata/properties"/>
-    <ds:schemaRef ds:uri="http://schemas.microsoft.com/office/infopath/2007/PartnerControls"/>
-    <ds:schemaRef ds:uri="http://schemas.openxmlformats.org/package/2006/metadata/core-properties"/>
-    <ds:schemaRef ds:uri="http://www.w3.org/XML/1998/namespace"/>
-  </ds:schemaRefs>
-</ds:datastoreItem>
 </file>
--- a/help/data-sheets/assets/EnterpriseSupportDatasheet.pptx
+++ b/help/data-sheets/assets/EnterpriseSupportDatasheet.pptx
@@ -144,13 +144,9 @@
 <file path=ppt/revisionInfo.xml><?xml version="1.0" encoding="utf-8"?>
 <p1510:revInfo xmlns:a="http://schemas.openxmlformats.org/drawingml/2006/main" xmlns:r="http://schemas.openxmlformats.org/officeDocument/2006/relationships" xmlns:p1510="http://schemas.microsoft.com/office/powerpoint/2015/10/main">
   <p1510:revLst>
-    <p1510:client id="{0AB2EF93-BE08-D205-D43E-3B568BB37DAA}" v="26" dt="2021-09-22T23:01:49.517"/>
-    <p1510:client id="{0AC6A3A1-0788-C69A-5EFD-279F3FA2CF0F}" v="51" dt="2021-09-22T18:56:17.553"/>
-    <p1510:client id="{112231ED-4F38-A856-2EFF-9D0F88AC9BDF}" v="3" dt="2021-09-22T19:11:31.474"/>
-    <p1510:client id="{3CA2F123-FAC9-2CDD-7937-C83283BA7837}" v="1" dt="2021-09-16T20:58:19.458"/>
-    <p1510:client id="{3F02B349-0406-AE51-D438-E7A0BE890230}" v="20" dt="2021-08-25T18:45:08.206"/>
-    <p1510:client id="{A40C3D7D-993B-38B2-2DDA-C562505A1054}" v="4" dt="2021-09-22T23:00:46.860"/>
-    <p1510:client id="{BAC4F85F-6423-7248-85C4-44132DA97563}" v="77" dt="2021-08-07T08:51:03.454"/>
+    <p1510:client id="{19826C17-B3F5-53A1-AAFF-C7771804C7A7}" v="128" dt="2021-10-13T18:50:39.613"/>
+    <p1510:client id="{1A3D389F-0E00-444F-BDF7-5C174E20EEC2}" v="2" dt="2021-10-13T19:33:05.183"/>
+    <p1510:client id="{D02E726A-82A5-CF13-9EBE-9B674D878D37}" v="22" dt="2021-10-12T19:51:27.470"/>
   </p1510:revLst>
 </p1510:revInfo>
 </file>
@@ -208,6 +204,139 @@
             <pc:docMk/>
             <pc:sldMk cId="1050037809" sldId="261"/>
             <ac:graphicFrameMk id="25" creationId="{3A91F5B0-3974-A14D-A146-FB590F2AAD18}"/>
+          </ac:graphicFrameMkLst>
+        </pc:graphicFrameChg>
+      </pc:sldChg>
+    </pc:docChg>
+  </pc:docChgLst>
+  <pc:docChgLst>
+    <pc:chgData name="Akilah Johnson" userId="S::akjohnso@adobe.com::2fa3aa60-0c9c-4d06-bae2-795983241227" providerId="AD" clId="Web-{19826C17-B3F5-53A1-AAFF-C7771804C7A7}"/>
+    <pc:docChg chg="modSld">
+      <pc:chgData name="Akilah Johnson" userId="S::akjohnso@adobe.com::2fa3aa60-0c9c-4d06-bae2-795983241227" providerId="AD" clId="Web-{19826C17-B3F5-53A1-AAFF-C7771804C7A7}" dt="2021-10-13T18:50:21.160" v="67"/>
+      <pc:docMkLst>
+        <pc:docMk/>
+      </pc:docMkLst>
+      <pc:sldChg chg="modSp">
+        <pc:chgData name="Akilah Johnson" userId="S::akjohnso@adobe.com::2fa3aa60-0c9c-4d06-bae2-795983241227" providerId="AD" clId="Web-{19826C17-B3F5-53A1-AAFF-C7771804C7A7}" dt="2021-10-13T18:38:26.810" v="9" actId="20577"/>
+        <pc:sldMkLst>
+          <pc:docMk/>
+          <pc:sldMk cId="5960377" sldId="259"/>
+        </pc:sldMkLst>
+        <pc:spChg chg="mod">
+          <ac:chgData name="Akilah Johnson" userId="S::akjohnso@adobe.com::2fa3aa60-0c9c-4d06-bae2-795983241227" providerId="AD" clId="Web-{19826C17-B3F5-53A1-AAFF-C7771804C7A7}" dt="2021-10-13T18:38:26.810" v="9" actId="20577"/>
+          <ac:spMkLst>
+            <pc:docMk/>
+            <pc:sldMk cId="5960377" sldId="259"/>
+            <ac:spMk id="75" creationId="{4602CC83-B0C7-8445-9007-87E67CDDD9D0}"/>
+          </ac:spMkLst>
+        </pc:spChg>
+        <pc:spChg chg="mod">
+          <ac:chgData name="Akilah Johnson" userId="S::akjohnso@adobe.com::2fa3aa60-0c9c-4d06-bae2-795983241227" providerId="AD" clId="Web-{19826C17-B3F5-53A1-AAFF-C7771804C7A7}" dt="2021-10-13T18:38:17.716" v="5" actId="20577"/>
+          <ac:spMkLst>
+            <pc:docMk/>
+            <pc:sldMk cId="5960377" sldId="259"/>
+            <ac:spMk id="83" creationId="{7A016ADC-2A30-8A4B-BE07-A9AB6C1898A7}"/>
+          </ac:spMkLst>
+        </pc:spChg>
+        <pc:spChg chg="mod">
+          <ac:chgData name="Akilah Johnson" userId="S::akjohnso@adobe.com::2fa3aa60-0c9c-4d06-bae2-795983241227" providerId="AD" clId="Web-{19826C17-B3F5-53A1-AAFF-C7771804C7A7}" dt="2021-10-13T18:38:19.654" v="6" actId="20577"/>
+          <ac:spMkLst>
+            <pc:docMk/>
+            <pc:sldMk cId="5960377" sldId="259"/>
+            <ac:spMk id="87" creationId="{57C0C871-6516-F145-97DA-27A143E6185C}"/>
+          </ac:spMkLst>
+        </pc:spChg>
+        <pc:spChg chg="mod">
+          <ac:chgData name="Akilah Johnson" userId="S::akjohnso@adobe.com::2fa3aa60-0c9c-4d06-bae2-795983241227" providerId="AD" clId="Web-{19826C17-B3F5-53A1-AAFF-C7771804C7A7}" dt="2021-10-13T18:38:14.044" v="4" actId="20577"/>
+          <ac:spMkLst>
+            <pc:docMk/>
+            <pc:sldMk cId="5960377" sldId="259"/>
+            <ac:spMk id="124" creationId="{14AAF776-9013-4C40-92F9-FFFE22C4038F}"/>
+          </ac:spMkLst>
+        </pc:spChg>
+        <pc:spChg chg="mod">
+          <ac:chgData name="Akilah Johnson" userId="S::akjohnso@adobe.com::2fa3aa60-0c9c-4d06-bae2-795983241227" providerId="AD" clId="Web-{19826C17-B3F5-53A1-AAFF-C7771804C7A7}" dt="2021-10-13T18:38:10.013" v="2" actId="20577"/>
+          <ac:spMkLst>
+            <pc:docMk/>
+            <pc:sldMk cId="5960377" sldId="259"/>
+            <ac:spMk id="125" creationId="{AF4EBBF5-5438-A043-B9AA-3822381D52EE}"/>
+          </ac:spMkLst>
+        </pc:spChg>
+        <pc:spChg chg="mod">
+          <ac:chgData name="Akilah Johnson" userId="S::akjohnso@adobe.com::2fa3aa60-0c9c-4d06-bae2-795983241227" providerId="AD" clId="Web-{19826C17-B3F5-53A1-AAFF-C7771804C7A7}" dt="2021-10-13T18:38:12.263" v="3" actId="20577"/>
+          <ac:spMkLst>
+            <pc:docMk/>
+            <pc:sldMk cId="5960377" sldId="259"/>
+            <ac:spMk id="126" creationId="{7F65676D-32E4-7B4B-BB85-4D504B5882BD}"/>
+          </ac:spMkLst>
+        </pc:spChg>
+      </pc:sldChg>
+      <pc:sldChg chg="modSp">
+        <pc:chgData name="Akilah Johnson" userId="S::akjohnso@adobe.com::2fa3aa60-0c9c-4d06-bae2-795983241227" providerId="AD" clId="Web-{19826C17-B3F5-53A1-AAFF-C7771804C7A7}" dt="2021-10-13T18:40:23.717" v="19" actId="20577"/>
+        <pc:sldMkLst>
+          <pc:docMk/>
+          <pc:sldMk cId="1050037809" sldId="261"/>
+        </pc:sldMkLst>
+        <pc:spChg chg="mod">
+          <ac:chgData name="Akilah Johnson" userId="S::akjohnso@adobe.com::2fa3aa60-0c9c-4d06-bae2-795983241227" providerId="AD" clId="Web-{19826C17-B3F5-53A1-AAFF-C7771804C7A7}" dt="2021-10-13T18:40:23.717" v="19" actId="20577"/>
+          <ac:spMkLst>
+            <pc:docMk/>
+            <pc:sldMk cId="1050037809" sldId="261"/>
+            <ac:spMk id="56" creationId="{00000000-0000-0000-0000-000000000000}"/>
+          </ac:spMkLst>
+        </pc:spChg>
+        <pc:graphicFrameChg chg="mod modGraphic">
+          <ac:chgData name="Akilah Johnson" userId="S::akjohnso@adobe.com::2fa3aa60-0c9c-4d06-bae2-795983241227" providerId="AD" clId="Web-{19826C17-B3F5-53A1-AAFF-C7771804C7A7}" dt="2021-10-13T18:39:38.154" v="17"/>
+          <ac:graphicFrameMkLst>
+            <pc:docMk/>
+            <pc:sldMk cId="1050037809" sldId="261"/>
+            <ac:graphicFrameMk id="111" creationId="{D8653CEC-4213-DE40-9BAF-D1E3318FF89C}"/>
+          </ac:graphicFrameMkLst>
+        </pc:graphicFrameChg>
+      </pc:sldChg>
+      <pc:sldChg chg="modSp">
+        <pc:chgData name="Akilah Johnson" userId="S::akjohnso@adobe.com::2fa3aa60-0c9c-4d06-bae2-795983241227" providerId="AD" clId="Web-{19826C17-B3F5-53A1-AAFF-C7771804C7A7}" dt="2021-10-13T18:39:10.373" v="15" actId="20577"/>
+        <pc:sldMkLst>
+          <pc:docMk/>
+          <pc:sldMk cId="717026355" sldId="266"/>
+        </pc:sldMkLst>
+        <pc:spChg chg="mod">
+          <ac:chgData name="Akilah Johnson" userId="S::akjohnso@adobe.com::2fa3aa60-0c9c-4d06-bae2-795983241227" providerId="AD" clId="Web-{19826C17-B3F5-53A1-AAFF-C7771804C7A7}" dt="2021-10-13T18:39:10.373" v="15" actId="20577"/>
+          <ac:spMkLst>
+            <pc:docMk/>
+            <pc:sldMk cId="717026355" sldId="266"/>
+            <ac:spMk id="9" creationId="{00000000-0000-0000-0000-000000000000}"/>
+          </ac:spMkLst>
+        </pc:spChg>
+        <pc:spChg chg="mod">
+          <ac:chgData name="Akilah Johnson" userId="S::akjohnso@adobe.com::2fa3aa60-0c9c-4d06-bae2-795983241227" providerId="AD" clId="Web-{19826C17-B3F5-53A1-AAFF-C7771804C7A7}" dt="2021-10-13T18:38:44.029" v="11" actId="20577"/>
+          <ac:spMkLst>
+            <pc:docMk/>
+            <pc:sldMk cId="717026355" sldId="266"/>
+            <ac:spMk id="82" creationId="{F6061E8D-9723-464D-AA49-7A3A3A02BE92}"/>
+          </ac:spMkLst>
+        </pc:spChg>
+        <pc:spChg chg="mod">
+          <ac:chgData name="Akilah Johnson" userId="S::akjohnso@adobe.com::2fa3aa60-0c9c-4d06-bae2-795983241227" providerId="AD" clId="Web-{19826C17-B3F5-53A1-AAFF-C7771804C7A7}" dt="2021-10-13T18:39:00.638" v="13" actId="20577"/>
+          <ac:spMkLst>
+            <pc:docMk/>
+            <pc:sldMk cId="717026355" sldId="266"/>
+            <ac:spMk id="83" creationId="{BB34E685-A734-974B-A33A-BE51D1A8BC0D}"/>
+          </ac:spMkLst>
+        </pc:spChg>
+      </pc:sldChg>
+      <pc:sldChg chg="modSp">
+        <pc:chgData name="Akilah Johnson" userId="S::akjohnso@adobe.com::2fa3aa60-0c9c-4d06-bae2-795983241227" providerId="AD" clId="Web-{19826C17-B3F5-53A1-AAFF-C7771804C7A7}" dt="2021-10-13T18:50:21.160" v="67"/>
+        <pc:sldMkLst>
+          <pc:docMk/>
+          <pc:sldMk cId="2161849182" sldId="267"/>
+        </pc:sldMkLst>
+        <pc:graphicFrameChg chg="mod modGraphic">
+          <ac:chgData name="Akilah Johnson" userId="S::akjohnso@adobe.com::2fa3aa60-0c9c-4d06-bae2-795983241227" providerId="AD" clId="Web-{19826C17-B3F5-53A1-AAFF-C7771804C7A7}" dt="2021-10-13T18:50:21.160" v="67"/>
+          <ac:graphicFrameMkLst>
+            <pc:docMk/>
+            <pc:sldMk cId="2161849182" sldId="267"/>
+            <ac:graphicFrameMk id="9" creationId="{00000000-0000-0000-0000-000000000000}"/>
           </ac:graphicFrameMkLst>
         </pc:graphicFrameChg>
       </pc:sldChg>
@@ -317,44 +446,89 @@
       </pc:sldChg>
     </pc:docChg>
   </pc:docChgLst>
+  <pc:docChgLst>
+    <pc:chgData name="Akilah Johnson" userId="S::akjohnso@adobe.com::2fa3aa60-0c9c-4d06-bae2-795983241227" providerId="AD" clId="Web-{D02E726A-82A5-CF13-9EBE-9B674D878D37}"/>
+    <pc:docChg chg="modSld">
+      <pc:chgData name="Akilah Johnson" userId="S::akjohnso@adobe.com::2fa3aa60-0c9c-4d06-bae2-795983241227" providerId="AD" clId="Web-{D02E726A-82A5-CF13-9EBE-9B674D878D37}" dt="2021-10-12T19:51:27.470" v="10"/>
+      <pc:docMkLst>
+        <pc:docMk/>
+      </pc:docMkLst>
+      <pc:sldChg chg="modSp delCm">
+        <pc:chgData name="Akilah Johnson" userId="S::akjohnso@adobe.com::2fa3aa60-0c9c-4d06-bae2-795983241227" providerId="AD" clId="Web-{D02E726A-82A5-CF13-9EBE-9B674D878D37}" dt="2021-10-12T19:51:27.470" v="10"/>
+        <pc:sldMkLst>
+          <pc:docMk/>
+          <pc:sldMk cId="2161849182" sldId="267"/>
+        </pc:sldMkLst>
+        <pc:spChg chg="mod">
+          <ac:chgData name="Akilah Johnson" userId="S::akjohnso@adobe.com::2fa3aa60-0c9c-4d06-bae2-795983241227" providerId="AD" clId="Web-{D02E726A-82A5-CF13-9EBE-9B674D878D37}" dt="2021-10-12T19:51:04.127" v="8" actId="20577"/>
+          <ac:spMkLst>
+            <pc:docMk/>
+            <pc:sldMk cId="2161849182" sldId="267"/>
+            <ac:spMk id="2" creationId="{00000000-0000-0000-0000-000000000000}"/>
+          </ac:spMkLst>
+        </pc:spChg>
+      </pc:sldChg>
+    </pc:docChg>
+  </pc:docChgLst>
+  <pc:docChgLst>
+    <pc:chgData name="Lauren Schutte" userId="6e08b2d3-447a-4d66-86be-444d50df187f" providerId="ADAL" clId="{1A3D389F-0E00-444F-BDF7-5C174E20EEC2}"/>
+    <pc:docChg chg="undo custSel modSld">
+      <pc:chgData name="Lauren Schutte" userId="6e08b2d3-447a-4d66-86be-444d50df187f" providerId="ADAL" clId="{1A3D389F-0E00-444F-BDF7-5C174E20EEC2}" dt="2021-10-13T19:40:59.066" v="67" actId="20577"/>
+      <pc:docMkLst>
+        <pc:docMk/>
+      </pc:docMkLst>
+      <pc:sldChg chg="delSp modSp mod">
+        <pc:chgData name="Lauren Schutte" userId="6e08b2d3-447a-4d66-86be-444d50df187f" providerId="ADAL" clId="{1A3D389F-0E00-444F-BDF7-5C174E20EEC2}" dt="2021-10-13T19:40:25.578" v="61" actId="478"/>
+        <pc:sldMkLst>
+          <pc:docMk/>
+          <pc:sldMk cId="5960377" sldId="259"/>
+        </pc:sldMkLst>
+        <pc:spChg chg="mod">
+          <ac:chgData name="Lauren Schutte" userId="6e08b2d3-447a-4d66-86be-444d50df187f" providerId="ADAL" clId="{1A3D389F-0E00-444F-BDF7-5C174E20EEC2}" dt="2021-10-13T19:33:45.182" v="59" actId="20577"/>
+          <ac:spMkLst>
+            <pc:docMk/>
+            <pc:sldMk cId="5960377" sldId="259"/>
+            <ac:spMk id="127" creationId="{BB896A03-8E7E-344F-BDE1-37C49461FF04}"/>
+          </ac:spMkLst>
+        </pc:spChg>
+        <pc:grpChg chg="del mod">
+          <ac:chgData name="Lauren Schutte" userId="6e08b2d3-447a-4d66-86be-444d50df187f" providerId="ADAL" clId="{1A3D389F-0E00-444F-BDF7-5C174E20EEC2}" dt="2021-10-13T19:40:25.578" v="61" actId="478"/>
+          <ac:grpSpMkLst>
+            <pc:docMk/>
+            <pc:sldMk cId="5960377" sldId="259"/>
+            <ac:grpSpMk id="62" creationId="{C539739D-1D3E-204D-9819-C44D9AE36DE8}"/>
+          </ac:grpSpMkLst>
+        </pc:grpChg>
+      </pc:sldChg>
+      <pc:sldChg chg="modSp mod">
+        <pc:chgData name="Lauren Schutte" userId="6e08b2d3-447a-4d66-86be-444d50df187f" providerId="ADAL" clId="{1A3D389F-0E00-444F-BDF7-5C174E20EEC2}" dt="2021-10-13T19:40:59.066" v="67" actId="20577"/>
+        <pc:sldMkLst>
+          <pc:docMk/>
+          <pc:sldMk cId="2161849182" sldId="267"/>
+        </pc:sldMkLst>
+        <pc:spChg chg="mod">
+          <ac:chgData name="Lauren Schutte" userId="6e08b2d3-447a-4d66-86be-444d50df187f" providerId="ADAL" clId="{1A3D389F-0E00-444F-BDF7-5C174E20EEC2}" dt="2021-10-13T19:40:59.066" v="67" actId="20577"/>
+          <ac:spMkLst>
+            <pc:docMk/>
+            <pc:sldMk cId="2161849182" sldId="267"/>
+            <ac:spMk id="2" creationId="{00000000-0000-0000-0000-000000000000}"/>
+          </ac:spMkLst>
+        </pc:spChg>
+        <pc:graphicFrameChg chg="mod modGraphic">
+          <ac:chgData name="Lauren Schutte" userId="6e08b2d3-447a-4d66-86be-444d50df187f" providerId="ADAL" clId="{1A3D389F-0E00-444F-BDF7-5C174E20EEC2}" dt="2021-10-13T19:33:05.183" v="58"/>
+          <ac:graphicFrameMkLst>
+            <pc:docMk/>
+            <pc:sldMk cId="2161849182" sldId="267"/>
+            <ac:graphicFrameMk id="9" creationId="{00000000-0000-0000-0000-000000000000}"/>
+          </ac:graphicFrameMkLst>
+        </pc:graphicFrameChg>
+      </pc:sldChg>
+    </pc:docChg>
+  </pc:docChgLst>
 </pc:chgInfo>
 </file>
 
 <file path=ppt/comments/comment1.xml><?xml version="1.0" encoding="utf-8"?>
-<p:cmLst xmlns:a="http://schemas.openxmlformats.org/drawingml/2006/main" xmlns:r="http://schemas.openxmlformats.org/officeDocument/2006/relationships" xmlns:p="http://schemas.openxmlformats.org/presentationml/2006/main">
-  <p:cm authorId="1" dt="2021-08-04T14:42:10.630" idx="4">
-    <p:pos x="-3291" y="2170"/>
-    <p:text/>
-    <p:extLst>
-      <p:ext uri="{C676402C-5697-4E1C-873F-D02D1690AC5C}">
-        <p15:threadingInfo xmlns:p15="http://schemas.microsoft.com/office/powerpoint/2012/main" timeZoneBias="420"/>
-      </p:ext>
-    </p:extLst>
-  </p:cm>
-  <p:cm authorId="1" dt="2021-08-04T14:42:19.668" idx="5">
-    <p:pos x="4567" y="1502"/>
-    <p:text>Can we add a darker blue line under 'Enterprise Support?'</p:text>
-    <p:extLst>
-      <p:ext uri="{C676402C-5697-4E1C-873F-D02D1690AC5C}">
-        <p15:threadingInfo xmlns:p15="http://schemas.microsoft.com/office/powerpoint/2012/main" timeZoneBias="420"/>
-      </p:ext>
-    </p:extLst>
-  </p:cm>
-  <p:cm authorId="1" dt="2021-08-04T15:01:35.985" idx="8">
-    <p:pos x="4567" y="1598"/>
-    <p:text>Hi Ankita, I did my best to keep the formatting you already worked so hard on. I added a few comments on things I'll need your help with . Thank again so much!</p:text>
-    <p:extLst>
-      <p:ext uri="{C676402C-5697-4E1C-873F-D02D1690AC5C}">
-        <p15:threadingInfo xmlns:p15="http://schemas.microsoft.com/office/powerpoint/2012/main" timeZoneBias="420">
-          <p15:parentCm authorId="1" idx="5"/>
-        </p15:threadingInfo>
-      </p:ext>
-    </p:extLst>
-  </p:cm>
-</p:cmLst>
-</file>
-
-<file path=ppt/comments/comment2.xml><?xml version="1.0" encoding="utf-8"?>
 <p:cmLst xmlns:a="http://schemas.openxmlformats.org/drawingml/2006/main" xmlns:r="http://schemas.openxmlformats.org/officeDocument/2006/relationships" xmlns:p="http://schemas.openxmlformats.org/presentationml/2006/main">
   <p:cm authorId="1" dt="2021-08-04T14:53:07.049" idx="6">
     <p:pos x="10" y="10"/>
@@ -450,7 +624,7 @@
           <a:p>
             <a:fld id="{CCB2A597-803A-C244-97E2-A01066125D19}" type="datetimeFigureOut">
               <a:rPr lang="en-US" smtClean="0"/>
-              <a:t>10/1/2021</a:t>
+              <a:t>11/12/2021</a:t>
             </a:fld>
             <a:endParaRPr lang="en-US"/>
           </a:p>
@@ -761,7 +935,7 @@
           <a:bodyPr/>
           <a:lstStyle/>
           <a:p>
-            <a:endParaRPr lang="en-US" dirty="0"/>
+            <a:endParaRPr lang="en-US"/>
           </a:p>
         </p:txBody>
       </p:sp>
@@ -1231,7 +1405,7 @@
           <a:p>
             <a:fld id="{1D8BD707-D9CF-40AE-B4C6-C98DA3205C09}" type="datetimeFigureOut">
               <a:rPr lang="en-US"/>
-              <a:t>10/1/2021</a:t>
+              <a:t>11/12/2021</a:t>
             </a:fld>
             <a:endParaRPr lang="en-US"/>
           </a:p>
@@ -1471,7 +1645,7 @@
           <a:p>
             <a:fld id="{1D8BD707-D9CF-40AE-B4C6-C98DA3205C09}" type="datetimeFigureOut">
               <a:rPr lang="en-US"/>
-              <a:t>10/1/2021</a:t>
+              <a:t>11/12/2021</a:t>
             </a:fld>
             <a:endParaRPr lang="en-US"/>
           </a:p>
@@ -1724,7 +1898,7 @@
           <a:p>
             <a:fld id="{1D8BD707-D9CF-40AE-B4C6-C98DA3205C09}" type="datetimeFigureOut">
               <a:rPr lang="en-US"/>
-              <a:t>10/1/2021</a:t>
+              <a:t>11/12/2021</a:t>
             </a:fld>
             <a:endParaRPr lang="en-US"/>
           </a:p>
@@ -1911,7 +2085,7 @@
           <a:p>
             <a:fld id="{1D8BD707-D9CF-40AE-B4C6-C98DA3205C09}" type="datetimeFigureOut">
               <a:rPr lang="en-US"/>
-              <a:t>10/1/2021</a:t>
+              <a:t>11/12/2021</a:t>
             </a:fld>
             <a:endParaRPr lang="en-US"/>
           </a:p>
@@ -2069,7 +2243,7 @@
           <a:p>
             <a:fld id="{1D8BD707-D9CF-40AE-B4C6-C98DA3205C09}" type="datetimeFigureOut">
               <a:rPr lang="en-US"/>
-              <a:t>10/1/2021</a:t>
+              <a:t>11/12/2021</a:t>
             </a:fld>
             <a:endParaRPr lang="en-US"/>
           </a:p>
@@ -2327,7 +2501,7 @@
           <a:p>
             <a:fld id="{1D8BD707-D9CF-40AE-B4C6-C98DA3205C09}" type="datetimeFigureOut">
               <a:rPr lang="en-US"/>
-              <a:t>10/1/2021</a:t>
+              <a:t>11/12/2021</a:t>
             </a:fld>
             <a:endParaRPr lang="en-US"/>
           </a:p>
@@ -2566,24 +2740,21 @@
           </a:prstGeom>
         </p:spPr>
         <p:txBody>
-          <a:bodyPr vert="horz" wrap="square" lIns="0" tIns="12700" rIns="0" bIns="0" rtlCol="0">
+          <a:bodyPr vert="horz" wrap="square" lIns="0" tIns="12700" rIns="0" bIns="0" rtlCol="0" anchor="t">
             <a:spAutoFit/>
           </a:bodyPr>
           <a:lstStyle/>
           <a:p>
             <a:pPr marL="12700">
-              <a:lnSpc>
-                <a:spcPct val="100000"/>
-              </a:lnSpc>
               <a:spcBef>
                 <a:spcPts val="100"/>
               </a:spcBef>
             </a:pPr>
             <a:r>
-              <a:rPr lang="de-DE" sz="2300">
-                <a:latin typeface="Adobe Clean" panose="020B0503020404020204" pitchFamily="34" charset="0"/>
-              </a:rPr>
-              <a:t>SUPPORT-ANGEBOT VON ADOBE</a:t>
+              <a:rPr lang="de-DE" sz="2300" dirty="0">
+                <a:latin typeface="Adobe Clean"/>
+              </a:rPr>
+              <a:t>SUPPORT-PAKETE VON ADOBE</a:t>
             </a:r>
           </a:p>
         </p:txBody>
@@ -2644,14 +2815,14 @@
           <p:nvPr>
             <p:extLst>
               <p:ext uri="{D42A27DB-BD31-4B8C-83A1-F6EECF244321}">
-                <p14:modId xmlns:p14="http://schemas.microsoft.com/office/powerpoint/2010/main" val="2574968595"/>
+                <p14:modId xmlns:p14="http://schemas.microsoft.com/office/powerpoint/2010/main" val="3384739407"/>
               </p:ext>
             </p:extLst>
           </p:nvPr>
         </p:nvGraphicFramePr>
         <p:xfrm>
-          <a:off x="146919" y="7473158"/>
-          <a:ext cx="7477080" cy="2403645"/>
+          <a:off x="146919" y="7336633"/>
+          <a:ext cx="7477080" cy="2511645"/>
         </p:xfrm>
         <a:graphic>
           <a:graphicData uri="http://schemas.openxmlformats.org/drawingml/2006/table">
@@ -2752,7 +2923,7 @@
                         </a:spcBef>
                       </a:pPr>
                       <a:r>
-                        <a:rPr lang="de-DE" sz="900">
+                        <a:rPr lang="de-DE" sz="900" dirty="0">
                           <a:solidFill>
                             <a:srgbClr val="020302"/>
                           </a:solidFill>
@@ -2763,7 +2934,7 @@
                       </a:r>
                     </a:p>
                   </a:txBody>
-                  <a:tcPr marL="0" marR="0" marT="6985" marB="0" anchor="ctr">
+                  <a:tcPr marL="0" marR="0" marT="0" marB="0" anchor="ctr">
                     <a:lnL w="6350">
                       <a:solidFill>
                         <a:srgbClr val="B7B8B8"/>
@@ -2782,11 +2953,14 @@
                       </a:solidFill>
                       <a:prstDash val="solid"/>
                     </a:lnT>
-                    <a:lnB w="76200">
+                    <a:lnB w="76200" cap="flat" cmpd="sng" algn="ctr">
                       <a:solidFill>
                         <a:srgbClr val="B3B3B3"/>
                       </a:solidFill>
                       <a:prstDash val="solid"/>
+                      <a:round/>
+                      <a:headEnd type="none" w="med" len="med"/>
+                      <a:tailEnd type="none" w="med" len="med"/>
                     </a:lnB>
                     <a:solidFill>
                       <a:srgbClr val="D9D9D9"/>
@@ -2818,7 +2992,7 @@
                       </a:r>
                     </a:p>
                   </a:txBody>
-                  <a:tcPr marL="0" marR="0" marT="10160" marB="0" anchor="ctr">
+                  <a:tcPr marL="0" marR="0" marT="0" marB="0" anchor="ctr">
                     <a:lnL w="6350">
                       <a:solidFill>
                         <a:srgbClr val="B7B8B8"/>
@@ -2886,7 +3060,7 @@
                       </a:r>
                     </a:p>
                     <a:p>
-                      <a:pPr marL="50800" marR="387985" lvl="0" indent="0" defTabSz="914400" eaLnBrk="1" fontAlgn="auto" latinLnBrk="0" hangingPunct="1">
+                      <a:pPr marL="50800" marR="387985" lvl="0" indent="0" eaLnBrk="1" fontAlgn="auto" latinLnBrk="0" hangingPunct="1">
                         <a:lnSpc>
                           <a:spcPts val="1000"/>
                         </a:lnSpc>
@@ -2900,37 +3074,35 @@
                         <a:buSzTx/>
                         <a:buFontTx/>
                         <a:buNone/>
-                        <a:tabLst/>
-                        <a:defRPr/>
                       </a:pPr>
                       <a:r>
                         <a:rPr lang="de-DE" sz="900" b="0" i="0" dirty="0">
                           <a:solidFill>
                             <a:srgbClr val="020302"/>
                           </a:solidFill>
-                          <a:latin typeface="Adobe Clean Light" panose="020B0303020404020204" pitchFamily="34" charset="0"/>
+                          <a:latin typeface="Adobe Clean Light"/>
                           <a:ea typeface="+mn-ea"/>
-                          <a:cs typeface="Adobe Clean"/>
+                          <a:cs typeface="+mn-cs"/>
                         </a:rPr>
-                        <a:t> </a:t>
+                        <a:t> </a:t>
                       </a:r>
                       <a:r>
                         <a:rPr lang="de-DE" sz="900" b="0" i="0" u="none" strike="noStrike" dirty="0">
                           <a:solidFill>
                             <a:schemeClr val="tx1"/>
                           </a:solidFill>
-                          <a:latin typeface="Adobe Clean Light" panose="020B0303020404020204" pitchFamily="34" charset="0"/>
+                          <a:latin typeface="Adobe Clean Light"/>
                           <a:ea typeface="+mn-ea"/>
                           <a:cs typeface="+mn-cs"/>
                         </a:rPr>
                         <a:t>Die Produktionsfunktionen im Unternehmen des Kunden sind ausgefallen oder weisen </a:t>
                       </a:r>
                       <a:br>
-                        <a:rPr lang="sk-SK" sz="900" b="0" i="0" u="none" strike="noStrike" dirty="0">
+                        <a:rPr lang="de-DE" sz="900" b="0" i="0" u="none" strike="noStrike" dirty="0">
                           <a:solidFill>
                             <a:schemeClr val="tx1"/>
                           </a:solidFill>
-                          <a:latin typeface="Adobe Clean Light" panose="020B0303020404020204" pitchFamily="34" charset="0"/>
+                          <a:latin typeface="Adobe Clean Light"/>
                           <a:ea typeface="+mn-ea"/>
                           <a:cs typeface="+mn-cs"/>
                         </a:rPr>
@@ -2940,7 +3112,7 @@
                           <a:solidFill>
                             <a:schemeClr val="tx1"/>
                           </a:solidFill>
-                          <a:latin typeface="Adobe Clean Light" panose="020B0303020404020204" pitchFamily="34" charset="0"/>
+                          <a:latin typeface="Adobe Clean Light"/>
                           <a:ea typeface="+mn-ea"/>
                           <a:cs typeface="+mn-cs"/>
                         </a:rPr>
@@ -2948,18 +3120,21 @@
                       </a:r>
                     </a:p>
                   </a:txBody>
-                  <a:tcPr marL="0" marR="0" marT="0" marB="0" anchor="ctr">
+                  <a:tcPr marL="0" marR="0" marT="0" marB="36000" anchor="ctr">
                     <a:lnL w="6350">
                       <a:solidFill>
                         <a:srgbClr val="B7B8B8"/>
                       </a:solidFill>
                       <a:prstDash val="solid"/>
                     </a:lnL>
-                    <a:lnR w="6350">
+                    <a:lnR w="6350" cap="flat" cmpd="sng" algn="ctr">
                       <a:solidFill>
                         <a:srgbClr val="B7B8B8"/>
                       </a:solidFill>
                       <a:prstDash val="solid"/>
+                      <a:round/>
+                      <a:headEnd type="none" w="med" len="med"/>
+                      <a:tailEnd type="none" w="med" len="med"/>
                     </a:lnR>
                     <a:lnT w="6350">
                       <a:solidFill>
@@ -2980,35 +3155,33 @@
                     <a:bodyPr/>
                     <a:lstStyle/>
                     <a:p>
-                      <a:pPr marL="542925" marR="492125" indent="-142875" algn="l">
-                        <a:lnSpc>
-                          <a:spcPct val="102200"/>
-                        </a:lnSpc>
-                      </a:pPr>
+                      <a:pPr algn="ctr" fontAlgn="ctr"/>
                       <a:r>
-                        <a:rPr lang="de-DE" sz="900" dirty="0">
+                        <a:rPr lang="de-DE" sz="900" b="0" i="0" u="none" strike="noStrike">
                           <a:solidFill>
                             <a:srgbClr val="020302"/>
                           </a:solidFill>
-                          <a:latin typeface="AdobeClean-Light"/>
-                          <a:cs typeface="AdobeClean-Light"/>
+                          <a:latin typeface="AdobeClean-Light" panose="020B0503020404020204" pitchFamily="34" charset="0"/>
                         </a:rPr>
                         <a:t>24x7/1 Stunde</a:t>
                       </a:r>
                     </a:p>
                   </a:txBody>
-                  <a:tcPr marL="0" marR="0" marT="0" marB="0" anchor="ctr">
+                  <a:tcPr marL="9525" marR="9525" marT="9525" marB="0" anchor="ctr">
                     <a:lnL w="6350">
                       <a:solidFill>
                         <a:srgbClr val="B7B8B8"/>
                       </a:solidFill>
                       <a:prstDash val="solid"/>
                     </a:lnL>
-                    <a:lnR w="6350">
+                    <a:lnR w="6350" cap="flat" cmpd="sng" algn="ctr">
                       <a:solidFill>
                         <a:srgbClr val="B7B8B8"/>
                       </a:solidFill>
                       <a:prstDash val="solid"/>
+                      <a:round/>
+                      <a:headEnd type="none" w="med" len="med"/>
+                      <a:tailEnd type="none" w="med" len="med"/>
                     </a:lnR>
                     <a:lnT w="76200">
                       <a:solidFill>
@@ -3029,51 +3202,27 @@
                     <a:bodyPr/>
                     <a:lstStyle/>
                     <a:p>
-                      <a:pPr marL="285750" marR="476250" indent="114300" algn="ctr" defTabSz="1085850">
-                        <a:lnSpc>
-                          <a:spcPct val="100000"/>
-                        </a:lnSpc>
-                        <a:spcBef>
-                          <a:spcPts val="700"/>
-                        </a:spcBef>
-                      </a:pPr>
+                      <a:pPr algn="ctr" fontAlgn="ctr"/>
                       <a:r>
-                        <a:rPr lang="de-DE" sz="900" dirty="0">
+                        <a:rPr lang="de-DE" sz="900" b="0" i="0" u="none" strike="noStrike">
                           <a:solidFill>
                             <a:srgbClr val="020302"/>
                           </a:solidFill>
-                          <a:latin typeface="AdobeClean-Light"/>
-                          <a:cs typeface="AdobeClean-Light"/>
+                          <a:latin typeface="AdobeClean-Light" panose="020B0503020404020204" pitchFamily="34" charset="0"/>
                         </a:rPr>
-                        <a:t>24x7/</a:t>
-                      </a:r>
-                      <a:br>
-                        <a:rPr lang="sk-SK" sz="900" dirty="0">
-                          <a:solidFill>
-                            <a:srgbClr val="020302"/>
-                          </a:solidFill>
-                          <a:latin typeface="AdobeClean-Light"/>
-                          <a:cs typeface="AdobeClean-Light"/>
-                        </a:rPr>
-                      </a:br>
-                      <a:r>
-                        <a:rPr lang="de-DE" sz="900" dirty="0">
-                          <a:solidFill>
-                            <a:srgbClr val="020302"/>
-                          </a:solidFill>
-                          <a:latin typeface="AdobeClean-Light"/>
-                          <a:cs typeface="AdobeClean-Light"/>
-                        </a:rPr>
-                        <a:t>30 Minuten</a:t>
+                        <a:t>24x7/30 Minuten</a:t>
                       </a:r>
                     </a:p>
                   </a:txBody>
-                  <a:tcPr marL="0" marR="0" marT="0" marB="0" anchor="ctr">
-                    <a:lnL w="6350">
+                  <a:tcPr marL="9525" marR="9525" marT="9525" marB="0" anchor="ctr">
+                    <a:lnL w="6350" cap="flat" cmpd="sng" algn="ctr">
                       <a:solidFill>
                         <a:srgbClr val="B7B8B8"/>
                       </a:solidFill>
                       <a:prstDash val="solid"/>
+                      <a:round/>
+                      <a:headEnd type="none" w="med" len="med"/>
+                      <a:tailEnd type="none" w="med" len="med"/>
                     </a:lnL>
                     <a:lnR w="6350" cap="flat" cmpd="sng" algn="ctr">
                       <a:solidFill>
@@ -3112,7 +3261,7 @@
                   </a:ext>
                 </a:extLst>
               </a:tr>
-              <a:tr h="484755">
+              <a:tr h="0">
                 <a:tc>
                   <a:txBody>
                     <a:bodyPr/>
@@ -3151,18 +3300,18 @@
                           <a:solidFill>
                             <a:schemeClr val="tx1"/>
                           </a:solidFill>
-                          <a:latin typeface="Adobe Clean Light" panose="020B0303020404020204" pitchFamily="34" charset="0"/>
+                          <a:latin typeface="Adobe Clean Light"/>
                           <a:ea typeface="+mn-ea"/>
                           <a:cs typeface="+mn-cs"/>
                         </a:rPr>
                         <a:t>Die Unternehmensfunktionen des Kunden weisen eine erhebliche Beeinträchtigung des Service, möglichen Datenverlust oder Nichtverfügbarkeit von Services auf oder eine zentrale Funktion </a:t>
                       </a:r>
                       <a:br>
-                        <a:rPr lang="sk-SK" sz="900" b="0" i="0" u="none" strike="noStrike" dirty="0">
+                        <a:rPr lang="de-DE" sz="900" b="0" i="0" u="none" strike="noStrike" dirty="0">
                           <a:solidFill>
                             <a:schemeClr val="tx1"/>
                           </a:solidFill>
-                          <a:latin typeface="Adobe Clean Light" panose="020B0303020404020204" pitchFamily="34" charset="0"/>
+                          <a:latin typeface="Adobe Clean Light"/>
                           <a:ea typeface="+mn-ea"/>
                           <a:cs typeface="+mn-cs"/>
                         </a:rPr>
@@ -3172,7 +3321,7 @@
                           <a:solidFill>
                             <a:schemeClr val="tx1"/>
                           </a:solidFill>
-                          <a:latin typeface="Adobe Clean Light" panose="020B0303020404020204" pitchFamily="34" charset="0"/>
+                          <a:latin typeface="Adobe Clean Light"/>
                           <a:ea typeface="+mn-ea"/>
                           <a:cs typeface="+mn-cs"/>
                         </a:rPr>
@@ -3180,18 +3329,21 @@
                       </a:r>
                     </a:p>
                   </a:txBody>
-                  <a:tcPr marL="0" marR="0" marT="0" marB="0" anchor="ctr">
+                  <a:tcPr marL="0" marR="0" marT="0" marB="36000" anchor="ctr">
                     <a:lnL w="6350">
                       <a:solidFill>
                         <a:srgbClr val="B7B8B8"/>
                       </a:solidFill>
                       <a:prstDash val="solid"/>
                     </a:lnL>
-                    <a:lnR w="6350">
+                    <a:lnR w="6350" cap="flat" cmpd="sng" algn="ctr">
                       <a:solidFill>
                         <a:srgbClr val="B7B8B8"/>
                       </a:solidFill>
                       <a:prstDash val="solid"/>
+                      <a:round/>
+                      <a:headEnd type="none" w="med" len="med"/>
+                      <a:tailEnd type="none" w="med" len="med"/>
                     </a:lnR>
                     <a:lnT w="6350">
                       <a:solidFill>
@@ -3212,54 +3364,33 @@
                     <a:bodyPr/>
                     <a:lstStyle/>
                     <a:p>
-                      <a:pPr marL="473709" marR="343535" indent="-175895">
-                        <a:lnSpc>
-                          <a:spcPct val="102200"/>
-                        </a:lnSpc>
-                      </a:pPr>
+                      <a:pPr algn="ctr" fontAlgn="ctr"/>
                       <a:r>
-                        <a:rPr lang="de-DE" sz="900" dirty="0">
+                        <a:rPr lang="de-DE" sz="900" b="0" i="0" u="none" strike="noStrike" dirty="0">
                           <a:solidFill>
                             <a:srgbClr val="020302"/>
                           </a:solidFill>
-                          <a:latin typeface="AdobeClean-Light"/>
-                          <a:cs typeface="AdobeClean-Light"/>
+                          <a:latin typeface="AdobeClean-Light" panose="020B0503020404020204" pitchFamily="34" charset="0"/>
                         </a:rPr>
-                        <a:t>Geschäftszeiten/</a:t>
-                      </a:r>
-                      <a:br>
-                        <a:rPr lang="sk-SK" sz="900" dirty="0">
-                          <a:solidFill>
-                            <a:srgbClr val="020302"/>
-                          </a:solidFill>
-                          <a:latin typeface="AdobeClean-Light"/>
-                          <a:cs typeface="AdobeClean-Light"/>
-                        </a:rPr>
-                      </a:br>
-                      <a:r>
-                        <a:rPr lang="de-DE" sz="900" dirty="0">
-                          <a:solidFill>
-                            <a:srgbClr val="020302"/>
-                          </a:solidFill>
-                          <a:latin typeface="AdobeClean-Light"/>
-                          <a:cs typeface="AdobeClean-Light"/>
-                        </a:rPr>
-                        <a:t>4 Stunden</a:t>
+                        <a:t>Geschäftszeiten/4 Stunden</a:t>
                       </a:r>
                     </a:p>
                   </a:txBody>
-                  <a:tcPr marL="0" marR="0" marT="0" marB="0" anchor="ctr">
+                  <a:tcPr marL="9525" marR="9525" marT="9525" marB="0" anchor="ctr">
                     <a:lnL w="6350">
                       <a:solidFill>
                         <a:srgbClr val="B7B8B8"/>
                       </a:solidFill>
                       <a:prstDash val="solid"/>
                     </a:lnL>
-                    <a:lnR w="6350">
+                    <a:lnR w="6350" cap="flat" cmpd="sng" algn="ctr">
                       <a:solidFill>
                         <a:srgbClr val="B7B8B8"/>
                       </a:solidFill>
                       <a:prstDash val="solid"/>
+                      <a:round/>
+                      <a:headEnd type="none" w="med" len="med"/>
+                      <a:tailEnd type="none" w="med" len="med"/>
                     </a:lnR>
                     <a:lnT w="6350">
                       <a:solidFill>
@@ -3280,51 +3411,27 @@
                     <a:bodyPr/>
                     <a:lstStyle/>
                     <a:p>
-                      <a:pPr marL="400050" marR="492125" indent="0" algn="ctr">
-                        <a:lnSpc>
-                          <a:spcPct val="102200"/>
-                        </a:lnSpc>
-                      </a:pPr>
+                      <a:pPr algn="ctr" fontAlgn="ctr"/>
                       <a:r>
-                        <a:rPr lang="de-DE" sz="900" dirty="0">
+                        <a:rPr lang="de-DE" sz="900" b="0" i="0" u="none" strike="noStrike">
                           <a:solidFill>
                             <a:srgbClr val="020302"/>
                           </a:solidFill>
-                          <a:latin typeface="AdobeClean-Light"/>
-                          <a:ea typeface="+mn-ea"/>
-                          <a:cs typeface="AdobeClean-Light"/>
+                          <a:latin typeface="AdobeClean-Light" panose="020B0503020404020204" pitchFamily="34" charset="0"/>
                         </a:rPr>
-                        <a:t>24x5/</a:t>
-                      </a:r>
-                      <a:br>
-                        <a:rPr lang="sk-SK" sz="900" dirty="0">
-                          <a:solidFill>
-                            <a:srgbClr val="020302"/>
-                          </a:solidFill>
-                          <a:latin typeface="AdobeClean-Light"/>
-                          <a:ea typeface="+mn-ea"/>
-                          <a:cs typeface="AdobeClean-Light"/>
-                        </a:rPr>
-                      </a:br>
-                      <a:r>
-                        <a:rPr lang="de-DE" sz="900" dirty="0">
-                          <a:solidFill>
-                            <a:srgbClr val="020302"/>
-                          </a:solidFill>
-                          <a:latin typeface="AdobeClean-Light"/>
-                          <a:ea typeface="+mn-ea"/>
-                          <a:cs typeface="AdobeClean-Light"/>
-                        </a:rPr>
-                        <a:t>1 Stunde</a:t>
+                        <a:t>24x5/1 Stunde</a:t>
                       </a:r>
                     </a:p>
                   </a:txBody>
-                  <a:tcPr marL="0" marR="0" marT="0" marB="0" anchor="ctr">
-                    <a:lnL w="6350">
+                  <a:tcPr marL="9525" marR="9525" marT="9525" marB="0" anchor="ctr">
+                    <a:lnL w="6350" cap="flat" cmpd="sng" algn="ctr">
                       <a:solidFill>
                         <a:srgbClr val="B7B8B8"/>
                       </a:solidFill>
                       <a:prstDash val="solid"/>
+                      <a:round/>
+                      <a:headEnd type="none" w="med" len="med"/>
+                      <a:tailEnd type="none" w="med" len="med"/>
                     </a:lnL>
                     <a:lnR w="6350" cap="flat" cmpd="sng" algn="ctr">
                       <a:solidFill>
@@ -3399,18 +3506,18 @@
                           <a:solidFill>
                             <a:schemeClr val="tx1"/>
                           </a:solidFill>
-                          <a:latin typeface="Adobe Clean Light" panose="020B0303020404020204" pitchFamily="34" charset="0"/>
+                          <a:latin typeface="Adobe Clean Light"/>
                           <a:ea typeface="+mn-ea"/>
                           <a:cs typeface="+mn-cs"/>
                         </a:rPr>
-                        <a:t>Die Unternehmensfunktionen des Kunden weisen eine geringfügige oder gar keine Beeinträchtigung der Services auf, es gibt jedoch eine Lösung/Problemumgehung, </a:t>
+                        <a:t>Die Unternehmensfunktionen des Kunden weisen eine geringfügige oder gar keine Beeinträchtigung der Services auf und es gibt eine Lösung/Problemumgehung, mit </a:t>
                       </a:r>
                       <a:br>
-                        <a:rPr lang="sk-SK" sz="900" b="0" i="0" u="none" strike="noStrike" dirty="0">
+                        <a:rPr lang="de-DE" sz="900" b="0" i="0" u="none" strike="noStrike" dirty="0">
                           <a:solidFill>
                             <a:schemeClr val="tx1"/>
                           </a:solidFill>
-                          <a:latin typeface="Adobe Clean Light" panose="020B0303020404020204" pitchFamily="34" charset="0"/>
+                          <a:latin typeface="Adobe Clean Light"/>
                           <a:ea typeface="+mn-ea"/>
                           <a:cs typeface="+mn-cs"/>
                         </a:rPr>
@@ -3420,26 +3527,29 @@
                           <a:solidFill>
                             <a:schemeClr val="tx1"/>
                           </a:solidFill>
-                          <a:latin typeface="Adobe Clean Light" panose="020B0303020404020204" pitchFamily="34" charset="0"/>
+                          <a:latin typeface="Adobe Clean Light"/>
                           <a:ea typeface="+mn-ea"/>
                           <a:cs typeface="+mn-cs"/>
                         </a:rPr>
-                        <a:t>mit der die Unternehmensfunktionen weiterhin genutzt werden können.  </a:t>
+                        <a:t>der die Unternehmensfunktionen weiterhin genutzt werden können. </a:t>
                       </a:r>
                     </a:p>
                   </a:txBody>
-                  <a:tcPr marL="0" marR="0" marT="0" marB="0" anchor="ctr">
+                  <a:tcPr marL="0" marR="0" marT="0" marB="36000" anchor="ctr">
                     <a:lnL w="6350">
                       <a:solidFill>
                         <a:srgbClr val="B7B8B8"/>
                       </a:solidFill>
                       <a:prstDash val="solid"/>
                     </a:lnL>
-                    <a:lnR w="6350">
+                    <a:lnR w="6350" cap="flat" cmpd="sng" algn="ctr">
                       <a:solidFill>
                         <a:srgbClr val="B7B8B8"/>
                       </a:solidFill>
                       <a:prstDash val="solid"/>
+                      <a:round/>
+                      <a:headEnd type="none" w="med" len="med"/>
+                      <a:tailEnd type="none" w="med" len="med"/>
                     </a:lnR>
                     <a:lnT w="6350">
                       <a:solidFill>
@@ -3460,54 +3570,33 @@
                     <a:bodyPr/>
                     <a:lstStyle/>
                     <a:p>
-                      <a:pPr marL="473709" marR="343535" indent="-175895">
-                        <a:lnSpc>
-                          <a:spcPct val="102200"/>
-                        </a:lnSpc>
-                      </a:pPr>
+                      <a:pPr algn="ctr" fontAlgn="ctr"/>
                       <a:r>
-                        <a:rPr lang="de-DE" sz="900" dirty="0">
+                        <a:rPr lang="de-DE" sz="900" b="0" i="0" u="none" strike="noStrike">
                           <a:solidFill>
                             <a:srgbClr val="020302"/>
                           </a:solidFill>
-                          <a:latin typeface="AdobeClean-Light"/>
-                          <a:cs typeface="AdobeClean-Light"/>
+                          <a:latin typeface="AdobeClean-Light" panose="020B0503020404020204" pitchFamily="34" charset="0"/>
                         </a:rPr>
-                        <a:t>Geschäftszeiten/</a:t>
-                      </a:r>
-                      <a:br>
-                        <a:rPr lang="sk-SK" sz="900" dirty="0">
-                          <a:solidFill>
-                            <a:srgbClr val="020302"/>
-                          </a:solidFill>
-                          <a:latin typeface="AdobeClean-Light"/>
-                          <a:cs typeface="AdobeClean-Light"/>
-                        </a:rPr>
-                      </a:br>
-                      <a:r>
-                        <a:rPr lang="de-DE" sz="900" dirty="0">
-                          <a:solidFill>
-                            <a:srgbClr val="020302"/>
-                          </a:solidFill>
-                          <a:latin typeface="AdobeClean-Light"/>
-                          <a:cs typeface="AdobeClean-Light"/>
-                        </a:rPr>
-                        <a:t>6 Stunden</a:t>
+                        <a:t>Geschäftszeiten/6 Stunden</a:t>
                       </a:r>
                     </a:p>
                   </a:txBody>
-                  <a:tcPr marL="0" marR="0" marT="0" marB="0" anchor="ctr">
+                  <a:tcPr marL="9525" marR="9525" marT="9525" marB="0" anchor="ctr">
                     <a:lnL w="6350">
                       <a:solidFill>
                         <a:srgbClr val="B7B8B8"/>
                       </a:solidFill>
                       <a:prstDash val="solid"/>
                     </a:lnL>
-                    <a:lnR w="6350">
+                    <a:lnR w="6350" cap="flat" cmpd="sng" algn="ctr">
                       <a:solidFill>
                         <a:srgbClr val="B7B8B8"/>
                       </a:solidFill>
                       <a:prstDash val="solid"/>
+                      <a:round/>
+                      <a:headEnd type="none" w="med" len="med"/>
+                      <a:tailEnd type="none" w="med" len="med"/>
                     </a:lnR>
                     <a:lnT w="6350">
                       <a:solidFill>
@@ -3528,51 +3617,27 @@
                     <a:bodyPr/>
                     <a:lstStyle/>
                     <a:p>
-                      <a:pPr marL="171450" marR="398780" indent="0" algn="ctr">
-                        <a:lnSpc>
-                          <a:spcPct val="102200"/>
-                        </a:lnSpc>
-                        <a:spcBef>
-                          <a:spcPts val="675"/>
-                        </a:spcBef>
-                      </a:pPr>
+                      <a:pPr algn="ctr" fontAlgn="ctr"/>
                       <a:r>
-                        <a:rPr lang="de-DE" sz="900" dirty="0">
+                        <a:rPr lang="de-DE" sz="900" b="0" i="0" u="none" strike="noStrike">
                           <a:solidFill>
                             <a:srgbClr val="020302"/>
                           </a:solidFill>
-                          <a:latin typeface="AdobeClean-Light"/>
-                          <a:cs typeface="AdobeClean-Light"/>
+                          <a:latin typeface="AdobeClean-Light" panose="020B0503020404020204" pitchFamily="34" charset="0"/>
                         </a:rPr>
-                        <a:t>Geschäftszeiten/</a:t>
-                      </a:r>
-                      <a:br>
-                        <a:rPr lang="sk-SK" sz="900" dirty="0">
-                          <a:solidFill>
-                            <a:srgbClr val="020302"/>
-                          </a:solidFill>
-                          <a:latin typeface="AdobeClean-Light"/>
-                          <a:cs typeface="AdobeClean-Light"/>
-                        </a:rPr>
-                      </a:br>
-                      <a:r>
-                        <a:rPr lang="de-DE" sz="900" dirty="0">
-                          <a:solidFill>
-                            <a:srgbClr val="020302"/>
-                          </a:solidFill>
-                          <a:latin typeface="AdobeClean-Light"/>
-                          <a:cs typeface="AdobeClean-Light"/>
-                        </a:rPr>
-                        <a:t>2 Stunden</a:t>
+                        <a:t>Geschäftszeiten/2 Stunden</a:t>
                       </a:r>
                     </a:p>
                   </a:txBody>
-                  <a:tcPr marL="0" marR="0" marT="0" marB="0" anchor="ctr">
-                    <a:lnL w="6350">
+                  <a:tcPr marL="9525" marR="9525" marT="9525" marB="0" anchor="ctr">
+                    <a:lnL w="6350" cap="flat" cmpd="sng" algn="ctr">
                       <a:solidFill>
                         <a:srgbClr val="B7B8B8"/>
                       </a:solidFill>
                       <a:prstDash val="solid"/>
+                      <a:round/>
+                      <a:headEnd type="none" w="med" len="med"/>
+                      <a:tailEnd type="none" w="med" len="med"/>
                     </a:lnL>
                     <a:lnR w="6350" cap="flat" cmpd="sng" algn="ctr">
                       <a:solidFill>
@@ -3623,7 +3688,7 @@
                         </a:spcBef>
                       </a:pPr>
                       <a:r>
-                        <a:rPr lang="de-DE" sz="900" b="1">
+                        <a:rPr lang="de-DE" sz="900" b="1" dirty="0">
                           <a:solidFill>
                             <a:srgbClr val="020302"/>
                           </a:solidFill>
@@ -3643,22 +3708,22 @@
                         </a:spcBef>
                       </a:pPr>
                       <a:r>
-                        <a:rPr lang="de-DE" sz="900" b="1">
+                        <a:rPr lang="de-DE" sz="900" b="1" dirty="0">
                           <a:solidFill>
                             <a:srgbClr val="020302"/>
                           </a:solidFill>
                           <a:latin typeface="Adobe Clean"/>
                           <a:ea typeface="+mn-ea"/>
-                          <a:cs typeface="Adobe Clean"/>
+                          <a:cs typeface="+mn-cs"/>
                         </a:rPr>
-                        <a:t> </a:t>
+                        <a:t> </a:t>
                       </a:r>
                       <a:r>
-                        <a:rPr lang="de-DE" sz="900" b="0" i="0" u="none" strike="noStrike">
+                        <a:rPr lang="de-DE" sz="900" b="0" i="0" u="none" strike="noStrike" dirty="0">
                           <a:solidFill>
                             <a:schemeClr val="tx1"/>
                           </a:solidFill>
-                          <a:latin typeface="Adobe Clean Light" panose="020B0303020404020204" pitchFamily="34" charset="0"/>
+                          <a:latin typeface="Adobe Clean Light"/>
                           <a:ea typeface="+mn-ea"/>
                           <a:cs typeface="+mn-cs"/>
                         </a:rPr>
@@ -3673,11 +3738,14 @@
                       </a:solidFill>
                       <a:prstDash val="solid"/>
                     </a:lnL>
-                    <a:lnR w="6350">
+                    <a:lnR w="6350" cap="flat" cmpd="sng" algn="ctr">
                       <a:solidFill>
                         <a:srgbClr val="B7B8B8"/>
                       </a:solidFill>
                       <a:prstDash val="solid"/>
+                      <a:round/>
+                      <a:headEnd type="none" w="med" len="med"/>
+                      <a:tailEnd type="none" w="med" len="med"/>
                     </a:lnR>
                     <a:lnT w="6350">
                       <a:solidFill>
@@ -3698,54 +3766,33 @@
                     <a:bodyPr/>
                     <a:lstStyle/>
                     <a:p>
-                      <a:pPr marL="473709" marR="343535" indent="-175895">
-                        <a:lnSpc>
-                          <a:spcPct val="102200"/>
-                        </a:lnSpc>
-                      </a:pPr>
+                      <a:pPr algn="ctr" fontAlgn="ctr"/>
                       <a:r>
-                        <a:rPr lang="de-DE" sz="900" dirty="0">
+                        <a:rPr lang="de-DE" sz="900" b="0" i="0" u="none" strike="noStrike">
                           <a:solidFill>
                             <a:srgbClr val="020302"/>
                           </a:solidFill>
-                          <a:latin typeface="AdobeClean-Light"/>
-                          <a:cs typeface="AdobeClean-Light"/>
+                          <a:latin typeface="AdobeClean-Light" panose="020B0503020404020204" pitchFamily="34" charset="0"/>
                         </a:rPr>
-                        <a:t>Geschäftstage/</a:t>
-                      </a:r>
-                      <a:br>
-                        <a:rPr lang="sk-SK" sz="900" dirty="0">
-                          <a:solidFill>
-                            <a:srgbClr val="020302"/>
-                          </a:solidFill>
-                          <a:latin typeface="AdobeClean-Light"/>
-                          <a:cs typeface="AdobeClean-Light"/>
-                        </a:rPr>
-                      </a:br>
-                      <a:r>
-                        <a:rPr lang="de-DE" sz="900" dirty="0">
-                          <a:solidFill>
-                            <a:srgbClr val="020302"/>
-                          </a:solidFill>
-                          <a:latin typeface="AdobeClean-Light"/>
-                          <a:cs typeface="AdobeClean-Light"/>
-                        </a:rPr>
-                        <a:t>3 Tage</a:t>
+                        <a:t>Geschäftstage/3 Tage</a:t>
                       </a:r>
                     </a:p>
                   </a:txBody>
-                  <a:tcPr marL="0" marR="0" marT="0" marB="0" anchor="ctr">
+                  <a:tcPr marL="9525" marR="9525" marT="9525" marB="0" anchor="ctr">
                     <a:lnL w="6350">
                       <a:solidFill>
                         <a:srgbClr val="B7B8B8"/>
                       </a:solidFill>
                       <a:prstDash val="solid"/>
                     </a:lnL>
-                    <a:lnR w="6350">
+                    <a:lnR w="6350" cap="flat" cmpd="sng" algn="ctr">
                       <a:solidFill>
                         <a:srgbClr val="B7B8B8"/>
                       </a:solidFill>
                       <a:prstDash val="solid"/>
+                      <a:round/>
+                      <a:headEnd type="none" w="med" len="med"/>
+                      <a:tailEnd type="none" w="med" len="med"/>
                     </a:lnR>
                     <a:lnT w="6350">
                       <a:solidFill>
@@ -3766,29 +3813,27 @@
                     <a:bodyPr/>
                     <a:lstStyle/>
                     <a:p>
-                      <a:pPr marL="473709" marR="343535" indent="-175895">
-                        <a:lnSpc>
-                          <a:spcPct val="102200"/>
-                        </a:lnSpc>
-                      </a:pPr>
+                      <a:pPr algn="ctr" fontAlgn="ctr"/>
                       <a:r>
-                        <a:rPr lang="de-DE" sz="900" dirty="0">
+                        <a:rPr lang="de-DE" sz="900" b="0" i="0" u="none" strike="noStrike" dirty="0">
                           <a:solidFill>
                             <a:srgbClr val="020302"/>
                           </a:solidFill>
-                          <a:latin typeface="AdobeClean-Light"/>
-                          <a:cs typeface="AdobeClean-Light"/>
+                          <a:latin typeface="AdobeClean-Light" panose="020B0503020404020204" pitchFamily="34" charset="0"/>
                         </a:rPr>
                         <a:t>Geschäftstage/1 Tag</a:t>
                       </a:r>
                     </a:p>
                   </a:txBody>
-                  <a:tcPr marL="0" marR="0" marT="0" marB="0" anchor="ctr">
-                    <a:lnL w="6350">
+                  <a:tcPr marL="9525" marR="9525" marT="9525" marB="0" anchor="ctr">
+                    <a:lnL w="6350" cap="flat" cmpd="sng" algn="ctr">
                       <a:solidFill>
                         <a:srgbClr val="B7B8B8"/>
                       </a:solidFill>
                       <a:prstDash val="solid"/>
+                      <a:round/>
+                      <a:headEnd type="none" w="med" len="med"/>
+                      <a:tailEnd type="none" w="med" len="med"/>
                     </a:lnL>
                     <a:lnR w="6350" cap="flat" cmpd="sng" algn="ctr">
                       <a:solidFill>
@@ -3987,6 +4032,7 @@
                 <a:solidFill>
                   <a:schemeClr val="bg1"/>
                 </a:solidFill>
+                <a:latin typeface="Adobe Clean" panose="020B0503020404020204" pitchFamily="34" charset="0"/>
               </a:rPr>
               <a:t>Enterprise</a:t>
             </a:r>
@@ -4017,16 +4063,16 @@
               </a:rPr>
             </a:br>
             <a:r>
-              <a:rPr lang="de-DE" sz="900" dirty="0">
+              <a:rPr lang="de-DE" sz="900" spc="-10" dirty="0">
                 <a:solidFill>
                   <a:schemeClr val="bg1"/>
                 </a:solidFill>
                 <a:latin typeface="Adobe Clean SemiLight" panose="020B0403020404020204" pitchFamily="34" charset="0"/>
               </a:rPr>
-              <a:t>ENTERPRISE Support bietet über die Adobe Experience League Zugang zu personalisierten Lernpfaden und von Moderatoren betreuten Community-Foren. Darüber hinaus stehen Ihnen unsere umfangreiche technische Produktdokumentation sowie aktuelle Versionshinweise zur Verfügung. ENTERPRISE-Kunden erhalten außerdem Zugang zu einem spezifischer Support-Mitarbeiter. </a:t>
+              <a:t>ENTERPRISE Support bietet über die Adobe Experience League Zugang zu personalisierten Lernpfaden und von Moderatoren </a:t>
             </a:r>
             <a:br>
-              <a:rPr lang="sk-SK" sz="900" dirty="0">
+              <a:rPr lang="de-DE" sz="900" spc="-10" dirty="0">
                 <a:solidFill>
                   <a:schemeClr val="bg1"/>
                 </a:solidFill>
@@ -4034,13 +4080,64 @@
               </a:rPr>
             </a:br>
             <a:r>
-              <a:rPr lang="de-DE" sz="900" dirty="0">
+              <a:rPr lang="de-DE" sz="900" spc="-10" dirty="0">
                 <a:solidFill>
                   <a:schemeClr val="bg1"/>
                 </a:solidFill>
                 <a:latin typeface="Adobe Clean SemiLight" panose="020B0403020404020204" pitchFamily="34" charset="0"/>
               </a:rPr>
-              <a:t>Dieser ist Ihr direkter technischer Kontakt im Adobe Support-Team. Mit umfangreicher Erfahrung mit Ihrer speziellen Experience Cloud-Lösung arbeitet das Support-Team gemeinsam mit Ihnen und Ihren technischen Teams an der zeitnahen Lösung sämtlicher Support-Anfragen. Das Support-Team kann auch bei der Koordination und Bereitstellung zusätzlicher ENTERPRISE-Vorteile helfen und so minimale Unterbrechungen Ihres Geschäfts zu den wichtigsten Zeiten sicherstellen. </a:t>
+              <a:t>betreuten Community-Foren. Darüber hinaus stehen Ihnen unsere umfangreiche technische Produktdokumentation sowie aktuelle Versionshinweise zur Verfügung. ENTERPRISE-Kunden erhalten außerdem Zugang zu einem spezifischer Support-Mitarbeiter. </a:t>
+            </a:r>
+            <a:br>
+              <a:rPr lang="de-DE" sz="900" spc="-10" dirty="0">
+                <a:solidFill>
+                  <a:schemeClr val="bg1"/>
+                </a:solidFill>
+                <a:latin typeface="Adobe Clean SemiLight" panose="020B0403020404020204" pitchFamily="34" charset="0"/>
+              </a:rPr>
+            </a:br>
+            <a:r>
+              <a:rPr lang="de-DE" sz="900" spc="-10" dirty="0">
+                <a:solidFill>
+                  <a:schemeClr val="bg1"/>
+                </a:solidFill>
+                <a:latin typeface="Adobe Clean SemiLight" panose="020B0403020404020204" pitchFamily="34" charset="0"/>
+              </a:rPr>
+              <a:t>Dieser ist Ihr direkter technischer Kontakt im Adobe Support-Team. Mit umfangreicher Erfahrung mit Ihrer speziellen Experience</a:t>
+            </a:r>
+            <a:br>
+              <a:rPr lang="de-DE" sz="900" spc="-10" dirty="0">
+                <a:solidFill>
+                  <a:schemeClr val="bg1"/>
+                </a:solidFill>
+                <a:latin typeface="Adobe Clean SemiLight" panose="020B0403020404020204" pitchFamily="34" charset="0"/>
+              </a:rPr>
+            </a:br>
+            <a:r>
+              <a:rPr lang="de-DE" sz="900" spc="-10" dirty="0">
+                <a:solidFill>
+                  <a:schemeClr val="bg1"/>
+                </a:solidFill>
+                <a:latin typeface="Adobe Clean SemiLight" panose="020B0403020404020204" pitchFamily="34" charset="0"/>
+              </a:rPr>
+              <a:t> Cloud-Lösung arbeitet das Support-Team gemeinsam mit Ihnen und Ihren technischen Teams an der zeitnahen Lösung sämtlicher Support-Anfragen. Das Support-Team kann auch bei der Koordination und Bereitstellung zusätzlicher ENTERPRISE-Vorteile helfen </a:t>
+            </a:r>
+            <a:br>
+              <a:rPr lang="de-DE" sz="900" spc="-10" dirty="0">
+                <a:solidFill>
+                  <a:schemeClr val="bg1"/>
+                </a:solidFill>
+                <a:latin typeface="Adobe Clean SemiLight" panose="020B0403020404020204" pitchFamily="34" charset="0"/>
+              </a:rPr>
+            </a:br>
+            <a:r>
+              <a:rPr lang="de-DE" sz="900" spc="-10" dirty="0">
+                <a:solidFill>
+                  <a:schemeClr val="bg1"/>
+                </a:solidFill>
+                <a:latin typeface="Adobe Clean SemiLight" panose="020B0403020404020204" pitchFamily="34" charset="0"/>
+              </a:rPr>
+              <a:t>und so minimale Unterbrechungen Ihres Geschäfts zu den wichtigsten Zeiten sicherstellen. </a:t>
             </a:r>
           </a:p>
         </p:txBody>
@@ -4060,14 +4157,14 @@
           <p:nvPr>
             <p:extLst>
               <p:ext uri="{D42A27DB-BD31-4B8C-83A1-F6EECF244321}">
-                <p14:modId xmlns:p14="http://schemas.microsoft.com/office/powerpoint/2010/main" val="3377764225"/>
+                <p14:modId xmlns:p14="http://schemas.microsoft.com/office/powerpoint/2010/main" val="2697358450"/>
               </p:ext>
             </p:extLst>
           </p:nvPr>
         </p:nvGraphicFramePr>
         <p:xfrm>
           <a:off x="125148" y="2159576"/>
-          <a:ext cx="7498851" cy="4675190"/>
+          <a:ext cx="7498851" cy="4776202"/>
         </p:xfrm>
         <a:graphic>
           <a:graphicData uri="http://schemas.openxmlformats.org/drawingml/2006/table">
@@ -4480,7 +4577,7 @@
                         </a:spcBef>
                       </a:pPr>
                       <a:r>
-                        <a:rPr lang="de-DE" sz="900" dirty="0">
+                        <a:rPr lang="de-DE" sz="900">
                           <a:solidFill>
                             <a:srgbClr val="020302"/>
                           </a:solidFill>
@@ -6058,7 +6155,7 @@
                         </a:spcBef>
                       </a:pPr>
                       <a:r>
-                        <a:rPr lang="de-DE" sz="900" dirty="0">
+                        <a:rPr lang="de-DE" sz="900">
                           <a:latin typeface="AdobeClean-Light"/>
                           <a:cs typeface="AdobeClean-Light"/>
                         </a:rPr>
@@ -6514,14 +6611,33 @@
                         </a:spcBef>
                       </a:pPr>
                       <a:r>
-                        <a:rPr lang="de-DE" sz="900" spc="-30" baseline="0" dirty="0">
+                        <a:rPr lang="de-DE" sz="900" dirty="0">
                           <a:solidFill>
                             <a:srgbClr val="020302"/>
                           </a:solidFill>
                           <a:latin typeface="AdobeClean-Light"/>
                           <a:cs typeface="AdobeClean-Light"/>
                         </a:rPr>
-                        <a:t>Prüfung von Freigabe, Migration, Aktualisierung und Produkt-Roadmap</a:t>
+                        <a:t>Prüfung von Freigabe, Migration, Aktualisierung </a:t>
+                      </a:r>
+                      <a:br>
+                        <a:rPr lang="de-DE" sz="900" dirty="0">
+                          <a:solidFill>
+                            <a:srgbClr val="020302"/>
+                          </a:solidFill>
+                          <a:latin typeface="AdobeClean-Light"/>
+                          <a:cs typeface="AdobeClean-Light"/>
+                        </a:rPr>
+                      </a:br>
+                      <a:r>
+                        <a:rPr lang="de-DE" sz="900" dirty="0">
+                          <a:solidFill>
+                            <a:srgbClr val="020302"/>
+                          </a:solidFill>
+                          <a:latin typeface="AdobeClean-Light"/>
+                          <a:cs typeface="AdobeClean-Light"/>
+                        </a:rPr>
+                        <a:t>und Produkt-Roadmap</a:t>
                       </a:r>
                     </a:p>
                   </a:txBody>
@@ -7323,7 +7439,7 @@
         </p:nvSpPr>
         <p:spPr>
           <a:xfrm>
-            <a:off x="2835999" y="9021041"/>
+            <a:off x="2835999" y="8935316"/>
             <a:ext cx="2194560" cy="795089"/>
           </a:xfrm>
           <a:prstGeom prst="rect">
@@ -7331,7 +7447,7 @@
           </a:prstGeom>
         </p:spPr>
         <p:txBody>
-          <a:bodyPr vert="horz" wrap="square" lIns="0" tIns="12700" rIns="0" bIns="0" rtlCol="0">
+          <a:bodyPr vert="horz" wrap="square" lIns="0" tIns="12700" rIns="0" bIns="0" rtlCol="0" anchor="t">
             <a:spAutoFit/>
           </a:bodyPr>
           <a:lstStyle/>
@@ -7355,14 +7471,49 @@
                 <a:latin typeface="AdobeClean-Light"/>
                 <a:cs typeface="AdobeClean-Light"/>
               </a:rPr>
-              <a:t>Starten Sie eine Chat-Session, um Antworten und Hilfe bei der Fallübermittlung zu erhalten</a:t>
+              <a:t>Starten Sie eine Chat-Session, </a:t>
+            </a:r>
+            <a:br>
+              <a:rPr lang="de-DE" sz="1000" dirty="0">
+                <a:solidFill>
+                  <a:srgbClr val="020302"/>
+                </a:solidFill>
+                <a:latin typeface="AdobeClean-Light"/>
+                <a:cs typeface="AdobeClean-Light"/>
+              </a:rPr>
+            </a:br>
+            <a:r>
+              <a:rPr lang="de-DE" sz="1000" dirty="0">
+                <a:solidFill>
+                  <a:srgbClr val="020302"/>
+                </a:solidFill>
+                <a:latin typeface="AdobeClean-Light"/>
+                <a:cs typeface="AdobeClean-Light"/>
+              </a:rPr>
+              <a:t>um Antworten und Hilfe bei </a:t>
+            </a:r>
+            <a:br>
+              <a:rPr lang="de-DE" sz="1000" dirty="0">
+                <a:solidFill>
+                  <a:srgbClr val="020302"/>
+                </a:solidFill>
+                <a:latin typeface="AdobeClean-Light"/>
+                <a:cs typeface="AdobeClean-Light"/>
+              </a:rPr>
+            </a:br>
+            <a:r>
+              <a:rPr lang="de-DE" sz="1000" dirty="0">
+                <a:solidFill>
+                  <a:srgbClr val="020302"/>
+                </a:solidFill>
+                <a:latin typeface="AdobeClean-Light"/>
+                <a:cs typeface="AdobeClean-Light"/>
+              </a:rPr>
+              <a:t>der Fallübermittlung zu erhalten.</a:t>
             </a:r>
           </a:p>
           <a:p>
             <a:pPr marL="33020" marR="159385">
-              <a:lnSpc>
-                <a:spcPct val="100000"/>
-              </a:lnSpc>
               <a:spcBef>
                 <a:spcPts val="100"/>
               </a:spcBef>
@@ -7378,10 +7529,10 @@
                 <a:latin typeface="AdobeClean-LightIt"/>
                 <a:cs typeface="AdobeClean-LightIt"/>
               </a:rPr>
-              <a:t>*Nicht alle Produkte verfügen über </a:t>
+              <a:t>*Nicht alle Produkte verfügen </a:t>
             </a:r>
             <a:br>
-              <a:rPr lang="sk-SK" sz="1000" i="1" dirty="0">
+              <a:rPr lang="de-DE" sz="1000" i="1" dirty="0">
                 <a:solidFill>
                   <a:srgbClr val="7A7A7A"/>
                 </a:solidFill>
@@ -7397,7 +7548,7 @@
                 <a:latin typeface="AdobeClean-LightIt"/>
                 <a:cs typeface="AdobeClean-LightIt"/>
               </a:rPr>
-              <a:t>Live-Chat-Support</a:t>
+              <a:t>über Live-Chat-Support</a:t>
             </a:r>
             <a:r>
               <a:rPr lang="de-DE" sz="900" i="1" dirty="0">
@@ -7407,7 +7558,7 @@
                 <a:latin typeface="AdobeClean-LightIt"/>
                 <a:cs typeface="AdobeClean-LightIt"/>
               </a:rPr>
-              <a:t>.  </a:t>
+              <a:t>.  </a:t>
             </a:r>
           </a:p>
         </p:txBody>
@@ -7528,26 +7679,26 @@
         <p:spPr>
           <a:xfrm>
             <a:off x="355868" y="7102087"/>
-            <a:ext cx="2194560" cy="959237"/>
+            <a:ext cx="2273032" cy="959237"/>
           </a:xfrm>
           <a:prstGeom prst="rect">
             <a:avLst/>
           </a:prstGeom>
         </p:spPr>
         <p:txBody>
-          <a:bodyPr vert="horz" wrap="square" lIns="0" tIns="35560" rIns="0" bIns="0" rtlCol="0">
+          <a:bodyPr vert="horz" wrap="square" lIns="0" tIns="35560" rIns="0" bIns="0" rtlCol="0" anchor="t">
             <a:spAutoFit/>
           </a:bodyPr>
           <a:lstStyle/>
           <a:p>
             <a:r>
-              <a:rPr lang="de-DE" sz="1000">
+              <a:rPr lang="de-DE" sz="1000" dirty="0">
                 <a:solidFill>
                   <a:srgbClr val="4B4B4B"/>
                 </a:solidFill>
-                <a:latin typeface="Adobe Clean Light" panose="020B0303020404020204" pitchFamily="34" charset="0"/>
-              </a:rPr>
-              <a:t>Kontinuierlicher Online-Zugriff auf eine wachsende Datenbank technischer Lösungen, Produktdokumentationen, FAQs und mehr. Tauschen Sie sich mit Fachleuten und anderen Kunden in der Adobe-Community über Best Practices und Erfahrungen aus</a:t>
+                <a:latin typeface="Adobe Clean Light"/>
+              </a:rPr>
+              <a:t>Kontinuierlicher Online-Zugriff auf eine wachsende Datenbank technischer Lösungen, Produktdokumentationen, FAQs und mehr. Tauschen Sie sich mit Fachleuten und anderen Kunden in der Adobe-Community über Best Practices und Erfahrungen aus.</a:t>
             </a:r>
           </a:p>
         </p:txBody>
@@ -7622,7 +7773,7 @@
         <p:spPr>
           <a:xfrm>
             <a:off x="5723508" y="6868024"/>
-            <a:ext cx="1316707" cy="184666"/>
+            <a:ext cx="1682961" cy="184666"/>
           </a:xfrm>
           <a:prstGeom prst="rect">
             <a:avLst/>
@@ -7643,12 +7794,20 @@
               </a:spcAft>
             </a:pPr>
             <a:r>
-              <a:rPr lang="de-DE" sz="1200" b="1">
+              <a:rPr lang="de-DE" sz="1200" b="1" spc="-10" dirty="0" err="1">
                 <a:latin typeface="+mj-lt"/>
                 <a:ea typeface="Open Sans" pitchFamily="34" charset="0"/>
                 <a:cs typeface="Open Sans" pitchFamily="34" charset="0"/>
               </a:rPr>
-              <a:t>Journeys für die Selbsthilfe</a:t>
+              <a:t>Journeys</a:t>
+            </a:r>
+            <a:r>
+              <a:rPr lang="de-DE" sz="1200" b="1" spc="-10" dirty="0">
+                <a:latin typeface="+mj-lt"/>
+                <a:ea typeface="Open Sans" pitchFamily="34" charset="0"/>
+                <a:cs typeface="Open Sans" pitchFamily="34" charset="0"/>
+              </a:rPr>
+              <a:t> für die Selbsthilfe</a:t>
             </a:r>
           </a:p>
         </p:txBody>
@@ -7668,26 +7827,26 @@
         <p:spPr>
           <a:xfrm>
             <a:off x="5265661" y="7060285"/>
-            <a:ext cx="2194560" cy="1113125"/>
+            <a:ext cx="2217814" cy="1113125"/>
           </a:xfrm>
           <a:prstGeom prst="rect">
             <a:avLst/>
           </a:prstGeom>
         </p:spPr>
         <p:txBody>
-          <a:bodyPr vert="horz" wrap="square" lIns="0" tIns="35560" rIns="0" bIns="0" rtlCol="0">
+          <a:bodyPr vert="horz" wrap="square" lIns="0" tIns="35560" rIns="0" bIns="0" rtlCol="0" anchor="t">
             <a:spAutoFit/>
           </a:bodyPr>
           <a:lstStyle/>
           <a:p>
             <a:r>
-              <a:rPr lang="de-DE" sz="1000">
+              <a:rPr lang="de-DE" sz="1000" dirty="0">
                 <a:solidFill>
                   <a:srgbClr val="4B4B4B"/>
                 </a:solidFill>
-                <a:latin typeface="Adobe Clean Light" panose="020B0303020404020204" pitchFamily="34" charset="0"/>
-              </a:rPr>
-              <a:t>Experience Maker entstehen in der Experience League. Kunden können durch personalisiertes Lernen ihre Customer-Experience-Management-Fähigkeiten entwickeln, mit einer globalen Community anderer Anwender interagieren und so ihre eigene Karriere fördern</a:t>
+                <a:latin typeface="Adobe Clean Light"/>
+              </a:rPr>
+              <a:t>Experience Maker entstehen in der Experience League. Kunden können durch personalisiertes Lernen ihre Customer-Experience-Management-Fähigkeiten entwickeln, mit einer globalen Community anderer Anwender interagieren und so ihre eigene Karriere fördern.</a:t>
             </a:r>
           </a:p>
         </p:txBody>
@@ -7708,7 +7867,7 @@
         </p:nvSpPr>
         <p:spPr>
           <a:xfrm>
-            <a:off x="3201544" y="8520784"/>
+            <a:off x="3201544" y="8435059"/>
             <a:ext cx="1543003" cy="184666"/>
           </a:xfrm>
           <a:prstGeom prst="rect">
@@ -7761,7 +7920,7 @@
         </p:nvSpPr>
         <p:spPr>
           <a:xfrm>
-            <a:off x="3201544" y="8702003"/>
+            <a:off x="3201544" y="8616278"/>
             <a:ext cx="840166" cy="184666"/>
           </a:xfrm>
           <a:prstGeom prst="rect">
@@ -7908,8 +8067,8 @@
         </p:nvSpPr>
         <p:spPr>
           <a:xfrm>
-            <a:off x="2835999" y="7097788"/>
-            <a:ext cx="2194560" cy="805349"/>
+            <a:off x="2835998" y="7097788"/>
+            <a:ext cx="2273031" cy="959237"/>
           </a:xfrm>
           <a:prstGeom prst="rect">
             <a:avLst/>
@@ -7922,7 +8081,7 @@
           <a:lstStyle/>
           <a:p>
             <a:r>
-              <a:rPr lang="de-DE" sz="1000">
+              <a:rPr lang="de-DE" sz="1000" dirty="0">
                 <a:solidFill>
                   <a:srgbClr val="020302"/>
                 </a:solidFill>
@@ -7931,7 +8090,7 @@
               <a:t>Autorisierte Anwender oder </a:t>
             </a:r>
             <a:r>
-              <a:rPr lang="de-DE" sz="1000" b="1">
+              <a:rPr lang="de-DE" sz="1000" b="1" dirty="0">
                 <a:solidFill>
                   <a:srgbClr val="020302"/>
                 </a:solidFill>
@@ -7940,7 +8099,7 @@
               <a:t>spezifische Support-Kontakte</a:t>
             </a:r>
             <a:r>
-              <a:rPr lang="de-DE" sz="1000">
+              <a:rPr lang="de-DE" sz="1000" dirty="0">
                 <a:latin typeface="Adobe Clean Light" panose="020B0303020404020204" pitchFamily="34" charset="0"/>
               </a:rPr>
               <a:t> können Probleme über alle verfügbaren Kanäle (einschließlich Telefon für P1) einreichen und im Namen Ihres Unternehmens mit unserem technischen Support-Team interagieren. </a:t>
@@ -7963,7 +8122,7 @@
         <p:spPr>
           <a:xfrm>
             <a:off x="214971" y="6447157"/>
-            <a:ext cx="2128177" cy="60742"/>
+            <a:ext cx="2102779" cy="60747"/>
           </a:xfrm>
           <a:custGeom>
             <a:avLst/>
@@ -8060,7 +8219,7 @@
         </p:nvSpPr>
         <p:spPr>
           <a:xfrm>
-            <a:off x="689237" y="8520784"/>
+            <a:off x="689237" y="8435059"/>
             <a:ext cx="991521" cy="184666"/>
           </a:xfrm>
           <a:prstGeom prst="rect">
@@ -8113,7 +8272,7 @@
         </p:nvSpPr>
         <p:spPr>
           <a:xfrm>
-            <a:off x="689237" y="8702003"/>
+            <a:off x="689237" y="8616278"/>
             <a:ext cx="604974" cy="184666"/>
           </a:xfrm>
           <a:prstGeom prst="rect">
@@ -8159,8 +8318,8 @@
         </p:nvSpPr>
         <p:spPr>
           <a:xfrm>
-            <a:off x="355868" y="8986613"/>
-            <a:ext cx="2396720" cy="805349"/>
+            <a:off x="355867" y="8900888"/>
+            <a:ext cx="2371457" cy="805349"/>
           </a:xfrm>
           <a:prstGeom prst="rect">
             <a:avLst/>
@@ -8173,7 +8332,7 @@
           <a:lstStyle/>
           <a:p>
             <a:r>
-              <a:rPr lang="de-DE" sz="1000" dirty="0">
+              <a:rPr lang="de-DE" sz="1000" spc="-10" dirty="0">
                 <a:solidFill>
                   <a:srgbClr val="4B4B4B"/>
                 </a:solidFill>
@@ -8200,7 +8359,7 @@
         </p:nvSpPr>
         <p:spPr>
           <a:xfrm>
-            <a:off x="5723508" y="8520784"/>
+            <a:off x="5723508" y="8435059"/>
             <a:ext cx="1303746" cy="184666"/>
           </a:xfrm>
           <a:prstGeom prst="rect">
@@ -8253,7 +8412,7 @@
         </p:nvSpPr>
         <p:spPr>
           <a:xfrm>
-            <a:off x="5723508" y="8702003"/>
+            <a:off x="5723508" y="8616278"/>
             <a:ext cx="1267206" cy="184666"/>
           </a:xfrm>
           <a:prstGeom prst="rect">
@@ -8299,8 +8458,8 @@
         </p:nvSpPr>
         <p:spPr>
           <a:xfrm>
-            <a:off x="5265661" y="8947635"/>
-            <a:ext cx="2408951" cy="959237"/>
+            <a:off x="5265661" y="8861910"/>
+            <a:ext cx="2322590" cy="959237"/>
           </a:xfrm>
           <a:prstGeom prst="rect">
             <a:avLst/>
@@ -8319,7 +8478,41 @@
                 </a:solidFill>
                 <a:latin typeface="Adobe Clean Light" panose="020B0303020404020204" pitchFamily="34" charset="0"/>
               </a:rPr>
-              <a:t>On-Demand-Zugriff auf das Online-Selbsthilfe-Support-Portal, um Support-Anfragen einzureichen, den Fallstatus zu überprüfen und andere Ressourcen zu durchsuchen, z. B. unsere Wissensdatenbank, Neuigkeiten und Hinweise, spezielle Tipps und mehr.</a:t>
+              <a:t>On-Demand-Zugriff auf das Online-Selbsthilfe-Support-Portal, um Support-Anfragen einzureichen, den Fallstatus zu überprüfen </a:t>
+            </a:r>
+            <a:br>
+              <a:rPr lang="de-DE" sz="1000" dirty="0">
+                <a:solidFill>
+                  <a:srgbClr val="4B4B4B"/>
+                </a:solidFill>
+                <a:latin typeface="Adobe Clean Light" panose="020B0303020404020204" pitchFamily="34" charset="0"/>
+              </a:rPr>
+            </a:br>
+            <a:r>
+              <a:rPr lang="de-DE" sz="1000" dirty="0">
+                <a:solidFill>
+                  <a:srgbClr val="4B4B4B"/>
+                </a:solidFill>
+                <a:latin typeface="Adobe Clean Light" panose="020B0303020404020204" pitchFamily="34" charset="0"/>
+              </a:rPr>
+              <a:t>und andere Ressourcen zu durchsuchen, </a:t>
+            </a:r>
+            <a:br>
+              <a:rPr lang="de-DE" sz="1000" dirty="0">
+                <a:solidFill>
+                  <a:srgbClr val="4B4B4B"/>
+                </a:solidFill>
+                <a:latin typeface="Adobe Clean Light" panose="020B0303020404020204" pitchFamily="34" charset="0"/>
+              </a:rPr>
+            </a:br>
+            <a:r>
+              <a:rPr lang="de-DE" sz="1000" dirty="0">
+                <a:solidFill>
+                  <a:srgbClr val="4B4B4B"/>
+                </a:solidFill>
+                <a:latin typeface="Adobe Clean Light" panose="020B0303020404020204" pitchFamily="34" charset="0"/>
+              </a:rPr>
+              <a:t>z. B. unsere Wissensdatenbank, Neuigkeiten und Hinweise, spezielle Tipps und mehr.</a:t>
             </a:r>
           </a:p>
         </p:txBody>
@@ -8473,8 +8666,8 @@
         </p:nvSpPr>
         <p:spPr>
           <a:xfrm>
-            <a:off x="214970" y="868681"/>
-            <a:ext cx="2354171" cy="76595"/>
+            <a:off x="214971" y="868681"/>
+            <a:ext cx="2385354" cy="92368"/>
           </a:xfrm>
           <a:custGeom>
             <a:avLst/>
@@ -8569,8 +8762,8 @@
         </p:nvSpPr>
         <p:spPr>
           <a:xfrm>
-            <a:off x="689237" y="2603192"/>
-            <a:ext cx="1811734" cy="197490"/>
+            <a:off x="689237" y="2612717"/>
+            <a:ext cx="1758688" cy="197490"/>
           </a:xfrm>
           <a:prstGeom prst="rect">
             <a:avLst/>
@@ -8664,8 +8857,8 @@
         </p:nvSpPr>
         <p:spPr>
           <a:xfrm>
-            <a:off x="3201544" y="2592994"/>
-            <a:ext cx="1408205" cy="197490"/>
+            <a:off x="3201544" y="2608870"/>
+            <a:ext cx="1583181" cy="197490"/>
           </a:xfrm>
           <a:prstGeom prst="rect">
             <a:avLst/>
@@ -8743,7 +8936,7 @@
               <a:t>Eine halbjährliche umfassende Prüfung </a:t>
             </a:r>
             <a:br>
-              <a:rPr lang="sk-SK" sz="1000" dirty="0">
+              <a:rPr lang="de-DE" sz="1000" dirty="0">
                 <a:solidFill>
                   <a:srgbClr val="4B4B4B"/>
                 </a:solidFill>
@@ -8798,13 +8991,30 @@
               </a:spcBef>
             </a:pPr>
             <a:r>
-              <a:rPr lang="de-DE" sz="1000">
+              <a:rPr lang="de-DE" sz="1000" dirty="0">
                 <a:solidFill>
                   <a:srgbClr val="4B4B4B"/>
                 </a:solidFill>
                 <a:latin typeface="Adobe Clean Light" panose="020B0303020404020204" pitchFamily="34" charset="0"/>
               </a:rPr>
-              <a:t>Eine 60-minütige Session mit Konzentration auf eine bestimmte Produktfunktion und deren Nutzung zum Lösen gängiger Unternehmensprobleme.</a:t>
+              <a:t>Eine 60-minütige Session mit Konzentration auf eine bestimmte Produktfunktion </a:t>
+            </a:r>
+            <a:br>
+              <a:rPr lang="de-DE" sz="1000" dirty="0">
+                <a:solidFill>
+                  <a:srgbClr val="4B4B4B"/>
+                </a:solidFill>
+                <a:latin typeface="Adobe Clean Light" panose="020B0303020404020204" pitchFamily="34" charset="0"/>
+              </a:rPr>
+            </a:br>
+            <a:r>
+              <a:rPr lang="de-DE" sz="1000" dirty="0">
+                <a:solidFill>
+                  <a:srgbClr val="4B4B4B"/>
+                </a:solidFill>
+                <a:latin typeface="Adobe Clean Light" panose="020B0303020404020204" pitchFamily="34" charset="0"/>
+              </a:rPr>
+              <a:t>und deren Nutzung zum Lösen gängiger Unternehmensprobleme.</a:t>
             </a:r>
           </a:p>
         </p:txBody>
@@ -8824,14 +9034,14 @@
         <p:spPr>
           <a:xfrm>
             <a:off x="5265661" y="5001737"/>
-            <a:ext cx="2194560" cy="713850"/>
+            <a:ext cx="2294014" cy="536622"/>
           </a:xfrm>
           <a:prstGeom prst="rect">
             <a:avLst/>
           </a:prstGeom>
         </p:spPr>
         <p:txBody>
-          <a:bodyPr vert="horz" wrap="square" lIns="0" tIns="12700" rIns="0" bIns="0" rtlCol="0">
+          <a:bodyPr vert="horz" wrap="square" lIns="0" tIns="12700" rIns="0" bIns="0" rtlCol="0" anchor="t">
             <a:spAutoFit/>
           </a:bodyPr>
           <a:lstStyle/>
@@ -8849,60 +9059,27 @@
                 <a:solidFill>
                   <a:srgbClr val="4B4B4B"/>
                 </a:solidFill>
-                <a:latin typeface="Adobe Clean Light" panose="020B0303020404020204" pitchFamily="34" charset="0"/>
-              </a:rPr>
-              <a:t>Förderung der Übernahme von </a:t>
-            </a:r>
-            <a:br>
-              <a:rPr lang="sk-SK" sz="1000" dirty="0">
+                <a:latin typeface="Adobe Clean Light"/>
+              </a:rPr>
+              <a:t>Förderung der Übernahme von Best Practices für die Anpassung und Kernkomponenten in AEM </a:t>
+            </a:r>
+            <a:r>
+              <a:rPr lang="de-DE" sz="1000" dirty="0" err="1">
                 <a:solidFill>
                   <a:srgbClr val="4B4B4B"/>
                 </a:solidFill>
-                <a:latin typeface="Adobe Clean Light" panose="020B0303020404020204" pitchFamily="34" charset="0"/>
-              </a:rPr>
-            </a:br>
+                <a:latin typeface="Adobe Clean Light"/>
+              </a:rPr>
+              <a:t>as</a:t>
+            </a:r>
             <a:r>
               <a:rPr lang="de-DE" sz="1000" dirty="0">
                 <a:solidFill>
                   <a:srgbClr val="4B4B4B"/>
                 </a:solidFill>
-                <a:latin typeface="Adobe Clean Light" panose="020B0303020404020204" pitchFamily="34" charset="0"/>
-              </a:rPr>
-              <a:t>Best Practices für die Anpassung </a:t>
-            </a:r>
-            <a:br>
-              <a:rPr lang="sk-SK" sz="1000" dirty="0">
-                <a:solidFill>
-                  <a:srgbClr val="4B4B4B"/>
-                </a:solidFill>
-                <a:latin typeface="Adobe Clean Light" panose="020B0303020404020204" pitchFamily="34" charset="0"/>
-              </a:rPr>
-            </a:br>
-            <a:r>
-              <a:rPr lang="de-DE" sz="1000" dirty="0">
-                <a:solidFill>
-                  <a:srgbClr val="4B4B4B"/>
-                </a:solidFill>
-                <a:latin typeface="Adobe Clean Light" panose="020B0303020404020204" pitchFamily="34" charset="0"/>
-              </a:rPr>
-              <a:t>und Kernkomponenten in AEM </a:t>
-            </a:r>
-            <a:br>
-              <a:rPr lang="sk-SK" sz="1000" dirty="0">
-                <a:solidFill>
-                  <a:srgbClr val="4B4B4B"/>
-                </a:solidFill>
-                <a:latin typeface="Adobe Clean Light" panose="020B0303020404020204" pitchFamily="34" charset="0"/>
-              </a:rPr>
-            </a:br>
-            <a:r>
-              <a:rPr lang="de-DE" sz="1000" dirty="0">
-                <a:solidFill>
-                  <a:srgbClr val="4B4B4B"/>
-                </a:solidFill>
-                <a:latin typeface="Adobe Clean Light" panose="020B0303020404020204" pitchFamily="34" charset="0"/>
-              </a:rPr>
-              <a:t>as a Cloud Service</a:t>
+                <a:latin typeface="Adobe Clean Light"/>
+              </a:rPr>
+              <a:t> a Cloud Service.</a:t>
             </a:r>
           </a:p>
         </p:txBody>
@@ -8929,12 +9106,12 @@
           </a:prstGeom>
         </p:spPr>
         <p:txBody>
-          <a:bodyPr vert="horz" wrap="square" lIns="0" tIns="12700" rIns="0" bIns="0" rtlCol="0">
+          <a:bodyPr vert="horz" wrap="square" lIns="0" tIns="12700" rIns="0" bIns="0" rtlCol="0" anchor="t">
             <a:spAutoFit/>
           </a:bodyPr>
           <a:lstStyle/>
           <a:p>
-            <a:pPr marL="14604" marR="5080" indent="-1905">
+            <a:pPr marL="13970" marR="5080" indent="-1905">
               <a:lnSpc>
                 <a:spcPct val="117000"/>
               </a:lnSpc>
@@ -8943,13 +9120,30 @@
               </a:spcBef>
             </a:pPr>
             <a:r>
-              <a:rPr lang="de-DE" sz="1000">
+              <a:rPr lang="de-DE" sz="1000" dirty="0">
                 <a:solidFill>
                   <a:srgbClr val="4B4B4B"/>
                 </a:solidFill>
-                <a:latin typeface="Adobe Clean Light" panose="020B0303020404020204" pitchFamily="34" charset="0"/>
-              </a:rPr>
-              <a:t>Identifizieren, Prüfen und Bereitstellen von Empfehlungen zu individuellen Lösungsübernahmebereichen mit Optimierungsmöglichkeiten</a:t>
+                <a:latin typeface="Adobe Clean Light"/>
+              </a:rPr>
+              <a:t>Identifizieren, Prüfen und Bereitstellen </a:t>
+            </a:r>
+            <a:br>
+              <a:rPr lang="de-DE" sz="1000" dirty="0">
+                <a:solidFill>
+                  <a:srgbClr val="4B4B4B"/>
+                </a:solidFill>
+                <a:latin typeface="Adobe Clean Light"/>
+              </a:rPr>
+            </a:br>
+            <a:r>
+              <a:rPr lang="de-DE" sz="1000" dirty="0">
+                <a:solidFill>
+                  <a:srgbClr val="4B4B4B"/>
+                </a:solidFill>
+                <a:latin typeface="Adobe Clean Light"/>
+              </a:rPr>
+              <a:t>von Empfehlungen zu individuellen Lösungsübernahmebereichen mit Optimierungsmöglichkeiten.</a:t>
             </a:r>
           </a:p>
         </p:txBody>
@@ -8976,7 +9170,7 @@
           </a:prstGeom>
         </p:spPr>
         <p:txBody>
-          <a:bodyPr vert="horz" wrap="square" lIns="0" tIns="12700" rIns="0" bIns="0" rtlCol="0">
+          <a:bodyPr vert="horz" wrap="square" lIns="0" tIns="12700" rIns="0" bIns="0" rtlCol="0" anchor="t">
             <a:spAutoFit/>
           </a:bodyPr>
           <a:lstStyle/>
@@ -8994,16 +9188,34 @@
                 <a:solidFill>
                   <a:srgbClr val="4B4B4B"/>
                 </a:solidFill>
-                <a:latin typeface="Adobe Clean Light" panose="020B0303020404020204" pitchFamily="34" charset="0"/>
-              </a:rPr>
-              <a:t>Technische und betriebliche Governance </a:t>
+                <a:latin typeface="Adobe Clean Light"/>
+              </a:rPr>
+              <a:t>Technische und betriebliche </a:t>
+            </a:r>
+            <a:r>
+              <a:rPr lang="de-DE" sz="1000" dirty="0" err="1">
+                <a:solidFill>
+                  <a:srgbClr val="4B4B4B"/>
+                </a:solidFill>
+                <a:latin typeface="Adobe Clean Light"/>
+              </a:rPr>
+              <a:t>Governance</a:t>
+            </a:r>
+            <a:r>
+              <a:rPr lang="de-DE" sz="1000" dirty="0">
+                <a:solidFill>
+                  <a:srgbClr val="4B4B4B"/>
+                </a:solidFill>
+                <a:latin typeface="Adobe Clean Light"/>
+              </a:rPr>
+              <a:t> </a:t>
             </a:r>
             <a:br>
-              <a:rPr lang="sk-SK" sz="1000" dirty="0">
+              <a:rPr lang="de-DE" sz="1000" dirty="0">
                 <a:solidFill>
                   <a:srgbClr val="4B4B4B"/>
                 </a:solidFill>
-                <a:latin typeface="Adobe Clean Light" panose="020B0303020404020204" pitchFamily="34" charset="0"/>
+                <a:latin typeface="Adobe Clean Light"/>
               </a:rPr>
             </a:br>
             <a:r>
@@ -9011,9 +9223,62 @@
                 <a:solidFill>
                   <a:srgbClr val="4B4B4B"/>
                 </a:solidFill>
-                <a:latin typeface="Adobe Clean Light" panose="020B0303020404020204" pitchFamily="34" charset="0"/>
-              </a:rPr>
-              <a:t>für die Unterstützung von AEM as a Cloud Service-Kunden bei der Einhaltung von Branchenstandards und Best Practices für AEM as a Cloud Service</a:t>
+                <a:latin typeface="Adobe Clean Light"/>
+              </a:rPr>
+              <a:t>für die Unterstützung von AEM </a:t>
+            </a:r>
+            <a:r>
+              <a:rPr lang="de-DE" sz="1000" dirty="0" err="1">
+                <a:solidFill>
+                  <a:srgbClr val="4B4B4B"/>
+                </a:solidFill>
+                <a:latin typeface="Adobe Clean Light"/>
+              </a:rPr>
+              <a:t>as</a:t>
+            </a:r>
+            <a:r>
+              <a:rPr lang="de-DE" sz="1000" dirty="0">
+                <a:solidFill>
+                  <a:srgbClr val="4B4B4B"/>
+                </a:solidFill>
+                <a:latin typeface="Adobe Clean Light"/>
+              </a:rPr>
+              <a:t> a Cloud Service-Kunden bei der Einhaltung von Branchenstandards und Best Practices </a:t>
+            </a:r>
+            <a:br>
+              <a:rPr lang="de-DE" sz="1000" dirty="0">
+                <a:solidFill>
+                  <a:srgbClr val="4B4B4B"/>
+                </a:solidFill>
+                <a:latin typeface="Adobe Clean Light"/>
+              </a:rPr>
+            </a:br>
+            <a:r>
+              <a:rPr lang="de-DE" sz="1000" dirty="0">
+                <a:solidFill>
+                  <a:srgbClr val="4B4B4B"/>
+                </a:solidFill>
+                <a:latin typeface="Adobe Clean Light"/>
+              </a:rPr>
+              <a:t>für AEM </a:t>
+            </a:r>
+            <a:r>
+              <a:rPr lang="de-DE" sz="1000" dirty="0" err="1">
+                <a:solidFill>
+                  <a:srgbClr val="4B4B4B"/>
+                </a:solidFill>
+                <a:latin typeface="Adobe Clean Light"/>
+              </a:rPr>
+              <a:t>as</a:t>
+            </a:r>
+            <a:r>
+              <a:rPr lang="de-DE" sz="1000" dirty="0">
+                <a:solidFill>
+                  <a:srgbClr val="4B4B4B"/>
+                </a:solidFill>
+                <a:latin typeface="Adobe Clean Light"/>
+              </a:rPr>
+              <a:t> a Cloud Service.</a:t>
             </a:r>
           </a:p>
         </p:txBody>
@@ -9032,8 +9297,8 @@
         </p:nvSpPr>
         <p:spPr>
           <a:xfrm>
-            <a:off x="2835998" y="1401973"/>
-            <a:ext cx="2252891" cy="1113125"/>
+            <a:off x="2835999" y="1401973"/>
+            <a:ext cx="2228126" cy="1113125"/>
           </a:xfrm>
           <a:prstGeom prst="rect">
             <a:avLst/>
@@ -9060,7 +9325,7 @@
               <a:t>Ein spezifischer Support-Mitarbeiter, der sich mit Ihrer Lösungsumgebung und Ihren Unternehmenszielen vertraut macht. </a:t>
             </a:r>
             <a:br>
-              <a:rPr lang="sk-SK" sz="1000" dirty="0">
+              <a:rPr lang="de-DE" sz="1000" dirty="0">
                 <a:solidFill>
                   <a:srgbClr val="4B4B4B"/>
                 </a:solidFill>
@@ -9074,10 +9339,10 @@
                 </a:solidFill>
                 <a:latin typeface="Adobe Clean Light" panose="020B0303020404020204" pitchFamily="34" charset="0"/>
               </a:rPr>
-              <a:t>Der spezifische Support-Mitarbeiter ist ein erfahrener Support-Engineer, der Sie bei </a:t>
+              <a:t>Der spezifische Support-Mitarbeiter ist </a:t>
             </a:r>
             <a:br>
-              <a:rPr lang="sk-SK" sz="1000" dirty="0">
+              <a:rPr lang="de-DE" sz="1000" dirty="0">
                 <a:solidFill>
                   <a:srgbClr val="4B4B4B"/>
                 </a:solidFill>
@@ -9091,7 +9356,7 @@
                 </a:solidFill>
                 <a:latin typeface="Adobe Clean Light" panose="020B0303020404020204" pitchFamily="34" charset="0"/>
               </a:rPr>
-              <a:t>der Koordination Ihres Enterprise Support-Erlebnisses unterstützt.</a:t>
+              <a:t>ein erfahrener Support-Engineer, der Sie bei der Koordination Ihres Enterprise Support-Erlebnisses unterstützt.</a:t>
             </a:r>
           </a:p>
         </p:txBody>
@@ -9112,8 +9377,8 @@
         </p:nvSpPr>
         <p:spPr>
           <a:xfrm>
-            <a:off x="3201544" y="1127424"/>
-            <a:ext cx="2077842" cy="169277"/>
+            <a:off x="3201544" y="997250"/>
+            <a:ext cx="1726164" cy="184666"/>
           </a:xfrm>
           <a:prstGeom prst="rect">
             <a:avLst/>
@@ -9134,7 +9399,7 @@
               </a:spcAft>
             </a:pPr>
             <a:r>
-              <a:rPr lang="de-DE" sz="1100" b="1" dirty="0">
+              <a:rPr lang="de-DE" sz="1200" b="1" dirty="0">
                 <a:solidFill>
                   <a:srgbClr val="020302"/>
                 </a:solidFill>
@@ -9198,7 +9463,7 @@
         </p:nvSpPr>
         <p:spPr>
           <a:xfrm>
-            <a:off x="5723508" y="1099975"/>
+            <a:off x="5723508" y="1099976"/>
             <a:ext cx="1359655" cy="197490"/>
           </a:xfrm>
           <a:prstGeom prst="rect">
@@ -9246,8 +9511,8 @@
         </p:nvSpPr>
         <p:spPr>
           <a:xfrm>
-            <a:off x="5181599" y="4466703"/>
-            <a:ext cx="2278621" cy="461665"/>
+            <a:off x="5181600" y="4466703"/>
+            <a:ext cx="2336800" cy="461665"/>
           </a:xfrm>
           <a:prstGeom prst="rect">
             <a:avLst/>
@@ -9275,7 +9540,27 @@
                 <a:latin typeface="Adobe Clean"/>
                 <a:cs typeface="Adobe Clean"/>
               </a:rPr>
-              <a:t>Best Practices für die Anpassung von AEM as a Cloud Service</a:t>
+              <a:t>Best Practices für die Anpassung von AEM </a:t>
+            </a:r>
+            <a:r>
+              <a:rPr lang="de-DE" sz="1200" b="1" dirty="0" err="1">
+                <a:solidFill>
+                  <a:srgbClr val="020302"/>
+                </a:solidFill>
+                <a:latin typeface="Adobe Clean"/>
+                <a:cs typeface="Adobe Clean"/>
+              </a:rPr>
+              <a:t>as</a:t>
+            </a:r>
+            <a:r>
+              <a:rPr lang="de-DE" sz="1200" b="1" dirty="0">
+                <a:solidFill>
+                  <a:srgbClr val="020302"/>
+                </a:solidFill>
+                <a:latin typeface="Adobe Clean"/>
+                <a:cs typeface="Adobe Clean"/>
+              </a:rPr>
+              <a:t> a Cloud Service</a:t>
             </a:r>
           </a:p>
         </p:txBody>
@@ -9294,8 +9579,8 @@
         </p:nvSpPr>
         <p:spPr>
           <a:xfrm>
-            <a:off x="2752588" y="4438393"/>
-            <a:ext cx="1708650" cy="461665"/>
+            <a:off x="2752587" y="4438393"/>
+            <a:ext cx="1784487" cy="461665"/>
           </a:xfrm>
           <a:prstGeom prst="rect">
             <a:avLst/>
@@ -9316,14 +9601,34 @@
               </a:spcBef>
             </a:pPr>
             <a:r>
-              <a:rPr lang="de-DE" sz="1200" b="1">
+              <a:rPr lang="de-DE" sz="1200" b="1" dirty="0">
                 <a:solidFill>
                   <a:srgbClr val="020302"/>
                 </a:solidFill>
                 <a:latin typeface="Adobe Clean"/>
                 <a:cs typeface="Adobe Clean"/>
               </a:rPr>
-              <a:t>Zusatz-Services für AEM as a Cloud Service</a:t>
+              <a:t>Zusatz-Services für AEM </a:t>
+            </a:r>
+            <a:r>
+              <a:rPr lang="de-DE" sz="1200" b="1" dirty="0" err="1">
+                <a:solidFill>
+                  <a:srgbClr val="020302"/>
+                </a:solidFill>
+                <a:latin typeface="Adobe Clean"/>
+                <a:cs typeface="Adobe Clean"/>
+              </a:rPr>
+              <a:t>as</a:t>
+            </a:r>
+            <a:r>
+              <a:rPr lang="de-DE" sz="1200" b="1" dirty="0">
+                <a:solidFill>
+                  <a:srgbClr val="020302"/>
+                </a:solidFill>
+                <a:latin typeface="Adobe Clean"/>
+                <a:cs typeface="Adobe Clean"/>
+              </a:rPr>
+              <a:t> a Cloud Service</a:t>
             </a:r>
           </a:p>
         </p:txBody>
@@ -9364,25 +9669,26 @@
               </a:spcBef>
             </a:pPr>
             <a:r>
-              <a:rPr lang="de-DE" sz="1200" b="1" dirty="0">
+              <a:rPr lang="de-DE" sz="1200" b="1" dirty="0" err="1">
                 <a:solidFill>
                   <a:srgbClr val="020302"/>
                 </a:solidFill>
                 <a:latin typeface="Adobe Clean"/>
                 <a:cs typeface="Adobe Clean"/>
               </a:rPr>
-              <a:t>Governance für AEM </a:t>
-            </a:r>
-            <a:br>
-              <a:rPr lang="sk-SK" sz="1200" b="1" dirty="0">
+              <a:t>Governance</a:t>
+            </a:r>
+            <a:r>
+              <a:rPr lang="de-DE" sz="1200" b="1" dirty="0">
                 <a:solidFill>
                   <a:srgbClr val="020302"/>
                 </a:solidFill>
                 <a:latin typeface="Adobe Clean"/>
                 <a:cs typeface="Adobe Clean"/>
               </a:rPr>
-            </a:br>
-            <a:r>
+              <a:t> für AEM </a:t>
+            </a:r>
+            <a:br>
               <a:rPr lang="de-DE" sz="1200" b="1" dirty="0">
                 <a:solidFill>
                   <a:srgbClr val="020302"/>
@@ -9390,7 +9696,26 @@
                 <a:latin typeface="Adobe Clean"/>
                 <a:cs typeface="Adobe Clean"/>
               </a:rPr>
-              <a:t>as a Cloud Service</a:t>
+            </a:br>
+            <a:r>
+              <a:rPr lang="de-DE" sz="1200" b="1" dirty="0" err="1">
+                <a:solidFill>
+                  <a:srgbClr val="020302"/>
+                </a:solidFill>
+                <a:latin typeface="Adobe Clean"/>
+                <a:cs typeface="Adobe Clean"/>
+              </a:rPr>
+              <a:t>as</a:t>
+            </a:r>
+            <a:r>
+              <a:rPr lang="de-DE" sz="1200" b="1" dirty="0">
+                <a:solidFill>
+                  <a:srgbClr val="020302"/>
+                </a:solidFill>
+                <a:latin typeface="Adobe Clean"/>
+                <a:cs typeface="Adobe Clean"/>
+              </a:rPr>
+              <a:t> a Cloud Service</a:t>
             </a:r>
           </a:p>
         </p:txBody>
@@ -9575,7 +9900,7 @@
         <p:spPr>
           <a:xfrm>
             <a:off x="355867" y="1426046"/>
-            <a:ext cx="2252891" cy="936154"/>
+            <a:ext cx="2301607" cy="936154"/>
           </a:xfrm>
           <a:prstGeom prst="rect">
             <a:avLst/>
@@ -9643,7 +9968,7 @@
               </a:spcBef>
             </a:pPr>
             <a:r>
-              <a:rPr lang="de-DE" sz="1400" b="1">
+              <a:rPr lang="de-DE" sz="1400" b="1" dirty="0">
                 <a:solidFill>
                   <a:srgbClr val="020302"/>
                 </a:solidFill>
@@ -9669,8 +9994,8 @@
         </p:nvSpPr>
         <p:spPr>
           <a:xfrm>
-            <a:off x="214970" y="4310484"/>
-            <a:ext cx="2537617" cy="90874"/>
+            <a:off x="214971" y="4310484"/>
+            <a:ext cx="2512354" cy="90874"/>
           </a:xfrm>
           <a:custGeom>
             <a:avLst/>
@@ -9734,7 +10059,7 @@
         </p:blipFill>
         <p:spPr>
           <a:xfrm>
-            <a:off x="2816792" y="3892352"/>
+            <a:off x="2797742" y="3892352"/>
             <a:ext cx="461665" cy="461665"/>
           </a:xfrm>
           <a:prstGeom prst="rect">
@@ -9812,7 +10137,7 @@
         </p:blipFill>
         <p:spPr>
           <a:xfrm>
-            <a:off x="228600" y="8520784"/>
+            <a:off x="228600" y="8435059"/>
             <a:ext cx="411480" cy="411480"/>
           </a:xfrm>
           <a:prstGeom prst="rect">
@@ -9929,7 +10254,7 @@
         </p:blipFill>
         <p:spPr>
           <a:xfrm>
-            <a:off x="5257800" y="8520784"/>
+            <a:off x="5257800" y="8435059"/>
             <a:ext cx="411480" cy="411480"/>
           </a:xfrm>
           <a:prstGeom prst="rect">
@@ -9968,7 +10293,7 @@
         </p:blipFill>
         <p:spPr>
           <a:xfrm>
-            <a:off x="2776853" y="8520784"/>
+            <a:off x="2776853" y="8435059"/>
             <a:ext cx="411480" cy="411480"/>
           </a:xfrm>
           <a:prstGeom prst="rect">
@@ -10029,7 +10354,7 @@
         </p:nvSpPr>
         <p:spPr>
           <a:xfrm rot="5400000" flipH="1">
-            <a:off x="3863341" y="986533"/>
+            <a:off x="3863341" y="1021458"/>
             <a:ext cx="45719" cy="5577840"/>
           </a:xfrm>
           <a:custGeom>
@@ -10084,7 +10409,7 @@
         </p:nvSpPr>
         <p:spPr>
           <a:xfrm rot="5400000" flipH="1">
-            <a:off x="3863341" y="5514588"/>
+            <a:off x="3863341" y="5463788"/>
             <a:ext cx="45719" cy="5577840"/>
           </a:xfrm>
           <a:custGeom>
@@ -10125,133 +10450,6 @@
           </a:p>
         </p:txBody>
       </p:sp>
-      <p:grpSp>
-        <p:nvGrpSpPr>
-          <p:cNvPr id="62" name="object 3">
-            <a:extLst>
-              <a:ext uri="{FF2B5EF4-FFF2-40B4-BE49-F238E27FC236}">
-                <a16:creationId xmlns:a16="http://schemas.microsoft.com/office/drawing/2014/main" id="{C539739D-1D3E-204D-9819-C44D9AE36DE8}"/>
-              </a:ext>
-            </a:extLst>
-          </p:cNvPr>
-          <p:cNvGrpSpPr/>
-          <p:nvPr/>
-        </p:nvGrpSpPr>
-        <p:grpSpPr>
-          <a:xfrm rot="5400000">
-            <a:off x="1154159" y="-868525"/>
-            <a:ext cx="5661921" cy="7931849"/>
-            <a:chOff x="-247019" y="421767"/>
-            <a:chExt cx="3875281" cy="7641336"/>
-          </a:xfrm>
-        </p:grpSpPr>
-        <p:sp>
-          <p:nvSpPr>
-            <p:cNvPr id="63" name="object 4">
-              <a:extLst>
-                <a:ext uri="{FF2B5EF4-FFF2-40B4-BE49-F238E27FC236}">
-                  <a16:creationId xmlns:a16="http://schemas.microsoft.com/office/drawing/2014/main" id="{F41DD51E-EC9C-7B44-BE42-FA9C42B94675}"/>
-                </a:ext>
-              </a:extLst>
-            </p:cNvPr>
-            <p:cNvSpPr/>
-            <p:nvPr/>
-          </p:nvSpPr>
-          <p:spPr>
-            <a:xfrm>
-              <a:off x="3628262" y="576453"/>
-              <a:ext cx="0" cy="7486650"/>
-            </a:xfrm>
-            <a:custGeom>
-              <a:avLst/>
-              <a:gdLst/>
-              <a:ahLst/>
-              <a:cxnLst/>
-              <a:rect l="l" t="t" r="r" b="b"/>
-              <a:pathLst>
-                <a:path h="7486650">
-                  <a:moveTo>
-                    <a:pt x="0" y="0"/>
-                  </a:moveTo>
-                  <a:lnTo>
-                    <a:pt x="0" y="7486408"/>
-                  </a:lnTo>
-                </a:path>
-              </a:pathLst>
-            </a:custGeom>
-            <a:ln w="61722">
-              <a:solidFill>
-                <a:srgbClr val="EAEAEB"/>
-              </a:solidFill>
-            </a:ln>
-          </p:spPr>
-          <p:txBody>
-            <a:bodyPr wrap="square" lIns="0" tIns="0" rIns="0" bIns="0" rtlCol="0"/>
-            <a:lstStyle/>
-            <a:p>
-              <a:endParaRPr/>
-            </a:p>
-          </p:txBody>
-        </p:sp>
-        <p:sp>
-          <p:nvSpPr>
-            <p:cNvPr id="64" name="object 5">
-              <a:extLst>
-                <a:ext uri="{FF2B5EF4-FFF2-40B4-BE49-F238E27FC236}">
-                  <a16:creationId xmlns:a16="http://schemas.microsoft.com/office/drawing/2014/main" id="{6E97A2E1-56BC-2B46-9873-F675D66FF621}"/>
-                </a:ext>
-              </a:extLst>
-            </p:cNvPr>
-            <p:cNvSpPr/>
-            <p:nvPr/>
-          </p:nvSpPr>
-          <p:spPr>
-            <a:xfrm>
-              <a:off x="-247019" y="421767"/>
-              <a:ext cx="3844040" cy="7600950"/>
-            </a:xfrm>
-            <a:custGeom>
-              <a:avLst/>
-              <a:gdLst/>
-              <a:ahLst/>
-              <a:cxnLst/>
-              <a:rect l="l" t="t" r="r" b="b"/>
-              <a:pathLst>
-                <a:path w="3409950" h="7600950">
-                  <a:moveTo>
-                    <a:pt x="0" y="7600569"/>
-                  </a:moveTo>
-                  <a:lnTo>
-                    <a:pt x="3409492" y="7600569"/>
-                  </a:lnTo>
-                  <a:lnTo>
-                    <a:pt x="3409492" y="0"/>
-                  </a:lnTo>
-                  <a:lnTo>
-                    <a:pt x="0" y="0"/>
-                  </a:lnTo>
-                  <a:lnTo>
-                    <a:pt x="0" y="7600569"/>
-                  </a:lnTo>
-                  <a:close/>
-                </a:path>
-              </a:pathLst>
-            </a:custGeom>
-            <a:ln w="12954">
-              <a:solidFill>
-                <a:srgbClr val="EBEBEB"/>
-              </a:solidFill>
-            </a:ln>
-          </p:spPr>
-          <p:txBody>
-            <a:bodyPr wrap="square" lIns="0" tIns="0" rIns="0" bIns="0" rtlCol="0"/>
-            <a:lstStyle/>
-            <a:p>
-              <a:endParaRPr/>
-            </a:p>
-          </p:txBody>
-        </p:sp>
-      </p:grpSp>
     </p:spTree>
     <p:extLst>
       <p:ext uri="{BB962C8B-B14F-4D97-AF65-F5344CB8AC3E}">
@@ -10551,7 +10749,7 @@
         <p:spPr>
           <a:xfrm>
             <a:off x="4724780" y="914778"/>
-            <a:ext cx="1954230" cy="57597"/>
+            <a:ext cx="1780795" cy="135230"/>
           </a:xfrm>
           <a:custGeom>
             <a:avLst/>
@@ -10592,7 +10790,7 @@
         </p:nvSpPr>
         <p:spPr>
           <a:xfrm>
-            <a:off x="4843270" y="589788"/>
+            <a:off x="4722620" y="589788"/>
             <a:ext cx="2588260" cy="228268"/>
           </a:xfrm>
           <a:prstGeom prst="rect">
@@ -10600,21 +10798,18 @@
           </a:prstGeom>
         </p:spPr>
         <p:txBody>
-          <a:bodyPr vert="horz" wrap="square" lIns="0" tIns="12700" rIns="0" bIns="0" rtlCol="0">
+          <a:bodyPr vert="horz" wrap="square" lIns="0" tIns="12700" rIns="0" bIns="0" rtlCol="0" anchor="t">
             <a:spAutoFit/>
           </a:bodyPr>
           <a:lstStyle/>
           <a:p>
             <a:pPr marL="12700">
-              <a:lnSpc>
-                <a:spcPct val="100000"/>
-              </a:lnSpc>
               <a:spcBef>
                 <a:spcPts val="100"/>
               </a:spcBef>
             </a:pPr>
             <a:r>
-              <a:rPr lang="de-DE" sz="1400" b="1">
+              <a:rPr lang="de-DE" sz="1400" b="1" dirty="0">
                 <a:solidFill>
                   <a:srgbClr val="020302"/>
                 </a:solidFill>
@@ -10656,7 +10851,7 @@
               </a:spcBef>
             </a:pPr>
             <a:r>
-              <a:rPr lang="de-DE" sz="1400" b="1">
+              <a:rPr lang="de-DE" sz="1400" b="1" dirty="0">
                 <a:solidFill>
                   <a:srgbClr val="020302"/>
                 </a:solidFill>
@@ -10676,8 +10871,8 @@
         </p:nvSpPr>
         <p:spPr>
           <a:xfrm>
-            <a:off x="242188" y="1225804"/>
-            <a:ext cx="3131692" cy="782265"/>
+            <a:off x="242187" y="1225804"/>
+            <a:ext cx="3189649" cy="782265"/>
           </a:xfrm>
           <a:prstGeom prst="rect">
             <a:avLst/>
@@ -10720,7 +10915,24 @@
                 <a:ea typeface="Adobe Clean Light" charset="0"/>
                 <a:cs typeface="Adobe Clean Light" charset="0"/>
               </a:rPr>
-              <a:t>Launch Advisory</a:t>
+              <a:t>Launch </a:t>
+            </a:r>
+            <a:r>
+              <a:rPr lang="de-DE" sz="1000" dirty="0" err="1">
+                <a:latin typeface="Adobe Clean Light" charset="0"/>
+                <a:ea typeface="Adobe Clean Light" charset="0"/>
+                <a:cs typeface="Adobe Clean Light" charset="0"/>
+              </a:rPr>
+              <a:t>Advisory</a:t>
+            </a:r>
+            <a:r>
+              <a:rPr lang="de-DE" sz="1000" dirty="0" err="1">
+                <a:solidFill>
+                  <a:srgbClr val="000000"/>
+                </a:solidFill>
+                <a:latin typeface="Adobe Clean SemiLight" panose="020B0403020404020204" pitchFamily="34" charset="0"/>
+              </a:rPr>
+              <a:t>eine</a:t>
             </a:r>
             <a:r>
               <a:rPr lang="de-DE" sz="1000" dirty="0">
@@ -10729,7 +10941,7 @@
                 </a:solidFill>
                 <a:latin typeface="Adobe Clean SemiLight" panose="020B0403020404020204" pitchFamily="34" charset="0"/>
               </a:rPr>
-              <a:t>eine </a:t>
+              <a:t> </a:t>
             </a:r>
             <a:r>
               <a:rPr lang="de-DE" sz="1000" b="1" dirty="0">
@@ -10738,24 +10950,7 @@
                 </a:solidFill>
                 <a:latin typeface="Adobe Clean SemiLight" panose="020B0403020404020204" pitchFamily="34" charset="0"/>
               </a:rPr>
-              <a:t>zentrale </a:t>
-            </a:r>
-            <a:br>
-              <a:rPr lang="sk-SK" sz="1000" b="1" dirty="0">
-                <a:solidFill>
-                  <a:srgbClr val="000000"/>
-                </a:solidFill>
-                <a:latin typeface="Adobe Clean SemiLight" panose="020B0403020404020204" pitchFamily="34" charset="0"/>
-              </a:rPr>
-            </a:br>
-            <a:r>
-              <a:rPr lang="de-DE" sz="1000" b="1" dirty="0">
-                <a:solidFill>
-                  <a:srgbClr val="000000"/>
-                </a:solidFill>
-                <a:latin typeface="Adobe Clean SemiLight" panose="020B0403020404020204" pitchFamily="34" charset="0"/>
-              </a:rPr>
-              <a:t>Palette von Beratungs-Services</a:t>
+              <a:t>zentrale Palette von Beratungs-Services</a:t>
             </a:r>
             <a:r>
               <a:rPr lang="de-DE" sz="1000" dirty="0">
@@ -10763,38 +10958,46 @@
                 <a:ea typeface="Adobe Clean Light" charset="0"/>
                 <a:cs typeface="Adobe Clean Light" charset="0"/>
               </a:rPr>
-              <a:t> und Empfehlungen, </a:t>
-            </a:r>
-            <a:br>
-              <a:rPr lang="sk-SK" sz="1000" dirty="0">
+              <a:t> und Empfehlungen, die </a:t>
+            </a:r>
+            <a:r>
+              <a:rPr lang="de-DE" sz="1000" b="1" dirty="0">
                 <a:latin typeface="Adobe Clean Light" charset="0"/>
                 <a:ea typeface="Adobe Clean Light" charset="0"/>
                 <a:cs typeface="Adobe Clean Light" charset="0"/>
               </a:rPr>
-            </a:br>
+              <a:t>nachweislich erfolgreiche Implementierungen unterstützen</a:t>
+            </a:r>
             <a:r>
               <a:rPr lang="de-DE" sz="1000" dirty="0">
                 <a:latin typeface="Adobe Clean Light" charset="0"/>
                 <a:ea typeface="Adobe Clean Light" charset="0"/>
                 <a:cs typeface="Adobe Clean Light" charset="0"/>
               </a:rPr>
-              <a:t>die </a:t>
-            </a:r>
+              <a:t> und </a:t>
+            </a:r>
+            <a:br>
+              <a:rPr lang="de-DE" sz="1000" dirty="0">
+                <a:latin typeface="Adobe Clean Light" charset="0"/>
+                <a:ea typeface="Adobe Clean Light" charset="0"/>
+                <a:cs typeface="Adobe Clean Light" charset="0"/>
+              </a:rPr>
+            </a:br>
             <a:r>
               <a:rPr lang="de-DE" sz="1000" b="1" dirty="0">
                 <a:latin typeface="Adobe Clean Light" charset="0"/>
                 <a:ea typeface="Adobe Clean Light" charset="0"/>
                 <a:cs typeface="Adobe Clean Light" charset="0"/>
               </a:rPr>
-              <a:t>nachweislich erfolgreiche Implementierungen unterstützen</a:t>
-            </a:r>
-            <a:r>
-              <a:rPr lang="de-DE" sz="1000" dirty="0">
+              <a:t>die Time-</a:t>
+            </a:r>
+            <a:r>
+              <a:rPr lang="de-DE" sz="1000" b="1" dirty="0" err="1">
                 <a:latin typeface="Adobe Clean Light" charset="0"/>
                 <a:ea typeface="Adobe Clean Light" charset="0"/>
                 <a:cs typeface="Adobe Clean Light" charset="0"/>
               </a:rPr>
-              <a:t> und </a:t>
+              <a:t>to</a:t>
             </a:r>
             <a:r>
               <a:rPr lang="de-DE" sz="1000" b="1" dirty="0">
@@ -10802,7 +11005,7 @@
                 <a:ea typeface="Adobe Clean Light" charset="0"/>
                 <a:cs typeface="Adobe Clean Light" charset="0"/>
               </a:rPr>
-              <a:t>die Time-to-Value beschleunigen</a:t>
+              <a:t>-Value beschleunigen</a:t>
             </a:r>
             <a:r>
               <a:rPr lang="de-DE" sz="1000" dirty="0">
@@ -10902,7 +11105,25 @@
                 </a:solidFill>
                 <a:latin typeface="Adobe Clean" panose="020B0503020404020204" pitchFamily="34" charset="0"/>
               </a:rPr>
-              <a:t>Time-to-Value</a:t>
+              <a:t>Time-</a:t>
+            </a:r>
+            <a:r>
+              <a:rPr lang="de-DE" sz="1000" b="1" dirty="0" err="1">
+                <a:solidFill>
+                  <a:srgbClr val="4B4B4B"/>
+                </a:solidFill>
+                <a:latin typeface="Adobe Clean" panose="020B0503020404020204" pitchFamily="34" charset="0"/>
+              </a:rPr>
+              <a:t>to</a:t>
+            </a:r>
+            <a:r>
+              <a:rPr lang="de-DE" sz="1000" b="1" dirty="0">
+                <a:solidFill>
+                  <a:srgbClr val="4B4B4B"/>
+                </a:solidFill>
+                <a:latin typeface="Adobe Clean" panose="020B0503020404020204" pitchFamily="34" charset="0"/>
+              </a:rPr>
+              <a:t>-Value</a:t>
             </a:r>
             <a:r>
               <a:rPr lang="de-DE" sz="1000" dirty="0">
@@ -10929,24 +11150,7 @@
                 </a:solidFill>
                 <a:latin typeface="Adobe Clean Light" panose="020B0303020404020204" pitchFamily="34" charset="0"/>
               </a:rPr>
-              <a:t> </a:t>
-            </a:r>
-            <a:br>
-              <a:rPr lang="sk-SK" sz="1000" dirty="0">
-                <a:solidFill>
-                  <a:srgbClr val="4B4B4B"/>
-                </a:solidFill>
-                <a:latin typeface="Adobe Clean Light" panose="020B0303020404020204" pitchFamily="34" charset="0"/>
-              </a:rPr>
-            </a:br>
-            <a:r>
-              <a:rPr lang="de-DE" sz="1000" dirty="0">
-                <a:solidFill>
-                  <a:srgbClr val="4B4B4B"/>
-                </a:solidFill>
-                <a:latin typeface="Adobe Clean Light" panose="020B0303020404020204" pitchFamily="34" charset="0"/>
-              </a:rPr>
-              <a:t>für Lösungsprodukte, die unter einen Adobe Support-Vertrag fallen. </a:t>
+              <a:t> für Lösungsprodukte, die unter einen Adobe Support-Vertrag fallen. </a:t>
             </a:r>
           </a:p>
           <a:p>
@@ -11028,7 +11232,7 @@
         <p:spPr>
           <a:xfrm rot="10800000" flipH="1">
             <a:off x="3692282" y="762000"/>
-            <a:ext cx="45719" cy="1188720"/>
+            <a:ext cx="45720" cy="1309688"/>
           </a:xfrm>
           <a:custGeom>
             <a:avLst/>
@@ -11124,7 +11328,7 @@
         <p:spPr>
           <a:xfrm>
             <a:off x="172087" y="3867961"/>
-            <a:ext cx="3525469" cy="2336537"/>
+            <a:ext cx="3525469" cy="2490425"/>
           </a:xfrm>
           <a:prstGeom prst="rect">
             <a:avLst/>
@@ -11172,7 +11376,24 @@
                 </a:solidFill>
                 <a:latin typeface="Adobe Clean SemiLight" panose="020B0403020404020204" pitchFamily="34" charset="0"/>
               </a:rPr>
-              <a:t> für Kunden und Implementierungspartner.</a:t>
+              <a:t> </a:t>
+            </a:r>
+            <a:br>
+              <a:rPr lang="de-DE" sz="1000" dirty="0">
+                <a:solidFill>
+                  <a:srgbClr val="000000"/>
+                </a:solidFill>
+                <a:latin typeface="Adobe Clean SemiLight" panose="020B0403020404020204" pitchFamily="34" charset="0"/>
+              </a:rPr>
+            </a:br>
+            <a:r>
+              <a:rPr lang="de-DE" sz="1000" dirty="0">
+                <a:solidFill>
+                  <a:srgbClr val="000000"/>
+                </a:solidFill>
+                <a:latin typeface="Adobe Clean SemiLight" panose="020B0403020404020204" pitchFamily="34" charset="0"/>
+              </a:rPr>
+              <a:t>für Kunden und Implementierungspartner.</a:t>
             </a:r>
           </a:p>
           <a:p>
@@ -11540,7 +11761,7 @@
           <p:nvPr/>
         </p:nvPicPr>
         <p:blipFill>
-          <a:blip r:embed="rId4">
+          <a:blip r:embed="rId4" cstate="print">
             <a:extLst>
               <a:ext uri="{28A0092B-C50C-407E-A947-70E740481C1C}">
                 <a14:useLocalDpi xmlns:a14="http://schemas.microsoft.com/office/drawing/2010/main" val="0"/>
@@ -11552,8 +11773,8 @@
         </p:blipFill>
         <p:spPr>
           <a:xfrm>
-            <a:off x="334498" y="6379881"/>
-            <a:ext cx="3096805" cy="2855621"/>
+            <a:off x="336106" y="6379881"/>
+            <a:ext cx="3093589" cy="2855621"/>
           </a:xfrm>
           <a:prstGeom prst="rect">
             <a:avLst/>
@@ -11629,14 +11850,14 @@
         <p:spPr>
           <a:xfrm>
             <a:off x="3855907" y="4694431"/>
-            <a:ext cx="3675699" cy="2310889"/>
+            <a:ext cx="3610421" cy="2464777"/>
           </a:xfrm>
           <a:prstGeom prst="rect">
             <a:avLst/>
           </a:prstGeom>
         </p:spPr>
         <p:txBody>
-          <a:bodyPr wrap="square">
+          <a:bodyPr wrap="square" lIns="91440" tIns="45720" rIns="91440" bIns="45720" anchor="t">
             <a:spAutoFit/>
           </a:bodyPr>
           <a:lstStyle/>
@@ -11660,9 +11881,60 @@
                 <a:solidFill>
                   <a:srgbClr val="000000"/>
                 </a:solidFill>
-                <a:latin typeface="Adobe Clean Light" panose="020B0303020404020204" pitchFamily="34" charset="0"/>
-              </a:rPr>
-              <a:t> stellen sicher, dass Kunden technisch versiert sind und ihre Tools optimal nutzen. Diese Aktivitätstypen umfassen insbesondere Support und Empfehlungen für Plattformkonfigurationen, Integrationen und die Fehlerbehebung</a:t>
+                <a:latin typeface="Adobe Clean Light"/>
+              </a:rPr>
+              <a:t> stellen sicher, dass Kunden technisch versiert sind und ihre Tools optimal nutzen. </a:t>
+            </a:r>
+            <a:br>
+              <a:rPr lang="de-DE" sz="1000" dirty="0">
+                <a:solidFill>
+                  <a:srgbClr val="000000"/>
+                </a:solidFill>
+                <a:latin typeface="Adobe Clean Light"/>
+              </a:rPr>
+            </a:br>
+            <a:r>
+              <a:rPr lang="de-DE" sz="1000" dirty="0">
+                <a:solidFill>
+                  <a:srgbClr val="000000"/>
+                </a:solidFill>
+                <a:latin typeface="Adobe Clean Light"/>
+              </a:rPr>
+              <a:t>Diese Aktivitätstypen umfassen insbesondere Support </a:t>
+            </a:r>
+            <a:br>
+              <a:rPr lang="de-DE" sz="1000" dirty="0">
+                <a:solidFill>
+                  <a:srgbClr val="000000"/>
+                </a:solidFill>
+                <a:latin typeface="Adobe Clean Light"/>
+              </a:rPr>
+            </a:br>
+            <a:r>
+              <a:rPr lang="de-DE" sz="1000" dirty="0">
+                <a:solidFill>
+                  <a:srgbClr val="000000"/>
+                </a:solidFill>
+                <a:latin typeface="Adobe Clean Light"/>
+              </a:rPr>
+              <a:t>und Empfehlungen für Plattformkonfigurationen, Integrationen </a:t>
+            </a:r>
+            <a:br>
+              <a:rPr lang="de-DE" sz="1000" dirty="0">
+                <a:solidFill>
+                  <a:srgbClr val="000000"/>
+                </a:solidFill>
+                <a:latin typeface="Adobe Clean Light"/>
+              </a:rPr>
+            </a:br>
+            <a:r>
+              <a:rPr lang="de-DE" sz="1000" dirty="0">
+                <a:solidFill>
+                  <a:srgbClr val="000000"/>
+                </a:solidFill>
+                <a:latin typeface="Adobe Clean Light"/>
+              </a:rPr>
+              <a:t>und die Fehlerbehebung.</a:t>
             </a:r>
           </a:p>
           <a:p>
@@ -11683,7 +11955,7 @@
             </a:pPr>
             <a:r>
               <a:rPr lang="de-DE" sz="1000" dirty="0">
-                <a:latin typeface="Adobe Clean Light" charset="0"/>
+                <a:latin typeface="Adobe Clean Light"/>
               </a:rPr>
               <a:t>Verfügbare technische Aktivitäten:</a:t>
             </a:r>
@@ -11808,7 +12080,7 @@
           </a:prstGeom>
         </p:spPr>
         <p:txBody>
-          <a:bodyPr wrap="square">
+          <a:bodyPr wrap="square" lIns="91440" tIns="45720" rIns="91440" bIns="45720" anchor="t">
             <a:spAutoFit/>
           </a:bodyPr>
           <a:lstStyle/>
@@ -11832,9 +12104,26 @@
                 <a:solidFill>
                   <a:srgbClr val="000000"/>
                 </a:solidFill>
-                <a:latin typeface="Adobe Clean Light" panose="020B0303020404020204" pitchFamily="34" charset="0"/>
-              </a:rPr>
-              <a:t> ermitteln Möglichkeiten, mit den vom Kunden genutzten Adobe-Lösungen optimale Ergebnisse zu erzielen. Sie enthalten Support-Empfehlungen zu Strategie, Messung und Reifegrad, mit denen eine oder mehrere Adobe-Lösungen optimal genutzt werden können.</a:t>
+                <a:latin typeface="Adobe Clean Light"/>
+              </a:rPr>
+              <a:t> ermitteln Möglichkeiten, </a:t>
+            </a:r>
+            <a:br>
+              <a:rPr lang="de-DE" sz="1000" dirty="0">
+                <a:solidFill>
+                  <a:srgbClr val="000000"/>
+                </a:solidFill>
+                <a:latin typeface="Adobe Clean Light"/>
+              </a:rPr>
+            </a:br>
+            <a:r>
+              <a:rPr lang="de-DE" sz="1000" dirty="0">
+                <a:solidFill>
+                  <a:srgbClr val="000000"/>
+                </a:solidFill>
+                <a:latin typeface="Adobe Clean Light"/>
+              </a:rPr>
+              <a:t>mit den vom Kunden genutzten Adobe-Lösungen optimale Ergebnisse zu erzielen. Sie enthalten Support-Empfehlungen zu Strategie, Messung und Reifegrad, mit denen eine oder mehrere Adobe-Lösungen optimal genutzt werden können.</a:t>
             </a:r>
           </a:p>
           <a:p>
@@ -11855,7 +12144,7 @@
             </a:pPr>
             <a:r>
               <a:rPr lang="de-DE" sz="1000" dirty="0">
-                <a:latin typeface="Adobe Clean Light" charset="0"/>
+                <a:latin typeface="Adobe Clean Light"/>
               </a:rPr>
               <a:t>Verfügbare strategische Aktivitäten:</a:t>
             </a:r>
@@ -11960,7 +12249,7 @@
               </a:spcBef>
             </a:pPr>
             <a:r>
-              <a:rPr lang="de-DE" sz="1000">
+              <a:rPr lang="de-DE" sz="1000" dirty="0">
                 <a:solidFill>
                   <a:srgbClr val="1F1F1F"/>
                 </a:solidFill>
@@ -11970,17 +12259,17 @@
               <a:t>Als Enterprise-Kunde können Sie </a:t>
             </a:r>
             <a:r>
-              <a:rPr lang="de-DE" sz="1200" b="1" u="sng">
+              <a:rPr lang="de-DE" sz="1200" b="1" u="sng" dirty="0">
                 <a:solidFill>
                   <a:srgbClr val="1F1F1F"/>
                 </a:solidFill>
                 <a:latin typeface="Adobe Clean" panose="020B0503020404020204" pitchFamily="34" charset="0"/>
                 <a:cs typeface="AdobeClean-Light"/>
               </a:rPr>
-              <a:t>zwei</a:t>
-            </a:r>
-            <a:r>
-              <a:rPr lang="de-DE" sz="1000" b="1" u="sng">
+              <a:t>zwei </a:t>
+            </a:r>
+            <a:r>
+              <a:rPr lang="de-DE" sz="1000" b="1" u="sng" dirty="0">
                 <a:solidFill>
                   <a:srgbClr val="1F1F1F"/>
                 </a:solidFill>
@@ -11990,47 +12279,66 @@
               <a:t>Aktivitäten pro Jahr</a:t>
             </a:r>
             <a:r>
-              <a:rPr lang="de-DE" sz="1000">
+              <a:rPr lang="de-DE" sz="1000" dirty="0">
                 <a:solidFill>
                   <a:srgbClr val="1F1F1F"/>
                 </a:solidFill>
                 <a:latin typeface="Adobe Clean" panose="020B0503020404020204" pitchFamily="34" charset="0"/>
                 <a:cs typeface="AdobeClean-Light"/>
               </a:rPr>
-              <a:t> aus dem</a:t>
-            </a:r>
-            <a:r>
-              <a:rPr lang="de-DE" sz="1000" b="1">
+              <a:t> </a:t>
+            </a:r>
+            <a:br>
+              <a:rPr lang="de-DE" sz="1000" dirty="0">
                 <a:solidFill>
                   <a:srgbClr val="1F1F1F"/>
                 </a:solidFill>
                 <a:latin typeface="Adobe Clean" panose="020B0503020404020204" pitchFamily="34" charset="0"/>
                 <a:cs typeface="AdobeClean-Light"/>
               </a:rPr>
-              <a:t> technischen</a:t>
-            </a:r>
-            <a:r>
-              <a:rPr lang="de-DE" sz="1000">
+            </a:br>
+            <a:r>
+              <a:rPr lang="de-DE" sz="1000" dirty="0">
                 <a:solidFill>
                   <a:srgbClr val="1F1F1F"/>
                 </a:solidFill>
                 <a:latin typeface="Adobe Clean" panose="020B0503020404020204" pitchFamily="34" charset="0"/>
                 <a:cs typeface="AdobeClean-Light"/>
               </a:rPr>
-              <a:t> und/oder dem </a:t>
-            </a:r>
-            <a:r>
-              <a:rPr lang="de-DE" sz="1000" b="1">
+              <a:t>aus dem</a:t>
+            </a:r>
+            <a:r>
+              <a:rPr lang="de-DE" sz="1000" b="1" dirty="0">
                 <a:solidFill>
                   <a:srgbClr val="1F1F1F"/>
                 </a:solidFill>
                 <a:latin typeface="Adobe Clean" panose="020B0503020404020204" pitchFamily="34" charset="0"/>
                 <a:cs typeface="AdobeClean-Light"/>
               </a:rPr>
+              <a:t> technischen</a:t>
+            </a:r>
+            <a:r>
+              <a:rPr lang="de-DE" sz="1000" dirty="0">
+                <a:solidFill>
+                  <a:srgbClr val="1F1F1F"/>
+                </a:solidFill>
+                <a:latin typeface="Adobe Clean" panose="020B0503020404020204" pitchFamily="34" charset="0"/>
+                <a:cs typeface="AdobeClean-Light"/>
+              </a:rPr>
+              <a:t> und/oder dem </a:t>
+            </a:r>
+            <a:r>
+              <a:rPr lang="de-DE" sz="1000" b="1" dirty="0">
+                <a:solidFill>
+                  <a:srgbClr val="1F1F1F"/>
+                </a:solidFill>
+                <a:latin typeface="Adobe Clean" panose="020B0503020404020204" pitchFamily="34" charset="0"/>
+                <a:cs typeface="AdobeClean-Light"/>
+              </a:rPr>
               <a:t>strategischen</a:t>
             </a:r>
             <a:r>
-              <a:rPr lang="de-DE" sz="1000">
+              <a:rPr lang="de-DE" sz="1000" dirty="0">
                 <a:solidFill>
                   <a:srgbClr val="1F1F1F"/>
                 </a:solidFill>
@@ -12454,7 +12762,7 @@
         <p:spPr>
           <a:xfrm>
             <a:off x="6754821" y="9283729"/>
-            <a:ext cx="930275" cy="662305"/>
+            <a:ext cx="979479" cy="662305"/>
           </a:xfrm>
           <a:prstGeom prst="rect">
             <a:avLst/>
@@ -12475,7 +12783,7 @@
               </a:spcBef>
             </a:pPr>
             <a:r>
-              <a:rPr lang="de-DE" sz="800">
+              <a:rPr lang="de-DE" sz="800" dirty="0">
                 <a:solidFill>
                   <a:srgbClr val="777879"/>
                 </a:solidFill>
@@ -12492,7 +12800,7 @@
               </a:lnSpc>
             </a:pPr>
             <a:r>
-              <a:rPr lang="de-DE" sz="800">
+              <a:rPr lang="de-DE" sz="800" dirty="0">
                 <a:solidFill>
                   <a:srgbClr val="777879"/>
                 </a:solidFill>
@@ -12509,7 +12817,7 @@
               </a:lnSpc>
             </a:pPr>
             <a:r>
-              <a:rPr lang="de-DE" sz="800">
+              <a:rPr lang="de-DE" sz="800" dirty="0">
                 <a:solidFill>
                   <a:srgbClr val="777879"/>
                 </a:solidFill>
@@ -12529,7 +12837,7 @@
               </a:spcBef>
             </a:pPr>
             <a:r>
-              <a:rPr lang="de-DE" sz="800">
+              <a:rPr lang="de-DE" sz="800" dirty="0">
                 <a:solidFill>
                   <a:srgbClr val="777879"/>
                 </a:solidFill>
@@ -12549,7 +12857,7 @@
               </a:spcBef>
             </a:pPr>
             <a:r>
-              <a:rPr lang="de-DE" sz="800" u="sng">
+              <a:rPr lang="de-DE" sz="800" u="sng" dirty="0">
                 <a:solidFill>
                   <a:srgbClr val="5F5F5F"/>
                 </a:solidFill>
@@ -12717,14 +13025,14 @@
         <p:spPr>
           <a:xfrm>
             <a:off x="75947" y="9437110"/>
-            <a:ext cx="5809358" cy="570865"/>
+            <a:ext cx="5943853" cy="570865"/>
           </a:xfrm>
           <a:prstGeom prst="rect">
             <a:avLst/>
           </a:prstGeom>
         </p:spPr>
         <p:txBody>
-          <a:bodyPr vert="horz" wrap="square" lIns="0" tIns="29845" rIns="0" bIns="0" rtlCol="0">
+          <a:bodyPr vert="horz" wrap="square" lIns="0" tIns="29845" rIns="0" bIns="0" rtlCol="0" anchor="t">
             <a:spAutoFit/>
           </a:bodyPr>
           <a:lstStyle/>
@@ -12745,7 +13053,27 @@
                 <a:latin typeface="AdobeClean-LightIt"/>
                 <a:cs typeface="AdobeClean-LightIt"/>
               </a:rPr>
-              <a:t>Weitere Informationen zum Support-Angebot von Adobe sowie zum für Ihre Bedürfnisse geeigneten Support-Level erhalten Sie bei Ihrem spezifischen Account-Manager (NAM) oder Ihrem Customer Success Manager(CSM)</a:t>
+              <a:t>Weitere Informationen zum Support-Angebot von Adobe sowie zum für Ihre Bedürfnisse geeigneten Support-Level erhalten Sie bei Ihrem spezifischen Account-Manager (NAM) oder Ihrem Customer </a:t>
+            </a:r>
+            <a:r>
+              <a:rPr lang="de-DE" sz="1100" i="1" dirty="0" err="1">
+                <a:solidFill>
+                  <a:srgbClr val="777879"/>
+                </a:solidFill>
+                <a:latin typeface="AdobeClean-LightIt"/>
+                <a:cs typeface="AdobeClean-LightIt"/>
+              </a:rPr>
+              <a:t>Success</a:t>
+            </a:r>
+            <a:r>
+              <a:rPr lang="de-DE" sz="1100" i="1" dirty="0">
+                <a:solidFill>
+                  <a:srgbClr val="777879"/>
+                </a:solidFill>
+                <a:latin typeface="AdobeClean-LightIt"/>
+                <a:cs typeface="AdobeClean-LightIt"/>
+              </a:rPr>
+              <a:t> Manager (CSM).</a:t>
             </a:r>
           </a:p>
           <a:p>
@@ -12765,7 +13093,47 @@
                 <a:latin typeface="Adobe Clean"/>
                 <a:cs typeface="Adobe Clean"/>
               </a:rPr>
-              <a:t>©2021 Adobe. All Rights Reserved. Adobe Confidential.</a:t>
+              <a:t>©2021 Adobe. All Rights </a:t>
+            </a:r>
+            <a:r>
+              <a:rPr lang="de-DE" sz="800" dirty="0" err="1">
+                <a:solidFill>
+                  <a:srgbClr val="6D6D6D"/>
+                </a:solidFill>
+                <a:latin typeface="Adobe Clean"/>
+                <a:cs typeface="Adobe Clean"/>
+              </a:rPr>
+              <a:t>Reserved</a:t>
+            </a:r>
+            <a:r>
+              <a:rPr lang="de-DE" sz="800" dirty="0">
+                <a:solidFill>
+                  <a:srgbClr val="6D6D6D"/>
+                </a:solidFill>
+                <a:latin typeface="Adobe Clean"/>
+                <a:cs typeface="Adobe Clean"/>
+              </a:rPr>
+              <a:t>. Adobe </a:t>
+            </a:r>
+            <a:r>
+              <a:rPr lang="de-DE" sz="800" dirty="0" err="1">
+                <a:solidFill>
+                  <a:srgbClr val="6D6D6D"/>
+                </a:solidFill>
+                <a:latin typeface="Adobe Clean"/>
+                <a:cs typeface="Adobe Clean"/>
+              </a:rPr>
+              <a:t>Confidential</a:t>
+            </a:r>
+            <a:r>
+              <a:rPr lang="de-DE" sz="800" dirty="0">
+                <a:solidFill>
+                  <a:srgbClr val="6D6D6D"/>
+                </a:solidFill>
+                <a:latin typeface="Adobe Clean"/>
+                <a:cs typeface="Adobe Clean"/>
+              </a:rPr>
+              <a:t>.</a:t>
             </a:r>
           </a:p>
         </p:txBody>
@@ -12784,8 +13152,8 @@
         </p:nvSpPr>
         <p:spPr>
           <a:xfrm>
-            <a:off x="190707" y="4913781"/>
-            <a:ext cx="6476646" cy="755976"/>
+            <a:off x="190706" y="4913781"/>
+            <a:ext cx="7274987" cy="755976"/>
           </a:xfrm>
           <a:prstGeom prst="rect">
             <a:avLst/>
@@ -12803,7 +13171,7 @@
               </a:spcBef>
             </a:pPr>
             <a:r>
-              <a:rPr lang="de-DE" sz="1400" b="1">
+              <a:rPr lang="de-DE" sz="1400" b="1" dirty="0">
                 <a:solidFill>
                   <a:srgbClr val="020302"/>
                 </a:solidFill>
@@ -12820,13 +13188,30 @@
               </a:spcBef>
             </a:pPr>
             <a:r>
-              <a:rPr lang="de-DE" sz="1000">
+              <a:rPr lang="de-DE" sz="1000" dirty="0">
                 <a:solidFill>
                   <a:srgbClr val="1F1F1F"/>
                 </a:solidFill>
                 <a:latin typeface="AdobeClean-Light"/>
               </a:rPr>
-              <a:t>Das regionale Support-Angebot von Adobe wird durch Abgleich der Rechnungsadresse des Kunden (entsprechend dem Kundenauftrag oder einer anderen Kaufbestätigung für Adobe-Support) mit einer der folgenden Regionen ermittelt:</a:t>
+              <a:t>Das regionale Support-Angebot von Adobe wird durch Abgleich der Rechnungsadresse des Kunden (entsprechend dem Kundenauftrag </a:t>
+            </a:r>
+            <a:br>
+              <a:rPr lang="de-DE" sz="1000" dirty="0">
+                <a:solidFill>
+                  <a:srgbClr val="1F1F1F"/>
+                </a:solidFill>
+                <a:latin typeface="AdobeClean-Light"/>
+              </a:rPr>
+            </a:br>
+            <a:r>
+              <a:rPr lang="de-DE" sz="1000" dirty="0">
+                <a:solidFill>
+                  <a:srgbClr val="1F1F1F"/>
+                </a:solidFill>
+                <a:latin typeface="AdobeClean-Light"/>
+              </a:rPr>
+              <a:t>oder einer anderen Kaufbestätigung für Adobe-Support) mit einer der folgenden Regionen ermittelt:</a:t>
             </a:r>
           </a:p>
         </p:txBody>
@@ -12846,7 +13231,7 @@
           <p:nvPr>
             <p:extLst>
               <p:ext uri="{D42A27DB-BD31-4B8C-83A1-F6EECF244321}">
-                <p14:modId xmlns:p14="http://schemas.microsoft.com/office/powerpoint/2010/main" val="1291534283"/>
+                <p14:modId xmlns:p14="http://schemas.microsoft.com/office/powerpoint/2010/main" val="774968486"/>
               </p:ext>
             </p:extLst>
           </p:nvPr>
@@ -12964,13 +13349,30 @@
                     <a:p>
                       <a:pPr algn="ctr"/>
                       <a:r>
-                        <a:rPr lang="de-DE" sz="1100">
+                        <a:rPr lang="de-DE" sz="1100" dirty="0">
                           <a:solidFill>
                             <a:schemeClr val="tx1"/>
                           </a:solidFill>
                           <a:latin typeface="Adobe Clean"/>
                         </a:rPr>
-                        <a:t>Europa, Naher Osten und Afrika</a:t>
+                        <a:t>Europa, Naher Osten </a:t>
+                      </a:r>
+                      <a:br>
+                        <a:rPr lang="de-DE" sz="1100" dirty="0">
+                          <a:solidFill>
+                            <a:schemeClr val="tx1"/>
+                          </a:solidFill>
+                          <a:latin typeface="Adobe Clean"/>
+                        </a:rPr>
+                      </a:br>
+                      <a:r>
+                        <a:rPr lang="de-DE" sz="1100" dirty="0">
+                          <a:solidFill>
+                            <a:schemeClr val="tx1"/>
+                          </a:solidFill>
+                          <a:latin typeface="Adobe Clean"/>
+                        </a:rPr>
+                        <a:t>und Afrika</a:t>
                       </a:r>
                     </a:p>
                   </a:txBody>
@@ -13453,7 +13855,7 @@
                         <a:buNone/>
                       </a:pPr>
                       <a:r>
-                        <a:rPr lang="de-DE" sz="1100" b="0" i="0" u="none" strike="noStrike" noProof="0"/>
+                        <a:rPr lang="de-DE" sz="1100" b="0" i="0" u="none" strike="noStrike" noProof="0" dirty="0"/>
                         <a:t>Sprachunterstützung ist nur auf Englisch und Japanisch verfügbar.</a:t>
                       </a:r>
                     </a:p>
@@ -13470,7 +13872,7 @@
                         </a:spcAft>
                         <a:buNone/>
                       </a:pPr>
-                      <a:endParaRPr lang="en-US" sz="1100" b="0" i="0" u="none" strike="noStrike" noProof="0"/>
+                      <a:endParaRPr lang="en-US" sz="1100" b="0" i="0" u="none" strike="noStrike" noProof="0" dirty="0"/>
                     </a:p>
                     <a:p>
                       <a:pPr lvl="0" algn="ctr">
@@ -13486,15 +13888,15 @@
                         <a:buNone/>
                       </a:pPr>
                       <a:r>
-                        <a:rPr lang="de-DE" sz="1100" b="0" i="0" u="none" strike="noStrike" noProof="0"/>
+                        <a:rPr lang="de-DE" sz="1100" b="0" i="0" u="none" strike="noStrike" noProof="0" dirty="0"/>
                         <a:t> </a:t>
                       </a:r>
                       <a:r>
-                        <a:rPr lang="de-DE" sz="1100" b="0" i="0" u="none" strike="noStrike" baseline="30000" noProof="0"/>
+                        <a:rPr lang="de-DE" sz="1100" b="0" i="0" u="none" strike="noStrike" baseline="30000" noProof="0" dirty="0"/>
                         <a:t>1</a:t>
                       </a:r>
                       <a:r>
-                        <a:rPr lang="de-DE" sz="1100" b="0" i="0" u="none" strike="noStrike" noProof="0"/>
+                        <a:rPr lang="de-DE" sz="1100" b="0" i="0" u="none" strike="noStrike" noProof="0" dirty="0"/>
                         <a:t>Fälle der Kategorien P2, P3 und P4 sind in Japan auf Geschäftszeiten beschränkt.</a:t>
                       </a:r>
                     </a:p>
@@ -13838,8 +14240,8 @@
         </p:nvSpPr>
         <p:spPr>
           <a:xfrm>
-            <a:off x="2669421" y="8528519"/>
-            <a:ext cx="1150104" cy="385445"/>
+            <a:off x="2635012" y="8528519"/>
+            <a:ext cx="1222614" cy="382797"/>
           </a:xfrm>
           <a:prstGeom prst="rect">
             <a:avLst/>
@@ -13886,8 +14288,8 @@
         </p:nvSpPr>
         <p:spPr>
           <a:xfrm>
-            <a:off x="4627720" y="8541244"/>
-            <a:ext cx="925355" cy="382797"/>
+            <a:off x="4732495" y="8541244"/>
+            <a:ext cx="810895" cy="382797"/>
           </a:xfrm>
           <a:prstGeom prst="rect">
             <a:avLst/>
@@ -13934,8 +14336,8 @@
         </p:nvSpPr>
         <p:spPr>
           <a:xfrm>
-            <a:off x="6471718" y="8543943"/>
-            <a:ext cx="841576" cy="385445"/>
+            <a:off x="6200946" y="8543943"/>
+            <a:ext cx="1356886" cy="385445"/>
           </a:xfrm>
           <a:prstGeom prst="rect">
             <a:avLst/>
@@ -13983,7 +14385,7 @@
           <p:nvPr>
             <p:extLst>
               <p:ext uri="{D42A27DB-BD31-4B8C-83A1-F6EECF244321}">
-                <p14:modId xmlns:p14="http://schemas.microsoft.com/office/powerpoint/2010/main" val="3534718922"/>
+                <p14:modId xmlns:p14="http://schemas.microsoft.com/office/powerpoint/2010/main" val="1530682147"/>
               </p:ext>
             </p:extLst>
           </p:nvPr>
@@ -13999,14 +14401,14 @@
                 <a:tableStyleId>{5C22544A-7EE6-4342-B048-85BDC9FD1C3A}</a:tableStyleId>
               </a:tblPr>
               <a:tblGrid>
-                <a:gridCol w="3691964">
+                <a:gridCol w="3533213">
                   <a:extLst>
                     <a:ext uri="{9D8B030D-6E8A-4147-A177-3AD203B41FA5}">
                       <a16:colId xmlns:a16="http://schemas.microsoft.com/office/drawing/2014/main" val="2364693614"/>
                     </a:ext>
                   </a:extLst>
                 </a:gridCol>
-                <a:gridCol w="3676327">
+                <a:gridCol w="3835078">
                   <a:extLst>
                     <a:ext uri="{9D8B030D-6E8A-4147-A177-3AD203B41FA5}">
                       <a16:colId xmlns:a16="http://schemas.microsoft.com/office/drawing/2014/main" val="1545335406"/>
@@ -14025,7 +14427,7 @@
                           <a:solidFill>
                             <a:schemeClr val="tx1"/>
                           </a:solidFill>
-                          <a:latin typeface="Adobe Clean" panose="020B0503020404020204" pitchFamily="34" charset="0"/>
+                          <a:latin typeface="Adobe Clean"/>
                           <a:ea typeface="+mn-ea"/>
                           <a:cs typeface="+mn-cs"/>
                           <a:hlinkClick r:id="rId7"/>
@@ -14087,7 +14489,7 @@
                     <a:bodyPr/>
                     <a:lstStyle/>
                     <a:p>
-                      <a:pPr marL="0" marR="0" lvl="0" indent="0" defTabSz="914400" eaLnBrk="1" fontAlgn="auto" latinLnBrk="0" hangingPunct="1">
+                      <a:pPr marL="0" marR="0" lvl="0" indent="0" eaLnBrk="1" fontAlgn="auto" latinLnBrk="0" hangingPunct="1">
                         <a:lnSpc>
                           <a:spcPct val="100000"/>
                         </a:lnSpc>
@@ -14101,51 +14503,17 @@
                         <a:buSzTx/>
                         <a:buFontTx/>
                         <a:buNone/>
-                        <a:tabLst/>
-                        <a:defRPr/>
                       </a:pPr>
                       <a:r>
                         <a:rPr lang="de-DE" sz="1000" b="0" dirty="0">
                           <a:solidFill>
                             <a:srgbClr val="000000"/>
                           </a:solidFill>
-                          <a:latin typeface="Adobe Clean Light" panose="020B0303020404020204" pitchFamily="34" charset="0"/>
+                          <a:latin typeface="Adobe Clean Light"/>
                           <a:ea typeface="+mn-ea"/>
                           <a:cs typeface="+mn-cs"/>
                         </a:rPr>
-                        <a:t>Mit der Experience League unterstützt Adobe Unternehmen dabei, </a:t>
-                      </a:r>
-                      <a:br>
-                        <a:rPr lang="sk-SK" sz="1000" b="0">
-                          <a:solidFill>
-                            <a:srgbClr val="000000"/>
-                          </a:solidFill>
-                          <a:latin typeface="Adobe Clean Light" panose="020B0303020404020204" pitchFamily="34" charset="0"/>
-                          <a:ea typeface="+mn-ea"/>
-                          <a:cs typeface="+mn-cs"/>
-                        </a:rPr>
-                      </a:br>
-                      <a:r>
-                        <a:rPr lang="de-DE" sz="1000" b="0">
-                          <a:solidFill>
-                            <a:srgbClr val="000000"/>
-                          </a:solidFill>
-                          <a:latin typeface="Adobe Clean Light" panose="020B0303020404020204" pitchFamily="34" charset="0"/>
-                          <a:ea typeface="+mn-ea"/>
-                          <a:cs typeface="+mn-cs"/>
-                        </a:rPr>
-                        <a:t>mit ihren Investitionen in Adobe optimale Ergebnisse zu erzielen. </a:t>
-                      </a:r>
-                      <a:r>
-                        <a:rPr lang="de-DE" sz="1000" b="0" dirty="0">
-                          <a:solidFill>
-                            <a:srgbClr val="000000"/>
-                          </a:solidFill>
-                          <a:latin typeface="Adobe Clean Light" panose="020B0303020404020204" pitchFamily="34" charset="0"/>
-                          <a:ea typeface="+mn-ea"/>
-                          <a:cs typeface="+mn-cs"/>
-                        </a:rPr>
-                        <a:t>An diesem zentralen Ort können Kunden auf einem personalisierten Weg zum Erfolg lernen, Kontakte knüpfen und sich weiterentwickeln. Dafür nutzen sie Selbsthilfe-Tutorials, Produktdokumentation, von Kursleitern geführte Schulungen, Community und technischen Support. </a:t>
+                        <a:t>Mit der Experience League unterstützt Adobe Unternehmen dabei, mit ihren Investitionen in Adobe optimale Ergebnisse zu erzielen. An diesem zentralen Ort können Kunden auf einem personalisierten Weg zum Erfolg lernen, Kontakte knüpfen und sich weiterentwickeln. Dafür nutzen sie Selbsthilfe-Tutorials, Produktdokumentation, von Kursleitern geführte Schulungen, Community und technischen Support. </a:t>
                       </a:r>
                     </a:p>
                   </a:txBody>
@@ -14231,7 +14599,7 @@
                           <a:solidFill>
                             <a:schemeClr val="dk1"/>
                           </a:solidFill>
-                          <a:latin typeface="Adobe Clean" panose="020B0503020404020204" pitchFamily="34" charset="0"/>
+                          <a:latin typeface="Adobe Clean"/>
                           <a:ea typeface="+mn-ea"/>
                           <a:cs typeface="+mn-cs"/>
                           <a:hlinkClick r:id="rId8"/>
@@ -14243,7 +14611,7 @@
                           <a:solidFill>
                             <a:schemeClr val="dk1"/>
                           </a:solidFill>
-                          <a:latin typeface="Adobe Clean" panose="020B0503020404020204" pitchFamily="34" charset="0"/>
+                          <a:latin typeface="Adobe Clean"/>
                           <a:ea typeface="+mn-ea"/>
                           <a:cs typeface="+mn-cs"/>
                         </a:rPr>
@@ -14326,7 +14694,7 @@
                           <a:solidFill>
                             <a:srgbClr val="000000"/>
                           </a:solidFill>
-                          <a:latin typeface="Adobe Clean Light" panose="020B0303020404020204" pitchFamily="34" charset="0"/>
+                          <a:latin typeface="Adobe Clean Light"/>
                           <a:ea typeface="+mn-ea"/>
                           <a:cs typeface="+mn-cs"/>
                         </a:rPr>
@@ -14416,7 +14784,7 @@
                           <a:solidFill>
                             <a:schemeClr val="tx1"/>
                           </a:solidFill>
-                          <a:latin typeface="Adobe Clean" panose="020B0503020404020204" pitchFamily="34" charset="0"/>
+                          <a:latin typeface="Adobe Clean"/>
                           <a:ea typeface="+mn-ea"/>
                           <a:cs typeface="+mn-cs"/>
                           <a:hlinkClick r:id="rId9"/>
@@ -14478,7 +14846,7 @@
                     <a:bodyPr/>
                     <a:lstStyle/>
                     <a:p>
-                      <a:pPr marL="0" marR="0" lvl="0" indent="0" defTabSz="914400" eaLnBrk="1" fontAlgn="auto" latinLnBrk="0" hangingPunct="1">
+                      <a:pPr marL="0" marR="0" lvl="0" indent="0" eaLnBrk="1" fontAlgn="auto" latinLnBrk="0" hangingPunct="1">
                         <a:lnSpc>
                           <a:spcPct val="100000"/>
                         </a:lnSpc>
@@ -14492,19 +14860,80 @@
                         <a:buSzTx/>
                         <a:buFontTx/>
                         <a:buNone/>
-                        <a:tabLst/>
-                        <a:defRPr/>
                       </a:pPr>
                       <a:r>
-                        <a:rPr lang="de-DE" sz="1000">
+                        <a:rPr lang="de-DE" sz="1000" dirty="0">
                           <a:solidFill>
                             <a:srgbClr val="000000"/>
                           </a:solidFill>
-                          <a:latin typeface="Adobe Clean Light" panose="020B0303020404020204" pitchFamily="34" charset="0"/>
+                          <a:latin typeface="Adobe Clean Light"/>
                           <a:ea typeface="+mn-ea"/>
                           <a:cs typeface="+mn-cs"/>
                         </a:rPr>
-                        <a:t>Status.adobe.com übermittelt die Statusinformationen sämtlicher Adobe-Produkte und -Services, die in Umgebungen mit mehreren Mandanten implementiert sind. Kunden können Voreinstellungen für ihr Abonnement auswählen und E-Mail-Benachrichtigungen erhalten, wenn Adobe ein Produktereignis erstellt, aktualisiert oder löst. Dies kann geplante Wartungen oder Service-Probleme unterschiedlichen Schweregrads umfassen. </a:t>
+                        <a:t>Status.adobe.com übermittelt die Statusinformationen sämtlicher </a:t>
+                      </a:r>
+                      <a:br>
+                        <a:rPr lang="de-DE" sz="1000" dirty="0">
+                          <a:solidFill>
+                            <a:srgbClr val="000000"/>
+                          </a:solidFill>
+                          <a:latin typeface="Adobe Clean Light"/>
+                          <a:ea typeface="+mn-ea"/>
+                          <a:cs typeface="+mn-cs"/>
+                        </a:rPr>
+                      </a:br>
+                      <a:r>
+                        <a:rPr lang="de-DE" sz="1000" dirty="0">
+                          <a:solidFill>
+                            <a:srgbClr val="000000"/>
+                          </a:solidFill>
+                          <a:latin typeface="Adobe Clean Light"/>
+                          <a:ea typeface="+mn-ea"/>
+                          <a:cs typeface="+mn-cs"/>
+                        </a:rPr>
+                        <a:t>Adobe-Produkte und -Services, die in Umgebungen mit mehreren Mandanten implementiert sind. Kunden können Voreinstellungen </a:t>
+                      </a:r>
+                      <a:br>
+                        <a:rPr lang="de-DE" sz="1000" dirty="0">
+                          <a:solidFill>
+                            <a:srgbClr val="000000"/>
+                          </a:solidFill>
+                          <a:latin typeface="Adobe Clean Light"/>
+                          <a:ea typeface="+mn-ea"/>
+                          <a:cs typeface="+mn-cs"/>
+                        </a:rPr>
+                      </a:br>
+                      <a:r>
+                        <a:rPr lang="de-DE" sz="1000" dirty="0">
+                          <a:solidFill>
+                            <a:srgbClr val="000000"/>
+                          </a:solidFill>
+                          <a:latin typeface="Adobe Clean Light"/>
+                          <a:ea typeface="+mn-ea"/>
+                          <a:cs typeface="+mn-cs"/>
+                        </a:rPr>
+                        <a:t>für ihr Abonnement auswählen und E-Mail-Benachrichtigungen erhalten, wenn Adobe ein Produktereignis erstellt, aktualisiert oder löst. </a:t>
+                      </a:r>
+                      <a:br>
+                        <a:rPr lang="de-DE" sz="1000" dirty="0">
+                          <a:solidFill>
+                            <a:srgbClr val="000000"/>
+                          </a:solidFill>
+                          <a:latin typeface="Adobe Clean Light"/>
+                          <a:ea typeface="+mn-ea"/>
+                          <a:cs typeface="+mn-cs"/>
+                        </a:rPr>
+                      </a:br>
+                      <a:r>
+                        <a:rPr lang="de-DE" sz="1000" dirty="0">
+                          <a:solidFill>
+                            <a:srgbClr val="000000"/>
+                          </a:solidFill>
+                          <a:latin typeface="Adobe Clean Light"/>
+                          <a:ea typeface="+mn-ea"/>
+                          <a:cs typeface="+mn-cs"/>
+                        </a:rPr>
+                        <a:t>Dies kann geplante Wartungen oder Service-Probleme unterschiedlichen Schweregrads umfassen. </a:t>
                       </a:r>
                     </a:p>
                   </a:txBody>
@@ -14590,7 +15019,7 @@
                           <a:solidFill>
                             <a:schemeClr val="tx1"/>
                           </a:solidFill>
-                          <a:latin typeface="Adobe Clean" panose="020B0503020404020204" pitchFamily="34" charset="0"/>
+                          <a:latin typeface="Adobe Clean"/>
                           <a:ea typeface="+mn-ea"/>
                           <a:cs typeface="+mn-cs"/>
                           <a:hlinkClick r:id="rId10"/>
@@ -14657,18 +15086,18 @@
                           <a:solidFill>
                             <a:srgbClr val="000000"/>
                           </a:solidFill>
-                          <a:latin typeface="Adobe Clean Light" panose="020B0303020404020204" pitchFamily="34" charset="0"/>
+                          <a:latin typeface="Adobe Clean Light"/>
                           <a:ea typeface="+mn-ea"/>
                           <a:cs typeface="+mn-cs"/>
                         </a:rPr>
                         <a:t>Allgemeine Geschäftsbedingungen mit detaillierten Informationen </a:t>
                       </a:r>
                       <a:br>
-                        <a:rPr lang="sk-SK" sz="1000" dirty="0">
+                        <a:rPr lang="de-DE" sz="1000" dirty="0">
                           <a:solidFill>
                             <a:srgbClr val="000000"/>
                           </a:solidFill>
-                          <a:latin typeface="Adobe Clean Light" panose="020B0303020404020204" pitchFamily="34" charset="0"/>
+                          <a:latin typeface="Adobe Clean Light"/>
                           <a:ea typeface="+mn-ea"/>
                           <a:cs typeface="+mn-cs"/>
                         </a:rPr>
@@ -14678,11 +15107,11 @@
                           <a:solidFill>
                             <a:srgbClr val="000000"/>
                           </a:solidFill>
-                          <a:latin typeface="Adobe Clean Light" panose="020B0303020404020204" pitchFamily="34" charset="0"/>
+                          <a:latin typeface="Adobe Clean Light"/>
                           <a:ea typeface="+mn-ea"/>
                           <a:cs typeface="+mn-cs"/>
                         </a:rPr>
-                        <a:t>zu den angebotenen Support-Services</a:t>
+                        <a:t>zu den angebotenen Support-Services.</a:t>
                       </a:r>
                     </a:p>
                   </a:txBody>
@@ -15453,12 +15882,6 @@
 </file>
 
 <file path=customXml/item1.xml><?xml version="1.0" encoding="utf-8"?>
-<p:properties xmlns:p="http://schemas.microsoft.com/office/2006/metadata/properties" xmlns:xsi="http://www.w3.org/2001/XMLSchema-instance" xmlns:pc="http://schemas.microsoft.com/office/infopath/2007/PartnerControls">
-  <documentManagement/>
-</p:properties>
-</file>
-
-<file path=customXml/item2.xml><?xml version="1.0" encoding="utf-8"?>
 <ct:contentTypeSchema xmlns:ct="http://schemas.microsoft.com/office/2006/metadata/contentType" xmlns:ma="http://schemas.microsoft.com/office/2006/metadata/properties/metaAttributes" ct:_="" ma:_="" ma:contentTypeName="Document" ma:contentTypeID="0x010100E783BF6876BCC646A459363AF21A7736" ma:contentTypeVersion="10" ma:contentTypeDescription="Create a new document." ma:contentTypeScope="" ma:versionID="c4ffda7f4f415767600769e454c2ea87">
   <xsd:schema xmlns:xsd="http://www.w3.org/2001/XMLSchema" xmlns:xs="http://www.w3.org/2001/XMLSchema" xmlns:p="http://schemas.microsoft.com/office/2006/metadata/properties" xmlns:ns2="8a053bff-88be-49e4-9a87-e748e18b8b62" xmlns:ns3="6c8368ec-3776-49b5-a5bb-90648cf9530f" targetNamespace="http://schemas.microsoft.com/office/2006/metadata/properties" ma:root="true" ma:fieldsID="df3ec33bccc23e23bce7bc897fad43d1" ns2:_="" ns3:_="">
     <xsd:import namespace="8a053bff-88be-49e4-9a87-e748e18b8b62"/>
@@ -15663,7 +16086,7 @@
 </ct:contentTypeSchema>
 </file>
 
-<file path=customXml/item3.xml><?xml version="1.0" encoding="utf-8"?>
+<file path=customXml/item2.xml><?xml version="1.0" encoding="utf-8"?>
 <?mso-contentType ?>
 <FormTemplates xmlns="http://schemas.microsoft.com/sharepoint/v3/contenttype/forms">
   <Display>DocumentLibraryForm</Display>
@@ -15672,16 +16095,13 @@
 </FormTemplates>
 </file>
 
-<file path=customXml/itemProps1.xml><?xml version="1.0" encoding="utf-8"?>
-<ds:datastoreItem xmlns:ds="http://schemas.openxmlformats.org/officeDocument/2006/customXml" ds:itemID="{ED4099BE-EDEC-4FF1-8378-446617236015}">
-  <ds:schemaRefs>
-    <ds:schemaRef ds:uri="http://schemas.microsoft.com/office/2006/metadata/properties"/>
-    <ds:schemaRef ds:uri="http://schemas.microsoft.com/office/infopath/2007/PartnerControls"/>
-  </ds:schemaRefs>
-</ds:datastoreItem>
+<file path=customXml/item3.xml><?xml version="1.0" encoding="utf-8"?>
+<p:properties xmlns:p="http://schemas.microsoft.com/office/2006/metadata/properties" xmlns:xsi="http://www.w3.org/2001/XMLSchema-instance" xmlns:pc="http://schemas.microsoft.com/office/infopath/2007/PartnerControls">
+  <documentManagement/>
+</p:properties>
 </file>
 
-<file path=customXml/itemProps2.xml><?xml version="1.0" encoding="utf-8"?>
+<file path=customXml/itemProps1.xml><?xml version="1.0" encoding="utf-8"?>
 <ds:datastoreItem xmlns:ds="http://schemas.openxmlformats.org/officeDocument/2006/customXml" ds:itemID="{FB2EBF8D-136B-48EC-8FC0-F70C0583664B}">
   <ds:schemaRefs>
     <ds:schemaRef ds:uri="6c8368ec-3776-49b5-a5bb-90648cf9530f"/>
@@ -15700,10 +16120,27 @@
 </ds:datastoreItem>
 </file>
 
-<file path=customXml/itemProps3.xml><?xml version="1.0" encoding="utf-8"?>
+<file path=customXml/itemProps2.xml><?xml version="1.0" encoding="utf-8"?>
 <ds:datastoreItem xmlns:ds="http://schemas.openxmlformats.org/officeDocument/2006/customXml" ds:itemID="{941989CE-20BB-4A6A-A33F-71A1AE469C3E}">
   <ds:schemaRefs>
     <ds:schemaRef ds:uri="http://schemas.microsoft.com/sharepoint/v3/contenttype/forms"/>
   </ds:schemaRefs>
 </ds:datastoreItem>
+</file>
+
+<file path=customXml/itemProps3.xml><?xml version="1.0" encoding="utf-8"?>
+<ds:datastoreItem xmlns:ds="http://schemas.openxmlformats.org/officeDocument/2006/customXml" ds:itemID="{ED4099BE-EDEC-4FF1-8378-446617236015}">
+  <ds:schemaRefs>
+    <ds:schemaRef ds:uri="6c8368ec-3776-49b5-a5bb-90648cf9530f"/>
+    <ds:schemaRef ds:uri="8a053bff-88be-49e4-9a87-e748e18b8b62"/>
+    <ds:schemaRef ds:uri="http://purl.org/dc/dcmitype/"/>
+    <ds:schemaRef ds:uri="http://purl.org/dc/elements/1.1/"/>
+    <ds:schemaRef ds:uri="http://purl.org/dc/terms/"/>
+    <ds:schemaRef ds:uri="http://schemas.microsoft.com/office/2006/documentManagement/types"/>
+    <ds:schemaRef ds:uri="http://schemas.microsoft.com/office/2006/metadata/properties"/>
+    <ds:schemaRef ds:uri="http://schemas.microsoft.com/office/infopath/2007/PartnerControls"/>
+    <ds:schemaRef ds:uri="http://schemas.openxmlformats.org/package/2006/metadata/core-properties"/>
+    <ds:schemaRef ds:uri="http://www.w3.org/XML/1998/namespace"/>
+  </ds:schemaRefs>
+</ds:datastoreItem>
 </file>
--- a/help/data-sheets/assets/EnterpriseSupportDatasheet.pptx
+++ b/help/data-sheets/assets/EnterpriseSupportDatasheet.pptx
@@ -144,9 +144,7 @@
 <file path=ppt/revisionInfo.xml><?xml version="1.0" encoding="utf-8"?>
 <p1510:revInfo xmlns:a="http://schemas.openxmlformats.org/drawingml/2006/main" xmlns:r="http://schemas.openxmlformats.org/officeDocument/2006/relationships" xmlns:p1510="http://schemas.microsoft.com/office/powerpoint/2015/10/main">
   <p1510:revLst>
-    <p1510:client id="{19826C17-B3F5-53A1-AAFF-C7771804C7A7}" v="128" dt="2021-10-13T18:50:39.613"/>
-    <p1510:client id="{1A3D389F-0E00-444F-BDF7-5C174E20EEC2}" v="2" dt="2021-10-13T19:33:05.183"/>
-    <p1510:client id="{D02E726A-82A5-CF13-9EBE-9B674D878D37}" v="22" dt="2021-10-12T19:51:27.470"/>
+    <p1510:client id="{DC554207-FA81-638A-220E-C39F63BF408A}" v="13" dt="2021-11-23T23:51:45.093"/>
   </p1510:revLst>
 </p1510:revInfo>
 </file>
@@ -154,26 +152,58 @@
 <file path=ppt/changesInfos/changesInfo1.xml><?xml version="1.0" encoding="utf-8"?>
 <pc:chgInfo xmlns:a="http://schemas.openxmlformats.org/drawingml/2006/main" xmlns:r="http://schemas.openxmlformats.org/officeDocument/2006/relationships" xmlns:ac="http://schemas.microsoft.com/office/drawing/2013/main/command" xmlns:pc="http://schemas.microsoft.com/office/powerpoint/2013/main/command">
   <pc:docChgLst>
-    <pc:chgData name="Akilah Johnson" userId="S::akjohnso@adobe.com::2fa3aa60-0c9c-4d06-bae2-795983241227" providerId="AD" clId="Web-{0AB2EF93-BE08-D205-D43E-3B568BB37DAA}"/>
+    <pc:chgData name="Akilah Johnson" userId="S::akjohnso@adobe.com::2fa3aa60-0c9c-4d06-bae2-795983241227" providerId="AD" clId="Web-{A40C3D7D-993B-38B2-2DDA-C562505A1054}"/>
     <pc:docChg chg="modSld">
-      <pc:chgData name="Akilah Johnson" userId="S::akjohnso@adobe.com::2fa3aa60-0c9c-4d06-bae2-795983241227" providerId="AD" clId="Web-{0AB2EF93-BE08-D205-D43E-3B568BB37DAA}" dt="2021-09-22T23:01:45.877" v="13"/>
+      <pc:chgData name="Akilah Johnson" userId="S::akjohnso@adobe.com::2fa3aa60-0c9c-4d06-bae2-795983241227" providerId="AD" clId="Web-{A40C3D7D-993B-38B2-2DDA-C562505A1054}" dt="2021-09-22T23:00:46.860" v="3"/>
       <pc:docMkLst>
         <pc:docMk/>
       </pc:docMkLst>
       <pc:sldChg chg="modSp">
-        <pc:chgData name="Akilah Johnson" userId="S::akjohnso@adobe.com::2fa3aa60-0c9c-4d06-bae2-795983241227" providerId="AD" clId="Web-{0AB2EF93-BE08-D205-D43E-3B568BB37DAA}" dt="2021-09-22T23:01:45.877" v="13"/>
+        <pc:chgData name="Akilah Johnson" userId="S::akjohnso@adobe.com::2fa3aa60-0c9c-4d06-bae2-795983241227" providerId="AD" clId="Web-{A40C3D7D-993B-38B2-2DDA-C562505A1054}" dt="2021-09-22T23:00:46.860" v="3"/>
         <pc:sldMkLst>
           <pc:docMk/>
           <pc:sldMk cId="1050037809" sldId="261"/>
         </pc:sldMkLst>
         <pc:graphicFrameChg chg="mod modGraphic">
-          <ac:chgData name="Akilah Johnson" userId="S::akjohnso@adobe.com::2fa3aa60-0c9c-4d06-bae2-795983241227" providerId="AD" clId="Web-{0AB2EF93-BE08-D205-D43E-3B568BB37DAA}" dt="2021-09-22T23:01:45.877" v="13"/>
+          <ac:chgData name="Akilah Johnson" userId="S::akjohnso@adobe.com::2fa3aa60-0c9c-4d06-bae2-795983241227" providerId="AD" clId="Web-{A40C3D7D-993B-38B2-2DDA-C562505A1054}" dt="2021-09-22T23:00:46.860" v="3"/>
           <ac:graphicFrameMkLst>
             <pc:docMk/>
             <pc:sldMk cId="1050037809" sldId="261"/>
             <ac:graphicFrameMk id="25" creationId="{3A91F5B0-3974-A14D-A146-FB590F2AAD18}"/>
           </ac:graphicFrameMkLst>
         </pc:graphicFrameChg>
+      </pc:sldChg>
+    </pc:docChg>
+  </pc:docChgLst>
+  <pc:docChgLst>
+    <pc:chgData name="Akilah Johnson" userId="S::akjohnso@adobe.com::2fa3aa60-0c9c-4d06-bae2-795983241227" providerId="AD" clId="Web-{112231ED-4F38-A856-2EFF-9D0F88AC9BDF}"/>
+    <pc:docChg chg="modSld">
+      <pc:chgData name="Akilah Johnson" userId="S::akjohnso@adobe.com::2fa3aa60-0c9c-4d06-bae2-795983241227" providerId="AD" clId="Web-{112231ED-4F38-A856-2EFF-9D0F88AC9BDF}" dt="2021-09-22T19:11:31.474" v="2" actId="1076"/>
+      <pc:docMkLst>
+        <pc:docMk/>
+      </pc:docMkLst>
+      <pc:sldChg chg="modSp">
+        <pc:chgData name="Akilah Johnson" userId="S::akjohnso@adobe.com::2fa3aa60-0c9c-4d06-bae2-795983241227" providerId="AD" clId="Web-{112231ED-4F38-A856-2EFF-9D0F88AC9BDF}" dt="2021-09-22T19:11:31.474" v="2" actId="1076"/>
+        <pc:sldMkLst>
+          <pc:docMk/>
+          <pc:sldMk cId="1050037809" sldId="261"/>
+        </pc:sldMkLst>
+        <pc:spChg chg="mod">
+          <ac:chgData name="Akilah Johnson" userId="S::akjohnso@adobe.com::2fa3aa60-0c9c-4d06-bae2-795983241227" providerId="AD" clId="Web-{112231ED-4F38-A856-2EFF-9D0F88AC9BDF}" dt="2021-09-22T19:11:31.474" v="2" actId="1076"/>
+          <ac:spMkLst>
+            <pc:docMk/>
+            <pc:sldMk cId="1050037809" sldId="261"/>
+            <ac:spMk id="23" creationId="{00000000-0000-0000-0000-000000000000}"/>
+          </ac:spMkLst>
+        </pc:spChg>
+        <pc:spChg chg="mod">
+          <ac:chgData name="Akilah Johnson" userId="S::akjohnso@adobe.com::2fa3aa60-0c9c-4d06-bae2-795983241227" providerId="AD" clId="Web-{112231ED-4F38-A856-2EFF-9D0F88AC9BDF}" dt="2021-09-22T19:08:28.879" v="0" actId="1076"/>
+          <ac:spMkLst>
+            <pc:docMk/>
+            <pc:sldMk cId="1050037809" sldId="261"/>
+            <ac:spMk id="64" creationId="{41467BDC-3D83-D844-B922-CD07E94E5AAB}"/>
+          </ac:spMkLst>
+        </pc:spChg>
       </pc:sldChg>
     </pc:docChg>
   </pc:docChgLst>
@@ -206,6 +236,205 @@
             <ac:graphicFrameMk id="25" creationId="{3A91F5B0-3974-A14D-A146-FB590F2AAD18}"/>
           </ac:graphicFrameMkLst>
         </pc:graphicFrameChg>
+      </pc:sldChg>
+    </pc:docChg>
+  </pc:docChgLst>
+  <pc:docChgLst>
+    <pc:chgData name="Akilah Johnson" userId="S::akjohnso@adobe.com::2fa3aa60-0c9c-4d06-bae2-795983241227" providerId="AD" clId="Web-{DC554207-FA81-638A-220E-C39F63BF408A}"/>
+    <pc:docChg chg="modSld">
+      <pc:chgData name="Akilah Johnson" userId="S::akjohnso@adobe.com::2fa3aa60-0c9c-4d06-bae2-795983241227" providerId="AD" clId="Web-{DC554207-FA81-638A-220E-C39F63BF408A}" dt="2021-11-23T23:50:17.249" v="7"/>
+      <pc:docMkLst>
+        <pc:docMk/>
+      </pc:docMkLst>
+      <pc:sldChg chg="modSp">
+        <pc:chgData name="Akilah Johnson" userId="S::akjohnso@adobe.com::2fa3aa60-0c9c-4d06-bae2-795983241227" providerId="AD" clId="Web-{DC554207-FA81-638A-220E-C39F63BF408A}" dt="2021-11-23T23:50:17.249" v="7"/>
+        <pc:sldMkLst>
+          <pc:docMk/>
+          <pc:sldMk cId="2161849182" sldId="267"/>
+        </pc:sldMkLst>
+        <pc:graphicFrameChg chg="mod modGraphic">
+          <ac:chgData name="Akilah Johnson" userId="S::akjohnso@adobe.com::2fa3aa60-0c9c-4d06-bae2-795983241227" providerId="AD" clId="Web-{DC554207-FA81-638A-220E-C39F63BF408A}" dt="2021-11-23T23:50:17.249" v="7"/>
+          <ac:graphicFrameMkLst>
+            <pc:docMk/>
+            <pc:sldMk cId="2161849182" sldId="267"/>
+            <ac:graphicFrameMk id="9" creationId="{00000000-0000-0000-0000-000000000000}"/>
+          </ac:graphicFrameMkLst>
+        </pc:graphicFrameChg>
+      </pc:sldChg>
+    </pc:docChg>
+  </pc:docChgLst>
+  <pc:docChgLst>
+    <pc:chgData name="Akilah Johnson" userId="S::akjohnso@adobe.com::2fa3aa60-0c9c-4d06-bae2-795983241227" providerId="AD" clId="Web-{D02E726A-82A5-CF13-9EBE-9B674D878D37}"/>
+    <pc:docChg chg="modSld">
+      <pc:chgData name="Akilah Johnson" userId="S::akjohnso@adobe.com::2fa3aa60-0c9c-4d06-bae2-795983241227" providerId="AD" clId="Web-{D02E726A-82A5-CF13-9EBE-9B674D878D37}" dt="2021-10-12T19:51:27.470" v="10"/>
+      <pc:docMkLst>
+        <pc:docMk/>
+      </pc:docMkLst>
+      <pc:sldChg chg="modSp delCm">
+        <pc:chgData name="Akilah Johnson" userId="S::akjohnso@adobe.com::2fa3aa60-0c9c-4d06-bae2-795983241227" providerId="AD" clId="Web-{D02E726A-82A5-CF13-9EBE-9B674D878D37}" dt="2021-10-12T19:51:27.470" v="10"/>
+        <pc:sldMkLst>
+          <pc:docMk/>
+          <pc:sldMk cId="2161849182" sldId="267"/>
+        </pc:sldMkLst>
+        <pc:spChg chg="mod">
+          <ac:chgData name="Akilah Johnson" userId="S::akjohnso@adobe.com::2fa3aa60-0c9c-4d06-bae2-795983241227" providerId="AD" clId="Web-{D02E726A-82A5-CF13-9EBE-9B674D878D37}" dt="2021-10-12T19:51:04.127" v="8" actId="20577"/>
+          <ac:spMkLst>
+            <pc:docMk/>
+            <pc:sldMk cId="2161849182" sldId="267"/>
+            <ac:spMk id="2" creationId="{00000000-0000-0000-0000-000000000000}"/>
+          </ac:spMkLst>
+        </pc:spChg>
+      </pc:sldChg>
+    </pc:docChg>
+  </pc:docChgLst>
+  <pc:docChgLst>
+    <pc:chgData name="Akilah Johnson" userId="S::akjohnso@adobe.com::2fa3aa60-0c9c-4d06-bae2-795983241227" providerId="AD" clId="Web-{0AB2EF93-BE08-D205-D43E-3B568BB37DAA}"/>
+    <pc:docChg chg="modSld">
+      <pc:chgData name="Akilah Johnson" userId="S::akjohnso@adobe.com::2fa3aa60-0c9c-4d06-bae2-795983241227" providerId="AD" clId="Web-{0AB2EF93-BE08-D205-D43E-3B568BB37DAA}" dt="2021-09-22T23:01:45.877" v="13"/>
+      <pc:docMkLst>
+        <pc:docMk/>
+      </pc:docMkLst>
+      <pc:sldChg chg="modSp">
+        <pc:chgData name="Akilah Johnson" userId="S::akjohnso@adobe.com::2fa3aa60-0c9c-4d06-bae2-795983241227" providerId="AD" clId="Web-{0AB2EF93-BE08-D205-D43E-3B568BB37DAA}" dt="2021-09-22T23:01:45.877" v="13"/>
+        <pc:sldMkLst>
+          <pc:docMk/>
+          <pc:sldMk cId="1050037809" sldId="261"/>
+        </pc:sldMkLst>
+        <pc:graphicFrameChg chg="mod modGraphic">
+          <ac:chgData name="Akilah Johnson" userId="S::akjohnso@adobe.com::2fa3aa60-0c9c-4d06-bae2-795983241227" providerId="AD" clId="Web-{0AB2EF93-BE08-D205-D43E-3B568BB37DAA}" dt="2021-09-22T23:01:45.877" v="13"/>
+          <ac:graphicFrameMkLst>
+            <pc:docMk/>
+            <pc:sldMk cId="1050037809" sldId="261"/>
+            <ac:graphicFrameMk id="25" creationId="{3A91F5B0-3974-A14D-A146-FB590F2AAD18}"/>
+          </ac:graphicFrameMkLst>
+        </pc:graphicFrameChg>
+      </pc:sldChg>
+    </pc:docChg>
+  </pc:docChgLst>
+  <pc:docChgLst>
+    <pc:chgData name="Akilah Johnson" userId="2fa3aa60-0c9c-4d06-bae2-795983241227" providerId="ADAL" clId="{7598C71F-6B67-2947-B18A-AD3AFAF83B9E}"/>
+    <pc:docChg chg="modSld">
+      <pc:chgData name="Akilah Johnson" userId="2fa3aa60-0c9c-4d06-bae2-795983241227" providerId="ADAL" clId="{7598C71F-6B67-2947-B18A-AD3AFAF83B9E}" dt="2021-11-24T00:03:04.956" v="14" actId="20577"/>
+      <pc:docMkLst>
+        <pc:docMk/>
+      </pc:docMkLst>
+      <pc:sldChg chg="modSp mod">
+        <pc:chgData name="Akilah Johnson" userId="2fa3aa60-0c9c-4d06-bae2-795983241227" providerId="ADAL" clId="{7598C71F-6B67-2947-B18A-AD3AFAF83B9E}" dt="2021-11-24T00:03:04.956" v="14" actId="20577"/>
+        <pc:sldMkLst>
+          <pc:docMk/>
+          <pc:sldMk cId="2161849182" sldId="267"/>
+        </pc:sldMkLst>
+        <pc:graphicFrameChg chg="modGraphic">
+          <ac:chgData name="Akilah Johnson" userId="2fa3aa60-0c9c-4d06-bae2-795983241227" providerId="ADAL" clId="{7598C71F-6B67-2947-B18A-AD3AFAF83B9E}" dt="2021-11-24T00:03:04.956" v="14" actId="20577"/>
+          <ac:graphicFrameMkLst>
+            <pc:docMk/>
+            <pc:sldMk cId="2161849182" sldId="267"/>
+            <ac:graphicFrameMk id="9" creationId="{00000000-0000-0000-0000-000000000000}"/>
+          </ac:graphicFrameMkLst>
+        </pc:graphicFrameChg>
+      </pc:sldChg>
+    </pc:docChg>
+  </pc:docChgLst>
+  <pc:docChgLst>
+    <pc:chgData name="Andy Witt" userId="S::awitt@adobe.com::e9157bdf-53b2-40e4-9459-936793d75696" providerId="AD" clId="Web-{3F02B349-0406-AE51-D438-E7A0BE890230}"/>
+    <pc:docChg chg="modSld">
+      <pc:chgData name="Andy Witt" userId="S::awitt@adobe.com::e9157bdf-53b2-40e4-9459-936793d75696" providerId="AD" clId="Web-{3F02B349-0406-AE51-D438-E7A0BE890230}" dt="2021-08-25T18:45:07.550" v="11"/>
+      <pc:docMkLst>
+        <pc:docMk/>
+      </pc:docMkLst>
+      <pc:sldChg chg="modSp">
+        <pc:chgData name="Andy Witt" userId="S::awitt@adobe.com::e9157bdf-53b2-40e4-9459-936793d75696" providerId="AD" clId="Web-{3F02B349-0406-AE51-D438-E7A0BE890230}" dt="2021-08-25T18:45:07.550" v="11"/>
+        <pc:sldMkLst>
+          <pc:docMk/>
+          <pc:sldMk cId="1050037809" sldId="261"/>
+        </pc:sldMkLst>
+        <pc:graphicFrameChg chg="mod modGraphic">
+          <ac:chgData name="Andy Witt" userId="S::awitt@adobe.com::e9157bdf-53b2-40e4-9459-936793d75696" providerId="AD" clId="Web-{3F02B349-0406-AE51-D438-E7A0BE890230}" dt="2021-08-25T18:45:07.550" v="11"/>
+          <ac:graphicFrameMkLst>
+            <pc:docMk/>
+            <pc:sldMk cId="1050037809" sldId="261"/>
+            <ac:graphicFrameMk id="25" creationId="{3A91F5B0-3974-A14D-A146-FB590F2AAD18}"/>
+          </ac:graphicFrameMkLst>
+        </pc:graphicFrameChg>
+      </pc:sldChg>
+    </pc:docChg>
+  </pc:docChgLst>
+  <pc:docChgLst>
+    <pc:chgData name="Lauren Schutte" userId="6e08b2d3-447a-4d66-86be-444d50df187f" providerId="ADAL" clId="{1A3D389F-0E00-444F-BDF7-5C174E20EEC2}"/>
+    <pc:docChg chg="undo custSel modSld">
+      <pc:chgData name="Lauren Schutte" userId="6e08b2d3-447a-4d66-86be-444d50df187f" providerId="ADAL" clId="{1A3D389F-0E00-444F-BDF7-5C174E20EEC2}" dt="2021-10-13T19:40:59.066" v="67" actId="20577"/>
+      <pc:docMkLst>
+        <pc:docMk/>
+      </pc:docMkLst>
+      <pc:sldChg chg="delSp modSp mod">
+        <pc:chgData name="Lauren Schutte" userId="6e08b2d3-447a-4d66-86be-444d50df187f" providerId="ADAL" clId="{1A3D389F-0E00-444F-BDF7-5C174E20EEC2}" dt="2021-10-13T19:40:25.578" v="61" actId="478"/>
+        <pc:sldMkLst>
+          <pc:docMk/>
+          <pc:sldMk cId="5960377" sldId="259"/>
+        </pc:sldMkLst>
+        <pc:spChg chg="mod">
+          <ac:chgData name="Lauren Schutte" userId="6e08b2d3-447a-4d66-86be-444d50df187f" providerId="ADAL" clId="{1A3D389F-0E00-444F-BDF7-5C174E20EEC2}" dt="2021-10-13T19:33:45.182" v="59" actId="20577"/>
+          <ac:spMkLst>
+            <pc:docMk/>
+            <pc:sldMk cId="5960377" sldId="259"/>
+            <ac:spMk id="127" creationId="{BB896A03-8E7E-344F-BDE1-37C49461FF04}"/>
+          </ac:spMkLst>
+        </pc:spChg>
+        <pc:grpChg chg="del mod">
+          <ac:chgData name="Lauren Schutte" userId="6e08b2d3-447a-4d66-86be-444d50df187f" providerId="ADAL" clId="{1A3D389F-0E00-444F-BDF7-5C174E20EEC2}" dt="2021-10-13T19:40:25.578" v="61" actId="478"/>
+          <ac:grpSpMkLst>
+            <pc:docMk/>
+            <pc:sldMk cId="5960377" sldId="259"/>
+            <ac:grpSpMk id="62" creationId="{C539739D-1D3E-204D-9819-C44D9AE36DE8}"/>
+          </ac:grpSpMkLst>
+        </pc:grpChg>
+      </pc:sldChg>
+      <pc:sldChg chg="modSp mod">
+        <pc:chgData name="Lauren Schutte" userId="6e08b2d3-447a-4d66-86be-444d50df187f" providerId="ADAL" clId="{1A3D389F-0E00-444F-BDF7-5C174E20EEC2}" dt="2021-10-13T19:40:59.066" v="67" actId="20577"/>
+        <pc:sldMkLst>
+          <pc:docMk/>
+          <pc:sldMk cId="2161849182" sldId="267"/>
+        </pc:sldMkLst>
+        <pc:spChg chg="mod">
+          <ac:chgData name="Lauren Schutte" userId="6e08b2d3-447a-4d66-86be-444d50df187f" providerId="ADAL" clId="{1A3D389F-0E00-444F-BDF7-5C174E20EEC2}" dt="2021-10-13T19:40:59.066" v="67" actId="20577"/>
+          <ac:spMkLst>
+            <pc:docMk/>
+            <pc:sldMk cId="2161849182" sldId="267"/>
+            <ac:spMk id="2" creationId="{00000000-0000-0000-0000-000000000000}"/>
+          </ac:spMkLst>
+        </pc:spChg>
+        <pc:graphicFrameChg chg="mod modGraphic">
+          <ac:chgData name="Lauren Schutte" userId="6e08b2d3-447a-4d66-86be-444d50df187f" providerId="ADAL" clId="{1A3D389F-0E00-444F-BDF7-5C174E20EEC2}" dt="2021-10-13T19:33:05.183" v="58"/>
+          <ac:graphicFrameMkLst>
+            <pc:docMk/>
+            <pc:sldMk cId="2161849182" sldId="267"/>
+            <ac:graphicFrameMk id="9" creationId="{00000000-0000-0000-0000-000000000000}"/>
+          </ac:graphicFrameMkLst>
+        </pc:graphicFrameChg>
+      </pc:sldChg>
+    </pc:docChg>
+  </pc:docChgLst>
+  <pc:docChgLst>
+    <pc:chgData name="Akilah Johnson" userId="S::akjohnso@adobe.com::2fa3aa60-0c9c-4d06-bae2-795983241227" providerId="AD" clId="Web-{3CA2F123-FAC9-2CDD-7937-C83283BA7837}"/>
+    <pc:docChg chg="modSld">
+      <pc:chgData name="Akilah Johnson" userId="S::akjohnso@adobe.com::2fa3aa60-0c9c-4d06-bae2-795983241227" providerId="AD" clId="Web-{3CA2F123-FAC9-2CDD-7937-C83283BA7837}" dt="2021-09-16T20:58:19.458" v="0" actId="1076"/>
+      <pc:docMkLst>
+        <pc:docMk/>
+      </pc:docMkLst>
+      <pc:sldChg chg="modSp">
+        <pc:chgData name="Akilah Johnson" userId="S::akjohnso@adobe.com::2fa3aa60-0c9c-4d06-bae2-795983241227" providerId="AD" clId="Web-{3CA2F123-FAC9-2CDD-7937-C83283BA7837}" dt="2021-09-16T20:58:19.458" v="0" actId="1076"/>
+        <pc:sldMkLst>
+          <pc:docMk/>
+          <pc:sldMk cId="717026355" sldId="266"/>
+        </pc:sldMkLst>
+        <pc:spChg chg="mod">
+          <ac:chgData name="Akilah Johnson" userId="S::akjohnso@adobe.com::2fa3aa60-0c9c-4d06-bae2-795983241227" providerId="AD" clId="Web-{3CA2F123-FAC9-2CDD-7937-C83283BA7837}" dt="2021-09-16T20:58:19.458" v="0" actId="1076"/>
+          <ac:spMkLst>
+            <pc:docMk/>
+            <pc:sldMk cId="717026355" sldId="266"/>
+            <ac:spMk id="83" creationId="{BB34E685-A734-974B-A33A-BE51D1A8BC0D}"/>
+          </ac:spMkLst>
+        </pc:spChg>
       </pc:sldChg>
     </pc:docChg>
   </pc:docChgLst>
@@ -342,189 +571,6 @@
       </pc:sldChg>
     </pc:docChg>
   </pc:docChgLst>
-  <pc:docChgLst>
-    <pc:chgData name="Akilah Johnson" userId="S::akjohnso@adobe.com::2fa3aa60-0c9c-4d06-bae2-795983241227" providerId="AD" clId="Web-{112231ED-4F38-A856-2EFF-9D0F88AC9BDF}"/>
-    <pc:docChg chg="modSld">
-      <pc:chgData name="Akilah Johnson" userId="S::akjohnso@adobe.com::2fa3aa60-0c9c-4d06-bae2-795983241227" providerId="AD" clId="Web-{112231ED-4F38-A856-2EFF-9D0F88AC9BDF}" dt="2021-09-22T19:11:31.474" v="2" actId="1076"/>
-      <pc:docMkLst>
-        <pc:docMk/>
-      </pc:docMkLst>
-      <pc:sldChg chg="modSp">
-        <pc:chgData name="Akilah Johnson" userId="S::akjohnso@adobe.com::2fa3aa60-0c9c-4d06-bae2-795983241227" providerId="AD" clId="Web-{112231ED-4F38-A856-2EFF-9D0F88AC9BDF}" dt="2021-09-22T19:11:31.474" v="2" actId="1076"/>
-        <pc:sldMkLst>
-          <pc:docMk/>
-          <pc:sldMk cId="1050037809" sldId="261"/>
-        </pc:sldMkLst>
-        <pc:spChg chg="mod">
-          <ac:chgData name="Akilah Johnson" userId="S::akjohnso@adobe.com::2fa3aa60-0c9c-4d06-bae2-795983241227" providerId="AD" clId="Web-{112231ED-4F38-A856-2EFF-9D0F88AC9BDF}" dt="2021-09-22T19:11:31.474" v="2" actId="1076"/>
-          <ac:spMkLst>
-            <pc:docMk/>
-            <pc:sldMk cId="1050037809" sldId="261"/>
-            <ac:spMk id="23" creationId="{00000000-0000-0000-0000-000000000000}"/>
-          </ac:spMkLst>
-        </pc:spChg>
-        <pc:spChg chg="mod">
-          <ac:chgData name="Akilah Johnson" userId="S::akjohnso@adobe.com::2fa3aa60-0c9c-4d06-bae2-795983241227" providerId="AD" clId="Web-{112231ED-4F38-A856-2EFF-9D0F88AC9BDF}" dt="2021-09-22T19:08:28.879" v="0" actId="1076"/>
-          <ac:spMkLst>
-            <pc:docMk/>
-            <pc:sldMk cId="1050037809" sldId="261"/>
-            <ac:spMk id="64" creationId="{41467BDC-3D83-D844-B922-CD07E94E5AAB}"/>
-          </ac:spMkLst>
-        </pc:spChg>
-      </pc:sldChg>
-    </pc:docChg>
-  </pc:docChgLst>
-  <pc:docChgLst>
-    <pc:chgData name="Andy Witt" userId="S::awitt@adobe.com::e9157bdf-53b2-40e4-9459-936793d75696" providerId="AD" clId="Web-{3F02B349-0406-AE51-D438-E7A0BE890230}"/>
-    <pc:docChg chg="modSld">
-      <pc:chgData name="Andy Witt" userId="S::awitt@adobe.com::e9157bdf-53b2-40e4-9459-936793d75696" providerId="AD" clId="Web-{3F02B349-0406-AE51-D438-E7A0BE890230}" dt="2021-08-25T18:45:07.550" v="11"/>
-      <pc:docMkLst>
-        <pc:docMk/>
-      </pc:docMkLst>
-      <pc:sldChg chg="modSp">
-        <pc:chgData name="Andy Witt" userId="S::awitt@adobe.com::e9157bdf-53b2-40e4-9459-936793d75696" providerId="AD" clId="Web-{3F02B349-0406-AE51-D438-E7A0BE890230}" dt="2021-08-25T18:45:07.550" v="11"/>
-        <pc:sldMkLst>
-          <pc:docMk/>
-          <pc:sldMk cId="1050037809" sldId="261"/>
-        </pc:sldMkLst>
-        <pc:graphicFrameChg chg="mod modGraphic">
-          <ac:chgData name="Andy Witt" userId="S::awitt@adobe.com::e9157bdf-53b2-40e4-9459-936793d75696" providerId="AD" clId="Web-{3F02B349-0406-AE51-D438-E7A0BE890230}" dt="2021-08-25T18:45:07.550" v="11"/>
-          <ac:graphicFrameMkLst>
-            <pc:docMk/>
-            <pc:sldMk cId="1050037809" sldId="261"/>
-            <ac:graphicFrameMk id="25" creationId="{3A91F5B0-3974-A14D-A146-FB590F2AAD18}"/>
-          </ac:graphicFrameMkLst>
-        </pc:graphicFrameChg>
-      </pc:sldChg>
-    </pc:docChg>
-  </pc:docChgLst>
-  <pc:docChgLst>
-    <pc:chgData name="Akilah Johnson" userId="S::akjohnso@adobe.com::2fa3aa60-0c9c-4d06-bae2-795983241227" providerId="AD" clId="Web-{3CA2F123-FAC9-2CDD-7937-C83283BA7837}"/>
-    <pc:docChg chg="modSld">
-      <pc:chgData name="Akilah Johnson" userId="S::akjohnso@adobe.com::2fa3aa60-0c9c-4d06-bae2-795983241227" providerId="AD" clId="Web-{3CA2F123-FAC9-2CDD-7937-C83283BA7837}" dt="2021-09-16T20:58:19.458" v="0" actId="1076"/>
-      <pc:docMkLst>
-        <pc:docMk/>
-      </pc:docMkLst>
-      <pc:sldChg chg="modSp">
-        <pc:chgData name="Akilah Johnson" userId="S::akjohnso@adobe.com::2fa3aa60-0c9c-4d06-bae2-795983241227" providerId="AD" clId="Web-{3CA2F123-FAC9-2CDD-7937-C83283BA7837}" dt="2021-09-16T20:58:19.458" v="0" actId="1076"/>
-        <pc:sldMkLst>
-          <pc:docMk/>
-          <pc:sldMk cId="717026355" sldId="266"/>
-        </pc:sldMkLst>
-        <pc:spChg chg="mod">
-          <ac:chgData name="Akilah Johnson" userId="S::akjohnso@adobe.com::2fa3aa60-0c9c-4d06-bae2-795983241227" providerId="AD" clId="Web-{3CA2F123-FAC9-2CDD-7937-C83283BA7837}" dt="2021-09-16T20:58:19.458" v="0" actId="1076"/>
-          <ac:spMkLst>
-            <pc:docMk/>
-            <pc:sldMk cId="717026355" sldId="266"/>
-            <ac:spMk id="83" creationId="{BB34E685-A734-974B-A33A-BE51D1A8BC0D}"/>
-          </ac:spMkLst>
-        </pc:spChg>
-      </pc:sldChg>
-    </pc:docChg>
-  </pc:docChgLst>
-  <pc:docChgLst>
-    <pc:chgData name="Akilah Johnson" userId="S::akjohnso@adobe.com::2fa3aa60-0c9c-4d06-bae2-795983241227" providerId="AD" clId="Web-{A40C3D7D-993B-38B2-2DDA-C562505A1054}"/>
-    <pc:docChg chg="modSld">
-      <pc:chgData name="Akilah Johnson" userId="S::akjohnso@adobe.com::2fa3aa60-0c9c-4d06-bae2-795983241227" providerId="AD" clId="Web-{A40C3D7D-993B-38B2-2DDA-C562505A1054}" dt="2021-09-22T23:00:46.860" v="3"/>
-      <pc:docMkLst>
-        <pc:docMk/>
-      </pc:docMkLst>
-      <pc:sldChg chg="modSp">
-        <pc:chgData name="Akilah Johnson" userId="S::akjohnso@adobe.com::2fa3aa60-0c9c-4d06-bae2-795983241227" providerId="AD" clId="Web-{A40C3D7D-993B-38B2-2DDA-C562505A1054}" dt="2021-09-22T23:00:46.860" v="3"/>
-        <pc:sldMkLst>
-          <pc:docMk/>
-          <pc:sldMk cId="1050037809" sldId="261"/>
-        </pc:sldMkLst>
-        <pc:graphicFrameChg chg="mod modGraphic">
-          <ac:chgData name="Akilah Johnson" userId="S::akjohnso@adobe.com::2fa3aa60-0c9c-4d06-bae2-795983241227" providerId="AD" clId="Web-{A40C3D7D-993B-38B2-2DDA-C562505A1054}" dt="2021-09-22T23:00:46.860" v="3"/>
-          <ac:graphicFrameMkLst>
-            <pc:docMk/>
-            <pc:sldMk cId="1050037809" sldId="261"/>
-            <ac:graphicFrameMk id="25" creationId="{3A91F5B0-3974-A14D-A146-FB590F2AAD18}"/>
-          </ac:graphicFrameMkLst>
-        </pc:graphicFrameChg>
-      </pc:sldChg>
-    </pc:docChg>
-  </pc:docChgLst>
-  <pc:docChgLst>
-    <pc:chgData name="Akilah Johnson" userId="S::akjohnso@adobe.com::2fa3aa60-0c9c-4d06-bae2-795983241227" providerId="AD" clId="Web-{D02E726A-82A5-CF13-9EBE-9B674D878D37}"/>
-    <pc:docChg chg="modSld">
-      <pc:chgData name="Akilah Johnson" userId="S::akjohnso@adobe.com::2fa3aa60-0c9c-4d06-bae2-795983241227" providerId="AD" clId="Web-{D02E726A-82A5-CF13-9EBE-9B674D878D37}" dt="2021-10-12T19:51:27.470" v="10"/>
-      <pc:docMkLst>
-        <pc:docMk/>
-      </pc:docMkLst>
-      <pc:sldChg chg="modSp delCm">
-        <pc:chgData name="Akilah Johnson" userId="S::akjohnso@adobe.com::2fa3aa60-0c9c-4d06-bae2-795983241227" providerId="AD" clId="Web-{D02E726A-82A5-CF13-9EBE-9B674D878D37}" dt="2021-10-12T19:51:27.470" v="10"/>
-        <pc:sldMkLst>
-          <pc:docMk/>
-          <pc:sldMk cId="2161849182" sldId="267"/>
-        </pc:sldMkLst>
-        <pc:spChg chg="mod">
-          <ac:chgData name="Akilah Johnson" userId="S::akjohnso@adobe.com::2fa3aa60-0c9c-4d06-bae2-795983241227" providerId="AD" clId="Web-{D02E726A-82A5-CF13-9EBE-9B674D878D37}" dt="2021-10-12T19:51:04.127" v="8" actId="20577"/>
-          <ac:spMkLst>
-            <pc:docMk/>
-            <pc:sldMk cId="2161849182" sldId="267"/>
-            <ac:spMk id="2" creationId="{00000000-0000-0000-0000-000000000000}"/>
-          </ac:spMkLst>
-        </pc:spChg>
-      </pc:sldChg>
-    </pc:docChg>
-  </pc:docChgLst>
-  <pc:docChgLst>
-    <pc:chgData name="Lauren Schutte" userId="6e08b2d3-447a-4d66-86be-444d50df187f" providerId="ADAL" clId="{1A3D389F-0E00-444F-BDF7-5C174E20EEC2}"/>
-    <pc:docChg chg="undo custSel modSld">
-      <pc:chgData name="Lauren Schutte" userId="6e08b2d3-447a-4d66-86be-444d50df187f" providerId="ADAL" clId="{1A3D389F-0E00-444F-BDF7-5C174E20EEC2}" dt="2021-10-13T19:40:59.066" v="67" actId="20577"/>
-      <pc:docMkLst>
-        <pc:docMk/>
-      </pc:docMkLst>
-      <pc:sldChg chg="delSp modSp mod">
-        <pc:chgData name="Lauren Schutte" userId="6e08b2d3-447a-4d66-86be-444d50df187f" providerId="ADAL" clId="{1A3D389F-0E00-444F-BDF7-5C174E20EEC2}" dt="2021-10-13T19:40:25.578" v="61" actId="478"/>
-        <pc:sldMkLst>
-          <pc:docMk/>
-          <pc:sldMk cId="5960377" sldId="259"/>
-        </pc:sldMkLst>
-        <pc:spChg chg="mod">
-          <ac:chgData name="Lauren Schutte" userId="6e08b2d3-447a-4d66-86be-444d50df187f" providerId="ADAL" clId="{1A3D389F-0E00-444F-BDF7-5C174E20EEC2}" dt="2021-10-13T19:33:45.182" v="59" actId="20577"/>
-          <ac:spMkLst>
-            <pc:docMk/>
-            <pc:sldMk cId="5960377" sldId="259"/>
-            <ac:spMk id="127" creationId="{BB896A03-8E7E-344F-BDE1-37C49461FF04}"/>
-          </ac:spMkLst>
-        </pc:spChg>
-        <pc:grpChg chg="del mod">
-          <ac:chgData name="Lauren Schutte" userId="6e08b2d3-447a-4d66-86be-444d50df187f" providerId="ADAL" clId="{1A3D389F-0E00-444F-BDF7-5C174E20EEC2}" dt="2021-10-13T19:40:25.578" v="61" actId="478"/>
-          <ac:grpSpMkLst>
-            <pc:docMk/>
-            <pc:sldMk cId="5960377" sldId="259"/>
-            <ac:grpSpMk id="62" creationId="{C539739D-1D3E-204D-9819-C44D9AE36DE8}"/>
-          </ac:grpSpMkLst>
-        </pc:grpChg>
-      </pc:sldChg>
-      <pc:sldChg chg="modSp mod">
-        <pc:chgData name="Lauren Schutte" userId="6e08b2d3-447a-4d66-86be-444d50df187f" providerId="ADAL" clId="{1A3D389F-0E00-444F-BDF7-5C174E20EEC2}" dt="2021-10-13T19:40:59.066" v="67" actId="20577"/>
-        <pc:sldMkLst>
-          <pc:docMk/>
-          <pc:sldMk cId="2161849182" sldId="267"/>
-        </pc:sldMkLst>
-        <pc:spChg chg="mod">
-          <ac:chgData name="Lauren Schutte" userId="6e08b2d3-447a-4d66-86be-444d50df187f" providerId="ADAL" clId="{1A3D389F-0E00-444F-BDF7-5C174E20EEC2}" dt="2021-10-13T19:40:59.066" v="67" actId="20577"/>
-          <ac:spMkLst>
-            <pc:docMk/>
-            <pc:sldMk cId="2161849182" sldId="267"/>
-            <ac:spMk id="2" creationId="{00000000-0000-0000-0000-000000000000}"/>
-          </ac:spMkLst>
-        </pc:spChg>
-        <pc:graphicFrameChg chg="mod modGraphic">
-          <ac:chgData name="Lauren Schutte" userId="6e08b2d3-447a-4d66-86be-444d50df187f" providerId="ADAL" clId="{1A3D389F-0E00-444F-BDF7-5C174E20EEC2}" dt="2021-10-13T19:33:05.183" v="58"/>
-          <ac:graphicFrameMkLst>
-            <pc:docMk/>
-            <pc:sldMk cId="2161849182" sldId="267"/>
-            <ac:graphicFrameMk id="9" creationId="{00000000-0000-0000-0000-000000000000}"/>
-          </ac:graphicFrameMkLst>
-        </pc:graphicFrameChg>
-      </pc:sldChg>
-    </pc:docChg>
-  </pc:docChgLst>
 </pc:chgInfo>
 </file>
 
@@ -624,7 +670,7 @@
           <a:p>
             <a:fld id="{CCB2A597-803A-C244-97E2-A01066125D19}" type="datetimeFigureOut">
               <a:rPr lang="en-US" smtClean="0"/>
-              <a:t>11/12/2021</a:t>
+              <a:t>11/23/21</a:t>
             </a:fld>
             <a:endParaRPr lang="en-US"/>
           </a:p>
@@ -1405,7 +1451,7 @@
           <a:p>
             <a:fld id="{1D8BD707-D9CF-40AE-B4C6-C98DA3205C09}" type="datetimeFigureOut">
               <a:rPr lang="en-US"/>
-              <a:t>11/12/2021</a:t>
+              <a:t>11/23/21</a:t>
             </a:fld>
             <a:endParaRPr lang="en-US"/>
           </a:p>
@@ -1645,7 +1691,7 @@
           <a:p>
             <a:fld id="{1D8BD707-D9CF-40AE-B4C6-C98DA3205C09}" type="datetimeFigureOut">
               <a:rPr lang="en-US"/>
-              <a:t>11/12/2021</a:t>
+              <a:t>11/23/21</a:t>
             </a:fld>
             <a:endParaRPr lang="en-US"/>
           </a:p>
@@ -1898,7 +1944,7 @@
           <a:p>
             <a:fld id="{1D8BD707-D9CF-40AE-B4C6-C98DA3205C09}" type="datetimeFigureOut">
               <a:rPr lang="en-US"/>
-              <a:t>11/12/2021</a:t>
+              <a:t>11/23/21</a:t>
             </a:fld>
             <a:endParaRPr lang="en-US"/>
           </a:p>
@@ -2085,7 +2131,7 @@
           <a:p>
             <a:fld id="{1D8BD707-D9CF-40AE-B4C6-C98DA3205C09}" type="datetimeFigureOut">
               <a:rPr lang="en-US"/>
-              <a:t>11/12/2021</a:t>
+              <a:t>11/23/21</a:t>
             </a:fld>
             <a:endParaRPr lang="en-US"/>
           </a:p>
@@ -2243,7 +2289,7 @@
           <a:p>
             <a:fld id="{1D8BD707-D9CF-40AE-B4C6-C98DA3205C09}" type="datetimeFigureOut">
               <a:rPr lang="en-US"/>
-              <a:t>11/12/2021</a:t>
+              <a:t>11/23/21</a:t>
             </a:fld>
             <a:endParaRPr lang="en-US"/>
           </a:p>
@@ -2501,7 +2547,7 @@
           <a:p>
             <a:fld id="{1D8BD707-D9CF-40AE-B4C6-C98DA3205C09}" type="datetimeFigureOut">
               <a:rPr lang="en-US"/>
-              <a:t>11/12/2021</a:t>
+              <a:t>11/23/21</a:t>
             </a:fld>
             <a:endParaRPr lang="en-US"/>
           </a:p>
@@ -2751,11 +2797,32 @@
               </a:spcBef>
             </a:pPr>
             <a:r>
-              <a:rPr lang="de-DE" sz="2300" dirty="0">
-                <a:latin typeface="Adobe Clean"/>
-              </a:rPr>
-              <a:t>SUPPORT-PAKETE VON ADOBE</a:t>
-            </a:r>
+              <a:rPr sz="2300" dirty="0">
+                <a:latin typeface="Adobe Clean"/>
+              </a:rPr>
+              <a:t>ADOBE</a:t>
+            </a:r>
+            <a:r>
+              <a:rPr lang="en-US" sz="2300" dirty="0">
+                <a:latin typeface="Adobe Clean"/>
+              </a:rPr>
+              <a:t> </a:t>
+            </a:r>
+            <a:r>
+              <a:rPr sz="2300" dirty="0">
+                <a:latin typeface="Adobe Clean"/>
+              </a:rPr>
+              <a:t>SUPPORT</a:t>
+            </a:r>
+            <a:r>
+              <a:rPr lang="en-US" sz="2300" dirty="0">
+                <a:latin typeface="Adobe Clean"/>
+              </a:rPr>
+              <a:t> PLANS</a:t>
+            </a:r>
+            <a:endParaRPr sz="2300" dirty="0">
+              <a:latin typeface="Adobe Clean" panose="020B0503020404020204" pitchFamily="34" charset="0"/>
+            </a:endParaRPr>
           </a:p>
         </p:txBody>
       </p:sp>
@@ -2789,7 +2856,7 @@
               </a:spcBef>
             </a:pPr>
             <a:r>
-              <a:rPr lang="de-DE" sz="1400" b="1" u="sng">
+              <a:rPr sz="1400" b="1" u="sng" spc="15">
                 <a:solidFill>
                   <a:srgbClr val="020302"/>
                 </a:solidFill>
@@ -2801,8 +2868,477 @@
                 <a:latin typeface="Adobe Clean"/>
                 <a:cs typeface="Adobe Clean"/>
               </a:rPr>
-              <a:t>Service-Level-Ziele: Erste Reaktion</a:t>
-            </a:r>
+              <a:t>S</a:t>
+            </a:r>
+            <a:r>
+              <a:rPr sz="1400" b="1" u="sng" spc="5">
+                <a:solidFill>
+                  <a:srgbClr val="020302"/>
+                </a:solidFill>
+                <a:uFill>
+                  <a:solidFill>
+                    <a:srgbClr val="020302"/>
+                  </a:solidFill>
+                </a:uFill>
+                <a:latin typeface="Adobe Clean"/>
+                <a:cs typeface="Adobe Clean"/>
+              </a:rPr>
+              <a:t>er</a:t>
+            </a:r>
+            <a:r>
+              <a:rPr sz="1400" b="1" u="sng" spc="10">
+                <a:solidFill>
+                  <a:srgbClr val="020302"/>
+                </a:solidFill>
+                <a:uFill>
+                  <a:solidFill>
+                    <a:srgbClr val="020302"/>
+                  </a:solidFill>
+                </a:uFill>
+                <a:latin typeface="Adobe Clean"/>
+                <a:cs typeface="Adobe Clean"/>
+              </a:rPr>
+              <a:t>vi</a:t>
+            </a:r>
+            <a:r>
+              <a:rPr sz="1400" b="1" u="sng" spc="5">
+                <a:solidFill>
+                  <a:srgbClr val="020302"/>
+                </a:solidFill>
+                <a:uFill>
+                  <a:solidFill>
+                    <a:srgbClr val="020302"/>
+                  </a:solidFill>
+                </a:uFill>
+                <a:latin typeface="Adobe Clean"/>
+                <a:cs typeface="Adobe Clean"/>
+              </a:rPr>
+              <a:t>c</a:t>
+            </a:r>
+            <a:r>
+              <a:rPr sz="1400" b="1" u="sng">
+                <a:solidFill>
+                  <a:srgbClr val="020302"/>
+                </a:solidFill>
+                <a:uFill>
+                  <a:solidFill>
+                    <a:srgbClr val="020302"/>
+                  </a:solidFill>
+                </a:uFill>
+                <a:latin typeface="Adobe Clean"/>
+                <a:cs typeface="Adobe Clean"/>
+              </a:rPr>
+              <a:t>e</a:t>
+            </a:r>
+            <a:r>
+              <a:rPr sz="1400" b="1" u="sng" spc="20">
+                <a:solidFill>
+                  <a:srgbClr val="020302"/>
+                </a:solidFill>
+                <a:uFill>
+                  <a:solidFill>
+                    <a:srgbClr val="020302"/>
+                  </a:solidFill>
+                </a:uFill>
+                <a:latin typeface="Adobe Clean"/>
+                <a:cs typeface="Adobe Clean"/>
+              </a:rPr>
+              <a:t> </a:t>
+            </a:r>
+            <a:r>
+              <a:rPr sz="1400" b="1" u="sng" spc="-15">
+                <a:solidFill>
+                  <a:srgbClr val="020302"/>
+                </a:solidFill>
+                <a:uFill>
+                  <a:solidFill>
+                    <a:srgbClr val="020302"/>
+                  </a:solidFill>
+                </a:uFill>
+                <a:latin typeface="Adobe Clean"/>
+                <a:cs typeface="Adobe Clean"/>
+              </a:rPr>
+              <a:t>Le</a:t>
+            </a:r>
+            <a:r>
+              <a:rPr sz="1400" b="1" u="sng" spc="-10">
+                <a:solidFill>
+                  <a:srgbClr val="020302"/>
+                </a:solidFill>
+                <a:uFill>
+                  <a:solidFill>
+                    <a:srgbClr val="020302"/>
+                  </a:solidFill>
+                </a:uFill>
+                <a:latin typeface="Adobe Clean"/>
+                <a:cs typeface="Adobe Clean"/>
+              </a:rPr>
+              <a:t>v</a:t>
+            </a:r>
+            <a:r>
+              <a:rPr sz="1400" b="1" u="sng" spc="-15">
+                <a:solidFill>
+                  <a:srgbClr val="020302"/>
+                </a:solidFill>
+                <a:uFill>
+                  <a:solidFill>
+                    <a:srgbClr val="020302"/>
+                  </a:solidFill>
+                </a:uFill>
+                <a:latin typeface="Adobe Clean"/>
+                <a:cs typeface="Adobe Clean"/>
+              </a:rPr>
+              <a:t>e</a:t>
+            </a:r>
+            <a:r>
+              <a:rPr sz="1400" b="1" u="sng">
+                <a:solidFill>
+                  <a:srgbClr val="020302"/>
+                </a:solidFill>
+                <a:uFill>
+                  <a:solidFill>
+                    <a:srgbClr val="020302"/>
+                  </a:solidFill>
+                </a:uFill>
+                <a:latin typeface="Adobe Clean"/>
+                <a:cs typeface="Adobe Clean"/>
+              </a:rPr>
+              <a:t>l</a:t>
+            </a:r>
+            <a:r>
+              <a:rPr sz="1400" b="1" u="sng" spc="-15">
+                <a:solidFill>
+                  <a:srgbClr val="020302"/>
+                </a:solidFill>
+                <a:uFill>
+                  <a:solidFill>
+                    <a:srgbClr val="020302"/>
+                  </a:solidFill>
+                </a:uFill>
+                <a:latin typeface="Adobe Clean"/>
+                <a:cs typeface="Adobe Clean"/>
+              </a:rPr>
+              <a:t> </a:t>
+            </a:r>
+            <a:r>
+              <a:rPr sz="1400" b="1" u="sng" spc="-55">
+                <a:solidFill>
+                  <a:srgbClr val="020302"/>
+                </a:solidFill>
+                <a:uFill>
+                  <a:solidFill>
+                    <a:srgbClr val="020302"/>
+                  </a:solidFill>
+                </a:uFill>
+                <a:latin typeface="Adobe Clean"/>
+                <a:cs typeface="Adobe Clean"/>
+              </a:rPr>
+              <a:t>T</a:t>
+            </a:r>
+            <a:r>
+              <a:rPr sz="1400" b="1" u="sng" spc="-40">
+                <a:solidFill>
+                  <a:srgbClr val="020302"/>
+                </a:solidFill>
+                <a:uFill>
+                  <a:solidFill>
+                    <a:srgbClr val="020302"/>
+                  </a:solidFill>
+                </a:uFill>
+                <a:latin typeface="Adobe Clean"/>
+                <a:cs typeface="Adobe Clean"/>
+              </a:rPr>
+              <a:t>a</a:t>
+            </a:r>
+            <a:r>
+              <a:rPr sz="1400" b="1" u="sng" spc="-45">
+                <a:solidFill>
+                  <a:srgbClr val="020302"/>
+                </a:solidFill>
+                <a:uFill>
+                  <a:solidFill>
+                    <a:srgbClr val="020302"/>
+                  </a:solidFill>
+                </a:uFill>
+                <a:latin typeface="Adobe Clean"/>
+                <a:cs typeface="Adobe Clean"/>
+              </a:rPr>
+              <a:t>r</a:t>
+            </a:r>
+            <a:r>
+              <a:rPr sz="1400" b="1" u="sng" spc="-40">
+                <a:solidFill>
+                  <a:srgbClr val="020302"/>
+                </a:solidFill>
+                <a:uFill>
+                  <a:solidFill>
+                    <a:srgbClr val="020302"/>
+                  </a:solidFill>
+                </a:uFill>
+                <a:latin typeface="Adobe Clean"/>
+                <a:cs typeface="Adobe Clean"/>
+              </a:rPr>
+              <a:t>g</a:t>
+            </a:r>
+            <a:r>
+              <a:rPr sz="1400" b="1" u="sng" spc="-50">
+                <a:solidFill>
+                  <a:srgbClr val="020302"/>
+                </a:solidFill>
+                <a:uFill>
+                  <a:solidFill>
+                    <a:srgbClr val="020302"/>
+                  </a:solidFill>
+                </a:uFill>
+                <a:latin typeface="Adobe Clean"/>
+                <a:cs typeface="Adobe Clean"/>
+              </a:rPr>
+              <a:t>et</a:t>
+            </a:r>
+            <a:r>
+              <a:rPr sz="1400" b="1" u="sng" spc="-45">
+                <a:solidFill>
+                  <a:srgbClr val="020302"/>
+                </a:solidFill>
+                <a:uFill>
+                  <a:solidFill>
+                    <a:srgbClr val="020302"/>
+                  </a:solidFill>
+                </a:uFill>
+                <a:latin typeface="Adobe Clean"/>
+                <a:cs typeface="Adobe Clean"/>
+              </a:rPr>
+              <a:t>s</a:t>
+            </a:r>
+            <a:r>
+              <a:rPr sz="1400" b="1" u="sng">
+                <a:solidFill>
+                  <a:srgbClr val="020302"/>
+                </a:solidFill>
+                <a:uFill>
+                  <a:solidFill>
+                    <a:srgbClr val="020302"/>
+                  </a:solidFill>
+                </a:uFill>
+                <a:latin typeface="Adobe Clean"/>
+                <a:cs typeface="Adobe Clean"/>
+              </a:rPr>
+              <a:t>:</a:t>
+            </a:r>
+            <a:r>
+              <a:rPr sz="1400" b="1" u="sng" spc="-85">
+                <a:solidFill>
+                  <a:srgbClr val="020302"/>
+                </a:solidFill>
+                <a:uFill>
+                  <a:solidFill>
+                    <a:srgbClr val="020302"/>
+                  </a:solidFill>
+                </a:uFill>
+                <a:latin typeface="Adobe Clean"/>
+                <a:cs typeface="Adobe Clean"/>
+              </a:rPr>
+              <a:t> </a:t>
+            </a:r>
+            <a:r>
+              <a:rPr sz="1400" b="1" u="sng" spc="-15">
+                <a:solidFill>
+                  <a:srgbClr val="020302"/>
+                </a:solidFill>
+                <a:uFill>
+                  <a:solidFill>
+                    <a:srgbClr val="020302"/>
+                  </a:solidFill>
+                </a:uFill>
+                <a:latin typeface="Adobe Clean"/>
+                <a:cs typeface="Adobe Clean"/>
+              </a:rPr>
+              <a:t>I</a:t>
+            </a:r>
+            <a:r>
+              <a:rPr sz="1400" b="1" u="sng" spc="-10">
+                <a:solidFill>
+                  <a:srgbClr val="020302"/>
+                </a:solidFill>
+                <a:uFill>
+                  <a:solidFill>
+                    <a:srgbClr val="020302"/>
+                  </a:solidFill>
+                </a:uFill>
+                <a:latin typeface="Adobe Clean"/>
+                <a:cs typeface="Adobe Clean"/>
+              </a:rPr>
+              <a:t>ni</a:t>
+            </a:r>
+            <a:r>
+              <a:rPr sz="1400" b="1" u="sng" spc="-15">
+                <a:solidFill>
+                  <a:srgbClr val="020302"/>
+                </a:solidFill>
+                <a:uFill>
+                  <a:solidFill>
+                    <a:srgbClr val="020302"/>
+                  </a:solidFill>
+                </a:uFill>
+                <a:latin typeface="Adobe Clean"/>
+                <a:cs typeface="Adobe Clean"/>
+              </a:rPr>
+              <a:t>t</a:t>
+            </a:r>
+            <a:r>
+              <a:rPr sz="1400" b="1" u="sng" spc="-10">
+                <a:solidFill>
+                  <a:srgbClr val="020302"/>
+                </a:solidFill>
+                <a:uFill>
+                  <a:solidFill>
+                    <a:srgbClr val="020302"/>
+                  </a:solidFill>
+                </a:uFill>
+                <a:latin typeface="Adobe Clean"/>
+                <a:cs typeface="Adobe Clean"/>
+              </a:rPr>
+              <a:t>i</a:t>
+            </a:r>
+            <a:r>
+              <a:rPr sz="1400" b="1" u="sng" spc="-5">
+                <a:solidFill>
+                  <a:srgbClr val="020302"/>
+                </a:solidFill>
+                <a:uFill>
+                  <a:solidFill>
+                    <a:srgbClr val="020302"/>
+                  </a:solidFill>
+                </a:uFill>
+                <a:latin typeface="Adobe Clean"/>
+                <a:cs typeface="Adobe Clean"/>
+              </a:rPr>
+              <a:t>a</a:t>
+            </a:r>
+            <a:r>
+              <a:rPr sz="1400" b="1" u="sng">
+                <a:solidFill>
+                  <a:srgbClr val="020302"/>
+                </a:solidFill>
+                <a:uFill>
+                  <a:solidFill>
+                    <a:srgbClr val="020302"/>
+                  </a:solidFill>
+                </a:uFill>
+                <a:latin typeface="Adobe Clean"/>
+                <a:cs typeface="Adobe Clean"/>
+              </a:rPr>
+              <a:t>l</a:t>
+            </a:r>
+            <a:r>
+              <a:rPr sz="1400" b="1" u="sng" spc="-145">
+                <a:solidFill>
+                  <a:srgbClr val="020302"/>
+                </a:solidFill>
+                <a:uFill>
+                  <a:solidFill>
+                    <a:srgbClr val="020302"/>
+                  </a:solidFill>
+                </a:uFill>
+                <a:latin typeface="Adobe Clean"/>
+                <a:cs typeface="Adobe Clean"/>
+              </a:rPr>
+              <a:t> </a:t>
+            </a:r>
+            <a:r>
+              <a:rPr sz="1400" b="1" u="sng" spc="-15">
+                <a:solidFill>
+                  <a:srgbClr val="020302"/>
+                </a:solidFill>
+                <a:uFill>
+                  <a:solidFill>
+                    <a:srgbClr val="020302"/>
+                  </a:solidFill>
+                </a:uFill>
+                <a:latin typeface="Adobe Clean"/>
+                <a:cs typeface="Adobe Clean"/>
+              </a:rPr>
+              <a:t>R</a:t>
+            </a:r>
+            <a:r>
+              <a:rPr sz="1400" b="1" u="sng" spc="-20">
+                <a:solidFill>
+                  <a:srgbClr val="020302"/>
+                </a:solidFill>
+                <a:uFill>
+                  <a:solidFill>
+                    <a:srgbClr val="020302"/>
+                  </a:solidFill>
+                </a:uFill>
+                <a:latin typeface="Adobe Clean"/>
+                <a:cs typeface="Adobe Clean"/>
+              </a:rPr>
+              <a:t>e</a:t>
+            </a:r>
+            <a:r>
+              <a:rPr sz="1400" b="1" u="sng" spc="-15">
+                <a:solidFill>
+                  <a:srgbClr val="020302"/>
+                </a:solidFill>
+                <a:uFill>
+                  <a:solidFill>
+                    <a:srgbClr val="020302"/>
+                  </a:solidFill>
+                </a:uFill>
+                <a:latin typeface="Adobe Clean"/>
+                <a:cs typeface="Adobe Clean"/>
+              </a:rPr>
+              <a:t>s</a:t>
+            </a:r>
+            <a:r>
+              <a:rPr sz="1400" b="1" u="sng" spc="-20">
+                <a:solidFill>
+                  <a:srgbClr val="020302"/>
+                </a:solidFill>
+                <a:uFill>
+                  <a:solidFill>
+                    <a:srgbClr val="020302"/>
+                  </a:solidFill>
+                </a:uFill>
+                <a:latin typeface="Adobe Clean"/>
+                <a:cs typeface="Adobe Clean"/>
+              </a:rPr>
+              <a:t>p</a:t>
+            </a:r>
+            <a:r>
+              <a:rPr sz="1400" b="1" u="sng" spc="-15">
+                <a:solidFill>
+                  <a:srgbClr val="020302"/>
+                </a:solidFill>
+                <a:uFill>
+                  <a:solidFill>
+                    <a:srgbClr val="020302"/>
+                  </a:solidFill>
+                </a:uFill>
+                <a:latin typeface="Adobe Clean"/>
+                <a:cs typeface="Adobe Clean"/>
+              </a:rPr>
+              <a:t>ons</a:t>
+            </a:r>
+            <a:r>
+              <a:rPr sz="1400" b="1" u="sng">
+                <a:solidFill>
+                  <a:srgbClr val="020302"/>
+                </a:solidFill>
+                <a:uFill>
+                  <a:solidFill>
+                    <a:srgbClr val="020302"/>
+                  </a:solidFill>
+                </a:uFill>
+                <a:latin typeface="Adobe Clean"/>
+                <a:cs typeface="Adobe Clean"/>
+              </a:rPr>
+              <a:t>e</a:t>
+            </a:r>
+            <a:endParaRPr sz="1400" u="sng">
+              <a:latin typeface="Adobe Clean"/>
+              <a:cs typeface="Adobe Clean"/>
+            </a:endParaRPr>
           </a:p>
         </p:txBody>
       </p:sp>
@@ -2815,14 +3351,14 @@
           <p:nvPr>
             <p:extLst>
               <p:ext uri="{D42A27DB-BD31-4B8C-83A1-F6EECF244321}">
-                <p14:modId xmlns:p14="http://schemas.microsoft.com/office/powerpoint/2010/main" val="3384739407"/>
+                <p14:modId xmlns:p14="http://schemas.microsoft.com/office/powerpoint/2010/main" val="2035938553"/>
               </p:ext>
             </p:extLst>
           </p:nvPr>
         </p:nvGraphicFramePr>
         <p:xfrm>
-          <a:off x="146919" y="7336633"/>
-          <a:ext cx="7477080" cy="2511645"/>
+          <a:off x="146919" y="7473158"/>
+          <a:ext cx="7477080" cy="2190409"/>
         </p:xfrm>
         <a:graphic>
           <a:graphicData uri="http://schemas.openxmlformats.org/drawingml/2006/table">
@@ -2868,15 +3404,19 @@
                         </a:spcBef>
                       </a:pPr>
                       <a:r>
-                        <a:rPr lang="de-DE" sz="900">
+                        <a:rPr sz="900" spc="-20" dirty="0">
                           <a:solidFill>
                             <a:srgbClr val="020302"/>
                           </a:solidFill>
                           <a:latin typeface="Adobe Clean"/>
                           <a:cs typeface="Adobe Clean"/>
                         </a:rPr>
-                        <a:t>Priorität</a:t>
+                        <a:t>Priority</a:t>
                       </a:r>
+                      <a:endParaRPr sz="900" dirty="0">
+                        <a:latin typeface="Adobe Clean"/>
+                        <a:cs typeface="Adobe Clean"/>
+                      </a:endParaRPr>
                     </a:p>
                   </a:txBody>
                   <a:tcPr marL="0" marR="0" marT="6985" marB="0" anchor="ctr">
@@ -2923,7 +3463,7 @@
                         </a:spcBef>
                       </a:pPr>
                       <a:r>
-                        <a:rPr lang="de-DE" sz="900" dirty="0">
+                        <a:rPr sz="900" spc="0" dirty="0">
                           <a:solidFill>
                             <a:srgbClr val="020302"/>
                           </a:solidFill>
@@ -2932,6 +3472,10 @@
                         </a:rPr>
                         <a:t>Online Support</a:t>
                       </a:r>
+                      <a:endParaRPr sz="900" spc="0" dirty="0">
+                        <a:latin typeface="Adobe Clean"/>
+                        <a:cs typeface="Adobe Clean"/>
+                      </a:endParaRPr>
                     </a:p>
                   </a:txBody>
                   <a:tcPr marL="0" marR="0" marT="0" marB="0" anchor="ctr">
@@ -2981,7 +3525,7 @@
                         </a:spcBef>
                       </a:pPr>
                       <a:r>
-                        <a:rPr lang="de-DE" sz="900">
+                        <a:rPr sz="900" spc="0" dirty="0">
                           <a:solidFill>
                             <a:srgbClr val="FFFFFF"/>
                           </a:solidFill>
@@ -2990,6 +3534,10 @@
                         </a:rPr>
                         <a:t>Enterprise Support</a:t>
                       </a:r>
+                      <a:endParaRPr sz="900" spc="0" dirty="0">
+                        <a:latin typeface="Adobe Clean"/>
+                        <a:cs typeface="Adobe Clean"/>
+                      </a:endParaRPr>
                     </a:p>
                   </a:txBody>
                   <a:tcPr marL="0" marR="0" marT="0" marB="0" anchor="ctr">
@@ -3049,15 +3597,109 @@
                         </a:spcBef>
                       </a:pPr>
                       <a:r>
-                        <a:rPr lang="de-DE" sz="900" b="1" dirty="0">
+                        <a:rPr sz="900" b="1" spc="-15" dirty="0">
                           <a:solidFill>
                             <a:srgbClr val="020302"/>
                           </a:solidFill>
                           <a:latin typeface="Adobe Clean"/>
                           <a:cs typeface="Adobe Clean"/>
                         </a:rPr>
-                        <a:t>PRIORITÄT 1</a:t>
+                        <a:t>P</a:t>
                       </a:r>
+                      <a:r>
+                        <a:rPr sz="900" b="1" spc="-20" dirty="0">
+                          <a:solidFill>
+                            <a:srgbClr val="020302"/>
+                          </a:solidFill>
+                          <a:latin typeface="Adobe Clean"/>
+                          <a:cs typeface="Adobe Clean"/>
+                        </a:rPr>
+                        <a:t>R</a:t>
+                      </a:r>
+                      <a:r>
+                        <a:rPr sz="900" b="1" spc="-25" dirty="0">
+                          <a:solidFill>
+                            <a:srgbClr val="020302"/>
+                          </a:solidFill>
+                          <a:latin typeface="Adobe Clean"/>
+                          <a:cs typeface="Adobe Clean"/>
+                        </a:rPr>
+                        <a:t>I</a:t>
+                      </a:r>
+                      <a:r>
+                        <a:rPr sz="900" b="1" spc="-15" dirty="0">
+                          <a:solidFill>
+                            <a:srgbClr val="020302"/>
+                          </a:solidFill>
+                          <a:latin typeface="Adobe Clean"/>
+                          <a:cs typeface="Adobe Clean"/>
+                        </a:rPr>
+                        <a:t>O</a:t>
+                      </a:r>
+                      <a:r>
+                        <a:rPr sz="900" b="1" spc="-20" dirty="0">
+                          <a:solidFill>
+                            <a:srgbClr val="020302"/>
+                          </a:solidFill>
+                          <a:latin typeface="Adobe Clean"/>
+                          <a:cs typeface="Adobe Clean"/>
+                        </a:rPr>
+                        <a:t>R</a:t>
+                      </a:r>
+                      <a:r>
+                        <a:rPr sz="900" b="1" spc="-25" dirty="0">
+                          <a:solidFill>
+                            <a:srgbClr val="020302"/>
+                          </a:solidFill>
+                          <a:latin typeface="Adobe Clean"/>
+                          <a:cs typeface="Adobe Clean"/>
+                        </a:rPr>
+                        <a:t>I</a:t>
+                      </a:r>
+                      <a:r>
+                        <a:rPr sz="900" b="1" spc="-15" dirty="0">
+                          <a:solidFill>
+                            <a:srgbClr val="020302"/>
+                          </a:solidFill>
+                          <a:latin typeface="Adobe Clean"/>
+                          <a:cs typeface="Adobe Clean"/>
+                        </a:rPr>
+                        <a:t>T</a:t>
+                      </a:r>
+                      <a:r>
+                        <a:rPr sz="900" b="1" dirty="0">
+                          <a:solidFill>
+                            <a:srgbClr val="020302"/>
+                          </a:solidFill>
+                          <a:latin typeface="Adobe Clean"/>
+                          <a:cs typeface="Adobe Clean"/>
+                        </a:rPr>
+                        <a:t>Y</a:t>
+                      </a:r>
+                      <a:r>
+                        <a:rPr sz="900" b="1" spc="-40" dirty="0">
+                          <a:solidFill>
+                            <a:srgbClr val="020302"/>
+                          </a:solidFill>
+                          <a:latin typeface="Adobe Clean"/>
+                          <a:cs typeface="Adobe Clean"/>
+                        </a:rPr>
+                        <a:t> </a:t>
+                      </a:r>
+                      <a:r>
+                        <a:rPr sz="900" b="1" dirty="0">
+                          <a:solidFill>
+                            <a:srgbClr val="020302"/>
+                          </a:solidFill>
+                          <a:latin typeface="Adobe Clean"/>
+                          <a:cs typeface="Adobe Clean"/>
+                        </a:rPr>
+                        <a:t>1</a:t>
+                      </a:r>
+                      <a:endParaRPr sz="900" dirty="0">
+                        <a:latin typeface="Adobe Clean"/>
+                        <a:cs typeface="Adobe Clean"/>
+                      </a:endParaRPr>
                     </a:p>
                     <a:p>
                       <a:pPr marL="50800" marR="387985" lvl="0" indent="0" eaLnBrk="1" fontAlgn="auto" latinLnBrk="0" hangingPunct="1">
@@ -3076,51 +3718,34 @@
                         <a:buNone/>
                       </a:pPr>
                       <a:r>
-                        <a:rPr lang="de-DE" sz="900" b="0" i="0" dirty="0">
+                        <a:rPr lang="en-US" sz="900" b="0" i="0" spc="-130" dirty="0">
                           <a:solidFill>
                             <a:srgbClr val="020302"/>
                           </a:solidFill>
                           <a:latin typeface="Adobe Clean Light"/>
-                          <a:ea typeface="+mn-ea"/>
                           <a:cs typeface="+mn-cs"/>
                         </a:rPr>
                         <a:t> </a:t>
                       </a:r>
                       <a:r>
-                        <a:rPr lang="de-DE" sz="900" b="0" i="0" u="none" strike="noStrike" dirty="0">
+                        <a:rPr lang="en-US" sz="900" b="0" i="0" u="none" strike="noStrike" dirty="0">
                           <a:solidFill>
                             <a:schemeClr val="tx1"/>
                           </a:solidFill>
+                          <a:effectLst/>
                           <a:latin typeface="Adobe Clean Light"/>
                           <a:ea typeface="+mn-ea"/>
                           <a:cs typeface="+mn-cs"/>
                         </a:rPr>
-                        <a:t>Die Produktionsfunktionen im Unternehmen des Kunden sind ausgefallen oder weisen </a:t>
+                        <a:t>Customer's production business functions are down or have significant data loss or degradation of services and immediate attention is required to restore functionality and usability</a:t>
                       </a:r>
-                      <a:br>
-                        <a:rPr lang="de-DE" sz="900" b="0" i="0" u="none" strike="noStrike" dirty="0">
-                          <a:solidFill>
-                            <a:schemeClr val="tx1"/>
-                          </a:solidFill>
-                          <a:latin typeface="Adobe Clean Light"/>
-                          <a:ea typeface="+mn-ea"/>
-                          <a:cs typeface="+mn-cs"/>
-                        </a:rPr>
-                      </a:br>
-                      <a:r>
-                        <a:rPr lang="de-DE" sz="900" b="0" i="0" u="none" strike="noStrike" dirty="0">
-                          <a:solidFill>
-                            <a:schemeClr val="tx1"/>
-                          </a:solidFill>
-                          <a:latin typeface="Adobe Clean Light"/>
-                          <a:ea typeface="+mn-ea"/>
-                          <a:cs typeface="+mn-cs"/>
-                        </a:rPr>
-                        <a:t>einen erheblichen Datenverlust oder eine Beeinträchtigung des Service auf und ein sofortiges Eingreifen ist nötig, um Funktionalität und Nutzbarkeit wiederherzustellen</a:t>
-                      </a:r>
+                      <a:endParaRPr lang="en-US" sz="900" b="0" i="0" dirty="0">
+                        <a:latin typeface="Adobe Clean Light"/>
+                        <a:cs typeface="AdobeClean-Light"/>
+                      </a:endParaRPr>
                     </a:p>
                   </a:txBody>
-                  <a:tcPr marL="0" marR="0" marT="0" marB="36000" anchor="ctr">
+                  <a:tcPr marL="0" marR="0" marT="0" marB="0" anchor="ctr">
                     <a:lnL w="6350">
                       <a:solidFill>
                         <a:srgbClr val="B7B8B8"/>
@@ -3157,13 +3782,14 @@
                     <a:p>
                       <a:pPr algn="ctr" fontAlgn="ctr"/>
                       <a:r>
-                        <a:rPr lang="de-DE" sz="900" b="0" i="0" u="none" strike="noStrike">
+                        <a:rPr lang="en-US" sz="900" b="0" i="0" u="none" strike="noStrike" dirty="0">
                           <a:solidFill>
                             <a:srgbClr val="020302"/>
                           </a:solidFill>
+                          <a:effectLst/>
                           <a:latin typeface="AdobeClean-Light" panose="020B0503020404020204" pitchFamily="34" charset="0"/>
                         </a:rPr>
-                        <a:t>24x7/1 Stunde</a:t>
+                        <a:t>24x7 /  1 hour</a:t>
                       </a:r>
                     </a:p>
                   </a:txBody>
@@ -3204,13 +3830,14 @@
                     <a:p>
                       <a:pPr algn="ctr" fontAlgn="ctr"/>
                       <a:r>
-                        <a:rPr lang="de-DE" sz="900" b="0" i="0" u="none" strike="noStrike">
+                        <a:rPr lang="en-US" sz="900" b="0" i="0" u="none" strike="noStrike" dirty="0">
                           <a:solidFill>
                             <a:srgbClr val="020302"/>
                           </a:solidFill>
-                          <a:latin typeface="AdobeClean-Light" panose="020B0503020404020204" pitchFamily="34" charset="0"/>
+                          <a:effectLst/>
+                          <a:latin typeface="AdobeClean-Light"/>
                         </a:rPr>
-                        <a:t>24x7/30 Minuten</a:t>
+                        <a:t>24x7 / 30 minutes</a:t>
                       </a:r>
                     </a:p>
                   </a:txBody>
@@ -3276,15 +3903,109 @@
                         </a:spcBef>
                       </a:pPr>
                       <a:r>
-                        <a:rPr lang="de-DE" sz="900" b="1" dirty="0">
+                        <a:rPr sz="900" b="1" spc="-15" dirty="0">
                           <a:solidFill>
                             <a:srgbClr val="020302"/>
                           </a:solidFill>
                           <a:latin typeface="Adobe Clean"/>
                           <a:cs typeface="Adobe Clean"/>
                         </a:rPr>
-                        <a:t>PRIORITÄT 2</a:t>
+                        <a:t>P</a:t>
                       </a:r>
+                      <a:r>
+                        <a:rPr sz="900" b="1" spc="-20" dirty="0">
+                          <a:solidFill>
+                            <a:srgbClr val="020302"/>
+                          </a:solidFill>
+                          <a:latin typeface="Adobe Clean"/>
+                          <a:cs typeface="Adobe Clean"/>
+                        </a:rPr>
+                        <a:t>R</a:t>
+                      </a:r>
+                      <a:r>
+                        <a:rPr sz="900" b="1" spc="-25" dirty="0">
+                          <a:solidFill>
+                            <a:srgbClr val="020302"/>
+                          </a:solidFill>
+                          <a:latin typeface="Adobe Clean"/>
+                          <a:cs typeface="Adobe Clean"/>
+                        </a:rPr>
+                        <a:t>I</a:t>
+                      </a:r>
+                      <a:r>
+                        <a:rPr sz="900" b="1" spc="-15" dirty="0">
+                          <a:solidFill>
+                            <a:srgbClr val="020302"/>
+                          </a:solidFill>
+                          <a:latin typeface="Adobe Clean"/>
+                          <a:cs typeface="Adobe Clean"/>
+                        </a:rPr>
+                        <a:t>O</a:t>
+                      </a:r>
+                      <a:r>
+                        <a:rPr sz="900" b="1" spc="-20" dirty="0">
+                          <a:solidFill>
+                            <a:srgbClr val="020302"/>
+                          </a:solidFill>
+                          <a:latin typeface="Adobe Clean"/>
+                          <a:cs typeface="Adobe Clean"/>
+                        </a:rPr>
+                        <a:t>R</a:t>
+                      </a:r>
+                      <a:r>
+                        <a:rPr sz="900" b="1" spc="-25" dirty="0">
+                          <a:solidFill>
+                            <a:srgbClr val="020302"/>
+                          </a:solidFill>
+                          <a:latin typeface="Adobe Clean"/>
+                          <a:cs typeface="Adobe Clean"/>
+                        </a:rPr>
+                        <a:t>I</a:t>
+                      </a:r>
+                      <a:r>
+                        <a:rPr sz="900" b="1" spc="-15" dirty="0">
+                          <a:solidFill>
+                            <a:srgbClr val="020302"/>
+                          </a:solidFill>
+                          <a:latin typeface="Adobe Clean"/>
+                          <a:cs typeface="Adobe Clean"/>
+                        </a:rPr>
+                        <a:t>T</a:t>
+                      </a:r>
+                      <a:r>
+                        <a:rPr sz="900" b="1" dirty="0">
+                          <a:solidFill>
+                            <a:srgbClr val="020302"/>
+                          </a:solidFill>
+                          <a:latin typeface="Adobe Clean"/>
+                          <a:cs typeface="Adobe Clean"/>
+                        </a:rPr>
+                        <a:t>Y</a:t>
+                      </a:r>
+                      <a:r>
+                        <a:rPr sz="900" b="1" spc="-40" dirty="0">
+                          <a:solidFill>
+                            <a:srgbClr val="020302"/>
+                          </a:solidFill>
+                          <a:latin typeface="Adobe Clean"/>
+                          <a:cs typeface="Adobe Clean"/>
+                        </a:rPr>
+                        <a:t> </a:t>
+                      </a:r>
+                      <a:r>
+                        <a:rPr sz="900" b="1" dirty="0">
+                          <a:solidFill>
+                            <a:srgbClr val="020302"/>
+                          </a:solidFill>
+                          <a:latin typeface="Adobe Clean"/>
+                          <a:cs typeface="Adobe Clean"/>
+                        </a:rPr>
+                        <a:t>2</a:t>
+                      </a:r>
+                      <a:endParaRPr sz="900" dirty="0">
+                        <a:latin typeface="Adobe Clean"/>
+                        <a:cs typeface="Adobe Clean"/>
+                      </a:endParaRPr>
                     </a:p>
                     <a:p>
                       <a:pPr marL="50165" marR="203200">
@@ -3296,40 +4017,24 @@
                         </a:spcBef>
                       </a:pPr>
                       <a:r>
-                        <a:rPr lang="de-DE" sz="900" b="0" i="0" u="none" strike="noStrike" dirty="0">
+                        <a:rPr lang="en-US" sz="900" b="0" i="0" u="none" strike="noStrike" dirty="0">
                           <a:solidFill>
                             <a:schemeClr val="tx1"/>
                           </a:solidFill>
+                          <a:effectLst/>
                           <a:latin typeface="Adobe Clean Light"/>
                           <a:ea typeface="+mn-ea"/>
                           <a:cs typeface="+mn-cs"/>
                         </a:rPr>
-                        <a:t>Die Unternehmensfunktionen des Kunden weisen eine erhebliche Beeinträchtigung des Service, möglichen Datenverlust oder Nichtverfügbarkeit von Services auf oder eine zentrale Funktion </a:t>
+                        <a:t>Customer's business functions have major degradation of services, or potential of data loss or a major feature is impacted</a:t>
                       </a:r>
-                      <a:br>
-                        <a:rPr lang="de-DE" sz="900" b="0" i="0" u="none" strike="noStrike" dirty="0">
-                          <a:solidFill>
-                            <a:schemeClr val="tx1"/>
-                          </a:solidFill>
-                          <a:latin typeface="Adobe Clean Light"/>
-                          <a:ea typeface="+mn-ea"/>
-                          <a:cs typeface="+mn-cs"/>
-                        </a:rPr>
-                      </a:br>
-                      <a:r>
-                        <a:rPr lang="de-DE" sz="900" b="0" i="0" u="none" strike="noStrike" dirty="0">
-                          <a:solidFill>
-                            <a:schemeClr val="tx1"/>
-                          </a:solidFill>
-                          <a:latin typeface="Adobe Clean Light"/>
-                          <a:ea typeface="+mn-ea"/>
-                          <a:cs typeface="+mn-cs"/>
-                        </a:rPr>
-                        <a:t>ist betroffen</a:t>
-                      </a:r>
+                      <a:endParaRPr lang="en-US" sz="900" b="0" i="0" dirty="0">
+                        <a:latin typeface="Adobe Clean Light"/>
+                        <a:cs typeface="AdobeClean-Light"/>
+                      </a:endParaRPr>
                     </a:p>
                   </a:txBody>
-                  <a:tcPr marL="0" marR="0" marT="0" marB="36000" anchor="ctr">
+                  <a:tcPr marL="0" marR="0" marT="0" marB="0" anchor="ctr">
                     <a:lnL w="6350">
                       <a:solidFill>
                         <a:srgbClr val="B7B8B8"/>
@@ -3366,13 +4071,14 @@
                     <a:p>
                       <a:pPr algn="ctr" fontAlgn="ctr"/>
                       <a:r>
-                        <a:rPr lang="de-DE" sz="900" b="0" i="0" u="none" strike="noStrike" dirty="0">
+                        <a:rPr lang="en-US" sz="900" b="0" i="0" u="none" strike="noStrike" dirty="0">
                           <a:solidFill>
                             <a:srgbClr val="020302"/>
                           </a:solidFill>
+                          <a:effectLst/>
                           <a:latin typeface="AdobeClean-Light" panose="020B0503020404020204" pitchFamily="34" charset="0"/>
                         </a:rPr>
-                        <a:t>Geschäftszeiten/4 Stunden</a:t>
+                        <a:t>Business hours / 4 hours</a:t>
                       </a:r>
                     </a:p>
                   </a:txBody>
@@ -3413,13 +4119,14 @@
                     <a:p>
                       <a:pPr algn="ctr" fontAlgn="ctr"/>
                       <a:r>
-                        <a:rPr lang="de-DE" sz="900" b="0" i="0" u="none" strike="noStrike">
+                        <a:rPr lang="en-US" sz="900" b="0" i="0" u="none" strike="noStrike" dirty="0">
                           <a:solidFill>
                             <a:srgbClr val="020302"/>
                           </a:solidFill>
-                          <a:latin typeface="AdobeClean-Light" panose="020B0503020404020204" pitchFamily="34" charset="0"/>
+                          <a:effectLst/>
+                          <a:latin typeface="AdobeClean-Light"/>
                         </a:rPr>
-                        <a:t>24x5/1 Stunde</a:t>
+                        <a:t>24x5 / 1 hour</a:t>
                       </a:r>
                     </a:p>
                   </a:txBody>
@@ -3482,15 +4189,109 @@
                         </a:spcBef>
                       </a:pPr>
                       <a:r>
-                        <a:rPr lang="de-DE" sz="900" b="1" dirty="0">
+                        <a:rPr sz="900" b="1" spc="-15" dirty="0">
                           <a:solidFill>
                             <a:srgbClr val="020302"/>
                           </a:solidFill>
                           <a:latin typeface="Adobe Clean"/>
                           <a:cs typeface="Adobe Clean"/>
                         </a:rPr>
-                        <a:t>PRIORITÄT 3</a:t>
+                        <a:t>P</a:t>
                       </a:r>
+                      <a:r>
+                        <a:rPr sz="900" b="1" spc="-20" dirty="0">
+                          <a:solidFill>
+                            <a:srgbClr val="020302"/>
+                          </a:solidFill>
+                          <a:latin typeface="Adobe Clean"/>
+                          <a:cs typeface="Adobe Clean"/>
+                        </a:rPr>
+                        <a:t>R</a:t>
+                      </a:r>
+                      <a:r>
+                        <a:rPr sz="900" b="1" spc="-25" dirty="0">
+                          <a:solidFill>
+                            <a:srgbClr val="020302"/>
+                          </a:solidFill>
+                          <a:latin typeface="Adobe Clean"/>
+                          <a:cs typeface="Adobe Clean"/>
+                        </a:rPr>
+                        <a:t>I</a:t>
+                      </a:r>
+                      <a:r>
+                        <a:rPr sz="900" b="1" spc="-15" dirty="0">
+                          <a:solidFill>
+                            <a:srgbClr val="020302"/>
+                          </a:solidFill>
+                          <a:latin typeface="Adobe Clean"/>
+                          <a:cs typeface="Adobe Clean"/>
+                        </a:rPr>
+                        <a:t>O</a:t>
+                      </a:r>
+                      <a:r>
+                        <a:rPr sz="900" b="1" spc="-20" dirty="0">
+                          <a:solidFill>
+                            <a:srgbClr val="020302"/>
+                          </a:solidFill>
+                          <a:latin typeface="Adobe Clean"/>
+                          <a:cs typeface="Adobe Clean"/>
+                        </a:rPr>
+                        <a:t>R</a:t>
+                      </a:r>
+                      <a:r>
+                        <a:rPr sz="900" b="1" spc="-25" dirty="0">
+                          <a:solidFill>
+                            <a:srgbClr val="020302"/>
+                          </a:solidFill>
+                          <a:latin typeface="Adobe Clean"/>
+                          <a:cs typeface="Adobe Clean"/>
+                        </a:rPr>
+                        <a:t>I</a:t>
+                      </a:r>
+                      <a:r>
+                        <a:rPr sz="900" b="1" spc="-15" dirty="0">
+                          <a:solidFill>
+                            <a:srgbClr val="020302"/>
+                          </a:solidFill>
+                          <a:latin typeface="Adobe Clean"/>
+                          <a:cs typeface="Adobe Clean"/>
+                        </a:rPr>
+                        <a:t>T</a:t>
+                      </a:r>
+                      <a:r>
+                        <a:rPr sz="900" b="1" dirty="0">
+                          <a:solidFill>
+                            <a:srgbClr val="020302"/>
+                          </a:solidFill>
+                          <a:latin typeface="Adobe Clean"/>
+                          <a:cs typeface="Adobe Clean"/>
+                        </a:rPr>
+                        <a:t>Y</a:t>
+                      </a:r>
+                      <a:r>
+                        <a:rPr sz="900" b="1" spc="-40" dirty="0">
+                          <a:solidFill>
+                            <a:srgbClr val="020302"/>
+                          </a:solidFill>
+                          <a:latin typeface="Adobe Clean"/>
+                          <a:cs typeface="Adobe Clean"/>
+                        </a:rPr>
+                        <a:t> </a:t>
+                      </a:r>
+                      <a:r>
+                        <a:rPr sz="900" b="1" dirty="0">
+                          <a:solidFill>
+                            <a:srgbClr val="020302"/>
+                          </a:solidFill>
+                          <a:latin typeface="Adobe Clean"/>
+                          <a:cs typeface="Adobe Clean"/>
+                        </a:rPr>
+                        <a:t>3</a:t>
+                      </a:r>
+                      <a:endParaRPr sz="900" dirty="0">
+                        <a:latin typeface="Adobe Clean"/>
+                        <a:cs typeface="Adobe Clean"/>
+                      </a:endParaRPr>
                     </a:p>
                     <a:p>
                       <a:pPr marL="49530" marR="212090" indent="-2540">
@@ -3502,40 +4303,48 @@
                         </a:spcBef>
                       </a:pPr>
                       <a:r>
-                        <a:rPr lang="de-DE" sz="900" b="0" i="0" u="none" strike="noStrike" dirty="0">
+                        <a:rPr lang="en-US" sz="900" b="0" i="0" u="none" strike="noStrike" dirty="0">
                           <a:solidFill>
                             <a:schemeClr val="tx1"/>
                           </a:solidFill>
+                          <a:effectLst/>
                           <a:latin typeface="Adobe Clean Light"/>
                           <a:ea typeface="+mn-ea"/>
                           <a:cs typeface="+mn-cs"/>
                         </a:rPr>
-                        <a:t>Die Unternehmensfunktionen des Kunden weisen eine geringfügige oder gar keine Beeinträchtigung der Services auf und es gibt eine Lösung/Problemumgehung, mit </a:t>
+                        <a:t>Customer's business </a:t>
                       </a:r>
-                      <a:br>
-                        <a:rPr lang="de-DE" sz="900" b="0" i="0" u="none" strike="noStrike" dirty="0">
+                      <a:r>
+                        <a:rPr lang="en-US" sz="900" b="0" i="0" u="none" strike="noStrike">
                           <a:solidFill>
                             <a:schemeClr val="tx1"/>
                           </a:solidFill>
+                          <a:effectLst/>
                           <a:latin typeface="Adobe Clean Light"/>
                           <a:ea typeface="+mn-ea"/>
                           <a:cs typeface="+mn-cs"/>
                         </a:rPr>
-                      </a:br>
+                        <a:t>functions have </a:t>
+                      </a:r>
                       <a:r>
-                        <a:rPr lang="de-DE" sz="900" b="0" i="0" u="none" strike="noStrike" dirty="0">
+                        <a:rPr lang="en-US" sz="900" b="0" i="0" u="none" strike="noStrike" dirty="0">
                           <a:solidFill>
                             <a:schemeClr val="tx1"/>
                           </a:solidFill>
+                          <a:effectLst/>
                           <a:latin typeface="Adobe Clean Light"/>
                           <a:ea typeface="+mn-ea"/>
                           <a:cs typeface="+mn-cs"/>
                         </a:rPr>
-                        <a:t>der die Unternehmensfunktionen weiterhin genutzt werden können. </a:t>
+                        <a:t>minor to no degradation of services with a solution/workaround allowing business functions to continue </a:t>
                       </a:r>
+                      <a:endParaRPr lang="en-US" sz="900" b="0" i="0" dirty="0">
+                        <a:latin typeface="Adobe Clean Light"/>
+                        <a:cs typeface="AdobeClean-Light"/>
+                      </a:endParaRPr>
                     </a:p>
                   </a:txBody>
-                  <a:tcPr marL="0" marR="0" marT="0" marB="36000" anchor="ctr">
+                  <a:tcPr marL="0" marR="0" marT="0" marB="0" anchor="ctr">
                     <a:lnL w="6350">
                       <a:solidFill>
                         <a:srgbClr val="B7B8B8"/>
@@ -3572,13 +4381,14 @@
                     <a:p>
                       <a:pPr algn="ctr" fontAlgn="ctr"/>
                       <a:r>
-                        <a:rPr lang="de-DE" sz="900" b="0" i="0" u="none" strike="noStrike">
+                        <a:rPr lang="en-US" sz="900" b="0" i="0" u="none" strike="noStrike" dirty="0">
                           <a:solidFill>
                             <a:srgbClr val="020302"/>
                           </a:solidFill>
+                          <a:effectLst/>
                           <a:latin typeface="AdobeClean-Light" panose="020B0503020404020204" pitchFamily="34" charset="0"/>
                         </a:rPr>
-                        <a:t>Geschäftszeiten/6 Stunden</a:t>
+                        <a:t>Business hours / 6 hours</a:t>
                       </a:r>
                     </a:p>
                   </a:txBody>
@@ -3619,13 +4429,14 @@
                     <a:p>
                       <a:pPr algn="ctr" fontAlgn="ctr"/>
                       <a:r>
-                        <a:rPr lang="de-DE" sz="900" b="0" i="0" u="none" strike="noStrike">
+                        <a:rPr lang="en-US" sz="900" b="0" i="0" u="none" strike="noStrike" dirty="0">
                           <a:solidFill>
                             <a:srgbClr val="020302"/>
                           </a:solidFill>
-                          <a:latin typeface="AdobeClean-Light" panose="020B0503020404020204" pitchFamily="34" charset="0"/>
+                          <a:effectLst/>
+                          <a:latin typeface="AdobeClean-Light"/>
                         </a:rPr>
-                        <a:t>Geschäftszeiten/2 Stunden</a:t>
+                        <a:t>Business hours / 2 hours</a:t>
                       </a:r>
                     </a:p>
                   </a:txBody>
@@ -3688,15 +4499,109 @@
                         </a:spcBef>
                       </a:pPr>
                       <a:r>
-                        <a:rPr lang="de-DE" sz="900" b="1" dirty="0">
+                        <a:rPr sz="900" b="1" spc="-15" dirty="0">
                           <a:solidFill>
                             <a:srgbClr val="020302"/>
                           </a:solidFill>
                           <a:latin typeface="Adobe Clean"/>
                           <a:cs typeface="Adobe Clean"/>
                         </a:rPr>
-                        <a:t>PRIORITÄT 4</a:t>
+                        <a:t>P</a:t>
                       </a:r>
+                      <a:r>
+                        <a:rPr sz="900" b="1" spc="-20" dirty="0">
+                          <a:solidFill>
+                            <a:srgbClr val="020302"/>
+                          </a:solidFill>
+                          <a:latin typeface="Adobe Clean"/>
+                          <a:cs typeface="Adobe Clean"/>
+                        </a:rPr>
+                        <a:t>R</a:t>
+                      </a:r>
+                      <a:r>
+                        <a:rPr sz="900" b="1" spc="-25" dirty="0">
+                          <a:solidFill>
+                            <a:srgbClr val="020302"/>
+                          </a:solidFill>
+                          <a:latin typeface="Adobe Clean"/>
+                          <a:cs typeface="Adobe Clean"/>
+                        </a:rPr>
+                        <a:t>I</a:t>
+                      </a:r>
+                      <a:r>
+                        <a:rPr sz="900" b="1" spc="-15" dirty="0">
+                          <a:solidFill>
+                            <a:srgbClr val="020302"/>
+                          </a:solidFill>
+                          <a:latin typeface="Adobe Clean"/>
+                          <a:cs typeface="Adobe Clean"/>
+                        </a:rPr>
+                        <a:t>O</a:t>
+                      </a:r>
+                      <a:r>
+                        <a:rPr sz="900" b="1" spc="-20" dirty="0">
+                          <a:solidFill>
+                            <a:srgbClr val="020302"/>
+                          </a:solidFill>
+                          <a:latin typeface="Adobe Clean"/>
+                          <a:cs typeface="Adobe Clean"/>
+                        </a:rPr>
+                        <a:t>R</a:t>
+                      </a:r>
+                      <a:r>
+                        <a:rPr sz="900" b="1" spc="-25" dirty="0">
+                          <a:solidFill>
+                            <a:srgbClr val="020302"/>
+                          </a:solidFill>
+                          <a:latin typeface="Adobe Clean"/>
+                          <a:cs typeface="Adobe Clean"/>
+                        </a:rPr>
+                        <a:t>I</a:t>
+                      </a:r>
+                      <a:r>
+                        <a:rPr sz="900" b="1" spc="-15" dirty="0">
+                          <a:solidFill>
+                            <a:srgbClr val="020302"/>
+                          </a:solidFill>
+                          <a:latin typeface="Adobe Clean"/>
+                          <a:cs typeface="Adobe Clean"/>
+                        </a:rPr>
+                        <a:t>T</a:t>
+                      </a:r>
+                      <a:r>
+                        <a:rPr sz="900" b="1" dirty="0">
+                          <a:solidFill>
+                            <a:srgbClr val="020302"/>
+                          </a:solidFill>
+                          <a:latin typeface="Adobe Clean"/>
+                          <a:cs typeface="Adobe Clean"/>
+                        </a:rPr>
+                        <a:t>Y</a:t>
+                      </a:r>
+                      <a:r>
+                        <a:rPr sz="900" b="1" spc="-40" dirty="0">
+                          <a:solidFill>
+                            <a:srgbClr val="020302"/>
+                          </a:solidFill>
+                          <a:latin typeface="Adobe Clean"/>
+                          <a:cs typeface="Adobe Clean"/>
+                        </a:rPr>
+                        <a:t> </a:t>
+                      </a:r>
+                      <a:r>
+                        <a:rPr sz="900" b="1" dirty="0">
+                          <a:solidFill>
+                            <a:srgbClr val="020302"/>
+                          </a:solidFill>
+                          <a:latin typeface="Adobe Clean"/>
+                          <a:cs typeface="Adobe Clean"/>
+                        </a:rPr>
+                        <a:t>4</a:t>
+                      </a:r>
+                      <a:endParaRPr sz="900" dirty="0">
+                        <a:latin typeface="Adobe Clean"/>
+                        <a:cs typeface="Adobe Clean"/>
+                      </a:endParaRPr>
                     </a:p>
                     <a:p>
                       <a:pPr marL="49530">
@@ -3708,27 +4613,31 @@
                         </a:spcBef>
                       </a:pPr>
                       <a:r>
-                        <a:rPr lang="de-DE" sz="900" b="1" dirty="0">
+                        <a:rPr lang="en-US" sz="900" b="1" spc="-90" dirty="0">
                           <a:solidFill>
                             <a:srgbClr val="020302"/>
                           </a:solidFill>
                           <a:latin typeface="Adobe Clean"/>
-                          <a:ea typeface="+mn-ea"/>
                           <a:cs typeface="+mn-cs"/>
                         </a:rPr>
                         <a:t> </a:t>
                       </a:r>
                       <a:r>
-                        <a:rPr lang="de-DE" sz="900" b="0" i="0" u="none" strike="noStrike" dirty="0">
+                        <a:rPr lang="en-US" sz="900" b="0" i="0" u="none" strike="noStrike" dirty="0">
                           <a:solidFill>
                             <a:schemeClr val="tx1"/>
                           </a:solidFill>
+                          <a:effectLst/>
                           <a:latin typeface="Adobe Clean Light"/>
                           <a:ea typeface="+mn-ea"/>
                           <a:cs typeface="+mn-cs"/>
                         </a:rPr>
-                        <a:t>Allgemeine Frage zur aktuellen Produktfunktionalität oder Anfrage zu einer Erweiterung</a:t>
+                        <a:t>General question regarding current product functionality or an enhancement request</a:t>
                       </a:r>
+                      <a:endParaRPr lang="en-US" sz="900" b="0" i="0" dirty="0">
+                        <a:latin typeface="Adobe Clean Light"/>
+                        <a:cs typeface="AdobeClean-Light"/>
+                      </a:endParaRPr>
                     </a:p>
                   </a:txBody>
                   <a:tcPr marL="0" marR="0" marT="0" marB="0" anchor="ctr">
@@ -3768,13 +4677,14 @@
                     <a:p>
                       <a:pPr algn="ctr" fontAlgn="ctr"/>
                       <a:r>
-                        <a:rPr lang="de-DE" sz="900" b="0" i="0" u="none" strike="noStrike">
+                        <a:rPr lang="en-US" sz="900" b="0" i="0" u="none" strike="noStrike" dirty="0">
                           <a:solidFill>
                             <a:srgbClr val="020302"/>
                           </a:solidFill>
+                          <a:effectLst/>
                           <a:latin typeface="AdobeClean-Light" panose="020B0503020404020204" pitchFamily="34" charset="0"/>
                         </a:rPr>
-                        <a:t>Geschäftstage/3 Tage</a:t>
+                        <a:t>Business days / 3 days</a:t>
                       </a:r>
                     </a:p>
                   </a:txBody>
@@ -3815,13 +4725,14 @@
                     <a:p>
                       <a:pPr algn="ctr" fontAlgn="ctr"/>
                       <a:r>
-                        <a:rPr lang="de-DE" sz="900" b="0" i="0" u="none" strike="noStrike" dirty="0">
+                        <a:rPr lang="en-US" sz="900" b="0" i="0" u="none" strike="noStrike" dirty="0">
                           <a:solidFill>
                             <a:srgbClr val="020302"/>
                           </a:solidFill>
+                          <a:effectLst/>
                           <a:latin typeface="AdobeClean-Light" panose="020B0503020404020204" pitchFamily="34" charset="0"/>
                         </a:rPr>
-                        <a:t>Geschäftstage/1 Tag</a:t>
+                        <a:t>Business days / 1 day</a:t>
                       </a:r>
                     </a:p>
                   </a:txBody>
@@ -3929,8 +4840,40 @@
               </a:spcBef>
             </a:pPr>
             <a:r>
-              <a:rPr lang="de-DE"/>
-              <a:t>©2021 Adobe. All Rights Reserved. Adobe Confidential.</a:t>
+              <a:rPr spc="-10"/>
+              <a:t>©202</a:t>
+            </a:r>
+            <a:r>
+              <a:rPr lang="en-US" spc="-10"/>
+              <a:t>1</a:t>
+            </a:r>
+            <a:r>
+              <a:rPr spc="-5"/>
+              <a:t> Adobe. All</a:t>
+            </a:r>
+            <a:r>
+              <a:rPr spc="-10"/>
+              <a:t> Rights</a:t>
+            </a:r>
+            <a:r>
+              <a:rPr spc="-5"/>
+              <a:t> </a:t>
+            </a:r>
+            <a:r>
+              <a:rPr spc="-10"/>
+              <a:t>Reserved.</a:t>
+            </a:r>
+            <a:r>
+              <a:rPr spc="-5"/>
+              <a:t> Adobe</a:t>
+            </a:r>
+            <a:r>
+              <a:rPr spc="60"/>
+              <a:t> </a:t>
+            </a:r>
+            <a:r>
+              <a:rPr spc="-10"/>
+              <a:t>Confidential.</a:t>
             </a:r>
           </a:p>
         </p:txBody>
@@ -3964,7 +4907,7 @@
           <a:lstStyle/>
           <a:p>
             <a:r>
-              <a:rPr lang="de-DE" sz="700" i="1">
+              <a:rPr lang="en-US" sz="700" i="1">
                 <a:solidFill>
                   <a:schemeClr val="bg1"/>
                 </a:solidFill>
@@ -4010,7 +4953,7 @@
               </a:spcBef>
             </a:pPr>
             <a:r>
-              <a:rPr lang="de-DE" sz="1200" dirty="0">
+              <a:rPr lang="en-US" sz="1200" dirty="0">
                 <a:solidFill>
                   <a:schemeClr val="bg1"/>
                 </a:solidFill>
@@ -4019,7 +4962,7 @@
               <a:t>Online | Business |</a:t>
             </a:r>
             <a:r>
-              <a:rPr lang="de-DE" sz="1200" b="1" dirty="0">
+              <a:rPr lang="en-US" sz="1200" b="1" dirty="0">
                 <a:solidFill>
                   <a:schemeClr val="bg1"/>
                 </a:solidFill>
@@ -4028,16 +4971,15 @@
               <a:t> </a:t>
             </a:r>
             <a:r>
-              <a:rPr lang="de-DE" sz="1200" b="1" dirty="0">
+              <a:rPr lang="en-US" sz="1200" b="1" dirty="0">
                 <a:solidFill>
                   <a:schemeClr val="bg1"/>
                 </a:solidFill>
-                <a:latin typeface="Adobe Clean" panose="020B0503020404020204" pitchFamily="34" charset="0"/>
               </a:rPr>
               <a:t>Enterprise</a:t>
             </a:r>
             <a:r>
-              <a:rPr lang="de-DE" sz="1200" b="1" dirty="0">
+              <a:rPr lang="en-US" sz="1200" b="1" dirty="0">
                 <a:solidFill>
                   <a:schemeClr val="bg1"/>
                 </a:solidFill>
@@ -4046,7 +4988,7 @@
               <a:t> </a:t>
             </a:r>
             <a:r>
-              <a:rPr lang="de-DE" sz="1200" dirty="0">
+              <a:rPr lang="en-US" sz="1200" dirty="0">
                 <a:solidFill>
                   <a:schemeClr val="bg1"/>
                 </a:solidFill>
@@ -4055,7 +4997,7 @@
               <a:t>| Elite</a:t>
             </a:r>
             <a:br>
-              <a:rPr lang="de-DE" sz="900" dirty="0">
+              <a:rPr lang="en-US" sz="900" dirty="0">
                 <a:solidFill>
                   <a:schemeClr val="bg1"/>
                 </a:solidFill>
@@ -4063,82 +5005,21 @@
               </a:rPr>
             </a:br>
             <a:r>
-              <a:rPr lang="de-DE" sz="900" spc="-10" dirty="0">
+              <a:rPr lang="en-US" sz="900" dirty="0">
                 <a:solidFill>
                   <a:schemeClr val="bg1"/>
                 </a:solidFill>
                 <a:latin typeface="Adobe Clean SemiLight" panose="020B0403020404020204" pitchFamily="34" charset="0"/>
               </a:rPr>
-              <a:t>ENTERPRISE Support bietet über die Adobe Experience League Zugang zu personalisierten Lernpfaden und von Moderatoren </a:t>
-            </a:r>
-            <a:br>
-              <a:rPr lang="de-DE" sz="900" spc="-10" dirty="0">
-                <a:solidFill>
-                  <a:schemeClr val="bg1"/>
-                </a:solidFill>
-                <a:latin typeface="Adobe Clean SemiLight" panose="020B0403020404020204" pitchFamily="34" charset="0"/>
-              </a:rPr>
-            </a:br>
-            <a:r>
-              <a:rPr lang="de-DE" sz="900" spc="-10" dirty="0">
-                <a:solidFill>
-                  <a:schemeClr val="bg1"/>
-                </a:solidFill>
-                <a:latin typeface="Adobe Clean SemiLight" panose="020B0403020404020204" pitchFamily="34" charset="0"/>
-              </a:rPr>
-              <a:t>betreuten Community-Foren. Darüber hinaus stehen Ihnen unsere umfangreiche technische Produktdokumentation sowie aktuelle Versionshinweise zur Verfügung. ENTERPRISE-Kunden erhalten außerdem Zugang zu einem spezifischer Support-Mitarbeiter. </a:t>
-            </a:r>
-            <a:br>
-              <a:rPr lang="de-DE" sz="900" spc="-10" dirty="0">
-                <a:solidFill>
-                  <a:schemeClr val="bg1"/>
-                </a:solidFill>
-                <a:latin typeface="Adobe Clean SemiLight" panose="020B0403020404020204" pitchFamily="34" charset="0"/>
-              </a:rPr>
-            </a:br>
-            <a:r>
-              <a:rPr lang="de-DE" sz="900" spc="-10" dirty="0">
-                <a:solidFill>
-                  <a:schemeClr val="bg1"/>
-                </a:solidFill>
-                <a:latin typeface="Adobe Clean SemiLight" panose="020B0403020404020204" pitchFamily="34" charset="0"/>
-              </a:rPr>
-              <a:t>Dieser ist Ihr direkter technischer Kontakt im Adobe Support-Team. Mit umfangreicher Erfahrung mit Ihrer speziellen Experience</a:t>
-            </a:r>
-            <a:br>
-              <a:rPr lang="de-DE" sz="900" spc="-10" dirty="0">
-                <a:solidFill>
-                  <a:schemeClr val="bg1"/>
-                </a:solidFill>
-                <a:latin typeface="Adobe Clean SemiLight" panose="020B0403020404020204" pitchFamily="34" charset="0"/>
-              </a:rPr>
-            </a:br>
-            <a:r>
-              <a:rPr lang="de-DE" sz="900" spc="-10" dirty="0">
-                <a:solidFill>
-                  <a:schemeClr val="bg1"/>
-                </a:solidFill>
-                <a:latin typeface="Adobe Clean SemiLight" panose="020B0403020404020204" pitchFamily="34" charset="0"/>
-              </a:rPr>
-              <a:t> Cloud-Lösung arbeitet das Support-Team gemeinsam mit Ihnen und Ihren technischen Teams an der zeitnahen Lösung sämtlicher Support-Anfragen. Das Support-Team kann auch bei der Koordination und Bereitstellung zusätzlicher ENTERPRISE-Vorteile helfen </a:t>
-            </a:r>
-            <a:br>
-              <a:rPr lang="de-DE" sz="900" spc="-10" dirty="0">
-                <a:solidFill>
-                  <a:schemeClr val="bg1"/>
-                </a:solidFill>
-                <a:latin typeface="Adobe Clean SemiLight" panose="020B0403020404020204" pitchFamily="34" charset="0"/>
-              </a:rPr>
-            </a:br>
-            <a:r>
-              <a:rPr lang="de-DE" sz="900" spc="-10" dirty="0">
-                <a:solidFill>
-                  <a:schemeClr val="bg1"/>
-                </a:solidFill>
-                <a:latin typeface="Adobe Clean SemiLight" panose="020B0403020404020204" pitchFamily="34" charset="0"/>
-              </a:rPr>
-              <a:t>und so minimale Unterbrechungen Ihres Geschäfts zu den wichtigsten Zeiten sicherstellen. </a:t>
-            </a:r>
+              <a:t>ENTERPRISE support includes access to personalized learning paths and monitored community forums via the Adobe Experience League. You can also take advantage of our detailed and in-depth technical product documentation and current release notes. ENTERPRISE customers will also be provided with a Named Support Engineer who acts as your designated technical contact in the Adobe Support Team. With deep experience in your designated Experience Cloud solution, your support team will work in partnership with you and your technical teams to ensure timely resolution of all support requests. Your support team can also help coordinate and arrange delivery of the additional ENTERPRISE benefits ensuring minimal disruption to your business at the most critical time. </a:t>
+            </a:r>
+            <a:endParaRPr lang="en-US" sz="900" dirty="0">
+              <a:solidFill>
+                <a:schemeClr val="bg1"/>
+              </a:solidFill>
+              <a:latin typeface="Adobe Clean Light" panose="020B0303020404020204" pitchFamily="34" charset="0"/>
+              <a:cs typeface="AdobeClean-Light"/>
+            </a:endParaRPr>
           </a:p>
         </p:txBody>
       </p:sp>
@@ -4157,14 +5038,14 @@
           <p:nvPr>
             <p:extLst>
               <p:ext uri="{D42A27DB-BD31-4B8C-83A1-F6EECF244321}">
-                <p14:modId xmlns:p14="http://schemas.microsoft.com/office/powerpoint/2010/main" val="2697358450"/>
+                <p14:modId xmlns:p14="http://schemas.microsoft.com/office/powerpoint/2010/main" val="2813555721"/>
               </p:ext>
             </p:extLst>
           </p:nvPr>
         </p:nvGraphicFramePr>
         <p:xfrm>
           <a:off x="125148" y="2159576"/>
-          <a:ext cx="7498851" cy="4776202"/>
+          <a:ext cx="7498851" cy="4675190"/>
         </p:xfrm>
         <a:graphic>
           <a:graphicData uri="http://schemas.openxmlformats.org/drawingml/2006/table">
@@ -4246,15 +5127,19 @@
                         <a:defRPr/>
                       </a:pPr>
                       <a:r>
-                        <a:rPr lang="de-DE" sz="900">
+                        <a:rPr lang="en-US" sz="900" spc="0">
                           <a:solidFill>
                             <a:srgbClr val="404040"/>
                           </a:solidFill>
                           <a:latin typeface="Adobe Clean"/>
                           <a:cs typeface="Adobe Clean"/>
                         </a:rPr>
-                        <a:t>Online Support</a:t>
+                        <a:t>Online  Support</a:t>
                       </a:r>
+                      <a:endParaRPr lang="en-US" sz="900" spc="0">
+                        <a:latin typeface="Adobe Clean"/>
+                        <a:cs typeface="Adobe Clean"/>
+                      </a:endParaRPr>
                     </a:p>
                   </a:txBody>
                   <a:tcPr marL="0" marR="0" marT="7620" marB="0" anchor="ctr">
@@ -4295,15 +5180,29 @@
                         </a:spcBef>
                       </a:pPr>
                       <a:r>
-                        <a:rPr lang="de-DE" sz="900">
+                        <a:rPr lang="en-US" sz="900" spc="0">
                           <a:solidFill>
                             <a:srgbClr val="FFFFFF"/>
                           </a:solidFill>
                           <a:latin typeface="Adobe Clean"/>
                           <a:cs typeface="Adobe Clean"/>
                         </a:rPr>
-                        <a:t>Enterprise Support</a:t>
+                        <a:t>Enterprise </a:t>
                       </a:r>
+                      <a:r>
+                        <a:rPr sz="900" spc="0">
+                          <a:solidFill>
+                            <a:srgbClr val="FFFFFF"/>
+                          </a:solidFill>
+                          <a:latin typeface="Adobe Clean"/>
+                          <a:cs typeface="Adobe Clean"/>
+                        </a:rPr>
+                        <a:t>Support</a:t>
+                      </a:r>
+                      <a:endParaRPr sz="900" spc="0">
+                        <a:latin typeface="Adobe Clean"/>
+                        <a:cs typeface="Adobe Clean"/>
+                      </a:endParaRPr>
                     </a:p>
                   </a:txBody>
                   <a:tcPr marL="0" marR="0" marT="7620" marB="0" anchor="ctr">
@@ -4371,7 +5270,7 @@
                     <a:bodyPr/>
                     <a:lstStyle/>
                     <a:p>
-                      <a:pPr marL="0" marR="0" lvl="0" indent="0" algn="l" defTabSz="914400" rtl="0" eaLnBrk="1" fontAlgn="auto" latinLnBrk="0" hangingPunct="1">
+                      <a:pPr marL="0" marR="0" lvl="0" indent="0" algn="ctr" defTabSz="914400" eaLnBrk="1" fontAlgn="auto" latinLnBrk="0" hangingPunct="1">
                         <a:lnSpc>
                           <a:spcPct val="100000"/>
                         </a:lnSpc>
@@ -4452,13 +5351,13 @@
                         <a:defRPr/>
                       </a:pPr>
                       <a:r>
-                        <a:rPr lang="de-DE" sz="800" i="1">
+                        <a:rPr lang="en-US" sz="800" i="1">
                           <a:solidFill>
                             <a:schemeClr val="bg1"/>
                           </a:solidFill>
                           <a:latin typeface="Adobe Clean Light" panose="020B0303020404020204" pitchFamily="34" charset="0"/>
                         </a:rPr>
-                        <a:t>Kostenpflichtiger Support (€)</a:t>
+                        <a:t>Paid Support ($)</a:t>
                       </a:r>
                     </a:p>
                   </a:txBody>
@@ -4522,15 +5421,22 @@
                         </a:spcBef>
                       </a:pPr>
                       <a:r>
-                        <a:rPr lang="de-DE" sz="1000" b="1" i="0">
+                        <a:rPr lang="en-US" sz="1000" b="1" i="0" spc="0">
                           <a:solidFill>
                             <a:schemeClr val="bg1"/>
                           </a:solidFill>
                           <a:latin typeface="Adobe Clean" panose="020B0503020404020204" pitchFamily="34" charset="0"/>
                           <a:cs typeface="AdobeClean-Light"/>
                         </a:rPr>
-                        <a:t>Zugewiesene Experten</a:t>
+                        <a:t>Assigned Experts</a:t>
                       </a:r>
+                      <a:endParaRPr sz="1000" b="1" i="0" spc="0">
+                        <a:solidFill>
+                          <a:schemeClr val="bg1"/>
+                        </a:solidFill>
+                        <a:latin typeface="Adobe Clean" panose="020B0503020404020204" pitchFamily="34" charset="0"/>
+                        <a:cs typeface="AdobeClean-Light"/>
+                      </a:endParaRPr>
                     </a:p>
                   </a:txBody>
                   <a:tcPr marL="0" marR="0" marT="58419" marB="0" anchor="ctr">
@@ -4577,7 +5483,7 @@
                         </a:spcBef>
                       </a:pPr>
                       <a:r>
-                        <a:rPr lang="de-DE" sz="900">
+                        <a:rPr sz="900" spc="0">
                           <a:solidFill>
                             <a:srgbClr val="020302"/>
                           </a:solidFill>
@@ -4586,6 +5492,10 @@
                         </a:rPr>
                         <a:t>Account Support Lead</a:t>
                       </a:r>
+                      <a:endParaRPr sz="900" spc="0">
+                        <a:latin typeface="AdobeClean-Light"/>
+                        <a:cs typeface="AdobeClean-Light"/>
+                      </a:endParaRPr>
                     </a:p>
                   </a:txBody>
                   <a:tcPr marL="0" marR="0" marT="58419" marB="0">
@@ -4620,7 +5530,7 @@
                     <a:bodyPr/>
                     <a:lstStyle/>
                     <a:p>
-                      <a:pPr algn="l" rtl="0">
+                      <a:pPr algn="ctr">
                         <a:lnSpc>
                           <a:spcPct val="100000"/>
                         </a:lnSpc>
@@ -4661,7 +5571,7 @@
                     <a:bodyPr/>
                     <a:lstStyle/>
                     <a:p>
-                      <a:pPr algn="l" rtl="0">
+                      <a:pPr algn="ctr">
                         <a:lnSpc>
                           <a:spcPct val="100000"/>
                         </a:lnSpc>
@@ -4704,7 +5614,7 @@
                     <a:bodyPr/>
                     <a:lstStyle/>
                     <a:p>
-                      <a:pPr marL="50800" algn="l" rtl="0">
+                      <a:pPr marL="50800">
                         <a:lnSpc>
                           <a:spcPct val="100000"/>
                         </a:lnSpc>
@@ -4750,15 +5660,19 @@
                         </a:spcBef>
                       </a:pPr>
                       <a:r>
-                        <a:rPr lang="de-DE" sz="900">
+                        <a:rPr sz="900" spc="0">
                           <a:solidFill>
                             <a:srgbClr val="020302"/>
                           </a:solidFill>
                           <a:latin typeface="AdobeClean-Light"/>
                           <a:cs typeface="AdobeClean-Light"/>
                         </a:rPr>
-                        <a:t>Spezifischer Support-Mitarbeiter</a:t>
+                        <a:t>Named Support Engineer</a:t>
                       </a:r>
+                      <a:endParaRPr sz="900" spc="0">
+                        <a:latin typeface="AdobeClean-Light"/>
+                        <a:cs typeface="AdobeClean-Light"/>
+                      </a:endParaRPr>
                     </a:p>
                   </a:txBody>
                   <a:tcPr marL="0" marR="0" marT="58419" marB="0">
@@ -4781,7 +5695,7 @@
                     <a:bodyPr/>
                     <a:lstStyle/>
                     <a:p>
-                      <a:pPr algn="l" rtl="0">
+                      <a:pPr algn="ctr">
                         <a:lnSpc>
                           <a:spcPct val="100000"/>
                         </a:lnSpc>
@@ -4828,7 +5742,7 @@
                         <a:defRPr/>
                       </a:pPr>
                       <a:r>
-                        <a:rPr lang="de-DE" sz="900">
+                        <a:rPr lang="en-US" sz="900">
                           <a:solidFill>
                             <a:srgbClr val="020302"/>
                           </a:solidFill>
@@ -4837,6 +5751,10 @@
                         </a:rPr>
                         <a:t></a:t>
                       </a:r>
+                      <a:endParaRPr lang="en-US" sz="900">
+                        <a:latin typeface="Wingdings"/>
+                        <a:cs typeface="Wingdings"/>
+                      </a:endParaRPr>
                     </a:p>
                   </a:txBody>
                   <a:tcPr marL="0" marR="0" marT="0" marB="0" anchor="ctr">
@@ -4859,7 +5777,7 @@
                     <a:bodyPr/>
                     <a:lstStyle/>
                     <a:p>
-                      <a:pPr marL="50800" algn="l" rtl="0">
+                      <a:pPr marL="50800">
                         <a:lnSpc>
                           <a:spcPct val="100000"/>
                         </a:lnSpc>
@@ -4917,7 +5835,7 @@
                         </a:spcBef>
                       </a:pPr>
                       <a:r>
-                        <a:rPr lang="de-DE" sz="900">
+                        <a:rPr sz="900" spc="0">
                           <a:solidFill>
                             <a:srgbClr val="020302"/>
                           </a:solidFill>
@@ -4926,6 +5844,10 @@
                         </a:rPr>
                         <a:t>Technical Account Manager</a:t>
                       </a:r>
+                      <a:endParaRPr sz="900" spc="0">
+                        <a:latin typeface="AdobeClean-Light"/>
+                        <a:cs typeface="AdobeClean-Light"/>
+                      </a:endParaRPr>
                     </a:p>
                   </a:txBody>
                   <a:tcPr marL="0" marR="0" marT="63500" marB="0">
@@ -4954,7 +5876,7 @@
                     <a:bodyPr/>
                     <a:lstStyle/>
                     <a:p>
-                      <a:pPr algn="l" rtl="0">
+                      <a:pPr algn="ctr">
                         <a:lnSpc>
                           <a:spcPct val="100000"/>
                         </a:lnSpc>
@@ -4992,7 +5914,7 @@
                     <a:bodyPr/>
                     <a:lstStyle/>
                     <a:p>
-                      <a:pPr algn="l" rtl="0">
+                      <a:pPr algn="ctr">
                         <a:lnSpc>
                           <a:spcPct val="100000"/>
                         </a:lnSpc>
@@ -5043,15 +5965,22 @@
                         </a:spcBef>
                       </a:pPr>
                       <a:r>
-                        <a:rPr lang="de-DE" sz="1000" b="1" i="0">
+                        <a:rPr lang="en-US" sz="1000" b="1" i="0" spc="0">
                           <a:solidFill>
                             <a:schemeClr val="bg1"/>
                           </a:solidFill>
                           <a:latin typeface="Adobe Clean" panose="020B0503020404020204" pitchFamily="34" charset="0"/>
                           <a:cs typeface="AdobeClean-Light"/>
                         </a:rPr>
-                        <a:t>Support-Services</a:t>
+                        <a:t>Support Services</a:t>
                       </a:r>
+                      <a:endParaRPr sz="1000" b="1" i="0" spc="0">
+                        <a:solidFill>
+                          <a:schemeClr val="bg1"/>
+                        </a:solidFill>
+                        <a:latin typeface="Adobe Clean" panose="020B0503020404020204" pitchFamily="34" charset="0"/>
+                        <a:cs typeface="AdobeClean-Light"/>
+                      </a:endParaRPr>
                     </a:p>
                   </a:txBody>
                   <a:tcPr marL="0" marR="0" marT="57150" marB="0" anchor="ctr">
@@ -5107,15 +6036,29 @@
                         </a:spcBef>
                       </a:pPr>
                       <a:r>
-                        <a:rPr lang="de-DE" sz="900">
+                        <a:rPr lang="en-US" sz="900" spc="0">
                           <a:solidFill>
                             <a:srgbClr val="020302"/>
                           </a:solidFill>
                           <a:latin typeface="AdobeClean-Light"/>
                           <a:cs typeface="AdobeClean-Light"/>
                         </a:rPr>
-                        <a:t>Online Support</a:t>
+                        <a:t>Online</a:t>
                       </a:r>
+                      <a:r>
+                        <a:rPr sz="900" spc="0">
+                          <a:solidFill>
+                            <a:srgbClr val="020302"/>
+                          </a:solidFill>
+                          <a:latin typeface="AdobeClean-Light"/>
+                          <a:cs typeface="AdobeClean-Light"/>
+                        </a:rPr>
+                        <a:t> Support</a:t>
+                      </a:r>
+                      <a:endParaRPr sz="900" spc="0">
+                        <a:latin typeface="AdobeClean-Light"/>
+                        <a:cs typeface="AdobeClean-Light"/>
+                      </a:endParaRPr>
                     </a:p>
                   </a:txBody>
                   <a:tcPr marL="0" marR="0" marT="57150" marB="0">
@@ -5153,15 +6096,39 @@
                         </a:spcBef>
                       </a:pPr>
                       <a:r>
-                        <a:rPr lang="de-DE" sz="900">
+                        <a:rPr sz="900" spc="-25">
                           <a:solidFill>
                             <a:srgbClr val="020302"/>
                           </a:solidFill>
                           <a:latin typeface="AdobeClean-Light"/>
                           <a:cs typeface="AdobeClean-Light"/>
                         </a:rPr>
-                        <a:t>Geschäftszeiten</a:t>
+                        <a:t>Business</a:t>
                       </a:r>
+                      <a:r>
+                        <a:rPr sz="900" spc="-15">
+                          <a:solidFill>
+                            <a:srgbClr val="020302"/>
+                          </a:solidFill>
+                          <a:latin typeface="AdobeClean-Light"/>
+                          <a:cs typeface="AdobeClean-Light"/>
+                        </a:rPr>
+                        <a:t> </a:t>
+                      </a:r>
+                      <a:r>
+                        <a:rPr sz="900" spc="-30">
+                          <a:solidFill>
+                            <a:srgbClr val="020302"/>
+                          </a:solidFill>
+                          <a:latin typeface="AdobeClean-Light"/>
+                          <a:cs typeface="AdobeClean-Light"/>
+                        </a:rPr>
+                        <a:t>hours</a:t>
+                      </a:r>
+                      <a:endParaRPr sz="900">
+                        <a:latin typeface="AdobeClean-Light"/>
+                        <a:cs typeface="AdobeClean-Light"/>
+                      </a:endParaRPr>
                     </a:p>
                   </a:txBody>
                   <a:tcPr marL="0" marR="0" marT="67945" marB="0">
@@ -5200,7 +6167,7 @@
                         </a:spcBef>
                       </a:pPr>
                       <a:r>
-                        <a:rPr lang="de-DE" sz="900">
+                        <a:rPr lang="en-US" sz="900" spc="-25">
                           <a:solidFill>
                             <a:srgbClr val="020302"/>
                           </a:solidFill>
@@ -5209,6 +6176,10 @@
                         </a:rPr>
                         <a:t>24x5</a:t>
                       </a:r>
+                      <a:endParaRPr sz="900">
+                        <a:latin typeface="AdobeClean-Light"/>
+                        <a:cs typeface="AdobeClean-Light"/>
+                      </a:endParaRPr>
                     </a:p>
                   </a:txBody>
                   <a:tcPr marL="0" marR="0" marT="67945" marB="0">
@@ -5242,7 +6213,7 @@
                     <a:bodyPr/>
                     <a:lstStyle/>
                     <a:p>
-                      <a:pPr marL="50800" algn="l" rtl="0">
+                      <a:pPr marL="50800">
                         <a:lnSpc>
                           <a:spcPct val="100000"/>
                         </a:lnSpc>
@@ -5291,15 +6262,39 @@
                         </a:spcBef>
                       </a:pPr>
                       <a:r>
-                        <a:rPr lang="de-DE" sz="900">
+                        <a:rPr sz="900" spc="0">
                           <a:solidFill>
                             <a:srgbClr val="020302"/>
                           </a:solidFill>
                           <a:latin typeface="AdobeClean-Light"/>
                           <a:cs typeface="AdobeClean-Light"/>
                         </a:rPr>
-                        <a:t>24x7x365 Support für Probleme der Kategorie P1</a:t>
+                        <a:t>24x7</a:t>
                       </a:r>
+                      <a:r>
+                        <a:rPr lang="en-US" sz="900" spc="0">
+                          <a:solidFill>
+                            <a:srgbClr val="020302"/>
+                          </a:solidFill>
+                          <a:latin typeface="AdobeClean-Light"/>
+                          <a:cs typeface="AdobeClean-Light"/>
+                        </a:rPr>
+                        <a:t>x365</a:t>
+                      </a:r>
+                      <a:r>
+                        <a:rPr sz="900" spc="0">
+                          <a:solidFill>
+                            <a:srgbClr val="020302"/>
+                          </a:solidFill>
+                          <a:latin typeface="AdobeClean-Light"/>
+                          <a:cs typeface="AdobeClean-Light"/>
+                        </a:rPr>
+                        <a:t> P1 Issue Support</a:t>
+                      </a:r>
+                      <a:endParaRPr sz="900" spc="0">
+                        <a:latin typeface="AdobeClean-Light"/>
+                        <a:cs typeface="AdobeClean-Light"/>
+                      </a:endParaRPr>
                     </a:p>
                   </a:txBody>
                   <a:tcPr marL="0" marR="0" marT="57785" marB="0">
@@ -5331,7 +6326,7 @@
                         </a:spcBef>
                       </a:pPr>
                       <a:r>
-                        <a:rPr lang="de-DE" sz="900">
+                        <a:rPr sz="900">
                           <a:solidFill>
                             <a:srgbClr val="020302"/>
                           </a:solidFill>
@@ -5340,6 +6335,10 @@
                         </a:rPr>
                         <a:t></a:t>
                       </a:r>
+                      <a:endParaRPr sz="900">
+                        <a:latin typeface="Wingdings"/>
+                        <a:cs typeface="Wingdings"/>
+                      </a:endParaRPr>
                     </a:p>
                   </a:txBody>
                   <a:tcPr marL="0" marR="0" marT="58419" marB="0">
@@ -5369,7 +6368,7 @@
                         </a:spcBef>
                       </a:pPr>
                       <a:r>
-                        <a:rPr lang="de-DE" sz="900">
+                        <a:rPr sz="900">
                           <a:solidFill>
                             <a:srgbClr val="020302"/>
                           </a:solidFill>
@@ -5378,6 +6377,10 @@
                         </a:rPr>
                         <a:t></a:t>
                       </a:r>
+                      <a:endParaRPr sz="900">
+                        <a:latin typeface="Wingdings"/>
+                        <a:cs typeface="Wingdings"/>
+                      </a:endParaRPr>
                     </a:p>
                   </a:txBody>
                   <a:tcPr marL="0" marR="0" marT="58419" marB="0">
@@ -5400,7 +6403,7 @@
                     <a:bodyPr/>
                     <a:lstStyle/>
                     <a:p>
-                      <a:pPr marL="50800" algn="l" rtl="0">
+                      <a:pPr marL="50800">
                         <a:lnSpc>
                           <a:spcPct val="100000"/>
                         </a:lnSpc>
@@ -5458,15 +6461,19 @@
                         </a:spcBef>
                       </a:pPr>
                       <a:r>
-                        <a:rPr lang="de-DE" sz="900">
+                        <a:rPr lang="en-US" sz="900" spc="0">
                           <a:solidFill>
                             <a:srgbClr val="020302"/>
                           </a:solidFill>
                           <a:latin typeface="AdobeClean-Light"/>
                           <a:cs typeface="AdobeClean-Light"/>
                         </a:rPr>
-                        <a:t>Spezifische Support-Kontakte (pro Produkt)</a:t>
+                        <a:t>Named Support Contacts (per product)</a:t>
                       </a:r>
+                      <a:endParaRPr sz="900" spc="0">
+                        <a:latin typeface="AdobeClean-Light"/>
+                        <a:cs typeface="AdobeClean-Light"/>
+                      </a:endParaRPr>
                     </a:p>
                   </a:txBody>
                   <a:tcPr marL="0" marR="0" marT="57785" marB="0">
@@ -5504,7 +6511,7 @@
                         </a:spcBef>
                       </a:pPr>
                       <a:r>
-                        <a:rPr lang="de-DE" sz="900">
+                        <a:rPr sz="900">
                           <a:solidFill>
                             <a:srgbClr val="020302"/>
                           </a:solidFill>
@@ -5513,6 +6520,10 @@
                         </a:rPr>
                         <a:t>4</a:t>
                       </a:r>
+                      <a:endParaRPr sz="900">
+                        <a:latin typeface="AdobeClean-Light"/>
+                        <a:cs typeface="AdobeClean-Light"/>
+                      </a:endParaRPr>
                     </a:p>
                   </a:txBody>
                   <a:tcPr marL="0" marR="0" marT="57785" marB="0">
@@ -5542,7 +6553,7 @@
                         </a:spcBef>
                       </a:pPr>
                       <a:r>
-                        <a:rPr lang="de-DE" sz="900">
+                        <a:rPr lang="en-US" sz="900">
                           <a:solidFill>
                             <a:srgbClr val="020302"/>
                           </a:solidFill>
@@ -5551,6 +6562,10 @@
                         </a:rPr>
                         <a:t>10</a:t>
                       </a:r>
+                      <a:endParaRPr sz="900">
+                        <a:latin typeface="AdobeClean-Light"/>
+                        <a:cs typeface="AdobeClean-Light"/>
+                      </a:endParaRPr>
                     </a:p>
                   </a:txBody>
                   <a:tcPr marL="0" marR="0" marT="57785" marB="0">
@@ -5573,7 +6588,7 @@
                     <a:bodyPr/>
                     <a:lstStyle/>
                     <a:p>
-                      <a:pPr marL="50800" algn="l" rtl="0">
+                      <a:pPr marL="50800">
                         <a:lnSpc>
                           <a:spcPct val="100000"/>
                         </a:lnSpc>
@@ -5622,15 +6637,19 @@
                         </a:spcBef>
                       </a:pPr>
                       <a:r>
-                        <a:rPr lang="de-DE" sz="900">
+                        <a:rPr lang="en-US" sz="900" spc="0">
                           <a:solidFill>
                             <a:srgbClr val="020302"/>
                           </a:solidFill>
                           <a:latin typeface="AdobeClean-Light"/>
                           <a:cs typeface="AdobeClean-Light"/>
                         </a:rPr>
-                        <a:t>Live-Telefon-Support</a:t>
+                        <a:t>Live Telephone Support</a:t>
                       </a:r>
+                      <a:endParaRPr sz="900" spc="0">
+                        <a:latin typeface="AdobeClean-Light"/>
+                        <a:cs typeface="AdobeClean-Light"/>
+                      </a:endParaRPr>
                     </a:p>
                   </a:txBody>
                   <a:tcPr marL="0" marR="0" marT="57785" marB="0">
@@ -5653,7 +6672,7 @@
                     <a:bodyPr/>
                     <a:lstStyle/>
                     <a:p>
-                      <a:pPr algn="l" rtl="0">
+                      <a:pPr algn="ctr">
                         <a:lnSpc>
                           <a:spcPct val="100000"/>
                         </a:lnSpc>
@@ -5694,7 +6713,7 @@
                         </a:spcBef>
                       </a:pPr>
                       <a:r>
-                        <a:rPr lang="de-DE" sz="900">
+                        <a:rPr sz="900">
                           <a:solidFill>
                             <a:srgbClr val="020302"/>
                           </a:solidFill>
@@ -5703,6 +6722,10 @@
                         </a:rPr>
                         <a:t></a:t>
                       </a:r>
+                      <a:endParaRPr sz="900">
+                        <a:latin typeface="Wingdings"/>
+                        <a:cs typeface="Wingdings"/>
+                      </a:endParaRPr>
                     </a:p>
                   </a:txBody>
                   <a:tcPr marL="0" marR="0" marT="59054" marB="0">
@@ -5725,7 +6748,7 @@
                     <a:bodyPr/>
                     <a:lstStyle/>
                     <a:p>
-                      <a:pPr marL="50800" algn="l" rtl="0">
+                      <a:pPr marL="50800">
                         <a:lnSpc>
                           <a:spcPct val="100000"/>
                         </a:lnSpc>
@@ -5774,15 +6797,19 @@
                         </a:spcBef>
                       </a:pPr>
                       <a:r>
-                        <a:rPr lang="de-DE" sz="900">
+                        <a:rPr sz="900" spc="0">
                           <a:solidFill>
                             <a:srgbClr val="020302"/>
                           </a:solidFill>
                           <a:latin typeface="AdobeClean-Light"/>
                           <a:cs typeface="AdobeClean-Light"/>
                         </a:rPr>
-                        <a:t>Eskalations-Management</a:t>
+                        <a:t>Escalation Management</a:t>
                       </a:r>
+                      <a:endParaRPr sz="900" spc="0">
+                        <a:latin typeface="AdobeClean-Light"/>
+                        <a:cs typeface="AdobeClean-Light"/>
+                      </a:endParaRPr>
                     </a:p>
                   </a:txBody>
                   <a:tcPr marL="0" marR="0" marT="58419" marB="0">
@@ -5805,7 +6832,7 @@
                     <a:bodyPr/>
                     <a:lstStyle/>
                     <a:p>
-                      <a:pPr algn="l" rtl="0">
+                      <a:pPr algn="ctr">
                         <a:lnSpc>
                           <a:spcPct val="100000"/>
                         </a:lnSpc>
@@ -5846,7 +6873,7 @@
                         </a:spcBef>
                       </a:pPr>
                       <a:r>
-                        <a:rPr lang="de-DE" sz="900">
+                        <a:rPr sz="900">
                           <a:solidFill>
                             <a:srgbClr val="020302"/>
                           </a:solidFill>
@@ -5855,6 +6882,10 @@
                         </a:rPr>
                         <a:t></a:t>
                       </a:r>
+                      <a:endParaRPr sz="900">
+                        <a:latin typeface="Wingdings"/>
+                        <a:cs typeface="Wingdings"/>
+                      </a:endParaRPr>
                     </a:p>
                   </a:txBody>
                   <a:tcPr marL="0" marR="0" marT="59690" marB="0">
@@ -5877,7 +6908,7 @@
                     <a:bodyPr/>
                     <a:lstStyle/>
                     <a:p>
-                      <a:pPr marL="50800" algn="l" rtl="0">
+                      <a:pPr marL="50800">
                         <a:lnSpc>
                           <a:spcPct val="100000"/>
                         </a:lnSpc>
@@ -5926,15 +6957,29 @@
                         </a:spcBef>
                       </a:pPr>
                       <a:r>
-                        <a:rPr lang="de-DE" sz="900">
+                        <a:rPr sz="900" spc="0">
                           <a:solidFill>
                             <a:srgbClr val="020302"/>
                           </a:solidFill>
                           <a:latin typeface="AdobeClean-Light"/>
                           <a:cs typeface="AdobeClean-Light"/>
                         </a:rPr>
-                        <a:t>Jährliche Service-Prüfung</a:t>
+                        <a:t>Service Reviews </a:t>
                       </a:r>
+                      <a:r>
+                        <a:rPr lang="en-US" sz="900" spc="0">
+                          <a:solidFill>
+                            <a:srgbClr val="020302"/>
+                          </a:solidFill>
+                          <a:latin typeface="AdobeClean-Light"/>
+                          <a:cs typeface="AdobeClean-Light"/>
+                        </a:rPr>
+                        <a:t>per Year</a:t>
+                      </a:r>
+                      <a:endParaRPr sz="900" spc="0">
+                        <a:latin typeface="AdobeClean-Light"/>
+                        <a:cs typeface="AdobeClean-Light"/>
+                      </a:endParaRPr>
                     </a:p>
                   </a:txBody>
                   <a:tcPr marL="0" marR="0" marT="57150" marB="0">
@@ -5957,7 +7002,7 @@
                     <a:bodyPr/>
                     <a:lstStyle/>
                     <a:p>
-                      <a:pPr algn="l" rtl="0">
+                      <a:pPr>
                         <a:lnSpc>
                           <a:spcPct val="100000"/>
                         </a:lnSpc>
@@ -5992,12 +7037,16 @@
                         </a:lnSpc>
                       </a:pPr>
                       <a:r>
-                        <a:rPr lang="de-DE" sz="900">
+                        <a:rPr lang="en-US" sz="900">
                           <a:latin typeface="Times New Roman"/>
                           <a:cs typeface="Times New Roman"/>
                         </a:rPr>
                         <a:t>2</a:t>
                       </a:r>
+                      <a:endParaRPr sz="900">
+                        <a:latin typeface="Times New Roman"/>
+                        <a:cs typeface="Times New Roman"/>
+                      </a:endParaRPr>
                     </a:p>
                   </a:txBody>
                   <a:tcPr marL="0" marR="0" marT="0" marB="0">
@@ -6039,12 +7088,16 @@
                         </a:spcBef>
                       </a:pPr>
                       <a:r>
-                        <a:rPr lang="de-DE" sz="900">
+                        <a:rPr lang="en-US" sz="900" spc="0">
                           <a:latin typeface="AdobeClean-Light"/>
                           <a:cs typeface="AdobeClean-Light"/>
                         </a:rPr>
-                        <a:t>Jährliche Experten-Sessions</a:t>
+                        <a:t>Expert Sessions per Year</a:t>
                       </a:r>
+                      <a:endParaRPr sz="900" spc="0">
+                        <a:latin typeface="AdobeClean-Light"/>
+                        <a:cs typeface="AdobeClean-Light"/>
+                      </a:endParaRPr>
                     </a:p>
                   </a:txBody>
                   <a:tcPr marL="0" marR="0" marT="57150" marB="0">
@@ -6073,7 +7126,7 @@
                     <a:bodyPr/>
                     <a:lstStyle/>
                     <a:p>
-                      <a:pPr algn="l" rtl="0">
+                      <a:pPr>
                         <a:lnSpc>
                           <a:spcPct val="100000"/>
                         </a:lnSpc>
@@ -6108,12 +7161,16 @@
                         </a:lnSpc>
                       </a:pPr>
                       <a:r>
-                        <a:rPr lang="de-DE" sz="900">
+                        <a:rPr lang="en-US" sz="900">
                           <a:latin typeface="Times New Roman"/>
                           <a:cs typeface="Times New Roman"/>
                         </a:rPr>
                         <a:t>2</a:t>
                       </a:r>
+                      <a:endParaRPr sz="900">
+                        <a:latin typeface="Times New Roman"/>
+                        <a:cs typeface="Times New Roman"/>
+                      </a:endParaRPr>
                     </a:p>
                   </a:txBody>
                   <a:tcPr marL="0" marR="0" marT="0" marB="0">
@@ -6155,12 +7212,16 @@
                         </a:spcBef>
                       </a:pPr>
                       <a:r>
-                        <a:rPr lang="de-DE" sz="900">
+                        <a:rPr lang="en-US" sz="900" spc="0">
                           <a:latin typeface="AdobeClean-Light"/>
                           <a:cs typeface="AdobeClean-Light"/>
                         </a:rPr>
-                        <a:t>Fallprüfungen</a:t>
+                        <a:t>Case Reviews</a:t>
                       </a:r>
+                      <a:endParaRPr sz="900" spc="0">
+                        <a:latin typeface="AdobeClean-Light"/>
+                        <a:cs typeface="AdobeClean-Light"/>
+                      </a:endParaRPr>
                     </a:p>
                   </a:txBody>
                   <a:tcPr marL="0" marR="0" marT="57150" marB="0">
@@ -6189,7 +7250,7 @@
                     <a:bodyPr/>
                     <a:lstStyle/>
                     <a:p>
-                      <a:pPr algn="l" rtl="0">
+                      <a:pPr>
                         <a:lnSpc>
                           <a:spcPct val="100000"/>
                         </a:lnSpc>
@@ -6236,7 +7297,7 @@
                         <a:defRPr/>
                       </a:pPr>
                       <a:r>
-                        <a:rPr lang="de-DE" sz="900">
+                        <a:rPr lang="en-US" sz="900">
                           <a:solidFill>
                             <a:srgbClr val="020302"/>
                           </a:solidFill>
@@ -6245,6 +7306,10 @@
                         </a:rPr>
                         <a:t></a:t>
                       </a:r>
+                      <a:endParaRPr lang="en-US" sz="900">
+                        <a:latin typeface="Wingdings"/>
+                        <a:cs typeface="Wingdings"/>
+                      </a:endParaRPr>
                     </a:p>
                   </a:txBody>
                   <a:tcPr marL="0" marR="0" marT="0" marB="0">
@@ -6267,7 +7332,7 @@
                     <a:bodyPr/>
                     <a:lstStyle/>
                     <a:p>
-                      <a:pPr marL="48895" algn="l" rtl="0">
+                      <a:pPr marL="48895">
                         <a:lnSpc>
                           <a:spcPct val="100000"/>
                         </a:lnSpc>
@@ -6325,15 +7390,29 @@
                         </a:spcBef>
                       </a:pPr>
                       <a:r>
-                        <a:rPr lang="de-DE" sz="900">
+                        <a:rPr sz="900" spc="0">
                           <a:solidFill>
                             <a:srgbClr val="020302"/>
                           </a:solidFill>
                           <a:latin typeface="AdobeClean-Light"/>
                           <a:cs typeface="AdobeClean-Light"/>
                         </a:rPr>
-                        <a:t>Ereignis-Management</a:t>
+                        <a:t>Event </a:t>
                       </a:r>
+                      <a:r>
+                        <a:rPr lang="en-US" sz="900" spc="0">
+                          <a:solidFill>
+                            <a:srgbClr val="020302"/>
+                          </a:solidFill>
+                          <a:latin typeface="AdobeClean-Light"/>
+                          <a:cs typeface="AdobeClean-Light"/>
+                        </a:rPr>
+                        <a:t>Management</a:t>
+                      </a:r>
+                      <a:endParaRPr sz="900" spc="0">
+                        <a:latin typeface="AdobeClean-Light"/>
+                        <a:cs typeface="AdobeClean-Light"/>
+                      </a:endParaRPr>
                     </a:p>
                   </a:txBody>
                   <a:tcPr marL="0" marR="0" marT="58419" marB="0">
@@ -6362,7 +7441,7 @@
                     <a:bodyPr/>
                     <a:lstStyle/>
                     <a:p>
-                      <a:pPr algn="l" rtl="0">
+                      <a:pPr>
                         <a:lnSpc>
                           <a:spcPct val="100000"/>
                         </a:lnSpc>
@@ -6391,7 +7470,7 @@
                     <a:bodyPr/>
                     <a:lstStyle/>
                     <a:p>
-                      <a:pPr algn="l" rtl="0">
+                      <a:pPr>
                         <a:lnSpc>
                           <a:spcPct val="100000"/>
                         </a:lnSpc>
@@ -6422,7 +7501,7 @@
                     <a:bodyPr/>
                     <a:lstStyle/>
                     <a:p>
-                      <a:pPr marL="48895" algn="l" rtl="0">
+                      <a:pPr marL="48895">
                         <a:lnSpc>
                           <a:spcPct val="100000"/>
                         </a:lnSpc>
@@ -6471,15 +7550,39 @@
                         </a:spcBef>
                       </a:pPr>
                       <a:r>
-                        <a:rPr lang="de-DE" sz="900">
+                        <a:rPr sz="900" spc="0">
                           <a:solidFill>
                             <a:srgbClr val="020302"/>
                           </a:solidFill>
                           <a:latin typeface="AdobeClean-Light"/>
                           <a:cs typeface="AdobeClean-Light"/>
                         </a:rPr>
-                        <a:t>Umgebungsbewertung, -wartung und -überwachung</a:t>
+                        <a:t>Environment</a:t>
                       </a:r>
+                      <a:r>
+                        <a:rPr lang="en-US" sz="900" spc="0">
+                          <a:solidFill>
+                            <a:srgbClr val="020302"/>
+                          </a:solidFill>
+                          <a:latin typeface="AdobeClean-Light"/>
+                          <a:cs typeface="AdobeClean-Light"/>
+                        </a:rPr>
+                        <a:t> </a:t>
+                      </a:r>
+                      <a:r>
+                        <a:rPr sz="900" spc="0">
+                          <a:solidFill>
+                            <a:srgbClr val="020302"/>
+                          </a:solidFill>
+                          <a:latin typeface="AdobeClean-Light"/>
+                          <a:cs typeface="AdobeClean-Light"/>
+                        </a:rPr>
+                        <a:t>Review, Maintenance &amp; Monitoring</a:t>
+                      </a:r>
+                      <a:endParaRPr sz="900" spc="0">
+                        <a:latin typeface="AdobeClean-Light"/>
+                        <a:cs typeface="AdobeClean-Light"/>
+                      </a:endParaRPr>
                     </a:p>
                   </a:txBody>
                   <a:tcPr marL="0" marR="0" marT="59055" marB="0">
@@ -6502,7 +7605,7 @@
                     <a:bodyPr/>
                     <a:lstStyle/>
                     <a:p>
-                      <a:pPr algn="l" rtl="0">
+                      <a:pPr>
                         <a:lnSpc>
                           <a:spcPct val="100000"/>
                         </a:lnSpc>
@@ -6531,7 +7634,7 @@
                     <a:bodyPr/>
                     <a:lstStyle/>
                     <a:p>
-                      <a:pPr algn="l" rtl="0">
+                      <a:pPr>
                         <a:lnSpc>
                           <a:spcPct val="100000"/>
                         </a:lnSpc>
@@ -6562,7 +7665,7 @@
                     <a:bodyPr/>
                     <a:lstStyle/>
                     <a:p>
-                      <a:pPr marL="49530" algn="l" rtl="0">
+                      <a:pPr marL="49530">
                         <a:lnSpc>
                           <a:spcPct val="100000"/>
                         </a:lnSpc>
@@ -6611,34 +7714,19 @@
                         </a:spcBef>
                       </a:pPr>
                       <a:r>
-                        <a:rPr lang="de-DE" sz="900" dirty="0">
+                        <a:rPr sz="900" spc="0">
                           <a:solidFill>
                             <a:srgbClr val="020302"/>
                           </a:solidFill>
                           <a:latin typeface="AdobeClean-Light"/>
                           <a:cs typeface="AdobeClean-Light"/>
                         </a:rPr>
-                        <a:t>Prüfung von Freigabe, Migration, Aktualisierung </a:t>
+                        <a:t>Release, Migration, Upgrade &amp; Product Roadmap Review</a:t>
                       </a:r>
-                      <a:br>
-                        <a:rPr lang="de-DE" sz="900" dirty="0">
-                          <a:solidFill>
-                            <a:srgbClr val="020302"/>
-                          </a:solidFill>
-                          <a:latin typeface="AdobeClean-Light"/>
-                          <a:cs typeface="AdobeClean-Light"/>
-                        </a:rPr>
-                      </a:br>
-                      <a:r>
-                        <a:rPr lang="de-DE" sz="900" dirty="0">
-                          <a:solidFill>
-                            <a:srgbClr val="020302"/>
-                          </a:solidFill>
-                          <a:latin typeface="AdobeClean-Light"/>
-                          <a:cs typeface="AdobeClean-Light"/>
-                        </a:rPr>
-                        <a:t>und Produkt-Roadmap</a:t>
-                      </a:r>
+                      <a:endParaRPr sz="900" spc="0">
+                        <a:latin typeface="AdobeClean-Light"/>
+                        <a:cs typeface="AdobeClean-Light"/>
+                      </a:endParaRPr>
                     </a:p>
                   </a:txBody>
                   <a:tcPr marL="0" marR="0" marT="63500" marB="0">
@@ -6661,7 +7749,7 @@
                     <a:bodyPr/>
                     <a:lstStyle/>
                     <a:p>
-                      <a:pPr algn="l" rtl="0">
+                      <a:pPr>
                         <a:lnSpc>
                           <a:spcPct val="100000"/>
                         </a:lnSpc>
@@ -6690,7 +7778,7 @@
                     <a:bodyPr/>
                     <a:lstStyle/>
                     <a:p>
-                      <a:pPr algn="l" rtl="0">
+                      <a:pPr>
                         <a:lnSpc>
                           <a:spcPct val="100000"/>
                         </a:lnSpc>
@@ -6721,7 +7809,7 @@
                     <a:bodyPr/>
                     <a:lstStyle/>
                     <a:p>
-                      <a:pPr marL="49530" algn="l" rtl="0">
+                      <a:pPr marL="49530">
                         <a:lnSpc>
                           <a:spcPct val="100000"/>
                         </a:lnSpc>
@@ -6779,11 +7867,11 @@
                         </a:spcBef>
                       </a:pPr>
                       <a:r>
-                        <a:rPr lang="de-DE" sz="900">
+                        <a:rPr sz="900" spc="0">
                           <a:latin typeface="AdobeClean-Light"/>
                           <a:cs typeface="AdobeClean-Light"/>
                         </a:rPr>
-                        <a:t>Cloud-Support-Aktivitäten – Experience Manager as a Cloud Service</a:t>
+                        <a:t>Cloud Support Activities – Experience Manager as Cloud</a:t>
                       </a:r>
                     </a:p>
                   </a:txBody>
@@ -6813,7 +7901,7 @@
                     <a:bodyPr/>
                     <a:lstStyle/>
                     <a:p>
-                      <a:pPr algn="l" rtl="0">
+                      <a:pPr>
                         <a:lnSpc>
                           <a:spcPct val="100000"/>
                         </a:lnSpc>
@@ -6869,7 +7957,7 @@
                         <a:defRPr/>
                       </a:pPr>
                       <a:r>
-                        <a:rPr lang="de-DE" sz="900">
+                        <a:rPr lang="en-US" sz="900">
                           <a:solidFill>
                             <a:srgbClr val="020302"/>
                           </a:solidFill>
@@ -6878,9 +7966,13 @@
                         </a:rPr>
                         <a:t></a:t>
                       </a:r>
+                      <a:endParaRPr lang="en-US" sz="900">
+                        <a:latin typeface="Wingdings"/>
+                        <a:cs typeface="Wingdings"/>
+                      </a:endParaRPr>
                     </a:p>
                     <a:p>
-                      <a:pPr marL="0" marR="0" lvl="0" indent="0" algn="l" defTabSz="914400" rtl="0" eaLnBrk="1" fontAlgn="auto" latinLnBrk="0" hangingPunct="1">
+                      <a:pPr marL="0" marR="0" lvl="0" indent="0" algn="ctr" defTabSz="914400" eaLnBrk="1" fontAlgn="auto" latinLnBrk="0" hangingPunct="1">
                         <a:lnSpc>
                           <a:spcPct val="100000"/>
                         </a:lnSpc>
@@ -6943,15 +8035,22 @@
                         </a:spcBef>
                       </a:pPr>
                       <a:r>
-                        <a:rPr lang="de-DE" sz="1000" b="1" i="0">
+                        <a:rPr lang="en-US" sz="1000" b="1" i="0" spc="0">
                           <a:solidFill>
                             <a:schemeClr val="bg1"/>
                           </a:solidFill>
                           <a:latin typeface="Adobe Clean" panose="020B0503020404020204" pitchFamily="34" charset="0"/>
                           <a:cs typeface="AdobeClean-Light"/>
                         </a:rPr>
-                        <a:t>Außendienst</a:t>
+                        <a:t>Field Services</a:t>
                       </a:r>
+                      <a:endParaRPr sz="1000" b="1" i="0" spc="0">
+                        <a:solidFill>
+                          <a:schemeClr val="bg1"/>
+                        </a:solidFill>
+                        <a:latin typeface="Adobe Clean" panose="020B0503020404020204" pitchFamily="34" charset="0"/>
+                        <a:cs typeface="AdobeClean-Light"/>
+                      </a:endParaRPr>
                     </a:p>
                   </a:txBody>
                   <a:tcPr marL="0" marR="0" marT="48260" marB="0" anchor="ctr">
@@ -7004,14 +8103,14 @@
                         </a:spcBef>
                       </a:pPr>
                       <a:r>
-                        <a:rPr lang="de-DE" sz="900">
+                        <a:rPr sz="900" spc="0">
                           <a:solidFill>
                             <a:srgbClr val="020302"/>
                           </a:solidFill>
                           <a:latin typeface="AdobeClean-Light"/>
                           <a:cs typeface="AdobeClean-Light"/>
                         </a:rPr>
-                        <a:t>Launch Advisory-Services – Erstes Jahr mit der neuen Lösung</a:t>
+                        <a:t>Launch Advisory Services – First Year of new solution</a:t>
                       </a:r>
                     </a:p>
                   </a:txBody>
@@ -7051,7 +8150,7 @@
                     <a:bodyPr/>
                     <a:lstStyle/>
                     <a:p>
-                      <a:pPr algn="l" rtl="0">
+                      <a:pPr>
                         <a:lnSpc>
                           <a:spcPct val="100000"/>
                         </a:lnSpc>
@@ -7107,7 +8206,7 @@
                         <a:defRPr/>
                       </a:pPr>
                       <a:r>
-                        <a:rPr lang="de-DE" sz="900">
+                        <a:rPr lang="en-US" sz="900">
                           <a:solidFill>
                             <a:srgbClr val="020302"/>
                           </a:solidFill>
@@ -7116,6 +8215,10 @@
                         </a:rPr>
                         <a:t></a:t>
                       </a:r>
+                      <a:endParaRPr lang="en-US" sz="900">
+                        <a:latin typeface="Wingdings"/>
+                        <a:cs typeface="Wingdings"/>
+                      </a:endParaRPr>
                     </a:p>
                   </a:txBody>
                   <a:tcPr marL="0" marR="0" marT="0" marB="0">
@@ -7236,7 +8339,7 @@
                         <a:defRPr/>
                       </a:pPr>
                       <a:r>
-                        <a:rPr lang="de-DE" sz="900">
+                        <a:rPr lang="en-US" sz="900">
                           <a:solidFill>
                             <a:srgbClr val="020302"/>
                           </a:solidFill>
@@ -7245,6 +8348,10 @@
                         </a:rPr>
                         <a:t></a:t>
                       </a:r>
+                      <a:endParaRPr lang="en-US" sz="900">
+                        <a:latin typeface="Wingdings"/>
+                        <a:cs typeface="Wingdings"/>
+                      </a:endParaRPr>
                     </a:p>
                   </a:txBody>
                   <a:tcPr marL="0" marR="0" marT="0" marB="0">
@@ -7301,11 +8408,11 @@
                         <a:defRPr/>
                       </a:pPr>
                       <a:r>
-                        <a:rPr lang="de-DE" sz="900" dirty="0">
+                        <a:rPr lang="en-US" sz="900" spc="0">
                           <a:latin typeface="AdobeClean-Light"/>
                           <a:cs typeface="AdobeClean-Light"/>
                         </a:rPr>
-                        <a:t>Außendienstaktivitäten </a:t>
+                        <a:t>Field Service Activities </a:t>
                       </a:r>
                     </a:p>
                   </a:txBody>
@@ -7439,8 +8546,8 @@
         </p:nvSpPr>
         <p:spPr>
           <a:xfrm>
-            <a:off x="2835999" y="8935316"/>
-            <a:ext cx="2194560" cy="795089"/>
+            <a:off x="2835999" y="9021041"/>
+            <a:ext cx="2194560" cy="641201"/>
           </a:xfrm>
           <a:prstGeom prst="rect">
             <a:avLst/>
@@ -7464,52 +8571,154 @@
               </a:tabLst>
             </a:pPr>
             <a:r>
-              <a:rPr lang="de-DE" sz="1000" dirty="0">
+              <a:rPr sz="1000" spc="-20" dirty="0">
                 <a:solidFill>
                   <a:srgbClr val="020302"/>
                 </a:solidFill>
                 <a:latin typeface="AdobeClean-Light"/>
                 <a:cs typeface="AdobeClean-Light"/>
               </a:rPr>
-              <a:t>Starten Sie eine Chat-Session, </a:t>
-            </a:r>
-            <a:br>
-              <a:rPr lang="de-DE" sz="1000" dirty="0">
+              <a:t>Start </a:t>
+            </a:r>
+            <a:r>
+              <a:rPr sz="1000" dirty="0">
                 <a:solidFill>
                   <a:srgbClr val="020302"/>
                 </a:solidFill>
                 <a:latin typeface="AdobeClean-Light"/>
                 <a:cs typeface="AdobeClean-Light"/>
               </a:rPr>
-            </a:br>
-            <a:r>
-              <a:rPr lang="de-DE" sz="1000" dirty="0">
+              <a:t>a </a:t>
+            </a:r>
+            <a:r>
+              <a:rPr sz="1000" spc="-15" dirty="0">
                 <a:solidFill>
                   <a:srgbClr val="020302"/>
                 </a:solidFill>
                 <a:latin typeface="AdobeClean-Light"/>
                 <a:cs typeface="AdobeClean-Light"/>
               </a:rPr>
-              <a:t>um Antworten und Hilfe bei </a:t>
-            </a:r>
-            <a:br>
-              <a:rPr lang="de-DE" sz="1000" dirty="0">
+              <a:t>chat </a:t>
+            </a:r>
+            <a:r>
+              <a:rPr sz="1000" spc="-10" dirty="0">
                 <a:solidFill>
                   <a:srgbClr val="020302"/>
                 </a:solidFill>
                 <a:latin typeface="AdobeClean-Light"/>
                 <a:cs typeface="AdobeClean-Light"/>
               </a:rPr>
-            </a:br>
-            <a:r>
-              <a:rPr lang="de-DE" sz="1000" dirty="0">
+              <a:t>session </a:t>
+            </a:r>
+            <a:r>
+              <a:rPr sz="1000" spc="-5" dirty="0">
                 <a:solidFill>
                   <a:srgbClr val="020302"/>
                 </a:solidFill>
                 <a:latin typeface="AdobeClean-Light"/>
                 <a:cs typeface="AdobeClean-Light"/>
               </a:rPr>
-              <a:t>der Fallübermittlung zu erhalten.</a:t>
+              <a:t>to </a:t>
+            </a:r>
+            <a:r>
+              <a:rPr sz="1000" spc="-10" dirty="0">
+                <a:solidFill>
+                  <a:srgbClr val="020302"/>
+                </a:solidFill>
+                <a:latin typeface="AdobeClean-Light"/>
+                <a:cs typeface="AdobeClean-Light"/>
+              </a:rPr>
+              <a:t>get </a:t>
+            </a:r>
+            <a:r>
+              <a:rPr sz="1000" spc="-20" dirty="0">
+                <a:solidFill>
+                  <a:srgbClr val="020302"/>
+                </a:solidFill>
+                <a:latin typeface="AdobeClean-Light"/>
+                <a:cs typeface="AdobeClean-Light"/>
+              </a:rPr>
+              <a:t>answers</a:t>
+            </a:r>
+            <a:r>
+              <a:rPr lang="en-US" sz="1000" spc="-45" dirty="0">
+                <a:solidFill>
+                  <a:srgbClr val="020302"/>
+                </a:solidFill>
+                <a:latin typeface="AdobeClean-Light"/>
+                <a:cs typeface="AdobeClean-Light"/>
+              </a:rPr>
+              <a:t> </a:t>
+            </a:r>
+            <a:r>
+              <a:rPr lang="en-US" sz="1000" dirty="0">
+                <a:solidFill>
+                  <a:srgbClr val="020302"/>
+                </a:solidFill>
+                <a:latin typeface="AdobeClean-Light"/>
+                <a:cs typeface="AdobeClean-Light"/>
+              </a:rPr>
+              <a:t>&amp; </a:t>
+            </a:r>
+            <a:r>
+              <a:rPr sz="1000" spc="-15" dirty="0">
+                <a:solidFill>
+                  <a:srgbClr val="020302"/>
+                </a:solidFill>
+                <a:latin typeface="AdobeClean-Light"/>
+                <a:cs typeface="AdobeClean-Light"/>
+              </a:rPr>
+              <a:t>help </a:t>
+            </a:r>
+            <a:r>
+              <a:rPr sz="1000" spc="-10" dirty="0">
+                <a:solidFill>
+                  <a:srgbClr val="020302"/>
+                </a:solidFill>
+                <a:latin typeface="AdobeClean-Light"/>
+                <a:cs typeface="AdobeClean-Light"/>
+              </a:rPr>
+              <a:t>with</a:t>
+            </a:r>
+            <a:r>
+              <a:rPr sz="1000" spc="85" dirty="0">
+                <a:solidFill>
+                  <a:srgbClr val="020302"/>
+                </a:solidFill>
+                <a:latin typeface="AdobeClean-Light"/>
+                <a:cs typeface="AdobeClean-Light"/>
+              </a:rPr>
+              <a:t> </a:t>
+            </a:r>
+            <a:r>
+              <a:rPr sz="1000" spc="-10" dirty="0">
+                <a:solidFill>
+                  <a:srgbClr val="020302"/>
+                </a:solidFill>
+                <a:latin typeface="AdobeClean-Light"/>
+                <a:cs typeface="AdobeClean-Light"/>
+              </a:rPr>
+              <a:t>case </a:t>
+            </a:r>
+            <a:r>
+              <a:rPr sz="1000" spc="-20">
+                <a:solidFill>
+                  <a:srgbClr val="020302"/>
+                </a:solidFill>
+                <a:latin typeface="AdobeClean-Light"/>
+                <a:cs typeface="AdobeClean-Light"/>
+              </a:rPr>
+              <a:t>submission</a:t>
+            </a:r>
+            <a:r>
+              <a:rPr lang="en-US" sz="1000" spc="-20">
+                <a:solidFill>
+                  <a:srgbClr val="020302"/>
+                </a:solidFill>
+                <a:latin typeface="AdobeClean-Light"/>
+                <a:cs typeface="AdobeClean-Light"/>
+              </a:rPr>
+              <a:t>.</a:t>
             </a:r>
           </a:p>
           <a:p>
@@ -7522,44 +8731,49 @@
               </a:tabLst>
             </a:pPr>
             <a:r>
-              <a:rPr lang="de-DE" sz="1000" i="1" dirty="0">
+              <a:rPr sz="1000" i="1" spc="-10" dirty="0">
                 <a:solidFill>
                   <a:srgbClr val="7A7A7A"/>
                 </a:solidFill>
                 <a:latin typeface="AdobeClean-LightIt"/>
                 <a:cs typeface="AdobeClean-LightIt"/>
               </a:rPr>
-              <a:t>*Nicht alle Produkte verfügen </a:t>
-            </a:r>
-            <a:br>
-              <a:rPr lang="de-DE" sz="1000" i="1" dirty="0">
+              <a:t>*Not all </a:t>
+            </a:r>
+            <a:r>
+              <a:rPr sz="1000" i="1" spc="-20" dirty="0">
                 <a:solidFill>
                   <a:srgbClr val="7A7A7A"/>
                 </a:solidFill>
                 <a:latin typeface="AdobeClean-LightIt"/>
                 <a:cs typeface="AdobeClean-LightIt"/>
               </a:rPr>
-            </a:br>
-            <a:r>
-              <a:rPr lang="de-DE" sz="1000" i="1" dirty="0">
+              <a:t>products have live chat support</a:t>
+            </a:r>
+            <a:r>
+              <a:rPr sz="900" i="1" spc="-20" dirty="0">
                 <a:solidFill>
                   <a:srgbClr val="7A7A7A"/>
                 </a:solidFill>
                 <a:latin typeface="AdobeClean-LightIt"/>
                 <a:cs typeface="AdobeClean-LightIt"/>
               </a:rPr>
-              <a:t>über Live-Chat-Support</a:t>
-            </a:r>
-            <a:r>
-              <a:rPr lang="de-DE" sz="900" i="1" dirty="0">
+              <a:t>.</a:t>
+            </a:r>
+            <a:r>
+              <a:rPr lang="en-US" sz="900" i="1" spc="-20" dirty="0">
                 <a:solidFill>
                   <a:srgbClr val="7A7A7A"/>
                 </a:solidFill>
                 <a:latin typeface="AdobeClean-LightIt"/>
                 <a:cs typeface="AdobeClean-LightIt"/>
               </a:rPr>
-              <a:t>.  </a:t>
-            </a:r>
+              <a:t>  </a:t>
+            </a:r>
+            <a:endParaRPr sz="900">
+              <a:latin typeface="AdobeClean-Light"/>
+              <a:cs typeface="AdobeClean-Light"/>
+            </a:endParaRPr>
           </a:p>
         </p:txBody>
       </p:sp>
@@ -7606,12 +8820,12 @@
               <a:defRPr/>
             </a:pPr>
             <a:r>
-              <a:rPr lang="de-DE" sz="1200">
+              <a:rPr lang="en-US" sz="1200">
                 <a:solidFill>
                   <a:srgbClr val="000000"/>
                 </a:solidFill>
               </a:rPr>
-              <a:t>Community-Foren</a:t>
+              <a:t>Community Forums</a:t>
             </a:r>
           </a:p>
         </p:txBody>
@@ -7654,12 +8868,12 @@
               </a:spcAft>
             </a:pPr>
             <a:r>
-              <a:rPr lang="de-DE" sz="1200" b="1">
+              <a:rPr lang="en-US" sz="1200" b="1">
                 <a:latin typeface="+mj-lt"/>
                 <a:ea typeface="Open Sans" pitchFamily="34" charset="0"/>
                 <a:cs typeface="Open Sans" pitchFamily="34" charset="0"/>
               </a:rPr>
-              <a:t>Online-Foren</a:t>
+              <a:t>Online Forums</a:t>
             </a:r>
           </a:p>
         </p:txBody>
@@ -7679,7 +8893,7 @@
         <p:spPr>
           <a:xfrm>
             <a:off x="355868" y="7102087"/>
-            <a:ext cx="2273032" cy="959237"/>
+            <a:ext cx="2194560" cy="959237"/>
           </a:xfrm>
           <a:prstGeom prst="rect">
             <a:avLst/>
@@ -7692,14 +8906,20 @@
           <a:lstStyle/>
           <a:p>
             <a:r>
-              <a:rPr lang="de-DE" sz="1000" dirty="0">
+              <a:rPr lang="en-US" sz="1000" dirty="0">
                 <a:solidFill>
                   <a:srgbClr val="4B4B4B"/>
                 </a:solidFill>
                 <a:latin typeface="Adobe Clean Light"/>
               </a:rPr>
-              <a:t>Kontinuierlicher Online-Zugriff auf eine wachsende Datenbank technischer Lösungen, Produktdokumentationen, FAQs und mehr. Tauschen Sie sich mit Fachleuten und anderen Kunden in der Adobe-Community über Best Practices und Erfahrungen aus.</a:t>
-            </a:r>
+              <a:t>Continuous online access to a growing database of technical solutions, product documentation, FAQs and more. Connect with practitioners and other customers on Adobe Community to share best practices and lessons learned.</a:t>
+            </a:r>
+            <a:endParaRPr lang="en-US" sz="1000" dirty="0">
+              <a:solidFill>
+                <a:srgbClr val="4B4B4B"/>
+              </a:solidFill>
+              <a:latin typeface="Adobe Clean Light" panose="020B0303020404020204" pitchFamily="34" charset="0"/>
+            </a:endParaRPr>
           </a:p>
         </p:txBody>
       </p:sp>
@@ -7746,7 +8966,7 @@
               <a:defRPr/>
             </a:pPr>
             <a:r>
-              <a:rPr lang="de-DE" sz="1200">
+              <a:rPr lang="en-US" sz="1200">
                 <a:solidFill>
                   <a:srgbClr val="000000"/>
                 </a:solidFill>
@@ -7773,7 +8993,7 @@
         <p:spPr>
           <a:xfrm>
             <a:off x="5723508" y="6868024"/>
-            <a:ext cx="1682961" cy="184666"/>
+            <a:ext cx="1316707" cy="184666"/>
           </a:xfrm>
           <a:prstGeom prst="rect">
             <a:avLst/>
@@ -7794,20 +9014,12 @@
               </a:spcAft>
             </a:pPr>
             <a:r>
-              <a:rPr lang="de-DE" sz="1200" b="1" spc="-10" dirty="0" err="1">
+              <a:rPr lang="en-US" sz="1200" b="1">
                 <a:latin typeface="+mj-lt"/>
                 <a:ea typeface="Open Sans" pitchFamily="34" charset="0"/>
                 <a:cs typeface="Open Sans" pitchFamily="34" charset="0"/>
               </a:rPr>
-              <a:t>Journeys</a:t>
-            </a:r>
-            <a:r>
-              <a:rPr lang="de-DE" sz="1200" b="1" spc="-10" dirty="0">
-                <a:latin typeface="+mj-lt"/>
-                <a:ea typeface="Open Sans" pitchFamily="34" charset="0"/>
-                <a:cs typeface="Open Sans" pitchFamily="34" charset="0"/>
-              </a:rPr>
-              <a:t> für die Selbsthilfe</a:t>
+              <a:t>Self-guided Journeys</a:t>
             </a:r>
           </a:p>
         </p:txBody>
@@ -7827,7 +9039,7 @@
         <p:spPr>
           <a:xfrm>
             <a:off x="5265661" y="7060285"/>
-            <a:ext cx="2217814" cy="1113125"/>
+            <a:ext cx="2194560" cy="1113125"/>
           </a:xfrm>
           <a:prstGeom prst="rect">
             <a:avLst/>
@@ -7840,14 +9052,20 @@
           <a:lstStyle/>
           <a:p>
             <a:r>
-              <a:rPr lang="de-DE" sz="1000" dirty="0">
+              <a:rPr lang="en-US" sz="1000" dirty="0">
                 <a:solidFill>
                   <a:srgbClr val="4B4B4B"/>
                 </a:solidFill>
                 <a:latin typeface="Adobe Clean Light"/>
               </a:rPr>
-              <a:t>Experience Maker entstehen in der Experience League. Kunden können durch personalisiertes Lernen ihre Customer-Experience-Management-Fähigkeiten entwickeln, mit einer globalen Community anderer Anwender interagieren und so ihre eigene Karriere fördern.</a:t>
-            </a:r>
+              <a:t>Experience Makers are made with Experience League. Customers can kickstart their Customer Experience Management abilities with personalized learning to develop skills, engage with a global community of peers, and earn career advancing recognition.</a:t>
+            </a:r>
+            <a:endParaRPr lang="en-US" sz="1000" dirty="0">
+              <a:solidFill>
+                <a:srgbClr val="4B4B4B"/>
+              </a:solidFill>
+              <a:latin typeface="Adobe Clean Light" panose="020B0303020404020204" pitchFamily="34" charset="0"/>
+            </a:endParaRPr>
           </a:p>
         </p:txBody>
       </p:sp>
@@ -7867,7 +9085,7 @@
         </p:nvSpPr>
         <p:spPr>
           <a:xfrm>
-            <a:off x="3201544" y="8435059"/>
+            <a:off x="3201544" y="8520784"/>
             <a:ext cx="1543003" cy="184666"/>
           </a:xfrm>
           <a:prstGeom prst="rect">
@@ -7894,12 +9112,12 @@
               <a:defRPr/>
             </a:pPr>
             <a:r>
-              <a:rPr lang="de-DE" sz="1200">
+              <a:rPr lang="en-US" sz="1200">
                 <a:solidFill>
                   <a:srgbClr val="000000"/>
                 </a:solidFill>
               </a:rPr>
-              <a:t>Live-Chat-Support*</a:t>
+              <a:t>Live Chat  Support*</a:t>
             </a:r>
           </a:p>
         </p:txBody>
@@ -7920,7 +9138,7 @@
         </p:nvSpPr>
         <p:spPr>
           <a:xfrm>
-            <a:off x="3201544" y="8616278"/>
+            <a:off x="3201544" y="8702003"/>
             <a:ext cx="840166" cy="184666"/>
           </a:xfrm>
           <a:prstGeom prst="rect">
@@ -7942,12 +9160,12 @@
               </a:spcAft>
             </a:pPr>
             <a:r>
-              <a:rPr lang="de-DE" sz="1200" b="1">
+              <a:rPr lang="en-US" sz="1200" b="1">
                 <a:latin typeface="+mj-lt"/>
                 <a:ea typeface="Open Sans" pitchFamily="34" charset="0"/>
                 <a:cs typeface="Open Sans" pitchFamily="34" charset="0"/>
               </a:rPr>
-              <a:t>Chat-Support</a:t>
+              <a:t>Chat Support</a:t>
             </a:r>
           </a:p>
         </p:txBody>
@@ -7995,7 +9213,7 @@
               <a:defRPr/>
             </a:pPr>
             <a:r>
-              <a:rPr lang="de-DE" sz="1200">
+              <a:rPr lang="en-US" sz="1200">
                 <a:solidFill>
                   <a:srgbClr val="000000"/>
                 </a:solidFill>
@@ -8043,12 +9261,12 @@
               </a:spcAft>
             </a:pPr>
             <a:r>
-              <a:rPr lang="de-DE" sz="1200" b="1">
+              <a:rPr lang="en-US" sz="1200" b="1">
                 <a:latin typeface="+mj-lt"/>
                 <a:ea typeface="Open Sans" pitchFamily="34" charset="0"/>
                 <a:cs typeface="Open Sans" pitchFamily="34" charset="0"/>
               </a:rPr>
-              <a:t>Telefonischer Support</a:t>
+              <a:t>Phone  Support</a:t>
             </a:r>
           </a:p>
         </p:txBody>
@@ -8067,8 +9285,8 @@
         </p:nvSpPr>
         <p:spPr>
           <a:xfrm>
-            <a:off x="2835998" y="7097788"/>
-            <a:ext cx="2273031" cy="959237"/>
+            <a:off x="2835999" y="7097788"/>
+            <a:ext cx="2194560" cy="805349"/>
           </a:xfrm>
           <a:prstGeom prst="rect">
             <a:avLst/>
@@ -8081,29 +9299,35 @@
           <a:lstStyle/>
           <a:p>
             <a:r>
-              <a:rPr lang="de-DE" sz="1000" dirty="0">
+              <a:rPr lang="en-US" sz="1000">
                 <a:solidFill>
                   <a:srgbClr val="020302"/>
                 </a:solidFill>
                 <a:latin typeface="AdobeClean-Light"/>
               </a:rPr>
-              <a:t>Autorisierte Anwender oder </a:t>
-            </a:r>
-            <a:r>
-              <a:rPr lang="de-DE" sz="1000" b="1" dirty="0">
+              <a:t>Authorized users or </a:t>
+            </a:r>
+            <a:r>
+              <a:rPr lang="en-US" sz="1000" b="1">
                 <a:solidFill>
                   <a:srgbClr val="020302"/>
                 </a:solidFill>
                 <a:latin typeface="AdobeClean-Light"/>
               </a:rPr>
-              <a:t>spezifische Support-Kontakte</a:t>
-            </a:r>
-            <a:r>
-              <a:rPr lang="de-DE" sz="1000" dirty="0">
+              <a:t>Named Support Contacts </a:t>
+            </a:r>
+            <a:r>
+              <a:rPr lang="en-US" sz="1000">
                 <a:latin typeface="Adobe Clean Light" panose="020B0303020404020204" pitchFamily="34" charset="0"/>
               </a:rPr>
-              <a:t> können Probleme über alle verfügbaren Kanäle (einschließlich Telefon für P1) einreichen und im Namen Ihres Unternehmens mit unserem technischen Support-Team interagieren. </a:t>
-            </a:r>
+              <a:t>can submit issues through all available  channels (including phone for P1) and interact with our technical support team on behalf of your company. </a:t>
+            </a:r>
+            <a:endParaRPr lang="en-US" sz="1000">
+              <a:solidFill>
+                <a:srgbClr val="000000"/>
+              </a:solidFill>
+              <a:latin typeface="Adobe Clean Light" panose="020B0303020404020204" pitchFamily="34" charset="0"/>
+            </a:endParaRPr>
           </a:p>
         </p:txBody>
       </p:sp>
@@ -8122,7 +9346,7 @@
         <p:spPr>
           <a:xfrm>
             <a:off x="214971" y="6447157"/>
-            <a:ext cx="2102779" cy="60747"/>
+            <a:ext cx="1848207" cy="45719"/>
           </a:xfrm>
           <a:custGeom>
             <a:avLst/>
@@ -8191,15 +9415,19 @@
               </a:spcBef>
             </a:pPr>
             <a:r>
-              <a:rPr lang="de-DE" sz="1400" b="1">
-                <a:solidFill>
-                  <a:srgbClr val="020302"/>
-                </a:solidFill>
-                <a:latin typeface="Adobe Clean"/>
-                <a:cs typeface="Adobe Clean"/>
-              </a:rPr>
-              <a:t>Umfang von Online Support</a:t>
-            </a:r>
+              <a:rPr lang="en-US" sz="1400" b="1" spc="-10">
+                <a:solidFill>
+                  <a:srgbClr val="020302"/>
+                </a:solidFill>
+                <a:latin typeface="Adobe Clean"/>
+                <a:cs typeface="Adobe Clean"/>
+              </a:rPr>
+              <a:t>Online Support Features</a:t>
+            </a:r>
+            <a:endParaRPr lang="en-US" sz="1400">
+              <a:latin typeface="Adobe Clean"/>
+              <a:cs typeface="Adobe Clean"/>
+            </a:endParaRPr>
           </a:p>
         </p:txBody>
       </p:sp>
@@ -8219,7 +9447,7 @@
         </p:nvSpPr>
         <p:spPr>
           <a:xfrm>
-            <a:off x="689237" y="8435059"/>
+            <a:off x="689237" y="8520784"/>
             <a:ext cx="991521" cy="184666"/>
           </a:xfrm>
           <a:prstGeom prst="rect">
@@ -8246,7 +9474,7 @@
               <a:defRPr/>
             </a:pPr>
             <a:r>
-              <a:rPr lang="de-DE" sz="1200">
+              <a:rPr lang="en-US" sz="1200">
                 <a:solidFill>
                   <a:srgbClr val="000000"/>
                 </a:solidFill>
@@ -8272,7 +9500,7 @@
         </p:nvSpPr>
         <p:spPr>
           <a:xfrm>
-            <a:off x="689237" y="8616278"/>
+            <a:off x="689237" y="8702003"/>
             <a:ext cx="604974" cy="184666"/>
           </a:xfrm>
           <a:prstGeom prst="rect">
@@ -8294,12 +9522,12 @@
               </a:spcAft>
             </a:pPr>
             <a:r>
-              <a:rPr lang="de-DE" sz="1200" b="1">
+              <a:rPr lang="en-US" sz="1200" b="1">
                 <a:latin typeface="+mj-lt"/>
                 <a:ea typeface="Open Sans" pitchFamily="34" charset="0"/>
                 <a:cs typeface="Open Sans" pitchFamily="34" charset="0"/>
               </a:rPr>
-              <a:t>Webinare</a:t>
+              <a:t>Webinars</a:t>
             </a:r>
           </a:p>
         </p:txBody>
@@ -8318,8 +9546,8 @@
         </p:nvSpPr>
         <p:spPr>
           <a:xfrm>
-            <a:off x="355867" y="8900888"/>
-            <a:ext cx="2371457" cy="805349"/>
+            <a:off x="355868" y="8986613"/>
+            <a:ext cx="2194560" cy="805349"/>
           </a:xfrm>
           <a:prstGeom prst="rect">
             <a:avLst/>
@@ -8332,13 +9560,13 @@
           <a:lstStyle/>
           <a:p>
             <a:r>
-              <a:rPr lang="de-DE" sz="1000" spc="-10" dirty="0">
+              <a:rPr lang="en-US" sz="1000">
                 <a:solidFill>
                   <a:srgbClr val="4B4B4B"/>
                 </a:solidFill>
                 <a:latin typeface="Adobe Clean Light" panose="020B0303020404020204" pitchFamily="34" charset="0"/>
               </a:rPr>
-              <a:t>Die vom Adobe Support-Team geleitete Office Hours-Reihe umfasst Sessions mit informativem Inhalt sowie Angebote zur Problembehebung sowie Tipps und Tricks für den Erfolg bei der Nutzung von Adobe-Lösungen. </a:t>
+              <a:t>Office Hours led by the Adobe Customer Support team includes sessions designed to inform as well as help participants troubleshoot problems and provide tips and tricks for success with Adobe solutions. </a:t>
             </a:r>
           </a:p>
         </p:txBody>
@@ -8359,7 +9587,7 @@
         </p:nvSpPr>
         <p:spPr>
           <a:xfrm>
-            <a:off x="5723508" y="8435059"/>
+            <a:off x="5723508" y="8520784"/>
             <a:ext cx="1303746" cy="184666"/>
           </a:xfrm>
           <a:prstGeom prst="rect">
@@ -8386,12 +9614,12 @@
               <a:defRPr/>
             </a:pPr>
             <a:r>
-              <a:rPr lang="de-DE" sz="1200">
+              <a:rPr lang="en-US" sz="1200">
                 <a:solidFill>
                   <a:srgbClr val="000000"/>
                 </a:solidFill>
               </a:rPr>
-              <a:t>Selbsthilfe-Portale</a:t>
+              <a:t>Self-help Portals</a:t>
             </a:r>
           </a:p>
         </p:txBody>
@@ -8412,7 +9640,7 @@
         </p:nvSpPr>
         <p:spPr>
           <a:xfrm>
-            <a:off x="5723508" y="8616278"/>
+            <a:off x="5723508" y="8702003"/>
             <a:ext cx="1267206" cy="184666"/>
           </a:xfrm>
           <a:prstGeom prst="rect">
@@ -8434,12 +9662,12 @@
               </a:spcAft>
             </a:pPr>
             <a:r>
-              <a:rPr lang="de-DE" sz="1200" b="1">
+              <a:rPr lang="en-US" sz="1200" b="1">
                 <a:latin typeface="+mj-lt"/>
                 <a:ea typeface="Open Sans" pitchFamily="34" charset="0"/>
                 <a:cs typeface="Open Sans" pitchFamily="34" charset="0"/>
               </a:rPr>
-              <a:t>24/7-Support-Portal</a:t>
+              <a:t>24/7 Support Portal</a:t>
             </a:r>
           </a:p>
         </p:txBody>
@@ -8458,8 +9686,8 @@
         </p:nvSpPr>
         <p:spPr>
           <a:xfrm>
-            <a:off x="5265661" y="8861910"/>
-            <a:ext cx="2322590" cy="959237"/>
+            <a:off x="5265661" y="8947635"/>
+            <a:ext cx="2194560" cy="805349"/>
           </a:xfrm>
           <a:prstGeom prst="rect">
             <a:avLst/>
@@ -8472,16 +9700,16 @@
           <a:lstStyle/>
           <a:p>
             <a:r>
-              <a:rPr lang="de-DE" sz="1000" dirty="0">
+              <a:rPr lang="en-US" sz="1000">
                 <a:solidFill>
                   <a:srgbClr val="4B4B4B"/>
                 </a:solidFill>
                 <a:latin typeface="Adobe Clean Light" panose="020B0303020404020204" pitchFamily="34" charset="0"/>
               </a:rPr>
-              <a:t>On-Demand-Zugriff auf das Online-Selbsthilfe-Support-Portal, um Support-Anfragen einzureichen, den Fallstatus zu überprüfen </a:t>
+              <a:t>On-demand access to the online </a:t>
             </a:r>
             <a:br>
-              <a:rPr lang="de-DE" sz="1000" dirty="0">
+              <a:rPr lang="en-US" sz="1000">
                 <a:solidFill>
                   <a:srgbClr val="4B4B4B"/>
                 </a:solidFill>
@@ -8489,30 +9717,13 @@
               </a:rPr>
             </a:br>
             <a:r>
-              <a:rPr lang="de-DE" sz="1000" dirty="0">
+              <a:rPr lang="en-US" sz="1000">
                 <a:solidFill>
                   <a:srgbClr val="4B4B4B"/>
                 </a:solidFill>
                 <a:latin typeface="Adobe Clean Light" panose="020B0303020404020204" pitchFamily="34" charset="0"/>
               </a:rPr>
-              <a:t>und andere Ressourcen zu durchsuchen, </a:t>
-            </a:r>
-            <a:br>
-              <a:rPr lang="de-DE" sz="1000" dirty="0">
-                <a:solidFill>
-                  <a:srgbClr val="4B4B4B"/>
-                </a:solidFill>
-                <a:latin typeface="Adobe Clean Light" panose="020B0303020404020204" pitchFamily="34" charset="0"/>
-              </a:rPr>
-            </a:br>
-            <a:r>
-              <a:rPr lang="de-DE" sz="1000" dirty="0">
-                <a:solidFill>
-                  <a:srgbClr val="4B4B4B"/>
-                </a:solidFill>
-                <a:latin typeface="Adobe Clean Light" panose="020B0303020404020204" pitchFamily="34" charset="0"/>
-              </a:rPr>
-              <a:t>z. B. unsere Wissensdatenbank, Neuigkeiten und Hinweise, spezielle Tipps und mehr.</a:t>
+              <a:t>Self-help Support Portal to submit support requests, review case status, and browse other resources, like our knowledgebase, news and alerts, featured tips, and more.</a:t>
             </a:r>
           </a:p>
         </p:txBody>
@@ -8646,8 +9857,36 @@
               </a:spcBef>
             </a:pPr>
             <a:r>
-              <a:rPr lang="de-DE"/>
-              <a:t>©2021 Adobe. All Rights Reserved. Adobe Confidential.</a:t>
+              <a:rPr lang="en-US" spc="-10"/>
+              <a:t>©2021</a:t>
+            </a:r>
+            <a:r>
+              <a:rPr lang="en-US" spc="-5"/>
+              <a:t> Adobe. All</a:t>
+            </a:r>
+            <a:r>
+              <a:rPr lang="en-US" spc="-10"/>
+              <a:t> Rights</a:t>
+            </a:r>
+            <a:r>
+              <a:rPr lang="en-US" spc="-5"/>
+              <a:t> </a:t>
+            </a:r>
+            <a:r>
+              <a:rPr lang="en-US" spc="-10"/>
+              <a:t>Reserved.</a:t>
+            </a:r>
+            <a:r>
+              <a:rPr lang="en-US" spc="-5"/>
+              <a:t> Adobe</a:t>
+            </a:r>
+            <a:r>
+              <a:rPr lang="en-US" spc="60"/>
+              <a:t> </a:t>
+            </a:r>
+            <a:r>
+              <a:rPr lang="en-US" spc="-10"/>
+              <a:t>Confidential.</a:t>
             </a:r>
           </a:p>
         </p:txBody>
@@ -8667,7 +9906,7 @@
         <p:spPr>
           <a:xfrm>
             <a:off x="214971" y="868681"/>
-            <a:ext cx="2385354" cy="92368"/>
+            <a:ext cx="2103120" cy="45719"/>
           </a:xfrm>
           <a:custGeom>
             <a:avLst/>
@@ -8736,15 +9975,19 @@
               </a:spcBef>
             </a:pPr>
             <a:r>
-              <a:rPr lang="de-DE" sz="1400" b="1">
-                <a:solidFill>
-                  <a:srgbClr val="020302"/>
-                </a:solidFill>
-                <a:latin typeface="Adobe Clean"/>
-                <a:cs typeface="Adobe Clean"/>
-              </a:rPr>
-              <a:t>Umfang von Enterprise Support</a:t>
-            </a:r>
+              <a:rPr lang="en-US" sz="1400" b="1" spc="-10">
+                <a:solidFill>
+                  <a:srgbClr val="020302"/>
+                </a:solidFill>
+                <a:latin typeface="Adobe Clean"/>
+                <a:cs typeface="Adobe Clean"/>
+              </a:rPr>
+              <a:t>Enterprise Support Features</a:t>
+            </a:r>
+            <a:endParaRPr lang="en-US" sz="1400">
+              <a:latin typeface="Adobe Clean"/>
+              <a:cs typeface="Adobe Clean"/>
+            </a:endParaRPr>
           </a:p>
         </p:txBody>
       </p:sp>
@@ -8762,8 +10005,8 @@
         </p:nvSpPr>
         <p:spPr>
           <a:xfrm>
-            <a:off x="689237" y="2612717"/>
-            <a:ext cx="1758688" cy="197490"/>
+            <a:off x="689237" y="2603192"/>
+            <a:ext cx="1555491" cy="197490"/>
           </a:xfrm>
           <a:prstGeom prst="rect">
             <a:avLst/>
@@ -8784,15 +10027,199 @@
               </a:spcBef>
             </a:pPr>
             <a:r>
-              <a:rPr lang="de-DE" sz="1200" b="1" dirty="0">
-                <a:solidFill>
-                  <a:srgbClr val="020302"/>
-                </a:solidFill>
-                <a:latin typeface="Adobe Clean"/>
-                <a:cs typeface="Adobe Clean"/>
-              </a:rPr>
-              <a:t>Eskalations-Management</a:t>
-            </a:r>
+              <a:rPr sz="1200" b="1" spc="-25">
+                <a:solidFill>
+                  <a:srgbClr val="020302"/>
+                </a:solidFill>
+                <a:latin typeface="Adobe Clean"/>
+                <a:cs typeface="Adobe Clean"/>
+              </a:rPr>
+              <a:t>E</a:t>
+            </a:r>
+            <a:r>
+              <a:rPr sz="1200" b="1" spc="-20">
+                <a:solidFill>
+                  <a:srgbClr val="020302"/>
+                </a:solidFill>
+                <a:latin typeface="Adobe Clean"/>
+                <a:cs typeface="Adobe Clean"/>
+              </a:rPr>
+              <a:t>s</a:t>
+            </a:r>
+            <a:r>
+              <a:rPr sz="1200" b="1" spc="-30">
+                <a:solidFill>
+                  <a:srgbClr val="020302"/>
+                </a:solidFill>
+                <a:latin typeface="Adobe Clean"/>
+                <a:cs typeface="Adobe Clean"/>
+              </a:rPr>
+              <a:t>c</a:t>
+            </a:r>
+            <a:r>
+              <a:rPr sz="1200" b="1" spc="-20">
+                <a:solidFill>
+                  <a:srgbClr val="020302"/>
+                </a:solidFill>
+                <a:latin typeface="Adobe Clean"/>
+                <a:cs typeface="Adobe Clean"/>
+              </a:rPr>
+              <a:t>a</a:t>
+            </a:r>
+            <a:r>
+              <a:rPr sz="1200" b="1" spc="-25">
+                <a:solidFill>
+                  <a:srgbClr val="020302"/>
+                </a:solidFill>
+                <a:latin typeface="Adobe Clean"/>
+                <a:cs typeface="Adobe Clean"/>
+              </a:rPr>
+              <a:t>l</a:t>
+            </a:r>
+            <a:r>
+              <a:rPr sz="1200" b="1" spc="-20">
+                <a:solidFill>
+                  <a:srgbClr val="020302"/>
+                </a:solidFill>
+                <a:latin typeface="Adobe Clean"/>
+                <a:cs typeface="Adobe Clean"/>
+              </a:rPr>
+              <a:t>a</a:t>
+            </a:r>
+            <a:r>
+              <a:rPr sz="1200" b="1" spc="-25">
+                <a:solidFill>
+                  <a:srgbClr val="020302"/>
+                </a:solidFill>
+                <a:latin typeface="Adobe Clean"/>
+                <a:cs typeface="Adobe Clean"/>
+              </a:rPr>
+              <a:t>t</a:t>
+            </a:r>
+            <a:r>
+              <a:rPr sz="1200" b="1" spc="-20">
+                <a:solidFill>
+                  <a:srgbClr val="020302"/>
+                </a:solidFill>
+                <a:latin typeface="Adobe Clean"/>
+                <a:cs typeface="Adobe Clean"/>
+              </a:rPr>
+              <a:t>i</a:t>
+            </a:r>
+            <a:r>
+              <a:rPr sz="1200" b="1" spc="-15">
+                <a:solidFill>
+                  <a:srgbClr val="020302"/>
+                </a:solidFill>
+                <a:latin typeface="Adobe Clean"/>
+                <a:cs typeface="Adobe Clean"/>
+              </a:rPr>
+              <a:t>o</a:t>
+            </a:r>
+            <a:r>
+              <a:rPr sz="1200" b="1">
+                <a:solidFill>
+                  <a:srgbClr val="020302"/>
+                </a:solidFill>
+                <a:latin typeface="Adobe Clean"/>
+                <a:cs typeface="Adobe Clean"/>
+              </a:rPr>
+              <a:t>n</a:t>
+            </a:r>
+            <a:r>
+              <a:rPr sz="1200" b="1" spc="-55">
+                <a:solidFill>
+                  <a:srgbClr val="020302"/>
+                </a:solidFill>
+                <a:latin typeface="Adobe Clean"/>
+                <a:cs typeface="Adobe Clean"/>
+              </a:rPr>
+              <a:t> </a:t>
+            </a:r>
+            <a:r>
+              <a:rPr sz="1200" b="1" spc="-35">
+                <a:solidFill>
+                  <a:srgbClr val="020302"/>
+                </a:solidFill>
+                <a:latin typeface="Adobe Clean"/>
+                <a:cs typeface="Adobe Clean"/>
+              </a:rPr>
+              <a:t>M</a:t>
+            </a:r>
+            <a:r>
+              <a:rPr sz="1200" b="1" spc="-25">
+                <a:solidFill>
+                  <a:srgbClr val="020302"/>
+                </a:solidFill>
+                <a:latin typeface="Adobe Clean"/>
+                <a:cs typeface="Adobe Clean"/>
+              </a:rPr>
+              <a:t>a</a:t>
+            </a:r>
+            <a:r>
+              <a:rPr sz="1200" b="1" spc="-30">
+                <a:solidFill>
+                  <a:srgbClr val="020302"/>
+                </a:solidFill>
+                <a:latin typeface="Adobe Clean"/>
+                <a:cs typeface="Adobe Clean"/>
+              </a:rPr>
+              <a:t>n</a:t>
+            </a:r>
+            <a:r>
+              <a:rPr sz="1200" b="1" spc="-25">
+                <a:solidFill>
+                  <a:srgbClr val="020302"/>
+                </a:solidFill>
+                <a:latin typeface="Adobe Clean"/>
+                <a:cs typeface="Adobe Clean"/>
+              </a:rPr>
+              <a:t>a</a:t>
+            </a:r>
+            <a:r>
+              <a:rPr sz="1200" b="1" spc="-30">
+                <a:solidFill>
+                  <a:srgbClr val="020302"/>
+                </a:solidFill>
+                <a:latin typeface="Adobe Clean"/>
+                <a:cs typeface="Adobe Clean"/>
+              </a:rPr>
+              <a:t>ge</a:t>
+            </a:r>
+            <a:r>
+              <a:rPr sz="1200" b="1" spc="-25">
+                <a:solidFill>
+                  <a:srgbClr val="020302"/>
+                </a:solidFill>
+                <a:latin typeface="Adobe Clean"/>
+                <a:cs typeface="Adobe Clean"/>
+              </a:rPr>
+              <a:t>m</a:t>
+            </a:r>
+            <a:r>
+              <a:rPr sz="1200" b="1" spc="-30">
+                <a:solidFill>
+                  <a:srgbClr val="020302"/>
+                </a:solidFill>
+                <a:latin typeface="Adobe Clean"/>
+                <a:cs typeface="Adobe Clean"/>
+              </a:rPr>
+              <a:t>en</a:t>
+            </a:r>
+            <a:r>
+              <a:rPr sz="1200" b="1">
+                <a:solidFill>
+                  <a:srgbClr val="020302"/>
+                </a:solidFill>
+                <a:latin typeface="Adobe Clean"/>
+                <a:cs typeface="Adobe Clean"/>
+              </a:rPr>
+              <a:t>t</a:t>
+            </a:r>
+            <a:endParaRPr sz="1200">
+              <a:latin typeface="Adobe Clean"/>
+              <a:cs typeface="Adobe Clean"/>
+            </a:endParaRPr>
           </a:p>
         </p:txBody>
       </p:sp>
@@ -8832,14 +10259,18 @@
               </a:spcBef>
             </a:pPr>
             <a:r>
-              <a:rPr lang="de-DE" sz="1000">
+              <a:rPr lang="en-US" sz="1000">
                 <a:solidFill>
                   <a:srgbClr val="4B4B4B"/>
                 </a:solidFill>
                 <a:latin typeface="Adobe Clean Light" panose="020B0303020404020204" pitchFamily="34" charset="0"/>
               </a:rPr>
-              <a:t>Ein spezifischer Ansprechpartner innerhalb von Adobe, der Unterstützung bei Eskalation und regelmäßigen Updates bietet und sicherstellt, dass die wichtigsten offenen Support-Anfragen priorisiert werden.</a:t>
-            </a:r>
+              <a:t>A designated point of contact within Adobe who can provide escalation assistance, regular updates and ensure priority is given to your most critical open support requests.</a:t>
+            </a:r>
+            <a:endParaRPr sz="1000">
+              <a:latin typeface="Adobe Clean Light" panose="020B0303020404020204" pitchFamily="34" charset="0"/>
+              <a:cs typeface="AdobeClean-Light"/>
+            </a:endParaRPr>
           </a:p>
         </p:txBody>
       </p:sp>
@@ -8857,8 +10288,8 @@
         </p:nvSpPr>
         <p:spPr>
           <a:xfrm>
-            <a:off x="3201544" y="2608870"/>
-            <a:ext cx="1583181" cy="197490"/>
+            <a:off x="3201544" y="2592995"/>
+            <a:ext cx="1036205" cy="197490"/>
           </a:xfrm>
           <a:prstGeom prst="rect">
             <a:avLst/>
@@ -8879,15 +10310,149 @@
               </a:spcBef>
             </a:pPr>
             <a:r>
-              <a:rPr lang="de-DE" sz="1200" b="1" dirty="0">
-                <a:solidFill>
-                  <a:srgbClr val="020302"/>
-                </a:solidFill>
-                <a:latin typeface="Adobe Clean"/>
-                <a:cs typeface="Adobe Clean"/>
-              </a:rPr>
-              <a:t>Service-Prüfungen</a:t>
-            </a:r>
+              <a:rPr sz="1200" b="1" spc="-20">
+                <a:solidFill>
+                  <a:srgbClr val="020302"/>
+                </a:solidFill>
+                <a:latin typeface="Adobe Clean"/>
+                <a:cs typeface="Adobe Clean"/>
+              </a:rPr>
+              <a:t>S</a:t>
+            </a:r>
+            <a:r>
+              <a:rPr sz="1200" b="1" spc="-25">
+                <a:solidFill>
+                  <a:srgbClr val="020302"/>
+                </a:solidFill>
+                <a:latin typeface="Adobe Clean"/>
+                <a:cs typeface="Adobe Clean"/>
+              </a:rPr>
+              <a:t>e</a:t>
+            </a:r>
+            <a:r>
+              <a:rPr sz="1200" b="1" spc="-20">
+                <a:solidFill>
+                  <a:srgbClr val="020302"/>
+                </a:solidFill>
+                <a:latin typeface="Adobe Clean"/>
+                <a:cs typeface="Adobe Clean"/>
+              </a:rPr>
+              <a:t>r</a:t>
+            </a:r>
+            <a:r>
+              <a:rPr sz="1200" b="1" spc="-25">
+                <a:solidFill>
+                  <a:srgbClr val="020302"/>
+                </a:solidFill>
+                <a:latin typeface="Adobe Clean"/>
+                <a:cs typeface="Adobe Clean"/>
+              </a:rPr>
+              <a:t>v</a:t>
+            </a:r>
+            <a:r>
+              <a:rPr sz="1200" b="1" spc="-20">
+                <a:solidFill>
+                  <a:srgbClr val="020302"/>
+                </a:solidFill>
+                <a:latin typeface="Adobe Clean"/>
+                <a:cs typeface="Adobe Clean"/>
+              </a:rPr>
+              <a:t>i</a:t>
+            </a:r>
+            <a:r>
+              <a:rPr sz="1200" b="1" spc="-30">
+                <a:solidFill>
+                  <a:srgbClr val="020302"/>
+                </a:solidFill>
+                <a:latin typeface="Adobe Clean"/>
+                <a:cs typeface="Adobe Clean"/>
+              </a:rPr>
+              <a:t>c</a:t>
+            </a:r>
+            <a:r>
+              <a:rPr sz="1200" b="1">
+                <a:solidFill>
+                  <a:srgbClr val="020302"/>
+                </a:solidFill>
+                <a:latin typeface="Adobe Clean"/>
+                <a:cs typeface="Adobe Clean"/>
+              </a:rPr>
+              <a:t>e</a:t>
+            </a:r>
+            <a:r>
+              <a:rPr sz="1200" b="1" spc="-80">
+                <a:solidFill>
+                  <a:srgbClr val="020302"/>
+                </a:solidFill>
+                <a:latin typeface="Adobe Clean"/>
+                <a:cs typeface="Adobe Clean"/>
+              </a:rPr>
+              <a:t> </a:t>
+            </a:r>
+            <a:r>
+              <a:rPr sz="1200" b="1" spc="-20">
+                <a:solidFill>
+                  <a:srgbClr val="020302"/>
+                </a:solidFill>
+                <a:latin typeface="Adobe Clean"/>
+                <a:cs typeface="Adobe Clean"/>
+              </a:rPr>
+              <a:t>R</a:t>
+            </a:r>
+            <a:r>
+              <a:rPr sz="1200" b="1" spc="-25">
+                <a:solidFill>
+                  <a:srgbClr val="020302"/>
+                </a:solidFill>
+                <a:latin typeface="Adobe Clean"/>
+                <a:cs typeface="Adobe Clean"/>
+              </a:rPr>
+              <a:t>e</a:t>
+            </a:r>
+            <a:r>
+              <a:rPr sz="1200" b="1" spc="-30">
+                <a:solidFill>
+                  <a:srgbClr val="020302"/>
+                </a:solidFill>
+                <a:latin typeface="Adobe Clean"/>
+                <a:cs typeface="Adobe Clean"/>
+              </a:rPr>
+              <a:t>v</a:t>
+            </a:r>
+            <a:r>
+              <a:rPr sz="1200" b="1" spc="-20">
+                <a:solidFill>
+                  <a:srgbClr val="020302"/>
+                </a:solidFill>
+                <a:latin typeface="Adobe Clean"/>
+                <a:cs typeface="Adobe Clean"/>
+              </a:rPr>
+              <a:t>i</a:t>
+            </a:r>
+            <a:r>
+              <a:rPr sz="1200" b="1" spc="-25">
+                <a:solidFill>
+                  <a:srgbClr val="020302"/>
+                </a:solidFill>
+                <a:latin typeface="Adobe Clean"/>
+                <a:cs typeface="Adobe Clean"/>
+              </a:rPr>
+              <a:t>ew</a:t>
+            </a:r>
+            <a:r>
+              <a:rPr sz="1200" b="1">
+                <a:solidFill>
+                  <a:srgbClr val="020302"/>
+                </a:solidFill>
+                <a:latin typeface="Adobe Clean"/>
+                <a:cs typeface="Adobe Clean"/>
+              </a:rPr>
+              <a:t>s</a:t>
+            </a:r>
+            <a:endParaRPr sz="1200">
+              <a:latin typeface="Adobe Clean"/>
+              <a:cs typeface="Adobe Clean"/>
+            </a:endParaRPr>
           </a:p>
         </p:txBody>
       </p:sp>
@@ -8927,31 +10492,18 @@
               </a:spcBef>
             </a:pPr>
             <a:r>
-              <a:rPr lang="de-DE" sz="1000" dirty="0">
+              <a:rPr lang="en-US" sz="1000">
                 <a:solidFill>
                   <a:srgbClr val="4B4B4B"/>
                 </a:solidFill>
                 <a:latin typeface="Adobe Clean Light" panose="020B0303020404020204" pitchFamily="34" charset="0"/>
               </a:rPr>
-              <a:t>Eine halbjährliche umfassende Prüfung </a:t>
-            </a:r>
-            <a:br>
-              <a:rPr lang="de-DE" sz="1000" dirty="0">
-                <a:solidFill>
-                  <a:srgbClr val="4B4B4B"/>
-                </a:solidFill>
-                <a:latin typeface="Adobe Clean Light" panose="020B0303020404020204" pitchFamily="34" charset="0"/>
-              </a:rPr>
-            </a:br>
-            <a:r>
-              <a:rPr lang="de-DE" sz="1000" dirty="0">
-                <a:solidFill>
-                  <a:srgbClr val="4B4B4B"/>
-                </a:solidFill>
-                <a:latin typeface="Adobe Clean Light" panose="020B0303020404020204" pitchFamily="34" charset="0"/>
-              </a:rPr>
-              <a:t>der Services, Vorteile und Support-Metriken des Enterprise-Programms.</a:t>
-            </a:r>
+              <a:t>A bi-annual comprehensive review of  Enterprise program services, benefits and support metrics.</a:t>
+            </a:r>
+            <a:endParaRPr sz="1000">
+              <a:latin typeface="Adobe Clean Light" panose="020B0303020404020204" pitchFamily="34" charset="0"/>
+              <a:cs typeface="AdobeClean-Light"/>
+            </a:endParaRPr>
           </a:p>
         </p:txBody>
       </p:sp>
@@ -8991,31 +10543,18 @@
               </a:spcBef>
             </a:pPr>
             <a:r>
-              <a:rPr lang="de-DE" sz="1000" dirty="0">
+              <a:rPr lang="en-US" sz="1000">
                 <a:solidFill>
                   <a:srgbClr val="4B4B4B"/>
                 </a:solidFill>
                 <a:latin typeface="Adobe Clean Light" panose="020B0303020404020204" pitchFamily="34" charset="0"/>
               </a:rPr>
-              <a:t>Eine 60-minütige Session mit Konzentration auf eine bestimmte Produktfunktion </a:t>
-            </a:r>
-            <a:br>
-              <a:rPr lang="de-DE" sz="1000" dirty="0">
-                <a:solidFill>
-                  <a:srgbClr val="4B4B4B"/>
-                </a:solidFill>
-                <a:latin typeface="Adobe Clean Light" panose="020B0303020404020204" pitchFamily="34" charset="0"/>
-              </a:rPr>
-            </a:br>
-            <a:r>
-              <a:rPr lang="de-DE" sz="1000" dirty="0">
-                <a:solidFill>
-                  <a:srgbClr val="4B4B4B"/>
-                </a:solidFill>
-                <a:latin typeface="Adobe Clean Light" panose="020B0303020404020204" pitchFamily="34" charset="0"/>
-              </a:rPr>
-              <a:t>und deren Nutzung zum Lösen gängiger Unternehmensprobleme.</a:t>
-            </a:r>
+              <a:t>A 60-minute session focusing on a specific product feature and how it can be utilized to solve common business problems.</a:t>
+            </a:r>
+            <a:endParaRPr sz="1000">
+              <a:latin typeface="Adobe Clean Light" panose="020B0303020404020204" pitchFamily="34" charset="0"/>
+              <a:cs typeface="AdobeClean-Light"/>
+            </a:endParaRPr>
           </a:p>
         </p:txBody>
       </p:sp>
@@ -9034,7 +10573,7 @@
         <p:spPr>
           <a:xfrm>
             <a:off x="5265661" y="5001737"/>
-            <a:ext cx="2294014" cy="536622"/>
+            <a:ext cx="2194560" cy="536622"/>
           </a:xfrm>
           <a:prstGeom prst="rect">
             <a:avLst/>
@@ -9055,32 +10594,20 @@
               </a:spcBef>
             </a:pPr>
             <a:r>
-              <a:rPr lang="de-DE" sz="1000" dirty="0">
+              <a:rPr lang="en-US" sz="1000" dirty="0">
                 <a:solidFill>
                   <a:srgbClr val="4B4B4B"/>
                 </a:solidFill>
                 <a:latin typeface="Adobe Clean Light"/>
               </a:rPr>
-              <a:t>Förderung der Übernahme von Best Practices für die Anpassung und Kernkomponenten in AEM </a:t>
-            </a:r>
-            <a:r>
-              <a:rPr lang="de-DE" sz="1000" dirty="0" err="1">
-                <a:solidFill>
-                  <a:srgbClr val="4B4B4B"/>
-                </a:solidFill>
-                <a:latin typeface="Adobe Clean Light"/>
-              </a:rPr>
-              <a:t>as</a:t>
-            </a:r>
-            <a:r>
-              <a:rPr lang="de-DE" sz="1000" dirty="0">
-                <a:solidFill>
-                  <a:srgbClr val="4B4B4B"/>
-                </a:solidFill>
-                <a:latin typeface="Adobe Clean Light"/>
-              </a:rPr>
-              <a:t> a Cloud Service.</a:t>
-            </a:r>
+              <a:t>Drive adoption of customization best practices and core components in AEM as a Cloud Service.</a:t>
+            </a:r>
+            <a:endParaRPr sz="1000" dirty="0">
+              <a:solidFill>
+                <a:srgbClr val="4B4B4B"/>
+              </a:solidFill>
+              <a:latin typeface="Adobe Clean Light" panose="020B0303020404020204" pitchFamily="34" charset="0"/>
+            </a:endParaRPr>
           </a:p>
         </p:txBody>
       </p:sp>
@@ -9120,31 +10647,20 @@
               </a:spcBef>
             </a:pPr>
             <a:r>
-              <a:rPr lang="de-DE" sz="1000" dirty="0">
+              <a:rPr lang="en-US" sz="1000" dirty="0">
                 <a:solidFill>
                   <a:srgbClr val="4B4B4B"/>
                 </a:solidFill>
                 <a:latin typeface="Adobe Clean Light"/>
               </a:rPr>
-              <a:t>Identifizieren, Prüfen und Bereitstellen </a:t>
-            </a:r>
-            <a:br>
-              <a:rPr lang="de-DE" sz="1000" dirty="0">
-                <a:solidFill>
-                  <a:srgbClr val="4B4B4B"/>
-                </a:solidFill>
-                <a:latin typeface="Adobe Clean Light"/>
-              </a:rPr>
-            </a:br>
-            <a:r>
-              <a:rPr lang="de-DE" sz="1000" dirty="0">
-                <a:solidFill>
-                  <a:srgbClr val="4B4B4B"/>
-                </a:solidFill>
-                <a:latin typeface="Adobe Clean Light"/>
-              </a:rPr>
-              <a:t>von Empfehlungen zu individuellen Lösungsübernahmebereichen mit Optimierungsmöglichkeiten.</a:t>
-            </a:r>
+              <a:t>Identify, review and provide recommendations on customized solution adoption areas that have opportunities for optimization.</a:t>
+            </a:r>
+            <a:endParaRPr lang="en-US" sz="1000" dirty="0">
+              <a:solidFill>
+                <a:srgbClr val="4B4B4B"/>
+              </a:solidFill>
+              <a:latin typeface="Adobe Clean Light" panose="020B0303020404020204" pitchFamily="34" charset="0"/>
+            </a:endParaRPr>
           </a:p>
         </p:txBody>
       </p:sp>
@@ -9163,7 +10679,7 @@
         <p:spPr>
           <a:xfrm>
             <a:off x="355868" y="4947989"/>
-            <a:ext cx="2194560" cy="899670"/>
+            <a:ext cx="2194560" cy="717376"/>
           </a:xfrm>
           <a:prstGeom prst="rect">
             <a:avLst/>
@@ -9184,102 +10700,20 @@
               </a:spcBef>
             </a:pPr>
             <a:r>
-              <a:rPr lang="de-DE" sz="1000" dirty="0">
+              <a:rPr lang="en-US" sz="1000" dirty="0">
                 <a:solidFill>
                   <a:srgbClr val="4B4B4B"/>
                 </a:solidFill>
                 <a:latin typeface="Adobe Clean Light"/>
               </a:rPr>
-              <a:t>Technische und betriebliche </a:t>
-            </a:r>
-            <a:r>
-              <a:rPr lang="de-DE" sz="1000" dirty="0" err="1">
-                <a:solidFill>
-                  <a:srgbClr val="4B4B4B"/>
-                </a:solidFill>
-                <a:latin typeface="Adobe Clean Light"/>
-              </a:rPr>
-              <a:t>Governance</a:t>
-            </a:r>
-            <a:r>
-              <a:rPr lang="de-DE" sz="1000" dirty="0">
-                <a:solidFill>
-                  <a:srgbClr val="4B4B4B"/>
-                </a:solidFill>
-                <a:latin typeface="Adobe Clean Light"/>
-              </a:rPr>
-              <a:t> </a:t>
-            </a:r>
-            <a:br>
-              <a:rPr lang="de-DE" sz="1000" dirty="0">
-                <a:solidFill>
-                  <a:srgbClr val="4B4B4B"/>
-                </a:solidFill>
-                <a:latin typeface="Adobe Clean Light"/>
-              </a:rPr>
-            </a:br>
-            <a:r>
-              <a:rPr lang="de-DE" sz="1000" dirty="0">
-                <a:solidFill>
-                  <a:srgbClr val="4B4B4B"/>
-                </a:solidFill>
-                <a:latin typeface="Adobe Clean Light"/>
-              </a:rPr>
-              <a:t>für die Unterstützung von AEM </a:t>
-            </a:r>
-            <a:r>
-              <a:rPr lang="de-DE" sz="1000" dirty="0" err="1">
-                <a:solidFill>
-                  <a:srgbClr val="4B4B4B"/>
-                </a:solidFill>
-                <a:latin typeface="Adobe Clean Light"/>
-              </a:rPr>
-              <a:t>as</a:t>
-            </a:r>
-            <a:r>
-              <a:rPr lang="de-DE" sz="1000" dirty="0">
-                <a:solidFill>
-                  <a:srgbClr val="4B4B4B"/>
-                </a:solidFill>
-                <a:latin typeface="Adobe Clean Light"/>
-              </a:rPr>
-              <a:t> a Cloud Service-Kunden bei der Einhaltung von Branchenstandards und Best Practices </a:t>
-            </a:r>
-            <a:br>
-              <a:rPr lang="de-DE" sz="1000" dirty="0">
-                <a:solidFill>
-                  <a:srgbClr val="4B4B4B"/>
-                </a:solidFill>
-                <a:latin typeface="Adobe Clean Light"/>
-              </a:rPr>
-            </a:br>
-            <a:r>
-              <a:rPr lang="de-DE" sz="1000" dirty="0">
-                <a:solidFill>
-                  <a:srgbClr val="4B4B4B"/>
-                </a:solidFill>
-                <a:latin typeface="Adobe Clean Light"/>
-              </a:rPr>
-              <a:t>für AEM </a:t>
-            </a:r>
-            <a:r>
-              <a:rPr lang="de-DE" sz="1000" dirty="0" err="1">
-                <a:solidFill>
-                  <a:srgbClr val="4B4B4B"/>
-                </a:solidFill>
-                <a:latin typeface="Adobe Clean Light"/>
-              </a:rPr>
-              <a:t>as</a:t>
-            </a:r>
-            <a:r>
-              <a:rPr lang="de-DE" sz="1000" dirty="0">
-                <a:solidFill>
-                  <a:srgbClr val="4B4B4B"/>
-                </a:solidFill>
-                <a:latin typeface="Adobe Clean Light"/>
-              </a:rPr>
-              <a:t> a Cloud Service.</a:t>
-            </a:r>
+              <a:t>Technical &amp; operational governance to assist AEM as a Cloud Service Customers in adhering to industry standards and best practices for AEM as a Cloud Service.</a:t>
+            </a:r>
+            <a:endParaRPr sz="1000" dirty="0">
+              <a:solidFill>
+                <a:srgbClr val="4B4B4B"/>
+              </a:solidFill>
+              <a:latin typeface="Adobe Clean Light" panose="020B0303020404020204" pitchFamily="34" charset="0"/>
+            </a:endParaRPr>
           </a:p>
         </p:txBody>
       </p:sp>
@@ -9298,7 +10732,7 @@
         <p:spPr>
           <a:xfrm>
             <a:off x="2835999" y="1401973"/>
-            <a:ext cx="2228126" cy="1113125"/>
+            <a:ext cx="2194560" cy="959237"/>
           </a:xfrm>
           <a:prstGeom prst="rect">
             <a:avLst/>
@@ -9316,48 +10750,20 @@
               </a:spcBef>
             </a:pPr>
             <a:r>
-              <a:rPr lang="de-DE" sz="1000" dirty="0">
+              <a:rPr lang="en-US" sz="1000" dirty="0">
                 <a:solidFill>
                   <a:srgbClr val="4B4B4B"/>
                 </a:solidFill>
                 <a:latin typeface="Adobe Clean Light" panose="020B0303020404020204" pitchFamily="34" charset="0"/>
               </a:rPr>
-              <a:t>Ein spezifischer Support-Mitarbeiter, der sich mit Ihrer Lösungsumgebung und Ihren Unternehmenszielen vertraut macht. </a:t>
-            </a:r>
-            <a:br>
-              <a:rPr lang="de-DE" sz="1000" dirty="0">
-                <a:solidFill>
-                  <a:srgbClr val="4B4B4B"/>
-                </a:solidFill>
-                <a:latin typeface="Adobe Clean Light" panose="020B0303020404020204" pitchFamily="34" charset="0"/>
-              </a:rPr>
-            </a:br>
-            <a:r>
-              <a:rPr lang="de-DE" sz="1000" dirty="0">
-                <a:solidFill>
-                  <a:srgbClr val="4B4B4B"/>
-                </a:solidFill>
-                <a:latin typeface="Adobe Clean Light" panose="020B0303020404020204" pitchFamily="34" charset="0"/>
-              </a:rPr>
-              <a:t>Der spezifische Support-Mitarbeiter ist </a:t>
-            </a:r>
-            <a:br>
-              <a:rPr lang="de-DE" sz="1000" dirty="0">
-                <a:solidFill>
-                  <a:srgbClr val="4B4B4B"/>
-                </a:solidFill>
-                <a:latin typeface="Adobe Clean Light" panose="020B0303020404020204" pitchFamily="34" charset="0"/>
-              </a:rPr>
-            </a:br>
-            <a:r>
-              <a:rPr lang="de-DE" sz="1000" dirty="0">
-                <a:solidFill>
-                  <a:srgbClr val="4B4B4B"/>
-                </a:solidFill>
-                <a:latin typeface="Adobe Clean Light" panose="020B0303020404020204" pitchFamily="34" charset="0"/>
-              </a:rPr>
-              <a:t>ein erfahrener Support-Engineer, der Sie bei der Koordination Ihres Enterprise Support-Erlebnisses unterstützt.</a:t>
-            </a:r>
+              <a:t>A designated support engineer who becomes familiar with your solution environment and business goals. The NSE is an experienced support engineer that helps coordinate your Enterprise Support experience.</a:t>
+            </a:r>
+            <a:endParaRPr lang="en-US" sz="1000" dirty="0">
+              <a:solidFill>
+                <a:srgbClr val="000000"/>
+              </a:solidFill>
+              <a:latin typeface="Adobe Clean Light" panose="020B0303020404020204" pitchFamily="34" charset="0"/>
+            </a:endParaRPr>
           </a:p>
         </p:txBody>
       </p:sp>
@@ -9377,7 +10783,7 @@
         </p:nvSpPr>
         <p:spPr>
           <a:xfrm>
-            <a:off x="3201544" y="997250"/>
+            <a:off x="3201544" y="1127425"/>
             <a:ext cx="1726164" cy="184666"/>
           </a:xfrm>
           <a:prstGeom prst="rect">
@@ -9399,13 +10805,13 @@
               </a:spcAft>
             </a:pPr>
             <a:r>
-              <a:rPr lang="de-DE" sz="1200" b="1" dirty="0">
+              <a:rPr lang="en-US" sz="1200" b="1" spc="-10">
                 <a:solidFill>
                   <a:srgbClr val="020302"/>
                 </a:solidFill>
                 <a:latin typeface="+mj-lt"/>
               </a:rPr>
-              <a:t>Spezifischer Support-Mitarbeiter</a:t>
+              <a:t>Named Support Engineer</a:t>
             </a:r>
           </a:p>
         </p:txBody>
@@ -9464,7 +10870,7 @@
         <p:spPr>
           <a:xfrm>
             <a:off x="5723508" y="1099976"/>
-            <a:ext cx="1359655" cy="197490"/>
+            <a:ext cx="1036205" cy="197490"/>
           </a:xfrm>
           <a:prstGeom prst="rect">
             <a:avLst/>
@@ -9485,15 +10891,19 @@
               </a:spcBef>
             </a:pPr>
             <a:r>
-              <a:rPr lang="de-DE" sz="1200" b="1" dirty="0">
-                <a:solidFill>
-                  <a:srgbClr val="020302"/>
-                </a:solidFill>
-                <a:latin typeface="Adobe Clean"/>
-                <a:cs typeface="Adobe Clean"/>
-              </a:rPr>
-              <a:t>Experten-Sessions</a:t>
-            </a:r>
+              <a:rPr lang="en-US" sz="1200" b="1" spc="-20">
+                <a:solidFill>
+                  <a:srgbClr val="020302"/>
+                </a:solidFill>
+                <a:latin typeface="Adobe Clean"/>
+                <a:cs typeface="Adobe Clean"/>
+              </a:rPr>
+              <a:t>Expert Sessions</a:t>
+            </a:r>
+            <a:endParaRPr sz="1200">
+              <a:latin typeface="Adobe Clean"/>
+              <a:cs typeface="Adobe Clean"/>
+            </a:endParaRPr>
           </a:p>
         </p:txBody>
       </p:sp>
@@ -9512,7 +10922,7 @@
         <p:spPr>
           <a:xfrm>
             <a:off x="5181600" y="4466703"/>
-            <a:ext cx="2336800" cy="461665"/>
+            <a:ext cx="1972258" cy="461665"/>
           </a:xfrm>
           <a:prstGeom prst="rect">
             <a:avLst/>
@@ -9533,35 +10943,489 @@
               </a:spcBef>
             </a:pPr>
             <a:r>
-              <a:rPr lang="de-DE" sz="1200" b="1" dirty="0">
-                <a:solidFill>
-                  <a:srgbClr val="020302"/>
-                </a:solidFill>
-                <a:latin typeface="Adobe Clean"/>
-                <a:cs typeface="Adobe Clean"/>
-              </a:rPr>
-              <a:t>Best Practices für die Anpassung von AEM </a:t>
-            </a:r>
-            <a:r>
-              <a:rPr lang="de-DE" sz="1200" b="1" dirty="0" err="1">
-                <a:solidFill>
-                  <a:srgbClr val="020302"/>
-                </a:solidFill>
-                <a:latin typeface="Adobe Clean"/>
-                <a:cs typeface="Adobe Clean"/>
-              </a:rPr>
-              <a:t>as</a:t>
-            </a:r>
-            <a:r>
-              <a:rPr lang="de-DE" sz="1200" b="1" dirty="0">
-                <a:solidFill>
-                  <a:srgbClr val="020302"/>
-                </a:solidFill>
-                <a:latin typeface="Adobe Clean"/>
-                <a:cs typeface="Adobe Clean"/>
-              </a:rPr>
-              <a:t> a Cloud Service</a:t>
-            </a:r>
+              <a:rPr lang="en-US" sz="1200" b="1" spc="-15">
+                <a:solidFill>
+                  <a:srgbClr val="020302"/>
+                </a:solidFill>
+                <a:latin typeface="Adobe Clean"/>
+                <a:cs typeface="Adobe Clean"/>
+              </a:rPr>
+              <a:t>C</a:t>
+            </a:r>
+            <a:r>
+              <a:rPr lang="en-US" sz="1200" b="1" spc="-20">
+                <a:solidFill>
+                  <a:srgbClr val="020302"/>
+                </a:solidFill>
+                <a:latin typeface="Adobe Clean"/>
+                <a:cs typeface="Adobe Clean"/>
+              </a:rPr>
+              <a:t>u</a:t>
+            </a:r>
+            <a:r>
+              <a:rPr lang="en-US" sz="1200" b="1" spc="-25">
+                <a:solidFill>
+                  <a:srgbClr val="020302"/>
+                </a:solidFill>
+                <a:latin typeface="Adobe Clean"/>
+                <a:cs typeface="Adobe Clean"/>
+              </a:rPr>
+              <a:t>st</a:t>
+            </a:r>
+            <a:r>
+              <a:rPr lang="en-US" sz="1200" b="1" spc="-15">
+                <a:solidFill>
+                  <a:srgbClr val="020302"/>
+                </a:solidFill>
+                <a:latin typeface="Adobe Clean"/>
+                <a:cs typeface="Adobe Clean"/>
+              </a:rPr>
+              <a:t>o</a:t>
+            </a:r>
+            <a:r>
+              <a:rPr lang="en-US" sz="1200" b="1" spc="-20">
+                <a:solidFill>
+                  <a:srgbClr val="020302"/>
+                </a:solidFill>
+                <a:latin typeface="Adobe Clean"/>
+                <a:cs typeface="Adobe Clean"/>
+              </a:rPr>
+              <a:t>miza</a:t>
+            </a:r>
+            <a:r>
+              <a:rPr lang="en-US" sz="1200" b="1" spc="-25">
+                <a:solidFill>
+                  <a:srgbClr val="020302"/>
+                </a:solidFill>
+                <a:latin typeface="Adobe Clean"/>
+                <a:cs typeface="Adobe Clean"/>
+              </a:rPr>
+              <a:t>t</a:t>
+            </a:r>
+            <a:r>
+              <a:rPr lang="en-US" sz="1200" b="1" spc="-20">
+                <a:solidFill>
+                  <a:srgbClr val="020302"/>
+                </a:solidFill>
+                <a:latin typeface="Adobe Clean"/>
+                <a:cs typeface="Adobe Clean"/>
+              </a:rPr>
+              <a:t>i</a:t>
+            </a:r>
+            <a:r>
+              <a:rPr lang="en-US" sz="1200" b="1" spc="-15">
+                <a:solidFill>
+                  <a:srgbClr val="020302"/>
+                </a:solidFill>
+                <a:latin typeface="Adobe Clean"/>
+                <a:cs typeface="Adobe Clean"/>
+              </a:rPr>
+              <a:t>o</a:t>
+            </a:r>
+            <a:r>
+              <a:rPr lang="en-US" sz="1200" b="1">
+                <a:solidFill>
+                  <a:srgbClr val="020302"/>
+                </a:solidFill>
+                <a:latin typeface="Adobe Clean"/>
+                <a:cs typeface="Adobe Clean"/>
+              </a:rPr>
+              <a:t>n</a:t>
+            </a:r>
+            <a:r>
+              <a:rPr lang="en-US" sz="1200" b="1" spc="-50">
+                <a:solidFill>
+                  <a:srgbClr val="020302"/>
+                </a:solidFill>
+                <a:latin typeface="Adobe Clean"/>
+                <a:cs typeface="Adobe Clean"/>
+              </a:rPr>
+              <a:t> </a:t>
+            </a:r>
+            <a:r>
+              <a:rPr lang="en-US" sz="1200" b="1" spc="-20">
+                <a:solidFill>
+                  <a:srgbClr val="020302"/>
+                </a:solidFill>
+                <a:latin typeface="Adobe Clean"/>
+                <a:cs typeface="Adobe Clean"/>
+              </a:rPr>
+              <a:t>B</a:t>
+            </a:r>
+            <a:r>
+              <a:rPr lang="en-US" sz="1200" b="1" spc="-25">
+                <a:solidFill>
+                  <a:srgbClr val="020302"/>
+                </a:solidFill>
+                <a:latin typeface="Adobe Clean"/>
+                <a:cs typeface="Adobe Clean"/>
+              </a:rPr>
+              <a:t>es</a:t>
+            </a:r>
+            <a:r>
+              <a:rPr lang="en-US" sz="1200" b="1">
+                <a:solidFill>
+                  <a:srgbClr val="020302"/>
+                </a:solidFill>
+                <a:latin typeface="Adobe Clean"/>
+                <a:cs typeface="Adobe Clean"/>
+              </a:rPr>
+              <a:t>t</a:t>
+            </a:r>
+            <a:r>
+              <a:rPr lang="en-US" sz="1200" b="1" spc="-50">
+                <a:solidFill>
+                  <a:srgbClr val="020302"/>
+                </a:solidFill>
+                <a:latin typeface="Adobe Clean"/>
+                <a:cs typeface="Adobe Clean"/>
+              </a:rPr>
+              <a:t> </a:t>
+            </a:r>
+            <a:r>
+              <a:rPr lang="en-US" sz="1200" b="1" spc="-25">
+                <a:solidFill>
+                  <a:srgbClr val="020302"/>
+                </a:solidFill>
+                <a:latin typeface="Adobe Clean"/>
+                <a:cs typeface="Adobe Clean"/>
+              </a:rPr>
+              <a:t>P</a:t>
+            </a:r>
+            <a:r>
+              <a:rPr lang="en-US" sz="1200" b="1" spc="-20">
+                <a:solidFill>
+                  <a:srgbClr val="020302"/>
+                </a:solidFill>
+                <a:latin typeface="Adobe Clean"/>
+                <a:cs typeface="Adobe Clean"/>
+              </a:rPr>
+              <a:t>ra</a:t>
+            </a:r>
+            <a:r>
+              <a:rPr lang="en-US" sz="1200" b="1" spc="-30">
+                <a:solidFill>
+                  <a:srgbClr val="020302"/>
+                </a:solidFill>
+                <a:latin typeface="Adobe Clean"/>
+                <a:cs typeface="Adobe Clean"/>
+              </a:rPr>
+              <a:t>c</a:t>
+            </a:r>
+            <a:r>
+              <a:rPr lang="en-US" sz="1200" b="1" spc="-25">
+                <a:solidFill>
+                  <a:srgbClr val="020302"/>
+                </a:solidFill>
+                <a:latin typeface="Adobe Clean"/>
+                <a:cs typeface="Adobe Clean"/>
+              </a:rPr>
+              <a:t>t</a:t>
+            </a:r>
+            <a:r>
+              <a:rPr lang="en-US" sz="1200" b="1" spc="-20">
+                <a:solidFill>
+                  <a:srgbClr val="020302"/>
+                </a:solidFill>
+                <a:latin typeface="Adobe Clean"/>
+                <a:cs typeface="Adobe Clean"/>
+              </a:rPr>
+              <a:t>i</a:t>
+            </a:r>
+            <a:r>
+              <a:rPr lang="en-US" sz="1200" b="1" spc="-30">
+                <a:solidFill>
+                  <a:srgbClr val="020302"/>
+                </a:solidFill>
+                <a:latin typeface="Adobe Clean"/>
+                <a:cs typeface="Adobe Clean"/>
+              </a:rPr>
+              <a:t>c</a:t>
+            </a:r>
+            <a:r>
+              <a:rPr lang="en-US" sz="1200" b="1" spc="-25">
+                <a:solidFill>
+                  <a:srgbClr val="020302"/>
+                </a:solidFill>
+                <a:latin typeface="Adobe Clean"/>
+                <a:cs typeface="Adobe Clean"/>
+              </a:rPr>
+              <a:t>e</a:t>
+            </a:r>
+            <a:r>
+              <a:rPr lang="en-US" sz="1200" b="1">
+                <a:solidFill>
+                  <a:srgbClr val="020302"/>
+                </a:solidFill>
+                <a:latin typeface="Adobe Clean"/>
+                <a:cs typeface="Adobe Clean"/>
+              </a:rPr>
+              <a:t>s</a:t>
+            </a:r>
+            <a:r>
+              <a:rPr lang="en-US" sz="1200" b="1" spc="-45">
+                <a:solidFill>
+                  <a:srgbClr val="020302"/>
+                </a:solidFill>
+                <a:latin typeface="Adobe Clean"/>
+                <a:cs typeface="Adobe Clean"/>
+              </a:rPr>
+              <a:t> </a:t>
+            </a:r>
+            <a:r>
+              <a:rPr lang="en-US" sz="1200" b="1" spc="-25">
+                <a:solidFill>
+                  <a:srgbClr val="020302"/>
+                </a:solidFill>
+                <a:latin typeface="Adobe Clean"/>
+                <a:cs typeface="Adobe Clean"/>
+              </a:rPr>
+              <a:t>f</a:t>
+            </a:r>
+            <a:r>
+              <a:rPr lang="en-US" sz="1200" b="1" spc="-15">
+                <a:solidFill>
+                  <a:srgbClr val="020302"/>
+                </a:solidFill>
+                <a:latin typeface="Adobe Clean"/>
+                <a:cs typeface="Adobe Clean"/>
+              </a:rPr>
+              <a:t>o</a:t>
+            </a:r>
+            <a:r>
+              <a:rPr lang="en-US" sz="1200" b="1">
+                <a:solidFill>
+                  <a:srgbClr val="020302"/>
+                </a:solidFill>
+                <a:latin typeface="Adobe Clean"/>
+                <a:cs typeface="Adobe Clean"/>
+              </a:rPr>
+              <a:t>r</a:t>
+            </a:r>
+            <a:r>
+              <a:rPr lang="en-US" sz="1200" b="1" spc="-45">
+                <a:solidFill>
+                  <a:srgbClr val="020302"/>
+                </a:solidFill>
+                <a:latin typeface="Adobe Clean"/>
+                <a:cs typeface="Adobe Clean"/>
+              </a:rPr>
+              <a:t> </a:t>
+            </a:r>
+            <a:r>
+              <a:rPr lang="en-US" sz="1200" b="1" spc="-30">
+                <a:solidFill>
+                  <a:srgbClr val="020302"/>
+                </a:solidFill>
+                <a:latin typeface="Adobe Clean"/>
+                <a:cs typeface="Adobe Clean"/>
+              </a:rPr>
+              <a:t>AE</a:t>
+            </a:r>
+            <a:r>
+              <a:rPr lang="en-US" sz="1200" b="1">
+                <a:solidFill>
+                  <a:srgbClr val="020302"/>
+                </a:solidFill>
+                <a:latin typeface="Adobe Clean"/>
+                <a:cs typeface="Adobe Clean"/>
+              </a:rPr>
+              <a:t>M</a:t>
+            </a:r>
+            <a:r>
+              <a:rPr lang="en-US" sz="1200" b="1" spc="-55">
+                <a:solidFill>
+                  <a:srgbClr val="020302"/>
+                </a:solidFill>
+                <a:latin typeface="Adobe Clean"/>
+                <a:cs typeface="Adobe Clean"/>
+              </a:rPr>
+              <a:t> </a:t>
+            </a:r>
+            <a:r>
+              <a:rPr lang="en-US" sz="1200" b="1" spc="-20">
+                <a:solidFill>
+                  <a:srgbClr val="020302"/>
+                </a:solidFill>
+                <a:latin typeface="Adobe Clean"/>
+                <a:cs typeface="Adobe Clean"/>
+              </a:rPr>
+              <a:t>a</a:t>
+            </a:r>
+            <a:r>
+              <a:rPr lang="en-US" sz="1200" b="1">
+                <a:solidFill>
+                  <a:srgbClr val="020302"/>
+                </a:solidFill>
+                <a:latin typeface="Adobe Clean"/>
+                <a:cs typeface="Adobe Clean"/>
+              </a:rPr>
+              <a:t>s</a:t>
+            </a:r>
+            <a:r>
+              <a:rPr lang="en-US" sz="1200" b="1" spc="-45">
+                <a:solidFill>
+                  <a:srgbClr val="020302"/>
+                </a:solidFill>
+                <a:latin typeface="Adobe Clean"/>
+                <a:cs typeface="Adobe Clean"/>
+              </a:rPr>
+              <a:t> </a:t>
+            </a:r>
+            <a:r>
+              <a:rPr lang="en-US" sz="1200" b="1">
+                <a:solidFill>
+                  <a:srgbClr val="020302"/>
+                </a:solidFill>
+                <a:latin typeface="Adobe Clean"/>
+                <a:cs typeface="Adobe Clean"/>
+              </a:rPr>
+              <a:t>a</a:t>
+            </a:r>
+            <a:r>
+              <a:rPr lang="en-US" sz="1200" b="1" spc="-45">
+                <a:solidFill>
+                  <a:srgbClr val="020302"/>
+                </a:solidFill>
+                <a:latin typeface="Adobe Clean"/>
+                <a:cs typeface="Adobe Clean"/>
+              </a:rPr>
+              <a:t> </a:t>
+            </a:r>
+            <a:r>
+              <a:rPr lang="en-US" sz="1200" b="1" spc="-15">
+                <a:solidFill>
+                  <a:srgbClr val="020302"/>
+                </a:solidFill>
+                <a:latin typeface="Adobe Clean"/>
+                <a:cs typeface="Adobe Clean"/>
+              </a:rPr>
+              <a:t>C</a:t>
+            </a:r>
+            <a:r>
+              <a:rPr lang="en-US" sz="1200" b="1" spc="-25">
+                <a:solidFill>
+                  <a:srgbClr val="020302"/>
+                </a:solidFill>
+                <a:latin typeface="Adobe Clean"/>
+                <a:cs typeface="Adobe Clean"/>
+              </a:rPr>
+              <a:t>l</a:t>
+            </a:r>
+            <a:r>
+              <a:rPr lang="en-US" sz="1200" b="1" spc="-15">
+                <a:solidFill>
+                  <a:srgbClr val="020302"/>
+                </a:solidFill>
+                <a:latin typeface="Adobe Clean"/>
+                <a:cs typeface="Adobe Clean"/>
+              </a:rPr>
+              <a:t>o</a:t>
+            </a:r>
+            <a:r>
+              <a:rPr lang="en-US" sz="1200" b="1" spc="-20">
+                <a:solidFill>
+                  <a:srgbClr val="020302"/>
+                </a:solidFill>
+                <a:latin typeface="Adobe Clean"/>
+                <a:cs typeface="Adobe Clean"/>
+              </a:rPr>
+              <a:t>u</a:t>
+            </a:r>
+            <a:r>
+              <a:rPr lang="en-US" sz="1200" b="1">
+                <a:solidFill>
+                  <a:srgbClr val="020302"/>
+                </a:solidFill>
+                <a:latin typeface="Adobe Clean"/>
+                <a:cs typeface="Adobe Clean"/>
+              </a:rPr>
+              <a:t>d</a:t>
+            </a:r>
+            <a:r>
+              <a:rPr lang="en-US" sz="1200" b="1" spc="-50">
+                <a:solidFill>
+                  <a:srgbClr val="020302"/>
+                </a:solidFill>
+                <a:latin typeface="Adobe Clean"/>
+                <a:cs typeface="Adobe Clean"/>
+              </a:rPr>
+              <a:t> </a:t>
+            </a:r>
+            <a:r>
+              <a:rPr lang="en-US" sz="1200" b="1" spc="-20">
+                <a:solidFill>
+                  <a:srgbClr val="020302"/>
+                </a:solidFill>
+                <a:latin typeface="Adobe Clean"/>
+                <a:cs typeface="Adobe Clean"/>
+              </a:rPr>
+              <a:t>S</a:t>
+            </a:r>
+            <a:r>
+              <a:rPr lang="en-US" sz="1200" b="1" spc="-25">
+                <a:solidFill>
+                  <a:srgbClr val="020302"/>
+                </a:solidFill>
+                <a:latin typeface="Adobe Clean"/>
+                <a:cs typeface="Adobe Clean"/>
+              </a:rPr>
+              <a:t>e</a:t>
+            </a:r>
+            <a:r>
+              <a:rPr lang="en-US" sz="1200" b="1" spc="-20">
+                <a:solidFill>
+                  <a:srgbClr val="020302"/>
+                </a:solidFill>
+                <a:latin typeface="Adobe Clean"/>
+                <a:cs typeface="Adobe Clean"/>
+              </a:rPr>
+              <a:t>r</a:t>
+            </a:r>
+            <a:r>
+              <a:rPr lang="en-US" sz="1200" b="1" spc="-30">
+                <a:solidFill>
+                  <a:srgbClr val="020302"/>
+                </a:solidFill>
+                <a:latin typeface="Adobe Clean"/>
+                <a:cs typeface="Adobe Clean"/>
+              </a:rPr>
+              <a:t>v</a:t>
+            </a:r>
+            <a:r>
+              <a:rPr lang="en-US" sz="1200" b="1" spc="-20">
+                <a:solidFill>
+                  <a:srgbClr val="020302"/>
+                </a:solidFill>
+                <a:latin typeface="Adobe Clean"/>
+                <a:cs typeface="Adobe Clean"/>
+              </a:rPr>
+              <a:t>i</a:t>
+            </a:r>
+            <a:r>
+              <a:rPr lang="en-US" sz="1200" b="1" spc="-30">
+                <a:solidFill>
+                  <a:srgbClr val="020302"/>
+                </a:solidFill>
+                <a:latin typeface="Adobe Clean"/>
+                <a:cs typeface="Adobe Clean"/>
+              </a:rPr>
+              <a:t>c</a:t>
+            </a:r>
+            <a:r>
+              <a:rPr lang="en-US" sz="1200" b="1">
+                <a:solidFill>
+                  <a:srgbClr val="020302"/>
+                </a:solidFill>
+                <a:latin typeface="Adobe Clean"/>
+                <a:cs typeface="Adobe Clean"/>
+              </a:rPr>
+              <a:t>e</a:t>
+            </a:r>
+            <a:endParaRPr lang="en-US" sz="1200">
+              <a:latin typeface="Adobe Clean"/>
+              <a:cs typeface="Adobe Clean"/>
+            </a:endParaRPr>
           </a:p>
         </p:txBody>
       </p:sp>
@@ -9579,8 +11443,8 @@
         </p:nvSpPr>
         <p:spPr>
           <a:xfrm>
-            <a:off x="2752587" y="4438393"/>
-            <a:ext cx="1784487" cy="461665"/>
+            <a:off x="2752588" y="4438393"/>
+            <a:ext cx="1708650" cy="461665"/>
           </a:xfrm>
           <a:prstGeom prst="rect">
             <a:avLst/>
@@ -9601,35 +11465,19 @@
               </a:spcBef>
             </a:pPr>
             <a:r>
-              <a:rPr lang="de-DE" sz="1200" b="1" dirty="0">
-                <a:solidFill>
-                  <a:srgbClr val="020302"/>
-                </a:solidFill>
-                <a:latin typeface="Adobe Clean"/>
-                <a:cs typeface="Adobe Clean"/>
-              </a:rPr>
-              <a:t>Zusatz-Services für AEM </a:t>
-            </a:r>
-            <a:r>
-              <a:rPr lang="de-DE" sz="1200" b="1" dirty="0" err="1">
-                <a:solidFill>
-                  <a:srgbClr val="020302"/>
-                </a:solidFill>
-                <a:latin typeface="Adobe Clean"/>
-                <a:cs typeface="Adobe Clean"/>
-              </a:rPr>
-              <a:t>as</a:t>
-            </a:r>
-            <a:r>
-              <a:rPr lang="de-DE" sz="1200" b="1" dirty="0">
-                <a:solidFill>
-                  <a:srgbClr val="020302"/>
-                </a:solidFill>
-                <a:latin typeface="Adobe Clean"/>
-                <a:cs typeface="Adobe Clean"/>
-              </a:rPr>
-              <a:t> a Cloud Service</a:t>
-            </a:r>
+              <a:rPr lang="en-US" sz="1200" b="1" spc="-25">
+                <a:solidFill>
+                  <a:srgbClr val="020302"/>
+                </a:solidFill>
+                <a:latin typeface="Adobe Clean"/>
+                <a:cs typeface="Adobe Clean"/>
+              </a:rPr>
+              <a:t>Value-added Services for AEM as a Cloud Service</a:t>
+            </a:r>
+            <a:endParaRPr lang="en-US" sz="1200">
+              <a:latin typeface="Adobe Clean"/>
+              <a:cs typeface="Adobe Clean"/>
+            </a:endParaRPr>
           </a:p>
         </p:txBody>
       </p:sp>
@@ -9669,54 +11517,359 @@
               </a:spcBef>
             </a:pPr>
             <a:r>
-              <a:rPr lang="de-DE" sz="1200" b="1" dirty="0" err="1">
-                <a:solidFill>
-                  <a:srgbClr val="020302"/>
-                </a:solidFill>
-                <a:latin typeface="Adobe Clean"/>
-                <a:cs typeface="Adobe Clean"/>
-              </a:rPr>
-              <a:t>Governance</a:t>
-            </a:r>
-            <a:r>
-              <a:rPr lang="de-DE" sz="1200" b="1" dirty="0">
-                <a:solidFill>
-                  <a:srgbClr val="020302"/>
-                </a:solidFill>
-                <a:latin typeface="Adobe Clean"/>
-                <a:cs typeface="Adobe Clean"/>
-              </a:rPr>
-              <a:t> für AEM </a:t>
-            </a:r>
-            <a:br>
-              <a:rPr lang="de-DE" sz="1200" b="1" dirty="0">
-                <a:solidFill>
-                  <a:srgbClr val="020302"/>
-                </a:solidFill>
-                <a:latin typeface="Adobe Clean"/>
-                <a:cs typeface="Adobe Clean"/>
-              </a:rPr>
-            </a:br>
-            <a:r>
-              <a:rPr lang="de-DE" sz="1200" b="1" dirty="0" err="1">
-                <a:solidFill>
-                  <a:srgbClr val="020302"/>
-                </a:solidFill>
-                <a:latin typeface="Adobe Clean"/>
-                <a:cs typeface="Adobe Clean"/>
-              </a:rPr>
-              <a:t>as</a:t>
-            </a:r>
-            <a:r>
-              <a:rPr lang="de-DE" sz="1200" b="1" dirty="0">
-                <a:solidFill>
-                  <a:srgbClr val="020302"/>
-                </a:solidFill>
-                <a:latin typeface="Adobe Clean"/>
-                <a:cs typeface="Adobe Clean"/>
-              </a:rPr>
-              <a:t> a Cloud Service</a:t>
-            </a:r>
+              <a:rPr lang="en-US" sz="1200" b="1" spc="-20">
+                <a:solidFill>
+                  <a:srgbClr val="020302"/>
+                </a:solidFill>
+                <a:latin typeface="Adobe Clean"/>
+                <a:cs typeface="Adobe Clean"/>
+              </a:rPr>
+              <a:t>G</a:t>
+            </a:r>
+            <a:r>
+              <a:rPr lang="en-US" sz="1200" b="1" spc="-15">
+                <a:solidFill>
+                  <a:srgbClr val="020302"/>
+                </a:solidFill>
+                <a:latin typeface="Adobe Clean"/>
+                <a:cs typeface="Adobe Clean"/>
+              </a:rPr>
+              <a:t>o</a:t>
+            </a:r>
+            <a:r>
+              <a:rPr lang="en-US" sz="1200" b="1" spc="-25">
+                <a:solidFill>
+                  <a:srgbClr val="020302"/>
+                </a:solidFill>
+                <a:latin typeface="Adobe Clean"/>
+                <a:cs typeface="Adobe Clean"/>
+              </a:rPr>
+              <a:t>ve</a:t>
+            </a:r>
+            <a:r>
+              <a:rPr lang="en-US" sz="1200" b="1" spc="-20">
+                <a:solidFill>
+                  <a:srgbClr val="020302"/>
+                </a:solidFill>
+                <a:latin typeface="Adobe Clean"/>
+                <a:cs typeface="Adobe Clean"/>
+              </a:rPr>
+              <a:t>r</a:t>
+            </a:r>
+            <a:r>
+              <a:rPr lang="en-US" sz="1200" b="1" spc="-25">
+                <a:solidFill>
+                  <a:srgbClr val="020302"/>
+                </a:solidFill>
+                <a:latin typeface="Adobe Clean"/>
+                <a:cs typeface="Adobe Clean"/>
+              </a:rPr>
+              <a:t>n</a:t>
+            </a:r>
+            <a:r>
+              <a:rPr lang="en-US" sz="1200" b="1" spc="-20">
+                <a:solidFill>
+                  <a:srgbClr val="020302"/>
+                </a:solidFill>
+                <a:latin typeface="Adobe Clean"/>
+                <a:cs typeface="Adobe Clean"/>
+              </a:rPr>
+              <a:t>a</a:t>
+            </a:r>
+            <a:r>
+              <a:rPr lang="en-US" sz="1200" b="1" spc="-25">
+                <a:solidFill>
+                  <a:srgbClr val="020302"/>
+                </a:solidFill>
+                <a:latin typeface="Adobe Clean"/>
+                <a:cs typeface="Adobe Clean"/>
+              </a:rPr>
+              <a:t>n</a:t>
+            </a:r>
+            <a:r>
+              <a:rPr lang="en-US" sz="1200" b="1" spc="-30">
+                <a:solidFill>
+                  <a:srgbClr val="020302"/>
+                </a:solidFill>
+                <a:latin typeface="Adobe Clean"/>
+                <a:cs typeface="Adobe Clean"/>
+              </a:rPr>
+              <a:t>c</a:t>
+            </a:r>
+            <a:r>
+              <a:rPr lang="en-US" sz="1200" b="1">
+                <a:solidFill>
+                  <a:srgbClr val="020302"/>
+                </a:solidFill>
+                <a:latin typeface="Adobe Clean"/>
+                <a:cs typeface="Adobe Clean"/>
+              </a:rPr>
+              <a:t>e</a:t>
+            </a:r>
+            <a:r>
+              <a:rPr lang="en-US" sz="1200" b="1" spc="-50">
+                <a:solidFill>
+                  <a:srgbClr val="020302"/>
+                </a:solidFill>
+                <a:latin typeface="Adobe Clean"/>
+                <a:cs typeface="Adobe Clean"/>
+              </a:rPr>
+              <a:t> </a:t>
+            </a:r>
+            <a:r>
+              <a:rPr lang="en-US" sz="1200" b="1" spc="-25">
+                <a:solidFill>
+                  <a:srgbClr val="020302"/>
+                </a:solidFill>
+                <a:latin typeface="Adobe Clean"/>
+                <a:cs typeface="Adobe Clean"/>
+              </a:rPr>
+              <a:t>f</a:t>
+            </a:r>
+            <a:r>
+              <a:rPr lang="en-US" sz="1200" b="1" spc="-15">
+                <a:solidFill>
+                  <a:srgbClr val="020302"/>
+                </a:solidFill>
+                <a:latin typeface="Adobe Clean"/>
+                <a:cs typeface="Adobe Clean"/>
+              </a:rPr>
+              <a:t>o</a:t>
+            </a:r>
+            <a:r>
+              <a:rPr lang="en-US" sz="1200" b="1">
+                <a:solidFill>
+                  <a:srgbClr val="020302"/>
+                </a:solidFill>
+                <a:latin typeface="Adobe Clean"/>
+                <a:cs typeface="Adobe Clean"/>
+              </a:rPr>
+              <a:t>r</a:t>
+            </a:r>
+            <a:r>
+              <a:rPr lang="en-US" sz="1200" b="1" spc="-45">
+                <a:solidFill>
+                  <a:srgbClr val="020302"/>
+                </a:solidFill>
+                <a:latin typeface="Adobe Clean"/>
+                <a:cs typeface="Adobe Clean"/>
+              </a:rPr>
+              <a:t> </a:t>
+            </a:r>
+            <a:r>
+              <a:rPr lang="en-US" sz="1200" b="1" spc="-30">
+                <a:solidFill>
+                  <a:srgbClr val="020302"/>
+                </a:solidFill>
+                <a:latin typeface="Adobe Clean"/>
+                <a:cs typeface="Adobe Clean"/>
+              </a:rPr>
+              <a:t>A</a:t>
+            </a:r>
+            <a:r>
+              <a:rPr lang="en-US" sz="1200" b="1" spc="-25">
+                <a:solidFill>
+                  <a:srgbClr val="020302"/>
+                </a:solidFill>
+                <a:latin typeface="Adobe Clean"/>
+                <a:cs typeface="Adobe Clean"/>
+              </a:rPr>
+              <a:t>E</a:t>
+            </a:r>
+            <a:r>
+              <a:rPr lang="en-US" sz="1200" b="1">
+                <a:solidFill>
+                  <a:srgbClr val="020302"/>
+                </a:solidFill>
+                <a:latin typeface="Adobe Clean"/>
+                <a:cs typeface="Adobe Clean"/>
+              </a:rPr>
+              <a:t>M</a:t>
+            </a:r>
+            <a:r>
+              <a:rPr lang="en-US" sz="1200" b="1" spc="-50">
+                <a:solidFill>
+                  <a:srgbClr val="020302"/>
+                </a:solidFill>
+                <a:latin typeface="Adobe Clean"/>
+                <a:cs typeface="Adobe Clean"/>
+              </a:rPr>
+              <a:t> </a:t>
+            </a:r>
+            <a:r>
+              <a:rPr lang="en-US" sz="1200" b="1" spc="-20">
+                <a:solidFill>
+                  <a:srgbClr val="020302"/>
+                </a:solidFill>
+                <a:latin typeface="Adobe Clean"/>
+                <a:cs typeface="Adobe Clean"/>
+              </a:rPr>
+              <a:t>a</a:t>
+            </a:r>
+            <a:r>
+              <a:rPr lang="en-US" sz="1200" b="1">
+                <a:solidFill>
+                  <a:srgbClr val="020302"/>
+                </a:solidFill>
+                <a:latin typeface="Adobe Clean"/>
+                <a:cs typeface="Adobe Clean"/>
+              </a:rPr>
+              <a:t>s</a:t>
+            </a:r>
+            <a:r>
+              <a:rPr lang="en-US" sz="1200" b="1" spc="-45">
+                <a:solidFill>
+                  <a:srgbClr val="020302"/>
+                </a:solidFill>
+                <a:latin typeface="Adobe Clean"/>
+                <a:cs typeface="Adobe Clean"/>
+              </a:rPr>
+              <a:t> </a:t>
+            </a:r>
+            <a:r>
+              <a:rPr lang="en-US" sz="1200" b="1">
+                <a:solidFill>
+                  <a:srgbClr val="020302"/>
+                </a:solidFill>
+                <a:latin typeface="Adobe Clean"/>
+                <a:cs typeface="Adobe Clean"/>
+              </a:rPr>
+              <a:t>a</a:t>
+            </a:r>
+            <a:r>
+              <a:rPr lang="en-US" sz="1200" b="1" spc="-40">
+                <a:solidFill>
+                  <a:srgbClr val="020302"/>
+                </a:solidFill>
+                <a:latin typeface="Adobe Clean"/>
+                <a:cs typeface="Adobe Clean"/>
+              </a:rPr>
+              <a:t> </a:t>
+            </a:r>
+            <a:r>
+              <a:rPr lang="en-US" sz="1200" b="1" spc="-15">
+                <a:solidFill>
+                  <a:srgbClr val="020302"/>
+                </a:solidFill>
+                <a:latin typeface="Adobe Clean"/>
+                <a:cs typeface="Adobe Clean"/>
+              </a:rPr>
+              <a:t>C</a:t>
+            </a:r>
+            <a:r>
+              <a:rPr lang="en-US" sz="1200" b="1" spc="-25">
+                <a:solidFill>
+                  <a:srgbClr val="020302"/>
+                </a:solidFill>
+                <a:latin typeface="Adobe Clean"/>
+                <a:cs typeface="Adobe Clean"/>
+              </a:rPr>
+              <a:t>l</a:t>
+            </a:r>
+            <a:r>
+              <a:rPr lang="en-US" sz="1200" b="1" spc="-15">
+                <a:solidFill>
+                  <a:srgbClr val="020302"/>
+                </a:solidFill>
+                <a:latin typeface="Adobe Clean"/>
+                <a:cs typeface="Adobe Clean"/>
+              </a:rPr>
+              <a:t>ou</a:t>
+            </a:r>
+            <a:r>
+              <a:rPr lang="en-US" sz="1200" b="1">
+                <a:solidFill>
+                  <a:srgbClr val="020302"/>
+                </a:solidFill>
+                <a:latin typeface="Adobe Clean"/>
+                <a:cs typeface="Adobe Clean"/>
+              </a:rPr>
+              <a:t>d</a:t>
+            </a:r>
+            <a:r>
+              <a:rPr lang="en-US" sz="1200" b="1" spc="-50">
+                <a:solidFill>
+                  <a:srgbClr val="020302"/>
+                </a:solidFill>
+                <a:latin typeface="Adobe Clean"/>
+                <a:cs typeface="Adobe Clean"/>
+              </a:rPr>
+              <a:t> </a:t>
+            </a:r>
+            <a:r>
+              <a:rPr lang="en-US" sz="1200" b="1" spc="-20">
+                <a:solidFill>
+                  <a:srgbClr val="020302"/>
+                </a:solidFill>
+                <a:latin typeface="Adobe Clean"/>
+                <a:cs typeface="Adobe Clean"/>
+              </a:rPr>
+              <a:t>S</a:t>
+            </a:r>
+            <a:r>
+              <a:rPr lang="en-US" sz="1200" b="1" spc="-25">
+                <a:solidFill>
+                  <a:srgbClr val="020302"/>
+                </a:solidFill>
+                <a:latin typeface="Adobe Clean"/>
+                <a:cs typeface="Adobe Clean"/>
+              </a:rPr>
+              <a:t>e</a:t>
+            </a:r>
+            <a:r>
+              <a:rPr lang="en-US" sz="1200" b="1" spc="-20">
+                <a:solidFill>
+                  <a:srgbClr val="020302"/>
+                </a:solidFill>
+                <a:latin typeface="Adobe Clean"/>
+                <a:cs typeface="Adobe Clean"/>
+              </a:rPr>
+              <a:t>r</a:t>
+            </a:r>
+            <a:r>
+              <a:rPr lang="en-US" sz="1200" b="1" spc="-25">
+                <a:solidFill>
+                  <a:srgbClr val="020302"/>
+                </a:solidFill>
+                <a:latin typeface="Adobe Clean"/>
+                <a:cs typeface="Adobe Clean"/>
+              </a:rPr>
+              <a:t>v</a:t>
+            </a:r>
+            <a:r>
+              <a:rPr lang="en-US" sz="1200" b="1" spc="-20">
+                <a:solidFill>
+                  <a:srgbClr val="020302"/>
+                </a:solidFill>
+                <a:latin typeface="Adobe Clean"/>
+                <a:cs typeface="Adobe Clean"/>
+              </a:rPr>
+              <a:t>i</a:t>
+            </a:r>
+            <a:r>
+              <a:rPr lang="en-US" sz="1200" b="1" spc="-30">
+                <a:solidFill>
+                  <a:srgbClr val="020302"/>
+                </a:solidFill>
+                <a:latin typeface="Adobe Clean"/>
+                <a:cs typeface="Adobe Clean"/>
+              </a:rPr>
+              <a:t>c</a:t>
+            </a:r>
+            <a:r>
+              <a:rPr lang="en-US" sz="1200" b="1">
+                <a:solidFill>
+                  <a:srgbClr val="020302"/>
+                </a:solidFill>
+                <a:latin typeface="Adobe Clean"/>
+                <a:cs typeface="Adobe Clean"/>
+              </a:rPr>
+              <a:t>e</a:t>
+            </a:r>
+            <a:endParaRPr lang="en-US" sz="1200">
+              <a:latin typeface="Adobe Clean"/>
+              <a:cs typeface="Adobe Clean"/>
+            </a:endParaRPr>
           </a:p>
         </p:txBody>
       </p:sp>
@@ -9834,15 +11987,99 @@
               </a:spcBef>
             </a:pPr>
             <a:r>
-              <a:rPr lang="de-DE" sz="1200" b="1">
-                <a:solidFill>
-                  <a:srgbClr val="020302"/>
-                </a:solidFill>
-                <a:latin typeface="Adobe Clean"/>
-                <a:cs typeface="Adobe Clean"/>
-              </a:rPr>
-              <a:t>Fallprüfungen</a:t>
-            </a:r>
+              <a:rPr lang="en-US" sz="1200" b="1" spc="-20">
+                <a:solidFill>
+                  <a:srgbClr val="020302"/>
+                </a:solidFill>
+                <a:latin typeface="Adobe Clean"/>
+                <a:cs typeface="Adobe Clean"/>
+              </a:rPr>
+              <a:t>Cas</a:t>
+            </a:r>
+            <a:r>
+              <a:rPr sz="1200" b="1">
+                <a:solidFill>
+                  <a:srgbClr val="020302"/>
+                </a:solidFill>
+                <a:latin typeface="Adobe Clean"/>
+                <a:cs typeface="Adobe Clean"/>
+              </a:rPr>
+              <a:t>e</a:t>
+            </a:r>
+            <a:r>
+              <a:rPr sz="1200" b="1" spc="-80">
+                <a:solidFill>
+                  <a:srgbClr val="020302"/>
+                </a:solidFill>
+                <a:latin typeface="Adobe Clean"/>
+                <a:cs typeface="Adobe Clean"/>
+              </a:rPr>
+              <a:t> </a:t>
+            </a:r>
+            <a:r>
+              <a:rPr sz="1200" b="1" spc="-20">
+                <a:solidFill>
+                  <a:srgbClr val="020302"/>
+                </a:solidFill>
+                <a:latin typeface="Adobe Clean"/>
+                <a:cs typeface="Adobe Clean"/>
+              </a:rPr>
+              <a:t>R</a:t>
+            </a:r>
+            <a:r>
+              <a:rPr sz="1200" b="1" spc="-25">
+                <a:solidFill>
+                  <a:srgbClr val="020302"/>
+                </a:solidFill>
+                <a:latin typeface="Adobe Clean"/>
+                <a:cs typeface="Adobe Clean"/>
+              </a:rPr>
+              <a:t>e</a:t>
+            </a:r>
+            <a:r>
+              <a:rPr sz="1200" b="1" spc="-30">
+                <a:solidFill>
+                  <a:srgbClr val="020302"/>
+                </a:solidFill>
+                <a:latin typeface="Adobe Clean"/>
+                <a:cs typeface="Adobe Clean"/>
+              </a:rPr>
+              <a:t>v</a:t>
+            </a:r>
+            <a:r>
+              <a:rPr sz="1200" b="1" spc="-20">
+                <a:solidFill>
+                  <a:srgbClr val="020302"/>
+                </a:solidFill>
+                <a:latin typeface="Adobe Clean"/>
+                <a:cs typeface="Adobe Clean"/>
+              </a:rPr>
+              <a:t>i</a:t>
+            </a:r>
+            <a:r>
+              <a:rPr sz="1200" b="1" spc="-25">
+                <a:solidFill>
+                  <a:srgbClr val="020302"/>
+                </a:solidFill>
+                <a:latin typeface="Adobe Clean"/>
+                <a:cs typeface="Adobe Clean"/>
+              </a:rPr>
+              <a:t>ew</a:t>
+            </a:r>
+            <a:r>
+              <a:rPr sz="1200" b="1">
+                <a:solidFill>
+                  <a:srgbClr val="020302"/>
+                </a:solidFill>
+                <a:latin typeface="Adobe Clean"/>
+                <a:cs typeface="Adobe Clean"/>
+              </a:rPr>
+              <a:t>s</a:t>
+            </a:r>
+            <a:endParaRPr sz="1200">
+              <a:latin typeface="Adobe Clean"/>
+              <a:cs typeface="Adobe Clean"/>
+            </a:endParaRPr>
           </a:p>
         </p:txBody>
       </p:sp>
@@ -9899,8 +12136,8 @@
         </p:nvSpPr>
         <p:spPr>
           <a:xfrm>
-            <a:off x="355867" y="1426046"/>
-            <a:ext cx="2301607" cy="936154"/>
+            <a:off x="355868" y="1426046"/>
+            <a:ext cx="2194560" cy="936154"/>
           </a:xfrm>
           <a:prstGeom prst="rect">
             <a:avLst/>
@@ -9921,14 +12158,18 @@
               </a:spcBef>
             </a:pPr>
             <a:r>
-              <a:rPr lang="de-DE" sz="1000" dirty="0">
+              <a:rPr lang="en-US" sz="1000">
                 <a:solidFill>
                   <a:srgbClr val="4B4B4B"/>
                 </a:solidFill>
                 <a:latin typeface="Adobe Clean Light" panose="020B0303020404020204" pitchFamily="34" charset="0"/>
               </a:rPr>
-              <a:t>Fortlaufende planmäßige Prüfung offener Support-Anfragen, um sicherzustellen, dass Kunden über Fallbeschreibung, geschäftliche Auswirkungen, Status, Priorität und die nächsten Schritte für eine zweckdienliche Lösung auf dem Laufenden sind.</a:t>
-            </a:r>
+              <a:t>Regular scheduled review of open support requests, ensuring customer alignment on case description, business impact, status, priority and agreement on next steps required to ensure an expedient resolution.</a:t>
+            </a:r>
+            <a:endParaRPr sz="1000">
+              <a:latin typeface="Adobe Clean Light" panose="020B0303020404020204" pitchFamily="34" charset="0"/>
+              <a:cs typeface="AdobeClean-Light"/>
+            </a:endParaRPr>
           </a:p>
         </p:txBody>
       </p:sp>
@@ -9968,15 +12209,19 @@
               </a:spcBef>
             </a:pPr>
             <a:r>
-              <a:rPr lang="de-DE" sz="1400" b="1" dirty="0">
-                <a:solidFill>
-                  <a:srgbClr val="020302"/>
-                </a:solidFill>
-                <a:latin typeface="Adobe Clean"/>
-                <a:cs typeface="Adobe Clean"/>
-              </a:rPr>
-              <a:t>Cloud-Support-Aktivitäten – AEM</a:t>
-            </a:r>
+              <a:rPr lang="en-US" sz="1400" b="1" spc="-10">
+                <a:solidFill>
+                  <a:srgbClr val="020302"/>
+                </a:solidFill>
+                <a:latin typeface="Adobe Clean"/>
+                <a:cs typeface="Adobe Clean"/>
+              </a:rPr>
+              <a:t>Cloud Support Activities - AEM</a:t>
+            </a:r>
+            <a:endParaRPr lang="en-US" sz="1400">
+              <a:latin typeface="Adobe Clean"/>
+              <a:cs typeface="Adobe Clean"/>
+            </a:endParaRPr>
           </a:p>
         </p:txBody>
       </p:sp>
@@ -9995,7 +12240,7 @@
         <p:spPr>
           <a:xfrm>
             <a:off x="214971" y="4310484"/>
-            <a:ext cx="2512354" cy="90874"/>
+            <a:ext cx="2286000" cy="45719"/>
           </a:xfrm>
           <a:custGeom>
             <a:avLst/>
@@ -10059,7 +12304,7 @@
         </p:blipFill>
         <p:spPr>
           <a:xfrm>
-            <a:off x="2797742" y="3892352"/>
+            <a:off x="2569142" y="3892352"/>
             <a:ext cx="461665" cy="461665"/>
           </a:xfrm>
           <a:prstGeom prst="rect">
@@ -10137,7 +12382,7 @@
         </p:blipFill>
         <p:spPr>
           <a:xfrm>
-            <a:off x="228600" y="8435059"/>
+            <a:off x="228600" y="8520784"/>
             <a:ext cx="411480" cy="411480"/>
           </a:xfrm>
           <a:prstGeom prst="rect">
@@ -10254,7 +12499,7 @@
         </p:blipFill>
         <p:spPr>
           <a:xfrm>
-            <a:off x="5257800" y="8435059"/>
+            <a:off x="5257800" y="8520784"/>
             <a:ext cx="411480" cy="411480"/>
           </a:xfrm>
           <a:prstGeom prst="rect">
@@ -10293,7 +12538,7 @@
         </p:blipFill>
         <p:spPr>
           <a:xfrm>
-            <a:off x="2776853" y="8435059"/>
+            <a:off x="2776853" y="8520784"/>
             <a:ext cx="411480" cy="411480"/>
           </a:xfrm>
           <a:prstGeom prst="rect">
@@ -10354,7 +12599,7 @@
         </p:nvSpPr>
         <p:spPr>
           <a:xfrm rot="5400000" flipH="1">
-            <a:off x="3863341" y="1021458"/>
+            <a:off x="3863341" y="986533"/>
             <a:ext cx="45719" cy="5577840"/>
           </a:xfrm>
           <a:custGeom>
@@ -10409,7 +12654,7 @@
         </p:nvSpPr>
         <p:spPr>
           <a:xfrm rot="5400000" flipH="1">
-            <a:off x="3863341" y="5463788"/>
+            <a:off x="3863341" y="5514588"/>
             <a:ext cx="45719" cy="5577840"/>
           </a:xfrm>
           <a:custGeom>
@@ -10728,15 +12973,109 @@
               </a:lnSpc>
             </a:pPr>
             <a:r>
-              <a:rPr lang="de-DE" sz="800">
+              <a:rPr sz="800" spc="-10">
                 <a:solidFill>
                   <a:srgbClr val="6D6D6D"/>
                 </a:solidFill>
                 <a:latin typeface="Adobe Clean"/>
                 <a:cs typeface="Adobe Clean"/>
               </a:rPr>
-              <a:t>©2021 Adobe. All Rights Reserved. Adobe Confidential.</a:t>
-            </a:r>
+              <a:t>©202</a:t>
+            </a:r>
+            <a:r>
+              <a:rPr lang="en-US" sz="800" spc="-10">
+                <a:solidFill>
+                  <a:srgbClr val="6D6D6D"/>
+                </a:solidFill>
+                <a:latin typeface="Adobe Clean"/>
+                <a:cs typeface="Adobe Clean"/>
+              </a:rPr>
+              <a:t>1</a:t>
+            </a:r>
+            <a:r>
+              <a:rPr sz="800" spc="-5">
+                <a:solidFill>
+                  <a:srgbClr val="6D6D6D"/>
+                </a:solidFill>
+                <a:latin typeface="Adobe Clean"/>
+                <a:cs typeface="Adobe Clean"/>
+              </a:rPr>
+              <a:t> Adobe. All</a:t>
+            </a:r>
+            <a:r>
+              <a:rPr sz="800" spc="-15">
+                <a:solidFill>
+                  <a:srgbClr val="6D6D6D"/>
+                </a:solidFill>
+                <a:latin typeface="Adobe Clean"/>
+                <a:cs typeface="Adobe Clean"/>
+              </a:rPr>
+              <a:t> </a:t>
+            </a:r>
+            <a:r>
+              <a:rPr sz="800" spc="-10">
+                <a:solidFill>
+                  <a:srgbClr val="6D6D6D"/>
+                </a:solidFill>
+                <a:latin typeface="Adobe Clean"/>
+                <a:cs typeface="Adobe Clean"/>
+              </a:rPr>
+              <a:t>Rights</a:t>
+            </a:r>
+            <a:r>
+              <a:rPr sz="800" spc="-5">
+                <a:solidFill>
+                  <a:srgbClr val="6D6D6D"/>
+                </a:solidFill>
+                <a:latin typeface="Adobe Clean"/>
+                <a:cs typeface="Adobe Clean"/>
+              </a:rPr>
+              <a:t> </a:t>
+            </a:r>
+            <a:r>
+              <a:rPr sz="800" spc="-10">
+                <a:solidFill>
+                  <a:srgbClr val="6D6D6D"/>
+                </a:solidFill>
+                <a:latin typeface="Adobe Clean"/>
+                <a:cs typeface="Adobe Clean"/>
+              </a:rPr>
+              <a:t>Reserved.</a:t>
+            </a:r>
+            <a:r>
+              <a:rPr sz="800" spc="-5">
+                <a:solidFill>
+                  <a:srgbClr val="6D6D6D"/>
+                </a:solidFill>
+                <a:latin typeface="Adobe Clean"/>
+                <a:cs typeface="Adobe Clean"/>
+              </a:rPr>
+              <a:t> Adobe</a:t>
+            </a:r>
+            <a:r>
+              <a:rPr sz="800" spc="75">
+                <a:solidFill>
+                  <a:srgbClr val="6D6D6D"/>
+                </a:solidFill>
+                <a:latin typeface="Adobe Clean"/>
+                <a:cs typeface="Adobe Clean"/>
+              </a:rPr>
+              <a:t> </a:t>
+            </a:r>
+            <a:r>
+              <a:rPr sz="800" spc="-10">
+                <a:solidFill>
+                  <a:srgbClr val="6D6D6D"/>
+                </a:solidFill>
+                <a:latin typeface="Adobe Clean"/>
+                <a:cs typeface="Adobe Clean"/>
+              </a:rPr>
+              <a:t>Confidential.</a:t>
+            </a:r>
+            <a:endParaRPr sz="800">
+              <a:latin typeface="Adobe Clean"/>
+              <a:cs typeface="Adobe Clean"/>
+            </a:endParaRPr>
           </a:p>
         </p:txBody>
       </p:sp>
@@ -10749,7 +13088,7 @@
         <p:spPr>
           <a:xfrm>
             <a:off x="4724780" y="914778"/>
-            <a:ext cx="1780795" cy="135230"/>
+            <a:ext cx="1954230" cy="57597"/>
           </a:xfrm>
           <a:custGeom>
             <a:avLst/>
@@ -10790,7 +13129,7 @@
         </p:nvSpPr>
         <p:spPr>
           <a:xfrm>
-            <a:off x="4722620" y="589788"/>
+            <a:off x="4843270" y="589788"/>
             <a:ext cx="2588260" cy="228268"/>
           </a:xfrm>
           <a:prstGeom prst="rect">
@@ -10809,15 +13148,179 @@
               </a:spcBef>
             </a:pPr>
             <a:r>
-              <a:rPr lang="de-DE" sz="1400" b="1" dirty="0">
-                <a:solidFill>
-                  <a:srgbClr val="020302"/>
-                </a:solidFill>
-                <a:latin typeface="Adobe Clean"/>
-                <a:cs typeface="Adobe Clean"/>
-              </a:rPr>
-              <a:t>Außendienstaktivitäten</a:t>
-            </a:r>
+              <a:rPr sz="1400" b="1" spc="-25" dirty="0">
+                <a:solidFill>
+                  <a:srgbClr val="020302"/>
+                </a:solidFill>
+                <a:latin typeface="Adobe Clean"/>
+                <a:cs typeface="Adobe Clean"/>
+              </a:rPr>
+              <a:t>Fi</a:t>
+            </a:r>
+            <a:r>
+              <a:rPr sz="1400" b="1" spc="-30" dirty="0">
+                <a:solidFill>
+                  <a:srgbClr val="020302"/>
+                </a:solidFill>
+                <a:latin typeface="Adobe Clean"/>
+                <a:cs typeface="Adobe Clean"/>
+              </a:rPr>
+              <a:t>e</a:t>
+            </a:r>
+            <a:r>
+              <a:rPr sz="1400" b="1" spc="-25" dirty="0">
+                <a:solidFill>
+                  <a:srgbClr val="020302"/>
+                </a:solidFill>
+                <a:latin typeface="Adobe Clean"/>
+                <a:cs typeface="Adobe Clean"/>
+              </a:rPr>
+              <a:t>l</a:t>
+            </a:r>
+            <a:r>
+              <a:rPr sz="1400" b="1" dirty="0">
+                <a:solidFill>
+                  <a:srgbClr val="020302"/>
+                </a:solidFill>
+                <a:latin typeface="Adobe Clean"/>
+                <a:cs typeface="Adobe Clean"/>
+              </a:rPr>
+              <a:t>d</a:t>
+            </a:r>
+            <a:r>
+              <a:rPr sz="1400" b="1" spc="-45" dirty="0">
+                <a:solidFill>
+                  <a:srgbClr val="020302"/>
+                </a:solidFill>
+                <a:latin typeface="Adobe Clean"/>
+                <a:cs typeface="Adobe Clean"/>
+              </a:rPr>
+              <a:t> </a:t>
+            </a:r>
+            <a:r>
+              <a:rPr sz="1400" b="1" spc="20" dirty="0">
+                <a:solidFill>
+                  <a:srgbClr val="020302"/>
+                </a:solidFill>
+                <a:latin typeface="Adobe Clean"/>
+                <a:cs typeface="Adobe Clean"/>
+              </a:rPr>
+              <a:t>S</a:t>
+            </a:r>
+            <a:r>
+              <a:rPr sz="1400" b="1" spc="10" dirty="0">
+                <a:solidFill>
+                  <a:srgbClr val="020302"/>
+                </a:solidFill>
+                <a:latin typeface="Adobe Clean"/>
+                <a:cs typeface="Adobe Clean"/>
+              </a:rPr>
+              <a:t>e</a:t>
+            </a:r>
+            <a:r>
+              <a:rPr sz="1400" b="1" spc="15" dirty="0">
+                <a:solidFill>
+                  <a:srgbClr val="020302"/>
+                </a:solidFill>
+                <a:latin typeface="Adobe Clean"/>
+                <a:cs typeface="Adobe Clean"/>
+              </a:rPr>
+              <a:t>rvi</a:t>
+            </a:r>
+            <a:r>
+              <a:rPr sz="1400" b="1" spc="10" dirty="0">
+                <a:solidFill>
+                  <a:srgbClr val="020302"/>
+                </a:solidFill>
+                <a:latin typeface="Adobe Clean"/>
+                <a:cs typeface="Adobe Clean"/>
+              </a:rPr>
+              <a:t>c</a:t>
+            </a:r>
+            <a:r>
+              <a:rPr sz="1400" b="1" dirty="0">
+                <a:solidFill>
+                  <a:srgbClr val="020302"/>
+                </a:solidFill>
+                <a:latin typeface="Adobe Clean"/>
+                <a:cs typeface="Adobe Clean"/>
+              </a:rPr>
+              <a:t>e</a:t>
+            </a:r>
+            <a:r>
+              <a:rPr lang="en-US" sz="1400" b="1" dirty="0">
+                <a:solidFill>
+                  <a:srgbClr val="020302"/>
+                </a:solidFill>
+                <a:latin typeface="Adobe Clean"/>
+                <a:cs typeface="Adobe Clean"/>
+              </a:rPr>
+              <a:t> </a:t>
+            </a:r>
+            <a:r>
+              <a:rPr sz="1400" b="1" spc="5" dirty="0">
+                <a:solidFill>
+                  <a:srgbClr val="020302"/>
+                </a:solidFill>
+                <a:latin typeface="Adobe Clean"/>
+                <a:cs typeface="Adobe Clean"/>
+              </a:rPr>
+              <a:t>A</a:t>
+            </a:r>
+            <a:r>
+              <a:rPr sz="1400" b="1" dirty="0">
+                <a:solidFill>
+                  <a:srgbClr val="020302"/>
+                </a:solidFill>
+                <a:latin typeface="Adobe Clean"/>
+                <a:cs typeface="Adobe Clean"/>
+              </a:rPr>
+              <a:t>ct</a:t>
+            </a:r>
+            <a:r>
+              <a:rPr sz="1400" b="1" spc="5" dirty="0">
+                <a:solidFill>
+                  <a:srgbClr val="020302"/>
+                </a:solidFill>
+                <a:latin typeface="Adobe Clean"/>
+                <a:cs typeface="Adobe Clean"/>
+              </a:rPr>
+              <a:t>ivi</a:t>
+            </a:r>
+            <a:r>
+              <a:rPr sz="1400" b="1" dirty="0">
+                <a:solidFill>
+                  <a:srgbClr val="020302"/>
+                </a:solidFill>
+                <a:latin typeface="Adobe Clean"/>
+                <a:cs typeface="Adobe Clean"/>
+              </a:rPr>
+              <a:t>t</a:t>
+            </a:r>
+            <a:r>
+              <a:rPr sz="1400" b="1" spc="5" dirty="0">
+                <a:solidFill>
+                  <a:srgbClr val="020302"/>
+                </a:solidFill>
+                <a:latin typeface="Adobe Clean"/>
+                <a:cs typeface="Adobe Clean"/>
+              </a:rPr>
+              <a:t>i</a:t>
+            </a:r>
+            <a:r>
+              <a:rPr sz="1400" b="1" dirty="0">
+                <a:solidFill>
+                  <a:srgbClr val="020302"/>
+                </a:solidFill>
+                <a:latin typeface="Adobe Clean"/>
+                <a:cs typeface="Adobe Clean"/>
+              </a:rPr>
+              <a:t>es</a:t>
+            </a:r>
+            <a:endParaRPr sz="1400" dirty="0">
+              <a:latin typeface="Adobe Clean"/>
+              <a:cs typeface="Adobe Clean"/>
+            </a:endParaRPr>
           </a:p>
         </p:txBody>
       </p:sp>
@@ -10851,15 +13354,99 @@
               </a:spcBef>
             </a:pPr>
             <a:r>
-              <a:rPr lang="de-DE" sz="1400" b="1" dirty="0">
-                <a:solidFill>
-                  <a:srgbClr val="020302"/>
-                </a:solidFill>
-                <a:latin typeface="Adobe Clean"/>
-                <a:cs typeface="Adobe Clean"/>
-              </a:rPr>
-              <a:t>Launch Advisory </a:t>
-            </a:r>
+              <a:rPr sz="1400" b="1" spc="-20">
+                <a:solidFill>
+                  <a:srgbClr val="020302"/>
+                </a:solidFill>
+                <a:latin typeface="Adobe Clean"/>
+                <a:cs typeface="Adobe Clean"/>
+              </a:rPr>
+              <a:t>L</a:t>
+            </a:r>
+            <a:r>
+              <a:rPr sz="1400" b="1" spc="-10">
+                <a:solidFill>
+                  <a:srgbClr val="020302"/>
+                </a:solidFill>
+                <a:latin typeface="Adobe Clean"/>
+                <a:cs typeface="Adobe Clean"/>
+              </a:rPr>
+              <a:t>a</a:t>
+            </a:r>
+            <a:r>
+              <a:rPr sz="1400" b="1" spc="-15">
+                <a:solidFill>
+                  <a:srgbClr val="020302"/>
+                </a:solidFill>
+                <a:latin typeface="Adobe Clean"/>
+                <a:cs typeface="Adobe Clean"/>
+              </a:rPr>
+              <a:t>un</a:t>
+            </a:r>
+            <a:r>
+              <a:rPr sz="1400" b="1" spc="-20">
+                <a:solidFill>
+                  <a:srgbClr val="020302"/>
+                </a:solidFill>
+                <a:latin typeface="Adobe Clean"/>
+                <a:cs typeface="Adobe Clean"/>
+              </a:rPr>
+              <a:t>c</a:t>
+            </a:r>
+            <a:r>
+              <a:rPr sz="1400" b="1">
+                <a:solidFill>
+                  <a:srgbClr val="020302"/>
+                </a:solidFill>
+                <a:latin typeface="Adobe Clean"/>
+                <a:cs typeface="Adobe Clean"/>
+              </a:rPr>
+              <a:t>h</a:t>
+            </a:r>
+            <a:r>
+              <a:rPr sz="1400" b="1" spc="-30">
+                <a:solidFill>
+                  <a:srgbClr val="020302"/>
+                </a:solidFill>
+                <a:latin typeface="Adobe Clean"/>
+                <a:cs typeface="Adobe Clean"/>
+              </a:rPr>
+              <a:t> </a:t>
+            </a:r>
+            <a:r>
+              <a:rPr sz="1400" b="1" spc="-10">
+                <a:solidFill>
+                  <a:srgbClr val="020302"/>
+                </a:solidFill>
+                <a:latin typeface="Adobe Clean"/>
+                <a:cs typeface="Adobe Clean"/>
+              </a:rPr>
+              <a:t>Advisor</a:t>
+            </a:r>
+            <a:r>
+              <a:rPr sz="1400" b="1">
+                <a:solidFill>
+                  <a:srgbClr val="020302"/>
+                </a:solidFill>
+                <a:latin typeface="Adobe Clean"/>
+                <a:cs typeface="Adobe Clean"/>
+              </a:rPr>
+              <a:t>y</a:t>
+            </a:r>
+            <a:r>
+              <a:rPr sz="1400" b="1" spc="-60">
+                <a:solidFill>
+                  <a:srgbClr val="020302"/>
+                </a:solidFill>
+                <a:latin typeface="Adobe Clean"/>
+                <a:cs typeface="Adobe Clean"/>
+              </a:rPr>
+              <a:t> </a:t>
+            </a:r>
+            <a:endParaRPr sz="1400">
+              <a:latin typeface="Adobe Clean"/>
+              <a:cs typeface="Adobe Clean"/>
+            </a:endParaRPr>
           </a:p>
         </p:txBody>
       </p:sp>
@@ -10871,8 +13458,8 @@
         </p:nvSpPr>
         <p:spPr>
           <a:xfrm>
-            <a:off x="242187" y="1225804"/>
-            <a:ext cx="3189649" cy="782265"/>
+            <a:off x="242188" y="1225804"/>
+            <a:ext cx="3131692" cy="628377"/>
           </a:xfrm>
           <a:prstGeom prst="rect">
             <a:avLst/>
@@ -10890,128 +13477,106 @@
               </a:spcBef>
             </a:pPr>
             <a:r>
-              <a:rPr lang="de-DE" sz="1000" dirty="0">
+              <a:rPr lang="en-US" sz="1000">
                 <a:solidFill>
                   <a:srgbClr val="1F1F1F"/>
                 </a:solidFill>
                 <a:latin typeface="AdobeClean-Light"/>
                 <a:cs typeface="AdobeClean-Light"/>
               </a:rPr>
-              <a:t>Für Kunden, die eine </a:t>
-            </a:r>
-            <a:r>
-              <a:rPr lang="de-DE" sz="1000" b="1" dirty="0">
+              <a:t>For customers </a:t>
+            </a:r>
+            <a:r>
+              <a:rPr sz="1000">
                 <a:solidFill>
                   <a:srgbClr val="1F1F1F"/>
                 </a:solidFill>
-                <a:latin typeface="Adobe Clean"/>
-                <a:cs typeface="Adobe Clean"/>
-              </a:rPr>
-              <a:t>neue Adobe Experience Cloud-Lösung implementieren, ist </a:t>
-            </a:r>
-            <a:r>
-              <a:rPr lang="de-DE" sz="1000" dirty="0">
+                <a:latin typeface="AdobeClean-Light"/>
+                <a:cs typeface="AdobeClean-Light"/>
+              </a:rPr>
+              <a:t>implementing a </a:t>
+            </a:r>
+            <a:r>
+              <a:rPr sz="1000" b="1">
+                <a:solidFill>
+                  <a:srgbClr val="1F1F1F"/>
+                </a:solidFill>
+                <a:latin typeface="Adobe Clean"/>
+                <a:cs typeface="Adobe Clean"/>
+              </a:rPr>
+              <a:t>new Adobe Experience Cloud solution</a:t>
+            </a:r>
+            <a:r>
+              <a:rPr lang="en-US" sz="1000" b="1">
+                <a:solidFill>
+                  <a:srgbClr val="1F1F1F"/>
+                </a:solidFill>
+                <a:latin typeface="Adobe Clean"/>
+                <a:cs typeface="Adobe Clean"/>
+              </a:rPr>
+              <a:t>, </a:t>
+            </a:r>
+            <a:r>
+              <a:rPr lang="en-US" sz="1000">
                 <a:latin typeface="Adobe Clean Light" charset="0"/>
                 <a:ea typeface="Adobe Clean Light" charset="0"/>
                 <a:cs typeface="Adobe Clean Light" charset="0"/>
               </a:rPr>
-              <a:t>Launch </a:t>
-            </a:r>
-            <a:r>
-              <a:rPr lang="de-DE" sz="1000" dirty="0" err="1">
+              <a:t>Launch Advisory </a:t>
+            </a:r>
+            <a:r>
+              <a:rPr lang="en-US" sz="1000">
+                <a:solidFill>
+                  <a:srgbClr val="000000"/>
+                </a:solidFill>
+                <a:latin typeface="Adobe Clean SemiLight" panose="020B0403020404020204" pitchFamily="34" charset="0"/>
+              </a:rPr>
+              <a:t>is a </a:t>
+            </a:r>
+            <a:r>
+              <a:rPr lang="en-US" sz="1000" b="1">
+                <a:solidFill>
+                  <a:srgbClr val="000000"/>
+                </a:solidFill>
+                <a:latin typeface="Adobe Clean SemiLight" panose="020B0403020404020204" pitchFamily="34" charset="0"/>
+              </a:rPr>
+              <a:t>core set of advisory services </a:t>
+            </a:r>
+            <a:r>
+              <a:rPr lang="en-US" sz="1000">
                 <a:latin typeface="Adobe Clean Light" charset="0"/>
                 <a:ea typeface="Adobe Clean Light" charset="0"/>
                 <a:cs typeface="Adobe Clean Light" charset="0"/>
               </a:rPr>
-              <a:t>Advisory</a:t>
-            </a:r>
-            <a:r>
-              <a:rPr lang="de-DE" sz="1000" dirty="0" err="1">
-                <a:solidFill>
-                  <a:srgbClr val="000000"/>
-                </a:solidFill>
-                <a:latin typeface="Adobe Clean SemiLight" panose="020B0403020404020204" pitchFamily="34" charset="0"/>
-              </a:rPr>
-              <a:t>eine</a:t>
-            </a:r>
-            <a:r>
-              <a:rPr lang="de-DE" sz="1000" dirty="0">
-                <a:solidFill>
-                  <a:srgbClr val="000000"/>
-                </a:solidFill>
-                <a:latin typeface="Adobe Clean SemiLight" panose="020B0403020404020204" pitchFamily="34" charset="0"/>
-              </a:rPr>
-              <a:t> </a:t>
-            </a:r>
-            <a:r>
-              <a:rPr lang="de-DE" sz="1000" b="1" dirty="0">
-                <a:solidFill>
-                  <a:srgbClr val="000000"/>
-                </a:solidFill>
-                <a:latin typeface="Adobe Clean SemiLight" panose="020B0403020404020204" pitchFamily="34" charset="0"/>
-              </a:rPr>
-              <a:t>zentrale Palette von Beratungs-Services</a:t>
-            </a:r>
-            <a:r>
-              <a:rPr lang="de-DE" sz="1000" dirty="0">
+              <a:t>and recommendations that </a:t>
+            </a:r>
+            <a:r>
+              <a:rPr lang="en-US" sz="1000">
                 <a:latin typeface="Adobe Clean Light" charset="0"/>
-                <a:ea typeface="Adobe Clean Light" charset="0"/>
-                <a:cs typeface="Adobe Clean Light" charset="0"/>
-              </a:rPr>
-              <a:t> und Empfehlungen, die </a:t>
-            </a:r>
-            <a:r>
-              <a:rPr lang="de-DE" sz="1000" b="1" dirty="0">
+              </a:rPr>
+              <a:t>are proven to </a:t>
+            </a:r>
+            <a:r>
+              <a:rPr lang="en-US" sz="1000" b="1">
                 <a:latin typeface="Adobe Clean Light" charset="0"/>
-                <a:ea typeface="Adobe Clean Light" charset="0"/>
-                <a:cs typeface="Adobe Clean Light" charset="0"/>
-              </a:rPr>
-              <a:t>nachweislich erfolgreiche Implementierungen unterstützen</a:t>
-            </a:r>
-            <a:r>
-              <a:rPr lang="de-DE" sz="1000" dirty="0">
+              </a:rPr>
+              <a:t>support successful deployments </a:t>
+            </a:r>
+            <a:r>
+              <a:rPr lang="en-US" sz="1000">
                 <a:latin typeface="Adobe Clean Light" charset="0"/>
-                <a:ea typeface="Adobe Clean Light" charset="0"/>
-                <a:cs typeface="Adobe Clean Light" charset="0"/>
-              </a:rPr>
-              <a:t> und </a:t>
-            </a:r>
-            <a:br>
-              <a:rPr lang="de-DE" sz="1000" dirty="0">
+              </a:rPr>
+              <a:t>and </a:t>
+            </a:r>
+            <a:r>
+              <a:rPr lang="en-US" sz="1000" b="1">
                 <a:latin typeface="Adobe Clean Light" charset="0"/>
-                <a:ea typeface="Adobe Clean Light" charset="0"/>
-                <a:cs typeface="Adobe Clean Light" charset="0"/>
-              </a:rPr>
-            </a:br>
-            <a:r>
-              <a:rPr lang="de-DE" sz="1000" b="1" dirty="0">
+              </a:rPr>
+              <a:t>accelerate time-to-value</a:t>
+            </a:r>
+            <a:r>
+              <a:rPr lang="en-US" sz="1000">
                 <a:latin typeface="Adobe Clean Light" charset="0"/>
-                <a:ea typeface="Adobe Clean Light" charset="0"/>
-                <a:cs typeface="Adobe Clean Light" charset="0"/>
-              </a:rPr>
-              <a:t>die Time-</a:t>
-            </a:r>
-            <a:r>
-              <a:rPr lang="de-DE" sz="1000" b="1" dirty="0" err="1">
-                <a:latin typeface="Adobe Clean Light" charset="0"/>
-                <a:ea typeface="Adobe Clean Light" charset="0"/>
-                <a:cs typeface="Adobe Clean Light" charset="0"/>
-              </a:rPr>
-              <a:t>to</a:t>
-            </a:r>
-            <a:r>
-              <a:rPr lang="de-DE" sz="1000" b="1" dirty="0">
-                <a:latin typeface="Adobe Clean Light" charset="0"/>
-                <a:ea typeface="Adobe Clean Light" charset="0"/>
-                <a:cs typeface="Adobe Clean Light" charset="0"/>
-              </a:rPr>
-              <a:t>-Value beschleunigen</a:t>
-            </a:r>
-            <a:r>
-              <a:rPr lang="de-DE" sz="1000" dirty="0">
-                <a:latin typeface="Adobe Clean Light" charset="0"/>
-                <a:ea typeface="Adobe Clean Light" charset="0"/>
-                <a:cs typeface="Adobe Clean Light" charset="0"/>
               </a:rPr>
               <a:t>.</a:t>
             </a:r>
@@ -11072,86 +13637,75 @@
               </a:spcBef>
             </a:pPr>
             <a:r>
-              <a:rPr lang="de-DE" sz="1000" dirty="0">
+              <a:rPr lang="en-US" sz="1000">
                 <a:solidFill>
                   <a:srgbClr val="4B4B4B"/>
                 </a:solidFill>
                 <a:latin typeface="Adobe Clean Light" panose="020B0303020404020204" pitchFamily="34" charset="0"/>
               </a:rPr>
-              <a:t>Der Außendienst sorgt für </a:t>
-            </a:r>
-            <a:r>
-              <a:rPr lang="de-DE" sz="1000" b="1" dirty="0">
+              <a:t>Field Services are used for </a:t>
+            </a:r>
+            <a:r>
+              <a:rPr lang="en-US" sz="1000" b="1">
                 <a:solidFill>
                   <a:srgbClr val="4B4B4B"/>
                 </a:solidFill>
                 <a:latin typeface="Adobe Clean" panose="020B0503020404020204" pitchFamily="34" charset="0"/>
               </a:rPr>
-              <a:t>schnelle Problemlösung,</a:t>
-            </a:r>
-            <a:r>
-              <a:rPr lang="de-DE" sz="1000" dirty="0">
+              <a:t>quick resolution</a:t>
+            </a:r>
+            <a:r>
+              <a:rPr lang="en-US" sz="1000">
                 <a:solidFill>
                   <a:srgbClr val="4B4B4B"/>
                 </a:solidFill>
                 <a:latin typeface="Adobe Clean Light" panose="020B0303020404020204" pitchFamily="34" charset="0"/>
               </a:rPr>
-              <a:t> fokussierten Kundenerfolg und beschleunigte </a:t>
-            </a:r>
-            <a:r>
-              <a:rPr lang="de-DE" sz="1000" b="1" dirty="0">
+              <a:t>, focused customer success and accelerated</a:t>
+            </a:r>
+            <a:r>
+              <a:rPr lang="en-US" sz="1000" b="1">
                 <a:solidFill>
                   <a:srgbClr val="4B4B4B"/>
                 </a:solidFill>
                 <a:latin typeface="Adobe Clean" panose="020B0503020404020204" pitchFamily="34" charset="0"/>
               </a:rPr>
-              <a:t>Time-</a:t>
-            </a:r>
-            <a:r>
-              <a:rPr lang="de-DE" sz="1000" b="1" dirty="0" err="1">
+              <a:t> time-to-value</a:t>
+            </a:r>
+            <a:r>
+              <a:rPr lang="en-US" sz="1000">
                 <a:solidFill>
                   <a:srgbClr val="4B4B4B"/>
                 </a:solidFill>
+                <a:latin typeface="Adobe Clean Light" panose="020B0303020404020204" pitchFamily="34" charset="0"/>
+              </a:rPr>
+              <a:t>. If Launch advisory is active there will be </a:t>
+            </a:r>
+            <a:r>
+              <a:rPr lang="en-US" sz="1000" b="1">
+                <a:solidFill>
+                  <a:srgbClr val="4B4B4B"/>
+                </a:solidFill>
                 <a:latin typeface="Adobe Clean" panose="020B0503020404020204" pitchFamily="34" charset="0"/>
               </a:rPr>
-              <a:t>to</a:t>
-            </a:r>
-            <a:r>
-              <a:rPr lang="de-DE" sz="1000" b="1" dirty="0">
+              <a:t>no Field Services in year 1 </a:t>
+            </a:r>
+            <a:r>
+              <a:rPr lang="en-US" sz="1000">
                 <a:solidFill>
                   <a:srgbClr val="4B4B4B"/>
                 </a:solidFill>
-                <a:latin typeface="Adobe Clean" panose="020B0503020404020204" pitchFamily="34" charset="0"/>
-              </a:rPr>
-              <a:t>-Value</a:t>
-            </a:r>
-            <a:r>
-              <a:rPr lang="de-DE" sz="1000" dirty="0">
-                <a:solidFill>
-                  <a:srgbClr val="4B4B4B"/>
-                </a:solidFill>
                 <a:latin typeface="Adobe Clean Light" panose="020B0303020404020204" pitchFamily="34" charset="0"/>
               </a:rPr>
-              <a:t>. Wenn Launch Advisory aktiv ist, gibt es </a:t>
-            </a:r>
-            <a:r>
-              <a:rPr lang="de-DE" sz="1000" b="1" dirty="0">
-                <a:solidFill>
-                  <a:srgbClr val="4B4B4B"/>
-                </a:solidFill>
-                <a:latin typeface="Adobe Clean" panose="020B0503020404020204" pitchFamily="34" charset="0"/>
-              </a:rPr>
-              <a:t>im ersten Jahr keinen Außendienst</a:t>
-            </a:r>
-            <a:r>
-              <a:rPr lang="de-DE" sz="1000" dirty="0">
-                <a:solidFill>
-                  <a:srgbClr val="4B4B4B"/>
-                </a:solidFill>
-                <a:latin typeface="Adobe Clean Light" panose="020B0303020404020204" pitchFamily="34" charset="0"/>
-              </a:rPr>
-              <a:t> für Lösungsprodukte, die unter einen Adobe Support-Vertrag fallen. </a:t>
-            </a:r>
+              <a:t>for any solution product covered by an Adobe Support contract. </a:t>
+            </a:r>
+            <a:endParaRPr lang="en-US" sz="1000">
+              <a:solidFill>
+                <a:srgbClr val="1F1F1F"/>
+              </a:solidFill>
+              <a:latin typeface="Adobe Clean Light" panose="020B0303020404020204" pitchFamily="34" charset="0"/>
+              <a:cs typeface="Adobe Clean"/>
+            </a:endParaRPr>
           </a:p>
           <a:p>
             <a:pPr marL="24130" marR="5080">
@@ -11159,7 +13713,7 @@
                 <a:spcPts val="600"/>
               </a:spcBef>
             </a:pPr>
-            <a:endParaRPr lang="en-US" sz="1000" b="1" dirty="0">
+            <a:endParaRPr lang="en-US" sz="1000" b="1">
               <a:solidFill>
                 <a:srgbClr val="1F1F1F"/>
               </a:solidFill>
@@ -11232,7 +13786,7 @@
         <p:spPr>
           <a:xfrm rot="10800000" flipH="1">
             <a:off x="3692282" y="762000"/>
-            <a:ext cx="45720" cy="1309688"/>
+            <a:ext cx="45719" cy="1188720"/>
           </a:xfrm>
           <a:custGeom>
             <a:avLst/>
@@ -11328,7 +13882,7 @@
         <p:spPr>
           <a:xfrm>
             <a:off x="172087" y="3867961"/>
-            <a:ext cx="3525469" cy="2490425"/>
+            <a:ext cx="3525469" cy="2336537"/>
           </a:xfrm>
           <a:prstGeom prst="rect">
             <a:avLst/>
@@ -11346,54 +13900,37 @@
               </a:spcBef>
             </a:pPr>
             <a:r>
-              <a:rPr lang="de-DE" sz="1000" dirty="0">
+              <a:rPr lang="en-US" sz="1000">
                 <a:latin typeface="Adobe Clean Light" charset="0"/>
               </a:rPr>
-              <a:t>Experten für Adobe-Lösungen helfen bei der Prüfung von Anforderungen, Architektur, Entwicklungsprozess und Launch-Bereitschaft</a:t>
-            </a:r>
-            <a:r>
-              <a:rPr lang="de-DE" sz="1000" dirty="0">
+              <a:t>Adobe solution experts help validate requirements, architecture, development process, and launch readiness reviews </a:t>
+            </a:r>
+            <a:r>
+              <a:rPr lang="en-US" sz="1000">
                 <a:solidFill>
                   <a:srgbClr val="000000"/>
                 </a:solidFill>
                 <a:latin typeface="Adobe Clean SemiLight" panose="020B0403020404020204" pitchFamily="34" charset="0"/>
               </a:rPr>
-              <a:t> mit </a:t>
-            </a:r>
-            <a:r>
-              <a:rPr lang="de-DE" sz="1000" b="1" dirty="0">
+              <a:t>with </a:t>
+            </a:r>
+            <a:r>
+              <a:rPr lang="en-US" sz="1000" b="1">
                 <a:solidFill>
                   <a:srgbClr val="000000"/>
                 </a:solidFill>
                 <a:latin typeface="Adobe Clean SemiLight" panose="020B0403020404020204" pitchFamily="34" charset="0"/>
               </a:rPr>
-              <a:t>Best Practice-basierten Anleitungen</a:t>
-            </a:r>
-            <a:r>
-              <a:rPr lang="de-DE" sz="1000" dirty="0">
+              <a:t>best practice-based guidance </a:t>
+            </a:r>
+            <a:r>
+              <a:rPr lang="en-US" sz="1000">
                 <a:solidFill>
                   <a:srgbClr val="000000"/>
                 </a:solidFill>
                 <a:latin typeface="Adobe Clean SemiLight" panose="020B0403020404020204" pitchFamily="34" charset="0"/>
               </a:rPr>
-              <a:t> </a:t>
-            </a:r>
-            <a:br>
-              <a:rPr lang="de-DE" sz="1000" dirty="0">
-                <a:solidFill>
-                  <a:srgbClr val="000000"/>
-                </a:solidFill>
-                <a:latin typeface="Adobe Clean SemiLight" panose="020B0403020404020204" pitchFamily="34" charset="0"/>
-              </a:rPr>
-            </a:br>
-            <a:r>
-              <a:rPr lang="de-DE" sz="1000" dirty="0">
-                <a:solidFill>
-                  <a:srgbClr val="000000"/>
-                </a:solidFill>
-                <a:latin typeface="Adobe Clean SemiLight" panose="020B0403020404020204" pitchFamily="34" charset="0"/>
-              </a:rPr>
-              <a:t>für Kunden und Implementierungspartner.</a:t>
+              <a:t>to customers and implementation partners.</a:t>
             </a:r>
           </a:p>
           <a:p>
@@ -11402,7 +13939,7 @@
                 <a:spcPts val="100"/>
               </a:spcBef>
             </a:pPr>
-            <a:endParaRPr lang="en-US" sz="1000" dirty="0">
+            <a:endParaRPr lang="en-US" sz="1000">
               <a:solidFill>
                 <a:srgbClr val="1F1F1F"/>
               </a:solidFill>
@@ -11417,22 +13954,22 @@
               </a:spcBef>
             </a:pPr>
             <a:r>
-              <a:rPr lang="de-DE" sz="1000" dirty="0">
+              <a:rPr lang="en-US" sz="1000">
                 <a:latin typeface="Adobe Clean Light" charset="0"/>
               </a:rPr>
-              <a:t>Launch Advisory orientiert sich anhand gängiger Milestones (</a:t>
-            </a:r>
-            <a:r>
-              <a:rPr lang="de-DE" sz="1000" b="1" dirty="0">
+              <a:t>Launch Advisory will align with your project schedule through common milestones (</a:t>
+            </a:r>
+            <a:r>
+              <a:rPr lang="en-US" sz="1000" b="1">
                 <a:latin typeface="Adobe Clean Light" charset="0"/>
               </a:rPr>
-              <a:t>Kickoff, Definition, Design, Go-Live und Post-Launch</a:t>
-            </a:r>
-            <a:r>
-              <a:rPr lang="de-DE" sz="1000" dirty="0">
+              <a:t>Kickoff, Define, Design, Go-live and Post Launch</a:t>
+            </a:r>
+            <a:r>
+              <a:rPr lang="en-US" sz="1000">
                 <a:latin typeface="Adobe Clean Light" charset="0"/>
               </a:rPr>
-              <a:t>) an Ihren Projektplan und umfasst Anleitung, Prüfung, Bewertung und Empfehlungen.</a:t>
+              <a:t>) to guide, validate, assess and make recommendations.</a:t>
             </a:r>
           </a:p>
           <a:p>
@@ -11441,7 +13978,7 @@
                 <a:spcPts val="100"/>
               </a:spcBef>
             </a:pPr>
-            <a:endParaRPr lang="en-US" sz="1000" dirty="0">
+            <a:endParaRPr lang="en-US" sz="1000">
               <a:latin typeface="Adobe Clean Light" charset="0"/>
             </a:endParaRPr>
           </a:p>
@@ -11452,10 +13989,10 @@
               </a:spcBef>
             </a:pPr>
             <a:r>
-              <a:rPr lang="de-DE" sz="1000" dirty="0">
+              <a:rPr lang="en-US" sz="1000">
                 <a:latin typeface="Adobe Clean Light" charset="0"/>
               </a:rPr>
-              <a:t>Zu den wichtigsten Angeboten gehören:</a:t>
+              <a:t>Key Deliverables include:</a:t>
             </a:r>
           </a:p>
           <a:p>
@@ -11467,8 +14004,8 @@
               <a:buChar char="•"/>
             </a:pPr>
             <a:r>
-              <a:rPr lang="de-DE" sz="1000" dirty="0"/>
-              <a:t>Kickoff-Deck (einschließlich Projekt-Kooperationsplan)</a:t>
+              <a:rPr lang="en-US" sz="1000"/>
+              <a:t>Kickoff (including project collaboration plan) deck</a:t>
             </a:r>
           </a:p>
           <a:p>
@@ -11480,8 +14017,8 @@
               <a:buChar char="•"/>
             </a:pPr>
             <a:r>
-              <a:rPr lang="de-DE" sz="1000" dirty="0"/>
-              <a:t>Dokument(e) für Bewertung und Empfehlung</a:t>
+              <a:rPr lang="en-US" sz="1000"/>
+              <a:t>Assessment &amp; recommendations document(s)</a:t>
             </a:r>
           </a:p>
           <a:p>
@@ -11493,8 +14030,8 @@
               <a:buChar char="•"/>
             </a:pPr>
             <a:r>
-              <a:rPr lang="de-DE" sz="1000" dirty="0"/>
-              <a:t>Interaktionszusammenfassung</a:t>
+              <a:rPr lang="en-US" sz="1000"/>
+              <a:t>Engagement summary</a:t>
             </a:r>
           </a:p>
         </p:txBody>
@@ -11598,8 +14135,8 @@
           <a:p>
             <a:pPr algn="ctr"/>
             <a:r>
-              <a:rPr lang="de-DE" sz="1600"/>
-              <a:t>Ausführung und Betrieb</a:t>
+              <a:rPr lang="en-US" sz="1600"/>
+              <a:t>Run &amp; Operate</a:t>
             </a:r>
           </a:p>
         </p:txBody>
@@ -11704,8 +14241,8 @@
           <a:p>
             <a:pPr algn="ctr"/>
             <a:r>
-              <a:rPr lang="de-DE" sz="1600"/>
-              <a:t>Implementierung</a:t>
+              <a:rPr lang="en-US" sz="1600"/>
+              <a:t>Implementation</a:t>
             </a:r>
           </a:p>
         </p:txBody>
@@ -11740,8 +14277,8 @@
           <a:p>
             <a:pPr algn="ctr"/>
             <a:r>
-              <a:rPr lang="de-DE" sz="1100"/>
-              <a:t>Post-Launch</a:t>
+              <a:rPr lang="en-US" sz="1100"/>
+              <a:t>Post Launch</a:t>
             </a:r>
           </a:p>
         </p:txBody>
@@ -11761,20 +14298,15 @@
           <p:nvPr/>
         </p:nvPicPr>
         <p:blipFill>
-          <a:blip r:embed="rId4" cstate="print">
-            <a:extLst>
-              <a:ext uri="{28A0092B-C50C-407E-A947-70E740481C1C}">
-                <a14:useLocalDpi xmlns:a14="http://schemas.microsoft.com/office/drawing/2010/main" val="0"/>
-              </a:ext>
-            </a:extLst>
-          </a:blip>
-          <a:srcRect/>
-          <a:stretch/>
+          <a:blip r:embed="rId4"/>
+          <a:stretch>
+            <a:fillRect/>
+          </a:stretch>
         </p:blipFill>
         <p:spPr>
           <a:xfrm>
-            <a:off x="336106" y="6379881"/>
-            <a:ext cx="3093589" cy="2855621"/>
+            <a:off x="333965" y="6379881"/>
+            <a:ext cx="3097872" cy="2855621"/>
           </a:xfrm>
           <a:prstGeom prst="rect">
             <a:avLst/>
@@ -11850,7 +14382,7 @@
         <p:spPr>
           <a:xfrm>
             <a:off x="3855907" y="4694431"/>
-            <a:ext cx="3610421" cy="2464777"/>
+            <a:ext cx="3525469" cy="2464777"/>
           </a:xfrm>
           <a:prstGeom prst="rect">
             <a:avLst/>
@@ -11868,74 +14400,29 @@
               </a:spcBef>
             </a:pPr>
             <a:r>
-              <a:rPr lang="de-DE" sz="1000" b="1" dirty="0">
+              <a:rPr lang="en-US" sz="1000" b="1" dirty="0">
                 <a:solidFill>
                   <a:srgbClr val="000000"/>
                 </a:solidFill>
                 <a:latin typeface="+mj-lt"/>
               </a:rPr>
-              <a:t>Aktivitäten des technischen Tracks</a:t>
-            </a:r>
-            <a:r>
-              <a:rPr lang="de-DE" sz="1000" dirty="0">
+              <a:t>Technical Track Activities </a:t>
+            </a:r>
+            <a:r>
+              <a:rPr lang="en-US" sz="1000" dirty="0">
                 <a:solidFill>
                   <a:srgbClr val="000000"/>
                 </a:solidFill>
                 <a:latin typeface="Adobe Clean Light"/>
               </a:rPr>
-              <a:t> stellen sicher, dass Kunden technisch versiert sind und ihre Tools optimal nutzen. </a:t>
-            </a:r>
-            <a:br>
-              <a:rPr lang="de-DE" sz="1000" dirty="0">
-                <a:solidFill>
-                  <a:srgbClr val="000000"/>
-                </a:solidFill>
-                <a:latin typeface="Adobe Clean Light"/>
-              </a:rPr>
-            </a:br>
-            <a:r>
-              <a:rPr lang="de-DE" sz="1000" dirty="0">
-                <a:solidFill>
-                  <a:srgbClr val="000000"/>
-                </a:solidFill>
-                <a:latin typeface="Adobe Clean Light"/>
-              </a:rPr>
-              <a:t>Diese Aktivitätstypen umfassen insbesondere Support </a:t>
-            </a:r>
-            <a:br>
-              <a:rPr lang="de-DE" sz="1000" dirty="0">
-                <a:solidFill>
-                  <a:srgbClr val="000000"/>
-                </a:solidFill>
-                <a:latin typeface="Adobe Clean Light"/>
-              </a:rPr>
-            </a:br>
-            <a:r>
-              <a:rPr lang="de-DE" sz="1000" dirty="0">
-                <a:solidFill>
-                  <a:srgbClr val="000000"/>
-                </a:solidFill>
-                <a:latin typeface="Adobe Clean Light"/>
-              </a:rPr>
-              <a:t>und Empfehlungen für Plattformkonfigurationen, Integrationen </a:t>
-            </a:r>
-            <a:br>
-              <a:rPr lang="de-DE" sz="1000" dirty="0">
-                <a:solidFill>
-                  <a:srgbClr val="000000"/>
-                </a:solidFill>
-                <a:latin typeface="Adobe Clean Light"/>
-              </a:rPr>
-            </a:br>
-            <a:r>
-              <a:rPr lang="de-DE" sz="1000" dirty="0">
-                <a:solidFill>
-                  <a:srgbClr val="000000"/>
-                </a:solidFill>
-                <a:latin typeface="Adobe Clean Light"/>
-              </a:rPr>
-              <a:t>und die Fehlerbehebung.</a:t>
-            </a:r>
+              <a:t>ensure customers are technically sound and maximizing their tool adoption. Specifically, these types of activities include support and recommendations related to platform configurations, integrations and troubleshooting.</a:t>
+            </a:r>
+            <a:endParaRPr lang="en-US" sz="1000" dirty="0">
+              <a:solidFill>
+                <a:srgbClr val="000000"/>
+              </a:solidFill>
+              <a:latin typeface="Adobe Clean Light" panose="020B0303020404020204" pitchFamily="34" charset="0"/>
+            </a:endParaRPr>
           </a:p>
           <a:p>
             <a:pPr marL="12700" marR="5080">
@@ -11943,7 +14430,7 @@
                 <a:spcPts val="100"/>
               </a:spcBef>
             </a:pPr>
-            <a:endParaRPr lang="en-US" sz="1000" dirty="0">
+            <a:endParaRPr lang="en-US" sz="1000">
               <a:latin typeface="Adobe Clean Light" charset="0"/>
             </a:endParaRPr>
           </a:p>
@@ -11954,10 +14441,10 @@
               </a:spcBef>
             </a:pPr>
             <a:r>
-              <a:rPr lang="de-DE" sz="1000" dirty="0">
+              <a:rPr lang="en-US" sz="1000" dirty="0">
                 <a:latin typeface="Adobe Clean Light"/>
               </a:rPr>
-              <a:t>Verfügbare technische Aktivitäten:</a:t>
+              <a:t>Types of technical activities available::</a:t>
             </a:r>
           </a:p>
           <a:p>
@@ -11972,9 +14459,12 @@
               <a:buChar char="ü"/>
             </a:pPr>
             <a:r>
-              <a:rPr lang="de-DE" sz="1000" dirty="0"/>
-              <a:t>Statusprüfung</a:t>
-            </a:r>
+              <a:rPr lang="en-US" sz="1000" dirty="0"/>
+              <a:t>Health audit</a:t>
+            </a:r>
+            <a:endParaRPr lang="en-US" sz="1000" dirty="0">
+              <a:cs typeface="Calibri"/>
+            </a:endParaRPr>
           </a:p>
           <a:p>
             <a:pPr marL="184150" marR="5080" indent="-171450">
@@ -11988,9 +14478,12 @@
               <a:buChar char="ü"/>
             </a:pPr>
             <a:r>
-              <a:rPr lang="de-DE" sz="1000" dirty="0"/>
-              <a:t>Plattformprüfung</a:t>
-            </a:r>
+              <a:rPr lang="en-US" sz="1000" dirty="0"/>
+              <a:t>Platform audit</a:t>
+            </a:r>
+            <a:endParaRPr lang="en-US" sz="1000" dirty="0">
+              <a:cs typeface="Calibri"/>
+            </a:endParaRPr>
           </a:p>
           <a:p>
             <a:pPr marL="184150" marR="5080" indent="-171450">
@@ -12004,9 +14497,12 @@
               <a:buChar char="ü"/>
             </a:pPr>
             <a:r>
-              <a:rPr lang="de-DE" sz="1000" dirty="0"/>
-              <a:t>Aktivierung von Funktionssätzen</a:t>
-            </a:r>
+              <a:rPr lang="en-US" sz="1000" dirty="0"/>
+              <a:t>Feature set enablement</a:t>
+            </a:r>
+            <a:endParaRPr lang="en-US" sz="1000" dirty="0">
+              <a:cs typeface="Calibri"/>
+            </a:endParaRPr>
           </a:p>
           <a:p>
             <a:pPr marL="184150" marR="5080" indent="-171450">
@@ -12020,9 +14516,12 @@
               <a:buChar char="ü"/>
             </a:pPr>
             <a:r>
-              <a:rPr lang="de-DE" sz="1000" dirty="0"/>
-              <a:t>Grundlegende Integrationen und Konfigurationen</a:t>
-            </a:r>
+              <a:rPr lang="en-US" sz="1000" dirty="0"/>
+              <a:t>Basic integrations and configurations</a:t>
+            </a:r>
+            <a:endParaRPr lang="en-US" sz="1000" dirty="0">
+              <a:cs typeface="Calibri"/>
+            </a:endParaRPr>
           </a:p>
           <a:p>
             <a:pPr marL="184150" marR="5080" indent="-171450">
@@ -12036,9 +14535,12 @@
               <a:buChar char="ü"/>
             </a:pPr>
             <a:r>
-              <a:rPr lang="de-DE" sz="1000" dirty="0"/>
-              <a:t>Fehlerbehebung bei der Kundenlösung</a:t>
-            </a:r>
+              <a:rPr lang="en-US" sz="1000" dirty="0"/>
+              <a:t>Customer solution troubleshooting</a:t>
+            </a:r>
+            <a:endParaRPr lang="en-US" sz="1000" dirty="0">
+              <a:cs typeface="Calibri"/>
+            </a:endParaRPr>
           </a:p>
           <a:p>
             <a:pPr marL="184150" marR="5080" indent="-171450">
@@ -12052,9 +14554,12 @@
               <a:buChar char="ü"/>
             </a:pPr>
             <a:r>
-              <a:rPr lang="de-DE" sz="1000" dirty="0"/>
-              <a:t>Cloud-Service-Support</a:t>
-            </a:r>
+              <a:rPr lang="en-US" sz="1000" dirty="0"/>
+              <a:t>Cloud service support</a:t>
+            </a:r>
+            <a:endParaRPr lang="en-US" sz="1000" dirty="0">
+              <a:cs typeface="Calibri"/>
+            </a:endParaRPr>
           </a:p>
         </p:txBody>
       </p:sp>
@@ -12073,7 +14578,7 @@
         <p:spPr>
           <a:xfrm>
             <a:off x="3851397" y="7249456"/>
-            <a:ext cx="3717548" cy="2054409"/>
+            <a:ext cx="3525469" cy="2054409"/>
           </a:xfrm>
           <a:prstGeom prst="rect">
             <a:avLst/>
@@ -12091,39 +14596,22 @@
               </a:spcBef>
             </a:pPr>
             <a:r>
-              <a:rPr lang="de-DE" sz="1000" b="1" dirty="0">
+              <a:rPr lang="en-US" sz="1000" b="1" dirty="0">
                 <a:solidFill>
                   <a:srgbClr val="000000"/>
                 </a:solidFill>
                 <a:latin typeface="+mj-lt"/>
               </a:rPr>
-              <a:t>Aktivitäten des strategischen Tracks</a:t>
-            </a:r>
-            <a:r>
-              <a:rPr lang="de-DE" sz="1000" dirty="0">
+              <a:t>Strategic Track Activities </a:t>
+            </a:r>
+            <a:r>
+              <a:rPr lang="en-US" sz="1000" dirty="0">
                 <a:solidFill>
                   <a:srgbClr val="000000"/>
                 </a:solidFill>
                 <a:latin typeface="Adobe Clean Light"/>
               </a:rPr>
-              <a:t> ermitteln Möglichkeiten, </a:t>
-            </a:r>
-            <a:br>
-              <a:rPr lang="de-DE" sz="1000" dirty="0">
-                <a:solidFill>
-                  <a:srgbClr val="000000"/>
-                </a:solidFill>
-                <a:latin typeface="Adobe Clean Light"/>
-              </a:rPr>
-            </a:br>
-            <a:r>
-              <a:rPr lang="de-DE" sz="1000" dirty="0">
-                <a:solidFill>
-                  <a:srgbClr val="000000"/>
-                </a:solidFill>
-                <a:latin typeface="Adobe Clean Light"/>
-              </a:rPr>
-              <a:t>mit den vom Kunden genutzten Adobe-Lösungen optimale Ergebnisse zu erzielen. Sie enthalten Support-Empfehlungen zu Strategie, Messung und Reifegrad, mit denen eine oder mehrere Adobe-Lösungen optimal genutzt werden können.</a:t>
+              <a:t>locate opportunities to ensure value is being realized from a customer’s Adobe solutions. They include support recommendations related to strategy, measurement and maturity to drive value realization across one or more Adobe solutions.</a:t>
             </a:r>
           </a:p>
           <a:p>
@@ -12132,7 +14620,7 @@
                 <a:spcPts val="100"/>
               </a:spcBef>
             </a:pPr>
-            <a:endParaRPr lang="en-US" sz="1000" dirty="0">
+            <a:endParaRPr lang="en-US" sz="1000">
               <a:latin typeface="Adobe Clean Light" charset="0"/>
             </a:endParaRPr>
           </a:p>
@@ -12143,11 +14631,14 @@
               </a:spcBef>
             </a:pPr>
             <a:r>
-              <a:rPr lang="de-DE" sz="1000" dirty="0">
+              <a:rPr lang="en-US" sz="1000" dirty="0">
                 <a:latin typeface="Adobe Clean Light"/>
               </a:rPr>
-              <a:t>Verfügbare strategische Aktivitäten:</a:t>
-            </a:r>
+              <a:t>Types of strategic activities available:</a:t>
+            </a:r>
+            <a:endParaRPr lang="en-US" sz="1000" dirty="0">
+              <a:latin typeface="Adobe Clean Light" charset="0"/>
+            </a:endParaRPr>
           </a:p>
           <a:p>
             <a:pPr marL="241300" marR="5080" indent="-228600">
@@ -12161,9 +14652,12 @@
               <a:buChar char="ü"/>
             </a:pPr>
             <a:r>
-              <a:rPr lang="de-DE" sz="1000" dirty="0"/>
-              <a:t>Reifegrad-Roadmap</a:t>
-            </a:r>
+              <a:rPr lang="en-US" sz="1000" dirty="0"/>
+              <a:t>Maturity Roadmap</a:t>
+            </a:r>
+            <a:endParaRPr lang="en-US" sz="1000" dirty="0">
+              <a:cs typeface="Calibri"/>
+            </a:endParaRPr>
           </a:p>
           <a:p>
             <a:pPr marL="241300" marR="5080" indent="-228600">
@@ -12177,9 +14671,12 @@
               <a:buChar char="ü"/>
             </a:pPr>
             <a:r>
-              <a:rPr lang="de-DE" sz="1000" dirty="0"/>
-              <a:t>Use-Case-Entwicklung/-Messung</a:t>
-            </a:r>
+              <a:rPr lang="en-US" sz="1000" dirty="0"/>
+              <a:t>Use case development/measurement</a:t>
+            </a:r>
+            <a:endParaRPr lang="en-US" sz="1000" dirty="0">
+              <a:cs typeface="Calibri"/>
+            </a:endParaRPr>
           </a:p>
           <a:p>
             <a:pPr marL="241300" marR="5080" indent="-228600">
@@ -12193,9 +14690,12 @@
               <a:buChar char="ü"/>
             </a:pPr>
             <a:r>
-              <a:rPr lang="de-DE" sz="1000" dirty="0"/>
-              <a:t>Reporting und Analyse</a:t>
-            </a:r>
+              <a:rPr lang="en-US" sz="1000" dirty="0"/>
+              <a:t>Reporting &amp; analysis</a:t>
+            </a:r>
+            <a:endParaRPr lang="en-US" sz="1000" dirty="0">
+              <a:cs typeface="Calibri"/>
+            </a:endParaRPr>
           </a:p>
           <a:p>
             <a:pPr marL="241300" marR="5080" indent="-228600">
@@ -12209,9 +14709,12 @@
               <a:buChar char="ü"/>
             </a:pPr>
             <a:r>
-              <a:rPr lang="de-DE" sz="1000" dirty="0"/>
-              <a:t>Aktivierung von Best Practices</a:t>
-            </a:r>
+              <a:rPr lang="en-US" sz="1000" dirty="0"/>
+              <a:t>Best practices enablement</a:t>
+            </a:r>
+            <a:endParaRPr lang="en-US" sz="1000" dirty="0">
+              <a:cs typeface="Calibri"/>
+            </a:endParaRPr>
           </a:p>
         </p:txBody>
       </p:sp>
@@ -12249,104 +14752,87 @@
               </a:spcBef>
             </a:pPr>
             <a:r>
-              <a:rPr lang="de-DE" sz="1000" dirty="0">
+              <a:rPr lang="en-US" sz="1000">
                 <a:solidFill>
                   <a:srgbClr val="1F1F1F"/>
                 </a:solidFill>
                 <a:latin typeface="Adobe Clean" panose="020B0503020404020204" pitchFamily="34" charset="0"/>
                 <a:cs typeface="AdobeClean-Light"/>
               </a:rPr>
-              <a:t>Als Enterprise-Kunde können Sie </a:t>
-            </a:r>
-            <a:r>
-              <a:rPr lang="de-DE" sz="1200" b="1" u="sng" dirty="0">
+              <a:t>As an Enterprise customer, you are eligible for</a:t>
+            </a:r>
+            <a:r>
+              <a:rPr lang="en-US" sz="1200" b="1" u="sng">
+                <a:solidFill>
+                  <a:srgbClr val="1F1F1F"/>
+                </a:solidFill>
+                <a:cs typeface="AdobeClean-Light"/>
+              </a:rPr>
+              <a:t> 2 </a:t>
+            </a:r>
+            <a:r>
+              <a:rPr lang="en-US" sz="1000" b="1" u="sng">
+                <a:solidFill>
+                  <a:srgbClr val="1F1F1F"/>
+                </a:solidFill>
+                <a:cs typeface="AdobeClean-Light"/>
+              </a:rPr>
+              <a:t>activities per year </a:t>
+            </a:r>
+            <a:r>
+              <a:rPr lang="en-US" sz="1000">
                 <a:solidFill>
                   <a:srgbClr val="1F1F1F"/>
                 </a:solidFill>
                 <a:latin typeface="Adobe Clean" panose="020B0503020404020204" pitchFamily="34" charset="0"/>
                 <a:cs typeface="AdobeClean-Light"/>
               </a:rPr>
-              <a:t>zwei </a:t>
-            </a:r>
-            <a:r>
-              <a:rPr lang="de-DE" sz="1000" b="1" u="sng" dirty="0">
+              <a:t>from the following two tracks:</a:t>
+            </a:r>
+            <a:r>
+              <a:rPr lang="en-US" sz="1000" b="1">
+                <a:solidFill>
+                  <a:srgbClr val="1F1F1F"/>
+                </a:solidFill>
+                <a:cs typeface="AdobeClean-Light"/>
+              </a:rPr>
+              <a:t> Technical </a:t>
+            </a:r>
+            <a:r>
+              <a:rPr lang="en-US" sz="1000">
                 <a:solidFill>
                   <a:srgbClr val="1F1F1F"/>
                 </a:solidFill>
                 <a:latin typeface="Adobe Clean" panose="020B0503020404020204" pitchFamily="34" charset="0"/>
                 <a:cs typeface="AdobeClean-Light"/>
               </a:rPr>
-              <a:t>Aktivitäten pro Jahr</a:t>
-            </a:r>
-            <a:r>
-              <a:rPr lang="de-DE" sz="1000" dirty="0">
+              <a:t>and/or </a:t>
+            </a:r>
+            <a:r>
+              <a:rPr lang="en-US" sz="1000" b="1">
                 <a:solidFill>
                   <a:srgbClr val="1F1F1F"/>
                 </a:solidFill>
-                <a:latin typeface="Adobe Clean" panose="020B0503020404020204" pitchFamily="34" charset="0"/>
                 <a:cs typeface="AdobeClean-Light"/>
               </a:rPr>
-              <a:t> </a:t>
-            </a:r>
-            <a:br>
-              <a:rPr lang="de-DE" sz="1000" dirty="0">
-                <a:solidFill>
-                  <a:srgbClr val="1F1F1F"/>
-                </a:solidFill>
-                <a:latin typeface="Adobe Clean" panose="020B0503020404020204" pitchFamily="34" charset="0"/>
-                <a:cs typeface="AdobeClean-Light"/>
-              </a:rPr>
-            </a:br>
-            <a:r>
-              <a:rPr lang="de-DE" sz="1000" dirty="0">
-                <a:solidFill>
-                  <a:srgbClr val="1F1F1F"/>
-                </a:solidFill>
-                <a:latin typeface="Adobe Clean" panose="020B0503020404020204" pitchFamily="34" charset="0"/>
-                <a:cs typeface="AdobeClean-Light"/>
-              </a:rPr>
-              <a:t>aus dem</a:t>
-            </a:r>
-            <a:r>
-              <a:rPr lang="de-DE" sz="1000" b="1" dirty="0">
-                <a:solidFill>
-                  <a:srgbClr val="1F1F1F"/>
-                </a:solidFill>
-                <a:latin typeface="Adobe Clean" panose="020B0503020404020204" pitchFamily="34" charset="0"/>
-                <a:cs typeface="AdobeClean-Light"/>
-              </a:rPr>
-              <a:t> technischen</a:t>
-            </a:r>
-            <a:r>
-              <a:rPr lang="de-DE" sz="1000" dirty="0">
-                <a:solidFill>
-                  <a:srgbClr val="1F1F1F"/>
-                </a:solidFill>
-                <a:latin typeface="Adobe Clean" panose="020B0503020404020204" pitchFamily="34" charset="0"/>
-                <a:cs typeface="AdobeClean-Light"/>
-              </a:rPr>
-              <a:t> und/oder dem </a:t>
-            </a:r>
-            <a:r>
-              <a:rPr lang="de-DE" sz="1000" b="1" dirty="0">
-                <a:solidFill>
-                  <a:srgbClr val="1F1F1F"/>
-                </a:solidFill>
-                <a:latin typeface="Adobe Clean" panose="020B0503020404020204" pitchFamily="34" charset="0"/>
-                <a:cs typeface="AdobeClean-Light"/>
-              </a:rPr>
-              <a:t>strategischen</a:t>
-            </a:r>
-            <a:r>
-              <a:rPr lang="de-DE" sz="1000" dirty="0">
+              <a:t>Strategic</a:t>
+            </a:r>
+            <a:r>
+              <a:rPr lang="en-US" sz="1000">
                 <a:solidFill>
                   <a:srgbClr val="1F1F1F"/>
                 </a:solidFill>
                 <a:latin typeface="Adobe Clean Light" panose="020B0303020404020204" pitchFamily="34" charset="0"/>
                 <a:cs typeface="AdobeClean-Light"/>
               </a:rPr>
-              <a:t> Track nutzen.</a:t>
-            </a:r>
+              <a:t>.</a:t>
+            </a:r>
+            <a:endParaRPr lang="en-US" sz="1000" b="1">
+              <a:solidFill>
+                <a:prstClr val="black"/>
+              </a:solidFill>
+              <a:cs typeface="AdobeClean-Light"/>
+            </a:endParaRPr>
           </a:p>
         </p:txBody>
       </p:sp>
@@ -12380,7 +14866,7 @@
           <a:p>
             <a:pPr algn="ctr"/>
             <a:r>
-              <a:rPr lang="de-DE" sz="1100"/>
+              <a:rPr lang="en-US" sz="1100"/>
               <a:t>Go-Live</a:t>
             </a:r>
           </a:p>
@@ -12416,8 +14902,8 @@
           <a:p>
             <a:pPr algn="ctr"/>
             <a:r>
-              <a:rPr lang="de-DE" sz="1100"/>
-              <a:t>Definition</a:t>
+              <a:rPr lang="en-US" sz="1100"/>
+              <a:t>Define</a:t>
             </a:r>
           </a:p>
         </p:txBody>
@@ -12452,7 +14938,7 @@
           <a:p>
             <a:pPr algn="ctr"/>
             <a:r>
-              <a:rPr lang="de-DE" sz="1100"/>
+              <a:rPr lang="en-US" sz="1100"/>
               <a:t>Kickoff</a:t>
             </a:r>
           </a:p>
@@ -12488,7 +14974,7 @@
           <a:p>
             <a:pPr algn="ctr"/>
             <a:r>
-              <a:rPr lang="de-DE" sz="1100"/>
+              <a:rPr lang="en-US" sz="1100"/>
               <a:t>Design</a:t>
             </a:r>
           </a:p>
@@ -12546,14 +15032,14 @@
           <a:p>
             <a:pPr algn="ctr"/>
             <a:r>
-              <a:rPr lang="de-DE">
+              <a:rPr lang="en-US">
                 <a:solidFill>
                   <a:schemeClr val="accent1">
                     <a:lumMod val="50000"/>
                   </a:schemeClr>
                 </a:solidFill>
               </a:rPr>
-              <a:t>2 Aktivitäten pro Jahr</a:t>
+              <a:t>2 Activities per Year</a:t>
             </a:r>
           </a:p>
         </p:txBody>
@@ -12615,15 +15101,49 @@
               </a:lnSpc>
             </a:pPr>
             <a:r>
-              <a:rPr lang="de-DE" sz="500">
+              <a:rPr sz="500" spc="-5">
                 <a:solidFill>
                   <a:srgbClr val="6C6C6C"/>
                 </a:solidFill>
                 <a:latin typeface="Adobe Clean"/>
                 <a:cs typeface="Adobe Clean"/>
               </a:rPr>
-              <a:t>©2020 Adobe. All Rights Reserved. Adobe Confidential.</a:t>
-            </a:r>
+              <a:t>©2020 Adobe. All Rights Reserved. </a:t>
+            </a:r>
+            <a:r>
+              <a:rPr sz="500">
+                <a:solidFill>
+                  <a:srgbClr val="6C6C6C"/>
+                </a:solidFill>
+                <a:latin typeface="Adobe Clean"/>
+                <a:cs typeface="Adobe Clean"/>
+              </a:rPr>
+              <a:t>Adobe</a:t>
+            </a:r>
+            <a:r>
+              <a:rPr sz="500" spc="5">
+                <a:solidFill>
+                  <a:srgbClr val="6C6C6C"/>
+                </a:solidFill>
+                <a:latin typeface="Adobe Clean"/>
+                <a:cs typeface="Adobe Clean"/>
+              </a:rPr>
+              <a:t> </a:t>
+            </a:r>
+            <a:r>
+              <a:rPr sz="500" spc="-5">
+                <a:solidFill>
+                  <a:srgbClr val="6C6C6C"/>
+                </a:solidFill>
+                <a:latin typeface="Adobe Clean"/>
+                <a:cs typeface="Adobe Clean"/>
+              </a:rPr>
+              <a:t>Confidential.</a:t>
+            </a:r>
+            <a:endParaRPr sz="500">
+              <a:latin typeface="Adobe Clean"/>
+              <a:cs typeface="Adobe Clean"/>
+            </a:endParaRPr>
           </a:p>
           <a:p>
             <a:pPr>
@@ -12649,15 +15169,39 @@
               </a:spcBef>
             </a:pPr>
             <a:r>
-              <a:rPr lang="de-DE" sz="800">
+              <a:rPr sz="800" spc="-5">
                 <a:solidFill>
                   <a:srgbClr val="6D6D6D"/>
                 </a:solidFill>
                 <a:latin typeface="Adobe Clean"/>
                 <a:cs typeface="Adobe Clean"/>
               </a:rPr>
-              <a:t>©2020 Adobe. All Rights Reserved. Adobe Confidential.</a:t>
-            </a:r>
+              <a:t>©2020 Adobe. All Rights Reserved. Adobe</a:t>
+            </a:r>
+            <a:r>
+              <a:rPr sz="800" spc="75">
+                <a:solidFill>
+                  <a:srgbClr val="6D6D6D"/>
+                </a:solidFill>
+                <a:latin typeface="Adobe Clean"/>
+                <a:cs typeface="Adobe Clean"/>
+              </a:rPr>
+              <a:t> </a:t>
+            </a:r>
+            <a:r>
+              <a:rPr sz="800" spc="-5">
+                <a:solidFill>
+                  <a:srgbClr val="6D6D6D"/>
+                </a:solidFill>
+                <a:latin typeface="Adobe Clean"/>
+                <a:cs typeface="Adobe Clean"/>
+              </a:rPr>
+              <a:t>Confidential.</a:t>
+            </a:r>
+            <a:endParaRPr sz="800">
+              <a:latin typeface="Adobe Clean"/>
+              <a:cs typeface="Adobe Clean"/>
+            </a:endParaRPr>
           </a:p>
         </p:txBody>
       </p:sp>
@@ -12741,15 +15285,19 @@
               </a:spcBef>
             </a:pPr>
             <a:r>
-              <a:rPr lang="de-DE" sz="1400" b="1">
-                <a:solidFill>
-                  <a:srgbClr val="020302"/>
-                </a:solidFill>
-                <a:latin typeface="Adobe Clean"/>
-                <a:cs typeface="Adobe Clean"/>
-              </a:rPr>
-              <a:t>Ressourcen</a:t>
-            </a:r>
+              <a:rPr lang="en-US" sz="1400" b="1" spc="-15">
+                <a:solidFill>
+                  <a:srgbClr val="020302"/>
+                </a:solidFill>
+                <a:latin typeface="Adobe Clean"/>
+                <a:cs typeface="Adobe Clean"/>
+              </a:rPr>
+              <a:t>Resources</a:t>
+            </a:r>
+            <a:endParaRPr sz="1400">
+              <a:latin typeface="Adobe Clean"/>
+              <a:cs typeface="Adobe Clean"/>
+            </a:endParaRPr>
           </a:p>
         </p:txBody>
       </p:sp>
@@ -12762,7 +15310,7 @@
         <p:spPr>
           <a:xfrm>
             <a:off x="6754821" y="9283729"/>
-            <a:ext cx="979479" cy="662305"/>
+            <a:ext cx="930275" cy="662305"/>
           </a:xfrm>
           <a:prstGeom prst="rect">
             <a:avLst/>
@@ -12783,7 +15331,7 @@
               </a:spcBef>
             </a:pPr>
             <a:r>
-              <a:rPr lang="de-DE" sz="800" dirty="0">
+              <a:rPr sz="800" spc="-15">
                 <a:solidFill>
                   <a:srgbClr val="777879"/>
                 </a:solidFill>
@@ -12792,6 +15340,10 @@
               </a:rPr>
               <a:t>Adobe</a:t>
             </a:r>
+            <a:endParaRPr sz="800">
+              <a:latin typeface="Adobe Clean"/>
+              <a:cs typeface="Adobe Clean"/>
+            </a:endParaRPr>
           </a:p>
           <a:p>
             <a:pPr marL="12700">
@@ -12800,15 +15352,39 @@
               </a:lnSpc>
             </a:pPr>
             <a:r>
-              <a:rPr lang="de-DE" sz="800" dirty="0">
+              <a:rPr sz="800" spc="-15">
                 <a:solidFill>
                   <a:srgbClr val="777879"/>
                 </a:solidFill>
                 <a:latin typeface="Adobe Clean"/>
                 <a:cs typeface="Adobe Clean"/>
               </a:rPr>
-              <a:t>345 Park Avenue</a:t>
-            </a:r>
+              <a:t>345 Park</a:t>
+            </a:r>
+            <a:r>
+              <a:rPr sz="800" spc="-100">
+                <a:solidFill>
+                  <a:srgbClr val="777879"/>
+                </a:solidFill>
+                <a:latin typeface="Adobe Clean"/>
+                <a:cs typeface="Adobe Clean"/>
+              </a:rPr>
+              <a:t> </a:t>
+            </a:r>
+            <a:r>
+              <a:rPr sz="800" spc="-15">
+                <a:solidFill>
+                  <a:srgbClr val="777879"/>
+                </a:solidFill>
+                <a:latin typeface="Adobe Clean"/>
+                <a:cs typeface="Adobe Clean"/>
+              </a:rPr>
+              <a:t>Avenue</a:t>
+            </a:r>
+            <a:endParaRPr sz="800">
+              <a:latin typeface="Adobe Clean"/>
+              <a:cs typeface="Adobe Clean"/>
+            </a:endParaRPr>
           </a:p>
           <a:p>
             <a:pPr marL="12700">
@@ -12817,15 +15393,49 @@
               </a:lnSpc>
             </a:pPr>
             <a:r>
-              <a:rPr lang="de-DE" sz="800" dirty="0">
+              <a:rPr sz="800" spc="-10">
                 <a:solidFill>
                   <a:srgbClr val="777879"/>
                 </a:solidFill>
                 <a:latin typeface="Adobe Clean"/>
                 <a:cs typeface="Adobe Clean"/>
               </a:rPr>
-              <a:t>San Jose, CA95110-2704</a:t>
-            </a:r>
+              <a:t>San </a:t>
+            </a:r>
+            <a:r>
+              <a:rPr sz="800" spc="-15">
+                <a:solidFill>
+                  <a:srgbClr val="777879"/>
+                </a:solidFill>
+                <a:latin typeface="Adobe Clean"/>
+                <a:cs typeface="Adobe Clean"/>
+              </a:rPr>
+              <a:t>Jose,</a:t>
+            </a:r>
+            <a:r>
+              <a:rPr sz="800" spc="-140">
+                <a:solidFill>
+                  <a:srgbClr val="777879"/>
+                </a:solidFill>
+                <a:latin typeface="Adobe Clean"/>
+                <a:cs typeface="Adobe Clean"/>
+              </a:rPr>
+              <a:t> </a:t>
+            </a:r>
+            <a:r>
+              <a:rPr sz="800" spc="-20">
+                <a:solidFill>
+                  <a:srgbClr val="777879"/>
+                </a:solidFill>
+                <a:latin typeface="Adobe Clean"/>
+                <a:cs typeface="Adobe Clean"/>
+              </a:rPr>
+              <a:t>CA95110-2704</a:t>
+            </a:r>
+            <a:endParaRPr sz="800">
+              <a:latin typeface="Adobe Clean"/>
+              <a:cs typeface="Adobe Clean"/>
+            </a:endParaRPr>
           </a:p>
           <a:p>
             <a:pPr marL="12700">
@@ -12837,7 +15447,7 @@
               </a:spcBef>
             </a:pPr>
             <a:r>
-              <a:rPr lang="de-DE" sz="800" dirty="0">
+              <a:rPr sz="800" spc="-10">
                 <a:solidFill>
                   <a:srgbClr val="777879"/>
                 </a:solidFill>
@@ -12846,6 +15456,10 @@
               </a:rPr>
               <a:t>USA</a:t>
             </a:r>
+            <a:endParaRPr sz="800">
+              <a:latin typeface="Adobe Clean"/>
+              <a:cs typeface="Adobe Clean"/>
+            </a:endParaRPr>
           </a:p>
           <a:p>
             <a:pPr marL="12700">
@@ -12857,7 +15471,7 @@
               </a:spcBef>
             </a:pPr>
             <a:r>
-              <a:rPr lang="de-DE" sz="800" u="sng" dirty="0">
+              <a:rPr sz="800" u="sng" spc="-25">
                 <a:solidFill>
                   <a:srgbClr val="5F5F5F"/>
                 </a:solidFill>
@@ -12872,6 +15486,10 @@
               </a:rPr>
               <a:t>www.adobe.com</a:t>
             </a:r>
+            <a:endParaRPr sz="800">
+              <a:latin typeface="Adobe Clean"/>
+              <a:cs typeface="Adobe Clean"/>
+            </a:endParaRPr>
           </a:p>
         </p:txBody>
       </p:sp>
@@ -13025,7 +15643,7 @@
         <p:spPr>
           <a:xfrm>
             <a:off x="75947" y="9437110"/>
-            <a:ext cx="5943853" cy="570865"/>
+            <a:ext cx="5466715" cy="570865"/>
           </a:xfrm>
           <a:prstGeom prst="rect">
             <a:avLst/>
@@ -13046,35 +15664,449 @@
               </a:spcBef>
             </a:pPr>
             <a:r>
-              <a:rPr lang="de-DE" sz="1100" i="1" dirty="0">
+              <a:rPr sz="1100" i="1" spc="-10" dirty="0">
                 <a:solidFill>
                   <a:srgbClr val="777879"/>
                 </a:solidFill>
                 <a:latin typeface="AdobeClean-LightIt"/>
                 <a:cs typeface="AdobeClean-LightIt"/>
               </a:rPr>
-              <a:t>Weitere Informationen zum Support-Angebot von Adobe sowie zum für Ihre Bedürfnisse geeigneten Support-Level erhalten Sie bei Ihrem spezifischen Account-Manager (NAM) oder Ihrem Customer </a:t>
-            </a:r>
-            <a:r>
-              <a:rPr lang="de-DE" sz="1100" i="1" dirty="0" err="1">
+              <a:t>To</a:t>
+            </a:r>
+            <a:r>
+              <a:rPr sz="1100" i="1" spc="-50" dirty="0">
                 <a:solidFill>
                   <a:srgbClr val="777879"/>
                 </a:solidFill>
                 <a:latin typeface="AdobeClean-LightIt"/>
                 <a:cs typeface="AdobeClean-LightIt"/>
               </a:rPr>
-              <a:t>Success</a:t>
-            </a:r>
-            <a:r>
-              <a:rPr lang="de-DE" sz="1100" i="1" dirty="0">
+              <a:t> </a:t>
+            </a:r>
+            <a:r>
+              <a:rPr sz="1100" i="1" spc="-15" dirty="0">
                 <a:solidFill>
                   <a:srgbClr val="777879"/>
                 </a:solidFill>
                 <a:latin typeface="AdobeClean-LightIt"/>
                 <a:cs typeface="AdobeClean-LightIt"/>
               </a:rPr>
-              <a:t> Manager (CSM).</a:t>
-            </a:r>
+              <a:t>learn</a:t>
+            </a:r>
+            <a:r>
+              <a:rPr sz="1100" i="1" spc="-40" dirty="0">
+                <a:solidFill>
+                  <a:srgbClr val="777879"/>
+                </a:solidFill>
+                <a:latin typeface="AdobeClean-LightIt"/>
+                <a:cs typeface="AdobeClean-LightIt"/>
+              </a:rPr>
+              <a:t> </a:t>
+            </a:r>
+            <a:r>
+              <a:rPr sz="1100" i="1" spc="-15" dirty="0">
+                <a:solidFill>
+                  <a:srgbClr val="777879"/>
+                </a:solidFill>
+                <a:latin typeface="AdobeClean-LightIt"/>
+                <a:cs typeface="AdobeClean-LightIt"/>
+              </a:rPr>
+              <a:t>more</a:t>
+            </a:r>
+            <a:r>
+              <a:rPr sz="1100" i="1" spc="-45" dirty="0">
+                <a:solidFill>
+                  <a:srgbClr val="777879"/>
+                </a:solidFill>
+                <a:latin typeface="AdobeClean-LightIt"/>
+                <a:cs typeface="AdobeClean-LightIt"/>
+              </a:rPr>
+              <a:t> </a:t>
+            </a:r>
+            <a:r>
+              <a:rPr sz="1100" i="1" spc="-15" dirty="0">
+                <a:solidFill>
+                  <a:srgbClr val="777879"/>
+                </a:solidFill>
+                <a:latin typeface="AdobeClean-LightIt"/>
+                <a:cs typeface="AdobeClean-LightIt"/>
+              </a:rPr>
+              <a:t>about</a:t>
+            </a:r>
+            <a:r>
+              <a:rPr sz="1100" i="1" spc="-45" dirty="0">
+                <a:solidFill>
+                  <a:srgbClr val="777879"/>
+                </a:solidFill>
+                <a:latin typeface="AdobeClean-LightIt"/>
+                <a:cs typeface="AdobeClean-LightIt"/>
+              </a:rPr>
+              <a:t> </a:t>
+            </a:r>
+            <a:r>
+              <a:rPr sz="1100" i="1" spc="-15" dirty="0">
+                <a:solidFill>
+                  <a:srgbClr val="777879"/>
+                </a:solidFill>
+                <a:latin typeface="AdobeClean-LightIt"/>
+                <a:cs typeface="AdobeClean-LightIt"/>
+              </a:rPr>
+              <a:t>Adobe</a:t>
+            </a:r>
+            <a:r>
+              <a:rPr sz="1100" i="1" spc="-50" dirty="0">
+                <a:solidFill>
+                  <a:srgbClr val="777879"/>
+                </a:solidFill>
+                <a:latin typeface="AdobeClean-LightIt"/>
+                <a:cs typeface="AdobeClean-LightIt"/>
+              </a:rPr>
+              <a:t> </a:t>
+            </a:r>
+            <a:r>
+              <a:rPr sz="1100" i="1" spc="-15" dirty="0">
+                <a:solidFill>
+                  <a:srgbClr val="777879"/>
+                </a:solidFill>
+                <a:latin typeface="AdobeClean-LightIt"/>
+                <a:cs typeface="AdobeClean-LightIt"/>
+              </a:rPr>
+              <a:t>Support</a:t>
+            </a:r>
+            <a:r>
+              <a:rPr lang="en-US" sz="1100" i="1" spc="-15" dirty="0">
+                <a:solidFill>
+                  <a:srgbClr val="777879"/>
+                </a:solidFill>
+                <a:latin typeface="AdobeClean-LightIt"/>
+                <a:cs typeface="AdobeClean-LightIt"/>
+              </a:rPr>
+              <a:t> Offerings</a:t>
+            </a:r>
+            <a:r>
+              <a:rPr sz="1100" i="1" spc="-75" dirty="0">
+                <a:solidFill>
+                  <a:srgbClr val="777879"/>
+                </a:solidFill>
+                <a:latin typeface="AdobeClean-LightIt"/>
+                <a:cs typeface="AdobeClean-LightIt"/>
+              </a:rPr>
+              <a:t> </a:t>
+            </a:r>
+            <a:r>
+              <a:rPr sz="1100" i="1" spc="-15" dirty="0">
+                <a:solidFill>
+                  <a:srgbClr val="777879"/>
+                </a:solidFill>
+                <a:latin typeface="AdobeClean-LightIt"/>
+                <a:cs typeface="AdobeClean-LightIt"/>
+              </a:rPr>
+              <a:t>and</a:t>
+            </a:r>
+            <a:r>
+              <a:rPr sz="1100" i="1" spc="-50" dirty="0">
+                <a:solidFill>
+                  <a:srgbClr val="777879"/>
+                </a:solidFill>
+                <a:latin typeface="AdobeClean-LightIt"/>
+                <a:cs typeface="AdobeClean-LightIt"/>
+              </a:rPr>
+              <a:t> </a:t>
+            </a:r>
+            <a:r>
+              <a:rPr sz="1100" i="1" spc="-15" dirty="0">
+                <a:solidFill>
+                  <a:srgbClr val="777879"/>
+                </a:solidFill>
+                <a:latin typeface="AdobeClean-LightIt"/>
+                <a:cs typeface="AdobeClean-LightIt"/>
+              </a:rPr>
+              <a:t>the</a:t>
+            </a:r>
+            <a:r>
+              <a:rPr sz="1100" i="1" spc="-55" dirty="0">
+                <a:solidFill>
+                  <a:srgbClr val="777879"/>
+                </a:solidFill>
+                <a:latin typeface="AdobeClean-LightIt"/>
+                <a:cs typeface="AdobeClean-LightIt"/>
+              </a:rPr>
+              <a:t> </a:t>
+            </a:r>
+            <a:r>
+              <a:rPr sz="1100" i="1" spc="-15" dirty="0">
+                <a:solidFill>
+                  <a:srgbClr val="777879"/>
+                </a:solidFill>
+                <a:latin typeface="AdobeClean-LightIt"/>
+                <a:cs typeface="AdobeClean-LightIt"/>
+              </a:rPr>
+              <a:t>right</a:t>
+            </a:r>
+            <a:r>
+              <a:rPr sz="1100" i="1" spc="-95" dirty="0">
+                <a:solidFill>
+                  <a:srgbClr val="777879"/>
+                </a:solidFill>
+                <a:latin typeface="AdobeClean-LightIt"/>
+                <a:cs typeface="AdobeClean-LightIt"/>
+              </a:rPr>
+              <a:t> </a:t>
+            </a:r>
+            <a:r>
+              <a:rPr sz="1100" i="1" spc="-15" dirty="0">
+                <a:solidFill>
+                  <a:srgbClr val="777879"/>
+                </a:solidFill>
+                <a:latin typeface="AdobeClean-LightIt"/>
+                <a:cs typeface="AdobeClean-LightIt"/>
+              </a:rPr>
+              <a:t>level</a:t>
+            </a:r>
+            <a:r>
+              <a:rPr sz="1100" i="1" spc="-55" dirty="0">
+                <a:solidFill>
+                  <a:srgbClr val="777879"/>
+                </a:solidFill>
+                <a:latin typeface="AdobeClean-LightIt"/>
+                <a:cs typeface="AdobeClean-LightIt"/>
+              </a:rPr>
+              <a:t> </a:t>
+            </a:r>
+            <a:r>
+              <a:rPr sz="1100" i="1" spc="-15" dirty="0">
+                <a:solidFill>
+                  <a:srgbClr val="777879"/>
+                </a:solidFill>
+                <a:latin typeface="AdobeClean-LightIt"/>
+                <a:cs typeface="AdobeClean-LightIt"/>
+              </a:rPr>
+              <a:t>for</a:t>
+            </a:r>
+            <a:r>
+              <a:rPr sz="1100" i="1" spc="-85" dirty="0">
+                <a:solidFill>
+                  <a:srgbClr val="777879"/>
+                </a:solidFill>
+                <a:latin typeface="AdobeClean-LightIt"/>
+                <a:cs typeface="AdobeClean-LightIt"/>
+              </a:rPr>
+              <a:t> </a:t>
+            </a:r>
+            <a:r>
+              <a:rPr sz="1100" i="1" spc="-15" dirty="0">
+                <a:solidFill>
+                  <a:srgbClr val="777879"/>
+                </a:solidFill>
+                <a:latin typeface="AdobeClean-LightIt"/>
+                <a:cs typeface="AdobeClean-LightIt"/>
+              </a:rPr>
+              <a:t>you,</a:t>
+            </a:r>
+            <a:r>
+              <a:rPr sz="1100" i="1" spc="-65" dirty="0">
+                <a:solidFill>
+                  <a:srgbClr val="777879"/>
+                </a:solidFill>
+                <a:latin typeface="AdobeClean-LightIt"/>
+                <a:cs typeface="AdobeClean-LightIt"/>
+              </a:rPr>
+              <a:t> </a:t>
+            </a:r>
+            <a:r>
+              <a:rPr sz="1100" i="1" spc="-15" dirty="0">
+                <a:solidFill>
+                  <a:srgbClr val="777879"/>
+                </a:solidFill>
+                <a:latin typeface="AdobeClean-LightIt"/>
+                <a:cs typeface="AdobeClean-LightIt"/>
+              </a:rPr>
+              <a:t>contact</a:t>
+            </a:r>
+            <a:r>
+              <a:rPr sz="1100" i="1" spc="-85" dirty="0">
+                <a:solidFill>
+                  <a:srgbClr val="777879"/>
+                </a:solidFill>
+                <a:latin typeface="AdobeClean-LightIt"/>
+                <a:cs typeface="AdobeClean-LightIt"/>
+              </a:rPr>
+              <a:t> </a:t>
+            </a:r>
+            <a:r>
+              <a:rPr sz="1100" i="1" spc="-15" dirty="0">
+                <a:solidFill>
+                  <a:srgbClr val="777879"/>
+                </a:solidFill>
+                <a:latin typeface="AdobeClean-LightIt"/>
+                <a:cs typeface="AdobeClean-LightIt"/>
+              </a:rPr>
+              <a:t>your</a:t>
+            </a:r>
+            <a:r>
+              <a:rPr sz="1100" i="1" spc="-70" dirty="0">
+                <a:solidFill>
+                  <a:srgbClr val="777879"/>
+                </a:solidFill>
+                <a:latin typeface="AdobeClean-LightIt"/>
+                <a:cs typeface="AdobeClean-LightIt"/>
+              </a:rPr>
+              <a:t> </a:t>
+            </a:r>
+            <a:r>
+              <a:rPr sz="1100" i="1" spc="-15" dirty="0">
+                <a:solidFill>
+                  <a:srgbClr val="777879"/>
+                </a:solidFill>
+                <a:latin typeface="AdobeClean-LightIt"/>
+                <a:cs typeface="AdobeClean-LightIt"/>
+              </a:rPr>
+              <a:t>Named</a:t>
+            </a:r>
+            <a:r>
+              <a:rPr sz="1100" i="1" spc="-55" dirty="0">
+                <a:solidFill>
+                  <a:srgbClr val="777879"/>
+                </a:solidFill>
+                <a:latin typeface="AdobeClean-LightIt"/>
+                <a:cs typeface="AdobeClean-LightIt"/>
+              </a:rPr>
+              <a:t> </a:t>
+            </a:r>
+            <a:r>
+              <a:rPr sz="1100" i="1" spc="-25" dirty="0">
+                <a:solidFill>
+                  <a:srgbClr val="777879"/>
+                </a:solidFill>
+                <a:latin typeface="AdobeClean-LightIt"/>
+                <a:cs typeface="AdobeClean-LightIt"/>
+              </a:rPr>
+              <a:t>Account</a:t>
+            </a:r>
+            <a:r>
+              <a:rPr sz="1100" i="1" spc="-120" dirty="0">
+                <a:solidFill>
+                  <a:srgbClr val="777879"/>
+                </a:solidFill>
+                <a:latin typeface="AdobeClean-LightIt"/>
+                <a:cs typeface="AdobeClean-LightIt"/>
+              </a:rPr>
+              <a:t> </a:t>
+            </a:r>
+            <a:r>
+              <a:rPr sz="1100" i="1" spc="-20" dirty="0">
+                <a:solidFill>
+                  <a:srgbClr val="777879"/>
+                </a:solidFill>
+                <a:latin typeface="AdobeClean-LightIt"/>
+                <a:cs typeface="AdobeClean-LightIt"/>
+              </a:rPr>
+              <a:t>Manager</a:t>
+            </a:r>
+            <a:r>
+              <a:rPr lang="en-US" sz="1100" i="1" spc="-20" dirty="0">
+                <a:solidFill>
+                  <a:srgbClr val="777879"/>
+                </a:solidFill>
+                <a:latin typeface="AdobeClean-LightIt"/>
+                <a:cs typeface="AdobeClean-LightIt"/>
+              </a:rPr>
+              <a:t> </a:t>
+            </a:r>
+            <a:r>
+              <a:rPr sz="1100" i="1" spc="-20" dirty="0">
+                <a:solidFill>
+                  <a:srgbClr val="777879"/>
+                </a:solidFill>
+                <a:latin typeface="AdobeClean-LightIt"/>
+                <a:cs typeface="AdobeClean-LightIt"/>
+              </a:rPr>
+              <a:t> </a:t>
+            </a:r>
+            <a:r>
+              <a:rPr sz="1100" i="1" spc="-15" dirty="0">
+                <a:solidFill>
+                  <a:srgbClr val="777879"/>
+                </a:solidFill>
+                <a:latin typeface="AdobeClean-LightIt"/>
+                <a:cs typeface="AdobeClean-LightIt"/>
+              </a:rPr>
+              <a:t>(NAM) </a:t>
+            </a:r>
+            <a:r>
+              <a:rPr sz="1100" i="1" spc="-10" dirty="0">
+                <a:solidFill>
+                  <a:srgbClr val="777879"/>
+                </a:solidFill>
+                <a:latin typeface="AdobeClean-LightIt"/>
+                <a:cs typeface="AdobeClean-LightIt"/>
+              </a:rPr>
+              <a:t>or </a:t>
+            </a:r>
+            <a:r>
+              <a:rPr sz="1100" i="1" spc="-15" dirty="0">
+                <a:solidFill>
+                  <a:srgbClr val="777879"/>
+                </a:solidFill>
+                <a:latin typeface="AdobeClean-LightIt"/>
+                <a:cs typeface="AdobeClean-LightIt"/>
+              </a:rPr>
+              <a:t>Customer </a:t>
+            </a:r>
+            <a:r>
+              <a:rPr sz="1100" i="1" spc="-20" dirty="0">
+                <a:solidFill>
+                  <a:srgbClr val="777879"/>
+                </a:solidFill>
+                <a:latin typeface="AdobeClean-LightIt"/>
+                <a:cs typeface="AdobeClean-LightIt"/>
+              </a:rPr>
+              <a:t>Success</a:t>
+            </a:r>
+            <a:r>
+              <a:rPr sz="1100" i="1" spc="-180" dirty="0">
+                <a:solidFill>
+                  <a:srgbClr val="777879"/>
+                </a:solidFill>
+                <a:latin typeface="AdobeClean-LightIt"/>
+                <a:cs typeface="AdobeClean-LightIt"/>
+              </a:rPr>
+              <a:t> </a:t>
+            </a:r>
+            <a:r>
+              <a:rPr sz="1100" i="1" spc="-15" dirty="0">
+                <a:solidFill>
+                  <a:srgbClr val="777879"/>
+                </a:solidFill>
+                <a:latin typeface="AdobeClean-LightIt"/>
+                <a:cs typeface="AdobeClean-LightIt"/>
+              </a:rPr>
+              <a:t>Manager</a:t>
+            </a:r>
+            <a:r>
+              <a:rPr lang="en-US" sz="1100" i="1" spc="-15" dirty="0">
+                <a:solidFill>
+                  <a:srgbClr val="777879"/>
+                </a:solidFill>
+                <a:latin typeface="AdobeClean-LightIt"/>
+                <a:cs typeface="AdobeClean-LightIt"/>
+              </a:rPr>
+              <a:t> </a:t>
+            </a:r>
+            <a:r>
+              <a:rPr sz="1100" i="1" spc="-15" dirty="0">
+                <a:solidFill>
+                  <a:srgbClr val="777879"/>
+                </a:solidFill>
+                <a:latin typeface="AdobeClean-LightIt"/>
+                <a:cs typeface="AdobeClean-LightIt"/>
+              </a:rPr>
+              <a:t>(CSM)</a:t>
+            </a:r>
+            <a:endParaRPr sz="1100" dirty="0">
+              <a:latin typeface="AdobeClean-LightIt"/>
+              <a:cs typeface="AdobeClean-LightIt"/>
+            </a:endParaRPr>
           </a:p>
           <a:p>
             <a:pPr marL="34290">
@@ -13086,55 +16118,59 @@
               </a:spcBef>
             </a:pPr>
             <a:r>
-              <a:rPr lang="de-DE" sz="800" dirty="0">
+              <a:rPr sz="800" spc="-5" dirty="0">
                 <a:solidFill>
                   <a:srgbClr val="6D6D6D"/>
                 </a:solidFill>
                 <a:latin typeface="Adobe Clean"/>
                 <a:cs typeface="Adobe Clean"/>
               </a:rPr>
-              <a:t>©2021 Adobe. All Rights </a:t>
-            </a:r>
-            <a:r>
-              <a:rPr lang="de-DE" sz="800" dirty="0" err="1">
+              <a:t>©202</a:t>
+            </a:r>
+            <a:r>
+              <a:rPr lang="en-US" sz="800" spc="-5" dirty="0">
                 <a:solidFill>
                   <a:srgbClr val="6D6D6D"/>
                 </a:solidFill>
                 <a:latin typeface="Adobe Clean"/>
                 <a:cs typeface="Adobe Clean"/>
               </a:rPr>
-              <a:t>Reserved</a:t>
-            </a:r>
-            <a:r>
-              <a:rPr lang="de-DE" sz="800" dirty="0">
+              <a:t>1</a:t>
+            </a:r>
+            <a:r>
+              <a:rPr sz="800" spc="-5" dirty="0">
                 <a:solidFill>
                   <a:srgbClr val="6D6D6D"/>
                 </a:solidFill>
                 <a:latin typeface="Adobe Clean"/>
                 <a:cs typeface="Adobe Clean"/>
               </a:rPr>
-              <a:t>. Adobe </a:t>
-            </a:r>
-            <a:r>
-              <a:rPr lang="de-DE" sz="800" dirty="0" err="1">
+              <a:t> Adobe. All Rights Reserved. Adobe</a:t>
+            </a:r>
+            <a:r>
+              <a:rPr sz="800" spc="75" dirty="0">
                 <a:solidFill>
                   <a:srgbClr val="6D6D6D"/>
                 </a:solidFill>
                 <a:latin typeface="Adobe Clean"/>
                 <a:cs typeface="Adobe Clean"/>
               </a:rPr>
-              <a:t>Confidential</a:t>
-            </a:r>
-            <a:r>
-              <a:rPr lang="de-DE" sz="800" dirty="0">
+              <a:t> </a:t>
+            </a:r>
+            <a:r>
+              <a:rPr sz="800" spc="-5" dirty="0">
                 <a:solidFill>
                   <a:srgbClr val="6D6D6D"/>
                 </a:solidFill>
                 <a:latin typeface="Adobe Clean"/>
                 <a:cs typeface="Adobe Clean"/>
               </a:rPr>
-              <a:t>.</a:t>
-            </a:r>
+              <a:t>Confidential.</a:t>
+            </a:r>
+            <a:endParaRPr sz="800" dirty="0">
+              <a:latin typeface="Adobe Clean"/>
+              <a:cs typeface="Adobe Clean"/>
+            </a:endParaRPr>
           </a:p>
         </p:txBody>
       </p:sp>
@@ -13152,8 +16188,8 @@
         </p:nvSpPr>
         <p:spPr>
           <a:xfrm>
-            <a:off x="190706" y="4913781"/>
-            <a:ext cx="7274987" cy="755976"/>
+            <a:off x="190707" y="4913781"/>
+            <a:ext cx="6476646" cy="755976"/>
           </a:xfrm>
           <a:prstGeom prst="rect">
             <a:avLst/>
@@ -13171,15 +16207,19 @@
               </a:spcBef>
             </a:pPr>
             <a:r>
-              <a:rPr lang="de-DE" sz="1400" b="1" dirty="0">
-                <a:solidFill>
-                  <a:srgbClr val="020302"/>
-                </a:solidFill>
-                <a:latin typeface="Adobe Clean"/>
-                <a:cs typeface="Adobe Clean"/>
-              </a:rPr>
-              <a:t>Regionales Support-Angebot von Adobe, örtliche Geschäftszeiten und unterstützte Sprachen</a:t>
-            </a:r>
+              <a:rPr lang="en-US" sz="1400" b="1" spc="-15">
+                <a:solidFill>
+                  <a:srgbClr val="020302"/>
+                </a:solidFill>
+                <a:latin typeface="Adobe Clean"/>
+                <a:cs typeface="Adobe Clean"/>
+              </a:rPr>
+              <a:t>Regional scope of Adobe Support, Local Hours Of Operation And Language Support</a:t>
+            </a:r>
+            <a:endParaRPr lang="en-US" sz="1400" spc="-15">
+              <a:ea typeface="+mn-lt"/>
+              <a:cs typeface="+mn-lt"/>
+            </a:endParaRPr>
           </a:p>
           <a:p>
             <a:pPr>
@@ -13188,31 +16228,17 @@
               </a:spcBef>
             </a:pPr>
             <a:r>
-              <a:rPr lang="de-DE" sz="1000" dirty="0">
+              <a:rPr lang="en-US" sz="1000" spc="-15">
                 <a:solidFill>
                   <a:srgbClr val="1F1F1F"/>
                 </a:solidFill>
                 <a:latin typeface="AdobeClean-Light"/>
               </a:rPr>
-              <a:t>Das regionale Support-Angebot von Adobe wird durch Abgleich der Rechnungsadresse des Kunden (entsprechend dem Kundenauftrag </a:t>
-            </a:r>
-            <a:br>
-              <a:rPr lang="de-DE" sz="1000" dirty="0">
-                <a:solidFill>
-                  <a:srgbClr val="1F1F1F"/>
-                </a:solidFill>
-                <a:latin typeface="AdobeClean-Light"/>
-              </a:rPr>
-            </a:br>
-            <a:r>
-              <a:rPr lang="de-DE" sz="1000" dirty="0">
-                <a:solidFill>
-                  <a:srgbClr val="1F1F1F"/>
-                </a:solidFill>
-                <a:latin typeface="AdobeClean-Light"/>
-              </a:rPr>
-              <a:t>oder einer anderen Kaufbestätigung für Adobe-Support) mit einer der folgenden Regionen ermittelt:</a:t>
-            </a:r>
+              <a:t>The regional scope of Adobe Support is established by aligning the customer's billing address (via the Sales Order or other Adobe Support purchasing document) to one of the following regions:</a:t>
+            </a:r>
+            <a:endParaRPr lang="en-US" sz="1000">
+              <a:latin typeface="AdobeClean-Light"/>
+            </a:endParaRPr>
           </a:p>
         </p:txBody>
       </p:sp>
@@ -13231,7 +16257,7 @@
           <p:nvPr>
             <p:extLst>
               <p:ext uri="{D42A27DB-BD31-4B8C-83A1-F6EECF244321}">
-                <p14:modId xmlns:p14="http://schemas.microsoft.com/office/powerpoint/2010/main" val="774968486"/>
+                <p14:modId xmlns:p14="http://schemas.microsoft.com/office/powerpoint/2010/main" val="1291534283"/>
               </p:ext>
             </p:extLst>
           </p:nvPr>
@@ -13284,13 +16310,13 @@
                     <a:p>
                       <a:pPr algn="ctr"/>
                       <a:r>
-                        <a:rPr lang="de-DE" sz="1100">
+                        <a:rPr lang="en-US" sz="1100">
                           <a:solidFill>
                             <a:schemeClr val="tx1"/>
                           </a:solidFill>
                           <a:latin typeface="Adobe Clean"/>
                         </a:rPr>
-                        <a:t>Nord- und Südamerika</a:t>
+                        <a:t>Americas</a:t>
                       </a:r>
                     </a:p>
                   </a:txBody>
@@ -13349,30 +16375,13 @@
                     <a:p>
                       <a:pPr algn="ctr"/>
                       <a:r>
-                        <a:rPr lang="de-DE" sz="1100" dirty="0">
+                        <a:rPr lang="en-US" sz="1100">
                           <a:solidFill>
                             <a:schemeClr val="tx1"/>
                           </a:solidFill>
                           <a:latin typeface="Adobe Clean"/>
                         </a:rPr>
-                        <a:t>Europa, Naher Osten </a:t>
-                      </a:r>
-                      <a:br>
-                        <a:rPr lang="de-DE" sz="1100" dirty="0">
-                          <a:solidFill>
-                            <a:schemeClr val="tx1"/>
-                          </a:solidFill>
-                          <a:latin typeface="Adobe Clean"/>
-                        </a:rPr>
-                      </a:br>
-                      <a:r>
-                        <a:rPr lang="de-DE" sz="1100" dirty="0">
-                          <a:solidFill>
-                            <a:schemeClr val="tx1"/>
-                          </a:solidFill>
-                          <a:latin typeface="Adobe Clean"/>
-                        </a:rPr>
-                        <a:t>und Afrika</a:t>
+                        <a:t>Europe, Middle East &amp; Africa</a:t>
                       </a:r>
                     </a:p>
                   </a:txBody>
@@ -13431,13 +16440,13 @@
                     <a:p>
                       <a:pPr algn="ctr"/>
                       <a:r>
-                        <a:rPr lang="de-DE" sz="1100">
+                        <a:rPr lang="en-US" sz="1100">
                           <a:solidFill>
                             <a:schemeClr val="tx1"/>
                           </a:solidFill>
                           <a:latin typeface="Adobe Clean"/>
                         </a:rPr>
-                        <a:t>Asien-Pazifik</a:t>
+                        <a:t>Asia Pacific</a:t>
                       </a:r>
                     </a:p>
                   </a:txBody>
@@ -13496,7 +16505,7 @@
                     <a:p>
                       <a:pPr algn="ctr"/>
                       <a:r>
-                        <a:rPr lang="de-DE" sz="1100">
+                        <a:rPr lang="en-US" sz="1100">
                           <a:solidFill>
                             <a:schemeClr val="tx1"/>
                           </a:solidFill>
@@ -13505,7 +16514,7 @@
                         <a:t>Japan </a:t>
                       </a:r>
                       <a:r>
-                        <a:rPr lang="de-DE" sz="1100" baseline="30000">
+                        <a:rPr lang="en-US" sz="1100" baseline="30000">
                           <a:solidFill>
                             <a:schemeClr val="tx1"/>
                           </a:solidFill>
@@ -13513,6 +16522,12 @@
                         </a:rPr>
                         <a:t>1 </a:t>
                       </a:r>
+                      <a:endParaRPr lang="en-US" sz="1100">
+                        <a:solidFill>
+                          <a:schemeClr val="tx1"/>
+                        </a:solidFill>
+                        <a:latin typeface="Adobe Clean" panose="020B0503020404020204" pitchFamily="34" charset="0"/>
+                      </a:endParaRPr>
                     </a:p>
                   </a:txBody>
                   <a:tcPr anchor="ctr">
@@ -13577,13 +16592,13 @@
                     <a:p>
                       <a:pPr algn="ctr"/>
                       <a:r>
-                        <a:rPr lang="de-DE" sz="1100">
+                        <a:rPr lang="en-US" sz="1100">
                           <a:solidFill>
                             <a:schemeClr val="tx1"/>
                           </a:solidFill>
                           <a:latin typeface="Adobe Clean"/>
                         </a:rPr>
-                        <a:t>6:00–17:30 Uhr</a:t>
+                        <a:t>6 am – 5:30 pm</a:t>
                       </a:r>
                     </a:p>
                   </a:txBody>
@@ -13642,13 +16657,13 @@
                     <a:p>
                       <a:pPr algn="ctr"/>
                       <a:r>
-                        <a:rPr lang="de-DE" sz="1100">
+                        <a:rPr lang="en-US" sz="1100">
                           <a:solidFill>
                             <a:schemeClr val="tx1"/>
                           </a:solidFill>
                           <a:latin typeface="Adobe Clean"/>
                         </a:rPr>
-                        <a:t>9:00–17:00 Uhr</a:t>
+                        <a:t>9 am – 5 pm</a:t>
                       </a:r>
                     </a:p>
                   </a:txBody>
@@ -13707,13 +16722,13 @@
                     <a:p>
                       <a:pPr algn="ctr"/>
                       <a:r>
-                        <a:rPr lang="de-DE" sz="1100">
+                        <a:rPr lang="en-US" sz="1100">
                           <a:solidFill>
                             <a:schemeClr val="tx1"/>
                           </a:solidFill>
                           <a:latin typeface="Adobe Clean"/>
                         </a:rPr>
-                        <a:t>9:00–17:00 Uhr</a:t>
+                        <a:t>9 am – 5 pm</a:t>
                       </a:r>
                     </a:p>
                   </a:txBody>
@@ -13772,13 +16787,13 @@
                     <a:p>
                       <a:pPr algn="ctr"/>
                       <a:r>
-                        <a:rPr lang="de-DE" sz="1100">
+                        <a:rPr lang="en-US" sz="1100">
                           <a:solidFill>
                             <a:schemeClr val="tx1"/>
                           </a:solidFill>
                           <a:latin typeface="Adobe Clean"/>
                         </a:rPr>
-                        <a:t>9:00–17:30 Uhr</a:t>
+                        <a:t>9 am – 5:30 pm</a:t>
                       </a:r>
                     </a:p>
                   </a:txBody>
@@ -13855,12 +16870,12 @@
                         <a:buNone/>
                       </a:pPr>
                       <a:r>
-                        <a:rPr lang="de-DE" sz="1100" b="0" i="0" u="none" strike="noStrike" noProof="0" dirty="0"/>
-                        <a:t>Sprachunterstützung ist nur auf Englisch und Japanisch verfügbar.</a:t>
+                        <a:rPr lang="en-US" sz="1100" b="0" i="0" u="none" strike="noStrike" noProof="0"/>
+                        <a:t>Language support is only available in English and Japanese.</a:t>
                       </a:r>
                     </a:p>
                     <a:p>
-                      <a:pPr lvl="0" algn="l" rtl="0">
+                      <a:pPr lvl="0" algn="ctr">
                         <a:lnSpc>
                           <a:spcPct val="100000"/>
                         </a:lnSpc>
@@ -13872,7 +16887,7 @@
                         </a:spcAft>
                         <a:buNone/>
                       </a:pPr>
-                      <a:endParaRPr lang="en-US" sz="1100" b="0" i="0" u="none" strike="noStrike" noProof="0" dirty="0"/>
+                      <a:endParaRPr lang="en-US" sz="1100" b="0" i="0" u="none" strike="noStrike" noProof="0"/>
                     </a:p>
                     <a:p>
                       <a:pPr lvl="0" algn="ctr">
@@ -13888,17 +16903,18 @@
                         <a:buNone/>
                       </a:pPr>
                       <a:r>
-                        <a:rPr lang="de-DE" sz="1100" b="0" i="0" u="none" strike="noStrike" noProof="0" dirty="0"/>
+                        <a:rPr lang="en-US" sz="1100" b="0" i="0" u="none" strike="noStrike" noProof="0"/>
                         <a:t> </a:t>
                       </a:r>
                       <a:r>
-                        <a:rPr lang="de-DE" sz="1100" b="0" i="0" u="none" strike="noStrike" baseline="30000" noProof="0" dirty="0"/>
-                        <a:t>1</a:t>
+                        <a:rPr lang="en-US" sz="1100" b="0" i="0" u="none" strike="noStrike" baseline="30000" noProof="0"/>
+                        <a:t>1 </a:t>
                       </a:r>
                       <a:r>
-                        <a:rPr lang="de-DE" sz="1100" b="0" i="0" u="none" strike="noStrike" noProof="0" dirty="0"/>
-                        <a:t>Fälle der Kategorien P2, P3 und P4 sind in Japan auf Geschäftszeiten beschränkt.</a:t>
+                        <a:rPr lang="en-US" sz="1100" b="0" i="0" u="none" strike="noStrike" noProof="0"/>
+                        <a:t>P2, P3, P4 cases are limited to business hours only in Japan.</a:t>
                       </a:r>
+                      <a:endParaRPr lang="en-US" sz="1100" b="1" i="0" u="none" strike="noStrike" noProof="0"/>
                     </a:p>
                   </a:txBody>
                   <a:tcPr anchor="ctr">
@@ -14240,8 +17256,8 @@
         </p:nvSpPr>
         <p:spPr>
           <a:xfrm>
-            <a:off x="2635012" y="8528519"/>
-            <a:ext cx="1222614" cy="382797"/>
+            <a:off x="2840871" y="8528519"/>
+            <a:ext cx="810895" cy="385445"/>
           </a:xfrm>
           <a:prstGeom prst="rect">
             <a:avLst/>
@@ -14253,7 +17269,7 @@
           </a:bodyPr>
           <a:lstStyle/>
           <a:p>
-            <a:pPr marR="5080" algn="ctr">
+            <a:pPr marL="139065" marR="5080" indent="-139065">
               <a:lnSpc>
                 <a:spcPts val="1390"/>
               </a:lnSpc>
@@ -14262,15 +17278,129 @@
               </a:spcBef>
             </a:pPr>
             <a:r>
-              <a:rPr lang="de-DE" sz="1200" b="1" dirty="0">
+              <a:rPr sz="1200" b="1" spc="-15">
                 <a:solidFill>
                   <a:srgbClr val="FFFFFF"/>
                 </a:solidFill>
                 <a:latin typeface="Adobe Clean"/>
                 <a:cs typeface="Adobe Clean"/>
               </a:rPr>
-              <a:t>Unübertroffenes Know-how</a:t>
-            </a:r>
+              <a:t>U</a:t>
+            </a:r>
+            <a:r>
+              <a:rPr sz="1200" b="1" spc="-20">
+                <a:solidFill>
+                  <a:srgbClr val="FFFFFF"/>
+                </a:solidFill>
+                <a:latin typeface="Adobe Clean"/>
+                <a:cs typeface="Adobe Clean"/>
+              </a:rPr>
+              <a:t>n</a:t>
+            </a:r>
+            <a:r>
+              <a:rPr sz="1200" b="1" spc="-25">
+                <a:solidFill>
+                  <a:srgbClr val="FFFFFF"/>
+                </a:solidFill>
+                <a:latin typeface="Adobe Clean"/>
+                <a:cs typeface="Adobe Clean"/>
+              </a:rPr>
+              <a:t>p</a:t>
+            </a:r>
+            <a:r>
+              <a:rPr sz="1200" b="1" spc="-15">
+                <a:solidFill>
+                  <a:srgbClr val="FFFFFF"/>
+                </a:solidFill>
+                <a:latin typeface="Adobe Clean"/>
+                <a:cs typeface="Adobe Clean"/>
+              </a:rPr>
+              <a:t>a</a:t>
+            </a:r>
+            <a:r>
+              <a:rPr sz="1200" b="1" spc="-25">
+                <a:solidFill>
+                  <a:srgbClr val="FFFFFF"/>
+                </a:solidFill>
+                <a:latin typeface="Adobe Clean"/>
+                <a:cs typeface="Adobe Clean"/>
+              </a:rPr>
+              <a:t>r</a:t>
+            </a:r>
+            <a:r>
+              <a:rPr sz="1200" b="1" spc="-15">
+                <a:solidFill>
+                  <a:srgbClr val="FFFFFF"/>
+                </a:solidFill>
+                <a:latin typeface="Adobe Clean"/>
+                <a:cs typeface="Adobe Clean"/>
+              </a:rPr>
+              <a:t>a</a:t>
+            </a:r>
+            <a:r>
+              <a:rPr sz="1200" b="1" spc="-30">
+                <a:solidFill>
+                  <a:srgbClr val="FFFFFF"/>
+                </a:solidFill>
+                <a:latin typeface="Adobe Clean"/>
+                <a:cs typeface="Adobe Clean"/>
+              </a:rPr>
+              <a:t>ll</a:t>
+            </a:r>
+            <a:r>
+              <a:rPr sz="1200" b="1" spc="-25">
+                <a:solidFill>
+                  <a:srgbClr val="FFFFFF"/>
+                </a:solidFill>
+                <a:latin typeface="Adobe Clean"/>
+                <a:cs typeface="Adobe Clean"/>
+              </a:rPr>
+              <a:t>e</a:t>
+            </a:r>
+            <a:r>
+              <a:rPr sz="1200" b="1" spc="-30">
+                <a:solidFill>
+                  <a:srgbClr val="FFFFFF"/>
+                </a:solidFill>
+                <a:latin typeface="Adobe Clean"/>
+                <a:cs typeface="Adobe Clean"/>
+              </a:rPr>
+              <a:t>l</a:t>
+            </a:r>
+            <a:r>
+              <a:rPr sz="1200" b="1" spc="-25">
+                <a:solidFill>
+                  <a:srgbClr val="FFFFFF"/>
+                </a:solidFill>
+                <a:latin typeface="Adobe Clean"/>
+                <a:cs typeface="Adobe Clean"/>
+              </a:rPr>
+              <a:t>e</a:t>
+            </a:r>
+            <a:r>
+              <a:rPr sz="1200" b="1">
+                <a:solidFill>
+                  <a:srgbClr val="FFFFFF"/>
+                </a:solidFill>
+                <a:latin typeface="Adobe Clean"/>
+                <a:cs typeface="Adobe Clean"/>
+              </a:rPr>
+              <a:t>d  </a:t>
+            </a:r>
+            <a:r>
+              <a:rPr sz="1200" b="1" spc="-25">
+                <a:solidFill>
+                  <a:srgbClr val="FFFFFF"/>
+                </a:solidFill>
+                <a:latin typeface="Adobe Clean"/>
+                <a:cs typeface="Adobe Clean"/>
+              </a:rPr>
+              <a:t>Expertise</a:t>
+            </a:r>
+            <a:endParaRPr sz="1200">
+              <a:latin typeface="Adobe Clean"/>
+              <a:cs typeface="Adobe Clean"/>
+            </a:endParaRPr>
           </a:p>
         </p:txBody>
       </p:sp>
@@ -14301,7 +17431,7 @@
           </a:bodyPr>
           <a:lstStyle/>
           <a:p>
-            <a:pPr marR="5080" algn="ctr">
+            <a:pPr marL="139065" marR="5080" indent="-139065">
               <a:lnSpc>
                 <a:spcPts val="1390"/>
               </a:lnSpc>
@@ -14310,15 +17440,19 @@
               </a:spcBef>
             </a:pPr>
             <a:r>
-              <a:rPr lang="de-DE" sz="1200" b="1" dirty="0">
+              <a:rPr lang="en-US" sz="1200" b="1" spc="-15">
                 <a:solidFill>
                   <a:srgbClr val="FFFFFF"/>
                 </a:solidFill>
                 <a:latin typeface="Adobe Clean"/>
                 <a:cs typeface="Adobe Clean"/>
               </a:rPr>
-              <a:t>Schneller Support</a:t>
-            </a:r>
+              <a:t>Accelerated Support</a:t>
+            </a:r>
+            <a:endParaRPr sz="1200">
+              <a:latin typeface="Adobe Clean"/>
+              <a:cs typeface="Adobe Clean"/>
+            </a:endParaRPr>
           </a:p>
         </p:txBody>
       </p:sp>
@@ -14336,8 +17470,8 @@
         </p:nvSpPr>
         <p:spPr>
           <a:xfrm>
-            <a:off x="6200946" y="8543943"/>
-            <a:ext cx="1356886" cy="385445"/>
+            <a:off x="6624119" y="8543943"/>
+            <a:ext cx="510540" cy="385445"/>
           </a:xfrm>
           <a:prstGeom prst="rect">
             <a:avLst/>
@@ -14349,7 +17483,7 @@
           </a:bodyPr>
           <a:lstStyle/>
           <a:p>
-            <a:pPr marR="5080" algn="ctr">
+            <a:pPr marL="50800" marR="5080" indent="-51435">
               <a:lnSpc>
                 <a:spcPts val="1390"/>
               </a:lnSpc>
@@ -14358,15 +17492,109 @@
               </a:spcBef>
             </a:pPr>
             <a:r>
-              <a:rPr lang="de-DE" sz="1200" b="1" dirty="0">
+              <a:rPr sz="1200" b="1" spc="-50">
                 <a:solidFill>
                   <a:srgbClr val="FFFFFF"/>
                 </a:solidFill>
                 <a:latin typeface="Adobe Clean"/>
                 <a:cs typeface="Adobe Clean"/>
               </a:rPr>
-              <a:t>Strategische Beratung</a:t>
-            </a:r>
+              <a:t>S</a:t>
+            </a:r>
+            <a:r>
+              <a:rPr sz="1200" b="1" spc="-20">
+                <a:solidFill>
+                  <a:srgbClr val="FFFFFF"/>
+                </a:solidFill>
+                <a:latin typeface="Adobe Clean"/>
+                <a:cs typeface="Adobe Clean"/>
+              </a:rPr>
+              <a:t>t</a:t>
+            </a:r>
+            <a:r>
+              <a:rPr sz="1200" b="1" spc="-75">
+                <a:solidFill>
+                  <a:srgbClr val="FFFFFF"/>
+                </a:solidFill>
+                <a:latin typeface="Adobe Clean"/>
+                <a:cs typeface="Adobe Clean"/>
+              </a:rPr>
+              <a:t>r</a:t>
+            </a:r>
+            <a:r>
+              <a:rPr sz="1200" b="1" spc="-90">
+                <a:solidFill>
+                  <a:srgbClr val="FFFFFF"/>
+                </a:solidFill>
+                <a:latin typeface="Adobe Clean"/>
+                <a:cs typeface="Adobe Clean"/>
+              </a:rPr>
+              <a:t>a</a:t>
+            </a:r>
+            <a:r>
+              <a:rPr sz="1200" b="1" spc="-55">
+                <a:solidFill>
+                  <a:srgbClr val="FFFFFF"/>
+                </a:solidFill>
+                <a:latin typeface="Adobe Clean"/>
+                <a:cs typeface="Adobe Clean"/>
+              </a:rPr>
+              <a:t>t</a:t>
+            </a:r>
+            <a:r>
+              <a:rPr sz="1200" b="1" spc="-100">
+                <a:solidFill>
+                  <a:srgbClr val="FFFFFF"/>
+                </a:solidFill>
+                <a:latin typeface="Adobe Clean"/>
+                <a:cs typeface="Adobe Clean"/>
+              </a:rPr>
+              <a:t>e</a:t>
+            </a:r>
+            <a:r>
+              <a:rPr sz="1200" b="1" spc="-80">
+                <a:solidFill>
+                  <a:srgbClr val="FFFFFF"/>
+                </a:solidFill>
+                <a:latin typeface="Adobe Clean"/>
+                <a:cs typeface="Adobe Clean"/>
+              </a:rPr>
+              <a:t>g</a:t>
+            </a:r>
+            <a:r>
+              <a:rPr sz="1200" b="1" spc="-35">
+                <a:solidFill>
+                  <a:srgbClr val="FFFFFF"/>
+                </a:solidFill>
+                <a:latin typeface="Adobe Clean"/>
+                <a:cs typeface="Adobe Clean"/>
+              </a:rPr>
+              <a:t>i</a:t>
+            </a:r>
+            <a:r>
+              <a:rPr sz="1200" b="1">
+                <a:solidFill>
+                  <a:srgbClr val="FFFFFF"/>
+                </a:solidFill>
+                <a:latin typeface="Adobe Clean"/>
+                <a:cs typeface="Adobe Clean"/>
+              </a:rPr>
+              <a:t>c  </a:t>
+            </a:r>
+            <a:r>
+              <a:rPr sz="1200" b="1" spc="-45">
+                <a:solidFill>
+                  <a:srgbClr val="FFFFFF"/>
+                </a:solidFill>
+                <a:latin typeface="Adobe Clean"/>
+                <a:cs typeface="Adobe Clean"/>
+              </a:rPr>
+              <a:t>Advice</a:t>
+            </a:r>
+            <a:endParaRPr sz="1200">
+              <a:latin typeface="Adobe Clean"/>
+              <a:cs typeface="Adobe Clean"/>
+            </a:endParaRPr>
           </a:p>
         </p:txBody>
       </p:sp>
@@ -14385,14 +17613,14 @@
           <p:nvPr>
             <p:extLst>
               <p:ext uri="{D42A27DB-BD31-4B8C-83A1-F6EECF244321}">
-                <p14:modId xmlns:p14="http://schemas.microsoft.com/office/powerpoint/2010/main" val="1530682147"/>
+                <p14:modId xmlns:p14="http://schemas.microsoft.com/office/powerpoint/2010/main" val="4232335107"/>
               </p:ext>
             </p:extLst>
           </p:nvPr>
         </p:nvGraphicFramePr>
         <p:xfrm>
           <a:off x="194237" y="1272353"/>
-          <a:ext cx="7368291" cy="3413760"/>
+          <a:ext cx="7368291" cy="2931160"/>
         </p:xfrm>
         <a:graphic>
           <a:graphicData uri="http://schemas.openxmlformats.org/drawingml/2006/table">
@@ -14401,14 +17629,14 @@
                 <a:tableStyleId>{5C22544A-7EE6-4342-B048-85BDC9FD1C3A}</a:tableStyleId>
               </a:tblPr>
               <a:tblGrid>
-                <a:gridCol w="3533213">
+                <a:gridCol w="3691964">
                   <a:extLst>
                     <a:ext uri="{9D8B030D-6E8A-4147-A177-3AD203B41FA5}">
                       <a16:colId xmlns:a16="http://schemas.microsoft.com/office/drawing/2014/main" val="2364693614"/>
                     </a:ext>
                   </a:extLst>
                 </a:gridCol>
-                <a:gridCol w="3835078">
+                <a:gridCol w="3676327">
                   <a:extLst>
                     <a:ext uri="{9D8B030D-6E8A-4147-A177-3AD203B41FA5}">
                       <a16:colId xmlns:a16="http://schemas.microsoft.com/office/drawing/2014/main" val="1545335406"/>
@@ -14423,7 +17651,7 @@
                     <a:lstStyle/>
                     <a:p>
                       <a:r>
-                        <a:rPr lang="de-DE" sz="1100" b="0">
+                        <a:rPr lang="en-US" sz="1100" b="0" dirty="0">
                           <a:solidFill>
                             <a:schemeClr val="tx1"/>
                           </a:solidFill>
@@ -14434,6 +17662,14 @@
                         </a:rPr>
                         <a:t>Experience League</a:t>
                       </a:r>
+                      <a:endParaRPr lang="en-US" sz="1100" b="0" dirty="0">
+                        <a:solidFill>
+                          <a:schemeClr val="tx1"/>
+                        </a:solidFill>
+                        <a:latin typeface="Adobe Clean"/>
+                        <a:ea typeface="+mn-ea"/>
+                        <a:cs typeface="+mn-cs"/>
+                      </a:endParaRPr>
                     </a:p>
                   </a:txBody>
                   <a:tcPr marL="47625" marR="47625" marT="0" marB="0" anchor="ctr">
@@ -14505,7 +17741,7 @@
                         <a:buNone/>
                       </a:pPr>
                       <a:r>
-                        <a:rPr lang="de-DE" sz="1000" b="0" dirty="0">
+                        <a:rPr lang="en-US" sz="1000" b="0" kern="1200" dirty="0">
                           <a:solidFill>
                             <a:srgbClr val="000000"/>
                           </a:solidFill>
@@ -14513,8 +17749,16 @@
                           <a:ea typeface="+mn-ea"/>
                           <a:cs typeface="+mn-cs"/>
                         </a:rPr>
-                        <a:t>Mit der Experience League unterstützt Adobe Unternehmen dabei, mit ihren Investitionen in Adobe optimale Ergebnisse zu erzielen. An diesem zentralen Ort können Kunden auf einem personalisierten Weg zum Erfolg lernen, Kontakte knüpfen und sich weiterentwickeln. Dafür nutzen sie Selbsthilfe-Tutorials, Produktdokumentation, von Kursleitern geführte Schulungen, Community und technischen Support. </a:t>
+                        <a:t>Experience League is how Adobe helps businesses achieve the value they expect from their Adobe investment. It’s the unified place where customers can learn, connect, and grow along a personalized path to success that includes self-help tutorials, product documentation, instructor-led training, community and technical support. </a:t>
                       </a:r>
+                      <a:endParaRPr lang="en-US" sz="1000" b="0" kern="1200">
+                        <a:solidFill>
+                          <a:srgbClr val="000000"/>
+                        </a:solidFill>
+                        <a:latin typeface="Adobe Clean Light" panose="020B0303020404020204" pitchFamily="34" charset="0"/>
+                        <a:ea typeface="+mn-ea"/>
+                        <a:cs typeface="+mn-cs"/>
+                      </a:endParaRPr>
                     </a:p>
                   </a:txBody>
                   <a:tcPr anchor="ctr">
@@ -14595,10 +17839,11 @@
                         <a:defRPr/>
                       </a:pPr>
                       <a:r>
-                        <a:rPr lang="de-DE" sz="1100">
+                        <a:rPr lang="en-US" sz="1100" dirty="0">
                           <a:solidFill>
                             <a:schemeClr val="dk1"/>
                           </a:solidFill>
+                          <a:effectLst/>
                           <a:latin typeface="Adobe Clean"/>
                           <a:ea typeface="+mn-ea"/>
                           <a:cs typeface="+mn-cs"/>
@@ -14607,16 +17852,26 @@
                         <a:t>Training</a:t>
                       </a:r>
                       <a:r>
-                        <a:rPr lang="de-DE" sz="1100">
+                        <a:rPr lang="en-US" sz="1100" dirty="0">
                           <a:solidFill>
                             <a:schemeClr val="dk1"/>
                           </a:solidFill>
+                          <a:effectLst/>
                           <a:latin typeface="Adobe Clean"/>
                           <a:ea typeface="+mn-ea"/>
                           <a:cs typeface="+mn-cs"/>
                         </a:rPr>
                         <a:t> </a:t>
                       </a:r>
+                      <a:endParaRPr lang="en-US" sz="1100" dirty="0">
+                        <a:solidFill>
+                          <a:schemeClr val="tx1"/>
+                        </a:solidFill>
+                        <a:effectLst/>
+                        <a:latin typeface="Adobe Clean"/>
+                        <a:ea typeface="+mn-ea"/>
+                        <a:cs typeface="+mn-cs"/>
+                      </a:endParaRPr>
                     </a:p>
                   </a:txBody>
                   <a:tcPr anchor="ctr">
@@ -14690,7 +17945,7 @@
                         <a:defRPr/>
                       </a:pPr>
                       <a:r>
-                        <a:rPr lang="de-DE" sz="1000">
+                        <a:rPr lang="en-US" sz="1000" kern="1200" dirty="0">
                           <a:solidFill>
                             <a:srgbClr val="000000"/>
                           </a:solidFill>
@@ -14698,7 +17953,7 @@
                           <a:ea typeface="+mn-ea"/>
                           <a:cs typeface="+mn-cs"/>
                         </a:rPr>
-                        <a:t>Adobe Digital Learning Services-Kurse sind über die Experience League verfügbar. Das Angebot umfasst sowohl On-Demand- als auch von Kursleiter geführte Schulungen.  Hier können Sie Kompetenzen erwerben, die auf dem Markt anerkannt sind und den Erfolg im Unternehmen vorantreiben.</a:t>
+                        <a:t>Adobe Digital Learning Services courses are accessible from Experience League. Learning courses integrate both on-demand and instructor-led lessons.  Here you can accrue skills that have recognized market value and position them to drive success in your organizations.</a:t>
                       </a:r>
                     </a:p>
                   </a:txBody>
@@ -14780,17 +18035,27 @@
                         <a:defRPr/>
                       </a:pPr>
                       <a:r>
-                        <a:rPr lang="de-DE" sz="1100">
+                        <a:rPr lang="en-US" sz="1100" dirty="0">
                           <a:solidFill>
                             <a:schemeClr val="tx1"/>
                           </a:solidFill>
+                          <a:effectLst/>
                           <a:latin typeface="Adobe Clean"/>
                           <a:ea typeface="+mn-ea"/>
                           <a:cs typeface="+mn-cs"/>
                           <a:hlinkClick r:id="rId9"/>
                         </a:rPr>
-                        <a:t>Produktionsprobleme und Systemausfälle</a:t>
+                        <a:t>Production Issues &amp; System Outages</a:t>
                       </a:r>
+                      <a:endParaRPr lang="en-US" sz="1100" dirty="0">
+                        <a:solidFill>
+                          <a:schemeClr val="tx1"/>
+                        </a:solidFill>
+                        <a:effectLst/>
+                        <a:latin typeface="Adobe Clean"/>
+                        <a:ea typeface="+mn-ea"/>
+                        <a:cs typeface="+mn-cs"/>
+                      </a:endParaRPr>
                     </a:p>
                   </a:txBody>
                   <a:tcPr anchor="ctr">
@@ -14862,7 +18127,7 @@
                         <a:buNone/>
                       </a:pPr>
                       <a:r>
-                        <a:rPr lang="de-DE" sz="1000" dirty="0">
+                        <a:rPr lang="en-US" sz="1000" kern="1200" dirty="0">
                           <a:solidFill>
                             <a:srgbClr val="000000"/>
                           </a:solidFill>
@@ -14870,71 +18135,16 @@
                           <a:ea typeface="+mn-ea"/>
                           <a:cs typeface="+mn-cs"/>
                         </a:rPr>
-                        <a:t>Status.adobe.com übermittelt die Statusinformationen sämtlicher </a:t>
+                        <a:t>Status.adobe.com conveys the health information of all Adobe products and services that are deployed in multi-tenant environments. Customers can choose their subscription preferences to get email notifications whenever Adobe creates, updates or resolves a product event. This can include scheduled maintenance or service issues of varying levels of severity. </a:t>
                       </a:r>
-                      <a:br>
-                        <a:rPr lang="de-DE" sz="1000" dirty="0">
-                          <a:solidFill>
-                            <a:srgbClr val="000000"/>
-                          </a:solidFill>
-                          <a:latin typeface="Adobe Clean Light"/>
-                          <a:ea typeface="+mn-ea"/>
-                          <a:cs typeface="+mn-cs"/>
-                        </a:rPr>
-                      </a:br>
-                      <a:r>
-                        <a:rPr lang="de-DE" sz="1000" dirty="0">
-                          <a:solidFill>
-                            <a:srgbClr val="000000"/>
-                          </a:solidFill>
-                          <a:latin typeface="Adobe Clean Light"/>
-                          <a:ea typeface="+mn-ea"/>
-                          <a:cs typeface="+mn-cs"/>
-                        </a:rPr>
-                        <a:t>Adobe-Produkte und -Services, die in Umgebungen mit mehreren Mandanten implementiert sind. Kunden können Voreinstellungen </a:t>
-                      </a:r>
-                      <a:br>
-                        <a:rPr lang="de-DE" sz="1000" dirty="0">
-                          <a:solidFill>
-                            <a:srgbClr val="000000"/>
-                          </a:solidFill>
-                          <a:latin typeface="Adobe Clean Light"/>
-                          <a:ea typeface="+mn-ea"/>
-                          <a:cs typeface="+mn-cs"/>
-                        </a:rPr>
-                      </a:br>
-                      <a:r>
-                        <a:rPr lang="de-DE" sz="1000" dirty="0">
-                          <a:solidFill>
-                            <a:srgbClr val="000000"/>
-                          </a:solidFill>
-                          <a:latin typeface="Adobe Clean Light"/>
-                          <a:ea typeface="+mn-ea"/>
-                          <a:cs typeface="+mn-cs"/>
-                        </a:rPr>
-                        <a:t>für ihr Abonnement auswählen und E-Mail-Benachrichtigungen erhalten, wenn Adobe ein Produktereignis erstellt, aktualisiert oder löst. </a:t>
-                      </a:r>
-                      <a:br>
-                        <a:rPr lang="de-DE" sz="1000" dirty="0">
-                          <a:solidFill>
-                            <a:srgbClr val="000000"/>
-                          </a:solidFill>
-                          <a:latin typeface="Adobe Clean Light"/>
-                          <a:ea typeface="+mn-ea"/>
-                          <a:cs typeface="+mn-cs"/>
-                        </a:rPr>
-                      </a:br>
-                      <a:r>
-                        <a:rPr lang="de-DE" sz="1000" dirty="0">
-                          <a:solidFill>
-                            <a:srgbClr val="000000"/>
-                          </a:solidFill>
-                          <a:latin typeface="Adobe Clean Light"/>
-                          <a:ea typeface="+mn-ea"/>
-                          <a:cs typeface="+mn-cs"/>
-                        </a:rPr>
-                        <a:t>Dies kann geplante Wartungen oder Service-Probleme unterschiedlichen Schweregrads umfassen. </a:t>
-                      </a:r>
+                      <a:endParaRPr lang="en-US" sz="1000" kern="1200">
+                        <a:solidFill>
+                          <a:srgbClr val="000000"/>
+                        </a:solidFill>
+                        <a:latin typeface="Adobe Clean Light" panose="020B0303020404020204" pitchFamily="34" charset="0"/>
+                        <a:ea typeface="+mn-ea"/>
+                        <a:cs typeface="+mn-cs"/>
+                      </a:endParaRPr>
                     </a:p>
                   </a:txBody>
                   <a:tcPr anchor="ctr">
@@ -15015,17 +18225,27 @@
                         <a:defRPr/>
                       </a:pPr>
                       <a:r>
-                        <a:rPr lang="de-DE" sz="1100">
+                        <a:rPr lang="en-US" sz="1100" dirty="0">
                           <a:solidFill>
                             <a:schemeClr val="tx1"/>
                           </a:solidFill>
+                          <a:effectLst/>
                           <a:latin typeface="Adobe Clean"/>
                           <a:ea typeface="+mn-ea"/>
                           <a:cs typeface="+mn-cs"/>
                           <a:hlinkClick r:id="rId10"/>
                         </a:rPr>
-                        <a:t>Geschäftsbedingungen</a:t>
+                        <a:t>Terms and Conditions</a:t>
                       </a:r>
+                      <a:endParaRPr lang="en-US" sz="1100" dirty="0">
+                        <a:solidFill>
+                          <a:schemeClr val="tx1"/>
+                        </a:solidFill>
+                        <a:effectLst/>
+                        <a:latin typeface="Adobe Clean"/>
+                        <a:ea typeface="+mn-ea"/>
+                        <a:cs typeface="+mn-cs"/>
+                      </a:endParaRPr>
                     </a:p>
                   </a:txBody>
                   <a:tcPr anchor="ctr">
@@ -15082,7 +18302,7 @@
                     <a:lstStyle/>
                     <a:p>
                       <a:r>
-                        <a:rPr lang="de-DE" sz="1000" dirty="0">
+                        <a:rPr lang="en-US" sz="1000" kern="1200" dirty="0">
                           <a:solidFill>
                             <a:srgbClr val="000000"/>
                           </a:solidFill>
@@ -15090,29 +18310,16 @@
                           <a:ea typeface="+mn-ea"/>
                           <a:cs typeface="+mn-cs"/>
                         </a:rPr>
-                        <a:t>Allgemeine Geschäftsbedingungen mit detaillierten Informationen </a:t>
+                        <a:t>Terms and conditions detailing Support Services offerings.</a:t>
                       </a:r>
-                      <a:br>
-                        <a:rPr lang="de-DE" sz="1000" dirty="0">
-                          <a:solidFill>
-                            <a:srgbClr val="000000"/>
-                          </a:solidFill>
-                          <a:latin typeface="Adobe Clean Light"/>
-                          <a:ea typeface="+mn-ea"/>
-                          <a:cs typeface="+mn-cs"/>
-                        </a:rPr>
-                      </a:br>
-                      <a:r>
-                        <a:rPr lang="de-DE" sz="1000" dirty="0">
-                          <a:solidFill>
-                            <a:srgbClr val="000000"/>
-                          </a:solidFill>
-                          <a:latin typeface="Adobe Clean Light"/>
-                          <a:ea typeface="+mn-ea"/>
-                          <a:cs typeface="+mn-cs"/>
-                        </a:rPr>
-                        <a:t>zu den angebotenen Support-Services.</a:t>
-                      </a:r>
+                      <a:endParaRPr lang="en-US" sz="1000" kern="1200" dirty="0">
+                        <a:solidFill>
+                          <a:srgbClr val="000000"/>
+                        </a:solidFill>
+                        <a:latin typeface="Adobe Clean Light" panose="020B0303020404020204" pitchFamily="34" charset="0"/>
+                        <a:ea typeface="+mn-ea"/>
+                        <a:cs typeface="+mn-cs"/>
+                      </a:endParaRPr>
                     </a:p>
                   </a:txBody>
                   <a:tcPr anchor="ctr">
@@ -15882,6 +19089,12 @@
 </file>
 
 <file path=customXml/item1.xml><?xml version="1.0" encoding="utf-8"?>
+<p:properties xmlns:p="http://schemas.microsoft.com/office/2006/metadata/properties" xmlns:xsi="http://www.w3.org/2001/XMLSchema-instance" xmlns:pc="http://schemas.microsoft.com/office/infopath/2007/PartnerControls">
+  <documentManagement/>
+</p:properties>
+</file>
+
+<file path=customXml/item2.xml><?xml version="1.0" encoding="utf-8"?>
 <ct:contentTypeSchema xmlns:ct="http://schemas.microsoft.com/office/2006/metadata/contentType" xmlns:ma="http://schemas.microsoft.com/office/2006/metadata/properties/metaAttributes" ct:_="" ma:_="" ma:contentTypeName="Document" ma:contentTypeID="0x010100E783BF6876BCC646A459363AF21A7736" ma:contentTypeVersion="10" ma:contentTypeDescription="Create a new document." ma:contentTypeScope="" ma:versionID="c4ffda7f4f415767600769e454c2ea87">
   <xsd:schema xmlns:xsd="http://www.w3.org/2001/XMLSchema" xmlns:xs="http://www.w3.org/2001/XMLSchema" xmlns:p="http://schemas.microsoft.com/office/2006/metadata/properties" xmlns:ns2="8a053bff-88be-49e4-9a87-e748e18b8b62" xmlns:ns3="6c8368ec-3776-49b5-a5bb-90648cf9530f" targetNamespace="http://schemas.microsoft.com/office/2006/metadata/properties" ma:root="true" ma:fieldsID="df3ec33bccc23e23bce7bc897fad43d1" ns2:_="" ns3:_="">
     <xsd:import namespace="8a053bff-88be-49e4-9a87-e748e18b8b62"/>
@@ -16086,7 +19299,7 @@
 </ct:contentTypeSchema>
 </file>
 
-<file path=customXml/item2.xml><?xml version="1.0" encoding="utf-8"?>
+<file path=customXml/item3.xml><?xml version="1.0" encoding="utf-8"?>
 <?mso-contentType ?>
 <FormTemplates xmlns="http://schemas.microsoft.com/sharepoint/v3/contenttype/forms">
   <Display>DocumentLibraryForm</Display>
@@ -16095,13 +19308,24 @@
 </FormTemplates>
 </file>
 
-<file path=customXml/item3.xml><?xml version="1.0" encoding="utf-8"?>
-<p:properties xmlns:p="http://schemas.microsoft.com/office/2006/metadata/properties" xmlns:xsi="http://www.w3.org/2001/XMLSchema-instance" xmlns:pc="http://schemas.microsoft.com/office/infopath/2007/PartnerControls">
-  <documentManagement/>
-</p:properties>
+<file path=customXml/itemProps1.xml><?xml version="1.0" encoding="utf-8"?>
+<ds:datastoreItem xmlns:ds="http://schemas.openxmlformats.org/officeDocument/2006/customXml" ds:itemID="{ED4099BE-EDEC-4FF1-8378-446617236015}">
+  <ds:schemaRefs>
+    <ds:schemaRef ds:uri="8a053bff-88be-49e4-9a87-e748e18b8b62"/>
+    <ds:schemaRef ds:uri="http://purl.org/dc/elements/1.1/"/>
+    <ds:schemaRef ds:uri="http://schemas.microsoft.com/office/2006/metadata/properties"/>
+    <ds:schemaRef ds:uri="http://www.w3.org/XML/1998/namespace"/>
+    <ds:schemaRef ds:uri="http://purl.org/dc/dcmitype/"/>
+    <ds:schemaRef ds:uri="http://schemas.microsoft.com/office/2006/documentManagement/types"/>
+    <ds:schemaRef ds:uri="http://schemas.openxmlformats.org/package/2006/metadata/core-properties"/>
+    <ds:schemaRef ds:uri="http://schemas.microsoft.com/office/infopath/2007/PartnerControls"/>
+    <ds:schemaRef ds:uri="6c8368ec-3776-49b5-a5bb-90648cf9530f"/>
+    <ds:schemaRef ds:uri="http://purl.org/dc/terms/"/>
+  </ds:schemaRefs>
+</ds:datastoreItem>
 </file>
 
-<file path=customXml/itemProps1.xml><?xml version="1.0" encoding="utf-8"?>
+<file path=customXml/itemProps2.xml><?xml version="1.0" encoding="utf-8"?>
 <ds:datastoreItem xmlns:ds="http://schemas.openxmlformats.org/officeDocument/2006/customXml" ds:itemID="{FB2EBF8D-136B-48EC-8FC0-F70C0583664B}">
   <ds:schemaRefs>
     <ds:schemaRef ds:uri="6c8368ec-3776-49b5-a5bb-90648cf9530f"/>
@@ -16120,27 +19344,10 @@
 </ds:datastoreItem>
 </file>
 
-<file path=customXml/itemProps2.xml><?xml version="1.0" encoding="utf-8"?>
+<file path=customXml/itemProps3.xml><?xml version="1.0" encoding="utf-8"?>
 <ds:datastoreItem xmlns:ds="http://schemas.openxmlformats.org/officeDocument/2006/customXml" ds:itemID="{941989CE-20BB-4A6A-A33F-71A1AE469C3E}">
   <ds:schemaRefs>
     <ds:schemaRef ds:uri="http://schemas.microsoft.com/sharepoint/v3/contenttype/forms"/>
   </ds:schemaRefs>
 </ds:datastoreItem>
-</file>
-
-<file path=customXml/itemProps3.xml><?xml version="1.0" encoding="utf-8"?>
-<ds:datastoreItem xmlns:ds="http://schemas.openxmlformats.org/officeDocument/2006/customXml" ds:itemID="{ED4099BE-EDEC-4FF1-8378-446617236015}">
-  <ds:schemaRefs>
-    <ds:schemaRef ds:uri="6c8368ec-3776-49b5-a5bb-90648cf9530f"/>
-    <ds:schemaRef ds:uri="8a053bff-88be-49e4-9a87-e748e18b8b62"/>
-    <ds:schemaRef ds:uri="http://purl.org/dc/dcmitype/"/>
-    <ds:schemaRef ds:uri="http://purl.org/dc/elements/1.1/"/>
-    <ds:schemaRef ds:uri="http://purl.org/dc/terms/"/>
-    <ds:schemaRef ds:uri="http://schemas.microsoft.com/office/2006/documentManagement/types"/>
-    <ds:schemaRef ds:uri="http://schemas.microsoft.com/office/2006/metadata/properties"/>
-    <ds:schemaRef ds:uri="http://schemas.microsoft.com/office/infopath/2007/PartnerControls"/>
-    <ds:schemaRef ds:uri="http://schemas.openxmlformats.org/package/2006/metadata/core-properties"/>
-    <ds:schemaRef ds:uri="http://www.w3.org/XML/1998/namespace"/>
-  </ds:schemaRefs>
-</ds:datastoreItem>
 </file>
--- a/help/data-sheets/assets/EnterpriseSupportDatasheet.pptx
+++ b/help/data-sheets/assets/EnterpriseSupportDatasheet.pptx
@@ -144,434 +144,9 @@
 <file path=ppt/revisionInfo.xml><?xml version="1.0" encoding="utf-8"?>
 <p1510:revInfo xmlns:a="http://schemas.openxmlformats.org/drawingml/2006/main" xmlns:r="http://schemas.openxmlformats.org/officeDocument/2006/relationships" xmlns:p1510="http://schemas.microsoft.com/office/powerpoint/2015/10/main">
   <p1510:revLst>
-    <p1510:client id="{DC554207-FA81-638A-220E-C39F63BF408A}" v="13" dt="2021-11-23T23:51:45.093"/>
+    <p1510:client id="{51054313-E3E9-A543-B651-B15A687DE6AB}" v="3" dt="2021-12-06T17:04:25.104"/>
   </p1510:revLst>
 </p1510:revInfo>
-</file>
-
-<file path=ppt/changesInfos/changesInfo1.xml><?xml version="1.0" encoding="utf-8"?>
-<pc:chgInfo xmlns:a="http://schemas.openxmlformats.org/drawingml/2006/main" xmlns:r="http://schemas.openxmlformats.org/officeDocument/2006/relationships" xmlns:ac="http://schemas.microsoft.com/office/drawing/2013/main/command" xmlns:pc="http://schemas.microsoft.com/office/powerpoint/2013/main/command">
-  <pc:docChgLst>
-    <pc:chgData name="Akilah Johnson" userId="S::akjohnso@adobe.com::2fa3aa60-0c9c-4d06-bae2-795983241227" providerId="AD" clId="Web-{A40C3D7D-993B-38B2-2DDA-C562505A1054}"/>
-    <pc:docChg chg="modSld">
-      <pc:chgData name="Akilah Johnson" userId="S::akjohnso@adobe.com::2fa3aa60-0c9c-4d06-bae2-795983241227" providerId="AD" clId="Web-{A40C3D7D-993B-38B2-2DDA-C562505A1054}" dt="2021-09-22T23:00:46.860" v="3"/>
-      <pc:docMkLst>
-        <pc:docMk/>
-      </pc:docMkLst>
-      <pc:sldChg chg="modSp">
-        <pc:chgData name="Akilah Johnson" userId="S::akjohnso@adobe.com::2fa3aa60-0c9c-4d06-bae2-795983241227" providerId="AD" clId="Web-{A40C3D7D-993B-38B2-2DDA-C562505A1054}" dt="2021-09-22T23:00:46.860" v="3"/>
-        <pc:sldMkLst>
-          <pc:docMk/>
-          <pc:sldMk cId="1050037809" sldId="261"/>
-        </pc:sldMkLst>
-        <pc:graphicFrameChg chg="mod modGraphic">
-          <ac:chgData name="Akilah Johnson" userId="S::akjohnso@adobe.com::2fa3aa60-0c9c-4d06-bae2-795983241227" providerId="AD" clId="Web-{A40C3D7D-993B-38B2-2DDA-C562505A1054}" dt="2021-09-22T23:00:46.860" v="3"/>
-          <ac:graphicFrameMkLst>
-            <pc:docMk/>
-            <pc:sldMk cId="1050037809" sldId="261"/>
-            <ac:graphicFrameMk id="25" creationId="{3A91F5B0-3974-A14D-A146-FB590F2AAD18}"/>
-          </ac:graphicFrameMkLst>
-        </pc:graphicFrameChg>
-      </pc:sldChg>
-    </pc:docChg>
-  </pc:docChgLst>
-  <pc:docChgLst>
-    <pc:chgData name="Akilah Johnson" userId="S::akjohnso@adobe.com::2fa3aa60-0c9c-4d06-bae2-795983241227" providerId="AD" clId="Web-{112231ED-4F38-A856-2EFF-9D0F88AC9BDF}"/>
-    <pc:docChg chg="modSld">
-      <pc:chgData name="Akilah Johnson" userId="S::akjohnso@adobe.com::2fa3aa60-0c9c-4d06-bae2-795983241227" providerId="AD" clId="Web-{112231ED-4F38-A856-2EFF-9D0F88AC9BDF}" dt="2021-09-22T19:11:31.474" v="2" actId="1076"/>
-      <pc:docMkLst>
-        <pc:docMk/>
-      </pc:docMkLst>
-      <pc:sldChg chg="modSp">
-        <pc:chgData name="Akilah Johnson" userId="S::akjohnso@adobe.com::2fa3aa60-0c9c-4d06-bae2-795983241227" providerId="AD" clId="Web-{112231ED-4F38-A856-2EFF-9D0F88AC9BDF}" dt="2021-09-22T19:11:31.474" v="2" actId="1076"/>
-        <pc:sldMkLst>
-          <pc:docMk/>
-          <pc:sldMk cId="1050037809" sldId="261"/>
-        </pc:sldMkLst>
-        <pc:spChg chg="mod">
-          <ac:chgData name="Akilah Johnson" userId="S::akjohnso@adobe.com::2fa3aa60-0c9c-4d06-bae2-795983241227" providerId="AD" clId="Web-{112231ED-4F38-A856-2EFF-9D0F88AC9BDF}" dt="2021-09-22T19:11:31.474" v="2" actId="1076"/>
-          <ac:spMkLst>
-            <pc:docMk/>
-            <pc:sldMk cId="1050037809" sldId="261"/>
-            <ac:spMk id="23" creationId="{00000000-0000-0000-0000-000000000000}"/>
-          </ac:spMkLst>
-        </pc:spChg>
-        <pc:spChg chg="mod">
-          <ac:chgData name="Akilah Johnson" userId="S::akjohnso@adobe.com::2fa3aa60-0c9c-4d06-bae2-795983241227" providerId="AD" clId="Web-{112231ED-4F38-A856-2EFF-9D0F88AC9BDF}" dt="2021-09-22T19:08:28.879" v="0" actId="1076"/>
-          <ac:spMkLst>
-            <pc:docMk/>
-            <pc:sldMk cId="1050037809" sldId="261"/>
-            <ac:spMk id="64" creationId="{41467BDC-3D83-D844-B922-CD07E94E5AAB}"/>
-          </ac:spMkLst>
-        </pc:spChg>
-      </pc:sldChg>
-    </pc:docChg>
-  </pc:docChgLst>
-  <pc:docChgLst>
-    <pc:chgData name="Akilah Johnson" userId="S::akjohnso@adobe.com::2fa3aa60-0c9c-4d06-bae2-795983241227" providerId="AD" clId="Web-{0AC6A3A1-0788-C69A-5EFD-279F3FA2CF0F}"/>
-    <pc:docChg chg="modSld">
-      <pc:chgData name="Akilah Johnson" userId="S::akjohnso@adobe.com::2fa3aa60-0c9c-4d06-bae2-795983241227" providerId="AD" clId="Web-{0AC6A3A1-0788-C69A-5EFD-279F3FA2CF0F}" dt="2021-09-22T18:56:17.553" v="29"/>
-      <pc:docMkLst>
-        <pc:docMk/>
-      </pc:docMkLst>
-      <pc:sldChg chg="modSp delCm">
-        <pc:chgData name="Akilah Johnson" userId="S::akjohnso@adobe.com::2fa3aa60-0c9c-4d06-bae2-795983241227" providerId="AD" clId="Web-{0AC6A3A1-0788-C69A-5EFD-279F3FA2CF0F}" dt="2021-09-22T18:56:17.553" v="29"/>
-        <pc:sldMkLst>
-          <pc:docMk/>
-          <pc:sldMk cId="1050037809" sldId="261"/>
-        </pc:sldMkLst>
-        <pc:spChg chg="mod">
-          <ac:chgData name="Akilah Johnson" userId="S::akjohnso@adobe.com::2fa3aa60-0c9c-4d06-bae2-795983241227" providerId="AD" clId="Web-{0AC6A3A1-0788-C69A-5EFD-279F3FA2CF0F}" dt="2021-09-22T18:55:46.585" v="16" actId="20577"/>
-          <ac:spMkLst>
-            <pc:docMk/>
-            <pc:sldMk cId="1050037809" sldId="261"/>
-            <ac:spMk id="64" creationId="{41467BDC-3D83-D844-B922-CD07E94E5AAB}"/>
-          </ac:spMkLst>
-        </pc:spChg>
-        <pc:graphicFrameChg chg="mod modGraphic">
-          <ac:chgData name="Akilah Johnson" userId="S::akjohnso@adobe.com::2fa3aa60-0c9c-4d06-bae2-795983241227" providerId="AD" clId="Web-{0AC6A3A1-0788-C69A-5EFD-279F3FA2CF0F}" dt="2021-09-22T18:55:59.928" v="28"/>
-          <ac:graphicFrameMkLst>
-            <pc:docMk/>
-            <pc:sldMk cId="1050037809" sldId="261"/>
-            <ac:graphicFrameMk id="25" creationId="{3A91F5B0-3974-A14D-A146-FB590F2AAD18}"/>
-          </ac:graphicFrameMkLst>
-        </pc:graphicFrameChg>
-      </pc:sldChg>
-    </pc:docChg>
-  </pc:docChgLst>
-  <pc:docChgLst>
-    <pc:chgData name="Akilah Johnson" userId="S::akjohnso@adobe.com::2fa3aa60-0c9c-4d06-bae2-795983241227" providerId="AD" clId="Web-{DC554207-FA81-638A-220E-C39F63BF408A}"/>
-    <pc:docChg chg="modSld">
-      <pc:chgData name="Akilah Johnson" userId="S::akjohnso@adobe.com::2fa3aa60-0c9c-4d06-bae2-795983241227" providerId="AD" clId="Web-{DC554207-FA81-638A-220E-C39F63BF408A}" dt="2021-11-23T23:50:17.249" v="7"/>
-      <pc:docMkLst>
-        <pc:docMk/>
-      </pc:docMkLst>
-      <pc:sldChg chg="modSp">
-        <pc:chgData name="Akilah Johnson" userId="S::akjohnso@adobe.com::2fa3aa60-0c9c-4d06-bae2-795983241227" providerId="AD" clId="Web-{DC554207-FA81-638A-220E-C39F63BF408A}" dt="2021-11-23T23:50:17.249" v="7"/>
-        <pc:sldMkLst>
-          <pc:docMk/>
-          <pc:sldMk cId="2161849182" sldId="267"/>
-        </pc:sldMkLst>
-        <pc:graphicFrameChg chg="mod modGraphic">
-          <ac:chgData name="Akilah Johnson" userId="S::akjohnso@adobe.com::2fa3aa60-0c9c-4d06-bae2-795983241227" providerId="AD" clId="Web-{DC554207-FA81-638A-220E-C39F63BF408A}" dt="2021-11-23T23:50:17.249" v="7"/>
-          <ac:graphicFrameMkLst>
-            <pc:docMk/>
-            <pc:sldMk cId="2161849182" sldId="267"/>
-            <ac:graphicFrameMk id="9" creationId="{00000000-0000-0000-0000-000000000000}"/>
-          </ac:graphicFrameMkLst>
-        </pc:graphicFrameChg>
-      </pc:sldChg>
-    </pc:docChg>
-  </pc:docChgLst>
-  <pc:docChgLst>
-    <pc:chgData name="Akilah Johnson" userId="S::akjohnso@adobe.com::2fa3aa60-0c9c-4d06-bae2-795983241227" providerId="AD" clId="Web-{D02E726A-82A5-CF13-9EBE-9B674D878D37}"/>
-    <pc:docChg chg="modSld">
-      <pc:chgData name="Akilah Johnson" userId="S::akjohnso@adobe.com::2fa3aa60-0c9c-4d06-bae2-795983241227" providerId="AD" clId="Web-{D02E726A-82A5-CF13-9EBE-9B674D878D37}" dt="2021-10-12T19:51:27.470" v="10"/>
-      <pc:docMkLst>
-        <pc:docMk/>
-      </pc:docMkLst>
-      <pc:sldChg chg="modSp delCm">
-        <pc:chgData name="Akilah Johnson" userId="S::akjohnso@adobe.com::2fa3aa60-0c9c-4d06-bae2-795983241227" providerId="AD" clId="Web-{D02E726A-82A5-CF13-9EBE-9B674D878D37}" dt="2021-10-12T19:51:27.470" v="10"/>
-        <pc:sldMkLst>
-          <pc:docMk/>
-          <pc:sldMk cId="2161849182" sldId="267"/>
-        </pc:sldMkLst>
-        <pc:spChg chg="mod">
-          <ac:chgData name="Akilah Johnson" userId="S::akjohnso@adobe.com::2fa3aa60-0c9c-4d06-bae2-795983241227" providerId="AD" clId="Web-{D02E726A-82A5-CF13-9EBE-9B674D878D37}" dt="2021-10-12T19:51:04.127" v="8" actId="20577"/>
-          <ac:spMkLst>
-            <pc:docMk/>
-            <pc:sldMk cId="2161849182" sldId="267"/>
-            <ac:spMk id="2" creationId="{00000000-0000-0000-0000-000000000000}"/>
-          </ac:spMkLst>
-        </pc:spChg>
-      </pc:sldChg>
-    </pc:docChg>
-  </pc:docChgLst>
-  <pc:docChgLst>
-    <pc:chgData name="Akilah Johnson" userId="S::akjohnso@adobe.com::2fa3aa60-0c9c-4d06-bae2-795983241227" providerId="AD" clId="Web-{0AB2EF93-BE08-D205-D43E-3B568BB37DAA}"/>
-    <pc:docChg chg="modSld">
-      <pc:chgData name="Akilah Johnson" userId="S::akjohnso@adobe.com::2fa3aa60-0c9c-4d06-bae2-795983241227" providerId="AD" clId="Web-{0AB2EF93-BE08-D205-D43E-3B568BB37DAA}" dt="2021-09-22T23:01:45.877" v="13"/>
-      <pc:docMkLst>
-        <pc:docMk/>
-      </pc:docMkLst>
-      <pc:sldChg chg="modSp">
-        <pc:chgData name="Akilah Johnson" userId="S::akjohnso@adobe.com::2fa3aa60-0c9c-4d06-bae2-795983241227" providerId="AD" clId="Web-{0AB2EF93-BE08-D205-D43E-3B568BB37DAA}" dt="2021-09-22T23:01:45.877" v="13"/>
-        <pc:sldMkLst>
-          <pc:docMk/>
-          <pc:sldMk cId="1050037809" sldId="261"/>
-        </pc:sldMkLst>
-        <pc:graphicFrameChg chg="mod modGraphic">
-          <ac:chgData name="Akilah Johnson" userId="S::akjohnso@adobe.com::2fa3aa60-0c9c-4d06-bae2-795983241227" providerId="AD" clId="Web-{0AB2EF93-BE08-D205-D43E-3B568BB37DAA}" dt="2021-09-22T23:01:45.877" v="13"/>
-          <ac:graphicFrameMkLst>
-            <pc:docMk/>
-            <pc:sldMk cId="1050037809" sldId="261"/>
-            <ac:graphicFrameMk id="25" creationId="{3A91F5B0-3974-A14D-A146-FB590F2AAD18}"/>
-          </ac:graphicFrameMkLst>
-        </pc:graphicFrameChg>
-      </pc:sldChg>
-    </pc:docChg>
-  </pc:docChgLst>
-  <pc:docChgLst>
-    <pc:chgData name="Akilah Johnson" userId="2fa3aa60-0c9c-4d06-bae2-795983241227" providerId="ADAL" clId="{7598C71F-6B67-2947-B18A-AD3AFAF83B9E}"/>
-    <pc:docChg chg="modSld">
-      <pc:chgData name="Akilah Johnson" userId="2fa3aa60-0c9c-4d06-bae2-795983241227" providerId="ADAL" clId="{7598C71F-6B67-2947-B18A-AD3AFAF83B9E}" dt="2021-11-24T00:03:04.956" v="14" actId="20577"/>
-      <pc:docMkLst>
-        <pc:docMk/>
-      </pc:docMkLst>
-      <pc:sldChg chg="modSp mod">
-        <pc:chgData name="Akilah Johnson" userId="2fa3aa60-0c9c-4d06-bae2-795983241227" providerId="ADAL" clId="{7598C71F-6B67-2947-B18A-AD3AFAF83B9E}" dt="2021-11-24T00:03:04.956" v="14" actId="20577"/>
-        <pc:sldMkLst>
-          <pc:docMk/>
-          <pc:sldMk cId="2161849182" sldId="267"/>
-        </pc:sldMkLst>
-        <pc:graphicFrameChg chg="modGraphic">
-          <ac:chgData name="Akilah Johnson" userId="2fa3aa60-0c9c-4d06-bae2-795983241227" providerId="ADAL" clId="{7598C71F-6B67-2947-B18A-AD3AFAF83B9E}" dt="2021-11-24T00:03:04.956" v="14" actId="20577"/>
-          <ac:graphicFrameMkLst>
-            <pc:docMk/>
-            <pc:sldMk cId="2161849182" sldId="267"/>
-            <ac:graphicFrameMk id="9" creationId="{00000000-0000-0000-0000-000000000000}"/>
-          </ac:graphicFrameMkLst>
-        </pc:graphicFrameChg>
-      </pc:sldChg>
-    </pc:docChg>
-  </pc:docChgLst>
-  <pc:docChgLst>
-    <pc:chgData name="Andy Witt" userId="S::awitt@adobe.com::e9157bdf-53b2-40e4-9459-936793d75696" providerId="AD" clId="Web-{3F02B349-0406-AE51-D438-E7A0BE890230}"/>
-    <pc:docChg chg="modSld">
-      <pc:chgData name="Andy Witt" userId="S::awitt@adobe.com::e9157bdf-53b2-40e4-9459-936793d75696" providerId="AD" clId="Web-{3F02B349-0406-AE51-D438-E7A0BE890230}" dt="2021-08-25T18:45:07.550" v="11"/>
-      <pc:docMkLst>
-        <pc:docMk/>
-      </pc:docMkLst>
-      <pc:sldChg chg="modSp">
-        <pc:chgData name="Andy Witt" userId="S::awitt@adobe.com::e9157bdf-53b2-40e4-9459-936793d75696" providerId="AD" clId="Web-{3F02B349-0406-AE51-D438-E7A0BE890230}" dt="2021-08-25T18:45:07.550" v="11"/>
-        <pc:sldMkLst>
-          <pc:docMk/>
-          <pc:sldMk cId="1050037809" sldId="261"/>
-        </pc:sldMkLst>
-        <pc:graphicFrameChg chg="mod modGraphic">
-          <ac:chgData name="Andy Witt" userId="S::awitt@adobe.com::e9157bdf-53b2-40e4-9459-936793d75696" providerId="AD" clId="Web-{3F02B349-0406-AE51-D438-E7A0BE890230}" dt="2021-08-25T18:45:07.550" v="11"/>
-          <ac:graphicFrameMkLst>
-            <pc:docMk/>
-            <pc:sldMk cId="1050037809" sldId="261"/>
-            <ac:graphicFrameMk id="25" creationId="{3A91F5B0-3974-A14D-A146-FB590F2AAD18}"/>
-          </ac:graphicFrameMkLst>
-        </pc:graphicFrameChg>
-      </pc:sldChg>
-    </pc:docChg>
-  </pc:docChgLst>
-  <pc:docChgLst>
-    <pc:chgData name="Lauren Schutte" userId="6e08b2d3-447a-4d66-86be-444d50df187f" providerId="ADAL" clId="{1A3D389F-0E00-444F-BDF7-5C174E20EEC2}"/>
-    <pc:docChg chg="undo custSel modSld">
-      <pc:chgData name="Lauren Schutte" userId="6e08b2d3-447a-4d66-86be-444d50df187f" providerId="ADAL" clId="{1A3D389F-0E00-444F-BDF7-5C174E20EEC2}" dt="2021-10-13T19:40:59.066" v="67" actId="20577"/>
-      <pc:docMkLst>
-        <pc:docMk/>
-      </pc:docMkLst>
-      <pc:sldChg chg="delSp modSp mod">
-        <pc:chgData name="Lauren Schutte" userId="6e08b2d3-447a-4d66-86be-444d50df187f" providerId="ADAL" clId="{1A3D389F-0E00-444F-BDF7-5C174E20EEC2}" dt="2021-10-13T19:40:25.578" v="61" actId="478"/>
-        <pc:sldMkLst>
-          <pc:docMk/>
-          <pc:sldMk cId="5960377" sldId="259"/>
-        </pc:sldMkLst>
-        <pc:spChg chg="mod">
-          <ac:chgData name="Lauren Schutte" userId="6e08b2d3-447a-4d66-86be-444d50df187f" providerId="ADAL" clId="{1A3D389F-0E00-444F-BDF7-5C174E20EEC2}" dt="2021-10-13T19:33:45.182" v="59" actId="20577"/>
-          <ac:spMkLst>
-            <pc:docMk/>
-            <pc:sldMk cId="5960377" sldId="259"/>
-            <ac:spMk id="127" creationId="{BB896A03-8E7E-344F-BDE1-37C49461FF04}"/>
-          </ac:spMkLst>
-        </pc:spChg>
-        <pc:grpChg chg="del mod">
-          <ac:chgData name="Lauren Schutte" userId="6e08b2d3-447a-4d66-86be-444d50df187f" providerId="ADAL" clId="{1A3D389F-0E00-444F-BDF7-5C174E20EEC2}" dt="2021-10-13T19:40:25.578" v="61" actId="478"/>
-          <ac:grpSpMkLst>
-            <pc:docMk/>
-            <pc:sldMk cId="5960377" sldId="259"/>
-            <ac:grpSpMk id="62" creationId="{C539739D-1D3E-204D-9819-C44D9AE36DE8}"/>
-          </ac:grpSpMkLst>
-        </pc:grpChg>
-      </pc:sldChg>
-      <pc:sldChg chg="modSp mod">
-        <pc:chgData name="Lauren Schutte" userId="6e08b2d3-447a-4d66-86be-444d50df187f" providerId="ADAL" clId="{1A3D389F-0E00-444F-BDF7-5C174E20EEC2}" dt="2021-10-13T19:40:59.066" v="67" actId="20577"/>
-        <pc:sldMkLst>
-          <pc:docMk/>
-          <pc:sldMk cId="2161849182" sldId="267"/>
-        </pc:sldMkLst>
-        <pc:spChg chg="mod">
-          <ac:chgData name="Lauren Schutte" userId="6e08b2d3-447a-4d66-86be-444d50df187f" providerId="ADAL" clId="{1A3D389F-0E00-444F-BDF7-5C174E20EEC2}" dt="2021-10-13T19:40:59.066" v="67" actId="20577"/>
-          <ac:spMkLst>
-            <pc:docMk/>
-            <pc:sldMk cId="2161849182" sldId="267"/>
-            <ac:spMk id="2" creationId="{00000000-0000-0000-0000-000000000000}"/>
-          </ac:spMkLst>
-        </pc:spChg>
-        <pc:graphicFrameChg chg="mod modGraphic">
-          <ac:chgData name="Lauren Schutte" userId="6e08b2d3-447a-4d66-86be-444d50df187f" providerId="ADAL" clId="{1A3D389F-0E00-444F-BDF7-5C174E20EEC2}" dt="2021-10-13T19:33:05.183" v="58"/>
-          <ac:graphicFrameMkLst>
-            <pc:docMk/>
-            <pc:sldMk cId="2161849182" sldId="267"/>
-            <ac:graphicFrameMk id="9" creationId="{00000000-0000-0000-0000-000000000000}"/>
-          </ac:graphicFrameMkLst>
-        </pc:graphicFrameChg>
-      </pc:sldChg>
-    </pc:docChg>
-  </pc:docChgLst>
-  <pc:docChgLst>
-    <pc:chgData name="Akilah Johnson" userId="S::akjohnso@adobe.com::2fa3aa60-0c9c-4d06-bae2-795983241227" providerId="AD" clId="Web-{3CA2F123-FAC9-2CDD-7937-C83283BA7837}"/>
-    <pc:docChg chg="modSld">
-      <pc:chgData name="Akilah Johnson" userId="S::akjohnso@adobe.com::2fa3aa60-0c9c-4d06-bae2-795983241227" providerId="AD" clId="Web-{3CA2F123-FAC9-2CDD-7937-C83283BA7837}" dt="2021-09-16T20:58:19.458" v="0" actId="1076"/>
-      <pc:docMkLst>
-        <pc:docMk/>
-      </pc:docMkLst>
-      <pc:sldChg chg="modSp">
-        <pc:chgData name="Akilah Johnson" userId="S::akjohnso@adobe.com::2fa3aa60-0c9c-4d06-bae2-795983241227" providerId="AD" clId="Web-{3CA2F123-FAC9-2CDD-7937-C83283BA7837}" dt="2021-09-16T20:58:19.458" v="0" actId="1076"/>
-        <pc:sldMkLst>
-          <pc:docMk/>
-          <pc:sldMk cId="717026355" sldId="266"/>
-        </pc:sldMkLst>
-        <pc:spChg chg="mod">
-          <ac:chgData name="Akilah Johnson" userId="S::akjohnso@adobe.com::2fa3aa60-0c9c-4d06-bae2-795983241227" providerId="AD" clId="Web-{3CA2F123-FAC9-2CDD-7937-C83283BA7837}" dt="2021-09-16T20:58:19.458" v="0" actId="1076"/>
-          <ac:spMkLst>
-            <pc:docMk/>
-            <pc:sldMk cId="717026355" sldId="266"/>
-            <ac:spMk id="83" creationId="{BB34E685-A734-974B-A33A-BE51D1A8BC0D}"/>
-          </ac:spMkLst>
-        </pc:spChg>
-      </pc:sldChg>
-    </pc:docChg>
-  </pc:docChgLst>
-  <pc:docChgLst>
-    <pc:chgData name="Akilah Johnson" userId="S::akjohnso@adobe.com::2fa3aa60-0c9c-4d06-bae2-795983241227" providerId="AD" clId="Web-{19826C17-B3F5-53A1-AAFF-C7771804C7A7}"/>
-    <pc:docChg chg="modSld">
-      <pc:chgData name="Akilah Johnson" userId="S::akjohnso@adobe.com::2fa3aa60-0c9c-4d06-bae2-795983241227" providerId="AD" clId="Web-{19826C17-B3F5-53A1-AAFF-C7771804C7A7}" dt="2021-10-13T18:50:21.160" v="67"/>
-      <pc:docMkLst>
-        <pc:docMk/>
-      </pc:docMkLst>
-      <pc:sldChg chg="modSp">
-        <pc:chgData name="Akilah Johnson" userId="S::akjohnso@adobe.com::2fa3aa60-0c9c-4d06-bae2-795983241227" providerId="AD" clId="Web-{19826C17-B3F5-53A1-AAFF-C7771804C7A7}" dt="2021-10-13T18:38:26.810" v="9" actId="20577"/>
-        <pc:sldMkLst>
-          <pc:docMk/>
-          <pc:sldMk cId="5960377" sldId="259"/>
-        </pc:sldMkLst>
-        <pc:spChg chg="mod">
-          <ac:chgData name="Akilah Johnson" userId="S::akjohnso@adobe.com::2fa3aa60-0c9c-4d06-bae2-795983241227" providerId="AD" clId="Web-{19826C17-B3F5-53A1-AAFF-C7771804C7A7}" dt="2021-10-13T18:38:26.810" v="9" actId="20577"/>
-          <ac:spMkLst>
-            <pc:docMk/>
-            <pc:sldMk cId="5960377" sldId="259"/>
-            <ac:spMk id="75" creationId="{4602CC83-B0C7-8445-9007-87E67CDDD9D0}"/>
-          </ac:spMkLst>
-        </pc:spChg>
-        <pc:spChg chg="mod">
-          <ac:chgData name="Akilah Johnson" userId="S::akjohnso@adobe.com::2fa3aa60-0c9c-4d06-bae2-795983241227" providerId="AD" clId="Web-{19826C17-B3F5-53A1-AAFF-C7771804C7A7}" dt="2021-10-13T18:38:17.716" v="5" actId="20577"/>
-          <ac:spMkLst>
-            <pc:docMk/>
-            <pc:sldMk cId="5960377" sldId="259"/>
-            <ac:spMk id="83" creationId="{7A016ADC-2A30-8A4B-BE07-A9AB6C1898A7}"/>
-          </ac:spMkLst>
-        </pc:spChg>
-        <pc:spChg chg="mod">
-          <ac:chgData name="Akilah Johnson" userId="S::akjohnso@adobe.com::2fa3aa60-0c9c-4d06-bae2-795983241227" providerId="AD" clId="Web-{19826C17-B3F5-53A1-AAFF-C7771804C7A7}" dt="2021-10-13T18:38:19.654" v="6" actId="20577"/>
-          <ac:spMkLst>
-            <pc:docMk/>
-            <pc:sldMk cId="5960377" sldId="259"/>
-            <ac:spMk id="87" creationId="{57C0C871-6516-F145-97DA-27A143E6185C}"/>
-          </ac:spMkLst>
-        </pc:spChg>
-        <pc:spChg chg="mod">
-          <ac:chgData name="Akilah Johnson" userId="S::akjohnso@adobe.com::2fa3aa60-0c9c-4d06-bae2-795983241227" providerId="AD" clId="Web-{19826C17-B3F5-53A1-AAFF-C7771804C7A7}" dt="2021-10-13T18:38:14.044" v="4" actId="20577"/>
-          <ac:spMkLst>
-            <pc:docMk/>
-            <pc:sldMk cId="5960377" sldId="259"/>
-            <ac:spMk id="124" creationId="{14AAF776-9013-4C40-92F9-FFFE22C4038F}"/>
-          </ac:spMkLst>
-        </pc:spChg>
-        <pc:spChg chg="mod">
-          <ac:chgData name="Akilah Johnson" userId="S::akjohnso@adobe.com::2fa3aa60-0c9c-4d06-bae2-795983241227" providerId="AD" clId="Web-{19826C17-B3F5-53A1-AAFF-C7771804C7A7}" dt="2021-10-13T18:38:10.013" v="2" actId="20577"/>
-          <ac:spMkLst>
-            <pc:docMk/>
-            <pc:sldMk cId="5960377" sldId="259"/>
-            <ac:spMk id="125" creationId="{AF4EBBF5-5438-A043-B9AA-3822381D52EE}"/>
-          </ac:spMkLst>
-        </pc:spChg>
-        <pc:spChg chg="mod">
-          <ac:chgData name="Akilah Johnson" userId="S::akjohnso@adobe.com::2fa3aa60-0c9c-4d06-bae2-795983241227" providerId="AD" clId="Web-{19826C17-B3F5-53A1-AAFF-C7771804C7A7}" dt="2021-10-13T18:38:12.263" v="3" actId="20577"/>
-          <ac:spMkLst>
-            <pc:docMk/>
-            <pc:sldMk cId="5960377" sldId="259"/>
-            <ac:spMk id="126" creationId="{7F65676D-32E4-7B4B-BB85-4D504B5882BD}"/>
-          </ac:spMkLst>
-        </pc:spChg>
-      </pc:sldChg>
-      <pc:sldChg chg="modSp">
-        <pc:chgData name="Akilah Johnson" userId="S::akjohnso@adobe.com::2fa3aa60-0c9c-4d06-bae2-795983241227" providerId="AD" clId="Web-{19826C17-B3F5-53A1-AAFF-C7771804C7A7}" dt="2021-10-13T18:40:23.717" v="19" actId="20577"/>
-        <pc:sldMkLst>
-          <pc:docMk/>
-          <pc:sldMk cId="1050037809" sldId="261"/>
-        </pc:sldMkLst>
-        <pc:spChg chg="mod">
-          <ac:chgData name="Akilah Johnson" userId="S::akjohnso@adobe.com::2fa3aa60-0c9c-4d06-bae2-795983241227" providerId="AD" clId="Web-{19826C17-B3F5-53A1-AAFF-C7771804C7A7}" dt="2021-10-13T18:40:23.717" v="19" actId="20577"/>
-          <ac:spMkLst>
-            <pc:docMk/>
-            <pc:sldMk cId="1050037809" sldId="261"/>
-            <ac:spMk id="56" creationId="{00000000-0000-0000-0000-000000000000}"/>
-          </ac:spMkLst>
-        </pc:spChg>
-        <pc:graphicFrameChg chg="mod modGraphic">
-          <ac:chgData name="Akilah Johnson" userId="S::akjohnso@adobe.com::2fa3aa60-0c9c-4d06-bae2-795983241227" providerId="AD" clId="Web-{19826C17-B3F5-53A1-AAFF-C7771804C7A7}" dt="2021-10-13T18:39:38.154" v="17"/>
-          <ac:graphicFrameMkLst>
-            <pc:docMk/>
-            <pc:sldMk cId="1050037809" sldId="261"/>
-            <ac:graphicFrameMk id="111" creationId="{D8653CEC-4213-DE40-9BAF-D1E3318FF89C}"/>
-          </ac:graphicFrameMkLst>
-        </pc:graphicFrameChg>
-      </pc:sldChg>
-      <pc:sldChg chg="modSp">
-        <pc:chgData name="Akilah Johnson" userId="S::akjohnso@adobe.com::2fa3aa60-0c9c-4d06-bae2-795983241227" providerId="AD" clId="Web-{19826C17-B3F5-53A1-AAFF-C7771804C7A7}" dt="2021-10-13T18:39:10.373" v="15" actId="20577"/>
-        <pc:sldMkLst>
-          <pc:docMk/>
-          <pc:sldMk cId="717026355" sldId="266"/>
-        </pc:sldMkLst>
-        <pc:spChg chg="mod">
-          <ac:chgData name="Akilah Johnson" userId="S::akjohnso@adobe.com::2fa3aa60-0c9c-4d06-bae2-795983241227" providerId="AD" clId="Web-{19826C17-B3F5-53A1-AAFF-C7771804C7A7}" dt="2021-10-13T18:39:10.373" v="15" actId="20577"/>
-          <ac:spMkLst>
-            <pc:docMk/>
-            <pc:sldMk cId="717026355" sldId="266"/>
-            <ac:spMk id="9" creationId="{00000000-0000-0000-0000-000000000000}"/>
-          </ac:spMkLst>
-        </pc:spChg>
-        <pc:spChg chg="mod">
-          <ac:chgData name="Akilah Johnson" userId="S::akjohnso@adobe.com::2fa3aa60-0c9c-4d06-bae2-795983241227" providerId="AD" clId="Web-{19826C17-B3F5-53A1-AAFF-C7771804C7A7}" dt="2021-10-13T18:38:44.029" v="11" actId="20577"/>
-          <ac:spMkLst>
-            <pc:docMk/>
-            <pc:sldMk cId="717026355" sldId="266"/>
-            <ac:spMk id="82" creationId="{F6061E8D-9723-464D-AA49-7A3A3A02BE92}"/>
-          </ac:spMkLst>
-        </pc:spChg>
-        <pc:spChg chg="mod">
-          <ac:chgData name="Akilah Johnson" userId="S::akjohnso@adobe.com::2fa3aa60-0c9c-4d06-bae2-795983241227" providerId="AD" clId="Web-{19826C17-B3F5-53A1-AAFF-C7771804C7A7}" dt="2021-10-13T18:39:00.638" v="13" actId="20577"/>
-          <ac:spMkLst>
-            <pc:docMk/>
-            <pc:sldMk cId="717026355" sldId="266"/>
-            <ac:spMk id="83" creationId="{BB34E685-A734-974B-A33A-BE51D1A8BC0D}"/>
-          </ac:spMkLst>
-        </pc:spChg>
-      </pc:sldChg>
-      <pc:sldChg chg="modSp">
-        <pc:chgData name="Akilah Johnson" userId="S::akjohnso@adobe.com::2fa3aa60-0c9c-4d06-bae2-795983241227" providerId="AD" clId="Web-{19826C17-B3F5-53A1-AAFF-C7771804C7A7}" dt="2021-10-13T18:50:21.160" v="67"/>
-        <pc:sldMkLst>
-          <pc:docMk/>
-          <pc:sldMk cId="2161849182" sldId="267"/>
-        </pc:sldMkLst>
-        <pc:graphicFrameChg chg="mod modGraphic">
-          <ac:chgData name="Akilah Johnson" userId="S::akjohnso@adobe.com::2fa3aa60-0c9c-4d06-bae2-795983241227" providerId="AD" clId="Web-{19826C17-B3F5-53A1-AAFF-C7771804C7A7}" dt="2021-10-13T18:50:21.160" v="67"/>
-          <ac:graphicFrameMkLst>
-            <pc:docMk/>
-            <pc:sldMk cId="2161849182" sldId="267"/>
-            <ac:graphicFrameMk id="9" creationId="{00000000-0000-0000-0000-000000000000}"/>
-          </ac:graphicFrameMkLst>
-        </pc:graphicFrameChg>
-      </pc:sldChg>
-    </pc:docChg>
-  </pc:docChgLst>
-</pc:chgInfo>
 </file>
 
 <file path=ppt/comments/comment1.xml><?xml version="1.0" encoding="utf-8"?>
@@ -670,7 +245,7 @@
           <a:p>
             <a:fld id="{CCB2A597-803A-C244-97E2-A01066125D19}" type="datetimeFigureOut">
               <a:rPr lang="en-US" smtClean="0"/>
-              <a:t>11/23/21</a:t>
+              <a:t>12/9/2021</a:t>
             </a:fld>
             <a:endParaRPr lang="en-US"/>
           </a:p>
@@ -1451,7 +1026,7 @@
           <a:p>
             <a:fld id="{1D8BD707-D9CF-40AE-B4C6-C98DA3205C09}" type="datetimeFigureOut">
               <a:rPr lang="en-US"/>
-              <a:t>11/23/21</a:t>
+              <a:t>12/9/2021</a:t>
             </a:fld>
             <a:endParaRPr lang="en-US"/>
           </a:p>
@@ -1691,7 +1266,7 @@
           <a:p>
             <a:fld id="{1D8BD707-D9CF-40AE-B4C6-C98DA3205C09}" type="datetimeFigureOut">
               <a:rPr lang="en-US"/>
-              <a:t>11/23/21</a:t>
+              <a:t>12/9/2021</a:t>
             </a:fld>
             <a:endParaRPr lang="en-US"/>
           </a:p>
@@ -1944,7 +1519,7 @@
           <a:p>
             <a:fld id="{1D8BD707-D9CF-40AE-B4C6-C98DA3205C09}" type="datetimeFigureOut">
               <a:rPr lang="en-US"/>
-              <a:t>11/23/21</a:t>
+              <a:t>12/9/2021</a:t>
             </a:fld>
             <a:endParaRPr lang="en-US"/>
           </a:p>
@@ -2131,7 +1706,7 @@
           <a:p>
             <a:fld id="{1D8BD707-D9CF-40AE-B4C6-C98DA3205C09}" type="datetimeFigureOut">
               <a:rPr lang="en-US"/>
-              <a:t>11/23/21</a:t>
+              <a:t>12/9/2021</a:t>
             </a:fld>
             <a:endParaRPr lang="en-US"/>
           </a:p>
@@ -2289,7 +1864,7 @@
           <a:p>
             <a:fld id="{1D8BD707-D9CF-40AE-B4C6-C98DA3205C09}" type="datetimeFigureOut">
               <a:rPr lang="en-US"/>
-              <a:t>11/23/21</a:t>
+              <a:t>12/9/2021</a:t>
             </a:fld>
             <a:endParaRPr lang="en-US"/>
           </a:p>
@@ -2547,7 +2122,7 @@
           <a:p>
             <a:fld id="{1D8BD707-D9CF-40AE-B4C6-C98DA3205C09}" type="datetimeFigureOut">
               <a:rPr lang="en-US"/>
-              <a:t>11/23/21</a:t>
+              <a:t>12/9/2021</a:t>
             </a:fld>
             <a:endParaRPr lang="en-US"/>
           </a:p>
@@ -3351,14 +2926,14 @@
           <p:nvPr>
             <p:extLst>
               <p:ext uri="{D42A27DB-BD31-4B8C-83A1-F6EECF244321}">
-                <p14:modId xmlns:p14="http://schemas.microsoft.com/office/powerpoint/2010/main" val="2035938553"/>
+                <p14:modId xmlns:p14="http://schemas.microsoft.com/office/powerpoint/2010/main" val="3537242808"/>
               </p:ext>
             </p:extLst>
           </p:nvPr>
         </p:nvGraphicFramePr>
         <p:xfrm>
           <a:off x="146919" y="7473158"/>
-          <a:ext cx="7477080" cy="2190409"/>
+          <a:ext cx="7477080" cy="2256833"/>
         </p:xfrm>
         <a:graphic>
           <a:graphicData uri="http://schemas.openxmlformats.org/drawingml/2006/table">
@@ -4002,20 +3577,42 @@
                         </a:rPr>
                         <a:t>2</a:t>
                       </a:r>
-                      <a:endParaRPr sz="900" dirty="0">
+                      <a:endParaRPr lang="en-US" sz="900" b="1" dirty="0">
+                        <a:solidFill>
+                          <a:srgbClr val="020302"/>
+                        </a:solidFill>
                         <a:latin typeface="Adobe Clean"/>
                         <a:cs typeface="Adobe Clean"/>
                       </a:endParaRPr>
                     </a:p>
                     <a:p>
-                      <a:pPr marL="50165" marR="203200">
+                      <a:pPr marL="50800" marR="0" lvl="0" indent="0" defTabSz="914400" eaLnBrk="1" fontAlgn="auto" latinLnBrk="0" hangingPunct="1">
                         <a:lnSpc>
-                          <a:spcPts val="1000"/>
+                          <a:spcPct val="100000"/>
                         </a:lnSpc>
                         <a:spcBef>
-                          <a:spcPts val="415"/>
+                          <a:spcPts val="125"/>
                         </a:spcBef>
+                        <a:spcAft>
+                          <a:spcPts val="0"/>
+                        </a:spcAft>
+                        <a:buClrTx/>
+                        <a:buSzTx/>
+                        <a:buFontTx/>
+                        <a:buNone/>
+                        <a:tabLst/>
+                        <a:defRPr/>
                       </a:pPr>
+                      <a:r>
+                        <a:rPr lang="en-US" sz="900" b="0" i="0" spc="-130" dirty="0">
+                          <a:solidFill>
+                            <a:srgbClr val="020302"/>
+                          </a:solidFill>
+                          <a:latin typeface="Adobe Clean Light"/>
+                          <a:cs typeface="+mn-cs"/>
+                        </a:rPr>
+                        <a:t> </a:t>
+                      </a:r>
                       <a:r>
                         <a:rPr lang="en-US" sz="900" b="0" i="0" u="none" strike="noStrike" dirty="0">
                           <a:solidFill>
@@ -4026,7 +3623,19 @@
                           <a:ea typeface="+mn-ea"/>
                           <a:cs typeface="+mn-cs"/>
                         </a:rPr>
-                        <a:t>Customer's business functions have major degradation of services, or potential of data loss or a major feature is impacted</a:t>
+                        <a:t>Customer’s business functions have major service degradations or potential data loss, or a major feature </a:t>
+                      </a:r>
+                      <a:r>
+                        <a:rPr lang="en-US" sz="900" b="0" i="0" u="none" strike="noStrike">
+                          <a:solidFill>
+                            <a:schemeClr val="tx1"/>
+                          </a:solidFill>
+                          <a:effectLst/>
+                          <a:latin typeface="Adobe Clean Light"/>
+                          <a:ea typeface="+mn-ea"/>
+                          <a:cs typeface="+mn-cs"/>
+                        </a:rPr>
+                        <a:t>is impacted.</a:t>
                       </a:r>
                       <a:endParaRPr lang="en-US" sz="900" b="0" i="0" dirty="0">
                         <a:latin typeface="Adobe Clean Light"/>
@@ -17620,7 +17229,7 @@
         </p:nvGraphicFramePr>
         <p:xfrm>
           <a:off x="194237" y="1272353"/>
-          <a:ext cx="7368291" cy="2931160"/>
+          <a:ext cx="7368291" cy="3235960"/>
         </p:xfrm>
         <a:graphic>
           <a:graphicData uri="http://schemas.openxmlformats.org/drawingml/2006/table">
@@ -19089,12 +18698,6 @@
 </file>
 
 <file path=customXml/item1.xml><?xml version="1.0" encoding="utf-8"?>
-<p:properties xmlns:p="http://schemas.microsoft.com/office/2006/metadata/properties" xmlns:xsi="http://www.w3.org/2001/XMLSchema-instance" xmlns:pc="http://schemas.microsoft.com/office/infopath/2007/PartnerControls">
-  <documentManagement/>
-</p:properties>
-</file>
-
-<file path=customXml/item2.xml><?xml version="1.0" encoding="utf-8"?>
 <ct:contentTypeSchema xmlns:ct="http://schemas.microsoft.com/office/2006/metadata/contentType" xmlns:ma="http://schemas.microsoft.com/office/2006/metadata/properties/metaAttributes" ct:_="" ma:_="" ma:contentTypeName="Document" ma:contentTypeID="0x010100E783BF6876BCC646A459363AF21A7736" ma:contentTypeVersion="10" ma:contentTypeDescription="Create a new document." ma:contentTypeScope="" ma:versionID="c4ffda7f4f415767600769e454c2ea87">
   <xsd:schema xmlns:xsd="http://www.w3.org/2001/XMLSchema" xmlns:xs="http://www.w3.org/2001/XMLSchema" xmlns:p="http://schemas.microsoft.com/office/2006/metadata/properties" xmlns:ns2="8a053bff-88be-49e4-9a87-e748e18b8b62" xmlns:ns3="6c8368ec-3776-49b5-a5bb-90648cf9530f" targetNamespace="http://schemas.microsoft.com/office/2006/metadata/properties" ma:root="true" ma:fieldsID="df3ec33bccc23e23bce7bc897fad43d1" ns2:_="" ns3:_="">
     <xsd:import namespace="8a053bff-88be-49e4-9a87-e748e18b8b62"/>
@@ -19299,7 +18902,7 @@
 </ct:contentTypeSchema>
 </file>
 
-<file path=customXml/item3.xml><?xml version="1.0" encoding="utf-8"?>
+<file path=customXml/item2.xml><?xml version="1.0" encoding="utf-8"?>
 <?mso-contentType ?>
 <FormTemplates xmlns="http://schemas.microsoft.com/sharepoint/v3/contenttype/forms">
   <Display>DocumentLibraryForm</Display>
@@ -19308,24 +18911,13 @@
 </FormTemplates>
 </file>
 
-<file path=customXml/itemProps1.xml><?xml version="1.0" encoding="utf-8"?>
-<ds:datastoreItem xmlns:ds="http://schemas.openxmlformats.org/officeDocument/2006/customXml" ds:itemID="{ED4099BE-EDEC-4FF1-8378-446617236015}">
-  <ds:schemaRefs>
-    <ds:schemaRef ds:uri="8a053bff-88be-49e4-9a87-e748e18b8b62"/>
-    <ds:schemaRef ds:uri="http://purl.org/dc/elements/1.1/"/>
-    <ds:schemaRef ds:uri="http://schemas.microsoft.com/office/2006/metadata/properties"/>
-    <ds:schemaRef ds:uri="http://www.w3.org/XML/1998/namespace"/>
-    <ds:schemaRef ds:uri="http://purl.org/dc/dcmitype/"/>
-    <ds:schemaRef ds:uri="http://schemas.microsoft.com/office/2006/documentManagement/types"/>
-    <ds:schemaRef ds:uri="http://schemas.openxmlformats.org/package/2006/metadata/core-properties"/>
-    <ds:schemaRef ds:uri="http://schemas.microsoft.com/office/infopath/2007/PartnerControls"/>
-    <ds:schemaRef ds:uri="6c8368ec-3776-49b5-a5bb-90648cf9530f"/>
-    <ds:schemaRef ds:uri="http://purl.org/dc/terms/"/>
-  </ds:schemaRefs>
-</ds:datastoreItem>
+<file path=customXml/item3.xml><?xml version="1.0" encoding="utf-8"?>
+<p:properties xmlns:p="http://schemas.microsoft.com/office/2006/metadata/properties" xmlns:xsi="http://www.w3.org/2001/XMLSchema-instance" xmlns:pc="http://schemas.microsoft.com/office/infopath/2007/PartnerControls">
+  <documentManagement/>
+</p:properties>
 </file>
 
-<file path=customXml/itemProps2.xml><?xml version="1.0" encoding="utf-8"?>
+<file path=customXml/itemProps1.xml><?xml version="1.0" encoding="utf-8"?>
 <ds:datastoreItem xmlns:ds="http://schemas.openxmlformats.org/officeDocument/2006/customXml" ds:itemID="{FB2EBF8D-136B-48EC-8FC0-F70C0583664B}">
   <ds:schemaRefs>
     <ds:schemaRef ds:uri="6c8368ec-3776-49b5-a5bb-90648cf9530f"/>
@@ -19344,10 +18936,27 @@
 </ds:datastoreItem>
 </file>
 
-<file path=customXml/itemProps3.xml><?xml version="1.0" encoding="utf-8"?>
+<file path=customXml/itemProps2.xml><?xml version="1.0" encoding="utf-8"?>
 <ds:datastoreItem xmlns:ds="http://schemas.openxmlformats.org/officeDocument/2006/customXml" ds:itemID="{941989CE-20BB-4A6A-A33F-71A1AE469C3E}">
   <ds:schemaRefs>
     <ds:schemaRef ds:uri="http://schemas.microsoft.com/sharepoint/v3/contenttype/forms"/>
   </ds:schemaRefs>
 </ds:datastoreItem>
+</file>
+
+<file path=customXml/itemProps3.xml><?xml version="1.0" encoding="utf-8"?>
+<ds:datastoreItem xmlns:ds="http://schemas.openxmlformats.org/officeDocument/2006/customXml" ds:itemID="{ED4099BE-EDEC-4FF1-8378-446617236015}">
+  <ds:schemaRefs>
+    <ds:schemaRef ds:uri="http://www.w3.org/XML/1998/namespace"/>
+    <ds:schemaRef ds:uri="8a053bff-88be-49e4-9a87-e748e18b8b62"/>
+    <ds:schemaRef ds:uri="http://purl.org/dc/terms/"/>
+    <ds:schemaRef ds:uri="http://purl.org/dc/dcmitype/"/>
+    <ds:schemaRef ds:uri="http://schemas.microsoft.com/office/2006/documentManagement/types"/>
+    <ds:schemaRef ds:uri="6c8368ec-3776-49b5-a5bb-90648cf9530f"/>
+    <ds:schemaRef ds:uri="http://purl.org/dc/elements/1.1/"/>
+    <ds:schemaRef ds:uri="http://schemas.microsoft.com/office/2006/metadata/properties"/>
+    <ds:schemaRef ds:uri="http://schemas.microsoft.com/office/infopath/2007/PartnerControls"/>
+    <ds:schemaRef ds:uri="http://schemas.openxmlformats.org/package/2006/metadata/core-properties"/>
+  </ds:schemaRefs>
+</ds:datastoreItem>
 </file>
--- a/help/data-sheets/assets/EnterpriseSupportDatasheet.pptx
+++ b/help/data-sheets/assets/EnterpriseSupportDatasheet.pptx
@@ -144,9 +144,388 @@
 <file path=ppt/revisionInfo.xml><?xml version="1.0" encoding="utf-8"?>
 <p1510:revInfo xmlns:a="http://schemas.openxmlformats.org/drawingml/2006/main" xmlns:r="http://schemas.openxmlformats.org/officeDocument/2006/relationships" xmlns:p1510="http://schemas.microsoft.com/office/powerpoint/2015/10/main">
   <p1510:revLst>
-    <p1510:client id="{51054313-E3E9-A543-B651-B15A687DE6AB}" v="3" dt="2021-12-06T17:04:25.104"/>
+    <p1510:client id="{19826C17-B3F5-53A1-AAFF-C7771804C7A7}" v="128" dt="2021-10-13T18:50:39.613"/>
+    <p1510:client id="{1A3D389F-0E00-444F-BDF7-5C174E20EEC2}" v="2" dt="2021-10-13T19:33:05.183"/>
+    <p1510:client id="{D02E726A-82A5-CF13-9EBE-9B674D878D37}" v="22" dt="2021-10-12T19:51:27.470"/>
   </p1510:revLst>
 </p1510:revInfo>
+</file>
+
+<file path=ppt/changesInfos/changesInfo1.xml><?xml version="1.0" encoding="utf-8"?>
+<pc:chgInfo xmlns:a="http://schemas.openxmlformats.org/drawingml/2006/main" xmlns:r="http://schemas.openxmlformats.org/officeDocument/2006/relationships" xmlns:ac="http://schemas.microsoft.com/office/drawing/2013/main/command" xmlns:pc="http://schemas.microsoft.com/office/powerpoint/2013/main/command">
+  <pc:docChgLst>
+    <pc:chgData name="Akilah Johnson" userId="S::akjohnso@adobe.com::2fa3aa60-0c9c-4d06-bae2-795983241227" providerId="AD" clId="Web-{0AB2EF93-BE08-D205-D43E-3B568BB37DAA}"/>
+    <pc:docChg chg="modSld">
+      <pc:chgData name="Akilah Johnson" userId="S::akjohnso@adobe.com::2fa3aa60-0c9c-4d06-bae2-795983241227" providerId="AD" clId="Web-{0AB2EF93-BE08-D205-D43E-3B568BB37DAA}" dt="2021-09-22T23:01:45.877" v="13"/>
+      <pc:docMkLst>
+        <pc:docMk/>
+      </pc:docMkLst>
+      <pc:sldChg chg="modSp">
+        <pc:chgData name="Akilah Johnson" userId="S::akjohnso@adobe.com::2fa3aa60-0c9c-4d06-bae2-795983241227" providerId="AD" clId="Web-{0AB2EF93-BE08-D205-D43E-3B568BB37DAA}" dt="2021-09-22T23:01:45.877" v="13"/>
+        <pc:sldMkLst>
+          <pc:docMk/>
+          <pc:sldMk cId="1050037809" sldId="261"/>
+        </pc:sldMkLst>
+        <pc:graphicFrameChg chg="mod modGraphic">
+          <ac:chgData name="Akilah Johnson" userId="S::akjohnso@adobe.com::2fa3aa60-0c9c-4d06-bae2-795983241227" providerId="AD" clId="Web-{0AB2EF93-BE08-D205-D43E-3B568BB37DAA}" dt="2021-09-22T23:01:45.877" v="13"/>
+          <ac:graphicFrameMkLst>
+            <pc:docMk/>
+            <pc:sldMk cId="1050037809" sldId="261"/>
+            <ac:graphicFrameMk id="25" creationId="{3A91F5B0-3974-A14D-A146-FB590F2AAD18}"/>
+          </ac:graphicFrameMkLst>
+        </pc:graphicFrameChg>
+      </pc:sldChg>
+    </pc:docChg>
+  </pc:docChgLst>
+  <pc:docChgLst>
+    <pc:chgData name="Akilah Johnson" userId="S::akjohnso@adobe.com::2fa3aa60-0c9c-4d06-bae2-795983241227" providerId="AD" clId="Web-{0AC6A3A1-0788-C69A-5EFD-279F3FA2CF0F}"/>
+    <pc:docChg chg="modSld">
+      <pc:chgData name="Akilah Johnson" userId="S::akjohnso@adobe.com::2fa3aa60-0c9c-4d06-bae2-795983241227" providerId="AD" clId="Web-{0AC6A3A1-0788-C69A-5EFD-279F3FA2CF0F}" dt="2021-09-22T18:56:17.553" v="29"/>
+      <pc:docMkLst>
+        <pc:docMk/>
+      </pc:docMkLst>
+      <pc:sldChg chg="modSp delCm">
+        <pc:chgData name="Akilah Johnson" userId="S::akjohnso@adobe.com::2fa3aa60-0c9c-4d06-bae2-795983241227" providerId="AD" clId="Web-{0AC6A3A1-0788-C69A-5EFD-279F3FA2CF0F}" dt="2021-09-22T18:56:17.553" v="29"/>
+        <pc:sldMkLst>
+          <pc:docMk/>
+          <pc:sldMk cId="1050037809" sldId="261"/>
+        </pc:sldMkLst>
+        <pc:spChg chg="mod">
+          <ac:chgData name="Akilah Johnson" userId="S::akjohnso@adobe.com::2fa3aa60-0c9c-4d06-bae2-795983241227" providerId="AD" clId="Web-{0AC6A3A1-0788-C69A-5EFD-279F3FA2CF0F}" dt="2021-09-22T18:55:46.585" v="16" actId="20577"/>
+          <ac:spMkLst>
+            <pc:docMk/>
+            <pc:sldMk cId="1050037809" sldId="261"/>
+            <ac:spMk id="64" creationId="{41467BDC-3D83-D844-B922-CD07E94E5AAB}"/>
+          </ac:spMkLst>
+        </pc:spChg>
+        <pc:graphicFrameChg chg="mod modGraphic">
+          <ac:chgData name="Akilah Johnson" userId="S::akjohnso@adobe.com::2fa3aa60-0c9c-4d06-bae2-795983241227" providerId="AD" clId="Web-{0AC6A3A1-0788-C69A-5EFD-279F3FA2CF0F}" dt="2021-09-22T18:55:59.928" v="28"/>
+          <ac:graphicFrameMkLst>
+            <pc:docMk/>
+            <pc:sldMk cId="1050037809" sldId="261"/>
+            <ac:graphicFrameMk id="25" creationId="{3A91F5B0-3974-A14D-A146-FB590F2AAD18}"/>
+          </ac:graphicFrameMkLst>
+        </pc:graphicFrameChg>
+      </pc:sldChg>
+    </pc:docChg>
+  </pc:docChgLst>
+  <pc:docChgLst>
+    <pc:chgData name="Akilah Johnson" userId="S::akjohnso@adobe.com::2fa3aa60-0c9c-4d06-bae2-795983241227" providerId="AD" clId="Web-{19826C17-B3F5-53A1-AAFF-C7771804C7A7}"/>
+    <pc:docChg chg="modSld">
+      <pc:chgData name="Akilah Johnson" userId="S::akjohnso@adobe.com::2fa3aa60-0c9c-4d06-bae2-795983241227" providerId="AD" clId="Web-{19826C17-B3F5-53A1-AAFF-C7771804C7A7}" dt="2021-10-13T18:50:21.160" v="67"/>
+      <pc:docMkLst>
+        <pc:docMk/>
+      </pc:docMkLst>
+      <pc:sldChg chg="modSp">
+        <pc:chgData name="Akilah Johnson" userId="S::akjohnso@adobe.com::2fa3aa60-0c9c-4d06-bae2-795983241227" providerId="AD" clId="Web-{19826C17-B3F5-53A1-AAFF-C7771804C7A7}" dt="2021-10-13T18:38:26.810" v="9" actId="20577"/>
+        <pc:sldMkLst>
+          <pc:docMk/>
+          <pc:sldMk cId="5960377" sldId="259"/>
+        </pc:sldMkLst>
+        <pc:spChg chg="mod">
+          <ac:chgData name="Akilah Johnson" userId="S::akjohnso@adobe.com::2fa3aa60-0c9c-4d06-bae2-795983241227" providerId="AD" clId="Web-{19826C17-B3F5-53A1-AAFF-C7771804C7A7}" dt="2021-10-13T18:38:26.810" v="9" actId="20577"/>
+          <ac:spMkLst>
+            <pc:docMk/>
+            <pc:sldMk cId="5960377" sldId="259"/>
+            <ac:spMk id="75" creationId="{4602CC83-B0C7-8445-9007-87E67CDDD9D0}"/>
+          </ac:spMkLst>
+        </pc:spChg>
+        <pc:spChg chg="mod">
+          <ac:chgData name="Akilah Johnson" userId="S::akjohnso@adobe.com::2fa3aa60-0c9c-4d06-bae2-795983241227" providerId="AD" clId="Web-{19826C17-B3F5-53A1-AAFF-C7771804C7A7}" dt="2021-10-13T18:38:17.716" v="5" actId="20577"/>
+          <ac:spMkLst>
+            <pc:docMk/>
+            <pc:sldMk cId="5960377" sldId="259"/>
+            <ac:spMk id="83" creationId="{7A016ADC-2A30-8A4B-BE07-A9AB6C1898A7}"/>
+          </ac:spMkLst>
+        </pc:spChg>
+        <pc:spChg chg="mod">
+          <ac:chgData name="Akilah Johnson" userId="S::akjohnso@adobe.com::2fa3aa60-0c9c-4d06-bae2-795983241227" providerId="AD" clId="Web-{19826C17-B3F5-53A1-AAFF-C7771804C7A7}" dt="2021-10-13T18:38:19.654" v="6" actId="20577"/>
+          <ac:spMkLst>
+            <pc:docMk/>
+            <pc:sldMk cId="5960377" sldId="259"/>
+            <ac:spMk id="87" creationId="{57C0C871-6516-F145-97DA-27A143E6185C}"/>
+          </ac:spMkLst>
+        </pc:spChg>
+        <pc:spChg chg="mod">
+          <ac:chgData name="Akilah Johnson" userId="S::akjohnso@adobe.com::2fa3aa60-0c9c-4d06-bae2-795983241227" providerId="AD" clId="Web-{19826C17-B3F5-53A1-AAFF-C7771804C7A7}" dt="2021-10-13T18:38:14.044" v="4" actId="20577"/>
+          <ac:spMkLst>
+            <pc:docMk/>
+            <pc:sldMk cId="5960377" sldId="259"/>
+            <ac:spMk id="124" creationId="{14AAF776-9013-4C40-92F9-FFFE22C4038F}"/>
+          </ac:spMkLst>
+        </pc:spChg>
+        <pc:spChg chg="mod">
+          <ac:chgData name="Akilah Johnson" userId="S::akjohnso@adobe.com::2fa3aa60-0c9c-4d06-bae2-795983241227" providerId="AD" clId="Web-{19826C17-B3F5-53A1-AAFF-C7771804C7A7}" dt="2021-10-13T18:38:10.013" v="2" actId="20577"/>
+          <ac:spMkLst>
+            <pc:docMk/>
+            <pc:sldMk cId="5960377" sldId="259"/>
+            <ac:spMk id="125" creationId="{AF4EBBF5-5438-A043-B9AA-3822381D52EE}"/>
+          </ac:spMkLst>
+        </pc:spChg>
+        <pc:spChg chg="mod">
+          <ac:chgData name="Akilah Johnson" userId="S::akjohnso@adobe.com::2fa3aa60-0c9c-4d06-bae2-795983241227" providerId="AD" clId="Web-{19826C17-B3F5-53A1-AAFF-C7771804C7A7}" dt="2021-10-13T18:38:12.263" v="3" actId="20577"/>
+          <ac:spMkLst>
+            <pc:docMk/>
+            <pc:sldMk cId="5960377" sldId="259"/>
+            <ac:spMk id="126" creationId="{7F65676D-32E4-7B4B-BB85-4D504B5882BD}"/>
+          </ac:spMkLst>
+        </pc:spChg>
+      </pc:sldChg>
+      <pc:sldChg chg="modSp">
+        <pc:chgData name="Akilah Johnson" userId="S::akjohnso@adobe.com::2fa3aa60-0c9c-4d06-bae2-795983241227" providerId="AD" clId="Web-{19826C17-B3F5-53A1-AAFF-C7771804C7A7}" dt="2021-10-13T18:40:23.717" v="19" actId="20577"/>
+        <pc:sldMkLst>
+          <pc:docMk/>
+          <pc:sldMk cId="1050037809" sldId="261"/>
+        </pc:sldMkLst>
+        <pc:spChg chg="mod">
+          <ac:chgData name="Akilah Johnson" userId="S::akjohnso@adobe.com::2fa3aa60-0c9c-4d06-bae2-795983241227" providerId="AD" clId="Web-{19826C17-B3F5-53A1-AAFF-C7771804C7A7}" dt="2021-10-13T18:40:23.717" v="19" actId="20577"/>
+          <ac:spMkLst>
+            <pc:docMk/>
+            <pc:sldMk cId="1050037809" sldId="261"/>
+            <ac:spMk id="56" creationId="{00000000-0000-0000-0000-000000000000}"/>
+          </ac:spMkLst>
+        </pc:spChg>
+        <pc:graphicFrameChg chg="mod modGraphic">
+          <ac:chgData name="Akilah Johnson" userId="S::akjohnso@adobe.com::2fa3aa60-0c9c-4d06-bae2-795983241227" providerId="AD" clId="Web-{19826C17-B3F5-53A1-AAFF-C7771804C7A7}" dt="2021-10-13T18:39:38.154" v="17"/>
+          <ac:graphicFrameMkLst>
+            <pc:docMk/>
+            <pc:sldMk cId="1050037809" sldId="261"/>
+            <ac:graphicFrameMk id="111" creationId="{D8653CEC-4213-DE40-9BAF-D1E3318FF89C}"/>
+          </ac:graphicFrameMkLst>
+        </pc:graphicFrameChg>
+      </pc:sldChg>
+      <pc:sldChg chg="modSp">
+        <pc:chgData name="Akilah Johnson" userId="S::akjohnso@adobe.com::2fa3aa60-0c9c-4d06-bae2-795983241227" providerId="AD" clId="Web-{19826C17-B3F5-53A1-AAFF-C7771804C7A7}" dt="2021-10-13T18:39:10.373" v="15" actId="20577"/>
+        <pc:sldMkLst>
+          <pc:docMk/>
+          <pc:sldMk cId="717026355" sldId="266"/>
+        </pc:sldMkLst>
+        <pc:spChg chg="mod">
+          <ac:chgData name="Akilah Johnson" userId="S::akjohnso@adobe.com::2fa3aa60-0c9c-4d06-bae2-795983241227" providerId="AD" clId="Web-{19826C17-B3F5-53A1-AAFF-C7771804C7A7}" dt="2021-10-13T18:39:10.373" v="15" actId="20577"/>
+          <ac:spMkLst>
+            <pc:docMk/>
+            <pc:sldMk cId="717026355" sldId="266"/>
+            <ac:spMk id="9" creationId="{00000000-0000-0000-0000-000000000000}"/>
+          </ac:spMkLst>
+        </pc:spChg>
+        <pc:spChg chg="mod">
+          <ac:chgData name="Akilah Johnson" userId="S::akjohnso@adobe.com::2fa3aa60-0c9c-4d06-bae2-795983241227" providerId="AD" clId="Web-{19826C17-B3F5-53A1-AAFF-C7771804C7A7}" dt="2021-10-13T18:38:44.029" v="11" actId="20577"/>
+          <ac:spMkLst>
+            <pc:docMk/>
+            <pc:sldMk cId="717026355" sldId="266"/>
+            <ac:spMk id="82" creationId="{F6061E8D-9723-464D-AA49-7A3A3A02BE92}"/>
+          </ac:spMkLst>
+        </pc:spChg>
+        <pc:spChg chg="mod">
+          <ac:chgData name="Akilah Johnson" userId="S::akjohnso@adobe.com::2fa3aa60-0c9c-4d06-bae2-795983241227" providerId="AD" clId="Web-{19826C17-B3F5-53A1-AAFF-C7771804C7A7}" dt="2021-10-13T18:39:00.638" v="13" actId="20577"/>
+          <ac:spMkLst>
+            <pc:docMk/>
+            <pc:sldMk cId="717026355" sldId="266"/>
+            <ac:spMk id="83" creationId="{BB34E685-A734-974B-A33A-BE51D1A8BC0D}"/>
+          </ac:spMkLst>
+        </pc:spChg>
+      </pc:sldChg>
+      <pc:sldChg chg="modSp">
+        <pc:chgData name="Akilah Johnson" userId="S::akjohnso@adobe.com::2fa3aa60-0c9c-4d06-bae2-795983241227" providerId="AD" clId="Web-{19826C17-B3F5-53A1-AAFF-C7771804C7A7}" dt="2021-10-13T18:50:21.160" v="67"/>
+        <pc:sldMkLst>
+          <pc:docMk/>
+          <pc:sldMk cId="2161849182" sldId="267"/>
+        </pc:sldMkLst>
+        <pc:graphicFrameChg chg="mod modGraphic">
+          <ac:chgData name="Akilah Johnson" userId="S::akjohnso@adobe.com::2fa3aa60-0c9c-4d06-bae2-795983241227" providerId="AD" clId="Web-{19826C17-B3F5-53A1-AAFF-C7771804C7A7}" dt="2021-10-13T18:50:21.160" v="67"/>
+          <ac:graphicFrameMkLst>
+            <pc:docMk/>
+            <pc:sldMk cId="2161849182" sldId="267"/>
+            <ac:graphicFrameMk id="9" creationId="{00000000-0000-0000-0000-000000000000}"/>
+          </ac:graphicFrameMkLst>
+        </pc:graphicFrameChg>
+      </pc:sldChg>
+    </pc:docChg>
+  </pc:docChgLst>
+  <pc:docChgLst>
+    <pc:chgData name="Akilah Johnson" userId="S::akjohnso@adobe.com::2fa3aa60-0c9c-4d06-bae2-795983241227" providerId="AD" clId="Web-{112231ED-4F38-A856-2EFF-9D0F88AC9BDF}"/>
+    <pc:docChg chg="modSld">
+      <pc:chgData name="Akilah Johnson" userId="S::akjohnso@adobe.com::2fa3aa60-0c9c-4d06-bae2-795983241227" providerId="AD" clId="Web-{112231ED-4F38-A856-2EFF-9D0F88AC9BDF}" dt="2021-09-22T19:11:31.474" v="2" actId="1076"/>
+      <pc:docMkLst>
+        <pc:docMk/>
+      </pc:docMkLst>
+      <pc:sldChg chg="modSp">
+        <pc:chgData name="Akilah Johnson" userId="S::akjohnso@adobe.com::2fa3aa60-0c9c-4d06-bae2-795983241227" providerId="AD" clId="Web-{112231ED-4F38-A856-2EFF-9D0F88AC9BDF}" dt="2021-09-22T19:11:31.474" v="2" actId="1076"/>
+        <pc:sldMkLst>
+          <pc:docMk/>
+          <pc:sldMk cId="1050037809" sldId="261"/>
+        </pc:sldMkLst>
+        <pc:spChg chg="mod">
+          <ac:chgData name="Akilah Johnson" userId="S::akjohnso@adobe.com::2fa3aa60-0c9c-4d06-bae2-795983241227" providerId="AD" clId="Web-{112231ED-4F38-A856-2EFF-9D0F88AC9BDF}" dt="2021-09-22T19:11:31.474" v="2" actId="1076"/>
+          <ac:spMkLst>
+            <pc:docMk/>
+            <pc:sldMk cId="1050037809" sldId="261"/>
+            <ac:spMk id="23" creationId="{00000000-0000-0000-0000-000000000000}"/>
+          </ac:spMkLst>
+        </pc:spChg>
+        <pc:spChg chg="mod">
+          <ac:chgData name="Akilah Johnson" userId="S::akjohnso@adobe.com::2fa3aa60-0c9c-4d06-bae2-795983241227" providerId="AD" clId="Web-{112231ED-4F38-A856-2EFF-9D0F88AC9BDF}" dt="2021-09-22T19:08:28.879" v="0" actId="1076"/>
+          <ac:spMkLst>
+            <pc:docMk/>
+            <pc:sldMk cId="1050037809" sldId="261"/>
+            <ac:spMk id="64" creationId="{41467BDC-3D83-D844-B922-CD07E94E5AAB}"/>
+          </ac:spMkLst>
+        </pc:spChg>
+      </pc:sldChg>
+    </pc:docChg>
+  </pc:docChgLst>
+  <pc:docChgLst>
+    <pc:chgData name="Andy Witt" userId="S::awitt@adobe.com::e9157bdf-53b2-40e4-9459-936793d75696" providerId="AD" clId="Web-{3F02B349-0406-AE51-D438-E7A0BE890230}"/>
+    <pc:docChg chg="modSld">
+      <pc:chgData name="Andy Witt" userId="S::awitt@adobe.com::e9157bdf-53b2-40e4-9459-936793d75696" providerId="AD" clId="Web-{3F02B349-0406-AE51-D438-E7A0BE890230}" dt="2021-08-25T18:45:07.550" v="11"/>
+      <pc:docMkLst>
+        <pc:docMk/>
+      </pc:docMkLst>
+      <pc:sldChg chg="modSp">
+        <pc:chgData name="Andy Witt" userId="S::awitt@adobe.com::e9157bdf-53b2-40e4-9459-936793d75696" providerId="AD" clId="Web-{3F02B349-0406-AE51-D438-E7A0BE890230}" dt="2021-08-25T18:45:07.550" v="11"/>
+        <pc:sldMkLst>
+          <pc:docMk/>
+          <pc:sldMk cId="1050037809" sldId="261"/>
+        </pc:sldMkLst>
+        <pc:graphicFrameChg chg="mod modGraphic">
+          <ac:chgData name="Andy Witt" userId="S::awitt@adobe.com::e9157bdf-53b2-40e4-9459-936793d75696" providerId="AD" clId="Web-{3F02B349-0406-AE51-D438-E7A0BE890230}" dt="2021-08-25T18:45:07.550" v="11"/>
+          <ac:graphicFrameMkLst>
+            <pc:docMk/>
+            <pc:sldMk cId="1050037809" sldId="261"/>
+            <ac:graphicFrameMk id="25" creationId="{3A91F5B0-3974-A14D-A146-FB590F2AAD18}"/>
+          </ac:graphicFrameMkLst>
+        </pc:graphicFrameChg>
+      </pc:sldChg>
+    </pc:docChg>
+  </pc:docChgLst>
+  <pc:docChgLst>
+    <pc:chgData name="Akilah Johnson" userId="S::akjohnso@adobe.com::2fa3aa60-0c9c-4d06-bae2-795983241227" providerId="AD" clId="Web-{3CA2F123-FAC9-2CDD-7937-C83283BA7837}"/>
+    <pc:docChg chg="modSld">
+      <pc:chgData name="Akilah Johnson" userId="S::akjohnso@adobe.com::2fa3aa60-0c9c-4d06-bae2-795983241227" providerId="AD" clId="Web-{3CA2F123-FAC9-2CDD-7937-C83283BA7837}" dt="2021-09-16T20:58:19.458" v="0" actId="1076"/>
+      <pc:docMkLst>
+        <pc:docMk/>
+      </pc:docMkLst>
+      <pc:sldChg chg="modSp">
+        <pc:chgData name="Akilah Johnson" userId="S::akjohnso@adobe.com::2fa3aa60-0c9c-4d06-bae2-795983241227" providerId="AD" clId="Web-{3CA2F123-FAC9-2CDD-7937-C83283BA7837}" dt="2021-09-16T20:58:19.458" v="0" actId="1076"/>
+        <pc:sldMkLst>
+          <pc:docMk/>
+          <pc:sldMk cId="717026355" sldId="266"/>
+        </pc:sldMkLst>
+        <pc:spChg chg="mod">
+          <ac:chgData name="Akilah Johnson" userId="S::akjohnso@adobe.com::2fa3aa60-0c9c-4d06-bae2-795983241227" providerId="AD" clId="Web-{3CA2F123-FAC9-2CDD-7937-C83283BA7837}" dt="2021-09-16T20:58:19.458" v="0" actId="1076"/>
+          <ac:spMkLst>
+            <pc:docMk/>
+            <pc:sldMk cId="717026355" sldId="266"/>
+            <ac:spMk id="83" creationId="{BB34E685-A734-974B-A33A-BE51D1A8BC0D}"/>
+          </ac:spMkLst>
+        </pc:spChg>
+      </pc:sldChg>
+    </pc:docChg>
+  </pc:docChgLst>
+  <pc:docChgLst>
+    <pc:chgData name="Akilah Johnson" userId="S::akjohnso@adobe.com::2fa3aa60-0c9c-4d06-bae2-795983241227" providerId="AD" clId="Web-{A40C3D7D-993B-38B2-2DDA-C562505A1054}"/>
+    <pc:docChg chg="modSld">
+      <pc:chgData name="Akilah Johnson" userId="S::akjohnso@adobe.com::2fa3aa60-0c9c-4d06-bae2-795983241227" providerId="AD" clId="Web-{A40C3D7D-993B-38B2-2DDA-C562505A1054}" dt="2021-09-22T23:00:46.860" v="3"/>
+      <pc:docMkLst>
+        <pc:docMk/>
+      </pc:docMkLst>
+      <pc:sldChg chg="modSp">
+        <pc:chgData name="Akilah Johnson" userId="S::akjohnso@adobe.com::2fa3aa60-0c9c-4d06-bae2-795983241227" providerId="AD" clId="Web-{A40C3D7D-993B-38B2-2DDA-C562505A1054}" dt="2021-09-22T23:00:46.860" v="3"/>
+        <pc:sldMkLst>
+          <pc:docMk/>
+          <pc:sldMk cId="1050037809" sldId="261"/>
+        </pc:sldMkLst>
+        <pc:graphicFrameChg chg="mod modGraphic">
+          <ac:chgData name="Akilah Johnson" userId="S::akjohnso@adobe.com::2fa3aa60-0c9c-4d06-bae2-795983241227" providerId="AD" clId="Web-{A40C3D7D-993B-38B2-2DDA-C562505A1054}" dt="2021-09-22T23:00:46.860" v="3"/>
+          <ac:graphicFrameMkLst>
+            <pc:docMk/>
+            <pc:sldMk cId="1050037809" sldId="261"/>
+            <ac:graphicFrameMk id="25" creationId="{3A91F5B0-3974-A14D-A146-FB590F2AAD18}"/>
+          </ac:graphicFrameMkLst>
+        </pc:graphicFrameChg>
+      </pc:sldChg>
+    </pc:docChg>
+  </pc:docChgLst>
+  <pc:docChgLst>
+    <pc:chgData name="Akilah Johnson" userId="S::akjohnso@adobe.com::2fa3aa60-0c9c-4d06-bae2-795983241227" providerId="AD" clId="Web-{D02E726A-82A5-CF13-9EBE-9B674D878D37}"/>
+    <pc:docChg chg="modSld">
+      <pc:chgData name="Akilah Johnson" userId="S::akjohnso@adobe.com::2fa3aa60-0c9c-4d06-bae2-795983241227" providerId="AD" clId="Web-{D02E726A-82A5-CF13-9EBE-9B674D878D37}" dt="2021-10-12T19:51:27.470" v="10"/>
+      <pc:docMkLst>
+        <pc:docMk/>
+      </pc:docMkLst>
+      <pc:sldChg chg="modSp delCm">
+        <pc:chgData name="Akilah Johnson" userId="S::akjohnso@adobe.com::2fa3aa60-0c9c-4d06-bae2-795983241227" providerId="AD" clId="Web-{D02E726A-82A5-CF13-9EBE-9B674D878D37}" dt="2021-10-12T19:51:27.470" v="10"/>
+        <pc:sldMkLst>
+          <pc:docMk/>
+          <pc:sldMk cId="2161849182" sldId="267"/>
+        </pc:sldMkLst>
+        <pc:spChg chg="mod">
+          <ac:chgData name="Akilah Johnson" userId="S::akjohnso@adobe.com::2fa3aa60-0c9c-4d06-bae2-795983241227" providerId="AD" clId="Web-{D02E726A-82A5-CF13-9EBE-9B674D878D37}" dt="2021-10-12T19:51:04.127" v="8" actId="20577"/>
+          <ac:spMkLst>
+            <pc:docMk/>
+            <pc:sldMk cId="2161849182" sldId="267"/>
+            <ac:spMk id="2" creationId="{00000000-0000-0000-0000-000000000000}"/>
+          </ac:spMkLst>
+        </pc:spChg>
+      </pc:sldChg>
+    </pc:docChg>
+  </pc:docChgLst>
+  <pc:docChgLst>
+    <pc:chgData name="Lauren Schutte" userId="6e08b2d3-447a-4d66-86be-444d50df187f" providerId="ADAL" clId="{1A3D389F-0E00-444F-BDF7-5C174E20EEC2}"/>
+    <pc:docChg chg="undo custSel modSld">
+      <pc:chgData name="Lauren Schutte" userId="6e08b2d3-447a-4d66-86be-444d50df187f" providerId="ADAL" clId="{1A3D389F-0E00-444F-BDF7-5C174E20EEC2}" dt="2021-10-13T19:40:59.066" v="67" actId="20577"/>
+      <pc:docMkLst>
+        <pc:docMk/>
+      </pc:docMkLst>
+      <pc:sldChg chg="delSp modSp mod">
+        <pc:chgData name="Lauren Schutte" userId="6e08b2d3-447a-4d66-86be-444d50df187f" providerId="ADAL" clId="{1A3D389F-0E00-444F-BDF7-5C174E20EEC2}" dt="2021-10-13T19:40:25.578" v="61" actId="478"/>
+        <pc:sldMkLst>
+          <pc:docMk/>
+          <pc:sldMk cId="5960377" sldId="259"/>
+        </pc:sldMkLst>
+        <pc:spChg chg="mod">
+          <ac:chgData name="Lauren Schutte" userId="6e08b2d3-447a-4d66-86be-444d50df187f" providerId="ADAL" clId="{1A3D389F-0E00-444F-BDF7-5C174E20EEC2}" dt="2021-10-13T19:33:45.182" v="59" actId="20577"/>
+          <ac:spMkLst>
+            <pc:docMk/>
+            <pc:sldMk cId="5960377" sldId="259"/>
+            <ac:spMk id="127" creationId="{BB896A03-8E7E-344F-BDE1-37C49461FF04}"/>
+          </ac:spMkLst>
+        </pc:spChg>
+        <pc:grpChg chg="del mod">
+          <ac:chgData name="Lauren Schutte" userId="6e08b2d3-447a-4d66-86be-444d50df187f" providerId="ADAL" clId="{1A3D389F-0E00-444F-BDF7-5C174E20EEC2}" dt="2021-10-13T19:40:25.578" v="61" actId="478"/>
+          <ac:grpSpMkLst>
+            <pc:docMk/>
+            <pc:sldMk cId="5960377" sldId="259"/>
+            <ac:grpSpMk id="62" creationId="{C539739D-1D3E-204D-9819-C44D9AE36DE8}"/>
+          </ac:grpSpMkLst>
+        </pc:grpChg>
+      </pc:sldChg>
+      <pc:sldChg chg="modSp mod">
+        <pc:chgData name="Lauren Schutte" userId="6e08b2d3-447a-4d66-86be-444d50df187f" providerId="ADAL" clId="{1A3D389F-0E00-444F-BDF7-5C174E20EEC2}" dt="2021-10-13T19:40:59.066" v="67" actId="20577"/>
+        <pc:sldMkLst>
+          <pc:docMk/>
+          <pc:sldMk cId="2161849182" sldId="267"/>
+        </pc:sldMkLst>
+        <pc:spChg chg="mod">
+          <ac:chgData name="Lauren Schutte" userId="6e08b2d3-447a-4d66-86be-444d50df187f" providerId="ADAL" clId="{1A3D389F-0E00-444F-BDF7-5C174E20EEC2}" dt="2021-10-13T19:40:59.066" v="67" actId="20577"/>
+          <ac:spMkLst>
+            <pc:docMk/>
+            <pc:sldMk cId="2161849182" sldId="267"/>
+            <ac:spMk id="2" creationId="{00000000-0000-0000-0000-000000000000}"/>
+          </ac:spMkLst>
+        </pc:spChg>
+        <pc:graphicFrameChg chg="mod modGraphic">
+          <ac:chgData name="Lauren Schutte" userId="6e08b2d3-447a-4d66-86be-444d50df187f" providerId="ADAL" clId="{1A3D389F-0E00-444F-BDF7-5C174E20EEC2}" dt="2021-10-13T19:33:05.183" v="58"/>
+          <ac:graphicFrameMkLst>
+            <pc:docMk/>
+            <pc:sldMk cId="2161849182" sldId="267"/>
+            <ac:graphicFrameMk id="9" creationId="{00000000-0000-0000-0000-000000000000}"/>
+          </ac:graphicFrameMkLst>
+        </pc:graphicFrameChg>
+      </pc:sldChg>
+    </pc:docChg>
+  </pc:docChgLst>
+</pc:chgInfo>
 </file>
 
 <file path=ppt/comments/comment1.xml><?xml version="1.0" encoding="utf-8"?>
@@ -245,7 +624,7 @@
           <a:p>
             <a:fld id="{CCB2A597-803A-C244-97E2-A01066125D19}" type="datetimeFigureOut">
               <a:rPr lang="en-US" smtClean="0"/>
-              <a:t>12/9/2021</a:t>
+              <a:t>11/12/2021</a:t>
             </a:fld>
             <a:endParaRPr lang="en-US"/>
           </a:p>
@@ -1026,7 +1405,7 @@
           <a:p>
             <a:fld id="{1D8BD707-D9CF-40AE-B4C6-C98DA3205C09}" type="datetimeFigureOut">
               <a:rPr lang="en-US"/>
-              <a:t>12/9/2021</a:t>
+              <a:t>11/12/2021</a:t>
             </a:fld>
             <a:endParaRPr lang="en-US"/>
           </a:p>
@@ -1266,7 +1645,7 @@
           <a:p>
             <a:fld id="{1D8BD707-D9CF-40AE-B4C6-C98DA3205C09}" type="datetimeFigureOut">
               <a:rPr lang="en-US"/>
-              <a:t>12/9/2021</a:t>
+              <a:t>11/12/2021</a:t>
             </a:fld>
             <a:endParaRPr lang="en-US"/>
           </a:p>
@@ -1519,7 +1898,7 @@
           <a:p>
             <a:fld id="{1D8BD707-D9CF-40AE-B4C6-C98DA3205C09}" type="datetimeFigureOut">
               <a:rPr lang="en-US"/>
-              <a:t>12/9/2021</a:t>
+              <a:t>11/12/2021</a:t>
             </a:fld>
             <a:endParaRPr lang="en-US"/>
           </a:p>
@@ -1706,7 +2085,7 @@
           <a:p>
             <a:fld id="{1D8BD707-D9CF-40AE-B4C6-C98DA3205C09}" type="datetimeFigureOut">
               <a:rPr lang="en-US"/>
-              <a:t>12/9/2021</a:t>
+              <a:t>11/12/2021</a:t>
             </a:fld>
             <a:endParaRPr lang="en-US"/>
           </a:p>
@@ -1864,7 +2243,7 @@
           <a:p>
             <a:fld id="{1D8BD707-D9CF-40AE-B4C6-C98DA3205C09}" type="datetimeFigureOut">
               <a:rPr lang="en-US"/>
-              <a:t>12/9/2021</a:t>
+              <a:t>11/12/2021</a:t>
             </a:fld>
             <a:endParaRPr lang="en-US"/>
           </a:p>
@@ -2122,7 +2501,7 @@
           <a:p>
             <a:fld id="{1D8BD707-D9CF-40AE-B4C6-C98DA3205C09}" type="datetimeFigureOut">
               <a:rPr lang="en-US"/>
-              <a:t>12/9/2021</a:t>
+              <a:t>11/12/2021</a:t>
             </a:fld>
             <a:endParaRPr lang="en-US"/>
           </a:p>
@@ -2372,32 +2751,11 @@
               </a:spcBef>
             </a:pPr>
             <a:r>
-              <a:rPr sz="2300" dirty="0">
+              <a:rPr lang="de-DE" sz="2300" dirty="0">
                 <a:latin typeface="Adobe Clean"/>
               </a:rPr>
-              <a:t>ADOBE</a:t>
-            </a:r>
-            <a:r>
-              <a:rPr lang="en-US" sz="2300" dirty="0">
-                <a:latin typeface="Adobe Clean"/>
-              </a:rPr>
-              <a:t> </a:t>
-            </a:r>
-            <a:r>
-              <a:rPr sz="2300" dirty="0">
-                <a:latin typeface="Adobe Clean"/>
-              </a:rPr>
-              <a:t>SUPPORT</a:t>
-            </a:r>
-            <a:r>
-              <a:rPr lang="en-US" sz="2300" dirty="0">
-                <a:latin typeface="Adobe Clean"/>
-              </a:rPr>
-              <a:t> PLANS</a:t>
-            </a:r>
-            <a:endParaRPr sz="2300" dirty="0">
-              <a:latin typeface="Adobe Clean" panose="020B0503020404020204" pitchFamily="34" charset="0"/>
-            </a:endParaRPr>
+              <a:t>SUPPORT-PAKETE VON ADOBE</a:t>
+            </a:r>
           </a:p>
         </p:txBody>
       </p:sp>
@@ -2431,7 +2789,7 @@
               </a:spcBef>
             </a:pPr>
             <a:r>
-              <a:rPr sz="1400" b="1" u="sng" spc="15">
+              <a:rPr lang="de-DE" sz="1400" b="1" u="sng">
                 <a:solidFill>
                   <a:srgbClr val="020302"/>
                 </a:solidFill>
@@ -2443,477 +2801,8 @@
                 <a:latin typeface="Adobe Clean"/>
                 <a:cs typeface="Adobe Clean"/>
               </a:rPr>
-              <a:t>S</a:t>
-            </a:r>
-            <a:r>
-              <a:rPr sz="1400" b="1" u="sng" spc="5">
-                <a:solidFill>
-                  <a:srgbClr val="020302"/>
-                </a:solidFill>
-                <a:uFill>
-                  <a:solidFill>
-                    <a:srgbClr val="020302"/>
-                  </a:solidFill>
-                </a:uFill>
-                <a:latin typeface="Adobe Clean"/>
-                <a:cs typeface="Adobe Clean"/>
-              </a:rPr>
-              <a:t>er</a:t>
-            </a:r>
-            <a:r>
-              <a:rPr sz="1400" b="1" u="sng" spc="10">
-                <a:solidFill>
-                  <a:srgbClr val="020302"/>
-                </a:solidFill>
-                <a:uFill>
-                  <a:solidFill>
-                    <a:srgbClr val="020302"/>
-                  </a:solidFill>
-                </a:uFill>
-                <a:latin typeface="Adobe Clean"/>
-                <a:cs typeface="Adobe Clean"/>
-              </a:rPr>
-              <a:t>vi</a:t>
-            </a:r>
-            <a:r>
-              <a:rPr sz="1400" b="1" u="sng" spc="5">
-                <a:solidFill>
-                  <a:srgbClr val="020302"/>
-                </a:solidFill>
-                <a:uFill>
-                  <a:solidFill>
-                    <a:srgbClr val="020302"/>
-                  </a:solidFill>
-                </a:uFill>
-                <a:latin typeface="Adobe Clean"/>
-                <a:cs typeface="Adobe Clean"/>
-              </a:rPr>
-              <a:t>c</a:t>
-            </a:r>
-            <a:r>
-              <a:rPr sz="1400" b="1" u="sng">
-                <a:solidFill>
-                  <a:srgbClr val="020302"/>
-                </a:solidFill>
-                <a:uFill>
-                  <a:solidFill>
-                    <a:srgbClr val="020302"/>
-                  </a:solidFill>
-                </a:uFill>
-                <a:latin typeface="Adobe Clean"/>
-                <a:cs typeface="Adobe Clean"/>
-              </a:rPr>
-              <a:t>e</a:t>
-            </a:r>
-            <a:r>
-              <a:rPr sz="1400" b="1" u="sng" spc="20">
-                <a:solidFill>
-                  <a:srgbClr val="020302"/>
-                </a:solidFill>
-                <a:uFill>
-                  <a:solidFill>
-                    <a:srgbClr val="020302"/>
-                  </a:solidFill>
-                </a:uFill>
-                <a:latin typeface="Adobe Clean"/>
-                <a:cs typeface="Adobe Clean"/>
-              </a:rPr>
-              <a:t> </a:t>
-            </a:r>
-            <a:r>
-              <a:rPr sz="1400" b="1" u="sng" spc="-15">
-                <a:solidFill>
-                  <a:srgbClr val="020302"/>
-                </a:solidFill>
-                <a:uFill>
-                  <a:solidFill>
-                    <a:srgbClr val="020302"/>
-                  </a:solidFill>
-                </a:uFill>
-                <a:latin typeface="Adobe Clean"/>
-                <a:cs typeface="Adobe Clean"/>
-              </a:rPr>
-              <a:t>Le</a:t>
-            </a:r>
-            <a:r>
-              <a:rPr sz="1400" b="1" u="sng" spc="-10">
-                <a:solidFill>
-                  <a:srgbClr val="020302"/>
-                </a:solidFill>
-                <a:uFill>
-                  <a:solidFill>
-                    <a:srgbClr val="020302"/>
-                  </a:solidFill>
-                </a:uFill>
-                <a:latin typeface="Adobe Clean"/>
-                <a:cs typeface="Adobe Clean"/>
-              </a:rPr>
-              <a:t>v</a:t>
-            </a:r>
-            <a:r>
-              <a:rPr sz="1400" b="1" u="sng" spc="-15">
-                <a:solidFill>
-                  <a:srgbClr val="020302"/>
-                </a:solidFill>
-                <a:uFill>
-                  <a:solidFill>
-                    <a:srgbClr val="020302"/>
-                  </a:solidFill>
-                </a:uFill>
-                <a:latin typeface="Adobe Clean"/>
-                <a:cs typeface="Adobe Clean"/>
-              </a:rPr>
-              <a:t>e</a:t>
-            </a:r>
-            <a:r>
-              <a:rPr sz="1400" b="1" u="sng">
-                <a:solidFill>
-                  <a:srgbClr val="020302"/>
-                </a:solidFill>
-                <a:uFill>
-                  <a:solidFill>
-                    <a:srgbClr val="020302"/>
-                  </a:solidFill>
-                </a:uFill>
-                <a:latin typeface="Adobe Clean"/>
-                <a:cs typeface="Adobe Clean"/>
-              </a:rPr>
-              <a:t>l</a:t>
-            </a:r>
-            <a:r>
-              <a:rPr sz="1400" b="1" u="sng" spc="-15">
-                <a:solidFill>
-                  <a:srgbClr val="020302"/>
-                </a:solidFill>
-                <a:uFill>
-                  <a:solidFill>
-                    <a:srgbClr val="020302"/>
-                  </a:solidFill>
-                </a:uFill>
-                <a:latin typeface="Adobe Clean"/>
-                <a:cs typeface="Adobe Clean"/>
-              </a:rPr>
-              <a:t> </a:t>
-            </a:r>
-            <a:r>
-              <a:rPr sz="1400" b="1" u="sng" spc="-55">
-                <a:solidFill>
-                  <a:srgbClr val="020302"/>
-                </a:solidFill>
-                <a:uFill>
-                  <a:solidFill>
-                    <a:srgbClr val="020302"/>
-                  </a:solidFill>
-                </a:uFill>
-                <a:latin typeface="Adobe Clean"/>
-                <a:cs typeface="Adobe Clean"/>
-              </a:rPr>
-              <a:t>T</a:t>
-            </a:r>
-            <a:r>
-              <a:rPr sz="1400" b="1" u="sng" spc="-40">
-                <a:solidFill>
-                  <a:srgbClr val="020302"/>
-                </a:solidFill>
-                <a:uFill>
-                  <a:solidFill>
-                    <a:srgbClr val="020302"/>
-                  </a:solidFill>
-                </a:uFill>
-                <a:latin typeface="Adobe Clean"/>
-                <a:cs typeface="Adobe Clean"/>
-              </a:rPr>
-              <a:t>a</a:t>
-            </a:r>
-            <a:r>
-              <a:rPr sz="1400" b="1" u="sng" spc="-45">
-                <a:solidFill>
-                  <a:srgbClr val="020302"/>
-                </a:solidFill>
-                <a:uFill>
-                  <a:solidFill>
-                    <a:srgbClr val="020302"/>
-                  </a:solidFill>
-                </a:uFill>
-                <a:latin typeface="Adobe Clean"/>
-                <a:cs typeface="Adobe Clean"/>
-              </a:rPr>
-              <a:t>r</a:t>
-            </a:r>
-            <a:r>
-              <a:rPr sz="1400" b="1" u="sng" spc="-40">
-                <a:solidFill>
-                  <a:srgbClr val="020302"/>
-                </a:solidFill>
-                <a:uFill>
-                  <a:solidFill>
-                    <a:srgbClr val="020302"/>
-                  </a:solidFill>
-                </a:uFill>
-                <a:latin typeface="Adobe Clean"/>
-                <a:cs typeface="Adobe Clean"/>
-              </a:rPr>
-              <a:t>g</a:t>
-            </a:r>
-            <a:r>
-              <a:rPr sz="1400" b="1" u="sng" spc="-50">
-                <a:solidFill>
-                  <a:srgbClr val="020302"/>
-                </a:solidFill>
-                <a:uFill>
-                  <a:solidFill>
-                    <a:srgbClr val="020302"/>
-                  </a:solidFill>
-                </a:uFill>
-                <a:latin typeface="Adobe Clean"/>
-                <a:cs typeface="Adobe Clean"/>
-              </a:rPr>
-              <a:t>et</a:t>
-            </a:r>
-            <a:r>
-              <a:rPr sz="1400" b="1" u="sng" spc="-45">
-                <a:solidFill>
-                  <a:srgbClr val="020302"/>
-                </a:solidFill>
-                <a:uFill>
-                  <a:solidFill>
-                    <a:srgbClr val="020302"/>
-                  </a:solidFill>
-                </a:uFill>
-                <a:latin typeface="Adobe Clean"/>
-                <a:cs typeface="Adobe Clean"/>
-              </a:rPr>
-              <a:t>s</a:t>
-            </a:r>
-            <a:r>
-              <a:rPr sz="1400" b="1" u="sng">
-                <a:solidFill>
-                  <a:srgbClr val="020302"/>
-                </a:solidFill>
-                <a:uFill>
-                  <a:solidFill>
-                    <a:srgbClr val="020302"/>
-                  </a:solidFill>
-                </a:uFill>
-                <a:latin typeface="Adobe Clean"/>
-                <a:cs typeface="Adobe Clean"/>
-              </a:rPr>
-              <a:t>:</a:t>
-            </a:r>
-            <a:r>
-              <a:rPr sz="1400" b="1" u="sng" spc="-85">
-                <a:solidFill>
-                  <a:srgbClr val="020302"/>
-                </a:solidFill>
-                <a:uFill>
-                  <a:solidFill>
-                    <a:srgbClr val="020302"/>
-                  </a:solidFill>
-                </a:uFill>
-                <a:latin typeface="Adobe Clean"/>
-                <a:cs typeface="Adobe Clean"/>
-              </a:rPr>
-              <a:t> </a:t>
-            </a:r>
-            <a:r>
-              <a:rPr sz="1400" b="1" u="sng" spc="-15">
-                <a:solidFill>
-                  <a:srgbClr val="020302"/>
-                </a:solidFill>
-                <a:uFill>
-                  <a:solidFill>
-                    <a:srgbClr val="020302"/>
-                  </a:solidFill>
-                </a:uFill>
-                <a:latin typeface="Adobe Clean"/>
-                <a:cs typeface="Adobe Clean"/>
-              </a:rPr>
-              <a:t>I</a:t>
-            </a:r>
-            <a:r>
-              <a:rPr sz="1400" b="1" u="sng" spc="-10">
-                <a:solidFill>
-                  <a:srgbClr val="020302"/>
-                </a:solidFill>
-                <a:uFill>
-                  <a:solidFill>
-                    <a:srgbClr val="020302"/>
-                  </a:solidFill>
-                </a:uFill>
-                <a:latin typeface="Adobe Clean"/>
-                <a:cs typeface="Adobe Clean"/>
-              </a:rPr>
-              <a:t>ni</a:t>
-            </a:r>
-            <a:r>
-              <a:rPr sz="1400" b="1" u="sng" spc="-15">
-                <a:solidFill>
-                  <a:srgbClr val="020302"/>
-                </a:solidFill>
-                <a:uFill>
-                  <a:solidFill>
-                    <a:srgbClr val="020302"/>
-                  </a:solidFill>
-                </a:uFill>
-                <a:latin typeface="Adobe Clean"/>
-                <a:cs typeface="Adobe Clean"/>
-              </a:rPr>
-              <a:t>t</a:t>
-            </a:r>
-            <a:r>
-              <a:rPr sz="1400" b="1" u="sng" spc="-10">
-                <a:solidFill>
-                  <a:srgbClr val="020302"/>
-                </a:solidFill>
-                <a:uFill>
-                  <a:solidFill>
-                    <a:srgbClr val="020302"/>
-                  </a:solidFill>
-                </a:uFill>
-                <a:latin typeface="Adobe Clean"/>
-                <a:cs typeface="Adobe Clean"/>
-              </a:rPr>
-              <a:t>i</a:t>
-            </a:r>
-            <a:r>
-              <a:rPr sz="1400" b="1" u="sng" spc="-5">
-                <a:solidFill>
-                  <a:srgbClr val="020302"/>
-                </a:solidFill>
-                <a:uFill>
-                  <a:solidFill>
-                    <a:srgbClr val="020302"/>
-                  </a:solidFill>
-                </a:uFill>
-                <a:latin typeface="Adobe Clean"/>
-                <a:cs typeface="Adobe Clean"/>
-              </a:rPr>
-              <a:t>a</a:t>
-            </a:r>
-            <a:r>
-              <a:rPr sz="1400" b="1" u="sng">
-                <a:solidFill>
-                  <a:srgbClr val="020302"/>
-                </a:solidFill>
-                <a:uFill>
-                  <a:solidFill>
-                    <a:srgbClr val="020302"/>
-                  </a:solidFill>
-                </a:uFill>
-                <a:latin typeface="Adobe Clean"/>
-                <a:cs typeface="Adobe Clean"/>
-              </a:rPr>
-              <a:t>l</a:t>
-            </a:r>
-            <a:r>
-              <a:rPr sz="1400" b="1" u="sng" spc="-145">
-                <a:solidFill>
-                  <a:srgbClr val="020302"/>
-                </a:solidFill>
-                <a:uFill>
-                  <a:solidFill>
-                    <a:srgbClr val="020302"/>
-                  </a:solidFill>
-                </a:uFill>
-                <a:latin typeface="Adobe Clean"/>
-                <a:cs typeface="Adobe Clean"/>
-              </a:rPr>
-              <a:t> </a:t>
-            </a:r>
-            <a:r>
-              <a:rPr sz="1400" b="1" u="sng" spc="-15">
-                <a:solidFill>
-                  <a:srgbClr val="020302"/>
-                </a:solidFill>
-                <a:uFill>
-                  <a:solidFill>
-                    <a:srgbClr val="020302"/>
-                  </a:solidFill>
-                </a:uFill>
-                <a:latin typeface="Adobe Clean"/>
-                <a:cs typeface="Adobe Clean"/>
-              </a:rPr>
-              <a:t>R</a:t>
-            </a:r>
-            <a:r>
-              <a:rPr sz="1400" b="1" u="sng" spc="-20">
-                <a:solidFill>
-                  <a:srgbClr val="020302"/>
-                </a:solidFill>
-                <a:uFill>
-                  <a:solidFill>
-                    <a:srgbClr val="020302"/>
-                  </a:solidFill>
-                </a:uFill>
-                <a:latin typeface="Adobe Clean"/>
-                <a:cs typeface="Adobe Clean"/>
-              </a:rPr>
-              <a:t>e</a:t>
-            </a:r>
-            <a:r>
-              <a:rPr sz="1400" b="1" u="sng" spc="-15">
-                <a:solidFill>
-                  <a:srgbClr val="020302"/>
-                </a:solidFill>
-                <a:uFill>
-                  <a:solidFill>
-                    <a:srgbClr val="020302"/>
-                  </a:solidFill>
-                </a:uFill>
-                <a:latin typeface="Adobe Clean"/>
-                <a:cs typeface="Adobe Clean"/>
-              </a:rPr>
-              <a:t>s</a:t>
-            </a:r>
-            <a:r>
-              <a:rPr sz="1400" b="1" u="sng" spc="-20">
-                <a:solidFill>
-                  <a:srgbClr val="020302"/>
-                </a:solidFill>
-                <a:uFill>
-                  <a:solidFill>
-                    <a:srgbClr val="020302"/>
-                  </a:solidFill>
-                </a:uFill>
-                <a:latin typeface="Adobe Clean"/>
-                <a:cs typeface="Adobe Clean"/>
-              </a:rPr>
-              <a:t>p</a:t>
-            </a:r>
-            <a:r>
-              <a:rPr sz="1400" b="1" u="sng" spc="-15">
-                <a:solidFill>
-                  <a:srgbClr val="020302"/>
-                </a:solidFill>
-                <a:uFill>
-                  <a:solidFill>
-                    <a:srgbClr val="020302"/>
-                  </a:solidFill>
-                </a:uFill>
-                <a:latin typeface="Adobe Clean"/>
-                <a:cs typeface="Adobe Clean"/>
-              </a:rPr>
-              <a:t>ons</a:t>
-            </a:r>
-            <a:r>
-              <a:rPr sz="1400" b="1" u="sng">
-                <a:solidFill>
-                  <a:srgbClr val="020302"/>
-                </a:solidFill>
-                <a:uFill>
-                  <a:solidFill>
-                    <a:srgbClr val="020302"/>
-                  </a:solidFill>
-                </a:uFill>
-                <a:latin typeface="Adobe Clean"/>
-                <a:cs typeface="Adobe Clean"/>
-              </a:rPr>
-              <a:t>e</a:t>
-            </a:r>
-            <a:endParaRPr sz="1400" u="sng">
-              <a:latin typeface="Adobe Clean"/>
-              <a:cs typeface="Adobe Clean"/>
-            </a:endParaRPr>
+              <a:t>Service-Level-Ziele: Erste Reaktion</a:t>
+            </a:r>
           </a:p>
         </p:txBody>
       </p:sp>
@@ -2926,14 +2815,14 @@
           <p:nvPr>
             <p:extLst>
               <p:ext uri="{D42A27DB-BD31-4B8C-83A1-F6EECF244321}">
-                <p14:modId xmlns:p14="http://schemas.microsoft.com/office/powerpoint/2010/main" val="3537242808"/>
+                <p14:modId xmlns:p14="http://schemas.microsoft.com/office/powerpoint/2010/main" val="3384739407"/>
               </p:ext>
             </p:extLst>
           </p:nvPr>
         </p:nvGraphicFramePr>
         <p:xfrm>
-          <a:off x="146919" y="7473158"/>
-          <a:ext cx="7477080" cy="2256833"/>
+          <a:off x="146919" y="7336633"/>
+          <a:ext cx="7477080" cy="2511645"/>
         </p:xfrm>
         <a:graphic>
           <a:graphicData uri="http://schemas.openxmlformats.org/drawingml/2006/table">
@@ -2979,19 +2868,15 @@
                         </a:spcBef>
                       </a:pPr>
                       <a:r>
-                        <a:rPr sz="900" spc="-20" dirty="0">
+                        <a:rPr lang="de-DE" sz="900">
                           <a:solidFill>
                             <a:srgbClr val="020302"/>
                           </a:solidFill>
                           <a:latin typeface="Adobe Clean"/>
                           <a:cs typeface="Adobe Clean"/>
                         </a:rPr>
-                        <a:t>Priority</a:t>
+                        <a:t>Priorität</a:t>
                       </a:r>
-                      <a:endParaRPr sz="900" dirty="0">
-                        <a:latin typeface="Adobe Clean"/>
-                        <a:cs typeface="Adobe Clean"/>
-                      </a:endParaRPr>
                     </a:p>
                   </a:txBody>
                   <a:tcPr marL="0" marR="0" marT="6985" marB="0" anchor="ctr">
@@ -3038,7 +2923,7 @@
                         </a:spcBef>
                       </a:pPr>
                       <a:r>
-                        <a:rPr sz="900" spc="0" dirty="0">
+                        <a:rPr lang="de-DE" sz="900" dirty="0">
                           <a:solidFill>
                             <a:srgbClr val="020302"/>
                           </a:solidFill>
@@ -3047,10 +2932,6 @@
                         </a:rPr>
                         <a:t>Online Support</a:t>
                       </a:r>
-                      <a:endParaRPr sz="900" spc="0" dirty="0">
-                        <a:latin typeface="Adobe Clean"/>
-                        <a:cs typeface="Adobe Clean"/>
-                      </a:endParaRPr>
                     </a:p>
                   </a:txBody>
                   <a:tcPr marL="0" marR="0" marT="0" marB="0" anchor="ctr">
@@ -3100,7 +2981,7 @@
                         </a:spcBef>
                       </a:pPr>
                       <a:r>
-                        <a:rPr sz="900" spc="0" dirty="0">
+                        <a:rPr lang="de-DE" sz="900">
                           <a:solidFill>
                             <a:srgbClr val="FFFFFF"/>
                           </a:solidFill>
@@ -3109,10 +2990,6 @@
                         </a:rPr>
                         <a:t>Enterprise Support</a:t>
                       </a:r>
-                      <a:endParaRPr sz="900" spc="0" dirty="0">
-                        <a:latin typeface="Adobe Clean"/>
-                        <a:cs typeface="Adobe Clean"/>
-                      </a:endParaRPr>
                     </a:p>
                   </a:txBody>
                   <a:tcPr marL="0" marR="0" marT="0" marB="0" anchor="ctr">
@@ -3172,109 +3049,15 @@
                         </a:spcBef>
                       </a:pPr>
                       <a:r>
-                        <a:rPr sz="900" b="1" spc="-15" dirty="0">
+                        <a:rPr lang="de-DE" sz="900" b="1" dirty="0">
                           <a:solidFill>
                             <a:srgbClr val="020302"/>
                           </a:solidFill>
                           <a:latin typeface="Adobe Clean"/>
                           <a:cs typeface="Adobe Clean"/>
                         </a:rPr>
-                        <a:t>P</a:t>
+                        <a:t>PRIORITÄT 1</a:t>
                       </a:r>
-                      <a:r>
-                        <a:rPr sz="900" b="1" spc="-20" dirty="0">
-                          <a:solidFill>
-                            <a:srgbClr val="020302"/>
-                          </a:solidFill>
-                          <a:latin typeface="Adobe Clean"/>
-                          <a:cs typeface="Adobe Clean"/>
-                        </a:rPr>
-                        <a:t>R</a:t>
-                      </a:r>
-                      <a:r>
-                        <a:rPr sz="900" b="1" spc="-25" dirty="0">
-                          <a:solidFill>
-                            <a:srgbClr val="020302"/>
-                          </a:solidFill>
-                          <a:latin typeface="Adobe Clean"/>
-                          <a:cs typeface="Adobe Clean"/>
-                        </a:rPr>
-                        <a:t>I</a:t>
-                      </a:r>
-                      <a:r>
-                        <a:rPr sz="900" b="1" spc="-15" dirty="0">
-                          <a:solidFill>
-                            <a:srgbClr val="020302"/>
-                          </a:solidFill>
-                          <a:latin typeface="Adobe Clean"/>
-                          <a:cs typeface="Adobe Clean"/>
-                        </a:rPr>
-                        <a:t>O</a:t>
-                      </a:r>
-                      <a:r>
-                        <a:rPr sz="900" b="1" spc="-20" dirty="0">
-                          <a:solidFill>
-                            <a:srgbClr val="020302"/>
-                          </a:solidFill>
-                          <a:latin typeface="Adobe Clean"/>
-                          <a:cs typeface="Adobe Clean"/>
-                        </a:rPr>
-                        <a:t>R</a:t>
-                      </a:r>
-                      <a:r>
-                        <a:rPr sz="900" b="1" spc="-25" dirty="0">
-                          <a:solidFill>
-                            <a:srgbClr val="020302"/>
-                          </a:solidFill>
-                          <a:latin typeface="Adobe Clean"/>
-                          <a:cs typeface="Adobe Clean"/>
-                        </a:rPr>
-                        <a:t>I</a:t>
-                      </a:r>
-                      <a:r>
-                        <a:rPr sz="900" b="1" spc="-15" dirty="0">
-                          <a:solidFill>
-                            <a:srgbClr val="020302"/>
-                          </a:solidFill>
-                          <a:latin typeface="Adobe Clean"/>
-                          <a:cs typeface="Adobe Clean"/>
-                        </a:rPr>
-                        <a:t>T</a:t>
-                      </a:r>
-                      <a:r>
-                        <a:rPr sz="900" b="1" dirty="0">
-                          <a:solidFill>
-                            <a:srgbClr val="020302"/>
-                          </a:solidFill>
-                          <a:latin typeface="Adobe Clean"/>
-                          <a:cs typeface="Adobe Clean"/>
-                        </a:rPr>
-                        <a:t>Y</a:t>
-                      </a:r>
-                      <a:r>
-                        <a:rPr sz="900" b="1" spc="-40" dirty="0">
-                          <a:solidFill>
-                            <a:srgbClr val="020302"/>
-                          </a:solidFill>
-                          <a:latin typeface="Adobe Clean"/>
-                          <a:cs typeface="Adobe Clean"/>
-                        </a:rPr>
-                        <a:t> </a:t>
-                      </a:r>
-                      <a:r>
-                        <a:rPr sz="900" b="1" dirty="0">
-                          <a:solidFill>
-                            <a:srgbClr val="020302"/>
-                          </a:solidFill>
-                          <a:latin typeface="Adobe Clean"/>
-                          <a:cs typeface="Adobe Clean"/>
-                        </a:rPr>
-                        <a:t>1</a:t>
-                      </a:r>
-                      <a:endParaRPr sz="900" dirty="0">
-                        <a:latin typeface="Adobe Clean"/>
-                        <a:cs typeface="Adobe Clean"/>
-                      </a:endParaRPr>
                     </a:p>
                     <a:p>
                       <a:pPr marL="50800" marR="387985" lvl="0" indent="0" eaLnBrk="1" fontAlgn="auto" latinLnBrk="0" hangingPunct="1">
@@ -3293,34 +3076,51 @@
                         <a:buNone/>
                       </a:pPr>
                       <a:r>
-                        <a:rPr lang="en-US" sz="900" b="0" i="0" spc="-130" dirty="0">
+                        <a:rPr lang="de-DE" sz="900" b="0" i="0" dirty="0">
                           <a:solidFill>
                             <a:srgbClr val="020302"/>
                           </a:solidFill>
                           <a:latin typeface="Adobe Clean Light"/>
+                          <a:ea typeface="+mn-ea"/>
                           <a:cs typeface="+mn-cs"/>
                         </a:rPr>
                         <a:t> </a:t>
                       </a:r>
                       <a:r>
-                        <a:rPr lang="en-US" sz="900" b="0" i="0" u="none" strike="noStrike" dirty="0">
+                        <a:rPr lang="de-DE" sz="900" b="0" i="0" u="none" strike="noStrike" dirty="0">
                           <a:solidFill>
                             <a:schemeClr val="tx1"/>
                           </a:solidFill>
-                          <a:effectLst/>
                           <a:latin typeface="Adobe Clean Light"/>
                           <a:ea typeface="+mn-ea"/>
                           <a:cs typeface="+mn-cs"/>
                         </a:rPr>
-                        <a:t>Customer's production business functions are down or have significant data loss or degradation of services and immediate attention is required to restore functionality and usability</a:t>
+                        <a:t>Die Produktionsfunktionen im Unternehmen des Kunden sind ausgefallen oder weisen </a:t>
                       </a:r>
-                      <a:endParaRPr lang="en-US" sz="900" b="0" i="0" dirty="0">
-                        <a:latin typeface="Adobe Clean Light"/>
-                        <a:cs typeface="AdobeClean-Light"/>
-                      </a:endParaRPr>
+                      <a:br>
+                        <a:rPr lang="de-DE" sz="900" b="0" i="0" u="none" strike="noStrike" dirty="0">
+                          <a:solidFill>
+                            <a:schemeClr val="tx1"/>
+                          </a:solidFill>
+                          <a:latin typeface="Adobe Clean Light"/>
+                          <a:ea typeface="+mn-ea"/>
+                          <a:cs typeface="+mn-cs"/>
+                        </a:rPr>
+                      </a:br>
+                      <a:r>
+                        <a:rPr lang="de-DE" sz="900" b="0" i="0" u="none" strike="noStrike" dirty="0">
+                          <a:solidFill>
+                            <a:schemeClr val="tx1"/>
+                          </a:solidFill>
+                          <a:latin typeface="Adobe Clean Light"/>
+                          <a:ea typeface="+mn-ea"/>
+                          <a:cs typeface="+mn-cs"/>
+                        </a:rPr>
+                        <a:t>einen erheblichen Datenverlust oder eine Beeinträchtigung des Service auf und ein sofortiges Eingreifen ist nötig, um Funktionalität und Nutzbarkeit wiederherzustellen</a:t>
+                      </a:r>
                     </a:p>
                   </a:txBody>
-                  <a:tcPr marL="0" marR="0" marT="0" marB="0" anchor="ctr">
+                  <a:tcPr marL="0" marR="0" marT="0" marB="36000" anchor="ctr">
                     <a:lnL w="6350">
                       <a:solidFill>
                         <a:srgbClr val="B7B8B8"/>
@@ -3357,14 +3157,13 @@
                     <a:p>
                       <a:pPr algn="ctr" fontAlgn="ctr"/>
                       <a:r>
-                        <a:rPr lang="en-US" sz="900" b="0" i="0" u="none" strike="noStrike" dirty="0">
+                        <a:rPr lang="de-DE" sz="900" b="0" i="0" u="none" strike="noStrike">
                           <a:solidFill>
                             <a:srgbClr val="020302"/>
                           </a:solidFill>
-                          <a:effectLst/>
                           <a:latin typeface="AdobeClean-Light" panose="020B0503020404020204" pitchFamily="34" charset="0"/>
                         </a:rPr>
-                        <a:t>24x7 /  1 hour</a:t>
+                        <a:t>24x7/1 Stunde</a:t>
                       </a:r>
                     </a:p>
                   </a:txBody>
@@ -3405,14 +3204,13 @@
                     <a:p>
                       <a:pPr algn="ctr" fontAlgn="ctr"/>
                       <a:r>
-                        <a:rPr lang="en-US" sz="900" b="0" i="0" u="none" strike="noStrike" dirty="0">
+                        <a:rPr lang="de-DE" sz="900" b="0" i="0" u="none" strike="noStrike">
                           <a:solidFill>
                             <a:srgbClr val="020302"/>
                           </a:solidFill>
-                          <a:effectLst/>
-                          <a:latin typeface="AdobeClean-Light"/>
+                          <a:latin typeface="AdobeClean-Light" panose="020B0503020404020204" pitchFamily="34" charset="0"/>
                         </a:rPr>
-                        <a:t>24x7 / 30 minutes</a:t>
+                        <a:t>24x7/30 Minuten</a:t>
                       </a:r>
                     </a:p>
                   </a:txBody>
@@ -3478,172 +3276,60 @@
                         </a:spcBef>
                       </a:pPr>
                       <a:r>
-                        <a:rPr sz="900" b="1" spc="-15" dirty="0">
+                        <a:rPr lang="de-DE" sz="900" b="1" dirty="0">
                           <a:solidFill>
                             <a:srgbClr val="020302"/>
                           </a:solidFill>
                           <a:latin typeface="Adobe Clean"/>
                           <a:cs typeface="Adobe Clean"/>
                         </a:rPr>
-                        <a:t>P</a:t>
+                        <a:t>PRIORITÄT 2</a:t>
                       </a:r>
-                      <a:r>
-                        <a:rPr sz="900" b="1" spc="-20" dirty="0">
-                          <a:solidFill>
-                            <a:srgbClr val="020302"/>
-                          </a:solidFill>
-                          <a:latin typeface="Adobe Clean"/>
-                          <a:cs typeface="Adobe Clean"/>
-                        </a:rPr>
-                        <a:t>R</a:t>
-                      </a:r>
-                      <a:r>
-                        <a:rPr sz="900" b="1" spc="-25" dirty="0">
-                          <a:solidFill>
-                            <a:srgbClr val="020302"/>
-                          </a:solidFill>
-                          <a:latin typeface="Adobe Clean"/>
-                          <a:cs typeface="Adobe Clean"/>
-                        </a:rPr>
-                        <a:t>I</a:t>
-                      </a:r>
-                      <a:r>
-                        <a:rPr sz="900" b="1" spc="-15" dirty="0">
-                          <a:solidFill>
-                            <a:srgbClr val="020302"/>
-                          </a:solidFill>
-                          <a:latin typeface="Adobe Clean"/>
-                          <a:cs typeface="Adobe Clean"/>
-                        </a:rPr>
-                        <a:t>O</a:t>
-                      </a:r>
-                      <a:r>
-                        <a:rPr sz="900" b="1" spc="-20" dirty="0">
-                          <a:solidFill>
-                            <a:srgbClr val="020302"/>
-                          </a:solidFill>
-                          <a:latin typeface="Adobe Clean"/>
-                          <a:cs typeface="Adobe Clean"/>
-                        </a:rPr>
-                        <a:t>R</a:t>
-                      </a:r>
-                      <a:r>
-                        <a:rPr sz="900" b="1" spc="-25" dirty="0">
-                          <a:solidFill>
-                            <a:srgbClr val="020302"/>
-                          </a:solidFill>
-                          <a:latin typeface="Adobe Clean"/>
-                          <a:cs typeface="Adobe Clean"/>
-                        </a:rPr>
-                        <a:t>I</a:t>
-                      </a:r>
-                      <a:r>
-                        <a:rPr sz="900" b="1" spc="-15" dirty="0">
-                          <a:solidFill>
-                            <a:srgbClr val="020302"/>
-                          </a:solidFill>
-                          <a:latin typeface="Adobe Clean"/>
-                          <a:cs typeface="Adobe Clean"/>
-                        </a:rPr>
-                        <a:t>T</a:t>
-                      </a:r>
-                      <a:r>
-                        <a:rPr sz="900" b="1" dirty="0">
-                          <a:solidFill>
-                            <a:srgbClr val="020302"/>
-                          </a:solidFill>
-                          <a:latin typeface="Adobe Clean"/>
-                          <a:cs typeface="Adobe Clean"/>
-                        </a:rPr>
-                        <a:t>Y</a:t>
-                      </a:r>
-                      <a:r>
-                        <a:rPr sz="900" b="1" spc="-40" dirty="0">
-                          <a:solidFill>
-                            <a:srgbClr val="020302"/>
-                          </a:solidFill>
-                          <a:latin typeface="Adobe Clean"/>
-                          <a:cs typeface="Adobe Clean"/>
-                        </a:rPr>
-                        <a:t> </a:t>
-                      </a:r>
-                      <a:r>
-                        <a:rPr sz="900" b="1" dirty="0">
-                          <a:solidFill>
-                            <a:srgbClr val="020302"/>
-                          </a:solidFill>
-                          <a:latin typeface="Adobe Clean"/>
-                          <a:cs typeface="Adobe Clean"/>
-                        </a:rPr>
-                        <a:t>2</a:t>
-                      </a:r>
-                      <a:endParaRPr lang="en-US" sz="900" b="1" dirty="0">
-                        <a:solidFill>
-                          <a:srgbClr val="020302"/>
-                        </a:solidFill>
-                        <a:latin typeface="Adobe Clean"/>
-                        <a:cs typeface="Adobe Clean"/>
-                      </a:endParaRPr>
                     </a:p>
                     <a:p>
-                      <a:pPr marL="50800" marR="0" lvl="0" indent="0" defTabSz="914400" eaLnBrk="1" fontAlgn="auto" latinLnBrk="0" hangingPunct="1">
+                      <a:pPr marL="50165" marR="203200">
                         <a:lnSpc>
-                          <a:spcPct val="100000"/>
+                          <a:spcPts val="1000"/>
                         </a:lnSpc>
                         <a:spcBef>
-                          <a:spcPts val="125"/>
+                          <a:spcPts val="415"/>
                         </a:spcBef>
-                        <a:spcAft>
-                          <a:spcPts val="0"/>
-                        </a:spcAft>
-                        <a:buClrTx/>
-                        <a:buSzTx/>
-                        <a:buFontTx/>
-                        <a:buNone/>
-                        <a:tabLst/>
-                        <a:defRPr/>
                       </a:pPr>
                       <a:r>
-                        <a:rPr lang="en-US" sz="900" b="0" i="0" spc="-130" dirty="0">
-                          <a:solidFill>
-                            <a:srgbClr val="020302"/>
-                          </a:solidFill>
-                          <a:latin typeface="Adobe Clean Light"/>
-                          <a:cs typeface="+mn-cs"/>
-                        </a:rPr>
-                        <a:t> </a:t>
-                      </a:r>
-                      <a:r>
-                        <a:rPr lang="en-US" sz="900" b="0" i="0" u="none" strike="noStrike" dirty="0">
+                        <a:rPr lang="de-DE" sz="900" b="0" i="0" u="none" strike="noStrike" dirty="0">
                           <a:solidFill>
                             <a:schemeClr val="tx1"/>
                           </a:solidFill>
-                          <a:effectLst/>
                           <a:latin typeface="Adobe Clean Light"/>
                           <a:ea typeface="+mn-ea"/>
                           <a:cs typeface="+mn-cs"/>
                         </a:rPr>
-                        <a:t>Customer’s business functions have major service degradations or potential data loss, or a major feature </a:t>
+                        <a:t>Die Unternehmensfunktionen des Kunden weisen eine erhebliche Beeinträchtigung des Service, möglichen Datenverlust oder Nichtverfügbarkeit von Services auf oder eine zentrale Funktion </a:t>
                       </a:r>
-                      <a:r>
-                        <a:rPr lang="en-US" sz="900" b="0" i="0" u="none" strike="noStrike">
+                      <a:br>
+                        <a:rPr lang="de-DE" sz="900" b="0" i="0" u="none" strike="noStrike" dirty="0">
                           <a:solidFill>
                             <a:schemeClr val="tx1"/>
                           </a:solidFill>
-                          <a:effectLst/>
                           <a:latin typeface="Adobe Clean Light"/>
                           <a:ea typeface="+mn-ea"/>
                           <a:cs typeface="+mn-cs"/>
                         </a:rPr>
-                        <a:t>is impacted.</a:t>
+                      </a:br>
+                      <a:r>
+                        <a:rPr lang="de-DE" sz="900" b="0" i="0" u="none" strike="noStrike" dirty="0">
+                          <a:solidFill>
+                            <a:schemeClr val="tx1"/>
+                          </a:solidFill>
+                          <a:latin typeface="Adobe Clean Light"/>
+                          <a:ea typeface="+mn-ea"/>
+                          <a:cs typeface="+mn-cs"/>
+                        </a:rPr>
+                        <a:t>ist betroffen</a:t>
                       </a:r>
-                      <a:endParaRPr lang="en-US" sz="900" b="0" i="0" dirty="0">
-                        <a:latin typeface="Adobe Clean Light"/>
-                        <a:cs typeface="AdobeClean-Light"/>
-                      </a:endParaRPr>
                     </a:p>
                   </a:txBody>
-                  <a:tcPr marL="0" marR="0" marT="0" marB="0" anchor="ctr">
+                  <a:tcPr marL="0" marR="0" marT="0" marB="36000" anchor="ctr">
                     <a:lnL w="6350">
                       <a:solidFill>
                         <a:srgbClr val="B7B8B8"/>
@@ -3680,14 +3366,13 @@
                     <a:p>
                       <a:pPr algn="ctr" fontAlgn="ctr"/>
                       <a:r>
-                        <a:rPr lang="en-US" sz="900" b="0" i="0" u="none" strike="noStrike" dirty="0">
+                        <a:rPr lang="de-DE" sz="900" b="0" i="0" u="none" strike="noStrike" dirty="0">
                           <a:solidFill>
                             <a:srgbClr val="020302"/>
                           </a:solidFill>
-                          <a:effectLst/>
                           <a:latin typeface="AdobeClean-Light" panose="020B0503020404020204" pitchFamily="34" charset="0"/>
                         </a:rPr>
-                        <a:t>Business hours / 4 hours</a:t>
+                        <a:t>Geschäftszeiten/4 Stunden</a:t>
                       </a:r>
                     </a:p>
                   </a:txBody>
@@ -3728,14 +3413,13 @@
                     <a:p>
                       <a:pPr algn="ctr" fontAlgn="ctr"/>
                       <a:r>
-                        <a:rPr lang="en-US" sz="900" b="0" i="0" u="none" strike="noStrike" dirty="0">
+                        <a:rPr lang="de-DE" sz="900" b="0" i="0" u="none" strike="noStrike">
                           <a:solidFill>
                             <a:srgbClr val="020302"/>
                           </a:solidFill>
-                          <a:effectLst/>
-                          <a:latin typeface="AdobeClean-Light"/>
+                          <a:latin typeface="AdobeClean-Light" panose="020B0503020404020204" pitchFamily="34" charset="0"/>
                         </a:rPr>
-                        <a:t>24x5 / 1 hour</a:t>
+                        <a:t>24x5/1 Stunde</a:t>
                       </a:r>
                     </a:p>
                   </a:txBody>
@@ -3798,109 +3482,15 @@
                         </a:spcBef>
                       </a:pPr>
                       <a:r>
-                        <a:rPr sz="900" b="1" spc="-15" dirty="0">
+                        <a:rPr lang="de-DE" sz="900" b="1" dirty="0">
                           <a:solidFill>
                             <a:srgbClr val="020302"/>
                           </a:solidFill>
                           <a:latin typeface="Adobe Clean"/>
                           <a:cs typeface="Adobe Clean"/>
                         </a:rPr>
-                        <a:t>P</a:t>
+                        <a:t>PRIORITÄT 3</a:t>
                       </a:r>
-                      <a:r>
-                        <a:rPr sz="900" b="1" spc="-20" dirty="0">
-                          <a:solidFill>
-                            <a:srgbClr val="020302"/>
-                          </a:solidFill>
-                          <a:latin typeface="Adobe Clean"/>
-                          <a:cs typeface="Adobe Clean"/>
-                        </a:rPr>
-                        <a:t>R</a:t>
-                      </a:r>
-                      <a:r>
-                        <a:rPr sz="900" b="1" spc="-25" dirty="0">
-                          <a:solidFill>
-                            <a:srgbClr val="020302"/>
-                          </a:solidFill>
-                          <a:latin typeface="Adobe Clean"/>
-                          <a:cs typeface="Adobe Clean"/>
-                        </a:rPr>
-                        <a:t>I</a:t>
-                      </a:r>
-                      <a:r>
-                        <a:rPr sz="900" b="1" spc="-15" dirty="0">
-                          <a:solidFill>
-                            <a:srgbClr val="020302"/>
-                          </a:solidFill>
-                          <a:latin typeface="Adobe Clean"/>
-                          <a:cs typeface="Adobe Clean"/>
-                        </a:rPr>
-                        <a:t>O</a:t>
-                      </a:r>
-                      <a:r>
-                        <a:rPr sz="900" b="1" spc="-20" dirty="0">
-                          <a:solidFill>
-                            <a:srgbClr val="020302"/>
-                          </a:solidFill>
-                          <a:latin typeface="Adobe Clean"/>
-                          <a:cs typeface="Adobe Clean"/>
-                        </a:rPr>
-                        <a:t>R</a:t>
-                      </a:r>
-                      <a:r>
-                        <a:rPr sz="900" b="1" spc="-25" dirty="0">
-                          <a:solidFill>
-                            <a:srgbClr val="020302"/>
-                          </a:solidFill>
-                          <a:latin typeface="Adobe Clean"/>
-                          <a:cs typeface="Adobe Clean"/>
-                        </a:rPr>
-                        <a:t>I</a:t>
-                      </a:r>
-                      <a:r>
-                        <a:rPr sz="900" b="1" spc="-15" dirty="0">
-                          <a:solidFill>
-                            <a:srgbClr val="020302"/>
-                          </a:solidFill>
-                          <a:latin typeface="Adobe Clean"/>
-                          <a:cs typeface="Adobe Clean"/>
-                        </a:rPr>
-                        <a:t>T</a:t>
-                      </a:r>
-                      <a:r>
-                        <a:rPr sz="900" b="1" dirty="0">
-                          <a:solidFill>
-                            <a:srgbClr val="020302"/>
-                          </a:solidFill>
-                          <a:latin typeface="Adobe Clean"/>
-                          <a:cs typeface="Adobe Clean"/>
-                        </a:rPr>
-                        <a:t>Y</a:t>
-                      </a:r>
-                      <a:r>
-                        <a:rPr sz="900" b="1" spc="-40" dirty="0">
-                          <a:solidFill>
-                            <a:srgbClr val="020302"/>
-                          </a:solidFill>
-                          <a:latin typeface="Adobe Clean"/>
-                          <a:cs typeface="Adobe Clean"/>
-                        </a:rPr>
-                        <a:t> </a:t>
-                      </a:r>
-                      <a:r>
-                        <a:rPr sz="900" b="1" dirty="0">
-                          <a:solidFill>
-                            <a:srgbClr val="020302"/>
-                          </a:solidFill>
-                          <a:latin typeface="Adobe Clean"/>
-                          <a:cs typeface="Adobe Clean"/>
-                        </a:rPr>
-                        <a:t>3</a:t>
-                      </a:r>
-                      <a:endParaRPr sz="900" dirty="0">
-                        <a:latin typeface="Adobe Clean"/>
-                        <a:cs typeface="Adobe Clean"/>
-                      </a:endParaRPr>
                     </a:p>
                     <a:p>
                       <a:pPr marL="49530" marR="212090" indent="-2540">
@@ -3912,48 +3502,40 @@
                         </a:spcBef>
                       </a:pPr>
                       <a:r>
-                        <a:rPr lang="en-US" sz="900" b="0" i="0" u="none" strike="noStrike" dirty="0">
+                        <a:rPr lang="de-DE" sz="900" b="0" i="0" u="none" strike="noStrike" dirty="0">
                           <a:solidFill>
                             <a:schemeClr val="tx1"/>
                           </a:solidFill>
-                          <a:effectLst/>
                           <a:latin typeface="Adobe Clean Light"/>
                           <a:ea typeface="+mn-ea"/>
                           <a:cs typeface="+mn-cs"/>
                         </a:rPr>
-                        <a:t>Customer's business </a:t>
+                        <a:t>Die Unternehmensfunktionen des Kunden weisen eine geringfügige oder gar keine Beeinträchtigung der Services auf und es gibt eine Lösung/Problemumgehung, mit </a:t>
                       </a:r>
-                      <a:r>
-                        <a:rPr lang="en-US" sz="900" b="0" i="0" u="none" strike="noStrike">
+                      <a:br>
+                        <a:rPr lang="de-DE" sz="900" b="0" i="0" u="none" strike="noStrike" dirty="0">
                           <a:solidFill>
                             <a:schemeClr val="tx1"/>
                           </a:solidFill>
-                          <a:effectLst/>
                           <a:latin typeface="Adobe Clean Light"/>
                           <a:ea typeface="+mn-ea"/>
                           <a:cs typeface="+mn-cs"/>
                         </a:rPr>
-                        <a:t>functions have </a:t>
-                      </a:r>
+                      </a:br>
                       <a:r>
-                        <a:rPr lang="en-US" sz="900" b="0" i="0" u="none" strike="noStrike" dirty="0">
+                        <a:rPr lang="de-DE" sz="900" b="0" i="0" u="none" strike="noStrike" dirty="0">
                           <a:solidFill>
                             <a:schemeClr val="tx1"/>
                           </a:solidFill>
-                          <a:effectLst/>
                           <a:latin typeface="Adobe Clean Light"/>
                           <a:ea typeface="+mn-ea"/>
                           <a:cs typeface="+mn-cs"/>
                         </a:rPr>
-                        <a:t>minor to no degradation of services with a solution/workaround allowing business functions to continue </a:t>
+                        <a:t>der die Unternehmensfunktionen weiterhin genutzt werden können. </a:t>
                       </a:r>
-                      <a:endParaRPr lang="en-US" sz="900" b="0" i="0" dirty="0">
-                        <a:latin typeface="Adobe Clean Light"/>
-                        <a:cs typeface="AdobeClean-Light"/>
-                      </a:endParaRPr>
                     </a:p>
                   </a:txBody>
-                  <a:tcPr marL="0" marR="0" marT="0" marB="0" anchor="ctr">
+                  <a:tcPr marL="0" marR="0" marT="0" marB="36000" anchor="ctr">
                     <a:lnL w="6350">
                       <a:solidFill>
                         <a:srgbClr val="B7B8B8"/>
@@ -3990,14 +3572,13 @@
                     <a:p>
                       <a:pPr algn="ctr" fontAlgn="ctr"/>
                       <a:r>
-                        <a:rPr lang="en-US" sz="900" b="0" i="0" u="none" strike="noStrike" dirty="0">
+                        <a:rPr lang="de-DE" sz="900" b="0" i="0" u="none" strike="noStrike">
                           <a:solidFill>
                             <a:srgbClr val="020302"/>
                           </a:solidFill>
-                          <a:effectLst/>
                           <a:latin typeface="AdobeClean-Light" panose="020B0503020404020204" pitchFamily="34" charset="0"/>
                         </a:rPr>
-                        <a:t>Business hours / 6 hours</a:t>
+                        <a:t>Geschäftszeiten/6 Stunden</a:t>
                       </a:r>
                     </a:p>
                   </a:txBody>
@@ -4038,14 +3619,13 @@
                     <a:p>
                       <a:pPr algn="ctr" fontAlgn="ctr"/>
                       <a:r>
-                        <a:rPr lang="en-US" sz="900" b="0" i="0" u="none" strike="noStrike" dirty="0">
+                        <a:rPr lang="de-DE" sz="900" b="0" i="0" u="none" strike="noStrike">
                           <a:solidFill>
                             <a:srgbClr val="020302"/>
                           </a:solidFill>
-                          <a:effectLst/>
-                          <a:latin typeface="AdobeClean-Light"/>
+                          <a:latin typeface="AdobeClean-Light" panose="020B0503020404020204" pitchFamily="34" charset="0"/>
                         </a:rPr>
-                        <a:t>Business hours / 2 hours</a:t>
+                        <a:t>Geschäftszeiten/2 Stunden</a:t>
                       </a:r>
                     </a:p>
                   </a:txBody>
@@ -4108,109 +3688,15 @@
                         </a:spcBef>
                       </a:pPr>
                       <a:r>
-                        <a:rPr sz="900" b="1" spc="-15" dirty="0">
+                        <a:rPr lang="de-DE" sz="900" b="1" dirty="0">
                           <a:solidFill>
                             <a:srgbClr val="020302"/>
                           </a:solidFill>
                           <a:latin typeface="Adobe Clean"/>
                           <a:cs typeface="Adobe Clean"/>
                         </a:rPr>
-                        <a:t>P</a:t>
+                        <a:t>PRIORITÄT 4</a:t>
                       </a:r>
-                      <a:r>
-                        <a:rPr sz="900" b="1" spc="-20" dirty="0">
-                          <a:solidFill>
-                            <a:srgbClr val="020302"/>
-                          </a:solidFill>
-                          <a:latin typeface="Adobe Clean"/>
-                          <a:cs typeface="Adobe Clean"/>
-                        </a:rPr>
-                        <a:t>R</a:t>
-                      </a:r>
-                      <a:r>
-                        <a:rPr sz="900" b="1" spc="-25" dirty="0">
-                          <a:solidFill>
-                            <a:srgbClr val="020302"/>
-                          </a:solidFill>
-                          <a:latin typeface="Adobe Clean"/>
-                          <a:cs typeface="Adobe Clean"/>
-                        </a:rPr>
-                        <a:t>I</a:t>
-                      </a:r>
-                      <a:r>
-                        <a:rPr sz="900" b="1" spc="-15" dirty="0">
-                          <a:solidFill>
-                            <a:srgbClr val="020302"/>
-                          </a:solidFill>
-                          <a:latin typeface="Adobe Clean"/>
-                          <a:cs typeface="Adobe Clean"/>
-                        </a:rPr>
-                        <a:t>O</a:t>
-                      </a:r>
-                      <a:r>
-                        <a:rPr sz="900" b="1" spc="-20" dirty="0">
-                          <a:solidFill>
-                            <a:srgbClr val="020302"/>
-                          </a:solidFill>
-                          <a:latin typeface="Adobe Clean"/>
-                          <a:cs typeface="Adobe Clean"/>
-                        </a:rPr>
-                        <a:t>R</a:t>
-                      </a:r>
-                      <a:r>
-                        <a:rPr sz="900" b="1" spc="-25" dirty="0">
-                          <a:solidFill>
-                            <a:srgbClr val="020302"/>
-                          </a:solidFill>
-                          <a:latin typeface="Adobe Clean"/>
-                          <a:cs typeface="Adobe Clean"/>
-                        </a:rPr>
-                        <a:t>I</a:t>
-                      </a:r>
-                      <a:r>
-                        <a:rPr sz="900" b="1" spc="-15" dirty="0">
-                          <a:solidFill>
-                            <a:srgbClr val="020302"/>
-                          </a:solidFill>
-                          <a:latin typeface="Adobe Clean"/>
-                          <a:cs typeface="Adobe Clean"/>
-                        </a:rPr>
-                        <a:t>T</a:t>
-                      </a:r>
-                      <a:r>
-                        <a:rPr sz="900" b="1" dirty="0">
-                          <a:solidFill>
-                            <a:srgbClr val="020302"/>
-                          </a:solidFill>
-                          <a:latin typeface="Adobe Clean"/>
-                          <a:cs typeface="Adobe Clean"/>
-                        </a:rPr>
-                        <a:t>Y</a:t>
-                      </a:r>
-                      <a:r>
-                        <a:rPr sz="900" b="1" spc="-40" dirty="0">
-                          <a:solidFill>
-                            <a:srgbClr val="020302"/>
-                          </a:solidFill>
-                          <a:latin typeface="Adobe Clean"/>
-                          <a:cs typeface="Adobe Clean"/>
-                        </a:rPr>
-                        <a:t> </a:t>
-                      </a:r>
-                      <a:r>
-                        <a:rPr sz="900" b="1" dirty="0">
-                          <a:solidFill>
-                            <a:srgbClr val="020302"/>
-                          </a:solidFill>
-                          <a:latin typeface="Adobe Clean"/>
-                          <a:cs typeface="Adobe Clean"/>
-                        </a:rPr>
-                        <a:t>4</a:t>
-                      </a:r>
-                      <a:endParaRPr sz="900" dirty="0">
-                        <a:latin typeface="Adobe Clean"/>
-                        <a:cs typeface="Adobe Clean"/>
-                      </a:endParaRPr>
                     </a:p>
                     <a:p>
                       <a:pPr marL="49530">
@@ -4222,31 +3708,27 @@
                         </a:spcBef>
                       </a:pPr>
                       <a:r>
-                        <a:rPr lang="en-US" sz="900" b="1" spc="-90" dirty="0">
+                        <a:rPr lang="de-DE" sz="900" b="1" dirty="0">
                           <a:solidFill>
                             <a:srgbClr val="020302"/>
                           </a:solidFill>
                           <a:latin typeface="Adobe Clean"/>
+                          <a:ea typeface="+mn-ea"/>
                           <a:cs typeface="+mn-cs"/>
                         </a:rPr>
                         <a:t> </a:t>
                       </a:r>
                       <a:r>
-                        <a:rPr lang="en-US" sz="900" b="0" i="0" u="none" strike="noStrike" dirty="0">
+                        <a:rPr lang="de-DE" sz="900" b="0" i="0" u="none" strike="noStrike" dirty="0">
                           <a:solidFill>
                             <a:schemeClr val="tx1"/>
                           </a:solidFill>
-                          <a:effectLst/>
                           <a:latin typeface="Adobe Clean Light"/>
                           <a:ea typeface="+mn-ea"/>
                           <a:cs typeface="+mn-cs"/>
                         </a:rPr>
-                        <a:t>General question regarding current product functionality or an enhancement request</a:t>
+                        <a:t>Allgemeine Frage zur aktuellen Produktfunktionalität oder Anfrage zu einer Erweiterung</a:t>
                       </a:r>
-                      <a:endParaRPr lang="en-US" sz="900" b="0" i="0" dirty="0">
-                        <a:latin typeface="Adobe Clean Light"/>
-                        <a:cs typeface="AdobeClean-Light"/>
-                      </a:endParaRPr>
                     </a:p>
                   </a:txBody>
                   <a:tcPr marL="0" marR="0" marT="0" marB="0" anchor="ctr">
@@ -4286,14 +3768,13 @@
                     <a:p>
                       <a:pPr algn="ctr" fontAlgn="ctr"/>
                       <a:r>
-                        <a:rPr lang="en-US" sz="900" b="0" i="0" u="none" strike="noStrike" dirty="0">
+                        <a:rPr lang="de-DE" sz="900" b="0" i="0" u="none" strike="noStrike">
                           <a:solidFill>
                             <a:srgbClr val="020302"/>
                           </a:solidFill>
-                          <a:effectLst/>
                           <a:latin typeface="AdobeClean-Light" panose="020B0503020404020204" pitchFamily="34" charset="0"/>
                         </a:rPr>
-                        <a:t>Business days / 3 days</a:t>
+                        <a:t>Geschäftstage/3 Tage</a:t>
                       </a:r>
                     </a:p>
                   </a:txBody>
@@ -4334,14 +3815,13 @@
                     <a:p>
                       <a:pPr algn="ctr" fontAlgn="ctr"/>
                       <a:r>
-                        <a:rPr lang="en-US" sz="900" b="0" i="0" u="none" strike="noStrike" dirty="0">
+                        <a:rPr lang="de-DE" sz="900" b="0" i="0" u="none" strike="noStrike" dirty="0">
                           <a:solidFill>
                             <a:srgbClr val="020302"/>
                           </a:solidFill>
-                          <a:effectLst/>
                           <a:latin typeface="AdobeClean-Light" panose="020B0503020404020204" pitchFamily="34" charset="0"/>
                         </a:rPr>
-                        <a:t>Business days / 1 day</a:t>
+                        <a:t>Geschäftstage/1 Tag</a:t>
                       </a:r>
                     </a:p>
                   </a:txBody>
@@ -4449,40 +3929,8 @@
               </a:spcBef>
             </a:pPr>
             <a:r>
-              <a:rPr spc="-10"/>
-              <a:t>©202</a:t>
-            </a:r>
-            <a:r>
-              <a:rPr lang="en-US" spc="-10"/>
-              <a:t>1</a:t>
-            </a:r>
-            <a:r>
-              <a:rPr spc="-5"/>
-              <a:t> Adobe. All</a:t>
-            </a:r>
-            <a:r>
-              <a:rPr spc="-10"/>
-              <a:t> Rights</a:t>
-            </a:r>
-            <a:r>
-              <a:rPr spc="-5"/>
-              <a:t> </a:t>
-            </a:r>
-            <a:r>
-              <a:rPr spc="-10"/>
-              <a:t>Reserved.</a:t>
-            </a:r>
-            <a:r>
-              <a:rPr spc="-5"/>
-              <a:t> Adobe</a:t>
-            </a:r>
-            <a:r>
-              <a:rPr spc="60"/>
-              <a:t> </a:t>
-            </a:r>
-            <a:r>
-              <a:rPr spc="-10"/>
-              <a:t>Confidential.</a:t>
+              <a:rPr lang="de-DE"/>
+              <a:t>©2021 Adobe. All Rights Reserved. Adobe Confidential.</a:t>
             </a:r>
           </a:p>
         </p:txBody>
@@ -4516,7 +3964,7 @@
           <a:lstStyle/>
           <a:p>
             <a:r>
-              <a:rPr lang="en-US" sz="700" i="1">
+              <a:rPr lang="de-DE" sz="700" i="1">
                 <a:solidFill>
                   <a:schemeClr val="bg1"/>
                 </a:solidFill>
@@ -4562,7 +4010,7 @@
               </a:spcBef>
             </a:pPr>
             <a:r>
-              <a:rPr lang="en-US" sz="1200" dirty="0">
+              <a:rPr lang="de-DE" sz="1200" dirty="0">
                 <a:solidFill>
                   <a:schemeClr val="bg1"/>
                 </a:solidFill>
@@ -4571,7 +4019,7 @@
               <a:t>Online | Business |</a:t>
             </a:r>
             <a:r>
-              <a:rPr lang="en-US" sz="1200" b="1" dirty="0">
+              <a:rPr lang="de-DE" sz="1200" b="1" dirty="0">
                 <a:solidFill>
                   <a:schemeClr val="bg1"/>
                 </a:solidFill>
@@ -4580,15 +4028,16 @@
               <a:t> </a:t>
             </a:r>
             <a:r>
-              <a:rPr lang="en-US" sz="1200" b="1" dirty="0">
+              <a:rPr lang="de-DE" sz="1200" b="1" dirty="0">
                 <a:solidFill>
                   <a:schemeClr val="bg1"/>
                 </a:solidFill>
+                <a:latin typeface="Adobe Clean" panose="020B0503020404020204" pitchFamily="34" charset="0"/>
               </a:rPr>
               <a:t>Enterprise</a:t>
             </a:r>
             <a:r>
-              <a:rPr lang="en-US" sz="1200" b="1" dirty="0">
+              <a:rPr lang="de-DE" sz="1200" b="1" dirty="0">
                 <a:solidFill>
                   <a:schemeClr val="bg1"/>
                 </a:solidFill>
@@ -4597,7 +4046,7 @@
               <a:t> </a:t>
             </a:r>
             <a:r>
-              <a:rPr lang="en-US" sz="1200" dirty="0">
+              <a:rPr lang="de-DE" sz="1200" dirty="0">
                 <a:solidFill>
                   <a:schemeClr val="bg1"/>
                 </a:solidFill>
@@ -4606,7 +4055,7 @@
               <a:t>| Elite</a:t>
             </a:r>
             <a:br>
-              <a:rPr lang="en-US" sz="900" dirty="0">
+              <a:rPr lang="de-DE" sz="900" dirty="0">
                 <a:solidFill>
                   <a:schemeClr val="bg1"/>
                 </a:solidFill>
@@ -4614,21 +4063,82 @@
               </a:rPr>
             </a:br>
             <a:r>
-              <a:rPr lang="en-US" sz="900" dirty="0">
+              <a:rPr lang="de-DE" sz="900" spc="-10" dirty="0">
                 <a:solidFill>
                   <a:schemeClr val="bg1"/>
                 </a:solidFill>
                 <a:latin typeface="Adobe Clean SemiLight" panose="020B0403020404020204" pitchFamily="34" charset="0"/>
               </a:rPr>
-              <a:t>ENTERPRISE support includes access to personalized learning paths and monitored community forums via the Adobe Experience League. You can also take advantage of our detailed and in-depth technical product documentation and current release notes. ENTERPRISE customers will also be provided with a Named Support Engineer who acts as your designated technical contact in the Adobe Support Team. With deep experience in your designated Experience Cloud solution, your support team will work in partnership with you and your technical teams to ensure timely resolution of all support requests. Your support team can also help coordinate and arrange delivery of the additional ENTERPRISE benefits ensuring minimal disruption to your business at the most critical time. </a:t>
-            </a:r>
-            <a:endParaRPr lang="en-US" sz="900" dirty="0">
-              <a:solidFill>
-                <a:schemeClr val="bg1"/>
-              </a:solidFill>
-              <a:latin typeface="Adobe Clean Light" panose="020B0303020404020204" pitchFamily="34" charset="0"/>
-              <a:cs typeface="AdobeClean-Light"/>
-            </a:endParaRPr>
+              <a:t>ENTERPRISE Support bietet über die Adobe Experience League Zugang zu personalisierten Lernpfaden und von Moderatoren </a:t>
+            </a:r>
+            <a:br>
+              <a:rPr lang="de-DE" sz="900" spc="-10" dirty="0">
+                <a:solidFill>
+                  <a:schemeClr val="bg1"/>
+                </a:solidFill>
+                <a:latin typeface="Adobe Clean SemiLight" panose="020B0403020404020204" pitchFamily="34" charset="0"/>
+              </a:rPr>
+            </a:br>
+            <a:r>
+              <a:rPr lang="de-DE" sz="900" spc="-10" dirty="0">
+                <a:solidFill>
+                  <a:schemeClr val="bg1"/>
+                </a:solidFill>
+                <a:latin typeface="Adobe Clean SemiLight" panose="020B0403020404020204" pitchFamily="34" charset="0"/>
+              </a:rPr>
+              <a:t>betreuten Community-Foren. Darüber hinaus stehen Ihnen unsere umfangreiche technische Produktdokumentation sowie aktuelle Versionshinweise zur Verfügung. ENTERPRISE-Kunden erhalten außerdem Zugang zu einem spezifischer Support-Mitarbeiter. </a:t>
+            </a:r>
+            <a:br>
+              <a:rPr lang="de-DE" sz="900" spc="-10" dirty="0">
+                <a:solidFill>
+                  <a:schemeClr val="bg1"/>
+                </a:solidFill>
+                <a:latin typeface="Adobe Clean SemiLight" panose="020B0403020404020204" pitchFamily="34" charset="0"/>
+              </a:rPr>
+            </a:br>
+            <a:r>
+              <a:rPr lang="de-DE" sz="900" spc="-10" dirty="0">
+                <a:solidFill>
+                  <a:schemeClr val="bg1"/>
+                </a:solidFill>
+                <a:latin typeface="Adobe Clean SemiLight" panose="020B0403020404020204" pitchFamily="34" charset="0"/>
+              </a:rPr>
+              <a:t>Dieser ist Ihr direkter technischer Kontakt im Adobe Support-Team. Mit umfangreicher Erfahrung mit Ihrer speziellen Experience</a:t>
+            </a:r>
+            <a:br>
+              <a:rPr lang="de-DE" sz="900" spc="-10" dirty="0">
+                <a:solidFill>
+                  <a:schemeClr val="bg1"/>
+                </a:solidFill>
+                <a:latin typeface="Adobe Clean SemiLight" panose="020B0403020404020204" pitchFamily="34" charset="0"/>
+              </a:rPr>
+            </a:br>
+            <a:r>
+              <a:rPr lang="de-DE" sz="900" spc="-10" dirty="0">
+                <a:solidFill>
+                  <a:schemeClr val="bg1"/>
+                </a:solidFill>
+                <a:latin typeface="Adobe Clean SemiLight" panose="020B0403020404020204" pitchFamily="34" charset="0"/>
+              </a:rPr>
+              <a:t> Cloud-Lösung arbeitet das Support-Team gemeinsam mit Ihnen und Ihren technischen Teams an der zeitnahen Lösung sämtlicher Support-Anfragen. Das Support-Team kann auch bei der Koordination und Bereitstellung zusätzlicher ENTERPRISE-Vorteile helfen </a:t>
+            </a:r>
+            <a:br>
+              <a:rPr lang="de-DE" sz="900" spc="-10" dirty="0">
+                <a:solidFill>
+                  <a:schemeClr val="bg1"/>
+                </a:solidFill>
+                <a:latin typeface="Adobe Clean SemiLight" panose="020B0403020404020204" pitchFamily="34" charset="0"/>
+              </a:rPr>
+            </a:br>
+            <a:r>
+              <a:rPr lang="de-DE" sz="900" spc="-10" dirty="0">
+                <a:solidFill>
+                  <a:schemeClr val="bg1"/>
+                </a:solidFill>
+                <a:latin typeface="Adobe Clean SemiLight" panose="020B0403020404020204" pitchFamily="34" charset="0"/>
+              </a:rPr>
+              <a:t>und so minimale Unterbrechungen Ihres Geschäfts zu den wichtigsten Zeiten sicherstellen. </a:t>
+            </a:r>
           </a:p>
         </p:txBody>
       </p:sp>
@@ -4647,14 +4157,14 @@
           <p:nvPr>
             <p:extLst>
               <p:ext uri="{D42A27DB-BD31-4B8C-83A1-F6EECF244321}">
-                <p14:modId xmlns:p14="http://schemas.microsoft.com/office/powerpoint/2010/main" val="2813555721"/>
+                <p14:modId xmlns:p14="http://schemas.microsoft.com/office/powerpoint/2010/main" val="2697358450"/>
               </p:ext>
             </p:extLst>
           </p:nvPr>
         </p:nvGraphicFramePr>
         <p:xfrm>
           <a:off x="125148" y="2159576"/>
-          <a:ext cx="7498851" cy="4675190"/>
+          <a:ext cx="7498851" cy="4776202"/>
         </p:xfrm>
         <a:graphic>
           <a:graphicData uri="http://schemas.openxmlformats.org/drawingml/2006/table">
@@ -4736,19 +4246,15 @@
                         <a:defRPr/>
                       </a:pPr>
                       <a:r>
-                        <a:rPr lang="en-US" sz="900" spc="0">
+                        <a:rPr lang="de-DE" sz="900">
                           <a:solidFill>
                             <a:srgbClr val="404040"/>
                           </a:solidFill>
                           <a:latin typeface="Adobe Clean"/>
                           <a:cs typeface="Adobe Clean"/>
                         </a:rPr>
-                        <a:t>Online  Support</a:t>
+                        <a:t>Online Support</a:t>
                       </a:r>
-                      <a:endParaRPr lang="en-US" sz="900" spc="0">
-                        <a:latin typeface="Adobe Clean"/>
-                        <a:cs typeface="Adobe Clean"/>
-                      </a:endParaRPr>
                     </a:p>
                   </a:txBody>
                   <a:tcPr marL="0" marR="0" marT="7620" marB="0" anchor="ctr">
@@ -4789,29 +4295,15 @@
                         </a:spcBef>
                       </a:pPr>
                       <a:r>
-                        <a:rPr lang="en-US" sz="900" spc="0">
+                        <a:rPr lang="de-DE" sz="900">
                           <a:solidFill>
                             <a:srgbClr val="FFFFFF"/>
                           </a:solidFill>
                           <a:latin typeface="Adobe Clean"/>
                           <a:cs typeface="Adobe Clean"/>
                         </a:rPr>
-                        <a:t>Enterprise </a:t>
+                        <a:t>Enterprise Support</a:t>
                       </a:r>
-                      <a:r>
-                        <a:rPr sz="900" spc="0">
-                          <a:solidFill>
-                            <a:srgbClr val="FFFFFF"/>
-                          </a:solidFill>
-                          <a:latin typeface="Adobe Clean"/>
-                          <a:cs typeface="Adobe Clean"/>
-                        </a:rPr>
-                        <a:t>Support</a:t>
-                      </a:r>
-                      <a:endParaRPr sz="900" spc="0">
-                        <a:latin typeface="Adobe Clean"/>
-                        <a:cs typeface="Adobe Clean"/>
-                      </a:endParaRPr>
                     </a:p>
                   </a:txBody>
                   <a:tcPr marL="0" marR="0" marT="7620" marB="0" anchor="ctr">
@@ -4879,7 +4371,7 @@
                     <a:bodyPr/>
                     <a:lstStyle/>
                     <a:p>
-                      <a:pPr marL="0" marR="0" lvl="0" indent="0" algn="ctr" defTabSz="914400" eaLnBrk="1" fontAlgn="auto" latinLnBrk="0" hangingPunct="1">
+                      <a:pPr marL="0" marR="0" lvl="0" indent="0" algn="l" defTabSz="914400" rtl="0" eaLnBrk="1" fontAlgn="auto" latinLnBrk="0" hangingPunct="1">
                         <a:lnSpc>
                           <a:spcPct val="100000"/>
                         </a:lnSpc>
@@ -4960,13 +4452,13 @@
                         <a:defRPr/>
                       </a:pPr>
                       <a:r>
-                        <a:rPr lang="en-US" sz="800" i="1">
+                        <a:rPr lang="de-DE" sz="800" i="1">
                           <a:solidFill>
                             <a:schemeClr val="bg1"/>
                           </a:solidFill>
                           <a:latin typeface="Adobe Clean Light" panose="020B0303020404020204" pitchFamily="34" charset="0"/>
                         </a:rPr>
-                        <a:t>Paid Support ($)</a:t>
+                        <a:t>Kostenpflichtiger Support (€)</a:t>
                       </a:r>
                     </a:p>
                   </a:txBody>
@@ -5030,22 +4522,15 @@
                         </a:spcBef>
                       </a:pPr>
                       <a:r>
-                        <a:rPr lang="en-US" sz="1000" b="1" i="0" spc="0">
+                        <a:rPr lang="de-DE" sz="1000" b="1" i="0">
                           <a:solidFill>
                             <a:schemeClr val="bg1"/>
                           </a:solidFill>
                           <a:latin typeface="Adobe Clean" panose="020B0503020404020204" pitchFamily="34" charset="0"/>
                           <a:cs typeface="AdobeClean-Light"/>
                         </a:rPr>
-                        <a:t>Assigned Experts</a:t>
+                        <a:t>Zugewiesene Experten</a:t>
                       </a:r>
-                      <a:endParaRPr sz="1000" b="1" i="0" spc="0">
-                        <a:solidFill>
-                          <a:schemeClr val="bg1"/>
-                        </a:solidFill>
-                        <a:latin typeface="Adobe Clean" panose="020B0503020404020204" pitchFamily="34" charset="0"/>
-                        <a:cs typeface="AdobeClean-Light"/>
-                      </a:endParaRPr>
                     </a:p>
                   </a:txBody>
                   <a:tcPr marL="0" marR="0" marT="58419" marB="0" anchor="ctr">
@@ -5092,7 +4577,7 @@
                         </a:spcBef>
                       </a:pPr>
                       <a:r>
-                        <a:rPr sz="900" spc="0">
+                        <a:rPr lang="de-DE" sz="900">
                           <a:solidFill>
                             <a:srgbClr val="020302"/>
                           </a:solidFill>
@@ -5101,10 +4586,6 @@
                         </a:rPr>
                         <a:t>Account Support Lead</a:t>
                       </a:r>
-                      <a:endParaRPr sz="900" spc="0">
-                        <a:latin typeface="AdobeClean-Light"/>
-                        <a:cs typeface="AdobeClean-Light"/>
-                      </a:endParaRPr>
                     </a:p>
                   </a:txBody>
                   <a:tcPr marL="0" marR="0" marT="58419" marB="0">
@@ -5139,7 +4620,7 @@
                     <a:bodyPr/>
                     <a:lstStyle/>
                     <a:p>
-                      <a:pPr algn="ctr">
+                      <a:pPr algn="l" rtl="0">
                         <a:lnSpc>
                           <a:spcPct val="100000"/>
                         </a:lnSpc>
@@ -5180,7 +4661,7 @@
                     <a:bodyPr/>
                     <a:lstStyle/>
                     <a:p>
-                      <a:pPr algn="ctr">
+                      <a:pPr algn="l" rtl="0">
                         <a:lnSpc>
                           <a:spcPct val="100000"/>
                         </a:lnSpc>
@@ -5223,7 +4704,7 @@
                     <a:bodyPr/>
                     <a:lstStyle/>
                     <a:p>
-                      <a:pPr marL="50800">
+                      <a:pPr marL="50800" algn="l" rtl="0">
                         <a:lnSpc>
                           <a:spcPct val="100000"/>
                         </a:lnSpc>
@@ -5269,19 +4750,15 @@
                         </a:spcBef>
                       </a:pPr>
                       <a:r>
-                        <a:rPr sz="900" spc="0">
+                        <a:rPr lang="de-DE" sz="900">
                           <a:solidFill>
                             <a:srgbClr val="020302"/>
                           </a:solidFill>
                           <a:latin typeface="AdobeClean-Light"/>
                           <a:cs typeface="AdobeClean-Light"/>
                         </a:rPr>
-                        <a:t>Named Support Engineer</a:t>
+                        <a:t>Spezifischer Support-Mitarbeiter</a:t>
                       </a:r>
-                      <a:endParaRPr sz="900" spc="0">
-                        <a:latin typeface="AdobeClean-Light"/>
-                        <a:cs typeface="AdobeClean-Light"/>
-                      </a:endParaRPr>
                     </a:p>
                   </a:txBody>
                   <a:tcPr marL="0" marR="0" marT="58419" marB="0">
@@ -5304,7 +4781,7 @@
                     <a:bodyPr/>
                     <a:lstStyle/>
                     <a:p>
-                      <a:pPr algn="ctr">
+                      <a:pPr algn="l" rtl="0">
                         <a:lnSpc>
                           <a:spcPct val="100000"/>
                         </a:lnSpc>
@@ -5351,7 +4828,7 @@
                         <a:defRPr/>
                       </a:pPr>
                       <a:r>
-                        <a:rPr lang="en-US" sz="900">
+                        <a:rPr lang="de-DE" sz="900">
                           <a:solidFill>
                             <a:srgbClr val="020302"/>
                           </a:solidFill>
@@ -5360,10 +4837,6 @@
                         </a:rPr>
                         <a:t></a:t>
                       </a:r>
-                      <a:endParaRPr lang="en-US" sz="900">
-                        <a:latin typeface="Wingdings"/>
-                        <a:cs typeface="Wingdings"/>
-                      </a:endParaRPr>
                     </a:p>
                   </a:txBody>
                   <a:tcPr marL="0" marR="0" marT="0" marB="0" anchor="ctr">
@@ -5386,7 +4859,7 @@
                     <a:bodyPr/>
                     <a:lstStyle/>
                     <a:p>
-                      <a:pPr marL="50800">
+                      <a:pPr marL="50800" algn="l" rtl="0">
                         <a:lnSpc>
                           <a:spcPct val="100000"/>
                         </a:lnSpc>
@@ -5444,7 +4917,7 @@
                         </a:spcBef>
                       </a:pPr>
                       <a:r>
-                        <a:rPr sz="900" spc="0">
+                        <a:rPr lang="de-DE" sz="900">
                           <a:solidFill>
                             <a:srgbClr val="020302"/>
                           </a:solidFill>
@@ -5453,10 +4926,6 @@
                         </a:rPr>
                         <a:t>Technical Account Manager</a:t>
                       </a:r>
-                      <a:endParaRPr sz="900" spc="0">
-                        <a:latin typeface="AdobeClean-Light"/>
-                        <a:cs typeface="AdobeClean-Light"/>
-                      </a:endParaRPr>
                     </a:p>
                   </a:txBody>
                   <a:tcPr marL="0" marR="0" marT="63500" marB="0">
@@ -5485,7 +4954,7 @@
                     <a:bodyPr/>
                     <a:lstStyle/>
                     <a:p>
-                      <a:pPr algn="ctr">
+                      <a:pPr algn="l" rtl="0">
                         <a:lnSpc>
                           <a:spcPct val="100000"/>
                         </a:lnSpc>
@@ -5523,7 +4992,7 @@
                     <a:bodyPr/>
                     <a:lstStyle/>
                     <a:p>
-                      <a:pPr algn="ctr">
+                      <a:pPr algn="l" rtl="0">
                         <a:lnSpc>
                           <a:spcPct val="100000"/>
                         </a:lnSpc>
@@ -5574,22 +5043,15 @@
                         </a:spcBef>
                       </a:pPr>
                       <a:r>
-                        <a:rPr lang="en-US" sz="1000" b="1" i="0" spc="0">
+                        <a:rPr lang="de-DE" sz="1000" b="1" i="0">
                           <a:solidFill>
                             <a:schemeClr val="bg1"/>
                           </a:solidFill>
                           <a:latin typeface="Adobe Clean" panose="020B0503020404020204" pitchFamily="34" charset="0"/>
                           <a:cs typeface="AdobeClean-Light"/>
                         </a:rPr>
-                        <a:t>Support Services</a:t>
+                        <a:t>Support-Services</a:t>
                       </a:r>
-                      <a:endParaRPr sz="1000" b="1" i="0" spc="0">
-                        <a:solidFill>
-                          <a:schemeClr val="bg1"/>
-                        </a:solidFill>
-                        <a:latin typeface="Adobe Clean" panose="020B0503020404020204" pitchFamily="34" charset="0"/>
-                        <a:cs typeface="AdobeClean-Light"/>
-                      </a:endParaRPr>
                     </a:p>
                   </a:txBody>
                   <a:tcPr marL="0" marR="0" marT="57150" marB="0" anchor="ctr">
@@ -5645,29 +5107,15 @@
                         </a:spcBef>
                       </a:pPr>
                       <a:r>
-                        <a:rPr lang="en-US" sz="900" spc="0">
+                        <a:rPr lang="de-DE" sz="900">
                           <a:solidFill>
                             <a:srgbClr val="020302"/>
                           </a:solidFill>
                           <a:latin typeface="AdobeClean-Light"/>
                           <a:cs typeface="AdobeClean-Light"/>
                         </a:rPr>
-                        <a:t>Online</a:t>
+                        <a:t>Online Support</a:t>
                       </a:r>
-                      <a:r>
-                        <a:rPr sz="900" spc="0">
-                          <a:solidFill>
-                            <a:srgbClr val="020302"/>
-                          </a:solidFill>
-                          <a:latin typeface="AdobeClean-Light"/>
-                          <a:cs typeface="AdobeClean-Light"/>
-                        </a:rPr>
-                        <a:t> Support</a:t>
-                      </a:r>
-                      <a:endParaRPr sz="900" spc="0">
-                        <a:latin typeface="AdobeClean-Light"/>
-                        <a:cs typeface="AdobeClean-Light"/>
-                      </a:endParaRPr>
                     </a:p>
                   </a:txBody>
                   <a:tcPr marL="0" marR="0" marT="57150" marB="0">
@@ -5705,39 +5153,15 @@
                         </a:spcBef>
                       </a:pPr>
                       <a:r>
-                        <a:rPr sz="900" spc="-25">
+                        <a:rPr lang="de-DE" sz="900">
                           <a:solidFill>
                             <a:srgbClr val="020302"/>
                           </a:solidFill>
                           <a:latin typeface="AdobeClean-Light"/>
                           <a:cs typeface="AdobeClean-Light"/>
                         </a:rPr>
-                        <a:t>Business</a:t>
+                        <a:t>Geschäftszeiten</a:t>
                       </a:r>
-                      <a:r>
-                        <a:rPr sz="900" spc="-15">
-                          <a:solidFill>
-                            <a:srgbClr val="020302"/>
-                          </a:solidFill>
-                          <a:latin typeface="AdobeClean-Light"/>
-                          <a:cs typeface="AdobeClean-Light"/>
-                        </a:rPr>
-                        <a:t> </a:t>
-                      </a:r>
-                      <a:r>
-                        <a:rPr sz="900" spc="-30">
-                          <a:solidFill>
-                            <a:srgbClr val="020302"/>
-                          </a:solidFill>
-                          <a:latin typeface="AdobeClean-Light"/>
-                          <a:cs typeface="AdobeClean-Light"/>
-                        </a:rPr>
-                        <a:t>hours</a:t>
-                      </a:r>
-                      <a:endParaRPr sz="900">
-                        <a:latin typeface="AdobeClean-Light"/>
-                        <a:cs typeface="AdobeClean-Light"/>
-                      </a:endParaRPr>
                     </a:p>
                   </a:txBody>
                   <a:tcPr marL="0" marR="0" marT="67945" marB="0">
@@ -5776,7 +5200,7 @@
                         </a:spcBef>
                       </a:pPr>
                       <a:r>
-                        <a:rPr lang="en-US" sz="900" spc="-25">
+                        <a:rPr lang="de-DE" sz="900">
                           <a:solidFill>
                             <a:srgbClr val="020302"/>
                           </a:solidFill>
@@ -5785,10 +5209,6 @@
                         </a:rPr>
                         <a:t>24x5</a:t>
                       </a:r>
-                      <a:endParaRPr sz="900">
-                        <a:latin typeface="AdobeClean-Light"/>
-                        <a:cs typeface="AdobeClean-Light"/>
-                      </a:endParaRPr>
                     </a:p>
                   </a:txBody>
                   <a:tcPr marL="0" marR="0" marT="67945" marB="0">
@@ -5822,7 +5242,7 @@
                     <a:bodyPr/>
                     <a:lstStyle/>
                     <a:p>
-                      <a:pPr marL="50800">
+                      <a:pPr marL="50800" algn="l" rtl="0">
                         <a:lnSpc>
                           <a:spcPct val="100000"/>
                         </a:lnSpc>
@@ -5871,39 +5291,15 @@
                         </a:spcBef>
                       </a:pPr>
                       <a:r>
-                        <a:rPr sz="900" spc="0">
+                        <a:rPr lang="de-DE" sz="900">
                           <a:solidFill>
                             <a:srgbClr val="020302"/>
                           </a:solidFill>
                           <a:latin typeface="AdobeClean-Light"/>
                           <a:cs typeface="AdobeClean-Light"/>
                         </a:rPr>
-                        <a:t>24x7</a:t>
+                        <a:t>24x7x365 Support für Probleme der Kategorie P1</a:t>
                       </a:r>
-                      <a:r>
-                        <a:rPr lang="en-US" sz="900" spc="0">
-                          <a:solidFill>
-                            <a:srgbClr val="020302"/>
-                          </a:solidFill>
-                          <a:latin typeface="AdobeClean-Light"/>
-                          <a:cs typeface="AdobeClean-Light"/>
-                        </a:rPr>
-                        <a:t>x365</a:t>
-                      </a:r>
-                      <a:r>
-                        <a:rPr sz="900" spc="0">
-                          <a:solidFill>
-                            <a:srgbClr val="020302"/>
-                          </a:solidFill>
-                          <a:latin typeface="AdobeClean-Light"/>
-                          <a:cs typeface="AdobeClean-Light"/>
-                        </a:rPr>
-                        <a:t> P1 Issue Support</a:t>
-                      </a:r>
-                      <a:endParaRPr sz="900" spc="0">
-                        <a:latin typeface="AdobeClean-Light"/>
-                        <a:cs typeface="AdobeClean-Light"/>
-                      </a:endParaRPr>
                     </a:p>
                   </a:txBody>
                   <a:tcPr marL="0" marR="0" marT="57785" marB="0">
@@ -5935,7 +5331,7 @@
                         </a:spcBef>
                       </a:pPr>
                       <a:r>
-                        <a:rPr sz="900">
+                        <a:rPr lang="de-DE" sz="900">
                           <a:solidFill>
                             <a:srgbClr val="020302"/>
                           </a:solidFill>
@@ -5944,10 +5340,6 @@
                         </a:rPr>
                         <a:t></a:t>
                       </a:r>
-                      <a:endParaRPr sz="900">
-                        <a:latin typeface="Wingdings"/>
-                        <a:cs typeface="Wingdings"/>
-                      </a:endParaRPr>
                     </a:p>
                   </a:txBody>
                   <a:tcPr marL="0" marR="0" marT="58419" marB="0">
@@ -5977,7 +5369,7 @@
                         </a:spcBef>
                       </a:pPr>
                       <a:r>
-                        <a:rPr sz="900">
+                        <a:rPr lang="de-DE" sz="900">
                           <a:solidFill>
                             <a:srgbClr val="020302"/>
                           </a:solidFill>
@@ -5986,10 +5378,6 @@
                         </a:rPr>
                         <a:t></a:t>
                       </a:r>
-                      <a:endParaRPr sz="900">
-                        <a:latin typeface="Wingdings"/>
-                        <a:cs typeface="Wingdings"/>
-                      </a:endParaRPr>
                     </a:p>
                   </a:txBody>
                   <a:tcPr marL="0" marR="0" marT="58419" marB="0">
@@ -6012,7 +5400,7 @@
                     <a:bodyPr/>
                     <a:lstStyle/>
                     <a:p>
-                      <a:pPr marL="50800">
+                      <a:pPr marL="50800" algn="l" rtl="0">
                         <a:lnSpc>
                           <a:spcPct val="100000"/>
                         </a:lnSpc>
@@ -6070,19 +5458,15 @@
                         </a:spcBef>
                       </a:pPr>
                       <a:r>
-                        <a:rPr lang="en-US" sz="900" spc="0">
+                        <a:rPr lang="de-DE" sz="900">
                           <a:solidFill>
                             <a:srgbClr val="020302"/>
                           </a:solidFill>
                           <a:latin typeface="AdobeClean-Light"/>
                           <a:cs typeface="AdobeClean-Light"/>
                         </a:rPr>
-                        <a:t>Named Support Contacts (per product)</a:t>
+                        <a:t>Spezifische Support-Kontakte (pro Produkt)</a:t>
                       </a:r>
-                      <a:endParaRPr sz="900" spc="0">
-                        <a:latin typeface="AdobeClean-Light"/>
-                        <a:cs typeface="AdobeClean-Light"/>
-                      </a:endParaRPr>
                     </a:p>
                   </a:txBody>
                   <a:tcPr marL="0" marR="0" marT="57785" marB="0">
@@ -6120,7 +5504,7 @@
                         </a:spcBef>
                       </a:pPr>
                       <a:r>
-                        <a:rPr sz="900">
+                        <a:rPr lang="de-DE" sz="900">
                           <a:solidFill>
                             <a:srgbClr val="020302"/>
                           </a:solidFill>
@@ -6129,10 +5513,6 @@
                         </a:rPr>
                         <a:t>4</a:t>
                       </a:r>
-                      <a:endParaRPr sz="900">
-                        <a:latin typeface="AdobeClean-Light"/>
-                        <a:cs typeface="AdobeClean-Light"/>
-                      </a:endParaRPr>
                     </a:p>
                   </a:txBody>
                   <a:tcPr marL="0" marR="0" marT="57785" marB="0">
@@ -6162,7 +5542,7 @@
                         </a:spcBef>
                       </a:pPr>
                       <a:r>
-                        <a:rPr lang="en-US" sz="900">
+                        <a:rPr lang="de-DE" sz="900">
                           <a:solidFill>
                             <a:srgbClr val="020302"/>
                           </a:solidFill>
@@ -6171,10 +5551,6 @@
                         </a:rPr>
                         <a:t>10</a:t>
                       </a:r>
-                      <a:endParaRPr sz="900">
-                        <a:latin typeface="AdobeClean-Light"/>
-                        <a:cs typeface="AdobeClean-Light"/>
-                      </a:endParaRPr>
                     </a:p>
                   </a:txBody>
                   <a:tcPr marL="0" marR="0" marT="57785" marB="0">
@@ -6197,7 +5573,7 @@
                     <a:bodyPr/>
                     <a:lstStyle/>
                     <a:p>
-                      <a:pPr marL="50800">
+                      <a:pPr marL="50800" algn="l" rtl="0">
                         <a:lnSpc>
                           <a:spcPct val="100000"/>
                         </a:lnSpc>
@@ -6246,19 +5622,15 @@
                         </a:spcBef>
                       </a:pPr>
                       <a:r>
-                        <a:rPr lang="en-US" sz="900" spc="0">
+                        <a:rPr lang="de-DE" sz="900">
                           <a:solidFill>
                             <a:srgbClr val="020302"/>
                           </a:solidFill>
                           <a:latin typeface="AdobeClean-Light"/>
                           <a:cs typeface="AdobeClean-Light"/>
                         </a:rPr>
-                        <a:t>Live Telephone Support</a:t>
+                        <a:t>Live-Telefon-Support</a:t>
                       </a:r>
-                      <a:endParaRPr sz="900" spc="0">
-                        <a:latin typeface="AdobeClean-Light"/>
-                        <a:cs typeface="AdobeClean-Light"/>
-                      </a:endParaRPr>
                     </a:p>
                   </a:txBody>
                   <a:tcPr marL="0" marR="0" marT="57785" marB="0">
@@ -6281,7 +5653,7 @@
                     <a:bodyPr/>
                     <a:lstStyle/>
                     <a:p>
-                      <a:pPr algn="ctr">
+                      <a:pPr algn="l" rtl="0">
                         <a:lnSpc>
                           <a:spcPct val="100000"/>
                         </a:lnSpc>
@@ -6322,7 +5694,7 @@
                         </a:spcBef>
                       </a:pPr>
                       <a:r>
-                        <a:rPr sz="900">
+                        <a:rPr lang="de-DE" sz="900">
                           <a:solidFill>
                             <a:srgbClr val="020302"/>
                           </a:solidFill>
@@ -6331,10 +5703,6 @@
                         </a:rPr>
                         <a:t></a:t>
                       </a:r>
-                      <a:endParaRPr sz="900">
-                        <a:latin typeface="Wingdings"/>
-                        <a:cs typeface="Wingdings"/>
-                      </a:endParaRPr>
                     </a:p>
                   </a:txBody>
                   <a:tcPr marL="0" marR="0" marT="59054" marB="0">
@@ -6357,7 +5725,7 @@
                     <a:bodyPr/>
                     <a:lstStyle/>
                     <a:p>
-                      <a:pPr marL="50800">
+                      <a:pPr marL="50800" algn="l" rtl="0">
                         <a:lnSpc>
                           <a:spcPct val="100000"/>
                         </a:lnSpc>
@@ -6406,19 +5774,15 @@
                         </a:spcBef>
                       </a:pPr>
                       <a:r>
-                        <a:rPr sz="900" spc="0">
+                        <a:rPr lang="de-DE" sz="900">
                           <a:solidFill>
                             <a:srgbClr val="020302"/>
                           </a:solidFill>
                           <a:latin typeface="AdobeClean-Light"/>
                           <a:cs typeface="AdobeClean-Light"/>
                         </a:rPr>
-                        <a:t>Escalation Management</a:t>
+                        <a:t>Eskalations-Management</a:t>
                       </a:r>
-                      <a:endParaRPr sz="900" spc="0">
-                        <a:latin typeface="AdobeClean-Light"/>
-                        <a:cs typeface="AdobeClean-Light"/>
-                      </a:endParaRPr>
                     </a:p>
                   </a:txBody>
                   <a:tcPr marL="0" marR="0" marT="58419" marB="0">
@@ -6441,7 +5805,7 @@
                     <a:bodyPr/>
                     <a:lstStyle/>
                     <a:p>
-                      <a:pPr algn="ctr">
+                      <a:pPr algn="l" rtl="0">
                         <a:lnSpc>
                           <a:spcPct val="100000"/>
                         </a:lnSpc>
@@ -6482,7 +5846,7 @@
                         </a:spcBef>
                       </a:pPr>
                       <a:r>
-                        <a:rPr sz="900">
+                        <a:rPr lang="de-DE" sz="900">
                           <a:solidFill>
                             <a:srgbClr val="020302"/>
                           </a:solidFill>
@@ -6491,10 +5855,6 @@
                         </a:rPr>
                         <a:t></a:t>
                       </a:r>
-                      <a:endParaRPr sz="900">
-                        <a:latin typeface="Wingdings"/>
-                        <a:cs typeface="Wingdings"/>
-                      </a:endParaRPr>
                     </a:p>
                   </a:txBody>
                   <a:tcPr marL="0" marR="0" marT="59690" marB="0">
@@ -6517,7 +5877,7 @@
                     <a:bodyPr/>
                     <a:lstStyle/>
                     <a:p>
-                      <a:pPr marL="50800">
+                      <a:pPr marL="50800" algn="l" rtl="0">
                         <a:lnSpc>
                           <a:spcPct val="100000"/>
                         </a:lnSpc>
@@ -6566,29 +5926,15 @@
                         </a:spcBef>
                       </a:pPr>
                       <a:r>
-                        <a:rPr sz="900" spc="0">
+                        <a:rPr lang="de-DE" sz="900">
                           <a:solidFill>
                             <a:srgbClr val="020302"/>
                           </a:solidFill>
                           <a:latin typeface="AdobeClean-Light"/>
                           <a:cs typeface="AdobeClean-Light"/>
                         </a:rPr>
-                        <a:t>Service Reviews </a:t>
+                        <a:t>Jährliche Service-Prüfung</a:t>
                       </a:r>
-                      <a:r>
-                        <a:rPr lang="en-US" sz="900" spc="0">
-                          <a:solidFill>
-                            <a:srgbClr val="020302"/>
-                          </a:solidFill>
-                          <a:latin typeface="AdobeClean-Light"/>
-                          <a:cs typeface="AdobeClean-Light"/>
-                        </a:rPr>
-                        <a:t>per Year</a:t>
-                      </a:r>
-                      <a:endParaRPr sz="900" spc="0">
-                        <a:latin typeface="AdobeClean-Light"/>
-                        <a:cs typeface="AdobeClean-Light"/>
-                      </a:endParaRPr>
                     </a:p>
                   </a:txBody>
                   <a:tcPr marL="0" marR="0" marT="57150" marB="0">
@@ -6611,7 +5957,7 @@
                     <a:bodyPr/>
                     <a:lstStyle/>
                     <a:p>
-                      <a:pPr>
+                      <a:pPr algn="l" rtl="0">
                         <a:lnSpc>
                           <a:spcPct val="100000"/>
                         </a:lnSpc>
@@ -6646,16 +5992,12 @@
                         </a:lnSpc>
                       </a:pPr>
                       <a:r>
-                        <a:rPr lang="en-US" sz="900">
+                        <a:rPr lang="de-DE" sz="900">
                           <a:latin typeface="Times New Roman"/>
                           <a:cs typeface="Times New Roman"/>
                         </a:rPr>
                         <a:t>2</a:t>
                       </a:r>
-                      <a:endParaRPr sz="900">
-                        <a:latin typeface="Times New Roman"/>
-                        <a:cs typeface="Times New Roman"/>
-                      </a:endParaRPr>
                     </a:p>
                   </a:txBody>
                   <a:tcPr marL="0" marR="0" marT="0" marB="0">
@@ -6697,16 +6039,12 @@
                         </a:spcBef>
                       </a:pPr>
                       <a:r>
-                        <a:rPr lang="en-US" sz="900" spc="0">
+                        <a:rPr lang="de-DE" sz="900">
                           <a:latin typeface="AdobeClean-Light"/>
                           <a:cs typeface="AdobeClean-Light"/>
                         </a:rPr>
-                        <a:t>Expert Sessions per Year</a:t>
+                        <a:t>Jährliche Experten-Sessions</a:t>
                       </a:r>
-                      <a:endParaRPr sz="900" spc="0">
-                        <a:latin typeface="AdobeClean-Light"/>
-                        <a:cs typeface="AdobeClean-Light"/>
-                      </a:endParaRPr>
                     </a:p>
                   </a:txBody>
                   <a:tcPr marL="0" marR="0" marT="57150" marB="0">
@@ -6735,7 +6073,7 @@
                     <a:bodyPr/>
                     <a:lstStyle/>
                     <a:p>
-                      <a:pPr>
+                      <a:pPr algn="l" rtl="0">
                         <a:lnSpc>
                           <a:spcPct val="100000"/>
                         </a:lnSpc>
@@ -6770,16 +6108,12 @@
                         </a:lnSpc>
                       </a:pPr>
                       <a:r>
-                        <a:rPr lang="en-US" sz="900">
+                        <a:rPr lang="de-DE" sz="900">
                           <a:latin typeface="Times New Roman"/>
                           <a:cs typeface="Times New Roman"/>
                         </a:rPr>
                         <a:t>2</a:t>
                       </a:r>
-                      <a:endParaRPr sz="900">
-                        <a:latin typeface="Times New Roman"/>
-                        <a:cs typeface="Times New Roman"/>
-                      </a:endParaRPr>
                     </a:p>
                   </a:txBody>
                   <a:tcPr marL="0" marR="0" marT="0" marB="0">
@@ -6821,16 +6155,12 @@
                         </a:spcBef>
                       </a:pPr>
                       <a:r>
-                        <a:rPr lang="en-US" sz="900" spc="0">
+                        <a:rPr lang="de-DE" sz="900">
                           <a:latin typeface="AdobeClean-Light"/>
                           <a:cs typeface="AdobeClean-Light"/>
                         </a:rPr>
-                        <a:t>Case Reviews</a:t>
+                        <a:t>Fallprüfungen</a:t>
                       </a:r>
-                      <a:endParaRPr sz="900" spc="0">
-                        <a:latin typeface="AdobeClean-Light"/>
-                        <a:cs typeface="AdobeClean-Light"/>
-                      </a:endParaRPr>
                     </a:p>
                   </a:txBody>
                   <a:tcPr marL="0" marR="0" marT="57150" marB="0">
@@ -6859,7 +6189,7 @@
                     <a:bodyPr/>
                     <a:lstStyle/>
                     <a:p>
-                      <a:pPr>
+                      <a:pPr algn="l" rtl="0">
                         <a:lnSpc>
                           <a:spcPct val="100000"/>
                         </a:lnSpc>
@@ -6906,7 +6236,7 @@
                         <a:defRPr/>
                       </a:pPr>
                       <a:r>
-                        <a:rPr lang="en-US" sz="900">
+                        <a:rPr lang="de-DE" sz="900">
                           <a:solidFill>
                             <a:srgbClr val="020302"/>
                           </a:solidFill>
@@ -6915,10 +6245,6 @@
                         </a:rPr>
                         <a:t></a:t>
                       </a:r>
-                      <a:endParaRPr lang="en-US" sz="900">
-                        <a:latin typeface="Wingdings"/>
-                        <a:cs typeface="Wingdings"/>
-                      </a:endParaRPr>
                     </a:p>
                   </a:txBody>
                   <a:tcPr marL="0" marR="0" marT="0" marB="0">
@@ -6941,7 +6267,7 @@
                     <a:bodyPr/>
                     <a:lstStyle/>
                     <a:p>
-                      <a:pPr marL="48895">
+                      <a:pPr marL="48895" algn="l" rtl="0">
                         <a:lnSpc>
                           <a:spcPct val="100000"/>
                         </a:lnSpc>
@@ -6999,29 +6325,15 @@
                         </a:spcBef>
                       </a:pPr>
                       <a:r>
-                        <a:rPr sz="900" spc="0">
+                        <a:rPr lang="de-DE" sz="900">
                           <a:solidFill>
                             <a:srgbClr val="020302"/>
                           </a:solidFill>
                           <a:latin typeface="AdobeClean-Light"/>
                           <a:cs typeface="AdobeClean-Light"/>
                         </a:rPr>
-                        <a:t>Event </a:t>
+                        <a:t>Ereignis-Management</a:t>
                       </a:r>
-                      <a:r>
-                        <a:rPr lang="en-US" sz="900" spc="0">
-                          <a:solidFill>
-                            <a:srgbClr val="020302"/>
-                          </a:solidFill>
-                          <a:latin typeface="AdobeClean-Light"/>
-                          <a:cs typeface="AdobeClean-Light"/>
-                        </a:rPr>
-                        <a:t>Management</a:t>
-                      </a:r>
-                      <a:endParaRPr sz="900" spc="0">
-                        <a:latin typeface="AdobeClean-Light"/>
-                        <a:cs typeface="AdobeClean-Light"/>
-                      </a:endParaRPr>
                     </a:p>
                   </a:txBody>
                   <a:tcPr marL="0" marR="0" marT="58419" marB="0">
@@ -7050,7 +6362,7 @@
                     <a:bodyPr/>
                     <a:lstStyle/>
                     <a:p>
-                      <a:pPr>
+                      <a:pPr algn="l" rtl="0">
                         <a:lnSpc>
                           <a:spcPct val="100000"/>
                         </a:lnSpc>
@@ -7079,7 +6391,7 @@
                     <a:bodyPr/>
                     <a:lstStyle/>
                     <a:p>
-                      <a:pPr>
+                      <a:pPr algn="l" rtl="0">
                         <a:lnSpc>
                           <a:spcPct val="100000"/>
                         </a:lnSpc>
@@ -7110,7 +6422,7 @@
                     <a:bodyPr/>
                     <a:lstStyle/>
                     <a:p>
-                      <a:pPr marL="48895">
+                      <a:pPr marL="48895" algn="l" rtl="0">
                         <a:lnSpc>
                           <a:spcPct val="100000"/>
                         </a:lnSpc>
@@ -7159,39 +6471,15 @@
                         </a:spcBef>
                       </a:pPr>
                       <a:r>
-                        <a:rPr sz="900" spc="0">
+                        <a:rPr lang="de-DE" sz="900">
                           <a:solidFill>
                             <a:srgbClr val="020302"/>
                           </a:solidFill>
                           <a:latin typeface="AdobeClean-Light"/>
                           <a:cs typeface="AdobeClean-Light"/>
                         </a:rPr>
-                        <a:t>Environment</a:t>
+                        <a:t>Umgebungsbewertung, -wartung und -überwachung</a:t>
                       </a:r>
-                      <a:r>
-                        <a:rPr lang="en-US" sz="900" spc="0">
-                          <a:solidFill>
-                            <a:srgbClr val="020302"/>
-                          </a:solidFill>
-                          <a:latin typeface="AdobeClean-Light"/>
-                          <a:cs typeface="AdobeClean-Light"/>
-                        </a:rPr>
-                        <a:t> </a:t>
-                      </a:r>
-                      <a:r>
-                        <a:rPr sz="900" spc="0">
-                          <a:solidFill>
-                            <a:srgbClr val="020302"/>
-                          </a:solidFill>
-                          <a:latin typeface="AdobeClean-Light"/>
-                          <a:cs typeface="AdobeClean-Light"/>
-                        </a:rPr>
-                        <a:t>Review, Maintenance &amp; Monitoring</a:t>
-                      </a:r>
-                      <a:endParaRPr sz="900" spc="0">
-                        <a:latin typeface="AdobeClean-Light"/>
-                        <a:cs typeface="AdobeClean-Light"/>
-                      </a:endParaRPr>
                     </a:p>
                   </a:txBody>
                   <a:tcPr marL="0" marR="0" marT="59055" marB="0">
@@ -7214,7 +6502,7 @@
                     <a:bodyPr/>
                     <a:lstStyle/>
                     <a:p>
-                      <a:pPr>
+                      <a:pPr algn="l" rtl="0">
                         <a:lnSpc>
                           <a:spcPct val="100000"/>
                         </a:lnSpc>
@@ -7243,7 +6531,7 @@
                     <a:bodyPr/>
                     <a:lstStyle/>
                     <a:p>
-                      <a:pPr>
+                      <a:pPr algn="l" rtl="0">
                         <a:lnSpc>
                           <a:spcPct val="100000"/>
                         </a:lnSpc>
@@ -7274,7 +6562,7 @@
                     <a:bodyPr/>
                     <a:lstStyle/>
                     <a:p>
-                      <a:pPr marL="49530">
+                      <a:pPr marL="49530" algn="l" rtl="0">
                         <a:lnSpc>
                           <a:spcPct val="100000"/>
                         </a:lnSpc>
@@ -7323,19 +6611,34 @@
                         </a:spcBef>
                       </a:pPr>
                       <a:r>
-                        <a:rPr sz="900" spc="0">
+                        <a:rPr lang="de-DE" sz="900" dirty="0">
                           <a:solidFill>
                             <a:srgbClr val="020302"/>
                           </a:solidFill>
                           <a:latin typeface="AdobeClean-Light"/>
                           <a:cs typeface="AdobeClean-Light"/>
                         </a:rPr>
-                        <a:t>Release, Migration, Upgrade &amp; Product Roadmap Review</a:t>
+                        <a:t>Prüfung von Freigabe, Migration, Aktualisierung </a:t>
                       </a:r>
-                      <a:endParaRPr sz="900" spc="0">
-                        <a:latin typeface="AdobeClean-Light"/>
-                        <a:cs typeface="AdobeClean-Light"/>
-                      </a:endParaRPr>
+                      <a:br>
+                        <a:rPr lang="de-DE" sz="900" dirty="0">
+                          <a:solidFill>
+                            <a:srgbClr val="020302"/>
+                          </a:solidFill>
+                          <a:latin typeface="AdobeClean-Light"/>
+                          <a:cs typeface="AdobeClean-Light"/>
+                        </a:rPr>
+                      </a:br>
+                      <a:r>
+                        <a:rPr lang="de-DE" sz="900" dirty="0">
+                          <a:solidFill>
+                            <a:srgbClr val="020302"/>
+                          </a:solidFill>
+                          <a:latin typeface="AdobeClean-Light"/>
+                          <a:cs typeface="AdobeClean-Light"/>
+                        </a:rPr>
+                        <a:t>und Produkt-Roadmap</a:t>
+                      </a:r>
                     </a:p>
                   </a:txBody>
                   <a:tcPr marL="0" marR="0" marT="63500" marB="0">
@@ -7358,7 +6661,7 @@
                     <a:bodyPr/>
                     <a:lstStyle/>
                     <a:p>
-                      <a:pPr>
+                      <a:pPr algn="l" rtl="0">
                         <a:lnSpc>
                           <a:spcPct val="100000"/>
                         </a:lnSpc>
@@ -7387,7 +6690,7 @@
                     <a:bodyPr/>
                     <a:lstStyle/>
                     <a:p>
-                      <a:pPr>
+                      <a:pPr algn="l" rtl="0">
                         <a:lnSpc>
                           <a:spcPct val="100000"/>
                         </a:lnSpc>
@@ -7418,7 +6721,7 @@
                     <a:bodyPr/>
                     <a:lstStyle/>
                     <a:p>
-                      <a:pPr marL="49530">
+                      <a:pPr marL="49530" algn="l" rtl="0">
                         <a:lnSpc>
                           <a:spcPct val="100000"/>
                         </a:lnSpc>
@@ -7476,11 +6779,11 @@
                         </a:spcBef>
                       </a:pPr>
                       <a:r>
-                        <a:rPr sz="900" spc="0">
+                        <a:rPr lang="de-DE" sz="900">
                           <a:latin typeface="AdobeClean-Light"/>
                           <a:cs typeface="AdobeClean-Light"/>
                         </a:rPr>
-                        <a:t>Cloud Support Activities – Experience Manager as Cloud</a:t>
+                        <a:t>Cloud-Support-Aktivitäten – Experience Manager as a Cloud Service</a:t>
                       </a:r>
                     </a:p>
                   </a:txBody>
@@ -7510,7 +6813,7 @@
                     <a:bodyPr/>
                     <a:lstStyle/>
                     <a:p>
-                      <a:pPr>
+                      <a:pPr algn="l" rtl="0">
                         <a:lnSpc>
                           <a:spcPct val="100000"/>
                         </a:lnSpc>
@@ -7566,7 +6869,7 @@
                         <a:defRPr/>
                       </a:pPr>
                       <a:r>
-                        <a:rPr lang="en-US" sz="900">
+                        <a:rPr lang="de-DE" sz="900">
                           <a:solidFill>
                             <a:srgbClr val="020302"/>
                           </a:solidFill>
@@ -7575,13 +6878,9 @@
                         </a:rPr>
                         <a:t></a:t>
                       </a:r>
-                      <a:endParaRPr lang="en-US" sz="900">
-                        <a:latin typeface="Wingdings"/>
-                        <a:cs typeface="Wingdings"/>
-                      </a:endParaRPr>
                     </a:p>
                     <a:p>
-                      <a:pPr marL="0" marR="0" lvl="0" indent="0" algn="ctr" defTabSz="914400" eaLnBrk="1" fontAlgn="auto" latinLnBrk="0" hangingPunct="1">
+                      <a:pPr marL="0" marR="0" lvl="0" indent="0" algn="l" defTabSz="914400" rtl="0" eaLnBrk="1" fontAlgn="auto" latinLnBrk="0" hangingPunct="1">
                         <a:lnSpc>
                           <a:spcPct val="100000"/>
                         </a:lnSpc>
@@ -7644,22 +6943,15 @@
                         </a:spcBef>
                       </a:pPr>
                       <a:r>
-                        <a:rPr lang="en-US" sz="1000" b="1" i="0" spc="0">
+                        <a:rPr lang="de-DE" sz="1000" b="1" i="0">
                           <a:solidFill>
                             <a:schemeClr val="bg1"/>
                           </a:solidFill>
                           <a:latin typeface="Adobe Clean" panose="020B0503020404020204" pitchFamily="34" charset="0"/>
                           <a:cs typeface="AdobeClean-Light"/>
                         </a:rPr>
-                        <a:t>Field Services</a:t>
+                        <a:t>Außendienst</a:t>
                       </a:r>
-                      <a:endParaRPr sz="1000" b="1" i="0" spc="0">
-                        <a:solidFill>
-                          <a:schemeClr val="bg1"/>
-                        </a:solidFill>
-                        <a:latin typeface="Adobe Clean" panose="020B0503020404020204" pitchFamily="34" charset="0"/>
-                        <a:cs typeface="AdobeClean-Light"/>
-                      </a:endParaRPr>
                     </a:p>
                   </a:txBody>
                   <a:tcPr marL="0" marR="0" marT="48260" marB="0" anchor="ctr">
@@ -7712,14 +7004,14 @@
                         </a:spcBef>
                       </a:pPr>
                       <a:r>
-                        <a:rPr sz="900" spc="0">
+                        <a:rPr lang="de-DE" sz="900">
                           <a:solidFill>
                             <a:srgbClr val="020302"/>
                           </a:solidFill>
                           <a:latin typeface="AdobeClean-Light"/>
                           <a:cs typeface="AdobeClean-Light"/>
                         </a:rPr>
-                        <a:t>Launch Advisory Services – First Year of new solution</a:t>
+                        <a:t>Launch Advisory-Services – Erstes Jahr mit der neuen Lösung</a:t>
                       </a:r>
                     </a:p>
                   </a:txBody>
@@ -7759,7 +7051,7 @@
                     <a:bodyPr/>
                     <a:lstStyle/>
                     <a:p>
-                      <a:pPr>
+                      <a:pPr algn="l" rtl="0">
                         <a:lnSpc>
                           <a:spcPct val="100000"/>
                         </a:lnSpc>
@@ -7815,7 +7107,7 @@
                         <a:defRPr/>
                       </a:pPr>
                       <a:r>
-                        <a:rPr lang="en-US" sz="900">
+                        <a:rPr lang="de-DE" sz="900">
                           <a:solidFill>
                             <a:srgbClr val="020302"/>
                           </a:solidFill>
@@ -7824,10 +7116,6 @@
                         </a:rPr>
                         <a:t></a:t>
                       </a:r>
-                      <a:endParaRPr lang="en-US" sz="900">
-                        <a:latin typeface="Wingdings"/>
-                        <a:cs typeface="Wingdings"/>
-                      </a:endParaRPr>
                     </a:p>
                   </a:txBody>
                   <a:tcPr marL="0" marR="0" marT="0" marB="0">
@@ -7948,7 +7236,7 @@
                         <a:defRPr/>
                       </a:pPr>
                       <a:r>
-                        <a:rPr lang="en-US" sz="900">
+                        <a:rPr lang="de-DE" sz="900">
                           <a:solidFill>
                             <a:srgbClr val="020302"/>
                           </a:solidFill>
@@ -7957,10 +7245,6 @@
                         </a:rPr>
                         <a:t></a:t>
                       </a:r>
-                      <a:endParaRPr lang="en-US" sz="900">
-                        <a:latin typeface="Wingdings"/>
-                        <a:cs typeface="Wingdings"/>
-                      </a:endParaRPr>
                     </a:p>
                   </a:txBody>
                   <a:tcPr marL="0" marR="0" marT="0" marB="0">
@@ -8017,11 +7301,11 @@
                         <a:defRPr/>
                       </a:pPr>
                       <a:r>
-                        <a:rPr lang="en-US" sz="900" spc="0">
+                        <a:rPr lang="de-DE" sz="900" dirty="0">
                           <a:latin typeface="AdobeClean-Light"/>
                           <a:cs typeface="AdobeClean-Light"/>
                         </a:rPr>
-                        <a:t>Field Service Activities </a:t>
+                        <a:t>Außendienstaktivitäten </a:t>
                       </a:r>
                     </a:p>
                   </a:txBody>
@@ -8155,8 +7439,8 @@
         </p:nvSpPr>
         <p:spPr>
           <a:xfrm>
-            <a:off x="2835999" y="9021041"/>
-            <a:ext cx="2194560" cy="641201"/>
+            <a:off x="2835999" y="8935316"/>
+            <a:ext cx="2194560" cy="795089"/>
           </a:xfrm>
           <a:prstGeom prst="rect">
             <a:avLst/>
@@ -8180,154 +7464,52 @@
               </a:tabLst>
             </a:pPr>
             <a:r>
-              <a:rPr sz="1000" spc="-20" dirty="0">
+              <a:rPr lang="de-DE" sz="1000" dirty="0">
                 <a:solidFill>
                   <a:srgbClr val="020302"/>
                 </a:solidFill>
                 <a:latin typeface="AdobeClean-Light"/>
                 <a:cs typeface="AdobeClean-Light"/>
               </a:rPr>
-              <a:t>Start </a:t>
-            </a:r>
-            <a:r>
-              <a:rPr sz="1000" dirty="0">
+              <a:t>Starten Sie eine Chat-Session, </a:t>
+            </a:r>
+            <a:br>
+              <a:rPr lang="de-DE" sz="1000" dirty="0">
                 <a:solidFill>
                   <a:srgbClr val="020302"/>
                 </a:solidFill>
                 <a:latin typeface="AdobeClean-Light"/>
                 <a:cs typeface="AdobeClean-Light"/>
               </a:rPr>
-              <a:t>a </a:t>
-            </a:r>
-            <a:r>
-              <a:rPr sz="1000" spc="-15" dirty="0">
+            </a:br>
+            <a:r>
+              <a:rPr lang="de-DE" sz="1000" dirty="0">
                 <a:solidFill>
                   <a:srgbClr val="020302"/>
                 </a:solidFill>
                 <a:latin typeface="AdobeClean-Light"/>
                 <a:cs typeface="AdobeClean-Light"/>
               </a:rPr>
-              <a:t>chat </a:t>
-            </a:r>
-            <a:r>
-              <a:rPr sz="1000" spc="-10" dirty="0">
+              <a:t>um Antworten und Hilfe bei </a:t>
+            </a:r>
+            <a:br>
+              <a:rPr lang="de-DE" sz="1000" dirty="0">
                 <a:solidFill>
                   <a:srgbClr val="020302"/>
                 </a:solidFill>
                 <a:latin typeface="AdobeClean-Light"/>
                 <a:cs typeface="AdobeClean-Light"/>
               </a:rPr>
-              <a:t>session </a:t>
-            </a:r>
-            <a:r>
-              <a:rPr sz="1000" spc="-5" dirty="0">
+            </a:br>
+            <a:r>
+              <a:rPr lang="de-DE" sz="1000" dirty="0">
                 <a:solidFill>
                   <a:srgbClr val="020302"/>
                 </a:solidFill>
                 <a:latin typeface="AdobeClean-Light"/>
                 <a:cs typeface="AdobeClean-Light"/>
               </a:rPr>
-              <a:t>to </a:t>
-            </a:r>
-            <a:r>
-              <a:rPr sz="1000" spc="-10" dirty="0">
-                <a:solidFill>
-                  <a:srgbClr val="020302"/>
-                </a:solidFill>
-                <a:latin typeface="AdobeClean-Light"/>
-                <a:cs typeface="AdobeClean-Light"/>
-              </a:rPr>
-              <a:t>get </a:t>
-            </a:r>
-            <a:r>
-              <a:rPr sz="1000" spc="-20" dirty="0">
-                <a:solidFill>
-                  <a:srgbClr val="020302"/>
-                </a:solidFill>
-                <a:latin typeface="AdobeClean-Light"/>
-                <a:cs typeface="AdobeClean-Light"/>
-              </a:rPr>
-              <a:t>answers</a:t>
-            </a:r>
-            <a:r>
-              <a:rPr lang="en-US" sz="1000" spc="-45" dirty="0">
-                <a:solidFill>
-                  <a:srgbClr val="020302"/>
-                </a:solidFill>
-                <a:latin typeface="AdobeClean-Light"/>
-                <a:cs typeface="AdobeClean-Light"/>
-              </a:rPr>
-              <a:t> </a:t>
-            </a:r>
-            <a:r>
-              <a:rPr lang="en-US" sz="1000" dirty="0">
-                <a:solidFill>
-                  <a:srgbClr val="020302"/>
-                </a:solidFill>
-                <a:latin typeface="AdobeClean-Light"/>
-                <a:cs typeface="AdobeClean-Light"/>
-              </a:rPr>
-              <a:t>&amp; </a:t>
-            </a:r>
-            <a:r>
-              <a:rPr sz="1000" spc="-15" dirty="0">
-                <a:solidFill>
-                  <a:srgbClr val="020302"/>
-                </a:solidFill>
-                <a:latin typeface="AdobeClean-Light"/>
-                <a:cs typeface="AdobeClean-Light"/>
-              </a:rPr>
-              <a:t>help </a:t>
-            </a:r>
-            <a:r>
-              <a:rPr sz="1000" spc="-10" dirty="0">
-                <a:solidFill>
-                  <a:srgbClr val="020302"/>
-                </a:solidFill>
-                <a:latin typeface="AdobeClean-Light"/>
-                <a:cs typeface="AdobeClean-Light"/>
-              </a:rPr>
-              <a:t>with</a:t>
-            </a:r>
-            <a:r>
-              <a:rPr sz="1000" spc="85" dirty="0">
-                <a:solidFill>
-                  <a:srgbClr val="020302"/>
-                </a:solidFill>
-                <a:latin typeface="AdobeClean-Light"/>
-                <a:cs typeface="AdobeClean-Light"/>
-              </a:rPr>
-              <a:t> </a:t>
-            </a:r>
-            <a:r>
-              <a:rPr sz="1000" spc="-10" dirty="0">
-                <a:solidFill>
-                  <a:srgbClr val="020302"/>
-                </a:solidFill>
-                <a:latin typeface="AdobeClean-Light"/>
-                <a:cs typeface="AdobeClean-Light"/>
-              </a:rPr>
-              <a:t>case </a:t>
-            </a:r>
-            <a:r>
-              <a:rPr sz="1000" spc="-20">
-                <a:solidFill>
-                  <a:srgbClr val="020302"/>
-                </a:solidFill>
-                <a:latin typeface="AdobeClean-Light"/>
-                <a:cs typeface="AdobeClean-Light"/>
-              </a:rPr>
-              <a:t>submission</a:t>
-            </a:r>
-            <a:r>
-              <a:rPr lang="en-US" sz="1000" spc="-20">
-                <a:solidFill>
-                  <a:srgbClr val="020302"/>
-                </a:solidFill>
-                <a:latin typeface="AdobeClean-Light"/>
-                <a:cs typeface="AdobeClean-Light"/>
-              </a:rPr>
-              <a:t>.</a:t>
+              <a:t>der Fallübermittlung zu erhalten.</a:t>
             </a:r>
           </a:p>
           <a:p>
@@ -8340,49 +7522,44 @@
               </a:tabLst>
             </a:pPr>
             <a:r>
-              <a:rPr sz="1000" i="1" spc="-10" dirty="0">
+              <a:rPr lang="de-DE" sz="1000" i="1" dirty="0">
                 <a:solidFill>
                   <a:srgbClr val="7A7A7A"/>
                 </a:solidFill>
                 <a:latin typeface="AdobeClean-LightIt"/>
                 <a:cs typeface="AdobeClean-LightIt"/>
               </a:rPr>
-              <a:t>*Not all </a:t>
-            </a:r>
-            <a:r>
-              <a:rPr sz="1000" i="1" spc="-20" dirty="0">
+              <a:t>*Nicht alle Produkte verfügen </a:t>
+            </a:r>
+            <a:br>
+              <a:rPr lang="de-DE" sz="1000" i="1" dirty="0">
                 <a:solidFill>
                   <a:srgbClr val="7A7A7A"/>
                 </a:solidFill>
                 <a:latin typeface="AdobeClean-LightIt"/>
                 <a:cs typeface="AdobeClean-LightIt"/>
               </a:rPr>
-              <a:t>products have live chat support</a:t>
-            </a:r>
-            <a:r>
-              <a:rPr sz="900" i="1" spc="-20" dirty="0">
+            </a:br>
+            <a:r>
+              <a:rPr lang="de-DE" sz="1000" i="1" dirty="0">
                 <a:solidFill>
                   <a:srgbClr val="7A7A7A"/>
                 </a:solidFill>
                 <a:latin typeface="AdobeClean-LightIt"/>
                 <a:cs typeface="AdobeClean-LightIt"/>
               </a:rPr>
-              <a:t>.</a:t>
-            </a:r>
-            <a:r>
-              <a:rPr lang="en-US" sz="900" i="1" spc="-20" dirty="0">
+              <a:t>über Live-Chat-Support</a:t>
+            </a:r>
+            <a:r>
+              <a:rPr lang="de-DE" sz="900" i="1" dirty="0">
                 <a:solidFill>
                   <a:srgbClr val="7A7A7A"/>
                 </a:solidFill>
                 <a:latin typeface="AdobeClean-LightIt"/>
                 <a:cs typeface="AdobeClean-LightIt"/>
               </a:rPr>
-              <a:t>  </a:t>
-            </a:r>
-            <a:endParaRPr sz="900">
-              <a:latin typeface="AdobeClean-Light"/>
-              <a:cs typeface="AdobeClean-Light"/>
-            </a:endParaRPr>
+              <a:t>.  </a:t>
+            </a:r>
           </a:p>
         </p:txBody>
       </p:sp>
@@ -8429,12 +7606,12 @@
               <a:defRPr/>
             </a:pPr>
             <a:r>
-              <a:rPr lang="en-US" sz="1200">
+              <a:rPr lang="de-DE" sz="1200">
                 <a:solidFill>
                   <a:srgbClr val="000000"/>
                 </a:solidFill>
               </a:rPr>
-              <a:t>Community Forums</a:t>
+              <a:t>Community-Foren</a:t>
             </a:r>
           </a:p>
         </p:txBody>
@@ -8477,12 +7654,12 @@
               </a:spcAft>
             </a:pPr>
             <a:r>
-              <a:rPr lang="en-US" sz="1200" b="1">
+              <a:rPr lang="de-DE" sz="1200" b="1">
                 <a:latin typeface="+mj-lt"/>
                 <a:ea typeface="Open Sans" pitchFamily="34" charset="0"/>
                 <a:cs typeface="Open Sans" pitchFamily="34" charset="0"/>
               </a:rPr>
-              <a:t>Online Forums</a:t>
+              <a:t>Online-Foren</a:t>
             </a:r>
           </a:p>
         </p:txBody>
@@ -8502,7 +7679,7 @@
         <p:spPr>
           <a:xfrm>
             <a:off x="355868" y="7102087"/>
-            <a:ext cx="2194560" cy="959237"/>
+            <a:ext cx="2273032" cy="959237"/>
           </a:xfrm>
           <a:prstGeom prst="rect">
             <a:avLst/>
@@ -8515,20 +7692,14 @@
           <a:lstStyle/>
           <a:p>
             <a:r>
-              <a:rPr lang="en-US" sz="1000" dirty="0">
+              <a:rPr lang="de-DE" sz="1000" dirty="0">
                 <a:solidFill>
                   <a:srgbClr val="4B4B4B"/>
                 </a:solidFill>
                 <a:latin typeface="Adobe Clean Light"/>
               </a:rPr>
-              <a:t>Continuous online access to a growing database of technical solutions, product documentation, FAQs and more. Connect with practitioners and other customers on Adobe Community to share best practices and lessons learned.</a:t>
-            </a:r>
-            <a:endParaRPr lang="en-US" sz="1000" dirty="0">
-              <a:solidFill>
-                <a:srgbClr val="4B4B4B"/>
-              </a:solidFill>
-              <a:latin typeface="Adobe Clean Light" panose="020B0303020404020204" pitchFamily="34" charset="0"/>
-            </a:endParaRPr>
+              <a:t>Kontinuierlicher Online-Zugriff auf eine wachsende Datenbank technischer Lösungen, Produktdokumentationen, FAQs und mehr. Tauschen Sie sich mit Fachleuten und anderen Kunden in der Adobe-Community über Best Practices und Erfahrungen aus.</a:t>
+            </a:r>
           </a:p>
         </p:txBody>
       </p:sp>
@@ -8575,7 +7746,7 @@
               <a:defRPr/>
             </a:pPr>
             <a:r>
-              <a:rPr lang="en-US" sz="1200">
+              <a:rPr lang="de-DE" sz="1200">
                 <a:solidFill>
                   <a:srgbClr val="000000"/>
                 </a:solidFill>
@@ -8602,7 +7773,7 @@
         <p:spPr>
           <a:xfrm>
             <a:off x="5723508" y="6868024"/>
-            <a:ext cx="1316707" cy="184666"/>
+            <a:ext cx="1682961" cy="184666"/>
           </a:xfrm>
           <a:prstGeom prst="rect">
             <a:avLst/>
@@ -8623,12 +7794,20 @@
               </a:spcAft>
             </a:pPr>
             <a:r>
-              <a:rPr lang="en-US" sz="1200" b="1">
+              <a:rPr lang="de-DE" sz="1200" b="1" spc="-10" dirty="0" err="1">
                 <a:latin typeface="+mj-lt"/>
                 <a:ea typeface="Open Sans" pitchFamily="34" charset="0"/>
                 <a:cs typeface="Open Sans" pitchFamily="34" charset="0"/>
               </a:rPr>
-              <a:t>Self-guided Journeys</a:t>
+              <a:t>Journeys</a:t>
+            </a:r>
+            <a:r>
+              <a:rPr lang="de-DE" sz="1200" b="1" spc="-10" dirty="0">
+                <a:latin typeface="+mj-lt"/>
+                <a:ea typeface="Open Sans" pitchFamily="34" charset="0"/>
+                <a:cs typeface="Open Sans" pitchFamily="34" charset="0"/>
+              </a:rPr>
+              <a:t> für die Selbsthilfe</a:t>
             </a:r>
           </a:p>
         </p:txBody>
@@ -8648,7 +7827,7 @@
         <p:spPr>
           <a:xfrm>
             <a:off x="5265661" y="7060285"/>
-            <a:ext cx="2194560" cy="1113125"/>
+            <a:ext cx="2217814" cy="1113125"/>
           </a:xfrm>
           <a:prstGeom prst="rect">
             <a:avLst/>
@@ -8661,20 +7840,14 @@
           <a:lstStyle/>
           <a:p>
             <a:r>
-              <a:rPr lang="en-US" sz="1000" dirty="0">
+              <a:rPr lang="de-DE" sz="1000" dirty="0">
                 <a:solidFill>
                   <a:srgbClr val="4B4B4B"/>
                 </a:solidFill>
                 <a:latin typeface="Adobe Clean Light"/>
               </a:rPr>
-              <a:t>Experience Makers are made with Experience League. Customers can kickstart their Customer Experience Management abilities with personalized learning to develop skills, engage with a global community of peers, and earn career advancing recognition.</a:t>
-            </a:r>
-            <a:endParaRPr lang="en-US" sz="1000" dirty="0">
-              <a:solidFill>
-                <a:srgbClr val="4B4B4B"/>
-              </a:solidFill>
-              <a:latin typeface="Adobe Clean Light" panose="020B0303020404020204" pitchFamily="34" charset="0"/>
-            </a:endParaRPr>
+              <a:t>Experience Maker entstehen in der Experience League. Kunden können durch personalisiertes Lernen ihre Customer-Experience-Management-Fähigkeiten entwickeln, mit einer globalen Community anderer Anwender interagieren und so ihre eigene Karriere fördern.</a:t>
+            </a:r>
           </a:p>
         </p:txBody>
       </p:sp>
@@ -8694,7 +7867,7 @@
         </p:nvSpPr>
         <p:spPr>
           <a:xfrm>
-            <a:off x="3201544" y="8520784"/>
+            <a:off x="3201544" y="8435059"/>
             <a:ext cx="1543003" cy="184666"/>
           </a:xfrm>
           <a:prstGeom prst="rect">
@@ -8721,12 +7894,12 @@
               <a:defRPr/>
             </a:pPr>
             <a:r>
-              <a:rPr lang="en-US" sz="1200">
+              <a:rPr lang="de-DE" sz="1200">
                 <a:solidFill>
                   <a:srgbClr val="000000"/>
                 </a:solidFill>
               </a:rPr>
-              <a:t>Live Chat  Support*</a:t>
+              <a:t>Live-Chat-Support*</a:t>
             </a:r>
           </a:p>
         </p:txBody>
@@ -8747,7 +7920,7 @@
         </p:nvSpPr>
         <p:spPr>
           <a:xfrm>
-            <a:off x="3201544" y="8702003"/>
+            <a:off x="3201544" y="8616278"/>
             <a:ext cx="840166" cy="184666"/>
           </a:xfrm>
           <a:prstGeom prst="rect">
@@ -8769,12 +7942,12 @@
               </a:spcAft>
             </a:pPr>
             <a:r>
-              <a:rPr lang="en-US" sz="1200" b="1">
+              <a:rPr lang="de-DE" sz="1200" b="1">
                 <a:latin typeface="+mj-lt"/>
                 <a:ea typeface="Open Sans" pitchFamily="34" charset="0"/>
                 <a:cs typeface="Open Sans" pitchFamily="34" charset="0"/>
               </a:rPr>
-              <a:t>Chat Support</a:t>
+              <a:t>Chat-Support</a:t>
             </a:r>
           </a:p>
         </p:txBody>
@@ -8822,7 +7995,7 @@
               <a:defRPr/>
             </a:pPr>
             <a:r>
-              <a:rPr lang="en-US" sz="1200">
+              <a:rPr lang="de-DE" sz="1200">
                 <a:solidFill>
                   <a:srgbClr val="000000"/>
                 </a:solidFill>
@@ -8870,12 +8043,12 @@
               </a:spcAft>
             </a:pPr>
             <a:r>
-              <a:rPr lang="en-US" sz="1200" b="1">
+              <a:rPr lang="de-DE" sz="1200" b="1">
                 <a:latin typeface="+mj-lt"/>
                 <a:ea typeface="Open Sans" pitchFamily="34" charset="0"/>
                 <a:cs typeface="Open Sans" pitchFamily="34" charset="0"/>
               </a:rPr>
-              <a:t>Phone  Support</a:t>
+              <a:t>Telefonischer Support</a:t>
             </a:r>
           </a:p>
         </p:txBody>
@@ -8894,8 +8067,8 @@
         </p:nvSpPr>
         <p:spPr>
           <a:xfrm>
-            <a:off x="2835999" y="7097788"/>
-            <a:ext cx="2194560" cy="805349"/>
+            <a:off x="2835998" y="7097788"/>
+            <a:ext cx="2273031" cy="959237"/>
           </a:xfrm>
           <a:prstGeom prst="rect">
             <a:avLst/>
@@ -8908,35 +8081,29 @@
           <a:lstStyle/>
           <a:p>
             <a:r>
-              <a:rPr lang="en-US" sz="1000">
+              <a:rPr lang="de-DE" sz="1000" dirty="0">
                 <a:solidFill>
                   <a:srgbClr val="020302"/>
                 </a:solidFill>
                 <a:latin typeface="AdobeClean-Light"/>
               </a:rPr>
-              <a:t>Authorized users or </a:t>
-            </a:r>
-            <a:r>
-              <a:rPr lang="en-US" sz="1000" b="1">
+              <a:t>Autorisierte Anwender oder </a:t>
+            </a:r>
+            <a:r>
+              <a:rPr lang="de-DE" sz="1000" b="1" dirty="0">
                 <a:solidFill>
                   <a:srgbClr val="020302"/>
                 </a:solidFill>
                 <a:latin typeface="AdobeClean-Light"/>
               </a:rPr>
-              <a:t>Named Support Contacts </a:t>
-            </a:r>
-            <a:r>
-              <a:rPr lang="en-US" sz="1000">
+              <a:t>spezifische Support-Kontakte</a:t>
+            </a:r>
+            <a:r>
+              <a:rPr lang="de-DE" sz="1000" dirty="0">
                 <a:latin typeface="Adobe Clean Light" panose="020B0303020404020204" pitchFamily="34" charset="0"/>
               </a:rPr>
-              <a:t>can submit issues through all available  channels (including phone for P1) and interact with our technical support team on behalf of your company. </a:t>
-            </a:r>
-            <a:endParaRPr lang="en-US" sz="1000">
-              <a:solidFill>
-                <a:srgbClr val="000000"/>
-              </a:solidFill>
-              <a:latin typeface="Adobe Clean Light" panose="020B0303020404020204" pitchFamily="34" charset="0"/>
-            </a:endParaRPr>
+              <a:t> können Probleme über alle verfügbaren Kanäle (einschließlich Telefon für P1) einreichen und im Namen Ihres Unternehmens mit unserem technischen Support-Team interagieren. </a:t>
+            </a:r>
           </a:p>
         </p:txBody>
       </p:sp>
@@ -8955,7 +8122,7 @@
         <p:spPr>
           <a:xfrm>
             <a:off x="214971" y="6447157"/>
-            <a:ext cx="1848207" cy="45719"/>
+            <a:ext cx="2102779" cy="60747"/>
           </a:xfrm>
           <a:custGeom>
             <a:avLst/>
@@ -9024,19 +8191,15 @@
               </a:spcBef>
             </a:pPr>
             <a:r>
-              <a:rPr lang="en-US" sz="1400" b="1" spc="-10">
+              <a:rPr lang="de-DE" sz="1400" b="1">
                 <a:solidFill>
                   <a:srgbClr val="020302"/>
                 </a:solidFill>
                 <a:latin typeface="Adobe Clean"/>
                 <a:cs typeface="Adobe Clean"/>
               </a:rPr>
-              <a:t>Online Support Features</a:t>
-            </a:r>
-            <a:endParaRPr lang="en-US" sz="1400">
-              <a:latin typeface="Adobe Clean"/>
-              <a:cs typeface="Adobe Clean"/>
-            </a:endParaRPr>
+              <a:t>Umfang von Online Support</a:t>
+            </a:r>
           </a:p>
         </p:txBody>
       </p:sp>
@@ -9056,7 +8219,7 @@
         </p:nvSpPr>
         <p:spPr>
           <a:xfrm>
-            <a:off x="689237" y="8520784"/>
+            <a:off x="689237" y="8435059"/>
             <a:ext cx="991521" cy="184666"/>
           </a:xfrm>
           <a:prstGeom prst="rect">
@@ -9083,7 +8246,7 @@
               <a:defRPr/>
             </a:pPr>
             <a:r>
-              <a:rPr lang="en-US" sz="1200">
+              <a:rPr lang="de-DE" sz="1200">
                 <a:solidFill>
                   <a:srgbClr val="000000"/>
                 </a:solidFill>
@@ -9109,7 +8272,7 @@
         </p:nvSpPr>
         <p:spPr>
           <a:xfrm>
-            <a:off x="689237" y="8702003"/>
+            <a:off x="689237" y="8616278"/>
             <a:ext cx="604974" cy="184666"/>
           </a:xfrm>
           <a:prstGeom prst="rect">
@@ -9131,12 +8294,12 @@
               </a:spcAft>
             </a:pPr>
             <a:r>
-              <a:rPr lang="en-US" sz="1200" b="1">
+              <a:rPr lang="de-DE" sz="1200" b="1">
                 <a:latin typeface="+mj-lt"/>
                 <a:ea typeface="Open Sans" pitchFamily="34" charset="0"/>
                 <a:cs typeface="Open Sans" pitchFamily="34" charset="0"/>
               </a:rPr>
-              <a:t>Webinars</a:t>
+              <a:t>Webinare</a:t>
             </a:r>
           </a:p>
         </p:txBody>
@@ -9155,8 +8318,8 @@
         </p:nvSpPr>
         <p:spPr>
           <a:xfrm>
-            <a:off x="355868" y="8986613"/>
-            <a:ext cx="2194560" cy="805349"/>
+            <a:off x="355867" y="8900888"/>
+            <a:ext cx="2371457" cy="805349"/>
           </a:xfrm>
           <a:prstGeom prst="rect">
             <a:avLst/>
@@ -9169,13 +8332,13 @@
           <a:lstStyle/>
           <a:p>
             <a:r>
-              <a:rPr lang="en-US" sz="1000">
+              <a:rPr lang="de-DE" sz="1000" spc="-10" dirty="0">
                 <a:solidFill>
                   <a:srgbClr val="4B4B4B"/>
                 </a:solidFill>
                 <a:latin typeface="Adobe Clean Light" panose="020B0303020404020204" pitchFamily="34" charset="0"/>
               </a:rPr>
-              <a:t>Office Hours led by the Adobe Customer Support team includes sessions designed to inform as well as help participants troubleshoot problems and provide tips and tricks for success with Adobe solutions. </a:t>
+              <a:t>Die vom Adobe Support-Team geleitete Office Hours-Reihe umfasst Sessions mit informativem Inhalt sowie Angebote zur Problembehebung sowie Tipps und Tricks für den Erfolg bei der Nutzung von Adobe-Lösungen. </a:t>
             </a:r>
           </a:p>
         </p:txBody>
@@ -9196,7 +8359,7 @@
         </p:nvSpPr>
         <p:spPr>
           <a:xfrm>
-            <a:off x="5723508" y="8520784"/>
+            <a:off x="5723508" y="8435059"/>
             <a:ext cx="1303746" cy="184666"/>
           </a:xfrm>
           <a:prstGeom prst="rect">
@@ -9223,12 +8386,12 @@
               <a:defRPr/>
             </a:pPr>
             <a:r>
-              <a:rPr lang="en-US" sz="1200">
+              <a:rPr lang="de-DE" sz="1200">
                 <a:solidFill>
                   <a:srgbClr val="000000"/>
                 </a:solidFill>
               </a:rPr>
-              <a:t>Self-help Portals</a:t>
+              <a:t>Selbsthilfe-Portale</a:t>
             </a:r>
           </a:p>
         </p:txBody>
@@ -9249,7 +8412,7 @@
         </p:nvSpPr>
         <p:spPr>
           <a:xfrm>
-            <a:off x="5723508" y="8702003"/>
+            <a:off x="5723508" y="8616278"/>
             <a:ext cx="1267206" cy="184666"/>
           </a:xfrm>
           <a:prstGeom prst="rect">
@@ -9271,12 +8434,12 @@
               </a:spcAft>
             </a:pPr>
             <a:r>
-              <a:rPr lang="en-US" sz="1200" b="1">
+              <a:rPr lang="de-DE" sz="1200" b="1">
                 <a:latin typeface="+mj-lt"/>
                 <a:ea typeface="Open Sans" pitchFamily="34" charset="0"/>
                 <a:cs typeface="Open Sans" pitchFamily="34" charset="0"/>
               </a:rPr>
-              <a:t>24/7 Support Portal</a:t>
+              <a:t>24/7-Support-Portal</a:t>
             </a:r>
           </a:p>
         </p:txBody>
@@ -9295,8 +8458,8 @@
         </p:nvSpPr>
         <p:spPr>
           <a:xfrm>
-            <a:off x="5265661" y="8947635"/>
-            <a:ext cx="2194560" cy="805349"/>
+            <a:off x="5265661" y="8861910"/>
+            <a:ext cx="2322590" cy="959237"/>
           </a:xfrm>
           <a:prstGeom prst="rect">
             <a:avLst/>
@@ -9309,16 +8472,16 @@
           <a:lstStyle/>
           <a:p>
             <a:r>
-              <a:rPr lang="en-US" sz="1000">
+              <a:rPr lang="de-DE" sz="1000" dirty="0">
                 <a:solidFill>
                   <a:srgbClr val="4B4B4B"/>
                 </a:solidFill>
                 <a:latin typeface="Adobe Clean Light" panose="020B0303020404020204" pitchFamily="34" charset="0"/>
               </a:rPr>
-              <a:t>On-demand access to the online </a:t>
+              <a:t>On-Demand-Zugriff auf das Online-Selbsthilfe-Support-Portal, um Support-Anfragen einzureichen, den Fallstatus zu überprüfen </a:t>
             </a:r>
             <a:br>
-              <a:rPr lang="en-US" sz="1000">
+              <a:rPr lang="de-DE" sz="1000" dirty="0">
                 <a:solidFill>
                   <a:srgbClr val="4B4B4B"/>
                 </a:solidFill>
@@ -9326,13 +8489,30 @@
               </a:rPr>
             </a:br>
             <a:r>
-              <a:rPr lang="en-US" sz="1000">
+              <a:rPr lang="de-DE" sz="1000" dirty="0">
                 <a:solidFill>
                   <a:srgbClr val="4B4B4B"/>
                 </a:solidFill>
                 <a:latin typeface="Adobe Clean Light" panose="020B0303020404020204" pitchFamily="34" charset="0"/>
               </a:rPr>
-              <a:t>Self-help Support Portal to submit support requests, review case status, and browse other resources, like our knowledgebase, news and alerts, featured tips, and more.</a:t>
+              <a:t>und andere Ressourcen zu durchsuchen, </a:t>
+            </a:r>
+            <a:br>
+              <a:rPr lang="de-DE" sz="1000" dirty="0">
+                <a:solidFill>
+                  <a:srgbClr val="4B4B4B"/>
+                </a:solidFill>
+                <a:latin typeface="Adobe Clean Light" panose="020B0303020404020204" pitchFamily="34" charset="0"/>
+              </a:rPr>
+            </a:br>
+            <a:r>
+              <a:rPr lang="de-DE" sz="1000" dirty="0">
+                <a:solidFill>
+                  <a:srgbClr val="4B4B4B"/>
+                </a:solidFill>
+                <a:latin typeface="Adobe Clean Light" panose="020B0303020404020204" pitchFamily="34" charset="0"/>
+              </a:rPr>
+              <a:t>z. B. unsere Wissensdatenbank, Neuigkeiten und Hinweise, spezielle Tipps und mehr.</a:t>
             </a:r>
           </a:p>
         </p:txBody>
@@ -9466,36 +8646,8 @@
               </a:spcBef>
             </a:pPr>
             <a:r>
-              <a:rPr lang="en-US" spc="-10"/>
-              <a:t>©2021</a:t>
-            </a:r>
-            <a:r>
-              <a:rPr lang="en-US" spc="-5"/>
-              <a:t> Adobe. All</a:t>
-            </a:r>
-            <a:r>
-              <a:rPr lang="en-US" spc="-10"/>
-              <a:t> Rights</a:t>
-            </a:r>
-            <a:r>
-              <a:rPr lang="en-US" spc="-5"/>
-              <a:t> </a:t>
-            </a:r>
-            <a:r>
-              <a:rPr lang="en-US" spc="-10"/>
-              <a:t>Reserved.</a:t>
-            </a:r>
-            <a:r>
-              <a:rPr lang="en-US" spc="-5"/>
-              <a:t> Adobe</a:t>
-            </a:r>
-            <a:r>
-              <a:rPr lang="en-US" spc="60"/>
-              <a:t> </a:t>
-            </a:r>
-            <a:r>
-              <a:rPr lang="en-US" spc="-10"/>
-              <a:t>Confidential.</a:t>
+              <a:rPr lang="de-DE"/>
+              <a:t>©2021 Adobe. All Rights Reserved. Adobe Confidential.</a:t>
             </a:r>
           </a:p>
         </p:txBody>
@@ -9515,7 +8667,7 @@
         <p:spPr>
           <a:xfrm>
             <a:off x="214971" y="868681"/>
-            <a:ext cx="2103120" cy="45719"/>
+            <a:ext cx="2385354" cy="92368"/>
           </a:xfrm>
           <a:custGeom>
             <a:avLst/>
@@ -9584,19 +8736,15 @@
               </a:spcBef>
             </a:pPr>
             <a:r>
-              <a:rPr lang="en-US" sz="1400" b="1" spc="-10">
+              <a:rPr lang="de-DE" sz="1400" b="1">
                 <a:solidFill>
                   <a:srgbClr val="020302"/>
                 </a:solidFill>
                 <a:latin typeface="Adobe Clean"/>
                 <a:cs typeface="Adobe Clean"/>
               </a:rPr>
-              <a:t>Enterprise Support Features</a:t>
-            </a:r>
-            <a:endParaRPr lang="en-US" sz="1400">
-              <a:latin typeface="Adobe Clean"/>
-              <a:cs typeface="Adobe Clean"/>
-            </a:endParaRPr>
+              <a:t>Umfang von Enterprise Support</a:t>
+            </a:r>
           </a:p>
         </p:txBody>
       </p:sp>
@@ -9614,8 +8762,8 @@
         </p:nvSpPr>
         <p:spPr>
           <a:xfrm>
-            <a:off x="689237" y="2603192"/>
-            <a:ext cx="1555491" cy="197490"/>
+            <a:off x="689237" y="2612717"/>
+            <a:ext cx="1758688" cy="197490"/>
           </a:xfrm>
           <a:prstGeom prst="rect">
             <a:avLst/>
@@ -9636,199 +8784,15 @@
               </a:spcBef>
             </a:pPr>
             <a:r>
-              <a:rPr sz="1200" b="1" spc="-25">
+              <a:rPr lang="de-DE" sz="1200" b="1" dirty="0">
                 <a:solidFill>
                   <a:srgbClr val="020302"/>
                 </a:solidFill>
                 <a:latin typeface="Adobe Clean"/>
                 <a:cs typeface="Adobe Clean"/>
               </a:rPr>
-              <a:t>E</a:t>
-            </a:r>
-            <a:r>
-              <a:rPr sz="1200" b="1" spc="-20">
-                <a:solidFill>
-                  <a:srgbClr val="020302"/>
-                </a:solidFill>
-                <a:latin typeface="Adobe Clean"/>
-                <a:cs typeface="Adobe Clean"/>
-              </a:rPr>
-              <a:t>s</a:t>
-            </a:r>
-            <a:r>
-              <a:rPr sz="1200" b="1" spc="-30">
-                <a:solidFill>
-                  <a:srgbClr val="020302"/>
-                </a:solidFill>
-                <a:latin typeface="Adobe Clean"/>
-                <a:cs typeface="Adobe Clean"/>
-              </a:rPr>
-              <a:t>c</a:t>
-            </a:r>
-            <a:r>
-              <a:rPr sz="1200" b="1" spc="-20">
-                <a:solidFill>
-                  <a:srgbClr val="020302"/>
-                </a:solidFill>
-                <a:latin typeface="Adobe Clean"/>
-                <a:cs typeface="Adobe Clean"/>
-              </a:rPr>
-              <a:t>a</a:t>
-            </a:r>
-            <a:r>
-              <a:rPr sz="1200" b="1" spc="-25">
-                <a:solidFill>
-                  <a:srgbClr val="020302"/>
-                </a:solidFill>
-                <a:latin typeface="Adobe Clean"/>
-                <a:cs typeface="Adobe Clean"/>
-              </a:rPr>
-              <a:t>l</a:t>
-            </a:r>
-            <a:r>
-              <a:rPr sz="1200" b="1" spc="-20">
-                <a:solidFill>
-                  <a:srgbClr val="020302"/>
-                </a:solidFill>
-                <a:latin typeface="Adobe Clean"/>
-                <a:cs typeface="Adobe Clean"/>
-              </a:rPr>
-              <a:t>a</a:t>
-            </a:r>
-            <a:r>
-              <a:rPr sz="1200" b="1" spc="-25">
-                <a:solidFill>
-                  <a:srgbClr val="020302"/>
-                </a:solidFill>
-                <a:latin typeface="Adobe Clean"/>
-                <a:cs typeface="Adobe Clean"/>
-              </a:rPr>
-              <a:t>t</a:t>
-            </a:r>
-            <a:r>
-              <a:rPr sz="1200" b="1" spc="-20">
-                <a:solidFill>
-                  <a:srgbClr val="020302"/>
-                </a:solidFill>
-                <a:latin typeface="Adobe Clean"/>
-                <a:cs typeface="Adobe Clean"/>
-              </a:rPr>
-              <a:t>i</a:t>
-            </a:r>
-            <a:r>
-              <a:rPr sz="1200" b="1" spc="-15">
-                <a:solidFill>
-                  <a:srgbClr val="020302"/>
-                </a:solidFill>
-                <a:latin typeface="Adobe Clean"/>
-                <a:cs typeface="Adobe Clean"/>
-              </a:rPr>
-              <a:t>o</a:t>
-            </a:r>
-            <a:r>
-              <a:rPr sz="1200" b="1">
-                <a:solidFill>
-                  <a:srgbClr val="020302"/>
-                </a:solidFill>
-                <a:latin typeface="Adobe Clean"/>
-                <a:cs typeface="Adobe Clean"/>
-              </a:rPr>
-              <a:t>n</a:t>
-            </a:r>
-            <a:r>
-              <a:rPr sz="1200" b="1" spc="-55">
-                <a:solidFill>
-                  <a:srgbClr val="020302"/>
-                </a:solidFill>
-                <a:latin typeface="Adobe Clean"/>
-                <a:cs typeface="Adobe Clean"/>
-              </a:rPr>
-              <a:t> </a:t>
-            </a:r>
-            <a:r>
-              <a:rPr sz="1200" b="1" spc="-35">
-                <a:solidFill>
-                  <a:srgbClr val="020302"/>
-                </a:solidFill>
-                <a:latin typeface="Adobe Clean"/>
-                <a:cs typeface="Adobe Clean"/>
-              </a:rPr>
-              <a:t>M</a:t>
-            </a:r>
-            <a:r>
-              <a:rPr sz="1200" b="1" spc="-25">
-                <a:solidFill>
-                  <a:srgbClr val="020302"/>
-                </a:solidFill>
-                <a:latin typeface="Adobe Clean"/>
-                <a:cs typeface="Adobe Clean"/>
-              </a:rPr>
-              <a:t>a</a:t>
-            </a:r>
-            <a:r>
-              <a:rPr sz="1200" b="1" spc="-30">
-                <a:solidFill>
-                  <a:srgbClr val="020302"/>
-                </a:solidFill>
-                <a:latin typeface="Adobe Clean"/>
-                <a:cs typeface="Adobe Clean"/>
-              </a:rPr>
-              <a:t>n</a:t>
-            </a:r>
-            <a:r>
-              <a:rPr sz="1200" b="1" spc="-25">
-                <a:solidFill>
-                  <a:srgbClr val="020302"/>
-                </a:solidFill>
-                <a:latin typeface="Adobe Clean"/>
-                <a:cs typeface="Adobe Clean"/>
-              </a:rPr>
-              <a:t>a</a:t>
-            </a:r>
-            <a:r>
-              <a:rPr sz="1200" b="1" spc="-30">
-                <a:solidFill>
-                  <a:srgbClr val="020302"/>
-                </a:solidFill>
-                <a:latin typeface="Adobe Clean"/>
-                <a:cs typeface="Adobe Clean"/>
-              </a:rPr>
-              <a:t>ge</a:t>
-            </a:r>
-            <a:r>
-              <a:rPr sz="1200" b="1" spc="-25">
-                <a:solidFill>
-                  <a:srgbClr val="020302"/>
-                </a:solidFill>
-                <a:latin typeface="Adobe Clean"/>
-                <a:cs typeface="Adobe Clean"/>
-              </a:rPr>
-              <a:t>m</a:t>
-            </a:r>
-            <a:r>
-              <a:rPr sz="1200" b="1" spc="-30">
-                <a:solidFill>
-                  <a:srgbClr val="020302"/>
-                </a:solidFill>
-                <a:latin typeface="Adobe Clean"/>
-                <a:cs typeface="Adobe Clean"/>
-              </a:rPr>
-              <a:t>en</a:t>
-            </a:r>
-            <a:r>
-              <a:rPr sz="1200" b="1">
-                <a:solidFill>
-                  <a:srgbClr val="020302"/>
-                </a:solidFill>
-                <a:latin typeface="Adobe Clean"/>
-                <a:cs typeface="Adobe Clean"/>
-              </a:rPr>
-              <a:t>t</a:t>
-            </a:r>
-            <a:endParaRPr sz="1200">
-              <a:latin typeface="Adobe Clean"/>
-              <a:cs typeface="Adobe Clean"/>
-            </a:endParaRPr>
+              <a:t>Eskalations-Management</a:t>
+            </a:r>
           </a:p>
         </p:txBody>
       </p:sp>
@@ -9868,18 +8832,14 @@
               </a:spcBef>
             </a:pPr>
             <a:r>
-              <a:rPr lang="en-US" sz="1000">
+              <a:rPr lang="de-DE" sz="1000">
                 <a:solidFill>
                   <a:srgbClr val="4B4B4B"/>
                 </a:solidFill>
                 <a:latin typeface="Adobe Clean Light" panose="020B0303020404020204" pitchFamily="34" charset="0"/>
               </a:rPr>
-              <a:t>A designated point of contact within Adobe who can provide escalation assistance, regular updates and ensure priority is given to your most critical open support requests.</a:t>
-            </a:r>
-            <a:endParaRPr sz="1000">
-              <a:latin typeface="Adobe Clean Light" panose="020B0303020404020204" pitchFamily="34" charset="0"/>
-              <a:cs typeface="AdobeClean-Light"/>
-            </a:endParaRPr>
+              <a:t>Ein spezifischer Ansprechpartner innerhalb von Adobe, der Unterstützung bei Eskalation und regelmäßigen Updates bietet und sicherstellt, dass die wichtigsten offenen Support-Anfragen priorisiert werden.</a:t>
+            </a:r>
           </a:p>
         </p:txBody>
       </p:sp>
@@ -9897,8 +8857,8 @@
         </p:nvSpPr>
         <p:spPr>
           <a:xfrm>
-            <a:off x="3201544" y="2592995"/>
-            <a:ext cx="1036205" cy="197490"/>
+            <a:off x="3201544" y="2608870"/>
+            <a:ext cx="1583181" cy="197490"/>
           </a:xfrm>
           <a:prstGeom prst="rect">
             <a:avLst/>
@@ -9919,149 +8879,15 @@
               </a:spcBef>
             </a:pPr>
             <a:r>
-              <a:rPr sz="1200" b="1" spc="-20">
+              <a:rPr lang="de-DE" sz="1200" b="1" dirty="0">
                 <a:solidFill>
                   <a:srgbClr val="020302"/>
                 </a:solidFill>
                 <a:latin typeface="Adobe Clean"/>
                 <a:cs typeface="Adobe Clean"/>
               </a:rPr>
-              <a:t>S</a:t>
-            </a:r>
-            <a:r>
-              <a:rPr sz="1200" b="1" spc="-25">
-                <a:solidFill>
-                  <a:srgbClr val="020302"/>
-                </a:solidFill>
-                <a:latin typeface="Adobe Clean"/>
-                <a:cs typeface="Adobe Clean"/>
-              </a:rPr>
-              <a:t>e</a:t>
-            </a:r>
-            <a:r>
-              <a:rPr sz="1200" b="1" spc="-20">
-                <a:solidFill>
-                  <a:srgbClr val="020302"/>
-                </a:solidFill>
-                <a:latin typeface="Adobe Clean"/>
-                <a:cs typeface="Adobe Clean"/>
-              </a:rPr>
-              <a:t>r</a:t>
-            </a:r>
-            <a:r>
-              <a:rPr sz="1200" b="1" spc="-25">
-                <a:solidFill>
-                  <a:srgbClr val="020302"/>
-                </a:solidFill>
-                <a:latin typeface="Adobe Clean"/>
-                <a:cs typeface="Adobe Clean"/>
-              </a:rPr>
-              <a:t>v</a:t>
-            </a:r>
-            <a:r>
-              <a:rPr sz="1200" b="1" spc="-20">
-                <a:solidFill>
-                  <a:srgbClr val="020302"/>
-                </a:solidFill>
-                <a:latin typeface="Adobe Clean"/>
-                <a:cs typeface="Adobe Clean"/>
-              </a:rPr>
-              <a:t>i</a:t>
-            </a:r>
-            <a:r>
-              <a:rPr sz="1200" b="1" spc="-30">
-                <a:solidFill>
-                  <a:srgbClr val="020302"/>
-                </a:solidFill>
-                <a:latin typeface="Adobe Clean"/>
-                <a:cs typeface="Adobe Clean"/>
-              </a:rPr>
-              <a:t>c</a:t>
-            </a:r>
-            <a:r>
-              <a:rPr sz="1200" b="1">
-                <a:solidFill>
-                  <a:srgbClr val="020302"/>
-                </a:solidFill>
-                <a:latin typeface="Adobe Clean"/>
-                <a:cs typeface="Adobe Clean"/>
-              </a:rPr>
-              <a:t>e</a:t>
-            </a:r>
-            <a:r>
-              <a:rPr sz="1200" b="1" spc="-80">
-                <a:solidFill>
-                  <a:srgbClr val="020302"/>
-                </a:solidFill>
-                <a:latin typeface="Adobe Clean"/>
-                <a:cs typeface="Adobe Clean"/>
-              </a:rPr>
-              <a:t> </a:t>
-            </a:r>
-            <a:r>
-              <a:rPr sz="1200" b="1" spc="-20">
-                <a:solidFill>
-                  <a:srgbClr val="020302"/>
-                </a:solidFill>
-                <a:latin typeface="Adobe Clean"/>
-                <a:cs typeface="Adobe Clean"/>
-              </a:rPr>
-              <a:t>R</a:t>
-            </a:r>
-            <a:r>
-              <a:rPr sz="1200" b="1" spc="-25">
-                <a:solidFill>
-                  <a:srgbClr val="020302"/>
-                </a:solidFill>
-                <a:latin typeface="Adobe Clean"/>
-                <a:cs typeface="Adobe Clean"/>
-              </a:rPr>
-              <a:t>e</a:t>
-            </a:r>
-            <a:r>
-              <a:rPr sz="1200" b="1" spc="-30">
-                <a:solidFill>
-                  <a:srgbClr val="020302"/>
-                </a:solidFill>
-                <a:latin typeface="Adobe Clean"/>
-                <a:cs typeface="Adobe Clean"/>
-              </a:rPr>
-              <a:t>v</a:t>
-            </a:r>
-            <a:r>
-              <a:rPr sz="1200" b="1" spc="-20">
-                <a:solidFill>
-                  <a:srgbClr val="020302"/>
-                </a:solidFill>
-                <a:latin typeface="Adobe Clean"/>
-                <a:cs typeface="Adobe Clean"/>
-              </a:rPr>
-              <a:t>i</a:t>
-            </a:r>
-            <a:r>
-              <a:rPr sz="1200" b="1" spc="-25">
-                <a:solidFill>
-                  <a:srgbClr val="020302"/>
-                </a:solidFill>
-                <a:latin typeface="Adobe Clean"/>
-                <a:cs typeface="Adobe Clean"/>
-              </a:rPr>
-              <a:t>ew</a:t>
-            </a:r>
-            <a:r>
-              <a:rPr sz="1200" b="1">
-                <a:solidFill>
-                  <a:srgbClr val="020302"/>
-                </a:solidFill>
-                <a:latin typeface="Adobe Clean"/>
-                <a:cs typeface="Adobe Clean"/>
-              </a:rPr>
-              <a:t>s</a:t>
-            </a:r>
-            <a:endParaRPr sz="1200">
-              <a:latin typeface="Adobe Clean"/>
-              <a:cs typeface="Adobe Clean"/>
-            </a:endParaRPr>
+              <a:t>Service-Prüfungen</a:t>
+            </a:r>
           </a:p>
         </p:txBody>
       </p:sp>
@@ -10101,18 +8927,31 @@
               </a:spcBef>
             </a:pPr>
             <a:r>
-              <a:rPr lang="en-US" sz="1000">
+              <a:rPr lang="de-DE" sz="1000" dirty="0">
                 <a:solidFill>
                   <a:srgbClr val="4B4B4B"/>
                 </a:solidFill>
                 <a:latin typeface="Adobe Clean Light" panose="020B0303020404020204" pitchFamily="34" charset="0"/>
               </a:rPr>
-              <a:t>A bi-annual comprehensive review of  Enterprise program services, benefits and support metrics.</a:t>
-            </a:r>
-            <a:endParaRPr sz="1000">
-              <a:latin typeface="Adobe Clean Light" panose="020B0303020404020204" pitchFamily="34" charset="0"/>
-              <a:cs typeface="AdobeClean-Light"/>
-            </a:endParaRPr>
+              <a:t>Eine halbjährliche umfassende Prüfung </a:t>
+            </a:r>
+            <a:br>
+              <a:rPr lang="de-DE" sz="1000" dirty="0">
+                <a:solidFill>
+                  <a:srgbClr val="4B4B4B"/>
+                </a:solidFill>
+                <a:latin typeface="Adobe Clean Light" panose="020B0303020404020204" pitchFamily="34" charset="0"/>
+              </a:rPr>
+            </a:br>
+            <a:r>
+              <a:rPr lang="de-DE" sz="1000" dirty="0">
+                <a:solidFill>
+                  <a:srgbClr val="4B4B4B"/>
+                </a:solidFill>
+                <a:latin typeface="Adobe Clean Light" panose="020B0303020404020204" pitchFamily="34" charset="0"/>
+              </a:rPr>
+              <a:t>der Services, Vorteile und Support-Metriken des Enterprise-Programms.</a:t>
+            </a:r>
           </a:p>
         </p:txBody>
       </p:sp>
@@ -10152,18 +8991,31 @@
               </a:spcBef>
             </a:pPr>
             <a:r>
-              <a:rPr lang="en-US" sz="1000">
+              <a:rPr lang="de-DE" sz="1000" dirty="0">
                 <a:solidFill>
                   <a:srgbClr val="4B4B4B"/>
                 </a:solidFill>
                 <a:latin typeface="Adobe Clean Light" panose="020B0303020404020204" pitchFamily="34" charset="0"/>
               </a:rPr>
-              <a:t>A 60-minute session focusing on a specific product feature and how it can be utilized to solve common business problems.</a:t>
-            </a:r>
-            <a:endParaRPr sz="1000">
-              <a:latin typeface="Adobe Clean Light" panose="020B0303020404020204" pitchFamily="34" charset="0"/>
-              <a:cs typeface="AdobeClean-Light"/>
-            </a:endParaRPr>
+              <a:t>Eine 60-minütige Session mit Konzentration auf eine bestimmte Produktfunktion </a:t>
+            </a:r>
+            <a:br>
+              <a:rPr lang="de-DE" sz="1000" dirty="0">
+                <a:solidFill>
+                  <a:srgbClr val="4B4B4B"/>
+                </a:solidFill>
+                <a:latin typeface="Adobe Clean Light" panose="020B0303020404020204" pitchFamily="34" charset="0"/>
+              </a:rPr>
+            </a:br>
+            <a:r>
+              <a:rPr lang="de-DE" sz="1000" dirty="0">
+                <a:solidFill>
+                  <a:srgbClr val="4B4B4B"/>
+                </a:solidFill>
+                <a:latin typeface="Adobe Clean Light" panose="020B0303020404020204" pitchFamily="34" charset="0"/>
+              </a:rPr>
+              <a:t>und deren Nutzung zum Lösen gängiger Unternehmensprobleme.</a:t>
+            </a:r>
           </a:p>
         </p:txBody>
       </p:sp>
@@ -10182,7 +9034,7 @@
         <p:spPr>
           <a:xfrm>
             <a:off x="5265661" y="5001737"/>
-            <a:ext cx="2194560" cy="536622"/>
+            <a:ext cx="2294014" cy="536622"/>
           </a:xfrm>
           <a:prstGeom prst="rect">
             <a:avLst/>
@@ -10203,20 +9055,32 @@
               </a:spcBef>
             </a:pPr>
             <a:r>
-              <a:rPr lang="en-US" sz="1000" dirty="0">
+              <a:rPr lang="de-DE" sz="1000" dirty="0">
                 <a:solidFill>
                   <a:srgbClr val="4B4B4B"/>
                 </a:solidFill>
                 <a:latin typeface="Adobe Clean Light"/>
               </a:rPr>
-              <a:t>Drive adoption of customization best practices and core components in AEM as a Cloud Service.</a:t>
-            </a:r>
-            <a:endParaRPr sz="1000" dirty="0">
-              <a:solidFill>
-                <a:srgbClr val="4B4B4B"/>
-              </a:solidFill>
-              <a:latin typeface="Adobe Clean Light" panose="020B0303020404020204" pitchFamily="34" charset="0"/>
-            </a:endParaRPr>
+              <a:t>Förderung der Übernahme von Best Practices für die Anpassung und Kernkomponenten in AEM </a:t>
+            </a:r>
+            <a:r>
+              <a:rPr lang="de-DE" sz="1000" dirty="0" err="1">
+                <a:solidFill>
+                  <a:srgbClr val="4B4B4B"/>
+                </a:solidFill>
+                <a:latin typeface="Adobe Clean Light"/>
+              </a:rPr>
+              <a:t>as</a:t>
+            </a:r>
+            <a:r>
+              <a:rPr lang="de-DE" sz="1000" dirty="0">
+                <a:solidFill>
+                  <a:srgbClr val="4B4B4B"/>
+                </a:solidFill>
+                <a:latin typeface="Adobe Clean Light"/>
+              </a:rPr>
+              <a:t> a Cloud Service.</a:t>
+            </a:r>
           </a:p>
         </p:txBody>
       </p:sp>
@@ -10256,20 +9120,31 @@
               </a:spcBef>
             </a:pPr>
             <a:r>
-              <a:rPr lang="en-US" sz="1000" dirty="0">
+              <a:rPr lang="de-DE" sz="1000" dirty="0">
                 <a:solidFill>
                   <a:srgbClr val="4B4B4B"/>
                 </a:solidFill>
                 <a:latin typeface="Adobe Clean Light"/>
               </a:rPr>
-              <a:t>Identify, review and provide recommendations on customized solution adoption areas that have opportunities for optimization.</a:t>
-            </a:r>
-            <a:endParaRPr lang="en-US" sz="1000" dirty="0">
-              <a:solidFill>
-                <a:srgbClr val="4B4B4B"/>
-              </a:solidFill>
-              <a:latin typeface="Adobe Clean Light" panose="020B0303020404020204" pitchFamily="34" charset="0"/>
-            </a:endParaRPr>
+              <a:t>Identifizieren, Prüfen und Bereitstellen </a:t>
+            </a:r>
+            <a:br>
+              <a:rPr lang="de-DE" sz="1000" dirty="0">
+                <a:solidFill>
+                  <a:srgbClr val="4B4B4B"/>
+                </a:solidFill>
+                <a:latin typeface="Adobe Clean Light"/>
+              </a:rPr>
+            </a:br>
+            <a:r>
+              <a:rPr lang="de-DE" sz="1000" dirty="0">
+                <a:solidFill>
+                  <a:srgbClr val="4B4B4B"/>
+                </a:solidFill>
+                <a:latin typeface="Adobe Clean Light"/>
+              </a:rPr>
+              <a:t>von Empfehlungen zu individuellen Lösungsübernahmebereichen mit Optimierungsmö